--- a/doc/ПрезентацияПроекта.pptx
+++ b/doc/ПрезентацияПроекта.pptx
@@ -20,23 +20,24 @@
     <p:sldId id="270" r:id="rId16"/>
     <p:sldId id="271" r:id="rId17"/>
     <p:sldId id="272" r:id="rId18"/>
-    <p:sldId id="262" r:id="rId19"/>
-    <p:sldId id="263" r:id="rId20"/>
-    <p:sldId id="265" r:id="rId21"/>
-    <p:sldId id="266" r:id="rId22"/>
+    <p:sldId id="273" r:id="rId19"/>
+    <p:sldId id="262" r:id="rId20"/>
+    <p:sldId id="263" r:id="rId21"/>
+    <p:sldId id="265" r:id="rId22"/>
+    <p:sldId id="266" r:id="rId23"/>
   </p:sldIdLst>
   <p:sldSz cx="9144000" cy="5143500"/>
   <p:notesSz cx="6858000" cy="9144000"/>
   <p:embeddedFontLst>
     <p:embeddedFont>
       <p:font typeface="Roboto" pitchFamily="0" charset="0"/>
-      <p:regular r:id="rId23"/>
-      <p:bold r:id="rId24"/>
-      <p:boldItalic r:id="rId25"/>
+      <p:regular r:id="rId24"/>
+      <p:bold r:id="rId25"/>
+      <p:boldItalic r:id="rId26"/>
     </p:embeddedFont>
     <p:embeddedFont>
       <p:font typeface="Roboto Medium" pitchFamily="0" charset="0"/>
-      <p:regular r:id="rId26"/>
+      <p:regular r:id="rId27"/>
     </p:embeddedFont>
   </p:embeddedFontLst>
   <p:defaultTextStyle>
@@ -274,7 +275,7 @@
             <a:spLocks noGrp="1" noChangeArrowheads="1"/>
             <a:extLst>
               <a:ext uri="smNativeData">
-                <pr:smNativeData xmlns:pr="smNativeData" xmlns="smNativeData" val="SMDATA_15_gHjoZxMAAAAlAAAACwAAAA0AAAAAWAIAADgEAADYJwAAUBkAAAAAAAAAAAAAAAAAAAEAAABQAAAAAAAAAAAA4D8AAAAAAADgPwAAAAAAAOA/AAAAAAAA4D8AAAAAAADgPwAAAAAAAOA/AAAAAAAA4D8AAAAAAADgPwAAAAAAAOA/AAAAAAAA4D8CAAAAjAAAAAAAAAAAAAAABY3HDP///wgAAAAAAAAAAAAAAAAAAAAAAAAAAAAAAAAAAAAAZAAAAAEAAABAAAAAAAAAAAAAAAAAAAAAAAAAAAAAAAAAAAAAAAAAAAAAAAAAAAAAAAAAAAAAAAAAAAAAAAAAAAAAAAAAAAAAAAAAAAAAAAAAAAAAAAAAAAAAAAAAAAAAFAAAADwAAAABAAAAAAAAAAAAAAAPAAAAAQAAACMAAAAjAAAAIwAAAB4AAAAAAAAASwAAAEsAAAAAAAAASwAAAEsAAAAVAAAAYAAAAAAAAAAAAAAADwAAACADAAAAAAAAAAAAAAEAAACgMgAAVgcAAKr4//8BAAAAf39/AAEAAABkAAAAAAAAABQAAABAHwAAAAAAACYAAAAAAAAAwOD//wAAAAAmAAAAZAAAABYAAABMAAAAAAAAAAAAAAAEAAAAAAAAAAEAAAAVgVgKAAAAACgAAAAoAAAAZAAAAGQAAAAAAAAAzMzMAAAAAABQAAAAUAAAAGQAAABkAAAAAAAAABcAAAAUAAAAAAAAAAAAAAD/fwAA/38AAAAAAAAJAAAABAAAAAAAAAAeAAAAaAAAAAAAAAAAAAAAAAAAAAAAAAAAAAAAECcAABAnAAAAAAAAAAAAAAAAAAAAAAAAAAAAAAAAAAAAAAAAAAAAABQAAAAAAAAAwMD/AAAAAABkAAAAMgAAAAAAAABkAAAAAAAAAH9/fwAKAAAAIgAAABgAAAAAAAAAAAAAAAAAAAAAAAAAAAAAAAAAAAAkAAAAJAAAAAAAAAAHAAAAAAAAAAAAAAAAAAAAAAAAAAAAAAAAAAAAf39/ACUAAABYAAAAAAAAAAAAAAAAAAAAAAAAAAAAAAAAAAAAAAAAAAAAAAAAAAAAAAAAAAAAAAA/AAAAAAAAAKCGAQAAAAAAAAAAAAAAAAAMAAAAAQAAAAAAAAAAAAAAAAAAAB8AAABUAAAAAAAABQAAAAEAAAAAAAAAAAAAAAAAAAAAAAAAAAAAAAAAAAAAAAAAAAAAAAB/f38AAAAAA8zMzADAwP8Af39/AAAAAAAAAAAAAAAAAAAAAAAAAAAAIQAAABgAAAAUAAAAWAIAADgEAADYJwAAUBkAABAAAAAmAAAACAAAAAEPAAD/HwAA"/>
+                <pr:smNativeData xmlns:pr="smNativeData" xmlns="smNativeData" val="SMDATA_15_t6npZxMAAAAlAAAACwAAAA0AAAAAWAIAADgEAADYJwAAUBkAAAAAAAAAAAAAAAAAAAEAAABQAAAAAAAAAAAA4D8AAAAAAADgPwAAAAAAAOA/AAAAAAAA4D8AAAAAAADgPwAAAAAAAOA/AAAAAAAA4D8AAAAAAADgPwAAAAAAAOA/AAAAAAAA4D8CAAAAjAAAAAAAAAAAAAAABY3HDP///wgAAAAAAAAAAAAAAAAAAAAAAAAAAAAAAAAAAAAAZAAAAAEAAABAAAAAAAAAAAAAAAAAAAAAAAAAAAAAAAAAAAAAAAAAAAAAAAAAAAAAAAAAAAAAAAAAAAAAAAAAAAAAAAAAAAAAAAAAAAAAAAAAAAAAAAAAAAAAAAAAAAAAFAAAADwAAAABAAAAAAAAAAAAAAAPAAAAAQAAACMAAAAjAAAAIwAAAB4AAAAAAAAASwAAAEsAAAAAAAAASwAAAEsAAAAVAAAAYAAAAAAAAAAAAAAADwAAACADAAAAAAAAAAAAAAEAAACgMgAAVgcAAKr4//8BAAAAf39/AAEAAABkAAAAAAAAABQAAABAHwAAAAAAACYAAAAAAAAAwOD//wAAAAAmAAAAZAAAABYAAABMAAAAAAAAAAAAAAAEAAAAAAAAAAEAAAAVgVgKAAAAACgAAAAoAAAAZAAAAGQAAAAAAAAAzMzMAAAAAABQAAAAUAAAAGQAAABkAAAAAAAAABcAAAAUAAAAAAAAAAAAAAD/fwAA/38AAAAAAAAJAAAABAAAAAAAAAAeAAAAaAAAAAAAAAAAAAAAAAAAAAAAAAAAAAAAECcAABAnAAAAAAAAAAAAAAAAAAAAAAAAAAAAAAAAAAAAAAAAAAAAABQAAAAAAAAAwMD/AAAAAABkAAAAMgAAAAAAAABkAAAAAAAAAH9/fwAKAAAAIgAAABgAAAAAAAAAAAAAAAAAAAAAAAAAAAAAAAAAAAAkAAAAJAAAAAAAAAAHAAAAAAAAAAAAAAAAAAAAAAAAAAAAAAAAAAAAf39/ACUAAABYAAAAAAAAAAAAAAAAAAAAAAAAAAAAAAAAAAAAAAAAAAAAAAAAAAAAAAAAAAAAAAA/AAAAAAAAAKCGAQAAAAAAAAAAAAAAAAAMAAAAAQAAAAAAAAAAAAAAAAAAAB8AAABUAAAAAAAABQAAAAEAAAAAAAAAAAAAAAAAAAAAAAAAAAAAAAAAAAAAAAAAAAAAAAB/f38AAAAAA8zMzADAwP8Af39/AAAAAAAAAAAAAAAAAAAAAAAAAAAAIQAAABgAAAAUAAAAWAIAADgEAADYJwAAUBkAABAAAAAmAAAACAAAAAEPAAD/HwAA"/>
               </a:ext>
             </a:extLst>
           </p:cNvSpPr>
@@ -329,7 +330,7 @@
             <a:spLocks noGrp="1" noChangeArrowheads="1"/>
             <a:extLst>
               <a:ext uri="smNativeData">
-                <pr:smNativeData xmlns:pr="smNativeData" xmlns="smNativeData" val="SMDATA_15_gHjoZxMAAAAlAAAAZAAAAA0AAAAAkAAAAJAAAACQAAAAkAAAAAAAAAAAAAAAAAAAAAEAAABQAAAAAAAAAAAA4D8AAAAAAADgPwAAAAAAAOA/AAAAAAAA4D8AAAAAAADgPwAAAAAAAOA/AAAAAAAA4D8AAAAAAADgPwAAAAAAAOA/AAAAAAAA4D8CAAAAjAAAAAAAAAAAAAAABY3HDP///wgAAAAAAAAAAAAAAAAAAAAAAAAAAAAAAAAAAAAAZAAAAAEAAABAAAAAAAAAAAAAAAAAAAAAAAAAAAAAAAAAAAAAAAAAAAAAAAAAAAAAAAAAAAAAAAAAAAAAAAAAAAAAAAAAAAAAAAAAAAAAAAAAAAAAAAAAAAAAAAAAAAAAFAAAADwAAAAAAAAAAAAAAAAAAAkUAAAAAQAAABQAAAAUAAAAFAAAAAEAAAAAAAAAZAAAAGQAAAAAAAAAZAAAAGQAAAAVAAAAYAAAAAAAAAAAAAAADwAAACADAAAAAAAAAAAAAAEAAACgMgAAVgcAAKr4//8BAAAAf39/AAEAAABkAAAAAAAAABQAAABAHwAAAAAAACYAAAAAAAAAwOD//wAAAAAmAAAAZAAAABYAAABMAAAAAAAAAAAAAAAEAAAAAAAAAAEAAAAVgVgKAAAAACgAAAAoAAAAZAAAAGQAAAAAAAAAzMzMAAAAAABQAAAAUAAAAGQAAABkAAAAAAAAABcAAAAUAAAAAAAAAAAAAAD/fwAA/38AAAAAAAAJAAAABAAAAAD///8eAAAAaAAAAAAAAAAAAAAAAAAAAAAAAAAAAAAAECcAABAnAAAAAAAAAAAAAAAAAAAAAAAAAAAAAAAAAAAAAAAAAAAAABQAAAAAAAAAwMD/AAAAAABkAAAAMgAAAAAAAABkAAAAAAAAAH9/fwAKAAAAIgAAABgAAAAAAAAAAAAAAAAAAAAAAAAAAAAAAAAAAAAkAAAAJAAAAAAAAAAHAAAAAAAAAAAAAAAAAAAAAAAAAAAAAAAAAAAAf39/ACUAAABYAAAAAAAAAAAAAAAAAAAAAAAAAAAAAAAAAAAAAAAAAAAAAAAAAAAAAAAAAAAAAAA/AAAAAAAAAKCGAQAAAAAAAAAAAAAAAAAMAAAAAQAAAAAAAAAAAAAAAAAAAB8AAABUAAAAAAAABQAAAAEAAAAAAAAAAAAAAAAAAAAAAAAAAAAAAAAAAAAAAAAAAAAAAAJ/f38AAAAAA8zMzADAwP8Af39/AAAAAAAAAAAAAAAAAAAAAAAAAAAAIQAAABgAAAAUAAAAOAQAALgaAAD4JQAACDQAABAAAAAmAAAACAAAAL2/AAD/HwAA"/>
+                <pr:smNativeData xmlns:pr="smNativeData" xmlns="smNativeData" val="SMDATA_15_t6npZxMAAAAlAAAAZAAAAA0AAAAAkAAAAJAAAACQAAAAkAAAAAAAAAAAAAAAAAAAAAEAAABQAAAAAAAAAAAA4D8AAAAAAADgPwAAAAAAAOA/AAAAAAAA4D8AAAAAAADgPwAAAAAAAOA/AAAAAAAA4D8AAAAAAADgPwAAAAAAAOA/AAAAAAAA4D8CAAAAjAAAAAAAAAAAAAAABY3HDP///wgAAAAAAAAAAAAAAAAAAAAAAAAAAAAAAAAAAAAAZAAAAAEAAABAAAAAAAAAAAAAAAAAAAAAAAAAAAAAAAAAAAAAAAAAAAAAAAAAAAAAAAAAAAAAAAAAAAAAAAAAAAAAAAAAAAAAAAAAAAAAAAAAAAAAAAAAAAAAAAAAAAAAFAAAADwAAAAAAAAAAAAAAAAAAAkUAAAAAQAAABQAAAAUAAAAFAAAAAEAAAAAAAAAZAAAAGQAAAAAAAAAZAAAAGQAAAAVAAAAYAAAAAAAAAAAAAAADwAAACADAAAAAAAAAAAAAAEAAACgMgAAVgcAAKr4//8BAAAAf39/AAEAAABkAAAAAAAAABQAAABAHwAAAAAAACYAAAAAAAAAwOD//wAAAAAmAAAAZAAAABYAAABMAAAAAAAAAAAAAAAEAAAAAAAAAAEAAAAVgVgKAAAAACgAAAAoAAAAZAAAAGQAAAAAAAAAzMzMAAAAAABQAAAAUAAAAGQAAABkAAAAAAAAABcAAAAUAAAAAAAAAAAAAAD/fwAA/38AAAAAAAAJAAAABAAAAAD///8eAAAAaAAAAAAAAAAAAAAAAAAAAAAAAAAAAAAAECcAABAnAAAAAAAAAAAAAAAAAAAAAAAAAAAAAAAAAAAAAAAAAAAAABQAAAAAAAAAwMD/AAAAAABkAAAAMgAAAAAAAABkAAAAAAAAAH9/fwAKAAAAIgAAABgAAAAAAAAAAAAAAAAAAAAAAAAAAAAAAAAAAAAkAAAAJAAAAAAAAAAHAAAAAAAAAAAAAAAAAAAAAAAAAAAAAAAAAAAAf39/ACUAAABYAAAAAAAAAAAAAAAAAAAAAAAAAAAAAAAAAAAAAAAAAAAAAAAAAAAAAAAAAAAAAAA/AAAAAAAAAKCGAQAAAAAAAAAAAAAAAAAMAAAAAQAAAAAAAAAAAAAAAAAAAB8AAABUAAAAAAAABQAAAAEAAAAAAAAAAAAAAAAAAAAAAAAAAAAAAAAAAAAAAAAAAAAAAAJ/f38AAAAAA8zMzADAwP8Af39/AAAAAAAAAAAAAAAAAAAAAAAAAAAAIQAAABgAAAAUAAAAOAQAALgaAAD4JQAACDQAABAAAAAmAAAACAAAAL2/AAD/HwAA"/>
               </a:ext>
             </a:extLst>
           </p:cNvSpPr>
@@ -701,7 +702,7 @@
             <a:spLocks noGrp="1" noChangeArrowheads="1"/>
             <a:extLst>
               <a:ext uri="smNativeData">
-                <pr:smNativeData xmlns:pr="smNativeData" xmlns="smNativeData" val="SMDATA_15_gHjoZxMAAAAlAAAACwAAAA0AAAAAWAIAADgEAADYJwAAUBkAAAAAAAAAAAAAAAAAAAEAAABQAAAAAAAAAAAA4D8AAAAAAADgPwAAAAAAAOA/AAAAAAAA4D8AAAAAAADgPwAAAAAAAOA/AAAAAAAA4D8AAAAAAADgPwAAAAAAAOA/AAAAAAAA4D8CAAAAjAAAAAAAAAAAAAAAQoX0DP///wgAAAAAAAAAAAAAAAAAAAAAAAAAAAAAAAAAAAAAZAAAAAEAAABAAAAAAAAAAAAAAAAAAAAAAAAAAAAAAAAAAAAAAAAAAAAAAAAAAAAAAAAAAAAAAAAAAAAAAAAAAAAAAAAAAAAAAAAAAAAAAAAAAAAAAAAAAAAAAAAAAAAAFAAAADwAAAABAAAAAAAAAAAAAAAPAAAAAQAAACMAAAAjAAAAIwAAAB4AAAAAAAAASwAAAEsAAAAAAAAASwAAAEsAAAAVAAAAYAAAAAAAAAAAAAAADwAAACADAAAAAAAAAAAAAAEAAACgMgAAVgcAAKr4//8BAAAAf39/AAEAAABkAAAAAAAAABQAAABAHwAAAAAAACYAAAAAAAAAwOD//wAAAAAmAAAAZAAAABYAAABMAAAAAAAAAAAAAAAEAAAAAAAAAAEAAABZWVkKAAAAACgAAAAoAAAAZAAAAGQAAAAAAAAAzMzMAAAAAABQAAAAUAAAAGQAAABkAAAAAAAAABcAAAAUAAAAAAAAAAAAAAD/fwAA/38AAAAAAAAJAAAABAAAAAAAAAAeAAAAaAAAAAAAAAAAAAAAAAAAAAAAAAAAAAAAECcAABAnAAAAAAAAAAAAAAAAAAAAAAAAAAAAAAAAAAAAAAAAAAAAABQAAAAAAAAAwMD/AAAAAABkAAAAMgAAAAAAAABkAAAAAAAAAH9/fwAKAAAAIgAAABgAAAAAAAAAAAAAAAAAAAAAAAAAAAAAAAAAAAAkAAAAJAAAAAAAAAAHAAAAAAAAAAAAAAAAAAAAAAAAAAAAAAAAAAAAf39/ACUAAABYAAAAAAAAAAAAAAAAAAAAAAAAAAAAAAAAAAAAAAAAAAAAAAAAAAAAAAAAAAAAAAA/AAAAAAAAAKCGAQAAAAAAAAAAAAAAAAAMAAAAAQAAAAAAAAAAAAAAAAAAAB8AAABUAAAAAAAABQAAAAEAAAAAAAAAAAAAAAAAAAAAAAAAAAAAAAAAAAAAAAAAAAAAAAB/f38AAAAAA8zMzADAwP8Af39/AAAAAAAAAAAAAAAAAAAAAAAAAAAAIQAAABgAAAAUAAAAWAIAADgEAADYJwAAUBkAABAAAAAmAAAACAAAAAEPAAAAAAAA"/>
+                <pr:smNativeData xmlns:pr="smNativeData" xmlns="smNativeData" val="SMDATA_15_t6npZxMAAAAlAAAACwAAAA0AAAAAWAIAADgEAADYJwAAUBkAAAAAAAAAAAAAAAAAAAEAAABQAAAAAAAAAAAA4D8AAAAAAADgPwAAAAAAAOA/AAAAAAAA4D8AAAAAAADgPwAAAAAAAOA/AAAAAAAA4D8AAAAAAADgPwAAAAAAAOA/AAAAAAAA4D8CAAAAjAAAAAAAAAAAAAAAQoX0DP///wgAAAAAAAAAAAAAAAAAAAAAAAAAAAAAAAAAAAAAZAAAAAEAAABAAAAAAAAAAAAAAAAAAAAAAAAAAAAAAAAAAAAAAAAAAAAAAAAAAAAAAAAAAAAAAAAAAAAAAAAAAAAAAAAAAAAAAAAAAAAAAAAAAAAAAAAAAAAAAAAAAAAAFAAAADwAAAABAAAAAAAAAAAAAAAPAAAAAQAAACMAAAAjAAAAIwAAAB4AAAAAAAAASwAAAEsAAAAAAAAASwAAAEsAAAAVAAAAYAAAAAAAAAAAAAAADwAAACADAAAAAAAAAAAAAAEAAACgMgAAVgcAAKr4//8BAAAAf39/AAEAAABkAAAAAAAAABQAAABAHwAAAAAAACYAAAAAAAAAwOD//wAAAAAmAAAAZAAAABYAAABMAAAAAAAAAAAAAAAEAAAAAAAAAAEAAABZWVkKAAAAACgAAAAoAAAAZAAAAGQAAAAAAAAAzMzMAAAAAABQAAAAUAAAAGQAAABkAAAAAAAAABcAAAAUAAAAAAAAAAAAAAD/fwAA/38AAAAAAAAJAAAABAAAAAAAAAAeAAAAaAAAAAAAAAAAAAAAAAAAAAAAAAAAAAAAECcAABAnAAAAAAAAAAAAAAAAAAAAAAAAAAAAAAAAAAAAAAAAAAAAABQAAAAAAAAAwMD/AAAAAABkAAAAMgAAAAAAAABkAAAAAAAAAH9/fwAKAAAAIgAAABgAAAAAAAAAAAAAAAAAAAAAAAAAAAAAAAAAAAAkAAAAJAAAAAAAAAAHAAAAAAAAAAAAAAAAAAAAAAAAAAAAAAAAAAAAf39/ACUAAABYAAAAAAAAAAAAAAAAAAAAAAAAAAAAAAAAAAAAAAAAAAAAAAAAAAAAAAAAAAAAAAA/AAAAAAAAAKCGAQAAAAAAAAAAAAAAAAAMAAAAAQAAAAAAAAAAAAAAAAAAAB8AAABUAAAAAAAABQAAAAEAAAAAAAAAAAAAAAAAAAAAAAAAAAAAAAAAAAAAAAAAAAAAAAB/f38AAAAAA8zMzADAwP8Af39/AAAAAAAAAAAAAAAAAAAAAAAAAAAAIQAAABgAAAAUAAAAWAIAADgEAADYJwAAUBkAABAAAAAmAAAACAAAAAEPAAAAAAAA"/>
               </a:ext>
             </a:extLst>
           </p:cNvSpPr>
@@ -747,7 +748,7 @@
             <a:spLocks noGrp="1" noChangeArrowheads="1"/>
             <a:extLst>
               <a:ext uri="smNativeData">
-                <pr:smNativeData xmlns:pr="smNativeData" xmlns="smNativeData" val="SMDATA_15_gHjoZxMAAAAlAAAAZAAAAA0AAAAAkAAAAJAAAACQAAAAkAAAAAAAAAAAAAAAAAAAAAEAAABQAAAAAAAAAAAA4D8AAAAAAADgPwAAAAAAAOA/AAAAAAAA4D8AAAAAAADgPwAAAAAAAOA/AAAAAAAA4D8AAAAAAADgPwAAAAAAAOA/AAAAAAAA4D8CAAAAjAAAAAAAAAAAAAAAQoX0DP///wgAAAAAAAAAAAAAAAAAAAAAAAAAAAAAAAAAAAAAZAAAAAEAAABAAAAAAAAAAAAAAAAAAAAAAAAAAAAAAAAAAAAAAAAAAAAAAAAAAAAAAAAAAAAAAAAAAAAAAAAAAAAAAAAAAAAAAAAAAAAAAAAAAAAAAAAAAAAAAAAAAAAAFAAAADwAAAAAAAAAAAAAAAAAAAkUAAAAAQAAABQAAAAUAAAAFAAAAAEAAAAAAAAAZAAAAGQAAAAAAAAAZAAAAGQAAAAVAAAAYAAAAAAAAAAAAAAADwAAACADAAAAAAAAAAAAAAEAAACgMgAAVgcAAKr4//8BAAAAf39/AAEAAABkAAAAAAAAABQAAABAHwAAAAAAACYAAAAAAAAAwOD//wAAAAAmAAAAZAAAABYAAABMAAAAAAAAAAAAAAAEAAAAAAAAAAEAAABZWVkKAAAAACgAAAAoAAAAZAAAAGQAAAAAAAAAzMzMAAAAAABQAAAAUAAAAGQAAABkAAAAAAAAABcAAAAUAAAAAAAAAAAAAAD/fwAA/38AAAAAAAAJAAAABAAAAAAAAAAeAAAAaAAAAAAAAAAAAAAAAAAAAAAAAAAAAAAAECcAABAnAAAAAAAAAAAAAAAAAAAAAAAAAAAAAAAAAAAAAAAAAAAAABQAAAAAAAAAwMD/AAAAAABkAAAAMgAAAAAAAABkAAAAAAAAAH9/fwAKAAAAIgAAABgAAAAAAAAAAAAAAAAAAAAAAAAAAAAAAAAAAAAkAAAAJAAAAAAAAAAHAAAAAAAAAAAAAAAAAAAAAAAAAAAAAAAAAAAAf39/ACUAAABYAAAAAAAAAAAAAAAAAAAAAAAAAAAAAAAAAAAAAAAAAAAAAAAAAAAAAAAAAAAAAAA/AAAAAAAAAKCGAQAAAAAAAAAAAAAAAAAMAAAAAQAAAAAAAAAAAAAAAAAAAB8AAABUAAAAAAAABQAAAAEAAAAAAAAAAAAAAAAAAAAAAAAAAAAAAAAAAAAAAAAAAAAAAAJ/f38AAAAAA8zMzADAwP8Af39/AAAAAAAAAAAAAAAAAAAAAAAAAAAAIQAAABgAAAAUAAAAOAQAALgaAAD4JQAACDQAABAAAAAmAAAACAAAAL0/AAAAAAAA"/>
+                <pr:smNativeData xmlns:pr="smNativeData" xmlns="smNativeData" val="SMDATA_15_t6npZxMAAAAlAAAAZAAAAA0AAAAAkAAAAJAAAACQAAAAkAAAAAAAAAAAAAAAAAAAAAEAAABQAAAAAAAAAAAA4D8AAAAAAADgPwAAAAAAAOA/AAAAAAAA4D8AAAAAAADgPwAAAAAAAOA/AAAAAAAA4D8AAAAAAADgPwAAAAAAAOA/AAAAAAAA4D8CAAAAjAAAAAAAAAAAAAAAQoX0DP///wgAAAAAAAAAAAAAAAAAAAAAAAAAAAAAAAAAAAAAZAAAAAEAAABAAAAAAAAAAAAAAAAAAAAAAAAAAAAAAAAAAAAAAAAAAAAAAAAAAAAAAAAAAAAAAAAAAAAAAAAAAAAAAAAAAAAAAAAAAAAAAAAAAAAAAAAAAAAAAAAAAAAAFAAAADwAAAAAAAAAAAAAAAAAAAkUAAAAAQAAABQAAAAUAAAAFAAAAAEAAAAAAAAAZAAAAGQAAAAAAAAAZAAAAGQAAAAVAAAAYAAAAAAAAAAAAAAADwAAACADAAAAAAAAAAAAAAEAAACgMgAAVgcAAKr4//8BAAAAf39/AAEAAABkAAAAAAAAABQAAABAHwAAAAAAACYAAAAAAAAAwOD//wAAAAAmAAAAZAAAABYAAABMAAAAAAAAAAAAAAAEAAAAAAAAAAEAAABZWVkKAAAAACgAAAAoAAAAZAAAAGQAAAAAAAAAzMzMAAAAAABQAAAAUAAAAGQAAABkAAAAAAAAABcAAAAUAAAAAAAAAAAAAAD/fwAA/38AAAAAAAAJAAAABAAAAAAAAAAeAAAAaAAAAAAAAAAAAAAAAAAAAAAAAAAAAAAAECcAABAnAAAAAAAAAAAAAAAAAAAAAAAAAAAAAAAAAAAAAAAAAAAAABQAAAAAAAAAwMD/AAAAAABkAAAAMgAAAAAAAABkAAAAAAAAAH9/fwAKAAAAIgAAABgAAAAAAAAAAAAAAAAAAAAAAAAAAAAAAAAAAAAkAAAAJAAAAAAAAAAHAAAAAAAAAAAAAAAAAAAAAAAAAAAAAAAAAAAAf39/ACUAAABYAAAAAAAAAAAAAAAAAAAAAAAAAAAAAAAAAAAAAAAAAAAAAAAAAAAAAAAAAAAAAAA/AAAAAAAAAKCGAQAAAAAAAAAAAAAAAAAMAAAAAQAAAAAAAAAAAAAAAAAAAB8AAABUAAAAAAAABQAAAAEAAAAAAAAAAAAAAAAAAAAAAAAAAAAAAAAAAAAAAAAAAAAAAAJ/f38AAAAAA8zMzADAwP8Af39/AAAAAAAAAAAAAAAAAAAAAAAAAAAAIQAAABgAAAAUAAAAOAQAALgaAAD4JQAACDQAABAAAAAmAAAACAAAAL0/AAAAAAAA"/>
               </a:ext>
             </a:extLst>
           </p:cNvSpPr>
@@ -824,7 +825,7 @@
             <a:spLocks noGrp="1" noChangeArrowheads="1"/>
             <a:extLst>
               <a:ext uri="smNativeData">
-                <pr:smNativeData xmlns:pr="smNativeData" xmlns="smNativeData" val="SMDATA_15_gHjoZxMAAAAlAAAACwAAAA0AAAAAWAIAADgEAADYJwAAUBkAAAAAAAAAAAAAAAAAAAEAAABQAAAAAAAAAAAA4D8AAAAAAADgPwAAAAAAAOA/AAAAAAAA4D8AAAAAAADgPwAAAAAAAOA/AAAAAAAA4D8AAAAAAADgPwAAAAAAAOA/AAAAAAAA4D8CAAAAjAAAAAAAAAAAAAAAQoX0DP///wgAAAAAAAAAAAAAAAAAAAAAAAAAAAAAAAAAAAAAZAAAAAEAAABAAAAAAAAAAAAAAAAAAAAAAAAAAAAAAAAAAAAAAAAAAAAAAAAAAAAAAAAAAAAAAAAAAAAAAAAAAAAAAAAAAAAAAAAAAAAAAAAAAAAAAAAAAAAAAAAAAAAAFAAAADwAAAABAAAAAAAAAAAAAAAPAAAAAQAAACMAAAAjAAAAIwAAAB4AAAAAAAAASwAAAEsAAAAAAAAASwAAAEsAAAAVAAAAYAAAAAAAAAAAAAAADwAAACADAAAAAAAAAAAAAAEAAACgMgAAVgcAAKr4//8BAAAAf39/AAEAAABkAAAAAAAAABQAAABAHwAAAAAAACYAAAAAAAAAwOD//wAAAAAmAAAAZAAAABYAAABMAAAAAAAAAAAAAAAEAAAAAAAAAAEAAABZWVkKAAAAACgAAAAoAAAAZAAAAGQAAAAAAAAAzMzMAAAAAABQAAAAUAAAAGQAAABkAAAAAAAAABcAAAAUAAAAAAAAAAAAAAD/fwAA/38AAAAAAAAJAAAABAAAAF8AYAAeAAAAaAAAAAAAAAAAAAAAAAAAAAAAAAAAAAAAECcAABAnAAAAAAAAAAAAAAAAAAAAAAAAAAAAAAAAAAAAAAAAAAAAABQAAAAAAAAAwMD/AAAAAABkAAAAMgAAAAAAAABkAAAAAAAAAH9/fwAKAAAAIgAAABgAAAAAAAAAAAAAAAAAAAAAAAAAAAAAAAAAAAAkAAAAJAAAAAAAAAAHAAAAAAAAAAAAAAAAAAAAAAAAAAAAAAAAAAAAf39/ACUAAABYAAAAAAAAAAAAAAAAAAAAAAAAAAAAAAAAAAAAAAAAAAAAAAAAAAAAAAAAAAAAAAA/AAAAAAAAAKCGAQAAAAAAAAAAAAAAAAAMAAAAAQAAAAAAAAAAAAAAAAAAAB8AAABUAAAAAAAABQAAAAEAAAAAAAAAAAAAAAAAAAAAAAAAAAAAAAAAAAAAAAAAAAAAAAB/f38AAAAAA8zMzADAwP8Af39/AAAAAAAAAAAAAAAAAAAAAAAAAAAAIQAAABgAAAAUAAAAWAIAADgEAADYJwAAUBkAABAAAAAmAAAACAAAAAEPAAAAAAAA"/>
+                <pr:smNativeData xmlns:pr="smNativeData" xmlns="smNativeData" val="SMDATA_15_t6npZxMAAAAlAAAACwAAAA0AAAAAWAIAADgEAADYJwAAUBkAAAAAAAAAAAAAAAAAAAEAAABQAAAAAAAAAAAA4D8AAAAAAADgPwAAAAAAAOA/AAAAAAAA4D8AAAAAAADgPwAAAAAAAOA/AAAAAAAA4D8AAAAAAADgPwAAAAAAAOA/AAAAAAAA4D8CAAAAjAAAAAAAAAAAAAAAQoX0DP///wgAAAAAAAAAAAAAAAAAAAAAAAAAAAAAAAAAAAAAZAAAAAEAAABAAAAAAAAAAAAAAAAAAAAAAAAAAAAAAAAAAAAAAAAAAAAAAAAAAAAAAAAAAAAAAAAAAAAAAAAAAAAAAAAAAAAAAAAAAAAAAAAAAAAAAAAAAAAAAAAAAAAAFAAAADwAAAABAAAAAAAAAAAAAAAPAAAAAQAAACMAAAAjAAAAIwAAAB4AAAAAAAAASwAAAEsAAAAAAAAASwAAAEsAAAAVAAAAYAAAAAAAAAAAAAAADwAAACADAAAAAAAAAAAAAAEAAACgMgAAVgcAAKr4//8BAAAAf39/AAEAAABkAAAAAAAAABQAAABAHwAAAAAAACYAAAAAAAAAwOD//wAAAAAmAAAAZAAAABYAAABMAAAAAAAAAAAAAAAEAAAAAAAAAAEAAABZWVkKAAAAACgAAAAoAAAAZAAAAGQAAAAAAAAAzMzMAAAAAABQAAAAUAAAAGQAAABkAAAAAAAAABcAAAAUAAAAAAAAAAAAAAD/fwAA/38AAAAAAAAJAAAABAAAAAAAAAAeAAAAaAAAAAAAAAAAAAAAAAAAAAAAAAAAAAAAECcAABAnAAAAAAAAAAAAAAAAAAAAAAAAAAAAAAAAAAAAAAAAAAAAABQAAAAAAAAAwMD/AAAAAABkAAAAMgAAAAAAAABkAAAAAAAAAH9/fwAKAAAAIgAAABgAAAAAAAAAAAAAAAAAAAAAAAAAAAAAAAAAAAAkAAAAJAAAAAAAAAAHAAAAAAAAAAAAAAAAAAAAAAAAAAAAAAAAAAAAf39/ACUAAABYAAAAAAAAAAAAAAAAAAAAAAAAAAAAAAAAAAAAAAAAAAAAAAAAAAAAAAAAAAAAAAA/AAAAAAAAAKCGAQAAAAAAAAAAAAAAAAAMAAAAAQAAAAAAAAAAAAAAAAAAAB8AAABUAAAAAAAABQAAAAEAAAAAAAAAAAAAAAAAAAAAAAAAAAAAAAAAAAAAAAAAAAAAAAB/f38AAAAAA8zMzADAwP8Af39/AAAAAAAAAAAAAAAAAAAAAAAAAAAAIQAAABgAAAAUAAAAWAIAADgEAADYJwAAUBkAABAAAAAmAAAACAAAAAEPAAAAAAAA"/>
               </a:ext>
             </a:extLst>
           </p:cNvSpPr>
@@ -870,7 +871,7 @@
             <a:spLocks noGrp="1" noChangeArrowheads="1"/>
             <a:extLst>
               <a:ext uri="smNativeData">
-                <pr:smNativeData xmlns:pr="smNativeData" xmlns="smNativeData" val="SMDATA_15_gHjoZxMAAAAlAAAAZAAAAA0AAAAAkAAAAJAAAACQAAAAkAAAAAAAAAAAAAAAAAAAAAEAAABQAAAAAAAAAAAA4D8AAAAAAADgPwAAAAAAAOA/AAAAAAAA4D8AAAAAAADgPwAAAAAAAOA/AAAAAAAA4D8AAAAAAADgPwAAAAAAAOA/AAAAAAAA4D8CAAAAjAAAAAAAAAAAAAAAQoX0DP///wgAAAAAAAAAAAAAAAAAAAAAAAAAAAAAAAAAAAAAZAAAAAEAAABAAAAAAAAAAAAAAAAAAAAAAAAAAAAAAAAAAAAAAAAAAAAAAAAAAAAAAAAAAAAAAAAAAAAAAAAAAAAAAAAAAAAAAAAAAAAAAAAAAAAAAAAAAAAAAAAAAAAAFAAAADwAAAAAAAAAAAAAAAAAAAkUAAAAAQAAABQAAAAUAAAAFAAAAAEAAAAAAAAAZAAAAGQAAAAAAAAAZAAAAGQAAAAVAAAAYAAAAAAAAAAAAAAADwAAACADAAAAAAAAAAAAAAEAAACgMgAAVgcAAKr4//8BAAAAf39/AAEAAABkAAAAAAAAABQAAABAHwAAAAAAACYAAAAAAAAAwOD//wAAAAAmAAAAZAAAABYAAABMAAAAAAAAAAAAAAAEAAAAAAAAAAEAAABZWVkKAAAAACgAAAAoAAAAZAAAAGQAAAAAAAAAzMzMAAAAAABQAAAAUAAAAGQAAABkAAAAAAAAABcAAAAUAAAAAAAAAAAAAAD/fwAA/38AAAAAAAAJAAAABAAAAAEAAAAeAAAAaAAAAAAAAAAAAAAAAAAAAAAAAAAAAAAAECcAABAnAAAAAAAAAAAAAAAAAAAAAAAAAAAAAAAAAAAAAAAAAAAAABQAAAAAAAAAwMD/AAAAAABkAAAAMgAAAAAAAABkAAAAAAAAAH9/fwAKAAAAIgAAABgAAAAAAAAAAAAAAAAAAAAAAAAAAAAAAAAAAAAkAAAAJAAAAAAAAAAHAAAAAAAAAAAAAAAAAAAAAAAAAAAAAAAAAAAAf39/ACUAAABYAAAAAAAAAAAAAAAAAAAAAAAAAAAAAAAAAAAAAAAAAAAAAAAAAAAAAAAAAAAAAAA/AAAAAAAAAKCGAQAAAAAAAAAAAAAAAAAMAAAAAQAAAAAAAAAAAAAAAAAAAB8AAABUAAAAAAAABQAAAAEAAAAAAAAAAAAAAAAAAAAAAAAAAAAAAAAAAAAAAAAAAAAAAAJ/f38AAAAAA8zMzADAwP8Af39/AAAAAAAAAAAAAAAAAAAAAAAAAAAAIQAAABgAAAAUAAAAOAQAALgaAAD4JQAACDQAABAAAAAmAAAACAAAAL0/AAAAAAAA"/>
+                <pr:smNativeData xmlns:pr="smNativeData" xmlns="smNativeData" val="SMDATA_15_t6npZxMAAAAlAAAAZAAAAA0AAAAAkAAAAJAAAACQAAAAkAAAAAAAAAAAAAAAAAAAAAEAAABQAAAAAAAAAAAA4D8AAAAAAADgPwAAAAAAAOA/AAAAAAAA4D8AAAAAAADgPwAAAAAAAOA/AAAAAAAA4D8AAAAAAADgPwAAAAAAAOA/AAAAAAAA4D8CAAAAjAAAAAAAAAAAAAAAQoX0DP///wgAAAAAAAAAAAAAAAAAAAAAAAAAAAAAAAAAAAAAZAAAAAEAAABAAAAAAAAAAAAAAAAAAAAAAAAAAAAAAAAAAAAAAAAAAAAAAAAAAAAAAAAAAAAAAAAAAAAAAAAAAAAAAAAAAAAAAAAAAAAAAAAAAAAAAAAAAAAAAAAAAAAAFAAAADwAAAAAAAAAAAAAAAAAAAkUAAAAAQAAABQAAAAUAAAAFAAAAAEAAAAAAAAAZAAAAGQAAAAAAAAAZAAAAGQAAAAVAAAAYAAAAAAAAAAAAAAADwAAACADAAAAAAAAAAAAAAEAAACgMgAAVgcAAKr4//8BAAAAf39/AAEAAABkAAAAAAAAABQAAABAHwAAAAAAACYAAAAAAAAAwOD//wAAAAAmAAAAZAAAABYAAABMAAAAAAAAAAAAAAAEAAAAAAAAAAEAAABZWVkKAAAAACgAAAAoAAAAZAAAAGQAAAAAAAAAzMzMAAAAAABQAAAAUAAAAGQAAABkAAAAAAAAABcAAAAUAAAAAAAAAAAAAAD/fwAA/38AAAAAAAAJAAAABAAAAAAAAAAeAAAAaAAAAAAAAAAAAAAAAAAAAAAAAAAAAAAAECcAABAnAAAAAAAAAAAAAAAAAAAAAAAAAAAAAAAAAAAAAAAAAAAAABQAAAAAAAAAwMD/AAAAAABkAAAAMgAAAAAAAABkAAAAAAAAAH9/fwAKAAAAIgAAABgAAAAAAAAAAAAAAAAAAAAAAAAAAAAAAAAAAAAkAAAAJAAAAAAAAAAHAAAAAAAAAAAAAAAAAAAAAAAAAAAAAAAAAAAAf39/ACUAAABYAAAAAAAAAAAAAAAAAAAAAAAAAAAAAAAAAAAAAAAAAAAAAAAAAAAAAAAAAAAAAAA/AAAAAAAAAKCGAQAAAAAAAAAAAAAAAAAMAAAAAQAAAAAAAAAAAAAAAAAAAB8AAABUAAAAAAAABQAAAAEAAAAAAAAAAAAAAAAAAAAAAAAAAAAAAAAAAAAAAAAAAAAAAAJ/f38AAAAAA8zMzADAwP8Af39/AAAAAAAAAAAAAAAAAAAAAAAAAAAAIQAAABgAAAAUAAAAOAQAALgaAAD4JQAACDQAABAAAAAmAAAACAAAAL0/AAAAAAAA"/>
               </a:ext>
             </a:extLst>
           </p:cNvSpPr>
@@ -947,7 +948,7 @@
             <a:spLocks noGrp="1" noChangeArrowheads="1"/>
             <a:extLst>
               <a:ext uri="smNativeData">
-                <pr:smNativeData xmlns:pr="smNativeData" xmlns="smNativeData" val="SMDATA_15_gHjoZxMAAAAlAAAACwAAAA0AAAAAWAIAADgEAADYJwAAUBkAAAAAAAAAAAAAAAAAAAEAAABQAAAAAAAAAAAA4D8AAAAAAADgPwAAAAAAAOA/AAAAAAAA4D8AAAAAAADgPwAAAAAAAOA/AAAAAAAA4D8AAAAAAADgPwAAAAAAAOA/AAAAAAAA4D8CAAAAjAAAAAAAAAAAAAAAQoX0DP///wgAAAAAAAAAAAAAAAAAAAAAAAAAAAAAAAAAAAAAZAAAAAEAAABAAAAAAAAAAAAAAAAAAAAAAAAAAAAAAAAAAAAAAAAAAAAAAAAAAAAAAAAAAAAAAAAAAAAAAAAAAAAAAAAAAAAAAAAAAAAAAAAAAAAAAAAAAAAAAAAAAAAAFAAAADwAAAABAAAAAAAAAAAAAAAPAAAAAQAAACMAAAAjAAAAIwAAAB4AAAAAAAAASwAAAEsAAAAAAAAASwAAAEsAAAAVAAAAYAAAAAAAAAAAAAAADwAAACADAAAAAAAAAAAAAAEAAACgMgAAVgcAAKr4//8BAAAAf39/AAEAAABkAAAAAAAAABQAAABAHwAAAAAAACYAAAAAAAAAwOD//wAAAAAmAAAAZAAAABYAAABMAAAAAAAAAAAAAAAEAAAAAAAAAAEAAABZWVkKAAAAACgAAAAoAAAAZAAAAGQAAAAAAAAAzMzMAAAAAABQAAAAUAAAAGQAAABkAAAAAAAAABcAAAAUAAAAAAAAAAAAAAD/fwAA/38AAAAAAAAJAAAABAAAAAAAAAAeAAAAaAAAAAAAAAAAAAAAAAAAAAAAAAAAAAAAECcAABAnAAAAAAAAAAAAAAAAAAAAAAAAAAAAAAAAAAAAAAAAAAAAABQAAAAAAAAAwMD/AAAAAABkAAAAMgAAAAAAAABkAAAAAAAAAH9/fwAKAAAAIgAAABgAAAAAAAAAAAAAAAAAAAAAAAAAAAAAAAAAAAAkAAAAJAAAAAAAAAAHAAAAAAAAAAAAAAAAAAAAAAAAAAAAAAAAAAAAf39/ACUAAABYAAAAAAAAAAAAAAAAAAAAAAAAAAAAAAAAAAAAAAAAAAAAAAAAAAAAAAAAAAAAAAA/AAAAAAAAAKCGAQAAAAAAAAAAAAAAAAAMAAAAAQAAAAAAAAAAAAAAAAAAAB8AAABUAAAAAAAABQAAAAEAAAAAAAAAAAAAAAAAAAAAAAAAAAAAAAAAAAAAAAAAAAAAAAB/f38AAAAAA8zMzADAwP8Af39/AAAAAAAAAAAAAAAAAAAAAAAAAAAAIQAAABgAAAAUAAAAWAIAADgEAADYJwAAUBkAABAAAAAmAAAACAAAAAEPAAAAAAAA"/>
+                <pr:smNativeData xmlns:pr="smNativeData" xmlns="smNativeData" val="SMDATA_15_t6npZxMAAAAlAAAACwAAAA0AAAAAWAIAADgEAADYJwAAUBkAAAAAAAAAAAAAAAAAAAEAAABQAAAAAAAAAAAA4D8AAAAAAADgPwAAAAAAAOA/AAAAAAAA4D8AAAAAAADgPwAAAAAAAOA/AAAAAAAA4D8AAAAAAADgPwAAAAAAAOA/AAAAAAAA4D8CAAAAjAAAAAAAAAAAAAAAQoX0DP///wgAAAAAAAAAAAAAAAAAAAAAAAAAAAAAAAAAAAAAZAAAAAEAAABAAAAAAAAAAAAAAAAAAAAAAAAAAAAAAAAAAAAAAAAAAAAAAAAAAAAAAAAAAAAAAAAAAAAAAAAAAAAAAAAAAAAAAAAAAAAAAAAAAAAAAAAAAAAAAAAAAAAAFAAAADwAAAABAAAAAAAAAAAAAAAPAAAAAQAAACMAAAAjAAAAIwAAAB4AAAAAAAAASwAAAEsAAAAAAAAASwAAAEsAAAAVAAAAYAAAAAAAAAAAAAAADwAAACADAAAAAAAAAAAAAAEAAACgMgAAVgcAAKr4//8BAAAAf39/AAEAAABkAAAAAAAAABQAAABAHwAAAAAAACYAAAAAAAAAwOD//wAAAAAmAAAAZAAAABYAAABMAAAAAAAAAAAAAAAEAAAAAAAAAAEAAABZWVkKAAAAACgAAAAoAAAAZAAAAGQAAAAAAAAAzMzMAAAAAABQAAAAUAAAAGQAAABkAAAAAAAAABcAAAAUAAAAAAAAAAAAAAD/fwAA/38AAAAAAAAJAAAABAAAAAAAAAAeAAAAaAAAAAAAAAAAAAAAAAAAAAAAAAAAAAAAECcAABAnAAAAAAAAAAAAAAAAAAAAAAAAAAAAAAAAAAAAAAAAAAAAABQAAAAAAAAAwMD/AAAAAABkAAAAMgAAAAAAAABkAAAAAAAAAH9/fwAKAAAAIgAAABgAAAAAAAAAAAAAAAAAAAAAAAAAAAAAAAAAAAAkAAAAJAAAAAAAAAAHAAAAAAAAAAAAAAAAAAAAAAAAAAAAAAAAAAAAf39/ACUAAABYAAAAAAAAAAAAAAAAAAAAAAAAAAAAAAAAAAAAAAAAAAAAAAAAAAAAAAAAAAAAAAA/AAAAAAAAAKCGAQAAAAAAAAAAAAAAAAAMAAAAAQAAAAAAAAAAAAAAAAAAAB8AAABUAAAAAAAABQAAAAEAAAAAAAAAAAAAAAAAAAAAAAAAAAAAAAAAAAAAAAAAAAAAAAB/f38AAAAAA8zMzADAwP8Af39/AAAAAAAAAAAAAAAAAAAAAAAAAAAAIQAAABgAAAAUAAAAWAIAADgEAADYJwAAUBkAABAAAAAmAAAACAAAAAEPAAAAAAAA"/>
               </a:ext>
             </a:extLst>
           </p:cNvSpPr>
@@ -993,7 +994,7 @@
             <a:spLocks noGrp="1" noChangeArrowheads="1"/>
             <a:extLst>
               <a:ext uri="smNativeData">
-                <pr:smNativeData xmlns:pr="smNativeData" xmlns="smNativeData" val="SMDATA_15_gHjoZxMAAAAlAAAAZAAAAA0AAAAAkAAAAJAAAACQAAAAkAAAAAAAAAAAAAAAAAAAAAEAAABQAAAAAAAAAAAA4D8AAAAAAADgPwAAAAAAAOA/AAAAAAAA4D8AAAAAAADgPwAAAAAAAOA/AAAAAAAA4D8AAAAAAADgPwAAAAAAAOA/AAAAAAAA4D8CAAAAjAAAAAAAAAAAAAAAQoX0DP///wgAAAAAAAAAAAAAAAAAAAAAAAAAAAAAAAAAAAAAZAAAAAEAAABAAAAAAAAAAAAAAAAAAAAAAAAAAAAAAAAAAAAAAAAAAAAAAAAAAAAAAAAAAAAAAAAAAAAAAAAAAAAAAAAAAAAAAAAAAAAAAAAAAAAAAAAAAAAAAAAAAAAAFAAAADwAAAAAAAAAAAAAAAAAAAkUAAAAAQAAABQAAAAUAAAAFAAAAAEAAAAAAAAAZAAAAGQAAAAAAAAAZAAAAGQAAAAVAAAAYAAAAAAAAAAAAAAADwAAACADAAAAAAAAAAAAAAEAAACgMgAAVgcAAKr4//8BAAAAf39/AAEAAABkAAAAAAAAABQAAABAHwAAAAAAACYAAAAAAAAAwOD//wAAAAAmAAAAZAAAABYAAABMAAAAAAAAAAAAAAAEAAAAAAAAAAEAAABZWVkKAAAAACgAAAAoAAAAZAAAAGQAAAAAAAAAzMzMAAAAAABQAAAAUAAAAGQAAABkAAAAAAAAABcAAAAUAAAAAAAAAAAAAAD/fwAA/38AAAAAAAAJAAAABAAAAAAAAAAeAAAAaAAAAAAAAAAAAAAAAAAAAAAAAAAAAAAAECcAABAnAAAAAAAAAAAAAAAAAAAAAAAAAAAAAAAAAAAAAAAAAAAAABQAAAAAAAAAwMD/AAAAAABkAAAAMgAAAAAAAABkAAAAAAAAAH9/fwAKAAAAIgAAABgAAAAAAAAAAAAAAAAAAAAAAAAAAAAAAAAAAAAkAAAAJAAAAAAAAAAHAAAAAAAAAAAAAAAAAAAAAAAAAAAAAAAAAAAAf39/ACUAAABYAAAAAAAAAAAAAAAAAAAAAAAAAAAAAAAAAAAAAAAAAAAAAAAAAAAAAAAAAAAAAAA/AAAAAAAAAKCGAQAAAAAAAAAAAAAAAAAMAAAAAQAAAAAAAAAAAAAAAAAAAB8AAABUAAAAAAAABQAAAAEAAAAAAAAAAAAAAAAAAAAAAAAAAAAAAAAAAAAAAAAAAAAAAAJ/f38AAAAAA8zMzADAwP8Af39/AAAAAAAAAAAAAAAAAAAAAAAAAAAAIQAAABgAAAAUAAAAOAQAALgaAAD4JQAACDQAABAAAAAmAAAACAAAAL0/AAAAAAAA"/>
+                <pr:smNativeData xmlns:pr="smNativeData" xmlns="smNativeData" val="SMDATA_15_t6npZxMAAAAlAAAAZAAAAA0AAAAAkAAAAJAAAACQAAAAkAAAAAAAAAAAAAAAAAAAAAEAAABQAAAAAAAAAAAA4D8AAAAAAADgPwAAAAAAAOA/AAAAAAAA4D8AAAAAAADgPwAAAAAAAOA/AAAAAAAA4D8AAAAAAADgPwAAAAAAAOA/AAAAAAAA4D8CAAAAjAAAAAAAAAAAAAAAQoX0DP///wgAAAAAAAAAAAAAAAAAAAAAAAAAAAAAAAAAAAAAZAAAAAEAAABAAAAAAAAAAAAAAAAAAAAAAAAAAAAAAAAAAAAAAAAAAAAAAAAAAAAAAAAAAAAAAAAAAAAAAAAAAAAAAAAAAAAAAAAAAAAAAAAAAAAAAAAAAAAAAAAAAAAAFAAAADwAAAAAAAAAAAAAAAAAAAkUAAAAAQAAABQAAAAUAAAAFAAAAAEAAAAAAAAAZAAAAGQAAAAAAAAAZAAAAGQAAAAVAAAAYAAAAAAAAAAAAAAADwAAACADAAAAAAAAAAAAAAEAAACgMgAAVgcAAKr4//8BAAAAf39/AAEAAABkAAAAAAAAABQAAABAHwAAAAAAACYAAAAAAAAAwOD//wAAAAAmAAAAZAAAABYAAABMAAAAAAAAAAAAAAAEAAAAAAAAAAEAAABZWVkKAAAAACgAAAAoAAAAZAAAAGQAAAAAAAAAzMzMAAAAAABQAAAAUAAAAGQAAABkAAAAAAAAABcAAAAUAAAAAAAAAAAAAAD/fwAA/38AAAAAAAAJAAAABAAAAAAAAAAeAAAAaAAAAAAAAAAAAAAAAAAAAAAAAAAAAAAAECcAABAnAAAAAAAAAAAAAAAAAAAAAAAAAAAAAAAAAAAAAAAAAAAAABQAAAAAAAAAwMD/AAAAAABkAAAAMgAAAAAAAABkAAAAAAAAAH9/fwAKAAAAIgAAABgAAAAAAAAAAAAAAAAAAAAAAAAAAAAAAAAAAAAkAAAAJAAAAAAAAAAHAAAAAAAAAAAAAAAAAAAAAAAAAAAAAAAAAAAAf39/ACUAAABYAAAAAAAAAAAAAAAAAAAAAAAAAAAAAAAAAAAAAAAAAAAAAAAAAAAAAAAAAAAAAAA/AAAAAAAAAKCGAQAAAAAAAAAAAAAAAAAMAAAAAQAAAAAAAAAAAAAAAAAAAB8AAABUAAAAAAAABQAAAAEAAAAAAAAAAAAAAAAAAAAAAAAAAAAAAAAAAAAAAAAAAAAAAAJ/f38AAAAAA8zMzADAwP8Af39/AAAAAAAAAAAAAAAAAAAAAAAAAAAAIQAAABgAAAAUAAAAOAQAALgaAAD4JQAACDQAABAAAAAmAAAACAAAAL0/AAAAAAAA"/>
               </a:ext>
             </a:extLst>
           </p:cNvSpPr>
@@ -1070,7 +1071,7 @@
             <a:spLocks noGrp="1" noChangeArrowheads="1"/>
             <a:extLst>
               <a:ext uri="smNativeData">
-                <pr:smNativeData xmlns:pr="smNativeData" xmlns="smNativeData" val="SMDATA_15_gHjoZxMAAAAlAAAACwAAAA0AAAAAWAIAADgEAADYJwAAUBkAAAAAAAAAAAAAAAAAAAEAAABQAAAAAAAAAAAA4D8AAAAAAADgPwAAAAAAAOA/AAAAAAAA4D8AAAAAAADgPwAAAAAAAOA/AAAAAAAA4D8AAAAAAADgPwAAAAAAAOA/AAAAAAAA4D8CAAAAjAAAAAAAAAAAAAAAQoX0DP///wgAAAAAAAAAAAAAAAAAAAAAAAAAAAAAAAAAAAAAZAAAAAEAAABAAAAAAAAAAAAAAAAAAAAAAAAAAAAAAAAAAAAAAAAAAAAAAAAAAAAAAAAAAAAAAAAAAAAAAAAAAAAAAAAAAAAAAAAAAAAAAAAAAAAAAAAAAAAAAAAAAAAAFAAAADwAAAABAAAAAAAAAAAAAAAPAAAAAQAAACMAAAAjAAAAIwAAAB4AAAAAAAAASwAAAEsAAAAAAAAASwAAAEsAAAAVAAAAYAAAAAAAAAAAAAAADwAAACADAAAAAAAAAAAAAAEAAACgMgAAVgcAAKr4//8BAAAAf39/AAEAAABkAAAAAAAAABQAAABAHwAAAAAAACYAAAAAAAAAwOD//wAAAAAmAAAAZAAAABYAAABMAAAAAAAAAAAAAAAEAAAAAAAAAAEAAABZWVkKAAAAACgAAAAoAAAAZAAAAGQAAAAAAAAAzMzMAAAAAABQAAAAUAAAAGQAAABkAAAAAAAAABcAAAAUAAAAAAAAAAAAAAD/fwAA/38AAAAAAAAJAAAABAAAAGNQdHMeAAAAaAAAAAAAAAAAAAAAAAAAAAAAAAAAAAAAECcAABAnAAAAAAAAAAAAAAAAAAAAAAAAAAAAAAAAAAAAAAAAAAAAABQAAAAAAAAAwMD/AAAAAABkAAAAMgAAAAAAAABkAAAAAAAAAH9/fwAKAAAAIgAAABgAAAAAAAAAAAAAAAAAAAAAAAAAAAAAAAAAAAAkAAAAJAAAAAAAAAAHAAAAAAAAAAAAAAAAAAAAAAAAAAAAAAAAAAAAf39/ACUAAABYAAAAAAAAAAAAAAAAAAAAAAAAAAAAAAAAAAAAAAAAAAAAAAAAAAAAAAAAAAAAAAA/AAAAAAAAAKCGAQAAAAAAAAAAAAAAAAAMAAAAAQAAAAAAAAAAAAAAAAAAAB8AAABUAAAAAAAABQAAAAEAAAAAAAAAAAAAAAAAAAAAAAAAAAAAAAAAAAAAAAAAAAAAAAB/f38AAAAAA8zMzADAwP8Af39/AAAAAAAAAAAAAAAAAAAAAAAAAAAAIQAAABgAAAAUAAAAWAIAADgEAADYJwAAUBkAABAAAAAmAAAACAAAAAEPAAAAAAAA"/>
+                <pr:smNativeData xmlns:pr="smNativeData" xmlns="smNativeData" val="SMDATA_15_t6npZxMAAAAlAAAACwAAAA0AAAAAWAIAADgEAADYJwAAUBkAAAAAAAAAAAAAAAAAAAEAAABQAAAAAAAAAAAA4D8AAAAAAADgPwAAAAAAAOA/AAAAAAAA4D8AAAAAAADgPwAAAAAAAOA/AAAAAAAA4D8AAAAAAADgPwAAAAAAAOA/AAAAAAAA4D8CAAAAjAAAAAAAAAAAAAAAQoX0DP///wgAAAAAAAAAAAAAAAAAAAAAAAAAAAAAAAAAAAAAZAAAAAEAAABAAAAAAAAAAAAAAAAAAAAAAAAAAAAAAAAAAAAAAAAAAAAAAAAAAAAAAAAAAAAAAAAAAAAAAAAAAAAAAAAAAAAAAAAAAAAAAAAAAAAAAAAAAAAAAAAAAAAAFAAAADwAAAABAAAAAAAAAAAAAAAPAAAAAQAAACMAAAAjAAAAIwAAAB4AAAAAAAAASwAAAEsAAAAAAAAASwAAAEsAAAAVAAAAYAAAAAAAAAAAAAAADwAAACADAAAAAAAAAAAAAAEAAACgMgAAVgcAAKr4//8BAAAAf39/AAEAAABkAAAAAAAAABQAAABAHwAAAAAAACYAAAAAAAAAwOD//wAAAAAmAAAAZAAAABYAAABMAAAAAAAAAAAAAAAEAAAAAAAAAAEAAABZWVkKAAAAACgAAAAoAAAAZAAAAGQAAAAAAAAAzMzMAAAAAABQAAAAUAAAAGQAAABkAAAAAAAAABcAAAAUAAAAAAAAAAAAAAD/fwAA/38AAAAAAAAJAAAABAAAAAAAACAeAAAAaAAAAAAAAAAAAAAAAAAAAAAAAAAAAAAAECcAABAnAAAAAAAAAAAAAAAAAAAAAAAAAAAAAAAAAAAAAAAAAAAAABQAAAAAAAAAwMD/AAAAAABkAAAAMgAAAAAAAABkAAAAAAAAAH9/fwAKAAAAIgAAABgAAAAAAAAAAAAAAAAAAAAAAAAAAAAAAAAAAAAkAAAAJAAAAAAAAAAHAAAAAAAAAAAAAAAAAAAAAAAAAAAAAAAAAAAAf39/ACUAAABYAAAAAAAAAAAAAAAAAAAAAAAAAAAAAAAAAAAAAAAAAAAAAAAAAAAAAAAAAAAAAAA/AAAAAAAAAKCGAQAAAAAAAAAAAAAAAAAMAAAAAQAAAAAAAAAAAAAAAAAAAB8AAABUAAAAAAAABQAAAAEAAAAAAAAAAAAAAAAAAAAAAAAAAAAAAAAAAAAAAAAAAAAAAAB/f38AAAAAA8zMzADAwP8Af39/AAAAAAAAAAAAAAAAAAAAAAAAAAAAIQAAABgAAAAUAAAAWAIAADgEAADYJwAAUBkAABAAAAAmAAAACAAAAAEPAAAAAAAA"/>
               </a:ext>
             </a:extLst>
           </p:cNvSpPr>
@@ -1116,7 +1117,7 @@
             <a:spLocks noGrp="1" noChangeArrowheads="1"/>
             <a:extLst>
               <a:ext uri="smNativeData">
-                <pr:smNativeData xmlns:pr="smNativeData" xmlns="smNativeData" val="SMDATA_15_gHjoZxMAAAAlAAAAZAAAAA0AAAAAkAAAAJAAAACQAAAAkAAAAAAAAAAAAAAAAAAAAAEAAABQAAAAAAAAAAAA4D8AAAAAAADgPwAAAAAAAOA/AAAAAAAA4D8AAAAAAADgPwAAAAAAAOA/AAAAAAAA4D8AAAAAAADgPwAAAAAAAOA/AAAAAAAA4D8CAAAAjAAAAAAAAAAAAAAAQoX0DP///wgAAAAAAAAAAAAAAAAAAAAAAAAAAAAAAAAAAAAAZAAAAAEAAABAAAAAAAAAAAAAAAAAAAAAAAAAAAAAAAAAAAAAAAAAAAAAAAAAAAAAAAAAAAAAAAAAAAAAAAAAAAAAAAAAAAAAAAAAAAAAAAAAAAAAAAAAAAAAAAAAAAAAFAAAADwAAAAAAAAAAAAAAAAAAAkUAAAAAQAAABQAAAAUAAAAFAAAAAEAAAAAAAAAZAAAAGQAAAAAAAAAZAAAAGQAAAAVAAAAYAAAAAAAAAAAAAAADwAAACADAAAAAAAAAAAAAAEAAACgMgAAVgcAAKr4//8BAAAAf39/AAEAAABkAAAAAAAAABQAAABAHwAAAAAAACYAAAAAAAAAwOD//wAAAAAmAAAAZAAAABYAAABMAAAAAAAAAAAAAAAEAAAAAAAAAAEAAABZWVkKAAAAACgAAAAoAAAAZAAAAGQAAAAAAAAAzMzMAAAAAABQAAAAUAAAAGQAAABkAAAAAAAAABcAAAAUAAAAAAAAAAAAAAD/fwAA/38AAAAAAAAJAAAABAAAAF8AYAAeAAAAaAAAAAAAAAAAAAAAAAAAAAAAAAAAAAAAECcAABAnAAAAAAAAAAAAAAAAAAAAAAAAAAAAAAAAAAAAAAAAAAAAABQAAAAAAAAAwMD/AAAAAABkAAAAMgAAAAAAAABkAAAAAAAAAH9/fwAKAAAAIgAAABgAAAAAAAAAAAAAAAAAAAAAAAAAAAAAAAAAAAAkAAAAJAAAAAAAAAAHAAAAAAAAAAAAAAAAAAAAAAAAAAAAAAAAAAAAf39/ACUAAABYAAAAAAAAAAAAAAAAAAAAAAAAAAAAAAAAAAAAAAAAAAAAAAAAAAAAAAAAAAAAAAA/AAAAAAAAAKCGAQAAAAAAAAAAAAAAAAAMAAAAAQAAAAAAAAAAAAAAAAAAAB8AAABUAAAAAAAABQAAAAEAAAAAAAAAAAAAAAAAAAAAAAAAAAAAAAAAAAAAAAAAAAAAAAJ/f38AAAAAA8zMzADAwP8Af39/AAAAAAAAAAAAAAAAAAAAAAAAAAAAIQAAABgAAAAUAAAAOAQAALgaAAD4JQAACDQAABAAAAAmAAAACAAAAL0/AAAAAAAA"/>
+                <pr:smNativeData xmlns:pr="smNativeData" xmlns="smNativeData" val="SMDATA_15_t6npZxMAAAAlAAAAZAAAAA0AAAAAkAAAAJAAAACQAAAAkAAAAAAAAAAAAAAAAAAAAAEAAABQAAAAAAAAAAAA4D8AAAAAAADgPwAAAAAAAOA/AAAAAAAA4D8AAAAAAADgPwAAAAAAAOA/AAAAAAAA4D8AAAAAAADgPwAAAAAAAOA/AAAAAAAA4D8CAAAAjAAAAAAAAAAAAAAAQoX0DP///wgAAAAAAAAAAAAAAAAAAAAAAAAAAAAAAAAAAAAAZAAAAAEAAABAAAAAAAAAAAAAAAAAAAAAAAAAAAAAAAAAAAAAAAAAAAAAAAAAAAAAAAAAAAAAAAAAAAAAAAAAAAAAAAAAAAAAAAAAAAAAAAAAAAAAAAAAAAAAAAAAAAAAFAAAADwAAAAAAAAAAAAAAAAAAAkUAAAAAQAAABQAAAAUAAAAFAAAAAEAAAAAAAAAZAAAAGQAAAAAAAAAZAAAAGQAAAAVAAAAYAAAAAAAAAAAAAAADwAAACADAAAAAAAAAAAAAAEAAACgMgAAVgcAAKr4//8BAAAAf39/AAEAAABkAAAAAAAAABQAAABAHwAAAAAAACYAAAAAAAAAwOD//wAAAAAmAAAAZAAAABYAAABMAAAAAAAAAAAAAAAEAAAAAAAAAAEAAABZWVkKAAAAACgAAAAoAAAAZAAAAGQAAAAAAAAAzMzMAAAAAABQAAAAUAAAAGQAAABkAAAAAAAAABcAAAAUAAAAAAAAAAAAAAD/fwAA/38AAAAAAAAJAAAABAAAAAAAAAAeAAAAaAAAAAAAAAAAAAAAAAAAAAAAAAAAAAAAECcAABAnAAAAAAAAAAAAAAAAAAAAAAAAAAAAAAAAAAAAAAAAAAAAABQAAAAAAAAAwMD/AAAAAABkAAAAMgAAAAAAAABkAAAAAAAAAH9/fwAKAAAAIgAAABgAAAAAAAAAAAAAAAAAAAAAAAAAAAAAAAAAAAAkAAAAJAAAAAAAAAAHAAAAAAAAAAAAAAAAAAAAAAAAAAAAAAAAAAAAf39/ACUAAABYAAAAAAAAAAAAAAAAAAAAAAAAAAAAAAAAAAAAAAAAAAAAAAAAAAAAAAAAAAAAAAA/AAAAAAAAAKCGAQAAAAAAAAAAAAAAAAAMAAAAAQAAAAAAAAAAAAAAAAAAAB8AAABUAAAAAAAABQAAAAEAAAAAAAAAAAAAAAAAAAAAAAAAAAAAAAAAAAAAAAAAAAAAAAJ/f38AAAAAA8zMzADAwP8Af39/AAAAAAAAAAAAAAAAAAAAAAAAAAAAIQAAABgAAAAUAAAAOAQAALgaAAD4JQAACDQAABAAAAAmAAAACAAAAL0/AAAAAAAA"/>
               </a:ext>
             </a:extLst>
           </p:cNvSpPr>
@@ -1188,12 +1189,381 @@
       </p:grpSpPr>
       <p:sp>
         <p:nvSpPr>
+          <p:cNvPr id="2" name="Google Shape;209;gf98075b259_0_51:notes"/>
+          <p:cNvSpPr>
+            <a:spLocks noGrp="1" noChangeArrowheads="1"/>
+            <a:extLst>
+              <a:ext uri="smNativeData">
+                <pr:smNativeData xmlns:pr="smNativeData" xmlns="smNativeData" val="SMDATA_15_t6npZxMAAAAlAAAACwAAAA0AAAAAWAIAADgEAADYJwAAUBkAAAAAAAAAAAAAAAAAAAEAAABQAAAAAAAAAAAA4D8AAAAAAADgPwAAAAAAAOA/AAAAAAAA4D8AAAAAAADgPwAAAAAAAOA/AAAAAAAA4D8AAAAAAADgPwAAAAAAAOA/AAAAAAAA4D8CAAAAjAAAAAAAAAAAAAAAQoX0DP///wgAAAAAAAAAAAAAAAAAAAAAAAAAAAAAAAAAAAAAZAAAAAEAAABAAAAAAAAAAAAAAAAAAAAAAAAAAAAAAAAAAAAAAAAAAAAAAAAAAAAAAAAAAAAAAAAAAAAAAAAAAAAAAAAAAAAAAAAAAAAAAAAAAAAAAAAAAAAAAAAAAAAAFAAAADwAAAABAAAAAAAAAAAAAAAPAAAAAQAAACMAAAAjAAAAIwAAAB4AAAAAAAAASwAAAEsAAAAAAAAASwAAAEsAAAAVAAAAYAAAAAAAAAAAAAAADwAAACADAAAAAAAAAAAAAAEAAACgMgAAVgcAAKr4//8BAAAAf39/AAEAAABkAAAAAAAAABQAAABAHwAAAAAAACYAAAAAAAAAwOD//wAAAAAmAAAAZAAAABYAAABMAAAAAAAAAAAAAAAEAAAAAAAAAAEAAABZWVkKAAAAACgAAAAoAAAAZAAAAGQAAAAAAAAAzMzMAAAAAABQAAAAUAAAAGQAAABkAAAAAAAAABcAAAAUAAAAAAAAAAAAAAD/fwAA/38AAAAAAAAJAAAABAAAAAAAAAAeAAAAaAAAAAAAAAAAAAAAAAAAAAAAAAAAAAAAECcAABAnAAAAAAAAAAAAAAAAAAAAAAAAAAAAAAAAAAAAAAAAAAAAABQAAAAAAAAAwMD/AAAAAABkAAAAMgAAAAAAAABkAAAAAAAAAH9/fwAKAAAAIgAAABgAAAAAAAAAAAAAAAAAAAAAAAAAAAAAAAAAAAAkAAAAJAAAAAAAAAAHAAAAAAAAAAAAAAAAAAAAAAAAAAAAAAAAAAAAf39/ACUAAABYAAAAAAAAAAAAAAAAAAAAAAAAAAAAAAAAAAAAAAAAAAAAAAAAAAAAAAAAAAAAAAA/AAAAAAAAAKCGAQAAAAAAAAAAAAAAAAAMAAAAAQAAAAAAAAAAAAAAAAAAAB8AAABUAAAAAAAABQAAAAEAAAAAAAAAAAAAAAAAAAAAAAAAAAAAAAAAAAAAAAAAAAAAAAB/f38AAAAAA8zMzADAwP8Af39/AAAAAAAAAAAAAAAAAAAAAAAAAAAAIQAAABgAAAAUAAAAWAIAADgEAADYJwAAUBkAABAAAAAmAAAACAAAAAEPAAAAAAAA"/>
+              </a:ext>
+            </a:extLst>
+          </p:cNvSpPr>
+          <p:nvPr>
+            <p:ph type="sldImg" idx="2"/>
+          </p:nvPr>
+        </p:nvSpPr>
+        <p:spPr>
+          <a:xfrm>
+            <a:off x="381000" y="685800"/>
+            <a:ext cx="6096000" cy="3429000"/>
+          </a:xfrm>
+          <a:custGeom>
+            <a:avLst/>
+            <a:gdLst/>
+            <a:ahLst/>
+            <a:cxnLst/>
+            <a:rect l="0" t="0" r="6096000" b="3429000"/>
+            <a:pathLst>
+              <a:path w="6096000" h="3429000" fill="none" extrusionOk="0">
+                <a:moveTo>
+                  <a:pt x="0" y="0"/>
+                </a:moveTo>
+                <a:lnTo>
+                  <a:pt x="6096000" y="0"/>
+                </a:lnTo>
+                <a:lnTo>
+                  <a:pt x="6096000" y="3429000"/>
+                </a:lnTo>
+                <a:lnTo>
+                  <a:pt x="0" y="3429000"/>
+                </a:lnTo>
+                <a:close/>
+              </a:path>
+            </a:pathLst>
+          </a:custGeom>
+        </p:spPr>
+      </p:sp>
+      <p:sp>
+        <p:nvSpPr>
+          <p:cNvPr id="3" name="Google Shape;210;gf98075b259_0_51:notes"/>
+          <p:cNvSpPr>
+            <a:spLocks noGrp="1" noChangeArrowheads="1"/>
+            <a:extLst>
+              <a:ext uri="smNativeData">
+                <pr:smNativeData xmlns:pr="smNativeData" xmlns="smNativeData" val="SMDATA_15_t6npZxMAAAAlAAAAZAAAAA0AAAAAkAAAAJAAAACQAAAAkAAAAAAAAAAAAAAAAAAAAAEAAABQAAAAAAAAAAAA4D8AAAAAAADgPwAAAAAAAOA/AAAAAAAA4D8AAAAAAADgPwAAAAAAAOA/AAAAAAAA4D8AAAAAAADgPwAAAAAAAOA/AAAAAAAA4D8CAAAAjAAAAAAAAAAAAAAAQoX0DP///wgAAAAAAAAAAAAAAAAAAAAAAAAAAAAAAAAAAAAAZAAAAAEAAABAAAAAAAAAAAAAAAAAAAAAAAAAAAAAAAAAAAAAAAAAAAAAAAAAAAAAAAAAAAAAAAAAAAAAAAAAAAAAAAAAAAAAAAAAAAAAAAAAAAAAAAAAAAAAAAAAAAAAFAAAADwAAAAAAAAAAAAAAAAAAAkUAAAAAQAAABQAAAAUAAAAFAAAAAEAAAAAAAAAZAAAAGQAAAAAAAAAZAAAAGQAAAAVAAAAYAAAAAAAAAAAAAAADwAAACADAAAAAAAAAAAAAAEAAACgMgAAVgcAAKr4//8BAAAAf39/AAEAAABkAAAAAAAAABQAAABAHwAAAAAAACYAAAAAAAAAwOD//wAAAAAmAAAAZAAAABYAAABMAAAAAAAAAAAAAAAEAAAAAAAAAAEAAABZWVkKAAAAACgAAAAoAAAAZAAAAGQAAAAAAAAAzMzMAAAAAABQAAAAUAAAAGQAAABkAAAAAAAAABcAAAAUAAAAAAAAAAAAAAD/fwAA/38AAAAAAAAJAAAABAAAAF8AYAAeAAAAaAAAAAAAAAAAAAAAAAAAAAAAAAAAAAAAECcAABAnAAAAAAAAAAAAAAAAAAAAAAAAAAAAAAAAAAAAAAAAAAAAABQAAAAAAAAAwMD/AAAAAABkAAAAMgAAAAAAAABkAAAAAAAAAH9/fwAKAAAAIgAAABgAAAAAAAAAAAAAAAAAAAAAAAAAAAAAAAAAAAAkAAAAJAAAAAAAAAAHAAAAAAAAAAAAAAAAAAAAAAAAAAAAAAAAAAAAf39/ACUAAABYAAAAAAAAAAAAAAAAAAAAAAAAAAAAAAAAAAAAAAAAAAAAAAAAAAAAAAAAAAAAAAA/AAAAAAAAAKCGAQAAAAAAAAAAAAAAAAAMAAAAAQAAAAAAAAAAAAAAAAAAAB8AAABUAAAAAAAABQAAAAEAAAAAAAAAAAAAAAAAAAAAAAAAAAAAAAAAAAAAAAAAAAAAAAJ/f38AAAAAA8zMzADAwP8Af39/AAAAAAAAAAAAAAAAAAAAAAAAAAAAIQAAABgAAAAUAAAAOAQAALgaAAD4JQAACDQAABAAAAAmAAAACAAAAL0/AAAAAAAA"/>
+              </a:ext>
+            </a:extLst>
+          </p:cNvSpPr>
+          <p:nvPr>
+            <p:ph type="body" idx="1"/>
+          </p:nvPr>
+        </p:nvSpPr>
+        <p:spPr>
+          <a:xfrm>
+            <a:off x="685800" y="4343400"/>
+            <a:ext cx="5486400" cy="4114800"/>
+          </a:xfrm>
+          <a:prstGeom prst="rect">
+            <a:avLst/>
+          </a:prstGeom>
+        </p:spPr>
+        <p:txBody>
+          <a:bodyPr vert="horz" wrap="square" lIns="91440" tIns="91440" rIns="91440" bIns="91440" numCol="1" spcCol="215900" anchor="t">
+            <a:prstTxWarp prst="textNoShape">
+              <a:avLst/>
+            </a:prstTxWarp>
+          </a:bodyPr>
+          <a:lstStyle/>
+          <a:p>
+            <a:pPr marL="0" indent="0" algn="l">
+              <a:spcBef>
+                <a:spcPts val="0"/>
+              </a:spcBef>
+              <a:spcAft>
+                <a:spcPts val="0"/>
+              </a:spcAft>
+              <a:buNone/>
+            </a:pPr>
+          </a:p>
+        </p:txBody>
+      </p:sp>
+    </p:spTree>
+  </p:cSld>
+  <p:clrMapOvr>
+    <a:masterClrMapping/>
+  </p:clrMapOvr>
+</p:notes>
+</file>
+
+<file path=ppt/notesSlides/notesSlide14.xml><?xml version="1.0" encoding="utf-8"?>
+<p:notes xmlns:p="http://schemas.openxmlformats.org/presentationml/2006/main" xmlns:mc="http://schemas.openxmlformats.org/markup-compatibility/2006" xmlns:p14="http://schemas.microsoft.com/office/powerpoint/2010/main" xmlns:p15="http://schemas.microsoft.com/office/powerpoint/2012/main" xmlns:r="http://schemas.openxmlformats.org/officeDocument/2006/relationships" xmlns:a="http://schemas.openxmlformats.org/drawingml/2006/main" showMasterSp="0">
+  <p:cSld>
+    <p:bg>
+      <p:bgPr>
+        <a:solidFill>
+          <a:schemeClr val="bg1"/>
+        </a:solidFill>
+        <a:effectLst/>
+      </p:bgPr>
+    </p:bg>
+    <p:spTree>
+      <p:nvGrpSpPr>
+        <p:cNvPr id="1" name=""/>
+        <p:cNvGrpSpPr/>
+        <p:nvPr/>
+      </p:nvGrpSpPr>
+      <p:grpSpPr>
+        <a:xfrm>
+          <a:off x="0" y="0"/>
+          <a:ext cx="0" cy="0"/>
+          <a:chOff x="0" y="0"/>
+          <a:chExt cx="0" cy="0"/>
+        </a:xfrm>
+      </p:grpSpPr>
+      <p:sp>
+        <p:nvSpPr>
+          <p:cNvPr id="2" name="Google Shape;231;g30f7d84ce1d_0_388:notes"/>
+          <p:cNvSpPr>
+            <a:spLocks noGrp="1" noChangeArrowheads="1"/>
+            <a:extLst>
+              <a:ext uri="smNativeData">
+                <pr:smNativeData xmlns:pr="smNativeData" xmlns="smNativeData" val="SMDATA_15_t6npZxMAAAAlAAAACwAAAA0AAAAAWAIAADgEAADYJwAAUBkAAAAAAAAAAAAAAAAAAAEAAABQAAAAAAAAAAAA4D8AAAAAAADgPwAAAAAAAOA/AAAAAAAA4D8AAAAAAADgPwAAAAAAAOA/AAAAAAAA4D8AAAAAAADgPwAAAAAAAOA/AAAAAAAA4D8CAAAAjAAAAAAAAAAAAAAAQoX0DP///wgAAAAAAAAAAAAAAAAAAAAAAAAAAAAAAAAAAAAAZAAAAAEAAABAAAAAAAAAAAAAAAAAAAAAAAAAAAAAAAAAAAAAAAAAAAAAAAAAAAAAAAAAAAAAAAAAAAAAAAAAAAAAAAAAAAAAAAAAAAAAAAAAAAAAAAAAAAAAAAAAAAAAFAAAADwAAAABAAAAAAAAAAAAAAAPAAAAAQAAACMAAAAjAAAAIwAAAB4AAAAAAAAASwAAAEsAAAAAAAAASwAAAEsAAAAVAAAAYAAAAAAAAAAAAAAADwAAACADAAAAAAAAAAAAAAEAAACgMgAAVgcAAKr4//8BAAAAf39/AAEAAABkAAAAAAAAABQAAABAHwAAAAAAACYAAAAAAAAAwOD//wAAAAAmAAAAZAAAABYAAABMAAAAAAAAAAAAAAAEAAAAAAAAAAEAAABZWVkKAAAAACgAAAAoAAAAZAAAAGQAAAAAAAAAzMzMAAAAAABQAAAAUAAAAGQAAABkAAAAAAAAABcAAAAUAAAAAAAAAAAAAAD/fwAA/38AAAAAAAAJAAAABAAAAAAAAAAeAAAAaAAAAAAAAAAAAAAAAAAAAAAAAAAAAAAAECcAABAnAAAAAAAAAAAAAAAAAAAAAAAAAAAAAAAAAAAAAAAAAAAAABQAAAAAAAAAwMD/AAAAAABkAAAAMgAAAAAAAABkAAAAAAAAAH9/fwAKAAAAIgAAABgAAAAAAAAAAAAAAAAAAAAAAAAAAAAAAAAAAAAkAAAAJAAAAAAAAAAHAAAAAAAAAAAAAAAAAAAAAAAAAAAAAAAAAAAAf39/ACUAAABYAAAAAAAAAAAAAAAAAAAAAAAAAAAAAAAAAAAAAAAAAAAAAAAAAAAAAAAAAAAAAAA/AAAAAAAAAKCGAQAAAAAAAAAAAAAAAAAMAAAAAQAAAAAAAAAAAAAAAAAAAB8AAABUAAAAAAAABQAAAAEAAAAAAAAAAAAAAAAAAAAAAAAAAAAAAAAAAAAAAAAAAAAAAAB/f38AAAAAA8zMzADAwP8Af39/AAAAAAAAAAAAAAAAAAAAAAAAAAAAIQAAABgAAAAUAAAAWAIAADgEAADYJwAAUBkAABAAAAAmAAAACAAAAAEPAAAAAAAA"/>
+              </a:ext>
+            </a:extLst>
+          </p:cNvSpPr>
+          <p:nvPr>
+            <p:ph type="sldImg" idx="2"/>
+          </p:nvPr>
+        </p:nvSpPr>
+        <p:spPr>
+          <a:xfrm>
+            <a:off x="381000" y="685800"/>
+            <a:ext cx="6096000" cy="3429000"/>
+          </a:xfrm>
+          <a:custGeom>
+            <a:avLst/>
+            <a:gdLst/>
+            <a:ahLst/>
+            <a:cxnLst/>
+            <a:rect l="0" t="0" r="6096000" b="3429000"/>
+            <a:pathLst>
+              <a:path w="6096000" h="3429000" fill="none" extrusionOk="0">
+                <a:moveTo>
+                  <a:pt x="0" y="0"/>
+                </a:moveTo>
+                <a:lnTo>
+                  <a:pt x="6096000" y="0"/>
+                </a:lnTo>
+                <a:lnTo>
+                  <a:pt x="6096000" y="3429000"/>
+                </a:lnTo>
+                <a:lnTo>
+                  <a:pt x="0" y="3429000"/>
+                </a:lnTo>
+                <a:close/>
+              </a:path>
+            </a:pathLst>
+          </a:custGeom>
+        </p:spPr>
+      </p:sp>
+      <p:sp>
+        <p:nvSpPr>
+          <p:cNvPr id="3" name="Google Shape;232;g30f7d84ce1d_0_388:notes"/>
+          <p:cNvSpPr>
+            <a:spLocks noGrp="1" noChangeArrowheads="1"/>
+            <a:extLst>
+              <a:ext uri="smNativeData">
+                <pr:smNativeData xmlns:pr="smNativeData" xmlns="smNativeData" val="SMDATA_15_t6npZxMAAAAlAAAAZAAAAA0AAAAAkAAAAJAAAACQAAAAkAAAAAAAAAAAAAAAAAAAAAEAAABQAAAAAAAAAAAA4D8AAAAAAADgPwAAAAAAAOA/AAAAAAAA4D8AAAAAAADgPwAAAAAAAOA/AAAAAAAA4D8AAAAAAADgPwAAAAAAAOA/AAAAAAAA4D8CAAAAjAAAAAAAAAAAAAAAQoX0DP///wgAAAAAAAAAAAAAAAAAAAAAAAAAAAAAAAAAAAAAZAAAAAEAAABAAAAAAAAAAAAAAAAAAAAAAAAAAAAAAAAAAAAAAAAAAAAAAAAAAAAAAAAAAAAAAAAAAAAAAAAAAAAAAAAAAAAAAAAAAAAAAAAAAAAAAAAAAAAAAAAAAAAAFAAAADwAAAAAAAAAAAAAAAAAAAkUAAAAAQAAABQAAAAUAAAAFAAAAAEAAAAAAAAAZAAAAGQAAAAAAAAAZAAAAGQAAAAVAAAAYAAAAAAAAAAAAAAADwAAACADAAAAAAAAAAAAAAEAAACgMgAAVgcAAKr4//8BAAAAf39/AAEAAABkAAAAAAAAABQAAABAHwAAAAAAACYAAAAAAAAAwOD//wAAAAAmAAAAZAAAABYAAABMAAAAAAAAAAAAAAAEAAAAAAAAAAEAAABZWVkKAAAAACgAAAAoAAAAZAAAAGQAAAAAAAAAzMzMAAAAAABQAAAAUAAAAGQAAABkAAAAAAAAABcAAAAUAAAAAAAAAAAAAAD/fwAA/38AAAAAAAAJAAAABAAAAAAAAAAeAAAAaAAAAAAAAAAAAAAAAAAAAAAAAAAAAAAAECcAABAnAAAAAAAAAAAAAAAAAAAAAAAAAAAAAAAAAAAAAAAAAAAAABQAAAAAAAAAwMD/AAAAAABkAAAAMgAAAAAAAABkAAAAAAAAAH9/fwAKAAAAIgAAABgAAAAAAAAAAAAAAAAAAAAAAAAAAAAAAAAAAAAkAAAAJAAAAAAAAAAHAAAAAAAAAAAAAAAAAAAAAAAAAAAAAAAAAAAAf39/ACUAAABYAAAAAAAAAAAAAAAAAAAAAAAAAAAAAAAAAAAAAAAAAAAAAAAAAAAAAAAAAAAAAAA/AAAAAAAAAKCGAQAAAAAAAAAAAAAAAAAMAAAAAQAAAAAAAAAAAAAAAAAAAB8AAABUAAAAAAAABQAAAAEAAAAAAAAAAAAAAAAAAAAAAAAAAAAAAAAAAAAAAAAAAAAAAAJ/f38AAAAAA8zMzADAwP8Af39/AAAAAAAAAAAAAAAAAAAAAAAAAAAAIQAAABgAAAAUAAAAOAQAALgaAAD4JQAACDQAABAAAAAmAAAACAAAAL0/AAAAAAAA"/>
+              </a:ext>
+            </a:extLst>
+          </p:cNvSpPr>
+          <p:nvPr>
+            <p:ph type="body" idx="1"/>
+          </p:nvPr>
+        </p:nvSpPr>
+        <p:spPr>
+          <a:xfrm>
+            <a:off x="685800" y="4343400"/>
+            <a:ext cx="5486400" cy="4114800"/>
+          </a:xfrm>
+          <a:prstGeom prst="rect">
+            <a:avLst/>
+          </a:prstGeom>
+        </p:spPr>
+        <p:txBody>
+          <a:bodyPr vert="horz" wrap="square" lIns="91440" tIns="91440" rIns="91440" bIns="91440" numCol="1" spcCol="215900" anchor="t">
+            <a:prstTxWarp prst="textNoShape">
+              <a:avLst/>
+            </a:prstTxWarp>
+          </a:bodyPr>
+          <a:lstStyle/>
+          <a:p>
+            <a:pPr marL="0" indent="0" algn="l">
+              <a:spcBef>
+                <a:spcPts val="0"/>
+              </a:spcBef>
+              <a:spcAft>
+                <a:spcPts val="0"/>
+              </a:spcAft>
+              <a:buNone/>
+            </a:pPr>
+          </a:p>
+        </p:txBody>
+      </p:sp>
+    </p:spTree>
+  </p:cSld>
+  <p:clrMapOvr>
+    <a:masterClrMapping/>
+  </p:clrMapOvr>
+</p:notes>
+</file>
+
+<file path=ppt/notesSlides/notesSlide15.xml><?xml version="1.0" encoding="utf-8"?>
+<p:notes xmlns:p="http://schemas.openxmlformats.org/presentationml/2006/main" xmlns:mc="http://schemas.openxmlformats.org/markup-compatibility/2006" xmlns:p14="http://schemas.microsoft.com/office/powerpoint/2010/main" xmlns:p15="http://schemas.microsoft.com/office/powerpoint/2012/main" xmlns:r="http://schemas.openxmlformats.org/officeDocument/2006/relationships" xmlns:a="http://schemas.openxmlformats.org/drawingml/2006/main" showMasterSp="0">
+  <p:cSld>
+    <p:bg>
+      <p:bgPr>
+        <a:solidFill>
+          <a:schemeClr val="bg1"/>
+        </a:solidFill>
+        <a:effectLst/>
+      </p:bgPr>
+    </p:bg>
+    <p:spTree>
+      <p:nvGrpSpPr>
+        <p:cNvPr id="1" name=""/>
+        <p:cNvGrpSpPr/>
+        <p:nvPr/>
+      </p:nvGrpSpPr>
+      <p:grpSpPr>
+        <a:xfrm>
+          <a:off x="0" y="0"/>
+          <a:ext cx="0" cy="0"/>
+          <a:chOff x="0" y="0"/>
+          <a:chExt cx="0" cy="0"/>
+        </a:xfrm>
+      </p:grpSpPr>
+      <p:sp>
+        <p:nvSpPr>
+          <p:cNvPr id="2" name="Google Shape;238;g341727d1ac5_0_0:notes"/>
+          <p:cNvSpPr>
+            <a:spLocks noGrp="1" noChangeArrowheads="1"/>
+            <a:extLst>
+              <a:ext uri="smNativeData">
+                <pr:smNativeData xmlns:pr="smNativeData" xmlns="smNativeData" val="SMDATA_15_t6npZxMAAAAlAAAACwAAAA0AAAAAWAIAADgEAADYJwAAUBkAAAAAAAAAAAAAAAAAAAEAAABQAAAAAAAAAAAA4D8AAAAAAADgPwAAAAAAAOA/AAAAAAAA4D8AAAAAAADgPwAAAAAAAOA/AAAAAAAA4D8AAAAAAADgPwAAAAAAAOA/AAAAAAAA4D8CAAAAjAAAAAAAAAAAAAAAQoX0DP///wgAAAAAAAAAAAAAAAAAAAAAAAAAAAAAAAAAAAAAZAAAAAEAAABAAAAAAAAAAAAAAAAAAAAAAAAAAAAAAAAAAAAAAAAAAAAAAAAAAAAAAAAAAAAAAAAAAAAAAAAAAAAAAAAAAAAAAAAAAAAAAAAAAAAAAAAAAAAAAAAAAAAAFAAAADwAAAABAAAAAAAAAAAAAAAPAAAAAQAAACMAAAAjAAAAIwAAAB4AAAAAAAAASwAAAEsAAAAAAAAASwAAAEsAAAAVAAAAYAAAAAAAAAAAAAAADwAAACADAAAAAAAAAAAAAAEAAACgMgAAVgcAAKr4//8BAAAAf39/AAEAAABkAAAAAAAAABQAAABAHwAAAAAAACYAAAAAAAAAwOD//wAAAAAmAAAAZAAAABYAAABMAAAAAAAAAAAAAAAEAAAAAAAAAAEAAABZWVkKAAAAACgAAAAoAAAAZAAAAGQAAAAAAAAAzMzMAAAAAABQAAAAUAAAAGQAAABkAAAAAAAAABcAAAAUAAAAAAAAAAAAAAD/fwAA/38AAAAAAAAJAAAABAAAAKHj6wAeAAAAaAAAAAAAAAAAAAAAAAAAAAAAAAAAAAAAECcAABAnAAAAAAAAAAAAAAAAAAAAAAAAAAAAAAAAAAAAAAAAAAAAABQAAAAAAAAAwMD/AAAAAABkAAAAMgAAAAAAAABkAAAAAAAAAH9/fwAKAAAAIgAAABgAAAAAAAAAAAAAAAAAAAAAAAAAAAAAAAAAAAAkAAAAJAAAAAAAAAAHAAAAAAAAAAAAAAAAAAAAAAAAAAAAAAAAAAAAf39/ACUAAABYAAAAAAAAAAAAAAAAAAAAAAAAAAAAAAAAAAAAAAAAAAAAAAAAAAAAAAAAAAAAAAA/AAAAAAAAAKCGAQAAAAAAAAAAAAAAAAAMAAAAAQAAAAAAAAAAAAAAAAAAAB8AAABUAAAAAAAABQAAAAEAAAAAAAAAAAAAAAAAAAAAAAAAAAAAAAAAAAAAAAAAAAAAAAB/f38AAAAAA8zMzADAwP8Af39/AAAAAAAAAAAAAAAAAAAAAAAAAAAAIQAAABgAAAAUAAAAWAIAADgEAADYJwAAUBkAABAAAAAmAAAACAAAAAEPAAAAAAAA"/>
+              </a:ext>
+            </a:extLst>
+          </p:cNvSpPr>
+          <p:nvPr>
+            <p:ph type="sldImg" idx="2"/>
+          </p:nvPr>
+        </p:nvSpPr>
+        <p:spPr>
+          <a:xfrm>
+            <a:off x="381000" y="685800"/>
+            <a:ext cx="6096000" cy="3429000"/>
+          </a:xfrm>
+          <a:custGeom>
+            <a:avLst/>
+            <a:gdLst/>
+            <a:ahLst/>
+            <a:cxnLst/>
+            <a:rect l="0" t="0" r="6096000" b="3429000"/>
+            <a:pathLst>
+              <a:path w="6096000" h="3429000" fill="none" extrusionOk="0">
+                <a:moveTo>
+                  <a:pt x="0" y="0"/>
+                </a:moveTo>
+                <a:lnTo>
+                  <a:pt x="6096000" y="0"/>
+                </a:lnTo>
+                <a:lnTo>
+                  <a:pt x="6096000" y="3429000"/>
+                </a:lnTo>
+                <a:lnTo>
+                  <a:pt x="0" y="3429000"/>
+                </a:lnTo>
+                <a:close/>
+              </a:path>
+            </a:pathLst>
+          </a:custGeom>
+        </p:spPr>
+      </p:sp>
+      <p:sp>
+        <p:nvSpPr>
+          <p:cNvPr id="3" name="Google Shape;239;g341727d1ac5_0_0:notes"/>
+          <p:cNvSpPr>
+            <a:spLocks noGrp="1" noChangeArrowheads="1"/>
+            <a:extLst>
+              <a:ext uri="smNativeData">
+                <pr:smNativeData xmlns:pr="smNativeData" xmlns="smNativeData" val="SMDATA_15_t6npZxMAAAAlAAAAZAAAAA0AAAAAkAAAAJAAAACQAAAAkAAAAAAAAAAAAAAAAAAAAAEAAABQAAAAAAAAAAAA4D8AAAAAAADgPwAAAAAAAOA/AAAAAAAA4D8AAAAAAADgPwAAAAAAAOA/AAAAAAAA4D8AAAAAAADgPwAAAAAAAOA/AAAAAAAA4D8CAAAAjAAAAAAAAAAAAAAAQoX0DP///wgAAAAAAAAAAAAAAAAAAAAAAAAAAAAAAAAAAAAAZAAAAAEAAABAAAAAAAAAAAAAAAAAAAAAAAAAAAAAAAAAAAAAAAAAAAAAAAAAAAAAAAAAAAAAAAAAAAAAAAAAAAAAAAAAAAAAAAAAAAAAAAAAAAAAAAAAAAAAAAAAAAAAFAAAADwAAAAAAAAAAAAAAAAAAAkUAAAAAQAAABQAAAAUAAAAFAAAAAEAAAAAAAAAZAAAAGQAAAAAAAAAZAAAAGQAAAAVAAAAYAAAAAAAAAAAAAAADwAAACADAAAAAAAAAAAAAAEAAACgMgAAVgcAAKr4//8BAAAAf39/AAEAAABkAAAAAAAAABQAAABAHwAAAAAAACYAAAAAAAAAwOD//wAAAAAmAAAAZAAAABYAAABMAAAAAAAAAAAAAAAEAAAAAAAAAAEAAABZWVkKAAAAACgAAAAoAAAAZAAAAGQAAAAAAAAAzMzMAAAAAABQAAAAUAAAAGQAAABkAAAAAAAAABcAAAAUAAAAAAAAAAAAAAD/fwAA/38AAAAAAAAJAAAABAAAAF8AYAAeAAAAaAAAAAAAAAAAAAAAAAAAAAAAAAAAAAAAECcAABAnAAAAAAAAAAAAAAAAAAAAAAAAAAAAAAAAAAAAAAAAAAAAABQAAAAAAAAAwMD/AAAAAABkAAAAMgAAAAAAAABkAAAAAAAAAH9/fwAKAAAAIgAAABgAAAAAAAAAAAAAAAAAAAAAAAAAAAAAAAAAAAAkAAAAJAAAAAAAAAAHAAAAAAAAAAAAAAAAAAAAAAAAAAAAAAAAAAAAf39/ACUAAABYAAAAAAAAAAAAAAAAAAAAAAAAAAAAAAAAAAAAAAAAAAAAAAAAAAAAAAAAAAAAAAA/AAAAAAAAAKCGAQAAAAAAAAAAAAAAAAAMAAAAAQAAAAAAAAAAAAAAAAAAAB8AAABUAAAAAAAABQAAAAEAAAAAAAAAAAAAAAAAAAAAAAAAAAAAAAAAAAAAAAAAAAAAAAJ/f38AAAAAA8zMzADAwP8Af39/AAAAAAAAAAAAAAAAAAAAAAAAAAAAIQAAABgAAAAUAAAAOAQAALgaAAD4JQAACDQAABAAAAAmAAAACAAAAL0/AAAAAAAA"/>
+              </a:ext>
+            </a:extLst>
+          </p:cNvSpPr>
+          <p:nvPr>
+            <p:ph type="body" idx="1"/>
+          </p:nvPr>
+        </p:nvSpPr>
+        <p:spPr>
+          <a:xfrm>
+            <a:off x="685800" y="4343400"/>
+            <a:ext cx="5486400" cy="4114800"/>
+          </a:xfrm>
+          <a:prstGeom prst="rect">
+            <a:avLst/>
+          </a:prstGeom>
+        </p:spPr>
+        <p:txBody>
+          <a:bodyPr vert="horz" wrap="square" lIns="91440" tIns="91440" rIns="91440" bIns="91440" numCol="1" spcCol="215900" anchor="t">
+            <a:prstTxWarp prst="textNoShape">
+              <a:avLst/>
+            </a:prstTxWarp>
+          </a:bodyPr>
+          <a:lstStyle/>
+          <a:p>
+            <a:pPr marL="0" indent="0" algn="l">
+              <a:spcBef>
+                <a:spcPts val="0"/>
+              </a:spcBef>
+              <a:spcAft>
+                <a:spcPts val="0"/>
+              </a:spcAft>
+              <a:buNone/>
+            </a:pPr>
+          </a:p>
+        </p:txBody>
+      </p:sp>
+    </p:spTree>
+  </p:cSld>
+  <p:clrMapOvr>
+    <a:masterClrMapping/>
+  </p:clrMapOvr>
+</p:notes>
+</file>
+
+<file path=ppt/notesSlides/notesSlide16.xml><?xml version="1.0" encoding="utf-8"?>
+<p:notes xmlns:p="http://schemas.openxmlformats.org/presentationml/2006/main" xmlns:mc="http://schemas.openxmlformats.org/markup-compatibility/2006" xmlns:p14="http://schemas.microsoft.com/office/powerpoint/2010/main" xmlns:p15="http://schemas.microsoft.com/office/powerpoint/2012/main" xmlns:r="http://schemas.openxmlformats.org/officeDocument/2006/relationships" xmlns:a="http://schemas.openxmlformats.org/drawingml/2006/main" showMasterSp="0">
+  <p:cSld>
+    <p:bg>
+      <p:bgPr>
+        <a:solidFill>
+          <a:schemeClr val="bg1"/>
+        </a:solidFill>
+        <a:effectLst/>
+      </p:bgPr>
+    </p:bg>
+    <p:spTree>
+      <p:nvGrpSpPr>
+        <p:cNvPr id="1" name=""/>
+        <p:cNvGrpSpPr/>
+        <p:nvPr/>
+      </p:nvGrpSpPr>
+      <p:grpSpPr>
+        <a:xfrm>
+          <a:off x="0" y="0"/>
+          <a:ext cx="0" cy="0"/>
+          <a:chOff x="0" y="0"/>
+          <a:chExt cx="0" cy="0"/>
+        </a:xfrm>
+      </p:grpSpPr>
+      <p:sp>
+        <p:nvSpPr>
           <p:cNvPr id="2" name="Google Shape;201;gdf29b9fb24_0_69:notes"/>
           <p:cNvSpPr>
             <a:spLocks noGrp="1" noChangeArrowheads="1"/>
             <a:extLst>
               <a:ext uri="smNativeData">
-                <pr:smNativeData xmlns:pr="smNativeData" xmlns="smNativeData" val="SMDATA_15_gHjoZxMAAAAlAAAACwAAAA0AAAAAWAIAADgEAADYJwAAUBkAAAAAAAAAAAAAAAAAAAEAAABQAAAAAAAAAAAA4D8AAAAAAADgPwAAAAAAAOA/AAAAAAAA4D8AAAAAAADgPwAAAAAAAOA/AAAAAAAA4D8AAAAAAADgPwAAAAAAAOA/AAAAAAAA4D8CAAAAjAAAAAAAAAAAAAAAQoX0DP///wgAAAAAAAAAAAAAAAAAAAAAAAAAAAAAAAAAAAAAZAAAAAEAAABAAAAAAAAAAAAAAAAAAAAAAAAAAAAAAAAAAAAAAAAAAAAAAAAAAAAAAAAAAAAAAAAAAAAAAAAAAAAAAAAAAAAAAAAAAAAAAAAAAAAAAAAAAAAAAAAAAAAAFAAAADwAAAABAAAAAAAAAAAAAAAPAAAAAQAAACMAAAAjAAAAIwAAAB4AAAAAAAAASwAAAEsAAAAAAAAASwAAAEsAAAAVAAAAYAAAAAAAAAAAAAAADwAAACADAAAAAAAAAAAAAAEAAACgMgAAVgcAAKr4//8BAAAAf39/AAEAAABkAAAAAAAAABQAAABAHwAAAAAAACYAAAAAAAAAwOD//wAAAAAmAAAAZAAAABYAAABMAAAAAAAAAAAAAAAEAAAAAAAAAAEAAABZWVkKAAAAACgAAAAoAAAAZAAAAGQAAAAAAAAAzMzMAAAAAABQAAAAUAAAAGQAAABkAAAAAAAAABcAAAAUAAAAAAAAAAAAAAD/fwAA/38AAAAAAAAJAAAABAAAAF8AYAAeAAAAaAAAAAAAAAAAAAAAAAAAAAAAAAAAAAAAECcAABAnAAAAAAAAAAAAAAAAAAAAAAAAAAAAAAAAAAAAAAAAAAAAABQAAAAAAAAAwMD/AAAAAABkAAAAMgAAAAAAAABkAAAAAAAAAH9/fwAKAAAAIgAAABgAAAAAAAAAAAAAAAAAAAAAAAAAAAAAAAAAAAAkAAAAJAAAAAAAAAAHAAAAAAAAAAAAAAAAAAAAAAAAAAAAAAAAAAAAf39/ACUAAABYAAAAAAAAAAAAAAAAAAAAAAAAAAAAAAAAAAAAAAAAAAAAAAAAAAAAAAAAAAAAAAA/AAAAAAAAAKCGAQAAAAAAAAAAAAAAAAAMAAAAAQAAAAAAAAAAAAAAAAAAAB8AAABUAAAAAAAABQAAAAEAAAAAAAAAAAAAAAAAAAAAAAAAAAAAAAAAAAAAAAAAAAAAAAB/f38AAAAAA8zMzADAwP8Af39/AAAAAAAAAAAAAAAAAAAAAAAAAAAAIQAAABgAAAAUAAAAWAIAADgEAADYJwAAUBkAABAAAAAmAAAACAAAAAEPAAAAAAAA"/>
+                <pr:smNativeData xmlns:pr="smNativeData" xmlns="smNativeData" val="SMDATA_15_t6npZxMAAAAlAAAACwAAAA0AAAAAWAIAADgEAADYJwAAUBkAAAAAAAAAAAAAAAAAAAEAAABQAAAAAAAAAAAA4D8AAAAAAADgPwAAAAAAAOA/AAAAAAAA4D8AAAAAAADgPwAAAAAAAOA/AAAAAAAA4D8AAAAAAADgPwAAAAAAAOA/AAAAAAAA4D8CAAAAjAAAAAAAAAAAAAAAQoX0DP///wgAAAAAAAAAAAAAAAAAAAAAAAAAAAAAAAAAAAAAZAAAAAEAAABAAAAAAAAAAAAAAAAAAAAAAAAAAAAAAAAAAAAAAAAAAAAAAAAAAAAAAAAAAAAAAAAAAAAAAAAAAAAAAAAAAAAAAAAAAAAAAAAAAAAAAAAAAAAAAAAAAAAAFAAAADwAAAABAAAAAAAAAAAAAAAPAAAAAQAAACMAAAAjAAAAIwAAAB4AAAAAAAAASwAAAEsAAAAAAAAASwAAAEsAAAAVAAAAYAAAAAAAAAAAAAAADwAAACADAAAAAAAAAAAAAAEAAACgMgAAVgcAAKr4//8BAAAAf39/AAEAAABkAAAAAAAAABQAAABAHwAAAAAAACYAAAAAAAAAwOD//wAAAAAmAAAAZAAAABYAAABMAAAAAAAAAAAAAAAEAAAAAAAAAAEAAABZWVkKAAAAACgAAAAoAAAAZAAAAGQAAAAAAAAAzMzMAAAAAABQAAAAUAAAAGQAAABkAAAAAAAAABcAAAAUAAAAAAAAAAAAAAD/fwAA/38AAAAAAAAJAAAABAAAAAAAAAAeAAAAaAAAAAAAAAAAAAAAAAAAAAAAAAAAAAAAECcAABAnAAAAAAAAAAAAAAAAAAAAAAAAAAAAAAAAAAAAAAAAAAAAABQAAAAAAAAAwMD/AAAAAABkAAAAMgAAAAAAAABkAAAAAAAAAH9/fwAKAAAAIgAAABgAAAAAAAAAAAAAAAAAAAAAAAAAAAAAAAAAAAAkAAAAJAAAAAAAAAAHAAAAAAAAAAAAAAAAAAAAAAAAAAAAAAAAAAAAf39/ACUAAABYAAAAAAAAAAAAAAAAAAAAAAAAAAAAAAAAAAAAAAAAAAAAAAAAAAAAAAAAAAAAAAA/AAAAAAAAAKCGAQAAAAAAAAAAAAAAAAAMAAAAAQAAAAAAAAAAAAAAAAAAAB8AAABUAAAAAAAABQAAAAEAAAAAAAAAAAAAAAAAAAAAAAAAAAAAAAAAAAAAAAAAAAAAAAB/f38AAAAAA8zMzADAwP8Af39/AAAAAAAAAAAAAAAAAAAAAAAAAAAAIQAAABgAAAAUAAAAWAIAADgEAADYJwAAUBkAABAAAAAmAAAACAAAAAEPAAAAAAAA"/>
               </a:ext>
             </a:extLst>
           </p:cNvSpPr>
@@ -1239,7 +1609,7 @@
             <a:spLocks noGrp="1" noChangeArrowheads="1"/>
             <a:extLst>
               <a:ext uri="smNativeData">
-                <pr:smNativeData xmlns:pr="smNativeData" xmlns="smNativeData" val="SMDATA_15_gHjoZxMAAAAlAAAAZAAAAA0AAAAAkAAAAJAAAACQAAAAkAAAAAAAAAAAAAAAAAAAAAEAAABQAAAAAAAAAAAA4D8AAAAAAADgPwAAAAAAAOA/AAAAAAAA4D8AAAAAAADgPwAAAAAAAOA/AAAAAAAA4D8AAAAAAADgPwAAAAAAAOA/AAAAAAAA4D8CAAAAjAAAAAAAAAAAAAAAQoX0DP///wgAAAAAAAAAAAAAAAAAAAAAAAAAAAAAAAAAAAAAZAAAAAEAAABAAAAAAAAAAAAAAAAAAAAAAAAAAAAAAAAAAAAAAAAAAAAAAAAAAAAAAAAAAAAAAAAAAAAAAAAAAAAAAAAAAAAAAAAAAAAAAAAAAAAAAAAAAAAAAAAAAAAAFAAAADwAAAAAAAAAAAAAAAAAAAkUAAAAAQAAABQAAAAUAAAAFAAAAAEAAAAAAAAAZAAAAGQAAAAAAAAAZAAAAGQAAAAVAAAAYAAAAAAAAAAAAAAADwAAACADAAAAAAAAAAAAAAEAAACgMgAAVgcAAKr4//8BAAAAf39/AAEAAABkAAAAAAAAABQAAABAHwAAAAAAACYAAAAAAAAAwOD//wAAAAAmAAAAZAAAABYAAABMAAAAAAAAAAAAAAAEAAAAAAAAAAEAAABZWVkKAAAAACgAAAAoAAAAZAAAAGQAAAAAAAAAzMzMAAAAAABQAAAAUAAAAGQAAABkAAAAAAAAABcAAAAUAAAAAAAAAAAAAAD/fwAA/38AAAAAAAAJAAAABAAAAAAAAAAeAAAAaAAAAAAAAAAAAAAAAAAAAAAAAAAAAAAAECcAABAnAAAAAAAAAAAAAAAAAAAAAAAAAAAAAAAAAAAAAAAAAAAAABQAAAAAAAAAwMD/AAAAAABkAAAAMgAAAAAAAABkAAAAAAAAAH9/fwAKAAAAIgAAABgAAAAAAAAAAAAAAAAAAAAAAAAAAAAAAAAAAAAkAAAAJAAAAAAAAAAHAAAAAAAAAAAAAAAAAAAAAAAAAAAAAAAAAAAAf39/ACUAAABYAAAAAAAAAAAAAAAAAAAAAAAAAAAAAAAAAAAAAAAAAAAAAAAAAAAAAAAAAAAAAAA/AAAAAAAAAKCGAQAAAAAAAAAAAAAAAAAMAAAAAQAAAAAAAAAAAAAAAAAAAB8AAABUAAAAAAAABQAAAAEAAAAAAAAAAAAAAAAAAAAAAAAAAAAAAAAAAAAAAAAAAAAAAAJ/f38AAAAAA8zMzADAwP8Af39/AAAAAAAAAAAAAAAAAAAAAAAAAAAAIQAAABgAAAAUAAAAOAQAALgaAAD4JQAACDQAABAAAAAmAAAACAAAAL0/AAAAAAAA"/>
+                <pr:smNativeData xmlns:pr="smNativeData" xmlns="smNativeData" val="SMDATA_15_t6npZxMAAAAlAAAAZAAAAA0AAAAAkAAAAJAAAACQAAAAkAAAAAAAAAAAAAAAAAAAAAEAAABQAAAAAAAAAAAA4D8AAAAAAADgPwAAAAAAAOA/AAAAAAAA4D8AAAAAAADgPwAAAAAAAOA/AAAAAAAA4D8AAAAAAADgPwAAAAAAAOA/AAAAAAAA4D8CAAAAjAAAAAAAAAAAAAAAQoX0DP///wgAAAAAAAAAAAAAAAAAAAAAAAAAAAAAAAAAAAAAZAAAAAEAAABAAAAAAAAAAAAAAAAAAAAAAAAAAAAAAAAAAAAAAAAAAAAAAAAAAAAAAAAAAAAAAAAAAAAAAAAAAAAAAAAAAAAAAAAAAAAAAAAAAAAAAAAAAAAAAAAAAAAAFAAAADwAAAAAAAAAAAAAAAAAAAkUAAAAAQAAABQAAAAUAAAAFAAAAAEAAAAAAAAAZAAAAGQAAAAAAAAAZAAAAGQAAAAVAAAAYAAAAAAAAAAAAAAADwAAACADAAAAAAAAAAAAAAEAAACgMgAAVgcAAKr4//8BAAAAf39/AAEAAABkAAAAAAAAABQAAABAHwAAAAAAACYAAAAAAAAAwOD//wAAAAAmAAAAZAAAABYAAABMAAAAAAAAAAAAAAAEAAAAAAAAAAEAAABZWVkKAAAAACgAAAAoAAAAZAAAAGQAAAAAAAAAzMzMAAAAAABQAAAAUAAAAGQAAABkAAAAAAAAABcAAAAUAAAAAAAAAAAAAAD/fwAA/38AAAAAAAAJAAAABAAAAAAAAAAeAAAAaAAAAAAAAAAAAAAAAAAAAAAAAAAAAAAAECcAABAnAAAAAAAAAAAAAAAAAAAAAAAAAAAAAAAAAAAAAAAAAAAAABQAAAAAAAAAwMD/AAAAAABkAAAAMgAAAAAAAABkAAAAAAAAAH9/fwAKAAAAIgAAABgAAAAAAAAAAAAAAAAAAAAAAAAAAAAAAAAAAAAkAAAAJAAAAAAAAAAHAAAAAAAAAAAAAAAAAAAAAAAAAAAAAAAAAAAAf39/ACUAAABYAAAAAAAAAAAAAAAAAAAAAAAAAAAAAAAAAAAAAAAAAAAAAAAAAAAAAAAAAAAAAAA/AAAAAAAAAKCGAQAAAAAAAAAAAAAAAAAMAAAAAQAAAAAAAAAAAAAAAAAAAB8AAABUAAAAAAAABQAAAAEAAAAAAAAAAAAAAAAAAAAAAAAAAAAAAAAAAAAAAAAAAAAAAAJ/f38AAAAAA8zMzADAwP8Af39/AAAAAAAAAAAAAAAAAAAAAAAAAAAAIQAAABgAAAAUAAAAOAQAALgaAAD4JQAACDQAABAAAAAmAAAACAAAAL0/AAAAAAAA"/>
               </a:ext>
             </a:extLst>
           </p:cNvSpPr>
@@ -1284,7 +1654,499 @@
 </p:notes>
 </file>
 
-<file path=ppt/notesSlides/notesSlide14.xml><?xml version="1.0" encoding="utf-8"?>
+<file path=ppt/notesSlides/notesSlide2.xml><?xml version="1.0" encoding="utf-8"?>
+<p:notes xmlns:p="http://schemas.openxmlformats.org/presentationml/2006/main" xmlns:mc="http://schemas.openxmlformats.org/markup-compatibility/2006" xmlns:p14="http://schemas.microsoft.com/office/powerpoint/2010/main" xmlns:p15="http://schemas.microsoft.com/office/powerpoint/2012/main" xmlns:r="http://schemas.openxmlformats.org/officeDocument/2006/relationships" xmlns:a="http://schemas.openxmlformats.org/drawingml/2006/main" showMasterSp="0">
+  <p:cSld>
+    <p:bg>
+      <p:bgPr>
+        <a:solidFill>
+          <a:schemeClr val="bg1"/>
+        </a:solidFill>
+        <a:effectLst/>
+      </p:bgPr>
+    </p:bg>
+    <p:spTree>
+      <p:nvGrpSpPr>
+        <p:cNvPr id="1" name=""/>
+        <p:cNvGrpSpPr/>
+        <p:nvPr/>
+      </p:nvGrpSpPr>
+      <p:grpSpPr>
+        <a:xfrm>
+          <a:off x="0" y="0"/>
+          <a:ext cx="0" cy="0"/>
+          <a:chOff x="0" y="0"/>
+          <a:chExt cx="0" cy="0"/>
+        </a:xfrm>
+      </p:grpSpPr>
+      <p:sp>
+        <p:nvSpPr>
+          <p:cNvPr id="2" name="Google Shape;160;gde823becd0_0_40:notes"/>
+          <p:cNvSpPr>
+            <a:spLocks noGrp="1" noChangeArrowheads="1"/>
+            <a:extLst>
+              <a:ext uri="smNativeData">
+                <pr:smNativeData xmlns:pr="smNativeData" xmlns="smNativeData" val="SMDATA_15_t6npZxMAAAAlAAAACwAAAA0AAAAAWAIAADgEAADYJwAAUBkAAAAAAAAAAAAAAAAAAAEAAABQAAAAAAAAAAAA4D8AAAAAAADgPwAAAAAAAOA/AAAAAAAA4D8AAAAAAADgPwAAAAAAAOA/AAAAAAAA4D8AAAAAAADgPwAAAAAAAOA/AAAAAAAA4D8CAAAAjAAAAAAAAAAAAAAAQoX0DP///wgAAAAAAAAAAAAAAAAAAAAAAAAAAAAAAAAAAAAAZAAAAAEAAABAAAAAAAAAAAAAAAAAAAAAAAAAAAAAAAAAAAAAAAAAAAAAAAAAAAAAAAAAAAAAAAAAAAAAAAAAAAAAAAAAAAAAAAAAAAAAAAAAAAAAAAAAAAAAAAAAAAAAFAAAADwAAAABAAAAAAAAAAAAAAAPAAAAAQAAACMAAAAjAAAAIwAAAB4AAAAAAAAASwAAAEsAAAAAAAAASwAAAEsAAAAVAAAAYAAAAAAAAAAAAAAADwAAACADAAAAAAAAAAAAAAEAAACgMgAAVgcAAKr4//8BAAAAf39/AAEAAABkAAAAAAAAABQAAABAHwAAAAAAACYAAAAAAAAAwOD//wAAAAAmAAAAZAAAABYAAABMAAAAAAAAAAAAAAAEAAAAAAAAAAEAAABZWVkKAAAAACgAAAAoAAAAZAAAAGQAAAAAAAAAzMzMAAAAAABQAAAAUAAAAGQAAABkAAAAAAAAABcAAAAUAAAAAAAAAAAAAAD/fwAA/38AAAAAAAAJAAAABAAAAAAAAAAeAAAAaAAAAAAAAAAAAAAAAAAAAAAAAAAAAAAAECcAABAnAAAAAAAAAAAAAAAAAAAAAAAAAAAAAAAAAAAAAAAAAAAAABQAAAAAAAAAwMD/AAAAAABkAAAAMgAAAAAAAABkAAAAAAAAAH9/fwAKAAAAIgAAABgAAAAAAAAAAAAAAAAAAAAAAAAAAAAAAAAAAAAkAAAAJAAAAAAAAAAHAAAAAAAAAAAAAAAAAAAAAAAAAAAAAAAAAAAAf39/ACUAAABYAAAAAAAAAAAAAAAAAAAAAAAAAAAAAAAAAAAAAAAAAAAAAAAAAAAAAAAAAAAAAAA/AAAAAAAAAKCGAQAAAAAAAAAAAAAAAAAMAAAAAQAAAAAAAAAAAAAAAAAAAB8AAABUAAAAAAAABQAAAAEAAAAAAAAAAAAAAAAAAAAAAAAAAAAAAAAAAAAAAAAAAAAAAAB/f38AAAAAA8zMzADAwP8Af39/AAAAAAAAAAAAAAAAAAAAAAAAAAAAIQAAABgAAAAUAAAAWAIAADgEAADYJwAAUBkAABAAAAAmAAAACAAAAAEPAAAAAAAA"/>
+              </a:ext>
+            </a:extLst>
+          </p:cNvSpPr>
+          <p:nvPr>
+            <p:ph type="sldImg" idx="2"/>
+          </p:nvPr>
+        </p:nvSpPr>
+        <p:spPr>
+          <a:xfrm>
+            <a:off x="381000" y="685800"/>
+            <a:ext cx="6096000" cy="3429000"/>
+          </a:xfrm>
+          <a:custGeom>
+            <a:avLst/>
+            <a:gdLst/>
+            <a:ahLst/>
+            <a:cxnLst/>
+            <a:rect l="0" t="0" r="6096000" b="3429000"/>
+            <a:pathLst>
+              <a:path w="6096000" h="3429000" fill="none" extrusionOk="0">
+                <a:moveTo>
+                  <a:pt x="0" y="0"/>
+                </a:moveTo>
+                <a:lnTo>
+                  <a:pt x="6096000" y="0"/>
+                </a:lnTo>
+                <a:lnTo>
+                  <a:pt x="6096000" y="3429000"/>
+                </a:lnTo>
+                <a:lnTo>
+                  <a:pt x="0" y="3429000"/>
+                </a:lnTo>
+                <a:close/>
+              </a:path>
+            </a:pathLst>
+          </a:custGeom>
+        </p:spPr>
+      </p:sp>
+      <p:sp>
+        <p:nvSpPr>
+          <p:cNvPr id="3" name="Google Shape;161;gde823becd0_0_40:notes"/>
+          <p:cNvSpPr>
+            <a:spLocks noGrp="1" noChangeArrowheads="1"/>
+            <a:extLst>
+              <a:ext uri="smNativeData">
+                <pr:smNativeData xmlns:pr="smNativeData" xmlns="smNativeData" val="SMDATA_15_t6npZxMAAAAlAAAAZAAAAA0AAAAAkAAAAJAAAACQAAAAkAAAAAAAAAAAAAAAAAAAAAEAAABQAAAAAAAAAAAA4D8AAAAAAADgPwAAAAAAAOA/AAAAAAAA4D8AAAAAAADgPwAAAAAAAOA/AAAAAAAA4D8AAAAAAADgPwAAAAAAAOA/AAAAAAAA4D8CAAAAjAAAAAAAAAAAAAAAQoX0DP///wgAAAAAAAAAAAAAAAAAAAAAAAAAAAAAAAAAAAAAZAAAAAEAAABAAAAAAAAAAAAAAAAAAAAAAAAAAAAAAAAAAAAAAAAAAAAAAAAAAAAAAAAAAAAAAAAAAAAAAAAAAAAAAAAAAAAAAAAAAAAAAAAAAAAAAAAAAAAAAAAAAAAAFAAAADwAAAAAAAAAAAAAAAAAAAkUAAAAAQAAABQAAAAUAAAAFAAAAAEAAAAAAAAAZAAAAGQAAAAAAAAAZAAAAGQAAAAVAAAAYAAAAAAAAAAAAAAADwAAACADAAAAAAAAAAAAAAEAAACgMgAAVgcAAKr4//8BAAAAf39/AAEAAABkAAAAAAAAABQAAABAHwAAAAAAACYAAAAAAAAAwOD//wAAAAAmAAAAZAAAABYAAABMAAAAAAAAAAAAAAAEAAAAAAAAAAEAAABZWVkKAAAAACgAAAAoAAAAZAAAAGQAAAAAAAAAzMzMAAAAAABQAAAAUAAAAGQAAABkAAAAAAAAABcAAAAUAAAAAAAAAAAAAAD/fwAA/38AAAAAAAAJAAAABAAAAAAAAAAeAAAAaAAAAAAAAAAAAAAAAAAAAAAAAAAAAAAAECcAABAnAAAAAAAAAAAAAAAAAAAAAAAAAAAAAAAAAAAAAAAAAAAAABQAAAAAAAAAwMD/AAAAAABkAAAAMgAAAAAAAABkAAAAAAAAAH9/fwAKAAAAIgAAABgAAAAAAAAAAAAAAAAAAAAAAAAAAAAAAAAAAAAkAAAAJAAAAAAAAAAHAAAAAAAAAAAAAAAAAAAAAAAAAAAAAAAAAAAAf39/ACUAAABYAAAAAAAAAAAAAAAAAAAAAAAAAAAAAAAAAAAAAAAAAAAAAAAAAAAAAAAAAAAAAAA/AAAAAAAAAKCGAQAAAAAAAAAAAAAAAAAMAAAAAQAAAAAAAAAAAAAAAAAAAB8AAABUAAAAAAAABQAAAAEAAAAAAAAAAAAAAAAAAAAAAAAAAAAAAAAAAAAAAAAAAAAAAAJ/f38AAAAAA8zMzADAwP8Af39/AAAAAAAAAAAAAAAAAAAAAAAAAAAAIQAAABgAAAAUAAAAOAQAALgaAAD4JQAACDQAABAAAAAmAAAACAAAAL0/AAAAAAAA"/>
+              </a:ext>
+            </a:extLst>
+          </p:cNvSpPr>
+          <p:nvPr>
+            <p:ph type="body" idx="1"/>
+          </p:nvPr>
+        </p:nvSpPr>
+        <p:spPr>
+          <a:xfrm>
+            <a:off x="685800" y="4343400"/>
+            <a:ext cx="5486400" cy="4114800"/>
+          </a:xfrm>
+          <a:prstGeom prst="rect">
+            <a:avLst/>
+          </a:prstGeom>
+        </p:spPr>
+        <p:txBody>
+          <a:bodyPr vert="horz" wrap="square" lIns="91440" tIns="91440" rIns="91440" bIns="91440" numCol="1" spcCol="215900" anchor="t">
+            <a:prstTxWarp prst="textNoShape">
+              <a:avLst/>
+            </a:prstTxWarp>
+          </a:bodyPr>
+          <a:lstStyle/>
+          <a:p>
+            <a:pPr marL="0" indent="0" algn="l">
+              <a:spcBef>
+                <a:spcPts val="0"/>
+              </a:spcBef>
+              <a:spcAft>
+                <a:spcPts val="0"/>
+              </a:spcAft>
+              <a:buNone/>
+            </a:pPr>
+          </a:p>
+        </p:txBody>
+      </p:sp>
+    </p:spTree>
+  </p:cSld>
+  <p:clrMapOvr>
+    <a:masterClrMapping/>
+  </p:clrMapOvr>
+</p:notes>
+</file>
+
+<file path=ppt/notesSlides/notesSlide3.xml><?xml version="1.0" encoding="utf-8"?>
+<p:notes xmlns:p="http://schemas.openxmlformats.org/presentationml/2006/main" xmlns:mc="http://schemas.openxmlformats.org/markup-compatibility/2006" xmlns:p14="http://schemas.microsoft.com/office/powerpoint/2010/main" xmlns:p15="http://schemas.microsoft.com/office/powerpoint/2012/main" xmlns:r="http://schemas.openxmlformats.org/officeDocument/2006/relationships" xmlns:a="http://schemas.openxmlformats.org/drawingml/2006/main" showMasterSp="0">
+  <p:cSld>
+    <p:bg>
+      <p:bgPr>
+        <a:solidFill>
+          <a:schemeClr val="bg1"/>
+        </a:solidFill>
+        <a:effectLst/>
+      </p:bgPr>
+    </p:bg>
+    <p:spTree>
+      <p:nvGrpSpPr>
+        <p:cNvPr id="1" name=""/>
+        <p:cNvGrpSpPr/>
+        <p:nvPr/>
+      </p:nvGrpSpPr>
+      <p:grpSpPr>
+        <a:xfrm>
+          <a:off x="0" y="0"/>
+          <a:ext cx="0" cy="0"/>
+          <a:chOff x="0" y="0"/>
+          <a:chExt cx="0" cy="0"/>
+        </a:xfrm>
+      </p:grpSpPr>
+      <p:sp>
+        <p:nvSpPr>
+          <p:cNvPr id="2" name="Google Shape;168;g30f7d84ce1d_0_256:notes"/>
+          <p:cNvSpPr>
+            <a:spLocks noGrp="1" noChangeArrowheads="1"/>
+            <a:extLst>
+              <a:ext uri="smNativeData">
+                <pr:smNativeData xmlns:pr="smNativeData" xmlns="smNativeData" val="SMDATA_15_t6npZxMAAAAlAAAACwAAAA0AAAAAWAIAADgEAADYJwAAUBkAAAAAAAAAAAAAAAAAAAEAAABQAAAAAAAAAAAA4D8AAAAAAADgPwAAAAAAAOA/AAAAAAAA4D8AAAAAAADgPwAAAAAAAOA/AAAAAAAA4D8AAAAAAADgPwAAAAAAAOA/AAAAAAAA4D8CAAAAjAAAAAAAAAAAAAAAQoX0DP///wgAAAAAAAAAAAAAAAAAAAAAAAAAAAAAAAAAAAAAZAAAAAEAAABAAAAAAAAAAAAAAAAAAAAAAAAAAAAAAAAAAAAAAAAAAAAAAAAAAAAAAAAAAAAAAAAAAAAAAAAAAAAAAAAAAAAAAAAAAAAAAAAAAAAAAAAAAAAAAAAAAAAAFAAAADwAAAABAAAAAAAAAAAAAAAPAAAAAQAAACMAAAAjAAAAIwAAAB4AAAAAAAAASwAAAEsAAAAAAAAASwAAAEsAAAAVAAAAYAAAAAAAAAAAAAAADwAAACADAAAAAAAAAAAAAAEAAACgMgAAVgcAAKr4//8BAAAAf39/AAEAAABkAAAAAAAAABQAAABAHwAAAAAAACYAAAAAAAAAwOD//wAAAAAmAAAAZAAAABYAAABMAAAAAAAAAAAAAAAEAAAAAAAAAAEAAABZWVkKAAAAACgAAAAoAAAAZAAAAGQAAAAAAAAAzMzMAAAAAABQAAAAUAAAAGQAAABkAAAAAAAAABcAAAAUAAAAAAAAAAAAAAD/fwAA/38AAAAAAAAJAAAABAAAAAAAAAAeAAAAaAAAAAAAAAAAAAAAAAAAAAAAAAAAAAAAECcAABAnAAAAAAAAAAAAAAAAAAAAAAAAAAAAAAAAAAAAAAAAAAAAABQAAAAAAAAAwMD/AAAAAABkAAAAMgAAAAAAAABkAAAAAAAAAH9/fwAKAAAAIgAAABgAAAAAAAAAAAAAAAAAAAAAAAAAAAAAAAAAAAAkAAAAJAAAAAAAAAAHAAAAAAAAAAAAAAAAAAAAAAAAAAAAAAAAAAAAf39/ACUAAABYAAAAAAAAAAAAAAAAAAAAAAAAAAAAAAAAAAAAAAAAAAAAAAAAAAAAAAAAAAAAAAA/AAAAAAAAAKCGAQAAAAAAAAAAAAAAAAAMAAAAAQAAAAAAAAAAAAAAAAAAAB8AAABUAAAAAAAABQAAAAEAAAAAAAAAAAAAAAAAAAAAAAAAAAAAAAAAAAAAAAAAAAAAAAB/f38AAAAAA8zMzADAwP8Af39/AAAAAAAAAAAAAAAAAAAAAAAAAAAAIQAAABgAAAAUAAAAWAIAADgEAADYJwAAUBkAABAAAAAmAAAACAAAAAEPAAAAAAAA"/>
+              </a:ext>
+            </a:extLst>
+          </p:cNvSpPr>
+          <p:nvPr>
+            <p:ph type="sldImg" idx="2"/>
+          </p:nvPr>
+        </p:nvSpPr>
+        <p:spPr>
+          <a:xfrm>
+            <a:off x="381000" y="685800"/>
+            <a:ext cx="6096000" cy="3429000"/>
+          </a:xfrm>
+          <a:custGeom>
+            <a:avLst/>
+            <a:gdLst/>
+            <a:ahLst/>
+            <a:cxnLst/>
+            <a:rect l="0" t="0" r="6096000" b="3429000"/>
+            <a:pathLst>
+              <a:path w="6096000" h="3429000" fill="none" extrusionOk="0">
+                <a:moveTo>
+                  <a:pt x="0" y="0"/>
+                </a:moveTo>
+                <a:lnTo>
+                  <a:pt x="6096000" y="0"/>
+                </a:lnTo>
+                <a:lnTo>
+                  <a:pt x="6096000" y="3429000"/>
+                </a:lnTo>
+                <a:lnTo>
+                  <a:pt x="0" y="3429000"/>
+                </a:lnTo>
+                <a:close/>
+              </a:path>
+            </a:pathLst>
+          </a:custGeom>
+        </p:spPr>
+      </p:sp>
+      <p:sp>
+        <p:nvSpPr>
+          <p:cNvPr id="3" name="Google Shape;169;g30f7d84ce1d_0_256:notes"/>
+          <p:cNvSpPr>
+            <a:spLocks noGrp="1" noChangeArrowheads="1"/>
+            <a:extLst>
+              <a:ext uri="smNativeData">
+                <pr:smNativeData xmlns:pr="smNativeData" xmlns="smNativeData" val="SMDATA_15_t6npZxMAAAAlAAAAZAAAAA0AAAAAkAAAAJAAAACQAAAAkAAAAAAAAAAAAAAAAAAAAAEAAABQAAAAAAAAAAAA4D8AAAAAAADgPwAAAAAAAOA/AAAAAAAA4D8AAAAAAADgPwAAAAAAAOA/AAAAAAAA4D8AAAAAAADgPwAAAAAAAOA/AAAAAAAA4D8CAAAAjAAAAAAAAAAAAAAAQoX0DP///wgAAAAAAAAAAAAAAAAAAAAAAAAAAAAAAAAAAAAAZAAAAAEAAABAAAAAAAAAAAAAAAAAAAAAAAAAAAAAAAAAAAAAAAAAAAAAAAAAAAAAAAAAAAAAAAAAAAAAAAAAAAAAAAAAAAAAAAAAAAAAAAAAAAAAAAAAAAAAAAAAAAAAFAAAADwAAAAAAAAAAAAAAAAAAAkUAAAAAQAAABQAAAAUAAAAFAAAAAEAAAAAAAAAZAAAAGQAAAAAAAAAZAAAAGQAAAAVAAAAYAAAAAAAAAAAAAAADwAAACADAAAAAAAAAAAAAAEAAACgMgAAVgcAAKr4//8BAAAAf39/AAEAAABkAAAAAAAAABQAAABAHwAAAAAAACYAAAAAAAAAwOD//wAAAAAmAAAAZAAAABYAAABMAAAAAAAAAAAAAAAEAAAAAAAAAAEAAABZWVkKAAAAACgAAAAoAAAAZAAAAGQAAAAAAAAAzMzMAAAAAABQAAAAUAAAAGQAAABkAAAAAAAAABcAAAAUAAAAAAAAAAAAAAD/fwAA/38AAAAAAAAJAAAABAAAAAAAAAAeAAAAaAAAAAAAAAAAAAAAAAAAAAAAAAAAAAAAECcAABAnAAAAAAAAAAAAAAAAAAAAAAAAAAAAAAAAAAAAAAAAAAAAABQAAAAAAAAAwMD/AAAAAABkAAAAMgAAAAAAAABkAAAAAAAAAH9/fwAKAAAAIgAAABgAAAAAAAAAAAAAAAAAAAAAAAAAAAAAAAAAAAAkAAAAJAAAAAAAAAAHAAAAAAAAAAAAAAAAAAAAAAAAAAAAAAAAAAAAf39/ACUAAABYAAAAAAAAAAAAAAAAAAAAAAAAAAAAAAAAAAAAAAAAAAAAAAAAAAAAAAAAAAAAAAA/AAAAAAAAAKCGAQAAAAAAAAAAAAAAAAAMAAAAAQAAAAAAAAAAAAAAAAAAAB8AAABUAAAAAAAABQAAAAEAAAAAAAAAAAAAAAAAAAAAAAAAAAAAAAAAAAAAAAAAAAAAAAJ/f38AAAAAA8zMzADAwP8Af39/AAAAAAAAAAAAAAAAAAAAAAAAAAAAIQAAABgAAAAUAAAAOAQAALgaAAD4JQAACDQAABAAAAAmAAAACAAAAL0/AAAAAAAA"/>
+              </a:ext>
+            </a:extLst>
+          </p:cNvSpPr>
+          <p:nvPr>
+            <p:ph type="body" idx="1"/>
+          </p:nvPr>
+        </p:nvSpPr>
+        <p:spPr>
+          <a:xfrm>
+            <a:off x="685800" y="4343400"/>
+            <a:ext cx="5486400" cy="4114800"/>
+          </a:xfrm>
+          <a:prstGeom prst="rect">
+            <a:avLst/>
+          </a:prstGeom>
+        </p:spPr>
+        <p:txBody>
+          <a:bodyPr vert="horz" wrap="square" lIns="91440" tIns="91440" rIns="91440" bIns="91440" numCol="1" spcCol="215900" anchor="t">
+            <a:prstTxWarp prst="textNoShape">
+              <a:avLst/>
+            </a:prstTxWarp>
+          </a:bodyPr>
+          <a:lstStyle/>
+          <a:p>
+            <a:pPr marL="0" indent="0" algn="l">
+              <a:spcBef>
+                <a:spcPts val="0"/>
+              </a:spcBef>
+              <a:spcAft>
+                <a:spcPts val="0"/>
+              </a:spcAft>
+              <a:buNone/>
+            </a:pPr>
+          </a:p>
+        </p:txBody>
+      </p:sp>
+    </p:spTree>
+  </p:cSld>
+  <p:clrMapOvr>
+    <a:masterClrMapping/>
+  </p:clrMapOvr>
+</p:notes>
+</file>
+
+<file path=ppt/notesSlides/notesSlide4.xml><?xml version="1.0" encoding="utf-8"?>
+<p:notes xmlns:p="http://schemas.openxmlformats.org/presentationml/2006/main" xmlns:mc="http://schemas.openxmlformats.org/markup-compatibility/2006" xmlns:p14="http://schemas.microsoft.com/office/powerpoint/2010/main" xmlns:p15="http://schemas.microsoft.com/office/powerpoint/2012/main" xmlns:r="http://schemas.openxmlformats.org/officeDocument/2006/relationships" xmlns:a="http://schemas.openxmlformats.org/drawingml/2006/main" showMasterSp="0">
+  <p:cSld>
+    <p:bg>
+      <p:bgPr>
+        <a:solidFill>
+          <a:schemeClr val="bg1"/>
+        </a:solidFill>
+        <a:effectLst/>
+      </p:bgPr>
+    </p:bg>
+    <p:spTree>
+      <p:nvGrpSpPr>
+        <p:cNvPr id="1" name=""/>
+        <p:cNvGrpSpPr/>
+        <p:nvPr/>
+      </p:nvGrpSpPr>
+      <p:grpSpPr>
+        <a:xfrm>
+          <a:off x="0" y="0"/>
+          <a:ext cx="0" cy="0"/>
+          <a:chOff x="0" y="0"/>
+          <a:chExt cx="0" cy="0"/>
+        </a:xfrm>
+      </p:grpSpPr>
+      <p:sp>
+        <p:nvSpPr>
+          <p:cNvPr id="2" name="Google Shape;182;gf98075b259_0_20:notes"/>
+          <p:cNvSpPr>
+            <a:spLocks noGrp="1" noChangeArrowheads="1"/>
+            <a:extLst>
+              <a:ext uri="smNativeData">
+                <pr:smNativeData xmlns:pr="smNativeData" xmlns="smNativeData" val="SMDATA_15_t6npZxMAAAAlAAAACwAAAA0AAAAAWAIAADgEAADYJwAAUBkAAAAAAAAAAAAAAAAAAAEAAABQAAAAAAAAAAAA4D8AAAAAAADgPwAAAAAAAOA/AAAAAAAA4D8AAAAAAADgPwAAAAAAAOA/AAAAAAAA4D8AAAAAAADgPwAAAAAAAOA/AAAAAAAA4D8CAAAAjAAAAAAAAAAAAAAAQoX0DP///wgAAAAAAAAAAAAAAAAAAAAAAAAAAAAAAAAAAAAAZAAAAAEAAABAAAAAAAAAAAAAAAAAAAAAAAAAAAAAAAAAAAAAAAAAAAAAAAAAAAAAAAAAAAAAAAAAAAAAAAAAAAAAAAAAAAAAAAAAAAAAAAAAAAAAAAAAAAAAAAAAAAAAFAAAADwAAAABAAAAAAAAAAAAAAAPAAAAAQAAACMAAAAjAAAAIwAAAB4AAAAAAAAASwAAAEsAAAAAAAAASwAAAEsAAAAVAAAAYAAAAAAAAAAAAAAADwAAACADAAAAAAAAAAAAAAEAAACgMgAAVgcAAKr4//8BAAAAf39/AAEAAABkAAAAAAAAABQAAABAHwAAAAAAACYAAAAAAAAAwOD//wAAAAAmAAAAZAAAABYAAABMAAAAAAAAAAAAAAAEAAAAAAAAAAEAAABZWVkKAAAAACgAAAAoAAAAZAAAAGQAAAAAAAAAzMzMAAAAAABQAAAAUAAAAGQAAABkAAAAAAAAABcAAAAUAAAAAAAAAAAAAAD/fwAA/38AAAAAAAAJAAAABAAAAD4CAAAeAAAAaAAAAAAAAAAAAAAAAAAAAAAAAAAAAAAAECcAABAnAAAAAAAAAAAAAAAAAAAAAAAAAAAAAAAAAAAAAAAAAAAAABQAAAAAAAAAwMD/AAAAAABkAAAAMgAAAAAAAABkAAAAAAAAAH9/fwAKAAAAIgAAABgAAAAAAAAAAAAAAAAAAAAAAAAAAAAAAAAAAAAkAAAAJAAAAAAAAAAHAAAAAAAAAAAAAAAAAAAAAAAAAAAAAAAAAAAAf39/ACUAAABYAAAAAAAAAAAAAAAAAAAAAAAAAAAAAAAAAAAAAAAAAAAAAAAAAAAAAAAAAAAAAAA/AAAAAAAAAKCGAQAAAAAAAAAAAAAAAAAMAAAAAQAAAAAAAAAAAAAAAAAAAB8AAABUAAAAAAAABQAAAAEAAAAAAAAAAAAAAAAAAAAAAAAAAAAAAAAAAAAAAAAAAAAAAAB/f38AAAAAA8zMzADAwP8Af39/AAAAAAAAAAAAAAAAAAAAAAAAAAAAIQAAABgAAAAUAAAAWAIAADgEAADYJwAAUBkAABAAAAAmAAAACAAAAAEPAAAAAAAA"/>
+              </a:ext>
+            </a:extLst>
+          </p:cNvSpPr>
+          <p:nvPr>
+            <p:ph type="sldImg" idx="2"/>
+          </p:nvPr>
+        </p:nvSpPr>
+        <p:spPr>
+          <a:xfrm>
+            <a:off x="381000" y="685800"/>
+            <a:ext cx="6096000" cy="3429000"/>
+          </a:xfrm>
+          <a:custGeom>
+            <a:avLst/>
+            <a:gdLst/>
+            <a:ahLst/>
+            <a:cxnLst/>
+            <a:rect l="0" t="0" r="6096000" b="3429000"/>
+            <a:pathLst>
+              <a:path w="6096000" h="3429000" fill="none" extrusionOk="0">
+                <a:moveTo>
+                  <a:pt x="0" y="0"/>
+                </a:moveTo>
+                <a:lnTo>
+                  <a:pt x="6096000" y="0"/>
+                </a:lnTo>
+                <a:lnTo>
+                  <a:pt x="6096000" y="3429000"/>
+                </a:lnTo>
+                <a:lnTo>
+                  <a:pt x="0" y="3429000"/>
+                </a:lnTo>
+                <a:close/>
+              </a:path>
+            </a:pathLst>
+          </a:custGeom>
+        </p:spPr>
+      </p:sp>
+      <p:sp>
+        <p:nvSpPr>
+          <p:cNvPr id="3" name="Google Shape;183;gf98075b259_0_20:notes"/>
+          <p:cNvSpPr>
+            <a:spLocks noGrp="1" noChangeArrowheads="1"/>
+            <a:extLst>
+              <a:ext uri="smNativeData">
+                <pr:smNativeData xmlns:pr="smNativeData" xmlns="smNativeData" val="SMDATA_15_t6npZxMAAAAlAAAAZAAAAA0AAAAAkAAAAJAAAACQAAAAkAAAAAAAAAAAAAAAAAAAAAEAAABQAAAAAAAAAAAA4D8AAAAAAADgPwAAAAAAAOA/AAAAAAAA4D8AAAAAAADgPwAAAAAAAOA/AAAAAAAA4D8AAAAAAADgPwAAAAAAAOA/AAAAAAAA4D8CAAAAjAAAAAAAAAAAAAAAQoX0DP///wgAAAAAAAAAAAAAAAAAAAAAAAAAAAAAAAAAAAAAZAAAAAEAAABAAAAAAAAAAAAAAAAAAAAAAAAAAAAAAAAAAAAAAAAAAAAAAAAAAAAAAAAAAAAAAAAAAAAAAAAAAAAAAAAAAAAAAAAAAAAAAAAAAAAAAAAAAAAAAAAAAAAAFAAAADwAAAAAAAAAAAAAAAAAAAkUAAAAAQAAABQAAAAUAAAAFAAAAAEAAAAAAAAAZAAAAGQAAAAAAAAAZAAAAGQAAAAVAAAAYAAAAAAAAAAAAAAADwAAACADAAAAAAAAAAAAAAEAAACgMgAAVgcAAKr4//8BAAAAf39/AAEAAABkAAAAAAAAABQAAABAHwAAAAAAACYAAAAAAAAAwOD//wAAAAAmAAAAZAAAABYAAABMAAAAAAAAAAAAAAAEAAAAAAAAAAEAAABZWVkKAAAAACgAAAAoAAAAZAAAAGQAAAAAAAAAzMzMAAAAAABQAAAAUAAAAGQAAABkAAAAAAAAABcAAAAUAAAAAAAAAAAAAAD/fwAA/38AAAAAAAAJAAAABAAAAAAAAAAeAAAAaAAAAAAAAAAAAAAAAAAAAAAAAAAAAAAAECcAABAnAAAAAAAAAAAAAAAAAAAAAAAAAAAAAAAAAAAAAAAAAAAAABQAAAAAAAAAwMD/AAAAAABkAAAAMgAAAAAAAABkAAAAAAAAAH9/fwAKAAAAIgAAABgAAAAAAAAAAAAAAAAAAAAAAAAAAAAAAAAAAAAkAAAAJAAAAAAAAAAHAAAAAAAAAAAAAAAAAAAAAAAAAAAAAAAAAAAAf39/ACUAAABYAAAAAAAAAAAAAAAAAAAAAAAAAAAAAAAAAAAAAAAAAAAAAAAAAAAAAAAAAAAAAAA/AAAAAAAAAKCGAQAAAAAAAAAAAAAAAAAMAAAAAQAAAAAAAAAAAAAAAAAAAB8AAABUAAAAAAAABQAAAAEAAAAAAAAAAAAAAAAAAAAAAAAAAAAAAAAAAAAAAAAAAAAAAAJ/f38AAAAAA8zMzADAwP8Af39/AAAAAAAAAAAAAAAAAAAAAAAAAAAAIQAAABgAAAAUAAAAOAQAALgaAAD4JQAACDQAABAAAAAmAAAACAAAAL0/AAAAAAAA"/>
+              </a:ext>
+            </a:extLst>
+          </p:cNvSpPr>
+          <p:nvPr>
+            <p:ph type="body" idx="1"/>
+          </p:nvPr>
+        </p:nvSpPr>
+        <p:spPr>
+          <a:xfrm>
+            <a:off x="685800" y="4343400"/>
+            <a:ext cx="5486400" cy="4114800"/>
+          </a:xfrm>
+          <a:prstGeom prst="rect">
+            <a:avLst/>
+          </a:prstGeom>
+        </p:spPr>
+        <p:txBody>
+          <a:bodyPr vert="horz" wrap="square" lIns="91440" tIns="91440" rIns="91440" bIns="91440" numCol="1" spcCol="215900" anchor="t">
+            <a:prstTxWarp prst="textNoShape">
+              <a:avLst/>
+            </a:prstTxWarp>
+          </a:bodyPr>
+          <a:lstStyle/>
+          <a:p>
+            <a:pPr marL="0" indent="0" algn="l">
+              <a:spcBef>
+                <a:spcPts val="0"/>
+              </a:spcBef>
+              <a:spcAft>
+                <a:spcPts val="0"/>
+              </a:spcAft>
+              <a:buNone/>
+            </a:pPr>
+          </a:p>
+        </p:txBody>
+      </p:sp>
+    </p:spTree>
+  </p:cSld>
+  <p:clrMapOvr>
+    <a:masterClrMapping/>
+  </p:clrMapOvr>
+</p:notes>
+</file>
+
+<file path=ppt/notesSlides/notesSlide5.xml><?xml version="1.0" encoding="utf-8"?>
+<p:notes xmlns:p="http://schemas.openxmlformats.org/presentationml/2006/main" xmlns:mc="http://schemas.openxmlformats.org/markup-compatibility/2006" xmlns:p14="http://schemas.microsoft.com/office/powerpoint/2010/main" xmlns:p15="http://schemas.microsoft.com/office/powerpoint/2012/main" xmlns:r="http://schemas.openxmlformats.org/officeDocument/2006/relationships" xmlns:a="http://schemas.openxmlformats.org/drawingml/2006/main" showMasterSp="0">
+  <p:cSld>
+    <p:bg>
+      <p:bgPr>
+        <a:solidFill>
+          <a:schemeClr val="bg1"/>
+        </a:solidFill>
+        <a:effectLst/>
+      </p:bgPr>
+    </p:bg>
+    <p:spTree>
+      <p:nvGrpSpPr>
+        <p:cNvPr id="1" name=""/>
+        <p:cNvGrpSpPr/>
+        <p:nvPr/>
+      </p:nvGrpSpPr>
+      <p:grpSpPr>
+        <a:xfrm>
+          <a:off x="0" y="0"/>
+          <a:ext cx="0" cy="0"/>
+          <a:chOff x="0" y="0"/>
+          <a:chExt cx="0" cy="0"/>
+        </a:xfrm>
+      </p:grpSpPr>
+      <p:sp>
+        <p:nvSpPr>
+          <p:cNvPr id="2" name="Google Shape;192;gf98075b259_0_38:notes"/>
+          <p:cNvSpPr>
+            <a:spLocks noGrp="1" noChangeArrowheads="1"/>
+            <a:extLst>
+              <a:ext uri="smNativeData">
+                <pr:smNativeData xmlns:pr="smNativeData" xmlns="smNativeData" val="SMDATA_15_t6npZxMAAAAlAAAACwAAAA0AAAAAWAIAADgEAADYJwAAUBkAAAAAAAAAAAAAAAAAAAEAAABQAAAAAAAAAAAA4D8AAAAAAADgPwAAAAAAAOA/AAAAAAAA4D8AAAAAAADgPwAAAAAAAOA/AAAAAAAA4D8AAAAAAADgPwAAAAAAAOA/AAAAAAAA4D8CAAAAjAAAAAAAAAAAAAAAQoX0DP///wgAAAAAAAAAAAAAAAAAAAAAAAAAAAAAAAAAAAAAZAAAAAEAAABAAAAAAAAAAAAAAAAAAAAAAAAAAAAAAAAAAAAAAAAAAAAAAAAAAAAAAAAAAAAAAAAAAAAAAAAAAAAAAAAAAAAAAAAAAAAAAAAAAAAAAAAAAAAAAAAAAAAAFAAAADwAAAABAAAAAAAAAAAAAAAPAAAAAQAAACMAAAAjAAAAIwAAAB4AAAAAAAAASwAAAEsAAAAAAAAASwAAAEsAAAAVAAAAYAAAAAAAAAAAAAAADwAAACADAAAAAAAAAAAAAAEAAACgMgAAVgcAAKr4//8BAAAAf39/AAEAAABkAAAAAAAAABQAAABAHwAAAAAAACYAAAAAAAAAwOD//wAAAAAmAAAAZAAAABYAAABMAAAAAAAAAAAAAAAEAAAAAAAAAAEAAABZWVkKAAAAACgAAAAoAAAAZAAAAGQAAAAAAAAAzMzMAAAAAABQAAAAUAAAAGQAAABkAAAAAAAAABcAAAAUAAAAAAAAAAAAAAD/fwAA/38AAAAAAAAJAAAABAAAAADlJkUeAAAAaAAAAAAAAAAAAAAAAAAAAAAAAAAAAAAAECcAABAnAAAAAAAAAAAAAAAAAAAAAAAAAAAAAAAAAAAAAAAAAAAAABQAAAAAAAAAwMD/AAAAAABkAAAAMgAAAAAAAABkAAAAAAAAAH9/fwAKAAAAIgAAABgAAAAAAAAAAAAAAAAAAAAAAAAAAAAAAAAAAAAkAAAAJAAAAAAAAAAHAAAAAAAAAAAAAAAAAAAAAAAAAAAAAAAAAAAAf39/ACUAAABYAAAAAAAAAAAAAAAAAAAAAAAAAAAAAAAAAAAAAAAAAAAAAAAAAAAAAAAAAAAAAAA/AAAAAAAAAKCGAQAAAAAAAAAAAAAAAAAMAAAAAQAAAAAAAAAAAAAAAAAAAB8AAABUAAAAAAAABQAAAAEAAAAAAAAAAAAAAAAAAAAAAAAAAAAAAAAAAAAAAAAAAAAAAAB/f38AAAAAA8zMzADAwP8Af39/AAAAAAAAAAAAAAAAAAAAAAAAAAAAIQAAABgAAAAUAAAAWAIAADgEAADYJwAAUBkAABAAAAAmAAAACAAAAAEPAAAAAAAA"/>
+              </a:ext>
+            </a:extLst>
+          </p:cNvSpPr>
+          <p:nvPr>
+            <p:ph type="sldImg" idx="2"/>
+          </p:nvPr>
+        </p:nvSpPr>
+        <p:spPr>
+          <a:xfrm>
+            <a:off x="381000" y="685800"/>
+            <a:ext cx="6096000" cy="3429000"/>
+          </a:xfrm>
+          <a:custGeom>
+            <a:avLst/>
+            <a:gdLst/>
+            <a:ahLst/>
+            <a:cxnLst/>
+            <a:rect l="0" t="0" r="6096000" b="3429000"/>
+            <a:pathLst>
+              <a:path w="6096000" h="3429000" fill="none" extrusionOk="0">
+                <a:moveTo>
+                  <a:pt x="0" y="0"/>
+                </a:moveTo>
+                <a:lnTo>
+                  <a:pt x="6096000" y="0"/>
+                </a:lnTo>
+                <a:lnTo>
+                  <a:pt x="6096000" y="3429000"/>
+                </a:lnTo>
+                <a:lnTo>
+                  <a:pt x="0" y="3429000"/>
+                </a:lnTo>
+                <a:close/>
+              </a:path>
+            </a:pathLst>
+          </a:custGeom>
+        </p:spPr>
+      </p:sp>
+      <p:sp>
+        <p:nvSpPr>
+          <p:cNvPr id="3" name="Google Shape;193;gf98075b259_0_38:notes"/>
+          <p:cNvSpPr>
+            <a:spLocks noGrp="1" noChangeArrowheads="1"/>
+            <a:extLst>
+              <a:ext uri="smNativeData">
+                <pr:smNativeData xmlns:pr="smNativeData" xmlns="smNativeData" val="SMDATA_15_t6npZxMAAAAlAAAAZAAAAA0AAAAAkAAAAJAAAACQAAAAkAAAAAAAAAAAAAAAAAAAAAEAAABQAAAAAAAAAAAA4D8AAAAAAADgPwAAAAAAAOA/AAAAAAAA4D8AAAAAAADgPwAAAAAAAOA/AAAAAAAA4D8AAAAAAADgPwAAAAAAAOA/AAAAAAAA4D8CAAAAjAAAAAAAAAAAAAAAQoX0DP///wgAAAAAAAAAAAAAAAAAAAAAAAAAAAAAAAAAAAAAZAAAAAEAAABAAAAAAAAAAAAAAAAAAAAAAAAAAAAAAAAAAAAAAAAAAAAAAAAAAAAAAAAAAAAAAAAAAAAAAAAAAAAAAAAAAAAAAAAAAAAAAAAAAAAAAAAAAAAAAAAAAAAAFAAAADwAAAAAAAAAAAAAAAAAAAkUAAAAAQAAABQAAAAUAAAAFAAAAAEAAAAAAAAAZAAAAGQAAAAAAAAAZAAAAGQAAAAVAAAAYAAAAAAAAAAAAAAADwAAACADAAAAAAAAAAAAAAEAAACgMgAAVgcAAKr4//8BAAAAf39/AAEAAABkAAAAAAAAABQAAABAHwAAAAAAACYAAAAAAAAAwOD//wAAAAAmAAAAZAAAABYAAABMAAAAAAAAAAAAAAAEAAAAAAAAAAEAAABZWVkKAAAAACgAAAAoAAAAZAAAAGQAAAAAAAAAzMzMAAAAAABQAAAAUAAAAGQAAABkAAAAAAAAABcAAAAUAAAAAAAAAAAAAAD/fwAA/38AAAAAAAAJAAAABAAAAEj2GT8eAAAAaAAAAAAAAAAAAAAAAAAAAAAAAAAAAAAAECcAABAnAAAAAAAAAAAAAAAAAAAAAAAAAAAAAAAAAAAAAAAAAAAAABQAAAAAAAAAwMD/AAAAAABkAAAAMgAAAAAAAABkAAAAAAAAAH9/fwAKAAAAIgAAABgAAAAAAAAAAAAAAAAAAAAAAAAAAAAAAAAAAAAkAAAAJAAAAAAAAAAHAAAAAAAAAAAAAAAAAAAAAAAAAAAAAAAAAAAAf39/ACUAAABYAAAAAAAAAAAAAAAAAAAAAAAAAAAAAAAAAAAAAAAAAAAAAAAAAAAAAAAAAAAAAAA/AAAAAAAAAKCGAQAAAAAAAAAAAAAAAAAMAAAAAQAAAAAAAAAAAAAAAAAAAB8AAABUAAAAAAAABQAAAAEAAAAAAAAAAAAAAAAAAAAAAAAAAAAAAAAAAAAAAAAAAAAAAAJ/f38AAAAAA8zMzADAwP8Af39/AAAAAAAAAAAAAAAAAAAAAAAAAAAAIQAAABgAAAAUAAAAOAQAALgaAAD4JQAACDQAABAAAAAmAAAACAAAAL0/AAAAAAAA"/>
+              </a:ext>
+            </a:extLst>
+          </p:cNvSpPr>
+          <p:nvPr>
+            <p:ph type="body" idx="1"/>
+          </p:nvPr>
+        </p:nvSpPr>
+        <p:spPr>
+          <a:xfrm>
+            <a:off x="685800" y="4343400"/>
+            <a:ext cx="5486400" cy="4114800"/>
+          </a:xfrm>
+          <a:prstGeom prst="rect">
+            <a:avLst/>
+          </a:prstGeom>
+        </p:spPr>
+        <p:txBody>
+          <a:bodyPr vert="horz" wrap="square" lIns="91440" tIns="91440" rIns="91440" bIns="91440" numCol="1" spcCol="215900" anchor="t">
+            <a:prstTxWarp prst="textNoShape">
+              <a:avLst/>
+            </a:prstTxWarp>
+          </a:bodyPr>
+          <a:lstStyle/>
+          <a:p>
+            <a:pPr marL="0" indent="0" algn="l">
+              <a:spcBef>
+                <a:spcPts val="0"/>
+              </a:spcBef>
+              <a:spcAft>
+                <a:spcPts val="0"/>
+              </a:spcAft>
+              <a:buNone/>
+            </a:pPr>
+          </a:p>
+        </p:txBody>
+      </p:sp>
+    </p:spTree>
+  </p:cSld>
+  <p:clrMapOvr>
+    <a:masterClrMapping/>
+  </p:clrMapOvr>
+</p:notes>
+</file>
+
+<file path=ppt/notesSlides/notesSlide6.xml><?xml version="1.0" encoding="utf-8"?>
 <p:notes xmlns:p="http://schemas.openxmlformats.org/presentationml/2006/main" xmlns:mc="http://schemas.openxmlformats.org/markup-compatibility/2006" xmlns:p14="http://schemas.microsoft.com/office/powerpoint/2010/main" xmlns:p15="http://schemas.microsoft.com/office/powerpoint/2012/main" xmlns:r="http://schemas.openxmlformats.org/officeDocument/2006/relationships" xmlns:a="http://schemas.openxmlformats.org/drawingml/2006/main" showMasterSp="0">
   <p:cSld>
     <p:bg>
@@ -1316,7 +2178,7 @@
             <a:spLocks noGrp="1" noChangeArrowheads="1"/>
             <a:extLst>
               <a:ext uri="smNativeData">
-                <pr:smNativeData xmlns:pr="smNativeData" xmlns="smNativeData" val="SMDATA_15_gHjoZxMAAAAlAAAACwAAAA0AAAAAWAIAADgEAADYJwAAUBkAAAAAAAAAAAAAAAAAAAEAAABQAAAAAAAAAAAA4D8AAAAAAADgPwAAAAAAAOA/AAAAAAAA4D8AAAAAAADgPwAAAAAAAOA/AAAAAAAA4D8AAAAAAADgPwAAAAAAAOA/AAAAAAAA4D8CAAAAjAAAAAAAAAAAAAAAQoX0DP///wgAAAAAAAAAAAAAAAAAAAAAAAAAAAAAAAAAAAAAZAAAAAEAAABAAAAAAAAAAAAAAAAAAAAAAAAAAAAAAAAAAAAAAAAAAAAAAAAAAAAAAAAAAAAAAAAAAAAAAAAAAAAAAAAAAAAAAAAAAAAAAAAAAAAAAAAAAAAAAAAAAAAAFAAAADwAAAABAAAAAAAAAAAAAAAPAAAAAQAAACMAAAAjAAAAIwAAAB4AAAAAAAAASwAAAEsAAAAAAAAASwAAAEsAAAAVAAAAYAAAAAAAAAAAAAAADwAAACADAAAAAAAAAAAAAAEAAACgMgAAVgcAAKr4//8BAAAAf39/AAEAAABkAAAAAAAAABQAAABAHwAAAAAAACYAAAAAAAAAwOD//wAAAAAmAAAAZAAAABYAAABMAAAAAAAAAAAAAAAEAAAAAAAAAAEAAABZWVkKAAAAACgAAAAoAAAAZAAAAGQAAAAAAAAAzMzMAAAAAABQAAAAUAAAAGQAAABkAAAAAAAAABcAAAAUAAAAAAAAAAAAAAD/fwAA/38AAAAAAAAJAAAABAAAAAAAAAAeAAAAaAAAAAAAAAAAAAAAAAAAAAAAAAAAAAAAECcAABAnAAAAAAAAAAAAAAAAAAAAAAAAAAAAAAAAAAAAAAAAAAAAABQAAAAAAAAAwMD/AAAAAABkAAAAMgAAAAAAAABkAAAAAAAAAH9/fwAKAAAAIgAAABgAAAAAAAAAAAAAAAAAAAAAAAAAAAAAAAAAAAAkAAAAJAAAAAAAAAAHAAAAAAAAAAAAAAAAAAAAAAAAAAAAAAAAAAAAf39/ACUAAABYAAAAAAAAAAAAAAAAAAAAAAAAAAAAAAAAAAAAAAAAAAAAAAAAAAAAAAAAAAAAAAA/AAAAAAAAAKCGAQAAAAAAAAAAAAAAAAAMAAAAAQAAAAAAAAAAAAAAAAAAAB8AAABUAAAAAAAABQAAAAEAAAAAAAAAAAAAAAAAAAAAAAAAAAAAAAAAAAAAAAAAAAAAAAB/f38AAAAAA8zMzADAwP8Af39/AAAAAAAAAAAAAAAAAAAAAAAAAAAAIQAAABgAAAAUAAAAWAIAADgEAADYJwAAUBkAABAAAAAmAAAACAAAAAEPAAAAAAAA"/>
+                <pr:smNativeData xmlns:pr="smNativeData" xmlns="smNativeData" val="SMDATA_15_t6npZxMAAAAlAAAACwAAAA0AAAAAWAIAADgEAADYJwAAUBkAAAAAAAAAAAAAAAAAAAEAAABQAAAAAAAAAAAA4D8AAAAAAADgPwAAAAAAAOA/AAAAAAAA4D8AAAAAAADgPwAAAAAAAOA/AAAAAAAA4D8AAAAAAADgPwAAAAAAAOA/AAAAAAAA4D8CAAAAjAAAAAAAAAAAAAAAQoX0DP///wgAAAAAAAAAAAAAAAAAAAAAAAAAAAAAAAAAAAAAZAAAAAEAAABAAAAAAAAAAAAAAAAAAAAAAAAAAAAAAAAAAAAAAAAAAAAAAAAAAAAAAAAAAAAAAAAAAAAAAAAAAAAAAAAAAAAAAAAAAAAAAAAAAAAAAAAAAAAAAAAAAAAAFAAAADwAAAABAAAAAAAAAAAAAAAPAAAAAQAAACMAAAAjAAAAIwAAAB4AAAAAAAAASwAAAEsAAAAAAAAASwAAAEsAAAAVAAAAYAAAAAAAAAAAAAAADwAAACADAAAAAAAAAAAAAAEAAACgMgAAVgcAAKr4//8BAAAAf39/AAEAAABkAAAAAAAAABQAAABAHwAAAAAAACYAAAAAAAAAwOD//wAAAAAmAAAAZAAAABYAAABMAAAAAAAAAAAAAAAEAAAAAAAAAAEAAABZWVkKAAAAACgAAAAoAAAAZAAAAGQAAAAAAAAAzMzMAAAAAABQAAAAUAAAAGQAAABkAAAAAAAAABcAAAAUAAAAAAAAAAAAAAD/fwAA/38AAAAAAAAJAAAABAAAAF8AYAAeAAAAaAAAAAAAAAAAAAAAAAAAAAAAAAAAAAAAECcAABAnAAAAAAAAAAAAAAAAAAAAAAAAAAAAAAAAAAAAAAAAAAAAABQAAAAAAAAAwMD/AAAAAABkAAAAMgAAAAAAAABkAAAAAAAAAH9/fwAKAAAAIgAAABgAAAAAAAAAAAAAAAAAAAAAAAAAAAAAAAAAAAAkAAAAJAAAAAAAAAAHAAAAAAAAAAAAAAAAAAAAAAAAAAAAAAAAAAAAf39/ACUAAABYAAAAAAAAAAAAAAAAAAAAAAAAAAAAAAAAAAAAAAAAAAAAAAAAAAAAAAAAAAAAAAA/AAAAAAAAAKCGAQAAAAAAAAAAAAAAAAAMAAAAAQAAAAAAAAAAAAAAAAAAAB8AAABUAAAAAAAABQAAAAEAAAAAAAAAAAAAAAAAAAAAAAAAAAAAAAAAAAAAAAAAAAAAAAB/f38AAAAAA8zMzADAwP8Af39/AAAAAAAAAAAAAAAAAAAAAAAAAAAAIQAAABgAAAAUAAAAWAIAADgEAADYJwAAUBkAABAAAAAmAAAACAAAAAEPAAAAAAAA"/>
               </a:ext>
             </a:extLst>
           </p:cNvSpPr>
@@ -1362,7 +2224,7 @@
             <a:spLocks noGrp="1" noChangeArrowheads="1"/>
             <a:extLst>
               <a:ext uri="smNativeData">
-                <pr:smNativeData xmlns:pr="smNativeData" xmlns="smNativeData" val="SMDATA_15_gHjoZxMAAAAlAAAAZAAAAA0AAAAAkAAAAJAAAACQAAAAkAAAAAAAAAAAAAAAAAAAAAEAAABQAAAAAAAAAAAA4D8AAAAAAADgPwAAAAAAAOA/AAAAAAAA4D8AAAAAAADgPwAAAAAAAOA/AAAAAAAA4D8AAAAAAADgPwAAAAAAAOA/AAAAAAAA4D8CAAAAjAAAAAAAAAAAAAAAQoX0DP///wgAAAAAAAAAAAAAAAAAAAAAAAAAAAAAAAAAAAAAZAAAAAEAAABAAAAAAAAAAAAAAAAAAAAAAAAAAAAAAAAAAAAAAAAAAAAAAAAAAAAAAAAAAAAAAAAAAAAAAAAAAAAAAAAAAAAAAAAAAAAAAAAAAAAAAAAAAAAAAAAAAAAAFAAAADwAAAAAAAAAAAAAAAAAAAkUAAAAAQAAABQAAAAUAAAAFAAAAAEAAAAAAAAAZAAAAGQAAAAAAAAAZAAAAGQAAAAVAAAAYAAAAAAAAAAAAAAADwAAACADAAAAAAAAAAAAAAEAAACgMgAAVgcAAKr4//8BAAAAf39/AAEAAABkAAAAAAAAABQAAABAHwAAAAAAACYAAAAAAAAAwOD//wAAAAAmAAAAZAAAABYAAABMAAAAAAAAAAAAAAAEAAAAAAAAAAEAAABZWVkKAAAAACgAAAAoAAAAZAAAAGQAAAAAAAAAzMzMAAAAAABQAAAAUAAAAGQAAABkAAAAAAAAABcAAAAUAAAAAAAAAAAAAAD/fwAA/38AAAAAAAAJAAAABAAAAAAAAAAeAAAAaAAAAAAAAAAAAAAAAAAAAAAAAAAAAAAAECcAABAnAAAAAAAAAAAAAAAAAAAAAAAAAAAAAAAAAAAAAAAAAAAAABQAAAAAAAAAwMD/AAAAAABkAAAAMgAAAAAAAABkAAAAAAAAAH9/fwAKAAAAIgAAABgAAAAAAAAAAAAAAAAAAAAAAAAAAAAAAAAAAAAkAAAAJAAAAAAAAAAHAAAAAAAAAAAAAAAAAAAAAAAAAAAAAAAAAAAAf39/ACUAAABYAAAAAAAAAAAAAAAAAAAAAAAAAAAAAAAAAAAAAAAAAAAAAAAAAAAAAAAAAAAAAAA/AAAAAAAAAKCGAQAAAAAAAAAAAAAAAAAMAAAAAQAAAAAAAAAAAAAAAAAAAB8AAABUAAAAAAAABQAAAAEAAAAAAAAAAAAAAAAAAAAAAAAAAAAAAAAAAAAAAAAAAAAAAAJ/f38AAAAAA8zMzADAwP8Af39/AAAAAAAAAAAAAAAAAAAAAAAAAAAAIQAAABgAAAAUAAAAOAQAALgaAAD4JQAACDQAABAAAAAmAAAACAAAAL0/AAAAAAAA"/>
+                <pr:smNativeData xmlns:pr="smNativeData" xmlns="smNativeData" val="SMDATA_15_t6npZxMAAAAlAAAAZAAAAA0AAAAAkAAAAJAAAACQAAAAkAAAAAAAAAAAAAAAAAAAAAEAAABQAAAAAAAAAAAA4D8AAAAAAADgPwAAAAAAAOA/AAAAAAAA4D8AAAAAAADgPwAAAAAAAOA/AAAAAAAA4D8AAAAAAADgPwAAAAAAAOA/AAAAAAAA4D8CAAAAjAAAAAAAAAAAAAAAQoX0DP///wgAAAAAAAAAAAAAAAAAAAAAAAAAAAAAAAAAAAAAZAAAAAEAAABAAAAAAAAAAAAAAAAAAAAAAAAAAAAAAAAAAAAAAAAAAAAAAAAAAAAAAAAAAAAAAAAAAAAAAAAAAAAAAAAAAAAAAAAAAAAAAAAAAAAAAAAAAAAAAAAAAAAAFAAAADwAAAAAAAAAAAAAAAAAAAkUAAAAAQAAABQAAAAUAAAAFAAAAAEAAAAAAAAAZAAAAGQAAAAAAAAAZAAAAGQAAAAVAAAAYAAAAAAAAAAAAAAADwAAACADAAAAAAAAAAAAAAEAAACgMgAAVgcAAKr4//8BAAAAf39/AAEAAABkAAAAAAAAABQAAABAHwAAAAAAACYAAAAAAAAAwOD//wAAAAAmAAAAZAAAABYAAABMAAAAAAAAAAAAAAAEAAAAAAAAAAEAAABZWVkKAAAAACgAAAAoAAAAZAAAAGQAAAAAAAAAzMzMAAAAAABQAAAAUAAAAGQAAABkAAAAAAAAABcAAAAUAAAAAAAAAAAAAAD/fwAA/38AAAAAAAAJAAAABAAAAAEAAAAeAAAAaAAAAAAAAAAAAAAAAAAAAAAAAAAAAAAAECcAABAnAAAAAAAAAAAAAAAAAAAAAAAAAAAAAAAAAAAAAAAAAAAAABQAAAAAAAAAwMD/AAAAAABkAAAAMgAAAAAAAABkAAAAAAAAAH9/fwAKAAAAIgAAABgAAAAAAAAAAAAAAAAAAAAAAAAAAAAAAAAAAAAkAAAAJAAAAAAAAAAHAAAAAAAAAAAAAAAAAAAAAAAAAAAAAAAAAAAAf39/ACUAAABYAAAAAAAAAAAAAAAAAAAAAAAAAAAAAAAAAAAAAAAAAAAAAAAAAAAAAAAAAAAAAAA/AAAAAAAAAKCGAQAAAAAAAAAAAAAAAAAMAAAAAQAAAAAAAAAAAAAAAAAAAB8AAABUAAAAAAAABQAAAAEAAAAAAAAAAAAAAAAAAAAAAAAAAAAAAAAAAAAAAAAAAAAAAAJ/f38AAAAAA8zMzADAwP8Af39/AAAAAAAAAAAAAAAAAAAAAAAAAAAAIQAAABgAAAAUAAAAOAQAALgaAAD4JQAACDQAABAAAAAmAAAACAAAAL0/AAAAAAAA"/>
               </a:ext>
             </a:extLst>
           </p:cNvSpPr>
@@ -1407,7 +2269,7 @@
 </p:notes>
 </file>
 
-<file path=ppt/notesSlides/notesSlide15.xml><?xml version="1.0" encoding="utf-8"?>
+<file path=ppt/notesSlides/notesSlide7.xml><?xml version="1.0" encoding="utf-8"?>
 <p:notes xmlns:p="http://schemas.openxmlformats.org/presentationml/2006/main" xmlns:mc="http://schemas.openxmlformats.org/markup-compatibility/2006" xmlns:p14="http://schemas.microsoft.com/office/powerpoint/2010/main" xmlns:p15="http://schemas.microsoft.com/office/powerpoint/2012/main" xmlns:r="http://schemas.openxmlformats.org/officeDocument/2006/relationships" xmlns:a="http://schemas.openxmlformats.org/drawingml/2006/main" showMasterSp="0">
   <p:cSld>
     <p:bg>
@@ -1439,7 +2301,7 @@
             <a:spLocks noGrp="1" noChangeArrowheads="1"/>
             <a:extLst>
               <a:ext uri="smNativeData">
-                <pr:smNativeData xmlns:pr="smNativeData" xmlns="smNativeData" val="SMDATA_15_gHjoZxMAAAAlAAAACwAAAA0AAAAAWAIAADgEAADYJwAAUBkAAAAAAAAAAAAAAAAAAAEAAABQAAAAAAAAAAAA4D8AAAAAAADgPwAAAAAAAOA/AAAAAAAA4D8AAAAAAADgPwAAAAAAAOA/AAAAAAAA4D8AAAAAAADgPwAAAAAAAOA/AAAAAAAA4D8CAAAAjAAAAAAAAAAAAAAAQoX0DP///wgAAAAAAAAAAAAAAAAAAAAAAAAAAAAAAAAAAAAAZAAAAAEAAABAAAAAAAAAAAAAAAAAAAAAAAAAAAAAAAAAAAAAAAAAAAAAAAAAAAAAAAAAAAAAAAAAAAAAAAAAAAAAAAAAAAAAAAAAAAAAAAAAAAAAAAAAAAAAAAAAAAAAFAAAADwAAAABAAAAAAAAAAAAAAAPAAAAAQAAACMAAAAjAAAAIwAAAB4AAAAAAAAASwAAAEsAAAAAAAAASwAAAEsAAAAVAAAAYAAAAAAAAAAAAAAADwAAACADAAAAAAAAAAAAAAEAAACgMgAAVgcAAKr4//8BAAAAf39/AAEAAABkAAAAAAAAABQAAABAHwAAAAAAACYAAAAAAAAAwOD//wAAAAAmAAAAZAAAABYAAABMAAAAAAAAAAAAAAAEAAAAAAAAAAEAAABZWVkKAAAAACgAAAAoAAAAZAAAAGQAAAAAAAAAzMzMAAAAAABQAAAAUAAAAGQAAABkAAAAAAAAABcAAAAUAAAAAAAAAAAAAAD/fwAA/38AAAAAAAAJAAAABAAAAAAAAAAeAAAAaAAAAAAAAAAAAAAAAAAAAAAAAAAAAAAAECcAABAnAAAAAAAAAAAAAAAAAAAAAAAAAAAAAAAAAAAAAAAAAAAAABQAAAAAAAAAwMD/AAAAAABkAAAAMgAAAAAAAABkAAAAAAAAAH9/fwAKAAAAIgAAABgAAAAAAAAAAAAAAAAAAAAAAAAAAAAAAAAAAAAkAAAAJAAAAAAAAAAHAAAAAAAAAAAAAAAAAAAAAAAAAAAAAAAAAAAAf39/ACUAAABYAAAAAAAAAAAAAAAAAAAAAAAAAAAAAAAAAAAAAAAAAAAAAAAAAAAAAAAAAAAAAAA/AAAAAAAAAKCGAQAAAAAAAAAAAAAAAAAMAAAAAQAAAAAAAAAAAAAAAAAAAB8AAABUAAAAAAAABQAAAAEAAAAAAAAAAAAAAAAAAAAAAAAAAAAAAAAAAAAAAAAAAAAAAAB/f38AAAAAA8zMzADAwP8Af39/AAAAAAAAAAAAAAAAAAAAAAAAAAAAIQAAABgAAAAUAAAAWAIAADgEAADYJwAAUBkAABAAAAAmAAAACAAAAAEPAAAAAAAA"/>
+                <pr:smNativeData xmlns:pr="smNativeData" xmlns="smNativeData" val="SMDATA_15_t6npZxMAAAAlAAAACwAAAA0AAAAAWAIAADgEAADYJwAAUBkAAAAAAAAAAAAAAAAAAAEAAABQAAAAAAAAAAAA4D8AAAAAAADgPwAAAAAAAOA/AAAAAAAA4D8AAAAAAADgPwAAAAAAAOA/AAAAAAAA4D8AAAAAAADgPwAAAAAAAOA/AAAAAAAA4D8CAAAAjAAAAAAAAAAAAAAAQoX0DP///wgAAAAAAAAAAAAAAAAAAAAAAAAAAAAAAAAAAAAAZAAAAAEAAABAAAAAAAAAAAAAAAAAAAAAAAAAAAAAAAAAAAAAAAAAAAAAAAAAAAAAAAAAAAAAAAAAAAAAAAAAAAAAAAAAAAAAAAAAAAAAAAAAAAAAAAAAAAAAAAAAAAAAFAAAADwAAAABAAAAAAAAAAAAAAAPAAAAAQAAACMAAAAjAAAAIwAAAB4AAAAAAAAASwAAAEsAAAAAAAAASwAAAEsAAAAVAAAAYAAAAAAAAAAAAAAADwAAACADAAAAAAAAAAAAAAEAAACgMgAAVgcAAKr4//8BAAAAf39/AAEAAABkAAAAAAAAABQAAABAHwAAAAAAACYAAAAAAAAAwOD//wAAAAAmAAAAZAAAABYAAABMAAAAAAAAAAAAAAAEAAAAAAAAAAEAAABZWVkKAAAAACgAAAAoAAAAZAAAAGQAAAAAAAAAzMzMAAAAAABQAAAAUAAAAGQAAABkAAAAAAAAABcAAAAUAAAAAAAAAAAAAAD/fwAA/38AAAAAAAAJAAAABAAAAAAAAAAeAAAAaAAAAAAAAAAAAAAAAAAAAAAAAAAAAAAAECcAABAnAAAAAAAAAAAAAAAAAAAAAAAAAAAAAAAAAAAAAAAAAAAAABQAAAAAAAAAwMD/AAAAAABkAAAAMgAAAAAAAABkAAAAAAAAAH9/fwAKAAAAIgAAABgAAAAAAAAAAAAAAAAAAAAAAAAAAAAAAAAAAAAkAAAAJAAAAAAAAAAHAAAAAAAAAAAAAAAAAAAAAAAAAAAAAAAAAAAAf39/ACUAAABYAAAAAAAAAAAAAAAAAAAAAAAAAAAAAAAAAAAAAAAAAAAAAAAAAAAAAAAAAAAAAAA/AAAAAAAAAKCGAQAAAAAAAAAAAAAAAAAMAAAAAQAAAAAAAAAAAAAAAAAAAB8AAABUAAAAAAAABQAAAAEAAAAAAAAAAAAAAAAAAAAAAAAAAAAAAAAAAAAAAAAAAAAAAAB/f38AAAAAA8zMzADAwP8Af39/AAAAAAAAAAAAAAAAAAAAAAAAAAAAIQAAABgAAAAUAAAAWAIAADgEAADYJwAAUBkAABAAAAAmAAAACAAAAAEPAAAAAAAA"/>
               </a:ext>
             </a:extLst>
           </p:cNvSpPr>
@@ -1485,7 +2347,7 @@
             <a:spLocks noGrp="1" noChangeArrowheads="1"/>
             <a:extLst>
               <a:ext uri="smNativeData">
-                <pr:smNativeData xmlns:pr="smNativeData" xmlns="smNativeData" val="SMDATA_15_gHjoZxMAAAAlAAAAZAAAAA0AAAAAkAAAAJAAAACQAAAAkAAAAAAAAAAAAAAAAAAAAAEAAABQAAAAAAAAAAAA4D8AAAAAAADgPwAAAAAAAOA/AAAAAAAA4D8AAAAAAADgPwAAAAAAAOA/AAAAAAAA4D8AAAAAAADgPwAAAAAAAOA/AAAAAAAA4D8CAAAAjAAAAAAAAAAAAAAAQoX0DP///wgAAAAAAAAAAAAAAAAAAAAAAAAAAAAAAAAAAAAAZAAAAAEAAABAAAAAAAAAAAAAAAAAAAAAAAAAAAAAAAAAAAAAAAAAAAAAAAAAAAAAAAAAAAAAAAAAAAAAAAAAAAAAAAAAAAAAAAAAAAAAAAAAAAAAAAAAAAAAAAAAAAAAFAAAADwAAAAAAAAAAAAAAAAAAAkUAAAAAQAAABQAAAAUAAAAFAAAAAEAAAAAAAAAZAAAAGQAAAAAAAAAZAAAAGQAAAAVAAAAYAAAAAAAAAAAAAAADwAAACADAAAAAAAAAAAAAAEAAACgMgAAVgcAAKr4//8BAAAAf39/AAEAAABkAAAAAAAAABQAAABAHwAAAAAAACYAAAAAAAAAwOD//wAAAAAmAAAAZAAAABYAAABMAAAAAAAAAAAAAAAEAAAAAAAAAAEAAABZWVkKAAAAACgAAAAoAAAAZAAAAGQAAAAAAAAAzMzMAAAAAABQAAAAUAAAAGQAAABkAAAAAAAAABcAAAAUAAAAAAAAAAAAAAD/fwAA/38AAAAAAAAJAAAABAAAAAAAAAAeAAAAaAAAAAAAAAAAAAAAAAAAAAAAAAAAAAAAECcAABAnAAAAAAAAAAAAAAAAAAAAAAAAAAAAAAAAAAAAAAAAAAAAABQAAAAAAAAAwMD/AAAAAABkAAAAMgAAAAAAAABkAAAAAAAAAH9/fwAKAAAAIgAAABgAAAAAAAAAAAAAAAAAAAAAAAAAAAAAAAAAAAAkAAAAJAAAAAAAAAAHAAAAAAAAAAAAAAAAAAAAAAAAAAAAAAAAAAAAf39/ACUAAABYAAAAAAAAAAAAAAAAAAAAAAAAAAAAAAAAAAAAAAAAAAAAAAAAAAAAAAAAAAAAAAA/AAAAAAAAAKCGAQAAAAAAAAAAAAAAAAAMAAAAAQAAAAAAAAAAAAAAAAAAAB8AAABUAAAAAAAABQAAAAEAAAAAAAAAAAAAAAAAAAAAAAAAAAAAAAAAAAAAAAAAAAAAAAJ/f38AAAAAA8zMzADAwP8Af39/AAAAAAAAAAAAAAAAAAAAAAAAAAAAIQAAABgAAAAUAAAAOAQAALgaAAD4JQAACDQAABAAAAAmAAAACAAAAL0/AAAAAAAA"/>
+                <pr:smNativeData xmlns:pr="smNativeData" xmlns="smNativeData" val="SMDATA_15_t6npZxMAAAAlAAAAZAAAAA0AAAAAkAAAAJAAAACQAAAAkAAAAAAAAAAAAAAAAAAAAAEAAABQAAAAAAAAAAAA4D8AAAAAAADgPwAAAAAAAOA/AAAAAAAA4D8AAAAAAADgPwAAAAAAAOA/AAAAAAAA4D8AAAAAAADgPwAAAAAAAOA/AAAAAAAA4D8CAAAAjAAAAAAAAAAAAAAAQoX0DP///wgAAAAAAAAAAAAAAAAAAAAAAAAAAAAAAAAAAAAAZAAAAAEAAABAAAAAAAAAAAAAAAAAAAAAAAAAAAAAAAAAAAAAAAAAAAAAAAAAAAAAAAAAAAAAAAAAAAAAAAAAAAAAAAAAAAAAAAAAAAAAAAAAAAAAAAAAAAAAAAAAAAAAFAAAADwAAAAAAAAAAAAAAAAAAAkUAAAAAQAAABQAAAAUAAAAFAAAAAEAAAAAAAAAZAAAAGQAAAAAAAAAZAAAAGQAAAAVAAAAYAAAAAAAAAAAAAAADwAAACADAAAAAAAAAAAAAAEAAACgMgAAVgcAAKr4//8BAAAAf39/AAEAAABkAAAAAAAAABQAAABAHwAAAAAAACYAAAAAAAAAwOD//wAAAAAmAAAAZAAAABYAAABMAAAAAAAAAAAAAAAEAAAAAAAAAAEAAABZWVkKAAAAACgAAAAoAAAAZAAAAGQAAAAAAAAAzMzMAAAAAABQAAAAUAAAAGQAAABkAAAAAAAAABcAAAAUAAAAAAAAAAAAAAD/fwAA/38AAAAAAAAJAAAABAAAAAAAAAAeAAAAaAAAAAAAAAAAAAAAAAAAAAAAAAAAAAAAECcAABAnAAAAAAAAAAAAAAAAAAAAAAAAAAAAAAAAAAAAAAAAAAAAABQAAAAAAAAAwMD/AAAAAABkAAAAMgAAAAAAAABkAAAAAAAAAH9/fwAKAAAAIgAAABgAAAAAAAAAAAAAAAAAAAAAAAAAAAAAAAAAAAAkAAAAJAAAAAAAAAAHAAAAAAAAAAAAAAAAAAAAAAAAAAAAAAAAAAAAf39/ACUAAABYAAAAAAAAAAAAAAAAAAAAAAAAAAAAAAAAAAAAAAAAAAAAAAAAAAAAAAAAAAAAAAA/AAAAAAAAAKCGAQAAAAAAAAAAAAAAAAAMAAAAAQAAAAAAAAAAAAAAAAAAAB8AAABUAAAAAAAABQAAAAEAAAAAAAAAAAAAAAAAAAAAAAAAAAAAAAAAAAAAAAAAAAAAAAJ/f38AAAAAA8zMzADAwP8Af39/AAAAAAAAAAAAAAAAAAAAAAAAAAAAIQAAABgAAAAUAAAAOAQAALgaAAD4JQAACDQAABAAAAAmAAAACAAAAL0/AAAAAAAA"/>
               </a:ext>
             </a:extLst>
           </p:cNvSpPr>
@@ -1530,499 +2392,7 @@
 </p:notes>
 </file>
 
-<file path=ppt/notesSlides/notesSlide2.xml><?xml version="1.0" encoding="utf-8"?>
-<p:notes xmlns:p="http://schemas.openxmlformats.org/presentationml/2006/main" xmlns:mc="http://schemas.openxmlformats.org/markup-compatibility/2006" xmlns:p14="http://schemas.microsoft.com/office/powerpoint/2010/main" xmlns:p15="http://schemas.microsoft.com/office/powerpoint/2012/main" xmlns:r="http://schemas.openxmlformats.org/officeDocument/2006/relationships" xmlns:a="http://schemas.openxmlformats.org/drawingml/2006/main" showMasterSp="0">
-  <p:cSld>
-    <p:bg>
-      <p:bgPr>
-        <a:solidFill>
-          <a:schemeClr val="bg1"/>
-        </a:solidFill>
-        <a:effectLst/>
-      </p:bgPr>
-    </p:bg>
-    <p:spTree>
-      <p:nvGrpSpPr>
-        <p:cNvPr id="1" name=""/>
-        <p:cNvGrpSpPr/>
-        <p:nvPr/>
-      </p:nvGrpSpPr>
-      <p:grpSpPr>
-        <a:xfrm>
-          <a:off x="0" y="0"/>
-          <a:ext cx="0" cy="0"/>
-          <a:chOff x="0" y="0"/>
-          <a:chExt cx="0" cy="0"/>
-        </a:xfrm>
-      </p:grpSpPr>
-      <p:sp>
-        <p:nvSpPr>
-          <p:cNvPr id="2" name="Google Shape;160;gde823becd0_0_40:notes"/>
-          <p:cNvSpPr>
-            <a:spLocks noGrp="1" noChangeArrowheads="1"/>
-            <a:extLst>
-              <a:ext uri="smNativeData">
-                <pr:smNativeData xmlns:pr="smNativeData" xmlns="smNativeData" val="SMDATA_15_gHjoZxMAAAAlAAAACwAAAA0AAAAAWAIAADgEAADYJwAAUBkAAAAAAAAAAAAAAAAAAAEAAABQAAAAAAAAAAAA4D8AAAAAAADgPwAAAAAAAOA/AAAAAAAA4D8AAAAAAADgPwAAAAAAAOA/AAAAAAAA4D8AAAAAAADgPwAAAAAAAOA/AAAAAAAA4D8CAAAAjAAAAAAAAAAAAAAAQoX0DP///wgAAAAAAAAAAAAAAAAAAAAAAAAAAAAAAAAAAAAAZAAAAAEAAABAAAAAAAAAAAAAAAAAAAAAAAAAAAAAAAAAAAAAAAAAAAAAAAAAAAAAAAAAAAAAAAAAAAAAAAAAAAAAAAAAAAAAAAAAAAAAAAAAAAAAAAAAAAAAAAAAAAAAFAAAADwAAAABAAAAAAAAAAAAAAAPAAAAAQAAACMAAAAjAAAAIwAAAB4AAAAAAAAASwAAAEsAAAAAAAAASwAAAEsAAAAVAAAAYAAAAAAAAAAAAAAADwAAACADAAAAAAAAAAAAAAEAAACgMgAAVgcAAKr4//8BAAAAf39/AAEAAABkAAAAAAAAABQAAABAHwAAAAAAACYAAAAAAAAAwOD//wAAAAAmAAAAZAAAABYAAABMAAAAAAAAAAAAAAAEAAAAAAAAAAEAAABZWVkKAAAAACgAAAAoAAAAZAAAAGQAAAAAAAAAzMzMAAAAAABQAAAAUAAAAGQAAABkAAAAAAAAABcAAAAUAAAAAAAAAAAAAAD/fwAA/38AAAAAAAAJAAAABAAAAAAAAAAeAAAAaAAAAAAAAAAAAAAAAAAAAAAAAAAAAAAAECcAABAnAAAAAAAAAAAAAAAAAAAAAAAAAAAAAAAAAAAAAAAAAAAAABQAAAAAAAAAwMD/AAAAAABkAAAAMgAAAAAAAABkAAAAAAAAAH9/fwAKAAAAIgAAABgAAAAAAAAAAAAAAAAAAAAAAAAAAAAAAAAAAAAkAAAAJAAAAAAAAAAHAAAAAAAAAAAAAAAAAAAAAAAAAAAAAAAAAAAAf39/ACUAAABYAAAAAAAAAAAAAAAAAAAAAAAAAAAAAAAAAAAAAAAAAAAAAAAAAAAAAAAAAAAAAAA/AAAAAAAAAKCGAQAAAAAAAAAAAAAAAAAMAAAAAQAAAAAAAAAAAAAAAAAAAB8AAABUAAAAAAAABQAAAAEAAAAAAAAAAAAAAAAAAAAAAAAAAAAAAAAAAAAAAAAAAAAAAAB/f38AAAAAA8zMzADAwP8Af39/AAAAAAAAAAAAAAAAAAAAAAAAAAAAIQAAABgAAAAUAAAAWAIAADgEAADYJwAAUBkAABAAAAAmAAAACAAAAAEPAAAAAAAA"/>
-              </a:ext>
-            </a:extLst>
-          </p:cNvSpPr>
-          <p:nvPr>
-            <p:ph type="sldImg" idx="2"/>
-          </p:nvPr>
-        </p:nvSpPr>
-        <p:spPr>
-          <a:xfrm>
-            <a:off x="381000" y="685800"/>
-            <a:ext cx="6096000" cy="3429000"/>
-          </a:xfrm>
-          <a:custGeom>
-            <a:avLst/>
-            <a:gdLst/>
-            <a:ahLst/>
-            <a:cxnLst/>
-            <a:rect l="0" t="0" r="6096000" b="3429000"/>
-            <a:pathLst>
-              <a:path w="6096000" h="3429000" fill="none" extrusionOk="0">
-                <a:moveTo>
-                  <a:pt x="0" y="0"/>
-                </a:moveTo>
-                <a:lnTo>
-                  <a:pt x="6096000" y="0"/>
-                </a:lnTo>
-                <a:lnTo>
-                  <a:pt x="6096000" y="3429000"/>
-                </a:lnTo>
-                <a:lnTo>
-                  <a:pt x="0" y="3429000"/>
-                </a:lnTo>
-                <a:close/>
-              </a:path>
-            </a:pathLst>
-          </a:custGeom>
-        </p:spPr>
-      </p:sp>
-      <p:sp>
-        <p:nvSpPr>
-          <p:cNvPr id="3" name="Google Shape;161;gde823becd0_0_40:notes"/>
-          <p:cNvSpPr>
-            <a:spLocks noGrp="1" noChangeArrowheads="1"/>
-            <a:extLst>
-              <a:ext uri="smNativeData">
-                <pr:smNativeData xmlns:pr="smNativeData" xmlns="smNativeData" val="SMDATA_15_gHjoZxMAAAAlAAAAZAAAAA0AAAAAkAAAAJAAAACQAAAAkAAAAAAAAAAAAAAAAAAAAAEAAABQAAAAAAAAAAAA4D8AAAAAAADgPwAAAAAAAOA/AAAAAAAA4D8AAAAAAADgPwAAAAAAAOA/AAAAAAAA4D8AAAAAAADgPwAAAAAAAOA/AAAAAAAA4D8CAAAAjAAAAAAAAAAAAAAAQoX0DP///wgAAAAAAAAAAAAAAAAAAAAAAAAAAAAAAAAAAAAAZAAAAAEAAABAAAAAAAAAAAAAAAAAAAAAAAAAAAAAAAAAAAAAAAAAAAAAAAAAAAAAAAAAAAAAAAAAAAAAAAAAAAAAAAAAAAAAAAAAAAAAAAAAAAAAAAAAAAAAAAAAAAAAFAAAADwAAAAAAAAAAAAAAAAAAAkUAAAAAQAAABQAAAAUAAAAFAAAAAEAAAAAAAAAZAAAAGQAAAAAAAAAZAAAAGQAAAAVAAAAYAAAAAAAAAAAAAAADwAAACADAAAAAAAAAAAAAAEAAACgMgAAVgcAAKr4//8BAAAAf39/AAEAAABkAAAAAAAAABQAAABAHwAAAAAAACYAAAAAAAAAwOD//wAAAAAmAAAAZAAAABYAAABMAAAAAAAAAAAAAAAEAAAAAAAAAAEAAABZWVkKAAAAACgAAAAoAAAAZAAAAGQAAAAAAAAAzMzMAAAAAABQAAAAUAAAAGQAAABkAAAAAAAAABcAAAAUAAAAAAAAAAAAAAD/fwAA/38AAAAAAAAJAAAABAAAAAAAAAAeAAAAaAAAAAAAAAAAAAAAAAAAAAAAAAAAAAAAECcAABAnAAAAAAAAAAAAAAAAAAAAAAAAAAAAAAAAAAAAAAAAAAAAABQAAAAAAAAAwMD/AAAAAABkAAAAMgAAAAAAAABkAAAAAAAAAH9/fwAKAAAAIgAAABgAAAAAAAAAAAAAAAAAAAAAAAAAAAAAAAAAAAAkAAAAJAAAAAAAAAAHAAAAAAAAAAAAAAAAAAAAAAAAAAAAAAAAAAAAf39/ACUAAABYAAAAAAAAAAAAAAAAAAAAAAAAAAAAAAAAAAAAAAAAAAAAAAAAAAAAAAAAAAAAAAA/AAAAAAAAAKCGAQAAAAAAAAAAAAAAAAAMAAAAAQAAAAAAAAAAAAAAAAAAAB8AAABUAAAAAAAABQAAAAEAAAAAAAAAAAAAAAAAAAAAAAAAAAAAAAAAAAAAAAAAAAAAAAJ/f38AAAAAA8zMzADAwP8Af39/AAAAAAAAAAAAAAAAAAAAAAAAAAAAIQAAABgAAAAUAAAAOAQAALgaAAD4JQAACDQAABAAAAAmAAAACAAAAL0/AAAAAAAA"/>
-              </a:ext>
-            </a:extLst>
-          </p:cNvSpPr>
-          <p:nvPr>
-            <p:ph type="body" idx="1"/>
-          </p:nvPr>
-        </p:nvSpPr>
-        <p:spPr>
-          <a:xfrm>
-            <a:off x="685800" y="4343400"/>
-            <a:ext cx="5486400" cy="4114800"/>
-          </a:xfrm>
-          <a:prstGeom prst="rect">
-            <a:avLst/>
-          </a:prstGeom>
-        </p:spPr>
-        <p:txBody>
-          <a:bodyPr vert="horz" wrap="square" lIns="91440" tIns="91440" rIns="91440" bIns="91440" numCol="1" spcCol="215900" anchor="t">
-            <a:prstTxWarp prst="textNoShape">
-              <a:avLst/>
-            </a:prstTxWarp>
-          </a:bodyPr>
-          <a:lstStyle/>
-          <a:p>
-            <a:pPr marL="0" indent="0" algn="l">
-              <a:spcBef>
-                <a:spcPts val="0"/>
-              </a:spcBef>
-              <a:spcAft>
-                <a:spcPts val="0"/>
-              </a:spcAft>
-              <a:buNone/>
-            </a:pPr>
-          </a:p>
-        </p:txBody>
-      </p:sp>
-    </p:spTree>
-  </p:cSld>
-  <p:clrMapOvr>
-    <a:masterClrMapping/>
-  </p:clrMapOvr>
-</p:notes>
-</file>
-
-<file path=ppt/notesSlides/notesSlide3.xml><?xml version="1.0" encoding="utf-8"?>
-<p:notes xmlns:p="http://schemas.openxmlformats.org/presentationml/2006/main" xmlns:mc="http://schemas.openxmlformats.org/markup-compatibility/2006" xmlns:p14="http://schemas.microsoft.com/office/powerpoint/2010/main" xmlns:p15="http://schemas.microsoft.com/office/powerpoint/2012/main" xmlns:r="http://schemas.openxmlformats.org/officeDocument/2006/relationships" xmlns:a="http://schemas.openxmlformats.org/drawingml/2006/main" showMasterSp="0">
-  <p:cSld>
-    <p:bg>
-      <p:bgPr>
-        <a:solidFill>
-          <a:schemeClr val="bg1"/>
-        </a:solidFill>
-        <a:effectLst/>
-      </p:bgPr>
-    </p:bg>
-    <p:spTree>
-      <p:nvGrpSpPr>
-        <p:cNvPr id="1" name=""/>
-        <p:cNvGrpSpPr/>
-        <p:nvPr/>
-      </p:nvGrpSpPr>
-      <p:grpSpPr>
-        <a:xfrm>
-          <a:off x="0" y="0"/>
-          <a:ext cx="0" cy="0"/>
-          <a:chOff x="0" y="0"/>
-          <a:chExt cx="0" cy="0"/>
-        </a:xfrm>
-      </p:grpSpPr>
-      <p:sp>
-        <p:nvSpPr>
-          <p:cNvPr id="2" name="Google Shape;168;g30f7d84ce1d_0_256:notes"/>
-          <p:cNvSpPr>
-            <a:spLocks noGrp="1" noChangeArrowheads="1"/>
-            <a:extLst>
-              <a:ext uri="smNativeData">
-                <pr:smNativeData xmlns:pr="smNativeData" xmlns="smNativeData" val="SMDATA_15_gHjoZxMAAAAlAAAACwAAAA0AAAAAWAIAADgEAADYJwAAUBkAAAAAAAAAAAAAAAAAAAEAAABQAAAAAAAAAAAA4D8AAAAAAADgPwAAAAAAAOA/AAAAAAAA4D8AAAAAAADgPwAAAAAAAOA/AAAAAAAA4D8AAAAAAADgPwAAAAAAAOA/AAAAAAAA4D8CAAAAjAAAAAAAAAAAAAAAQoX0DP///wgAAAAAAAAAAAAAAAAAAAAAAAAAAAAAAAAAAAAAZAAAAAEAAABAAAAAAAAAAAAAAAAAAAAAAAAAAAAAAAAAAAAAAAAAAAAAAAAAAAAAAAAAAAAAAAAAAAAAAAAAAAAAAAAAAAAAAAAAAAAAAAAAAAAAAAAAAAAAAAAAAAAAFAAAADwAAAABAAAAAAAAAAAAAAAPAAAAAQAAACMAAAAjAAAAIwAAAB4AAAAAAAAASwAAAEsAAAAAAAAASwAAAEsAAAAVAAAAYAAAAAAAAAAAAAAADwAAACADAAAAAAAAAAAAAAEAAACgMgAAVgcAAKr4//8BAAAAf39/AAEAAABkAAAAAAAAABQAAABAHwAAAAAAACYAAAAAAAAAwOD//wAAAAAmAAAAZAAAABYAAABMAAAAAAAAAAAAAAAEAAAAAAAAAAEAAABZWVkKAAAAACgAAAAoAAAAZAAAAGQAAAAAAAAAzMzMAAAAAABQAAAAUAAAAGQAAABkAAAAAAAAABcAAAAUAAAAAAAAAAAAAAD/fwAA/38AAAAAAAAJAAAABAAAAAAAAAAeAAAAaAAAAAAAAAAAAAAAAAAAAAAAAAAAAAAAECcAABAnAAAAAAAAAAAAAAAAAAAAAAAAAAAAAAAAAAAAAAAAAAAAABQAAAAAAAAAwMD/AAAAAABkAAAAMgAAAAAAAABkAAAAAAAAAH9/fwAKAAAAIgAAABgAAAAAAAAAAAAAAAAAAAAAAAAAAAAAAAAAAAAkAAAAJAAAAAAAAAAHAAAAAAAAAAAAAAAAAAAAAAAAAAAAAAAAAAAAf39/ACUAAABYAAAAAAAAAAAAAAAAAAAAAAAAAAAAAAAAAAAAAAAAAAAAAAAAAAAAAAAAAAAAAAA/AAAAAAAAAKCGAQAAAAAAAAAAAAAAAAAMAAAAAQAAAAAAAAAAAAAAAAAAAB8AAABUAAAAAAAABQAAAAEAAAAAAAAAAAAAAAAAAAAAAAAAAAAAAAAAAAAAAAAAAAAAAAB/f38AAAAAA8zMzADAwP8Af39/AAAAAAAAAAAAAAAAAAAAAAAAAAAAIQAAABgAAAAUAAAAWAIAADgEAADYJwAAUBkAABAAAAAmAAAACAAAAAEPAAAAAAAA"/>
-              </a:ext>
-            </a:extLst>
-          </p:cNvSpPr>
-          <p:nvPr>
-            <p:ph type="sldImg" idx="2"/>
-          </p:nvPr>
-        </p:nvSpPr>
-        <p:spPr>
-          <a:xfrm>
-            <a:off x="381000" y="685800"/>
-            <a:ext cx="6096000" cy="3429000"/>
-          </a:xfrm>
-          <a:custGeom>
-            <a:avLst/>
-            <a:gdLst/>
-            <a:ahLst/>
-            <a:cxnLst/>
-            <a:rect l="0" t="0" r="6096000" b="3429000"/>
-            <a:pathLst>
-              <a:path w="6096000" h="3429000" fill="none" extrusionOk="0">
-                <a:moveTo>
-                  <a:pt x="0" y="0"/>
-                </a:moveTo>
-                <a:lnTo>
-                  <a:pt x="6096000" y="0"/>
-                </a:lnTo>
-                <a:lnTo>
-                  <a:pt x="6096000" y="3429000"/>
-                </a:lnTo>
-                <a:lnTo>
-                  <a:pt x="0" y="3429000"/>
-                </a:lnTo>
-                <a:close/>
-              </a:path>
-            </a:pathLst>
-          </a:custGeom>
-        </p:spPr>
-      </p:sp>
-      <p:sp>
-        <p:nvSpPr>
-          <p:cNvPr id="3" name="Google Shape;169;g30f7d84ce1d_0_256:notes"/>
-          <p:cNvSpPr>
-            <a:spLocks noGrp="1" noChangeArrowheads="1"/>
-            <a:extLst>
-              <a:ext uri="smNativeData">
-                <pr:smNativeData xmlns:pr="smNativeData" xmlns="smNativeData" val="SMDATA_15_gHjoZxMAAAAlAAAAZAAAAA0AAAAAkAAAAJAAAACQAAAAkAAAAAAAAAAAAAAAAAAAAAEAAABQAAAAAAAAAAAA4D8AAAAAAADgPwAAAAAAAOA/AAAAAAAA4D8AAAAAAADgPwAAAAAAAOA/AAAAAAAA4D8AAAAAAADgPwAAAAAAAOA/AAAAAAAA4D8CAAAAjAAAAAAAAAAAAAAAQoX0DP///wgAAAAAAAAAAAAAAAAAAAAAAAAAAAAAAAAAAAAAZAAAAAEAAABAAAAAAAAAAAAAAAAAAAAAAAAAAAAAAAAAAAAAAAAAAAAAAAAAAAAAAAAAAAAAAAAAAAAAAAAAAAAAAAAAAAAAAAAAAAAAAAAAAAAAAAAAAAAAAAAAAAAAFAAAADwAAAAAAAAAAAAAAAAAAAkUAAAAAQAAABQAAAAUAAAAFAAAAAEAAAAAAAAAZAAAAGQAAAAAAAAAZAAAAGQAAAAVAAAAYAAAAAAAAAAAAAAADwAAACADAAAAAAAAAAAAAAEAAACgMgAAVgcAAKr4//8BAAAAf39/AAEAAABkAAAAAAAAABQAAABAHwAAAAAAACYAAAAAAAAAwOD//wAAAAAmAAAAZAAAABYAAABMAAAAAAAAAAAAAAAEAAAAAAAAAAEAAABZWVkKAAAAACgAAAAoAAAAZAAAAGQAAAAAAAAAzMzMAAAAAABQAAAAUAAAAGQAAABkAAAAAAAAABcAAAAUAAAAAAAAAAAAAAD/fwAA/38AAAAAAAAJAAAABAAAAAAAAAAeAAAAaAAAAAAAAAAAAAAAAAAAAAAAAAAAAAAAECcAABAnAAAAAAAAAAAAAAAAAAAAAAAAAAAAAAAAAAAAAAAAAAAAABQAAAAAAAAAwMD/AAAAAABkAAAAMgAAAAAAAABkAAAAAAAAAH9/fwAKAAAAIgAAABgAAAAAAAAAAAAAAAAAAAAAAAAAAAAAAAAAAAAkAAAAJAAAAAAAAAAHAAAAAAAAAAAAAAAAAAAAAAAAAAAAAAAAAAAAf39/ACUAAABYAAAAAAAAAAAAAAAAAAAAAAAAAAAAAAAAAAAAAAAAAAAAAAAAAAAAAAAAAAAAAAA/AAAAAAAAAKCGAQAAAAAAAAAAAAAAAAAMAAAAAQAAAAAAAAAAAAAAAAAAAB8AAABUAAAAAAAABQAAAAEAAAAAAAAAAAAAAAAAAAAAAAAAAAAAAAAAAAAAAAAAAAAAAAJ/f38AAAAAA8zMzADAwP8Af39/AAAAAAAAAAAAAAAAAAAAAAAAAAAAIQAAABgAAAAUAAAAOAQAALgaAAD4JQAACDQAABAAAAAmAAAACAAAAL0/AAAAAAAA"/>
-              </a:ext>
-            </a:extLst>
-          </p:cNvSpPr>
-          <p:nvPr>
-            <p:ph type="body" idx="1"/>
-          </p:nvPr>
-        </p:nvSpPr>
-        <p:spPr>
-          <a:xfrm>
-            <a:off x="685800" y="4343400"/>
-            <a:ext cx="5486400" cy="4114800"/>
-          </a:xfrm>
-          <a:prstGeom prst="rect">
-            <a:avLst/>
-          </a:prstGeom>
-        </p:spPr>
-        <p:txBody>
-          <a:bodyPr vert="horz" wrap="square" lIns="91440" tIns="91440" rIns="91440" bIns="91440" numCol="1" spcCol="215900" anchor="t">
-            <a:prstTxWarp prst="textNoShape">
-              <a:avLst/>
-            </a:prstTxWarp>
-          </a:bodyPr>
-          <a:lstStyle/>
-          <a:p>
-            <a:pPr marL="0" indent="0" algn="l">
-              <a:spcBef>
-                <a:spcPts val="0"/>
-              </a:spcBef>
-              <a:spcAft>
-                <a:spcPts val="0"/>
-              </a:spcAft>
-              <a:buNone/>
-            </a:pPr>
-          </a:p>
-        </p:txBody>
-      </p:sp>
-    </p:spTree>
-  </p:cSld>
-  <p:clrMapOvr>
-    <a:masterClrMapping/>
-  </p:clrMapOvr>
-</p:notes>
-</file>
-
-<file path=ppt/notesSlides/notesSlide4.xml><?xml version="1.0" encoding="utf-8"?>
-<p:notes xmlns:p="http://schemas.openxmlformats.org/presentationml/2006/main" xmlns:mc="http://schemas.openxmlformats.org/markup-compatibility/2006" xmlns:p14="http://schemas.microsoft.com/office/powerpoint/2010/main" xmlns:p15="http://schemas.microsoft.com/office/powerpoint/2012/main" xmlns:r="http://schemas.openxmlformats.org/officeDocument/2006/relationships" xmlns:a="http://schemas.openxmlformats.org/drawingml/2006/main" showMasterSp="0">
-  <p:cSld>
-    <p:bg>
-      <p:bgPr>
-        <a:solidFill>
-          <a:schemeClr val="bg1"/>
-        </a:solidFill>
-        <a:effectLst/>
-      </p:bgPr>
-    </p:bg>
-    <p:spTree>
-      <p:nvGrpSpPr>
-        <p:cNvPr id="1" name=""/>
-        <p:cNvGrpSpPr/>
-        <p:nvPr/>
-      </p:nvGrpSpPr>
-      <p:grpSpPr>
-        <a:xfrm>
-          <a:off x="0" y="0"/>
-          <a:ext cx="0" cy="0"/>
-          <a:chOff x="0" y="0"/>
-          <a:chExt cx="0" cy="0"/>
-        </a:xfrm>
-      </p:grpSpPr>
-      <p:sp>
-        <p:nvSpPr>
-          <p:cNvPr id="2" name="Google Shape;182;gf98075b259_0_20:notes"/>
-          <p:cNvSpPr>
-            <a:spLocks noGrp="1" noChangeArrowheads="1"/>
-            <a:extLst>
-              <a:ext uri="smNativeData">
-                <pr:smNativeData xmlns:pr="smNativeData" xmlns="smNativeData" val="SMDATA_15_gHjoZxMAAAAlAAAACwAAAA0AAAAAWAIAADgEAADYJwAAUBkAAAAAAAAAAAAAAAAAAAEAAABQAAAAAAAAAAAA4D8AAAAAAADgPwAAAAAAAOA/AAAAAAAA4D8AAAAAAADgPwAAAAAAAOA/AAAAAAAA4D8AAAAAAADgPwAAAAAAAOA/AAAAAAAA4D8CAAAAjAAAAAAAAAAAAAAAQoX0DP///wgAAAAAAAAAAAAAAAAAAAAAAAAAAAAAAAAAAAAAZAAAAAEAAABAAAAAAAAAAAAAAAAAAAAAAAAAAAAAAAAAAAAAAAAAAAAAAAAAAAAAAAAAAAAAAAAAAAAAAAAAAAAAAAAAAAAAAAAAAAAAAAAAAAAAAAAAAAAAAAAAAAAAFAAAADwAAAABAAAAAAAAAAAAAAAPAAAAAQAAACMAAAAjAAAAIwAAAB4AAAAAAAAASwAAAEsAAAAAAAAASwAAAEsAAAAVAAAAYAAAAAAAAAAAAAAADwAAACADAAAAAAAAAAAAAAEAAACgMgAAVgcAAKr4//8BAAAAf39/AAEAAABkAAAAAAAAABQAAABAHwAAAAAAACYAAAAAAAAAwOD//wAAAAAmAAAAZAAAABYAAABMAAAAAAAAAAAAAAAEAAAAAAAAAAEAAABZWVkKAAAAACgAAAAoAAAAZAAAAGQAAAAAAAAAzMzMAAAAAABQAAAAUAAAAGQAAABkAAAAAAAAABcAAAAUAAAAAAAAAAAAAAD/fwAA/38AAAAAAAAJAAAABAAAAD4CAAAeAAAAaAAAAAAAAAAAAAAAAAAAAAAAAAAAAAAAECcAABAnAAAAAAAAAAAAAAAAAAAAAAAAAAAAAAAAAAAAAAAAAAAAABQAAAAAAAAAwMD/AAAAAABkAAAAMgAAAAAAAABkAAAAAAAAAH9/fwAKAAAAIgAAABgAAAAAAAAAAAAAAAAAAAAAAAAAAAAAAAAAAAAkAAAAJAAAAAAAAAAHAAAAAAAAAAAAAAAAAAAAAAAAAAAAAAAAAAAAf39/ACUAAABYAAAAAAAAAAAAAAAAAAAAAAAAAAAAAAAAAAAAAAAAAAAAAAAAAAAAAAAAAAAAAAA/AAAAAAAAAKCGAQAAAAAAAAAAAAAAAAAMAAAAAQAAAAAAAAAAAAAAAAAAAB8AAABUAAAAAAAABQAAAAEAAAAAAAAAAAAAAAAAAAAAAAAAAAAAAAAAAAAAAAAAAAAAAAB/f38AAAAAA8zMzADAwP8Af39/AAAAAAAAAAAAAAAAAAAAAAAAAAAAIQAAABgAAAAUAAAAWAIAADgEAADYJwAAUBkAABAAAAAmAAAACAAAAAEPAAAAAAAA"/>
-              </a:ext>
-            </a:extLst>
-          </p:cNvSpPr>
-          <p:nvPr>
-            <p:ph type="sldImg" idx="2"/>
-          </p:nvPr>
-        </p:nvSpPr>
-        <p:spPr>
-          <a:xfrm>
-            <a:off x="381000" y="685800"/>
-            <a:ext cx="6096000" cy="3429000"/>
-          </a:xfrm>
-          <a:custGeom>
-            <a:avLst/>
-            <a:gdLst/>
-            <a:ahLst/>
-            <a:cxnLst/>
-            <a:rect l="0" t="0" r="6096000" b="3429000"/>
-            <a:pathLst>
-              <a:path w="6096000" h="3429000" fill="none" extrusionOk="0">
-                <a:moveTo>
-                  <a:pt x="0" y="0"/>
-                </a:moveTo>
-                <a:lnTo>
-                  <a:pt x="6096000" y="0"/>
-                </a:lnTo>
-                <a:lnTo>
-                  <a:pt x="6096000" y="3429000"/>
-                </a:lnTo>
-                <a:lnTo>
-                  <a:pt x="0" y="3429000"/>
-                </a:lnTo>
-                <a:close/>
-              </a:path>
-            </a:pathLst>
-          </a:custGeom>
-        </p:spPr>
-      </p:sp>
-      <p:sp>
-        <p:nvSpPr>
-          <p:cNvPr id="3" name="Google Shape;183;gf98075b259_0_20:notes"/>
-          <p:cNvSpPr>
-            <a:spLocks noGrp="1" noChangeArrowheads="1"/>
-            <a:extLst>
-              <a:ext uri="smNativeData">
-                <pr:smNativeData xmlns:pr="smNativeData" xmlns="smNativeData" val="SMDATA_15_gHjoZxMAAAAlAAAAZAAAAA0AAAAAkAAAAJAAAACQAAAAkAAAAAAAAAAAAAAAAAAAAAEAAABQAAAAAAAAAAAA4D8AAAAAAADgPwAAAAAAAOA/AAAAAAAA4D8AAAAAAADgPwAAAAAAAOA/AAAAAAAA4D8AAAAAAADgPwAAAAAAAOA/AAAAAAAA4D8CAAAAjAAAAAAAAAAAAAAAQoX0DP///wgAAAAAAAAAAAAAAAAAAAAAAAAAAAAAAAAAAAAAZAAAAAEAAABAAAAAAAAAAAAAAAAAAAAAAAAAAAAAAAAAAAAAAAAAAAAAAAAAAAAAAAAAAAAAAAAAAAAAAAAAAAAAAAAAAAAAAAAAAAAAAAAAAAAAAAAAAAAAAAAAAAAAFAAAADwAAAAAAAAAAAAAAAAAAAkUAAAAAQAAABQAAAAUAAAAFAAAAAEAAAAAAAAAZAAAAGQAAAAAAAAAZAAAAGQAAAAVAAAAYAAAAAAAAAAAAAAADwAAACADAAAAAAAAAAAAAAEAAACgMgAAVgcAAKr4//8BAAAAf39/AAEAAABkAAAAAAAAABQAAABAHwAAAAAAACYAAAAAAAAAwOD//wAAAAAmAAAAZAAAABYAAABMAAAAAAAAAAAAAAAEAAAAAAAAAAEAAABZWVkKAAAAACgAAAAoAAAAZAAAAGQAAAAAAAAAzMzMAAAAAABQAAAAUAAAAGQAAABkAAAAAAAAABcAAAAUAAAAAAAAAAAAAAD/fwAA/38AAAAAAAAJAAAABAAAAAAAAAAeAAAAaAAAAAAAAAAAAAAAAAAAAAAAAAAAAAAAECcAABAnAAAAAAAAAAAAAAAAAAAAAAAAAAAAAAAAAAAAAAAAAAAAABQAAAAAAAAAwMD/AAAAAABkAAAAMgAAAAAAAABkAAAAAAAAAH9/fwAKAAAAIgAAABgAAAAAAAAAAAAAAAAAAAAAAAAAAAAAAAAAAAAkAAAAJAAAAAAAAAAHAAAAAAAAAAAAAAAAAAAAAAAAAAAAAAAAAAAAf39/ACUAAABYAAAAAAAAAAAAAAAAAAAAAAAAAAAAAAAAAAAAAAAAAAAAAAAAAAAAAAAAAAAAAAA/AAAAAAAAAKCGAQAAAAAAAAAAAAAAAAAMAAAAAQAAAAAAAAAAAAAAAAAAAB8AAABUAAAAAAAABQAAAAEAAAAAAAAAAAAAAAAAAAAAAAAAAAAAAAAAAAAAAAAAAAAAAAJ/f38AAAAAA8zMzADAwP8Af39/AAAAAAAAAAAAAAAAAAAAAAAAAAAAIQAAABgAAAAUAAAAOAQAALgaAAD4JQAACDQAABAAAAAmAAAACAAAAL0/AAAAAAAA"/>
-              </a:ext>
-            </a:extLst>
-          </p:cNvSpPr>
-          <p:nvPr>
-            <p:ph type="body" idx="1"/>
-          </p:nvPr>
-        </p:nvSpPr>
-        <p:spPr>
-          <a:xfrm>
-            <a:off x="685800" y="4343400"/>
-            <a:ext cx="5486400" cy="4114800"/>
-          </a:xfrm>
-          <a:prstGeom prst="rect">
-            <a:avLst/>
-          </a:prstGeom>
-        </p:spPr>
-        <p:txBody>
-          <a:bodyPr vert="horz" wrap="square" lIns="91440" tIns="91440" rIns="91440" bIns="91440" numCol="1" spcCol="215900" anchor="t">
-            <a:prstTxWarp prst="textNoShape">
-              <a:avLst/>
-            </a:prstTxWarp>
-          </a:bodyPr>
-          <a:lstStyle/>
-          <a:p>
-            <a:pPr marL="0" indent="0" algn="l">
-              <a:spcBef>
-                <a:spcPts val="0"/>
-              </a:spcBef>
-              <a:spcAft>
-                <a:spcPts val="0"/>
-              </a:spcAft>
-              <a:buNone/>
-            </a:pPr>
-          </a:p>
-        </p:txBody>
-      </p:sp>
-    </p:spTree>
-  </p:cSld>
-  <p:clrMapOvr>
-    <a:masterClrMapping/>
-  </p:clrMapOvr>
-</p:notes>
-</file>
-
-<file path=ppt/notesSlides/notesSlide5.xml><?xml version="1.0" encoding="utf-8"?>
-<p:notes xmlns:p="http://schemas.openxmlformats.org/presentationml/2006/main" xmlns:mc="http://schemas.openxmlformats.org/markup-compatibility/2006" xmlns:p14="http://schemas.microsoft.com/office/powerpoint/2010/main" xmlns:p15="http://schemas.microsoft.com/office/powerpoint/2012/main" xmlns:r="http://schemas.openxmlformats.org/officeDocument/2006/relationships" xmlns:a="http://schemas.openxmlformats.org/drawingml/2006/main" showMasterSp="0">
-  <p:cSld>
-    <p:bg>
-      <p:bgPr>
-        <a:solidFill>
-          <a:schemeClr val="bg1"/>
-        </a:solidFill>
-        <a:effectLst/>
-      </p:bgPr>
-    </p:bg>
-    <p:spTree>
-      <p:nvGrpSpPr>
-        <p:cNvPr id="1" name=""/>
-        <p:cNvGrpSpPr/>
-        <p:nvPr/>
-      </p:nvGrpSpPr>
-      <p:grpSpPr>
-        <a:xfrm>
-          <a:off x="0" y="0"/>
-          <a:ext cx="0" cy="0"/>
-          <a:chOff x="0" y="0"/>
-          <a:chExt cx="0" cy="0"/>
-        </a:xfrm>
-      </p:grpSpPr>
-      <p:sp>
-        <p:nvSpPr>
-          <p:cNvPr id="2" name="Google Shape;192;gf98075b259_0_38:notes"/>
-          <p:cNvSpPr>
-            <a:spLocks noGrp="1" noChangeArrowheads="1"/>
-            <a:extLst>
-              <a:ext uri="smNativeData">
-                <pr:smNativeData xmlns:pr="smNativeData" xmlns="smNativeData" val="SMDATA_15_gHjoZxMAAAAlAAAACwAAAA0AAAAAWAIAADgEAADYJwAAUBkAAAAAAAAAAAAAAAAAAAEAAABQAAAAAAAAAAAA4D8AAAAAAADgPwAAAAAAAOA/AAAAAAAA4D8AAAAAAADgPwAAAAAAAOA/AAAAAAAA4D8AAAAAAADgPwAAAAAAAOA/AAAAAAAA4D8CAAAAjAAAAAAAAAAAAAAAQoX0DP///wgAAAAAAAAAAAAAAAAAAAAAAAAAAAAAAAAAAAAAZAAAAAEAAABAAAAAAAAAAAAAAAAAAAAAAAAAAAAAAAAAAAAAAAAAAAAAAAAAAAAAAAAAAAAAAAAAAAAAAAAAAAAAAAAAAAAAAAAAAAAAAAAAAAAAAAAAAAAAAAAAAAAAFAAAADwAAAABAAAAAAAAAAAAAAAPAAAAAQAAACMAAAAjAAAAIwAAAB4AAAAAAAAASwAAAEsAAAAAAAAASwAAAEsAAAAVAAAAYAAAAAAAAAAAAAAADwAAACADAAAAAAAAAAAAAAEAAACgMgAAVgcAAKr4//8BAAAAf39/AAEAAABkAAAAAAAAABQAAABAHwAAAAAAACYAAAAAAAAAwOD//wAAAAAmAAAAZAAAABYAAABMAAAAAAAAAAAAAAAEAAAAAAAAAAEAAABZWVkKAAAAACgAAAAoAAAAZAAAAGQAAAAAAAAAzMzMAAAAAABQAAAAUAAAAGQAAABkAAAAAAAAABcAAAAUAAAAAAAAAAAAAAD/fwAA/38AAAAAAAAJAAAABAAAAADlJkUeAAAAaAAAAAAAAAAAAAAAAAAAAAAAAAAAAAAAECcAABAnAAAAAAAAAAAAAAAAAAAAAAAAAAAAAAAAAAAAAAAAAAAAABQAAAAAAAAAwMD/AAAAAABkAAAAMgAAAAAAAABkAAAAAAAAAH9/fwAKAAAAIgAAABgAAAAAAAAAAAAAAAAAAAAAAAAAAAAAAAAAAAAkAAAAJAAAAAAAAAAHAAAAAAAAAAAAAAAAAAAAAAAAAAAAAAAAAAAAf39/ACUAAABYAAAAAAAAAAAAAAAAAAAAAAAAAAAAAAAAAAAAAAAAAAAAAAAAAAAAAAAAAAAAAAA/AAAAAAAAAKCGAQAAAAAAAAAAAAAAAAAMAAAAAQAAAAAAAAAAAAAAAAAAAB8AAABUAAAAAAAABQAAAAEAAAAAAAAAAAAAAAAAAAAAAAAAAAAAAAAAAAAAAAAAAAAAAAB/f38AAAAAA8zMzADAwP8Af39/AAAAAAAAAAAAAAAAAAAAAAAAAAAAIQAAABgAAAAUAAAAWAIAADgEAADYJwAAUBkAABAAAAAmAAAACAAAAAEPAAAAAAAA"/>
-              </a:ext>
-            </a:extLst>
-          </p:cNvSpPr>
-          <p:nvPr>
-            <p:ph type="sldImg" idx="2"/>
-          </p:nvPr>
-        </p:nvSpPr>
-        <p:spPr>
-          <a:xfrm>
-            <a:off x="381000" y="685800"/>
-            <a:ext cx="6096000" cy="3429000"/>
-          </a:xfrm>
-          <a:custGeom>
-            <a:avLst/>
-            <a:gdLst/>
-            <a:ahLst/>
-            <a:cxnLst/>
-            <a:rect l="0" t="0" r="6096000" b="3429000"/>
-            <a:pathLst>
-              <a:path w="6096000" h="3429000" fill="none" extrusionOk="0">
-                <a:moveTo>
-                  <a:pt x="0" y="0"/>
-                </a:moveTo>
-                <a:lnTo>
-                  <a:pt x="6096000" y="0"/>
-                </a:lnTo>
-                <a:lnTo>
-                  <a:pt x="6096000" y="3429000"/>
-                </a:lnTo>
-                <a:lnTo>
-                  <a:pt x="0" y="3429000"/>
-                </a:lnTo>
-                <a:close/>
-              </a:path>
-            </a:pathLst>
-          </a:custGeom>
-        </p:spPr>
-      </p:sp>
-      <p:sp>
-        <p:nvSpPr>
-          <p:cNvPr id="3" name="Google Shape;193;gf98075b259_0_38:notes"/>
-          <p:cNvSpPr>
-            <a:spLocks noGrp="1" noChangeArrowheads="1"/>
-            <a:extLst>
-              <a:ext uri="smNativeData">
-                <pr:smNativeData xmlns:pr="smNativeData" xmlns="smNativeData" val="SMDATA_15_gHjoZxMAAAAlAAAAZAAAAA0AAAAAkAAAAJAAAACQAAAAkAAAAAAAAAAAAAAAAAAAAAEAAABQAAAAAAAAAAAA4D8AAAAAAADgPwAAAAAAAOA/AAAAAAAA4D8AAAAAAADgPwAAAAAAAOA/AAAAAAAA4D8AAAAAAADgPwAAAAAAAOA/AAAAAAAA4D8CAAAAjAAAAAAAAAAAAAAAQoX0DP///wgAAAAAAAAAAAAAAAAAAAAAAAAAAAAAAAAAAAAAZAAAAAEAAABAAAAAAAAAAAAAAAAAAAAAAAAAAAAAAAAAAAAAAAAAAAAAAAAAAAAAAAAAAAAAAAAAAAAAAAAAAAAAAAAAAAAAAAAAAAAAAAAAAAAAAAAAAAAAAAAAAAAAFAAAADwAAAAAAAAAAAAAAAAAAAkUAAAAAQAAABQAAAAUAAAAFAAAAAEAAAAAAAAAZAAAAGQAAAAAAAAAZAAAAGQAAAAVAAAAYAAAAAAAAAAAAAAADwAAACADAAAAAAAAAAAAAAEAAACgMgAAVgcAAKr4//8BAAAAf39/AAEAAABkAAAAAAAAABQAAABAHwAAAAAAACYAAAAAAAAAwOD//wAAAAAmAAAAZAAAABYAAABMAAAAAAAAAAAAAAAEAAAAAAAAAAEAAABZWVkKAAAAACgAAAAoAAAAZAAAAGQAAAAAAAAAzMzMAAAAAABQAAAAUAAAAGQAAABkAAAAAAAAABcAAAAUAAAAAAAAAAAAAAD/fwAA/38AAAAAAAAJAAAABAAAAEj2GT8eAAAAaAAAAAAAAAAAAAAAAAAAAAAAAAAAAAAAECcAABAnAAAAAAAAAAAAAAAAAAAAAAAAAAAAAAAAAAAAAAAAAAAAABQAAAAAAAAAwMD/AAAAAABkAAAAMgAAAAAAAABkAAAAAAAAAH9/fwAKAAAAIgAAABgAAAAAAAAAAAAAAAAAAAAAAAAAAAAAAAAAAAAkAAAAJAAAAAAAAAAHAAAAAAAAAAAAAAAAAAAAAAAAAAAAAAAAAAAAf39/ACUAAABYAAAAAAAAAAAAAAAAAAAAAAAAAAAAAAAAAAAAAAAAAAAAAAAAAAAAAAAAAAAAAAA/AAAAAAAAAKCGAQAAAAAAAAAAAAAAAAAMAAAAAQAAAAAAAAAAAAAAAAAAAB8AAABUAAAAAAAABQAAAAEAAAAAAAAAAAAAAAAAAAAAAAAAAAAAAAAAAAAAAAAAAAAAAAJ/f38AAAAAA8zMzADAwP8Af39/AAAAAAAAAAAAAAAAAAAAAAAAAAAAIQAAABgAAAAUAAAAOAQAALgaAAD4JQAACDQAABAAAAAmAAAACAAAAL0/AAAAAAAA"/>
-              </a:ext>
-            </a:extLst>
-          </p:cNvSpPr>
-          <p:nvPr>
-            <p:ph type="body" idx="1"/>
-          </p:nvPr>
-        </p:nvSpPr>
-        <p:spPr>
-          <a:xfrm>
-            <a:off x="685800" y="4343400"/>
-            <a:ext cx="5486400" cy="4114800"/>
-          </a:xfrm>
-          <a:prstGeom prst="rect">
-            <a:avLst/>
-          </a:prstGeom>
-        </p:spPr>
-        <p:txBody>
-          <a:bodyPr vert="horz" wrap="square" lIns="91440" tIns="91440" rIns="91440" bIns="91440" numCol="1" spcCol="215900" anchor="t">
-            <a:prstTxWarp prst="textNoShape">
-              <a:avLst/>
-            </a:prstTxWarp>
-          </a:bodyPr>
-          <a:lstStyle/>
-          <a:p>
-            <a:pPr marL="0" indent="0" algn="l">
-              <a:spcBef>
-                <a:spcPts val="0"/>
-              </a:spcBef>
-              <a:spcAft>
-                <a:spcPts val="0"/>
-              </a:spcAft>
-              <a:buNone/>
-            </a:pPr>
-          </a:p>
-        </p:txBody>
-      </p:sp>
-    </p:spTree>
-  </p:cSld>
-  <p:clrMapOvr>
-    <a:masterClrMapping/>
-  </p:clrMapOvr>
-</p:notes>
-</file>
-
-<file path=ppt/notesSlides/notesSlide6.xml><?xml version="1.0" encoding="utf-8"?>
+<file path=ppt/notesSlides/notesSlide8.xml><?xml version="1.0" encoding="utf-8"?>
 <p:notes xmlns:p="http://schemas.openxmlformats.org/presentationml/2006/main" xmlns:mc="http://schemas.openxmlformats.org/markup-compatibility/2006" xmlns:p14="http://schemas.microsoft.com/office/powerpoint/2010/main" xmlns:p15="http://schemas.microsoft.com/office/powerpoint/2012/main" xmlns:r="http://schemas.openxmlformats.org/officeDocument/2006/relationships" xmlns:a="http://schemas.openxmlformats.org/drawingml/2006/main" showMasterSp="0">
   <p:cSld>
     <p:bg>
@@ -2054,7 +2424,7 @@
             <a:spLocks noGrp="1" noChangeArrowheads="1"/>
             <a:extLst>
               <a:ext uri="smNativeData">
-                <pr:smNativeData xmlns:pr="smNativeData" xmlns="smNativeData" val="SMDATA_15_gHjoZxMAAAAlAAAACwAAAA0AAAAAWAIAADgEAADYJwAAUBkAAAAAAAAAAAAAAAAAAAEAAABQAAAAAAAAAAAA4D8AAAAAAADgPwAAAAAAAOA/AAAAAAAA4D8AAAAAAADgPwAAAAAAAOA/AAAAAAAA4D8AAAAAAADgPwAAAAAAAOA/AAAAAAAA4D8CAAAAjAAAAAAAAAAAAAAAQoX0DP///wgAAAAAAAAAAAAAAAAAAAAAAAAAAAAAAAAAAAAAZAAAAAEAAABAAAAAAAAAAAAAAAAAAAAAAAAAAAAAAAAAAAAAAAAAAAAAAAAAAAAAAAAAAAAAAAAAAAAAAAAAAAAAAAAAAAAAAAAAAAAAAAAAAAAAAAAAAAAAAAAAAAAAFAAAADwAAAABAAAAAAAAAAAAAAAPAAAAAQAAACMAAAAjAAAAIwAAAB4AAAAAAAAASwAAAEsAAAAAAAAASwAAAEsAAAAVAAAAYAAAAAAAAAAAAAAADwAAACADAAAAAAAAAAAAAAEAAACgMgAAVgcAAKr4//8BAAAAf39/AAEAAABkAAAAAAAAABQAAABAHwAAAAAAACYAAAAAAAAAwOD//wAAAAAmAAAAZAAAABYAAABMAAAAAAAAAAAAAAAEAAAAAAAAAAEAAABZWVkKAAAAACgAAAAoAAAAZAAAAGQAAAAAAAAAzMzMAAAAAABQAAAAUAAAAGQAAABkAAAAAAAAABcAAAAUAAAAAAAAAAAAAAD/fwAA/38AAAAAAAAJAAAABAAAAAAAACAeAAAAaAAAAAAAAAAAAAAAAAAAAAAAAAAAAAAAECcAABAnAAAAAAAAAAAAAAAAAAAAAAAAAAAAAAAAAAAAAAAAAAAAABQAAAAAAAAAwMD/AAAAAABkAAAAMgAAAAAAAABkAAAAAAAAAH9/fwAKAAAAIgAAABgAAAAAAAAAAAAAAAAAAAAAAAAAAAAAAAAAAAAkAAAAJAAAAAAAAAAHAAAAAAAAAAAAAAAAAAAAAAAAAAAAAAAAAAAAf39/ACUAAABYAAAAAAAAAAAAAAAAAAAAAAAAAAAAAAAAAAAAAAAAAAAAAAAAAAAAAAAAAAAAAAA/AAAAAAAAAKCGAQAAAAAAAAAAAAAAAAAMAAAAAQAAAAAAAAAAAAAAAAAAAB8AAABUAAAAAAAABQAAAAEAAAAAAAAAAAAAAAAAAAAAAAAAAAAAAAAAAAAAAAAAAAAAAAB/f38AAAAAA8zMzADAwP8Af39/AAAAAAAAAAAAAAAAAAAAAAAAAAAAIQAAABgAAAAUAAAAWAIAADgEAADYJwAAUBkAABAAAAAmAAAACAAAAAEPAAAAAAAA"/>
+                <pr:smNativeData xmlns:pr="smNativeData" xmlns="smNativeData" val="SMDATA_15_t6npZxMAAAAlAAAACwAAAA0AAAAAWAIAADgEAADYJwAAUBkAAAAAAAAAAAAAAAAAAAEAAABQAAAAAAAAAAAA4D8AAAAAAADgPwAAAAAAAOA/AAAAAAAA4D8AAAAAAADgPwAAAAAAAOA/AAAAAAAA4D8AAAAAAADgPwAAAAAAAOA/AAAAAAAA4D8CAAAAjAAAAAAAAAAAAAAAQoX0DP///wgAAAAAAAAAAAAAAAAAAAAAAAAAAAAAAAAAAAAAZAAAAAEAAABAAAAAAAAAAAAAAAAAAAAAAAAAAAAAAAAAAAAAAAAAAAAAAAAAAAAAAAAAAAAAAAAAAAAAAAAAAAAAAAAAAAAAAAAAAAAAAAAAAAAAAAAAAAAAAAAAAAAAFAAAADwAAAABAAAAAAAAAAAAAAAPAAAAAQAAACMAAAAjAAAAIwAAAB4AAAAAAAAASwAAAEsAAAAAAAAASwAAAEsAAAAVAAAAYAAAAAAAAAAAAAAADwAAACADAAAAAAAAAAAAAAEAAACgMgAAVgcAAKr4//8BAAAAf39/AAEAAABkAAAAAAAAABQAAABAHwAAAAAAACYAAAAAAAAAwOD//wAAAAAmAAAAZAAAABYAAABMAAAAAAAAAAAAAAAEAAAAAAAAAAEAAABZWVkKAAAAACgAAAAoAAAAZAAAAGQAAAAAAAAAzMzMAAAAAABQAAAAUAAAAGQAAABkAAAAAAAAABcAAAAUAAAAAAAAAAAAAAD/fwAA/38AAAAAAAAJAAAABAAAAGNQdHMeAAAAaAAAAAAAAAAAAAAAAAAAAAAAAAAAAAAAECcAABAnAAAAAAAAAAAAAAAAAAAAAAAAAAAAAAAAAAAAAAAAAAAAABQAAAAAAAAAwMD/AAAAAABkAAAAMgAAAAAAAABkAAAAAAAAAH9/fwAKAAAAIgAAABgAAAAAAAAAAAAAAAAAAAAAAAAAAAAAAAAAAAAkAAAAJAAAAAAAAAAHAAAAAAAAAAAAAAAAAAAAAAAAAAAAAAAAAAAAf39/ACUAAABYAAAAAAAAAAAAAAAAAAAAAAAAAAAAAAAAAAAAAAAAAAAAAAAAAAAAAAAAAAAAAAA/AAAAAAAAAKCGAQAAAAAAAAAAAAAAAAAMAAAAAQAAAAAAAAAAAAAAAAAAAB8AAABUAAAAAAAABQAAAAEAAAAAAAAAAAAAAAAAAAAAAAAAAAAAAAAAAAAAAAAAAAAAAAB/f38AAAAAA8zMzADAwP8Af39/AAAAAAAAAAAAAAAAAAAAAAAAAAAAIQAAABgAAAAUAAAAWAIAADgEAADYJwAAUBkAABAAAAAmAAAACAAAAAEPAAAAAAAA"/>
               </a:ext>
             </a:extLst>
           </p:cNvSpPr>
@@ -2100,7 +2470,7 @@
             <a:spLocks noGrp="1" noChangeArrowheads="1"/>
             <a:extLst>
               <a:ext uri="smNativeData">
-                <pr:smNativeData xmlns:pr="smNativeData" xmlns="smNativeData" val="SMDATA_15_gHjoZxMAAAAlAAAAZAAAAA0AAAAAkAAAAJAAAACQAAAAkAAAAAAAAAAAAAAAAAAAAAEAAABQAAAAAAAAAAAA4D8AAAAAAADgPwAAAAAAAOA/AAAAAAAA4D8AAAAAAADgPwAAAAAAAOA/AAAAAAAA4D8AAAAAAADgPwAAAAAAAOA/AAAAAAAA4D8CAAAAjAAAAAAAAAAAAAAAQoX0DP///wgAAAAAAAAAAAAAAAAAAAAAAAAAAAAAAAAAAAAAZAAAAAEAAABAAAAAAAAAAAAAAAAAAAAAAAAAAAAAAAAAAAAAAAAAAAAAAAAAAAAAAAAAAAAAAAAAAAAAAAAAAAAAAAAAAAAAAAAAAAAAAAAAAAAAAAAAAAAAAAAAAAAAFAAAADwAAAAAAAAAAAAAAAAAAAkUAAAAAQAAABQAAAAUAAAAFAAAAAEAAAAAAAAAZAAAAGQAAAAAAAAAZAAAAGQAAAAVAAAAYAAAAAAAAAAAAAAADwAAACADAAAAAAAAAAAAAAEAAACgMgAAVgcAAKr4//8BAAAAf39/AAEAAABkAAAAAAAAABQAAABAHwAAAAAAACYAAAAAAAAAwOD//wAAAAAmAAAAZAAAABYAAABMAAAAAAAAAAAAAAAEAAAAAAAAAAEAAABZWVkKAAAAACgAAAAoAAAAZAAAAGQAAAAAAAAAzMzMAAAAAABQAAAAUAAAAGQAAABkAAAAAAAAABcAAAAUAAAAAAAAAAAAAAD/fwAA/38AAAAAAAAJAAAABAAAAAAAAAAeAAAAaAAAAAAAAAAAAAAAAAAAAAAAAAAAAAAAECcAABAnAAAAAAAAAAAAAAAAAAAAAAAAAAAAAAAAAAAAAAAAAAAAABQAAAAAAAAAwMD/AAAAAABkAAAAMgAAAAAAAABkAAAAAAAAAH9/fwAKAAAAIgAAABgAAAAAAAAAAAAAAAAAAAAAAAAAAAAAAAAAAAAkAAAAJAAAAAAAAAAHAAAAAAAAAAAAAAAAAAAAAAAAAAAAAAAAAAAAf39/ACUAAABYAAAAAAAAAAAAAAAAAAAAAAAAAAAAAAAAAAAAAAAAAAAAAAAAAAAAAAAAAAAAAAA/AAAAAAAAAKCGAQAAAAAAAAAAAAAAAAAMAAAAAQAAAAAAAAAAAAAAAAAAAB8AAABUAAAAAAAABQAAAAEAAAAAAAAAAAAAAAAAAAAAAAAAAAAAAAAAAAAAAAAAAAAAAAJ/f38AAAAAA8zMzADAwP8Af39/AAAAAAAAAAAAAAAAAAAAAAAAAAAAIQAAABgAAAAUAAAAOAQAALgaAAD4JQAACDQAABAAAAAmAAAACAAAAL0/AAAAAAAA"/>
+                <pr:smNativeData xmlns:pr="smNativeData" xmlns="smNativeData" val="SMDATA_15_t6npZxMAAAAlAAAAZAAAAA0AAAAAkAAAAJAAAACQAAAAkAAAAAAAAAAAAAAAAAAAAAEAAABQAAAAAAAAAAAA4D8AAAAAAADgPwAAAAAAAOA/AAAAAAAA4D8AAAAAAADgPwAAAAAAAOA/AAAAAAAA4D8AAAAAAADgPwAAAAAAAOA/AAAAAAAA4D8CAAAAjAAAAAAAAAAAAAAAQoX0DP///wgAAAAAAAAAAAAAAAAAAAAAAAAAAAAAAAAAAAAAZAAAAAEAAABAAAAAAAAAAAAAAAAAAAAAAAAAAAAAAAAAAAAAAAAAAAAAAAAAAAAAAAAAAAAAAAAAAAAAAAAAAAAAAAAAAAAAAAAAAAAAAAAAAAAAAAAAAAAAAAAAAAAAFAAAADwAAAAAAAAAAAAAAAAAAAkUAAAAAQAAABQAAAAUAAAAFAAAAAEAAAAAAAAAZAAAAGQAAAAAAAAAZAAAAGQAAAAVAAAAYAAAAAAAAAAAAAAADwAAACADAAAAAAAAAAAAAAEAAACgMgAAVgcAAKr4//8BAAAAf39/AAEAAABkAAAAAAAAABQAAABAHwAAAAAAACYAAAAAAAAAwOD//wAAAAAmAAAAZAAAABYAAABMAAAAAAAAAAAAAAAEAAAAAAAAAAEAAABZWVkKAAAAACgAAAAoAAAAZAAAAGQAAAAAAAAAzMzMAAAAAABQAAAAUAAAAGQAAABkAAAAAAAAABcAAAAUAAAAAAAAAAAAAAD/fwAA/38AAAAAAAAJAAAABAAAAF8AYAAeAAAAaAAAAAAAAAAAAAAAAAAAAAAAAAAAAAAAECcAABAnAAAAAAAAAAAAAAAAAAAAAAAAAAAAAAAAAAAAAAAAAAAAABQAAAAAAAAAwMD/AAAAAABkAAAAMgAAAAAAAABkAAAAAAAAAH9/fwAKAAAAIgAAABgAAAAAAAAAAAAAAAAAAAAAAAAAAAAAAAAAAAAkAAAAJAAAAAAAAAAHAAAAAAAAAAAAAAAAAAAAAAAAAAAAAAAAAAAAf39/ACUAAABYAAAAAAAAAAAAAAAAAAAAAAAAAAAAAAAAAAAAAAAAAAAAAAAAAAAAAAAAAAAAAAA/AAAAAAAAAKCGAQAAAAAAAAAAAAAAAAAMAAAAAQAAAAAAAAAAAAAAAAAAAB8AAABUAAAAAAAABQAAAAEAAAAAAAAAAAAAAAAAAAAAAAAAAAAAAAAAAAAAAAAAAAAAAAJ/f38AAAAAA8zMzADAwP8Af39/AAAAAAAAAAAAAAAAAAAAAAAAAAAAIQAAABgAAAAUAAAAOAQAALgaAAD4JQAACDQAABAAAAAmAAAACAAAAL0/AAAAAAAA"/>
               </a:ext>
             </a:extLst>
           </p:cNvSpPr>
@@ -2145,7 +2515,7 @@
 </p:notes>
 </file>
 
-<file path=ppt/notesSlides/notesSlide7.xml><?xml version="1.0" encoding="utf-8"?>
+<file path=ppt/notesSlides/notesSlide9.xml><?xml version="1.0" encoding="utf-8"?>
 <p:notes xmlns:p="http://schemas.openxmlformats.org/presentationml/2006/main" xmlns:mc="http://schemas.openxmlformats.org/markup-compatibility/2006" xmlns:p14="http://schemas.microsoft.com/office/powerpoint/2010/main" xmlns:p15="http://schemas.microsoft.com/office/powerpoint/2012/main" xmlns:r="http://schemas.openxmlformats.org/officeDocument/2006/relationships" xmlns:a="http://schemas.openxmlformats.org/drawingml/2006/main" showMasterSp="0">
   <p:cSld>
     <p:bg>
@@ -2172,12 +2542,12 @@
       </p:grpSpPr>
       <p:sp>
         <p:nvSpPr>
-          <p:cNvPr id="2" name="Google Shape;209;gf98075b259_0_51:notes"/>
+          <p:cNvPr id="2" name="Google Shape;201;gdf29b9fb24_0_69:notes"/>
           <p:cNvSpPr>
             <a:spLocks noGrp="1" noChangeArrowheads="1"/>
             <a:extLst>
               <a:ext uri="smNativeData">
-                <pr:smNativeData xmlns:pr="smNativeData" xmlns="smNativeData" val="SMDATA_15_gHjoZxMAAAAlAAAACwAAAA0AAAAAWAIAADgEAADYJwAAUBkAAAAAAAAAAAAAAAAAAAEAAABQAAAAAAAAAAAA4D8AAAAAAADgPwAAAAAAAOA/AAAAAAAA4D8AAAAAAADgPwAAAAAAAOA/AAAAAAAA4D8AAAAAAADgPwAAAAAAAOA/AAAAAAAA4D8CAAAAjAAAAAAAAAAAAAAAQoX0DP///wgAAAAAAAAAAAAAAAAAAAAAAAAAAAAAAAAAAAAAZAAAAAEAAABAAAAAAAAAAAAAAAAAAAAAAAAAAAAAAAAAAAAAAAAAAAAAAAAAAAAAAAAAAAAAAAAAAAAAAAAAAAAAAAAAAAAAAAAAAAAAAAAAAAAAAAAAAAAAAAAAAAAAFAAAADwAAAABAAAAAAAAAAAAAAAPAAAAAQAAACMAAAAjAAAAIwAAAB4AAAAAAAAASwAAAEsAAAAAAAAASwAAAEsAAAAVAAAAYAAAAAAAAAAAAAAADwAAACADAAAAAAAAAAAAAAEAAACgMgAAVgcAAKr4//8BAAAAf39/AAEAAABkAAAAAAAAABQAAABAHwAAAAAAACYAAAAAAAAAwOD//wAAAAAmAAAAZAAAABYAAABMAAAAAAAAAAAAAAAEAAAAAAAAAAEAAABZWVkKAAAAACgAAAAoAAAAZAAAAGQAAAAAAAAAzMzMAAAAAABQAAAAUAAAAGQAAABkAAAAAAAAABcAAAAUAAAAAAAAAAAAAAD/fwAA/38AAAAAAAAJAAAABAAAAAAAAAAeAAAAaAAAAAAAAAAAAAAAAAAAAAAAAAAAAAAAECcAABAnAAAAAAAAAAAAAAAAAAAAAAAAAAAAAAAAAAAAAAAAAAAAABQAAAAAAAAAwMD/AAAAAABkAAAAMgAAAAAAAABkAAAAAAAAAH9/fwAKAAAAIgAAABgAAAAAAAAAAAAAAAAAAAAAAAAAAAAAAAAAAAAkAAAAJAAAAAAAAAAHAAAAAAAAAAAAAAAAAAAAAAAAAAAAAAAAAAAAf39/ACUAAABYAAAAAAAAAAAAAAAAAAAAAAAAAAAAAAAAAAAAAAAAAAAAAAAAAAAAAAAAAAAAAAA/AAAAAAAAAKCGAQAAAAAAAAAAAAAAAAAMAAAAAQAAAAAAAAAAAAAAAAAAAB8AAABUAAAAAAAABQAAAAEAAAAAAAAAAAAAAAAAAAAAAAAAAAAAAAAAAAAAAAAAAAAAAAB/f38AAAAAA8zMzADAwP8Af39/AAAAAAAAAAAAAAAAAAAAAAAAAAAAIQAAABgAAAAUAAAAWAIAADgEAADYJwAAUBkAABAAAAAmAAAACAAAAAEPAAAAAAAA"/>
+                <pr:smNativeData xmlns:pr="smNativeData" xmlns="smNativeData" val="SMDATA_15_t6npZxMAAAAlAAAACwAAAA0AAAAAWAIAADgEAADYJwAAUBkAAAAAAAAAAAAAAAAAAAEAAABQAAAAAAAAAAAA4D8AAAAAAADgPwAAAAAAAOA/AAAAAAAA4D8AAAAAAADgPwAAAAAAAOA/AAAAAAAA4D8AAAAAAADgPwAAAAAAAOA/AAAAAAAA4D8CAAAAjAAAAAAAAAAAAAAAQoX0DP///wgAAAAAAAAAAAAAAAAAAAAAAAAAAAAAAAAAAAAAZAAAAAEAAABAAAAAAAAAAAAAAAAAAAAAAAAAAAAAAAAAAAAAAAAAAAAAAAAAAAAAAAAAAAAAAAAAAAAAAAAAAAAAAAAAAAAAAAAAAAAAAAAAAAAAAAAAAAAAAAAAAAAAFAAAADwAAAABAAAAAAAAAAAAAAAPAAAAAQAAACMAAAAjAAAAIwAAAB4AAAAAAAAASwAAAEsAAAAAAAAASwAAAEsAAAAVAAAAYAAAAAAAAAAAAAAADwAAACADAAAAAAAAAAAAAAEAAACgMgAAVgcAAKr4//8BAAAAf39/AAEAAABkAAAAAAAAABQAAABAHwAAAAAAACYAAAAAAAAAwOD//wAAAAAmAAAAZAAAABYAAABMAAAAAAAAAAAAAAAEAAAAAAAAAAEAAABZWVkKAAAAACgAAAAoAAAAZAAAAGQAAAAAAAAAzMzMAAAAAABQAAAAUAAAAGQAAABkAAAAAAAAABcAAAAUAAAAAAAAAAAAAAD/fwAA/38AAAAAAAAJAAAABAAAAF8AYAAeAAAAaAAAAAAAAAAAAAAAAAAAAAAAAAAAAAAAECcAABAnAAAAAAAAAAAAAAAAAAAAAAAAAAAAAAAAAAAAAAAAAAAAABQAAAAAAAAAwMD/AAAAAABkAAAAMgAAAAAAAABkAAAAAAAAAH9/fwAKAAAAIgAAABgAAAAAAAAAAAAAAAAAAAAAAAAAAAAAAAAAAAAkAAAAJAAAAAAAAAAHAAAAAAAAAAAAAAAAAAAAAAAAAAAAAAAAAAAAf39/ACUAAABYAAAAAAAAAAAAAAAAAAAAAAAAAAAAAAAAAAAAAAAAAAAAAAAAAAAAAAAAAAAAAAA/AAAAAAAAAKCGAQAAAAAAAAAAAAAAAAAMAAAAAQAAAAAAAAAAAAAAAAAAAB8AAABUAAAAAAAABQAAAAEAAAAAAAAAAAAAAAAAAAAAAAAAAAAAAAAAAAAAAAAAAAAAAAB/f38AAAAAA8zMzADAwP8Af39/AAAAAAAAAAAAAAAAAAAAAAAAAAAAIQAAABgAAAAUAAAAWAIAADgEAADYJwAAUBkAABAAAAAmAAAACAAAAAEPAAAAAAAA"/>
               </a:ext>
             </a:extLst>
           </p:cNvSpPr>
@@ -2218,258 +2588,12 @@
       </p:sp>
       <p:sp>
         <p:nvSpPr>
-          <p:cNvPr id="3" name="Google Shape;210;gf98075b259_0_51:notes"/>
+          <p:cNvPr id="3" name="Google Shape;202;gdf29b9fb24_0_69:notes"/>
           <p:cNvSpPr>
             <a:spLocks noGrp="1" noChangeArrowheads="1"/>
             <a:extLst>
               <a:ext uri="smNativeData">
-                <pr:smNativeData xmlns:pr="smNativeData" xmlns="smNativeData" val="SMDATA_15_gHjoZxMAAAAlAAAAZAAAAA0AAAAAkAAAAJAAAACQAAAAkAAAAAAAAAAAAAAAAAAAAAEAAABQAAAAAAAAAAAA4D8AAAAAAADgPwAAAAAAAOA/AAAAAAAA4D8AAAAAAADgPwAAAAAAAOA/AAAAAAAA4D8AAAAAAADgPwAAAAAAAOA/AAAAAAAA4D8CAAAAjAAAAAAAAAAAAAAAQoX0DP///wgAAAAAAAAAAAAAAAAAAAAAAAAAAAAAAAAAAAAAZAAAAAEAAABAAAAAAAAAAAAAAAAAAAAAAAAAAAAAAAAAAAAAAAAAAAAAAAAAAAAAAAAAAAAAAAAAAAAAAAAAAAAAAAAAAAAAAAAAAAAAAAAAAAAAAAAAAAAAAAAAAAAAFAAAADwAAAAAAAAAAAAAAAAAAAkUAAAAAQAAABQAAAAUAAAAFAAAAAEAAAAAAAAAZAAAAGQAAAAAAAAAZAAAAGQAAAAVAAAAYAAAAAAAAAAAAAAADwAAACADAAAAAAAAAAAAAAEAAACgMgAAVgcAAKr4//8BAAAAf39/AAEAAABkAAAAAAAAABQAAABAHwAAAAAAACYAAAAAAAAAwOD//wAAAAAmAAAAZAAAABYAAABMAAAAAAAAAAAAAAAEAAAAAAAAAAEAAABZWVkKAAAAACgAAAAoAAAAZAAAAGQAAAAAAAAAzMzMAAAAAABQAAAAUAAAAGQAAABkAAAAAAAAABcAAAAUAAAAAAAAAAAAAAD/fwAA/38AAAAAAAAJAAAABAAAAF8AYAAeAAAAaAAAAAAAAAAAAAAAAAAAAAAAAAAAAAAAECcAABAnAAAAAAAAAAAAAAAAAAAAAAAAAAAAAAAAAAAAAAAAAAAAABQAAAAAAAAAwMD/AAAAAABkAAAAMgAAAAAAAABkAAAAAAAAAH9/fwAKAAAAIgAAABgAAAAAAAAAAAAAAAAAAAAAAAAAAAAAAAAAAAAkAAAAJAAAAAAAAAAHAAAAAAAAAAAAAAAAAAAAAAAAAAAAAAAAAAAAf39/ACUAAABYAAAAAAAAAAAAAAAAAAAAAAAAAAAAAAAAAAAAAAAAAAAAAAAAAAAAAAAAAAAAAAA/AAAAAAAAAKCGAQAAAAAAAAAAAAAAAAAMAAAAAQAAAAAAAAAAAAAAAAAAAB8AAABUAAAAAAAABQAAAAEAAAAAAAAAAAAAAAAAAAAAAAAAAAAAAAAAAAAAAAAAAAAAAAJ/f38AAAAAA8zMzADAwP8Af39/AAAAAAAAAAAAAAAAAAAAAAAAAAAAIQAAABgAAAAUAAAAOAQAALgaAAD4JQAACDQAABAAAAAmAAAACAAAAL0/AAAAAAAA"/>
-              </a:ext>
-            </a:extLst>
-          </p:cNvSpPr>
-          <p:nvPr>
-            <p:ph type="body" idx="1"/>
-          </p:nvPr>
-        </p:nvSpPr>
-        <p:spPr>
-          <a:xfrm>
-            <a:off x="685800" y="4343400"/>
-            <a:ext cx="5486400" cy="4114800"/>
-          </a:xfrm>
-          <a:prstGeom prst="rect">
-            <a:avLst/>
-          </a:prstGeom>
-        </p:spPr>
-        <p:txBody>
-          <a:bodyPr vert="horz" wrap="square" lIns="91440" tIns="91440" rIns="91440" bIns="91440" numCol="1" spcCol="215900" anchor="t">
-            <a:prstTxWarp prst="textNoShape">
-              <a:avLst/>
-            </a:prstTxWarp>
-          </a:bodyPr>
-          <a:lstStyle/>
-          <a:p>
-            <a:pPr marL="0" indent="0" algn="l">
-              <a:spcBef>
-                <a:spcPts val="0"/>
-              </a:spcBef>
-              <a:spcAft>
-                <a:spcPts val="0"/>
-              </a:spcAft>
-              <a:buNone/>
-            </a:pPr>
-          </a:p>
-        </p:txBody>
-      </p:sp>
-    </p:spTree>
-  </p:cSld>
-  <p:clrMapOvr>
-    <a:masterClrMapping/>
-  </p:clrMapOvr>
-</p:notes>
-</file>
-
-<file path=ppt/notesSlides/notesSlide8.xml><?xml version="1.0" encoding="utf-8"?>
-<p:notes xmlns:p="http://schemas.openxmlformats.org/presentationml/2006/main" xmlns:mc="http://schemas.openxmlformats.org/markup-compatibility/2006" xmlns:p14="http://schemas.microsoft.com/office/powerpoint/2010/main" xmlns:p15="http://schemas.microsoft.com/office/powerpoint/2012/main" xmlns:r="http://schemas.openxmlformats.org/officeDocument/2006/relationships" xmlns:a="http://schemas.openxmlformats.org/drawingml/2006/main" showMasterSp="0">
-  <p:cSld>
-    <p:bg>
-      <p:bgPr>
-        <a:solidFill>
-          <a:schemeClr val="bg1"/>
-        </a:solidFill>
-        <a:effectLst/>
-      </p:bgPr>
-    </p:bg>
-    <p:spTree>
-      <p:nvGrpSpPr>
-        <p:cNvPr id="1" name=""/>
-        <p:cNvGrpSpPr/>
-        <p:nvPr/>
-      </p:nvGrpSpPr>
-      <p:grpSpPr>
-        <a:xfrm>
-          <a:off x="0" y="0"/>
-          <a:ext cx="0" cy="0"/>
-          <a:chOff x="0" y="0"/>
-          <a:chExt cx="0" cy="0"/>
-        </a:xfrm>
-      </p:grpSpPr>
-      <p:sp>
-        <p:nvSpPr>
-          <p:cNvPr id="2" name="Google Shape;231;g30f7d84ce1d_0_388:notes"/>
-          <p:cNvSpPr>
-            <a:spLocks noGrp="1" noChangeArrowheads="1"/>
-            <a:extLst>
-              <a:ext uri="smNativeData">
-                <pr:smNativeData xmlns:pr="smNativeData" xmlns="smNativeData" val="SMDATA_15_gHjoZxMAAAAlAAAACwAAAA0AAAAAWAIAADgEAADYJwAAUBkAAAAAAAAAAAAAAAAAAAEAAABQAAAAAAAAAAAA4D8AAAAAAADgPwAAAAAAAOA/AAAAAAAA4D8AAAAAAADgPwAAAAAAAOA/AAAAAAAA4D8AAAAAAADgPwAAAAAAAOA/AAAAAAAA4D8CAAAAjAAAAAAAAAAAAAAAQoX0DP///wgAAAAAAAAAAAAAAAAAAAAAAAAAAAAAAAAAAAAAZAAAAAEAAABAAAAAAAAAAAAAAAAAAAAAAAAAAAAAAAAAAAAAAAAAAAAAAAAAAAAAAAAAAAAAAAAAAAAAAAAAAAAAAAAAAAAAAAAAAAAAAAAAAAAAAAAAAAAAAAAAAAAAFAAAADwAAAABAAAAAAAAAAAAAAAPAAAAAQAAACMAAAAjAAAAIwAAAB4AAAAAAAAASwAAAEsAAAAAAAAASwAAAEsAAAAVAAAAYAAAAAAAAAAAAAAADwAAACADAAAAAAAAAAAAAAEAAACgMgAAVgcAAKr4//8BAAAAf39/AAEAAABkAAAAAAAAABQAAABAHwAAAAAAACYAAAAAAAAAwOD//wAAAAAmAAAAZAAAABYAAABMAAAAAAAAAAAAAAAEAAAAAAAAAAEAAABZWVkKAAAAACgAAAAoAAAAZAAAAGQAAAAAAAAAzMzMAAAAAABQAAAAUAAAAGQAAABkAAAAAAAAABcAAAAUAAAAAAAAAAAAAAD/fwAA/38AAAAAAAAJAAAABAAAAAAAAAAeAAAAaAAAAAAAAAAAAAAAAAAAAAAAAAAAAAAAECcAABAnAAAAAAAAAAAAAAAAAAAAAAAAAAAAAAAAAAAAAAAAAAAAABQAAAAAAAAAwMD/AAAAAABkAAAAMgAAAAAAAABkAAAAAAAAAH9/fwAKAAAAIgAAABgAAAAAAAAAAAAAAAAAAAAAAAAAAAAAAAAAAAAkAAAAJAAAAAAAAAAHAAAAAAAAAAAAAAAAAAAAAAAAAAAAAAAAAAAAf39/ACUAAABYAAAAAAAAAAAAAAAAAAAAAAAAAAAAAAAAAAAAAAAAAAAAAAAAAAAAAAAAAAAAAAA/AAAAAAAAAKCGAQAAAAAAAAAAAAAAAAAMAAAAAQAAAAAAAAAAAAAAAAAAAB8AAABUAAAAAAAABQAAAAEAAAAAAAAAAAAAAAAAAAAAAAAAAAAAAAAAAAAAAAAAAAAAAAB/f38AAAAAA8zMzADAwP8Af39/AAAAAAAAAAAAAAAAAAAAAAAAAAAAIQAAABgAAAAUAAAAWAIAADgEAADYJwAAUBkAABAAAAAmAAAACAAAAAEPAAAAAAAA"/>
-              </a:ext>
-            </a:extLst>
-          </p:cNvSpPr>
-          <p:nvPr>
-            <p:ph type="sldImg" idx="2"/>
-          </p:nvPr>
-        </p:nvSpPr>
-        <p:spPr>
-          <a:xfrm>
-            <a:off x="381000" y="685800"/>
-            <a:ext cx="6096000" cy="3429000"/>
-          </a:xfrm>
-          <a:custGeom>
-            <a:avLst/>
-            <a:gdLst/>
-            <a:ahLst/>
-            <a:cxnLst/>
-            <a:rect l="0" t="0" r="6096000" b="3429000"/>
-            <a:pathLst>
-              <a:path w="6096000" h="3429000" fill="none" extrusionOk="0">
-                <a:moveTo>
-                  <a:pt x="0" y="0"/>
-                </a:moveTo>
-                <a:lnTo>
-                  <a:pt x="6096000" y="0"/>
-                </a:lnTo>
-                <a:lnTo>
-                  <a:pt x="6096000" y="3429000"/>
-                </a:lnTo>
-                <a:lnTo>
-                  <a:pt x="0" y="3429000"/>
-                </a:lnTo>
-                <a:close/>
-              </a:path>
-            </a:pathLst>
-          </a:custGeom>
-        </p:spPr>
-      </p:sp>
-      <p:sp>
-        <p:nvSpPr>
-          <p:cNvPr id="3" name="Google Shape;232;g30f7d84ce1d_0_388:notes"/>
-          <p:cNvSpPr>
-            <a:spLocks noGrp="1" noChangeArrowheads="1"/>
-            <a:extLst>
-              <a:ext uri="smNativeData">
-                <pr:smNativeData xmlns:pr="smNativeData" xmlns="smNativeData" val="SMDATA_15_gHjoZxMAAAAlAAAAZAAAAA0AAAAAkAAAAJAAAACQAAAAkAAAAAAAAAAAAAAAAAAAAAEAAABQAAAAAAAAAAAA4D8AAAAAAADgPwAAAAAAAOA/AAAAAAAA4D8AAAAAAADgPwAAAAAAAOA/AAAAAAAA4D8AAAAAAADgPwAAAAAAAOA/AAAAAAAA4D8CAAAAjAAAAAAAAAAAAAAAQoX0DP///wgAAAAAAAAAAAAAAAAAAAAAAAAAAAAAAAAAAAAAZAAAAAEAAABAAAAAAAAAAAAAAAAAAAAAAAAAAAAAAAAAAAAAAAAAAAAAAAAAAAAAAAAAAAAAAAAAAAAAAAAAAAAAAAAAAAAAAAAAAAAAAAAAAAAAAAAAAAAAAAAAAAAAFAAAADwAAAAAAAAAAAAAAAAAAAkUAAAAAQAAABQAAAAUAAAAFAAAAAEAAAAAAAAAZAAAAGQAAAAAAAAAZAAAAGQAAAAVAAAAYAAAAAAAAAAAAAAADwAAACADAAAAAAAAAAAAAAEAAACgMgAAVgcAAKr4//8BAAAAf39/AAEAAABkAAAAAAAAABQAAABAHwAAAAAAACYAAAAAAAAAwOD//wAAAAAmAAAAZAAAABYAAABMAAAAAAAAAAAAAAAEAAAAAAAAAAEAAABZWVkKAAAAACgAAAAoAAAAZAAAAGQAAAAAAAAAzMzMAAAAAABQAAAAUAAAAGQAAABkAAAAAAAAABcAAAAUAAAAAAAAAAAAAAD/fwAA/38AAAAAAAAJAAAABAAAAAAAAAAeAAAAaAAAAAAAAAAAAAAAAAAAAAAAAAAAAAAAECcAABAnAAAAAAAAAAAAAAAAAAAAAAAAAAAAAAAAAAAAAAAAAAAAABQAAAAAAAAAwMD/AAAAAABkAAAAMgAAAAAAAABkAAAAAAAAAH9/fwAKAAAAIgAAABgAAAAAAAAAAAAAAAAAAAAAAAAAAAAAAAAAAAAkAAAAJAAAAAAAAAAHAAAAAAAAAAAAAAAAAAAAAAAAAAAAAAAAAAAAf39/ACUAAABYAAAAAAAAAAAAAAAAAAAAAAAAAAAAAAAAAAAAAAAAAAAAAAAAAAAAAAAAAAAAAAA/AAAAAAAAAKCGAQAAAAAAAAAAAAAAAAAMAAAAAQAAAAAAAAAAAAAAAAAAAB8AAABUAAAAAAAABQAAAAEAAAAAAAAAAAAAAAAAAAAAAAAAAAAAAAAAAAAAAAAAAAAAAAJ/f38AAAAAA8zMzADAwP8Af39/AAAAAAAAAAAAAAAAAAAAAAAAAAAAIQAAABgAAAAUAAAAOAQAALgaAAD4JQAACDQAABAAAAAmAAAACAAAAL0/AAAAAAAA"/>
-              </a:ext>
-            </a:extLst>
-          </p:cNvSpPr>
-          <p:nvPr>
-            <p:ph type="body" idx="1"/>
-          </p:nvPr>
-        </p:nvSpPr>
-        <p:spPr>
-          <a:xfrm>
-            <a:off x="685800" y="4343400"/>
-            <a:ext cx="5486400" cy="4114800"/>
-          </a:xfrm>
-          <a:prstGeom prst="rect">
-            <a:avLst/>
-          </a:prstGeom>
-        </p:spPr>
-        <p:txBody>
-          <a:bodyPr vert="horz" wrap="square" lIns="91440" tIns="91440" rIns="91440" bIns="91440" numCol="1" spcCol="215900" anchor="t">
-            <a:prstTxWarp prst="textNoShape">
-              <a:avLst/>
-            </a:prstTxWarp>
-          </a:bodyPr>
-          <a:lstStyle/>
-          <a:p>
-            <a:pPr marL="0" indent="0" algn="l">
-              <a:spcBef>
-                <a:spcPts val="0"/>
-              </a:spcBef>
-              <a:spcAft>
-                <a:spcPts val="0"/>
-              </a:spcAft>
-              <a:buNone/>
-            </a:pPr>
-          </a:p>
-        </p:txBody>
-      </p:sp>
-    </p:spTree>
-  </p:cSld>
-  <p:clrMapOvr>
-    <a:masterClrMapping/>
-  </p:clrMapOvr>
-</p:notes>
-</file>
-
-<file path=ppt/notesSlides/notesSlide9.xml><?xml version="1.0" encoding="utf-8"?>
-<p:notes xmlns:p="http://schemas.openxmlformats.org/presentationml/2006/main" xmlns:mc="http://schemas.openxmlformats.org/markup-compatibility/2006" xmlns:p14="http://schemas.microsoft.com/office/powerpoint/2010/main" xmlns:p15="http://schemas.microsoft.com/office/powerpoint/2012/main" xmlns:r="http://schemas.openxmlformats.org/officeDocument/2006/relationships" xmlns:a="http://schemas.openxmlformats.org/drawingml/2006/main" showMasterSp="0">
-  <p:cSld>
-    <p:bg>
-      <p:bgPr>
-        <a:solidFill>
-          <a:schemeClr val="bg1"/>
-        </a:solidFill>
-        <a:effectLst/>
-      </p:bgPr>
-    </p:bg>
-    <p:spTree>
-      <p:nvGrpSpPr>
-        <p:cNvPr id="1" name=""/>
-        <p:cNvGrpSpPr/>
-        <p:nvPr/>
-      </p:nvGrpSpPr>
-      <p:grpSpPr>
-        <a:xfrm>
-          <a:off x="0" y="0"/>
-          <a:ext cx="0" cy="0"/>
-          <a:chOff x="0" y="0"/>
-          <a:chExt cx="0" cy="0"/>
-        </a:xfrm>
-      </p:grpSpPr>
-      <p:sp>
-        <p:nvSpPr>
-          <p:cNvPr id="2" name="Google Shape;238;g341727d1ac5_0_0:notes"/>
-          <p:cNvSpPr>
-            <a:spLocks noGrp="1" noChangeArrowheads="1"/>
-            <a:extLst>
-              <a:ext uri="smNativeData">
-                <pr:smNativeData xmlns:pr="smNativeData" xmlns="smNativeData" val="SMDATA_15_gHjoZxMAAAAlAAAACwAAAA0AAAAAWAIAADgEAADYJwAAUBkAAAAAAAAAAAAAAAAAAAEAAABQAAAAAAAAAAAA4D8AAAAAAADgPwAAAAAAAOA/AAAAAAAA4D8AAAAAAADgPwAAAAAAAOA/AAAAAAAA4D8AAAAAAADgPwAAAAAAAOA/AAAAAAAA4D8CAAAAjAAAAAAAAAAAAAAAQoX0DP///wgAAAAAAAAAAAAAAAAAAAAAAAAAAAAAAAAAAAAAZAAAAAEAAABAAAAAAAAAAAAAAAAAAAAAAAAAAAAAAAAAAAAAAAAAAAAAAAAAAAAAAAAAAAAAAAAAAAAAAAAAAAAAAAAAAAAAAAAAAAAAAAAAAAAAAAAAAAAAAAAAAAAAFAAAADwAAAABAAAAAAAAAAAAAAAPAAAAAQAAACMAAAAjAAAAIwAAAB4AAAAAAAAASwAAAEsAAAAAAAAASwAAAEsAAAAVAAAAYAAAAAAAAAAAAAAADwAAACADAAAAAAAAAAAAAAEAAACgMgAAVgcAAKr4//8BAAAAf39/AAEAAABkAAAAAAAAABQAAABAHwAAAAAAACYAAAAAAAAAwOD//wAAAAAmAAAAZAAAABYAAABMAAAAAAAAAAAAAAAEAAAAAAAAAAEAAABZWVkKAAAAACgAAAAoAAAAZAAAAGQAAAAAAAAAzMzMAAAAAABQAAAAUAAAAGQAAABkAAAAAAAAABcAAAAUAAAAAAAAAAAAAAD/fwAA/38AAAAAAAAJAAAABAAAAKHj6wAeAAAAaAAAAAAAAAAAAAAAAAAAAAAAAAAAAAAAECcAABAnAAAAAAAAAAAAAAAAAAAAAAAAAAAAAAAAAAAAAAAAAAAAABQAAAAAAAAAwMD/AAAAAABkAAAAMgAAAAAAAABkAAAAAAAAAH9/fwAKAAAAIgAAABgAAAAAAAAAAAAAAAAAAAAAAAAAAAAAAAAAAAAkAAAAJAAAAAAAAAAHAAAAAAAAAAAAAAAAAAAAAAAAAAAAAAAAAAAAf39/ACUAAABYAAAAAAAAAAAAAAAAAAAAAAAAAAAAAAAAAAAAAAAAAAAAAAAAAAAAAAAAAAAAAAA/AAAAAAAAAKCGAQAAAAAAAAAAAAAAAAAMAAAAAQAAAAAAAAAAAAAAAAAAAB8AAABUAAAAAAAABQAAAAEAAAAAAAAAAAAAAAAAAAAAAAAAAAAAAAAAAAAAAAAAAAAAAAB/f38AAAAAA8zMzADAwP8Af39/AAAAAAAAAAAAAAAAAAAAAAAAAAAAIQAAABgAAAAUAAAAWAIAADgEAADYJwAAUBkAABAAAAAmAAAACAAAAAEPAAAAAAAA"/>
-              </a:ext>
-            </a:extLst>
-          </p:cNvSpPr>
-          <p:nvPr>
-            <p:ph type="sldImg" idx="2"/>
-          </p:nvPr>
-        </p:nvSpPr>
-        <p:spPr>
-          <a:xfrm>
-            <a:off x="381000" y="685800"/>
-            <a:ext cx="6096000" cy="3429000"/>
-          </a:xfrm>
-          <a:custGeom>
-            <a:avLst/>
-            <a:gdLst/>
-            <a:ahLst/>
-            <a:cxnLst/>
-            <a:rect l="0" t="0" r="6096000" b="3429000"/>
-            <a:pathLst>
-              <a:path w="6096000" h="3429000" fill="none" extrusionOk="0">
-                <a:moveTo>
-                  <a:pt x="0" y="0"/>
-                </a:moveTo>
-                <a:lnTo>
-                  <a:pt x="6096000" y="0"/>
-                </a:lnTo>
-                <a:lnTo>
-                  <a:pt x="6096000" y="3429000"/>
-                </a:lnTo>
-                <a:lnTo>
-                  <a:pt x="0" y="3429000"/>
-                </a:lnTo>
-                <a:close/>
-              </a:path>
-            </a:pathLst>
-          </a:custGeom>
-        </p:spPr>
-      </p:sp>
-      <p:sp>
-        <p:nvSpPr>
-          <p:cNvPr id="3" name="Google Shape;239;g341727d1ac5_0_0:notes"/>
-          <p:cNvSpPr>
-            <a:spLocks noGrp="1" noChangeArrowheads="1"/>
-            <a:extLst>
-              <a:ext uri="smNativeData">
-                <pr:smNativeData xmlns:pr="smNativeData" xmlns="smNativeData" val="SMDATA_15_gHjoZxMAAAAlAAAAZAAAAA0AAAAAkAAAAJAAAACQAAAAkAAAAAAAAAAAAAAAAAAAAAEAAABQAAAAAAAAAAAA4D8AAAAAAADgPwAAAAAAAOA/AAAAAAAA4D8AAAAAAADgPwAAAAAAAOA/AAAAAAAA4D8AAAAAAADgPwAAAAAAAOA/AAAAAAAA4D8CAAAAjAAAAAAAAAAAAAAAQoX0DP///wgAAAAAAAAAAAAAAAAAAAAAAAAAAAAAAAAAAAAAZAAAAAEAAABAAAAAAAAAAAAAAAAAAAAAAAAAAAAAAAAAAAAAAAAAAAAAAAAAAAAAAAAAAAAAAAAAAAAAAAAAAAAAAAAAAAAAAAAAAAAAAAAAAAAAAAAAAAAAAAAAAAAAFAAAADwAAAAAAAAAAAAAAAAAAAkUAAAAAQAAABQAAAAUAAAAFAAAAAEAAAAAAAAAZAAAAGQAAAAAAAAAZAAAAGQAAAAVAAAAYAAAAAAAAAAAAAAADwAAACADAAAAAAAAAAAAAAEAAACgMgAAVgcAAKr4//8BAAAAf39/AAEAAABkAAAAAAAAABQAAABAHwAAAAAAACYAAAAAAAAAwOD//wAAAAAmAAAAZAAAABYAAABMAAAAAAAAAAAAAAAEAAAAAAAAAAEAAABZWVkKAAAAACgAAAAoAAAAZAAAAGQAAAAAAAAAzMzMAAAAAABQAAAAUAAAAGQAAABkAAAAAAAAABcAAAAUAAAAAAAAAAAAAAD/fwAA/38AAAAAAAAJAAAABAAAAF8AYAAeAAAAaAAAAAAAAAAAAAAAAAAAAAAAAAAAAAAAECcAABAnAAAAAAAAAAAAAAAAAAAAAAAAAAAAAAAAAAAAAAAAAAAAABQAAAAAAAAAwMD/AAAAAABkAAAAMgAAAAAAAABkAAAAAAAAAH9/fwAKAAAAIgAAABgAAAAAAAAAAAAAAAAAAAAAAAAAAAAAAAAAAAAkAAAAJAAAAAAAAAAHAAAAAAAAAAAAAAAAAAAAAAAAAAAAAAAAAAAAf39/ACUAAABYAAAAAAAAAAAAAAAAAAAAAAAAAAAAAAAAAAAAAAAAAAAAAAAAAAAAAAAAAAAAAAA/AAAAAAAAAKCGAQAAAAAAAAAAAAAAAAAMAAAAAQAAAAAAAAAAAAAAAAAAAB8AAABUAAAAAAAABQAAAAEAAAAAAAAAAAAAAAAAAAAAAAAAAAAAAAAAAAAAAAAAAAAAAAJ/f38AAAAAA8zMzADAwP8Af39/AAAAAAAAAAAAAAAAAAAAAAAAAAAAIQAAABgAAAAUAAAAOAQAALgaAAD4JQAACDQAABAAAAAmAAAACAAAAL0/AAAAAAAA"/>
+                <pr:smNativeData xmlns:pr="smNativeData" xmlns="smNativeData" val="SMDATA_15_t6npZxMAAAAlAAAAZAAAAA0AAAAAkAAAAJAAAACQAAAAkAAAAAAAAAAAAAAAAAAAAAEAAABQAAAAAAAAAAAA4D8AAAAAAADgPwAAAAAAAOA/AAAAAAAA4D8AAAAAAADgPwAAAAAAAOA/AAAAAAAA4D8AAAAAAADgPwAAAAAAAOA/AAAAAAAA4D8CAAAAjAAAAAAAAAAAAAAAQoX0DP///wgAAAAAAAAAAAAAAAAAAAAAAAAAAAAAAAAAAAAAZAAAAAEAAABAAAAAAAAAAAAAAAAAAAAAAAAAAAAAAAAAAAAAAAAAAAAAAAAAAAAAAAAAAAAAAAAAAAAAAAAAAAAAAAAAAAAAAAAAAAAAAAAAAAAAAAAAAAAAAAAAAAAAFAAAADwAAAAAAAAAAAAAAAAAAAkUAAAAAQAAABQAAAAUAAAAFAAAAAEAAAAAAAAAZAAAAGQAAAAAAAAAZAAAAGQAAAAVAAAAYAAAAAAAAAAAAAAADwAAACADAAAAAAAAAAAAAAEAAACgMgAAVgcAAKr4//8BAAAAf39/AAEAAABkAAAAAAAAABQAAABAHwAAAAAAACYAAAAAAAAAwOD//wAAAAAmAAAAZAAAABYAAABMAAAAAAAAAAAAAAAEAAAAAAAAAAEAAABZWVkKAAAAACgAAAAoAAAAZAAAAGQAAAAAAAAAzMzMAAAAAABQAAAAUAAAAGQAAABkAAAAAAAAABcAAAAUAAAAAAAAAAAAAAD/fwAA/38AAAAAAAAJAAAABAAAAAAAAAAeAAAAaAAAAAAAAAAAAAAAAAAAAAAAAAAAAAAAECcAABAnAAAAAAAAAAAAAAAAAAAAAAAAAAAAAAAAAAAAAAAAAAAAABQAAAAAAAAAwMD/AAAAAABkAAAAMgAAAAAAAABkAAAAAAAAAH9/fwAKAAAAIgAAABgAAAAAAAAAAAAAAAAAAAAAAAAAAAAAAAAAAAAkAAAAJAAAAAAAAAAHAAAAAAAAAAAAAAAAAAAAAAAAAAAAAAAAAAAAf39/ACUAAABYAAAAAAAAAAAAAAAAAAAAAAAAAAAAAAAAAAAAAAAAAAAAAAAAAAAAAAAAAAAAAAA/AAAAAAAAAKCGAQAAAAAAAAAAAAAAAAAMAAAAAQAAAAAAAAAAAAAAAAAAAB8AAABUAAAAAAAABQAAAAEAAAAAAAAAAAAAAAAAAAAAAAAAAAAAAAAAAAAAAAAAAAAAAAJ/f38AAAAAA8zMzADAwP8Af39/AAAAAAAAAAAAAAAAAAAAAAAAAAAAIQAAABgAAAAUAAAAOAQAALgaAAD4JQAACDQAABAAAAAmAAAACAAAAL0/AAAAAAAA"/>
               </a:ext>
             </a:extLst>
           </p:cNvSpPr>
@@ -2537,7 +2661,7 @@
           <p:cNvPicPr>
             <a:extLst>
               <a:ext uri="smNativeData">
-                <pr:smNativeData xmlns:pr="smNativeData" xmlns="smNativeData" val="SMDATA_17_gHjoZxMAAAAlAAAAEQAAAA0AAAAAkAAAAEgAAACQAAAASAAAAAAAAAAAAAAAAAAAAAEAAABQAAAAAAAAAAAA4D8AAAAAAADgPwAAAAAAAOA/AAAAAAAA4D8AAAAAAADgPwAAAAAAAOA/AAAAAAAA4D8AAAAAAADgPwAAAAAAAOA/AAAAAAAA4D8CAAAAjAAAAAAAAAAAAAAAQoX0DP///wgAAAAAAAAAAAAAAAAAAAAAAAAAAAAAAAAAAAAAZAAAAAEAAABAAAAAAAAAAAAAAAAAAAAAAAAAAAAAAAAAAAAAAAAAAAAAAAAAAAAAAAAAAAAAAAAAAAAAAAAAAAAAAAAAAAAAAAAAAAAAAAAAAAAAAAAAAAAAAAAAAAAAFAAAADwAAAAAAAAAAAAAAAAAAAkUAAAAAQAAABQAAAAUAAAAFAAAAAEAAAAAAAAAZAAAAGQAAAAAAAAAZAAAAGQAAAAVAAAAYAAAAAAAAAAAAAAADwAAACADAAAAAAAAAAAAAAEAAACgMgAAVgcAAKr4//8BAAAAf39/AAEAAABkAAAAAAAAABQAAABAHwAAAAAAACYAAAAAAAAAwOD//wAAAAAmAAAAZAAAABYAAABMAAAAAAAAAAAAAAAEAAAAAAAAAAEAAABZWVkKAAAAACgAAAAoAAAAZAAAAGQAAAAAAAAAzMzMAAAAAABQAAAAUAAAAGQAAABkAAAAAAAAAAcAAAA4AAAAAAAAAAAAAAAAAAAA////AAAAAAAAAAAACgAAAAAAAAAKAAAAAAAAAAAAAABkAAAAZAAAAAAAAAAjAAAABAAAAGQAAAAXAAAAFAAAAAAAAAAAAAAA/38AAP9/AAAAAAAACQAAAAQAAABAUt8BHgAAAGgAAAAAAAAAAAAAAAAAAAAAAAAAAAAAABAnAAAQJwAAAAAAAAAAAAAAAAAAAAAAAAAAAAAAAAAAAAAAAAAAAAAUAAAAAAAAAMDA/wAAAAAAZAAAADIAAAAAAAAAZAAAAAAAAAB/f38ACgAAACIAAAAYAAAAAAAAAAAAAAAAAAAAAAAAAAAAAAAAAAAAJAAAACQAAAAAAAAABwAAAAAAAAAAAAAAAAAAAAAAAAAAAAAAAAAAAH9/fwAlAAAAWAAAAAAAAAAAAAAAAAAAAAAAAAAAAAAAAAAAAAAAAAAAAAAAAAAAAAAAAAAAAAAAPwAAAAAAAACghgEAAAAAAAAAAAAAAAAADAAAAAEAAAAAAAAAAAAAAAAAAAAfAAAAVAAAAAAAAAUAAAABAAAAAAAAAAAAAAAAAAAAAAAAAAAAAAAAAAAAAAAAAAAAAAACf39/AAAAAAPMzMwAwMD/AH9/fwAAAAAAAAAAAAAAAAD///8AAAAAACEAAAAYAAAAFAAAAOT////w////dDgAANEfAAAQAAAAJgAAAAgAAAD//////////w=="/>
+                <pr:smNativeData xmlns:pr="smNativeData" xmlns="smNativeData" val="SMDATA_17_t6npZxMAAAAlAAAAEQAAAA0AAAAAkAAAAEgAAACQAAAASAAAAAAAAAAAAAAAAAAAAAEAAABQAAAAAAAAAAAA4D8AAAAAAADgPwAAAAAAAOA/AAAAAAAA4D8AAAAAAADgPwAAAAAAAOA/AAAAAAAA4D8AAAAAAADgPwAAAAAAAOA/AAAAAAAA4D8CAAAAjAAAAAAAAAAAAAAAQoX0DP///wgAAAAAAAAAAAAAAAAAAAAAAAAAAAAAAAAAAAAAZAAAAAEAAABAAAAAAAAAAAAAAAAAAAAAAAAAAAAAAAAAAAAAAAAAAAAAAAAAAAAAAAAAAAAAAAAAAAAAAAAAAAAAAAAAAAAAAAAAAAAAAAAAAAAAAAAAAAAAAAAAAAAAFAAAADwAAAAAAAAAAAAAAAAAAAkUAAAAAQAAABQAAAAUAAAAFAAAAAEAAAAAAAAAZAAAAGQAAAAAAAAAZAAAAGQAAAAVAAAAYAAAAAAAAAAAAAAADwAAACADAAAAAAAAAAAAAAEAAACgMgAAVgcAAKr4//8BAAAAf39/AAEAAABkAAAAAAAAABQAAABAHwAAAAAAACYAAAAAAAAAwOD//wAAAAAmAAAAZAAAABYAAABMAAAAAAAAAAAAAAAEAAAAAAAAAAEAAABZWVkKAAAAACgAAAAoAAAAZAAAAGQAAAAAAAAAzMzMAAAAAABQAAAAUAAAAGQAAABkAAAAAAAAAAcAAAA4AAAAAAAAAAAAAAAAAAAA////AAAAAAAAAAAACgAAAAAAAAAKAAAAAAAAAAAAAABkAAAAZAAAAAAAAAAjAAAABAAAAGQAAAAXAAAAFAAAAAAAAAAAAAAA/38AAP9/AAAAAAAACQAAAAQAAABAUt8BHgAAAGgAAAAAAAAAAAAAAAAAAAAAAAAAAAAAABAnAAAQJwAAAAAAAAAAAAAAAAAAAAAAAAAAAAAAAAAAAAAAAAAAAAAUAAAAAAAAAMDA/wAAAAAAZAAAADIAAAAAAAAAZAAAAAAAAAB/f38ACgAAACIAAAAYAAAAAAAAAAAAAAAAAAAAAAAAAAAAAAAAAAAAJAAAACQAAAAAAAAABwAAAAAAAAAAAAAAAAAAAAAAAAAAAAAAAAAAAH9/fwAlAAAAWAAAAAAAAAAAAAAAAAAAAAAAAAAAAAAAAAAAAAAAAAAAAAAAAAAAAAAAAAAAAAAAPwAAAAAAAACghgEAAAAAAAAAAAAAAAAADAAAAAEAAAAAAAAAAAAAAAAAAAAfAAAAVAAAAAAAAAUAAAABAAAAAAAAAAAAAAAAAAAAAAAAAAAAAAAAAAAAAAAAAAAAAAACf39/AAAAAAPMzMwAwMD/AH9/fwAAAAAAAAAAAAAAAAD///8AAAAAACEAAAAYAAAAFAAAAOT////w////dDgAANEfAAAQAAAAJgAAAAgAAAD//////////w=="/>
               </a:ext>
             </a:extLst>
           </p:cNvPicPr>
@@ -2572,7 +2696,7 @@
             <a:spLocks noGrp="1" noChangeArrowheads="1"/>
             <a:extLst>
               <a:ext uri="smNativeData">
-                <pr:smNativeData xmlns:pr="smNativeData" xmlns="smNativeData" val="SMDATA_15_gHjoZxMAAAAlAAAAZAAAAA0AAAAAkAAAAJAAAACQAAAAkAAAAAAAAAAAAAAAAAAAAAEAAABQAAAAAAAAAAAA4D8AAAAAAADgPwAAAAAAAOA/AAAAAAAA4D8AAAAAAADgPwAAAAAAAOA/AAAAAAAA4D8AAAAAAADgPwAAAAAAAOA/AAAAAAAA4D8CAAAAjAAAAAAAAAAAAAAAQoX0DP///wgAAAAAAAAAAAAAAAAAAAAAAAAAAAAAAAAAAAAAZAAAAAEAAABAAAAAAAAAAAAAAAAAAAAAAAAAAAAAAAAAAAAAAAAAAAAAAAAAAAAAAAAAAAAAAAAAAAAAAAAAAAAAAAAAAAAAAAAAAAAAAAAAAAAAAAAAAAAAAAAAAAAAFAAAADwAAAAAAAAAAAAAAAAAAAkUAAAAAQAAABQAAAAUAAAAFAAAAAEAAAAAAAAAZAAAAGQAAAAAAAAAZAAAAGQAAAAVAAAAYAAAAAAAAAAAAAAADwAAACADAAAAAAAAAAAAAAEAAACgMgAAVgcAAKr4//8BAAAAf39/AAEAAABkAAAAAAAAABQAAABAHwAAAAAAACYAAAAAAAAAwOD//wAAAAAmAAAAZAAAABYAAABMAAAAAAAAAAAAAAAEAAAAAAAAAAEAAABZWVkKAAAAACgAAAAoAAAAZAAAAGQAAAAAAAAAzMzMAAAAAABQAAAAUAAAAGQAAABkAAAAAAAAABcAAAAUAAAAAAAAAAAAAAD/fwAA/38AAAAAAAAJAAAABAAAAAAAAAAeAAAAaAAAAAAAAAAAAAAAAAAAAAAAAAAAAAAAECcAABAnAAAAAAAAAAAAAAAAAAAAAAAAAAAAAAAAAAAAAAAAAAAAABQAAAAAAAAAwMD/AAAAAABkAAAAMgAAAAAAAABkAAAAAAAAAH9/fwAKAAAAIgAAABgAAAAAAAAAAAAAAAAAAAAAAAAAAAAAAAAAAAAkAAAAJAAAAAAAAAAHAAAAAAAAAAAAAAAAAAAAAAAAAAAAAAAAAAAAf39/ACUAAABYAAAAAAAAAAAAAAAAAAAAAAAAAAAAAAAAAAAAAAAAAAAAAAAAAAAAAAAAAAAAAAA/AAAAAAAAAKCGAQAAAAAAAAAAAAAAAAAMAAAAAQAAAAAAAAAAAAAAAAAAAB8AAABUAAAAAAAABQAAAAEAAAAAAAAAAAAAAAAAAAAAAAAAAAAAAAAAAAAAAAAAAAAAAAJ/f38AAAAAA8zMzADAwP8Af39/AAAAAAAAAAAAAAAAAAAAAAAAAAAAIQAAABgAAAAUAAAA0AUAAMMaAADUOAAAuB0AABAAAAAmAAAACAAAAD2wAAAAAAAA"/>
+                <pr:smNativeData xmlns:pr="smNativeData" xmlns="smNativeData" val="SMDATA_15_t6npZxMAAAAlAAAAZAAAAA0AAAAAkAAAAJAAAACQAAAAkAAAAAAAAAAAAAAAAAAAAAEAAABQAAAAAAAAAAAA4D8AAAAAAADgPwAAAAAAAOA/AAAAAAAA4D8AAAAAAADgPwAAAAAAAOA/AAAAAAAA4D8AAAAAAADgPwAAAAAAAOA/AAAAAAAA4D8CAAAAjAAAAAAAAAAAAAAAQoX0DP///wgAAAAAAAAAAAAAAAAAAAAAAAAAAAAAAAAAAAAAZAAAAAEAAABAAAAAAAAAAAAAAAAAAAAAAAAAAAAAAAAAAAAAAAAAAAAAAAAAAAAAAAAAAAAAAAAAAAAAAAAAAAAAAAAAAAAAAAAAAAAAAAAAAAAAAAAAAAAAAAAAAAAAFAAAADwAAAAAAAAAAAAAAAAAAAkUAAAAAQAAABQAAAAUAAAAFAAAAAEAAAAAAAAAZAAAAGQAAAAAAAAAZAAAAGQAAAAVAAAAYAAAAAAAAAAAAAAADwAAACADAAAAAAAAAAAAAAEAAACgMgAAVgcAAKr4//8BAAAAf39/AAEAAABkAAAAAAAAABQAAABAHwAAAAAAACYAAAAAAAAAwOD//wAAAAAmAAAAZAAAABYAAABMAAAAAAAAAAAAAAAEAAAAAAAAAAEAAABZWVkKAAAAACgAAAAoAAAAZAAAAGQAAAAAAAAAzMzMAAAAAABQAAAAUAAAAGQAAABkAAAAAAAAABcAAAAUAAAAAAAAAAAAAAD/fwAA/38AAAAAAAAJAAAABAAAAAAAAAAeAAAAaAAAAAAAAAAAAAAAAAAAAAAAAAAAAAAAECcAABAnAAAAAAAAAAAAAAAAAAAAAAAAAAAAAAAAAAAAAAAAAAAAABQAAAAAAAAAwMD/AAAAAABkAAAAMgAAAAAAAABkAAAAAAAAAH9/fwAKAAAAIgAAABgAAAAAAAAAAAAAAAAAAAAAAAAAAAAAAAAAAAAkAAAAJAAAAAAAAAAHAAAAAAAAAAAAAAAAAAAAAAAAAAAAAAAAAAAAf39/ACUAAABYAAAAAAAAAAAAAAAAAAAAAAAAAAAAAAAAAAAAAAAAAAAAAAAAAAAAAAAAAAAAAAA/AAAAAAAAAKCGAQAAAAAAAAAAAAAAAAAMAAAAAQAAAAAAAAAAAAAAAAAAAB8AAABUAAAAAAAABQAAAAEAAAAAAAAAAAAAAAAAAAAAAAAAAAAAAAAAAAAAAAAAAAAAAAJ/f38AAAAAA8zMzADAwP8Af39/AAAAAAAAAAAAAAAAAAAAAAAAAAAAIQAAABgAAAAUAAAA0AUAAMMaAADUOAAAuB0AABAAAAAmAAAACAAAAD2wAAAAAAAA"/>
               </a:ext>
             </a:extLst>
           </p:cNvSpPr>
@@ -2727,7 +2851,7 @@
             <a:spLocks noGrp="1" noChangeArrowheads="1"/>
             <a:extLst>
               <a:ext uri="smNativeData">
-                <pr:smNativeData xmlns:pr="smNativeData" xmlns="smNativeData" val="SMDATA_15_gHjoZxMAAAAlAAAAZAAAAA0AAAAAkAAAAJAAAACQAAAAkAAAAAAAAAAAAAAAAAAAAAEAAABQAAAAAAAAAAAA4D8AAAAAAADgPwAAAAAAAOA/AAAAAAAA4D8AAAAAAADgPwAAAAAAAOA/AAAAAAAA4D8AAAAAAADgPwAAAAAAAOA/AAAAAAAA4D8CAAAAjAAAAAAAAAAAAAAAQoX0DP///wgAAAAAAAAAAAAAAAAAAAAAAAAAAAAAAAAAAAAAZAAAAAEAAABAAAAAAAAAAAAAAAAAAAAAAAAAAAAAAAAAAAAAAAAAAAAAAAAAAAAAAAAAAAAAAAAAAAAAAAAAAAAAAAAAAAAAAAAAAAAAAAAAAAAAAAAAAAAAAAAAAAAAFAAAADwAAAAAAAAAAAAAAAAAAAkUAAAAAQAAABQAAAAUAAAAFAAAAAEAAAAAAAAAZAAAAGQAAAAAAAAAZAAAAGQAAAAVAAAAYAAAAAAAAAAAAAAADwAAACADAAAAAAAAAAAAAAEAAACgMgAAVgcAAKr4//8BAAAAf39/AAEAAABkAAAAAAAAABQAAABAHwAAAAAAACYAAAAAAAAAwOD//wAAAAAmAAAAZAAAABYAAABMAAAAAAAAAAAAAAAEAAAAAAAAAAEAAABZWVkKAAAAACgAAAAoAAAAZAAAAGQAAAAAAAAAzMzMAAAAAABQAAAAUAAAAGQAAABkAAAAAAAAABcAAAAUAAAAAAAAAAAAAAD/fwAA/38AAAAAAAAJAAAABAAAAAAAAAAeAAAAaAAAAAAAAAAAAAAAAAAAAAAAAAAAAAAAECcAABAnAAAAAAAAAAAAAAAAAAAAAAAAAAAAAAAAAAAAAAAAAAAAABQAAAAAAAAAwMD/AAAAAABkAAAAMgAAAAAAAABkAAAAAAAAAH9/fwAKAAAAIgAAABgAAAAAAAAAAAAAAAAAAAAAAAAAAAAAAAAAAAAkAAAAJAAAAAAAAAAHAAAAAAAAAAAAAAAAAAAAAAAAAAAAAAAAAAAAf39/ACUAAABYAAAAAAAAAAAAAAAAAAAAAAAAAAAAAAAAAAAAAAAAAAAAAAAAAAAAAAAAAAAAAAA/AAAAAAAAAKCGAQAAAAAAAAAAAAAAAAAMAAAAAQAAAAAAAAAAAAAAAAAAAB8AAABUAAAAAAAABQAAAAEAAAAAAAAAAAAAAAAAAAAAAAAAAAAAAAAAAAAAAAAAAAAAAAJ/f38AAAAAA8zMzADAwP8Af39/AAAAAAAAAAAAAAAAAAAAAAAAAAAAIQAAABgAAAAUAAAA0AUAAOIKAAA1MwAAfxkAABAAAAAmAAAACAAAAD2wAAAAAAAA"/>
+                <pr:smNativeData xmlns:pr="smNativeData" xmlns="smNativeData" val="SMDATA_15_t6npZxMAAAAlAAAAZAAAAA0AAAAAkAAAAJAAAACQAAAAkAAAAAAAAAAAAAAAAAAAAAEAAABQAAAAAAAAAAAA4D8AAAAAAADgPwAAAAAAAOA/AAAAAAAA4D8AAAAAAADgPwAAAAAAAOA/AAAAAAAA4D8AAAAAAADgPwAAAAAAAOA/AAAAAAAA4D8CAAAAjAAAAAAAAAAAAAAAQoX0DP///wgAAAAAAAAAAAAAAAAAAAAAAAAAAAAAAAAAAAAAZAAAAAEAAABAAAAAAAAAAAAAAAAAAAAAAAAAAAAAAAAAAAAAAAAAAAAAAAAAAAAAAAAAAAAAAAAAAAAAAAAAAAAAAAAAAAAAAAAAAAAAAAAAAAAAAAAAAAAAAAAAAAAAFAAAADwAAAAAAAAAAAAAAAAAAAkUAAAAAQAAABQAAAAUAAAAFAAAAAEAAAAAAAAAZAAAAGQAAAAAAAAAZAAAAGQAAAAVAAAAYAAAAAAAAAAAAAAADwAAACADAAAAAAAAAAAAAAEAAACgMgAAVgcAAKr4//8BAAAAf39/AAEAAABkAAAAAAAAABQAAABAHwAAAAAAACYAAAAAAAAAwOD//wAAAAAmAAAAZAAAABYAAABMAAAAAAAAAAAAAAAEAAAAAAAAAAEAAABZWVkKAAAAACgAAAAoAAAAZAAAAGQAAAAAAAAAzMzMAAAAAABQAAAAUAAAAGQAAABkAAAAAAAAABcAAAAUAAAAAAAAAAAAAAD/fwAA/38AAAAAAAAJAAAABAAAAAAAAAAeAAAAaAAAAAAAAAAAAAAAAAAAAAAAAAAAAAAAECcAABAnAAAAAAAAAAAAAAAAAAAAAAAAAAAAAAAAAAAAAAAAAAAAABQAAAAAAAAAwMD/AAAAAABkAAAAMgAAAAAAAABkAAAAAAAAAH9/fwAKAAAAIgAAABgAAAAAAAAAAAAAAAAAAAAAAAAAAAAAAAAAAAAkAAAAJAAAAAAAAAAHAAAAAAAAAAAAAAAAAAAAAAAAAAAAAAAAAAAAf39/ACUAAABYAAAAAAAAAAAAAAAAAAAAAAAAAAAAAAAAAAAAAAAAAAAAAAAAAAAAAAAAAAAAAAA/AAAAAAAAAKCGAQAAAAAAAAAAAAAAAAAMAAAAAQAAAAAAAAAAAAAAAAAAAB8AAABUAAAAAAAABQAAAAEAAAAAAAAAAAAAAAAAAAAAAAAAAAAAAAAAAAAAAAAAAAAAAAJ/f38AAAAAA8zMzADAwP8Af39/AAAAAAAAAAAAAAAAAAAAAAAAAAAAIQAAABgAAAAUAAAA0AUAAOIKAAA1MwAAfxkAABAAAAAmAAAACAAAAD2wAAAAAAAA"/>
               </a:ext>
             </a:extLst>
           </p:cNvSpPr>
@@ -2907,7 +3031,7 @@
             <a:spLocks noGrp="1" noChangeArrowheads="1"/>
             <a:extLst>
               <a:ext uri="smNativeData">
-                <pr:smNativeData xmlns:pr="smNativeData" xmlns="smNativeData" val="SMDATA_15_gHjoZxMAAAAlAAAAZAAAAA0AAAAAkAAAAJAAAACQAAAAkAAAAAAAAAAAAAAAAAAAAAEAAABQAAAAAAAAAAAA4D8AAAAAAADgPwAAAAAAAOA/AAAAAAAA4D8AAAAAAADgPwAAAAAAAOA/AAAAAAAA4D8AAAAAAADgPwAAAAAAAOA/AAAAAAAA4D8CAAAAjAAAAAAAAAAAAAAAQoX0DP///wgAAAAAAAAAAAAAAAAAAAAAAAAAAAAAAAAAAAAAZAAAAAEAAABAAAAAAAAAAAAAAAAAAAAAAAAAAAAAAAAAAAAAAAAAAAAAAAAAAAAAAAAAAAAAAAAAAAAAAAAAAAAAAAAAAAAAAAAAAAAAAAAAAAAAAAAAAAAAAAAAAAAAFAAAADwAAAAAAAAAAAAAAAAAAAkUAAAAAQAAABQAAAAUAAAAFAAAAAEAAAAAAAAAZAAAAGQAAAAAAAAAZAAAAGQAAAAVAAAAYAAAAAAAAAAAAAAADwAAACADAAAAAAAAAAAAAAEAAACgMgAAVgcAAKr4//8BAAAAf39/AAEAAABkAAAAAAAAABQAAABAHwAAAAAAACYAAAAAAAAAwOD//wAAAAAmAAAAZAAAABYAAABMAAAAAAAAAAAAAAAEAAAAAAAAAAEAAABZWVkKAAAAACgAAAAoAAAAZAAAAGQAAAAAAAAAzMzMAAAAAABQAAAAUAAAAGQAAABkAAAAAAAAABcAAAAUAAAAAAAAAAAAAAD/fwAA/38AAAAAAAAJAAAABAAAAHgAeAAeAAAAaAAAAAAAAAAAAAAAAAAAAAAAAAAAAAAAECcAABAnAAAAAAAAAAAAAAAAAAAAAAAAAAAAAAAAAAAAAAAAAAAAABQAAAAAAAAAwMD/AAAAAABkAAAAMgAAAAAAAABkAAAAAAAAAH9/fwAKAAAAIgAAABgAAAAAAAAAAAAAAAAAAAAAAAAAAAAAAAAAAAAkAAAAJAAAAAAAAAAHAAAAAAAAAAAAAAAAAAAAAAAAAAAAAAAAAAAAf39/ACUAAABYAAAAAAAAAAAAAAAAAAAAAAAAAAAAAAAAAAAAAAAAAAAAAAAAAAAAAAAAAAAAAAA/AAAAAAAAAKCGAQAAAAAAAAAAAAAAAAAMAAAAAQAAAAAAAAAAAAAAAAAAAB8AAABUAAAAAAAABQAAAAEAAAAAAAAAAAAAAAAAAAAAAAAAAAAAAAAAAAAAAAAAAAAAAAJ/f38AAAAAA8zMzADAwP8Af39/AAAAAAAAAAAAAAAAAAAAAAAAAAAAIQAAABgAAAAUAAAAFAMAAAkCAAB/NwAAxwgAABAAAAAmAAAACAAAADywAAAAAAAA"/>
+                <pr:smNativeData xmlns:pr="smNativeData" xmlns="smNativeData" val="SMDATA_15_t6npZxMAAAAlAAAAZAAAAA0AAAAAkAAAAJAAAACQAAAAkAAAAAAAAAAAAAAAAAAAAAEAAABQAAAAAAAAAAAA4D8AAAAAAADgPwAAAAAAAOA/AAAAAAAA4D8AAAAAAADgPwAAAAAAAOA/AAAAAAAA4D8AAAAAAADgPwAAAAAAAOA/AAAAAAAA4D8CAAAAjAAAAAAAAAAAAAAAQoX0DP///wgAAAAAAAAAAAAAAAAAAAAAAAAAAAAAAAAAAAAAZAAAAAEAAABAAAAAAAAAAAAAAAAAAAAAAAAAAAAAAAAAAAAAAAAAAAAAAAAAAAAAAAAAAAAAAAAAAAAAAAAAAAAAAAAAAAAAAAAAAAAAAAAAAAAAAAAAAAAAAAAAAAAAFAAAADwAAAAAAAAAAAAAAAAAAAkUAAAAAQAAABQAAAAUAAAAFAAAAAEAAAAAAAAAZAAAAGQAAAAAAAAAZAAAAGQAAAAVAAAAYAAAAAAAAAAAAAAADwAAACADAAAAAAAAAAAAAAEAAACgMgAAVgcAAKr4//8BAAAAf39/AAEAAABkAAAAAAAAABQAAABAHwAAAAAAACYAAAAAAAAAwOD//wAAAAAmAAAAZAAAABYAAABMAAAAAAAAAAAAAAAEAAAAAAAAAAEAAABZWVkKAAAAACgAAAAoAAAAZAAAAGQAAAAAAAAAzMzMAAAAAABQAAAAUAAAAGQAAABkAAAAAAAAABcAAAAUAAAAAAAAAAAAAAD/fwAA/38AAAAAAAAJAAAABAAAAHgAeAAeAAAAaAAAAAAAAAAAAAAAAAAAAAAAAAAAAAAAECcAABAnAAAAAAAAAAAAAAAAAAAAAAAAAAAAAAAAAAAAAAAAAAAAABQAAAAAAAAAwMD/AAAAAABkAAAAMgAAAAAAAABkAAAAAAAAAH9/fwAKAAAAIgAAABgAAAAAAAAAAAAAAAAAAAAAAAAAAAAAAAAAAAAkAAAAJAAAAAAAAAAHAAAAAAAAAAAAAAAAAAAAAAAAAAAAAAAAAAAAf39/ACUAAABYAAAAAAAAAAAAAAAAAAAAAAAAAAAAAAAAAAAAAAAAAAAAAAAAAAAAAAAAAAAAAAA/AAAAAAAAAKCGAQAAAAAAAAAAAAAAAAAMAAAAAQAAAAAAAAAAAAAAAAAAAB8AAABUAAAAAAAABQAAAAEAAAAAAAAAAAAAAAAAAAAAAAAAAAAAAAAAAAAAAAAAAAAAAAJ/f38AAAAAA8zMzADAwP8Af39/AAAAAAAAAAAAAAAAAAAAAAAAAAAAIQAAABgAAAAUAAAAFAMAAAkCAAB/NwAAxwgAABAAAAAmAAAACAAAADywAAAAAAAA"/>
               </a:ext>
             </a:extLst>
           </p:cNvSpPr>
@@ -3042,7 +3166,7 @@
             <a:spLocks noGrp="1" noChangeArrowheads="1"/>
             <a:extLst>
               <a:ext uri="smNativeData">
-                <pr:smNativeData xmlns:pr="smNativeData" xmlns="smNativeData" val="SMDATA_15_gHjoZxMAAAAlAAAAZAAAAA0AAAAAkAAAAJAAAACQAAAAkAAAAAAAAAAAAAAAAAAAAAEAAABQAAAAAAAAAAAA4D8AAAAAAADgPwAAAAAAAOA/AAAAAAAA4D8AAAAAAADgPwAAAAAAAOA/AAAAAAAA4D8AAAAAAADgPwAAAAAAAOA/AAAAAAAA4D8CAAAAjAAAAAAAAAAAAAAAQoX0DP///wgAAAAAAAAAAAAAAAAAAAAAAAAAAAAAAAAAAAAAZAAAAAEAAABAAAAAAAAAAAAAAAAAAAAAAAAAAAAAAAAAAAAAAAAAAAAAAAAAAAAAAAAAAAAAAAAAAAAAAAAAAAAAAAAAAAAAAAAAAAAAAAAAAAAAAAAAAAAAAAAAAAAAFAAAADwAAAAAAAAAAAAAAAAAAAkUAAAAAQAAABQAAAAUAAAAFAAAAAEAAAAAAAAAZAAAAGQAAAAAAAAAZAAAAGQAAAAVAAAAYAAAAAAAAAAAAAAADwAAACADAAAAAAAAAAAAAAEAAACgMgAAVgcAAKr4//8BAAAAf39/AAEAAABkAAAAAAAAABQAAABAHwAAAAAAACYAAAAAAAAAwOD//wAAAAAmAAAAZAAAABYAAABMAAAAAAAAAAAAAAAEAAAAAAAAAAEAAABZWVkKAAAAACgAAAAoAAAAZAAAAGQAAAAAAAAAzMzMAAAAAABQAAAAUAAAAGQAAABkAAAAAAAAABcAAAAUAAAAAAAAAAAAAAD/fwAA/38AAAAAAAAJAAAABAAAAAAAAAAeAAAAaAAAAAAAAAAAAAAAAAAAAAAAAAAAAAAAECcAABAnAAAAAAAAAAAAAAAAAAAAAAAAAAAAAAAAAAAAAAAAAAAAABQAAAAAAAAAwMD/AAAAAABkAAAAMgAAAAAAAABkAAAAAAAAAH9/fwAKAAAAIgAAABgAAAAAAAAAAAAAAAAAAAAAAAAAAAAAAAAAAAAkAAAAJAAAAAAAAAAHAAAAAAAAAAAAAAAAAAAAAAAAAAAAAAAAAAAAf39/ACUAAABYAAAAAAAAAAAAAAAAAAAAAAAAAAAAAAAAAAAAAAAAAAAAAAAAAAAAAAAAAAAAAAA/AAAAAAAAAKCGAQAAAAAAAAAAAAAAAAAMAAAAAQAAAAAAAAAAAAAAAAAAAB8AAABUAAAAAAAABQAAAAEAAAAAAAAAAAAAAAAAAAAAAAAAAAAAAAAAAAAAAAAAAAAAAAJ/f38AAAAAA8zMzADAwP8Af39/AAAAAAAAAAAAAAAAAAAAAAAAAAAAIQAAABgAAAAUAAAAFAMAAAkCAAB/NwAAxwgAABAAAAAmAAAACAAAADywAAAAAAAA"/>
+                <pr:smNativeData xmlns:pr="smNativeData" xmlns="smNativeData" val="SMDATA_15_t6npZxMAAAAlAAAAZAAAAA0AAAAAkAAAAJAAAACQAAAAkAAAAAAAAAAAAAAAAAAAAAEAAABQAAAAAAAAAAAA4D8AAAAAAADgPwAAAAAAAOA/AAAAAAAA4D8AAAAAAADgPwAAAAAAAOA/AAAAAAAA4D8AAAAAAADgPwAAAAAAAOA/AAAAAAAA4D8CAAAAjAAAAAAAAAAAAAAAQoX0DP///wgAAAAAAAAAAAAAAAAAAAAAAAAAAAAAAAAAAAAAZAAAAAEAAABAAAAAAAAAAAAAAAAAAAAAAAAAAAAAAAAAAAAAAAAAAAAAAAAAAAAAAAAAAAAAAAAAAAAAAAAAAAAAAAAAAAAAAAAAAAAAAAAAAAAAAAAAAAAAAAAAAAAAFAAAADwAAAAAAAAAAAAAAAAAAAkUAAAAAQAAABQAAAAUAAAAFAAAAAEAAAAAAAAAZAAAAGQAAAAAAAAAZAAAAGQAAAAVAAAAYAAAAAAAAAAAAAAADwAAACADAAAAAAAAAAAAAAEAAACgMgAAVgcAAKr4//8BAAAAf39/AAEAAABkAAAAAAAAABQAAABAHwAAAAAAACYAAAAAAAAAwOD//wAAAAAmAAAAZAAAABYAAABMAAAAAAAAAAAAAAAEAAAAAAAAAAEAAABZWVkKAAAAACgAAAAoAAAAZAAAAGQAAAAAAAAAzMzMAAAAAABQAAAAUAAAAGQAAABkAAAAAAAAABcAAAAUAAAAAAAAAAAAAAD/fwAA/38AAAAAAAAJAAAABAAAAAAAAAAeAAAAaAAAAAAAAAAAAAAAAAAAAAAAAAAAAAAAECcAABAnAAAAAAAAAAAAAAAAAAAAAAAAAAAAAAAAAAAAAAAAAAAAABQAAAAAAAAAwMD/AAAAAABkAAAAMgAAAAAAAABkAAAAAAAAAH9/fwAKAAAAIgAAABgAAAAAAAAAAAAAAAAAAAAAAAAAAAAAAAAAAAAkAAAAJAAAAAAAAAAHAAAAAAAAAAAAAAAAAAAAAAAAAAAAAAAAAAAAf39/ACUAAABYAAAAAAAAAAAAAAAAAAAAAAAAAAAAAAAAAAAAAAAAAAAAAAAAAAAAAAAAAAAAAAA/AAAAAAAAAKCGAQAAAAAAAAAAAAAAAAAMAAAAAQAAAAAAAAAAAAAAAAAAAB8AAABUAAAAAAAABQAAAAEAAAAAAAAAAAAAAAAAAAAAAAAAAAAAAAAAAAAAAAAAAAAAAAJ/f38AAAAAA8zMzADAwP8Af39/AAAAAAAAAAAAAAAAAAAAAAAAAAAAIQAAABgAAAAUAAAAFAMAAAkCAAB/NwAAxwgAABAAAAAmAAAACAAAADywAAAAAAAA"/>
               </a:ext>
             </a:extLst>
           </p:cNvSpPr>
@@ -3151,7 +3275,7 @@
           <p:cNvSpPr>
             <a:extLst>
               <a:ext uri="smNativeData">
-                <pr:smNativeData xmlns:pr="smNativeData" xmlns="smNativeData" val="SMDATA_15_gHjoZxMAAAAlAAAAZAAAAA0AAAAAkAAAAJAAAACQAAAAkAAAAAAAAAABAAAAAAAAAAEAAABQAAAAAAAAAAAA4D8AAAAAAADgPwAAAAAAAOA/AAAAAAAA4D8AAAAAAADgPwAAAAAAAOA/AAAAAAAA4D8AAAAAAADgPwAAAAAAAOA/AAAAAAAA4D8CAAAAjAAAAAEAAAAAAAAA+/v+AP///wgAAAAAAAAAAAAAAAAAAAAAAAAAAAAAAAAAAAAAeAAAAAEAAABAAAAAAAAAAAAAAABaAAAAAAAAAAAAAAAAAAAAAAAAAAAAAAAAAAAAAAAAAAAAAAAAAAAAAAAAAAAAAAAAAAAAAAAAAAAAAAAAAAAAAAAAAAAAAAAAAAAAFAAAADwAAAAAAAAAAAAAAAAAAAkUAAAAAQAAABQAAAAUAAAAFAAAAAEAAAAAAAAAZAAAAGQAAAAAAAAAZAAAAGQAAAAVAAAAYAAAAAAAAAAAAAAADwAAACADAAAAAAAAAAAAAAEAAACgMgAAVgcAAKr4//8BAAAAf39/AAEAAABkAAAAAAAAABQAAABAHwAAAAAAACYAAAAAAAAAwOD//wAAAAAmAAAAZAAAABYAAABMAAAAAAAAAAAAAAAEAAAAAAAAAAEAAABZWVkKAAAAACgAAAAoAAAAZAAAAGQAAAAAAAAAzMzMAAAAAABQAAAAUAAAAGQAAABkAAAAAAAAABcAAAAUAAAAAAAAAAAAAAD/fwAA/38AAAAAAAAJAAAABAAAAHNsaWQeAAAAaAAAAAAAAAAAAAAAAAAAAAAAAAAAAAAAECcAABAnAAAAAAAAAAAAAAAAAAAAAAAAAAAAAAAAAAAAAAAAAAAAABQAAAAAAAAAwMD/AAAAAABkAAAAMgAAAAAAAABkAAAAAAAAAH9/fwAKAAAAIgAAABgAAAAAAAAAAAAAAAAAAAAAAAAAAAAAAAAAAAAkAAAAJAAAAAAAAAAHAAAAAAAAAAAAAAAAAAAAAAAAAAAAAAAAAAAAf39/ACUAAABYAAAAAAAAAAAAAAAAAAAAAAAAAAAAAAAAAAAAAAAAAAAAAAAAAAAAAAAAAAAAAAA/AAAAAAAAAKCGAQAAAAAAAAAAAAAAAAAMAAAAAQAAAAAAAAAAAAAAAAAAAB8AAABUAAAA+/v+AAAAAAEAAAAAAAAAAAAAAAAAAAAAAAAAAAAAAAAAAAAAAAAAAAAAAAJ/f38AAAAAA8zMzADAwP8Af39/AAAAAAAAAAAAAAAAAAAAAAAAAAAAIQAAABgAAAAUAAAAogMAAGYIAADGNAAAZB0AABAAAAAmAAAACAAAAP//////////"/>
+                <pr:smNativeData xmlns:pr="smNativeData" xmlns="smNativeData" val="SMDATA_15_t6npZxMAAAAlAAAAZAAAAA0AAAAAkAAAAJAAAACQAAAAkAAAAAAAAAABAAAAAAAAAAEAAABQAAAAAAAAAAAA4D8AAAAAAADgPwAAAAAAAOA/AAAAAAAA4D8AAAAAAADgPwAAAAAAAOA/AAAAAAAA4D8AAAAAAADgPwAAAAAAAOA/AAAAAAAA4D8CAAAAjAAAAAEAAAAAAAAA+/v+AP///wgAAAAAAAAAAAAAAAAAAAAAAAAAAAAAAAAAAAAAeAAAAAEAAABAAAAAAAAAAAAAAABaAAAAAAAAAAAAAAAAAAAAAAAAAAAAAAAAAAAAAAAAAAAAAAAAAAAAAAAAAAAAAAAAAAAAAAAAAAAAAAAAAAAAAAAAAAAAAAAAAAAAFAAAADwAAAAAAAAAAAAAAAAAAAkUAAAAAQAAABQAAAAUAAAAFAAAAAEAAAAAAAAAZAAAAGQAAAAAAAAAZAAAAGQAAAAVAAAAYAAAAAAAAAAAAAAADwAAACADAAAAAAAAAAAAAAEAAACgMgAAVgcAAKr4//8BAAAAf39/AAEAAABkAAAAAAAAABQAAABAHwAAAAAAACYAAAAAAAAAwOD//wAAAAAmAAAAZAAAABYAAABMAAAAAAAAAAAAAAAEAAAAAAAAAAEAAABZWVkKAAAAACgAAAAoAAAAZAAAAGQAAAAAAAAAzMzMAAAAAABQAAAAUAAAAGQAAABkAAAAAAAAABcAAAAUAAAAAAAAAAAAAAD/fwAA/38AAAAAAAAJAAAABAAAAHNsaWQeAAAAaAAAAAAAAAAAAAAAAAAAAAAAAAAAAAAAECcAABAnAAAAAAAAAAAAAAAAAAAAAAAAAAAAAAAAAAAAAAAAAAAAABQAAAAAAAAAwMD/AAAAAABkAAAAMgAAAAAAAABkAAAAAAAAAH9/fwAKAAAAIgAAABgAAAAAAAAAAAAAAAAAAAAAAAAAAAAAAAAAAAAkAAAAJAAAAAAAAAAHAAAAAAAAAAAAAAAAAAAAAAAAAAAAAAAAAAAAf39/ACUAAABYAAAAAAAAAAAAAAAAAAAAAAAAAAAAAAAAAAAAAAAAAAAAAAAAAAAAAAAAAAAAAAA/AAAAAAAAAKCGAQAAAAAAAAAAAAAAAAAMAAAAAQAAAAAAAAAAAAAAAAAAAB8AAABUAAAA+/v+AAAAAAEAAAAAAAAAAAAAAAAAAAAAAAAAAAAAAAAAAAAAAAAAAAAAAAJ/f38AAAAAA8zMzADAwP8Af39/AAAAAAAAAAAAAAAAAAAAAAAAAAAAIQAAABgAAAAUAAAAogMAAGYIAADGNAAAZB0AABAAAAAmAAAACAAAAP//////////"/>
               </a:ext>
             </a:extLst>
           </p:cNvSpPr>
@@ -3196,7 +3320,7 @@
             <a:spLocks noGrp="1" noChangeArrowheads="1"/>
             <a:extLst>
               <a:ext uri="smNativeData">
-                <pr:smNativeData xmlns:pr="smNativeData" xmlns="smNativeData" val="SMDATA_15_gHjoZxMAAAAlAAAAZAAAAA0AAAAAkAAAAJAAAACQAAAAkAAAAAAAAAAAAAAAAAAAAAEAAABQAAAAAAAAAAAA4D8AAAAAAADgPwAAAAAAAOA/AAAAAAAA4D8AAAAAAADgPwAAAAAAAOA/AAAAAAAA4D8AAAAAAADgPwAAAAAAAOA/AAAAAAAA4D8CAAAAjAAAAAAAAAAAAAAAQoX0DP///wgAAAAAAAAAAAAAAAAAAAAAAAAAAAAAAAAAAAAAZAAAAAEAAABAAAAAAAAAAAAAAAAAAAAAAAAAAAAAAAAAAAAAAAAAAAAAAAAAAAAAAAAAAAAAAAAAAAAAAAAAAAAAAAAAAAAAAAAAAAAAAAAAAAAAAAAAAAAAAAAAAAAAFAAAADwAAAAAAAAAAAAAAAAAAAkUAAAAAQAAABQAAAAUAAAAFAAAAAEAAAAAAAAAZAAAAGQAAAAAAAAAZAAAAGQAAAAVAAAAYAAAAAAAAAAAAAAADwAAACADAAAAAAAAAAAAAAEAAACgMgAAVgcAAKr4//8BAAAAf39/AAEAAABkAAAAAAAAABQAAABAHwAAAAAAACYAAAAAAAAAwOD//wAAAAAmAAAAZAAAABYAAABMAAAAAAAAAAAAAAAEAAAAAAAAAAEAAABZWVkKAAAAACgAAAAoAAAAZAAAAGQAAAAAAAAAzMzMAAAAAABQAAAAUAAAAGQAAABkAAAAAAAAABcAAAAUAAAAAAAAAAAAAAD/fwAA/38AAAAAAAAJAAAABAAAAHgAeAAeAAAAaAAAAAAAAAAAAAAAAAAAAAAAAAAAAAAAECcAABAnAAAAAAAAAAAAAAAAAAAAAAAAAAAAAAAAAAAAAAAAAAAAABQAAAAAAAAAwMD/AAAAAABkAAAAMgAAAAAAAABkAAAAAAAAAH9/fwAKAAAAIgAAABgAAAAAAAAAAAAAAAAAAAAAAAAAAAAAAAAAAAAkAAAAJAAAAAAAAAAHAAAAAAAAAAAAAAAAAAAAAAAAAAAAAAAAAAAAf39/ACUAAABYAAAAAAAAAAAAAAAAAAAAAAAAAAAAAAAAAAAAAAAAAAAAAAAAAAAAAAAAAAAAAAA/AAAAAAAAAKCGAQAAAAAAAAAAAAAAAAAMAAAAAQAAAAAAAAAAAAAAAAAAAB8AAABUAAAAAAAABQAAAAEAAAAAAAAAAAAAAAAAAAAAAAAAAAAAAAAAAAAAAAAAAAAAAAJ/f38AAAAAA8zMzADAwP8Af39/AAAAAAAAAAAAAAAAAAAAAAAAAAAAIQAAABgAAAAUAAAApQQAAFQJAAA/NwAAlR4AABAAAAAmAAAACAAAAD2wAAAAAAAA"/>
+                <pr:smNativeData xmlns:pr="smNativeData" xmlns="smNativeData" val="SMDATA_15_t6npZxMAAAAlAAAAZAAAAA0AAAAAkAAAAJAAAACQAAAAkAAAAAAAAAAAAAAAAAAAAAEAAABQAAAAAAAAAAAA4D8AAAAAAADgPwAAAAAAAOA/AAAAAAAA4D8AAAAAAADgPwAAAAAAAOA/AAAAAAAA4D8AAAAAAADgPwAAAAAAAOA/AAAAAAAA4D8CAAAAjAAAAAAAAAAAAAAAQoX0DP///wgAAAAAAAAAAAAAAAAAAAAAAAAAAAAAAAAAAAAAZAAAAAEAAABAAAAAAAAAAAAAAAAAAAAAAAAAAAAAAAAAAAAAAAAAAAAAAAAAAAAAAAAAAAAAAAAAAAAAAAAAAAAAAAAAAAAAAAAAAAAAAAAAAAAAAAAAAAAAAAAAAAAAFAAAADwAAAAAAAAAAAAAAAAAAAkUAAAAAQAAABQAAAAUAAAAFAAAAAEAAAAAAAAAZAAAAGQAAAAAAAAAZAAAAGQAAAAVAAAAYAAAAAAAAAAAAAAADwAAACADAAAAAAAAAAAAAAEAAACgMgAAVgcAAKr4//8BAAAAf39/AAEAAABkAAAAAAAAABQAAABAHwAAAAAAACYAAAAAAAAAwOD//wAAAAAmAAAAZAAAABYAAABMAAAAAAAAAAAAAAAEAAAAAAAAAAEAAABZWVkKAAAAACgAAAAoAAAAZAAAAGQAAAAAAAAAzMzMAAAAAABQAAAAUAAAAGQAAABkAAAAAAAAABcAAAAUAAAAAAAAAAAAAAD/fwAA/38AAAAAAAAJAAAABAAAAHgAeAAeAAAAaAAAAAAAAAAAAAAAAAAAAAAAAAAAAAAAECcAABAnAAAAAAAAAAAAAAAAAAAAAAAAAAAAAAAAAAAAAAAAAAAAABQAAAAAAAAAwMD/AAAAAABkAAAAMgAAAAAAAABkAAAAAAAAAH9/fwAKAAAAIgAAABgAAAAAAAAAAAAAAAAAAAAAAAAAAAAAAAAAAAAkAAAAJAAAAAAAAAAHAAAAAAAAAAAAAAAAAAAAAAAAAAAAAAAAAAAAf39/ACUAAABYAAAAAAAAAAAAAAAAAAAAAAAAAAAAAAAAAAAAAAAAAAAAAAAAAAAAAAAAAAAAAAA/AAAAAAAAAKCGAQAAAAAAAAAAAAAAAAAMAAAAAQAAAAAAAAAAAAAAAAAAAB8AAABUAAAAAAAABQAAAAEAAAAAAAAAAAAAAAAAAAAAAAAAAAAAAAAAAAAAAAAAAAAAAAJ/f38AAAAAA8zMzADAwP8Af39/AAAAAAAAAAAAAAAAAAAAAAAAAAAAIQAAABgAAAAUAAAApQQAAFQJAAA/NwAAlR4AABAAAAAmAAAACAAAAD2wAAAAAAAA"/>
               </a:ext>
             </a:extLst>
           </p:cNvSpPr>
@@ -3376,7 +3500,7 @@
             <a:spLocks noGrp="1" noChangeArrowheads="1"/>
             <a:extLst>
               <a:ext uri="smNativeData">
-                <pr:smNativeData xmlns:pr="smNativeData" xmlns="smNativeData" val="SMDATA_15_gHjoZxMAAAAlAAAAZAAAAA0AAAAAkAAAAJAAAACQAAAAkAAAAAAAAAAAAAAAAAAAAAEAAABQAAAAAAAAAAAA4D8AAAAAAADgPwAAAAAAAOA/AAAAAAAA4D8AAAAAAADgPwAAAAAAAOA/AAAAAAAA4D8AAAAAAADgPwAAAAAAAOA/AAAAAAAA4D8CAAAAjAAAAAAAAAAAAAAAQoX0DP///wgAAAAAAAAAAAAAAAAAAAAAAAAAAAAAAAAAAAAAZAAAAAEAAABAAAAAAAAAAAAAAAAAAAAAAAAAAAAAAAAAAAAAAAAAAAAAAAAAAAAAAAAAAAAAAAAAAAAAAAAAAAAAAAAAAAAAAAAAAAAAAAAAAAAAAAAAAAAAAAAAAAAAFAAAADwAAAAAAAAAAAAAAAAAAAkUAAAAAQAAABQAAAAUAAAAFAAAAAEAAAAAAAAAZAAAAGQAAAAAAAAAZAAAAGQAAAAVAAAAYAAAAAAAAAAAAAAADwAAACADAAAAAAAAAAAAAAEAAACgMgAAVgcAAKr4//8BAAAAf39/AAEAAABkAAAAAAAAABQAAABAHwAAAAAAACYAAAAAAAAAwOD//wAAAAAmAAAAZAAAABYAAABMAAAAAAAAAAAAAAAEAAAAAAAAAAEAAABZWVkKAAAAACgAAAAoAAAAZAAAAGQAAAAAAAAAzMzMAAAAAABQAAAAUAAAAGQAAABkAAAAAAAAABcAAAAUAAAAAAAAAAAAAAD/fwAA/38AAAAAAAAJAAAABAAAAFCBwQIeAAAAaAAAAAAAAAAAAAAAAAAAAAAAAAAAAAAAECcAABAnAAAAAAAAAAAAAAAAAAAAAAAAAAAAAAAAAAAAAAAAAAAAABQAAAAAAAAAwMD/AAAAAABkAAAAMgAAAAAAAABkAAAAAAAAAH9/fwAKAAAAIgAAABgAAAAAAAAAAAAAAAAAAAAAAAAAAAAAAAAAAAAkAAAAJAAAAAAAAAAHAAAAAAAAAAAAAAAAAAAAAAAAAAAAAAAAAAAAf39/ACUAAABYAAAAAAAAAAAAAAAAAAAAAAAAAAAAAAAAAAAAAAAAAAAAAAAAAAAAAAAAAAAAAAA/AAAAAAAAAKCGAQAAAAAAAAAAAAAAAAAMAAAAAQAAAAAAAAAAAAAAAAAAAB8AAABUAAAAAAAABQAAAAEAAAAAAAAAAAAAAAAAAAAAAAAAAAAAAAAAAAAAAAAAAAAAAAJ/f38AAAAAA8zMzADAwP8Af39/AAAAAAAAAAAAAAAAAAAAAAAAAAAAIQAAABgAAAAUAAAAFAMAAAkCAAB/NwAAxwgAABAAAAAmAAAACAAAADywAAAAAAAA"/>
+                <pr:smNativeData xmlns:pr="smNativeData" xmlns="smNativeData" val="SMDATA_15_t6npZxMAAAAlAAAAZAAAAA0AAAAAkAAAAJAAAACQAAAAkAAAAAAAAAAAAAAAAAAAAAEAAABQAAAAAAAAAAAA4D8AAAAAAADgPwAAAAAAAOA/AAAAAAAA4D8AAAAAAADgPwAAAAAAAOA/AAAAAAAA4D8AAAAAAADgPwAAAAAAAOA/AAAAAAAA4D8CAAAAjAAAAAAAAAAAAAAAQoX0DP///wgAAAAAAAAAAAAAAAAAAAAAAAAAAAAAAAAAAAAAZAAAAAEAAABAAAAAAAAAAAAAAAAAAAAAAAAAAAAAAAAAAAAAAAAAAAAAAAAAAAAAAAAAAAAAAAAAAAAAAAAAAAAAAAAAAAAAAAAAAAAAAAAAAAAAAAAAAAAAAAAAAAAAFAAAADwAAAAAAAAAAAAAAAAAAAkUAAAAAQAAABQAAAAUAAAAFAAAAAEAAAAAAAAAZAAAAGQAAAAAAAAAZAAAAGQAAAAVAAAAYAAAAAAAAAAAAAAADwAAACADAAAAAAAAAAAAAAEAAACgMgAAVgcAAKr4//8BAAAAf39/AAEAAABkAAAAAAAAABQAAABAHwAAAAAAACYAAAAAAAAAwOD//wAAAAAmAAAAZAAAABYAAABMAAAAAAAAAAAAAAAEAAAAAAAAAAEAAABZWVkKAAAAACgAAAAoAAAAZAAAAGQAAAAAAAAAzMzMAAAAAABQAAAAUAAAAGQAAABkAAAAAAAAABcAAAAUAAAAAAAAAAAAAAD/fwAA/38AAAAAAAAJAAAABAAAAFCBwQIeAAAAaAAAAAAAAAAAAAAAAAAAAAAAAAAAAAAAECcAABAnAAAAAAAAAAAAAAAAAAAAAAAAAAAAAAAAAAAAAAAAAAAAABQAAAAAAAAAwMD/AAAAAABkAAAAMgAAAAAAAABkAAAAAAAAAH9/fwAKAAAAIgAAABgAAAAAAAAAAAAAAAAAAAAAAAAAAAAAAAAAAAAkAAAAJAAAAAAAAAAHAAAAAAAAAAAAAAAAAAAAAAAAAAAAAAAAAAAAf39/ACUAAABYAAAAAAAAAAAAAAAAAAAAAAAAAAAAAAAAAAAAAAAAAAAAAAAAAAAAAAAAAAAAAAA/AAAAAAAAAKCGAQAAAAAAAAAAAAAAAAAMAAAAAQAAAAAAAAAAAAAAAAAAAB8AAABUAAAAAAAABQAAAAEAAAAAAAAAAAAAAAAAAAAAAAAAAAAAAAAAAAAAAAAAAAAAAAJ/f38AAAAAA8zMzADAwP8Af39/AAAAAAAAAAAAAAAAAAAAAAAAAAAAIQAAABgAAAAUAAAAFAMAAAkCAAB/NwAAxwgAABAAAAAmAAAACAAAADywAAAAAAAA"/>
               </a:ext>
             </a:extLst>
           </p:cNvSpPr>
@@ -3485,7 +3609,7 @@
           <p:cNvSpPr>
             <a:extLst>
               <a:ext uri="smNativeData">
-                <pr:smNativeData xmlns:pr="smNativeData" xmlns="smNativeData" val="SMDATA_15_gHjoZxMAAAAlAAAAZAAAAA0AAAAAkAAAAJAAAACQAAAAkAAAAAAAAAABAAAAAAAAAAEAAABQAAAAAAAAAAAA4D8AAAAAAADgPwAAAAAAAOA/AAAAAAAA4D8AAAAAAADgPwAAAAAAAOA/AAAAAAAA4D8AAAAAAADgPwAAAAAAAOA/AAAAAAAA4D8CAAAAjAAAAAEAAAAAAAAAAAAAAP///wgAAAAAAAAAAAAAAAAAAAAAAAAAAAAAAAAAAAAAeAAAAAEAAABAAAAAAAAAAAAAAABaAAAAAAAAAAAAAAAAAAAAAAAAAAAAAAAAAAAAAAAAAAAAAAAAAAAAAAAAAAAAAAAAAAAAAAAAAAAAAAAAAAAAAAAAAAAAAAAAAAAAFAAAADwAAAAAAAAAAAAAAAAAAAkUAAAAAQAAABQAAAAUAAAAFAAAAAEAAAAAAAAAZAAAAGQAAAAAAAAAZAAAAGQAAAAVAAAAYAAAAAAAAAAAAAAADwAAACADAAAAAAAAAAAAAAEAAACgMgAAVgcAAKr4//8BAAAAf39/AAEAAABkAAAAAAAAABQAAABAHwAAAAAAACYAAAAAAAAAwOD//wAAAAAmAAAAZAAAABYAAABMAAAAAAAAAAAAAAAEAAAAAAAAAAEAAABZWVkKAAAAACgAAAAoAAAAZAAAAGQAAAAAAAAAzMzMAAAAAABQAAAAUAAAAGQAAABkAAAAAAAAABcAAAAUAAAAAAAAAAAAAAD/fwAA/38AAAAAAAAJAAAABAAAAAAAAAAeAAAAaAAAAAAAAAAAAAAAAAAAAAAAAAAAAAAAECcAABAnAAAAAAAAAAAAAAAAAAAAAAAAAAAAAAAAAAAAAAAAAAAAABQAAAAAAAAAwMD/AAAAAABkAAAAMgAAAAAAAABkAAAAAAAAAH9/fwAKAAAAIgAAABgAAAAAAAAAAAAAAAAAAAAAAAAAAAAAAAAAAAAkAAAAJAAAAAAAAAAHAAAAAAAAAAAAAAAAAAAAAAAAAAAAAAAAAAAAf39/ACUAAABYAAAAAAAAAAAAAAAAAAAAAAAAAAAAAAAAAAAAAAAAAAAAAAAAAAAAAAAAAAAAAAA/AAAAAAAAAKCGAQAAAAAAAAAAAAAAAAAMAAAAAQAAAAAAAAAAAAAAAAAAAB8AAABUAAAAAAAAAAAAAAEAAAAAAAAAAAAAAAAAAAAAAAAAAAAAAAAAAAAAAAAAAAAAAAJ/f38AAAAAA8zMzADAwP8Af39/AAAAAAAAAAAAAAAAAAAAAAAAAAAAIQAAABgAAAAUAAAAogMAAGYIAADGNAAAZB0AABAAAAAmAAAACAAAAP//////////"/>
+                <pr:smNativeData xmlns:pr="smNativeData" xmlns="smNativeData" val="SMDATA_15_t6npZxMAAAAlAAAAZAAAAA0AAAAAkAAAAJAAAACQAAAAkAAAAAAAAAABAAAAAAAAAAEAAABQAAAAAAAAAAAA4D8AAAAAAADgPwAAAAAAAOA/AAAAAAAA4D8AAAAAAADgPwAAAAAAAOA/AAAAAAAA4D8AAAAAAADgPwAAAAAAAOA/AAAAAAAA4D8CAAAAjAAAAAEAAAAAAAAAAAAAAP///wgAAAAAAAAAAAAAAAAAAAAAAAAAAAAAAAAAAAAAeAAAAAEAAABAAAAAAAAAAAAAAABaAAAAAAAAAAAAAAAAAAAAAAAAAAAAAAAAAAAAAAAAAAAAAAAAAAAAAAAAAAAAAAAAAAAAAAAAAAAAAAAAAAAAAAAAAAAAAAAAAAAAFAAAADwAAAAAAAAAAAAAAAAAAAkUAAAAAQAAABQAAAAUAAAAFAAAAAEAAAAAAAAAZAAAAGQAAAAAAAAAZAAAAGQAAAAVAAAAYAAAAAAAAAAAAAAADwAAACADAAAAAAAAAAAAAAEAAACgMgAAVgcAAKr4//8BAAAAf39/AAEAAABkAAAAAAAAABQAAABAHwAAAAAAACYAAAAAAAAAwOD//wAAAAAmAAAAZAAAABYAAABMAAAAAAAAAAAAAAAEAAAAAAAAAAEAAABZWVkKAAAAACgAAAAoAAAAZAAAAGQAAAAAAAAAzMzMAAAAAABQAAAAUAAAAGQAAABkAAAAAAAAABcAAAAUAAAAAAAAAAAAAAD/fwAA/38AAAAAAAAJAAAABAAAAAAAAAAeAAAAaAAAAAAAAAAAAAAAAAAAAAAAAAAAAAAAECcAABAnAAAAAAAAAAAAAAAAAAAAAAAAAAAAAAAAAAAAAAAAAAAAABQAAAAAAAAAwMD/AAAAAABkAAAAMgAAAAAAAABkAAAAAAAAAH9/fwAKAAAAIgAAABgAAAAAAAAAAAAAAAAAAAAAAAAAAAAAAAAAAAAkAAAAJAAAAAAAAAAHAAAAAAAAAAAAAAAAAAAAAAAAAAAAAAAAAAAAf39/ACUAAABYAAAAAAAAAAAAAAAAAAAAAAAAAAAAAAAAAAAAAAAAAAAAAAAAAAAAAAAAAAAAAAA/AAAAAAAAAKCGAQAAAAAAAAAAAAAAAAAMAAAAAQAAAAAAAAAAAAAAAAAAAB8AAABUAAAAAAAAAAAAAAEAAAAAAAAAAAAAAAAAAAAAAAAAAAAAAAAAAAAAAAAAAAAAAAJ/f38AAAAAA8zMzADAwP8Af39/AAAAAAAAAAAAAAAAAAAAAAAAAAAAIQAAABgAAAAUAAAAogMAAGYIAADGNAAAZB0AABAAAAAmAAAACAAAAP//////////"/>
               </a:ext>
             </a:extLst>
           </p:cNvSpPr>
@@ -3530,7 +3654,7 @@
             <a:spLocks noGrp="1" noChangeArrowheads="1"/>
             <a:extLst>
               <a:ext uri="smNativeData">
-                <pr:smNativeData xmlns:pr="smNativeData" xmlns="smNativeData" val="SMDATA_15_gHjoZxMAAAAlAAAAZAAAAA0AAAAAkAAAAJAAAACQAAAAkAAAAAAAAAAAAAAAAAAAAAEAAABQAAAAAAAAAAAA4D8AAAAAAADgPwAAAAAAAOA/AAAAAAAA4D8AAAAAAADgPwAAAAAAAOA/AAAAAAAA4D8AAAAAAADgPwAAAAAAAOA/AAAAAAAA4D8CAAAAjAAAAAAAAAAAAAAAQoX0DP///wgAAAAAAAAAAAAAAAAAAAAAAAAAAAAAAAAAAAAAZAAAAAEAAABAAAAAAAAAAAAAAAAAAAAAAAAAAAAAAAAAAAAAAAAAAAAAAAAAAAAAAAAAAAAAAAAAAAAAAAAAAAAAAAAAAAAAAAAAAAAAAAAAAAAAAAAAAAAAAAAAAAAAFAAAADwAAAAAAAAAAAAAAAAAAAkUAAAAAQAAABQAAAAUAAAAFAAAAAEAAAAAAAAAZAAAAGQAAAAAAAAAZAAAAGQAAAAVAAAAYAAAAAAAAAAAAAAADwAAACADAAAAAAAAAAAAAAEAAACgMgAAVgcAAKr4//8BAAAAf39/AAEAAABkAAAAAAAAABQAAABAHwAAAAAAACYAAAAAAAAAwOD//wAAAAAmAAAAZAAAABYAAABMAAAAAAAAAAAAAAAEAAAAAAAAAAEAAABZWVkKAAAAACgAAAAoAAAAZAAAAGQAAAAAAAAAzMzMAAAAAABQAAAAUAAAAGQAAABkAAAAAAAAABcAAAAUAAAAAAAAAAAAAAD/fwAA/38AAAAAAAAJAAAABAAAAAEBAQEeAAAAaAAAAAAAAAAAAAAAAAAAAAAAAAAAAAAAECcAABAnAAAAAAAAAAAAAAAAAAAAAAAAAAAAAAAAAAAAAAAAAAAAABQAAAAAAAAAwMD/AAAAAABkAAAAMgAAAAAAAABkAAAAAAAAAH9/fwAKAAAAIgAAABgAAAAAAAAAAAAAAAAAAAAAAAAAAAAAAAAAAAAkAAAAJAAAAAAAAAAHAAAAAAAAAAAAAAAAAAAAAAAAAAAAAAAAAAAAf39/ACUAAABYAAAAAAAAAAAAAAAAAAAAAAAAAAAAAAAAAAAAAAAAAAAAAAAAAAAAAAAAAAAAAAA/AAAAAAAAAKCGAQAAAAAAAAAAAAAAAAAMAAAAAQAAAAAAAAAAAAAAAAAAAB8AAABUAAAAAAAABQAAAAEAAAAAAAAAAAAAAAAAAAAAAAAAAAAAAAAAAAAAAAAAAAAAAAJ/f38AAAAAA8zMzADAwP8Af39/AAAAAAAAAAAAAAAAAAAAAAAAAAAAIQAAABgAAAAUAAAApQQAAFQJAAA/NwAAlR4AABAAAAAmAAAACAAAAD2wAAAAAAAA"/>
+                <pr:smNativeData xmlns:pr="smNativeData" xmlns="smNativeData" val="SMDATA_15_t6npZxMAAAAlAAAAZAAAAA0AAAAAkAAAAJAAAACQAAAAkAAAAAAAAAAAAAAAAAAAAAEAAABQAAAAAAAAAAAA4D8AAAAAAADgPwAAAAAAAOA/AAAAAAAA4D8AAAAAAADgPwAAAAAAAOA/AAAAAAAA4D8AAAAAAADgPwAAAAAAAOA/AAAAAAAA4D8CAAAAjAAAAAAAAAAAAAAAQoX0DP///wgAAAAAAAAAAAAAAAAAAAAAAAAAAAAAAAAAAAAAZAAAAAEAAABAAAAAAAAAAAAAAAAAAAAAAAAAAAAAAAAAAAAAAAAAAAAAAAAAAAAAAAAAAAAAAAAAAAAAAAAAAAAAAAAAAAAAAAAAAAAAAAAAAAAAAAAAAAAAAAAAAAAAFAAAADwAAAAAAAAAAAAAAAAAAAkUAAAAAQAAABQAAAAUAAAAFAAAAAEAAAAAAAAAZAAAAGQAAAAAAAAAZAAAAGQAAAAVAAAAYAAAAAAAAAAAAAAADwAAACADAAAAAAAAAAAAAAEAAACgMgAAVgcAAKr4//8BAAAAf39/AAEAAABkAAAAAAAAABQAAABAHwAAAAAAACYAAAAAAAAAwOD//wAAAAAmAAAAZAAAABYAAABMAAAAAAAAAAAAAAAEAAAAAAAAAAEAAABZWVkKAAAAACgAAAAoAAAAZAAAAGQAAAAAAAAAzMzMAAAAAABQAAAAUAAAAGQAAABkAAAAAAAAABcAAAAUAAAAAAAAAAAAAAD/fwAA/38AAAAAAAAJAAAABAAAAAEBAQEeAAAAaAAAAAAAAAAAAAAAAAAAAAAAAAAAAAAAECcAABAnAAAAAAAAAAAAAAAAAAAAAAAAAAAAAAAAAAAAAAAAAAAAABQAAAAAAAAAwMD/AAAAAABkAAAAMgAAAAAAAABkAAAAAAAAAH9/fwAKAAAAIgAAABgAAAAAAAAAAAAAAAAAAAAAAAAAAAAAAAAAAAAkAAAAJAAAAAAAAAAHAAAAAAAAAAAAAAAAAAAAAAAAAAAAAAAAAAAAf39/ACUAAABYAAAAAAAAAAAAAAAAAAAAAAAAAAAAAAAAAAAAAAAAAAAAAAAAAAAAAAAAAAAAAAA/AAAAAAAAAKCGAQAAAAAAAAAAAAAAAAAMAAAAAQAAAAAAAAAAAAAAAAAAAB8AAABUAAAAAAAABQAAAAEAAAAAAAAAAAAAAAAAAAAAAAAAAAAAAAAAAAAAAAAAAAAAAAJ/f38AAAAAA8zMzADAwP8Af39/AAAAAAAAAAAAAAAAAAAAAAAAAAAAIQAAABgAAAAUAAAApQQAAFQJAAA/NwAAlR4AABAAAAAmAAAACAAAAD2wAAAAAAAA"/>
               </a:ext>
             </a:extLst>
           </p:cNvSpPr>
@@ -3745,7 +3869,7 @@
             <a:spLocks noGrp="1" noChangeArrowheads="1"/>
             <a:extLst>
               <a:ext uri="smNativeData">
-                <pr:smNativeData xmlns:pr="smNativeData" xmlns="smNativeData" val="SMDATA_15_gHjoZxMAAAAlAAAAZAAAAA0AAAAAkAAAAJAAAACQAAAAkAAAAAAAAAAAAAAAAAAAAAEAAABQAAAAAAAAAAAA4D8AAAAAAADgPwAAAAAAAOA/AAAAAAAA4D8AAAAAAADgPwAAAAAAAOA/AAAAAAAA4D8AAAAAAADgPwAAAAAAAOA/AAAAAAAA4D8CAAAAjAAAAAAAAAAAAAAAQoX0DP///wgAAAAAAAAAAAAAAAAAAAAAAAAAAAAAAAAAAAAAZAAAAAEAAABAAAAAAAAAAAAAAAAAAAAAAAAAAAAAAAAAAAAAAAAAAAAAAAAAAAAAAAAAAAAAAAAAAAAAAAAAAAAAAAAAAAAAAAAAAAAAAAAAAAAAAAAAAAAAAAAAAAAAFAAAADwAAAAAAAAAAAAAAAAAAAkUAAAAAQAAABQAAAAUAAAAFAAAAAEAAAAAAAAAZAAAAGQAAAAAAAAAZAAAAGQAAAAVAAAAYAAAAAAAAAAAAAAADwAAACADAAAAAAAAAAAAAAEAAACgMgAAVgcAAKr4//8BAAAAf39/AAEAAABkAAAAAAAAABQAAABAHwAAAAAAACYAAAAAAAAAwOD//wAAAAAmAAAAZAAAABYAAABMAAAAAAAAAAAAAAAEAAAAAAAAAAEAAABZWVkKAAAAACgAAAAoAAAAZAAAAGQAAAAAAAAAzMzMAAAAAABQAAAAUAAAAGQAAABkAAAAAAAAABcAAAAUAAAAAAAAAAAAAAD/fwAA/38AAAAAAAAJAAAABAAAAGjfsv8eAAAAaAAAAAAAAAAAAAAAAAAAAAAAAAAAAAAAECcAABAnAAAAAAAAAAAAAAAAAAAAAAAAAAAAAAAAAAAAAAAAAAAAABQAAAAAAAAAwMD/AAAAAABkAAAAMgAAAAAAAABkAAAAAAAAAH9/fwAKAAAAIgAAABgAAAAAAAAAAAAAAAAAAAAAAAAAAAAAAAAAAAAkAAAAJAAAAAAAAAAHAAAAAAAAAAAAAAAAAAAAAAAAAAAAAAAAAAAAf39/ACUAAABYAAAAAAAAAAAAAAAAAAAAAAAAAAAAAAAAAAAAAAAAAAAAAAAAAAAAAAAAAAAAAAA/AAAAAAAAAKCGAQAAAAAAAAAAAAAAAAAMAAAAAQAAAAAAAAAAAAAAAAAAAB8AAABUAAAAAAAABQAAAAEAAAAAAAAAAAAAAAAAAAAAAAAAAAAAAAAAAAAAAAAAAAAAAAJ/f38AAAAAA8zMzADAwP8Af39/AAAAAAAAAAAAAAAAAAAAAAAAAAAAIQAAABgAAAAUAAAAFAMAAAkCAAB/NwAAxwgAABAAAAAmAAAACAAAADywAAAAAAAA"/>
+                <pr:smNativeData xmlns:pr="smNativeData" xmlns="smNativeData" val="SMDATA_15_t6npZxMAAAAlAAAAZAAAAA0AAAAAkAAAAJAAAACQAAAAkAAAAAAAAAAAAAAAAAAAAAEAAABQAAAAAAAAAAAA4D8AAAAAAADgPwAAAAAAAOA/AAAAAAAA4D8AAAAAAADgPwAAAAAAAOA/AAAAAAAA4D8AAAAAAADgPwAAAAAAAOA/AAAAAAAA4D8CAAAAjAAAAAAAAAAAAAAAQoX0DP///wgAAAAAAAAAAAAAAAAAAAAAAAAAAAAAAAAAAAAAZAAAAAEAAABAAAAAAAAAAAAAAAAAAAAAAAAAAAAAAAAAAAAAAAAAAAAAAAAAAAAAAAAAAAAAAAAAAAAAAAAAAAAAAAAAAAAAAAAAAAAAAAAAAAAAAAAAAAAAAAAAAAAAFAAAADwAAAAAAAAAAAAAAAAAAAkUAAAAAQAAABQAAAAUAAAAFAAAAAEAAAAAAAAAZAAAAGQAAAAAAAAAZAAAAGQAAAAVAAAAYAAAAAAAAAAAAAAADwAAACADAAAAAAAAAAAAAAEAAACgMgAAVgcAAKr4//8BAAAAf39/AAEAAABkAAAAAAAAABQAAABAHwAAAAAAACYAAAAAAAAAwOD//wAAAAAmAAAAZAAAABYAAABMAAAAAAAAAAAAAAAEAAAAAAAAAAEAAABZWVkKAAAAACgAAAAoAAAAZAAAAGQAAAAAAAAAzMzMAAAAAABQAAAAUAAAAGQAAABkAAAAAAAAABcAAAAUAAAAAAAAAAAAAAD/fwAA/38AAAAAAAAJAAAABAAAAGjfsv8eAAAAaAAAAAAAAAAAAAAAAAAAAAAAAAAAAAAAECcAABAnAAAAAAAAAAAAAAAAAAAAAAAAAAAAAAAAAAAAAAAAAAAAABQAAAAAAAAAwMD/AAAAAABkAAAAMgAAAAAAAABkAAAAAAAAAH9/fwAKAAAAIgAAABgAAAAAAAAAAAAAAAAAAAAAAAAAAAAAAAAAAAAkAAAAJAAAAAAAAAAHAAAAAAAAAAAAAAAAAAAAAAAAAAAAAAAAAAAAf39/ACUAAABYAAAAAAAAAAAAAAAAAAAAAAAAAAAAAAAAAAAAAAAAAAAAAAAAAAAAAAAAAAAAAAA/AAAAAAAAAKCGAQAAAAAAAAAAAAAAAAAMAAAAAQAAAAAAAAAAAAAAAAAAAB8AAABUAAAAAAAABQAAAAEAAAAAAAAAAAAAAAAAAAAAAAAAAAAAAAAAAAAAAAAAAAAAAAJ/f38AAAAAA8zMzADAwP8Af39/AAAAAAAAAAAAAAAAAAAAAAAAAAAAIQAAABgAAAAUAAAAFAMAAAkCAAB/NwAAxwgAABAAAAAmAAAACAAAADywAAAAAAAA"/>
               </a:ext>
             </a:extLst>
           </p:cNvSpPr>
@@ -3855,7 +3979,7 @@
             <a:spLocks noGrp="1" noChangeArrowheads="1"/>
             <a:extLst>
               <a:ext uri="smNativeData">
-                <pr:smNativeData xmlns:pr="smNativeData" xmlns="smNativeData" val="SMDATA_15_gHjoZxMAAAAlAAAAZAAAAA0AAAAAkAAAAJAAAACQAAAAkAAAAAAAAAAAAAAAAAAAAAEAAABQAAAAAAAAAAAA4D8AAAAAAADgPwAAAAAAAOA/AAAAAAAA4D8AAAAAAADgPwAAAAAAAOA/AAAAAAAA4D8AAAAAAADgPwAAAAAAAOA/AAAAAAAA4D8CAAAAjAAAAAAAAAAAAAAAQoX0DP///wgAAAAAAAAAAAAAAAAAAAAAAAAAAAAAAAAAAAAAZAAAAAEAAABAAAAAAAAAAAAAAAAAAAAAAAAAAAAAAAAAAAAAAAAAAAAAAAAAAAAAAAAAAAAAAAAAAAAAAAAAAAAAAAAAAAAAAAAAAAAAAAAAAAAAAAAAAAAAAAAAAAAAFAAAADwAAAAAAAAAAAAAAAAAAAkUAAAAAQAAABQAAAAUAAAAFAAAAAEAAAAAAAAAZAAAAGQAAAAAAAAAZAAAAGQAAAAVAAAAYAAAAAAAAAAAAAAADwAAACADAAAAAAAAAAAAAAEAAACgMgAAVgcAAKr4//8BAAAAf39/AAEAAABkAAAAAAAAABQAAABAHwAAAAAAACYAAAAAAAAAwOD//wAAAAAmAAAAZAAAABYAAABMAAAAAAAAAAAAAAAEAAAAAAAAAAEAAABZWVkKAAAAACgAAAAoAAAAZAAAAGQAAAAAAAAAzMzMAAAAAABQAAAAUAAAAGQAAABkAAAAAAAAABcAAAAUAAAAAAAAAAAAAAD/fwAA/38AAAAAAAAJAAAABAAAALIj1f8eAAAAaAAAAAAAAAAAAAAAAAAAAAAAAAAAAAAAECcAABAnAAAAAAAAAAAAAAAAAAAAAAAAAAAAAAAAAAAAAAAAAAAAABQAAAAAAAAAwMD/AAAAAABkAAAAMgAAAAAAAABkAAAAAAAAAH9/fwAKAAAAIgAAABgAAAAAAAAAAAAAAAAAAAAAAAAAAAAAAAAAAAAkAAAAJAAAAAAAAAAHAAAAAAAAAAAAAAAAAAAAAAAAAAAAAAAAAAAAf39/ACUAAABYAAAAAAAAAAAAAAAAAAAAAAAAAAAAAAAAAAAAAAAAAAAAAAAAAAAAAAAAAAAAAAA/AAAAAAAAAKCGAQAAAAAAAAAAAAAAAAAMAAAAAQAAAAAAAAAAAAAAAAAAAB8AAABUAAAAAAAABQAAAAEAAAAAAAAAAAAAAAAAAAAAAAAAAAAAAAAAAAAAAAAAAAAAAAJ/f38AAAAAA8zMzADAwP8Af39/AAAAAAAAAAAAAAAAAAAAAAAAAAAAIQAAABgAAAAUAAAAWQMAAE8IAAANJAAA3w0AABAAAAAmAAAACAAAAD2wAAAAAAAA"/>
+                <pr:smNativeData xmlns:pr="smNativeData" xmlns="smNativeData" val="SMDATA_15_t6npZxMAAAAlAAAAZAAAAA0AAAAAkAAAAJAAAACQAAAAkAAAAAAAAAAAAAAAAAAAAAEAAABQAAAAAAAAAAAA4D8AAAAAAADgPwAAAAAAAOA/AAAAAAAA4D8AAAAAAADgPwAAAAAAAOA/AAAAAAAA4D8AAAAAAADgPwAAAAAAAOA/AAAAAAAA4D8CAAAAjAAAAAAAAAAAAAAAQoX0DP///wgAAAAAAAAAAAAAAAAAAAAAAAAAAAAAAAAAAAAAZAAAAAEAAABAAAAAAAAAAAAAAAAAAAAAAAAAAAAAAAAAAAAAAAAAAAAAAAAAAAAAAAAAAAAAAAAAAAAAAAAAAAAAAAAAAAAAAAAAAAAAAAAAAAAAAAAAAAAAAAAAAAAAFAAAADwAAAAAAAAAAAAAAAAAAAkUAAAAAQAAABQAAAAUAAAAFAAAAAEAAAAAAAAAZAAAAGQAAAAAAAAAZAAAAGQAAAAVAAAAYAAAAAAAAAAAAAAADwAAACADAAAAAAAAAAAAAAEAAACgMgAAVgcAAKr4//8BAAAAf39/AAEAAABkAAAAAAAAABQAAABAHwAAAAAAACYAAAAAAAAAwOD//wAAAAAmAAAAZAAAABYAAABMAAAAAAAAAAAAAAAEAAAAAAAAAAEAAABZWVkKAAAAACgAAAAoAAAAZAAAAGQAAAAAAAAAzMzMAAAAAABQAAAAUAAAAGQAAABkAAAAAAAAABcAAAAUAAAAAAAAAAAAAAD/fwAA/38AAAAAAAAJAAAABAAAALIj1f8eAAAAaAAAAAAAAAAAAAAAAAAAAAAAAAAAAAAAECcAABAnAAAAAAAAAAAAAAAAAAAAAAAAAAAAAAAAAAAAAAAAAAAAABQAAAAAAAAAwMD/AAAAAABkAAAAMgAAAAAAAABkAAAAAAAAAH9/fwAKAAAAIgAAABgAAAAAAAAAAAAAAAAAAAAAAAAAAAAAAAAAAAAkAAAAJAAAAAAAAAAHAAAAAAAAAAAAAAAAAAAAAAAAAAAAAAAAAAAAf39/ACUAAABYAAAAAAAAAAAAAAAAAAAAAAAAAAAAAAAAAAAAAAAAAAAAAAAAAAAAAAAAAAAAAAA/AAAAAAAAAKCGAQAAAAAAAAAAAAAAAAAMAAAAAQAAAAAAAAAAAAAAAAAAAB8AAABUAAAAAAAABQAAAAEAAAAAAAAAAAAAAAAAAAAAAAAAAAAAAAAAAAAAAAAAAAAAAAJ/f38AAAAAA8zMzADAwP8Af39/AAAAAAAAAAAAAAAAAAAAAAAAAAAAIQAAABgAAAAUAAAAWQMAAE8IAAANJAAA3w0AABAAAAAmAAAACAAAAD2wAAAAAAAA"/>
               </a:ext>
             </a:extLst>
           </p:cNvSpPr>
@@ -4041,7 +4165,7 @@
           <p:cNvSpPr>
             <a:extLst>
               <a:ext uri="smNativeData">
-                <pr:smNativeData xmlns:pr="smNativeData" xmlns="smNativeData" val="SMDATA_15_gHjoZxMAAAAlAAAAZAAAAA0AAAAAkAAAAJAAAACQAAAAkAAAAAAAAAABAAAAAAAAAAEAAABQAAAAAAAAAAAA4D8AAAAAAADgPwAAAAAAAOA/AAAAAAAA4D8AAAAAAADgPwAAAAAAAOA/AAAAAAAA4D8AAAAAAADgPwAAAAAAAOA/AAAAAAAA4D8CAAAAjAAAAAEAAAAAAAAA+/v+AP///wgAAAAAAAAAAAAAAAAAAAAAAAAAAAAAAAAAAAAAeAAAAAEAAABAAAAAAAAAAAAAAABaAAAAAAAAAAAAAAAAAAAAAAAAAAAAAAAAAAAAAAAAAAAAAAAAAAAAAAAAAAAAAAAAAAAAAAAAAAAAAAAAAAAAAAAAAAAAAAAAAAAAFAAAADwAAAAAAAAAAAAAAAAAAAkUAAAAAQAAABQAAAAUAAAAFAAAAAEAAAAAAAAAZAAAAGQAAAAAAAAAZAAAAGQAAAAVAAAAYAAAAAAAAAAAAAAADwAAACADAAAAAAAAAAAAAAEAAACgMgAAVgcAAKr4//8BAAAAf39/AAEAAABkAAAAAAAAABQAAABAHwAAAAAAACYAAAAAAAAAwOD//wAAAAAmAAAAZAAAABYAAABMAAAAAAAAAAAAAAAEAAAAAAAAAAEAAABZWVkKAAAAACgAAAAoAAAAZAAAAGQAAAAAAAAAzMzMAAAAAABQAAAAUAAAAGQAAABkAAAAAAAAABcAAAAUAAAAAAAAAAAAAAD/fwAA/38AAAAAAAAJAAAABAAAAAMAAAAeAAAAaAAAAAAAAAAAAAAAAAAAAAAAAAAAAAAAECcAABAnAAAAAAAAAAAAAAAAAAAAAAAAAAAAAAAAAAAAAAAAAAAAABQAAAAAAAAAwMD/AAAAAABkAAAAMgAAAAAAAABkAAAAAAAAAH9/fwAKAAAAIgAAABgAAAAAAAAAAAAAAAAAAAAAAAAAAAAAAAAAAAAkAAAAJAAAAAAAAAAHAAAAAAAAAAAAAAAAAAAAAAAAAAAAAAAAAAAAf39/ACUAAABYAAAAAAAAAAAAAAAAAAAAAAAAAAAAAAAAAAAAAAAAAAAAAAAAAAAAAAAAAAAAAAA/AAAAAAAAAKCGAQAAAAAAAAAAAAAAAAAMAAAAAQAAAAAAAAAAAAAAAAAAAB8AAABUAAAA+/v+AAAAAAEAAAAAAAAAAAAAAAAAAAAAAAAAAAAAAAAAAAAAAAAAAAAAAAJ/f38AAAAAA8zMzADAwP8Af39/AAAAAAAAAAAAAAAAAAAAAAAAAAAAIQAAABgAAAAUAAAAuwMAADENAACQNAAAWhwAABAAAAAmAAAACAAAAP//////////"/>
+                <pr:smNativeData xmlns:pr="smNativeData" xmlns="smNativeData" val="SMDATA_15_t6npZxMAAAAlAAAAZAAAAA0AAAAAkAAAAJAAAACQAAAAkAAAAAAAAAABAAAAAAAAAAEAAABQAAAAAAAAAAAA4D8AAAAAAADgPwAAAAAAAOA/AAAAAAAA4D8AAAAAAADgPwAAAAAAAOA/AAAAAAAA4D8AAAAAAADgPwAAAAAAAOA/AAAAAAAA4D8CAAAAjAAAAAEAAAAAAAAA+/v+AP///wgAAAAAAAAAAAAAAAAAAAAAAAAAAAAAAAAAAAAAeAAAAAEAAABAAAAAAAAAAAAAAABaAAAAAAAAAAAAAAAAAAAAAAAAAAAAAAAAAAAAAAAAAAAAAAAAAAAAAAAAAAAAAAAAAAAAAAAAAAAAAAAAAAAAAAAAAAAAAAAAAAAAFAAAADwAAAAAAAAAAAAAAAAAAAkUAAAAAQAAABQAAAAUAAAAFAAAAAEAAAAAAAAAZAAAAGQAAAAAAAAAZAAAAGQAAAAVAAAAYAAAAAAAAAAAAAAADwAAACADAAAAAAAAAAAAAAEAAACgMgAAVgcAAKr4//8BAAAAf39/AAEAAABkAAAAAAAAABQAAABAHwAAAAAAACYAAAAAAAAAwOD//wAAAAAmAAAAZAAAABYAAABMAAAAAAAAAAAAAAAEAAAAAAAAAAEAAABZWVkKAAAAACgAAAAoAAAAZAAAAGQAAAAAAAAAzMzMAAAAAABQAAAAUAAAAGQAAABkAAAAAAAAABcAAAAUAAAAAAAAAAAAAAD/fwAA/38AAAAAAAAJAAAABAAAAAMAAAAeAAAAaAAAAAAAAAAAAAAAAAAAAAAAAAAAAAAAECcAABAnAAAAAAAAAAAAAAAAAAAAAAAAAAAAAAAAAAAAAAAAAAAAABQAAAAAAAAAwMD/AAAAAABkAAAAMgAAAAAAAABkAAAAAAAAAH9/fwAKAAAAIgAAABgAAAAAAAAAAAAAAAAAAAAAAAAAAAAAAAAAAAAkAAAAJAAAAAAAAAAHAAAAAAAAAAAAAAAAAAAAAAAAAAAAAAAAAAAAf39/ACUAAABYAAAAAAAAAAAAAAAAAAAAAAAAAAAAAAAAAAAAAAAAAAAAAAAAAAAAAAAAAAAAAAA/AAAAAAAAAKCGAQAAAAAAAAAAAAAAAAAMAAAAAQAAAAAAAAAAAAAAAAAAAB8AAABUAAAA+/v+AAAAAAEAAAAAAAAAAAAAAAAAAAAAAAAAAAAAAAAAAAAAAAAAAAAAAAJ/f38AAAAAA8zMzADAwP8Af39/AAAAAAAAAAAAAAAAAAAAAAAAAAAAIQAAABgAAAAUAAAAuwMAADENAACQNAAAWhwAABAAAAAmAAAACAAAAP//////////"/>
               </a:ext>
             </a:extLst>
           </p:cNvSpPr>
@@ -4086,7 +4210,7 @@
             <a:spLocks noGrp="1" noChangeArrowheads="1"/>
             <a:extLst>
               <a:ext uri="smNativeData">
-                <pr:smNativeData xmlns:pr="smNativeData" xmlns="smNativeData" val="SMDATA_15_gHjoZxMAAAAlAAAAZAAAAA0AAAAAkAAAAJAAAACQAAAAkAAAAAAAAAAAAAAAAAAAAAEAAABQAAAAAAAAAAAA4D8AAAAAAADgPwAAAAAAAOA/AAAAAAAA4D8AAAAAAADgPwAAAAAAAOA/AAAAAAAA4D8AAAAAAADgPwAAAAAAAOA/AAAAAAAA4D8CAAAAjAAAAAAAAAAAAAAAQoX0DP///wgAAAAAAAAAAAAAAAAAAAAAAAAAAAAAAAAAAAAAZAAAAAEAAABAAAAAAAAAAAAAAAAAAAAAAAAAAAAAAAAAAAAAAAAAAAAAAAAAAAAAAAAAAAAAAAAAAAAAAAAAAAAAAAAAAAAAAAAAAAAAAAAAAAAAAAAAAAAAAAAAAAAAFAAAADwAAAAAAAAAAAAAAAAAAAkUAAAAAQAAABQAAAAUAAAAFAAAAAEAAAAAAAAAZAAAAGQAAAAAAAAAZAAAAGQAAAAVAAAAYAAAAAAAAAAAAAAADwAAACADAAAAAAAAAAAAAAEAAACgMgAAVgcAAKr4//8BAAAAf39/AAEAAABkAAAAAAAAABQAAABAHwAAAAAAACYAAAAAAAAAwOD//wAAAAAmAAAAZAAAABYAAABMAAAAAAAAAAAAAAAEAAAAAAAAAAEAAABZWVkKAAAAACgAAAAoAAAAZAAAAGQAAAAAAAAAzMzMAAAAAABQAAAAUAAAAGQAAABkAAAAAAAAABcAAAAUAAAAAAAAAAAAAAD/fwAA/38AAAAAAAAJAAAABAAAAAAwMDAeAAAAaAAAAAAAAAAAAAAAAAAAAAAAAAAAAAAAECcAABAnAAAAAAAAAAAAAAAAAAAAAAAAAAAAAAAAAAAAAAAAAAAAABQAAAAAAAAAwMD/AAAAAABkAAAAMgAAAAAAAABkAAAAAAAAAH9/fwAKAAAAIgAAABgAAAAAAAAAAAAAAAAAAAAAAAAAAAAAAAAAAAAkAAAAJAAAAAAAAAAHAAAAAAAAAAAAAAAAAAAAAAAAAAAAAAAAAAAAf39/ACUAAABYAAAAAAAAAAAAAAAAAAAAAAAAAAAAAAAAAAAAAAAAAAAAAAAAAAAAAAAAAAAAAAA/AAAAAAAAAKCGAQAAAAAAAAAAAAAAAAAMAAAAAQAAAAAAAAAAAAAAAAAAAB8AAABUAAAAAAAABQAAAAEAAAAAAAAAAAAAAAAAAAAAAAAAAAAAAAAAAAAAAAAAAAAAAAJ/f38AAAAAA8zMzADAwP8Af39/AAAAAAAAAAAAAAAAAAAAAAAAAAAAIQAAABgAAAAUAAAA5AQAAKgNAAByMwAAMhwAABAAAAAmAAAACAAAAD2wAAAAAAAA"/>
+                <pr:smNativeData xmlns:pr="smNativeData" xmlns="smNativeData" val="SMDATA_15_t6npZxMAAAAlAAAAZAAAAA0AAAAAkAAAAJAAAACQAAAAkAAAAAAAAAAAAAAAAAAAAAEAAABQAAAAAAAAAAAA4D8AAAAAAADgPwAAAAAAAOA/AAAAAAAA4D8AAAAAAADgPwAAAAAAAOA/AAAAAAAA4D8AAAAAAADgPwAAAAAAAOA/AAAAAAAA4D8CAAAAjAAAAAAAAAAAAAAAQoX0DP///wgAAAAAAAAAAAAAAAAAAAAAAAAAAAAAAAAAAAAAZAAAAAEAAABAAAAAAAAAAAAAAAAAAAAAAAAAAAAAAAAAAAAAAAAAAAAAAAAAAAAAAAAAAAAAAAAAAAAAAAAAAAAAAAAAAAAAAAAAAAAAAAAAAAAAAAAAAAAAAAAAAAAAFAAAADwAAAAAAAAAAAAAAAAAAAkUAAAAAQAAABQAAAAUAAAAFAAAAAEAAAAAAAAAZAAAAGQAAAAAAAAAZAAAAGQAAAAVAAAAYAAAAAAAAAAAAAAADwAAACADAAAAAAAAAAAAAAEAAACgMgAAVgcAAKr4//8BAAAAf39/AAEAAABkAAAAAAAAABQAAABAHwAAAAAAACYAAAAAAAAAwOD//wAAAAAmAAAAZAAAABYAAABMAAAAAAAAAAAAAAAEAAAAAAAAAAEAAABZWVkKAAAAACgAAAAoAAAAZAAAAGQAAAAAAAAAzMzMAAAAAABQAAAAUAAAAGQAAABkAAAAAAAAABcAAAAUAAAAAAAAAAAAAAD/fwAA/38AAAAAAAAJAAAABAAAAAAwMDAeAAAAaAAAAAAAAAAAAAAAAAAAAAAAAAAAAAAAECcAABAnAAAAAAAAAAAAAAAAAAAAAAAAAAAAAAAAAAAAAAAAAAAAABQAAAAAAAAAwMD/AAAAAABkAAAAMgAAAAAAAABkAAAAAAAAAH9/fwAKAAAAIgAAABgAAAAAAAAAAAAAAAAAAAAAAAAAAAAAAAAAAAAkAAAAJAAAAAAAAAAHAAAAAAAAAAAAAAAAAAAAAAAAAAAAAAAAAAAAf39/ACUAAABYAAAAAAAAAAAAAAAAAAAAAAAAAAAAAAAAAAAAAAAAAAAAAAAAAAAAAAAAAAAAAAA/AAAAAAAAAKCGAQAAAAAAAAAAAAAAAAAMAAAAAQAAAAAAAAAAAAAAAAAAAB8AAABUAAAAAAAABQAAAAEAAAAAAAAAAAAAAAAAAAAAAAAAAAAAAAAAAAAAAAAAAAAAAAJ/f38AAAAAA8zMzADAwP8Af39/AAAAAAAAAAAAAAAAAAAAAAAAAAAAIQAAABgAAAAUAAAA5AQAAKgNAAByMwAAMhwAABAAAAAmAAAACAAAAD2wAAAAAAAA"/>
               </a:ext>
             </a:extLst>
           </p:cNvSpPr>
@@ -4266,7 +4390,7 @@
             <a:spLocks noGrp="1" noChangeArrowheads="1"/>
             <a:extLst>
               <a:ext uri="smNativeData">
-                <pr:smNativeData xmlns:pr="smNativeData" xmlns="smNativeData" val="SMDATA_15_gHjoZxMAAAAlAAAAZAAAAA0AAAAAkAAAAJAAAACQAAAAkAAAAAAAAAAAAAAAAAAAAAEAAABQAAAAAAAAAAAA4D8AAAAAAADgPwAAAAAAAOA/AAAAAAAA4D8AAAAAAADgPwAAAAAAAOA/AAAAAAAA4D8AAAAAAADgPwAAAAAAAOA/AAAAAAAA4D8CAAAAjAAAAAAAAAAAAAAAQoX0DP///wgAAAAAAAAAAAAAAAAAAAAAAAAAAAAAAAAAAAAAZAAAAAEAAABAAAAAAAAAAAAAAAAAAAAAAAAAAAAAAAAAAAAAAAAAAAAAAAAAAAAAAAAAAAAAAAAAAAAAAAAAAAAAAAAAAAAAAAAAAAAAAAAAAAAAAAAAAAAAAAAAAAAAFAAAADwAAAAAAAAAAAAAAAAAAAkUAAAAAQAAABQAAAAUAAAAFAAAAAEAAAAAAAAAZAAAAGQAAAAAAAAAZAAAAGQAAAAVAAAAYAAAAAAAAAAAAAAADwAAACADAAAAAAAAAAAAAAEAAACgMgAAVgcAAKr4//8BAAAAf39/AAEAAABkAAAAAAAAABQAAABAHwAAAAAAACYAAAAAAAAAwOD//wAAAAAmAAAAZAAAABYAAABMAAAAAAAAAAAAAAAEAAAAAAAAAAEAAABZWVkKAAAAACgAAAAoAAAAZAAAAGQAAAAAAAAAzMzMAAAAAABQAAAAUAAAAGQAAABkAAAAAAAAABcAAAAUAAAAAAAAAAAAAAD/fwAA/38AAAAAAAAJAAAABAAAAAAAAAAeAAAAaAAAAAAAAAAAAAAAAAAAAAAAAAAAAAAAECcAABAnAAAAAAAAAAAAAAAAAAAAAAAAAAAAAAAAAAAAAAAAAAAAABQAAAAAAAAAwMD/AAAAAABkAAAAMgAAAAAAAABkAAAAAAAAAH9/fwAKAAAAIgAAABgAAAAAAAAAAAAAAAAAAAAAAAAAAAAAAAAAAAAkAAAAJAAAAAAAAAAHAAAAAAAAAAAAAAAAAAAAAAAAAAAAAAAAAAAAf39/ACUAAABYAAAAAAAAAAAAAAAAAAAAAAAAAAAAAAAAAAAAAAAAAAAAAAAAAAAAAAAAAAAAAAA/AAAAAAAAAKCGAQAAAAAAAAAAAAAAAAAMAAAAAQAAAAAAAAAAAAAAAAAAAB8AAABUAAAAAAAABQAAAAEAAAAAAAAAAAAAAAAAAAAAAAAAAAAAAAAAAAAAAAAAAAAAAAJ/f38AAAAAA8zMzADAwP8Af39/AAAAAAAAAAAAAAAAAAAAAAAAAAAAIQAAABgAAAAUAAAAFAMAAAkCAAB/NwAAxwgAABAAAAAmAAAACAAAADywAAAAAAAA"/>
+                <pr:smNativeData xmlns:pr="smNativeData" xmlns="smNativeData" val="SMDATA_15_t6npZxMAAAAlAAAAZAAAAA0AAAAAkAAAAJAAAACQAAAAkAAAAAAAAAAAAAAAAAAAAAEAAABQAAAAAAAAAAAA4D8AAAAAAADgPwAAAAAAAOA/AAAAAAAA4D8AAAAAAADgPwAAAAAAAOA/AAAAAAAA4D8AAAAAAADgPwAAAAAAAOA/AAAAAAAA4D8CAAAAjAAAAAAAAAAAAAAAQoX0DP///wgAAAAAAAAAAAAAAAAAAAAAAAAAAAAAAAAAAAAAZAAAAAEAAABAAAAAAAAAAAAAAAAAAAAAAAAAAAAAAAAAAAAAAAAAAAAAAAAAAAAAAAAAAAAAAAAAAAAAAAAAAAAAAAAAAAAAAAAAAAAAAAAAAAAAAAAAAAAAAAAAAAAAFAAAADwAAAAAAAAAAAAAAAAAAAkUAAAAAQAAABQAAAAUAAAAFAAAAAEAAAAAAAAAZAAAAGQAAAAAAAAAZAAAAGQAAAAVAAAAYAAAAAAAAAAAAAAADwAAACADAAAAAAAAAAAAAAEAAACgMgAAVgcAAKr4//8BAAAAf39/AAEAAABkAAAAAAAAABQAAABAHwAAAAAAACYAAAAAAAAAwOD//wAAAAAmAAAAZAAAABYAAABMAAAAAAAAAAAAAAAEAAAAAAAAAAEAAABZWVkKAAAAACgAAAAoAAAAZAAAAGQAAAAAAAAAzMzMAAAAAABQAAAAUAAAAGQAAABkAAAAAAAAABcAAAAUAAAAAAAAAAAAAAD/fwAA/38AAAAAAAAJAAAABAAAAAAAAAAeAAAAaAAAAAAAAAAAAAAAAAAAAAAAAAAAAAAAECcAABAnAAAAAAAAAAAAAAAAAAAAAAAAAAAAAAAAAAAAAAAAAAAAABQAAAAAAAAAwMD/AAAAAABkAAAAMgAAAAAAAABkAAAAAAAAAH9/fwAKAAAAIgAAABgAAAAAAAAAAAAAAAAAAAAAAAAAAAAAAAAAAAAkAAAAJAAAAAAAAAAHAAAAAAAAAAAAAAAAAAAAAAAAAAAAAAAAAAAAf39/ACUAAABYAAAAAAAAAAAAAAAAAAAAAAAAAAAAAAAAAAAAAAAAAAAAAAAAAAAAAAAAAAAAAAA/AAAAAAAAAKCGAQAAAAAAAAAAAAAAAAAMAAAAAQAAAAAAAAAAAAAAAAAAAB8AAABUAAAAAAAABQAAAAEAAAAAAAAAAAAAAAAAAAAAAAAAAAAAAAAAAAAAAAAAAAAAAAJ/f38AAAAAA8zMzADAwP8Af39/AAAAAAAAAAAAAAAAAAAAAAAAAAAAIQAAABgAAAAUAAAAFAMAAAkCAAB/NwAAxwgAABAAAAAmAAAACAAAADywAAAAAAAA"/>
               </a:ext>
             </a:extLst>
           </p:cNvSpPr>
@@ -4375,7 +4499,7 @@
           <p:cNvSpPr>
             <a:extLst>
               <a:ext uri="smNativeData">
-                <pr:smNativeData xmlns:pr="smNativeData" xmlns="smNativeData" val="SMDATA_15_gHjoZxMAAAAlAAAAZAAAAA0AAAAAkAAAAJAAAACQAAAAkAAAAAAAAAABAAAAAAAAAAEAAABQAAAAAAAAAAAA4D8AAAAAAADgPwAAAAAAAOA/AAAAAAAA4D8AAAAAAADgPwAAAAAAAOA/AAAAAAAA4D8AAAAAAADgPwAAAAAAAOA/AAAAAAAA4D8CAAAAjAAAAAEAAAAAAAAA+/v+AP///wgAAAAAAAAAAAAAAAAAAAAAAAAAAAAAAAAAAAAAeAAAAAEAAABAAAAAAAAAAAAAAABaAAAAAAAAAAAAAAAAAAAAAAAAAAAAAAAAAAAAAAAAAAAAAAAAAAAAAAAAAAAAAAAAAAAAAAAAAAAAAAAAAAAAAAAAAAAAAAAAAAAAFAAAADwAAAAAAAAAAAAAAAAAAAkUAAAAAQAAABQAAAAUAAAAFAAAAAEAAAAAAAAAZAAAAGQAAAAAAAAAZAAAAGQAAAAVAAAAYAAAAAAAAAAAAAAADwAAACADAAAAAAAAAAAAAAEAAACgMgAAVgcAAKr4//8BAAAAf39/AAEAAABkAAAAAAAAABQAAABAHwAAAAAAACYAAAAAAAAAwOD//wAAAAAmAAAAZAAAABYAAABMAAAAAAAAAAAAAAAEAAAAAAAAAAEAAABZWVkKAAAAACgAAAAoAAAAZAAAAGQAAAAAAAAAzMzMAAAAAABQAAAAUAAAAGQAAABkAAAAAAAAABcAAAAUAAAAAAAAAAAAAAD/fwAA/38AAAAAAAAJAAAABAAAAAMAAAAeAAAAaAAAAAAAAAAAAAAAAAAAAAAAAAAAAAAAECcAABAnAAAAAAAAAAAAAAAAAAAAAAAAAAAAAAAAAAAAAAAAAAAAABQAAAAAAAAAwMD/AAAAAABkAAAAMgAAAAAAAABkAAAAAAAAAH9/fwAKAAAAIgAAABgAAAAAAAAAAAAAAAAAAAAAAAAAAAAAAAAAAAAkAAAAJAAAAAAAAAAHAAAAAAAAAAAAAAAAAAAAAAAAAAAAAAAAAAAAf39/ACUAAABYAAAAAAAAAAAAAAAAAAAAAAAAAAAAAAAAAAAAAAAAAAAAAAAAAAAAAAAAAAAAAAA/AAAAAAAAAKCGAQAAAAAAAAAAAAAAAAAMAAAAAQAAAAAAAAAAAAAAAAAAAB8AAABUAAAA+/v+AAAAAAEAAAAAAAAAAAAAAAAAAAAAAAAAAAAAAAAAAAAAAAAAAAAAAAJ/f38AAAAAA8zMzADAwP8Af39/AAAAAAAAAAAAAAAAAAAAAAAAAAAAIQAAABgAAAAUAAAAOwIAAIQIAABxHwAAZB0AABAAAAAmAAAACAAAAP//////////"/>
+                <pr:smNativeData xmlns:pr="smNativeData" xmlns="smNativeData" val="SMDATA_15_t6npZxMAAAAlAAAAZAAAAA0AAAAAkAAAAJAAAACQAAAAkAAAAAAAAAABAAAAAAAAAAEAAABQAAAAAAAAAAAA4D8AAAAAAADgPwAAAAAAAOA/AAAAAAAA4D8AAAAAAADgPwAAAAAAAOA/AAAAAAAA4D8AAAAAAADgPwAAAAAAAOA/AAAAAAAA4D8CAAAAjAAAAAEAAAAAAAAA+/v+AP///wgAAAAAAAAAAAAAAAAAAAAAAAAAAAAAAAAAAAAAeAAAAAEAAABAAAAAAAAAAAAAAABaAAAAAAAAAAAAAAAAAAAAAAAAAAAAAAAAAAAAAAAAAAAAAAAAAAAAAAAAAAAAAAAAAAAAAAAAAAAAAAAAAAAAAAAAAAAAAAAAAAAAFAAAADwAAAAAAAAAAAAAAAAAAAkUAAAAAQAAABQAAAAUAAAAFAAAAAEAAAAAAAAAZAAAAGQAAAAAAAAAZAAAAGQAAAAVAAAAYAAAAAAAAAAAAAAADwAAACADAAAAAAAAAAAAAAEAAACgMgAAVgcAAKr4//8BAAAAf39/AAEAAABkAAAAAAAAABQAAABAHwAAAAAAACYAAAAAAAAAwOD//wAAAAAmAAAAZAAAABYAAABMAAAAAAAAAAAAAAAEAAAAAAAAAAEAAABZWVkKAAAAACgAAAAoAAAAZAAAAGQAAAAAAAAAzMzMAAAAAABQAAAAUAAAAGQAAABkAAAAAAAAABcAAAAUAAAAAAAAAAAAAAD/fwAA/38AAAAAAAAJAAAABAAAAAMAAAAeAAAAaAAAAAAAAAAAAAAAAAAAAAAAAAAAAAAAECcAABAnAAAAAAAAAAAAAAAAAAAAAAAAAAAAAAAAAAAAAAAAAAAAABQAAAAAAAAAwMD/AAAAAABkAAAAMgAAAAAAAABkAAAAAAAAAH9/fwAKAAAAIgAAABgAAAAAAAAAAAAAAAAAAAAAAAAAAAAAAAAAAAAkAAAAJAAAAAAAAAAHAAAAAAAAAAAAAAAAAAAAAAAAAAAAAAAAAAAAf39/ACUAAABYAAAAAAAAAAAAAAAAAAAAAAAAAAAAAAAAAAAAAAAAAAAAAAAAAAAAAAAAAAAAAAA/AAAAAAAAAKCGAQAAAAAAAAAAAAAAAAAMAAAAAQAAAAAAAAAAAAAAAAAAAB8AAABUAAAA+/v+AAAAAAEAAAAAAAAAAAAAAAAAAAAAAAAAAAAAAAAAAAAAAAAAAAAAAAJ/f38AAAAAA8zMzADAwP8Af39/AAAAAAAAAAAAAAAAAAAAAAAAAAAAIQAAABgAAAAUAAAAOwIAAIQIAABxHwAAZB0AABAAAAAmAAAACAAAAP//////////"/>
               </a:ext>
             </a:extLst>
           </p:cNvSpPr>
@@ -4420,7 +4544,7 @@
             <a:spLocks noGrp="1" noChangeArrowheads="1"/>
             <a:extLst>
               <a:ext uri="smNativeData">
-                <pr:smNativeData xmlns:pr="smNativeData" xmlns="smNativeData" val="SMDATA_15_gHjoZxMAAAAlAAAAZAAAAA0AAAAAkAAAAJAAAACQAAAAkAAAAAAAAAAAAAAAAAAAAAEAAABQAAAAAAAAAAAA4D8AAAAAAADgPwAAAAAAAOA/AAAAAAAA4D8AAAAAAADgPwAAAAAAAOA/AAAAAAAA4D8AAAAAAADgPwAAAAAAAOA/AAAAAAAA4D8CAAAAjAAAAAAAAAAAAAAAQoX0DP///wgAAAAAAAAAAAAAAAAAAAAAAAAAAAAAAAAAAAAAZAAAAAEAAABAAAAAAAAAAAAAAAAAAAAAAAAAAAAAAAAAAAAAAAAAAAAAAAAAAAAAAAAAAAAAAAAAAAAAAAAAAAAAAAAAAAAAAAAAAAAAAAAAAAAAAAAAAAAAAAAAAAAAFAAAADwAAAAAAAAAAAAAAAAAAAkUAAAAAQAAABQAAAAUAAAAFAAAAAEAAAAAAAAAZAAAAGQAAAAAAAAAZAAAAGQAAAAVAAAAYAAAAAAAAAAAAAAADwAAACADAAAAAAAAAAAAAAEAAACgMgAAVgcAAKr4//8BAAAAf39/AAEAAABkAAAAAAAAABQAAABAHwAAAAAAACYAAAAAAAAAwOD//wAAAAAmAAAAZAAAABYAAABMAAAAAAAAAAAAAAAEAAAAAAAAAAEAAABZWVkKAAAAACgAAAAoAAAAZAAAAGQAAAAAAAAAzMzMAAAAAABQAAAAUAAAAGQAAABkAAAAAAAAABcAAAAUAAAAAAAAAAAAAAD/fwAA/38AAAAAAAAJAAAABAAAAAgAAAAeAAAAaAAAAAAAAAAAAAAAAAAAAAAAAAAAAAAAECcAABAnAAAAAAAAAAAAAAAAAAAAAAAAAAAAAAAAAAAAAAAAAAAAABQAAAAAAAAAwMD/AAAAAABkAAAAMgAAAAAAAABkAAAAAAAAAH9/fwAKAAAAIgAAABgAAAAAAAAAAAAAAAAAAAAAAAAAAAAAAAAAAAAkAAAAJAAAAAAAAAAHAAAAAAAAAAAAAAAAAAAAAAAAAAAAAAAAAAAAf39/ACUAAABYAAAAAAAAAAAAAAAAAAAAAAAAAAAAAAAAAAAAAAAAAAAAAAAAAAAAAAAAAAAAAAA/AAAAAAAAAKCGAQAAAAAAAAAAAAAAAAAMAAAAAQAAAAAAAAAAAAAAAAAAAB8AAABUAAAAAAAABQAAAAEAAAAAAAAAAAAAAAAAAAAAAAAAAAAAAAAAAAAAAAAAAAAAAAJ/f38AAAAAA8zMzADAwP8Af39/AAAAAAAAAAAAAAAAAAAAAAAAAAAAIQAAABgAAAAUAAAAFAMAABMJAABSHgAAVB4AABAAAAAmAAAACAAAAD2wAAAAAAAA"/>
+                <pr:smNativeData xmlns:pr="smNativeData" xmlns="smNativeData" val="SMDATA_15_t6npZxMAAAAlAAAAZAAAAA0AAAAAkAAAAJAAAACQAAAAkAAAAAAAAAAAAAAAAAAAAAEAAABQAAAAAAAAAAAA4D8AAAAAAADgPwAAAAAAAOA/AAAAAAAA4D8AAAAAAADgPwAAAAAAAOA/AAAAAAAA4D8AAAAAAADgPwAAAAAAAOA/AAAAAAAA4D8CAAAAjAAAAAAAAAAAAAAAQoX0DP///wgAAAAAAAAAAAAAAAAAAAAAAAAAAAAAAAAAAAAAZAAAAAEAAABAAAAAAAAAAAAAAAAAAAAAAAAAAAAAAAAAAAAAAAAAAAAAAAAAAAAAAAAAAAAAAAAAAAAAAAAAAAAAAAAAAAAAAAAAAAAAAAAAAAAAAAAAAAAAAAAAAAAAFAAAADwAAAAAAAAAAAAAAAAAAAkUAAAAAQAAABQAAAAUAAAAFAAAAAEAAAAAAAAAZAAAAGQAAAAAAAAAZAAAAGQAAAAVAAAAYAAAAAAAAAAAAAAADwAAACADAAAAAAAAAAAAAAEAAACgMgAAVgcAAKr4//8BAAAAf39/AAEAAABkAAAAAAAAABQAAABAHwAAAAAAACYAAAAAAAAAwOD//wAAAAAmAAAAZAAAABYAAABMAAAAAAAAAAAAAAAEAAAAAAAAAAEAAABZWVkKAAAAACgAAAAoAAAAZAAAAGQAAAAAAAAAzMzMAAAAAABQAAAAUAAAAGQAAABkAAAAAAAAABcAAAAUAAAAAAAAAAAAAAD/fwAA/38AAAAAAAAJAAAABAAAAAgAAAAeAAAAaAAAAAAAAAAAAAAAAAAAAAAAAAAAAAAAECcAABAnAAAAAAAAAAAAAAAAAAAAAAAAAAAAAAAAAAAAAAAAAAAAABQAAAAAAAAAwMD/AAAAAABkAAAAMgAAAAAAAABkAAAAAAAAAH9/fwAKAAAAIgAAABgAAAAAAAAAAAAAAAAAAAAAAAAAAAAAAAAAAAAkAAAAJAAAAAAAAAAHAAAAAAAAAAAAAAAAAAAAAAAAAAAAAAAAAAAAf39/ACUAAABYAAAAAAAAAAAAAAAAAAAAAAAAAAAAAAAAAAAAAAAAAAAAAAAAAAAAAAAAAAAAAAA/AAAAAAAAAKCGAQAAAAAAAAAAAAAAAAAMAAAAAQAAAAAAAAAAAAAAAAAAAB8AAABUAAAAAAAABQAAAAEAAAAAAAAAAAAAAAAAAAAAAAAAAAAAAAAAAAAAAAAAAAAAAAJ/f38AAAAAA8zMzADAwP8Af39/AAAAAAAAAAAAAAAAAAAAAAAAAAAAIQAAABgAAAAUAAAAFAMAABMJAABSHgAAVB4AABAAAAAmAAAACAAAAD2wAAAAAAAA"/>
               </a:ext>
             </a:extLst>
           </p:cNvSpPr>
@@ -4568,7 +4692,7 @@
             <a:spLocks noGrp="1" noChangeArrowheads="1"/>
             <a:extLst>
               <a:ext uri="smNativeData">
-                <pr:smNativeData xmlns:pr="smNativeData" xmlns="smNativeData" val="SMDATA_15_gHjoZxMAAAAlAAAAZAAAAA0AAAAAkAAAAJAAAACQAAAAkAAAAAAAAAAAAAAAAAAAAAEAAABQAAAAAAAAAAAA4D8AAAAAAADgPwAAAAAAAOA/AAAAAAAA4D8AAAAAAADgPwAAAAAAAOA/AAAAAAAA4D8AAAAAAADgPwAAAAAAAOA/AAAAAAAA4D8CAAAAjAAAAAAAAAAAAAAAQoX0DP///wgAAAAAAAAAAAAAAAAAAAAAAAAAAAAAAAAAAAAAZAAAAAEAAABAAAAAAAAAAAAAAAAAAAAAAAAAAAAAAAAAAAAAAAAAAAAAAAAAAAAAAAAAAAAAAAAAAAAAAAAAAAAAAAAAAAAAAAAAAAAAAAAAAAAAAAAAAAAAAAAAAAAAFAAAADwAAAAAAAAAAAAAAAAAAAkUAAAAAQAAABQAAAAUAAAAFAAAAAEAAAAAAAAAZAAAAGQAAAAAAAAAZAAAAGQAAAAVAAAAYAAAAAAAAAAAAAAADwAAACADAAAAAAAAAAAAAAEAAACgMgAAVgcAAKr4//8BAAAAf39/AAEAAABkAAAAAAAAABQAAABAHwAAAAAAACYAAAAAAAAAwOD//wAAAAAmAAAAZAAAABYAAABMAAAAAAAAAAAAAAAEAAAAAAAAAAEAAABZWVkKAAAAACgAAAAoAAAAZAAAAGQAAAAAAAAAzMzMAAAAAABQAAAAUAAAAGQAAABkAAAAAAAAABcAAAAUAAAAAAAAAAAAAAD/fwAA/38AAAAAAAAJAAAABAAAAGUAAAAeAAAAaAAAAAAAAAAAAAAAAAAAAAAAAAAAAAAAECcAABAnAAAAAAAAAAAAAAAAAAAAAAAAAAAAAAAAAAAAAAAAAAAAABQAAAAAAAAAwMD/AAAAAABkAAAAMgAAAAAAAABkAAAAAAAAAH9/fwAKAAAAIgAAABgAAAAAAAAAAAAAAAAAAAAAAAAAAAAAAAAAAAAkAAAAJAAAAAAAAAAHAAAAAAAAAAAAAAAAAAAAAAAAAAAAAAAAAAAAf39/ACUAAABYAAAAAAAAAAAAAAAAAAAAAAAAAAAAAAAAAAAAAAAAAAAAAAAAAAAAAAAAAAAAAAA/AAAAAAAAAKCGAQAAAAAAAAAAAAAAAAAMAAAAAQAAAAAAAAAAAAAAAAAAAB8AAABUAAAAAAAABQAAAAEAAAAAAAAAAAAAAAAAAAAAAAAAAAAAAAAAAAAAAAAAAAAAAAJ/f38AAAAAA8zMzADAwP8Af39/AAAAAAAAAAAAAAAAAAAAAAAAAAAAIQAAABgAAAAUAAAALCIAABMJAACPNQAAIh0AABAAAAAmAAAACAAAAD2wAAAAAAAA"/>
+                <pr:smNativeData xmlns:pr="smNativeData" xmlns="smNativeData" val="SMDATA_15_t6npZxMAAAAlAAAAZAAAAA0AAAAAkAAAAJAAAACQAAAAkAAAAAAAAAAAAAAAAAAAAAEAAABQAAAAAAAAAAAA4D8AAAAAAADgPwAAAAAAAOA/AAAAAAAA4D8AAAAAAADgPwAAAAAAAOA/AAAAAAAA4D8AAAAAAADgPwAAAAAAAOA/AAAAAAAA4D8CAAAAjAAAAAAAAAAAAAAAQoX0DP///wgAAAAAAAAAAAAAAAAAAAAAAAAAAAAAAAAAAAAAZAAAAAEAAABAAAAAAAAAAAAAAAAAAAAAAAAAAAAAAAAAAAAAAAAAAAAAAAAAAAAAAAAAAAAAAAAAAAAAAAAAAAAAAAAAAAAAAAAAAAAAAAAAAAAAAAAAAAAAAAAAAAAAFAAAADwAAAAAAAAAAAAAAAAAAAkUAAAAAQAAABQAAAAUAAAAFAAAAAEAAAAAAAAAZAAAAGQAAAAAAAAAZAAAAGQAAAAVAAAAYAAAAAAAAAAAAAAADwAAACADAAAAAAAAAAAAAAEAAACgMgAAVgcAAKr4//8BAAAAf39/AAEAAABkAAAAAAAAABQAAABAHwAAAAAAACYAAAAAAAAAwOD//wAAAAAmAAAAZAAAABYAAABMAAAAAAAAAAAAAAAEAAAAAAAAAAEAAABZWVkKAAAAACgAAAAoAAAAZAAAAGQAAAAAAAAAzMzMAAAAAABQAAAAUAAAAGQAAABkAAAAAAAAABcAAAAUAAAAAAAAAAAAAAD/fwAA/38AAAAAAAAJAAAABAAAAGUAAAAeAAAAaAAAAAAAAAAAAAAAAAAAAAAAAAAAAAAAECcAABAnAAAAAAAAAAAAAAAAAAAAAAAAAAAAAAAAAAAAAAAAAAAAABQAAAAAAAAAwMD/AAAAAABkAAAAMgAAAAAAAABkAAAAAAAAAH9/fwAKAAAAIgAAABgAAAAAAAAAAAAAAAAAAAAAAAAAAAAAAAAAAAAkAAAAJAAAAAAAAAAHAAAAAAAAAAAAAAAAAAAAAAAAAAAAAAAAAAAAf39/ACUAAABYAAAAAAAAAAAAAAAAAAAAAAAAAAAAAAAAAAAAAAAAAAAAAAAAAAAAAAAAAAAAAAA/AAAAAAAAAKCGAQAAAAAAAAAAAAAAAAAMAAAAAQAAAAAAAAAAAAAAAAAAAB8AAABUAAAAAAAABQAAAAEAAAAAAAAAAAAAAAAAAAAAAAAAAAAAAAAAAAAAAAAAAAAAAAJ/f38AAAAAA8zMzADAwP8Af39/AAAAAAAAAAAAAAAAAAAAAAAAAAAAIQAAABgAAAAUAAAALCIAABMJAACPNQAAIh0AABAAAAAmAAAACAAAAD2wAAAAAAAA"/>
               </a:ext>
             </a:extLst>
           </p:cNvSpPr>
@@ -4780,7 +4904,7 @@
             <a:spLocks noGrp="1" noChangeArrowheads="1"/>
             <a:extLst>
               <a:ext uri="smNativeData">
-                <pr:smNativeData xmlns:pr="smNativeData" xmlns="smNativeData" val="SMDATA_15_gHjoZxMAAAAlAAAAZAAAAE0AAAAAkAAAAJAAAACQAAAAkAAAAAAAAAABAAAAAAAAAAEAAABQAAAAAAAAAAAA4D8AAAAAAADgPwAAAAAAAOA/AAAAAAAA4D8AAAAAAADgPwAAAAAAAOA/AAAAAAAA4D8AAAAAAADgPwAAAAAAAOA/AAAAAAAA4D8CAAAAjAAAAAAAAAAAAAAAQoX0DP///wgAAAAAAAAAAAAAAAAAAAAAAAAAAAAAAAAAAAAAZAAAAAEAAABAAAAAAAAAAAAAAAAAAAAAAAAAAAAAAAAAAAAAAAAAAAAAAAAAAAAAAAAAAAAAAAAAAAAAAAAAAAAAAAAAAAAAAAAAAAAAAAAAAAAAAAAAAAAAAAAAAAAAFAAAADwAAAAAAAAAAAAAAAAAAAkUAAAAAQAAABQAAAAUAAAAFAAAAAEAAAAAAAAAZAAAAGQAAAAAAAAAZAAAAGQAAAAVAAAAYAAAAAAAAAAAAAAADwAAACADAAAAAAAAAAAAAAEAAACgMgAAVgcAAKr4//8BAAAAf39/AAEAAABkAAAAAAAAABQAAABAHwAAAAAAACYAAAAAAAAAwOD//wAAAAAmAAAAZAAAABYAAABMAAAAAAAAAAAAAAAEAAAAAAAAAAEAAABZWVkKAAAAACgAAAAoAAAAZAAAAGQAAAAAAAAAzMzMAAAAAABQAAAAUAAAAGQAAABkAAAAAAAAABcAAAAUAAAAAAAAAAAAAAD/fwAA/38AAAAAAAAJAAAABAAAABihEgIeAAAAaAAAAAAAAAAAAAAAAAAAAAAAAAAAAAAAECcAABAnAAAAAAAAAAAAAAAAAAAAAAAAAAAAAAAAAAAAAAAAAAAAABQAAAAAAAAAwMD/AAAAAABkAAAAMgAAAAAAAABkAAAAAAAAAH9/fwAKAAAAIgAAABgAAAAAAAAAAAAAAAAAAAAAAAAAAAAAAAAAAAAkAAAAJAAAAAAAAAAHAAAAAAAAAAAAAAAAAAAAAAAAAAAAAAAAAAAAf39/ACUAAABYAAAAAAAAAAAAAAAAAAAAAAAAAAAAAAAAAAAAAAAAAAAAAAAAAAAAAAAAAAAAAAA/AAAAAAAAAKCGAQAAAAAAAAAAAAAAAAAMAAAAAQAAAAAAAAAAAAAAAAAAAB8AAABUAAAAAAAABQAAAAEAAAAAAAAAAAAAAAAAAAAAAAAAAAAAAAAAAAAAAAAAAAAAAAJ/f38AAAAAA8zMzADAwP8Af39/AAAAAAAAAAAAAAAAAAAAAAAAAAAAIQAAABgAAAAUAAAAFAMAAPALAADlMwAAHREAABAgAAAmAAAACAAAAL2wAAAAAAAA"/>
+                <pr:smNativeData xmlns:pr="smNativeData" xmlns="smNativeData" val="SMDATA_15_t6npZxMAAAAlAAAAZAAAAE0AAAAAkAAAAJAAAACQAAAAkAAAAAAAAAABAAAAAAAAAAEAAABQAAAAAAAAAAAA4D8AAAAAAADgPwAAAAAAAOA/AAAAAAAA4D8AAAAAAADgPwAAAAAAAOA/AAAAAAAA4D8AAAAAAADgPwAAAAAAAOA/AAAAAAAA4D8CAAAAjAAAAAAAAAAAAAAAQoX0DP///wgAAAAAAAAAAAAAAAAAAAAAAAAAAAAAAAAAAAAAZAAAAAEAAABAAAAAAAAAAAAAAAAAAAAAAAAAAAAAAAAAAAAAAAAAAAAAAAAAAAAAAAAAAAAAAAAAAAAAAAAAAAAAAAAAAAAAAAAAAAAAAAAAAAAAAAAAAAAAAAAAAAAAFAAAADwAAAAAAAAAAAAAAAAAAAkUAAAAAQAAABQAAAAUAAAAFAAAAAEAAAAAAAAAZAAAAGQAAAAAAAAAZAAAAGQAAAAVAAAAYAAAAAAAAAAAAAAADwAAACADAAAAAAAAAAAAAAEAAACgMgAAVgcAAKr4//8BAAAAf39/AAEAAABkAAAAAAAAABQAAABAHwAAAAAAACYAAAAAAAAAwOD//wAAAAAmAAAAZAAAABYAAABMAAAAAAAAAAAAAAAEAAAAAAAAAAEAAABZWVkKAAAAACgAAAAoAAAAZAAAAGQAAAAAAAAAzMzMAAAAAABQAAAAUAAAAGQAAABkAAAAAAAAABcAAAAUAAAAAAAAAAAAAAD/fwAA/38AAAAAAAAJAAAABAAAABihEgIeAAAAaAAAAAAAAAAAAAAAAAAAAAAAAAAAAAAAECcAABAnAAAAAAAAAAAAAAAAAAAAAAAAAAAAAAAAAAAAAAAAAAAAABQAAAAAAAAAwMD/AAAAAABkAAAAMgAAAAAAAABkAAAAAAAAAH9/fwAKAAAAIgAAABgAAAAAAAAAAAAAAAAAAAAAAAAAAAAAAAAAAAAkAAAAJAAAAAAAAAAHAAAAAAAAAAAAAAAAAAAAAAAAAAAAAAAAAAAAf39/ACUAAABYAAAAAAAAAAAAAAAAAAAAAAAAAAAAAAAAAAAAAAAAAAAAAAAAAAAAAAAAAAAAAAA/AAAAAAAAAKCGAQAAAAAAAAAAAAAAAAAMAAAAAQAAAAAAAAAAAAAAAAAAAB8AAABUAAAAAAAABQAAAAEAAAAAAAAAAAAAAAAAAAAAAAAAAAAAAAAAAAAAAAAAAAAAAAJ/f38AAAAAA8zMzADAwP8Af39/AAAAAAAAAAAAAAAAAAAAAAAAAAAAIQAAABgAAAAUAAAAFAMAAPALAADlMwAAHREAABAgAAAmAAAACAAAAL2wAAAAAAAA"/>
               </a:ext>
             </a:extLst>
           </p:cNvSpPr>
@@ -4904,7 +5028,7 @@
             <a:spLocks noGrp="1" noChangeArrowheads="1"/>
             <a:extLst>
               <a:ext uri="smNativeData">
-                <pr:smNativeData xmlns:pr="smNativeData" xmlns="smNativeData" val="SMDATA_15_gHjoZxMAAAAlAAAAZAAAAA0AAAAAkAAAAJAAAACQAAAAkAAAAAAAAAABAAAAAAAAAAEAAABQAAAAAAAAAAAA4D8AAAAAAADgPwAAAAAAAOA/AAAAAAAA4D8AAAAAAADgPwAAAAAAAOA/AAAAAAAA4D8AAAAAAADgPwAAAAAAAOA/AAAAAAAA4D8CAAAAjAAAAAAAAAAAAAAAQoX0DP///wgAAAAAAAAAAAAAAAAAAAAAAAAAAAAAAAAAAAAAZAAAAAEAAABAAAAAAAAAAAAAAAAAAAAAAAAAAAAAAAAAAAAAAAAAAAAAAAAAAAAAAAAAAAAAAAAAAAAAAAAAAAAAAAAAAAAAAAAAAAAAAAAAAAAAAAAAAAAAAAAAAAAAFAAAADwAAAAAAAAAAAAAAAAAAAkUAAAAAQAAABQAAAAUAAAAFAAAAAEAAAAAAAAAZAAAAGQAAAAAAAAAZAAAAGQAAAAVAAAAYAAAAAAAAAAAAAAADwAAACADAAAAAAAAAAAAAAEAAACgMgAAVgcAAKr4//8BAAAAf39/AAEAAABkAAAAAAAAABQAAABAHwAAAAAAACYAAAAAAAAAwOD//wAAAAAmAAAAZAAAABYAAABMAAAAAAAAAAAAAAAEAAAAAAAAAAEAAABZWVkKAAAAACgAAAAoAAAAZAAAAGQAAAAAAAAAzMzMAAAAAABQAAAAUAAAAGQAAABkAAAAAAAAABcAAAAUAAAAAAAAAAAAAAD/fwAA/38AAAAAAAAJAAAABAAAAAAAAAAeAAAAaAAAAAAAAAAAAAAAAAAAAAAAAAAAAAAAECcAABAnAAAAAAAAAAAAAAAAAAAAAAAAAAAAAAAAAAAAAAAAAAAAABQAAAAAAAAAwMD/AAAAAABkAAAAMgAAAAAAAABkAAAAAAAAAH9/fwAKAAAAIgAAABgAAAAAAAAAAAAAAAAAAAAAAAAAAAAAAAAAAAAkAAAAJAAAAAAAAAAHAAAAAAAAAAAAAAAAAAAAAAAAAAAAAAAAAAAAf39/ACUAAABYAAAAAAAAAAAAAAAAAAAAAAAAAAAAAAAAAAAAAAAAAAAAAAAAAAAAAAAAAAAAAAA/AAAAAAAAAKCGAQAAAAAAAAAAAAAAAAAMAAAAAQAAAAAAAAAAAAAAAAAAAB8AAABUAAAAAAAABQAAAAEAAAAAAAAAAAAAAAAAAAAAAAAAAAAAAAAAAAAAAAAAAAAAAAJ/f38AAAAAA8zMzADAwP8Af39/AAAAAAAAAAAAAAAAAAAAAAAAAAAAIQAAABgAAAAUAAAAHjQAALAcAAB/NwAAGx8AABAAAAAmAAAACAAAADywAAAAAAAA"/>
+                <pr:smNativeData xmlns:pr="smNativeData" xmlns="smNativeData" val="SMDATA_15_t6npZxMAAAAlAAAAZAAAAA0AAAAAkAAAAJAAAACQAAAAkAAAAAAAAAABAAAAAAAAAAEAAABQAAAAAAAAAAAA4D8AAAAAAADgPwAAAAAAAOA/AAAAAAAA4D8AAAAAAADgPwAAAAAAAOA/AAAAAAAA4D8AAAAAAADgPwAAAAAAAOA/AAAAAAAA4D8CAAAAjAAAAAAAAAAAAAAAQoX0DP///wgAAAAAAAAAAAAAAAAAAAAAAAAAAAAAAAAAAAAAZAAAAAEAAABAAAAAAAAAAAAAAAAAAAAAAAAAAAAAAAAAAAAAAAAAAAAAAAAAAAAAAAAAAAAAAAAAAAAAAAAAAAAAAAAAAAAAAAAAAAAAAAAAAAAAAAAAAAAAAAAAAAAAFAAAADwAAAAAAAAAAAAAAAAAAAkUAAAAAQAAABQAAAAUAAAAFAAAAAEAAAAAAAAAZAAAAGQAAAAAAAAAZAAAAGQAAAAVAAAAYAAAAAAAAAAAAAAADwAAACADAAAAAAAAAAAAAAEAAACgMgAAVgcAAKr4//8BAAAAf39/AAEAAABkAAAAAAAAABQAAABAHwAAAAAAACYAAAAAAAAAwOD//wAAAAAmAAAAZAAAABYAAABMAAAAAAAAAAAAAAAEAAAAAAAAAAEAAABZWVkKAAAAACgAAAAoAAAAZAAAAGQAAAAAAAAAzMzMAAAAAABQAAAAUAAAAGQAAABkAAAAAAAAABcAAAAUAAAAAAAAAAAAAAD/fwAA/38AAAAAAAAJAAAABAAAAAAAAAAeAAAAaAAAAAAAAAAAAAAAAAAAAAAAAAAAAAAAECcAABAnAAAAAAAAAAAAAAAAAAAAAAAAAAAAAAAAAAAAAAAAAAAAABQAAAAAAAAAwMD/AAAAAABkAAAAMgAAAAAAAABkAAAAAAAAAH9/fwAKAAAAIgAAABgAAAAAAAAAAAAAAAAAAAAAAAAAAAAAAAAAAAAkAAAAJAAAAAAAAAAHAAAAAAAAAAAAAAAAAAAAAAAAAAAAAAAAAAAAf39/ACUAAABYAAAAAAAAAAAAAAAAAAAAAAAAAAAAAAAAAAAAAAAAAAAAAAAAAAAAAAAAAAAAAAA/AAAAAAAAAKCGAQAAAAAAAAAAAAAAAAAMAAAAAQAAAAAAAAAAAAAAAAAAAB8AAABUAAAAAAAABQAAAAEAAAAAAAAAAAAAAAAAAAAAAAAAAAAAAAAAAAAAAAAAAAAAAAJ/f38AAAAAA8zMzADAwP8Af39/AAAAAAAAAAAAAAAAAAAAAAAAAAAAIQAAABgAAAAUAAAAHjQAALAcAAB/NwAAGx8AABAAAAAmAAAACAAAADywAAAAAAAA"/>
               </a:ext>
             </a:extLst>
           </p:cNvSpPr>
@@ -4958,10 +5082,11 @@
               </a:spcAft>
               <a:buNone/>
             </a:pPr>
-            <a:fld id="{35005CCF-81D8-55AA-96B8-77FF12F66022}" type="slidenum">
+            <a:fld id="{307B1BB6-F8DD-2EED-93C3-0EB8558D655B}" type="slidenum">
               <a:rPr lang="ru-ru" cap="none"/>
               <a:t/>
             </a:fld>
+            <a:endParaRPr lang="ru-ru" cap="none"/>
           </a:p>
         </p:txBody>
       </p:sp>
@@ -4998,7 +5123,7 @@
             <a:spLocks noGrp="1" noChangeArrowheads="1"/>
             <a:extLst>
               <a:ext uri="smNativeData">
-                <pr:smNativeData xmlns:pr="smNativeData" xmlns="smNativeData" val="SMDATA_15_gHjoZxMAAAAlAAAAZAAAAA0AAAAAkAAAAJAAAACQAAAAkAAAAAAAAAABAAAAAAAAAAEAAABQAAAAAAAAAAAA4D8AAAAAAADgPwAAAAAAAOA/AAAAAAAA4D8AAAAAAADgPwAAAAAAAOA/AAAAAAAA4D8AAAAAAADgPwAAAAAAAOA/AAAAAAAA4D8CAAAAjAAAAAAAAAAAAAAAQoX0DP///wgAAAAAAAAAAAAAAAAAAAAAAAAAAAAAAAAAAAAAZAAAAAEAAABAAAAAAAAAAAAAAAAAAAAAAAAAAAAAAAAAAAAAAAAAAAAAAAAAAAAAAAAAAAAAAAAAAAAAAAAAAAAAAAAAAAAAAAAAAAAAAAAAAAAAAAAAAAAAAAAAAAAAFAAAADwAAAAAAAAAAAAAAAAAAAkUAAAAAQAAABQAAAAUAAAAFAAAAAEAAAAAAAAAZAAAAGQAAAAAAAAAZAAAAGQAAAAVAAAAYAAAAAAAAAAAAAAADwAAACADAAAAAAAAAAAAAAEAAACgMgAAVgcAAKr4//8BAAAAf39/AAEAAABkAAAAAAAAABQAAABAHwAAAAAAACYAAAAAAAAAwOD//wAAAAAmAAAAZAAAABYAAABMAAAAAAAAAAAAAAAEAAAAAAAAAAEAAABZWVkKAAAAACgAAAAoAAAAZAAAAGQAAAAAAAAAzMzMAAAAAABQAAAAUAAAAGQAAABkAAAAAAAAABcAAAAUAAAAAAAAAAAAAAD/fwAA/38AAAAAAAAJAAAABAAAAP///wAeAAAAaAAAAAAAAAAAAAAAAAAAAAAAAAAAAAAAECcAABAnAAAAAAAAAAAAAAAAAAAAAAAAAAAAAAAAAAAAAAAAAAAAABQAAAAAAAAAwMD/AAAAAABkAAAAMgAAAAAAAABkAAAAAAAAAH9/fwAKAAAAIgAAABgAAAAAAAAAAAAAAAAAAAAAAAAAAAAAAAAAAAAkAAAAJAAAAAAAAAAHAAAAAAAAAAAAAAAAAAAAAAAAAAAAAAAAAAAAf39/ACUAAABYAAAAAAAAAAAAAAAAAAAAAAAAAAAAAAAAAAAAAAAAAAAAAAAAAAAAAAAAAAAAAAA/AAAAAAAAAKCGAQAAAAAAAAAAAAAAAAAMAAAAAQAAAAAAAAAAAAAAAAAAAB8AAABUAAAAAAAABQAAAAEAAAAAAAAAAAAAAAAAAAAAAAAAAAAAAAAAAAAAAAAAAAAAAAJ/f38AAAAAA8zMzADAwP8Af39/AAAAAAAAAAAAAAAAAAAAAAAAAAAAIQAAABgAAAAUAAAAHjQAALAcAAB/NwAAGx8AABAAAAAmAAAACAAAADywAAAAAAAA"/>
+                <pr:smNativeData xmlns:pr="smNativeData" xmlns="smNativeData" val="SMDATA_15_t6npZxMAAAAlAAAAZAAAAA0AAAAAkAAAAJAAAACQAAAAkAAAAAAAAAABAAAAAAAAAAEAAABQAAAAAAAAAAAA4D8AAAAAAADgPwAAAAAAAOA/AAAAAAAA4D8AAAAAAADgPwAAAAAAAOA/AAAAAAAA4D8AAAAAAADgPwAAAAAAAOA/AAAAAAAA4D8CAAAAjAAAAAAAAAAAAAAAQoX0DP///wgAAAAAAAAAAAAAAAAAAAAAAAAAAAAAAAAAAAAAZAAAAAEAAABAAAAAAAAAAAAAAAAAAAAAAAAAAAAAAAAAAAAAAAAAAAAAAAAAAAAAAAAAAAAAAAAAAAAAAAAAAAAAAAAAAAAAAAAAAAAAAAAAAAAAAAAAAAAAAAAAAAAAFAAAADwAAAAAAAAAAAAAAAAAAAkUAAAAAQAAABQAAAAUAAAAFAAAAAEAAAAAAAAAZAAAAGQAAAAAAAAAZAAAAGQAAAAVAAAAYAAAAAAAAAAAAAAADwAAACADAAAAAAAAAAAAAAEAAACgMgAAVgcAAKr4//8BAAAAf39/AAEAAABkAAAAAAAAABQAAABAHwAAAAAAACYAAAAAAAAAwOD//wAAAAAmAAAAZAAAABYAAABMAAAAAAAAAAAAAAAEAAAAAAAAAAEAAABZWVkKAAAAACgAAAAoAAAAZAAAAGQAAAAAAAAAzMzMAAAAAABQAAAAUAAAAGQAAABkAAAAAAAAABcAAAAUAAAAAAAAAAAAAAD/fwAA/38AAAAAAAAJAAAABAAAAP///wAeAAAAaAAAAAAAAAAAAAAAAAAAAAAAAAAAAAAAECcAABAnAAAAAAAAAAAAAAAAAAAAAAAAAAAAAAAAAAAAAAAAAAAAABQAAAAAAAAAwMD/AAAAAABkAAAAMgAAAAAAAABkAAAAAAAAAH9/fwAKAAAAIgAAABgAAAAAAAAAAAAAAAAAAAAAAAAAAAAAAAAAAAAkAAAAJAAAAAAAAAAHAAAAAAAAAAAAAAAAAAAAAAAAAAAAAAAAAAAAf39/ACUAAABYAAAAAAAAAAAAAAAAAAAAAAAAAAAAAAAAAAAAAAAAAAAAAAAAAAAAAAAAAAAAAAA/AAAAAAAAAKCGAQAAAAAAAAAAAAAAAAAMAAAAAQAAAAAAAAAAAAAAAAAAAB8AAABUAAAAAAAABQAAAAEAAAAAAAAAAAAAAAAAAAAAAAAAAAAAAAAAAAAAAAAAAAAAAAJ/f38AAAAAA8zMzADAwP8Af39/AAAAAAAAAAAAAAAAAAAAAAAAAAAAIQAAABgAAAAUAAAAHjQAALAcAAB/NwAAGx8AABAAAAAmAAAACAAAADywAAAAAAAA"/>
               </a:ext>
             </a:extLst>
           </p:cNvSpPr>
@@ -5052,10 +5177,11 @@
               </a:spcAft>
               <a:buNone/>
             </a:pPr>
-            <a:fld id="{35000FFB-B5D8-55F9-96B8-43AC41F66016}" type="slidenum">
+            <a:fld id="{307B2F9B-D5DD-2ED9-93C3-238C618D6576}" type="slidenum">
               <a:rPr lang="ru-ru" cap="none"/>
               <a:t/>
             </a:fld>
+            <a:endParaRPr lang="ru-ru" cap="none"/>
           </a:p>
         </p:txBody>
       </p:sp>
@@ -5092,7 +5218,7 @@
             <a:spLocks noGrp="1" noChangeArrowheads="1"/>
             <a:extLst>
               <a:ext uri="smNativeData">
-                <pr:smNativeData xmlns:pr="smNativeData" xmlns="smNativeData" val="SMDATA_15_gHjoZxMAAAAlAAAAZAAAAA0AAAAAkAAAAJAAAACQAAAAkAAAAAAAAAAAAAAAAAAAAAEAAABQAAAAAAAAAAAA4D8AAAAAAADgPwAAAAAAAOA/AAAAAAAA4D8AAAAAAADgPwAAAAAAAOA/AAAAAAAA4D8AAAAAAADgPwAAAAAAAOA/AAAAAAAA4D8CAAAAjAAAAAAAAAAAAAAAQoX0DP///wgAAAAAAAAAAAAAAAAAAAAAAAAAAAAAAAAAAAAAZAAAAAEAAABAAAAAAAAAAAAAAAAAAAAAAAAAAAAAAAAAAAAAAAAAAAAAAAAAAAAAAAAAAAAAAAAAAAAAAAAAAAAAAAAAAAAAAAAAAAAAAAAAAAAAAAAAAAAAAAAAAAAAFAAAADwAAAAAAAAAAAAAAAAAAAkUAAAAAQAAABQAAAAUAAAAFAAAAAEAAAAAAAAAZAAAAGQAAAAAAAAAZAAAAGQAAAAVAAAAYAAAAAAAAAAAAAAADwAAACADAAAAAAAAAAAAAAEAAACgMgAAVgcAAKr4//8BAAAAf39/AAEAAABkAAAAAAAAABQAAABAHwAAAAAAACYAAAAAAAAAwOD//wAAAAAmAAAAZAAAABYAAABMAAAAAAAAAAAAAAAEAAAAAAAAAAEAAABZWVkKAAAAACgAAAAoAAAAZAAAAGQAAAAAAAAAzMzMAAAAAABQAAAAUAAAAGQAAABkAAAAAAAAABcAAAAUAAAAAAAAAAAAAAD/fwAA/38AAAAAAAAJAAAABAAAAP///wAeAAAAaAAAAAAAAAAAAAAAAAAAAAAAAAAAAAAAECcAABAnAAAAAAAAAAAAAAAAAAAAAAAAAAAAAAAAAAAAAAAAAAAAABQAAAAAAAAAwMD/AAAAAABkAAAAMgAAAAAAAABkAAAAAAAAAH9/fwAKAAAAIgAAABgAAAAAAAAAAAAAAAAAAAAAAAAAAAAAAAAAAAAkAAAAJAAAAAAAAAAHAAAAAAAAAAAAAAAAAAAAAAAAAAAAAAAAAAAAf39/ACUAAABYAAAAAAAAAAAAAAAAAAAAAAAAAAAAAAAAAAAAAAAAAAAAAAAAAAAAAAAAAAAAAAA/AAAAAAAAAKCGAQAAAAAAAAAAAAAAAAAMAAAAAQAAAAAAAAAAAAAAAAAAAB8AAABUAAAAAAAABQAAAAEAAAAAAAAAAAAAAAAAAAAAAAAAAAAAAAAAAAAAAAAAAAAAAAJ/f38AAAAAA8zMzADAwP8Af39/AAAAAAAAAAAAAAAAAAAAAAAAAAAAIQAAABgAAAAUAAAAFAMAAAkCAAB/NwAAEAgAABAAAAAmAAAACAAAADywAAAAAAAA"/>
+                <pr:smNativeData xmlns:pr="smNativeData" xmlns="smNativeData" val="SMDATA_15_t6npZxMAAAAlAAAAZAAAAA0AAAAAkAAAAJAAAACQAAAAkAAAAAAAAAAAAAAAAAAAAAEAAABQAAAAAAAAAAAA4D8AAAAAAADgPwAAAAAAAOA/AAAAAAAA4D8AAAAAAADgPwAAAAAAAOA/AAAAAAAA4D8AAAAAAADgPwAAAAAAAOA/AAAAAAAA4D8CAAAAjAAAAAAAAAAAAAAAQoX0DP///wgAAAAAAAAAAAAAAAAAAAAAAAAAAAAAAAAAAAAAZAAAAAEAAABAAAAAAAAAAAAAAAAAAAAAAAAAAAAAAAAAAAAAAAAAAAAAAAAAAAAAAAAAAAAAAAAAAAAAAAAAAAAAAAAAAAAAAAAAAAAAAAAAAAAAAAAAAAAAAAAAAAAAFAAAADwAAAAAAAAAAAAAAAAAAAkUAAAAAQAAABQAAAAUAAAAFAAAAAEAAAAAAAAAZAAAAGQAAAAAAAAAZAAAAGQAAAAVAAAAYAAAAAAAAAAAAAAADwAAACADAAAAAAAAAAAAAAEAAACgMgAAVgcAAKr4//8BAAAAf39/AAEAAABkAAAAAAAAABQAAABAHwAAAAAAACYAAAAAAAAAwOD//wAAAAAmAAAAZAAAABYAAABMAAAAAAAAAAAAAAAEAAAAAAAAAAEAAABZWVkKAAAAACgAAAAoAAAAZAAAAGQAAAAAAAAAzMzMAAAAAABQAAAAUAAAAGQAAABkAAAAAAAAABcAAAAUAAAAAAAAAAAAAAD/fwAA/38AAAAAAAAJAAAABAAAAP///wAeAAAAaAAAAAAAAAAAAAAAAAAAAAAAAAAAAAAAECcAABAnAAAAAAAAAAAAAAAAAAAAAAAAAAAAAAAAAAAAAAAAAAAAABQAAAAAAAAAwMD/AAAAAABkAAAAMgAAAAAAAABkAAAAAAAAAH9/fwAKAAAAIgAAABgAAAAAAAAAAAAAAAAAAAAAAAAAAAAAAAAAAAAkAAAAJAAAAAAAAAAHAAAAAAAAAAAAAAAAAAAAAAAAAAAAAAAAAAAAf39/ACUAAABYAAAAAAAAAAAAAAAAAAAAAAAAAAAAAAAAAAAAAAAAAAAAAAAAAAAAAAAAAAAAAAA/AAAAAAAAAKCGAQAAAAAAAAAAAAAAAAAMAAAAAQAAAAAAAAAAAAAAAAAAAB8AAABUAAAAAAAABQAAAAEAAAAAAAAAAAAAAAAAAAAAAAAAAAAAAAAAAAAAAAAAAAAAAAJ/f38AAAAAA8zMzADAwP8Af39/AAAAAAAAAAAAAAAAAAAAAAAAAAAAIQAAABgAAAAUAAAAFAMAAAkCAAB/NwAAEAgAABAAAAAmAAAACAAAADywAAAAAAAA"/>
               </a:ext>
             </a:extLst>
           </p:cNvSpPr>
@@ -5227,7 +5353,7 @@
             <a:spLocks noGrp="1" noChangeArrowheads="1"/>
             <a:extLst>
               <a:ext uri="smNativeData">
-                <pr:smNativeData xmlns:pr="smNativeData" xmlns="smNativeData" val="SMDATA_15_gHjoZxMAAAAlAAAAZAAAAA0AAAAAkAAAAJAAAACQAAAAkAAAAAAAAAAAAAAAAAAAAAEAAABQAAAAAAAAAAAA4D8AAAAAAADgPwAAAAAAAOA/AAAAAAAA4D8AAAAAAADgPwAAAAAAAOA/AAAAAAAA4D8AAAAAAADgPwAAAAAAAOA/AAAAAAAA4D8CAAAAjAAAAAAAAAAAAAAAQoX0DP///wgAAAAAAAAAAAAAAAAAAAAAAAAAAAAAAAAAAAAAZAAAAAEAAABAAAAAAAAAAAAAAAAAAAAAAAAAAAAAAAAAAAAAAAAAAAAAAAAAAAAAAAAAAAAAAAAAAAAAAAAAAAAAAAAAAAAAAAAAAAAAAAAAAAAAAAAAAAAAAAAAAAAAFAAAADwAAAAAAAAAAAAAAAAAAAkUAAAAAQAAABQAAAAUAAAAFAAAAAEAAAAAAAAAZAAAAGQAAAAAAAAAZAAAAGQAAAAVAAAAYAAAAAAAAAAAAAAADwAAACADAAAAAAAAAAAAAAEAAACgMgAAVgcAAKr4//8BAAAAf39/AAEAAABkAAAAAAAAABQAAABAHwAAAAAAACYAAAAAAAAAwOD//wAAAAAmAAAAZAAAABYAAABMAAAAAAAAAAAAAAAEAAAAAAAAAAEAAABZWVkKAAAAACgAAAAoAAAAZAAAAGQAAAAAAAAAzMzMAAAAAABQAAAAUAAAAGQAAABkAAAAAAAAABcAAAAUAAAAAAAAAAAAAAD/fwAA/38AAAAAAAAJAAAABAAAAAD///8eAAAAaAAAAAAAAAAAAAAAAAAAAAAAAAAAAAAAECcAABAnAAAAAAAAAAAAAAAAAAAAAAAAAAAAAAAAAAAAAAAAAAAAABQAAAAAAAAAwMD/AAAAAABkAAAAMgAAAAAAAABkAAAAAAAAAH9/fwAKAAAAIgAAABgAAAAAAAAAAAAAAAAAAAAAAAAAAAAAAAAAAAAkAAAAJAAAAAAAAAAHAAAAAAAAAAAAAAAAAAAAAAAAAAAAAAAAAAAAf39/ACUAAABYAAAAAAAAAAAAAAAAAAAAAAAAAAAAAAAAAAAAAAAAAAAAAAAAAAAAAAAAAAAAAAA/AAAAAAAAAKCGAQAAAAAAAAAAAAAAAAAMAAAAAQAAAAAAAAAAAAAAAAAAAB8AAABUAAAAAAAABQAAAAEAAAAAAAAAAAAAAAAAAAAAAAAAAAAAAAAAAAAAAAAAAAAAAAJ/f38AAAAAA8zMzADAwP8Af39/AAAAAAAAAAAAAAAAAAAAAAAAAAAAIQAAABgAAAAUAAAAFAMAAAkCAAB/NwAAEAgAABAAAAAmAAAACAAAADywAAAAAAAA"/>
+                <pr:smNativeData xmlns:pr="smNativeData" xmlns="smNativeData" val="SMDATA_15_t6npZxMAAAAlAAAAZAAAAA0AAAAAkAAAAJAAAACQAAAAkAAAAAAAAAAAAAAAAAAAAAEAAABQAAAAAAAAAAAA4D8AAAAAAADgPwAAAAAAAOA/AAAAAAAA4D8AAAAAAADgPwAAAAAAAOA/AAAAAAAA4D8AAAAAAADgPwAAAAAAAOA/AAAAAAAA4D8CAAAAjAAAAAAAAAAAAAAAQoX0DP///wgAAAAAAAAAAAAAAAAAAAAAAAAAAAAAAAAAAAAAZAAAAAEAAABAAAAAAAAAAAAAAAAAAAAAAAAAAAAAAAAAAAAAAAAAAAAAAAAAAAAAAAAAAAAAAAAAAAAAAAAAAAAAAAAAAAAAAAAAAAAAAAAAAAAAAAAAAAAAAAAAAAAAFAAAADwAAAAAAAAAAAAAAAAAAAkUAAAAAQAAABQAAAAUAAAAFAAAAAEAAAAAAAAAZAAAAGQAAAAAAAAAZAAAAGQAAAAVAAAAYAAAAAAAAAAAAAAADwAAACADAAAAAAAAAAAAAAEAAACgMgAAVgcAAKr4//8BAAAAf39/AAEAAABkAAAAAAAAABQAAABAHwAAAAAAACYAAAAAAAAAwOD//wAAAAAmAAAAZAAAABYAAABMAAAAAAAAAAAAAAAEAAAAAAAAAAEAAABZWVkKAAAAACgAAAAoAAAAZAAAAGQAAAAAAAAAzMzMAAAAAABQAAAAUAAAAGQAAABkAAAAAAAAABcAAAAUAAAAAAAAAAAAAAD/fwAA/38AAAAAAAAJAAAABAAAAAD///8eAAAAaAAAAAAAAAAAAAAAAAAAAAAAAAAAAAAAECcAABAnAAAAAAAAAAAAAAAAAAAAAAAAAAAAAAAAAAAAAAAAAAAAABQAAAAAAAAAwMD/AAAAAABkAAAAMgAAAAAAAABkAAAAAAAAAH9/fwAKAAAAIgAAABgAAAAAAAAAAAAAAAAAAAAAAAAAAAAAAAAAAAAkAAAAJAAAAAAAAAAHAAAAAAAAAAAAAAAAAAAAAAAAAAAAAAAAAAAAf39/ACUAAABYAAAAAAAAAAAAAAAAAAAAAAAAAAAAAAAAAAAAAAAAAAAAAAAAAAAAAAAAAAAAAAA/AAAAAAAAAKCGAQAAAAAAAAAAAAAAAAAMAAAAAQAAAAAAAAAAAAAAAAAAAB8AAABUAAAAAAAABQAAAAEAAAAAAAAAAAAAAAAAAAAAAAAAAAAAAAAAAAAAAAAAAAAAAAJ/f38AAAAAA8zMzADAwP8Af39/AAAAAAAAAAAAAAAAAAAAAAAAAAAAIQAAABgAAAAUAAAAFAMAAAkCAAB/NwAAEAgAABAAAAAmAAAACAAAADywAAAAAAAA"/>
               </a:ext>
             </a:extLst>
           </p:cNvSpPr>
@@ -5336,7 +5462,7 @@
           <p:cNvSpPr>
             <a:extLst>
               <a:ext uri="smNativeData">
-                <pr:smNativeData xmlns:pr="smNativeData" xmlns="smNativeData" val="SMDATA_15_gHjoZxMAAAAlAAAAZAAAAA0AAAAAkAAAAJAAAACQAAAAkAAAAAAAAAABAAAAAAAAAAEAAABQAAAAAAAAAAAA4D8AAAAAAADgPwAAAAAAAOA/AAAAAAAA4D8AAAAAAADgPwAAAAAAAOA/AAAAAAAA4D8AAAAAAADgPwAAAAAAAOA/AAAAAAAA4D8CAAAAjAAAAAEAAAAAAAAA+/v+AP///wgAAAAAAAAAAAAAAAAAAAAAAAAAAAAAAAAAAAAAeAAAAAEAAABAAAAAAAAAAAAAAABaAAAAAAAAAAAAAAAAAAAAAAAAAAAAAAAAAAAAAAAAAAAAAAAAAAAAAAAAAAAAAAAAAAAAAAAAAAAAAAAAAAAAAAAAAAAAAAAAAAAAFAAAADwAAAAAAAAAAAAAAAAAAAkUAAAAAQAAABQAAAAUAAAAFAAAAAEAAAAAAAAAZAAAAGQAAAAAAAAAZAAAAGQAAAAVAAAAYAAAAAAAAAAAAAAADwAAACADAAAAAAAAAAAAAAEAAACgMgAAVgcAAKr4//8BAAAAf39/AAEAAABkAAAAAAAAABQAAABAHwAAAAAAACYAAAAAAAAAwOD//wAAAAAmAAAAZAAAABYAAABMAAAAAAAAAAAAAAAEAAAAAAAAAAEAAABZWVkKAAAAACgAAAAoAAAAZAAAAGQAAAAAAAAAzMzMAAAAAABQAAAAUAAAAGQAAABkAAAAAAAAABcAAAAUAAAAAAAAAAAAAAD/fwAA/38AAAAAAAAJAAAABAAAAP//AP8eAAAAaAAAAAAAAAAAAAAAAAAAAAAAAAAAAAAAECcAABAnAAAAAAAAAAAAAAAAAAAAAAAAAAAAAAAAAAAAAAAAAAAAABQAAAAAAAAAwMD/AAAAAABkAAAAMgAAAAAAAABkAAAAAAAAAH9/fwAKAAAAIgAAABgAAAAAAAAAAAAAAAAAAAAAAAAAAAAAAAAAAAAkAAAAJAAAAAAAAAAHAAAAAAAAAAAAAAAAAAAAAAAAAAAAAAAAAAAAf39/ACUAAABYAAAAAAAAAAAAAAAAAAAAAAAAAAAAAAAAAAAAAAAAAAAAAAAAAAAAAAAAAAAAAAA/AAAAAAAAAKCGAQAAAAAAAAAAAAAAAAAMAAAAAQAAAAAAAAAAAAAAAAAAAB8AAABUAAAA+/v+AP///wEAAAAAAAAAAAAAAAAAAAAAAAAAAAAAAAAAAAAAAAAAAAAAAAJ/f38AWVlZA8zMzADAwP8Af39/AAAAAAAAAAAAAAAAAAAAAAAAAAAAIQAAABgAAAAUAAAAuwMAAN4IAACQNAAAzB4AABAAAAAmAAAACAAAAP//////////"/>
+                <pr:smNativeData xmlns:pr="smNativeData" xmlns="smNativeData" val="SMDATA_15_t6npZxMAAAAlAAAAZAAAAA0AAAAAkAAAAJAAAACQAAAAkAAAAAAAAAABAAAAAAAAAAEAAABQAAAAAAAAAAAA4D8AAAAAAADgPwAAAAAAAOA/AAAAAAAA4D8AAAAAAADgPwAAAAAAAOA/AAAAAAAA4D8AAAAAAADgPwAAAAAAAOA/AAAAAAAA4D8CAAAAjAAAAAEAAAAAAAAA+/v+AP///wgAAAAAAAAAAAAAAAAAAAAAAAAAAAAAAAAAAAAAeAAAAAEAAABAAAAAAAAAAAAAAABaAAAAAAAAAAAAAAAAAAAAAAAAAAAAAAAAAAAAAAAAAAAAAAAAAAAAAAAAAAAAAAAAAAAAAAAAAAAAAAAAAAAAAAAAAAAAAAAAAAAAFAAAADwAAAAAAAAAAAAAAAAAAAkUAAAAAQAAABQAAAAUAAAAFAAAAAEAAAAAAAAAZAAAAGQAAAAAAAAAZAAAAGQAAAAVAAAAYAAAAAAAAAAAAAAADwAAACADAAAAAAAAAAAAAAEAAACgMgAAVgcAAKr4//8BAAAAf39/AAEAAABkAAAAAAAAABQAAABAHwAAAAAAACYAAAAAAAAAwOD//wAAAAAmAAAAZAAAABYAAABMAAAAAAAAAAAAAAAEAAAAAAAAAAEAAABZWVkKAAAAACgAAAAoAAAAZAAAAGQAAAAAAAAAzMzMAAAAAABQAAAAUAAAAGQAAABkAAAAAAAAABcAAAAUAAAAAAAAAAAAAAD/fwAA/38AAAAAAAAJAAAABAAAAP//AP8eAAAAaAAAAAAAAAAAAAAAAAAAAAAAAAAAAAAAECcAABAnAAAAAAAAAAAAAAAAAAAAAAAAAAAAAAAAAAAAAAAAAAAAABQAAAAAAAAAwMD/AAAAAABkAAAAMgAAAAAAAABkAAAAAAAAAH9/fwAKAAAAIgAAABgAAAAAAAAAAAAAAAAAAAAAAAAAAAAAAAAAAAAkAAAAJAAAAAAAAAAHAAAAAAAAAAAAAAAAAAAAAAAAAAAAAAAAAAAAf39/ACUAAABYAAAAAAAAAAAAAAAAAAAAAAAAAAAAAAAAAAAAAAAAAAAAAAAAAAAAAAAAAAAAAAA/AAAAAAAAAKCGAQAAAAAAAAAAAAAAAAAMAAAAAQAAAAAAAAAAAAAAAAAAAB8AAABUAAAA+/v+AP///wEAAAAAAAAAAAAAAAAAAAAAAAAAAAAAAAAAAAAAAAAAAAAAAAJ/f38AWVlZA8zMzADAwP8Af39/AAAAAAAAAAAAAAAAAAAAAAAAAAAAIQAAABgAAAAUAAAAuwMAAN4IAACQNAAAzB4AABAAAAAmAAAACAAAAP//////////"/>
               </a:ext>
             </a:extLst>
           </p:cNvSpPr>
@@ -5381,7 +5507,7 @@
             <a:spLocks noGrp="1" noChangeArrowheads="1"/>
             <a:extLst>
               <a:ext uri="smNativeData">
-                <pr:smNativeData xmlns:pr="smNativeData" xmlns="smNativeData" val="SMDATA_15_gHjoZxMAAAAlAAAAZAAAAA0AAAAAkAAAAJAAAACQAAAAkAAAAAAAAAAAAAAAAAAAAAEAAABQAAAAAAAAAAAA4D8AAAAAAADgPwAAAAAAAOA/AAAAAAAA4D8AAAAAAADgPwAAAAAAAOA/AAAAAAAA4D8AAAAAAADgPwAAAAAAAOA/AAAAAAAA4D8CAAAAjAAAAAAAAAAAAAAAQoX0DP///wgAAAAAAAAAAAAAAAAAAAAAAAAAAAAAAAAAAAAAZAAAAAEAAABAAAAAAAAAAAAAAAAAAAAAAAAAAAAAAAAAAAAAAAAAAAAAAAAAAAAAAAAAAAAAAAAAAAAAAAAAAAAAAAAAAAAAAAAAAAAAAAAAAAAAAAAAAAAAAAAAAAAAFAAAADwAAAAAAAAAAAAAAAAAAAkUAAAAAQAAABQAAAAUAAAAFAAAAAEAAAAAAAAAZAAAAGQAAAAAAAAAZAAAAGQAAAAVAAAAYAAAAAAAAAAAAAAADwAAACADAAAAAAAAAAAAAAEAAACgMgAAVgcAAKr4//8BAAAAf39/AAEAAABkAAAAAAAAABQAAABAHwAAAAAAACYAAAAAAAAAwOD//wAAAAAmAAAAZAAAABYAAABMAAAAAAAAAAAAAAAEAAAAAAAAAAEAAABZWVkKAAAAACgAAAAoAAAAZAAAAGQAAAAAAAAAzMzMAAAAAABQAAAAUAAAAGQAAABkAAAAAAAAABcAAAAUAAAAAAAAAAAAAAD/fwAA/38AAAAAAAAJAAAABAAAAAD///8eAAAAaAAAAAAAAAAAAAAAAAAAAAAAAAAAAAAAECcAABAnAAAAAAAAAAAAAAAAAAAAAAAAAAAAAAAAAAAAAAAAAAAAABQAAAAAAAAAwMD/AAAAAABkAAAAMgAAAAAAAABkAAAAAAAAAH9/fwAKAAAAIgAAABgAAAAAAAAAAAAAAAAAAAAAAAAAAAAAAAAAAAAkAAAAJAAAAAAAAAAHAAAAAAAAAAAAAAAAAAAAAAAAAAAAAAAAAAAAf39/ACUAAABYAAAAAAAAAAAAAAAAAAAAAAAAAAAAAAAAAAAAAAAAAAAAAAAAAAAAAAAAAAAAAAA/AAAAAAAAAKCGAQAAAAAAAAAAAAAAAAAMAAAAAQAAAAAAAAAAAAAAAAAAAB8AAABUAAAAAAAABQAAAAEAAAAAAAAAAAAAAAAAAAAAAAAAAAAAAAAAAAAAAAAAAAAAAAJ/f38AAAAAA8zMzADAwP8Af39/AAAAAAAAAAAAAAAAAAAAAAAAAAAAIQAAABgAAAAUAAAAkwQAADQJAAAuNwAAdR4AABAAAAAmAAAACAAAAD2wAAAAAAAA"/>
+                <pr:smNativeData xmlns:pr="smNativeData" xmlns="smNativeData" val="SMDATA_15_t6npZxMAAAAlAAAAZAAAAA0AAAAAkAAAAJAAAACQAAAAkAAAAAAAAAAAAAAAAAAAAAEAAABQAAAAAAAAAAAA4D8AAAAAAADgPwAAAAAAAOA/AAAAAAAA4D8AAAAAAADgPwAAAAAAAOA/AAAAAAAA4D8AAAAAAADgPwAAAAAAAOA/AAAAAAAA4D8CAAAAjAAAAAAAAAAAAAAAQoX0DP///wgAAAAAAAAAAAAAAAAAAAAAAAAAAAAAAAAAAAAAZAAAAAEAAABAAAAAAAAAAAAAAAAAAAAAAAAAAAAAAAAAAAAAAAAAAAAAAAAAAAAAAAAAAAAAAAAAAAAAAAAAAAAAAAAAAAAAAAAAAAAAAAAAAAAAAAAAAAAAAAAAAAAAFAAAADwAAAAAAAAAAAAAAAAAAAkUAAAAAQAAABQAAAAUAAAAFAAAAAEAAAAAAAAAZAAAAGQAAAAAAAAAZAAAAGQAAAAVAAAAYAAAAAAAAAAAAAAADwAAACADAAAAAAAAAAAAAAEAAACgMgAAVgcAAKr4//8BAAAAf39/AAEAAABkAAAAAAAAABQAAABAHwAAAAAAACYAAAAAAAAAwOD//wAAAAAmAAAAZAAAABYAAABMAAAAAAAAAAAAAAAEAAAAAAAAAAEAAABZWVkKAAAAACgAAAAoAAAAZAAAAGQAAAAAAAAAzMzMAAAAAABQAAAAUAAAAGQAAABkAAAAAAAAABcAAAAUAAAAAAAAAAAAAAD/fwAA/38AAAAAAAAJAAAABAAAAAD///8eAAAAaAAAAAAAAAAAAAAAAAAAAAAAAAAAAAAAECcAABAnAAAAAAAAAAAAAAAAAAAAAAAAAAAAAAAAAAAAAAAAAAAAABQAAAAAAAAAwMD/AAAAAABkAAAAMgAAAAAAAABkAAAAAAAAAH9/fwAKAAAAIgAAABgAAAAAAAAAAAAAAAAAAAAAAAAAAAAAAAAAAAAkAAAAJAAAAAAAAAAHAAAAAAAAAAAAAAAAAAAAAAAAAAAAAAAAAAAAf39/ACUAAABYAAAAAAAAAAAAAAAAAAAAAAAAAAAAAAAAAAAAAAAAAAAAAAAAAAAAAAAAAAAAAAA/AAAAAAAAAKCGAQAAAAAAAAAAAAAAAAAMAAAAAQAAAAAAAAAAAAAAAAAAAB8AAABUAAAAAAAABQAAAAEAAAAAAAAAAAAAAAAAAAAAAAAAAAAAAAAAAAAAAAAAAAAAAAJ/f38AAAAAA8zMzADAwP8Af39/AAAAAAAAAAAAAAAAAAAAAAAAAAAAIQAAABgAAAAUAAAAkwQAADQJAAAuNwAAdR4AABAAAAAmAAAACAAAAD2wAAAAAAAA"/>
               </a:ext>
             </a:extLst>
           </p:cNvSpPr>
@@ -5561,7 +5687,7 @@
             <a:spLocks noGrp="1" noChangeArrowheads="1"/>
             <a:extLst>
               <a:ext uri="smNativeData">
-                <pr:smNativeData xmlns:pr="smNativeData" xmlns="smNativeData" val="SMDATA_15_gHjoZxMAAAAlAAAAZAAAAA0AAAAAkAAAAJAAAACQAAAAkAAAAAAAAAABAAAAAAAAAAEAAABQAAAAAAAAAAAA4D8AAAAAAADgPwAAAAAAAOA/AAAAAAAA4D8AAAAAAADgPwAAAAAAAOA/AAAAAAAA4D8AAAAAAADgPwAAAAAAAOA/AAAAAAAA4D8CAAAAjAAAAAAAAAAAAAAAQoX0DP///wgAAAAAAAAAAAAAAAAAAAAAAAAAAAAAAAAAAAAAZAAAAAEAAABAAAAAAAAAAAAAAAAAAAAAAAAAAAAAAAAAAAAAAAAAAAAAAAAAAAAAAAAAAAAAAAAAAAAAAAAAAAAAAAAAAAAAAAAAAAAAAAAAAAAAAAAAAAAAAAAAAAAAFAAAADwAAAAAAAAAAAAAAAAAAAkUAAAAAQAAABQAAAAUAAAAFAAAAAEAAAAAAAAAZAAAAGQAAAAAAAAAZAAAAGQAAAAVAAAAYAAAAAAAAAAAAAAADwAAACADAAAAAAAAAAAAAAEAAACgMgAAVgcAAKr4//8BAAAAf39/AAEAAABkAAAAAAAAABQAAABAHwAAAAAAACYAAAAAAAAAwOD//wAAAAAmAAAAZAAAABYAAABMAAAAAAAAAAAAAAAEAAAAAAAAAAEAAABZWVkKAAAAACgAAAAoAAAAZAAAAGQAAAAAAAAAzMzMAAAAAABQAAAAUAAAAGQAAABkAAAAAAAAABcAAAAUAAAAAAAAAAAAAAD/fwAA/38AAAAAAAAJAAAABAAAAP//AP8eAAAAaAAAAAAAAAAAAAAAAAAAAAAAAAAAAAAAECcAABAnAAAAAAAAAAAAAAAAAAAAAAAAAAAAAAAAAAAAAAAAAAAAABQAAAAAAAAAwMD/AAAAAABkAAAAMgAAAAAAAABkAAAAAAAAAH9/fwAKAAAAIgAAABgAAAAAAAAAAAAAAAAAAAAAAAAAAAAAAAAAAAAkAAAAJAAAAAAAAAAHAAAAAAAAAAAAAAAAAAAAAAAAAAAAAAAAAAAAf39/ACUAAABYAAAAAAAAAAAAAAAAAAAAAAAAAAAAAAAAAAAAAAAAAAAAAAAAAAAAAAAAAAAAAAA/AAAAAAAAAKCGAQAAAAAAAAAAAAAAAAAMAAAAAQAAAAAAAAAAAAAAAAAAAB8AAABUAAAAAAAABQAAAAEAAAAAAAAAAAAAAAAAAAAAAAAAAAAAAAAAAAAAAAAAAAAAAAJ/f38AAAAAA8zMzADAwP8Af39/AAAAAAAAAAAAAAAAAAAAAAAAAAAAIQAAABgAAAAUAAAAAgQAAHACAABpMwAAmhsAABAAAAAmAAAACAAAAL2wAAAAAAAA"/>
+                <pr:smNativeData xmlns:pr="smNativeData" xmlns="smNativeData" val="SMDATA_15_t6npZxMAAAAlAAAAZAAAAA0AAAAAkAAAAJAAAACQAAAAkAAAAAAAAAABAAAAAAAAAAEAAABQAAAAAAAAAAAA4D8AAAAAAADgPwAAAAAAAOA/AAAAAAAA4D8AAAAAAADgPwAAAAAAAOA/AAAAAAAA4D8AAAAAAADgPwAAAAAAAOA/AAAAAAAA4D8CAAAAjAAAAAAAAAAAAAAAQoX0DP///wgAAAAAAAAAAAAAAAAAAAAAAAAAAAAAAAAAAAAAZAAAAAEAAABAAAAAAAAAAAAAAAAAAAAAAAAAAAAAAAAAAAAAAAAAAAAAAAAAAAAAAAAAAAAAAAAAAAAAAAAAAAAAAAAAAAAAAAAAAAAAAAAAAAAAAAAAAAAAAAAAAAAAFAAAADwAAAAAAAAAAAAAAAAAAAkUAAAAAQAAABQAAAAUAAAAFAAAAAEAAAAAAAAAZAAAAGQAAAAAAAAAZAAAAGQAAAAVAAAAYAAAAAAAAAAAAAAADwAAACADAAAAAAAAAAAAAAEAAACgMgAAVgcAAKr4//8BAAAAf39/AAEAAABkAAAAAAAAABQAAABAHwAAAAAAACYAAAAAAAAAwOD//wAAAAAmAAAAZAAAABYAAABMAAAAAAAAAAAAAAAEAAAAAAAAAAEAAABZWVkKAAAAACgAAAAoAAAAZAAAAGQAAAAAAAAAzMzMAAAAAABQAAAAUAAAAGQAAABkAAAAAAAAABcAAAAUAAAAAAAAAAAAAAD/fwAA/38AAAAAAAAJAAAABAAAAP//AP8eAAAAaAAAAAAAAAAAAAAAAAAAAAAAAAAAAAAAECcAABAnAAAAAAAAAAAAAAAAAAAAAAAAAAAAAAAAAAAAAAAAAAAAABQAAAAAAAAAwMD/AAAAAABkAAAAMgAAAAAAAABkAAAAAAAAAH9/fwAKAAAAIgAAABgAAAAAAAAAAAAAAAAAAAAAAAAAAAAAAAAAAAAkAAAAJAAAAAAAAAAHAAAAAAAAAAAAAAAAAAAAAAAAAAAAAAAAAAAAf39/ACUAAABYAAAAAAAAAAAAAAAAAAAAAAAAAAAAAAAAAAAAAAAAAAAAAAAAAAAAAAAAAAAAAAA/AAAAAAAAAKCGAQAAAAAAAAAAAAAAAAAMAAAAAQAAAAAAAAAAAAAAAAAAAB8AAABUAAAAAAAABQAAAAEAAAAAAAAAAAAAAAAAAAAAAAAAAAAAAAAAAAAAAAAAAAAAAAJ/f38AAAAAA8zMzADAwP8Af39/AAAAAAAAAAAAAAAAAAAAAAAAAAAAIQAAABgAAAAUAAAAAgQAAHACAABpMwAAmhsAABAAAAAmAAAACAAAAL2wAAAAAAAA"/>
               </a:ext>
             </a:extLst>
           </p:cNvSpPr>
@@ -5710,7 +5836,7 @@
             <a:spLocks noGrp="1" noChangeArrowheads="1"/>
             <a:extLst>
               <a:ext uri="smNativeData">
-                <pr:smNativeData xmlns:pr="smNativeData" xmlns="smNativeData" val="SMDATA_15_gHjoZxMAAAAlAAAAZAAAAA0AAAAAkAAAAJAAAACQAAAAkAAAAAAAAAABAAAAAAAAAAEAAABQAAAAAAAAAAAA4D8AAAAAAADgPwAAAAAAAOA/AAAAAAAA4D8AAAAAAADgPwAAAAAAAOA/AAAAAAAA4D8AAAAAAADgPwAAAAAAAOA/AAAAAAAA4D8CAAAAjAAAAAAAAAAAAAAAQoX0DP///wgAAAAAAAAAAAAAAAAAAAAAAAAAAAAAAAAAAAAAZAAAAAEAAABAAAAAAAAAAAAAAAAAAAAAAAAAAAAAAAAAAAAAAAAAAAAAAAAAAAAAAAAAAAAAAAAAAAAAAAAAAAAAAAAAAAAAAAAAAAAAAAAAAAAAAAAAAAAAAAAAAAAAFAAAADwAAAAAAAAAAAAAAAAAAAkUAAAAAQAAABQAAAAUAAAAFAAAAAEAAAAAAAAAZAAAAGQAAAAAAAAAZAAAAGQAAAAVAAAAYAAAAAAAAAAAAAAADwAAACADAAAAAAAAAAAAAAEAAACgMgAAVgcAAKr4//8BAAAAf39/AAEAAABkAAAAAAAAABQAAABAHwAAAAAAACYAAAAAAAAAwOD//wAAAAAmAAAAZAAAABYAAABMAAAAAAAAAAAAAAAEAAAAAAAAAAEAAABZWVkKAAAAACgAAAAoAAAAZAAAAGQAAAAAAAAAzMzMAAAAAABQAAAAUAAAAGQAAABkAAAAAAAAABcAAAAUAAAAAAAAAAAAAAD/fwAA/38AAAAAAAAJAAAABAAAAAAAAAAeAAAAaAAAAAAAAAAAAAAAAAAAAAAAAAAAAAAAECcAABAnAAAAAAAAAAAAAAAAAAAAAAAAAAAAAAAAAAAAAAAAAAAAABQAAAAAAAAAwMD/AAAAAABkAAAAMgAAAAAAAABkAAAAAAAAAH9/fwAKAAAAIgAAABgAAAAAAAAAAAAAAAAAAAAAAAAAAAAAAAAAAAAkAAAAJAAAAAAAAAAHAAAAAAAAAAAAAAAAAAAAAAAAAAAAAAAAAAAAf39/ACUAAABYAAAAAAAAAAAAAAAAAAAAAAAAAAAAAAAAAAAAAAAAAAAAAAAAAAAAAAAAAAAAAAA/AAAAAAAAAKCGAQAAAAAAAAAAAAAAAAAMAAAAAQAAAAAAAAAAAAAAAAAAAB8AAABUAAAAAAAABQAAAAEAAAAAAAAAAAAAAAAAAAAAAAAAAAAAAAAAAAAAAAAAAAAAAAJ/f38AAAAAA8zMzADAwP8Af39/AAAAAAAAAAAAAAAAAAAAAAAAAAAAIQAAABgAAAAUAAAAFAMAAPsKAADlMwAABhIAABAAAAAmAAAACAAAAL2wAAAAAAAA"/>
+                <pr:smNativeData xmlns:pr="smNativeData" xmlns="smNativeData" val="SMDATA_15_t6npZxMAAAAlAAAAZAAAAA0AAAAAkAAAAJAAAACQAAAAkAAAAAAAAAABAAAAAAAAAAEAAABQAAAAAAAAAAAA4D8AAAAAAADgPwAAAAAAAOA/AAAAAAAA4D8AAAAAAADgPwAAAAAAAOA/AAAAAAAA4D8AAAAAAADgPwAAAAAAAOA/AAAAAAAA4D8CAAAAjAAAAAAAAAAAAAAAQoX0DP///wgAAAAAAAAAAAAAAAAAAAAAAAAAAAAAAAAAAAAAZAAAAAEAAABAAAAAAAAAAAAAAAAAAAAAAAAAAAAAAAAAAAAAAAAAAAAAAAAAAAAAAAAAAAAAAAAAAAAAAAAAAAAAAAAAAAAAAAAAAAAAAAAAAAAAAAAAAAAAAAAAAAAAFAAAADwAAAAAAAAAAAAAAAAAAAkUAAAAAQAAABQAAAAUAAAAFAAAAAEAAAAAAAAAZAAAAGQAAAAAAAAAZAAAAGQAAAAVAAAAYAAAAAAAAAAAAAAADwAAACADAAAAAAAAAAAAAAEAAACgMgAAVgcAAKr4//8BAAAAf39/AAEAAABkAAAAAAAAABQAAABAHwAAAAAAACYAAAAAAAAAwOD//wAAAAAmAAAAZAAAABYAAABMAAAAAAAAAAAAAAAEAAAAAAAAAAEAAABZWVkKAAAAACgAAAAoAAAAZAAAAGQAAAAAAAAAzMzMAAAAAABQAAAAUAAAAGQAAABkAAAAAAAAABcAAAAUAAAAAAAAAAAAAAD/fwAA/38AAAAAAAAJAAAABAAAAAAAAAAeAAAAaAAAAAAAAAAAAAAAAAAAAAAAAAAAAAAAECcAABAnAAAAAAAAAAAAAAAAAAAAAAAAAAAAAAAAAAAAAAAAAAAAABQAAAAAAAAAwMD/AAAAAABkAAAAMgAAAAAAAABkAAAAAAAAAH9/fwAKAAAAIgAAABgAAAAAAAAAAAAAAAAAAAAAAAAAAAAAAAAAAAAkAAAAJAAAAAAAAAAHAAAAAAAAAAAAAAAAAAAAAAAAAAAAAAAAAAAAf39/ACUAAABYAAAAAAAAAAAAAAAAAAAAAAAAAAAAAAAAAAAAAAAAAAAAAAAAAAAAAAAAAAAAAAA/AAAAAAAAAKCGAQAAAAAAAAAAAAAAAAAMAAAAAQAAAAAAAAAAAAAAAAAAAB8AAABUAAAAAAAABQAAAAEAAAAAAAAAAAAAAAAAAAAAAAAAAAAAAAAAAAAAAAAAAAAAAAJ/f38AAAAAA8zMzADAwP8Af39/AAAAAAAAAAAAAAAAAAAAAAAAAAAAIQAAABgAAAAUAAAAFAMAAPsKAADlMwAABhIAABAAAAAmAAAACAAAAL2wAAAAAAAA"/>
               </a:ext>
             </a:extLst>
           </p:cNvSpPr>
@@ -5834,7 +5960,7 @@
             <a:spLocks noGrp="1" noChangeArrowheads="1"/>
             <a:extLst>
               <a:ext uri="smNativeData">
-                <pr:smNativeData xmlns:pr="smNativeData" xmlns="smNativeData" val="SMDATA_15_gHjoZxMAAAAlAAAAZAAAAA0AAAAAkAAAAJAAAACQAAAAkAAAAAAAAAABAAAAAAAAAAEAAABQAAAAAAAAAAAA4D8AAAAAAADgPwAAAAAAAOA/AAAAAAAA4D8AAAAAAADgPwAAAAAAAOA/AAAAAAAA4D8AAAAAAADgPwAAAAAAAOA/AAAAAAAA4D8CAAAAjAAAAAAAAAAAAAAAQoX0DP///wgAAAAAAAAAAAAAAAAAAAAAAAAAAAAAAAAAAAAAZAAAAAEAAABAAAAAAAAAAAAAAAAAAAAAAAAAAAAAAAAAAAAAAAAAAAAAAAAAAAAAAAAAAAAAAAAAAAAAAAAAAAAAAAAAAAAAAAAAAAAAAAAAAAAAAAAAAAAAAAAAAAAAFAAAADwAAAAAAAAAAAAAAAAAAAkUAAAAAQAAABQAAAAUAAAAFAAAAAEAAAAAAAAAZAAAAGQAAAAAAAAAZAAAAGQAAAAVAAAAYAAAAAAAAAAAAAAADwAAACADAAAAAAAAAAAAAAEAAACgMgAAVgcAAKr4//8BAAAAf39/AAEAAABkAAAAAAAAABQAAABAHwAAAAAAACYAAAAAAAAAwOD//wAAAAAmAAAAZAAAABYAAABMAAAAAAAAAAAAAAAEAAAAAAAAAAEAAABZWVkKAAAAACgAAAAoAAAAZAAAAGQAAAAAAAAAzMzMAAAAAABQAAAAUAAAAGQAAABkAAAAAAAAABcAAAAUAAAAAAAAAAAAAAD/fwAA/38AAAAAAAAJAAAABAAAAAAAAAAeAAAAaAAAAAAAAAAAAAAAAAAAAAAAAAAAAAAAECcAABAnAAAAAAAAAAAAAAAAAAAAAAAAAAAAAAAAAAAAAAAAAAAAABQAAAAAAAAAwMD/AAAAAABkAAAAMgAAAAAAAABkAAAAAAAAAH9/fwAKAAAAIgAAABgAAAAAAAAAAAAAAAAAAAAAAAAAAAAAAAAAAAAkAAAAJAAAAAAAAAAHAAAAAAAAAAAAAAAAAAAAAAAAAAAAAAAAAAAAf39/ACUAAABYAAAAAAAAAAAAAAAAAAAAAAAAAAAAAAAAAAAAAAAAAAAAAAAAAAAAAAAAAAAAAAA/AAAAAAAAAKCGAQAAAAAAAAAAAAAAAAAMAAAAAQAAAAAAAAAAAAAAAAAAAB8AAABUAAAAAAAABQAAAAEAAAAAAAAAAAAAAAAAAAAAAAAAAAAAAAAAAAAAAAAAAAAAAAJ/f38AAAAAA8zMzADAwP8Af39/AAAAAAAAAAAAAAAAAAAAAAAAAAAAIQAAABgAAAAUAAAAHjQAALAcAAB/NwAAGx8AABAAAAAmAAAACAAAADywAAAAAAAA"/>
+                <pr:smNativeData xmlns:pr="smNativeData" xmlns="smNativeData" val="SMDATA_15_t6npZxMAAAAlAAAAZAAAAA0AAAAAkAAAAJAAAACQAAAAkAAAAAAAAAABAAAAAAAAAAEAAABQAAAAAAAAAAAA4D8AAAAAAADgPwAAAAAAAOA/AAAAAAAA4D8AAAAAAADgPwAAAAAAAOA/AAAAAAAA4D8AAAAAAADgPwAAAAAAAOA/AAAAAAAA4D8CAAAAjAAAAAAAAAAAAAAAQoX0DP///wgAAAAAAAAAAAAAAAAAAAAAAAAAAAAAAAAAAAAAZAAAAAEAAABAAAAAAAAAAAAAAAAAAAAAAAAAAAAAAAAAAAAAAAAAAAAAAAAAAAAAAAAAAAAAAAAAAAAAAAAAAAAAAAAAAAAAAAAAAAAAAAAAAAAAAAAAAAAAAAAAAAAAFAAAADwAAAAAAAAAAAAAAAAAAAkUAAAAAQAAABQAAAAUAAAAFAAAAAEAAAAAAAAAZAAAAGQAAAAAAAAAZAAAAGQAAAAVAAAAYAAAAAAAAAAAAAAADwAAACADAAAAAAAAAAAAAAEAAACgMgAAVgcAAKr4//8BAAAAf39/AAEAAABkAAAAAAAAABQAAABAHwAAAAAAACYAAAAAAAAAwOD//wAAAAAmAAAAZAAAABYAAABMAAAAAAAAAAAAAAAEAAAAAAAAAAEAAABZWVkKAAAAACgAAAAoAAAAZAAAAGQAAAAAAAAAzMzMAAAAAABQAAAAUAAAAGQAAABkAAAAAAAAABcAAAAUAAAAAAAAAAAAAAD/fwAA/38AAAAAAAAJAAAABAAAAAAAAAAeAAAAaAAAAAAAAAAAAAAAAAAAAAAAAAAAAAAAECcAABAnAAAAAAAAAAAAAAAAAAAAAAAAAAAAAAAAAAAAAAAAAAAAABQAAAAAAAAAwMD/AAAAAABkAAAAMgAAAAAAAABkAAAAAAAAAH9/fwAKAAAAIgAAABgAAAAAAAAAAAAAAAAAAAAAAAAAAAAAAAAAAAAkAAAAJAAAAAAAAAAHAAAAAAAAAAAAAAAAAAAAAAAAAAAAAAAAAAAAf39/ACUAAABYAAAAAAAAAAAAAAAAAAAAAAAAAAAAAAAAAAAAAAAAAAAAAAAAAAAAAAAAAAAAAAA/AAAAAAAAAKCGAQAAAAAAAAAAAAAAAAAMAAAAAQAAAAAAAAAAAAAAAAAAAB8AAABUAAAAAAAABQAAAAEAAAAAAAAAAAAAAAAAAAAAAAAAAAAAAAAAAAAAAAAAAAAAAAJ/f38AAAAAA8zMzADAwP8Af39/AAAAAAAAAAAAAAAAAAAAAAAAAAAAIQAAABgAAAAUAAAAHjQAALAcAAB/NwAAGx8AABAAAAAmAAAACAAAADywAAAAAAAA"/>
               </a:ext>
             </a:extLst>
           </p:cNvSpPr>
@@ -5888,10 +6014,11 @@
               </a:spcAft>
               <a:buNone/>
             </a:pPr>
-            <a:fld id="{3500126A-24D8-55E4-96B8-D2B15CF66087}" type="slidenum">
+            <a:fld id="{307B7764-2ADD-2E81-93C3-DCD4398D6589}" type="slidenum">
               <a:rPr lang="ru-ru" cap="none"/>
               <a:t/>
             </a:fld>
+            <a:endParaRPr lang="ru-ru" cap="none"/>
           </a:p>
         </p:txBody>
       </p:sp>
@@ -5928,7 +6055,7 @@
             <a:spLocks noGrp="1" noChangeArrowheads="1"/>
             <a:extLst>
               <a:ext uri="smNativeData">
-                <pr:smNativeData xmlns:pr="smNativeData" xmlns="smNativeData" val="SMDATA_15_gHjoZxMAAAAlAAAAZAAAAA0AAAAAkAAAAJAAAACQAAAAkAAAAAAAAAAAAAAAAAAAAAEAAABQAAAAAAAAAAAA4D8AAAAAAADgPwAAAAAAAOA/AAAAAAAA4D8AAAAAAADgPwAAAAAAAOA/AAAAAAAA4D8AAAAAAADgPwAAAAAAAOA/AAAAAAAA4D8CAAAAjAAAAAAAAAAAAAAAQoX0DP///wgAAAAAAAAAAAAAAAAAAAAAAAAAAAAAAAAAAAAAZAAAAAEAAABAAAAAAAAAAAAAAAAAAAAAAAAAAAAAAAAAAAAAAAAAAAAAAAAAAAAAAAAAAAAAAAAAAAAAAAAAAAAAAAAAAAAAAAAAAAAAAAAAAAAAAAAAAAAAAAAAAAAAFAAAADwAAAAAAAAAAAAAAAAAAAkUAAAAAQAAABQAAAAUAAAAFAAAAAEAAAAAAAAAZAAAAGQAAAAAAAAAZAAAAGQAAAAVAAAAYAAAAAAAAAAAAAAADwAAACADAAAAAAAAAAAAAAEAAACgMgAAVgcAAKr4//8BAAAAf39/AAEAAABkAAAAAAAAABQAAABAHwAAAAAAACYAAAAAAAAAwOD//wAAAAAmAAAAZAAAABYAAABMAAAAAAAAAAAAAAAEAAAAAAAAAAEAAABZWVkKAAAAACgAAAAoAAAAZAAAAGQAAAAAAAAAzMzMAAAAAABQAAAAUAAAAGQAAABkAAAAAAAAABcAAAAUAAAAAAAAAAAAAAD/fwAA/38AAAAAAAAJAAAABAAAAAD///8eAAAAaAAAAAAAAAAAAAAAAAAAAAAAAAAAAAAAECcAABAnAAAAAAAAAAAAAAAAAAAAAAAAAAAAAAAAAAAAAAAAAAAAABQAAAAAAAAAwMD/AAAAAABkAAAAMgAAAAAAAABkAAAAAAAAAH9/fwAKAAAAIgAAABgAAAAAAAAAAAAAAAAAAAAAAAAAAAAAAAAAAAAkAAAAJAAAAAAAAAAHAAAAAAAAAAAAAAAAAAAAAAAAAAAAAAAAAAAAf39/ACUAAABYAAAAAAAAAAAAAAAAAAAAAAAAAAAAAAAAAAAAAAAAAAAAAAAAAAAAAAAAAAAAAAA/AAAAAAAAAKCGAQAAAAAAAAAAAAAAAAAMAAAAAQAAAAAAAAAAAAAAAAAAAB8AAABUAAAAAAAABQAAAAEAAAAAAAAAAAAAAAAAAAAAAAAAAAAAAAAAAAAAAAAAAAAAAAJ/f38AAAAAA8zMzADAwP8Af39/AAAAAAAAAAAAAAAAAAAAAAAAAAAAIQAAABgAAAAUAAAAFAMAAAkCAAB/NwAAxwgAABAAAAAmAAAACAAAAD2wAAAAAAAA"/>
+                <pr:smNativeData xmlns:pr="smNativeData" xmlns="smNativeData" val="SMDATA_15_t6npZxMAAAAlAAAAZAAAAA0AAAAAkAAAAJAAAACQAAAAkAAAAAAAAAAAAAAAAAAAAAEAAABQAAAAAAAAAAAA4D8AAAAAAADgPwAAAAAAAOA/AAAAAAAA4D8AAAAAAADgPwAAAAAAAOA/AAAAAAAA4D8AAAAAAADgPwAAAAAAAOA/AAAAAAAA4D8CAAAAjAAAAAAAAAAAAAAAQoX0DP///wgAAAAAAAAAAAAAAAAAAAAAAAAAAAAAAAAAAAAAZAAAAAEAAABAAAAAAAAAAAAAAAAAAAAAAAAAAAAAAAAAAAAAAAAAAAAAAAAAAAAAAAAAAAAAAAAAAAAAAAAAAAAAAAAAAAAAAAAAAAAAAAAAAAAAAAAAAAAAAAAAAAAAFAAAADwAAAAAAAAAAAAAAAAAAAkUAAAAAQAAABQAAAAUAAAAFAAAAAEAAAAAAAAAZAAAAGQAAAAAAAAAZAAAAGQAAAAVAAAAYAAAAAAAAAAAAAAADwAAACADAAAAAAAAAAAAAAEAAACgMgAAVgcAAKr4//8BAAAAf39/AAEAAABkAAAAAAAAABQAAABAHwAAAAAAACYAAAAAAAAAwOD//wAAAAAmAAAAZAAAABYAAABMAAAAAAAAAAAAAAAEAAAAAAAAAAEAAABZWVkKAAAAACgAAAAoAAAAZAAAAGQAAAAAAAAAzMzMAAAAAABQAAAAUAAAAGQAAABkAAAAAAAAABcAAAAUAAAAAAAAAAAAAAD/fwAA/38AAAAAAAAJAAAABAAAAAD///8eAAAAaAAAAAAAAAAAAAAAAAAAAAAAAAAAAAAAECcAABAnAAAAAAAAAAAAAAAAAAAAAAAAAAAAAAAAAAAAAAAAAAAAABQAAAAAAAAAwMD/AAAAAABkAAAAMgAAAAAAAABkAAAAAAAAAH9/fwAKAAAAIgAAABgAAAAAAAAAAAAAAAAAAAAAAAAAAAAAAAAAAAAkAAAAJAAAAAAAAAAHAAAAAAAAAAAAAAAAAAAAAAAAAAAAAAAAAAAAf39/ACUAAABYAAAAAAAAAAAAAAAAAAAAAAAAAAAAAAAAAAAAAAAAAAAAAAAAAAAAAAAAAAAAAAA/AAAAAAAAAKCGAQAAAAAAAAAAAAAAAAAMAAAAAQAAAAAAAAAAAAAAAAAAAB8AAABUAAAAAAAABQAAAAEAAAAAAAAAAAAAAAAAAAAAAAAAAAAAAAAAAAAAAAAAAAAAAAJ/f38AAAAAA8zMzADAwP8Af39/AAAAAAAAAAAAAAAAAAAAAAAAAAAAIQAAABgAAAAUAAAAFAMAAAkCAAB/NwAAxwgAABAAAAAmAAAACAAAAD2wAAAAAAAA"/>
               </a:ext>
             </a:extLst>
           </p:cNvSpPr>
@@ -6042,7 +6169,7 @@
           <p:cNvSpPr>
             <a:extLst>
               <a:ext uri="smNativeData">
-                <pr:smNativeData xmlns:pr="smNativeData" xmlns="smNativeData" val="SMDATA_15_gHjoZxMAAAAlAAAAZAAAAA0AAAAAkAAAAJAAAACQAAAAkAAAAAAAAAABAAAAAAAAAAEAAABQAAAAAAAAAAAA4D8AAAAAAADgPwAAAAAAAOA/AAAAAAAA4D8AAAAAAADgPwAAAAAAAOA/AAAAAAAA4D8AAAAAAADgPwAAAAAAAOA/AAAAAAAA4D8CAAAAjAAAAAEAAAAAAAAAAAAAAP///wgAAAAAAAAAAAAAAAAAAAAAAAAAAAAAAAAAAAAAeAAAAAEAAABAAAAAAAAAAAAAAABaAAAAAAAAAAAAAAAAAAAAAAAAAAAAAAAAAAAAAAAAAAAAAAAAAAAAAAAAAAAAAAAAAAAAAAAAAAAAAAAAAAAAAAAAAAAAAAAAAAAAFAAAADwAAAAAAAAAAAAAAAAAAAkUAAAAAQAAABQAAAAUAAAAFAAAAAEAAAAAAAAAZAAAAGQAAAAAAAAAZAAAAGQAAAAVAAAAYAAAAAAAAAAAAAAADwAAACADAAAAAAAAAAAAAAEAAACgMgAAVgcAAKr4//8BAAAAf39/AAEAAABkAAAAAAAAABQAAABAHwAAAAAAACYAAAAAAAAAwOD//wAAAAAmAAAAZAAAABYAAABMAAAAAAAAAAAAAAAEAAAAAAAAAAEAAABZWVkKAAAAACgAAAAoAAAAZAAAAGQAAAAAAAAAzMzMAAAAAABQAAAAUAAAAGQAAABkAAAAAAAAABcAAAAUAAAAAAAAAAAAAAD/fwAA/38AAAAAAAAJAAAABAAAAAD///8eAAAAaAAAAAAAAAAAAAAAAAAAAAAAAAAAAAAAECcAABAnAAAAAAAAAAAAAAAAAAAAAAAAAAAAAAAAAAAAAAAAAAAAABQAAAAAAAAAwMD/AAAAAABkAAAAMgAAAAAAAABkAAAAAAAAAH9/fwAKAAAAIgAAABgAAAAAAAAAAAAAAAAAAAAAAAAAAAAAAAAAAAAkAAAAJAAAAAAAAAAHAAAAAAAAAAAAAAAAAAAAAAAAAAAAAAAAAAAAf39/ACUAAABYAAAAAAAAAAAAAAAAAAAAAAAAAAAAAAAAAAAAAAAAAAAAAAAAAAAAAAAAAAAAAAA/AAAAAAAAAKCGAQAAAAAAAAAAAAAAAAAMAAAAAQAAAAAAAAAAAAAAAAAAAB8AAABUAAAAAAAAAP///wEAAAAAAAAAAAAAAAAAAAAAAAAAAAAAAAAAAAAAAAAAAAAAAAJ/f38AWVlZA8zMzADAwP8Af39/AAAAAAAAAAAAAAAAAAAAAAAAAAAAIQAAABgAAAAUAAAAogMAAGYIAADGNAAAZB0AABAAAAAmAAAACAAAAP//////////"/>
+                <pr:smNativeData xmlns:pr="smNativeData" xmlns="smNativeData" val="SMDATA_15_t6npZxMAAAAlAAAAZAAAAA0AAAAAkAAAAJAAAACQAAAAkAAAAAAAAAABAAAAAAAAAAEAAABQAAAAAAAAAAAA4D8AAAAAAADgPwAAAAAAAOA/AAAAAAAA4D8AAAAAAADgPwAAAAAAAOA/AAAAAAAA4D8AAAAAAADgPwAAAAAAAOA/AAAAAAAA4D8CAAAAjAAAAAEAAAAAAAAAAAAAAP///wgAAAAAAAAAAAAAAAAAAAAAAAAAAAAAAAAAAAAAeAAAAAEAAABAAAAAAAAAAAAAAABaAAAAAAAAAAAAAAAAAAAAAAAAAAAAAAAAAAAAAAAAAAAAAAAAAAAAAAAAAAAAAAAAAAAAAAAAAAAAAAAAAAAAAAAAAAAAAAAAAAAAFAAAADwAAAAAAAAAAAAAAAAAAAkUAAAAAQAAABQAAAAUAAAAFAAAAAEAAAAAAAAAZAAAAGQAAAAAAAAAZAAAAGQAAAAVAAAAYAAAAAAAAAAAAAAADwAAACADAAAAAAAAAAAAAAEAAACgMgAAVgcAAKr4//8BAAAAf39/AAEAAABkAAAAAAAAABQAAABAHwAAAAAAACYAAAAAAAAAwOD//wAAAAAmAAAAZAAAABYAAABMAAAAAAAAAAAAAAAEAAAAAAAAAAEAAABZWVkKAAAAACgAAAAoAAAAZAAAAGQAAAAAAAAAzMzMAAAAAABQAAAAUAAAAGQAAABkAAAAAAAAABcAAAAUAAAAAAAAAAAAAAD/fwAA/38AAAAAAAAJAAAABAAAAAD///8eAAAAaAAAAAAAAAAAAAAAAAAAAAAAAAAAAAAAECcAABAnAAAAAAAAAAAAAAAAAAAAAAAAAAAAAAAAAAAAAAAAAAAAABQAAAAAAAAAwMD/AAAAAABkAAAAMgAAAAAAAABkAAAAAAAAAH9/fwAKAAAAIgAAABgAAAAAAAAAAAAAAAAAAAAAAAAAAAAAAAAAAAAkAAAAJAAAAAAAAAAHAAAAAAAAAAAAAAAAAAAAAAAAAAAAAAAAAAAAf39/ACUAAABYAAAAAAAAAAAAAAAAAAAAAAAAAAAAAAAAAAAAAAAAAAAAAAAAAAAAAAAAAAAAAAA/AAAAAAAAAKCGAQAAAAAAAAAAAAAAAAAMAAAAAQAAAAAAAAAAAAAAAAAAAB8AAABUAAAAAAAAAP///wEAAAAAAAAAAAAAAAAAAAAAAAAAAAAAAAAAAAAAAAAAAAAAAAJ/f38AWVlZA8zMzADAwP8Af39/AAAAAAAAAAAAAAAAAAAAAAAAAAAAIQAAABgAAAAUAAAAogMAAGYIAADGNAAAZB0AABAAAAAmAAAACAAAAP//////////"/>
               </a:ext>
             </a:extLst>
           </p:cNvSpPr>
@@ -6087,7 +6214,7 @@
             <a:spLocks noGrp="1" noChangeArrowheads="1"/>
             <a:extLst>
               <a:ext uri="smNativeData">
-                <pr:smNativeData xmlns:pr="smNativeData" xmlns="smNativeData" val="SMDATA_15_gHjoZxMAAAAlAAAAZAAAAA0AAAAAkAAAAJAAAACQAAAAkAAAAAAAAAAAAAAAAAAAAAEAAABQAAAAAAAAAAAA4D8AAAAAAADgPwAAAAAAAOA/AAAAAAAA4D8AAAAAAADgPwAAAAAAAOA/AAAAAAAA4D8AAAAAAADgPwAAAAAAAOA/AAAAAAAA4D8CAAAAjAAAAAAAAAAAAAAAQoX0DP///wgAAAAAAAAAAAAAAAAAAAAAAAAAAAAAAAAAAAAAZAAAAAEAAABAAAAAAAAAAAAAAAAAAAAAAAAAAAAAAAAAAAAAAAAAAAAAAAAAAAAAAAAAAAAAAAAAAAAAAAAAAAAAAAAAAAAAAAAAAAAAAAAAAAAAAAAAAAAAAAAAAAAAFAAAADwAAAAAAAAAAAAAAAAAAAkUAAAAAQAAABQAAAAUAAAAFAAAAAEAAAAAAAAAZAAAAGQAAAAAAAAAZAAAAGQAAAAVAAAAYAAAAAAAAAAAAAAADwAAACADAAAAAAAAAAAAAAEAAACgMgAAVgcAAKr4//8BAAAAf39/AAEAAABkAAAAAAAAABQAAABAHwAAAAAAACYAAAAAAAAAwOD//wAAAAAmAAAAZAAAABYAAABMAAAAAAAAAAAAAAAEAAAAAAAAAAEAAABZWVkKAAAAACgAAAAoAAAAZAAAAGQAAAAAAAAAzMzMAAAAAABQAAAAUAAAAGQAAABkAAAAAAAAABcAAAAUAAAAAAAAAAAAAAD/fwAA/38AAAAAAAAJAAAABAAAAP8A//8eAAAAaAAAAAAAAAAAAAAAAAAAAAAAAAAAAAAAECcAABAnAAAAAAAAAAAAAAAAAAAAAAAAAAAAAAAAAAAAAAAAAAAAABQAAAAAAAAAwMD/AAAAAABkAAAAMgAAAAAAAABkAAAAAAAAAH9/fwAKAAAAIgAAABgAAAAAAAAAAAAAAAAAAAAAAAAAAAAAAAAAAAAkAAAAJAAAAAAAAAAHAAAAAAAAAAAAAAAAAAAAAAAAAAAAAAAAAAAAf39/ACUAAABYAAAAAAAAAAAAAAAAAAAAAAAAAAAAAAAAAAAAAAAAAAAAAAAAAAAAAAAAAAAAAAA/AAAAAAAAAKCGAQAAAAAAAAAAAAAAAAAMAAAAAQAAAAAAAAAAAAAAAAAAAB8AAABUAAAAAAAABQAAAAEAAAAAAAAAAAAAAAAAAAAAAAAAAAAAAAAAAAAAAAAAAAAAAAJ/f38AAAAAA8zMzADAwP8Af39/AAAAAAAAAAAAAAAAAAAAAAAAAAAAIQAAABgAAAAUAAAApQQAAFQJAAA/NwAAlR4AABAAAAAmAAAACAAAAD2wAAAAAAAA"/>
+                <pr:smNativeData xmlns:pr="smNativeData" xmlns="smNativeData" val="SMDATA_15_t6npZxMAAAAlAAAAZAAAAA0AAAAAkAAAAJAAAACQAAAAkAAAAAAAAAAAAAAAAAAAAAEAAABQAAAAAAAAAAAA4D8AAAAAAADgPwAAAAAAAOA/AAAAAAAA4D8AAAAAAADgPwAAAAAAAOA/AAAAAAAA4D8AAAAAAADgPwAAAAAAAOA/AAAAAAAA4D8CAAAAjAAAAAAAAAAAAAAAQoX0DP///wgAAAAAAAAAAAAAAAAAAAAAAAAAAAAAAAAAAAAAZAAAAAEAAABAAAAAAAAAAAAAAAAAAAAAAAAAAAAAAAAAAAAAAAAAAAAAAAAAAAAAAAAAAAAAAAAAAAAAAAAAAAAAAAAAAAAAAAAAAAAAAAAAAAAAAAAAAAAAAAAAAAAAFAAAADwAAAAAAAAAAAAAAAAAAAkUAAAAAQAAABQAAAAUAAAAFAAAAAEAAAAAAAAAZAAAAGQAAAAAAAAAZAAAAGQAAAAVAAAAYAAAAAAAAAAAAAAADwAAACADAAAAAAAAAAAAAAEAAACgMgAAVgcAAKr4//8BAAAAf39/AAEAAABkAAAAAAAAABQAAABAHwAAAAAAACYAAAAAAAAAwOD//wAAAAAmAAAAZAAAABYAAABMAAAAAAAAAAAAAAAEAAAAAAAAAAEAAABZWVkKAAAAACgAAAAoAAAAZAAAAGQAAAAAAAAAzMzMAAAAAABQAAAAUAAAAGQAAABkAAAAAAAAABcAAAAUAAAAAAAAAAAAAAD/fwAA/38AAAAAAAAJAAAABAAAAP8A//8eAAAAaAAAAAAAAAAAAAAAAAAAAAAAAAAAAAAAECcAABAnAAAAAAAAAAAAAAAAAAAAAAAAAAAAAAAAAAAAAAAAAAAAABQAAAAAAAAAwMD/AAAAAABkAAAAMgAAAAAAAABkAAAAAAAAAH9/fwAKAAAAIgAAABgAAAAAAAAAAAAAAAAAAAAAAAAAAAAAAAAAAAAkAAAAJAAAAAAAAAAHAAAAAAAAAAAAAAAAAAAAAAAAAAAAAAAAAAAAf39/ACUAAABYAAAAAAAAAAAAAAAAAAAAAAAAAAAAAAAAAAAAAAAAAAAAAAAAAAAAAAAAAAAAAAA/AAAAAAAAAKCGAQAAAAAAAAAAAAAAAAAMAAAAAQAAAAAAAAAAAAAAAAAAAB8AAABUAAAAAAAABQAAAAEAAAAAAAAAAAAAAAAAAAAAAAAAAAAAAAAAAAAAAAAAAAAAAAJ/f38AAAAAA8zMzADAwP8Af39/AAAAAAAAAAAAAAAAAAAAAAAAAAAAIQAAABgAAAAUAAAApQQAAFQJAAA/NwAAlR4AABAAAAAmAAAACAAAAD2wAAAAAAAA"/>
               </a:ext>
             </a:extLst>
           </p:cNvSpPr>
@@ -6302,7 +6429,7 @@
             <a:spLocks noGrp="1" noChangeArrowheads="1"/>
             <a:extLst>
               <a:ext uri="smNativeData">
-                <pr:smNativeData xmlns:pr="smNativeData" xmlns="smNativeData" val="SMDATA_15_gHjoZxMAAAAlAAAAZAAAAA0AAAAAkAAAAJAAAACQAAAAkAAAAAAAAAAAAAAAAAAAAAEAAABQAAAAAAAAAAAA4D8AAAAAAADgPwAAAAAAAOA/AAAAAAAA4D8AAAAAAADgPwAAAAAAAOA/AAAAAAAA4D8AAAAAAADgPwAAAAAAAOA/AAAAAAAA4D8CAAAAjAAAAAAAAAAAAAAAQoX0DP///wgAAAAAAAAAAAAAAAAAAAAAAAAAAAAAAAAAAAAAZAAAAAEAAABAAAAAAAAAAAAAAAAAAAAAAAAAAAAAAAAAAAAAAAAAAAAAAAAAAAAAAAAAAAAAAAAAAAAAAAAAAAAAAAAAAAAAAAAAAAAAAAAAAAAAAAAAAAAAAAAAAAAAFAAAADwAAAAAAAAAAAAAAAAAAAkUAAAAAQAAABQAAAAUAAAAFAAAAAEAAAAAAAAAZAAAAGQAAAAAAAAAZAAAAGQAAAAVAAAAYAAAAAAAAAAAAAAADwAAACADAAAAAAAAAAAAAAEAAACgMgAAVgcAAKr4//8BAAAAf39/AAEAAABkAAAAAAAAABQAAABAHwAAAAAAACYAAAAAAAAAwOD//wAAAAAmAAAAZAAAABYAAABMAAAAAAAAAAAAAAAEAAAAAAAAAAEAAABZWVkKAAAAACgAAAAoAAAAZAAAAGQAAAAAAAAAzMzMAAAAAABQAAAAUAAAAGQAAABkAAAAAAAAABcAAAAUAAAAAAAAAAAAAAD/fwAA/38AAAAAAAAJAAAABAAAAP//AP8eAAAAaAAAAAAAAAAAAAAAAAAAAAAAAAAAAAAAECcAABAnAAAAAAAAAAAAAAAAAAAAAAAAAAAAAAAAAAAAAAAAAAAAABQAAAAAAAAAwMD/AAAAAABkAAAAMgAAAAAAAABkAAAAAAAAAH9/fwAKAAAAIgAAABgAAAAAAAAAAAAAAAAAAAAAAAAAAAAAAAAAAAAkAAAAJAAAAAAAAAAHAAAAAAAAAAAAAAAAAAAAAAAAAAAAAAAAAAAAf39/ACUAAABYAAAAAAAAAAAAAAAAAAAAAAAAAAAAAAAAAAAAAAAAAAAAAAAAAAAAAAAAAAAAAAA/AAAAAAAAAKCGAQAAAAAAAAAAAAAAAAAMAAAAAQAAAAAAAAAAAAAAAAAAAB8AAABUAAAAAAAABQAAAAEAAAAAAAAAAAAAAAAAAAAAAAAAAAAAAAAAAAAAAAAAAAAAAAJ/f38AAAAAA8zMzADAwP8Af39/AAAAAAAAAAAAAAAAAAAAAAAAAAAAIQAAABgAAAAUAAAAFAMAAAkCAAB/NwAAxwgAABAAAAAmAAAACAAAAD2wAAAAAAAA"/>
+                <pr:smNativeData xmlns:pr="smNativeData" xmlns="smNativeData" val="SMDATA_15_t6npZxMAAAAlAAAAZAAAAA0AAAAAkAAAAJAAAACQAAAAkAAAAAAAAAAAAAAAAAAAAAEAAABQAAAAAAAAAAAA4D8AAAAAAADgPwAAAAAAAOA/AAAAAAAA4D8AAAAAAADgPwAAAAAAAOA/AAAAAAAA4D8AAAAAAADgPwAAAAAAAOA/AAAAAAAA4D8CAAAAjAAAAAAAAAAAAAAAQoX0DP///wgAAAAAAAAAAAAAAAAAAAAAAAAAAAAAAAAAAAAAZAAAAAEAAABAAAAAAAAAAAAAAAAAAAAAAAAAAAAAAAAAAAAAAAAAAAAAAAAAAAAAAAAAAAAAAAAAAAAAAAAAAAAAAAAAAAAAAAAAAAAAAAAAAAAAAAAAAAAAAAAAAAAAFAAAADwAAAAAAAAAAAAAAAAAAAkUAAAAAQAAABQAAAAUAAAAFAAAAAEAAAAAAAAAZAAAAGQAAAAAAAAAZAAAAGQAAAAVAAAAYAAAAAAAAAAAAAAADwAAACADAAAAAAAAAAAAAAEAAACgMgAAVgcAAKr4//8BAAAAf39/AAEAAABkAAAAAAAAABQAAABAHwAAAAAAACYAAAAAAAAAwOD//wAAAAAmAAAAZAAAABYAAABMAAAAAAAAAAAAAAAEAAAAAAAAAAEAAABZWVkKAAAAACgAAAAoAAAAZAAAAGQAAAAAAAAAzMzMAAAAAABQAAAAUAAAAGQAAABkAAAAAAAAABcAAAAUAAAAAAAAAAAAAAD/fwAA/38AAAAAAAAJAAAABAAAAP//AP8eAAAAaAAAAAAAAAAAAAAAAAAAAAAAAAAAAAAAECcAABAnAAAAAAAAAAAAAAAAAAAAAAAAAAAAAAAAAAAAAAAAAAAAABQAAAAAAAAAwMD/AAAAAABkAAAAMgAAAAAAAABkAAAAAAAAAH9/fwAKAAAAIgAAABgAAAAAAAAAAAAAAAAAAAAAAAAAAAAAAAAAAAAkAAAAJAAAAAAAAAAHAAAAAAAAAAAAAAAAAAAAAAAAAAAAAAAAAAAAf39/ACUAAABYAAAAAAAAAAAAAAAAAAAAAAAAAAAAAAAAAAAAAAAAAAAAAAAAAAAAAAAAAAAAAAA/AAAAAAAAAKCGAQAAAAAAAAAAAAAAAAAMAAAAAQAAAAAAAAAAAAAAAAAAAB8AAABUAAAAAAAABQAAAAEAAAAAAAAAAAAAAAAAAAAAAAAAAAAAAAAAAAAAAAAAAAAAAAJ/f38AAAAAA8zMzADAwP8Af39/AAAAAAAAAAAAAAAAAAAAAAAAAAAAIQAAABgAAAAUAAAAFAMAAAkCAAB/NwAAxwgAABAAAAAmAAAACAAAAD2wAAAAAAAA"/>
               </a:ext>
             </a:extLst>
           </p:cNvSpPr>
@@ -6417,7 +6544,7 @@
             <a:spLocks noGrp="1" noChangeArrowheads="1"/>
             <a:extLst>
               <a:ext uri="smNativeData">
-                <pr:smNativeData xmlns:pr="smNativeData" xmlns="smNativeData" val="SMDATA_15_gHjoZxMAAAAlAAAAZAAAAA0AAAAAkAAAAJAAAACQAAAAkAAAAAAAAAAAAAAAAAAAAAEAAABQAAAAAAAAAAAA4D8AAAAAAADgPwAAAAAAAOA/AAAAAAAA4D8AAAAAAADgPwAAAAAAAOA/AAAAAAAA4D8AAAAAAADgPwAAAAAAAOA/AAAAAAAA4D8CAAAAjAAAAAAAAAAAAAAAQoX0DP///wgAAAAAAAAAAAAAAAAAAAAAAAAAAAAAAAAAAAAAZAAAAAEAAABAAAAAAAAAAAAAAAAAAAAAAAAAAAAAAAAAAAAAAAAAAAAAAAAAAAAAAAAAAAAAAAAAAAAAAAAAAAAAAAAAAAAAAAAAAAAAAAAAAAAAAAAAAAAAAAAAAAAAFAAAADwAAAAAAAAAAAAAAAAAAAkUAAAAAQAAABQAAAAUAAAAFAAAAAEAAAAAAAAAZAAAAGQAAAAAAAAAZAAAAGQAAAAVAAAAYAAAAAAAAAAAAAAADwAAACADAAAAAAAAAAAAAAEAAACgMgAAVgcAAKr4//8BAAAAf39/AAEAAABkAAAAAAAAABQAAABAHwAAAAAAACYAAAAAAAAAwOD//wAAAAAmAAAAZAAAABYAAABMAAAAAAAAAAAAAAAEAAAAAAAAAAEAAABZWVkKAAAAACgAAAAoAAAAZAAAAGQAAAAAAAAAzMzMAAAAAABQAAAAUAAAAGQAAABkAAAAAAAAABcAAAAUAAAAAAAAAAAAAAD/fwAA/38AAAAAAAAJAAAABAAAAP///wAeAAAAaAAAAAAAAAAAAAAAAAAAAAAAAAAAAAAAECcAABAnAAAAAAAAAAAAAAAAAAAAAAAAAAAAAAAAAAAAAAAAAAAAABQAAAAAAAAAwMD/AAAAAABkAAAAMgAAAAAAAABkAAAAAAAAAH9/fwAKAAAAIgAAABgAAAAAAAAAAAAAAAAAAAAAAAAAAAAAAAAAAAAkAAAAJAAAAAAAAAAHAAAAAAAAAAAAAAAAAAAAAAAAAAAAAAAAAAAAf39/ACUAAABYAAAAAAAAAAAAAAAAAAAAAAAAAAAAAAAAAAAAAAAAAAAAAAAAAAAAAAAAAAAAAAA/AAAAAAAAAKCGAQAAAAAAAAAAAAAAAAAMAAAAAQAAAAAAAAAAAAAAAAAAAB8AAABUAAAAAAAABQAAAAEAAAAAAAAAAAAAAAAAAAAAAAAAAAAAAAAAAAAAAAAAAAAAAAJ/f38AAAAAA8zMzADAwP8Af39/AAAAAAAAAAAAAAAAAAAAAAAAAAAAIQAAABgAAAAUAAAAWQMAAE8IAAANJAAA3w0AABAAAAAmAAAACAAAAD2wAAAAAAAA"/>
+                <pr:smNativeData xmlns:pr="smNativeData" xmlns="smNativeData" val="SMDATA_15_t6npZxMAAAAlAAAAZAAAAA0AAAAAkAAAAJAAAACQAAAAkAAAAAAAAAAAAAAAAAAAAAEAAABQAAAAAAAAAAAA4D8AAAAAAADgPwAAAAAAAOA/AAAAAAAA4D8AAAAAAADgPwAAAAAAAOA/AAAAAAAA4D8AAAAAAADgPwAAAAAAAOA/AAAAAAAA4D8CAAAAjAAAAAAAAAAAAAAAQoX0DP///wgAAAAAAAAAAAAAAAAAAAAAAAAAAAAAAAAAAAAAZAAAAAEAAABAAAAAAAAAAAAAAAAAAAAAAAAAAAAAAAAAAAAAAAAAAAAAAAAAAAAAAAAAAAAAAAAAAAAAAAAAAAAAAAAAAAAAAAAAAAAAAAAAAAAAAAAAAAAAAAAAAAAAFAAAADwAAAAAAAAAAAAAAAAAAAkUAAAAAQAAABQAAAAUAAAAFAAAAAEAAAAAAAAAZAAAAGQAAAAAAAAAZAAAAGQAAAAVAAAAYAAAAAAAAAAAAAAADwAAACADAAAAAAAAAAAAAAEAAACgMgAAVgcAAKr4//8BAAAAf39/AAEAAABkAAAAAAAAABQAAABAHwAAAAAAACYAAAAAAAAAwOD//wAAAAAmAAAAZAAAABYAAABMAAAAAAAAAAAAAAAEAAAAAAAAAAEAAABZWVkKAAAAACgAAAAoAAAAZAAAAGQAAAAAAAAAzMzMAAAAAABQAAAAUAAAAGQAAABkAAAAAAAAABcAAAAUAAAAAAAAAAAAAAD/fwAA/38AAAAAAAAJAAAABAAAAP///wAeAAAAaAAAAAAAAAAAAAAAAAAAAAAAAAAAAAAAECcAABAnAAAAAAAAAAAAAAAAAAAAAAAAAAAAAAAAAAAAAAAAAAAAABQAAAAAAAAAwMD/AAAAAABkAAAAMgAAAAAAAABkAAAAAAAAAH9/fwAKAAAAIgAAABgAAAAAAAAAAAAAAAAAAAAAAAAAAAAAAAAAAAAkAAAAJAAAAAAAAAAHAAAAAAAAAAAAAAAAAAAAAAAAAAAAAAAAAAAAf39/ACUAAABYAAAAAAAAAAAAAAAAAAAAAAAAAAAAAAAAAAAAAAAAAAAAAAAAAAAAAAAAAAAAAAA/AAAAAAAAAKCGAQAAAAAAAAAAAAAAAAAMAAAAAQAAAAAAAAAAAAAAAAAAAB8AAABUAAAAAAAABQAAAAEAAAAAAAAAAAAAAAAAAAAAAAAAAAAAAAAAAAAAAAAAAAAAAAJ/f38AAAAAA8zMzADAwP8Af39/AAAAAAAAAAAAAAAAAAAAAAAAAAAAIQAAABgAAAAUAAAAWQMAAE8IAAANJAAA3w0AABAAAAAmAAAACAAAAD2wAAAAAAAA"/>
               </a:ext>
             </a:extLst>
           </p:cNvSpPr>
@@ -6603,7 +6730,7 @@
           <p:cNvSpPr>
             <a:extLst>
               <a:ext uri="smNativeData">
-                <pr:smNativeData xmlns:pr="smNativeData" xmlns="smNativeData" val="SMDATA_15_gHjoZxMAAAAlAAAAZAAAAA0AAAAAkAAAAJAAAACQAAAAkAAAAAAAAAABAAAAAAAAAAEAAABQAAAAAAAAAAAA4D8AAAAAAADgPwAAAAAAAOA/AAAAAAAA4D8AAAAAAADgPwAAAAAAAOA/AAAAAAAA4D8AAAAAAADgPwAAAAAAAOA/AAAAAAAA4D8CAAAAjAAAAAEAAAAAAAAA+/v+AP///wgAAAAAAAAAAAAAAAAAAAAAAAAAAAAAAAAAAAAAeAAAAAEAAABAAAAAAAAAAAAAAABaAAAAAAAAAAAAAAAAAAAAAAAAAAAAAAAAAAAAAAAAAAAAAAAAAAAAAAAAAAAAAAAAAAAAAAAAAAAAAAAAAAAAAAAAAAAAAAAAAAAAFAAAADwAAAAAAAAAAAAAAAAAAAkUAAAAAQAAABQAAAAUAAAAFAAAAAEAAAAAAAAAZAAAAGQAAAAAAAAAZAAAAGQAAAAVAAAAYAAAAAAAAAAAAAAADwAAACADAAAAAAAAAAAAAAEAAACgMgAAVgcAAKr4//8BAAAAf39/AAEAAABkAAAAAAAAABQAAABAHwAAAAAAACYAAAAAAAAAwOD//wAAAAAmAAAAZAAAABYAAABMAAAAAAAAAAAAAAAEAAAAAAAAAAEAAABZWVkKAAAAACgAAAAoAAAAZAAAAGQAAAAAAAAAzMzMAAAAAABQAAAAUAAAAGQAAABkAAAAAAAAABcAAAAUAAAAAAAAAAAAAAD/fwAA/38AAAAAAAAJAAAABAAAAP///wAeAAAAaAAAAAAAAAAAAAAAAAAAAAAAAAAAAAAAECcAABAnAAAAAAAAAAAAAAAAAAAAAAAAAAAAAAAAAAAAAAAAAAAAABQAAAAAAAAAwMD/AAAAAABkAAAAMgAAAAAAAABkAAAAAAAAAH9/fwAKAAAAIgAAABgAAAAAAAAAAAAAAAAAAAAAAAAAAAAAAAAAAAAkAAAAJAAAAAAAAAAHAAAAAAAAAAAAAAAAAAAAAAAAAAAAAAAAAAAAf39/ACUAAABYAAAAAAAAAAAAAAAAAAAAAAAAAAAAAAAAAAAAAAAAAAAAAAAAAAAAAAAAAAAAAAA/AAAAAAAAAKCGAQAAAAAAAAAAAAAAAAAMAAAAAQAAAAAAAAAAAAAAAAAAAB8AAABUAAAA+/v+AP///wEAAAAAAAAAAAAAAAAAAAAAAAAAAAAAAAAAAAAAAAAAAAAAAAJ/f38AWVlZA8zMzADAwP8Af39/AAAAAAAAAAAAAAAAAAAAAAAAAAAAIQAAABgAAAAUAAAAuwMAADENAACQNAAAWhwAABAAAAAmAAAACAAAAP//////////"/>
+                <pr:smNativeData xmlns:pr="smNativeData" xmlns="smNativeData" val="SMDATA_15_t6npZxMAAAAlAAAAZAAAAA0AAAAAkAAAAJAAAACQAAAAkAAAAAAAAAABAAAAAAAAAAEAAABQAAAAAAAAAAAA4D8AAAAAAADgPwAAAAAAAOA/AAAAAAAA4D8AAAAAAADgPwAAAAAAAOA/AAAAAAAA4D8AAAAAAADgPwAAAAAAAOA/AAAAAAAA4D8CAAAAjAAAAAEAAAAAAAAA+/v+AP///wgAAAAAAAAAAAAAAAAAAAAAAAAAAAAAAAAAAAAAeAAAAAEAAABAAAAAAAAAAAAAAABaAAAAAAAAAAAAAAAAAAAAAAAAAAAAAAAAAAAAAAAAAAAAAAAAAAAAAAAAAAAAAAAAAAAAAAAAAAAAAAAAAAAAAAAAAAAAAAAAAAAAFAAAADwAAAAAAAAAAAAAAAAAAAkUAAAAAQAAABQAAAAUAAAAFAAAAAEAAAAAAAAAZAAAAGQAAAAAAAAAZAAAAGQAAAAVAAAAYAAAAAAAAAAAAAAADwAAACADAAAAAAAAAAAAAAEAAACgMgAAVgcAAKr4//8BAAAAf39/AAEAAABkAAAAAAAAABQAAABAHwAAAAAAACYAAAAAAAAAwOD//wAAAAAmAAAAZAAAABYAAABMAAAAAAAAAAAAAAAEAAAAAAAAAAEAAABZWVkKAAAAACgAAAAoAAAAZAAAAGQAAAAAAAAAzMzMAAAAAABQAAAAUAAAAGQAAABkAAAAAAAAABcAAAAUAAAAAAAAAAAAAAD/fwAA/38AAAAAAAAJAAAABAAAAP///wAeAAAAaAAAAAAAAAAAAAAAAAAAAAAAAAAAAAAAECcAABAnAAAAAAAAAAAAAAAAAAAAAAAAAAAAAAAAAAAAAAAAAAAAABQAAAAAAAAAwMD/AAAAAABkAAAAMgAAAAAAAABkAAAAAAAAAH9/fwAKAAAAIgAAABgAAAAAAAAAAAAAAAAAAAAAAAAAAAAAAAAAAAAkAAAAJAAAAAAAAAAHAAAAAAAAAAAAAAAAAAAAAAAAAAAAAAAAAAAAf39/ACUAAABYAAAAAAAAAAAAAAAAAAAAAAAAAAAAAAAAAAAAAAAAAAAAAAAAAAAAAAAAAAAAAAA/AAAAAAAAAKCGAQAAAAAAAAAAAAAAAAAMAAAAAQAAAAAAAAAAAAAAAAAAAB8AAABUAAAA+/v+AP///wEAAAAAAAAAAAAAAAAAAAAAAAAAAAAAAAAAAAAAAAAAAAAAAAJ/f38AWVlZA8zMzADAwP8Af39/AAAAAAAAAAAAAAAAAAAAAAAAAAAAIQAAABgAAAAUAAAAuwMAADENAACQNAAAWhwAABAAAAAmAAAACAAAAP//////////"/>
               </a:ext>
             </a:extLst>
           </p:cNvSpPr>
@@ -6648,7 +6775,7 @@
             <a:spLocks noGrp="1" noChangeArrowheads="1"/>
             <a:extLst>
               <a:ext uri="smNativeData">
-                <pr:smNativeData xmlns:pr="smNativeData" xmlns="smNativeData" val="SMDATA_15_gHjoZxMAAAAlAAAAZAAAAA0AAAAAkAAAAJAAAACQAAAAkAAAAAAAAAAAAAAAAAAAAAEAAABQAAAAAAAAAAAA4D8AAAAAAADgPwAAAAAAAOA/AAAAAAAA4D8AAAAAAADgPwAAAAAAAOA/AAAAAAAA4D8AAAAAAADgPwAAAAAAAOA/AAAAAAAA4D8CAAAAjAAAAAAAAAAAAAAAQoX0DP///wgAAAAAAAAAAAAAAAAAAAAAAAAAAAAAAAAAAAAAZAAAAAEAAABAAAAAAAAAAAAAAAAAAAAAAAAAAAAAAAAAAAAAAAAAAAAAAAAAAAAAAAAAAAAAAAAAAAAAAAAAAAAAAAAAAAAAAAAAAAAAAAAAAAAAAAAAAAAAAAAAAAAAFAAAADwAAAAAAAAAAAAAAAAAAAkUAAAAAQAAABQAAAAUAAAAFAAAAAEAAAAAAAAAZAAAAGQAAAAAAAAAZAAAAGQAAAAVAAAAYAAAAAAAAAAAAAAADwAAACADAAAAAAAAAAAAAAEAAACgMgAAVgcAAKr4//8BAAAAf39/AAEAAABkAAAAAAAAABQAAABAHwAAAAAAACYAAAAAAAAAwOD//wAAAAAmAAAAZAAAABYAAABMAAAAAAAAAAAAAAAEAAAAAAAAAAEAAABZWVkKAAAAACgAAAAoAAAAZAAAAGQAAAAAAAAAzMzMAAAAAABQAAAAUAAAAGQAAABkAAAAAAAAABcAAAAUAAAAAAAAAAAAAAD/fwAA/38AAAAAAAAJAAAABAAAAP8A//8eAAAAaAAAAAAAAAAAAAAAAAAAAAAAAAAAAAAAECcAABAnAAAAAAAAAAAAAAAAAAAAAAAAAAAAAAAAAAAAAAAAAAAAABQAAAAAAAAAwMD/AAAAAABkAAAAMgAAAAAAAABkAAAAAAAAAH9/fwAKAAAAIgAAABgAAAAAAAAAAAAAAAAAAAAAAAAAAAAAAAAAAAAkAAAAJAAAAAAAAAAHAAAAAAAAAAAAAAAAAAAAAAAAAAAAAAAAAAAAf39/ACUAAABYAAAAAAAAAAAAAAAAAAAAAAAAAAAAAAAAAAAAAAAAAAAAAAAAAAAAAAAAAAAAAAA/AAAAAAAAAKCGAQAAAAAAAAAAAAAAAAAMAAAAAQAAAAAAAAAAAAAAAAAAAB8AAABUAAAAAAAABQAAAAEAAAAAAAAAAAAAAAAAAAAAAAAAAAAAAAAAAAAAAAAAAAAAAAJ/f38AAAAAA8zMzADAwP8Af39/AAAAAAAAAAAAAAAAAAAAAAAAAAAAIQAAABgAAAAUAAAA5AQAAKgNAAByMwAAMhwAABAAAAAmAAAACAAAAD2wAAAAAAAA"/>
+                <pr:smNativeData xmlns:pr="smNativeData" xmlns="smNativeData" val="SMDATA_15_t6npZxMAAAAlAAAAZAAAAA0AAAAAkAAAAJAAAACQAAAAkAAAAAAAAAAAAAAAAAAAAAEAAABQAAAAAAAAAAAA4D8AAAAAAADgPwAAAAAAAOA/AAAAAAAA4D8AAAAAAADgPwAAAAAAAOA/AAAAAAAA4D8AAAAAAADgPwAAAAAAAOA/AAAAAAAA4D8CAAAAjAAAAAAAAAAAAAAAQoX0DP///wgAAAAAAAAAAAAAAAAAAAAAAAAAAAAAAAAAAAAAZAAAAAEAAABAAAAAAAAAAAAAAAAAAAAAAAAAAAAAAAAAAAAAAAAAAAAAAAAAAAAAAAAAAAAAAAAAAAAAAAAAAAAAAAAAAAAAAAAAAAAAAAAAAAAAAAAAAAAAAAAAAAAAFAAAADwAAAAAAAAAAAAAAAAAAAkUAAAAAQAAABQAAAAUAAAAFAAAAAEAAAAAAAAAZAAAAGQAAAAAAAAAZAAAAGQAAAAVAAAAYAAAAAAAAAAAAAAADwAAACADAAAAAAAAAAAAAAEAAACgMgAAVgcAAKr4//8BAAAAf39/AAEAAABkAAAAAAAAABQAAABAHwAAAAAAACYAAAAAAAAAwOD//wAAAAAmAAAAZAAAABYAAABMAAAAAAAAAAAAAAAEAAAAAAAAAAEAAABZWVkKAAAAACgAAAAoAAAAZAAAAGQAAAAAAAAAzMzMAAAAAABQAAAAUAAAAGQAAABkAAAAAAAAABcAAAAUAAAAAAAAAAAAAAD/fwAA/38AAAAAAAAJAAAABAAAAP8A//8eAAAAaAAAAAAAAAAAAAAAAAAAAAAAAAAAAAAAECcAABAnAAAAAAAAAAAAAAAAAAAAAAAAAAAAAAAAAAAAAAAAAAAAABQAAAAAAAAAwMD/AAAAAABkAAAAMgAAAAAAAABkAAAAAAAAAH9/fwAKAAAAIgAAABgAAAAAAAAAAAAAAAAAAAAAAAAAAAAAAAAAAAAkAAAAJAAAAAAAAAAHAAAAAAAAAAAAAAAAAAAAAAAAAAAAAAAAAAAAf39/ACUAAABYAAAAAAAAAAAAAAAAAAAAAAAAAAAAAAAAAAAAAAAAAAAAAAAAAAAAAAAAAAAAAAA/AAAAAAAAAKCGAQAAAAAAAAAAAAAAAAAMAAAAAQAAAAAAAAAAAAAAAAAAAB8AAABUAAAAAAAABQAAAAEAAAAAAAAAAAAAAAAAAAAAAAAAAAAAAAAAAAAAAAAAAAAAAAJ/f38AAAAAA8zMzADAwP8Af39/AAAAAAAAAAAAAAAAAAAAAAAAAAAAIQAAABgAAAAUAAAA5AQAAKgNAAByMwAAMhwAABAAAAAmAAAACAAAAD2wAAAAAAAA"/>
               </a:ext>
             </a:extLst>
           </p:cNvSpPr>
@@ -6828,7 +6955,7 @@
             <a:spLocks noGrp="1" noChangeArrowheads="1"/>
             <a:extLst>
               <a:ext uri="smNativeData">
-                <pr:smNativeData xmlns:pr="smNativeData" xmlns="smNativeData" val="SMDATA_15_gHjoZxMAAAAlAAAAZAAAAA0AAAAAkAAAAJAAAACQAAAAkAAAAAAAAAAAAAAAAAAAAAEAAABQAAAAAAAAAAAA4D8AAAAAAADgPwAAAAAAAOA/AAAAAAAA4D8AAAAAAADgPwAAAAAAAOA/AAAAAAAA4D8AAAAAAADgPwAAAAAAAOA/AAAAAAAA4D8CAAAAjAAAAAAAAAAAAAAAQoX0DP///wgAAAAAAAAAAAAAAAAAAAAAAAAAAAAAAAAAAAAAZAAAAAEAAABAAAAAAAAAAAAAAAAAAAAAAAAAAAAAAAAAAAAAAAAAAAAAAAAAAAAAAAAAAAAAAAAAAAAAAAAAAAAAAAAAAAAAAAAAAAAAAAAAAAAAAAAAAAAAAAAAAAAAFAAAADwAAAAAAAAAAAAAAAAAAAkUAAAAAQAAABQAAAAUAAAAFAAAAAEAAAAAAAAAZAAAAGQAAAAAAAAAZAAAAGQAAAAVAAAAYAAAAAAAAAAAAAAADwAAACADAAAAAAAAAAAAAAEAAACgMgAAVgcAAKr4//8BAAAAf39/AAEAAABkAAAAAAAAABQAAABAHwAAAAAAACYAAAAAAAAAwOD//wAAAAAmAAAAZAAAABYAAABMAAAAAAAAAAAAAAAEAAAAAAAAAAEAAABZWVkKAAAAACgAAAAoAAAAZAAAAGQAAAAAAAAAzMzMAAAAAABQAAAAUAAAAGQAAABkAAAAAAAAABcAAAAUAAAAAAAAAAAAAAD/fwAA/38AAAAAAAAJAAAABAAAAGASLggeAAAAaAAAAAAAAAAAAAAAAAAAAAAAAAAAAAAAECcAABAnAAAAAAAAAAAAAAAAAAAAAAAAAAAAAAAAAAAAAAAAAAAAABQAAAAAAAAAwMD/AAAAAABkAAAAMgAAAAAAAABkAAAAAAAAAH9/fwAKAAAAIgAAABgAAAAAAAAAAAAAAAAAAAAAAAAAAAAAAAAAAAAkAAAAJAAAAAAAAAAHAAAAAAAAAAAAAAAAAAAAAAAAAAAAAAAAAAAAf39/ACUAAABYAAAAAAAAAAAAAAAAAAAAAAAAAAAAAAAAAAAAAAAAAAAAAAAAAAAAAAAAAAAAAAA/AAAAAAAAAKCGAQAAAAAAAAAAAAAAAAAMAAAAAQAAAAAAAAAAAAAAAAAAAB8AAABUAAAAAAAABQAAAAEAAAAAAAAAAAAAAAAAAAAAAAAAAAAAAAAAAAAAAAAAAAAAAAJ/f38AAAAAA8zMzADAwP8Af39/AAAAAAAAAAAAAAAAAAAAAAAAAAAAIQAAABgAAAAUAAAAFAMAAAkCAAB/NwAAxwgAABAAAAAmAAAACAAAADywAAAAAAAA"/>
+                <pr:smNativeData xmlns:pr="smNativeData" xmlns="smNativeData" val="SMDATA_15_t6npZxMAAAAlAAAAZAAAAA0AAAAAkAAAAJAAAACQAAAAkAAAAAAAAAAAAAAAAAAAAAEAAABQAAAAAAAAAAAA4D8AAAAAAADgPwAAAAAAAOA/AAAAAAAA4D8AAAAAAADgPwAAAAAAAOA/AAAAAAAA4D8AAAAAAADgPwAAAAAAAOA/AAAAAAAA4D8CAAAAjAAAAAAAAAAAAAAAQoX0DP///wgAAAAAAAAAAAAAAAAAAAAAAAAAAAAAAAAAAAAAZAAAAAEAAABAAAAAAAAAAAAAAAAAAAAAAAAAAAAAAAAAAAAAAAAAAAAAAAAAAAAAAAAAAAAAAAAAAAAAAAAAAAAAAAAAAAAAAAAAAAAAAAAAAAAAAAAAAAAAAAAAAAAAFAAAADwAAAAAAAAAAAAAAAAAAAkUAAAAAQAAABQAAAAUAAAAFAAAAAEAAAAAAAAAZAAAAGQAAAAAAAAAZAAAAGQAAAAVAAAAYAAAAAAAAAAAAAAADwAAACADAAAAAAAAAAAAAAEAAACgMgAAVgcAAKr4//8BAAAAf39/AAEAAABkAAAAAAAAABQAAABAHwAAAAAAACYAAAAAAAAAwOD//wAAAAAmAAAAZAAAABYAAABMAAAAAAAAAAAAAAAEAAAAAAAAAAEAAABZWVkKAAAAACgAAAAoAAAAZAAAAGQAAAAAAAAAzMzMAAAAAABQAAAAUAAAAGQAAABkAAAAAAAAABcAAAAUAAAAAAAAAAAAAAD/fwAA/38AAAAAAAAJAAAABAAAAGASLggeAAAAaAAAAAAAAAAAAAAAAAAAAAAAAAAAAAAAECcAABAnAAAAAAAAAAAAAAAAAAAAAAAAAAAAAAAAAAAAAAAAAAAAABQAAAAAAAAAwMD/AAAAAABkAAAAMgAAAAAAAABkAAAAAAAAAH9/fwAKAAAAIgAAABgAAAAAAAAAAAAAAAAAAAAAAAAAAAAAAAAAAAAkAAAAJAAAAAAAAAAHAAAAAAAAAAAAAAAAAAAAAAAAAAAAAAAAAAAAf39/ACUAAABYAAAAAAAAAAAAAAAAAAAAAAAAAAAAAAAAAAAAAAAAAAAAAAAAAAAAAAAAAAAAAAA/AAAAAAAAAKCGAQAAAAAAAAAAAAAAAAAMAAAAAQAAAAAAAAAAAAAAAAAAAB8AAABUAAAAAAAABQAAAAEAAAAAAAAAAAAAAAAAAAAAAAAAAAAAAAAAAAAAAAAAAAAAAAJ/f38AAAAAA8zMzADAwP8Af39/AAAAAAAAAAAAAAAAAAAAAAAAAAAAIQAAABgAAAAUAAAAFAMAAAkCAAB/NwAAxwgAABAAAAAmAAAACAAAADywAAAAAAAA"/>
               </a:ext>
             </a:extLst>
           </p:cNvSpPr>
@@ -6963,7 +7090,7 @@
             <a:spLocks noGrp="1" noChangeArrowheads="1"/>
             <a:extLst>
               <a:ext uri="smNativeData">
-                <pr:smNativeData xmlns:pr="smNativeData" xmlns="smNativeData" val="SMDATA_15_gHjoZxMAAAAlAAAAZAAAAA0AAAAAkAAAAJAAAACQAAAAkAAAAAAAAAAAAAAAAAAAAAEAAABQAAAAAAAAAAAA4D8AAAAAAADgPwAAAAAAAOA/AAAAAAAA4D8AAAAAAADgPwAAAAAAAOA/AAAAAAAA4D8AAAAAAADgPwAAAAAAAOA/AAAAAAAA4D8CAAAAjAAAAAAAAAAAAAAAQoX0DP///wgAAAAAAAAAAAAAAAAAAAAAAAAAAAAAAAAAAAAAZAAAAAEAAABAAAAAAAAAAAAAAAAAAAAAAAAAAAAAAAAAAAAAAAAAAAAAAAAAAAAAAAAAAAAAAAAAAAAAAAAAAAAAAAAAAAAAAAAAAAAAAAAAAAAAAAAAAAAAAAAAAAAAFAAAADwAAAAAAAAAAAAAAAAAAAkUAAAAAQAAABQAAAAUAAAAFAAAAAEAAAAAAAAAZAAAAGQAAAAAAAAAZAAAAGQAAAAVAAAAYAAAAAAAAAAAAAAADwAAACADAAAAAAAAAAAAAAEAAACgMgAAVgcAAKr4//8BAAAAf39/AAEAAABkAAAAAAAAABQAAABAHwAAAAAAACYAAAAAAAAAwOD//wAAAAAmAAAAZAAAABYAAABMAAAAAAAAAAAAAAAEAAAAAAAAAAEAAABZWVkKAAAAACgAAAAoAAAAZAAAAGQAAAAAAAAAzMzMAAAAAABQAAAAUAAAAGQAAABkAAAAAAAAABcAAAAUAAAAAAAAAAAAAAD/fwAA/38AAAAAAAAJAAAABAAAAAAAAAAeAAAAaAAAAAAAAAAAAAAAAAAAAAAAAAAAAAAAECcAABAnAAAAAAAAAAAAAAAAAAAAAAAAAAAAAAAAAAAAAAAAAAAAABQAAAAAAAAAwMD/AAAAAABkAAAAMgAAAAAAAABkAAAAAAAAAH9/fwAKAAAAIgAAABgAAAAAAAAAAAAAAAAAAAAAAAAAAAAAAAAAAAAkAAAAJAAAAAAAAAAHAAAAAAAAAAAAAAAAAAAAAAAAAAAAAAAAAAAAf39/ACUAAABYAAAAAAAAAAAAAAAAAAAAAAAAAAAAAAAAAAAAAAAAAAAAAAAAAAAAAAAAAAAAAAA/AAAAAAAAAKCGAQAAAAAAAAAAAAAAAAAMAAAAAQAAAAAAAAAAAAAAAAAAAB8AAABUAAAAAAAABQAAAAEAAAAAAAAAAAAAAAAAAAAAAAAAAAAAAAAAAAAAAAAAAAAAAAJ/f38AAAAAA8zMzADAwP8Af39/AAAAAAAAAAAAAAAAAAAAAAAAAAAAIQAAABgAAAAUAAAAFAMAAAkCAAB/NwAAxwgAABAAAAAmAAAACAAAADywAAAAAAAA"/>
+                <pr:smNativeData xmlns:pr="smNativeData" xmlns="smNativeData" val="SMDATA_15_t6npZxMAAAAlAAAAZAAAAA0AAAAAkAAAAJAAAACQAAAAkAAAAAAAAAAAAAAAAAAAAAEAAABQAAAAAAAAAAAA4D8AAAAAAADgPwAAAAAAAOA/AAAAAAAA4D8AAAAAAADgPwAAAAAAAOA/AAAAAAAA4D8AAAAAAADgPwAAAAAAAOA/AAAAAAAA4D8CAAAAjAAAAAAAAAAAAAAAQoX0DP///wgAAAAAAAAAAAAAAAAAAAAAAAAAAAAAAAAAAAAAZAAAAAEAAABAAAAAAAAAAAAAAAAAAAAAAAAAAAAAAAAAAAAAAAAAAAAAAAAAAAAAAAAAAAAAAAAAAAAAAAAAAAAAAAAAAAAAAAAAAAAAAAAAAAAAAAAAAAAAAAAAAAAAFAAAADwAAAAAAAAAAAAAAAAAAAkUAAAAAQAAABQAAAAUAAAAFAAAAAEAAAAAAAAAZAAAAGQAAAAAAAAAZAAAAGQAAAAVAAAAYAAAAAAAAAAAAAAADwAAACADAAAAAAAAAAAAAAEAAACgMgAAVgcAAKr4//8BAAAAf39/AAEAAABkAAAAAAAAABQAAABAHwAAAAAAACYAAAAAAAAAwOD//wAAAAAmAAAAZAAAABYAAABMAAAAAAAAAAAAAAAEAAAAAAAAAAEAAABZWVkKAAAAACgAAAAoAAAAZAAAAGQAAAAAAAAAzMzMAAAAAABQAAAAUAAAAGQAAABkAAAAAAAAABcAAAAUAAAAAAAAAAAAAAD/fwAA/38AAAAAAAAJAAAABAAAAAAAAAAeAAAAaAAAAAAAAAAAAAAAAAAAAAAAAAAAAAAAECcAABAnAAAAAAAAAAAAAAAAAAAAAAAAAAAAAAAAAAAAAAAAAAAAABQAAAAAAAAAwMD/AAAAAABkAAAAMgAAAAAAAABkAAAAAAAAAH9/fwAKAAAAIgAAABgAAAAAAAAAAAAAAAAAAAAAAAAAAAAAAAAAAAAkAAAAJAAAAAAAAAAHAAAAAAAAAAAAAAAAAAAAAAAAAAAAAAAAAAAAf39/ACUAAABYAAAAAAAAAAAAAAAAAAAAAAAAAAAAAAAAAAAAAAAAAAAAAAAAAAAAAAAAAAAAAAA/AAAAAAAAAKCGAQAAAAAAAAAAAAAAAAAMAAAAAQAAAAAAAAAAAAAAAAAAAB8AAABUAAAAAAAABQAAAAEAAAAAAAAAAAAAAAAAAAAAAAAAAAAAAAAAAAAAAAAAAAAAAAJ/f38AAAAAA8zMzADAwP8Af39/AAAAAAAAAAAAAAAAAAAAAAAAAAAAIQAAABgAAAAUAAAAFAMAAAkCAAB/NwAAxwgAABAAAAAmAAAACAAAADywAAAAAAAA"/>
               </a:ext>
             </a:extLst>
           </p:cNvSpPr>
@@ -7073,7 +7200,7 @@
             <a:spLocks noGrp="1" noChangeArrowheads="1"/>
             <a:extLst>
               <a:ext uri="smNativeData">
-                <pr:smNativeData xmlns:pr="smNativeData" xmlns="smNativeData" val="SMDATA_15_gHjoZxMAAAAlAAAAZAAAAA0AAAAAkAAAAJAAAACQAAAAkAAAAAAAAAAAAAAAAAAAAAEAAABQAAAAAAAAAAAA4D8AAAAAAADgPwAAAAAAAOA/AAAAAAAA4D8AAAAAAADgPwAAAAAAAOA/AAAAAAAA4D8AAAAAAADgPwAAAAAAAOA/AAAAAAAA4D8CAAAAjAAAAAAAAAAAAAAAQoX0DP///wgAAAAAAAAAAAAAAAAAAAAAAAAAAAAAAAAAAAAAZAAAAAEAAABAAAAAAAAAAAAAAAAAAAAAAAAAAAAAAAAAAAAAAAAAAAAAAAAAAAAAAAAAAAAAAAAAAAAAAAAAAAAAAAAAAAAAAAAAAAAAAAAAAAAAAAAAAAAAAAAAAAAAFAAAADwAAAAAAAAAAAAAAAAAAAkUAAAAAQAAABQAAAAUAAAAFAAAAAEAAAAAAAAAZAAAAGQAAAAAAAAAZAAAAGQAAAAVAAAAYAAAAAAAAAAAAAAADwAAACADAAAAAAAAAAAAAAEAAACgMgAAVgcAAKr4//8BAAAAf39/AAEAAABkAAAAAAAAABQAAABAHwAAAAAAACYAAAAAAAAAwOD//wAAAAAmAAAAZAAAABYAAABMAAAAAAAAAAAAAAAEAAAAAAAAAAEAAABZWVkKAAAAACgAAAAoAAAAZAAAAGQAAAAAAAAAzMzMAAAAAABQAAAAUAAAAGQAAABkAAAAAAAAABcAAAAUAAAAAAAAAAAAAAD/fwAA/38AAAAAAAAJAAAABAAAAC4WPAgeAAAAaAAAAAAAAAAAAAAAAAAAAAAAAAAAAAAAECcAABAnAAAAAAAAAAAAAAAAAAAAAAAAAAAAAAAAAAAAAAAAAAAAABQAAAAAAAAAwMD/AAAAAABkAAAAMgAAAAAAAABkAAAAAAAAAH9/fwAKAAAAIgAAABgAAAAAAAAAAAAAAAAAAAAAAAAAAAAAAAAAAAAkAAAAJAAAAAAAAAAHAAAAAAAAAAAAAAAAAAAAAAAAAAAAAAAAAAAAf39/ACUAAABYAAAAAAAAAAAAAAAAAAAAAAAAAAAAAAAAAAAAAAAAAAAAAAAAAAAAAAAAAAAAAAA/AAAAAAAAAKCGAQAAAAAAAAAAAAAAAAAMAAAAAQAAAAAAAAAAAAAAAAAAAB8AAABUAAAAAAAABQAAAAEAAAAAAAAAAAAAAAAAAAAAAAAAAAAAAAAAAAAAAAAAAAAAAAJ/f38AAAAAA8zMzADAwP8Af39/AAAAAAAAAAAAAAAAAAAAAAAAAAAAIQAAABgAAAAUAAAAFAMAAMYIAAB/NwAAyx0AABAAAAAmAAAACAAAAD2wAAAAAAAA"/>
+                <pr:smNativeData xmlns:pr="smNativeData" xmlns="smNativeData" val="SMDATA_15_t6npZxMAAAAlAAAAZAAAAA0AAAAAkAAAAJAAAACQAAAAkAAAAAAAAAAAAAAAAAAAAAEAAABQAAAAAAAAAAAA4D8AAAAAAADgPwAAAAAAAOA/AAAAAAAA4D8AAAAAAADgPwAAAAAAAOA/AAAAAAAA4D8AAAAAAADgPwAAAAAAAOA/AAAAAAAA4D8CAAAAjAAAAAAAAAAAAAAAQoX0DP///wgAAAAAAAAAAAAAAAAAAAAAAAAAAAAAAAAAAAAAZAAAAAEAAABAAAAAAAAAAAAAAAAAAAAAAAAAAAAAAAAAAAAAAAAAAAAAAAAAAAAAAAAAAAAAAAAAAAAAAAAAAAAAAAAAAAAAAAAAAAAAAAAAAAAAAAAAAAAAAAAAAAAAFAAAADwAAAAAAAAAAAAAAAAAAAkUAAAAAQAAABQAAAAUAAAAFAAAAAEAAAAAAAAAZAAAAGQAAAAAAAAAZAAAAGQAAAAVAAAAYAAAAAAAAAAAAAAADwAAACADAAAAAAAAAAAAAAEAAACgMgAAVgcAAKr4//8BAAAAf39/AAEAAABkAAAAAAAAABQAAABAHwAAAAAAACYAAAAAAAAAwOD//wAAAAAmAAAAZAAAABYAAABMAAAAAAAAAAAAAAAEAAAAAAAAAAEAAABZWVkKAAAAACgAAAAoAAAAZAAAAGQAAAAAAAAAzMzMAAAAAABQAAAAUAAAAGQAAABkAAAAAAAAABcAAAAUAAAAAAAAAAAAAAD/fwAA/38AAAAAAAAJAAAABAAAAC4WPAgeAAAAaAAAAAAAAAAAAAAAAAAAAAAAAAAAAAAAECcAABAnAAAAAAAAAAAAAAAAAAAAAAAAAAAAAAAAAAAAAAAAAAAAABQAAAAAAAAAwMD/AAAAAABkAAAAMgAAAAAAAABkAAAAAAAAAH9/fwAKAAAAIgAAABgAAAAAAAAAAAAAAAAAAAAAAAAAAAAAAAAAAAAkAAAAJAAAAAAAAAAHAAAAAAAAAAAAAAAAAAAAAAAAAAAAAAAAAAAAf39/ACUAAABYAAAAAAAAAAAAAAAAAAAAAAAAAAAAAAAAAAAAAAAAAAAAAAAAAAAAAAAAAAAAAAA/AAAAAAAAAKCGAQAAAAAAAAAAAAAAAAAMAAAAAQAAAAAAAAAAAAAAAAAAAB8AAABUAAAAAAAABQAAAAEAAAAAAAAAAAAAAAAAAAAAAAAAAAAAAAAAAAAAAAAAAAAAAAJ/f38AAAAAA8zMzADAwP8Af39/AAAAAAAAAAAAAAAAAAAAAAAAAAAAIQAAABgAAAAUAAAAFAMAAMYIAAB/NwAAyx0AABAAAAAmAAAACAAAAD2wAAAAAAAA"/>
               </a:ext>
             </a:extLst>
           </p:cNvSpPr>
@@ -7233,7 +7360,7 @@
             <a:spLocks noGrp="1" noChangeArrowheads="1"/>
             <a:extLst>
               <a:ext uri="smNativeData">
-                <pr:smNativeData xmlns:pr="smNativeData" xmlns="smNativeData" val="SMDATA_15_gHjoZxMAAAAlAAAAZAAAAA0AAAAAkAAAAJAAAACQAAAAkAAAAAAAAAABAAAAAAAAAAEAAABQAAAAAAAAAAAA4D8AAAAAAADgPwAAAAAAAOA/AAAAAAAA4D8AAAAAAADgPwAAAAAAAOA/AAAAAAAA4D8AAAAAAADgPwAAAAAAAOA/AAAAAAAA4D8CAAAAjAAAAAAAAAAAAAAAQoX0DP///wgAAAAAAAAAAAAAAAAAAAAAAAAAAAAAAAAAAAAAZAAAAAEAAABAAAAAAAAAAAAAAAAAAAAAAAAAAAAAAAAAAAAAAAAAAAAAAAAAAAAAAAAAAAAAAAAAAAAAAAAAAAAAAAAAAAAAAAAAAAAAAAAAAAAAAAAAAAAAAAAAAAAAFAAAADwAAAAAAAAAAAAAAAAAAAkUAAAAAQAAABQAAAAUAAAAFAAAAAEAAAAAAAAAZAAAAGQAAAAAAAAAZAAAAGQAAAAVAAAAYAAAAAAAAAAAAAAADwAAACADAAAAAAAAAAAAAAEAAACgMgAAVgcAAKr4//8BAAAAf39/AAEAAABkAAAAAAAAABQAAABAHwAAAAAAACYAAAAAAAAAwOD//wAAAAAmAAAAZAAAABYAAABMAAAAAAAAAAAAAAAEAAAAAAAAAAEAAABZWVkKAAAAACgAAAAoAAAAZAAAAGQAAAAAAAAAzMzMAAAAAABQAAAAUAAAAGQAAABkAAAAAAAAABcAAAAUAAAAAAAAAAAAAAD/fwAA/38AAAAAAAAJAAAABAAAAJgGAAAeAAAAaAAAAAAAAAAAAAAAAAAAAAAAAAAAAAAAECcAABAnAAAAAAAAAAAAAAAAAAAAAAAAAAAAAAAAAAAAAAAAAAAAABQAAAAAAAAAwMD/AAAAAABkAAAAMgAAAAAAAABkAAAAAAAAAH9/fwAKAAAAIgAAABgAAAAAAAAAAAAAAAAAAAAAAAAAAAAAAAAAAAAkAAAAJAAAAAAAAAAHAAAAAAAAAAAAAAAAAAAAAAAAAAAAAAAAAAAAf39/ACUAAABYAAAAAAAAAAAAAAAAAAAAAAAAAAAAAAAAAAAAAAAAAAAAAAAAAAAAAAAAAAAAAAA/AAAAAAAAAKCGAQAAAAAAAAAAAAAAAAAMAAAAAQAAAAAAAAAAAAAAAAAAAB8AAABUAAAAAAAABQAAAAEAAAAAAAAAAAAAAAAAAAAAAAAAAAAAAAAAAAAAAAAAAAAAAAJ/f38AAAAAA8zMzADAwP8Af39/AAAAAAAAAAAAAAAAAAAAAAAAAAAAIQAAABgAAAAUAAAAHjQAALAcAAB/NwAAGx8AABAAAAAmAAAACAAAADywAAAAAAAA"/>
+                <pr:smNativeData xmlns:pr="smNativeData" xmlns="smNativeData" val="SMDATA_15_t6npZxMAAAAlAAAAZAAAAA0AAAAAkAAAAJAAAACQAAAAkAAAAAAAAAABAAAAAAAAAAEAAABQAAAAAAAAAAAA4D8AAAAAAADgPwAAAAAAAOA/AAAAAAAA4D8AAAAAAADgPwAAAAAAAOA/AAAAAAAA4D8AAAAAAADgPwAAAAAAAOA/AAAAAAAA4D8CAAAAjAAAAAAAAAAAAAAAQoX0DP///wgAAAAAAAAAAAAAAAAAAAAAAAAAAAAAAAAAAAAAZAAAAAEAAABAAAAAAAAAAAAAAAAAAAAAAAAAAAAAAAAAAAAAAAAAAAAAAAAAAAAAAAAAAAAAAAAAAAAAAAAAAAAAAAAAAAAAAAAAAAAAAAAAAAAAAAAAAAAAAAAAAAAAFAAAADwAAAAAAAAAAAAAAAAAAAkUAAAAAQAAABQAAAAUAAAAFAAAAAEAAAAAAAAAZAAAAGQAAAAAAAAAZAAAAGQAAAAVAAAAYAAAAAAAAAAAAAAADwAAACADAAAAAAAAAAAAAAEAAACgMgAAVgcAAKr4//8BAAAAf39/AAEAAABkAAAAAAAAABQAAABAHwAAAAAAACYAAAAAAAAAwOD//wAAAAAmAAAAZAAAABYAAABMAAAAAAAAAAAAAAAEAAAAAAAAAAEAAABZWVkKAAAAACgAAAAoAAAAZAAAAGQAAAAAAAAAzMzMAAAAAABQAAAAUAAAAGQAAABkAAAAAAAAABcAAAAUAAAAAAAAAAAAAAD/fwAA/38AAAAAAAAJAAAABAAAAJgGAAAeAAAAaAAAAAAAAAAAAAAAAAAAAAAAAAAAAAAAECcAABAnAAAAAAAAAAAAAAAAAAAAAAAAAAAAAAAAAAAAAAAAAAAAABQAAAAAAAAAwMD/AAAAAABkAAAAMgAAAAAAAABkAAAAAAAAAH9/fwAKAAAAIgAAABgAAAAAAAAAAAAAAAAAAAAAAAAAAAAAAAAAAAAkAAAAJAAAAAAAAAAHAAAAAAAAAAAAAAAAAAAAAAAAAAAAAAAAAAAAf39/ACUAAABYAAAAAAAAAAAAAAAAAAAAAAAAAAAAAAAAAAAAAAAAAAAAAAAAAAAAAAAAAAAAAAA/AAAAAAAAAKCGAQAAAAAAAAAAAAAAAAAMAAAAAQAAAAAAAAAAAAAAAAAAAB8AAABUAAAAAAAABQAAAAEAAAAAAAAAAAAAAAAAAAAAAAAAAAAAAAAAAAAAAAAAAAAAAAJ/f38AAAAAA8zMzADAwP8Af39/AAAAAAAAAAAAAAAAAAAAAAAAAAAAIQAAABgAAAAUAAAAHjQAALAcAAB/NwAAGx8AABAAAAAmAAAACAAAADywAAAAAAAA"/>
               </a:ext>
             </a:extLst>
           </p:cNvSpPr>
@@ -7287,10 +7414,11 @@
               </a:spcAft>
               <a:buNone/>
             </a:pPr>
-            <a:fld id="{35005382-CCD8-55A5-96B8-3AF01DF6606F}" type="slidenum">
+            <a:fld id="{307B09F0-BEDD-2EFF-93C3-48AA478D651D}" type="slidenum">
               <a:rPr lang="ru-ru" cap="none"/>
               <a:t/>
             </a:fld>
+            <a:endParaRPr lang="ru-ru" cap="none"/>
           </a:p>
         </p:txBody>
       </p:sp>
@@ -7327,7 +7455,7 @@
             <a:spLocks noGrp="1" noChangeArrowheads="1"/>
             <a:extLst>
               <a:ext uri="smNativeData">
-                <pr:smNativeData xmlns:pr="smNativeData" xmlns="smNativeData" val="SMDATA_15_gHjoZxMAAAAlAAAAZAAAAA0AAAAAkAAAAJAAAACQAAAAkAAAAAAAAAABAAAAAAAAAAEAAABQAAAAAAAAAAAA4D8AAAAAAADgPwAAAAAAAOA/AAAAAAAA4D8AAAAAAADgPwAAAAAAAOA/AAAAAAAA4D8AAAAAAADgPwAAAAAAAOA/AAAAAAAA4D8CAAAAjAAAAAAAAAAAAAAAQoX0DP///wgAAAAAAAAAAAAAAAAAAAAAAAAAAAAAAAAAAAAAZAAAAAEAAABAAAAAAAAAAAAAAAAAAAAAAAAAAAAAAAAAAAAAAAAAAAAAAAAAAAAAAAAAAAAAAAAAAAAAAAAAAAAAAAAAAAAAAAAAAAAAAAAAAAAAAAAAAAAAAAAAAAAAFAAAADwAAAAAAAAAAAAAAAAAAAkUAAAAAQAAABQAAAAUAAAAFAAAAAEAAAAAAAAAZAAAAGQAAAAAAAAAZAAAAGQAAAAVAAAAYAAAAAAAAAAAAAAADwAAACADAAAAAAAAAAAAAAEAAACgMgAAVgcAAKr4//8BAAAAf39/AAEAAABkAAAAAAAAABQAAABAHwAAAAAAACYAAAAAAAAAwOD//wAAAAAmAAAAZAAAABYAAABMAAAAAAAAAAAAAAAEAAAAAAAAAAEAAABZWVkKAAAAACgAAAAoAAAAZAAAAGQAAAAAAAAAzMzMAAAAAABQAAAAUAAAAGQAAABkAAAAAAAAABcAAAAUAAAAAAAAAAAAAAD/fwAA/38AAAAAAAAJAAAABAAAAAAAAAAeAAAAaAAAAAAAAAAAAAAAAAAAAAAAAAAAAAAAECcAABAnAAAAAAAAAAAAAAAAAAAAAAAAAAAAAAAAAAAAAAAAAAAAABQAAAAAAAAAwMD/AAAAAABkAAAAMgAAAAAAAABkAAAAAAAAAH9/fwAKAAAAIgAAABgAAAAAAAAAAAAAAAAAAAAAAAAAAAAAAAAAAAAkAAAAJAAAAAAAAAAHAAAAAAAAAAAAAAAAAAAAAAAAAAAAAAAAAAAAf39/ACUAAABYAAAAAAAAAAAAAAAAAAAAAAAAAAAAAAAAAAAAAAAAAAAAAAAAAAAAAAAAAAAAAAA/AAAAAAAAAKCGAQAAAAAAAAAAAAAAAAAMAAAAAQAAAAAAAAAAAAAAAAAAAB8AAABUAAAAAAAABQAAAAEAAAAAAAAAAAAAAAAAAAAAAAAAAAAAAAAAAAAAAAAAAAAAAAJ/f38AAAAAA8zMzADAwP8Af39/AAAAAAAAAAAAAAAAAAAAAAAAAAAAIQAAABgAAAAUAAAAHjQAALAcAAB/NwAAGx8AABAAAAAmAAAACAAAADywAAAAAAAA"/>
+                <pr:smNativeData xmlns:pr="smNativeData" xmlns="smNativeData" val="SMDATA_15_t6npZxMAAAAlAAAAZAAAAA0AAAAAkAAAAJAAAACQAAAAkAAAAAAAAAABAAAAAAAAAAEAAABQAAAAAAAAAAAA4D8AAAAAAADgPwAAAAAAAOA/AAAAAAAA4D8AAAAAAADgPwAAAAAAAOA/AAAAAAAA4D8AAAAAAADgPwAAAAAAAOA/AAAAAAAA4D8CAAAAjAAAAAAAAAAAAAAAQoX0DP///wgAAAAAAAAAAAAAAAAAAAAAAAAAAAAAAAAAAAAAZAAAAAEAAABAAAAAAAAAAAAAAAAAAAAAAAAAAAAAAAAAAAAAAAAAAAAAAAAAAAAAAAAAAAAAAAAAAAAAAAAAAAAAAAAAAAAAAAAAAAAAAAAAAAAAAAAAAAAAAAAAAAAAFAAAADwAAAAAAAAAAAAAAAAAAAkUAAAAAQAAABQAAAAUAAAAFAAAAAEAAAAAAAAAZAAAAGQAAAAAAAAAZAAAAGQAAAAVAAAAYAAAAAAAAAAAAAAADwAAACADAAAAAAAAAAAAAAEAAACgMgAAVgcAAKr4//8BAAAAf39/AAEAAABkAAAAAAAAABQAAABAHwAAAAAAACYAAAAAAAAAwOD//wAAAAAmAAAAZAAAABYAAABMAAAAAAAAAAAAAAAEAAAAAAAAAAEAAABZWVkKAAAAACgAAAAoAAAAZAAAAGQAAAAAAAAAzMzMAAAAAABQAAAAUAAAAGQAAABkAAAAAAAAABcAAAAUAAAAAAAAAAAAAAD/fwAA/38AAAAAAAAJAAAABAAAAAAAAAAeAAAAaAAAAAAAAAAAAAAAAAAAAAAAAAAAAAAAECcAABAnAAAAAAAAAAAAAAAAAAAAAAAAAAAAAAAAAAAAAAAAAAAAABQAAAAAAAAAwMD/AAAAAABkAAAAMgAAAAAAAABkAAAAAAAAAH9/fwAKAAAAIgAAABgAAAAAAAAAAAAAAAAAAAAAAAAAAAAAAAAAAAAkAAAAJAAAAAAAAAAHAAAAAAAAAAAAAAAAAAAAAAAAAAAAAAAAAAAAf39/ACUAAABYAAAAAAAAAAAAAAAAAAAAAAAAAAAAAAAAAAAAAAAAAAAAAAAAAAAAAAAAAAAAAAA/AAAAAAAAAKCGAQAAAAAAAAAAAAAAAAAMAAAAAQAAAAAAAAAAAAAAAAAAAB8AAABUAAAAAAAABQAAAAEAAAAAAAAAAAAAAAAAAAAAAAAAAAAAAAAAAAAAAAAAAAAAAAJ/f38AAAAAA8zMzADAwP8Af39/AAAAAAAAAAAAAAAAAAAAAAAAAAAAIQAAABgAAAAUAAAAHjQAALAcAAB/NwAAGx8AABAAAAAmAAAACAAAADywAAAAAAAA"/>
               </a:ext>
             </a:extLst>
           </p:cNvSpPr>
@@ -7381,10 +7509,11 @@
               </a:spcAft>
               <a:buNone/>
             </a:pPr>
-            <a:fld id="{35002772-3CD8-55D1-96B8-CA8469F6609F}" type="slidenum">
+            <a:fld id="{307B6966-28DD-2E9F-93C3-DECA278D658B}" type="slidenum">
               <a:rPr lang="ru-ru" cap="none"/>
               <a:t/>
             </a:fld>
+            <a:endParaRPr lang="ru-ru" cap="none"/>
           </a:p>
         </p:txBody>
       </p:sp>
@@ -7395,7 +7524,7 @@
             <a:spLocks noGrp="1" noChangeArrowheads="1"/>
             <a:extLst>
               <a:ext uri="smNativeData">
-                <pr:smNativeData xmlns:pr="smNativeData" xmlns="smNativeData" val="SMDATA_15_gHjoZxMAAAAlAAAAZAAAAA0AAAAAkAAAAJAAAACQAAAAkAAAAAAAAAAAAAAAAAAAAAEAAABQAAAAAAAAAAAA4D8AAAAAAADgPwAAAAAAAOA/AAAAAAAA4D8AAAAAAADgPwAAAAAAAOA/AAAAAAAA4D8AAAAAAADgPwAAAAAAAOA/AAAAAAAA4D8CAAAAjAAAAAAAAAAAAAAAQoX0DP///wgAAAAAAAAAAAAAAAAAAAAAAAAAAAAAAAAAAAAAZAAAAAEAAABAAAAAAAAAAAAAAAAAAAAAAAAAAAAAAAAAAAAAAAAAAAAAAAAAAAAAAAAAAAAAAAAAAAAAAAAAAAAAAAAAAAAAAAAAAAAAAAAAAAAAAAAAAAAAAAAAAAAAFAAAADwAAAAAAAAAAAAAAAAAAAkUAAAAAQAAABQAAAAUAAAAFAAAAAEAAAAAAAAAZAAAAGQAAAAAAAAAZAAAAGQAAAAVAAAAYAAAAAAAAAAAAAAADwAAACADAAAAAAAAAAAAAAEAAACgMgAAVgcAAKr4//8BAAAAf39/AAEAAABkAAAAAAAAABQAAABAHwAAAAAAACYAAAAAAAAAwOD//wAAAAAmAAAAZAAAABYAAABMAAAAAAAAAAAAAAAEAAAAAAAAAAEAAABZWVkKAAAAACgAAAAoAAAAZAAAAGQAAAAAAAAAzMzMAAAAAABQAAAAUAAAAGQAAABkAAAAAAAAABcAAAAUAAAAAAAAAAAAAAD/fwAA/38AAAAAAAAJAAAABAAAACheTwgeAAAAaAAAAAAAAAAAAAAAAAAAAAAAAAAAAAAAECcAABAnAAAAAAAAAAAAAAAAAAAAAAAAAAAAAAAAAAAAAAAAAAAAABQAAAAAAAAAwMD/AAAAAABkAAAAMgAAAAAAAABkAAAAAAAAAH9/fwAKAAAAIgAAABgAAAAAAAAAAAAAAAAAAAAAAAAAAAAAAAAAAAAkAAAAJAAAAAAAAAAHAAAAAAAAAAAAAAAAAAAAAAAAAAAAAAAAAAAAf39/ACUAAABYAAAAAAAAAAAAAAAAAAAAAAAAAAAAAAAAAAAAAAAAAAAAAAAAAAAAAAAAAAAAAAA/AAAAAAAAAKCGAQAAAAAAAAAAAAAAAAAMAAAAAQAAAAAAAAAAAAAAAAAAAB8AAABUAAAAAAAABQAAAAEAAAAAAAAAAAAAAAAAAAAAAAAAAAAAAAAAAAAAAAAAAAAAAAJ/f38AAAAAA8zMzADAwP8Af39/AAAAAAAAAAAAAAAAAAAAAAAAAAAAIQAAABgAAAAUAAAAFAMAAA0FAAB/NwAAQREAABAAAAAmAAAACAAAAD2wAAAAAAAA"/>
+                <pr:smNativeData xmlns:pr="smNativeData" xmlns="smNativeData" val="SMDATA_15_t6npZxMAAAAlAAAAZAAAAA0AAAAAkAAAAJAAAACQAAAAkAAAAAAAAAAAAAAAAAAAAAEAAABQAAAAAAAAAAAA4D8AAAAAAADgPwAAAAAAAOA/AAAAAAAA4D8AAAAAAADgPwAAAAAAAOA/AAAAAAAA4D8AAAAAAADgPwAAAAAAAOA/AAAAAAAA4D8CAAAAjAAAAAAAAAAAAAAAQoX0DP///wgAAAAAAAAAAAAAAAAAAAAAAAAAAAAAAAAAAAAAZAAAAAEAAABAAAAAAAAAAAAAAAAAAAAAAAAAAAAAAAAAAAAAAAAAAAAAAAAAAAAAAAAAAAAAAAAAAAAAAAAAAAAAAAAAAAAAAAAAAAAAAAAAAAAAAAAAAAAAAAAAAAAAFAAAADwAAAAAAAAAAAAAAAAAAAkUAAAAAQAAABQAAAAUAAAAFAAAAAEAAAAAAAAAZAAAAGQAAAAAAAAAZAAAAGQAAAAVAAAAYAAAAAAAAAAAAAAADwAAACADAAAAAAAAAAAAAAEAAACgMgAAVgcAAKr4//8BAAAAf39/AAEAAABkAAAAAAAAABQAAABAHwAAAAAAACYAAAAAAAAAwOD//wAAAAAmAAAAZAAAABYAAABMAAAAAAAAAAAAAAAEAAAAAAAAAAEAAABZWVkKAAAAACgAAAAoAAAAZAAAAGQAAAAAAAAAzMzMAAAAAABQAAAAUAAAAGQAAABkAAAAAAAAABcAAAAUAAAAAAAAAAAAAAD/fwAA/38AAAAAAAAJAAAABAAAACheTwgeAAAAaAAAAAAAAAAAAAAAAAAAAAAAAAAAAAAAECcAABAnAAAAAAAAAAAAAAAAAAAAAAAAAAAAAAAAAAAAAAAAAAAAABQAAAAAAAAAwMD/AAAAAABkAAAAMgAAAAAAAABkAAAAAAAAAH9/fwAKAAAAIgAAABgAAAAAAAAAAAAAAAAAAAAAAAAAAAAAAAAAAAAkAAAAJAAAAAAAAAAHAAAAAAAAAAAAAAAAAAAAAAAAAAAAAAAAAAAAf39/ACUAAABYAAAAAAAAAAAAAAAAAAAAAAAAAAAAAAAAAAAAAAAAAAAAAAAAAAAAAAAAAAAAAAA/AAAAAAAAAKCGAQAAAAAAAAAAAAAAAAAMAAAAAQAAAAAAAAAAAAAAAAAAAB8AAABUAAAAAAAABQAAAAEAAAAAAAAAAAAAAAAAAAAAAAAAAAAAAAAAAAAAAAAAAAAAAAJ/f38AAAAAA8zMzADAwP8Af39/AAAAAAAAAAAAAAAAAAAAAAAAAAAAIQAAABgAAAAUAAAAFAMAAA0FAAB/NwAAQREAABAAAAAmAAAACAAAAD2wAAAAAAAA"/>
               </a:ext>
             </a:extLst>
           </p:cNvSpPr>
@@ -7511,7 +7640,7 @@
             <a:spLocks noGrp="1" noChangeArrowheads="1"/>
             <a:extLst>
               <a:ext uri="smNativeData">
-                <pr:smNativeData xmlns:pr="smNativeData" xmlns="smNativeData" val="SMDATA_15_gHjoZxMAAAAlAAAAZAAAAA0AAAAAkAAAAJAAAACQAAAAkAAAAAAAAAAAAAAAAAAAAAEAAABQAAAAAAAAAAAA4D8AAAAAAADgPwAAAAAAAOA/AAAAAAAA4D8AAAAAAADgPwAAAAAAAOA/AAAAAAAA4D8AAAAAAADgPwAAAAAAAOA/AAAAAAAA4D8CAAAAjAAAAAAAAAAAAAAAQoX0DP///wgAAAAAAAAAAAAAAAAAAAAAAAAAAAAAAAAAAAAAZAAAAAEAAABAAAAAAAAAAAAAAAAAAAAAAAAAAAAAAAAAAAAAAAAAAAAAAAAAAAAAAAAAAAAAAAAAAAAAAAAAAAAAAAAAAAAAAAAAAAAAAAAAAAAAAAAAAAAAAAAAAAAAFAAAADwAAAAAAAAAAAAAAAAAAAkUAAAAAQAAABQAAAAUAAAAFAAAAAEAAAAAAAAAZAAAAGQAAAAAAAAAZAAAAGQAAAAVAAAAYAAAAAAAAAAAAAAADwAAACADAAAAAAAAAAAAAAEAAACgMgAAVgcAAKr4//8BAAAAf39/AAEAAABkAAAAAAAAABQAAABAHwAAAAAAACYAAAAAAAAAwOD//wAAAAAmAAAAZAAAABYAAABMAAAAAAAAAAAAAAAEAAAAAAAAAAEAAABZWVkKAAAAACgAAAAoAAAAZAAAAGQAAAAAAAAAzMzMAAAAAABQAAAAUAAAAGQAAABkAAAAAAAAABcAAAAUAAAAAAAAAAAAAAD/fwAA/38AAAAAAAAJAAAABAAAAAAAAAAeAAAAaAAAAAAAAAAAAAAAAAAAAAAAAAAAAAAAECcAABAnAAAAAAAAAAAAAAAAAAAAAAAAAAAAAAAAAAAAAAAAAAAAABQAAAAAAAAAwMD/AAAAAABkAAAAMgAAAAAAAABkAAAAAAAAAH9/fwAKAAAAIgAAABgAAAAAAAAAAAAAAAAAAAAAAAAAAAAAAAAAAAAkAAAAJAAAAAAAAAAHAAAAAAAAAAAAAAAAAAAAAAAAAAAAAAAAAAAAf39/ACUAAABYAAAAAAAAAAAAAAAAAAAAAAAAAAAAAAAAAAAAAAAAAAAAAAAAAAAAAAAAAAAAAAA/AAAAAAAAAKCGAQAAAAAAAAAAAAAAAAAMAAAAAQAAAAAAAAAAAAAAAAAAAB8AAABUAAAAAAAABQAAAAEAAAAAAAAAAAAAAAAAAAAAAAAAAAAAAAAAAAAAAAAAAAAAAAJ/f38AAAAAA8zMzADAwP8Af39/AAAAAAAAAAAAAAAAAAAAAAAAAAAAIQAAABgAAAAUAAAAFAMAANACAAALMwAAsAcAABAAAAAmAAAACAAAAD2wAAAAAAAA"/>
+                <pr:smNativeData xmlns:pr="smNativeData" xmlns="smNativeData" val="SMDATA_15_t6npZxMAAAAlAAAAZAAAAA0AAAAAkAAAAJAAAACQAAAAkAAAAAAAAAAAAAAAAAAAAAEAAABQAAAAAAAAAAAA4D8AAAAAAADgPwAAAAAAAOA/AAAAAAAA4D8AAAAAAADgPwAAAAAAAOA/AAAAAAAA4D8AAAAAAADgPwAAAAAAAOA/AAAAAAAA4D8CAAAAjAAAAAAAAAAAAAAAQoX0DP///wgAAAAAAAAAAAAAAAAAAAAAAAAAAAAAAAAAAAAAZAAAAAEAAABAAAAAAAAAAAAAAAAAAAAAAAAAAAAAAAAAAAAAAAAAAAAAAAAAAAAAAAAAAAAAAAAAAAAAAAAAAAAAAAAAAAAAAAAAAAAAAAAAAAAAAAAAAAAAAAAAAAAAFAAAADwAAAAAAAAAAAAAAAAAAAkUAAAAAQAAABQAAAAUAAAAFAAAAAEAAAAAAAAAZAAAAGQAAAAAAAAAZAAAAGQAAAAVAAAAYAAAAAAAAAAAAAAADwAAACADAAAAAAAAAAAAAAEAAACgMgAAVgcAAKr4//8BAAAAf39/AAEAAABkAAAAAAAAABQAAABAHwAAAAAAACYAAAAAAAAAwOD//wAAAAAmAAAAZAAAABYAAABMAAAAAAAAAAAAAAAEAAAAAAAAAAEAAABZWVkKAAAAACgAAAAoAAAAZAAAAGQAAAAAAAAAzMzMAAAAAABQAAAAUAAAAGQAAABkAAAAAAAAABcAAAAUAAAAAAAAAAAAAAD/fwAA/38AAAAAAAAJAAAABAAAAAAAAAAeAAAAaAAAAAAAAAAAAAAAAAAAAAAAAAAAAAAAECcAABAnAAAAAAAAAAAAAAAAAAAAAAAAAAAAAAAAAAAAAAAAAAAAABQAAAAAAAAAwMD/AAAAAABkAAAAMgAAAAAAAABkAAAAAAAAAH9/fwAKAAAAIgAAABgAAAAAAAAAAAAAAAAAAAAAAAAAAAAAAAAAAAAkAAAAJAAAAAAAAAAHAAAAAAAAAAAAAAAAAAAAAAAAAAAAAAAAAAAAf39/ACUAAABYAAAAAAAAAAAAAAAAAAAAAAAAAAAAAAAAAAAAAAAAAAAAAAAAAAAAAAAAAAAAAAA/AAAAAAAAAKCGAQAAAAAAAAAAAAAAAAAMAAAAAQAAAAAAAAAAAAAAAAAAAB8AAABUAAAAAAAABQAAAAEAAAAAAAAAAAAAAAAAAAAAAAAAAAAAAAAAAAAAAAAAAAAAAAJ/f38AAAAAA8zMzADAwP8Af39/AAAAAAAAAAAAAAAAAAAAAAAAAAAAIQAAABgAAAAUAAAAFAMAANACAAALMwAAsAcAABAAAAAmAAAACAAAAD2wAAAAAAAA"/>
               </a:ext>
             </a:extLst>
           </p:cNvSpPr>
@@ -7698,7 +7827,7 @@
             <a:spLocks noGrp="1" noChangeArrowheads="1"/>
             <a:extLst>
               <a:ext uri="smNativeData">
-                <pr:smNativeData xmlns:pr="smNativeData" xmlns="smNativeData" val="SMDATA_15_gHjoZxMAAAAlAAAAZAAAAA0AAAAAkAAAAJAAAACQAAAAkAAAAAAAAAAAAAAAAAAAAAEAAABQAAAAAAAAAAAA4D8AAAAAAADgPwAAAAAAAOA/AAAAAAAA4D8AAAAAAADgPwAAAAAAAOA/AAAAAAAA4D8AAAAAAADgPwAAAAAAAOA/AAAAAAAA4D8CAAAAjAAAAAAAAAAAAAAAQoX0DP///wgAAAAAAAAAAAAAAAAAAAAAAAAAAAAAAAAAAAAAZAAAAAEAAABAAAAAAAAAAAAAAAAAAAAAAAAAAAAAAAAAAAAAAAAAAAAAAAAAAAAAAAAAAAAAAAAAAAAAAAAAAAAAAAAAAAAAAAAAAAAAAAAAAAAAAAAAAAAAAAAAAAAAFAAAADwAAAAAAAAAAAAAAAAAAAkUAAAAAQAAABQAAAAUAAAAFAAAAAEAAAAAAAAAZAAAAGQAAAAAAAAAZAAAAGQAAAAVAAAAYAAAAAAAAAAAAAAADwAAACADAAAAAAAAAAAAAAEAAACgMgAAVgcAAKr4//8BAAAAf39/AAEAAABkAAAAAAAAABQAAABAHwAAAAAAACYAAAAAAAAAwOD//wAAAAAmAAAAZAAAABYAAABMAAAAAAAAAAAAAAAEAAAAAAAAAAEAAABZWVkKAAAAACgAAAAoAAAAZAAAAGQAAAAAAAAAzMzMAAAAAABQAAAAUAAAAGQAAABkAAAAAAAAABcAAAAUAAAAAAAAAAAAAAD/fwAA/38AAAAAAAAJAAAABAAAAAAAAAAeAAAAaAAAAAAAAAAAAAAAAAAAAAAAAAAAAAAAECcAABAnAAAAAAAAAAAAAAAAAAAAAAAAAAAAAAAAAAAAAAAAAAAAABQAAAAAAAAAwMD/AAAAAABkAAAAMgAAAAAAAABkAAAAAAAAAH9/fwAKAAAAIgAAABgAAAAAAAAAAAAAAAAAAAAAAAAAAAAAAAAAAAAkAAAAJAAAAAAAAAAHAAAAAAAAAAAAAAAAAAAAAAAAAAAAAAAAAAAAf39/ACUAAABYAAAAAAAAAAAAAAAAAAAAAAAAAAAAAAAAAAAAAAAAAAAAAAAAAAAAAAAAAAAAAAA/AAAAAAAAAKCGAQAAAAAAAAAAAAAAAAAMAAAAAQAAAAAAAAAAAAAAAAAAAB8AAABUAAAAAAAABQAAAAEAAAAAAAAAAAAAAAAAAAAAAAAAAAAAAAAAAAAAAAAAAAAAAAJ/f38AAAAAA8zMzADAwP8Af39/AAAAAAAAAAAAAAAAAAAAAAAAAAAAIQAAABgAAAAUAAAAShMAAFMSAABQNwAA8BUAABAAAAAmAAAACAAAAD2wAAAAAAAA"/>
+                <pr:smNativeData xmlns:pr="smNativeData" xmlns="smNativeData" val="SMDATA_15_t6npZxMAAAAlAAAAZAAAAA0AAAAAkAAAAJAAAACQAAAAkAAAAAAAAAAAAAAAAAAAAAEAAABQAAAAAAAAAAAA4D8AAAAAAADgPwAAAAAAAOA/AAAAAAAA4D8AAAAAAADgPwAAAAAAAOA/AAAAAAAA4D8AAAAAAADgPwAAAAAAAOA/AAAAAAAA4D8CAAAAjAAAAAAAAAAAAAAAQoX0DP///wgAAAAAAAAAAAAAAAAAAAAAAAAAAAAAAAAAAAAAZAAAAAEAAABAAAAAAAAAAAAAAAAAAAAAAAAAAAAAAAAAAAAAAAAAAAAAAAAAAAAAAAAAAAAAAAAAAAAAAAAAAAAAAAAAAAAAAAAAAAAAAAAAAAAAAAAAAAAAAAAAAAAAFAAAADwAAAAAAAAAAAAAAAAAAAkUAAAAAQAAABQAAAAUAAAAFAAAAAEAAAAAAAAAZAAAAGQAAAAAAAAAZAAAAGQAAAAVAAAAYAAAAAAAAAAAAAAADwAAACADAAAAAAAAAAAAAAEAAACgMgAAVgcAAKr4//8BAAAAf39/AAEAAABkAAAAAAAAABQAAABAHwAAAAAAACYAAAAAAAAAwOD//wAAAAAmAAAAZAAAABYAAABMAAAAAAAAAAAAAAAEAAAAAAAAAAEAAABZWVkKAAAAACgAAAAoAAAAZAAAAGQAAAAAAAAAzMzMAAAAAABQAAAAUAAAAGQAAABkAAAAAAAAABcAAAAUAAAAAAAAAAAAAAD/fwAA/38AAAAAAAAJAAAABAAAAAAAAAAeAAAAaAAAAAAAAAAAAAAAAAAAAAAAAAAAAAAAECcAABAnAAAAAAAAAAAAAAAAAAAAAAAAAAAAAAAAAAAAAAAAAAAAABQAAAAAAAAAwMD/AAAAAABkAAAAMgAAAAAAAABkAAAAAAAAAH9/fwAKAAAAIgAAABgAAAAAAAAAAAAAAAAAAAAAAAAAAAAAAAAAAAAkAAAAJAAAAAAAAAAHAAAAAAAAAAAAAAAAAAAAAAAAAAAAAAAAAAAAf39/ACUAAABYAAAAAAAAAAAAAAAAAAAAAAAAAAAAAAAAAAAAAAAAAAAAAAAAAAAAAAAAAAAAAAA/AAAAAAAAAKCGAQAAAAAAAAAAAAAAAAAMAAAAAQAAAAAAAAAAAAAAAAAAAB8AAABUAAAAAAAABQAAAAEAAAAAAAAAAAAAAAAAAAAAAAAAAAAAAAAAAAAAAAAAAAAAAAJ/f38AAAAAA8zMzADAwP8Af39/AAAAAAAAAAAAAAAAAAAAAAAAAAAAIQAAABgAAAAUAAAAShMAAFMSAABQNwAA8BUAABAAAAAmAAAACAAAAD2wAAAAAAAA"/>
               </a:ext>
             </a:extLst>
           </p:cNvSpPr>
@@ -7885,7 +8014,7 @@
             <a:spLocks noGrp="1" noChangeArrowheads="1"/>
             <a:extLst>
               <a:ext uri="smNativeData">
-                <pr:smNativeData xmlns:pr="smNativeData" xmlns="smNativeData" val="SMDATA_15_gHjoZxMAAAAlAAAAZAAAAA0AAAAAkAAAAJAAAACQAAAAkAAAAAAAAAAAAAAAAAAAAAEAAABQAAAAAAAAAAAA4D8AAAAAAADgPwAAAAAAAOA/AAAAAAAA4D8AAAAAAADgPwAAAAAAAOA/AAAAAAAA4D8AAAAAAADgPwAAAAAAAOA/AAAAAAAA4D8CAAAAjAAAAAAAAAAAAAAAQoX0DP///wgAAAAAAAAAAAAAAAAAAAAAAAAAAAAAAAAAAAAAZAAAAAEAAABAAAAAAAAAAAAAAAAAAAAAAAAAAAAAAAAAAAAAAAAAAAAAAAAAAAAAAAAAAAAAAAAAAAAAAAAAAAAAAAAAAAAAAAAAAAAAAAAAAAAAAAAAAAAAAAAAAAAAFAAAADwAAAAAAAAAAAAAAAAAAAkUAAAAAQAAABQAAAAUAAAAFAAAAAEAAAAAAAAAZAAAAGQAAAAAAAAAZAAAAGQAAAAVAAAAYAAAAAAAAAAAAAAADwAAACADAAAAAAAAAAAAAAEAAACgMgAAVgcAAKr4//8BAAAAf39/AAEAAABkAAAAAAAAABQAAABAHwAAAAAAACYAAAAAAAAAwOD//wAAAAAmAAAAZAAAABYAAABMAAAAAAAAAAAAAAAEAAAAAAAAAAEAAABZWVkKAAAAACgAAAAoAAAAZAAAAGQAAAAAAAAAzMzMAAAAAABQAAAAUAAAAGQAAABkAAAAAAAAABcAAAAUAAAAAAAAAAAAAAD/fwAA/38AAAAAAAAJAAAABAAAAAAAAAAeAAAAaAAAAAAAAAAAAAAAAAAAAAAAAAAAAAAAECcAABAnAAAAAAAAAAAAAAAAAAAAAAAAAAAAAAAAAAAAAAAAAAAAABQAAAAAAAAAwMD/AAAAAABkAAAAMgAAAAAAAABkAAAAAAAAAH9/fwAKAAAAIgAAABgAAAAAAAAAAAAAAAAAAAAAAAAAAAAAAAAAAAAkAAAAJAAAAAAAAAAHAAAAAAAAAAAAAAAAAAAAAAAAAAAAAAAAAAAAf39/ACUAAABYAAAAAAAAAAAAAAAAAAAAAAAAAAAAAAAAAAAAAAAAAAAAAAAAAAAAAAAAAAAAAAA/AAAAAAAAAKCGAQAAAAAAAAAAAAAAAAAMAAAAAQAAAAAAAAAAAAAAAAAAAB8AAABUAAAAAAAABQAAAAEAAAAAAAAAAAAAAAAAAAAAAAAAAAAAAAAAAAAAAAAAAAAAAAJ/f38AAAAAA8zMzADAwP8Af39/AAAAAAAAAAAAAAAAAAAAAAAAAAAAIQAAABgAAAAUAAAAShMAACwUAABQNwAADBkAABAAAAAmAAAACAAAAD2wAAAAAAAA"/>
+                <pr:smNativeData xmlns:pr="smNativeData" xmlns="smNativeData" val="SMDATA_15_t6npZxMAAAAlAAAAZAAAAA0AAAAAkAAAAJAAAACQAAAAkAAAAAAAAAAAAAAAAAAAAAEAAABQAAAAAAAAAAAA4D8AAAAAAADgPwAAAAAAAOA/AAAAAAAA4D8AAAAAAADgPwAAAAAAAOA/AAAAAAAA4D8AAAAAAADgPwAAAAAAAOA/AAAAAAAA4D8CAAAAjAAAAAAAAAAAAAAAQoX0DP///wgAAAAAAAAAAAAAAAAAAAAAAAAAAAAAAAAAAAAAZAAAAAEAAABAAAAAAAAAAAAAAAAAAAAAAAAAAAAAAAAAAAAAAAAAAAAAAAAAAAAAAAAAAAAAAAAAAAAAAAAAAAAAAAAAAAAAAAAAAAAAAAAAAAAAAAAAAAAAAAAAAAAAFAAAADwAAAAAAAAAAAAAAAAAAAkUAAAAAQAAABQAAAAUAAAAFAAAAAEAAAAAAAAAZAAAAGQAAAAAAAAAZAAAAGQAAAAVAAAAYAAAAAAAAAAAAAAADwAAACADAAAAAAAAAAAAAAEAAACgMgAAVgcAAKr4//8BAAAAf39/AAEAAABkAAAAAAAAABQAAABAHwAAAAAAACYAAAAAAAAAwOD//wAAAAAmAAAAZAAAABYAAABMAAAAAAAAAAAAAAAEAAAAAAAAAAEAAABZWVkKAAAAACgAAAAoAAAAZAAAAGQAAAAAAAAAzMzMAAAAAABQAAAAUAAAAGQAAABkAAAAAAAAABcAAAAUAAAAAAAAAAAAAAD/fwAA/38AAAAAAAAJAAAABAAAAAAAAAAeAAAAaAAAAAAAAAAAAAAAAAAAAAAAAAAAAAAAECcAABAnAAAAAAAAAAAAAAAAAAAAAAAAAAAAAAAAAAAAAAAAAAAAABQAAAAAAAAAwMD/AAAAAABkAAAAMgAAAAAAAABkAAAAAAAAAH9/fwAKAAAAIgAAABgAAAAAAAAAAAAAAAAAAAAAAAAAAAAAAAAAAAAkAAAAJAAAAAAAAAAHAAAAAAAAAAAAAAAAAAAAAAAAAAAAAAAAAAAAf39/ACUAAABYAAAAAAAAAAAAAAAAAAAAAAAAAAAAAAAAAAAAAAAAAAAAAAAAAAAAAAAAAAAAAAA/AAAAAAAAAKCGAQAAAAAAAAAAAAAAAAAMAAAAAQAAAAAAAAAAAAAAAAAAAB8AAABUAAAAAAAABQAAAAEAAAAAAAAAAAAAAAAAAAAAAAAAAAAAAAAAAAAAAAAAAAAAAAJ/f38AAAAAA8zMzADAwP8Af39/AAAAAAAAAAAAAAAAAAAAAAAAAAAAIQAAABgAAAAUAAAAShMAACwUAABQNwAADBkAABAAAAAmAAAACAAAAD2wAAAAAAAA"/>
               </a:ext>
             </a:extLst>
           </p:cNvSpPr>
@@ -8072,7 +8201,7 @@
             <a:spLocks noGrp="1" noChangeArrowheads="1"/>
             <a:extLst>
               <a:ext uri="smNativeData">
-                <pr:smNativeData xmlns:pr="smNativeData" xmlns="smNativeData" val="SMDATA_15_gHjoZxMAAAAlAAAAZAAAAA0AAAAAkAAAAJAAAACQAAAAkAAAAAAAAAAAAAAAAAAAAAEAAABQAAAAAAAAAAAA4D8AAAAAAADgPwAAAAAAAOA/AAAAAAAA4D8AAAAAAADgPwAAAAAAAOA/AAAAAAAA4D8AAAAAAADgPwAAAAAAAOA/AAAAAAAA4D8CAAAAjAAAAAAAAAAAAAAAQoX0DP///wgAAAAAAAAAAAAAAAAAAAAAAAAAAAAAAAAAAAAAZAAAAAEAAABAAAAAAAAAAAAAAAAAAAAAAAAAAAAAAAAAAAAAAAAAAAAAAAAAAAAAAAAAAAAAAAAAAAAAAAAAAAAAAAAAAAAAAAAAAAAAAAAAAAAAAAAAAAAAAAAAAAAAFAAAADwAAAAAAAAAAAAAAAAAAAkUAAAAAQAAABQAAAAUAAAAFAAAAAEAAAAAAAAAZAAAAGQAAAAAAAAAZAAAAGQAAAAVAAAAYAAAAAAAAAAAAAAADwAAACADAAAAAAAAAAAAAAEAAACgMgAAVgcAAKr4//8BAAAAf39/AAEAAABkAAAAAAAAABQAAABAHwAAAAAAACYAAAAAAAAAwOD//wAAAAAmAAAAZAAAABYAAABMAAAAAAAAAAAAAAAEAAAAAAAAAAEAAABZWVkKAAAAACgAAAAoAAAAZAAAAGQAAAAAAAAAzMzMAAAAAABQAAAAUAAAAGQAAABkAAAAAAAAABcAAAAUAAAAAAAAAAAAAAD/fwAA/38AAAAAAAAJAAAABAAAAAAAAAAeAAAAaAAAAAAAAAAAAAAAAAAAAAAAAAAAAAAAECcAABAnAAAAAAAAAAAAAAAAAAAAAAAAAAAAAAAAAAAAAAAAAAAAABQAAAAAAAAAwMD/AAAAAABkAAAAMgAAAAAAAABkAAAAAAAAAH9/fwAKAAAAIgAAABgAAAAAAAAAAAAAAAAAAAAAAAAAAAAAAAAAAAAkAAAAJAAAAAAAAAAHAAAAAAAAAAAAAAAAAAAAAAAAAAAAAAAAAAAAf39/ACUAAABYAAAAAAAAAAAAAAAAAAAAAAAAAAAAAAAAAAAAAAAAAAAAAAAAAAAAAAAAAAAAAAA/AAAAAAAAAKCGAQAAAAAAAAAAAAAAAAAMAAAAAQAAAAAAAAAAAAAAAAAAAB8AAABUAAAAAAAABQAAAAEAAAAAAAAAAAAAAAAAAAAAAAAAAAAAAAAAAAAAAAAAAAAAAAJ/f38AAAAAA8zMzADAwP8Af39/AAAAAAAAAAAAAAAAAAAAAAAAAAAAIQAAABgAAAAUAAAAShMAAIgWAABQNwAA4hwAABAAAAAmAAAACAAAAD2wAAAAAAAA"/>
+                <pr:smNativeData xmlns:pr="smNativeData" xmlns="smNativeData" val="SMDATA_15_t6npZxMAAAAlAAAAZAAAAA0AAAAAkAAAAJAAAACQAAAAkAAAAAAAAAAAAAAAAAAAAAEAAABQAAAAAAAAAAAA4D8AAAAAAADgPwAAAAAAAOA/AAAAAAAA4D8AAAAAAADgPwAAAAAAAOA/AAAAAAAA4D8AAAAAAADgPwAAAAAAAOA/AAAAAAAA4D8CAAAAjAAAAAAAAAAAAAAAQoX0DP///wgAAAAAAAAAAAAAAAAAAAAAAAAAAAAAAAAAAAAAZAAAAAEAAABAAAAAAAAAAAAAAAAAAAAAAAAAAAAAAAAAAAAAAAAAAAAAAAAAAAAAAAAAAAAAAAAAAAAAAAAAAAAAAAAAAAAAAAAAAAAAAAAAAAAAAAAAAAAAAAAAAAAAFAAAADwAAAAAAAAAAAAAAAAAAAkUAAAAAQAAABQAAAAUAAAAFAAAAAEAAAAAAAAAZAAAAGQAAAAAAAAAZAAAAGQAAAAVAAAAYAAAAAAAAAAAAAAADwAAACADAAAAAAAAAAAAAAEAAACgMgAAVgcAAKr4//8BAAAAf39/AAEAAABkAAAAAAAAABQAAABAHwAAAAAAACYAAAAAAAAAwOD//wAAAAAmAAAAZAAAABYAAABMAAAAAAAAAAAAAAAEAAAAAAAAAAEAAABZWVkKAAAAACgAAAAoAAAAZAAAAGQAAAAAAAAAzMzMAAAAAABQAAAAUAAAAGQAAABkAAAAAAAAABcAAAAUAAAAAAAAAAAAAAD/fwAA/38AAAAAAAAJAAAABAAAAAAAAAAeAAAAaAAAAAAAAAAAAAAAAAAAAAAAAAAAAAAAECcAABAnAAAAAAAAAAAAAAAAAAAAAAAAAAAAAAAAAAAAAAAAAAAAABQAAAAAAAAAwMD/AAAAAABkAAAAMgAAAAAAAABkAAAAAAAAAH9/fwAKAAAAIgAAABgAAAAAAAAAAAAAAAAAAAAAAAAAAAAAAAAAAAAkAAAAJAAAAAAAAAAHAAAAAAAAAAAAAAAAAAAAAAAAAAAAAAAAAAAAf39/ACUAAABYAAAAAAAAAAAAAAAAAAAAAAAAAAAAAAAAAAAAAAAAAAAAAAAAAAAAAAAAAAAAAAA/AAAAAAAAAKCGAQAAAAAAAAAAAAAAAAAMAAAAAQAAAAAAAAAAAAAAAAAAAB8AAABUAAAAAAAABQAAAAEAAAAAAAAAAAAAAAAAAAAAAAAAAAAAAAAAAAAAAAAAAAAAAAJ/f38AAAAAA8zMzADAwP8Af39/AAAAAAAAAAAAAAAAAAAAAAAAAAAAIQAAABgAAAAUAAAAShMAAIgWAABQNwAA4hwAABAAAAAmAAAACAAAAD2wAAAAAAAA"/>
               </a:ext>
             </a:extLst>
           </p:cNvSpPr>
@@ -8285,7 +8414,7 @@
             <a:spLocks noGrp="1" noChangeArrowheads="1"/>
             <a:extLst>
               <a:ext uri="smNativeData">
-                <pr:smNativeData xmlns:pr="smNativeData" xmlns="smNativeData" val="SMDATA_15_gHjoZxMAAAAlAAAAZAAAAA0AAAAAkAAAAJAAAACQAAAAkAAAAAAAAAABAAAAAAAAAAEAAABQAAAAAAAAAAAA4D8AAAAAAADgPwAAAAAAAOA/AAAAAAAA4D8AAAAAAADgPwAAAAAAAOA/AAAAAAAA4D8AAAAAAADgPwAAAAAAAOA/AAAAAAAA4D8CAAAAjAAAAAAAAAAAAAAAQoX0DP///wgAAAAAAAAAAAAAAAAAAAAAAAAAAAAAAAAAAAAAZAAAAAEAAABAAAAAAAAAAAAAAAAAAAAAAAAAAAAAAAAAAAAAAAAAAAAAAAAAAAAAAAAAAAAAAAAAAAAAAAAAAAAAAAAAAAAAAAAAAAAAAAAAAAAAAAAAAAAAAAAAAAAAFAAAADwAAAAAAAAAAAAAAAAAAAkUAAAAAQAAABQAAAAUAAAAFAAAAAEAAAAAAAAAZAAAAGQAAAAAAAAAZAAAAGQAAAAVAAAAYAAAAAAAAAAAAAAADwAAACADAAAAAAAAAAAAAAEAAACgMgAAVgcAAKr4//8BAAAAf39/AAEAAABkAAAAAAAAABQAAABAHwAAAAAAACYAAAAAAAAAwOD//wAAAAAmAAAAZAAAABYAAABMAAAAAAAAAAAAAAAEAAAAAAAAAAEAAABZWVkKAAAAACgAAAAoAAAAZAAAAGQAAAAAAAAAzMzMAAAAAABQAAAAUAAAAGQAAABkAAAAAAAAABcAAAAUAAAAAAAAAAAAAAD/fwAA/38AAAAAAAAJAAAABAAAAAD0jgIeAAAAaAAAAAAAAAAAAAAAAAAAAAAAAAAAAAAAECcAABAnAAAAAAAAAAAAAAAAAAAAAAAAAAAAAAAAAAAAAAAAAAAAABQAAAAAAAAAwMD/AAAAAABkAAAAMgAAAAAAAABkAAAAAAAAAH9/fwAKAAAAIgAAABgAAAAAAAAAAAAAAAAAAAAAAAAAAAAAAAAAAAAkAAAAJAAAAAAAAAAHAAAAAAAAAAAAAAAAAAAAAAAAAAAAAAAAAAAAf39/ACUAAABYAAAAAAAAAAAAAAAAAAAAAAAAAAAAAAAAAAAAAAAAAAAAAAAAAAAAAAAAAAAAAAA/AAAAAAAAAKCGAQAAAAAAAAAAAAAAAAAMAAAAAQAAAAAAAAAAAAAAAAAAAB8AAABUAAAAAAAABQAAAAEAAAAAAAAAAAAAAAAAAAAAAAAAAAAAAAAAAAAAAAAAAAAAAAJ/f38AAAAAA8zMzADAwP8Af39/AAAAAAAAAAAAAAAAAAAAAAAAAAAAIQAAABgAAAAUAAAAHjQAALAcAAB/NwAAGx8AABAAAAAmAAAACAAAADywAAAAAAAA"/>
+                <pr:smNativeData xmlns:pr="smNativeData" xmlns="smNativeData" val="SMDATA_15_t6npZxMAAAAlAAAAZAAAAA0AAAAAkAAAAJAAAACQAAAAkAAAAAAAAAABAAAAAAAAAAEAAABQAAAAAAAAAAAA4D8AAAAAAADgPwAAAAAAAOA/AAAAAAAA4D8AAAAAAADgPwAAAAAAAOA/AAAAAAAA4D8AAAAAAADgPwAAAAAAAOA/AAAAAAAA4D8CAAAAjAAAAAAAAAAAAAAAQoX0DP///wgAAAAAAAAAAAAAAAAAAAAAAAAAAAAAAAAAAAAAZAAAAAEAAABAAAAAAAAAAAAAAAAAAAAAAAAAAAAAAAAAAAAAAAAAAAAAAAAAAAAAAAAAAAAAAAAAAAAAAAAAAAAAAAAAAAAAAAAAAAAAAAAAAAAAAAAAAAAAAAAAAAAAFAAAADwAAAAAAAAAAAAAAAAAAAkUAAAAAQAAABQAAAAUAAAAFAAAAAEAAAAAAAAAZAAAAGQAAAAAAAAAZAAAAGQAAAAVAAAAYAAAAAAAAAAAAAAADwAAACADAAAAAAAAAAAAAAEAAACgMgAAVgcAAKr4//8BAAAAf39/AAEAAABkAAAAAAAAABQAAABAHwAAAAAAACYAAAAAAAAAwOD//wAAAAAmAAAAZAAAABYAAABMAAAAAAAAAAAAAAAEAAAAAAAAAAEAAABZWVkKAAAAACgAAAAoAAAAZAAAAGQAAAAAAAAAzMzMAAAAAABQAAAAUAAAAGQAAABkAAAAAAAAABcAAAAUAAAAAAAAAAAAAAD/fwAA/38AAAAAAAAJAAAABAAAAAD0jgIeAAAAaAAAAAAAAAAAAAAAAAAAAAAAAAAAAAAAECcAABAnAAAAAAAAAAAAAAAAAAAAAAAAAAAAAAAAAAAAAAAAAAAAABQAAAAAAAAAwMD/AAAAAABkAAAAMgAAAAAAAABkAAAAAAAAAH9/fwAKAAAAIgAAABgAAAAAAAAAAAAAAAAAAAAAAAAAAAAAAAAAAAAkAAAAJAAAAAAAAAAHAAAAAAAAAAAAAAAAAAAAAAAAAAAAAAAAAAAAf39/ACUAAABYAAAAAAAAAAAAAAAAAAAAAAAAAAAAAAAAAAAAAAAAAAAAAAAAAAAAAAAAAAAAAAA/AAAAAAAAAKCGAQAAAAAAAAAAAAAAAAAMAAAAAQAAAAAAAAAAAAAAAAAAAB8AAABUAAAAAAAABQAAAAEAAAAAAAAAAAAAAAAAAAAAAAAAAAAAAAAAAAAAAAAAAAAAAAJ/f38AAAAAA8zMzADAwP8Af39/AAAAAAAAAAAAAAAAAAAAAAAAAAAAIQAAABgAAAAUAAAAHjQAALAcAAB/NwAAGx8AABAAAAAmAAAACAAAADywAAAAAAAA"/>
               </a:ext>
             </a:extLst>
           </p:cNvSpPr>
@@ -8339,10 +8468,11 @@
               </a:spcAft>
               <a:buNone/>
             </a:pPr>
-            <a:fld id="{35004EEE-A0D8-55B8-96B8-56ED00F66003}" type="slidenum">
+            <a:fld id="{307B5B4F-01DD-2EAD-93C3-F7F8158D65A2}" type="slidenum">
               <a:rPr lang="ru-ru" cap="none"/>
               <a:t>‹#›</a:t>
             </a:fld>
+            <a:endParaRPr lang="ru-ru" cap="none"/>
           </a:p>
         </p:txBody>
       </p:sp>
@@ -8352,7 +8482,7 @@
           <p:cNvPicPr>
             <a:extLst>
               <a:ext uri="smNativeData">
-                <pr:smNativeData xmlns:pr="smNativeData" xmlns="smNativeData" val="SMDATA_17_gHjoZxMAAAAlAAAAEQAAAA0AAAAAkAAAAEgAAACQAAAASAAAAAAAAAAAAAAAAAAAAAEAAABQAAAAAAAAAAAA4D8AAAAAAADgPwAAAAAAAOA/AAAAAAAA4D8AAAAAAADgPwAAAAAAAOA/AAAAAAAA4D8AAAAAAADgPwAAAAAAAOA/AAAAAAAA4D8CAAAAjAAAAAAAAAAAAAAAQoX0DP///wgAAAAAAAAAAAAAAAAAAAAAAAAAAAAAAAAAAAAAZAAAAAEAAABAAAAAAAAAAAAAAAAAAAAAAAAAAAAAAAAAAAAAAAAAAAAAAAAAAAAAAAAAAAAAAAAAAAAAAAAAAAAAAAAAAAAAAAAAAAAAAAAAAAAAAAAAAAAAAAAAAAAAFAAAADwAAAAAAAAAAAAAAAAAAAkUAAAAAQAAABQAAAAUAAAAFAAAAAEAAAAAAAAAZAAAAGQAAAAAAAAAZAAAAGQAAAAVAAAAYAAAAAAAAAAAAAAADwAAACADAAAAAAAAAAAAAAEAAACgMgAAVgcAAKr4//8BAAAAf39/AAEAAABkAAAAAAAAABQAAABAHwAAAAAAACYAAAAAAAAAwOD//wAAAAAmAAAAZAAAABYAAABMAAAAAAAAAAAAAAAEAAAAAAAAAAEAAABZWVkKAAAAACgAAAAoAAAAZAAAAGQAAAAAAAAAzMzMAAAAAABQAAAAUAAAAGQAAABkAAAAAAAAAAcAAAA4AAAAAAAAAAAAAAAAAAAA////AAAAAAAAAAAAAAAAAAAAAAAAAAAAAAAAAAAAAABkAAAAZAAAAAAAAAAjAAAABAAAAGQAAAAXAAAAFAAAAAAAAAAAAAAA/38AAP9/AAAAAAAACQAAAAQAAABAUt8BHgAAAGgAAAAAAAAAAAAAAAAAAAAAAAAAAAAAABAnAAAQJwAAAAAAAAAAAAAAAAAAAAAAAAAAAAAAAAAAAAAAAAAAAAAUAAAAAAAAAMDA/wAAAAAAZAAAADIAAAAAAAAAZAAAAAAAAAB/f38ACgAAACIAAAAYAAAAAAAAAAAAAAAAAAAAAAAAAAAAAAAAAAAAJAAAACQAAAAAAAAABwAAAAAAAAAAAAAAAAAAAAAAAAAAAAAAAAAAAH9/fwAlAAAAWAAAAAAAAAAAAAAAAAAAAAAAAAAAAAAAAAAAAAAAAAAAAAAAAAAAAAAAAAAAAAAAPwAAAAAAAACghgEAAAAAAAAAAAAAAAAADAAAAAEAAAAAAAAAAAAAAAAAAAAfAAAAVAAAAAAAAAUAAAABAAAAAAAAAAAAAAAAAAAAAAAAAAAAAAAAAAAAAAAAAAAAAAACf39/AAAAAAPMzMwAwMD/AH9/fwAAAAAAAAAAAAAAAAD///8AAAAAACEAAAAYAAAAFAAAAAAAAAAAAAAAQDgAAKQfAAAQAAAAJgAAAAgAAAD//////////w=="/>
+                <pr:smNativeData xmlns:pr="smNativeData" xmlns="smNativeData" val="SMDATA_17_t6npZxMAAAAlAAAAEQAAAA0AAAAAkAAAAEgAAACQAAAASAAAAAAAAAAAAAAAAAAAAAEAAABQAAAAAAAAAAAA4D8AAAAAAADgPwAAAAAAAOA/AAAAAAAA4D8AAAAAAADgPwAAAAAAAOA/AAAAAAAA4D8AAAAAAADgPwAAAAAAAOA/AAAAAAAA4D8CAAAAjAAAAAAAAAAAAAAAQoX0DP///wgAAAAAAAAAAAAAAAAAAAAAAAAAAAAAAAAAAAAAZAAAAAEAAABAAAAAAAAAAAAAAAAAAAAAAAAAAAAAAAAAAAAAAAAAAAAAAAAAAAAAAAAAAAAAAAAAAAAAAAAAAAAAAAAAAAAAAAAAAAAAAAAAAAAAAAAAAAAAAAAAAAAAFAAAADwAAAAAAAAAAAAAAAAAAAkUAAAAAQAAABQAAAAUAAAAFAAAAAEAAAAAAAAAZAAAAGQAAAAAAAAAZAAAAGQAAAAVAAAAYAAAAAAAAAAAAAAADwAAACADAAAAAAAAAAAAAAEAAACgMgAAVgcAAKr4//8BAAAAf39/AAEAAABkAAAAAAAAABQAAABAHwAAAAAAACYAAAAAAAAAwOD//wAAAAAmAAAAZAAAABYAAABMAAAAAAAAAAAAAAAEAAAAAAAAAAEAAABZWVkKAAAAACgAAAAoAAAAZAAAAGQAAAAAAAAAzMzMAAAAAABQAAAAUAAAAGQAAABkAAAAAAAAAAcAAAA4AAAAAAAAAAAAAAAAAAAA////AAAAAAAAAAAAAAAAAAAAAAAAAAAAAAAAAAAAAABkAAAAZAAAAAAAAAAjAAAABAAAAGQAAAAXAAAAFAAAAAAAAAAAAAAA/38AAP9/AAAAAAAACQAAAAQAAABAUt8BHgAAAGgAAAAAAAAAAAAAAAAAAAAAAAAAAAAAABAnAAAQJwAAAAAAAAAAAAAAAAAAAAAAAAAAAAAAAAAAAAAAAAAAAAAUAAAAAAAAAMDA/wAAAAAAZAAAADIAAAAAAAAAZAAAAAAAAAB/f38ACgAAACIAAAAYAAAAAAAAAAAAAAAAAAAAAAAAAAAAAAAAAAAAJAAAACQAAAAAAAAABwAAAAAAAAAAAAAAAAAAAAAAAAAAAAAAAAAAAH9/fwAlAAAAWAAAAAAAAAAAAAAAAAAAAAAAAAAAAAAAAAAAAAAAAAAAAAAAAAAAAAAAAAAAAAAAPwAAAAAAAACghgEAAAAAAAAAAAAAAAAADAAAAAEAAAAAAAAAAAAAAAAAAAAfAAAAVAAAAAAAAAUAAAABAAAAAAAAAAAAAAAAAAAAAAAAAAAAAAAAAAAAAAAAAAAAAAACf39/AAAAAAPMzMwAwMD/AH9/fwAAAAAAAAAAAAAAAAD///8AAAAAACEAAAAYAAAAFAAAAAAAAAAAAAAAQDgAAKQfAAAQAAAAJgAAAAgAAAD//////////w=="/>
               </a:ext>
             </a:extLst>
           </p:cNvPicPr>
@@ -8386,7 +8516,7 @@
             <a:spLocks noGrp="1" noChangeArrowheads="1"/>
             <a:extLst>
               <a:ext uri="smNativeData">
-                <pr:smNativeData xmlns:pr="smNativeData" xmlns="smNativeData" val="SMDATA_15_gHjoZxMAAAAlAAAAZAAAAA0AAAAAkAAAAJAAAACQAAAAkAAAAAAAAAABAAAAAAAAAAEAAABQAAAAAAAAAAAA4D8AAAAAAADgPwAAAAAAAOA/AAAAAAAA4D8AAAAAAADgPwAAAAAAAOA/AAAAAAAA4D8AAAAAAADgPwAAAAAAAOA/AAAAAAAA4D8CAAAAjAAAAAAAAAAAAAAAQoX0DP///wgAAAAAAAAAAAAAAAAAAAAAAAAAAAAAAAAAAAAAZAAAAAEAAABAAAAAAAAAAAAAAAAAAAAAAAAAAAAAAAAAAAAAAAAAAAAAAAAAAAAAAAAAAAAAAAAAAAAAAAAAAAAAAAAAAAAAAAAAAAAAAAAAAAAAAAAAAAAAAAAAAAAAFAAAADwAAAAAAAAAAAAAAAAAAAkUAAAAAQAAABQAAAAUAAAAFAAAAAEAAAAAAAAAZAAAAGQAAAAAAAAAZAAAAGQAAAAVAAAAYAAAAAAAAAAAAAAADwAAACADAAAAAAAAAAAAAAEAAACgMgAAVgcAAKr4//8BAAAAf39/AAEAAABkAAAAAAAAABQAAABAHwAAAAAAACYAAAAAAAAAwOD//wAAAAAmAAAAZAAAABYAAABMAAAAAAAAAAAAAAAEAAAAAAAAAAEAAABZWVkKAAAAACgAAAAoAAAAZAAAAGQAAAAAAAAAzMzMAAAAAABQAAAAUAAAAGQAAABkAAAAAAAAABcAAAAUAAAAAAAAAAAAAAD/fwAA/38AAAAAAAAJAAAABAAAAHgAeAAeAAAAaAAAAAAAAAAAAAAAAAAAAAAAAAAAAAAAECcAABAnAAAAAAAAAAAAAAAAAAAAAAAAAAAAAAAAAAAAAAAAAAAAABQAAAAAAAAAwMD/AAAAAABkAAAAMgAAAAAAAABkAAAAAAAAAH9/fwAKAAAAIgAAABgAAAAAAAAAAAAAAAAAAAAAAAAAAAAAAAAAAAAkAAAAJAAAAAAAAAAHAAAAAAAAAAAAAAAAAAAAAAAAAAAAAAAAAAAAf39/ACUAAABYAAAAAAAAAAAAAAAAAAAAAAAAAAAAAAAAAAAAAAAAAAAAAAAAAAAAAAAAAAAAAAA/AAAAAAAAAKCGAQAAAAAAAAAAAAAAAAAMAAAAAQAAAAAAAAAAAAAAAAAAAB8AAABUAAAAAAAABQAAAAEAAAAAAAAAAAAAAAAAAAAAAAAAAAAAAAAAAAAAAAAAAAAAAAJ/f38AAAAAA8zMzADAwP8Af39/AAAAAAAAAAAAAAAAAAAAAAAAAAAAIQAAABgAAAAUAAAAAgQAAHACAABpMwAAmhsAABAAAAAmAAAACAAAAL2wAAAAAAAA"/>
+                <pr:smNativeData xmlns:pr="smNativeData" xmlns="smNativeData" val="SMDATA_15_t6npZxMAAAAlAAAAZAAAAA0AAAAAkAAAAJAAAACQAAAAkAAAAAAAAAABAAAAAAAAAAEAAABQAAAAAAAAAAAA4D8AAAAAAADgPwAAAAAAAOA/AAAAAAAA4D8AAAAAAADgPwAAAAAAAOA/AAAAAAAA4D8AAAAAAADgPwAAAAAAAOA/AAAAAAAA4D8CAAAAjAAAAAAAAAAAAAAAQoX0DP///wgAAAAAAAAAAAAAAAAAAAAAAAAAAAAAAAAAAAAAZAAAAAEAAABAAAAAAAAAAAAAAAAAAAAAAAAAAAAAAAAAAAAAAAAAAAAAAAAAAAAAAAAAAAAAAAAAAAAAAAAAAAAAAAAAAAAAAAAAAAAAAAAAAAAAAAAAAAAAAAAAAAAAFAAAADwAAAAAAAAAAAAAAAAAAAkUAAAAAQAAABQAAAAUAAAAFAAAAAEAAAAAAAAAZAAAAGQAAAAAAAAAZAAAAGQAAAAVAAAAYAAAAAAAAAAAAAAADwAAACADAAAAAAAAAAAAAAEAAACgMgAAVgcAAKr4//8BAAAAf39/AAEAAABkAAAAAAAAABQAAABAHwAAAAAAACYAAAAAAAAAwOD//wAAAAAmAAAAZAAAABYAAABMAAAAAAAAAAAAAAAEAAAAAAAAAAEAAABZWVkKAAAAACgAAAAoAAAAZAAAAGQAAAAAAAAAzMzMAAAAAABQAAAAUAAAAGQAAABkAAAAAAAAABcAAAAUAAAAAAAAAAAAAAD/fwAA/38AAAAAAAAJAAAABAAAAHgAeAAeAAAAaAAAAAAAAAAAAAAAAAAAAAAAAAAAAAAAECcAABAnAAAAAAAAAAAAAAAAAAAAAAAAAAAAAAAAAAAAAAAAAAAAABQAAAAAAAAAwMD/AAAAAABkAAAAMgAAAAAAAABkAAAAAAAAAH9/fwAKAAAAIgAAABgAAAAAAAAAAAAAAAAAAAAAAAAAAAAAAAAAAAAkAAAAJAAAAAAAAAAHAAAAAAAAAAAAAAAAAAAAAAAAAAAAAAAAAAAAf39/ACUAAABYAAAAAAAAAAAAAAAAAAAAAAAAAAAAAAAAAAAAAAAAAAAAAAAAAAAAAAAAAAAAAAA/AAAAAAAAAKCGAQAAAAAAAAAAAAAAAAAMAAAAAQAAAAAAAAAAAAAAAAAAAB8AAABUAAAAAAAABQAAAAEAAAAAAAAAAAAAAAAAAAAAAAAAAAAAAAAAAAAAAAAAAAAAAAJ/f38AAAAAA8zMzADAwP8Af39/AAAAAAAAAAAAAAAAAAAAAAAAAAAAIQAAABgAAAAUAAAAAgQAAHACAABpMwAAmhsAABAAAAAmAAAACAAAAL2wAAAAAAAA"/>
               </a:ext>
             </a:extLst>
           </p:cNvSpPr>
@@ -8540,7 +8670,7 @@
             <a:spLocks noGrp="1" noChangeArrowheads="1"/>
             <a:extLst>
               <a:ext uri="smNativeData">
-                <pr:smNativeData xmlns:pr="smNativeData" xmlns="smNativeData" val="SMDATA_15_gHjoZxMAAAAlAAAAZAAAAA0AAAAAkAAAAJAAAACQAAAAkAAAAAAAAAAAAAAAAAAAAAEAAABQAAAAAAAAAAAA4D8AAAAAAADgPwAAAAAAAOA/AAAAAAAA4D8AAAAAAADgPwAAAAAAAOA/AAAAAAAA4D8AAAAAAADgPwAAAAAAAOA/AAAAAAAA4D8CAAAAjAAAAAAAAAAAAAAAQoX0DP///wgAAAAAAAAAAAAAAAAAAAAAAAAAAAAAAAAAAAAAZAAAAAEAAABAAAAAAAAAAAAAAAAAAAAAAAAAAAAAAAAAAAAAAAAAAAAAAAAAAAAAAAAAAAAAAAAAAAAAAAAAAAAAAAAAAAAAAAAAAAAAAAAAAAAAAAAAAAAAAAAAAAAAFAAAADwAAAAAAAAAAAAAAAAAAAkUAAAAAQAAABQAAAAUAAAAFAAAAAEAAAAAAAAAZAAAAGQAAAAAAAAAZAAAAGQAAAAVAAAAYAAAAAAAAAAAAAAADwAAACADAAAAAAAAAAAAAAEAAACgMgAAVgcAAKr4//8BAAAAf39/AAEAAABkAAAAAAAAABQAAABAHwAAAAAAACYAAAAAAAAAwOD//wAAAAAmAAAAZAAAABYAAABMAAAAAAAAAAAAAAAEAAAAAAAAAAEAAABZWVkKAAAAACgAAAAoAAAAZAAAAGQAAAAAAAAAzMzMAAAAAABQAAAAUAAAAGQAAABkAAAAAAAAABcAAAAUAAAAAAAAAAAAAAD/fwAA/38AAAAAAAAJAAAABAAAAAAAAAAeAAAAaAAAAAAAAAAAAAAAAAAAAAAAAAAAAAAAECcAABAnAAAAAAAAAAAAAAAAAAAAAAAAAAAAAAAAAAAAAAAAAAAAABQAAAAAAAAAwMD/AAAAAABkAAAAMgAAAAAAAABkAAAAAAAAAH9/fwAKAAAAIgAAABgAAAAAAAAAAAAAAAAAAAAAAAAAAAAAAAAAAAAkAAAAJAAAAAAAAAAHAAAAAAAAAAAAAAAAAAAAAAAAAAAAAAAAAAAAf39/ACUAAABYAAAAAAAAAAAAAAAAAAAAAAAAAAAAAAAAAAAAAAAAAAAAAAAAAAAAAAAAAAAAAAA/AAAAAAAAAKCGAQAAAAAAAAAAAAAAAAAMAAAAAQAAAAAAAAAAAAAAAAAAAB8AAABUAAAAAAAABQAAAAEAAAAAAAAAAAAAAAAAAAAAAAAAAAAAAAAAAAAAAAAAAAAAAAJ/f38AAAAAA8zMzADAwP8Af39/AAAAAAAAAAAAAAAAAAAAAAAAAAAAIQAAABgAAAAUAAAAFAMAAAkCAAB/NwAAxwgAABAAAAAmAAAACAAAADywAAAAAAAA"/>
+                <pr:smNativeData xmlns:pr="smNativeData" xmlns="smNativeData" val="SMDATA_15_t6npZxMAAAAlAAAAZAAAAA0AAAAAkAAAAJAAAACQAAAAkAAAAAAAAAAAAAAAAAAAAAEAAABQAAAAAAAAAAAA4D8AAAAAAADgPwAAAAAAAOA/AAAAAAAA4D8AAAAAAADgPwAAAAAAAOA/AAAAAAAA4D8AAAAAAADgPwAAAAAAAOA/AAAAAAAA4D8CAAAAjAAAAAAAAAAAAAAAQoX0DP///wgAAAAAAAAAAAAAAAAAAAAAAAAAAAAAAAAAAAAAZAAAAAEAAABAAAAAAAAAAAAAAAAAAAAAAAAAAAAAAAAAAAAAAAAAAAAAAAAAAAAAAAAAAAAAAAAAAAAAAAAAAAAAAAAAAAAAAAAAAAAAAAAAAAAAAAAAAAAAAAAAAAAAFAAAADwAAAAAAAAAAAAAAAAAAAkUAAAAAQAAABQAAAAUAAAAFAAAAAEAAAAAAAAAZAAAAGQAAAAAAAAAZAAAAGQAAAAVAAAAYAAAAAAAAAAAAAAADwAAACADAAAAAAAAAAAAAAEAAACgMgAAVgcAAKr4//8BAAAAf39/AAEAAABkAAAAAAAAABQAAABAHwAAAAAAACYAAAAAAAAAwOD//wAAAAAmAAAAZAAAABYAAABMAAAAAAAAAAAAAAAEAAAAAAAAAAEAAABZWVkKAAAAACgAAAAoAAAAZAAAAGQAAAAAAAAAzMzMAAAAAABQAAAAUAAAAGQAAABkAAAAAAAAABcAAAAUAAAAAAAAAAAAAAD/fwAA/38AAAAAAAAJAAAABAAAAAAAAAAeAAAAaAAAAAAAAAAAAAAAAAAAAAAAAAAAAAAAECcAABAnAAAAAAAAAAAAAAAAAAAAAAAAAAAAAAAAAAAAAAAAAAAAABQAAAAAAAAAwMD/AAAAAABkAAAAMgAAAAAAAABkAAAAAAAAAH9/fwAKAAAAIgAAABgAAAAAAAAAAAAAAAAAAAAAAAAAAAAAAAAAAAAkAAAAJAAAAAAAAAAHAAAAAAAAAAAAAAAAAAAAAAAAAAAAAAAAAAAAf39/ACUAAABYAAAAAAAAAAAAAAAAAAAAAAAAAAAAAAAAAAAAAAAAAAAAAAAAAAAAAAAAAAAAAAA/AAAAAAAAAKCGAQAAAAAAAAAAAAAAAAAMAAAAAQAAAAAAAAAAAAAAAAAAAB8AAABUAAAAAAAABQAAAAEAAAAAAAAAAAAAAAAAAAAAAAAAAAAAAAAAAAAAAAAAAAAAAAJ/f38AAAAAA8zMzADAwP8Af39/AAAAAAAAAAAAAAAAAAAAAAAAAAAAIQAAABgAAAAUAAAAFAMAAAkCAAB/NwAAxwgAABAAAAAmAAAACAAAADywAAAAAAAA"/>
               </a:ext>
             </a:extLst>
           </p:cNvSpPr>
@@ -8650,7 +8780,7 @@
             <a:spLocks noGrp="1" noChangeArrowheads="1"/>
             <a:extLst>
               <a:ext uri="smNativeData">
-                <pr:smNativeData xmlns:pr="smNativeData" xmlns="smNativeData" val="SMDATA_15_gHjoZxMAAAAlAAAAZAAAAA0AAAAAkAAAAJAAAACQAAAAkAAAAAAAAAAAAAAAAAAAAAEAAABQAAAAAAAAAAAA4D8AAAAAAADgPwAAAAAAAOA/AAAAAAAA4D8AAAAAAADgPwAAAAAAAOA/AAAAAAAA4D8AAAAAAADgPwAAAAAAAOA/AAAAAAAA4D8CAAAAjAAAAAAAAAAAAAAAQoX0DP///wgAAAAAAAAAAAAAAAAAAAAAAAAAAAAAAAAAAAAAZAAAAAEAAABAAAAAAAAAAAAAAAAAAAAAAAAAAAAAAAAAAAAAAAAAAAAAAAAAAAAAAAAAAAAAAAAAAAAAAAAAAAAAAAAAAAAAAAAAAAAAAAAAAAAAAAAAAAAAAAAAAAAAFAAAADwAAAAAAAAAAAAAAAAAAAkUAAAAAQAAABQAAAAUAAAAFAAAAAEAAAAAAAAAZAAAAGQAAAAAAAAAZAAAAGQAAAAVAAAAYAAAAAAAAAAAAAAADwAAACADAAAAAAAAAAAAAAEAAACgMgAAVgcAAKr4//8BAAAAf39/AAEAAABkAAAAAAAAABQAAABAHwAAAAAAACYAAAAAAAAAwOD//wAAAAAmAAAAZAAAABYAAABMAAAAAAAAAAAAAAAEAAAAAAAAAAEAAABZWVkKAAAAACgAAAAoAAAAZAAAAGQAAAAAAAAAzMzMAAAAAABQAAAAUAAAAGQAAABkAAAAAAAAABcAAAAUAAAAAAAAAAAAAAD/fwAA/38AAAAAAAAJAAAABAAAAOymQA8eAAAAaAAAAAAAAAAAAAAAAAAAAAAAAAAAAAAAECcAABAnAAAAAAAAAAAAAAAAAAAAAAAAAAAAAAAAAAAAAAAAAAAAABQAAAAAAAAAwMD/AAAAAABkAAAAMgAAAAAAAABkAAAAAAAAAH9/fwAKAAAAIgAAABgAAAAAAAAAAAAAAAAAAAAAAAAAAAAAAAAAAAAkAAAAJAAAAAAAAAAHAAAAAAAAAAAAAAAAAAAAAAAAAAAAAAAAAAAAf39/ACUAAABYAAAAAAAAAAAAAAAAAAAAAAAAAAAAAAAAAAAAAAAAAAAAAAAAAAAAAAAAAAAAAAA/AAAAAAAAAKCGAQAAAAAAAAAAAAAAAAAMAAAAAQAAAAAAAAAAAAAAAAAAAB8AAABUAAAAAAAABQAAAAEAAAAAAAAAAAAAAAAAAAAAAAAAAAAAAAAAAAAAAAAAAAAAAAJ/f38AAAAAA8zMzADAwP8Af39/AAAAAAAAAAAAAAAAAAAAAAAAAAAAIQAAABgAAAAUAAAA8RcAAI8KAAD1MgAALA4AABAAAAAmAAAACAAAAD2wAAAAAAAA"/>
+                <pr:smNativeData xmlns:pr="smNativeData" xmlns="smNativeData" val="SMDATA_15_t6npZxMAAAAlAAAAZAAAAA0AAAAAkAAAAJAAAACQAAAAkAAAAAAAAAAAAAAAAAAAAAEAAABQAAAAAAAAAAAA4D8AAAAAAADgPwAAAAAAAOA/AAAAAAAA4D8AAAAAAADgPwAAAAAAAOA/AAAAAAAA4D8AAAAAAADgPwAAAAAAAOA/AAAAAAAA4D8CAAAAjAAAAAAAAAAAAAAAQoX0DP///wgAAAAAAAAAAAAAAAAAAAAAAAAAAAAAAAAAAAAAZAAAAAEAAABAAAAAAAAAAAAAAAAAAAAAAAAAAAAAAAAAAAAAAAAAAAAAAAAAAAAAAAAAAAAAAAAAAAAAAAAAAAAAAAAAAAAAAAAAAAAAAAAAAAAAAAAAAAAAAAAAAAAAFAAAADwAAAAAAAAAAAAAAAAAAAkUAAAAAQAAABQAAAAUAAAAFAAAAAEAAAAAAAAAZAAAAGQAAAAAAAAAZAAAAGQAAAAVAAAAYAAAAAAAAAAAAAAADwAAACADAAAAAAAAAAAAAAEAAACgMgAAVgcAAKr4//8BAAAAf39/AAEAAABkAAAAAAAAABQAAABAHwAAAAAAACYAAAAAAAAAwOD//wAAAAAmAAAAZAAAABYAAABMAAAAAAAAAAAAAAAEAAAAAAAAAAEAAABZWVkKAAAAACgAAAAoAAAAZAAAAGQAAAAAAAAAzMzMAAAAAABQAAAAUAAAAGQAAABkAAAAAAAAABcAAAAUAAAAAAAAAAAAAAD/fwAA/38AAAAAAAAJAAAABAAAAOymQA8eAAAAaAAAAAAAAAAAAAAAAAAAAAAAAAAAAAAAECcAABAnAAAAAAAAAAAAAAAAAAAAAAAAAAAAAAAAAAAAAAAAAAAAABQAAAAAAAAAwMD/AAAAAABkAAAAMgAAAAAAAABkAAAAAAAAAH9/fwAKAAAAIgAAABgAAAAAAAAAAAAAAAAAAAAAAAAAAAAAAAAAAAAkAAAAJAAAAAAAAAAHAAAAAAAAAAAAAAAAAAAAAAAAAAAAAAAAAAAAf39/ACUAAABYAAAAAAAAAAAAAAAAAAAAAAAAAAAAAAAAAAAAAAAAAAAAAAAAAAAAAAAAAAAAAAA/AAAAAAAAAKCGAQAAAAAAAAAAAAAAAAAMAAAAAQAAAAAAAAAAAAAAAAAAAB8AAABUAAAAAAAABQAAAAEAAAAAAAAAAAAAAAAAAAAAAAAAAAAAAAAAAAAAAAAAAAAAAAJ/f38AAAAAA8zMzADAwP8Af39/AAAAAAAAAAAAAAAAAAAAAAAAAAAAIQAAABgAAAAUAAAA8RcAAI8KAAD1MgAALA4AABAAAAAmAAAACAAAAD2wAAAAAAAA"/>
               </a:ext>
             </a:extLst>
           </p:cNvSpPr>
@@ -8837,7 +8967,7 @@
             <a:spLocks noGrp="1" noChangeArrowheads="1"/>
             <a:extLst>
               <a:ext uri="smNativeData">
-                <pr:smNativeData xmlns:pr="smNativeData" xmlns="smNativeData" val="SMDATA_15_gHjoZxMAAAAlAAAAZAAAAA0AAAAAkAAAAJAAAACQAAAAkAAAAAAAAAAAAAAAAAAAAAEAAABQAAAAAAAAAAAA4D8AAAAAAADgPwAAAAAAAOA/AAAAAAAA4D8AAAAAAADgPwAAAAAAAOA/AAAAAAAA4D8AAAAAAADgPwAAAAAAAOA/AAAAAAAA4D8CAAAAjAAAAAAAAAAAAAAAQoX0DP///wgAAAAAAAAAAAAAAAAAAAAAAAAAAAAAAAAAAAAAZAAAAAEAAABAAAAAAAAAAAAAAAAAAAAAAAAAAAAAAAAAAAAAAAAAAAAAAAAAAAAAAAAAAAAAAAAAAAAAAAAAAAAAAAAAAAAAAAAAAAAAAAAAAAAAAAAAAAAAAAAAAAAAFAAAADwAAAAAAAAAAAAAAAAAAAkUAAAAAQAAABQAAAAUAAAAFAAAAAEAAAAAAAAAZAAAAGQAAAAAAAAAZAAAAGQAAAAVAAAAYAAAAAAAAAAAAAAADwAAACADAAAAAAAAAAAAAAEAAACgMgAAVgcAAKr4//8BAAAAf39/AAEAAABkAAAAAAAAABQAAABAHwAAAAAAACYAAAAAAAAAwOD//wAAAAAmAAAAZAAAABYAAABMAAAAAAAAAAAAAAAEAAAAAAAAAAEAAABZWVkKAAAAACgAAAAoAAAAZAAAAGQAAAAAAAAAzMzMAAAAAABQAAAAUAAAAGQAAABkAAAAAAAAABcAAAAUAAAAAAAAAAAAAAD/fwAA/38AAAAAAAAJAAAABAAAAAAAAAAeAAAAaAAAAAAAAAAAAAAAAAAAAAAAAAAAAAAAECcAABAnAAAAAAAAAAAAAAAAAAAAAAAAAAAAAAAAAAAAAAAAAAAAABQAAAAAAAAAwMD/AAAAAABkAAAAMgAAAAAAAABkAAAAAAAAAH9/fwAKAAAAIgAAABgAAAAAAAAAAAAAAAAAAAAAAAAAAAAAAAAAAAAkAAAAJAAAAAAAAAAHAAAAAAAAAAAAAAAAAAAAAAAAAAAAAAAAAAAAf39/ACUAAABYAAAAAAAAAAAAAAAAAAAAAAAAAAAAAAAAAAAAAAAAAAAAAAAAAAAAAAAAAAAAAAA/AAAAAAAAAKCGAQAAAAAAAAAAAAAAAAAMAAAAAQAAAAAAAAAAAAAAAAAAAB8AAABUAAAAAAAABQAAAAEAAAAAAAAAAAAAAAAAAAAAAAAAAAAAAAAAAAAAAAAAAAAAAAJ/f38AAAAAA8zMzADAwP8Af39/AAAAAAAAAAAAAAAAAAAAAAAAAAAAIQAAABgAAAAUAAAA8RcAANwNAABJNwAATx0AABAAAAAmAAAACAAAAD2wAAAAAAAA"/>
+                <pr:smNativeData xmlns:pr="smNativeData" xmlns="smNativeData" val="SMDATA_15_t6npZxMAAAAlAAAAZAAAAA0AAAAAkAAAAJAAAACQAAAAkAAAAAAAAAAAAAAAAAAAAAEAAABQAAAAAAAAAAAA4D8AAAAAAADgPwAAAAAAAOA/AAAAAAAA4D8AAAAAAADgPwAAAAAAAOA/AAAAAAAA4D8AAAAAAADgPwAAAAAAAOA/AAAAAAAA4D8CAAAAjAAAAAAAAAAAAAAAQoX0DP///wgAAAAAAAAAAAAAAAAAAAAAAAAAAAAAAAAAAAAAZAAAAAEAAABAAAAAAAAAAAAAAAAAAAAAAAAAAAAAAAAAAAAAAAAAAAAAAAAAAAAAAAAAAAAAAAAAAAAAAAAAAAAAAAAAAAAAAAAAAAAAAAAAAAAAAAAAAAAAAAAAAAAAFAAAADwAAAAAAAAAAAAAAAAAAAkUAAAAAQAAABQAAAAUAAAAFAAAAAEAAAAAAAAAZAAAAGQAAAAAAAAAZAAAAGQAAAAVAAAAYAAAAAAAAAAAAAAADwAAACADAAAAAAAAAAAAAAEAAACgMgAAVgcAAKr4//8BAAAAf39/AAEAAABkAAAAAAAAABQAAABAHwAAAAAAACYAAAAAAAAAwOD//wAAAAAmAAAAZAAAABYAAABMAAAAAAAAAAAAAAAEAAAAAAAAAAEAAABZWVkKAAAAACgAAAAoAAAAZAAAAGQAAAAAAAAAzMzMAAAAAABQAAAAUAAAAGQAAABkAAAAAAAAABcAAAAUAAAAAAAAAAAAAAD/fwAA/38AAAAAAAAJAAAABAAAAAAAAAAeAAAAaAAAAAAAAAAAAAAAAAAAAAAAAAAAAAAAECcAABAnAAAAAAAAAAAAAAAAAAAAAAAAAAAAAAAAAAAAAAAAAAAAABQAAAAAAAAAwMD/AAAAAABkAAAAMgAAAAAAAABkAAAAAAAAAH9/fwAKAAAAIgAAABgAAAAAAAAAAAAAAAAAAAAAAAAAAAAAAAAAAAAkAAAAJAAAAAAAAAAHAAAAAAAAAAAAAAAAAAAAAAAAAAAAAAAAAAAAf39/ACUAAABYAAAAAAAAAAAAAAAAAAAAAAAAAAAAAAAAAAAAAAAAAAAAAAAAAAAAAAAAAAAAAAA/AAAAAAAAAKCGAQAAAAAAAAAAAAAAAAAMAAAAAQAAAAAAAAAAAAAAAAAAAB8AAABUAAAAAAAABQAAAAEAAAAAAAAAAAAAAAAAAAAAAAAAAAAAAAAAAAAAAAAAAAAAAAJ/f38AAAAAA8zMzADAwP8Af39/AAAAAAAAAAAAAAAAAAAAAAAAAAAAIQAAABgAAAAUAAAA8RcAANwNAABJNwAATx0AABAAAAAmAAAACAAAAD2wAAAAAAAA"/>
               </a:ext>
             </a:extLst>
           </p:cNvSpPr>
@@ -9048,7 +9178,7 @@
           <p:cNvSpPr>
             <a:extLst>
               <a:ext uri="smNativeData">
-                <pr:smNativeData xmlns:pr="smNativeData" xmlns="smNativeData" val="SMDATA_15_gHjoZxMAAAAlAAAAZAAAAA0AAAAAkAAAAJAAAACQAAAAkAAAAAAAAAABAAAAAAAAAAEAAABQAAAAAAAAAAAA4D8AAAAAAADgPwAAAAAAAOA/AAAAAAAA4D8AAAAAAADgPwAAAAAAAOA/AAAAAAAA4D8AAAAAAADgPwAAAAAAAOA/AAAAAAAA4D8CAAAAjAAAAAEAAAAAAAAA8/PzAP///wgAAAAAAAAAAAAAAAAAAAAAAAAAAAAAAAAAAAAAeAAAAAEAAABAAAAAAAAAAAAAAABaAAAAAAAAAAAAAAAAAAAAAAAAAAAAAAAAAAAAAAAAAAAAAAAAAAAAAAAAAAAAAAAAAAAAAAAAAAAAAAAAAAAAAAAAAAAAAAAAAAAAFAAAADwAAAAAAAAAAAAAAAAAAAkUAAAAAQAAABQAAAAUAAAAFAAAAAEAAAAAAAAAZAAAAGQAAAAAAAAAZAAAAGQAAAAVAAAAYAAAAAAAAAAAAAAADwAAACADAAAAAAAAAAAAAAEAAACgMgAAVgcAAKr4//8BAAAAf39/AAEAAABkAAAAAAAAABQAAABAHwAAAAAAACYAAAAAAAAAwOD//wAAAAAmAAAAZAAAABYAAABMAAAAAAAAAAAAAAAEAAAAAAAAAAEAAABZWVkKAAAAACgAAAAoAAAAZAAAAGQAAAAAAAAAzMzMAAAAAABQAAAAUAAAAGQAAABkAAAAAAAAABcAAAAUAAAAAAAAAAAAAAD/fwAA/38AAAAAAAAJAAAABAAAAAAAAAAeAAAAaAAAAAAAAAAAAAAAAAAAAAAAAAAAAAAAECcAABAnAAAAAAAAAAAAAAAAAAAAAAAAAAAAAAAAAAAAAAAAAAAAABQAAAAAAAAAwMD/AAAAAABkAAAAMgAAAAAAAABkAAAAAAAAAH9/fwAKAAAAIgAAABgAAAAAAAAAAAAAAAAAAAAAAAAAAAAAAAAAAAAkAAAAJAAAAAAAAAAHAAAAAAAAAAAAAAAAAAAAAAAAAAAAAAAAAAAAf39/ACUAAABYAAAAAAAAAAAAAAAAAAAAAAAAAAAAAAAAAAAAAAAAAAAAAAAAAAAAAAAAAAAAAAA/AAAAAAAAAKCGAQAAAAAAAAAAAAAAAAAMAAAAAQAAAAAAAAAAAAAAAAAAAB8AAABUAAAA8/PzAAAAAAEAAAAAAAAAAAAAAAAAAAAAAAAAAAAAAAAAAAAAAAAAAAAAAAJ/f38AAAAAA8zMzADAwP8Af39/AAAAAAAAAAAAAAAAAAAAAAAAAAAAIQAAABgAAAAUAAAAIBwAAAAAAABAOAAApB8AABAAAAAmAAAACAAAAP//////////"/>
+                <pr:smNativeData xmlns:pr="smNativeData" xmlns="smNativeData" val="SMDATA_15_t6npZxMAAAAlAAAAZAAAAA0AAAAAkAAAAJAAAACQAAAAkAAAAAAAAAABAAAAAAAAAAEAAABQAAAAAAAAAAAA4D8AAAAAAADgPwAAAAAAAOA/AAAAAAAA4D8AAAAAAADgPwAAAAAAAOA/AAAAAAAA4D8AAAAAAADgPwAAAAAAAOA/AAAAAAAA4D8CAAAAjAAAAAEAAAAAAAAA8/PzAP///wgAAAAAAAAAAAAAAAAAAAAAAAAAAAAAAAAAAAAAeAAAAAEAAABAAAAAAAAAAAAAAABaAAAAAAAAAAAAAAAAAAAAAAAAAAAAAAAAAAAAAAAAAAAAAAAAAAAAAAAAAAAAAAAAAAAAAAAAAAAAAAAAAAAAAAAAAAAAAAAAAAAAFAAAADwAAAAAAAAAAAAAAAAAAAkUAAAAAQAAABQAAAAUAAAAFAAAAAEAAAAAAAAAZAAAAGQAAAAAAAAAZAAAAGQAAAAVAAAAYAAAAAAAAAAAAAAADwAAACADAAAAAAAAAAAAAAEAAACgMgAAVgcAAKr4//8BAAAAf39/AAEAAABkAAAAAAAAABQAAABAHwAAAAAAACYAAAAAAAAAwOD//wAAAAAmAAAAZAAAABYAAABMAAAAAAAAAAAAAAAEAAAAAAAAAAEAAABZWVkKAAAAACgAAAAoAAAAZAAAAGQAAAAAAAAAzMzMAAAAAABQAAAAUAAAAGQAAABkAAAAAAAAABcAAAAUAAAAAAAAAAAAAAD/fwAA/38AAAAAAAAJAAAABAAAAAAAAAAeAAAAaAAAAAAAAAAAAAAAAAAAAAAAAAAAAAAAECcAABAnAAAAAAAAAAAAAAAAAAAAAAAAAAAAAAAAAAAAAAAAAAAAABQAAAAAAAAAwMD/AAAAAABkAAAAMgAAAAAAAABkAAAAAAAAAH9/fwAKAAAAIgAAABgAAAAAAAAAAAAAAAAAAAAAAAAAAAAAAAAAAAAkAAAAJAAAAAAAAAAHAAAAAAAAAAAAAAAAAAAAAAAAAAAAAAAAAAAAf39/ACUAAABYAAAAAAAAAAAAAAAAAAAAAAAAAAAAAAAAAAAAAAAAAAAAAAAAAAAAAAAAAAAAAAA/AAAAAAAAAKCGAQAAAAAAAAAAAAAAAAAMAAAAAQAAAAAAAAAAAAAAAAAAAB8AAABUAAAA8/PzAAAAAAEAAAAAAAAAAAAAAAAAAAAAAAAAAAAAAAAAAAAAAAAAAAAAAAJ/f38AAAAAA8zMzADAwP8Af39/AAAAAAAAAAAAAAAAAAAAAAAAAAAAIQAAABgAAAAUAAAAIBwAAAAAAABAOAAApB8AABAAAAAmAAAACAAAAP//////////"/>
               </a:ext>
             </a:extLst>
           </p:cNvSpPr>
@@ -9093,7 +9223,7 @@
             <a:spLocks noGrp="1" noChangeArrowheads="1"/>
             <a:extLst>
               <a:ext uri="smNativeData">
-                <pr:smNativeData xmlns:pr="smNativeData" xmlns="smNativeData" val="SMDATA_15_gHjoZxMAAAAlAAAAZAAAAA0AAAAAkAAAAJAAAACQAAAAkAAAAAAAAAACAAAAAAAAAAEAAABQAAAAAAAAAAAA4D8AAAAAAADgPwAAAAAAAOA/AAAAAAAA4D8AAAAAAADgPwAAAAAAAOA/AAAAAAAA4D8AAAAAAADgPwAAAAAAAOA/AAAAAAAA4D8CAAAAjAAAAAAAAAAAAAAAQoX0DP///wgAAAAAAAAAAAAAAAAAAAAAAAAAAAAAAAAAAAAAZAAAAAEAAABAAAAAAAAAAAAAAAAAAAAAAAAAAAAAAAAAAAAAAAAAAAAAAAAAAAAAAAAAAAAAAAAAAAAAAAAAAAAAAAAAAAAAAAAAAAAAAAAAAAAAAAAAAAAAAAAAAAAAFAAAADwAAAAAAAAAAAAAAAAAAAkUAAAAAQAAABQAAAAUAAAAFAAAAAEAAAAAAAAAZAAAAGQAAAAAAAAAZAAAAGQAAAAVAAAAYAAAAAAAAAAAAAAADwAAACADAAAAAAAAAAAAAAEAAACgMgAAVgcAAKr4//8BAAAAf39/AAEAAABkAAAAAAAAABQAAABAHwAAAAAAACYAAAAAAAAAwOD//wAAAAAmAAAAZAAAABYAAABMAAAAAAAAAAAAAAAEAAAAAAAAAAEAAABZWVkKAAAAACgAAAAoAAAAZAAAAGQAAAAAAAAAzMzMAAAAAABQAAAAUAAAAGQAAABkAAAAAAAAABcAAAAUAAAAAAAAAAAAAAD/fwAA/38AAAAAAAAJAAAABAAAABZlbQEeAAAAaAAAAAAAAAAAAAAAAAAAAAAAAAAAAAAAECcAABAnAAAAAAAAAAAAAAAAAAAAAAAAAAAAAAAAAAAAAAAAAAAAABQAAAAAAAAAwMD/AAAAAABkAAAAMgAAAAAAAABkAAAAAAAAAH9/fwAKAAAAIgAAABgAAAAAAAAAAAAAAAAAAAAAAAAAAAAAAAAAAAAkAAAAJAAAAAAAAAAHAAAAAAAAAAAAAAAAAAAAAAAAAAAAAAAAAAAAf39/ACUAAABYAAAAAAAAAAAAAAAAAAAAAAAAAAAAAAAAAAAAAAAAAAAAAAAAAAAAAAAAAAAAAAA/AAAAAAAAAKCGAQAAAAAAAAAAAAAAAAAMAAAAAQAAAAAAAAAAAAAAAAAAAB8AAABUAAAAAAAABQAAAAEAAAAAAAAAAAAAAAAAAAAAAAAAAAAAAAAAAAAAAAAAAAAAAAJ/f38AAAAAA8zMzADAwP8Af39/AAAAAAAAAAAAAAAAAAAAAAAAAAAAIQAAABgAAAAUAAAAvwMAAIMHAACiHAAAoRAAABAAAAAmAAAACAAAAL2wAAAAAAAA"/>
+                <pr:smNativeData xmlns:pr="smNativeData" xmlns="smNativeData" val="SMDATA_15_t6npZxMAAAAlAAAAZAAAAA0AAAAAkAAAAJAAAACQAAAAkAAAAAAAAAACAAAAAAAAAAEAAABQAAAAAAAAAAAA4D8AAAAAAADgPwAAAAAAAOA/AAAAAAAA4D8AAAAAAADgPwAAAAAAAOA/AAAAAAAA4D8AAAAAAADgPwAAAAAAAOA/AAAAAAAA4D8CAAAAjAAAAAAAAAAAAAAAQoX0DP///wgAAAAAAAAAAAAAAAAAAAAAAAAAAAAAAAAAAAAAZAAAAAEAAABAAAAAAAAAAAAAAAAAAAAAAAAAAAAAAAAAAAAAAAAAAAAAAAAAAAAAAAAAAAAAAAAAAAAAAAAAAAAAAAAAAAAAAAAAAAAAAAAAAAAAAAAAAAAAAAAAAAAAFAAAADwAAAAAAAAAAAAAAAAAAAkUAAAAAQAAABQAAAAUAAAAFAAAAAEAAAAAAAAAZAAAAGQAAAAAAAAAZAAAAGQAAAAVAAAAYAAAAAAAAAAAAAAADwAAACADAAAAAAAAAAAAAAEAAACgMgAAVgcAAKr4//8BAAAAf39/AAEAAABkAAAAAAAAABQAAABAHwAAAAAAACYAAAAAAAAAwOD//wAAAAAmAAAAZAAAABYAAABMAAAAAAAAAAAAAAAEAAAAAAAAAAEAAABZWVkKAAAAACgAAAAoAAAAZAAAAGQAAAAAAAAAzMzMAAAAAABQAAAAUAAAAGQAAABkAAAAAAAAABcAAAAUAAAAAAAAAAAAAAD/fwAA/38AAAAAAAAJAAAABAAAABZlbQEeAAAAaAAAAAAAAAAAAAAAAAAAAAAAAAAAAAAAECcAABAnAAAAAAAAAAAAAAAAAAAAAAAAAAAAAAAAAAAAAAAAAAAAABQAAAAAAAAAwMD/AAAAAABkAAAAMgAAAAAAAABkAAAAAAAAAH9/fwAKAAAAIgAAABgAAAAAAAAAAAAAAAAAAAAAAAAAAAAAAAAAAAAkAAAAJAAAAAAAAAAHAAAAAAAAAAAAAAAAAAAAAAAAAAAAAAAAAAAAf39/ACUAAABYAAAAAAAAAAAAAAAAAAAAAAAAAAAAAAAAAAAAAAAAAAAAAAAAAAAAAAAAAAAAAAA/AAAAAAAAAKCGAQAAAAAAAAAAAAAAAAAMAAAAAQAAAAAAAAAAAAAAAAAAAB8AAABUAAAAAAAABQAAAAEAAAAAAAAAAAAAAAAAAAAAAAAAAAAAAAAAAAAAAAAAAAAAAAJ/f38AAAAAA8zMzADAwP8Af39/AAAAAAAAAAAAAAAAAAAAAAAAAAAAIQAAABgAAAAUAAAAvwMAAIMHAACiHAAAoRAAABAAAAAmAAAACAAAAL2wAAAAAAAA"/>
               </a:ext>
             </a:extLst>
           </p:cNvSpPr>
@@ -9217,7 +9347,7 @@
             <a:spLocks noGrp="1" noChangeArrowheads="1"/>
             <a:extLst>
               <a:ext uri="smNativeData">
-                <pr:smNativeData xmlns:pr="smNativeData" xmlns="smNativeData" val="SMDATA_15_gHjoZxMAAAAlAAAAZAAAAA0AAAAAkAAAAJAAAACQAAAAkAAAAAAAAAAAAAAAAAAAAAEAAABQAAAAAAAAAAAA4D8AAAAAAADgPwAAAAAAAOA/AAAAAAAA4D8AAAAAAADgPwAAAAAAAOA/AAAAAAAA4D8AAAAAAADgPwAAAAAAAOA/AAAAAAAA4D8CAAAAjAAAAAAAAAAAAAAAQoX0DP///wgAAAAAAAAAAAAAAAAAAAAAAAAAAAAAAAAAAAAAZAAAAAEAAABAAAAAAAAAAAAAAAAAAAAAAAAAAAAAAAAAAAAAAAAAAAAAAAAAAAAAAAAAAAAAAAAAAAAAAAAAAAAAAAAAAAAAAAAAAAAAAAAAAAAAAAAAAAAAAAAAAAAAFAAAADwAAAAAAAAAAAAAAAAAAAkUAAAAAQAAABQAAAAUAAAAFAAAAAEAAAAAAAAAZAAAAGQAAAAAAAAAZAAAAGQAAAAVAAAAYAAAAAAAAAAAAAAADwAAACADAAAAAAAAAAAAAAEAAACgMgAAVgcAAKr4//8BAAAAf39/AAEAAABkAAAAAAAAABQAAABAHwAAAAAAACYAAAAAAAAAwOD//wAAAAAmAAAAZAAAABYAAABMAAAAAAAAAAAAAAAEAAAAAAAAAAEAAABZWVkKAAAAACgAAAAoAAAAZAAAAGQAAAAAAAAAzMzMAAAAAABQAAAAUAAAAGQAAABkAAAAAAAAABcAAAAUAAAAAAAAAAAAAAD/fwAA/38AAAAAAAAJAAAABAAAAAAAAAAeAAAAaAAAAAAAAAAAAAAAAAAAAAAAAAAAAAAAECcAABAnAAAAAAAAAAAAAAAAAAAAAAAAAAAAAAAAAAAAAAAAAAAAABQAAAAAAAAAwMD/AAAAAABkAAAAMgAAAAAAAABkAAAAAAAAAH9/fwAKAAAAIgAAABgAAAAAAAAAAAAAAAAAAAAAAAAAAAAAAAAAAAAkAAAAJAAAAAAAAAAHAAAAAAAAAAAAAAAAAAAAAAAAAAAAAAAAAAAAf39/ACUAAABYAAAAAAAAAAAAAAAAAAAAAAAAAAAAAAAAAAAAAAAAAAAAAAAAAAAAAAAAAAAAAAA/AAAAAAAAAKCGAQAAAAAAAAAAAAAAAAAMAAAAAQAAAAAAAAAAAAAAAAAAAB8AAABUAAAAAAAABQAAAAEAAAAAAAAAAAAAAAAAAAAAAAAAAAAAAAAAAAAAAAAAAAAAAAJ/f38AAAAAA8zMzADAwP8Af39/AAAAAAAAAAAAAAAAAAAAAAAAAAAAIQAAABgAAAAUAAAAvwMAAPARAACiHAAAihkAABAAAAAmAAAACAAAAD2wAAAAAAAA"/>
+                <pr:smNativeData xmlns:pr="smNativeData" xmlns="smNativeData" val="SMDATA_15_t6npZxMAAAAlAAAAZAAAAA0AAAAAkAAAAJAAAACQAAAAkAAAAAAAAAAAAAAAAAAAAAEAAABQAAAAAAAAAAAA4D8AAAAAAADgPwAAAAAAAOA/AAAAAAAA4D8AAAAAAADgPwAAAAAAAOA/AAAAAAAA4D8AAAAAAADgPwAAAAAAAOA/AAAAAAAA4D8CAAAAjAAAAAAAAAAAAAAAQoX0DP///wgAAAAAAAAAAAAAAAAAAAAAAAAAAAAAAAAAAAAAZAAAAAEAAABAAAAAAAAAAAAAAAAAAAAAAAAAAAAAAAAAAAAAAAAAAAAAAAAAAAAAAAAAAAAAAAAAAAAAAAAAAAAAAAAAAAAAAAAAAAAAAAAAAAAAAAAAAAAAAAAAAAAAFAAAADwAAAAAAAAAAAAAAAAAAAkUAAAAAQAAABQAAAAUAAAAFAAAAAEAAAAAAAAAZAAAAGQAAAAAAAAAZAAAAGQAAAAVAAAAYAAAAAAAAAAAAAAADwAAACADAAAAAAAAAAAAAAEAAACgMgAAVgcAAKr4//8BAAAAf39/AAEAAABkAAAAAAAAABQAAABAHwAAAAAAACYAAAAAAAAAwOD//wAAAAAmAAAAZAAAABYAAABMAAAAAAAAAAAAAAAEAAAAAAAAAAEAAABZWVkKAAAAACgAAAAoAAAAZAAAAGQAAAAAAAAAzMzMAAAAAABQAAAAUAAAAGQAAABkAAAAAAAAABcAAAAUAAAAAAAAAAAAAAD/fwAA/38AAAAAAAAJAAAABAAAAAAAAAAeAAAAaAAAAAAAAAAAAAAAAAAAAAAAAAAAAAAAECcAABAnAAAAAAAAAAAAAAAAAAAAAAAAAAAAAAAAAAAAAAAAAAAAABQAAAAAAAAAwMD/AAAAAABkAAAAMgAAAAAAAABkAAAAAAAAAH9/fwAKAAAAIgAAABgAAAAAAAAAAAAAAAAAAAAAAAAAAAAAAAAAAAAkAAAAJAAAAAAAAAAHAAAAAAAAAAAAAAAAAAAAAAAAAAAAAAAAAAAAf39/ACUAAABYAAAAAAAAAAAAAAAAAAAAAAAAAAAAAAAAAAAAAAAAAAAAAAAAAAAAAAAAAAAAAAA/AAAAAAAAAKCGAQAAAAAAAAAAAAAAAAAMAAAAAQAAAAAAAAAAAAAAAAAAAB8AAABUAAAAAAAABQAAAAEAAAAAAAAAAAAAAAAAAAAAAAAAAAAAAAAAAAAAAAAAAAAAAAJ/f38AAAAAA8zMzADAwP8Af39/AAAAAAAAAAAAAAAAAAAAAAAAAAAAIQAAABgAAAAUAAAAvwMAAPARAACiHAAAihkAABAAAAAmAAAACAAAAD2wAAAAAAAA"/>
               </a:ext>
             </a:extLst>
           </p:cNvSpPr>
@@ -9368,7 +9498,7 @@
             <a:spLocks noGrp="1" noChangeArrowheads="1"/>
             <a:extLst>
               <a:ext uri="smNativeData">
-                <pr:smNativeData xmlns:pr="smNativeData" xmlns="smNativeData" val="SMDATA_15_gHjoZxMAAAAlAAAAZAAAAA0AAAAAkAAAAJAAAACQAAAAkAAAAAAAAAABAAAAAAAAAAEAAABQAAAAAAAAAAAA4D8AAAAAAADgPwAAAAAAAOA/AAAAAAAA4D8AAAAAAADgPwAAAAAAAOA/AAAAAAAA4D8AAAAAAADgPwAAAAAAAOA/AAAAAAAA4D8CAAAAjAAAAAAAAAAAAAAAQoX0DP///wgAAAAAAAAAAAAAAAAAAAAAAAAAAAAAAAAAAAAAZAAAAAEAAABAAAAAAAAAAAAAAAAAAAAAAAAAAAAAAAAAAAAAAAAAAAAAAAAAAAAAAAAAAAAAAAAAAAAAAAAAAAAAAAAAAAAAAAAAAAAAAAAAAAAAAAAAAAAAAAAAAAAAFAAAADwAAAAAAAAAAAAAAAAAAAkUAAAAAQAAABQAAAAUAAAAFAAAAAEAAAAAAAAAZAAAAGQAAAAAAAAAZAAAAGQAAAAVAAAAYAAAAAAAAAAAAAAADwAAACADAAAAAAAAAAAAAAEAAACgMgAAVgcAAKr4//8BAAAAf39/AAEAAABkAAAAAAAAABQAAABAHwAAAAAAACYAAAAAAAAAwOD//wAAAAAmAAAAZAAAABYAAABMAAAAAAAAAAAAAAAEAAAAAAAAAAEAAABZWVkKAAAAACgAAAAoAAAAZAAAAGQAAAAAAAAAzMzMAAAAAABQAAAAUAAAAGQAAABkAAAAAAAAABcAAAAUAAAAAAAAAAAAAAD/fwAA/38AAAAAAAAJAAAABAAAANAAAAAeAAAAaAAAAAAAAAAAAAAAAAAAAAAAAAAAAAAAECcAABAnAAAAAAAAAAAAAAAAAAAAAAAAAAAAAAAAAAAAAAAAAAAAABQAAAAAAAAAwMD/AAAAAABkAAAAMgAAAAAAAABkAAAAAAAAAH9/fwAKAAAAIgAAABgAAAAAAAAAAAAAAAAAAAAAAAAAAAAAAAAAAAAkAAAAJAAAAAAAAAAHAAAAAAAAAAAAAAAAAAAAAAAAAAAAAAAAAAAAf39/ACUAAABYAAAAAAAAAAAAAAAAAAAAAAAAAAAAAAAAAAAAAAAAAAAAAAAAAAAAAAAAAAAAAAA/AAAAAAAAAKCGAQAAAAAAAAAAAAAAAAAMAAAAAQAAAAAAAAAAAAAAAAAAAB8AAABUAAAAAAAABQAAAAEAAAAAAAAAAAAAAAAAAAAAAAAAAAAAAAAAAAAAAAAAAAAAAAJ/f38AAAAAA8zMzADAwP8Af39/AAAAAAAAAAAAAAAAAAAAAAAAAAAAIQAAABgAAAAUAAAAYx4AAHQEAAD9NQAALxsAABAAAAAmAAAACAAAAL2wAAAAAAAA"/>
+                <pr:smNativeData xmlns:pr="smNativeData" xmlns="smNativeData" val="SMDATA_15_t6npZxMAAAAlAAAAZAAAAA0AAAAAkAAAAJAAAACQAAAAkAAAAAAAAAABAAAAAAAAAAEAAABQAAAAAAAAAAAA4D8AAAAAAADgPwAAAAAAAOA/AAAAAAAA4D8AAAAAAADgPwAAAAAAAOA/AAAAAAAA4D8AAAAAAADgPwAAAAAAAOA/AAAAAAAA4D8CAAAAjAAAAAAAAAAAAAAAQoX0DP///wgAAAAAAAAAAAAAAAAAAAAAAAAAAAAAAAAAAAAAZAAAAAEAAABAAAAAAAAAAAAAAAAAAAAAAAAAAAAAAAAAAAAAAAAAAAAAAAAAAAAAAAAAAAAAAAAAAAAAAAAAAAAAAAAAAAAAAAAAAAAAAAAAAAAAAAAAAAAAAAAAAAAAFAAAADwAAAAAAAAAAAAAAAAAAAkUAAAAAQAAABQAAAAUAAAAFAAAAAEAAAAAAAAAZAAAAGQAAAAAAAAAZAAAAGQAAAAVAAAAYAAAAAAAAAAAAAAADwAAACADAAAAAAAAAAAAAAEAAACgMgAAVgcAAKr4//8BAAAAf39/AAEAAABkAAAAAAAAABQAAABAHwAAAAAAACYAAAAAAAAAwOD//wAAAAAmAAAAZAAAABYAAABMAAAAAAAAAAAAAAAEAAAAAAAAAAEAAABZWVkKAAAAACgAAAAoAAAAZAAAAGQAAAAAAAAAzMzMAAAAAABQAAAAUAAAAGQAAABkAAAAAAAAABcAAAAUAAAAAAAAAAAAAAD/fwAA/38AAAAAAAAJAAAABAAAANAAAAAeAAAAaAAAAAAAAAAAAAAAAAAAAAAAAAAAAAAAECcAABAnAAAAAAAAAAAAAAAAAAAAAAAAAAAAAAAAAAAAAAAAAAAAABQAAAAAAAAAwMD/AAAAAABkAAAAMgAAAAAAAABkAAAAAAAAAH9/fwAKAAAAIgAAABgAAAAAAAAAAAAAAAAAAAAAAAAAAAAAAAAAAAAkAAAAJAAAAAAAAAAHAAAAAAAAAAAAAAAAAAAAAAAAAAAAAAAAAAAAf39/ACUAAABYAAAAAAAAAAAAAAAAAAAAAAAAAAAAAAAAAAAAAAAAAAAAAAAAAAAAAAAAAAAAAAA/AAAAAAAAAKCGAQAAAAAAAAAAAAAAAAAMAAAAAQAAAAAAAAAAAAAAAAAAAB8AAABUAAAAAAAABQAAAAEAAAAAAAAAAAAAAAAAAAAAAAAAAAAAAAAAAAAAAAAAAAAAAAJ/f38AAAAAA8zMzADAwP8Af39/AAAAAAAAAAAAAAAAAAAAAAAAAAAAIQAAABgAAAAUAAAAYx4AAHQEAAD9NQAALxsAABAAAAAmAAAACAAAAL2wAAAAAAAA"/>
               </a:ext>
             </a:extLst>
           </p:cNvSpPr>
@@ -9492,7 +9622,7 @@
             <a:spLocks noGrp="1" noChangeArrowheads="1"/>
             <a:extLst>
               <a:ext uri="smNativeData">
-                <pr:smNativeData xmlns:pr="smNativeData" xmlns="smNativeData" val="SMDATA_15_gHjoZxMAAAAlAAAAZAAAAA0AAAAAkAAAAJAAAACQAAAAkAAAAAAAAAABAAAAAAAAAAEAAABQAAAAAAAAAAAA4D8AAAAAAADgPwAAAAAAAOA/AAAAAAAA4D8AAAAAAADgPwAAAAAAAOA/AAAAAAAA4D8AAAAAAADgPwAAAAAAAOA/AAAAAAAA4D8CAAAAjAAAAAAAAAAAAAAAQoX0DP///wgAAAAAAAAAAAAAAAAAAAAAAAAAAAAAAAAAAAAAZAAAAAEAAABAAAAAAAAAAAAAAAAAAAAAAAAAAAAAAAAAAAAAAAAAAAAAAAAAAAAAAAAAAAAAAAAAAAAAAAAAAAAAAAAAAAAAAAAAAAAAAAAAAAAAAAAAAAAAAAAAAAAAFAAAADwAAAAAAAAAAAAAAAAAAAkUAAAAAQAAABQAAAAUAAAAFAAAAAEAAAAAAAAAZAAAAGQAAAAAAAAAZAAAAGQAAAAVAAAAYAAAAAAAAAAAAAAADwAAACADAAAAAAAAAAAAAAEAAACgMgAAVgcAAKr4//8BAAAAf39/AAEAAABkAAAAAAAAABQAAABAHwAAAAAAACYAAAAAAAAAwOD//wAAAAAmAAAAZAAAABYAAABMAAAAAAAAAAAAAAAEAAAAAAAAAAEAAABZWVkKAAAAACgAAAAoAAAAZAAAAGQAAAAAAAAAzMzMAAAAAABQAAAAUAAAAGQAAABkAAAAAAAAABcAAAAUAAAAAAAAAAAAAAD/fwAA/38AAAAAAAAJAAAABAAAAGV0AAYeAAAAaAAAAAAAAAAAAAAAAAAAAAAAAAAAAAAAECcAABAnAAAAAAAAAAAAAAAAAAAAAAAAAAAAAAAAAAAAAAAAAAAAABQAAAAAAAAAwMD/AAAAAABkAAAAMgAAAAAAAABkAAAAAAAAAH9/fwAKAAAAIgAAABgAAAAAAAAAAAAAAAAAAAAAAAAAAAAAAAAAAAAkAAAAJAAAAAAAAAAHAAAAAAAAAAAAAAAAAAAAAAAAAAAAAAAAAAAAf39/ACUAAABYAAAAAAAAAAAAAAAAAAAAAAAAAAAAAAAAAAAAAAAAAAAAAAAAAAAAAAAAAAAAAAA/AAAAAAAAAKCGAQAAAAAAAAAAAAAAAAAMAAAAAQAAAAAAAAAAAAAAAAAAAB8AAABUAAAAAAAABQAAAAEAAAAAAAAAAAAAAAAAAAAAAAAAAAAAAAAAAAAAAAAAAAAAAAJ/f38AAAAAA8zMzADAwP8Af39/AAAAAAAAAAAAAAAAAAAAAAAAAAAAIQAAABgAAAAUAAAAHjQAALAcAAB/NwAAGx8AABAAAAAmAAAACAAAADywAAAAAAAA"/>
+                <pr:smNativeData xmlns:pr="smNativeData" xmlns="smNativeData" val="SMDATA_15_t6npZxMAAAAlAAAAZAAAAA0AAAAAkAAAAJAAAACQAAAAkAAAAAAAAAABAAAAAAAAAAEAAABQAAAAAAAAAAAA4D8AAAAAAADgPwAAAAAAAOA/AAAAAAAA4D8AAAAAAADgPwAAAAAAAOA/AAAAAAAA4D8AAAAAAADgPwAAAAAAAOA/AAAAAAAA4D8CAAAAjAAAAAAAAAAAAAAAQoX0DP///wgAAAAAAAAAAAAAAAAAAAAAAAAAAAAAAAAAAAAAZAAAAAEAAABAAAAAAAAAAAAAAAAAAAAAAAAAAAAAAAAAAAAAAAAAAAAAAAAAAAAAAAAAAAAAAAAAAAAAAAAAAAAAAAAAAAAAAAAAAAAAAAAAAAAAAAAAAAAAAAAAAAAAFAAAADwAAAAAAAAAAAAAAAAAAAkUAAAAAQAAABQAAAAUAAAAFAAAAAEAAAAAAAAAZAAAAGQAAAAAAAAAZAAAAGQAAAAVAAAAYAAAAAAAAAAAAAAADwAAACADAAAAAAAAAAAAAAEAAACgMgAAVgcAAKr4//8BAAAAf39/AAEAAABkAAAAAAAAABQAAABAHwAAAAAAACYAAAAAAAAAwOD//wAAAAAmAAAAZAAAABYAAABMAAAAAAAAAAAAAAAEAAAAAAAAAAEAAABZWVkKAAAAACgAAAAoAAAAZAAAAGQAAAAAAAAAzMzMAAAAAABQAAAAUAAAAGQAAABkAAAAAAAAABcAAAAUAAAAAAAAAAAAAAD/fwAA/38AAAAAAAAJAAAABAAAAGV0AAYeAAAAaAAAAAAAAAAAAAAAAAAAAAAAAAAAAAAAECcAABAnAAAAAAAAAAAAAAAAAAAAAAAAAAAAAAAAAAAAAAAAAAAAABQAAAAAAAAAwMD/AAAAAABkAAAAMgAAAAAAAABkAAAAAAAAAH9/fwAKAAAAIgAAABgAAAAAAAAAAAAAAAAAAAAAAAAAAAAAAAAAAAAkAAAAJAAAAAAAAAAHAAAAAAAAAAAAAAAAAAAAAAAAAAAAAAAAAAAAf39/ACUAAABYAAAAAAAAAAAAAAAAAAAAAAAAAAAAAAAAAAAAAAAAAAAAAAAAAAAAAAAAAAAAAAA/AAAAAAAAAKCGAQAAAAAAAAAAAAAAAAAMAAAAAQAAAAAAAAAAAAAAAAAAAB8AAABUAAAAAAAABQAAAAEAAAAAAAAAAAAAAAAAAAAAAAAAAAAAAAAAAAAAAAAAAAAAAAJ/f38AAAAAA8zMzADAwP8Af39/AAAAAAAAAAAAAAAAAAAAAAAAAAAAIQAAABgAAAAUAAAAHjQAALAcAAB/NwAAGx8AABAAAAAmAAAACAAAADywAAAAAAAA"/>
               </a:ext>
             </a:extLst>
           </p:cNvSpPr>
@@ -9546,10 +9676,11 @@
               </a:spcAft>
               <a:buNone/>
             </a:pPr>
-            <a:fld id="{35002B94-DAD8-55DD-96B8-2C8865F66079}" type="slidenum">
+            <a:fld id="{307B14E7-A9DD-2EE2-93C3-5FB75A8D650A}" type="slidenum">
               <a:rPr lang="ru-ru" cap="none"/>
               <a:t>‹#›</a:t>
             </a:fld>
+            <a:endParaRPr lang="ru-ru" cap="none"/>
           </a:p>
         </p:txBody>
       </p:sp>
@@ -9586,7 +9717,7 @@
             <a:spLocks noGrp="1" noChangeArrowheads="1"/>
             <a:extLst>
               <a:ext uri="smNativeData">
-                <pr:smNativeData xmlns:pr="smNativeData" xmlns="smNativeData" val="SMDATA_15_gHjoZxMAAAAlAAAAZAAAAA0AAAAAkAAAAJAAAACQAAAAkAAAAAAAAAABAAAAAAAAAAEAAABQAAAAAAAAAAAA4D8AAAAAAADgPwAAAAAAAOA/AAAAAAAA4D8AAAAAAADgPwAAAAAAAOA/AAAAAAAA4D8AAAAAAADgPwAAAAAAAOA/AAAAAAAA4D8CAAAAjAAAAAAAAAAAAAAAQoX0DP///wgAAAAAAAAAAAAAAAAAAAAAAAAAAAAAAAAAAAAAZAAAAAEAAABAAAAAAAAAAAAAAAAAAAAAAAAAAAAAAAAAAAAAAAAAAAAAAAAAAAAAAAAAAAAAAAAAAAAAAAAAAAAAAAAAAAAAAAAAAAAAAAAAAAAAAAAAAAAAAAAAAAAAFAAAADwAAAAAAAAAAAAAAAAAAAkUAAAAAQAAABQAAAAUAAAAFAAAAAEAAAAAAAAAZAAAAGQAAAAAAAAAZAAAAGQAAAAVAAAAYAAAAAAAAAAAAAAADwAAACADAAAAAAAAAAAAAAEAAACgMgAAVgcAAKr4//8BAAAAf39/AAEAAABkAAAAAAAAABQAAABAHwAAAAAAACYAAAAAAAAAwOD//wAAAAAmAAAAZAAAABYAAABMAAAAAAAAAAAAAAAEAAAAAAAAAAEAAABZWVkKAAAAACgAAAAoAAAAZAAAAGQAAAAAAAAAzMzMAAAAAABQAAAAUAAAAGQAAABkAAAAAAAAABcAAAAUAAAAAAAAAAAAAAD/fwAA/38AAAAAAAAJAAAABAAAAHgAeAAeAAAAaAAAAAAAAAAAAAAAAAAAAAAAAAAAAAAAECcAABAnAAAAAAAAAAAAAAAAAAAAAAAAAAAAAAAAAAAAAAAAAAAAABQAAAAAAAAAwMD/AAAAAABkAAAAMgAAAAAAAABkAAAAAAAAAH9/fwAKAAAAIgAAABgAAAAAAAAAAAAAAAAAAAAAAAAAAAAAAAAAAAAkAAAAJAAAAAAAAAAHAAAAAAAAAAAAAAAAAAAAAAAAAAAAAAAAAAAAf39/ACUAAABYAAAAAAAAAAAAAAAAAAAAAAAAAAAAAAAAAAAAAAAAAAAAAAAAAAAAAAAAAAAAAAA/AAAAAAAAAKCGAQAAAAAAAAAAAAAAAAAMAAAAAQAAAAAAAAAAAAAAAAAAAB8AAABUAAAAAAAABQAAAAEAAAAAAAAAAAAAAAAAAAAAAAAAAAAAAAAAAAAAAAAAAAAAAAJ/f38AAAAAA8zMzADAwP8Af39/AAAAAAAAAAAAAAAAAAAAAAAAAAAAIQAAABgAAAAUAAAAHjQAALAcAAB/NwAAGx8AABAAAAAmAAAACAAAADywAAAAAAAA"/>
+                <pr:smNativeData xmlns:pr="smNativeData" xmlns="smNativeData" val="SMDATA_15_t6npZxMAAAAlAAAAZAAAAA0AAAAAkAAAAJAAAACQAAAAkAAAAAAAAAABAAAAAAAAAAEAAABQAAAAAAAAAAAA4D8AAAAAAADgPwAAAAAAAOA/AAAAAAAA4D8AAAAAAADgPwAAAAAAAOA/AAAAAAAA4D8AAAAAAADgPwAAAAAAAOA/AAAAAAAA4D8CAAAAjAAAAAAAAAAAAAAAQoX0DP///wgAAAAAAAAAAAAAAAAAAAAAAAAAAAAAAAAAAAAAZAAAAAEAAABAAAAAAAAAAAAAAAAAAAAAAAAAAAAAAAAAAAAAAAAAAAAAAAAAAAAAAAAAAAAAAAAAAAAAAAAAAAAAAAAAAAAAAAAAAAAAAAAAAAAAAAAAAAAAAAAAAAAAFAAAADwAAAAAAAAAAAAAAAAAAAkUAAAAAQAAABQAAAAUAAAAFAAAAAEAAAAAAAAAZAAAAGQAAAAAAAAAZAAAAGQAAAAVAAAAYAAAAAAAAAAAAAAADwAAACADAAAAAAAAAAAAAAEAAACgMgAAVgcAAKr4//8BAAAAf39/AAEAAABkAAAAAAAAABQAAABAHwAAAAAAACYAAAAAAAAAwOD//wAAAAAmAAAAZAAAABYAAABMAAAAAAAAAAAAAAAEAAAAAAAAAAEAAABZWVkKAAAAACgAAAAoAAAAZAAAAGQAAAAAAAAAzMzMAAAAAABQAAAAUAAAAGQAAABkAAAAAAAAABcAAAAUAAAAAAAAAAAAAAD/fwAA/38AAAAAAAAJAAAABAAAAHgAeAAeAAAAaAAAAAAAAAAAAAAAAAAAAAAAAAAAAAAAECcAABAnAAAAAAAAAAAAAAAAAAAAAAAAAAAAAAAAAAAAAAAAAAAAABQAAAAAAAAAwMD/AAAAAABkAAAAMgAAAAAAAABkAAAAAAAAAH9/fwAKAAAAIgAAABgAAAAAAAAAAAAAAAAAAAAAAAAAAAAAAAAAAAAkAAAAJAAAAAAAAAAHAAAAAAAAAAAAAAAAAAAAAAAAAAAAAAAAAAAAf39/ACUAAABYAAAAAAAAAAAAAAAAAAAAAAAAAAAAAAAAAAAAAAAAAAAAAAAAAAAAAAAAAAAAAAA/AAAAAAAAAKCGAQAAAAAAAAAAAAAAAAAMAAAAAQAAAAAAAAAAAAAAAAAAAB8AAABUAAAAAAAABQAAAAEAAAAAAAAAAAAAAAAAAAAAAAAAAAAAAAAAAAAAAAAAAAAAAAJ/f38AAAAAA8zMzADAwP8Af39/AAAAAAAAAAAAAAAAAAAAAAAAAAAAIQAAABgAAAAUAAAAHjQAALAcAAB/NwAAGx8AABAAAAAmAAAACAAAADywAAAAAAAA"/>
               </a:ext>
             </a:extLst>
           </p:cNvSpPr>
@@ -9640,10 +9771,11 @@
               </a:spcAft>
               <a:buNone/>
             </a:pPr>
-            <a:fld id="{35006571-3FD8-5593-96B8-C9C62BF6609C}" type="slidenum">
+            <a:fld id="{307B1B6A-24DD-2EED-93C3-D2B8558D6587}" type="slidenum">
               <a:rPr lang="ru-ru" cap="none"/>
               <a:t>‹#›</a:t>
             </a:fld>
+            <a:endParaRPr lang="ru-ru" cap="none"/>
           </a:p>
         </p:txBody>
       </p:sp>
@@ -9690,7 +9822,7 @@
             <a:spLocks noGrp="1" noChangeArrowheads="1"/>
             <a:extLst>
               <a:ext uri="smNativeData">
-                <pr:smNativeData xmlns:pr="smNativeData" xmlns="smNativeData" val="SMDATA_15_gHjoZxMAAAAlAAAAZAAAAA0AAAAAkAAAAJAAAACQAAAAkAAAAAAAAAAAAAAAAAAAAAEAAABQAAAAAAAAAAAA4D8AAAAAAADgPwAAAAAAAOA/AAAAAAAA4D8AAAAAAADgPwAAAAAAAOA/AAAAAAAA4D8AAAAAAADgPwAAAAAAAOA/AAAAAAAA4D8CAAAAjAAAAAAAAAAAAAAAQoX0DP///wgAAAAAAAAAAAAAAAAAAAAAAAAAAAAAAAAAAAAAZAAAAAEAAABAAAAAAAAAAAAAAAAAAAAAAAAAAAAAAAAAAAAAAAAAAAAAAAAAAAAAAAAAAAAAAAAAAAAAAAAAAAAAAAAAAAAAAAAAAAAAAAAAAAAAAAAAAAAAAAAAAAAAFAAAADwAAAAAAAAAAAAAAAAAAAkUAAAAAQAAABQAAAAUAAAAFAAAAAEAAAAAAAAAZAAAAGQAAAAAAAAAZAAAAGQAAAAVAAAAYAAAAAAAAAAAAAAADwAAACADAAAAAAAAAAAAAAEAAACgMgAAVgcAAKr4//8BAAAAf39/AAEAAABkAAAAAAAAABQAAABAHwAAAAAAACYAAAAAAAAAwOD//wAAAAAmAAAAZAAAABYAAABMAAAAAAAAAAAAAAAEAAAAAAAAAAEAAABZWVkKAAAAACgAAAAoAAAAZAAAAGQAAAAAAAAAzMzMAAAAAABQAAAAUAAAAGQAAABkAAAAAAAAABcAAAAUAAAAAAAAAAAAAAD/fwAA/38AAAAAAAAJAAAABAAAAJjJLQgeAAAAaAAAAAAAAAAAAAAAAAAAAAAAAAAAAAAAECcAABAnAAAAAAAAAAAAAAAAAAAAAAAAAAAAAAAAAAAAAAAAAAAAABQAAAAAAAAAwMD/AAAAAABkAAAAMgAAAAAAAABkAAAAAAAAAH9/fwAKAAAAIgAAABgAAAAAAAAAAAAAAAAAAAAAAAAAAAAAAAAAAAAkAAAAJAAAAAAAAAAHAAAAAAAAAAAAAAAAAAAAAAAAAAAAAAAAAAAAf39/ACUAAABYAAAAAAAAAAAAAAAAAAAAAAAAAAAAAAAAAAAAAAAAAAAAAAAAAAAAAAAAAAAAAAA/AAAAAAAAAKCGAQAAAAAAAAAAAAAAAAAMAAAAAQAAAAAAAAAAAAAAAAAAAB8AAABUAAAAAAAABQAAAAEAAAAAAAAAAAAAAAAAAAAAAAAAAAAAAAAAAAAAAAAAAAAAAAJ/f38AAAAAA8zMzADAwP8Af39/AAAAAAAAAAAAAAAAAAAAAAAAAAAAIQAAABgAAAAUAAAAFAMAAAkCAAB/NwAAxwgAABAAAAAmAAAACAAAAL2/AAD/HwAA"/>
+                <pr:smNativeData xmlns:pr="smNativeData" xmlns="smNativeData" val="SMDATA_15_t6npZxMAAAAlAAAAZAAAAA0AAAAAkAAAAJAAAACQAAAAkAAAAAAAAAAAAAAAAAAAAAEAAABQAAAAAAAAAAAA4D8AAAAAAADgPwAAAAAAAOA/AAAAAAAA4D8AAAAAAADgPwAAAAAAAOA/AAAAAAAA4D8AAAAAAADgPwAAAAAAAOA/AAAAAAAA4D8CAAAAjAAAAAAAAAAAAAAAQoX0DP///wgAAAAAAAAAAAAAAAAAAAAAAAAAAAAAAAAAAAAAZAAAAAEAAABAAAAAAAAAAAAAAAAAAAAAAAAAAAAAAAAAAAAAAAAAAAAAAAAAAAAAAAAAAAAAAAAAAAAAAAAAAAAAAAAAAAAAAAAAAAAAAAAAAAAAAAAAAAAAAAAAAAAAFAAAADwAAAAAAAAAAAAAAAAAAAkUAAAAAQAAABQAAAAUAAAAFAAAAAEAAAAAAAAAZAAAAGQAAAAAAAAAZAAAAGQAAAAVAAAAYAAAAAAAAAAAAAAADwAAACADAAAAAAAAAAAAAAEAAACgMgAAVgcAAKr4//8BAAAAf39/AAEAAABkAAAAAAAAABQAAABAHwAAAAAAACYAAAAAAAAAwOD//wAAAAAmAAAAZAAAABYAAABMAAAAAAAAAAAAAAAEAAAAAAAAAAEAAABZWVkKAAAAACgAAAAoAAAAZAAAAGQAAAAAAAAAzMzMAAAAAABQAAAAUAAAAGQAAABkAAAAAAAAABcAAAAUAAAAAAAAAAAAAAD/fwAA/38AAAAAAAAJAAAABAAAAJjJLQgeAAAAaAAAAAAAAAAAAAAAAAAAAAAAAAAAAAAAECcAABAnAAAAAAAAAAAAAAAAAAAAAAAAAAAAAAAAAAAAAAAAAAAAABQAAAAAAAAAwMD/AAAAAABkAAAAMgAAAAAAAABkAAAAAAAAAH9/fwAKAAAAIgAAABgAAAAAAAAAAAAAAAAAAAAAAAAAAAAAAAAAAAAkAAAAJAAAAAAAAAAHAAAAAAAAAAAAAAAAAAAAAAAAAAAAAAAAAAAAf39/ACUAAABYAAAAAAAAAAAAAAAAAAAAAAAAAAAAAAAAAAAAAAAAAAAAAAAAAAAAAAAAAAAAAAA/AAAAAAAAAKCGAQAAAAAAAAAAAAAAAAAMAAAAAQAAAAAAAAAAAAAAAAAAAB8AAABUAAAAAAAABQAAAAEAAAAAAAAAAAAAAAAAAAAAAAAAAAAAAAAAAAAAAAAAAAAAAAJ/f38AAAAAA8zMzADAwP8Af39/AAAAAAAAAAAAAAAAAAAAAAAAAAAAIQAAABgAAAAUAAAAFAMAAAkCAAB/NwAAxwgAABAAAAAmAAAACAAAAL2/AAD/HwAA"/>
               </a:ext>
             </a:extLst>
           </p:cNvSpPr>
@@ -9884,7 +10016,7 @@
             <a:spLocks noGrp="1" noChangeArrowheads="1"/>
             <a:extLst>
               <a:ext uri="smNativeData">
-                <pr:smNativeData xmlns:pr="smNativeData" xmlns="smNativeData" val="SMDATA_15_gHjoZxMAAAAlAAAAZAAAAA0AAAAAkAAAAJAAAACQAAAAkAAAAAAAAAAAAAAAAAAAAAEAAABQAAAAAAAAAAAA4D8AAAAAAADgPwAAAAAAAOA/AAAAAAAA4D8AAAAAAADgPwAAAAAAAOA/AAAAAAAA4D8AAAAAAADgPwAAAAAAAOA/AAAAAAAA4D8CAAAAjAAAAAAAAAAAAAAAQoX0DP///wgAAAAAAAAAAAAAAAAAAAAAAAAAAAAAAAAAAAAAZAAAAAEAAABAAAAAAAAAAAAAAAAAAAAAAAAAAAAAAAAAAAAAAAAAAAAAAAAAAAAAAAAAAAAAAAAAAAAAAAAAAAAAAAAAAAAAAAAAAAAAAAAAAAAAAAAAAAAAAAAAAAAAFAAAADwAAAAAAAAAAAAAAAAAAAkUAAAAAQAAABQAAAAUAAAAFAAAAAEAAAAAAAAAZAAAAGQAAAAAAAAAZAAAAGQAAAAVAAAAYAAAAAAAAAAAAAAADwAAACADAAAAAAAAAAAAAAEAAACgMgAAVgcAAKr4//8BAAAAf39/AAEAAABkAAAAAAAAABQAAABAHwAAAAAAACYAAAAAAAAAwOD//wAAAAAmAAAAZAAAABYAAABMAAAAAAAAAAAAAAAEAAAAAAAAAAEAAABZWVkKAAAAACgAAAAoAAAAZAAAAGQAAAAAAAAAzMzMAAAAAABQAAAAUAAAAGQAAABkAAAAAAAAABcAAAAUAAAAAAAAAAAAAAD/fwAA/38AAAAAAAAJAAAABAAAAAAAAAAeAAAAaAAAAAAAAAAAAAAAAAAAAAAAAAAAAAAAECcAABAnAAAAAAAAAAAAAAAAAAAAAAAAAAAAAAAAAAAAAAAAAAAAABQAAAAAAAAAwMD/AAAAAABkAAAAMgAAAAAAAABkAAAAAAAAAH9/fwAKAAAAIgAAABgAAAAAAAAAAAAAAAAAAAAAAAAAAAAAAAAAAAAkAAAAJAAAAAAAAAAHAAAAAAAAAAAAAAAAAAAAAAAAAAAAAAAAAAAAf39/ACUAAABYAAAAAAAAAAAAAAAAAAAAAAAAAAAAAAAAAAAAAAAAAAAAAAAAAAAAAAAAAAAAAAA/AAAAAAAAAKCGAQAAAAAAAAAAAAAAAAAMAAAAAQAAAAAAAAAAAAAAAAAAAB8AAABUAAAAAAAABQAAAAEAAAAAAAAAAAAAAAAAAAAAAAAAAAAAAAAAAAAAAAAAAAAAAAJ/f38AAAAAA8zMzADAwP8Af39/AAAAAAAAAAAAAAAAAAAAAAAAAAAAIQAAABgAAAAUAAAAnAIAALYJAAAHNwAAux4AABAAAAAmAAAACAAAAL2/AAD/HwAA"/>
+                <pr:smNativeData xmlns:pr="smNativeData" xmlns="smNativeData" val="SMDATA_15_t6npZxMAAAAlAAAAZAAAAA0AAAAAkAAAAJAAAACQAAAAkAAAAAAAAAAAAAAAAAAAAAEAAABQAAAAAAAAAAAA4D8AAAAAAADgPwAAAAAAAOA/AAAAAAAA4D8AAAAAAADgPwAAAAAAAOA/AAAAAAAA4D8AAAAAAADgPwAAAAAAAOA/AAAAAAAA4D8CAAAAjAAAAAAAAAAAAAAAQoX0DP///wgAAAAAAAAAAAAAAAAAAAAAAAAAAAAAAAAAAAAAZAAAAAEAAABAAAAAAAAAAAAAAAAAAAAAAAAAAAAAAAAAAAAAAAAAAAAAAAAAAAAAAAAAAAAAAAAAAAAAAAAAAAAAAAAAAAAAAAAAAAAAAAAAAAAAAAAAAAAAAAAAAAAAFAAAADwAAAAAAAAAAAAAAAAAAAkUAAAAAQAAABQAAAAUAAAAFAAAAAEAAAAAAAAAZAAAAGQAAAAAAAAAZAAAAGQAAAAVAAAAYAAAAAAAAAAAAAAADwAAACADAAAAAAAAAAAAAAEAAACgMgAAVgcAAKr4//8BAAAAf39/AAEAAABkAAAAAAAAABQAAABAHwAAAAAAACYAAAAAAAAAwOD//wAAAAAmAAAAZAAAABYAAABMAAAAAAAAAAAAAAAEAAAAAAAAAAEAAABZWVkKAAAAACgAAAAoAAAAZAAAAGQAAAAAAAAAzMzMAAAAAABQAAAAUAAAAGQAAABkAAAAAAAAABcAAAAUAAAAAAAAAAAAAAD/fwAA/38AAAAAAAAJAAAABAAAAAAAAAAeAAAAaAAAAAAAAAAAAAAAAAAAAAAAAAAAAAAAECcAABAnAAAAAAAAAAAAAAAAAAAAAAAAAAAAAAAAAAAAAAAAAAAAABQAAAAAAAAAwMD/AAAAAABkAAAAMgAAAAAAAABkAAAAAAAAAH9/fwAKAAAAIgAAABgAAAAAAAAAAAAAAAAAAAAAAAAAAAAAAAAAAAAkAAAAJAAAAAAAAAAHAAAAAAAAAAAAAAAAAAAAAAAAAAAAAAAAAAAAf39/ACUAAABYAAAAAAAAAAAAAAAAAAAAAAAAAAAAAAAAAAAAAAAAAAAAAAAAAAAAAAAAAAAAAAA/AAAAAAAAAKCGAQAAAAAAAAAAAAAAAAAMAAAAAQAAAAAAAAAAAAAAAAAAAB8AAABUAAAAAAAABQAAAAEAAAAAAAAAAAAAAAAAAAAAAAAAAAAAAAAAAAAAAAAAAAAAAAJ/f38AAAAAA8zMzADAwP8Af39/AAAAAAAAAAAAAAAAAAAAAAAAAAAAIQAAABgAAAAUAAAAnAIAALYJAAAHNwAAux4AABAAAAAmAAAACAAAAL2/AAD/HwAA"/>
               </a:ext>
             </a:extLst>
           </p:cNvSpPr>
@@ -10150,7 +10282,7 @@
             <a:spLocks noGrp="1" noChangeArrowheads="1"/>
             <a:extLst>
               <a:ext uri="smNativeData">
-                <pr:smNativeData xmlns:pr="smNativeData" xmlns="smNativeData" val="SMDATA_15_gHjoZxMAAAAlAAAAZAAAAA0AAAAAkAAAAJAAAACQAAAAkAAAAAAAAAABAAAAAAAAAAEAAABQAAAAAAAAAAAA4D8AAAAAAADgPwAAAAAAAOA/AAAAAAAA4D8AAAAAAADgPwAAAAAAAOA/AAAAAAAA4D8AAAAAAADgPwAAAAAAAOA/AAAAAAAA4D8CAAAAjAAAAAAAAAAAAAAAQoX0DP///wgAAAAAAAAAAAAAAAAAAAAAAAAAAAAAAAAAAAAAZAAAAAEAAABAAAAAAAAAAAAAAAAAAAAAAAAAAAAAAAAAAAAAAAAAAAAAAAAAAAAAAAAAAAAAAAAAAAAAAAAAAAAAAAAAAAAAAAAAAAAAAAAAAAAAAAAAAAAAAAAAAAAAFAAAADwAAAAAAAAAAAAAAAAAAAkUAAAAAQAAABQAAAAUAAAAFAAAAAEAAAAAAAAAZAAAAGQAAAAAAAAAZAAAAGQAAAAVAAAAYAAAAAAAAAAAAAAADwAAACADAAAAAAAAAAAAAAEAAACgMgAAVgcAAKr4//8BAAAAf39/AAEAAABkAAAAAAAAABQAAABAHwAAAAAAACYAAAAAAAAAwOD//wAAAAAmAAAAZAAAABYAAABMAAAAAAAAAAAAAAAEAAAAAAAAAAEAAABZWVkKAAAAACgAAAAoAAAAZAAAAGQAAAAAAAAAzMzMAAAAAABQAAAAUAAAAGQAAABkAAAAAAAAABcAAAAUAAAAAAAAAAAAAAD/fwAA/38AAAAAAAAJAAAABAAAAAAAAAAeAAAAaAAAAAAAAAAAAAAAAAAAAAAAAAAAAAAAECcAABAnAAAAAAAAAAAAAAAAAAAAAAAAAAAAAAAAAAAAAAAAAAAAABQAAAAAAAAAwMD/AAAAAABkAAAAMgAAAAAAAABkAAAAAAAAAH9/fwAKAAAAIgAAABgAAAAAAAAAAAAAAAAAAAAAAAAAAAAAAAAAAAAkAAAAJAAAAAAAAAAHAAAAAAAAAAAAAAAAAAAAAAAAAAAAAAAAAAAAf39/ACUAAABYAAAAAAAAAAAAAAAAAAAAAAAAAAAAAAAAAAAAAAAAAAAAAAAAAAAAAAAAAAAAAAA/AAAAAAAAAKCGAQAAAAAAAAAAAAAAAAAMAAAAAQAAAAAAAAAAAAAAAAAAAB8AAABUAAAAAAAABQAAAAEAAAAAAAAAAAAAAAAAAAAAAAAAAAAAAAAAAAAAAAAAAAAAAAJ/f38AAAAAA8zMzADAwP8Af39/AAAAAAAAAAAAAAAAAAAAAAAAAAAAIQAAABgAAAAUAAAAHjQAALAcAAB/NwAAGx8AABAAAAAmAAAACAAAAL2/AAD/HwAA"/>
+                <pr:smNativeData xmlns:pr="smNativeData" xmlns="smNativeData" val="SMDATA_15_t6npZxMAAAAlAAAAZAAAAA0AAAAAkAAAAJAAAACQAAAAkAAAAAAAAAABAAAAAAAAAAEAAABQAAAAAAAAAAAA4D8AAAAAAADgPwAAAAAAAOA/AAAAAAAA4D8AAAAAAADgPwAAAAAAAOA/AAAAAAAA4D8AAAAAAADgPwAAAAAAAOA/AAAAAAAA4D8CAAAAjAAAAAAAAAAAAAAAQoX0DP///wgAAAAAAAAAAAAAAAAAAAAAAAAAAAAAAAAAAAAAZAAAAAEAAABAAAAAAAAAAAAAAAAAAAAAAAAAAAAAAAAAAAAAAAAAAAAAAAAAAAAAAAAAAAAAAAAAAAAAAAAAAAAAAAAAAAAAAAAAAAAAAAAAAAAAAAAAAAAAAAAAAAAAFAAAADwAAAAAAAAAAAAAAAAAAAkUAAAAAQAAABQAAAAUAAAAFAAAAAEAAAAAAAAAZAAAAGQAAAAAAAAAZAAAAGQAAAAVAAAAYAAAAAAAAAAAAAAADwAAACADAAAAAAAAAAAAAAEAAACgMgAAVgcAAKr4//8BAAAAf39/AAEAAABkAAAAAAAAABQAAABAHwAAAAAAACYAAAAAAAAAwOD//wAAAAAmAAAAZAAAABYAAABMAAAAAAAAAAAAAAAEAAAAAAAAAAEAAABZWVkKAAAAACgAAAAoAAAAZAAAAGQAAAAAAAAAzMzMAAAAAABQAAAAUAAAAGQAAABkAAAAAAAAABcAAAAUAAAAAAAAAAAAAAD/fwAA/38AAAAAAAAJAAAABAAAAAAAAAAeAAAAaAAAAAAAAAAAAAAAAAAAAAAAAAAAAAAAECcAABAnAAAAAAAAAAAAAAAAAAAAAAAAAAAAAAAAAAAAAAAAAAAAABQAAAAAAAAAwMD/AAAAAABkAAAAMgAAAAAAAABkAAAAAAAAAH9/fwAKAAAAIgAAABgAAAAAAAAAAAAAAAAAAAAAAAAAAAAAAAAAAAAkAAAAJAAAAAAAAAAHAAAAAAAAAAAAAAAAAAAAAAAAAAAAAAAAAAAAf39/ACUAAABYAAAAAAAAAAAAAAAAAAAAAAAAAAAAAAAAAAAAAAAAAAAAAAAAAAAAAAAAAAAAAAA/AAAAAAAAAKCGAQAAAAAAAAAAAAAAAAAMAAAAAQAAAAAAAAAAAAAAAAAAAB8AAABUAAAAAAAABQAAAAEAAAAAAAAAAAAAAAAAAAAAAAAAAAAAAAAAAAAAAAAAAAAAAAJ/f38AAAAAA8zMzADAwP8Af39/AAAAAAAAAAAAAAAAAAAAAAAAAAAAIQAAABgAAAAUAAAAHjQAALAcAAB/NwAAGx8AABAAAAAmAAAACAAAAL2/AAD/HwAA"/>
               </a:ext>
             </a:extLst>
           </p:cNvSpPr>
@@ -10261,10 +10393,11 @@
               </a:spcAft>
               <a:buNone/>
             </a:pPr>
-            <a:fld id="{350057C5-8BD8-55A1-96B8-7DF419F66028}" type="slidenum">
+            <a:fld id="{307B7775-3BDD-2E81-93C3-CDD4398D6598}" type="slidenum">
               <a:rPr lang="ru-ru" cap="none"/>
               <a:t/>
             </a:fld>
+            <a:endParaRPr lang="ru-ru" cap="none"/>
           </a:p>
         </p:txBody>
       </p:sp>
@@ -10927,7 +11060,7 @@
             <a:spLocks noGrp="1" noChangeArrowheads="1"/>
             <a:extLst>
               <a:ext uri="smNativeData">
-                <pr:smNativeData xmlns:pr="smNativeData" xmlns="smNativeData" val="SMDATA_15_gHjoZxMAAAAlAAAAZAAAAA0AAAAAkAAAAJAAAACQAAAAkAAAAAAAAAAAAAAAAAAAAAEAAABQAAAAAAAAAAAA4D8AAAAAAADgPwAAAAAAAOA/AAAAAAAA4D8AAAAAAADgPwAAAAAAAOA/AAAAAAAA4D8AAAAAAADgPwAAAAAAAOA/AAAAAAAA4D8CAAAAjAAAAAAAAAAAAAAAQoX0DP///wgAAAAAAAAAAAAAAAAAAAAAAAAAAAAAAAAAAAAAZAAAAAEAAABAAAAAAAAAAAAAAAAAAAAAAAAAAAAAAAAAAAAAAAAAAAAAAAAAAAAAAAAAAAAAAAAAAAAAAAAAAAAAAAAAAAAAAAAAAAAAAAAAAAAAAAAAAAAAAAAAAAAAFAAAADwAAAAAAAAAAAAAAAAAAAkUAAAAAQAAABQAAAAUAAAAFAAAAAEAAAAAAAAAZAAAAGQAAAAAAAAAZAAAAGQAAAAVAAAAYAAAAAAAAAAAAAAADwAAACADAAAAAAAAAAAAAAEAAACgMgAAVgcAAKr4//8BAAAAf39/AAEAAABkAAAAAAAAABQAAABAHwAAAAAAACYAAAAAAAAAwOD//wAAAAAmAAAAZAAAABYAAABMAAAAAAAAAAAAAAAEAAAAAAAAAAEAAABZWVkKAAAAACgAAAAoAAAAZAAAAGQAAAAAAAAAzMzMAAAAAABQAAAAUAAAAGQAAABkAAAAAAAAABcAAAAUAAAAAAAAAAAAAAD/fwAA/38AAAAAAAAJAAAABAAAAF8AYAAeAAAAaAAAAAAAAAAAAAAAAAAAAAAAAAAAAAAAECcAABAnAAAAAAAAAAAAAAAAAAAAAAAAAAAAAAAAAAAAAAAAAAAAABQAAAAAAAAAwMD/AAAAAABkAAAAMgAAAAAAAABkAAAAAAAAAH9/fwAKAAAAIgAAABgAAAAAAAAAAAAAAAAAAAAAAAAAAAAAAAAAAAAkAAAAJAAAAAAAAAAHAAAAAAAAAAAAAAAAAAAAAAAAAAAAAAAAAAAAf39/ACUAAABYAAAAAAAAAAAAAAAAAAAAAAAAAAAAAAAAAAAAAAAAAAAAAAAAAAAAAAAAAAAAAAA/AAAAAAAAAKCGAQAAAAAAAAAAAAAAAAAMAAAAAQAAAAAAAAAAAAAAAAAAAB8AAABUAAAAAAAABQAAAAEAAAAAAAAAAAAAAAAAAAAAAAAAAAAAAAAAAAAAAAAAAAAAAAJ/f38AAAAAA8zMzADAwP8Af39/AAAAAAAAAAAAAAAAAAAAAAAAAAAAIQAAABgAAAAUAAAAFAMAAAkCAAB/NwAAEAgAABAAAAAmAAAACAAAAL2/AAD/HwAA"/>
+                <pr:smNativeData xmlns:pr="smNativeData" xmlns="smNativeData" val="SMDATA_15_t6npZxMAAAAlAAAAZAAAAA0AAAAAkAAAAJAAAACQAAAAkAAAAAAAAAAAAAAAAAAAAAEAAABQAAAAAAAAAAAA4D8AAAAAAADgPwAAAAAAAOA/AAAAAAAA4D8AAAAAAADgPwAAAAAAAOA/AAAAAAAA4D8AAAAAAADgPwAAAAAAAOA/AAAAAAAA4D8CAAAAjAAAAAAAAAAAAAAAQoX0DP///wgAAAAAAAAAAAAAAAAAAAAAAAAAAAAAAAAAAAAAZAAAAAEAAABAAAAAAAAAAAAAAAAAAAAAAAAAAAAAAAAAAAAAAAAAAAAAAAAAAAAAAAAAAAAAAAAAAAAAAAAAAAAAAAAAAAAAAAAAAAAAAAAAAAAAAAAAAAAAAAAAAAAAFAAAADwAAAAAAAAAAAAAAAAAAAkUAAAAAQAAABQAAAAUAAAAFAAAAAEAAAAAAAAAZAAAAGQAAAAAAAAAZAAAAGQAAAAVAAAAYAAAAAAAAAAAAAAADwAAACADAAAAAAAAAAAAAAEAAACgMgAAVgcAAKr4//8BAAAAf39/AAEAAABkAAAAAAAAABQAAABAHwAAAAAAACYAAAAAAAAAwOD//wAAAAAmAAAAZAAAABYAAABMAAAAAAAAAAAAAAAEAAAAAAAAAAEAAABZWVkKAAAAACgAAAAoAAAAZAAAAGQAAAAAAAAAzMzMAAAAAABQAAAAUAAAAGQAAABkAAAAAAAAABcAAAAUAAAAAAAAAAAAAAD/fwAA/38AAAAAAAAJAAAABAAAAF8AYAAeAAAAaAAAAAAAAAAAAAAAAAAAAAAAAAAAAAAAECcAABAnAAAAAAAAAAAAAAAAAAAAAAAAAAAAAAAAAAAAAAAAAAAAABQAAAAAAAAAwMD/AAAAAABkAAAAMgAAAAAAAABkAAAAAAAAAH9/fwAKAAAAIgAAABgAAAAAAAAAAAAAAAAAAAAAAAAAAAAAAAAAAAAkAAAAJAAAAAAAAAAHAAAAAAAAAAAAAAAAAAAAAAAAAAAAAAAAAAAAf39/ACUAAABYAAAAAAAAAAAAAAAAAAAAAAAAAAAAAAAAAAAAAAAAAAAAAAAAAAAAAAAAAAAAAAA/AAAAAAAAAKCGAQAAAAAAAAAAAAAAAAAMAAAAAQAAAAAAAAAAAAAAAAAAAB8AAABUAAAAAAAABQAAAAEAAAAAAAAAAAAAAAAAAAAAAAAAAAAAAAAAAAAAAAAAAAAAAAJ/f38AAAAAA8zMzADAwP8Af39/AAAAAAAAAAAAAAAAAAAAAAAAAAAAIQAAABgAAAAUAAAAFAMAAAkCAAB/NwAAEAgAABAAAAAmAAAACAAAAL2/AAD/HwAA"/>
               </a:ext>
             </a:extLst>
           </p:cNvSpPr>
@@ -11121,7 +11254,7 @@
             <a:spLocks noGrp="1" noChangeArrowheads="1"/>
             <a:extLst>
               <a:ext uri="smNativeData">
-                <pr:smNativeData xmlns:pr="smNativeData" xmlns="smNativeData" val="SMDATA_15_gHjoZxMAAAAlAAAAZAAAAA0AAAAAkAAAAJAAAACQAAAAkAAAAAAAAAAAAAAAAAAAAAEAAABQAAAAAAAAAAAA4D8AAAAAAADgPwAAAAAAAOA/AAAAAAAA4D8AAAAAAADgPwAAAAAAAOA/AAAAAAAA4D8AAAAAAADgPwAAAAAAAOA/AAAAAAAA4D8CAAAAjAAAAAAAAAAAAAAAQoX0DP///wgAAAAAAAAAAAAAAAAAAAAAAAAAAAAAAAAAAAAAZAAAAAEAAABAAAAAAAAAAAAAAAAAAAAAAAAAAAAAAAAAAAAAAAAAAAAAAAAAAAAAAAAAAAAAAAAAAAAAAAAAAAAAAAAAAAAAAAAAAAAAAAAAAAAAAAAAAAAAAAAAAAAAFAAAADwAAAAAAAAAAAAAAAAAAAkUAAAAAQAAABQAAAAUAAAAFAAAAAEAAAAAAAAAZAAAAGQAAAAAAAAAZAAAAGQAAAAVAAAAYAAAAAAAAAAAAAAADwAAACADAAAAAAAAAAAAAAEAAACgMgAAVgcAAKr4//8BAAAAf39/AAEAAABkAAAAAAAAABQAAABAHwAAAAAAACYAAAAAAAAAwOD//wAAAAAmAAAAZAAAABYAAABMAAAAAAAAAAAAAAAEAAAAAAAAAAEAAABZWVkKAAAAACgAAAAoAAAAZAAAAGQAAAAAAAAAzMzMAAAAAABQAAAAUAAAAGQAAABkAAAAAAAAABcAAAAUAAAAAAAAAAAAAAD/fwAA/38AAAAAAAAJAAAABAAAAAAAAAAeAAAAaAAAAAAAAAAAAAAAAAAAAAAAAAAAAAAAECcAABAnAAAAAAAAAAAAAAAAAAAAAAAAAAAAAAAAAAAAAAAAAAAAABQAAAAAAAAAwMD/AAAAAABkAAAAMgAAAAAAAABkAAAAAAAAAH9/fwAKAAAAIgAAABgAAAAAAAAAAAAAAAAAAAAAAAAAAAAAAAAAAAAkAAAAJAAAAAAAAAAHAAAAAAAAAAAAAAAAAAAAAAAAAAAAAAAAAAAAf39/ACUAAABYAAAAAAAAAAAAAAAAAAAAAAAAAAAAAAAAAAAAAAAAAAAAAAAAAAAAAAAAAAAAAAA/AAAAAAAAAKCGAQAAAAAAAAAAAAAAAAAMAAAAAQAAAAAAAAAAAAAAAAAAAB8AAABUAAAAAAAABQAAAAEAAAAAAAAAAAAAAAAAAAAAAAAAAAAAAAAAAAAAAAAAAAAAAAJ/f38AAAAAA8zMzADAwP8Af39/AAAAAAAAAAAAAAAAAAAAAAAAAAAAIQAAABgAAAAUAAAAnAIAALYJAAAHNwAAux4AABAAAAAmAAAACAAAAL2/AAD/HwAA"/>
+                <pr:smNativeData xmlns:pr="smNativeData" xmlns="smNativeData" val="SMDATA_15_t6npZxMAAAAlAAAAZAAAAA0AAAAAkAAAAJAAAACQAAAAkAAAAAAAAAAAAAAAAAAAAAEAAABQAAAAAAAAAAAA4D8AAAAAAADgPwAAAAAAAOA/AAAAAAAA4D8AAAAAAADgPwAAAAAAAOA/AAAAAAAA4D8AAAAAAADgPwAAAAAAAOA/AAAAAAAA4D8CAAAAjAAAAAAAAAAAAAAAQoX0DP///wgAAAAAAAAAAAAAAAAAAAAAAAAAAAAAAAAAAAAAZAAAAAEAAABAAAAAAAAAAAAAAAAAAAAAAAAAAAAAAAAAAAAAAAAAAAAAAAAAAAAAAAAAAAAAAAAAAAAAAAAAAAAAAAAAAAAAAAAAAAAAAAAAAAAAAAAAAAAAAAAAAAAAFAAAADwAAAAAAAAAAAAAAAAAAAkUAAAAAQAAABQAAAAUAAAAFAAAAAEAAAAAAAAAZAAAAGQAAAAAAAAAZAAAAGQAAAAVAAAAYAAAAAAAAAAAAAAADwAAACADAAAAAAAAAAAAAAEAAACgMgAAVgcAAKr4//8BAAAAf39/AAEAAABkAAAAAAAAABQAAABAHwAAAAAAACYAAAAAAAAAwOD//wAAAAAmAAAAZAAAABYAAABMAAAAAAAAAAAAAAAEAAAAAAAAAAEAAABZWVkKAAAAACgAAAAoAAAAZAAAAGQAAAAAAAAAzMzMAAAAAABQAAAAUAAAAGQAAABkAAAAAAAAABcAAAAUAAAAAAAAAAAAAAD/fwAA/38AAAAAAAAJAAAABAAAAAAAAAAeAAAAaAAAAAAAAAAAAAAAAAAAAAAAAAAAAAAAECcAABAnAAAAAAAAAAAAAAAAAAAAAAAAAAAAAAAAAAAAAAAAAAAAABQAAAAAAAAAwMD/AAAAAABkAAAAMgAAAAAAAABkAAAAAAAAAH9/fwAKAAAAIgAAABgAAAAAAAAAAAAAAAAAAAAAAAAAAAAAAAAAAAAkAAAAJAAAAAAAAAAHAAAAAAAAAAAAAAAAAAAAAAAAAAAAAAAAAAAAf39/ACUAAABYAAAAAAAAAAAAAAAAAAAAAAAAAAAAAAAAAAAAAAAAAAAAAAAAAAAAAAAAAAAAAAA/AAAAAAAAAKCGAQAAAAAAAAAAAAAAAAAMAAAAAQAAAAAAAAAAAAAAAAAAAB8AAABUAAAAAAAABQAAAAEAAAAAAAAAAAAAAAAAAAAAAAAAAAAAAAAAAAAAAAAAAAAAAAJ/f38AAAAAA8zMzADAwP8Af39/AAAAAAAAAAAAAAAAAAAAAAAAAAAAIQAAABgAAAAUAAAAnAIAALYJAAAHNwAAux4AABAAAAAmAAAACAAAAL2/AAD/HwAA"/>
               </a:ext>
             </a:extLst>
           </p:cNvSpPr>
@@ -11387,7 +11520,7 @@
             <a:spLocks noGrp="1" noChangeArrowheads="1"/>
             <a:extLst>
               <a:ext uri="smNativeData">
-                <pr:smNativeData xmlns:pr="smNativeData" xmlns="smNativeData" val="SMDATA_15_gHjoZxMAAAAlAAAAZAAAAA0AAAAAkAAAAJAAAACQAAAAkAAAAAAAAAABAAAAAAAAAAEAAABQAAAAAAAAAAAA4D8AAAAAAADgPwAAAAAAAOA/AAAAAAAA4D8AAAAAAADgPwAAAAAAAOA/AAAAAAAA4D8AAAAAAADgPwAAAAAAAOA/AAAAAAAA4D8CAAAAjAAAAAAAAAAAAAAAQoX0DP///wgAAAAAAAAAAAAAAAAAAAAAAAAAAAAAAAAAAAAAZAAAAAEAAABAAAAAAAAAAAAAAAAAAAAAAAAAAAAAAAAAAAAAAAAAAAAAAAAAAAAAAAAAAAAAAAAAAAAAAAAAAAAAAAAAAAAAAAAAAAAAAAAAAAAAAAAAAAAAAAAAAAAAFAAAADwAAAAAAAAAAAAAAAAAAAkUAAAAAQAAABQAAAAUAAAAFAAAAAEAAAAAAAAAZAAAAGQAAAAAAAAAZAAAAGQAAAAVAAAAYAAAAAAAAAAAAAAADwAAACADAAAAAAAAAAAAAAEAAACgMgAAVgcAAKr4//8BAAAAf39/AAEAAABkAAAAAAAAABQAAABAHwAAAAAAACYAAAAAAAAAwOD//wAAAAAmAAAAZAAAABYAAABMAAAAAAAAAAAAAAAEAAAAAAAAAAEAAABZWVkKAAAAACgAAAAoAAAAZAAAAGQAAAAAAAAAzMzMAAAAAABQAAAAUAAAAGQAAABkAAAAAAAAABcAAAAUAAAAAAAAAAAAAAD/fwAA/38AAAAAAAAJAAAABAAAAAAAAAAeAAAAaAAAAAAAAAAAAAAAAAAAAAAAAAAAAAAAECcAABAnAAAAAAAAAAAAAAAAAAAAAAAAAAAAAAAAAAAAAAAAAAAAABQAAAAAAAAAwMD/AAAAAABkAAAAMgAAAAAAAABkAAAAAAAAAH9/fwAKAAAAIgAAABgAAAAAAAAAAAAAAAAAAAAAAAAAAAAAAAAAAAAkAAAAJAAAAAAAAAAHAAAAAAAAAAAAAAAAAAAAAAAAAAAAAAAAAAAAf39/ACUAAABYAAAAAAAAAAAAAAAAAAAAAAAAAAAAAAAAAAAAAAAAAAAAAAAAAAAAAAAAAAAAAAA/AAAAAAAAAKCGAQAAAAAAAAAAAAAAAAAMAAAAAQAAAAAAAAAAAAAAAAAAAB8AAABUAAAAAAAABQAAAAEAAAAAAAAAAAAAAAAAAAAAAAAAAAAAAAAAAAAAAAAAAAAAAAJ/f38AAAAAA8zMzADAwP8Af39/AAAAAAAAAAAAAAAAAAAAAAAAAAAAIQAAABgAAAAUAAAAHjQAALAcAAB/NwAAGx8AABAAAAAmAAAACAAAAL2/AAD/HwAA"/>
+                <pr:smNativeData xmlns:pr="smNativeData" xmlns="smNativeData" val="SMDATA_15_t6npZxMAAAAlAAAAZAAAAA0AAAAAkAAAAJAAAACQAAAAkAAAAAAAAAABAAAAAAAAAAEAAABQAAAAAAAAAAAA4D8AAAAAAADgPwAAAAAAAOA/AAAAAAAA4D8AAAAAAADgPwAAAAAAAOA/AAAAAAAA4D8AAAAAAADgPwAAAAAAAOA/AAAAAAAA4D8CAAAAjAAAAAAAAAAAAAAAQoX0DP///wgAAAAAAAAAAAAAAAAAAAAAAAAAAAAAAAAAAAAAZAAAAAEAAABAAAAAAAAAAAAAAAAAAAAAAAAAAAAAAAAAAAAAAAAAAAAAAAAAAAAAAAAAAAAAAAAAAAAAAAAAAAAAAAAAAAAAAAAAAAAAAAAAAAAAAAAAAAAAAAAAAAAAFAAAADwAAAAAAAAAAAAAAAAAAAkUAAAAAQAAABQAAAAUAAAAFAAAAAEAAAAAAAAAZAAAAGQAAAAAAAAAZAAAAGQAAAAVAAAAYAAAAAAAAAAAAAAADwAAACADAAAAAAAAAAAAAAEAAACgMgAAVgcAAKr4//8BAAAAf39/AAEAAABkAAAAAAAAABQAAABAHwAAAAAAACYAAAAAAAAAwOD//wAAAAAmAAAAZAAAABYAAABMAAAAAAAAAAAAAAAEAAAAAAAAAAEAAABZWVkKAAAAACgAAAAoAAAAZAAAAGQAAAAAAAAAzMzMAAAAAABQAAAAUAAAAGQAAABkAAAAAAAAABcAAAAUAAAAAAAAAAAAAAD/fwAA/38AAAAAAAAJAAAABAAAAAAAAAAeAAAAaAAAAAAAAAAAAAAAAAAAAAAAAAAAAAAAECcAABAnAAAAAAAAAAAAAAAAAAAAAAAAAAAAAAAAAAAAAAAAAAAAABQAAAAAAAAAwMD/AAAAAABkAAAAMgAAAAAAAABkAAAAAAAAAH9/fwAKAAAAIgAAABgAAAAAAAAAAAAAAAAAAAAAAAAAAAAAAAAAAAAkAAAAJAAAAAAAAAAHAAAAAAAAAAAAAAAAAAAAAAAAAAAAAAAAAAAAf39/ACUAAABYAAAAAAAAAAAAAAAAAAAAAAAAAAAAAAAAAAAAAAAAAAAAAAAAAAAAAAAAAAAAAAA/AAAAAAAAAKCGAQAAAAAAAAAAAAAAAAAMAAAAAQAAAAAAAAAAAAAAAAAAAB8AAABUAAAAAAAABQAAAAEAAAAAAAAAAAAAAAAAAAAAAAAAAAAAAAAAAAAAAAAAAAAAAAJ/f38AAAAAA8zMzADAwP8Af39/AAAAAAAAAAAAAAAAAAAAAAAAAAAAIQAAABgAAAAUAAAAHjQAALAcAAB/NwAAGx8AABAAAAAmAAAACAAAAL2/AAD/HwAA"/>
               </a:ext>
             </a:extLst>
           </p:cNvSpPr>
@@ -11498,10 +11631,11 @@
               </a:spcAft>
               <a:buNone/>
             </a:pPr>
-            <a:fld id="{35006F27-69D8-5599-96B8-9FCC21F660CA}" type="slidenum">
+            <a:fld id="{307B0AD3-9DDD-2EFC-93C3-6BA9448D653E}" type="slidenum">
               <a:rPr lang="ru-ru" cap="none"/>
               <a:t/>
             </a:fld>
+            <a:endParaRPr lang="ru-ru" cap="none"/>
           </a:p>
         </p:txBody>
       </p:sp>
@@ -12146,7 +12280,7 @@
           <p:cNvPicPr>
             <a:extLst>
               <a:ext uri="smNativeData">
-                <pr:smNativeData xmlns:pr="smNativeData" xmlns="smNativeData" val="SMDATA_17_gHjoZxMAAAAlAAAAEQAAAA0AAAAAkAAAAEgAAACQAAAASAAAAAAAAAAAAAAAAAAAAAEAAABQAAAAAAAAAAAA4D8AAAAAAADgPwAAAAAAAOA/AAAAAAAA4D8AAAAAAADgPwAAAAAAAOA/AAAAAAAA4D8AAAAAAADgPwAAAAAAAOA/AAAAAAAA4D8CAAAAjAAAAAAAAAAAAAAAQoX0DP///wgAAAAAAAAAAAAAAAAAAAAAAAAAAAAAAAAAAAAAZAAAAAEAAABAAAAAAAAAAAAAAAAAAAAAAAAAAAAAAAAAAAAAAAAAAAAAAAAAAAAAAAAAAAAAAAAAAAAAAAAAAAAAAAAAAAAAAAAAAAAAAAAAAAAAAAAAAAAAAAAAAAAAFAAAADwAAAAAAAAAAAAAAAAAAAkUAAAAAQAAABQAAAAUAAAAFAAAAAEAAAAAAAAAZAAAAGQAAAAAAAAAZAAAAGQAAAAVAAAAYAAAAAAAAAAAAAAADwAAACADAAAAAAAAAAAAAAEAAACgMgAAVgcAAKr4//8BAAAAf39/AAEAAABkAAAAAAAAABQAAABAHwAAAAAAACYAAAAAAAAAwOD//wAAAAAmAAAAZAAAABYAAABMAAAAAAAAAAAAAAAEAAAAAAAAAAEAAABZWVkKAAAAACgAAAAoAAAAZAAAAGQAAAAAAAAAzMzMAAAAAABQAAAAUAAAAGQAAABkAAAAAAAAAAcAAAA4AAAAAAAAAAAAAAAAAAAA////AAAAAAAAAAAARAcAAAAAAABDBwAAAAAAAAAAAABkAAAAZAAAAAAAAAAjAAAABAAAAGQAAAAXAAAAFAAAAAAAAAAAAAAA/38AAP9/AAAAAAAACQAAAAQAAABxk2hzHgAAAGgAAAAAAAAAAAAAAAAAAAAAAAAAAAAAABAnAAAQJwAAAAAAAAAAAAAAAAAAAAAAAAAAAAAAAAAAAAAAAAAAAAAUAAAAAAAAAMDA/wAAAAAAZAAAADIAAAAAAAAAZAAAAAAAAAB/f38ACgAAACIAAAAYAAAAAAAAAAAAAAAAAAAAAAAAAAAAAAAAAAAAJAAAACQAAAAAAAAABwAAAAAAAAAAAAAAAAAAAAAAAAAAAAAAAAAAAH9/fwAlAAAAWAAAAAAAAAAAAAAAAAAAAAAAAAAAAAAAAAAAAAAAAAAAAAAAAAAAAAAAAAAAAAAAPwAAAAAAAACghgEAAAAAAAAAAAAAAAAADAAAAAEAAAAAAAAAAAAAAAAAAAAfAAAAVAAAAEKF9AX///8BAAAAAAAAAAAAAAAAAAAAAAAAAAAAAAAAAAAAAAAAAAAAAAACf39/AFlZWQPMzMwAwMD/AH9/fwAAAAAAAAAAAAAAAAD///8AAAAAACEAAAAYAAAAFAAAAIj///827P//aTkAAKQfAAAQAAAAJgAAAAgAAAD//////////w=="/>
+                <pr:smNativeData xmlns:pr="smNativeData" xmlns="smNativeData" val="SMDATA_17_t6npZxMAAAAlAAAAEQAAAA0AAAAAkAAAAEgAAACQAAAASAAAAAAAAAAAAAAAAAAAAAEAAABQAAAAAAAAAAAA4D8AAAAAAADgPwAAAAAAAOA/AAAAAAAA4D8AAAAAAADgPwAAAAAAAOA/AAAAAAAA4D8AAAAAAADgPwAAAAAAAOA/AAAAAAAA4D8CAAAAjAAAAAAAAAAAAAAAQoX0DP///wgAAAAAAAAAAAAAAAAAAAAAAAAAAAAAAAAAAAAAZAAAAAEAAABAAAAAAAAAAAAAAAAAAAAAAAAAAAAAAAAAAAAAAAAAAAAAAAAAAAAAAAAAAAAAAAAAAAAAAAAAAAAAAAAAAAAAAAAAAAAAAAAAAAAAAAAAAAAAAAAAAAAAFAAAADwAAAAAAAAAAAAAAAAAAAkUAAAAAQAAABQAAAAUAAAAFAAAAAEAAAAAAAAAZAAAAGQAAAAAAAAAZAAAAGQAAAAVAAAAYAAAAAAAAAAAAAAADwAAACADAAAAAAAAAAAAAAEAAACgMgAAVgcAAKr4//8BAAAAf39/AAEAAABkAAAAAAAAABQAAABAHwAAAAAAACYAAAAAAAAAwOD//wAAAAAmAAAAZAAAABYAAABMAAAAAAAAAAAAAAAEAAAAAAAAAAEAAABZWVkKAAAAACgAAAAoAAAAZAAAAGQAAAAAAAAAzMzMAAAAAABQAAAAUAAAAGQAAABkAAAAAAAAAAcAAAA4AAAAAAAAAAAAAAAAAAAA////AAAAAAAAAAAARAcAAAAAAABDBwAAAAAAAAAAAABkAAAAZAAAAAAAAAAjAAAABAAAAGQAAAAXAAAAFAAAAAAAAAAAAAAA/38AAP9/AAAAAAAACQAAAAQAAABxk2hzHgAAAGgAAAAAAAAAAAAAAAAAAAAAAAAAAAAAABAnAAAQJwAAAAAAAAAAAAAAAAAAAAAAAAAAAAAAAAAAAAAAAAAAAAAUAAAAAAAAAMDA/wAAAAAAZAAAADIAAAAAAAAAZAAAAAAAAAB/f38ACgAAACIAAAAYAAAAAAAAAAAAAAAAAAAAAAAAAAAAAAAAAAAAJAAAACQAAAAAAAAABwAAAAAAAAAAAAAAAAAAAAAAAAAAAAAAAAAAAH9/fwAlAAAAWAAAAAAAAAAAAAAAAAAAAAAAAAAAAAAAAAAAAAAAAAAAAAAAAAAAAAAAAAAAAAAAPwAAAAAAAACghgEAAAAAAAAAAAAAAAAADAAAAAEAAAAAAAAAAAAAAAAAAAAfAAAAVAAAAEKF9AX///8BAAAAAAAAAAAAAAAAAAAAAAAAAAAAAAAAAAAAAAAAAAAAAAACf39/AFlZWQPMzMwAwMD/AH9/fwAAAAAAAAAAAAAAAAD///8AAAAAACEAAAAYAAAAFAAAAIj///827P//aTkAAKQfAAAQAAAAJgAAAAgAAAD//////////w=="/>
               </a:ext>
             </a:extLst>
           </p:cNvPicPr>
@@ -12180,7 +12314,7 @@
           <p:cNvSpPr>
             <a:extLst>
               <a:ext uri="smNativeData">
-                <pr:smNativeData xmlns:pr="smNativeData" xmlns="smNativeData" val="SMDATA_15_gHjoZxMAAAAlAAAAZAAAAE0AAAAAkAAAAJAAAACQAAAAkAAAAAAAAAAAAAAAAAAAAAEAAABQAAAAAAAAAAAA4D8AAAAAAADgPwAAAAAAAOA/AAAAAAAA4D8AAAAAAADgPwAAAAAAAOA/AAAAAAAA4D8AAAAAAADgPwAAAAAAAOA/AAAAAAAA4D8CAAAAjAAAAAAAAAAAAAAAQoX0DP///wgAAAAAAAAAAAAAAAAAAAAAAAAAAAAAAAAAAAAAZAAAAAEAAABAAAAAAAAAAAAAAAAAAAAAAAAAAAAAAAAAAAAAAAAAAAAAAAAAAAAAAAAAAAAAAAAAAAAAAAAAAAAAAAAAAAAAAAAAAAAAAAAAAAAAAAAAAAAAAAAAAAAAFAAAADwAAAAAAAAAAAAAAAAAAAkUAAAAAQAAABQAAAAUAAAAFAAAAAEAAAAAAAAAZAAAAGQAAAAAAAAAZAAAAGQAAAAVAAAAYAAAAAAAAAAAAAAADwAAACADAAAAAAAAAAAAAAEAAACgMgAAVgcAAKr4//8BAAAAf39/AAEAAABkAAAAAAAAABQAAABAHwAAAAAAACYAAAAAAAAAwOD//wAAAAAmAAAAZAAAABYAAABMAAAAAAAAAAAAAAAEAAAAAAAAAAEAAABZWVkKAAAAACgAAAAoAAAAZAAAAGQAAAAAAAAAzMzMAAAAAABQAAAAUAAAAGQAAABkAAAAAAAAABcAAAAUAAAAAAAAAAAAAAD/fwAA/38AAAAAAAAJAAAABAAAAP8A//8eAAAAaAAAAAAAAAAAAAAAAAAAAAAAAAAAAAAAECcAABAnAAAAAAAAAAAAAAAAAAAAAAAAAAAAAAAAAAAAAAAAAAAAABQAAAAAAAAAwMD/AAAAAABkAAAAMgAAAAAAAABkAAAAAAAAAH9/fwAKAAAAIgAAABgAAAAAAAAAAAAAAAAAAAAAAAAAAAAAAAAAAAAkAAAAJAAAAAAAAAAHAAAAAAAAAAAAAAAAAAAAAAAAAAAAAAAAAAAAf39/ACUAAABYAAAAAAAAAAAAAAAAAAAAAAAAAAAAAAAAAAAAAAAAAAAAAAAAAAAAAAAAAAAAAAA/AAAAAAAAAKCGAQAAAAAAAAAAAAAAAAAMAAAAAQAAAAAAAAAAAAAAAAAAAB8AAABUAAAAQoX0Bf///wEAAAAAAAAAAAAAAAAAAAAAAAAAAAAAAAAAAAAAAAAAAAAAAAJ/f38AWVlZA8zMzADAwP8Af39/AAAAAAAAAAAAAAAAAAAAAAAAAAAAIQAAABgAAAAUAAAAqgIAAHEJAABSMQAAyRQAAAAgAAAmAAAACAAAAP//////////"/>
+                <pr:smNativeData xmlns:pr="smNativeData" xmlns="smNativeData" val="SMDATA_15_t6npZxMAAAAlAAAAZAAAAE0AAAAAkAAAAJAAAACQAAAAkAAAAAAAAAAAAAAAAAAAAAEAAABQAAAAAAAAAAAA4D8AAAAAAADgPwAAAAAAAOA/AAAAAAAA4D8AAAAAAADgPwAAAAAAAOA/AAAAAAAA4D8AAAAAAADgPwAAAAAAAOA/AAAAAAAA4D8CAAAAjAAAAAAAAAAAAAAAQoX0DP///wgAAAAAAAAAAAAAAAAAAAAAAAAAAAAAAAAAAAAAZAAAAAEAAABAAAAAAAAAAAAAAAAAAAAAAAAAAAAAAAAAAAAAAAAAAAAAAAAAAAAAAAAAAAAAAAAAAAAAAAAAAAAAAAAAAAAAAAAAAAAAAAAAAAAAAAAAAAAAAAAAAAAAFAAAADwAAAAAAAAAAAAAAAAAAAkUAAAAAQAAABQAAAAUAAAAFAAAAAEAAAAAAAAAZAAAAGQAAAAAAAAAZAAAAGQAAAAVAAAAYAAAAAAAAAAAAAAADwAAACADAAAAAAAAAAAAAAEAAACgMgAAVgcAAKr4//8BAAAAf39/AAEAAABkAAAAAAAAABQAAABAHwAAAAAAACYAAAAAAAAAwOD//wAAAAAmAAAAZAAAABYAAABMAAAAAAAAAAAAAAAEAAAAAAAAAAEAAABZWVkKAAAAACgAAAAoAAAAZAAAAGQAAAAAAAAAzMzMAAAAAABQAAAAUAAAAGQAAABkAAAAAAAAABcAAAAUAAAAAAAAAAAAAAD/fwAA/38AAAAAAAAJAAAABAAAAP8A//8eAAAAaAAAAAAAAAAAAAAAAAAAAAAAAAAAAAAAECcAABAnAAAAAAAAAAAAAAAAAAAAAAAAAAAAAAAAAAAAAAAAAAAAABQAAAAAAAAAwMD/AAAAAABkAAAAMgAAAAAAAABkAAAAAAAAAH9/fwAKAAAAIgAAABgAAAAAAAAAAAAAAAAAAAAAAAAAAAAAAAAAAAAkAAAAJAAAAAAAAAAHAAAAAAAAAAAAAAAAAAAAAAAAAAAAAAAAAAAAf39/ACUAAABYAAAAAAAAAAAAAAAAAAAAAAAAAAAAAAAAAAAAAAAAAAAAAAAAAAAAAAAAAAAAAAA/AAAAAAAAAKCGAQAAAAAAAAAAAAAAAAAMAAAAAQAAAAAAAAAAAAAAAAAAAB8AAABUAAAAQoX0Bf///wEAAAAAAAAAAAAAAAAAAAAAAAAAAAAAAAAAAAAAAAAAAAAAAAJ/f38AWVlZA8zMzADAwP8Af39/AAAAAAAAAAAAAAAAAAAAAAAAAAAAIQAAABgAAAAUAAAAqgIAAHEJAABSMQAAyRQAABAgAAAmAAAACAAAAP//////////"/>
               </a:ext>
             </a:extLst>
           </p:cNvSpPr>
@@ -12236,7 +12370,7 @@
           <p:cNvPicPr>
             <a:extLst>
               <a:ext uri="smNativeData">
-                <pr:smNativeData xmlns:pr="smNativeData" xmlns="smNativeData" val="SMDATA_17_gHjoZxMAAAAlAAAAEQAAAA0AAAAAkAAAAEgAAACQAAAASAAAAAAAAAAAAAAAAAAAAAEAAABQAAAAAAAAAAAA4D8AAAAAAADgPwAAAAAAAOA/AAAAAAAA4D8AAAAAAADgPwAAAAAAAOA/AAAAAAAA4D8AAAAAAADgPwAAAAAAAOA/AAAAAAAA4D8CAAAAjAAAAAAAAAAAAAAAQoX0DP///wgAAAAAAAAAAAAAAAAAAAAAAAAAAAAAAAAAAAAAZAAAAAEAAABAAAAAAAAAAAAAAAAAAAAAAAAAAAAAAAAAAAAAAAAAAAAAAAAAAAAAAAAAAAAAAAAAAAAAAAAAAAAAAAAAAAAAAAAAAAAAAAAAAAAAAAAAAAAAAAAAAAAAFAAAADwAAAAAAAAAAAAAAAAAAAkUAAAAAQAAABQAAAAUAAAAFAAAAAEAAAAAAAAAZAAAAGQAAAAAAAAAZAAAAGQAAAAVAAAAYAAAAAAAAAAAAAAADwAAACADAAAAAAAAAAAAAAEAAACgMgAAVgcAAKr4//8BAAAAf39/AAEAAABkAAAAAAAAABQAAABAHwAAAAAAACYAAAAAAAAAwOD//wAAAAAmAAAAZAAAABYAAABMAAAAAAAAAAAAAAAEAAAAAAAAAAEAAABZWVkKAAAAACgAAAAoAAAAZAAAAGQAAAAAAAAAzMzMAAAAAABQAAAAUAAAAGQAAABkAAAAAAAAAAcAAAA4AAAAAAAAAAAAAAAAAAAA////AAAAAAAAAAAAAAAAAAAAAAAAAAAAAAAAAAAAAABkAAAAZAAAAAAAAAAjAAAABAAAAGQAAAAXAAAAFAAAAAAAAAAAAAAA/38AAP9/AAAAAAAACQAAAAQAAAAAAAAAHgAAAGgAAAAAAAAAAAAAAAAAAAAAAAAAAAAAABAnAAAQJwAAAAAAAAAAAAAAAAAAAAAAAAAAAAAAAAAAAAAAAAAAAAAUAAAAAAAAAMDA/wAAAAAAZAAAADIAAAAAAAAAZAAAAAAAAAB/f38ACgAAACIAAAAYAAAAAAAAAAAAAAAAAAAAAAAAAAAAAAAAAAAAJAAAACQAAAAAAAAABwAAAAAAAAAAAAAAAAAAAAAAAAAAAAAAAAAAAH9/fwAlAAAAWAAAAAAAAAAAAAAAAAAAAAAAAAAAAAAAAAAAAAAAAAAAAAAAAAAAAAAAAAAAAAAAPwAAAAAAAACghgEAAAAAAAAAAAAAAAAADAAAAAEAAAAAAAAAAAAAAAAAAAAfAAAAVAAAAEKF9AX///8BAAAAAAAAAAAAAAAAAAAAAAAAAAAAAAAAAAAAAAAAAAAAAAACf39/AFlZWQPMzMwAwMD/AH9/fwAAAAAAAAAAAAAAAAD///8AAAAAACEAAAAYAAAAFAAAAK8wAACnAQAAvTUAAGgDAAAQAAAAJgAAAAgAAAD//////////w=="/>
+                <pr:smNativeData xmlns:pr="smNativeData" xmlns="smNativeData" val="SMDATA_17_t6npZxMAAAAlAAAAEQAAAA0AAAAAkAAAAEgAAACQAAAASAAAAAAAAAAAAAAAAAAAAAEAAABQAAAAAAAAAAAA4D8AAAAAAADgPwAAAAAAAOA/AAAAAAAA4D8AAAAAAADgPwAAAAAAAOA/AAAAAAAA4D8AAAAAAADgPwAAAAAAAOA/AAAAAAAA4D8CAAAAjAAAAAAAAAAAAAAAQoX0DP///wgAAAAAAAAAAAAAAAAAAAAAAAAAAAAAAAAAAAAAZAAAAAEAAABAAAAAAAAAAAAAAAAAAAAAAAAAAAAAAAAAAAAAAAAAAAAAAAAAAAAAAAAAAAAAAAAAAAAAAAAAAAAAAAAAAAAAAAAAAAAAAAAAAAAAAAAAAAAAAAAAAAAAFAAAADwAAAAAAAAAAAAAAAAAAAkUAAAAAQAAABQAAAAUAAAAFAAAAAEAAAAAAAAAZAAAAGQAAAAAAAAAZAAAAGQAAAAVAAAAYAAAAAAAAAAAAAAADwAAACADAAAAAAAAAAAAAAEAAACgMgAAVgcAAKr4//8BAAAAf39/AAEAAABkAAAAAAAAABQAAABAHwAAAAAAACYAAAAAAAAAwOD//wAAAAAmAAAAZAAAABYAAABMAAAAAAAAAAAAAAAEAAAAAAAAAAEAAABZWVkKAAAAACgAAAAoAAAAZAAAAGQAAAAAAAAAzMzMAAAAAABQAAAAUAAAAGQAAABkAAAAAAAAAAcAAAA4AAAAAAAAAAAAAAAAAAAA////AAAAAAAAAAAAAAAAAAAAAAAAAAAAAAAAAAAAAABkAAAAZAAAAAAAAAAjAAAABAAAAGQAAAAXAAAAFAAAAAAAAAAAAAAA/38AAP9/AAAAAAAACQAAAAQAAAAAAAAAHgAAAGgAAAAAAAAAAAAAAAAAAAAAAAAAAAAAABAnAAAQJwAAAAAAAAAAAAAAAAAAAAAAAAAAAAAAAAAAAAAAAAAAAAAUAAAAAAAAAMDA/wAAAAAAZAAAADIAAAAAAAAAZAAAAAAAAAB/f38ACgAAACIAAAAYAAAAAAAAAAAAAAAAAAAAAAAAAAAAAAAAAAAAJAAAACQAAAAAAAAABwAAAAAAAAAAAAAAAAAAAAAAAAAAAAAAAAAAAH9/fwAlAAAAWAAAAAAAAAAAAAAAAAAAAAAAAAAAAAAAAAAAAAAAAAAAAAAAAAAAAAAAAAAAAAAAPwAAAAAAAACghgEAAAAAAAAAAAAAAAAADAAAAAEAAAAAAAAAAAAAAAAAAAAfAAAAVAAAAEKF9AX///8BAAAAAAAAAAAAAAAAAAAAAAAAAAAAAAAAAAAAAAAAAAAAAAACf39/AFlZWQPMzMwAwMD/AH9/fwAAAAAAAAAAAAAAAAD///8AAAAAACEAAAAYAAAAFAAAAK8wAACnAQAAvTUAAGgDAAAQAAAAJgAAAAgAAAD//////////w=="/>
               </a:ext>
             </a:extLst>
           </p:cNvPicPr>
@@ -12269,7 +12403,7 @@
           <p:cNvSpPr>
             <a:extLst>
               <a:ext uri="smNativeData">
-                <pr:smNativeData xmlns:pr="smNativeData" xmlns="smNativeData" val="SMDATA_15_gHjoZxMAAAAlAAAAZQAAAA0AAAAAkAAAAJAAAACQAAAAkAAAAAAAAAABAAAAAAAAAAEAAABQAAAAhbacS3FV1T8AAAAAAADwvwAAAAAAAOA/AAAAAAAA4D8AAAAAAADgPwAAAAAAAOA/AAAAAAAA4D8AAAAAAADgPwAAAAAAAOA/AAAAAAAA4D8CAAAAjAAAAAEAAAAAAAAAPymaAP///wgAAAAAAAAAAAAAAAAAAAAAAAAAAAAAAAAAAAAAeAAAAAEAAABAAAAAAAAAAAAAAABaAAAAAAAAAAAAAAAAAAAAAAAAAAAAAAAAAAAAAAAAAAAAAAAAAAAAAAAAAAAAAAAAAAAAAAAAAAAAAAAAAAAAAAAAAAAAAAAAAAAAFAAAADwAAAAAAAAAAAAAAAAAAAkUAAAAAQAAABQAAAAUAAAAFAAAAAEAAAAAAAAAZAAAAGQAAAAAAAAAZAAAAGQAAAAVAAAAYAAAAAAAAAAAAAAADwAAACADAAAAAAAAAAAAAAEAAACgMgAAVgcAAKr4//8BAAAAf39/AAEAAABkAAAAAAAAABQAAABAHwAAAAAAACYAAAAAAAAAwOD//wAAAAAmAAAAZAAAABYAAABMAAAAAAAAAAAAAAAEAAAAAAAAAAEAAABZWVkKAAAAACgAAAAoAAAAZAAAAGQAAAAAAAAAzMzMAAAAAABQAAAAUAAAAGQAAABkAAAAAAAAABcAAAAUAAAAAAAAAAAAAAD/fwAA/38AAAAAAAAJAAAABAAAAP8A//8eAAAAaAAAAAAAAAAAAAAAAAAAAAAAAAAAAAAAECcAABAnAAAAAAAAAAAAAAAAAAAAAAAAAAAAAAAAAAAAAAAAAAAAABQAAAAAAAAAwMD/AAAAAABkAAAAMgAAAAAAAABkAAAAAAAAAH9/fwAKAAAAIgAAABgAAAAAAAAAAAAAAAAAAAAAAAAAAAAAAAAAAAAkAAAAJAAAAAAAAAAHAAAAAAAAAAAAAAAAAAAAAAAAAAAAAAAAAAAAf39/ACUAAABYAAAAAAAAAAAAAAAAAAAAAAAAAAAAAAAAAAAAAAAAAAAAAAAAAAAAAAAAAAAAAAA/AAAAAAAAAKCGAQAAAAAAAAAAAAAAAAAMAAAAAQAAAAAAAAAAAAAAAAAAAB8AAABUAAAAPymaAP///wEAAAAAAAAAAAAAAAAAAAAAAAAAAAAAAAAAAAAAAAAAAAAAAAJ/f38AWVlZA8zMzADAwP8Af39/AAAAAAAAAAAAAAAAAAAAAAAAAAAAIQAAABgAAAAUAAAA4AMAAHUZAADXFQAAFBwAABAAAAAmAAAACAAAAP//////////"/>
+                <pr:smNativeData xmlns:pr="smNativeData" xmlns="smNativeData" val="SMDATA_15_t6npZxMAAAAlAAAAZQAAAA0AAAAAkAAAAJAAAACQAAAAkAAAAAAAAAABAAAAAAAAAAEAAABQAAAAhbacS3FV1T8AAAAAAAAAAAAAAAAAAOA/AAAAAAAA4D8AAAAAAADgPwAAAAAAAOA/AAAAAAAA4D8AAAAAAADgPwAAAAAAAOA/AAAAAAAA4D8CAAAAjAAAAAEAAAAAAAAAPymaAP///wgAAAAAAAAAAAAAAAAAAAAAAAAAAAAAAAAAAAAAeAAAAAEAAABAAAAAAAAAAAAAAABaAAAAAAAAAAAAAAAAAAAAAAAAAAAAAAAAAAAAAAAAAAAAAAAAAAAAAAAAAAAAAAAAAAAAAAAAAAAAAAAAAAAAAAAAAAAAAAAAAAAAFAAAADwAAAAAAAAAAAAAAAAAAAkUAAAAAQAAABQAAAAUAAAAFAAAAAEAAAAAAAAAZAAAAGQAAAAAAAAAZAAAAGQAAAAVAAAAYAAAAAAAAAAAAAAADwAAACADAAAAAAAAAAAAAAEAAACgMgAAVgcAAKr4//8BAAAAf39/AAEAAABkAAAAAAAAABQAAABAHwAAAAAAACYAAAAAAAAAwOD//wAAAAAmAAAAZAAAABYAAABMAAAAAAAAAAAAAAAEAAAAAAAAAAEAAABZWVkKAAAAACgAAAAoAAAAZAAAAGQAAAAAAAAAzMzMAAAAAABQAAAAUAAAAGQAAABkAAAAAAAAABcAAAAUAAAAAAAAAAAAAAD/fwAA/38AAAAAAAAJAAAABAAAAP8A//8eAAAAaAAAAAAAAAAAAAAAAAAAAAAAAAAAAAAAECcAABAnAAAAAAAAAAAAAAAAAAAAAAAAAAAAAAAAAAAAAAAAAAAAABQAAAAAAAAAwMD/AAAAAABkAAAAMgAAAAAAAABkAAAAAAAAAH9/fwAKAAAAIgAAABgAAAAAAAAAAAAAAAAAAAAAAAAAAAAAAAAAAAAkAAAAJAAAAAAAAAAHAAAAAAAAAAAAAAAAAAAAAAAAAAAAAAAAAAAAf39/ACUAAABYAAAAAAAAAAAAAAAAAAAAAAAAAAAAAAAAAAAAAAAAAAAAAAAAAAAAAAAAAAAAAAA/AAAAAAAAAKCGAQAAAAAAAAAAAAAAAAAMAAAAAQAAAAAAAAAAAAAAAAAAAB8AAABUAAAAPymaAP///wEAAAAAAAAAAAAAAAAAAAAAAAAAAAAAAAAAAAAAAAAAAAAAAAJ/f38AWVlZA8zMzADAwP8Af39/AAAAAAAAAAAAAAAAAAAAAAAAAAAAIQAAABgAAAAUAAAA4AMAAHUZAADXFQAAFBwAABAAAAAmAAAACAAAAP//////////"/>
               </a:ext>
             </a:extLst>
           </p:cNvSpPr>
@@ -12320,7 +12454,7 @@
           <p:cNvSpPr>
             <a:extLst>
               <a:ext uri="smNativeData">
-                <pr:smNativeData xmlns:pr="smNativeData" xmlns="smNativeData" val="SMDATA_15_gHjoZxMAAAAlAAAAZAAAAE0AAAAAkAAAAJAAAACQAAAAkAAAAAAAAAAAAAAAAAAAAAEAAABQAAAAAAAAAAAA4D8AAAAAAADgPwAAAAAAAOA/AAAAAAAA4D8AAAAAAADgPwAAAAAAAOA/AAAAAAAA4D8AAAAAAADgPwAAAAAAAOA/AAAAAAAA4D8CAAAAjAAAAAAAAAAAAAAAQoX0DP///wgAAAAAAAAAAAAAAAAAAAAAAAAAAAAAAAAAAAAAZAAAAAEAAABAAAAAAAAAAAAAAAAAAAAAAAAAAAAAAAAAAAAAAAAAAAAAAAAAAAAAAAAAAAAAAAAAAAAAAAAAAAAAAAAAAAAAAAAAAAAAAAAAAAAAAAAAAAAAAAAAAAAAFAAAADwAAAAAAAAAAAAAAAAAAAkUAAAAAQAAABQAAAAUAAAAFAAAAAEAAAAAAAAAZAAAAGQAAAAAAAAAZAAAAGQAAAAVAAAAYAAAAAAAAAAAAAAADwAAACADAAAAAAAAAAAAAAEAAACgMgAAVgcAAKr4//8BAAAAf39/AAEAAABkAAAAAAAAABQAAABAHwAAAAAAACYAAAAAAAAAwOD//wAAAAAmAAAAZAAAABYAAABMAAAAAAAAAAAAAAAEAAAAAAAAAAEAAABZWVkKAAAAACgAAAAoAAAAZAAAAGQAAAAAAAAAzMzMAAAAAABQAAAAUAAAAGQAAABkAAAAAAAAABcAAAAUAAAAAAAAAAAAAAD/fwAA/38AAAAAAAAJAAAABAAAAAAAAAAeAAAAaAAAAAAAAAAAAAAAAAAAAAAAAAAAAAAAECcAABAnAAAAAAAAAAAAAAAAAAAAAAAAAAAAAAAAAAAAAAAAAAAAABQAAAAAAAAAwMD/AAAAAABkAAAAMgAAAAAAAABkAAAAAAAAAH9/fwAKAAAAIgAAABgAAAAAAAAAAAAAAAAAAAAAAAAAAAAAAAAAAAAkAAAAJAAAAAAAAAAHAAAAAAAAAAAAAAAAAAAAAAAAAAAAAAAAAAAAf39/ACUAAABYAAAAAAAAAAAAAAAAAAAAAAAAAAAAAAAAAAAAAAAAAAAAAAAAAAAAAAAAAAAAAAA/AAAAAAAAAKCGAQAAAAAAAAAAAAAAAAAMAAAAAQAAAAAAAAAAAAAAAAAAAB8AAABUAAAAQoX0Bf///wEAAAAAAAAAAAAAAAAAAAAAAAAAAAAAAAAAAAAAAAAAAAAAAAJ/f38AWVlZA8zMzADAwP8Af39/AAAAAAAAAAAAAAAAAAAAAAAAAAAAIQAAABgAAAAUAAAAcwUAAGQZAABDFAAAKRwAAAAgAAAmAAAACAAAAP//////////"/>
+                <pr:smNativeData xmlns:pr="smNativeData" xmlns="smNativeData" val="SMDATA_15_t6npZxMAAAAlAAAAZAAAAE0AAAAAkAAAAJAAAACQAAAAkAAAAAAAAAAAAAAAAAAAAAEAAABQAAAAAAAAAAAA4D8AAAAAAADgPwAAAAAAAOA/AAAAAAAA4D8AAAAAAADgPwAAAAAAAOA/AAAAAAAA4D8AAAAAAADgPwAAAAAAAOA/AAAAAAAA4D8CAAAAjAAAAAAAAAAAAAAAQoX0DP///wgAAAAAAAAAAAAAAAAAAAAAAAAAAAAAAAAAAAAAZAAAAAEAAABAAAAAAAAAAAAAAAAAAAAAAAAAAAAAAAAAAAAAAAAAAAAAAAAAAAAAAAAAAAAAAAAAAAAAAAAAAAAAAAAAAAAAAAAAAAAAAAAAAAAAAAAAAAAAAAAAAAAAFAAAADwAAAAAAAAAAAAAAAAAAAkUAAAAAQAAABQAAAAUAAAAFAAAAAEAAAAAAAAAZAAAAGQAAAAAAAAAZAAAAGQAAAAVAAAAYAAAAAAAAAAAAAAADwAAACADAAAAAAAAAAAAAAEAAACgMgAAVgcAAKr4//8BAAAAf39/AAEAAABkAAAAAAAAABQAAABAHwAAAAAAACYAAAAAAAAAwOD//wAAAAAmAAAAZAAAABYAAABMAAAAAAAAAAAAAAAEAAAAAAAAAAEAAABZWVkKAAAAACgAAAAoAAAAZAAAAGQAAAAAAAAAzMzMAAAAAABQAAAAUAAAAGQAAABkAAAAAAAAABcAAAAUAAAAAAAAAAAAAAD/fwAA/38AAAAAAAAJAAAABAAAAAAAAAAeAAAAaAAAAAAAAAAAAAAAAAAAAAAAAAAAAAAAECcAABAnAAAAAAAAAAAAAAAAAAAAAAAAAAAAAAAAAAAAAAAAAAAAABQAAAAAAAAAwMD/AAAAAABkAAAAMgAAAAAAAABkAAAAAAAAAH9/fwAKAAAAIgAAABgAAAAAAAAAAAAAAAAAAAAAAAAAAAAAAAAAAAAkAAAAJAAAAAAAAAAHAAAAAAAAAAAAAAAAAAAAAAAAAAAAAAAAAAAAf39/ACUAAABYAAAAAAAAAAAAAAAAAAAAAAAAAAAAAAAAAAAAAAAAAAAAAAAAAAAAAAAAAAAAAAA/AAAAAAAAAKCGAQAAAAAAAAAAAAAAAAAMAAAAAQAAAAAAAAAAAAAAAAAAAB8AAABUAAAAQoX0Bf///wEAAAAAAAAAAAAAAAAAAAAAAAAAAAAAAAAAAAAAAAAAAAAAAAJ/f38AWVlZA8zMzADAwP8Af39/AAAAAAAAAAAAAAAAAAAAAAAAAAAAIQAAABgAAAAUAAAAcwUAAGQZAABDFAAAKRwAABAgAAAmAAAACAAAAP//////////"/>
               </a:ext>
             </a:extLst>
           </p:cNvSpPr>
@@ -12384,7 +12518,7 @@
           <p:cNvPicPr>
             <a:extLst>
               <a:ext uri="smNativeData">
-                <pr:smNativeData xmlns:pr="smNativeData" xmlns="smNativeData" val="SMDATA_17_gHjoZxMAAAAlAAAAEQAAAA0AAAAAkAAAAEgAAACQAAAASAAAAAAAAAAAAAAAAAAAAAEAAABQAAAAAAAAAAAA4D8AAAAAAADgPwAAAAAAAOA/AAAAAAAA4D8AAAAAAADgPwAAAAAAAOA/AAAAAAAA4D8AAAAAAADgPwAAAAAAAOA/AAAAAAAA4D8CAAAAjAAAAAAAAAAAAAAAQoX0DP///wgAAAAAAAAAAAAAAAAAAAAAAAAAAAAAAAAAAAAAZAAAAAEAAABAAAAAAAAAAAAAAAAAAAAAAAAAAAAAAAAAAAAAAAAAAAAAAAAAAAAAAAAAAAAAAAAAAAAAAAAAAAAAAAAAAAAAAAAAAAAAAAAAAAAAAAAAAAAAAAAAAAAAFAAAADwAAAAAAAAAAAAAAAAAAAkUAAAAAQAAABQAAAAUAAAAFAAAAAEAAAAAAAAAZAAAAGQAAAAAAAAAZAAAAGQAAAAVAAAAYAAAAAAAAAAAAAAADwAAACADAAAAAAAAAAAAAAEAAACgMgAAVgcAAKr4//8BAAAAf39/AAEAAABkAAAAAAAAABQAAABAHwAAAAAAACYAAAAAAAAAwOD//wAAAAAmAAAAZAAAABYAAABMAAAAAAAAAAAAAAAEAAAAAAAAAAEAAABZWVkKAAAAACgAAAAoAAAAZAAAAGQAAAAAAAAAzMzMAAAAAABQAAAAUAAAAGQAAABkAAAAAAAAAAcAAAA4AAAAAAAAAAAAAAAAAAAA////AAAAAAAAAAAAAAAAAAAAAAAAAAAAAAAAAAAAAABkAAAAZAAAAAAAAAAjAAAABAAAAGQAAAAXAAAAFAAAAAAAAAAAAAAA/38AAP9/AAAAAAAACQAAAAQAAAAAAAAAHgAAAGgAAAAAAAAAAAAAAAAAAAAAAAAAAAAAABAnAAAQJwAAAAAAAAAAAAAAAAAAAAAAAAAAAAAAAAAAAAAAAAAAAAAUAAAAAAAAAMDA/wAAAAAAZAAAADIAAAAAAAAAZAAAAAAAAAB/f38ACgAAACIAAAAYAAAAAAAAAAAAAAAAAAAAAAAAAAAAAAAAAAAAJAAAACQAAAAAAAAABwAAAAAAAAAAAAAAAAAAAAAAAAAAAAAAAAAAAH9/fwAlAAAAWAAAAAAAAAAAAAAAAAAAAAAAAAAAAAAAAAAAAAAAAAAAAAAAAAAAAAAAAAAAAAAAPwAAAAAAAACghgEAAAAAAAAAAAAAAAAADAAAAAEAAAAAAAAAAAAAAAAAAAAfAAAAVAAAAEKF9AX///8BAAAAAAAAAAAAAAAAAAAAAAAAAAAAAAAAAAAAAAAAAAAAAAACf39/AFlZWQPMzMwAwMD/AH9/fwAAAAAAAAAAAAAAAAD///8AAAAAACEAAAAYAAAAFAAAAJUtAAD4EgAAGzcAAD0dAAAQAAAAJgAAAAgAAAD//////////w=="/>
+                <pr:smNativeData xmlns:pr="smNativeData" xmlns="smNativeData" val="SMDATA_17_t6npZxMAAAAlAAAAEQAAAA0AAAAAkAAAAEgAAACQAAAASAAAAAAAAAAAAAAAAAAAAAEAAABQAAAAAAAAAAAA4D8AAAAAAADgPwAAAAAAAOA/AAAAAAAA4D8AAAAAAADgPwAAAAAAAOA/AAAAAAAA4D8AAAAAAADgPwAAAAAAAOA/AAAAAAAA4D8CAAAAjAAAAAAAAAAAAAAAQoX0DP///wgAAAAAAAAAAAAAAAAAAAAAAAAAAAAAAAAAAAAAZAAAAAEAAABAAAAAAAAAAAAAAAAAAAAAAAAAAAAAAAAAAAAAAAAAAAAAAAAAAAAAAAAAAAAAAAAAAAAAAAAAAAAAAAAAAAAAAAAAAAAAAAAAAAAAAAAAAAAAAAAAAAAAFAAAADwAAAAAAAAAAAAAAAAAAAkUAAAAAQAAABQAAAAUAAAAFAAAAAEAAAAAAAAAZAAAAGQAAAAAAAAAZAAAAGQAAAAVAAAAYAAAAAAAAAAAAAAADwAAACADAAAAAAAAAAAAAAEAAACgMgAAVgcAAKr4//8BAAAAf39/AAEAAABkAAAAAAAAABQAAABAHwAAAAAAACYAAAAAAAAAwOD//wAAAAAmAAAAZAAAABYAAABMAAAAAAAAAAAAAAAEAAAAAAAAAAEAAABZWVkKAAAAACgAAAAoAAAAZAAAAGQAAAAAAAAAzMzMAAAAAABQAAAAUAAAAGQAAABkAAAAAAAAAAcAAAA4AAAAAAAAAAAAAAAAAAAA////AAAAAAAAAAAAAAAAAAAAAAAAAAAAAAAAAAAAAABkAAAAZAAAAAAAAAAjAAAABAAAAGQAAAAXAAAAFAAAAAAAAAAAAAAA/38AAP9/AAAAAAAACQAAAAQAAAAAAAAAHgAAAGgAAAAAAAAAAAAAAAAAAAAAAAAAAAAAABAnAAAQJwAAAAAAAAAAAAAAAAAAAAAAAAAAAAAAAAAAAAAAAAAAAAAUAAAAAAAAAMDA/wAAAAAAZAAAADIAAAAAAAAAZAAAAAAAAAB/f38ACgAAACIAAAAYAAAAAAAAAAAAAAAAAAAAAAAAAAAAAAAAAAAAJAAAACQAAAAAAAAABwAAAAAAAAAAAAAAAAAAAAAAAAAAAAAAAAAAAH9/fwAlAAAAWAAAAAAAAAAAAAAAAAAAAAAAAAAAAAAAAAAAAAAAAAAAAAAAAAAAAAAAAAAAAAAAPwAAAAAAAACghgEAAAAAAAAAAAAAAAAADAAAAAEAAAAAAAAAAAAAAAAAAAAfAAAAVAAAAEKF9AX///8BAAAAAAAAAAAAAAAAAAAAAAAAAAAAAAAAAAAAAAAAAAAAAAACf39/AFlZWQPMzMwAwMD/AH9/fwAAAAAAAAAAAAAAAAD///8AAAAAACEAAAAYAAAAFAAAAJUtAAD4EgAAGzcAAD0dAAAQAAAAJgAAAAgAAAD//////////w=="/>
               </a:ext>
             </a:extLst>
           </p:cNvPicPr>
@@ -12450,7 +12584,7 @@
             <a:spLocks noGrp="1" noChangeArrowheads="1"/>
             <a:extLst>
               <a:ext uri="smNativeData">
-                <pr:smNativeData xmlns:pr="smNativeData" xmlns="smNativeData" val="SMDATA_15_gHjoZxMAAAAlAAAAZAAAAA0AAAAAkAAAAJAAAACQAAAAkAAAAAAAAAAAAAAAAAAAAAEAAABQAAAAAAAAAAAA4D8AAAAAAADgPwAAAAAAAOA/AAAAAAAA4D8AAAAAAADgPwAAAAAAAOA/AAAAAAAA4D8AAAAAAADgPwAAAAAAAOA/AAAAAAAA4D8CAAAAjAAAAAAAAAAAAAAAQoX0DP///wgAAAAAAAAAAAAAAAAAAAAAAAAAAAAAAAAAAAAAZAAAAAEAAABAAAAAAAAAAAAAAAAAAAAAAAAAAAAAAAAAAAAAAAAAAAAAAAAAAAAAAAAAAAAAAAAAAAAAAAAAAAAAAAAAAAAAAAAAAAAAAAAAAAAAAAAAAAAAAAAAAAAAFAAAADwAAAAAAAAAAAAAAAAAAAkUAAAAAQAAABQAAAAUAAAAFAAAAAEAAAAAAAAAZAAAAGQAAAAAAAAAZAAAAGQAAAAVAAAAYAAAAAAAAAAAAAAADwAAACADAAAAAAAAAAAAAAEAAACgMgAAVgcAAKr4//8BAAAAf39/AAEAAABkAAAAAAAAABQAAABAHwAAAAAAACYAAAAAAAAAwOD//wAAAAAmAAAAZAAAABYAAABMAAAAAAAAAAAAAAAEAAAAAAAAAAEAAABZWVkKAAAAACgAAAAoAAAAZAAAAGQAAAAAAAAAzMzMAAAAAABQAAAAUAAAAGQAAABkAAAAAAAAABcAAAAUAAAAAAAAAAAAAAD/fwAA/38AAAAAAAAJAAAABAAAAAAAAAAeAAAAaAAAAAAAAAAAAAAAAAAAAAAAAAAAAAAAECcAABAnAAAAAAAAAAAAAAAAAAAAAAAAAAAAAAAAAAAAAAAAAAAAABQAAAAAAAAAwMD/AAAAAABkAAAAMgAAAAAAAABkAAAAAAAAAH9/fwAKAAAAIgAAABgAAAAAAAAAAAAAAAAAAAAAAAAAAAAAAAAAAAAkAAAAJAAAAAAAAAAHAAAAAAAAAAAAAAAAAAAAAAAAAAAAAAAAAAAAf39/ACUAAABYAAAAAAAAAAAAAAAAAAAAAAAAAAAAAAAAAAAAAAAAAAAAAAAAAAAAAAAAAAAAAAA/AAAAAAAAAKCGAQAAAAAAAAAAAAAAAAAMAAAAAQAAAAAAAAAAAAAAAAAAAB8AAABUAAAAQoX0Bf///wEAAAAAAAAAAAAAAAAAAAAAAAAAAAAAAAAAAAAAAAAAAAAAAAJ/f38AWVlZA8zMzADAwP8Af39/AAAAAAAAAAAAAAAAAAAAAAAAAAAAIQAAABgAAAAUAAAAFAMAAAkCAAB/NwAA3AUAAAAAAAAmAAAACAAAAD0wAAAAAAAA"/>
+                <pr:smNativeData xmlns:pr="smNativeData" xmlns="smNativeData" val="SMDATA_15_t6npZxMAAAAlAAAAZAAAAA0AAAAAkAAAAJAAAACQAAAAkAAAAAAAAAAAAAAAAAAAAAEAAABQAAAAAAAAAAAA4D8AAAAAAADgPwAAAAAAAOA/AAAAAAAA4D8AAAAAAADgPwAAAAAAAOA/AAAAAAAA4D8AAAAAAADgPwAAAAAAAOA/AAAAAAAA4D8CAAAAjAAAAAAAAAAAAAAAQoX0DP///wgAAAAAAAAAAAAAAAAAAAAAAAAAAAAAAAAAAAAAZAAAAAEAAABAAAAAAAAAAAAAAAAAAAAAAAAAAAAAAAAAAAAAAAAAAAAAAAAAAAAAAAAAAAAAAAAAAAAAAAAAAAAAAAAAAAAAAAAAAAAAAAAAAAAAAAAAAAAAAAAAAAAAFAAAADwAAAAAAAAAAAAAAAAAAAkUAAAAAQAAABQAAAAUAAAAFAAAAAEAAAAAAAAAZAAAAGQAAAAAAAAAZAAAAGQAAAAVAAAAYAAAAAAAAAAAAAAADwAAACADAAAAAAAAAAAAAAEAAACgMgAAVgcAAKr4//8BAAAAf39/AAEAAABkAAAAAAAAABQAAABAHwAAAAAAACYAAAAAAAAAwOD//wAAAAAmAAAAZAAAABYAAABMAAAAAAAAAAAAAAAEAAAAAAAAAAEAAABZWVkKAAAAACgAAAAoAAAAZAAAAGQAAAAAAAAAzMzMAAAAAABQAAAAUAAAAGQAAABkAAAAAAAAABcAAAAUAAAAAAAAAAAAAAD/fwAA/38AAAAAAAAJAAAABAAAAAAAAAAeAAAAaAAAAAAAAAAAAAAAAAAAAAAAAAAAAAAAECcAABAnAAAAAAAAAAAAAAAAAAAAAAAAAAAAAAAAAAAAAAAAAAAAABQAAAAAAAAAwMD/AAAAAABkAAAAMgAAAAAAAABkAAAAAAAAAH9/fwAKAAAAIgAAABgAAAAAAAAAAAAAAAAAAAAAAAAAAAAAAAAAAAAkAAAAJAAAAAAAAAAHAAAAAAAAAAAAAAAAAAAAAAAAAAAAAAAAAAAAf39/ACUAAABYAAAAAAAAAAAAAAAAAAAAAAAAAAAAAAAAAAAAAAAAAAAAAAAAAAAAAAAAAAAAAAA/AAAAAAAAAKCGAQAAAAAAAAAAAAAAAAAMAAAAAQAAAAAAAAAAAAAAAAAAAB8AAABUAAAAQoX0Bf///wEAAAAAAAAAAAAAAAAAAAAAAAAAAAAAAAAAAAAAAAAAAAAAAAJ/f38AWVlZA8zMzADAwP8Af39/AAAAAAAAAAAAAAAAAAAAAAAAAAAAIQAAABgAAAAUAAAAFAMAAAkCAAB/NwAA3AUAABAAAAAmAAAACAAAAD0wAAAAAAAA"/>
               </a:ext>
             </a:extLst>
           </p:cNvSpPr>
@@ -12494,7 +12628,7 @@
           <p:cNvSpPr txBox="1">
             <a:extLst>
               <a:ext uri="smNativeData">
-                <pr:smNativeData xmlns:pr="smNativeData" xmlns="smNativeData" val="SMDATA_15_gHjoZxMAAAAlAAAAEgAAAE8BAAAAkAAAAEgAAACQAAAASAAAAAAAAAAAAAAAAAAAAAEAAABQAAAAAAAAAAAA4D8AAAAAAADgPwAAAAAAAOA/AAAAAAAA4D8AAAAAAADgPwAAAAAAAOA/AAAAAAAA4D8AAAAAAADgPwAAAAAAAOA/AAAAAAAA4D8CAAAAjAAAAAAAAAAAAAAAQoX0DP///wgAAAAAAAAAAAAAAAAAAAAAAAAAAAAAAAAAAAAAZAAAAAEAAABAAAAAAAAAAAAAAAAAAAAAAAAAAAAAAAAAAAAAAAAAAAAAAAAAAAAAAAAAAAAAAAAAAAAAAAAAAAAAAAAAAAAAAAAAAAAAAAAAAAAAAAAAAAAAAAAAAAAAFAAAADwAAAAAAAAAAAAAAAAAAAkUAAAAAQAAABQAAAAUAAAAFAAAAAEAAAAAAAAAZAAAAGQAAAAAAAAAZAAAAGQAAAAVAAAAYAAAAAAAAAAAAAAADwAAACADAAAAAAAAAAAAAAEAAACgMgAAVgcAAKr4//8BAAAAf39/AAEAAABkAAAAAAAAABQAAABAHwAAAAAAACYAAAAAAAAAwOD//wAAAAAmAAAAZAAAABYAAABMAAAAAAAAAAAAAAAEAAAAAAAAAAEAAABZWVkKAAAAACgAAAAoAAAAZAAAAGQAAAAAAAAAzMzMAAAAAABQAAAAUAAAAGQAAABkAAAAAAAAABcAAAAUAAAAAAAAAEQBAAD/fwAA/38AAAAAAAAJAAAABAAAAF8AYAAeAAAAaAAAAAAAAAAAAAAAAAAAAAAAAAAAAAAAECcAABAnAAAAAAAAAAAAAAAAAAAAAAAAAAAAAAAAAAAAAAAAAAAAABQAAAAAAAAAwMD/AAAAAABkAAAAMgAAAAAAAABkAAAAAAAAAH9/fwAKAAAAIgAAABgAAAAAAAAAAAAAAAAAAAAAAAAAAAAAAAAAAAAkAAAAJAAAAAAAAAAHAAAAAAAAAAAAAAAAAAAAAAAAAAAAAAAAAAAAf39/ACUAAABYAAAAAAAAAAAAAAAAAAAAAAAAAAAAAAAAAAAAAAAAAAAAAAAAAAAAAAAAAAAAAAA/AAAAAAAAAKCGAQAAAAAAAAAAAAAAAAAMAAAAAQAAAAAAAAAAAAAAAAAAAB8AAABUAAAAQoX0Bf///wEAAAAAAAAAAAAAAAAAAAAAAAAAAAAAAAAAAAAAAAAAAAAAAAJ/f38AWVlZA8zMzADAwP8Af39/AAAAAAAAAAAAAAAAAAAAAAAAAAAAIQAAABgAAAAUAAAAYAMAAEwSAABwGgAALBQAAAAgAAAmAAAACAAAAP//////////"/>
+                <pr:smNativeData xmlns:pr="smNativeData" xmlns="smNativeData" val="SMDATA_15_t6npZxMAAAAlAAAAEgAAAE8BAAAAkAAAAEgAAACQAAAASAAAAAAAAAAAAAAAAAAAAAEAAABQAAAAAAAAAAAA4D8AAAAAAADgPwAAAAAAAOA/AAAAAAAA4D8AAAAAAADgPwAAAAAAAOA/AAAAAAAA4D8AAAAAAADgPwAAAAAAAOA/AAAAAAAA4D8CAAAAjAAAAAAAAAAAAAAAQoX0DP///wgAAAAAAAAAAAAAAAAAAAAAAAAAAAAAAAAAAAAAZAAAAAEAAABAAAAAAAAAAAAAAAAAAAAAAAAAAAAAAAAAAAAAAAAAAAAAAAAAAAAAAAAAAAAAAAAAAAAAAAAAAAAAAAAAAAAAAAAAAAAAAAAAAAAAAAAAAAAAAAAAAAAAFAAAADwAAAAAAAAAAAAAAAAAAAkUAAAAAQAAABQAAAAUAAAAFAAAAAEAAAAAAAAAZAAAAGQAAAAAAAAAZAAAAGQAAAAVAAAAYAAAAAAAAAAAAAAADwAAACADAAAAAAAAAAAAAAEAAACgMgAAVgcAAKr4//8BAAAAf39/AAEAAABkAAAAAAAAABQAAABAHwAAAAAAACYAAAAAAAAAwOD//wAAAAAmAAAAZAAAABYAAABMAAAAAAAAAAAAAAAEAAAAAAAAAAEAAABZWVkKAAAAACgAAAAoAAAAZAAAAGQAAAAAAAAAzMzMAAAAAABQAAAAUAAAAGQAAABkAAAAAAAAABcAAAAUAAAAAAAAAEQBAAD/fwAA/38AAAAAAAAJAAAABAAAAF8AYAAeAAAAaAAAAAAAAAAAAAAAAAAAAAAAAAAAAAAAECcAABAnAAAAAAAAAAAAAAAAAAAAAAAAAAAAAAAAAAAAAAAAAAAAABQAAAAAAAAAwMD/AAAAAABkAAAAMgAAAAAAAABkAAAAAAAAAH9/fwAKAAAAIgAAABgAAAAAAAAAAAAAAAAAAAAAAAAAAAAAAAAAAAAkAAAAJAAAAAAAAAAHAAAAAAAAAAAAAAAAAAAAAAAAAAAAAAAAAAAAf39/ACUAAABYAAAAAAAAAAAAAAAAAAAAAAAAAAAAAAAAAAAAAAAAAAAAAAAAAAAAAAAAAAAAAAA/AAAAAAAAAKCGAQAAAAAAAAAAAAAAAAAMAAAAAQAAAAAAAAAAAAAAAAAAAB8AAABUAAAAQoX0Bf///wEAAAAAAAAAAAAAAAAAAAAAAAAAAAAAAAAAAAAAAAAAAAAAAAJ/f38AWVlZA8zMzADAwP8Af39/AAAAAAAAAAAAAAAAAAAAAAAAAAAAIQAAABgAAAAUAAAAYAMAAEwSAABwGgAALBQAABAgAAAmAAAACAAAAP//////////"/>
               </a:ext>
             </a:extLst>
           </p:cNvSpPr>
@@ -12539,7 +12673,7 @@
           <p:cNvSpPr txBox="1">
             <a:extLst>
               <a:ext uri="smNativeData">
-                <pr:smNativeData xmlns:pr="smNativeData" xmlns="smNativeData" val="SMDATA_15_gHjoZxMAAAAlAAAAEgAAAE8BAAAAkAAAAEgAAACQAAAASAAAAAAAAAAAAAAAAAAAAAEAAABQAAAAAAAAAAAA4D8AAAAAAADgPwAAAAAAAOA/AAAAAAAA4D8AAAAAAADgPwAAAAAAAOA/AAAAAAAA4D8AAAAAAADgPwAAAAAAAOA/AAAAAAAA4D8CAAAAjAAAAAAAAAAAAAAAQoX0DP///wgAAAAAAAAAAAAAAAAAAAAAAAAAAAAAAAAAAAAAZAAAAAEAAABAAAAAAAAAAAAAAAAAAAAAAAAAAAAAAAAAAAAAAAAAAAAAAAAAAAAAAAAAAAAAAAAAAAAAAAAAAAAAAAAAAAAAAAAAAAAAAAAAAAAAAAAAAAAAAAAAAAAAFAAAADwAAAAAAAAAAAAAAAAAAAkUAAAAAQAAABQAAAAUAAAAFAAAAAEAAAAAAAAAZAAAAGQAAAAAAAAAZAAAAGQAAAAVAAAAYAAAAAAAAAAAAAAADwAAACADAAAAAAAAAAAAAAEAAACgMgAAVgcAAKr4//8BAAAAf39/AAEAAABkAAAAAAAAABQAAABAHwAAAAAAACYAAAAAAAAAwOD//wAAAAAmAAAAZAAAABYAAABMAAAAAAAAAAAAAAAEAAAAAAAAAAEAAABZWVkKAAAAACgAAAAoAAAAZAAAAGQAAAAAAAAAzMzMAAAAAABQAAAAUAAAAGQAAABkAAAAAAAAABcAAAAUAAAAAAAAAEQBAAD/fwAA/38AAAAAAAAJAAAABAAAAAAAAAAeAAAAaAAAAAAAAAAAAAAAAAAAAAAAAAAAAAAAECcAABAnAAAAAAAAAAAAAAAAAAAAAAAAAAAAAAAAAAAAAAAAAAAAABQAAAAAAAAAwMD/AAAAAABkAAAAMgAAAAAAAABkAAAAAAAAAH9/fwAKAAAAIgAAABgAAAAAAAAAAAAAAAAAAAAAAAAAAAAAAAAAAAAkAAAAJAAAAAAAAAAHAAAAAAAAAAAAAAAAAAAAAAAAAAAAAAAAAAAAf39/ACUAAABYAAAAAAAAAAAAAAAAAAAAAAAAAAAAAAAAAAAAAAAAAAAAAAAAAAAAAAAAAAAAAAA/AAAAAAAAAKCGAQAAAAAAAAAAAAAAAAAMAAAAAQAAAAAAAAAAAAAAAAAAAB8AAABUAAAAQoX0Bf///wEAAAAAAAAAAAAAAAAAAAAAAAAAAAAAAAAAAAAAAAAAAAAAAAJ/f38AWVlZA8zMzADAwP8Af39/AAAAAAAAAAAAAAAAAAAAAAAAAAAAIQAAABgAAAAUAAAAqBsAAPQFAAAQNQAA1AcAAAAgAAAmAAAACAAAAP//////////"/>
+                <pr:smNativeData xmlns:pr="smNativeData" xmlns="smNativeData" val="SMDATA_15_t6npZxMAAAAlAAAAEgAAAE8BAAAAkAAAAEgAAACQAAAASAAAAAAAAAAAAAAAAAAAAAEAAABQAAAAAAAAAAAA4D8AAAAAAADgPwAAAAAAAOA/AAAAAAAA4D8AAAAAAADgPwAAAAAAAOA/AAAAAAAA4D8AAAAAAADgPwAAAAAAAOA/AAAAAAAA4D8CAAAAjAAAAAAAAAAAAAAAQoX0DP///wgAAAAAAAAAAAAAAAAAAAAAAAAAAAAAAAAAAAAAZAAAAAEAAABAAAAAAAAAAAAAAAAAAAAAAAAAAAAAAAAAAAAAAAAAAAAAAAAAAAAAAAAAAAAAAAAAAAAAAAAAAAAAAAAAAAAAAAAAAAAAAAAAAAAAAAAAAAAAAAAAAAAAFAAAADwAAAAAAAAAAAAAAAAAAAkUAAAAAQAAABQAAAAUAAAAFAAAAAEAAAAAAAAAZAAAAGQAAAAAAAAAZAAAAGQAAAAVAAAAYAAAAAAAAAAAAAAADwAAACADAAAAAAAAAAAAAAEAAACgMgAAVgcAAKr4//8BAAAAf39/AAEAAABkAAAAAAAAABQAAABAHwAAAAAAACYAAAAAAAAAwOD//wAAAAAmAAAAZAAAABYAAABMAAAAAAAAAAAAAAAEAAAAAAAAAAEAAABZWVkKAAAAACgAAAAoAAAAZAAAAGQAAAAAAAAAzMzMAAAAAABQAAAAUAAAAGQAAABkAAAAAAAAABcAAAAUAAAAAAAAAEQBAAD/fwAA/38AAAAAAAAJAAAABAAAAAAAAAAeAAAAaAAAAAAAAAAAAAAAAAAAAAAAAAAAAAAAECcAABAnAAAAAAAAAAAAAAAAAAAAAAAAAAAAAAAAAAAAAAAAAAAAABQAAAAAAAAAwMD/AAAAAABkAAAAMgAAAAAAAABkAAAAAAAAAH9/fwAKAAAAIgAAABgAAAAAAAAAAAAAAAAAAAAAAAAAAAAAAAAAAAAkAAAAJAAAAAAAAAAHAAAAAAAAAAAAAAAAAAAAAAAAAAAAAAAAAAAAf39/ACUAAABYAAAAAAAAAAAAAAAAAAAAAAAAAAAAAAAAAAAAAAAAAAAAAAAAAAAAAAAAAAAAAAA/AAAAAAAAAKCGAQAAAAAAAAAAAAAAAAAMAAAAAQAAAAAAAAAAAAAAAAAAAB8AAABUAAAAQoX0Bf///wEAAAAAAAAAAAAAAAAAAAAAAAAAAAAAAAAAAAAAAAAAAAAAAAJ/f38AWVlZA8zMzADAwP8Af39/AAAAAAAAAAAAAAAAAAAAAAAAAAAAIQAAABgAAAAUAAAAqBsAAPQFAAAQNQAA1AcAABAgAAAmAAAACAAAAP//////////"/>
               </a:ext>
             </a:extLst>
           </p:cNvSpPr>
@@ -12584,7 +12718,7 @@
           <p:cNvSpPr txBox="1">
             <a:extLst>
               <a:ext uri="smNativeData">
-                <pr:smNativeData xmlns:pr="smNativeData" xmlns="smNativeData" val="SMDATA_15_gHjoZxMAAAAlAAAAEgAAAE8BAAAAkAAAAEgAAACQAAAASAAAAAAAAAAAAAAAAAAAAAEAAABQAAAAAAAAAAAA4D8AAAAAAADgPwAAAAAAAOA/AAAAAAAA4D8AAAAAAADgPwAAAAAAAOA/AAAAAAAA4D8AAAAAAADgPwAAAAAAAOA/AAAAAAAA4D8CAAAAjAAAAAAAAAAAAAAAQoX0DP///wgAAAAAAAAAAAAAAAAAAAAAAAAAAAAAAAAAAAAAZAAAAAEAAABAAAAAAAAAAAAAAAAAAAAAAAAAAAAAAAAAAAAAAAAAAAAAAAAAAAAAAAAAAAAAAAAAAAAAAAAAAAAAAAAAAAAAAAAAAAAAAAAAAAAAAAAAAAAAAAAAAAAAFAAAADwAAAAAAAAAAAAAAAAAAAkUAAAAAQAAABQAAAAUAAAAFAAAAAEAAAAAAAAAZAAAAGQAAAAAAAAAZAAAAGQAAAAVAAAAYAAAAAAAAAAAAAAADwAAACADAAAAAAAAAAAAAAEAAACgMgAAVgcAAKr4//8BAAAAf39/AAEAAABkAAAAAAAAABQAAABAHwAAAAAAACYAAAAAAAAAwOD//wAAAAAmAAAAZAAAABYAAABMAAAAAAAAAAAAAAAEAAAAAAAAAAEAAABZWVkKAAAAACgAAAAoAAAAZAAAAGQAAAAAAAAAzMzMAAAAAABQAAAAUAAAAGQAAABkAAAAAAAAABcAAAAUAAAAAAAAAEQBAAD/fwAA/38AAAAAAAAJAAAABAAAAAAAAAAeAAAAaAAAAAAAAAAAAAAAAAAAAAAAAAAAAAAAECcAABAnAAAAAAAAAAAAAAAAAAAAAAAAAAAAAAAAAAAAAAAAAAAAABQAAAAAAAAAwMD/AAAAAABkAAAAMgAAAAAAAABkAAAAAAAAAH9/fwAKAAAAIgAAABgAAAAAAAAAAAAAAAAAAAAAAAAAAAAAAAAAAAAkAAAAJAAAAAAAAAAHAAAAAAAAAAAAAAAAAAAAAAAAAAAAAAAAAAAAf39/ACUAAABYAAAAAAAAAAAAAAAAAAAAAAAAAAAAAAAAAAAAAAAAAAAAAAAAAAAAAAAAAAAAAAA/AAAAAAAAAKCGAQAAAAAAAAAAAAAAAAAMAAAAAQAAAAAAAAAAAAAAAAAAAB8AAABUAAAAQoX0Bf///wEAAAAAAAAAAAAAAAAAAAAAAAAAAAAAAAAAAAAAAAAAAAAAAAJ/f38AWVlZA8zMzADAwP8Af39/AAAAAAAAAAAAAAAAAAAAAAAAAAAAIQAAABgAAAAUAAAARAMAAPgFAAC0GAAA2AcAAAAgAAAmAAAACAAAAP//////////"/>
+                <pr:smNativeData xmlns:pr="smNativeData" xmlns="smNativeData" val="SMDATA_15_t6npZxMAAAAlAAAAEgAAAE8BAAAAkAAAAEgAAACQAAAASAAAAAAAAAAAAAAAAAAAAAEAAABQAAAAAAAAAAAA4D8AAAAAAADgPwAAAAAAAOA/AAAAAAAA4D8AAAAAAADgPwAAAAAAAOA/AAAAAAAA4D8AAAAAAADgPwAAAAAAAOA/AAAAAAAA4D8CAAAAjAAAAAAAAAAAAAAAQoX0DP///wgAAAAAAAAAAAAAAAAAAAAAAAAAAAAAAAAAAAAAZAAAAAEAAABAAAAAAAAAAAAAAAAAAAAAAAAAAAAAAAAAAAAAAAAAAAAAAAAAAAAAAAAAAAAAAAAAAAAAAAAAAAAAAAAAAAAAAAAAAAAAAAAAAAAAAAAAAAAAAAAAAAAAFAAAADwAAAAAAAAAAAAAAAAAAAkUAAAAAQAAABQAAAAUAAAAFAAAAAEAAAAAAAAAZAAAAGQAAAAAAAAAZAAAAGQAAAAVAAAAYAAAAAAAAAAAAAAADwAAACADAAAAAAAAAAAAAAEAAACgMgAAVgcAAKr4//8BAAAAf39/AAEAAABkAAAAAAAAABQAAABAHwAAAAAAACYAAAAAAAAAwOD//wAAAAAmAAAAZAAAABYAAABMAAAAAAAAAAAAAAAEAAAAAAAAAAEAAABZWVkKAAAAACgAAAAoAAAAZAAAAGQAAAAAAAAAzMzMAAAAAABQAAAAUAAAAGQAAABkAAAAAAAAABcAAAAUAAAAAAAAAEQBAAD/fwAA/38AAAAAAAAJAAAABAAAAAAAAAAeAAAAaAAAAAAAAAAAAAAAAAAAAAAAAAAAAAAAECcAABAnAAAAAAAAAAAAAAAAAAAAAAAAAAAAAAAAAAAAAAAAAAAAABQAAAAAAAAAwMD/AAAAAABkAAAAMgAAAAAAAABkAAAAAAAAAH9/fwAKAAAAIgAAABgAAAAAAAAAAAAAAAAAAAAAAAAAAAAAAAAAAAAkAAAAJAAAAAAAAAAHAAAAAAAAAAAAAAAAAAAAAAAAAAAAAAAAAAAAf39/ACUAAABYAAAAAAAAAAAAAAAAAAAAAAAAAAAAAAAAAAAAAAAAAAAAAAAAAAAAAAAAAAAAAAA/AAAAAAAAAKCGAQAAAAAAAAAAAAAAAAAMAAAAAQAAAAAAAAAAAAAAAAAAAB8AAABUAAAAQoX0Bf///wEAAAAAAAAAAAAAAAAAAAAAAAAAAAAAAAAAAAAAAAAAAAAAAAJ/f38AWVlZA8zMzADAwP8Af39/AAAAAAAAAAAAAAAAAAAAAAAAAAAAIQAAABgAAAAUAAAARAMAAPgFAAC0GAAA2AcAABAgAAAmAAAACAAAAP//////////"/>
               </a:ext>
             </a:extLst>
           </p:cNvSpPr>
@@ -12630,7 +12764,7 @@
             <a:picLocks noChangeAspect="1"/>
             <a:extLst>
               <a:ext uri="smNativeData">
-                <pr:smNativeData xmlns:pr="smNativeData" xmlns="smNativeData" val="SMDATA_17_gHjoZxMAAAAlAAAAEQAAAC8BAAAAkAAAAEgAAACQAAAASAAAAAAAAAAAAAAAAAAAAAEAAABQAAAAAAAAAAAA4D8AAAAAAADgPwAAAAAAAOA/AAAAAAAA4D8AAAAAAADgPwAAAAAAAOA/AAAAAAAA4D8AAAAAAADgPwAAAAAAAOA/AAAAAAAA4D8CAAAAjAAAAAAAAAAAAAAAQoX0DP///wgAAAAAAAAAAAAAAAAAAAAAAAAAAAAAAAAAAAAAZAAAAAEAAABAAAAAAAAAAAAAAAAAAAAAAAAAAAAAAAAAAAAAAAAAAAAAAAAAAAAAAAAAAAAAAAAAAAAAAAAAAAAAAAAAAAAAAAAAAAAAAAAAAAAAAAAAAAAAAAAAAAAAFAAAADwAAAAAAAAAAAAAAAAAAAkUAAAAAQAAABQAAAAUAAAAFAAAAAEAAAAAAAAAZAAAAGQAAAAAAAAAZAAAAGQAAAAVAAAAYAAAAAAAAAAAAAAADwAAACADAAAAAAAAAAAAAAEAAACgMgAAVgcAAKr4//8BAAAAf39/AAEAAABkAAAAAAAAABQAAABAHwAAAAAAACYAAAAAAAAAwOD//wAAAAAmAAAAZAAAABYAAABMAAAAAAAAAAAAAAAEAAAAAAAAAAEAAABZWVkKAAAAACgAAAAoAAAAZAAAAGQAAAAAAAAAzMzMAAAAAABQAAAAUAAAAGQAAABkAAAAAAAAAAcAAAA4AAAAAAAAAAAAAAAAAAAA////AAAAAAAAAAAAAAAAAAAAAAAAAAAAAAAAAAAAAABkAAAAZAAAAAAAAAAjAAAABAAAAGQAAAAXAAAAFAAAAAAAAAAAAAAA/38AAP9/AAAAAAAACQAAAAQAAAAAAAAAHgAAAGgAAAAAAAAAAAAAAAAAAAAAAAAAAAAAABAnAAAQJwAAAAAAAAAAAAAAAAAAAAAAAAAAAAAAAAAAAAAAAAAAAAAUAAAAAAAAAMDA/wAAAAAAZAAAADIAAAAAAAAAZAAAAAAAAAB/f38ACgAAACIAAAAYAAAAAAAAAAAAAAAAAAAAAAAAAAAAAAAAAAAAJAAAACQAAAAAAAAABwAAAAAAAAAAAAAAAAAAAAAAAAAAAAAAAAAAAH9/fwAlAAAAWAAAAAAAAAAAAAAAAAAAAAAAAAAAAAAAAAAAAAAAAAAAAAAAAAAAAAAAAAAAAAAAPwAAAAAAAACghgEAAAAAAAAAAAAAAAAADAAAAAEAAAAAAAAAAAAAAAAAAAAfAAAAVAAAAEKF9AX///8BAAAAAAAAAAAAAAAAAAAAAAAAAAAAAAAAAAAAAAAAAAAAAAACf39/AFlZWQPMzMwAwMD/AH9/fwAAAAAAAAAAAAAAAAD///8AAAAAACEAAAAYAAAAFAAAADADAAC2BwAAzxgAABISAAAAAAAAJgAAAAgAAAD//////////w=="/>
+                <pr:smNativeData xmlns:pr="smNativeData" xmlns="smNativeData" val="SMDATA_17_t6npZxMAAAAlAAAAEQAAAC8BAAAAkAAAAEgAAACQAAAASAAAAAAAAAAAAAAAAAAAAAEAAABQAAAAAAAAAAAA4D8AAAAAAADgPwAAAAAAAOA/AAAAAAAA4D8AAAAAAADgPwAAAAAAAOA/AAAAAAAA4D8AAAAAAADgPwAAAAAAAOA/AAAAAAAA4D8CAAAAjAAAAAAAAAAAAAAAQoX0DP///wgAAAAAAAAAAAAAAAAAAAAAAAAAAAAAAAAAAAAAZAAAAAEAAABAAAAAAAAAAAAAAAAAAAAAAAAAAAAAAAAAAAAAAAAAAAAAAAAAAAAAAAAAAAAAAAAAAAAAAAAAAAAAAAAAAAAAAAAAAAAAAAAAAAAAAAAAAAAAAAAAAAAAFAAAADwAAAAAAAAAAAAAAAAAAAkUAAAAAQAAABQAAAAUAAAAFAAAAAEAAAAAAAAAZAAAAGQAAAAAAAAAZAAAAGQAAAAVAAAAYAAAAAAAAAAAAAAADwAAACADAAAAAAAAAAAAAAEAAACgMgAAVgcAAKr4//8BAAAAf39/AAEAAABkAAAAAAAAABQAAABAHwAAAAAAACYAAAAAAAAAwOD//wAAAAAmAAAAZAAAABYAAABMAAAAAAAAAAAAAAAEAAAAAAAAAAEAAABZWVkKAAAAACgAAAAoAAAAZAAAAGQAAAAAAAAAzMzMAAAAAABQAAAAUAAAAGQAAABkAAAAAAAAAAcAAAA4AAAAAAAAAAAAAAAAAAAA////AAAAAAAAAAAAAAAAAAAAAAAAAAAAAAAAAAAAAABkAAAAZAAAAAAAAAAjAAAABAAAAGQAAAAXAAAAFAAAAAAAAAAAAAAA/38AAP9/AAAAAAAACQAAAAQAAAAAAAAAHgAAAGgAAAAAAAAAAAAAAAAAAAAAAAAAAAAAABAnAAAQJwAAAAAAAAAAAAAAAAAAAAAAAAAAAAAAAAAAAAAAAAAAAAAUAAAAAAAAAMDA/wAAAAAAZAAAADIAAAAAAAAAZAAAAAAAAAB/f38ACgAAACIAAAAYAAAAAAAAAAAAAAAAAAAAAAAAAAAAAAAAAAAAJAAAACQAAAAAAAAABwAAAAAAAAAAAAAAAAAAAAAAAAAAAAAAAAAAAH9/fwAlAAAAWAAAAAAAAAAAAAAAAAAAAAAAAAAAAAAAAAAAAAAAAAAAAAAAAAAAAAAAAAAAAAAAPwAAAAAAAACghgEAAAAAAAAAAAAAAAAADAAAAAEAAAAAAAAAAAAAAAAAAAAfAAAAVAAAAEKF9AX///8BAAAAAAAAAAAAAAAAAAAAAAAAAAAAAAAAAAAAAAAAAAAAAAACf39/AFlZWQPMzMwAwMD/AH9/fwAAAAAAAAAAAAAAAAD///8AAAAAACEAAAAYAAAAFAAAADADAAC2BwAAzxgAABISAAAQAAAAJgAAAAgAAAD//////////w=="/>
               </a:ext>
             </a:extLst>
           </p:cNvPicPr>
@@ -12664,7 +12798,7 @@
             <a:picLocks noChangeAspect="1"/>
             <a:extLst>
               <a:ext uri="smNativeData">
-                <pr:smNativeData xmlns:pr="smNativeData" xmlns="smNativeData" val="SMDATA_17_gHjoZxMAAAAlAAAAEQAAAC8BAAAAkAAAAEgAAACQAAAASAAAAAAAAAAAAAAAAAAAAAEAAABQAAAAAAAAAAAA4D8AAAAAAADgPwAAAAAAAOA/AAAAAAAA4D8AAAAAAADgPwAAAAAAAOA/AAAAAAAA4D8AAAAAAADgPwAAAAAAAOA/AAAAAAAA4D8CAAAAjAAAAAAAAAAAAAAAQoX0DP///wgAAAAAAAAAAAAAAAAAAAAAAAAAAAAAAAAAAAAAZAAAAAEAAABAAAAAAAAAAAAAAAAAAAAAAAAAAAAAAAAAAAAAAAAAAAAAAAAAAAAAAAAAAAAAAAAAAAAAAAAAAAAAAAAAAAAAAAAAAAAAAAAAAAAAAAAAAAAAAAAAAAAAFAAAADwAAAABAAAAAAAAAAAAAAkFAAAAAQAAAAEAAAAAAAAAAAAAAAAAAAAAAAAAZAAAAGQAAAAAAAAAZAAAAGQAAAAVAAAAYAAAAAAAAAAAAAAADwAAACADAAAAAAAAAAAAAAEAAACgMgAAVgcAAKr4//8BAAAAf39/AAEAAABkAAAAAAAAABQAAABAHwAAAAAAACYAAAAAAAAAwOD//wAAAAAmAAAAZAAAABYAAABMAAAAAAAAAAAAAAAEAAAAAAAAAAEAAABZWVkKAAAAACgAAAAoAAAAZAAAAGQAAAAAAAAAzMzMAAAAAABQAAAAUAAAAGQAAABkAAAAAAAAAAcAAAA4AAAAAAAAAAAAAAAAAAAA////AAAAAAAAAAAAAAAAAAAAAAAAAAAAAAAAAAAAAABkAAAAZAAAAAAAAAAjAAAABAAAAGQAAAAXAAAAFAAAAAAAAAAAAAAA/38AAP9/AAAAAAAACQAAAAQAAAAAAAAAHgAAAGgAAAAAAAAAAAAAAAAAAAAAAAAAAAAAABAnAAAQJwAAAAAAAAAAAAAAAAAAAAAAAAAAAAAAAAAAAAAAAAAAAAAUAAAAAAAAAMDA/wAAAAAAZAAAADIAAAAAAAAAZAAAAAAAAAB/f38ACgAAACIAAAAYAAAAAAAAAAAAAAAAAAAAAAAAAAAAAAAAAAAAJAAAACQAAAAAAAAABwAAAAAAAAAAAAAAAAAAAAAAAAAAAAAAAAAAAH9/fwAlAAAAWAAAAAAAAAAAAAAAAAAAAAAAAAAAAAAAAAAAAAAAAAAAAAAAAAAAAAAAAAAAAAAAPwAAAAAAAACghgEAAAAAAAAAAAAAAAAADAAAAAEAAAAAAAAAAAAAAAAAAAAfAAAAVAAAAEKF9AX///8BAAAAAAAAAAAAAAAAAAAAAAAAAAAAAAAAAAAAAAAAAAAAAAACf39/AFlZWQPMzMwAwMD/AH9/fwAAAAAAAAAAAAAAAAD///8AAAAAACEAAAAYAAAAFAAAAHYDAAAqFAAAmBkAAGAeAAAAAAAAJgAAAAgAAAD//////////w=="/>
+                <pr:smNativeData xmlns:pr="smNativeData" xmlns="smNativeData" val="SMDATA_17_t6npZxMAAAAlAAAAEQAAAC8BAAAAkAAAAEgAAACQAAAASAAAAAAAAAAAAAAAAAAAAAEAAABQAAAAAAAAAAAA4D8AAAAAAADgPwAAAAAAAOA/AAAAAAAA4D8AAAAAAADgPwAAAAAAAOA/AAAAAAAA4D8AAAAAAADgPwAAAAAAAOA/AAAAAAAA4D8CAAAAjAAAAAAAAAAAAAAAQoX0DP///wgAAAAAAAAAAAAAAAAAAAAAAAAAAAAAAAAAAAAAZAAAAAEAAABAAAAAAAAAAAAAAAAAAAAAAAAAAAAAAAAAAAAAAAAAAAAAAAAAAAAAAAAAAAAAAAAAAAAAAAAAAAAAAAAAAAAAAAAAAAAAAAAAAAAAAAAAAAAAAAAAAAAAFAAAADwAAAABAAAAAAAAAAAAAAkFAAAAAQAAAAEAAAAAAAAAAAAAAAAAAAAAAAAAZAAAAGQAAAAAAAAAZAAAAGQAAAAVAAAAYAAAAAAAAAAAAAAADwAAACADAAAAAAAAAAAAAAEAAACgMgAAVgcAAKr4//8BAAAAf39/AAEAAABkAAAAAAAAABQAAABAHwAAAAAAACYAAAAAAAAAwOD//wAAAAAmAAAAZAAAABYAAABMAAAAAAAAAAAAAAAEAAAAAAAAAAEAAABZWVkKAAAAACgAAAAoAAAAZAAAAGQAAAAAAAAAzMzMAAAAAABQAAAAUAAAAGQAAABkAAAAAAAAAAcAAAA4AAAAAAAAAAAAAAAAAAAA////AAAAAAAAAAAAAAAAAAAAAAAAAAAAAAAAAAAAAABkAAAAZAAAAAAAAAAjAAAABAAAAGQAAAAXAAAAFAAAAAAAAAAAAAAA/38AAP9/AAAAAAAACQAAAAQAAAAAAAAAHgAAAGgAAAAAAAAAAAAAAAAAAAAAAAAAAAAAABAnAAAQJwAAAAAAAAAAAAAAAAAAAAAAAAAAAAAAAAAAAAAAAAAAAAAUAAAAAAAAAMDA/wAAAAAAZAAAADIAAAAAAAAAZAAAAAAAAAB/f38ACgAAACIAAAAYAAAAAAAAAAAAAAAAAAAAAAAAAAAAAAAAAAAAJAAAACQAAAAAAAAABwAAAAAAAAAAAAAAAAAAAAAAAAAAAAAAAAAAAH9/fwAlAAAAWAAAAAAAAAAAAAAAAAAAAAAAAAAAAAAAAAAAAAAAAAAAAAAAAAAAAAAAAAAAAAAAPwAAAAAAAACghgEAAAAAAAAAAAAAAAAADAAAAAEAAAAAAAAAAAAAAAAAAAAfAAAAVAAAAEKF9AX///8BAAAAAAAAAAAAAAAAAAAAAAAAAAAAAAAAAAAAAAAAAAAAAAACf39/AFlZWQPMzMwAwMD/AH9/fwAAAAAAAAAAAAAAAAD///8AAAAAACEAAAAYAAAAFAAAAHYDAAAqFAAAmBkAAGAeAAAQAAAAJgAAAAgAAAD//////////w=="/>
               </a:ext>
             </a:extLst>
           </p:cNvPicPr>
@@ -12703,7 +12837,7 @@
             <a:picLocks noChangeAspect="1"/>
             <a:extLst>
               <a:ext uri="smNativeData">
-                <pr:smNativeData xmlns:pr="smNativeData" xmlns="smNativeData" val="SMDATA_17_gHjoZxMAAAAlAAAAEQAAAC8BAAAAkAAAAEgAAACQAAAASAAAAAAAAAAAAAAAAAAAAAEAAABQAAAAAAAAAAAA4D8AAAAAAADgPwAAAAAAAOA/AAAAAAAA4D8AAAAAAADgPwAAAAAAAOA/AAAAAAAA4D8AAAAAAADgPwAAAAAAAOA/AAAAAAAA4D8CAAAAjAAAAAAAAAAAAAAAQoX0DP///wgAAAAAAAAAAAAAAAAAAAAAAAAAAAAAAAAAAAAAZAAAAAEAAABAAAAAAAAAAAAAAAAAAAAAAAAAAAAAAAAAAAAAAAAAAAAAAAAAAAAAAAAAAAAAAAAAAAAAAAAAAAAAAAAAAAAAAAAAAAAAAAAAAAAAAAAAAAAAAAAAAAAAFAAAADwAAAAAAAAAAAAAAAAAAAkUAAAAAQAAABQAAAAUAAAAFAAAAAEAAAAAAAAAZAAAAGQAAAAAAAAAZAAAAGQAAAAVAAAAYAAAAAAAAAAAAAAADwAAACADAAAAAAAAAAAAAAEAAACgMgAAVgcAAKr4//8BAAAAf39/AAEAAABkAAAAAAAAABQAAABAHwAAAAAAACYAAAAAAAAAwOD//wAAAAAmAAAAZAAAABYAAABMAAAAAAAAAAAAAAAEAAAAAAAAAAEAAABZWVkKAAAAACgAAAAoAAAAZAAAAGQAAAAAAAAAzMzMAAAAAABQAAAAUAAAAGQAAABkAAAAAAAAAAcAAAA4AAAAAAAAAAAAAAAAAAAA////AAAAAAAAAAAAAAAAAAAAAAAAAAAAAAAAAAAAAABkAAAAZAAAAAAAAAAjAAAABAAAAGQAAAAXAAAAFAAAAAAAAAAAAAAA/38AAP9/AAAAAAAACQAAAAQAAAAAAAAAHgAAAGgAAAAAAAAAAAAAAAAAAAAAAAAAAAAAABAnAAAQJwAAAAAAAAAAAAAAAAAAAAAAAAAAAAAAAAAAAAAAAAAAAAAUAAAAAAAAAMDA/wAAAAAAZAAAADIAAAAAAAAAZAAAAAAAAAB/f38ACgAAACIAAAAYAAAAAAAAAAAAAAAAAAAAAAAAAAAAAAAAAAAAJAAAACQAAAAAAAAABwAAAAAAAAAAAAAAAAAAAAAAAAAAAAAAAAAAAH9/fwAlAAAAWAAAAAAAAAAAAAAAAAAAAAAAAAAAAAAAAAAAAAAAAAAAAAAAAAAAAAAAAAAAAAAAPwAAAAAAAACghgEAAAAAAAAAAAAAAAAADAAAAAEAAAAAAAAAAAAAAAAAAAAfAAAAVAAAAEKF9AX///8BAAAAAAAAAAAAAAAAAAAAAAAAAAAAAAAAAAAAAAAAAAAAAAACf39/AFlZWQPMzMwAwMD/AH9/fwAAAAAAAAAAAAAAAAD///8AAAAAACEAAAAYAAAAFAAAAKgbAACICAAArTcAADAYAAAAAAAAJgAAAAgAAAD//////////w=="/>
+                <pr:smNativeData xmlns:pr="smNativeData" xmlns="smNativeData" val="SMDATA_17_t6npZxMAAAAlAAAAEQAAAC8BAAAAkAAAAEgAAACQAAAASAAAAAAAAAAAAAAAAAAAAAEAAABQAAAAAAAAAAAA4D8AAAAAAADgPwAAAAAAAOA/AAAAAAAA4D8AAAAAAADgPwAAAAAAAOA/AAAAAAAA4D8AAAAAAADgPwAAAAAAAOA/AAAAAAAA4D8CAAAAjAAAAAAAAAAAAAAAQoX0DP///wgAAAAAAAAAAAAAAAAAAAAAAAAAAAAAAAAAAAAAZAAAAAEAAABAAAAAAAAAAAAAAAAAAAAAAAAAAAAAAAAAAAAAAAAAAAAAAAAAAAAAAAAAAAAAAAAAAAAAAAAAAAAAAAAAAAAAAAAAAAAAAAAAAAAAAAAAAAAAAAAAAAAAFAAAADwAAAAAAAAAAAAAAAAAAAkUAAAAAQAAABQAAAAUAAAAFAAAAAEAAAAAAAAAZAAAAGQAAAAAAAAAZAAAAGQAAAAVAAAAYAAAAAAAAAAAAAAADwAAACADAAAAAAAAAAAAAAEAAACgMgAAVgcAAKr4//8BAAAAf39/AAEAAABkAAAAAAAAABQAAABAHwAAAAAAACYAAAAAAAAAwOD//wAAAAAmAAAAZAAAABYAAABMAAAAAAAAAAAAAAAEAAAAAAAAAAEAAABZWVkKAAAAACgAAAAoAAAAZAAAAGQAAAAAAAAAzMzMAAAAAABQAAAAUAAAAGQAAABkAAAAAAAAAAcAAAA4AAAAAAAAAAAAAAAAAAAA////AAAAAAAAAAAAAAAAAAAAAAAAAAAAAAAAAAAAAABkAAAAZAAAAAAAAAAjAAAABAAAAGQAAAAXAAAAFAAAAAAAAAAAAAAA/38AAP9/AAAAAAAACQAAAAQAAAAAAAAAHgAAAGgAAAAAAAAAAAAAAAAAAAAAAAAAAAAAABAnAAAQJwAAAAAAAAAAAAAAAAAAAAAAAAAAAAAAAAAAAAAAAAAAAAAUAAAAAAAAAMDA/wAAAAAAZAAAADIAAAAAAAAAZAAAAAAAAAB/f38ACgAAACIAAAAYAAAAAAAAAAAAAAAAAAAAAAAAAAAAAAAAAAAAJAAAACQAAAAAAAAABwAAAAAAAAAAAAAAAAAAAAAAAAAAAAAAAAAAAH9/fwAlAAAAWAAAAAAAAAAAAAAAAAAAAAAAAAAAAAAAAAAAAAAAAAAAAAAAAAAAAAAAAAAAAAAAPwAAAAAAAACghgEAAAAAAAAAAAAAAAAADAAAAAEAAAAAAAAAAAAAAAAAAAAfAAAAVAAAAEKF9AX///8BAAAAAAAAAAAAAAAAAAAAAAAAAAAAAAAAAAAAAAAAAAAAAAACf39/AFlZWQPMzMwAwMD/AH9/fwAAAAAAAAAAAAAAAAD///8AAAAAACEAAAAYAAAAFAAAAKgbAACICAAArTcAADAYAAAQAAAAJgAAAAgAAAD//////////w=="/>
               </a:ext>
             </a:extLst>
           </p:cNvPicPr>
@@ -12769,7 +12903,7 @@
             <a:spLocks noGrp="1" noChangeArrowheads="1"/>
             <a:extLst>
               <a:ext uri="smNativeData">
-                <pr:smNativeData xmlns:pr="smNativeData" xmlns="smNativeData" val="SMDATA_15_gHjoZxMAAAAlAAAAZAAAAA0AAAAAkAAAAJAAAACQAAAAkAAAAAAAAAAAAAAAAAAAAAEAAABQAAAAAAAAAAAA4D8AAAAAAADgPwAAAAAAAOA/AAAAAAAA4D8AAAAAAADgPwAAAAAAAOA/AAAAAAAA4D8AAAAAAADgPwAAAAAAAOA/AAAAAAAA4D8CAAAAjAAAAAAAAAAAAAAAQoX0DP///wgAAAAAAAAAAAAAAAAAAAAAAAAAAAAAAAAAAAAAZAAAAAEAAABAAAAAAAAAAAAAAAAAAAAAAAAAAAAAAAAAAAAAAAAAAAAAAAAAAAAAAAAAAAAAAAAAAAAAAAAAAAAAAAAAAAAAAAAAAAAAAAAAAAAAAAAAAAAAAAAAAAAAFAAAADwAAAAAAAAAAAAAAAAAAAkUAAAAAQAAABQAAAAUAAAAFAAAAAEAAAAAAAAAZAAAAGQAAAAAAAAAZAAAAGQAAAAVAAAAYAAAAAAAAAAAAAAADwAAACADAAAAAAAAAAAAAAEAAACgMgAAVgcAAKr4//8BAAAAf39/AAEAAABkAAAAAAAAABQAAABAHwAAAAAAACYAAAAAAAAAwOD//wAAAAAmAAAAZAAAABYAAABMAAAAAAAAAAAAAAAEAAAAAAAAAAEAAABZWVkKAAAAACgAAAAoAAAAZAAAAGQAAAAAAAAAzMzMAAAAAABQAAAAUAAAAGQAAABkAAAAAAAAABcAAAAUAAAAAAAAAAAAAAD/fwAA/38AAAAAAAAJAAAABAAAAAAAAAAeAAAAaAAAAAAAAAAAAAAAAAAAAAAAAAAAAAAAECcAABAnAAAAAAAAAAAAAAAAAAAAAAAAAAAAAAAAAAAAAAAAAAAAABQAAAAAAAAAwMD/AAAAAABkAAAAMgAAAAAAAABkAAAAAAAAAH9/fwAKAAAAIgAAABgAAAAAAAAAAAAAAAAAAAAAAAAAAAAAAAAAAAAkAAAAJAAAAAAAAAAHAAAAAAAAAAAAAAAAAAAAAAAAAAAAAAAAAAAAf39/ACUAAABYAAAAAAAAAAAAAAAAAAAAAAAAAAAAAAAAAAAAAAAAAAAAAAAAAAAAAAAAAAAAAAA/AAAAAAAAAKCGAQAAAAAAAAAAAAAAAAAMAAAAAQAAAAAAAAAAAAAAAAAAAB8AAABUAAAAQoX0Bf///wEAAAAAAAAAAAAAAAAAAAAAAAAAAAAAAAAAAAAAAAAAAAAAAAJ/f38AWVlZA8zMzADAwP8Af39/AAAAAAAAAAAAAAAAAAAAAAAAAAAAIQAAABgAAAAUAAAAFAMAAAkCAAB/NwAA3AUAAAAAAAAmAAAACAAAAD0wAAAAAAAA"/>
+                <pr:smNativeData xmlns:pr="smNativeData" xmlns="smNativeData" val="SMDATA_15_t6npZxMAAAAlAAAAZAAAAA0AAAAAkAAAAJAAAACQAAAAkAAAAAAAAAAAAAAAAAAAAAEAAABQAAAAAAAAAAAA4D8AAAAAAADgPwAAAAAAAOA/AAAAAAAA4D8AAAAAAADgPwAAAAAAAOA/AAAAAAAA4D8AAAAAAADgPwAAAAAAAOA/AAAAAAAA4D8CAAAAjAAAAAAAAAAAAAAAQoX0DP///wgAAAAAAAAAAAAAAAAAAAAAAAAAAAAAAAAAAAAAZAAAAAEAAABAAAAAAAAAAAAAAAAAAAAAAAAAAAAAAAAAAAAAAAAAAAAAAAAAAAAAAAAAAAAAAAAAAAAAAAAAAAAAAAAAAAAAAAAAAAAAAAAAAAAAAAAAAAAAAAAAAAAAFAAAADwAAAAAAAAAAAAAAAAAAAkUAAAAAQAAABQAAAAUAAAAFAAAAAEAAAAAAAAAZAAAAGQAAAAAAAAAZAAAAGQAAAAVAAAAYAAAAAAAAAAAAAAADwAAACADAAAAAAAAAAAAAAEAAACgMgAAVgcAAKr4//8BAAAAf39/AAEAAABkAAAAAAAAABQAAABAHwAAAAAAACYAAAAAAAAAwOD//wAAAAAmAAAAZAAAABYAAABMAAAAAAAAAAAAAAAEAAAAAAAAAAEAAABZWVkKAAAAACgAAAAoAAAAZAAAAGQAAAAAAAAAzMzMAAAAAABQAAAAUAAAAGQAAABkAAAAAAAAABcAAAAUAAAAAAAAAAAAAAD/fwAA/38AAAAAAAAJAAAABAAAAAAAAAAeAAAAaAAAAAAAAAAAAAAAAAAAAAAAAAAAAAAAECcAABAnAAAAAAAAAAAAAAAAAAAAAAAAAAAAAAAAAAAAAAAAAAAAABQAAAAAAAAAwMD/AAAAAABkAAAAMgAAAAAAAABkAAAAAAAAAH9/fwAKAAAAIgAAABgAAAAAAAAAAAAAAAAAAAAAAAAAAAAAAAAAAAAkAAAAJAAAAAAAAAAHAAAAAAAAAAAAAAAAAAAAAAAAAAAAAAAAAAAAf39/ACUAAABYAAAAAAAAAAAAAAAAAAAAAAAAAAAAAAAAAAAAAAAAAAAAAAAAAAAAAAAAAAAAAAA/AAAAAAAAAKCGAQAAAAAAAAAAAAAAAAAMAAAAAQAAAAAAAAAAAAAAAAAAAB8AAABUAAAAQoX0Bf///wEAAAAAAAAAAAAAAAAAAAAAAAAAAAAAAAAAAAAAAAAAAAAAAAJ/f38AWVlZA8zMzADAwP8Af39/AAAAAAAAAAAAAAAAAAAAAAAAAAAAIQAAABgAAAAUAAAAFAMAAAkCAAB/NwAA3AUAABAAAAAmAAAACAAAAD0wAAAAAAAA"/>
               </a:ext>
             </a:extLst>
           </p:cNvSpPr>
@@ -12814,7 +12948,7 @@
             <a:picLocks noChangeAspect="1"/>
             <a:extLst>
               <a:ext uri="smNativeData">
-                <pr:smNativeData xmlns:pr="smNativeData" xmlns="smNativeData" val="SMDATA_17_gHjoZxMAAAAlAAAAEQAAAC8BAAAAkAAAAEgAAACQAAAASAAAAAAAAAAAAAAAAAAAAAEAAABQAAAAAAAAAAAA4D8AAAAAAADgPwAAAAAAAOA/AAAAAAAA4D8AAAAAAADgPwAAAAAAAOA/AAAAAAAA4D8AAAAAAADgPwAAAAAAAOA/AAAAAAAA4D8CAAAAjAAAAAAAAAAAAAAAQoX0DP///wgAAAAAAAAAAAAAAAAAAAAAAAAAAAAAAAAAAAAAZAAAAAEAAABAAAAAAAAAAAAAAAAAAAAAAAAAAAAAAAAAAAAAAAAAAAAAAAAAAAAAAAAAAAAAAAAAAAAAAAAAAAAAAAAAAAAAAAAAAAAAAAAAAAAAAAAAAAAAAAAAAAAAFAAAADwAAAAAAAAAAAAAAAAAAAkUAAAAAQAAABQAAAAUAAAAFAAAAAEAAAAAAAAAZAAAAGQAAAAAAAAAZAAAAGQAAAAVAAAAYAAAAAAAAAAAAAAADwAAACADAAAAAAAAAAAAAAEAAACgMgAAVgcAAKr4//8BAAAAf39/AAEAAABkAAAAAAAAABQAAABAHwAAAAAAACYAAAAAAAAAwOD//wAAAAAmAAAAZAAAABYAAABMAAAAAAAAAAAAAAAEAAAAAAAAAAEAAABZWVkKAAAAACgAAAAoAAAAZAAAAGQAAAAAAAAAzMzMAAAAAABQAAAAUAAAAGQAAABkAAAAAAAAAAcAAAA4AAAAAAAAAAAAAAAAAAAA////AAAAAAAAAAAAAAAAAAAAAAAAAAAAAAAAAAAAAABkAAAAZAAAAAAAAAAjAAAABAAAAGQAAAAXAAAAFAAAAAAAAAAAAAAA/38AAP9/AAAAAAAACQAAAAQAAAAAAAAAHgAAAGgAAAAAAAAAAAAAAAAAAAAAAAAAAAAAABAnAAAQJwAAAAAAAAAAAAAAAAAAAAAAAAAAAAAAAAAAAAAAAAAAAAAUAAAAAAAAAMDA/wAAAAAAZAAAADIAAAAAAAAAZAAAAAAAAAB/f38ACgAAACIAAAAYAAAAAAAAAAAAAAAAAAAAAAAAAAAAAAAAAAAAJAAAACQAAAAAAAAABwAAAAAAAAAAAAAAAAAAAAAAAAAAAAAAAAAAAH9/fwAlAAAAWAAAAAAAAAAAAAAAAAAAAAAAAAAAAAAAAAAAAAAAAAAAAAAAAAAAAAAAAAAAAAAAPwAAAAAAAACghgEAAAAAAAAAAAAAAAAADAAAAAEAAAAAAAAAAAAAAAAAAAAfAAAAVAAAAEKF9AX///8BAAAAAAAAAAAAAAAAAAAAAAAAAAAAAAAAAAAAAAAAAAAAAAACf39/AFlZWQPMzMwAwMD/AH9/fwAAAAAAAAAAAAAAAAD///8AAAAAACEAAAAYAAAAFAAAAFUAAABcBwAAQDgAAGcaAAAAAAAAJgAAAAgAAAD//////////w=="/>
+                <pr:smNativeData xmlns:pr="smNativeData" xmlns="smNativeData" val="SMDATA_17_t6npZxMAAAAlAAAAEQAAAC8BAAAAkAAAAEgAAACQAAAASAAAAAAAAAAAAAAAAAAAAAEAAABQAAAAAAAAAAAA4D8AAAAAAADgPwAAAAAAAOA/AAAAAAAA4D8AAAAAAADgPwAAAAAAAOA/AAAAAAAA4D8AAAAAAADgPwAAAAAAAOA/AAAAAAAA4D8CAAAAjAAAAAAAAAAAAAAAQoX0DP///wgAAAAAAAAAAAAAAAAAAAAAAAAAAAAAAAAAAAAAZAAAAAEAAABAAAAAAAAAAAAAAAAAAAAAAAAAAAAAAAAAAAAAAAAAAAAAAAAAAAAAAAAAAAAAAAAAAAAAAAAAAAAAAAAAAAAAAAAAAAAAAAAAAAAAAAAAAAAAAAAAAAAAFAAAADwAAAAAAAAAAAAAAAAAAAkUAAAAAQAAABQAAAAUAAAAFAAAAAEAAAAAAAAAZAAAAGQAAAAAAAAAZAAAAGQAAAAVAAAAYAAAAAAAAAAAAAAADwAAACADAAAAAAAAAAAAAAEAAACgMgAAVgcAAKr4//8BAAAAf39/AAEAAABkAAAAAAAAABQAAABAHwAAAAAAACYAAAAAAAAAwOD//wAAAAAmAAAAZAAAABYAAABMAAAAAAAAAAAAAAAEAAAAAAAAAAEAAABZWVkKAAAAACgAAAAoAAAAZAAAAGQAAAAAAAAAzMzMAAAAAABQAAAAUAAAAGQAAABkAAAAAAAAAAcAAAA4AAAAAAAAAAAAAAAAAAAA////AAAAAAAAAAAAAAAAAAAAAAAAAAAAAAAAAAAAAABkAAAAZAAAAAAAAAAjAAAABAAAAGQAAAAXAAAAFAAAAAAAAAAAAAAA/38AAP9/AAAAAAAACQAAAAQAAAAAAAAAHgAAAGgAAAAAAAAAAAAAAAAAAAAAAAAAAAAAABAnAAAQJwAAAAAAAAAAAAAAAAAAAAAAAAAAAAAAAAAAAAAAAAAAAAAUAAAAAAAAAMDA/wAAAAAAZAAAADIAAAAAAAAAZAAAAAAAAAB/f38ACgAAACIAAAAYAAAAAAAAAAAAAAAAAAAAAAAAAAAAAAAAAAAAJAAAACQAAAAAAAAABwAAAAAAAAAAAAAAAAAAAAAAAAAAAAAAAAAAAH9/fwAlAAAAWAAAAAAAAAAAAAAAAAAAAAAAAAAAAAAAAAAAAAAAAAAAAAAAAAAAAAAAAAAAAAAAPwAAAAAAAACghgEAAAAAAAAAAAAAAAAADAAAAAEAAAAAAAAAAAAAAAAAAAAfAAAAVAAAAEKF9AX///8BAAAAAAAAAAAAAAAAAAAAAAAAAAAAAAAAAAAAAAAAAAAAAAACf39/AFlZWQPMzMwAwMD/AH9/fwAAAAAAAAAAAAAAAAD///8AAAAAACEAAAAYAAAAFAAAAFUAAABcBwAAQDgAAGcaAAAQAAAAJgAAAAgAAAD//////////w=="/>
               </a:ext>
             </a:extLst>
           </p:cNvPicPr>
@@ -12880,7 +13014,7 @@
             <a:spLocks noGrp="1" noChangeArrowheads="1"/>
             <a:extLst>
               <a:ext uri="smNativeData">
-                <pr:smNativeData xmlns:pr="smNativeData" xmlns="smNativeData" val="SMDATA_15_gHjoZxMAAAAlAAAAZAAAAA0AAAAAkAAAAJAAAACQAAAAkAAAAAAAAAAAAAAAAAAAAAEAAABQAAAAAAAAAAAA4D8AAAAAAADgPwAAAAAAAOA/AAAAAAAA4D8AAAAAAADgPwAAAAAAAOA/AAAAAAAA4D8AAAAAAADgPwAAAAAAAOA/AAAAAAAA4D8CAAAAjAAAAAAAAAAAAAAAQoX0DP///wgAAAAAAAAAAAAAAAAAAAAAAAAAAAAAAAAAAAAAZAAAAAEAAABAAAAAAAAAAAAAAAAAAAAAAAAAAAAAAAAAAAAAAAAAAAAAAAAAAAAAAAAAAAAAAAAAAAAAAAAAAAAAAAAAAAAAAAAAAAAAAAAAAAAAAAAAAAAAAAAAAAAAFAAAADwAAAAAAAAAAAAAAAAAAAkUAAAAAQAAABQAAAAUAAAAFAAAAAEAAAAAAAAAZAAAAGQAAAAAAAAAZAAAAGQAAAAVAAAAYAAAAAAAAAAAAAAADwAAACADAAAAAAAAAAAAAAEAAACgMgAAVgcAAKr4//8BAAAAf39/AAEAAABkAAAAAAAAABQAAABAHwAAAAAAACYAAAAAAAAAwOD//wAAAAAmAAAAZAAAABYAAABMAAAAAAAAAAAAAAAEAAAAAAAAAAEAAABZWVkKAAAAACgAAAAoAAAAZAAAAGQAAAAAAAAAzMzMAAAAAABQAAAAUAAAAGQAAABkAAAAAAAAABcAAAAUAAAAAAAAAAAAAAD/fwAA/38AAAAAAAAJAAAABAAAAEkaviQeAAAAaAAAAAAAAAAAAAAAAAAAAAAAAAAAAAAAECcAABAnAAAAAAAAAAAAAAAAAAAAAAAAAAAAAAAAAAAAAAAAAAAAABQAAAAAAAAAwMD/AAAAAABkAAAAMgAAAAAAAABkAAAAAAAAAH9/fwAKAAAAIgAAABgAAAAAAAAAAAAAAAAAAAAAAAAAAAAAAAAAAAAkAAAAJAAAAAAAAAAHAAAAAAAAAAAAAAAAAAAAAAAAAAAAAAAAAAAAf39/ACUAAABYAAAAAAAAAAAAAAAAAAAAAAAAAAAAAAAAAAAAAAAAAAAAAAAAAAAAAAAAAAAAAAA/AAAAAAAAAKCGAQAAAAAAAAAAAAAAAAAMAAAAAQAAAAAAAAAAAAAAAAAAAB8AAABUAAAAQoX0Bf///wEAAAAAAAAAAAAAAAAAAAAAAAAAAAAAAAAAAAAAAAAAAAAAAAJ/f38AWVlZA8zMzADAwP8Af39/AAAAAAAAAAAAAAAAAAAAAAAAAAAAIQAAABgAAAAUAAAAFAMAAAkCAAB/NwAA3AUAAAAAAAAmAAAACAAAAD0wAAAAAAAA"/>
+                <pr:smNativeData xmlns:pr="smNativeData" xmlns="smNativeData" val="SMDATA_15_t6npZxMAAAAlAAAAZAAAAA0AAAAAkAAAAJAAAACQAAAAkAAAAAAAAAAAAAAAAAAAAAEAAABQAAAAAAAAAAAA4D8AAAAAAADgPwAAAAAAAOA/AAAAAAAA4D8AAAAAAADgPwAAAAAAAOA/AAAAAAAA4D8AAAAAAADgPwAAAAAAAOA/AAAAAAAA4D8CAAAAjAAAAAAAAAAAAAAAQoX0DP///wgAAAAAAAAAAAAAAAAAAAAAAAAAAAAAAAAAAAAAZAAAAAEAAABAAAAAAAAAAAAAAAAAAAAAAAAAAAAAAAAAAAAAAAAAAAAAAAAAAAAAAAAAAAAAAAAAAAAAAAAAAAAAAAAAAAAAAAAAAAAAAAAAAAAAAAAAAAAAAAAAAAAAFAAAADwAAAAAAAAAAAAAAAAAAAkUAAAAAQAAABQAAAAUAAAAFAAAAAEAAAAAAAAAZAAAAGQAAAAAAAAAZAAAAGQAAAAVAAAAYAAAAAAAAAAAAAAADwAAACADAAAAAAAAAAAAAAEAAACgMgAAVgcAAKr4//8BAAAAf39/AAEAAABkAAAAAAAAABQAAABAHwAAAAAAACYAAAAAAAAAwOD//wAAAAAmAAAAZAAAABYAAABMAAAAAAAAAAAAAAAEAAAAAAAAAAEAAABZWVkKAAAAACgAAAAoAAAAZAAAAGQAAAAAAAAAzMzMAAAAAABQAAAAUAAAAGQAAABkAAAAAAAAABcAAAAUAAAAAAAAAAAAAAD/fwAA/38AAAAAAAAJAAAABAAAAAAAAAAeAAAAaAAAAAAAAAAAAAAAAAAAAAAAAAAAAAAAECcAABAnAAAAAAAAAAAAAAAAAAAAAAAAAAAAAAAAAAAAAAAAAAAAABQAAAAAAAAAwMD/AAAAAABkAAAAMgAAAAAAAABkAAAAAAAAAH9/fwAKAAAAIgAAABgAAAAAAAAAAAAAAAAAAAAAAAAAAAAAAAAAAAAkAAAAJAAAAAAAAAAHAAAAAAAAAAAAAAAAAAAAAAAAAAAAAAAAAAAAf39/ACUAAABYAAAAAAAAAAAAAAAAAAAAAAAAAAAAAAAAAAAAAAAAAAAAAAAAAAAAAAAAAAAAAAA/AAAAAAAAAKCGAQAAAAAAAAAAAAAAAAAMAAAAAQAAAAAAAAAAAAAAAAAAAB8AAABUAAAAQoX0Bf///wEAAAAAAAAAAAAAAAAAAAAAAAAAAAAAAAAAAAAAAAAAAAAAAAJ/f38AWVlZA8zMzADAwP8Af39/AAAAAAAAAAAAAAAAAAAAAAAAAAAAIQAAABgAAAAUAAAAFAMAAAkCAAB/NwAA3AUAABAAAAAmAAAACAAAAD0wAAAAAAAA"/>
               </a:ext>
             </a:extLst>
           </p:cNvSpPr>
@@ -12925,7 +13059,7 @@
             <a:picLocks noChangeAspect="1"/>
             <a:extLst>
               <a:ext uri="smNativeData">
-                <pr:smNativeData xmlns:pr="smNativeData" xmlns="smNativeData" val="SMDATA_17_gHjoZxMAAAAlAAAAEQAAAC8BAAAAkAAAAEgAAACQAAAASAAAAAAAAAAAAAAAAAAAAAEAAABQAAAAAAAAAAAA4D8AAAAAAADgPwAAAAAAAOA/AAAAAAAA4D8AAAAAAADgPwAAAAAAAOA/AAAAAAAA4D8AAAAAAADgPwAAAAAAAOA/AAAAAAAA4D8CAAAAjAAAAAAAAAAAAAAAQoX0DP///wgAAAAAAAAAAAAAAAAAAAAAAAAAAAAAAAAAAAAAZAAAAAEAAABAAAAAAAAAAAAAAAAAAAAAAAAAAAAAAAAAAAAAAAAAAAAAAAAAAAAAAAAAAAAAAAAAAAAAAAAAAAAAAAAAAAAAAAAAAAAAAAAAAAAAAAAAAAAAAAAAAAAAFAAAADwAAAAAAAAAAAAAAAAAAAkUAAAAAQAAABQAAAAUAAAAFAAAAAEAAAAAAAAAZAAAAGQAAAAAAAAAZAAAAGQAAAAVAAAAYAAAAAAAAAAAAAAADwAAACADAAAAAAAAAAAAAAEAAACgMgAAVgcAAKr4//8BAAAAf39/AAEAAABkAAAAAAAAABQAAABAHwAAAAAAACYAAAAAAAAAwOD//wAAAAAmAAAAZAAAABYAAABMAAAAAAAAAAAAAAAEAAAAAAAAAAEAAABZWVkKAAAAACgAAAAoAAAAZAAAAGQAAAAAAAAAzMzMAAAAAABQAAAAUAAAAGQAAABkAAAAAAAAAAcAAAA4AAAAAAAAAAAAAAAAAAAA////AAAAAAAAAAAAAAAAAAAAAAAAAAAAAAAAAAAAAABkAAAAZAAAAAAAAAAjAAAABAAAAGQAAAAXAAAAFAAAAAAAAAAAAAAA/38AAP9/AAAAAAAACQAAAAQAAAAAAAAAHgAAAGgAAAAAAAAAAAAAAAAAAAAAAAAAAAAAABAnAAAQJwAAAAAAAAAAAAAAAAAAAAAAAAAAAAAAAAAAAAAAAAAAAAAUAAAAAAAAAMDA/wAAAAAAZAAAADIAAAAAAAAAZAAAAAAAAAB/f38ACgAAACIAAAAYAAAAAAAAAAAAAAAAAAAAAAAAAAAAAAAAAAAAJAAAACQAAAAAAAAABwAAAAAAAAAAAAAAAAAAAAAAAAAAAAAAAAAAAH9/fwAlAAAAWAAAAAAAAAAAAAAAAAAAAAAAAAAAAAAAAAAAAAAAAAAAAAAAAAAAAAAAAAAAAAAAPwAAAAAAAACghgEAAAAAAAAAAAAAAAAADAAAAAEAAAAAAAAAAAAAAAAAAAAfAAAAVAAAAEKF9AX///8BAAAAAAAAAAAAAAAAAAAAAAAAAAAAAAAAAAAAAAAAAAAAAAACf39/AFlZWQPMzMwAwMD/AH9/fwAAAAAAAAAAAAAAAAD///8AAAAAACEAAAAYAAAAFAAAAK0CAAAVBgAARy0AAAMfAAAAAAAAJgAAAAgAAAD//////////w=="/>
+                <pr:smNativeData xmlns:pr="smNativeData" xmlns="smNativeData" val="SMDATA_17_t6npZxMAAAAlAAAAEQAAAC8BAAAAkAAAAEgAAACQAAAASAAAAAAAAAAAAAAAAAAAAAEAAABQAAAAAAAAAAAA4D8AAAAAAADgPwAAAAAAAOA/AAAAAAAA4D8AAAAAAADgPwAAAAAAAOA/AAAAAAAA4D8AAAAAAADgPwAAAAAAAOA/AAAAAAAA4D8CAAAAjAAAAAAAAAAAAAAAQoX0DP///wgAAAAAAAAAAAAAAAAAAAAAAAAAAAAAAAAAAAAAZAAAAAEAAABAAAAAAAAAAAAAAAAAAAAAAAAAAAAAAAAAAAAAAAAAAAAAAAAAAAAAAAAAAAAAAAAAAAAAAAAAAAAAAAAAAAAAAAAAAAAAAAAAAAAAAAAAAAAAAAAAAAAAFAAAADwAAAAAAAAAAAAAAAAAAAkUAAAAAQAAABQAAAAUAAAAFAAAAAEAAAAAAAAAZAAAAGQAAAAAAAAAZAAAAGQAAAAVAAAAYAAAAAAAAAAAAAAADwAAACADAAAAAAAAAAAAAAEAAACgMgAAVgcAAKr4//8BAAAAf39/AAEAAABkAAAAAAAAABQAAABAHwAAAAAAACYAAAAAAAAAwOD//wAAAAAmAAAAZAAAABYAAABMAAAAAAAAAAAAAAAEAAAAAAAAAAEAAABZWVkKAAAAACgAAAAoAAAAZAAAAGQAAAAAAAAAzMzMAAAAAABQAAAAUAAAAGQAAABkAAAAAAAAAAcAAAA4AAAAAAAAAAAAAAAAAAAA////AAAAAAAAAAAAAAAAAAAAAAAAAAAAAAAAAAAAAABkAAAAZAAAAAAAAAAjAAAABAAAAGQAAAAXAAAAFAAAAAAAAAAAAAAA/38AAP9/AAAAAAAACQAAAAQAAAAAAAAAHgAAAGgAAAAAAAAAAAAAAAAAAAAAAAAAAAAAABAnAAAQJwAAAAAAAAAAAAAAAAAAAAAAAAAAAAAAAAAAAAAAAAAAAAAUAAAAAAAAAMDA/wAAAAAAZAAAADIAAAAAAAAAZAAAAAAAAAB/f38ACgAAACIAAAAYAAAAAAAAAAAAAAAAAAAAAAAAAAAAAAAAAAAAJAAAACQAAAAAAAAABwAAAAAAAAAAAAAAAAAAAAAAAAAAAAAAAAAAAH9/fwAlAAAAWAAAAAAAAAAAAAAAAAAAAAAAAAAAAAAAAAAAAAAAAAAAAAAAAAAAAAAAAAAAAAAAPwAAAAAAAACghgEAAAAAAAAAAAAAAAAADAAAAAEAAAAAAAAAAAAAAAAAAAAfAAAAVAAAAEKF9AX///8BAAAAAAAAAAAAAAAAAAAAAAAAAAAAAAAAAAAAAAAAAAAAAAACf39/AFlZWQPMzMwAwMD/AH9/fwAAAAAAAAAAAAAAAAD///8AAAAAACEAAAAYAAAAFAAAAK0CAAAVBgAARy0AAAMfAAAQAAAAJgAAAAgAAAD//////////w=="/>
               </a:ext>
             </a:extLst>
           </p:cNvPicPr>
@@ -12986,12 +13120,12 @@
       </p:grpSpPr>
       <p:sp>
         <p:nvSpPr>
-          <p:cNvPr id="2" name="Google Shape;212;p42"/>
+          <p:cNvPr id="2" name="Google Shape;204;p41"/>
           <p:cNvSpPr>
             <a:spLocks noGrp="1" noChangeArrowheads="1"/>
             <a:extLst>
               <a:ext uri="smNativeData">
-                <pr:smNativeData xmlns:pr="smNativeData" xmlns="smNativeData" val="SMDATA_15_gHjoZxMAAAAlAAAAZAAAAA0AAAAAkAAAAJAAAACQAAAAkAAAAAAAAAAAAAAAAAAAAAEAAABQAAAAAAAAAAAA4D8AAAAAAADgPwAAAAAAAOA/AAAAAAAA4D8AAAAAAADgPwAAAAAAAOA/AAAAAAAA4D8AAAAAAADgPwAAAAAAAOA/AAAAAAAA4D8CAAAAjAAAAAAAAAAAAAAAQoX0DP///wgAAAAAAAAAAAAAAAAAAAAAAAAAAAAAAAAAAAAAZAAAAAEAAABAAAAAAAAAAAAAAAAAAAAAAAAAAAAAAAAAAAAAAAAAAAAAAAAAAAAAAAAAAAAAAAAAAAAAAAAAAAAAAAAAAAAAAAAAAAAAAAAAAAAAAAAAAAAAAAAAAAAAFAAAADwAAAAAAAAAAAAAAAAAAAkUAAAAAQAAABQAAAAUAAAAFAAAAAEAAAAAAAAAZAAAAGQAAAAAAAAAZAAAAGQAAAAVAAAAYAAAAAAAAAAAAAAADwAAACADAAAAAAAAAAAAAAEAAACgMgAAVgcAAKr4//8BAAAAf39/AAEAAABkAAAAAAAAABQAAABAHwAAAAAAACYAAAAAAAAAwOD//wAAAAAmAAAAZAAAABYAAABMAAAAAAAAAAAAAAAEAAAAAAAAAAEAAABZWVkKAAAAACgAAAAoAAAAZAAAAGQAAAAAAAAAzMzMAAAAAABQAAAAUAAAAGQAAABkAAAAAAAAABcAAAAUAAAAAAAAAAAAAAD/fwAA/38AAAAAAAAJAAAABAAAAAAAABceAAAAaAAAAAAAAAAAAAAAAAAAAAAAAAAAAAAAECcAABAnAAAAAAAAAAAAAAAAAAAAAAAAAAAAAAAAAAAAAAAAAAAAABQAAAAAAAAAwMD/AAAAAABkAAAAMgAAAAAAAABkAAAAAAAAAH9/fwAKAAAAIgAAABgAAAAAAAAAAAAAAAAAAAAAAAAAAAAAAAAAAAAkAAAAJAAAAAAAAAAHAAAAAAAAAAAAAAAAAAAAAAAAAAAAAAAAAAAAf39/ACUAAABYAAAAAAAAAAAAAAAAAAAAAAAAAAAAAAAAAAAAAAAAAAAAAAAAAAAAAAAAAAAAAAA/AAAAAAAAAKCGAQAAAAAAAAAAAAAAAAAMAAAAAQAAAAAAAAAAAAAAAAAAAB8AAABUAAAAQoX0Bf///wEAAAAAAAAAAAAAAAAAAAAAAAAAAAAAAAAAAAAAAAAAAAAAAAJ/f38AWVlZA8zMzADAwP8Af39/AAAAAAAAAAAAAAAAAAAAAAAAAAAAIQAAABgAAAAUAAAAFAMAAAkCAAB/NwAAxwgAAAAAAAAmAAAACAAAAD0wAAAAAAAA"/>
+                <pr:smNativeData xmlns:pr="smNativeData" xmlns="smNativeData" val="SMDATA_15_t6npZxMAAAAlAAAAZAAAAA0AAAAAkAAAAJAAAACQAAAAkAAAAAAAAAAAAAAAAAAAAAEAAABQAAAAAAAAAAAA4D8AAAAAAADgPwAAAAAAAOA/AAAAAAAA4D8AAAAAAADgPwAAAAAAAOA/AAAAAAAA4D8AAAAAAADgPwAAAAAAAOA/AAAAAAAA4D8CAAAAjAAAAAAAAAAAAAAAQoX0DP///wgAAAAAAAAAAAAAAAAAAAAAAAAAAAAAAAAAAAAAZAAAAAEAAABAAAAAAAAAAAAAAAAAAAAAAAAAAAAAAAAAAAAAAAAAAAAAAAAAAAAAAAAAAAAAAAAAAAAAAAAAAAAAAAAAAAAAAAAAAAAAAAAAAAAAAAAAAAAAAAAAAAAAFAAAADwAAAAAAAAAAAAAAAAAAAkUAAAAAQAAABQAAAAUAAAAFAAAAAEAAAAAAAAAZAAAAGQAAAAAAAAAZAAAAGQAAAAVAAAAYAAAAAAAAAAAAAAADwAAACADAAAAAAAAAAAAAAEAAACgMgAAVgcAAKr4//8BAAAAf39/AAEAAABkAAAAAAAAABQAAABAHwAAAAAAACYAAAAAAAAAwOD//wAAAAAmAAAAZAAAABYAAABMAAAAAAAAAAAAAAAEAAAAAAAAAAEAAABZWVkKAAAAACgAAAAoAAAAZAAAAGQAAAAAAAAAzMzMAAAAAABQAAAAUAAAAGQAAABkAAAAAAAAABcAAAAUAAAAAAAAAAAAAAD/fwAA/38AAAAAAAAJAAAABAAAAEkaviQeAAAAaAAAAAAAAAAAAAAAAAAAAAAAAAAAAAAAECcAABAnAAAAAAAAAAAAAAAAAAAAAAAAAAAAAAAAAAAAAAAAAAAAABQAAAAAAAAAwMD/AAAAAABkAAAAMgAAAAAAAABkAAAAAAAAAH9/fwAKAAAAIgAAABgAAAAAAAAAAAAAAAAAAAAAAAAAAAAAAAAAAAAkAAAAJAAAAAAAAAAHAAAAAAAAAAAAAAAAAAAAAAAAAAAAAAAAAAAAf39/ACUAAABYAAAAAAAAAAAAAAAAAAAAAAAAAAAAAAAAAAAAAAAAAAAAAAAAAAAAAAAAAAAAAAA/AAAAAAAAAKCGAQAAAAAAAAAAAAAAAAAMAAAAAQAAAAAAAAAAAAAAAAAAAB8AAABUAAAAQoX0Bf///wEAAAAAAAAAAAAAAAAAAAAAAAAAAAAAAAAAAAAAAAAAAAAAAAJ/f38AWVlZA8zMzADAwP8Af39/AAAAAAAAAAAAAAAAAAAAAAAAAAAAIQAAABgAAAAUAAAAFAMAAAkCAAB/NwAA3AUAAAAAAAAmAAAACAAAAD0wAAAAAAAA"/>
               </a:ext>
             </a:extLst>
           </p:cNvSpPr>
@@ -13002,9 +13136,115 @@
         <p:spPr>
           <a:xfrm>
             <a:off x="500380" y="330835"/>
-            <a:ext cx="8521065" cy="1096010"/>
+            <a:ext cx="8521065" cy="621665"/>
           </a:xfrm>
         </p:spPr>
+        <p:txBody>
+          <a:bodyPr vert="horz" wrap="square" lIns="91440" tIns="91440" rIns="91440" bIns="91440" numCol="1" spcCol="215900" anchor="t">
+            <a:prstTxWarp prst="textNoShape">
+              <a:avLst/>
+            </a:prstTxWarp>
+          </a:bodyPr>
+          <a:lstStyle/>
+          <a:p>
+            <a:pPr marL="0" indent="0" algn="l">
+              <a:spcBef>
+                <a:spcPts val="0"/>
+              </a:spcBef>
+              <a:spcAft>
+                <a:spcPts val="0"/>
+              </a:spcAft>
+              <a:buNone/>
+              <a:defRPr lang="ru-ru" sz="3000" cap="none"/>
+            </a:pPr>
+            <a:r>
+              <a:t>Оценка производительности</a:t>
+            </a:r>
+          </a:p>
+        </p:txBody>
+      </p:sp>
+      <p:pic>
+        <p:nvPicPr>
+          <p:cNvPr id="3" name="Изображение1"/>
+          <p:cNvPicPr>
+            <a:picLocks noChangeAspect="1"/>
+            <a:extLst>
+              <a:ext uri="smNativeData">
+                <pr:smNativeData xmlns:pr="smNativeData" xmlns="smNativeData" val="SMDATA_17_t6npZxMAAAAlAAAAEQAAAC8BAAAAkAAAAEgAAACQAAAASAAAAAAAAAAAAAAAAAAAAAEAAABQAAAAAAAAAAAA4D8AAAAAAADgPwAAAAAAAOA/AAAAAAAA4D8AAAAAAADgPwAAAAAAAOA/AAAAAAAA4D8AAAAAAADgPwAAAAAAAOA/AAAAAAAA4D8CAAAAjAAAAAAAAAAAAAAAQoX0DP///wgAAAAAAAAAAAAAAAAAAAAAAAAAAAAAAAAAAAAAZAAAAAEAAABAAAAAAAAAAAAAAAAAAAAAAAAAAAAAAAAAAAAAAAAAAAAAAAAAAAAAAAAAAAAAAAAAAAAAAAAAAAAAAAAAAAAAAAAAAAAAAAAAAAAAAAAAAAAAAAAAAAAAFAAAADwAAAAAAAAAAAAAAAAAAAkUAAAAAQAAABQAAAAUAAAAFAAAAAEAAAAAAAAAZAAAAGQAAAAAAAAAZAAAAGQAAAAVAAAAYAAAAAAAAAAAAAAADwAAACADAAAAAAAAAAAAAAEAAACgMgAAVgcAAKr4//8BAAAAf39/AAEAAABkAAAAAAAAABQAAABAHwAAAAAAACYAAAAAAAAAwOD//wAAAAAmAAAAZAAAABYAAABMAAAAAAAAAAAAAAAEAAAAAAAAAAEAAABZWVkKAAAAACgAAAAoAAAAZAAAAGQAAAAAAAAAzMzMAAAAAABQAAAAUAAAAGQAAABkAAAAAAAAAAcAAAA4AAAAAAAAAAAAAAAAAAAA////AAAAAAAAAAAAAAAAAAAAAAAAAAAAAAAAAAAAAABkAAAAZAAAAAAAAAAjAAAABAAAAGQAAAAXAAAAFAAAAAAAAAAAAAAA/38AAP9/AAAAAAAACQAAAAQAAAAJGIIJHgAAAGgAAAAAAAAAAAAAAAAAAAAAAAAAAAAAABAnAAAQJwAAAAAAAAAAAAAAAAAAAAAAAAAAAAAAAAAAAAAAAAAAAAAUAAAAAAAAAMDA/wAAAAAAZAAAADIAAAAAAAAAZAAAAAAAAAB/f38ACgAAACIAAAAYAAAAAAAAAAAAAAAAAAAAAAAAAAAAAAAAAAAAJAAAACQAAAAAAAAABwAAAAAAAAAAAAAAAAAAAAAAAAAAAAAAAAAAAH9/fwAlAAAAWAAAAAAAAAAAAAAAAAAAAAAAAAAAAAAAAAAAAAAAAAAAAAAAAAAAAAAAAAAAAAAAPwAAAAAAAACghgEAAAAAAAAAAAAAAAAADAAAAAEAAAAAAAAAAAAAAAAAAAAfAAAAVAAAAEKF9AX///8BAAAAAAAAAAAAAAAAAAAAAAAAAAAAAAAAAAAAAAAAAAAAAAACf39/AFlZWQPMzMwAwMD/AH9/fwAAAAAAAAAAAAAAAAD///8AAAAAACEAAAAYAAAAFAAAAGwHAADbBQAAuC8AAA0fAAAAAAAAJgAAAAgAAAD//////////w=="/>
+              </a:ext>
+            </a:extLst>
+          </p:cNvPicPr>
+          <p:nvPr/>
+        </p:nvPicPr>
+        <p:blipFill>
+          <a:blip r:embed="rId3"/>
+          <a:stretch>
+            <a:fillRect/>
+          </a:stretch>
+        </p:blipFill>
+        <p:spPr>
+          <a:xfrm>
+            <a:off x="1206500" y="951865"/>
+            <a:ext cx="6550660" cy="4095750"/>
+          </a:xfrm>
+          <a:prstGeom prst="rect">
+            <a:avLst/>
+          </a:prstGeom>
+          <a:noFill/>
+          <a:ln>
+            <a:noFill/>
+          </a:ln>
+          <a:effectLst/>
+        </p:spPr>
+      </p:pic>
+    </p:spTree>
+  </p:cSld>
+  <p:clrMapOvr>
+    <a:masterClrMapping/>
+  </p:clrMapOvr>
+  <p:timing>
+    <p:tnLst>
+      <p:par>
+        <p:cTn id="1" dur="indefinite" restart="never" nodeType="tmRoot"/>
+      </p:par>
+    </p:tnLst>
+  </p:timing>
+</p:sld>
+</file>
+
+<file path=ppt/slides/slide14.xml><?xml version="1.0" encoding="utf-8"?>
+<p:sld xmlns:p="http://schemas.openxmlformats.org/presentationml/2006/main" xmlns:mc="http://schemas.openxmlformats.org/markup-compatibility/2006" xmlns:p14="http://schemas.microsoft.com/office/powerpoint/2010/main" xmlns:p15="http://schemas.microsoft.com/office/powerpoint/2012/main" xmlns:r="http://schemas.openxmlformats.org/officeDocument/2006/relationships" xmlns:a="http://schemas.openxmlformats.org/drawingml/2006/main" mc:Ignorable="p14">
+  <p:cSld>
+    <p:spTree>
+      <p:nvGrpSpPr>
+        <p:cNvPr id="1" name=""/>
+        <p:cNvGrpSpPr/>
+        <p:nvPr/>
+      </p:nvGrpSpPr>
+      <p:grpSpPr>
+        <a:xfrm>
+          <a:off x="0" y="0"/>
+          <a:ext cx="0" cy="0"/>
+          <a:chOff x="0" y="0"/>
+          <a:chExt cx="0" cy="0"/>
+        </a:xfrm>
+      </p:grpSpPr>
+      <p:sp>
+        <p:nvSpPr>
+          <p:cNvPr id="2" name="Google Shape;212;p42"/>
+          <p:cNvSpPr>
+            <a:spLocks noGrp="1" noChangeArrowheads="1"/>
+            <a:extLst>
+              <a:ext uri="smNativeData">
+                <pr:smNativeData xmlns:pr="smNativeData" xmlns="smNativeData" val="SMDATA_15_t6npZxMAAAAlAAAAZAAAAA0AAAAAkAAAAJAAAACQAAAAkAAAAAAAAAAAAAAAAAAAAAEAAABQAAAAAAAAAAAA4D8AAAAAAADgPwAAAAAAAOA/AAAAAAAA4D8AAAAAAADgPwAAAAAAAOA/AAAAAAAA4D8AAAAAAADgPwAAAAAAAOA/AAAAAAAA4D8CAAAAjAAAAAAAAAAAAAAAQoX0DP///wgAAAAAAAAAAAAAAAAAAAAAAAAAAAAAAAAAAAAAZAAAAAEAAABAAAAAAAAAAAAAAAAAAAAAAAAAAAAAAAAAAAAAAAAAAAAAAAAAAAAAAAAAAAAAAAAAAAAAAAAAAAAAAAAAAAAAAAAAAAAAAAAAAAAAAAAAAAAAAAAAAAAAFAAAADwAAAAAAAAAAAAAAAAAAAkUAAAAAQAAABQAAAAUAAAAFAAAAAEAAAAAAAAAZAAAAGQAAAAAAAAAZAAAAGQAAAAVAAAAYAAAAAAAAAAAAAAADwAAACADAAAAAAAAAAAAAAEAAACgMgAAVgcAAKr4//8BAAAAf39/AAEAAABkAAAAAAAAABQAAABAHwAAAAAAACYAAAAAAAAAwOD//wAAAAAmAAAAZAAAABYAAABMAAAAAAAAAAAAAAAEAAAAAAAAAAEAAABZWVkKAAAAACgAAAAoAAAAZAAAAGQAAAAAAAAAzMzMAAAAAABQAAAAUAAAAGQAAABkAAAAAAAAABcAAAAUAAAAAAAAAAAAAAD/fwAA/38AAAAAAAAJAAAABAAAAAAAABceAAAAaAAAAAAAAAAAAAAAAAAAAAAAAAAAAAAAECcAABAnAAAAAAAAAAAAAAAAAAAAAAAAAAAAAAAAAAAAAAAAAAAAABQAAAAAAAAAwMD/AAAAAABkAAAAMgAAAAAAAABkAAAAAAAAAH9/fwAKAAAAIgAAABgAAAAAAAAAAAAAAAAAAAAAAAAAAAAAAAAAAAAkAAAAJAAAAAAAAAAHAAAAAAAAAAAAAAAAAAAAAAAAAAAAAAAAAAAAf39/ACUAAABYAAAAAAAAAAAAAAAAAAAAAAAAAAAAAAAAAAAAAAAAAAAAAAAAAAAAAAAAAAAAAAA/AAAAAAAAAKCGAQAAAAAAAAAAAAAAAAAMAAAAAQAAAAAAAAAAAAAAAAAAAB8AAABUAAAAQoX0Bf///wEAAAAAAAAAAAAAAAAAAAAAAAAAAAAAAAAAAAAAAAAAAAAAAAJ/f38AWVlZA8zMzADAwP8Af39/AAAAAAAAAAAAAAAAAAAAAAAAAAAAIQAAABgAAAAUAAAAFAMAAAkCAAB/NwAAxwgAABAAAAAmAAAACAAAADwwAAAAAAAA"/>
+              </a:ext>
+            </a:extLst>
+          </p:cNvSpPr>
+          <p:nvPr>
+            <p:ph type="title"/>
+          </p:nvPr>
+        </p:nvSpPr>
+        <p:spPr/>
         <p:txBody>
           <a:bodyPr vert="horz" wrap="square" lIns="91440" tIns="91440" rIns="91440" bIns="91440" numCol="1" spcCol="215900" anchor="t">
             <a:prstTxWarp prst="textNoShape">
@@ -13077,11 +13317,6 @@
                           <a:spcPts val="0"/>
                         </a:spcAft>
                         <a:buNone/>
-                        <a:defRPr cap="none">
-                          <a:solidFill>
-                            <a:srgbClr val="000000"/>
-                          </a:solidFill>
-                        </a:defRPr>
                       </a:pPr>
                       <a:r>
                         <a:rPr lang="ru-ru" sz="1600" b="1" cap="none">
@@ -13142,11 +13377,6 @@
                           <a:spcPts val="0"/>
                         </a:spcAft>
                         <a:buNone/>
-                        <a:defRPr cap="none">
-                          <a:solidFill>
-                            <a:srgbClr val="000000"/>
-                          </a:solidFill>
-                        </a:defRPr>
                       </a:pPr>
                       <a:r>
                         <a:rPr sz="1600" cap="none">
@@ -13193,7 +13423,7 @@
                 </a:tc>
                 <a:extLst>
                   <a:ext uri="smNativeData">
-                    <pr:rowheight xmlns="" xmlns:pr="smNativeData" dt="1743288448" type="min" val="381000"/>
+                    <pr:rowheight xmlns="" xmlns:pr="smNativeData" dt="1743366583" type="min" val="381000"/>
                   </a:ext>
                 </a:extLst>
               </a:tr>
@@ -13211,11 +13441,6 @@
                           <a:spcPts val="0"/>
                         </a:spcAft>
                         <a:buNone/>
-                        <a:defRPr cap="none">
-                          <a:solidFill>
-                            <a:srgbClr val="000000"/>
-                          </a:solidFill>
-                        </a:defRPr>
                       </a:pPr>
                       <a:r>
                         <a:rPr lang="ru-ru" sz="1600" b="1" cap="none">
@@ -13276,11 +13501,6 @@
                           <a:spcPts val="0"/>
                         </a:spcAft>
                         <a:buNone/>
-                        <a:defRPr cap="none">
-                          <a:solidFill>
-                            <a:srgbClr val="000000"/>
-                          </a:solidFill>
-                        </a:defRPr>
                       </a:pPr>
                       <a:r>
                         <a:rPr sz="1600" cap="none">
@@ -13327,7 +13547,7 @@
                 </a:tc>
                 <a:extLst>
                   <a:ext uri="smNativeData">
-                    <pr:rowheight xmlns="" xmlns:pr="smNativeData" dt="1743288448" type="min" val="381000"/>
+                    <pr:rowheight xmlns="" xmlns:pr="smNativeData" dt="1743366583" type="min" val="381000"/>
                   </a:ext>
                 </a:extLst>
               </a:tr>
@@ -13345,11 +13565,6 @@
                           <a:spcPts val="0"/>
                         </a:spcAft>
                         <a:buNone/>
-                        <a:defRPr cap="none">
-                          <a:solidFill>
-                            <a:srgbClr val="000000"/>
-                          </a:solidFill>
-                        </a:defRPr>
                       </a:pPr>
                       <a:r>
                         <a:rPr lang="ru-ru" sz="1600" b="1" cap="none">
@@ -13448,7 +13663,7 @@
                 </a:tc>
                 <a:extLst>
                   <a:ext uri="smNativeData">
-                    <pr:rowheight xmlns="" xmlns:pr="smNativeData" dt="1743288448" type="min" val="381000"/>
+                    <pr:rowheight xmlns="" xmlns:pr="smNativeData" dt="1743366583" type="min" val="381000"/>
                   </a:ext>
                 </a:extLst>
               </a:tr>
@@ -13466,11 +13681,6 @@
                           <a:spcPts val="0"/>
                         </a:spcAft>
                         <a:buNone/>
-                        <a:defRPr cap="none">
-                          <a:solidFill>
-                            <a:srgbClr val="000000"/>
-                          </a:solidFill>
-                        </a:defRPr>
                       </a:pPr>
                       <a:r>
                         <a:rPr lang="ru-ru" sz="1600" b="1" cap="none">
@@ -13531,11 +13741,6 @@
                           <a:spcPts val="0"/>
                         </a:spcAft>
                         <a:buNone/>
-                        <a:defRPr cap="none">
-                          <a:solidFill>
-                            <a:srgbClr val="000000"/>
-                          </a:solidFill>
-                        </a:defRPr>
                       </a:pPr>
                       <a:r>
                         <a:rPr sz="1600" cap="none">
@@ -13582,7 +13787,7 @@
                 </a:tc>
                 <a:extLst>
                   <a:ext uri="smNativeData">
-                    <pr:rowheight xmlns="" xmlns:pr="smNativeData" dt="1743288448" type="min" val="381000"/>
+                    <pr:rowheight xmlns="" xmlns:pr="smNativeData" dt="1743366583" type="min" val="381000"/>
                   </a:ext>
                 </a:extLst>
               </a:tr>
@@ -13605,7 +13810,7 @@
 </p:sld>
 </file>
 
-<file path=ppt/slides/slide14.xml><?xml version="1.0" encoding="utf-8"?>
+<file path=ppt/slides/slide15.xml><?xml version="1.0" encoding="utf-8"?>
 <p:sld xmlns:p="http://schemas.openxmlformats.org/presentationml/2006/main" xmlns:mc="http://schemas.openxmlformats.org/markup-compatibility/2006" xmlns:p14="http://schemas.microsoft.com/office/powerpoint/2010/main" xmlns:p15="http://schemas.microsoft.com/office/powerpoint/2012/main" xmlns:r="http://schemas.openxmlformats.org/officeDocument/2006/relationships" xmlns:a="http://schemas.openxmlformats.org/drawingml/2006/main" mc:Ignorable="p14">
   <p:cSld>
     <p:spTree>
@@ -13628,7 +13833,7 @@
           <p:cNvPicPr>
             <a:extLst>
               <a:ext uri="smNativeData">
-                <pr:smNativeData xmlns:pr="smNativeData" xmlns="smNativeData" val="SMDATA_17_gHjoZxMAAAAlAAAAEQAAAA0AAAAAkAAAAEgAAACQAAAASAAAAAAAAAAAAAAAAAAAAAEAAABQAAAAAAAAAAAA4D8AAAAAAADgPwAAAAAAAOA/AAAAAAAA4D8AAAAAAADgPwAAAAAAAOA/AAAAAAAA4D8AAAAAAADgPwAAAAAAAOA/AAAAAAAA4D8CAAAAjAAAAAAAAAAAAAAAQoX0DP///wgAAAAAAAAAAAAAAAAAAAAAAAAAAAAAAAAAAAAAZAAAAAEAAABAAAAAAAAAAAAAAAAAAAAAAAAAAAAAAAAAAAAAAAAAAAAAAAAAAAAAAAAAAAAAAAAAAAAAAAAAAAAAAAAAAAAAAAAAAAAAAAAAAAAAAAAAAAAAAAAAAAAAFAAAADwAAAAAAAAAAAAAAAAAAAkUAAAAAQAAABQAAAAUAAAAFAAAAAEAAAAAAAAAZAAAAGQAAAAAAAAAZAAAAGQAAAAVAAAAYAAAAAAAAAAAAAAADwAAACADAAAAAAAAAAAAAAEAAACgMgAAVgcAAKr4//8BAAAAf39/AAEAAABkAAAAAAAAABQAAABAHwAAAAAAACYAAAAAAAAAwOD//wAAAAAmAAAAZAAAABYAAABMAAAAAAAAAAAAAAAEAAAAAAAAAAEAAABZWVkKAAAAACgAAAAoAAAAZAAAAGQAAAAAAAAAzMzMAAAAAABQAAAAUAAAAGQAAABkAAAAAAAAAAcAAAA4AAAAAAAAAAAAAAAAAAAA////AAAAAAAAAAAAAAAAAAAAAAAAAAAAAAAAAAAAAABkAAAAZAAAAAAAAAAjAAAABAAAAGQAAAAXAAAAFAAAAAAAAAAAAAAA/38AAP9/AAAAAAAACQAAAAQAAAAAAAAAHgAAAGgAAAAAAAAAAAAAAAAAAAAAAAAAAAAAABAnAAAQJwAAAAAAAAAAAAAAAAAAAAAAAAAAAAAAAAAAAAAAAAAAAAAUAAAAAAAAAMDA/wAAAAAAZAAAADIAAAAAAAAAZAAAAAAAAAB/f38ACgAAACIAAAAYAAAAAAAAAAAAAAAAAAAAAAAAAAAAAAAAAAAAJAAAACQAAAAAAAAABwAAAAAAAAAAAAAAAAAAAAAAAAAAAAAAAAAAAH9/fwAlAAAAWAAAAAAAAAAAAAAAAAAAAAAAAAAAAAAAAAAAAAAAAAAAAAAAAAAAAAAAAAAAAAAAPwAAAAAAAACghgEAAAAAAAAAAAAAAAAADAAAAAEAAAAAAAAAAAAAAAAAAAAfAAAAVAAAAEKF9AX///8BAAAAAAAAAAAAAAAAAAAAAAAAAAAAAAAAAAAAAAAAAAAAAAACf39/AFlZWQPMzMwAwMD/AH9/fwAAAAAAAAAAAAAAAAD///8AAAAAACEAAAAYAAAAFAAAAAAAAAAAAAAAsTgAAKQfAAAQAAAAJgAAAAgAAAD//////////w=="/>
+                <pr:smNativeData xmlns:pr="smNativeData" xmlns="smNativeData" val="SMDATA_17_t6npZxMAAAAlAAAAEQAAAA0AAAAAkAAAAEgAAACQAAAASAAAAAAAAAAAAAAAAAAAAAEAAABQAAAAAAAAAAAA4D8AAAAAAADgPwAAAAAAAOA/AAAAAAAA4D8AAAAAAADgPwAAAAAAAOA/AAAAAAAA4D8AAAAAAADgPwAAAAAAAOA/AAAAAAAA4D8CAAAAjAAAAAAAAAAAAAAAQoX0DP///wgAAAAAAAAAAAAAAAAAAAAAAAAAAAAAAAAAAAAAZAAAAAEAAABAAAAAAAAAAAAAAAAAAAAAAAAAAAAAAAAAAAAAAAAAAAAAAAAAAAAAAAAAAAAAAAAAAAAAAAAAAAAAAAAAAAAAAAAAAAAAAAAAAAAAAAAAAAAAAAAAAAAAFAAAADwAAAAAAAAAAAAAAAAAAAkUAAAAAQAAABQAAAAUAAAAFAAAAAEAAAAAAAAAZAAAAGQAAAAAAAAAZAAAAGQAAAAVAAAAYAAAAAAAAAAAAAAADwAAACADAAAAAAAAAAAAAAEAAACgMgAAVgcAAKr4//8BAAAAf39/AAEAAABkAAAAAAAAABQAAABAHwAAAAAAACYAAAAAAAAAwOD//wAAAAAmAAAAZAAAABYAAABMAAAAAAAAAAAAAAAEAAAAAAAAAAEAAABZWVkKAAAAACgAAAAoAAAAZAAAAGQAAAAAAAAAzMzMAAAAAABQAAAAUAAAAGQAAABkAAAAAAAAAAcAAAA4AAAAAAAAAAAAAAAAAAAA////AAAAAAAAAAAAAAAAAAAAAAAAAAAAAAAAAAAAAABkAAAAZAAAAAAAAAAjAAAABAAAAGQAAAAXAAAAFAAAAAAAAAAAAAAA/38AAP9/AAAAAAAACQAAAAQAAAAAAAAAHgAAAGgAAAAAAAAAAAAAAAAAAAAAAAAAAAAAABAnAAAQJwAAAAAAAAAAAAAAAAAAAAAAAAAAAAAAAAAAAAAAAAAAAAAUAAAAAAAAAMDA/wAAAAAAZAAAADIAAAAAAAAAZAAAAAAAAAB/f38ACgAAACIAAAAYAAAAAAAAAAAAAAAAAAAAAAAAAAAAAAAAAAAAJAAAACQAAAAAAAAABwAAAAAAAAAAAAAAAAAAAAAAAAAAAAAAAAAAAH9/fwAlAAAAWAAAAAAAAAAAAAAAAAAAAAAAAAAAAAAAAAAAAAAAAAAAAAAAAAAAAAAAAAAAAAAAPwAAAAAAAACghgEAAAAAAAAAAAAAAAAADAAAAAEAAAAAAAAAAAAAAAAAAAAfAAAAVAAAAEKF9AX///8BAAAAAAAAAAAAAAAAAAAAAAAAAAAAAAAAAAAAAAAAAAAAAAACf39/AFlZWQPMzMwAwMD/AH9/fwAAAAAAAAAAAAAAAAD///8AAAAAACEAAAAYAAAAFAAAAAAAAAAAAAAAsTgAAKQfAAAQAAAAJgAAAAgAAAD//////////w=="/>
               </a:ext>
             </a:extLst>
           </p:cNvPicPr>
@@ -13662,7 +13867,7 @@
             <a:spLocks noGrp="1" noChangeArrowheads="1"/>
             <a:extLst>
               <a:ext uri="smNativeData">
-                <pr:smNativeData xmlns:pr="smNativeData" xmlns="smNativeData" val="SMDATA_15_gHjoZxMAAAAlAAAAZAAAAA0AAAAAkAAAAJAAAACQAAAAkAAAAAAAAAAAAAAAAAAAAAEAAABQAAAAAAAAAAAA4D8AAAAAAADgPwAAAAAAAOA/AAAAAAAA4D8AAAAAAADgPwAAAAAAAOA/AAAAAAAA4D8AAAAAAADgPwAAAAAAAOA/AAAAAAAA4D8CAAAAjAAAAAAAAAAAAAAAQoX0DP///wgAAAAAAAAAAAAAAAAAAAAAAAAAAAAAAAAAAAAAZAAAAAEAAABAAAAAAAAAAAAAAAAAAAAAAAAAAAAAAAAAAAAAAAAAAAAAAAAAAAAAAAAAAAAAAAAAAAAAAAAAAAAAAAAAAAAAAAAAAAAAAAAAAAAAAAAAAAAAAAAAAAAAFAAAADwAAAAAAAAAAAAAAAAAAAkUAAAAAQAAABQAAAAUAAAAFAAAAAEAAAAAAAAAZAAAAGQAAAAAAAAAZAAAAGQAAAAVAAAAYAAAAAAAAAAAAAAADwAAACADAAAAAAAAAAAAAAEAAACgMgAAVgcAAKr4//8BAAAAf39/AAEAAABkAAAAAAAAABQAAABAHwAAAAAAACYAAAAAAAAAwOD//wAAAAAmAAAAZAAAABYAAABMAAAAAAAAAAAAAAAEAAAAAAAAAAEAAABZWVkKAAAAACgAAAAoAAAAZAAAAGQAAAAAAAAAzMzMAAAAAABQAAAAUAAAAGQAAABkAAAAAAAAABcAAAAUAAAAAAAAAAAAAAD/fwAA/38AAAAAAAAJAAAABAAAAFr3/fQeAAAAaAAAAAAAAAAAAAAAAAAAAAAAAAAAAAAAECcAABAnAAAAAAAAAAAAAAAAAAAAAAAAAAAAAAAAAAAAAAAAAAAAABQAAAAAAAAAwMD/AAAAAABkAAAAMgAAAAAAAABkAAAAAAAAAH9/fwAKAAAAIgAAABgAAAAAAAAAAAAAAAAAAAAAAAAAAAAAAAAAAAAkAAAAJAAAAAAAAAAHAAAAAAAAAAAAAAAAAAAAAAAAAAAAAAAAAAAAf39/ACUAAABYAAAAAAAAAAAAAAAAAAAAAAAAAAAAAAAAAAAAAAAAAAAAAAAAAAAAAAAAAAAAAAA/AAAAAAAAAKCGAQAAAAAAAAAAAAAAAAAMAAAAAQAAAAAAAAAAAAAAAAAAAB8AAABUAAAAQoX0Bf///wEAAAAAAAAAAAAAAAAAAAAAAAAAAAAAAAAAAAAAAAAAAAAAAAJ/f38AWVlZA8zMzADAwP8Af39/AAAAAAAAAAAAAAAAAAAAAAAAAAAAIQAAABgAAAAUAAAA3wMAAOMLAAC/MAAA7BcAABAAAAAmAAAACAAAAD2wAAAAAAAA"/>
+                <pr:smNativeData xmlns:pr="smNativeData" xmlns="smNativeData" val="SMDATA_15_t6npZxMAAAAlAAAAZAAAAA0AAAAAkAAAAJAAAACQAAAAkAAAAAAAAAAAAAAAAAAAAAEAAABQAAAAAAAAAAAA4D8AAAAAAADgPwAAAAAAAOA/AAAAAAAA4D8AAAAAAADgPwAAAAAAAOA/AAAAAAAA4D8AAAAAAADgPwAAAAAAAOA/AAAAAAAA4D8CAAAAjAAAAAAAAAAAAAAAQoX0DP///wgAAAAAAAAAAAAAAAAAAAAAAAAAAAAAAAAAAAAAZAAAAAEAAABAAAAAAAAAAAAAAAAAAAAAAAAAAAAAAAAAAAAAAAAAAAAAAAAAAAAAAAAAAAAAAAAAAAAAAAAAAAAAAAAAAAAAAAAAAAAAAAAAAAAAAAAAAAAAAAAAAAAAFAAAADwAAAAAAAAAAAAAAAAAAAkUAAAAAQAAABQAAAAUAAAAFAAAAAEAAAAAAAAAZAAAAGQAAAAAAAAAZAAAAGQAAAAVAAAAYAAAAAAAAAAAAAAADwAAACADAAAAAAAAAAAAAAEAAACgMgAAVgcAAKr4//8BAAAAf39/AAEAAABkAAAAAAAAABQAAABAHwAAAAAAACYAAAAAAAAAwOD//wAAAAAmAAAAZAAAABYAAABMAAAAAAAAAAAAAAAEAAAAAAAAAAEAAABZWVkKAAAAACgAAAAoAAAAZAAAAGQAAAAAAAAAzMzMAAAAAABQAAAAUAAAAGQAAABkAAAAAAAAABcAAAAUAAAAAAAAAAAAAAD/fwAA/38AAAAAAAAJAAAABAAAAFr3/fQeAAAAaAAAAAAAAAAAAAAAAAAAAAAAAAAAAAAAECcAABAnAAAAAAAAAAAAAAAAAAAAAAAAAAAAAAAAAAAAAAAAAAAAABQAAAAAAAAAwMD/AAAAAABkAAAAMgAAAAAAAABkAAAAAAAAAH9/fwAKAAAAIgAAABgAAAAAAAAAAAAAAAAAAAAAAAAAAAAAAAAAAAAkAAAAJAAAAAAAAAAHAAAAAAAAAAAAAAAAAAAAAAAAAAAAAAAAAAAAf39/ACUAAABYAAAAAAAAAAAAAAAAAAAAAAAAAAAAAAAAAAAAAAAAAAAAAAAAAAAAAAAAAAAAAAA/AAAAAAAAAKCGAQAAAAAAAAAAAAAAAAAMAAAAAQAAAAAAAAAAAAAAAAAAAB8AAABUAAAAQoX0Bf///wEAAAAAAAAAAAAAAAAAAAAAAAAAAAAAAAAAAAAAAAAAAAAAAAJ/f38AWVlZA8zMzADAwP8Af39/AAAAAAAAAAAAAAAAAAAAAAAAAAAAIQAAABgAAAAUAAAA3wMAAOMLAAC/MAAA7BcAABAAAAAmAAAACAAAAD2wAAAAAAAA"/>
               </a:ext>
             </a:extLst>
           </p:cNvSpPr>
@@ -13869,7 +14074,7 @@
           <p:cNvPicPr>
             <a:extLst>
               <a:ext uri="smNativeData">
-                <pr:smNativeData xmlns:pr="smNativeData" xmlns="smNativeData" val="SMDATA_17_gHjoZxMAAAAlAAAAEQAAAA0AAAAAkAAAAEgAAACQAAAASAAAAAAAAAAAAAAAAAAAAAEAAABQAAAAAAAAAAAA4D8AAAAAAADgPwAAAAAAAOA/AAAAAAAA4D8AAAAAAADgPwAAAAAAAOA/AAAAAAAA4D8AAAAAAADgPwAAAAAAAOA/AAAAAAAA4D8CAAAAjAAAAAAAAAAAAAAAQoX0DP///wgAAAAAAAAAAAAAAAAAAAAAAAAAAAAAAAAAAAAAZAAAAAEAAABAAAAAAAAAAAAAAAAAAAAAAAAAAAAAAAAAAAAAAAAAAAAAAAAAAAAAAAAAAAAAAAAAAAAAAAAAAAAAAAAAAAAAAAAAAAAAAAAAAAAAAAAAAAAAAAAAAAAAFAAAADwAAAAAAAAAAAAAAAAAAAkUAAAAAQAAABQAAAAUAAAAFAAAAAEAAAAAAAAAZAAAAGQAAAAAAAAAZAAAAGQAAAAVAAAAYAAAAAAAAAAAAAAADwAAACADAAAAAAAAAAAAAAEAAACgMgAAVgcAAKr4//8BAAAAf39/AAEAAABkAAAAAAAAABQAAABAHwAAAAAAACYAAAAAAAAAwOD//wAAAAAmAAAAZAAAABYAAABMAAAAAAAAAAAAAAAEAAAAAAAAAAEAAABZWVkKAAAAACgAAAAoAAAAZAAAAGQAAAAAAAAAzMzMAAAAAABQAAAAUAAAAGQAAABkAAAAAAAAAAcAAAA4AAAAAAAAAAAAAAAAAAAA////AAAAAAAAAAAAAAAAAAAAAAAAAAAAAAAAAAAAAABkAAAAZAAAAAAAAAAjAAAABAAAAGQAAAAXAAAAFAAAAAAAAAAAAAAA/38AAP9/AAAAAAAACQAAAAQAAAAAAAAAHgAAAGgAAAAAAAAAAAAAAAAAAAAAAAAAAAAAABAnAAAQJwAAAAAAAAAAAAAAAAAAAAAAAAAAAAAAAAAAAAAAAAAAAAAUAAAAAAAAAMDA/wAAAAAAZAAAADIAAAAAAAAAZAAAAAAAAAB/f38ACgAAACIAAAAYAAAAAAAAAAAAAAAAAAAAAAAAAAAAAAAAAAAAJAAAACQAAAAAAAAABwAAAAAAAAAAAAAAAAAAAAAAAAAAAAAAAAAAAH9/fwAlAAAAWAAAAAAAAAAAAAAAAAAAAAAAAAAAAAAAAAAAAAAAAAAAAAAAAAAAAAAAAAAAAAAAPwAAAAAAAACghgEAAAAAAAAAAAAAAAAADAAAAAEAAAAAAAAAAAAAAAAAAAAfAAAAVAAAAEKF9AX///8BAAAAAAAAAAAAAAAAAAAAAAAAAAAAAAAAAAAAAAAAAAAAAAACf39/AFlZWQPMzMwAwMD/AH9/fwAAAAAAAAAAAAAAAAD///8AAAAAACEAAAAYAAAAFAAAAGIpAABtAQAAWjcAACQUAAAQAAAAJgAAAAgAAAD//////////w=="/>
+                <pr:smNativeData xmlns:pr="smNativeData" xmlns="smNativeData" val="SMDATA_17_t6npZxMAAAAlAAAAEQAAAA0AAAAAkAAAAEgAAACQAAAASAAAAAAAAAAAAAAAAAAAAAEAAABQAAAAAAAAAAAA4D8AAAAAAADgPwAAAAAAAOA/AAAAAAAA4D8AAAAAAADgPwAAAAAAAOA/AAAAAAAA4D8AAAAAAADgPwAAAAAAAOA/AAAAAAAA4D8CAAAAjAAAAAAAAAAAAAAAQoX0DP///wgAAAAAAAAAAAAAAAAAAAAAAAAAAAAAAAAAAAAAZAAAAAEAAABAAAAAAAAAAAAAAAAAAAAAAAAAAAAAAAAAAAAAAAAAAAAAAAAAAAAAAAAAAAAAAAAAAAAAAAAAAAAAAAAAAAAAAAAAAAAAAAAAAAAAAAAAAAAAAAAAAAAAFAAAADwAAAAAAAAAAAAAAAAAAAkUAAAAAQAAABQAAAAUAAAAFAAAAAEAAAAAAAAAZAAAAGQAAAAAAAAAZAAAAGQAAAAVAAAAYAAAAAAAAAAAAAAADwAAACADAAAAAAAAAAAAAAEAAACgMgAAVgcAAKr4//8BAAAAf39/AAEAAABkAAAAAAAAABQAAABAHwAAAAAAACYAAAAAAAAAwOD//wAAAAAmAAAAZAAAABYAAABMAAAAAAAAAAAAAAAEAAAAAAAAAAEAAABZWVkKAAAAACgAAAAoAAAAZAAAAGQAAAAAAAAAzMzMAAAAAABQAAAAUAAAAGQAAABkAAAAAAAAAAcAAAA4AAAAAAAAAAAAAAAAAAAA////AAAAAAAAAAAAAAAAAAAAAAAAAAAAAAAAAAAAAABkAAAAZAAAAAAAAAAjAAAABAAAAGQAAAAXAAAAFAAAAAAAAAAAAAAA/38AAP9/AAAAAAAACQAAAAQAAAAAAAAAHgAAAGgAAAAAAAAAAAAAAAAAAAAAAAAAAAAAABAnAAAQJwAAAAAAAAAAAAAAAAAAAAAAAAAAAAAAAAAAAAAAAAAAAAAUAAAAAAAAAMDA/wAAAAAAZAAAADIAAAAAAAAAZAAAAAAAAAB/f38ACgAAACIAAAAYAAAAAAAAAAAAAAAAAAAAAAAAAAAAAAAAAAAAJAAAACQAAAAAAAAABwAAAAAAAAAAAAAAAAAAAAAAAAAAAAAAAAAAAH9/fwAlAAAAWAAAAAAAAAAAAAAAAAAAAAAAAAAAAAAAAAAAAAAAAAAAAAAAAAAAAAAAAAAAAAAAPwAAAAAAAACghgEAAAAAAAAAAAAAAAAADAAAAAEAAAAAAAAAAAAAAAAAAAAfAAAAVAAAAEKF9AX///8BAAAAAAAAAAAAAAAAAAAAAAAAAAAAAAAAAAAAAAAAAAAAAAACf39/AFlZWQPMzMwAwMD/AH9/fwAAAAAAAAAAAAAAAAD///8AAAAAACEAAAAYAAAAFAAAAGIpAABtAQAAWjcAACQUAAAQAAAAJgAAAAgAAAD//////////w=="/>
               </a:ext>
             </a:extLst>
           </p:cNvPicPr>
@@ -13911,7 +14116,7 @@
 </p:sld>
 </file>
 
-<file path=ppt/slides/slide15.xml><?xml version="1.0" encoding="utf-8"?>
+<file path=ppt/slides/slide16.xml><?xml version="1.0" encoding="utf-8"?>
 <p:sld xmlns:p="http://schemas.openxmlformats.org/presentationml/2006/main" xmlns:mc="http://schemas.openxmlformats.org/markup-compatibility/2006" xmlns:p14="http://schemas.microsoft.com/office/powerpoint/2010/main" xmlns:p15="http://schemas.microsoft.com/office/powerpoint/2012/main" xmlns:r="http://schemas.openxmlformats.org/officeDocument/2006/relationships" xmlns:a="http://schemas.openxmlformats.org/drawingml/2006/main" mc:Ignorable="p14">
   <p:cSld>
     <p:spTree>
@@ -13934,7 +14139,7 @@
           <p:cNvPicPr>
             <a:extLst>
               <a:ext uri="smNativeData">
-                <pr:smNativeData xmlns:pr="smNativeData" xmlns="smNativeData" val="SMDATA_17_gHjoZxMAAAAlAAAAEQAAAA0AAAAAkAAAAEgAAACQAAAASAAAAAAAAAAAAAAAAAAAAAEAAABQAAAAAAAAAAAA4D8AAAAAAADgPwAAAAAAAOA/AAAAAAAA4D8AAAAAAADgPwAAAAAAAOA/AAAAAAAA4D8AAAAAAADgPwAAAAAAAOA/AAAAAAAA4D8CAAAAjAAAAAAAAAAAAAAAQoX0DP///wgAAAAAAAAAAAAAAAAAAAAAAAAAAAAAAAAAAAAAZAAAAAEAAABAAAAAAAAAAAAAAAAAAAAAAAAAAAAAAAAAAAAAAAAAAAAAAAAAAAAAAAAAAAAAAAAAAAAAAAAAAAAAAAAAAAAAAAAAAAAAAAAAAAAAAAAAAAAAAAAAAAAAFAAAADwAAAAAAAAAAAAAAAAAAAkUAAAAAQAAABQAAAAUAAAAFAAAAAEAAAAAAAAAZAAAAGQAAAAAAAAAZAAAAGQAAAAVAAAAYAAAAAAAAAAAAAAADwAAACADAAAAAAAAAAAAAAEAAACgMgAAVgcAAKr4//8BAAAAf39/AAEAAABkAAAAAAAAABQAAABAHwAAAAAAACYAAAAAAAAAwOD//wAAAAAmAAAAZAAAABYAAABMAAAAAAAAAAAAAAAEAAAAAAAAAAEAAABZWVkKAAAAACgAAAAoAAAAZAAAAGQAAAAAAAAAzMzMAAAAAABQAAAAUAAAAGQAAABkAAAAAAAAAAcAAAA4AAAAAAAAAAAAAAAAAAAA////AAAAAAAAAAAAAAAAAAAAAAAAAAAAAAAAAAAAAABkAAAAZAAAAAAAAAAjAAAABAAAAGQAAAAXAAAAFAAAAAAAAAAAAAAA/38AAP9/AAAAAAAACQAAAAQAAAAAAAAAHgAAAGgAAAAAAAAAAAAAAAAAAAAAAAAAAAAAABAnAAAQJwAAAAAAAAAAAAAAAAAAAAAAAAAAAAAAAAAAAAAAAAAAAAAUAAAAAAAAAMDA/wAAAAAAZAAAADIAAAAAAAAAZAAAAAAAAAB/f38ACgAAACIAAAAYAAAAAAAAAAAAAAAAAAAAAAAAAAAAAAAAAAAAJAAAACQAAAAAAAAABwAAAAAAAAAAAAAAAAAAAAAAAAAAAAAAAAAAAH9/fwAlAAAAWAAAAAAAAAAAAAAAAAAAAAAAAAAAAAAAAAAAAAAAAAAAAAAAAAAAAAAAAAAAAAAAPwAAAAAAAACghgEAAAAAAAAAAAAAAAAADAAAAAEAAAAAAAAAAAAAAAAAAAAfAAAAVAAAAEKF9AX///8BAAAAAAAAAAAAAAAAAAAAAAAAAAAAAAAAAAAAAAAAAAAAAAACf39/AFlZWQPMzMwAwMD/AH9/fwAAAAAAAAAAAAAAAAD///8AAAAAACEAAAAYAAAAFAAAAAAAAAAAAAAAQDgAAKQfAAAQAAAAJgAAAAgAAAD//////////w=="/>
+                <pr:smNativeData xmlns:pr="smNativeData" xmlns="smNativeData" val="SMDATA_17_t6npZxMAAAAlAAAAEQAAAA0AAAAAkAAAAEgAAACQAAAASAAAAAAAAAAAAAAAAAAAAAEAAABQAAAAAAAAAAAA4D8AAAAAAADgPwAAAAAAAOA/AAAAAAAA4D8AAAAAAADgPwAAAAAAAOA/AAAAAAAA4D8AAAAAAADgPwAAAAAAAOA/AAAAAAAA4D8CAAAAjAAAAAAAAAAAAAAAQoX0DP///wgAAAAAAAAAAAAAAAAAAAAAAAAAAAAAAAAAAAAAZAAAAAEAAABAAAAAAAAAAAAAAAAAAAAAAAAAAAAAAAAAAAAAAAAAAAAAAAAAAAAAAAAAAAAAAAAAAAAAAAAAAAAAAAAAAAAAAAAAAAAAAAAAAAAAAAAAAAAAAAAAAAAAFAAAADwAAAAAAAAAAAAAAAAAAAkUAAAAAQAAABQAAAAUAAAAFAAAAAEAAAAAAAAAZAAAAGQAAAAAAAAAZAAAAGQAAAAVAAAAYAAAAAAAAAAAAAAADwAAACADAAAAAAAAAAAAAAEAAACgMgAAVgcAAKr4//8BAAAAf39/AAEAAABkAAAAAAAAABQAAABAHwAAAAAAACYAAAAAAAAAwOD//wAAAAAmAAAAZAAAABYAAABMAAAAAAAAAAAAAAAEAAAAAAAAAAEAAABZWVkKAAAAACgAAAAoAAAAZAAAAGQAAAAAAAAAzMzMAAAAAABQAAAAUAAAAGQAAABkAAAAAAAAAAcAAAA4AAAAAAAAAAAAAAAAAAAA////AAAAAAAAAAAAAAAAAAAAAAAAAAAAAAAAAAAAAABkAAAAZAAAAAAAAAAjAAAABAAAAGQAAAAXAAAAFAAAAAAAAAAAAAAA/38AAP9/AAAAAAAACQAAAAQAAAAAAAAAHgAAAGgAAAAAAAAAAAAAAAAAAAAAAAAAAAAAABAnAAAQJwAAAAAAAAAAAAAAAAAAAAAAAAAAAAAAAAAAAAAAAAAAAAAUAAAAAAAAAMDA/wAAAAAAZAAAADIAAAAAAAAAZAAAAAAAAAB/f38ACgAAACIAAAAYAAAAAAAAAAAAAAAAAAAAAAAAAAAAAAAAAAAAJAAAACQAAAAAAAAABwAAAAAAAAAAAAAAAAAAAAAAAAAAAAAAAAAAAH9/fwAlAAAAWAAAAAAAAAAAAAAAAAAAAAAAAAAAAAAAAAAAAAAAAAAAAAAAAAAAAAAAAAAAAAAAPwAAAAAAAACghgEAAAAAAAAAAAAAAAAADAAAAAEAAAAAAAAAAAAAAAAAAAAfAAAAVAAAAEKF9AX///8BAAAAAAAAAAAAAAAAAAAAAAAAAAAAAAAAAAAAAAAAAAAAAAACf39/AFlZWQPMzMwAwMD/AH9/fwAAAAAAAAAAAAAAAAD///8AAAAAACEAAAAYAAAAFAAAAAAAAAAAAAAAQDgAAKQfAAAQAAAAJgAAAAgAAAD//////////w=="/>
               </a:ext>
             </a:extLst>
           </p:cNvPicPr>
@@ -14000,7 +14205,7 @@
             <a:spLocks noGrp="1" noChangeArrowheads="1"/>
             <a:extLst>
               <a:ext uri="smNativeData">
-                <pr:smNativeData xmlns:pr="smNativeData" xmlns="smNativeData" val="SMDATA_15_gHjoZxMAAAAlAAAAZAAAAA0AAAAAkAAAAJAAAACQAAAAkAAAAAAAAAAAAAAAAAAAAAEAAABQAAAAAAAAAAAA4D8AAAAAAADgPwAAAAAAAOA/AAAAAAAA4D8AAAAAAADgPwAAAAAAAOA/AAAAAAAA4D8AAAAAAADgPwAAAAAAAOA/AAAAAAAA4D8CAAAAjAAAAAAAAAAAAAAAQoX0DP///wgAAAAAAAAAAAAAAAAAAAAAAAAAAAAAAAAAAAAAZAAAAAEAAABAAAAAAAAAAAAAAAAAAAAAAAAAAAAAAAAAAAAAAAAAAAAAAAAAAAAAAAAAAAAAAAAAAAAAAAAAAAAAAAAAAAAAAAAAAAAAAAAAAAAAAAAAAAAAAAAAAAAAFAAAADwAAAAAAAAAAAAAAAAAAAkUAAAAAQAAABQAAAAUAAAAFAAAAAEAAAAAAAAAZAAAAGQAAAAAAAAAZAAAAGQAAAAVAAAAYAAAAAAAAAAAAAAADwAAACADAAAAAAAAAAAAAAEAAACgMgAAVgcAAKr4//8BAAAAf39/AAEAAABkAAAAAAAAABQAAABAHwAAAAAAACYAAAAAAAAAwOD//wAAAAAmAAAAZAAAABYAAABMAAAAAAAAAAAAAAAEAAAAAAAAAAEAAABZWVkKAAAAACgAAAAoAAAAZAAAAGQAAAAAAAAAzMzMAAAAAABQAAAAUAAAAGQAAABkAAAAAAAAABcAAAAUAAAAAAAAAAAAAAD/fwAA/38AAAAAAAAJAAAABAAAAF8AYAAeAAAAaAAAAAAAAAAAAAAAAAAAAAAAAAAAAAAAECcAABAnAAAAAAAAAAAAAAAAAAAAAAAAAAAAAAAAAAAAAAAAAAAAABQAAAAAAAAAwMD/AAAAAABkAAAAMgAAAAAAAABkAAAAAAAAAH9/fwAKAAAAIgAAABgAAAAAAAAAAAAAAAAAAAAAAAAAAAAAAAAAAAAkAAAAJAAAAAAAAAAHAAAAAAAAAAAAAAAAAAAAAAAAAAAAAAAAAAAAf39/ACUAAABYAAAAAAAAAAAAAAAAAAAAAAAAAAAAAAAAAAAAAAAAAAAAAAAAAAAAAAAAAAAAAAA/AAAAAAAAAKCGAQAAAAAAAAAAAAAAAAAMAAAAAQAAAAAAAAAAAAAAAAAAAB8AAABUAAAAQoX0Bf///wEAAAAAAAAAAAAAAAAAAAAAAAAAAAAAAAAAAAAAAAAAAAAAAAJ/f38AWVlZA8zMzADAwP8Af39/AAAAAAAAAAAAAAAAAAAAAAAAAAAAIQAAABgAAAAUAAAAFAMAAO4BAAB/NwAAQg0AAAAAAAAmAAAACAAAAD0wAAAAAAAA"/>
+                <pr:smNativeData xmlns:pr="smNativeData" xmlns="smNativeData" val="SMDATA_15_t6npZxMAAAAlAAAAZAAAAA0AAAAAkAAAAJAAAACQAAAAkAAAAAAAAAAAAAAAAAAAAAEAAABQAAAAAAAAAAAA4D8AAAAAAADgPwAAAAAAAOA/AAAAAAAA4D8AAAAAAADgPwAAAAAAAOA/AAAAAAAA4D8AAAAAAADgPwAAAAAAAOA/AAAAAAAA4D8CAAAAjAAAAAAAAAAAAAAAQoX0DP///wgAAAAAAAAAAAAAAAAAAAAAAAAAAAAAAAAAAAAAZAAAAAEAAABAAAAAAAAAAAAAAAAAAAAAAAAAAAAAAAAAAAAAAAAAAAAAAAAAAAAAAAAAAAAAAAAAAAAAAAAAAAAAAAAAAAAAAAAAAAAAAAAAAAAAAAAAAAAAAAAAAAAAFAAAADwAAAAAAAAAAAAAAAAAAAkUAAAAAQAAABQAAAAUAAAAFAAAAAEAAAAAAAAAZAAAAGQAAAAAAAAAZAAAAGQAAAAVAAAAYAAAAAAAAAAAAAAADwAAACADAAAAAAAAAAAAAAEAAACgMgAAVgcAAKr4//8BAAAAf39/AAEAAABkAAAAAAAAABQAAABAHwAAAAAAACYAAAAAAAAAwOD//wAAAAAmAAAAZAAAABYAAABMAAAAAAAAAAAAAAAEAAAAAAAAAAEAAABZWVkKAAAAACgAAAAoAAAAZAAAAGQAAAAAAAAAzMzMAAAAAABQAAAAUAAAAGQAAABkAAAAAAAAABcAAAAUAAAAAAAAAAAAAAD/fwAA/38AAAAAAAAJAAAABAAAAF8AYAAeAAAAaAAAAAAAAAAAAAAAAAAAAAAAAAAAAAAAECcAABAnAAAAAAAAAAAAAAAAAAAAAAAAAAAAAAAAAAAAAAAAAAAAABQAAAAAAAAAwMD/AAAAAABkAAAAMgAAAAAAAABkAAAAAAAAAH9/fwAKAAAAIgAAABgAAAAAAAAAAAAAAAAAAAAAAAAAAAAAAAAAAAAkAAAAJAAAAAAAAAAHAAAAAAAAAAAAAAAAAAAAAAAAAAAAAAAAAAAAf39/ACUAAABYAAAAAAAAAAAAAAAAAAAAAAAAAAAAAAAAAAAAAAAAAAAAAAAAAAAAAAAAAAAAAAA/AAAAAAAAAKCGAQAAAAAAAAAAAAAAAAAMAAAAAQAAAAAAAAAAAAAAAAAAAB8AAABUAAAAQoX0Bf///wEAAAAAAAAAAAAAAAAAAAAAAAAAAAAAAAAAAAAAAAAAAAAAAAJ/f38AWVlZA8zMzADAwP8Af39/AAAAAAAAAAAAAAAAAAAAAAAAAAAAIQAAABgAAAAUAAAAFAMAAO4BAAB/NwAAQg0AABAAAAAmAAAACAAAAD0wAAAAAAAA"/>
               </a:ext>
             </a:extLst>
           </p:cNvSpPr>
@@ -14136,7 +14341,7 @@
             <a:picLocks noChangeAspect="1"/>
             <a:extLst>
               <a:ext uri="smNativeData">
-                <pr:smNativeData xmlns:pr="smNativeData" xmlns="smNativeData" val="SMDATA_17_gHjoZxMAAAAlAAAAEQAAAC0AAAAAkAAAAEgAAACQAAAASAAAAAAAAAAAAAAAAAAAAAEAAABQAAAAAAAAAAAA8D8AAAAAAADwPwAAAAAAAOA/AAAAAAAA4D8AAAAAAADgPwAAAAAAAOA/AAAAAAAA4D8AAAAAAADgPwAAAAAAAOA/AAAAAAAA4D8CAAAAjAAAAAEAAAACAAAAQoX0DP///wgAAAAAAAAAAF8nsS9Paj9GttysYFMKLZwAAAAAZAAAAAEAAABAAAAAAAAAAAAAAAAAAAAAAAAAAAAAAAAAAAAAAAAAAAAAAAAAAAAAAAAAAAAAAAAAAAAAAAAAAAAAAAAAAAAAAAAAAAAAAAAAAAAAAAAAAAAAAAAAAAAAFAAAADwAAAAAAAAAAAAAAAAAAAkUAAAAAQAAABQAAAAUAAAAFAAAAAEAAAAAAAAAZAAAAGQAAAAAAAAAZAAAAGQAAAAVAAAAYAAAAAAAAAAAAAAADwAAACADAAAAAAAAAAAAAAEAAACgMgAAVgcAAKr4//8BAAAAf39/AAEAAABkAAAAAAAAABQAAABAHwAAAAAAACYAAAAAAAAAwOD//wAAAAAmAAAAZAAAABYAAABMAAAAAAAAAAAAAAAEAAAAAAAAAAEAAABZWVkKAAAAACgAAAAoAAAAZAAAAGQAAAAAAAAAzMzMAAAAAABQAAAAUAAAAGQAAABkAAAAAAAAAAcAAAA4AAAAAAAAAAAAAAAAAAAA////AAAAAAAAAAAAAAAAAAAAAAAAAAAAAAAAAAAAAABkAAAAZAAAAAAAAAAjAAAABAAAAGYAAAAXAAAAFAAAAAAAAAAAAAAA/38AAP9/AAAAAAAACQAAAAQAAAAAAAAAHgAAAGgAAAAAAAAAAAAAAAAAAAAAAAAAAAAAABAnAAAQJwAAAAAAAAAAAAAAAAAAAAAAAAAAAAAAAAAAAAAAAAAAAAAUAAAAAAAAAMDA/wAAAAAAZAAAADIAAAAAAAAAZAAAAAAAAAB/f38ACgAAACIAAAAYAAAAAAAAAAAAAAAAAAAAAAAAAAAAAAAAAAAAJAAAACQAAAAAAAAABwAAAAAAAAAAAAAAAAAAAAAAAAAAAAAAAAAAAH9/fwAlAAAAWAAAAAAAAAAAAAAAAAAAAAAAAAAAAAAAAAAAAAAAAAAAAAAAAAAAAAAAAAAAAAAAPwAAAAAAAACghgEAAAAAAAAAAAAAAAAADAAAAAEAAAAAAAAAAAAAAAAAAAAfAAAAVAAAAEKF9AX///8BAAAAAAAAAAAAAAAAAAAAAAAAAAAAAAAAAAAAAAAAAAAAAAACf39/AFlZWQPMzMwAwMD/AH9/fwAAAAAAAAAAAAAAAAD///8AAAAAACEAAAAYAAAAFAAAAOADAADVDAAATRIAAI0eAAAQAAAAJgAAAAgAAAD//////////w=="/>
+                <pr:smNativeData xmlns:pr="smNativeData" xmlns="smNativeData" val="SMDATA_17_t6npZxMAAAAlAAAAEQAAAC0AAAAAkAAAAEgAAACQAAAASAAAAAAAAAAAAAAAAAAAAAEAAABQAAAAAAAAAAAA8D8AAAAAAADwPwAAAAAAAOA/AAAAAAAA4D8AAAAAAADgPwAAAAAAAOA/AAAAAAAA4D8AAAAAAADgPwAAAAAAAOA/AAAAAAAA4D8CAAAAjAAAAAEAAAACAAAAQoX0DP///wgAAAAAAAAAALQurE6QrKVKqEY2/leGVToAAAAAZAAAAAEAAABAAAAAAAAAAAAAAAAAAAAAAAAAAAAAAAAAAAAAAAAAAAAAAAAAAAAAAAAAAAAAAAAAAAAAAAAAAAAAAAAAAAAAAAAAAAAAAAAAAAAAAAAAAAAAAAAAAAAAFAAAADwAAAAAAAAAAAAAAAAAAAkUAAAAAQAAABQAAAAUAAAAFAAAAAEAAAAAAAAAZAAAAGQAAAAAAAAAZAAAAGQAAAAVAAAAYAAAAAAAAAAAAAAADwAAACADAAAAAAAAAAAAAAEAAACgMgAAVgcAAKr4//8BAAAAf39/AAEAAABkAAAAAAAAABQAAABAHwAAAAAAACYAAAAAAAAAwOD//wAAAAAmAAAAZAAAABYAAABMAAAAAAAAAAAAAAAEAAAAAAAAAAEAAABZWVkKAAAAACgAAAAoAAAAZAAAAGQAAAAAAAAAzMzMAAAAAABQAAAAUAAAAGQAAABkAAAAAAAAAAcAAAA4AAAAAAAAAAAAAAAAAAAA////AAAAAAAAAAAAAAAAAAAAAAAAAAAAAAAAAAAAAABkAAAAZAAAAAAAAAAjAAAABAAAAGYAAAAXAAAAFAAAAAAAAAAAAAAA/38AAP9/AAAAAAAACQAAAAQAAAAAAAAAHgAAAGgAAAAAAAAAAAAAAAAAAAAAAAAAAAAAABAnAAAQJwAAAAAAAAAAAAAAAAAAAAAAAAAAAAAAAAAAAAAAAAAAAAAUAAAAAAAAAMDA/wAAAAAAZAAAADIAAAAAAAAAZAAAAAAAAAB/f38ACgAAACIAAAAYAAAAAAAAAAAAAAAAAAAAAAAAAAAAAAAAAAAAJAAAACQAAAAAAAAABwAAAAAAAAAAAAAAAAAAAAAAAAAAAAAAAAAAAH9/fwAlAAAAWAAAAAAAAAAAAAAAAAAAAAAAAAAAAAAAAAAAAAAAAAAAAAAAAAAAAAAAAAAAAAAAPwAAAAAAAACghgEAAAAAAAAAAAAAAAAADAAAAAEAAAAAAAAAAAAAAAAAAAAfAAAAVAAAAEKF9AX///8BAAAAAAAAAAAAAAAAAAAAAAAAAAAAAAAAAAAAAAAAAAAAAAACf39/AFlZWQPMzMwAwMD/AH9/fwAAAAAAAAAAAAAAAAD///8AAAAAACEAAAAYAAAAFAAAAOADAADVDAAATRIAAI0eAAAQAAAAJgAAAAgAAAD//////////w=="/>
               </a:ext>
             </a:extLst>
           </p:cNvPicPr>
@@ -14173,7 +14378,7 @@
           <p:cNvSpPr>
             <a:extLst>
               <a:ext uri="smNativeData">
-                <pr:smNativeData xmlns:pr="smNativeData" xmlns="smNativeData" val="SMDATA_15_gHjoZxMAAAAlAAAAZAAAAA0AAAAAkAAAAJAAAACQAAAAkAAAAAAAAAAAAAAAAAAAAAEAAABQAAAAAAAAAAAA4D8AAAAAAADgPwAAAAAAAOA/AAAAAAAA4D8AAAAAAADgPwAAAAAAAOA/AAAAAAAA4D8AAAAAAADgPwAAAAAAAOA/AAAAAAAA4D8CAAAAjAAAAAAAAAAAAAAAQoX0DP///wgAAAAAAAAAAAAAAAAAAAAAAAAAAAAAAAAAAAAAZAAAAAEAAABAAAAAAAAAAAAAAAAAAAAAAAAAAAAAAAAAAAAAAAAAAAAAAAAAAAAAAAAAAAAAAAAAAAAAAAAAAAAAAAAAAAAAAAAAAAAAAAAAAAAAAAAAAAAAAAAAAAAAFAAAADwAAAAAAAAAAAAAAAAAAAkUAAAAAQAAABQAAAAUAAAAFAAAAAEAAAAAAAAAZAAAAGQAAAAAAAAAZAAAAGQAAAAVAAAAYAAAAAAAAAAAAAAADwAAACADAAAAAAAAAAAAAAEAAACgMgAAVgcAAKr4//8BAAAAf39/AAEAAABkAAAAAAAAABQAAABAHwAAAAAAACYAAAAAAAAAwOD//wAAAAAmAAAAZAAAABYAAABMAAAAAAAAAAAAAAAEAAAAAAAAAAEAAABZWVkKAAAAACgAAAAoAAAAZAAAAGQAAAAAAAAAzMzMAAAAAABQAAAAUAAAAGQAAABkAAAAAAAAABcAAAAUAAAAAAAAAAAAAAD/fwAA/38AAAAAAAAJAAAABAAAAAAAAAAeAAAAaAAAAAAAAAAAAAAAAAAAAAAAAAAAAAAAECcAABAnAAAAAAAAAAAAAAAAAAAAAAAAAAAAAAAAAAAAAAAAAAAAABQAAAAAAAAAwMD/AAAAAABkAAAAMgAAAAAAAABkAAAAAAAAAH9/fwAKAAAAIgAAABgAAAAAAAAAAAAAAAAAAAAAAAAAAAAAAAAAAAAkAAAAJAAAAAAAAAAHAAAAAAAAAAAAAAAAAAAAAAAAAAAAAAAAAAAAf39/ACUAAABYAAAAAAAAAAAAAAAAAAAAAAAAAAAAAAAAAAAAAAAAAAAAAAAAAAAAAAAAAAAAAAA/AAAAAAAAAKCGAQAAAAAAAAAAAAAAAAAMAAAAAQAAAAAAAAAAAAAAAAAAAB8AAABUAAAAQoX0Bf///wEAAAAAAAAAAAAAAAAAAAAAAAAAAAAAAAAAAAAAAAAAAAAAAAJ/f38AWVlZA8zMzADAwP8Af39/AAAAAAAAAAAAAAAAAAAAAAAAAAAAIQAAABgAAAAUAAAA/RcAAF8OAADCLgAArxAAAAAAAAAmAAAACAAAAP//////////"/>
+                <pr:smNativeData xmlns:pr="smNativeData" xmlns="smNativeData" val="SMDATA_15_t6npZxMAAAAlAAAAZAAAAA0AAAAAkAAAAJAAAACQAAAAkAAAAAAAAAAAAAAAAAAAAAEAAABQAAAAAAAAAAAA4D8AAAAAAADgPwAAAAAAAOA/AAAAAAAA4D8AAAAAAADgPwAAAAAAAOA/AAAAAAAA4D8AAAAAAADgPwAAAAAAAOA/AAAAAAAA4D8CAAAAjAAAAAAAAAAAAAAAQoX0DP///wgAAAAAAAAAAAAAAAAAAAAAAAAAAAAAAAAAAAAAZAAAAAEAAABAAAAAAAAAAAAAAAAAAAAAAAAAAAAAAAAAAAAAAAAAAAAAAAAAAAAAAAAAAAAAAAAAAAAAAAAAAAAAAAAAAAAAAAAAAAAAAAAAAAAAAAAAAAAAAAAAAAAAFAAAADwAAAAAAAAAAAAAAAAAAAkUAAAAAQAAABQAAAAUAAAAFAAAAAEAAAAAAAAAZAAAAGQAAAAAAAAAZAAAAGQAAAAVAAAAYAAAAAAAAAAAAAAADwAAACADAAAAAAAAAAAAAAEAAACgMgAAVgcAAKr4//8BAAAAf39/AAEAAABkAAAAAAAAABQAAABAHwAAAAAAACYAAAAAAAAAwOD//wAAAAAmAAAAZAAAABYAAABMAAAAAAAAAAAAAAAEAAAAAAAAAAEAAABZWVkKAAAAACgAAAAoAAAAZAAAAGQAAAAAAAAAzMzMAAAAAABQAAAAUAAAAGQAAABkAAAAAAAAABcAAAAUAAAAAAAAAAAAAAD/fwAA/38AAAAAAAAJAAAABAAAAAAAAAAeAAAAaAAAAAAAAAAAAAAAAAAAAAAAAAAAAAAAECcAABAnAAAAAAAAAAAAAAAAAAAAAAAAAAAAAAAAAAAAAAAAAAAAABQAAAAAAAAAwMD/AAAAAABkAAAAMgAAAAAAAABkAAAAAAAAAH9/fwAKAAAAIgAAABgAAAAAAAAAAAAAAAAAAAAAAAAAAAAAAAAAAAAkAAAAJAAAAAAAAAAHAAAAAAAAAAAAAAAAAAAAAAAAAAAAAAAAAAAAf39/ACUAAABYAAAAAAAAAAAAAAAAAAAAAAAAAAAAAAAAAAAAAAAAAAAAAAAAAAAAAAAAAAAAAAA/AAAAAAAAAKCGAQAAAAAAAAAAAAAAAAAMAAAAAQAAAAAAAAAAAAAAAAAAAB8AAABUAAAAQoX0Bf///wEAAAAAAAAAAAAAAAAAAAAAAAAAAAAAAAAAAAAAAAAAAAAAAAJ/f38AWVlZA8zMzADAwP8Af39/AAAAAAAAAAAAAAAAAAAAAAAAAAAAIQAAABgAAAAUAAAA/RcAAF8OAADCLgAArxAAABAAAAAmAAAACAAAAP//////////"/>
               </a:ext>
             </a:extLst>
           </p:cNvSpPr>
@@ -14229,7 +14434,7 @@
           <p:cNvSpPr>
             <a:extLst>
               <a:ext uri="smNativeData">
-                <pr:smNativeData xmlns:pr="smNativeData" xmlns="smNativeData" val="SMDATA_15_gHjoZxMAAAAlAAAAZAAAAE0AAAAAkAAAAJAAAACQAAAAkAAAAAAAAAAAAAAAAAAAAAEAAABQAAAAAAAAAAAA4D8AAAAAAADgPwAAAAAAAOA/AAAAAAAA4D8AAAAAAADgPwAAAAAAAOA/AAAAAAAA4D8AAAAAAADgPwAAAAAAAOA/AAAAAAAA4D8CAAAAjAAAAAAAAAAAAAAAQoX0DP///wgAAAAAAAAAAAAAAAAAAAAAAAAAAAAAAAAAAAAAZAAAAAEAAABAAAAAAAAAAAAAAAAAAAAAAAAAAAAAAAAAAAAAAAAAAAAAAAAAAAAAAAAAAAAAAAAAAAAAAAAAAAAAAAAAAAAAAAAAAAAAAAAAAAAAAAAAAAAAAAAAAAAAFAAAADwAAAAAAAAAAAAAAAAAAAkUAAAAAQAAABQAAAAUAAAAFAAAAAEAAAAAAAAAZAAAAGQAAAAAAAAAZAAAAGQAAAAVAAAAYAAAAAAAAAAAAAAADwAAACADAAAAAAAAAAAAAAEAAACgMgAAVgcAAKr4//8BAAAAf39/AAEAAABkAAAAAAAAABQAAABAHwAAAAAAACYAAAAAAAAAwOD//wAAAAAmAAAAZAAAABYAAABMAAAAAAAAAAAAAAAEAAAAAAAAAAEAAABZWVkKAAAAACgAAAAoAAAAZAAAAGQAAAAAAAAAzMzMAAAAAABQAAAAUAAAAGQAAABkAAAAAAAAABcAAAAUAAAAAAAAAAAAAAD/fwAA/38AAAAAAAAJAAAABAAAAAAAAAAeAAAAaAAAAAAAAAAAAAAAAAAAAAAAAAAAAAAAECcAABAnAAAAAAAAAAAAAAAAAAAAAAAAAAAAAAAAAAAAAAAAAAAAABQAAAAAAAAAwMD/AAAAAABkAAAAMgAAAAAAAABkAAAAAAAAAH9/fwAKAAAAIgAAABgAAAAAAAAAAAAAAAAAAAAAAAAAAAAAAAAAAAAkAAAAJAAAAAAAAAAHAAAAAAAAAAAAAAAAAAAAAAAAAAAAAAAAAAAAf39/ACUAAABYAAAAAAAAAAAAAAAAAAAAAAAAAAAAAAAAAAAAAAAAAAAAAAAAAAAAAAAAAAAAAAA/AAAAAAAAAKCGAQAAAAAAAAAAAAAAAAAMAAAAAQAAAAAAAAAAAAAAAAAAAB8AAABUAAAAQoX0Bf///wEAAAAAAAAAAAAAAAAAAAAAAAAAAAAAAAAAAAAAAAAAAAAAAAJ/f38AWVlZA8zMzADAwP8Af39/AAAAAAAAAAAAAAAAAAAAAAAAAAAAIQAAABgAAAAUAAAA/RcAAMwRAACiKwAAYxQAAAAgAAAmAAAACAAAAP//////////"/>
+                <pr:smNativeData xmlns:pr="smNativeData" xmlns="smNativeData" val="SMDATA_15_t6npZxMAAAAlAAAAZAAAAE0AAAAAkAAAAJAAAACQAAAAkAAAAAAAAAAAAAAAAAAAAAEAAABQAAAAAAAAAAAA4D8AAAAAAADgPwAAAAAAAOA/AAAAAAAA4D8AAAAAAADgPwAAAAAAAOA/AAAAAAAA4D8AAAAAAADgPwAAAAAAAOA/AAAAAAAA4D8CAAAAjAAAAAAAAAAAAAAAQoX0DP///wgAAAAAAAAAAAAAAAAAAAAAAAAAAAAAAAAAAAAAZAAAAAEAAABAAAAAAAAAAAAAAAAAAAAAAAAAAAAAAAAAAAAAAAAAAAAAAAAAAAAAAAAAAAAAAAAAAAAAAAAAAAAAAAAAAAAAAAAAAAAAAAAAAAAAAAAAAAAAAAAAAAAAFAAAADwAAAAAAAAAAAAAAAAAAAkUAAAAAQAAABQAAAAUAAAAFAAAAAEAAAAAAAAAZAAAAGQAAAAAAAAAZAAAAGQAAAAVAAAAYAAAAAAAAAAAAAAADwAAACADAAAAAAAAAAAAAAEAAACgMgAAVgcAAKr4//8BAAAAf39/AAEAAABkAAAAAAAAABQAAABAHwAAAAAAACYAAAAAAAAAwOD//wAAAAAmAAAAZAAAABYAAABMAAAAAAAAAAAAAAAEAAAAAAAAAAEAAABZWVkKAAAAACgAAAAoAAAAZAAAAGQAAAAAAAAAzMzMAAAAAABQAAAAUAAAAGQAAABkAAAAAAAAABcAAAAUAAAAAAAAAAAAAAD/fwAA/38AAAAAAAAJAAAABAAAAAAAAAAeAAAAaAAAAAAAAAAAAAAAAAAAAAAAAAAAAAAAECcAABAnAAAAAAAAAAAAAAAAAAAAAAAAAAAAAAAAAAAAAAAAAAAAABQAAAAAAAAAwMD/AAAAAABkAAAAMgAAAAAAAABkAAAAAAAAAH9/fwAKAAAAIgAAABgAAAAAAAAAAAAAAAAAAAAAAAAAAAAAAAAAAAAkAAAAJAAAAAAAAAAHAAAAAAAAAAAAAAAAAAAAAAAAAAAAAAAAAAAAf39/ACUAAABYAAAAAAAAAAAAAAAAAAAAAAAAAAAAAAAAAAAAAAAAAAAAAAAAAAAAAAAAAAAAAAA/AAAAAAAAAKCGAQAAAAAAAAAAAAAAAAAMAAAAAQAAAAAAAAAAAAAAAAAAAB8AAABUAAAAQoX0Bf///wEAAAAAAAAAAAAAAAAAAAAAAAAAAAAAAAAAAAAAAAAAAAAAAAJ/f38AWVlZA8zMzADAwP8Af39/AAAAAAAAAAAAAAAAAAAAAAAAAAAAIQAAABgAAAAUAAAA/RcAAMwRAACiKwAAYxQAABAgAAAmAAAACAAAAP//////////"/>
               </a:ext>
             </a:extLst>
           </p:cNvSpPr>
@@ -14315,7 +14520,7 @@
             <a:spLocks noGrp="1" noChangeArrowheads="1"/>
             <a:extLst>
               <a:ext uri="smNativeData">
-                <pr:smNativeData xmlns:pr="smNativeData" xmlns="smNativeData" val="SMDATA_15_gHjoZxMAAAAlAAAAZAAAAE0AAAAAkAAAAJAAAACQAAAAkAAAAAAAAAAAAAAAAAAAAAEAAABQAAAAAAAAAAAA4D8AAAAAAADgPwAAAAAAAOA/AAAAAAAA4D8AAAAAAADgPwAAAAAAAOA/AAAAAAAA4D8AAAAAAADgPwAAAAAAAOA/AAAAAAAA4D8CAAAAjAAAAAAAAAAAAAAAQoX0DP///wgAAAAAAAAAAAAAAAAAAAAAAAAAAAAAAAAAAAAAZAAAAAEAAABAAAAAAAAAAAAAAAAAAAAAAAAAAAAAAAAAAAAAAAAAAAAAAAAAAAAAAAAAAAAAAAAAAAAAAAAAAAAAAAAAAAAAAAAAAAAAAAAAAAAAAAAAAAAAAAAAAAAAFAAAADwAAAAAAAAAAAAAAAAAAAkUAAAAAQAAABQAAAAUAAAAFAAAAAEAAAAAAAAAZAAAAGQAAAAAAAAAZAAAAGQAAAAVAAAAYAAAAAAAAAAAAAAADwAAACADAAAAAAAAAAAAAAEAAACgMgAAVgcAAKr4//8BAAAAf39/AAEAAABkAAAAAAAAABQAAABAHwAAAAAAACYAAAAAAAAAwOD//wAAAAAmAAAAZAAAABYAAABMAAAAAAAAAAAAAAAEAAAAAAAAAAEAAABZWVkKAAAAACgAAAAoAAAAZAAAAGQAAAAAAAAAzMzMAAAAAABQAAAAUAAAAGQAAABkAAAAAAAAABcAAAAUAAAAAAAAAAAAAAD/fwAA/38AAAAAAAAJAAAABAAAAAAAAAAeAAAAaAAAAAAAAAAAAAAAAAAAAAAAAAAAAAAAECcAABAnAAAAAAAAAAAAAAAAAAAAAAAAAAAAAAAAAAAAAAAAAAAAABQAAAAAAAAAwMD/AAAAAABkAAAAMgAAAAAAAABkAAAAAAAAAH9/fwAKAAAAIgAAABgAAAAAAAAAAAAAAAAAAAAAAAAAAAAAAAAAAAAkAAAAJAAAAAAAAAAHAAAAAAAAAAAAAAAAAAAAAAAAAAAAAAAAAAAAf39/ACUAAABYAAAAAAAAAAAAAAAAAAAAAAAAAAAAAAAAAAAAAAAAAAAAAAAAAAAAAAAAAAAAAAA/AAAAAAAAAKCGAQAAAAAAAAAAAAAAAAAMAAAAAQAAAAAAAAAAAAAAAAAAAB8AAABUAAAAQoX0Bf///wEAAAAAAAAAAAAAAAAAAAAAAAAAAAAAAAAAAAAAAAAAAAAAAAJ/f38AWVlZA8zMzADAwP8Af39/AAAAAAAAAAAAAAAAAAAAAAAAAAAAIQAAABgAAAAUAAAAUAMAACYCAAC6NwAAOAYAABAgAAAmAAAACAAAAD0wAAAAAAAA"/>
+                <pr:smNativeData xmlns:pr="smNativeData" xmlns="smNativeData" val="SMDATA_15_t6npZxMAAAAlAAAAZAAAAE0AAAAAkAAAAJAAAACQAAAAkAAAAAAAAAAAAAAAAAAAAAEAAABQAAAAAAAAAAAA4D8AAAAAAADgPwAAAAAAAOA/AAAAAAAA4D8AAAAAAADgPwAAAAAAAOA/AAAAAAAA4D8AAAAAAADgPwAAAAAAAOA/AAAAAAAA4D8CAAAAjAAAAAAAAAAAAAAAQoX0DP///wgAAAAAAAAAAAAAAAAAAAAAAAAAAAAAAAAAAAAAZAAAAAEAAABAAAAAAAAAAAAAAAAAAAAAAAAAAAAAAAAAAAAAAAAAAAAAAAAAAAAAAAAAAAAAAAAAAAAAAAAAAAAAAAAAAAAAAAAAAAAAAAAAAAAAAAAAAAAAAAAAAAAAFAAAADwAAAAAAAAAAAAAAAAAAAkUAAAAAQAAABQAAAAUAAAAFAAAAAEAAAAAAAAAZAAAAGQAAAAAAAAAZAAAAGQAAAAVAAAAYAAAAAAAAAAAAAAADwAAACADAAAAAAAAAAAAAAEAAACgMgAAVgcAAKr4//8BAAAAf39/AAEAAABkAAAAAAAAABQAAABAHwAAAAAAACYAAAAAAAAAwOD//wAAAAAmAAAAZAAAABYAAABMAAAAAAAAAAAAAAAEAAAAAAAAAAEAAABZWVkKAAAAACgAAAAoAAAAZAAAAGQAAAAAAAAAzMzMAAAAAABQAAAAUAAAAGQAAABkAAAAAAAAABcAAAAUAAAAAAAAAAAAAAD/fwAA/38AAAAAAAAJAAAABAAAAAAAAAAeAAAAaAAAAAAAAAAAAAAAAAAAAAAAAAAAAAAAECcAABAnAAAAAAAAAAAAAAAAAAAAAAAAAAAAAAAAAAAAAAAAAAAAABQAAAAAAAAAwMD/AAAAAABkAAAAMgAAAAAAAABkAAAAAAAAAH9/fwAKAAAAIgAAABgAAAAAAAAAAAAAAAAAAAAAAAAAAAAAAAAAAAAkAAAAJAAAAAAAAAAHAAAAAAAAAAAAAAAAAAAAAAAAAAAAAAAAAAAAf39/ACUAAABYAAAAAAAAAAAAAAAAAAAAAAAAAAAAAAAAAAAAAAAAAAAAAAAAAAAAAAAAAAAAAAA/AAAAAAAAAKCGAQAAAAAAAAAAAAAAAAAMAAAAAQAAAAAAAAAAAAAAAAAAAB8AAABUAAAAQoX0Bf///wEAAAAAAAAAAAAAAAAAAAAAAAAAAAAAAAAAAAAAAAAAAAAAAAJ/f38AWVlZA8zMzADAwP8Af39/AAAAAAAAAAAAAAAAAAAAAAAAAAAAIQAAABgAAAAUAAAAUAMAACYCAAC6NwAAOAYAABAgAAAmAAAACAAAAD0wAAAAAAAA"/>
               </a:ext>
             </a:extLst>
           </p:cNvSpPr>
@@ -14350,6 +14555,7 @@
               <a:rPr lang="ru-ru" cap="none"/>
               <a:t>План защиты</a:t>
             </a:r>
+            <a:endParaRPr lang="ru-ru" cap="none"/>
           </a:p>
         </p:txBody>
       </p:sp>
@@ -14359,7 +14565,7 @@
           <p:cNvSpPr>
             <a:extLst>
               <a:ext uri="smNativeData">
-                <pr:smNativeData xmlns:pr="smNativeData" xmlns="smNativeData" val="SMDATA_15_gHjoZxMAAAAlAAAAZQAAAA0AAAAA/wAAAJAAAAD/AAAAkAAAAAAAAAABAAAAAAAAAAEAAABQAAAAhbacS3FV1T8AAAAAAADwvwAAAAAAAOA/AAAAAAAA4D8AAAAAAADgPwAAAAAAAOA/AAAAAAAA4D8AAAAAAADgPwAAAAAAAOA/AAAAAAAA4D8CAAAAjAAAAAEAAAAAAAAA7u7uAP///wgAAAAAAAAAAAAAAAAAAAAAAAAAAAAAAAAAAAAAeAAAAAEAAABAAAAAAAAAAAAAAABaAAAAAAAAAAAAAAAAAAAAAAAAAAAAAAAAAAAAAAAAAAAAAAAAAAAAAAAAAAAAAAAAAAAAAAAAAAAAAAAAAAAAAAAAAAAAAAAAAAAAFAAAADwAAAAAAAAAAAAAAAAAAAkUAAAAAQAAABQAAAAUAAAAFAAAAAEAAAAAAAAAZAAAAGQAAAAAAAAAZAAAAGQAAAAVAAAAYAAAAAAAAAAAAAAADwAAACADAAAAAAAAAAAAAAEAAACgMgAAVgcAAKr4//8BAAAAf39/AAEAAABkAAAAAAAAABQAAABAHwAAAAAAACYAAAAAAAAAwOD//wAAAAAmAAAAZAAAABYAAABMAAAAAQAAAAAAAAAGAAAAAAAAAAEAAAAAAAAAMgAAAAAAAAAeAAAAZAAAAGQAAAAAAAAAy8vLADIAAAAAAAAAHgAAAGQAAABkAAAAAAAAABcAAAAUAAAAAAAAAAAAAAD/fwAA/38AAAAAAAAJAAAABAAAAF8AYAAeAAAAaAAAAAAAAAAAAAAAAAAAAAAAAAAAAAAAECcAABAnAAAAAAAAAAAAAAAAAAAAAAAAAAAAAAAAAAAAAAAAAAAAAFoAAAAAAAAAwMD/AAAAAAAAAAAAAAAAAAAAAABkAAAAAAAAAH9/fwAKAAAAIgAAABgAAAAAAAAAAAAAAAAAAAAAAAAAAAAAAAAAAAAkAAAAJAAAAAAAAAAHAAAAAAAAAAAAAAAAAAAAAAAAAAAAAAAAAAAAf39/ACUAAABYAAAAAAAAAAAAAAAAAAAAAAAAAAAAAAAAAAAAAAAAAAAAAAAAAAAAAAAAAAAAAAA/AAAAAAAAAKCGAQAAAAAAAAAAAAAAAAAMAAAAAQAAAAAAAAAAAAAAAAAAAB8AAABUAAAA7u7uAP///wEAAAAAAAAAAAAAAAAAAAAAAAAAAAAAAAAAAAAAAAAAAAAAAAJ/f38AAAAAAMvLywDAwP8Af39/AAAAAAAAAAAAAAAAAAAAAAAAAAAAIQAAABgAAAAUAAAAAAcAAC0JAADTGwAAfQsAABAAAAAmAAAACAAAAP//////////"/>
+                <pr:smNativeData xmlns:pr="smNativeData" xmlns="smNativeData" val="SMDATA_15_t6npZxMAAAAlAAAAZQAAAA0AAAAA/wAAAJAAAAD/AAAAkAAAAAAAAAABAAAAAAAAAAEAAABQAAAAhbacS3FV1T8AAAAAAAAAAAAAAAAAAOA/AAAAAAAA4D8AAAAAAADgPwAAAAAAAOA/AAAAAAAA4D8AAAAAAADgPwAAAAAAAOA/AAAAAAAA4D8CAAAAjAAAAAEAAAAAAAAA7u7uAP///wgAAAAAAAAAAAAAAAAAAAAAAAAAAAAAAAAAAAAAeAAAAAEAAABAAAAAAAAAAAAAAABaAAAAAAAAAAAAAAAAAAAAAAAAAAAAAAAAAAAAAAAAAAAAAAAAAAAAAAAAAAAAAAAAAAAAAAAAAAAAAAAAAAAAAAAAAAAAAAAAAAAAFAAAADwAAAAAAAAAAAAAAAAAAAkUAAAAAQAAABQAAAAUAAAAFAAAAAEAAAAAAAAAZAAAAGQAAAAAAAAAZAAAAGQAAAAVAAAAYAAAAAAAAAAAAAAADwAAACADAAAAAAAAAAAAAAEAAACgMgAAVgcAAKr4//8BAAAAf39/AAEAAABkAAAAAAAAABQAAABAHwAAAAAAACYAAAAAAAAAwOD//wAAAAAmAAAAZAAAABYAAABMAAAAAQAAAAAAAAAGAAAAAAAAAAEAAAAAAAAAMgAAAAAAAAAeAAAAZAAAAGQAAAAAAAAAy8vLADIAAAAAAAAAHgAAAGQAAABkAAAAAAAAABcAAAAUAAAAAAAAAAAAAAD/fwAA/38AAAAAAAAJAAAABAAAAF8AYAAeAAAAaAAAAAAAAAAAAAAAAAAAAAAAAAAAAAAAECcAABAnAAAAAAAAAAAAAAAAAAAAAAAAAAAAAAAAAAAAAAAAAAAAAFoAAAAAAAAAwMD/AAAAAAAAAAAAAAAAAAAAAABkAAAAAAAAAH9/fwAKAAAAIgAAABgAAAAAAAAAAAAAAAAAAAAAAAAAAAAAAAAAAAAkAAAAJAAAAAAAAAAHAAAAAAAAAAAAAAAAAAAAAAAAAAAAAAAAAAAAf39/ACUAAABYAAAAAAAAAAAAAAAAAAAAAAAAAAAAAAAAAAAAAAAAAAAAAAAAAAAAAAAAAAAAAAA/AAAAAAAAAKCGAQAAAAAAAAAAAAAAAAAMAAAAAQAAAAAAAAAAAAAAAAAAAB8AAABUAAAA7u7uAP///wEAAAAAAAAAAAAAAAAAAAAAAAAAAAAAAAAAAAAAAAAAAAAAAAJ/f38AAAAAAMvLywDAwP8Af39/AAAAAAAAAAAAAAAAAAAAAAAAAAAAIQAAABgAAAAUAAAAAAcAAC0JAADTGwAAfQsAABAAAAAmAAAACAAAAP//////////"/>
               </a:ext>
             </a:extLst>
           </p:cNvSpPr>
@@ -14424,7 +14630,7 @@
           <p:cNvSpPr>
             <a:extLst>
               <a:ext uri="smNativeData">
-                <pr:smNativeData xmlns:pr="smNativeData" xmlns="smNativeData" val="SMDATA_15_gHjoZxMAAAAlAAAAZQAAAA0AAAAA/wAAAJAAAAD/AAAAkAAAAAAAAAABAAAAAAAAAAEAAABQAAAAhbacS3FV1T8AAAAAAADwvwAAAAAAAOA/AAAAAAAA4D8AAAAAAADgPwAAAAAAAOA/AAAAAAAA4D8AAAAAAADgPwAAAAAAAOA/AAAAAAAA4D8CAAAAjAAAAAEAAAAAAAAA7u7uAP///wgAAAAAAAAAAAAAAAAAAAAAAAAAAAAAAAAAAAAAeAAAAAEAAABAAAAAAAAAAAAAAABaAAAAAAAAAAAAAAAAAAAAAAAAAAAAAAAAAAAAAAAAAAAAAAAAAAAAAAAAAAAAAAAAAAAAAAAAAAAAAAAAAAAAAAAAAAAAAAAAAAAAFAAAADwAAAAAAAAAAAAAAAAAAAkUAAAAAQAAABQAAAAUAAAAFAAAAAEAAAAAAAAAZAAAAGQAAAAAAAAAZAAAAGQAAAAVAAAAYAAAAAAAAAAAAAAADwAAACADAAAAAAAAAAAAAAEAAACgMgAAVgcAAKr4//8BAAAAf39/AAEAAABkAAAAAAAAABQAAABAHwAAAAAAACYAAAAAAAAAwOD//wAAAAAmAAAAZAAAABYAAABMAAAAAQAAAAAAAAAGAAAAAAAAAAEAAAAAAAAAMgAAAAAAAAAeAAAAZAAAAGQAAAAAAAAAy8vLADIAAAAAAAAAHgAAAGQAAABkAAAAAAAAABcAAAAUAAAAAAAAAAAAAAD/fwAA/38AAAAAAAAJAAAABAAAAAAAAAAeAAAAaAAAAAAAAAAAAAAAAAAAAAAAAAAAAAAAECcAABAnAAAAAAAAAAAAAAAAAAAAAAAAAAAAAAAAAAAAAAAAAAAAAFoAAAAAAAAAwMD/AAAAAAAAAAAAAAAAAAAAAABkAAAAAAAAAH9/fwAKAAAAIgAAABgAAAAAAAAAAAAAAAAAAAAAAAAAAAAAAAAAAAAkAAAAJAAAAAAAAAAHAAAAAAAAAAAAAAAAAAAAAAAAAAAAAAAAAAAAf39/ACUAAABYAAAAAAAAAAAAAAAAAAAAAAAAAAAAAAAAAAAAAAAAAAAAAAAAAAAAAAAAAAAAAAA/AAAAAAAAAKCGAQAAAAAAAAAAAAAAAAAMAAAAAQAAAAAAAAAAAAAAAAAAAB8AAABUAAAA7u7uAP///wEAAAAAAAAAAAAAAAAAAAAAAAAAAAAAAAAAAAAAAAAAAAAAAAJ/f38AAAAAAMvLywDAwP8Af39/AAAAAAAAAAAAAAAAAAAAAAAAAAAAIQAAABgAAAAUAAAAAAcAAL4MAADTGwAADw8AABAAAAAmAAAACAAAAP//////////"/>
+                <pr:smNativeData xmlns:pr="smNativeData" xmlns="smNativeData" val="SMDATA_15_t6npZxMAAAAlAAAAZQAAAA0AAAAA/wAAAJAAAAD/AAAAkAAAAAAAAAABAAAAAAAAAAEAAABQAAAAhbacS3FV1T8AAAAAAAAAAAAAAAAAAOA/AAAAAAAA4D8AAAAAAADgPwAAAAAAAOA/AAAAAAAA4D8AAAAAAADgPwAAAAAAAOA/AAAAAAAA4D8CAAAAjAAAAAEAAAAAAAAA7u7uAP///wgAAAAAAAAAAAAAAAAAAAAAAAAAAAAAAAAAAAAAeAAAAAEAAABAAAAAAAAAAAAAAABaAAAAAAAAAAAAAAAAAAAAAAAAAAAAAAAAAAAAAAAAAAAAAAAAAAAAAAAAAAAAAAAAAAAAAAAAAAAAAAAAAAAAAAAAAAAAAAAAAAAAFAAAADwAAAAAAAAAAAAAAAAAAAkUAAAAAQAAABQAAAAUAAAAFAAAAAEAAAAAAAAAZAAAAGQAAAAAAAAAZAAAAGQAAAAVAAAAYAAAAAAAAAAAAAAADwAAACADAAAAAAAAAAAAAAEAAACgMgAAVgcAAKr4//8BAAAAf39/AAEAAABkAAAAAAAAABQAAABAHwAAAAAAACYAAAAAAAAAwOD//wAAAAAmAAAAZAAAABYAAABMAAAAAQAAAAAAAAAGAAAAAAAAAAEAAAAAAAAAMgAAAAAAAAAeAAAAZAAAAGQAAAAAAAAAy8vLADIAAAAAAAAAHgAAAGQAAABkAAAAAAAAABcAAAAUAAAAAAAAAAAAAAD/fwAA/38AAAAAAAAJAAAABAAAAAAAAAAeAAAAaAAAAAAAAAAAAAAAAAAAAAAAAAAAAAAAECcAABAnAAAAAAAAAAAAAAAAAAAAAAAAAAAAAAAAAAAAAAAAAAAAAFoAAAAAAAAAwMD/AAAAAAAAAAAAAAAAAAAAAABkAAAAAAAAAH9/fwAKAAAAIgAAABgAAAAAAAAAAAAAAAAAAAAAAAAAAAAAAAAAAAAkAAAAJAAAAAAAAAAHAAAAAAAAAAAAAAAAAAAAAAAAAAAAAAAAAAAAf39/ACUAAABYAAAAAAAAAAAAAAAAAAAAAAAAAAAAAAAAAAAAAAAAAAAAAAAAAAAAAAAAAAAAAAA/AAAAAAAAAKCGAQAAAAAAAAAAAAAAAAAMAAAAAQAAAAAAAAAAAAAAAAAAAB8AAABUAAAA7u7uAP///wEAAAAAAAAAAAAAAAAAAAAAAAAAAAAAAAAAAAAAAAAAAAAAAAJ/f38AAAAAAMvLywDAwP8Af39/AAAAAAAAAAAAAAAAAAAAAAAAAAAAIQAAABgAAAAUAAAAAAcAAL4MAADTGwAADw8AABAAAAAmAAAACAAAAP//////////"/>
               </a:ext>
             </a:extLst>
           </p:cNvSpPr>
@@ -14489,7 +14695,7 @@
           <p:cNvSpPr>
             <a:extLst>
               <a:ext uri="smNativeData">
-                <pr:smNativeData xmlns:pr="smNativeData" xmlns="smNativeData" val="SMDATA_15_gHjoZxMAAAAlAAAAZQAAAA0AAAAA/wAAAJAAAAD/AAAAkAAAAAAAAAABAAAAAAAAAAEAAABQAAAAhbacS3FV1T8AAAAAAADwvwAAAAAAAOA/AAAAAAAA4D8AAAAAAADgPwAAAAAAAOA/AAAAAAAA4D8AAAAAAADgPwAAAAAAAOA/AAAAAAAA4D8CAAAAjAAAAAEAAAAAAAAA7u7uAP///wgAAAAAAAAAAAAAAAAAAAAAAAAAAAAAAAAAAAAAeAAAAAEAAABAAAAAAAAAAAAAAABaAAAAAAAAAAAAAAAAAAAAAAAAAAAAAAAAAAAAAAAAAAAAAAAAAAAAAAAAAAAAAAAAAAAAAAAAAAAAAAAAAAAAAAAAAAAAAAAAAAAAFAAAADwAAAAAAAAAAAAAAAAAAAkUAAAAAQAAABQAAAAUAAAAFAAAAAEAAAAAAAAAZAAAAGQAAAAAAAAAZAAAAGQAAAAVAAAAYAAAAAAAAAAAAAAADwAAACADAAAAAAAAAAAAAAEAAACgMgAAVgcAAKr4//8BAAAAf39/AAEAAABkAAAAAAAAABQAAABAHwAAAAAAACYAAAAAAAAAwOD//wAAAAAmAAAAZAAAABYAAABMAAAAAQAAAAAAAAAGAAAAAAAAAAEAAAAAAAAAMgAAAAAAAAAeAAAAZAAAAGQAAAAAAAAAy8vLADIAAAAAAAAAHgAAAGQAAABkAAAAAAAAABcAAAAUAAAAAAAAAAAAAAD/fwAA/38AAAAAAAAJAAAABAAAAAEAAAAeAAAAaAAAAAAAAAAAAAAAAAAAAAAAAAAAAAAAECcAABAnAAAAAAAAAAAAAAAAAAAAAAAAAAAAAAAAAAAAAAAAAAAAAFoAAAAAAAAAwMD/AAAAAAAAAAAAAAAAAAAAAABkAAAAAAAAAH9/fwAKAAAAIgAAABgAAAAAAAAAAAAAAAAAAAAAAAAAAAAAAAAAAAAkAAAAJAAAAAAAAAAHAAAAAAAAAAAAAAAAAAAAAAAAAAAAAAAAAAAAf39/ACUAAABYAAAAAAAAAAAAAAAAAAAAAAAAAAAAAAAAAAAAAAAAAAAAAAAAAAAAAAAAAAAAAAA/AAAAAAAAAKCGAQAAAAAAAAAAAAAAAAAMAAAAAQAAAAAAAAAAAAAAAAAAAB8AAABUAAAA7u7uAP///wEAAAAAAAAAAAAAAAAAAAAAAAAAAAAAAAAAAAAAAAAAAAAAAAJ/f38AAAAAAMvLywDAwP8Af39/AAAAAAAAAAAAAAAAAAAAAAAAAAAAIQAAABgAAAAUAAAAAAcAAFAQAADTGwAAoBIAABAAAAAmAAAACAAAAP//////////"/>
+                <pr:smNativeData xmlns:pr="smNativeData" xmlns="smNativeData" val="SMDATA_15_t6npZxMAAAAlAAAAZQAAAA0AAAAA/wAAAJAAAAD/AAAAkAAAAAAAAAABAAAAAAAAAAEAAABQAAAAhbacS3FV1T8AAAAAAAAAAAAAAAAAAOA/AAAAAAAA4D8AAAAAAADgPwAAAAAAAOA/AAAAAAAA4D8AAAAAAADgPwAAAAAAAOA/AAAAAAAA4D8CAAAAjAAAAAEAAAAAAAAA7u7uAP///wgAAAAAAAAAAAAAAAAAAAAAAAAAAAAAAAAAAAAAeAAAAAEAAABAAAAAAAAAAAAAAABaAAAAAAAAAAAAAAAAAAAAAAAAAAAAAAAAAAAAAAAAAAAAAAAAAAAAAAAAAAAAAAAAAAAAAAAAAAAAAAAAAAAAAAAAAAAAAAAAAAAAFAAAADwAAAAAAAAAAAAAAAAAAAkUAAAAAQAAABQAAAAUAAAAFAAAAAEAAAAAAAAAZAAAAGQAAAAAAAAAZAAAAGQAAAAVAAAAYAAAAAAAAAAAAAAADwAAACADAAAAAAAAAAAAAAEAAACgMgAAVgcAAKr4//8BAAAAf39/AAEAAABkAAAAAAAAABQAAABAHwAAAAAAACYAAAAAAAAAwOD//wAAAAAmAAAAZAAAABYAAABMAAAAAQAAAAAAAAAGAAAAAAAAAAEAAAAAAAAAMgAAAAAAAAAeAAAAZAAAAGQAAAAAAAAAy8vLADIAAAAAAAAAHgAAAGQAAABkAAAAAAAAABcAAAAUAAAAAAAAAAAAAAD/fwAA/38AAAAAAAAJAAAABAAAAAEAAAAeAAAAaAAAAAAAAAAAAAAAAAAAAAAAAAAAAAAAECcAABAnAAAAAAAAAAAAAAAAAAAAAAAAAAAAAAAAAAAAAAAAAAAAAFoAAAAAAAAAwMD/AAAAAAAAAAAAAAAAAAAAAABkAAAAAAAAAH9/fwAKAAAAIgAAABgAAAAAAAAAAAAAAAAAAAAAAAAAAAAAAAAAAAAkAAAAJAAAAAAAAAAHAAAAAAAAAAAAAAAAAAAAAAAAAAAAAAAAAAAAf39/ACUAAABYAAAAAAAAAAAAAAAAAAAAAAAAAAAAAAAAAAAAAAAAAAAAAAAAAAAAAAAAAAAAAAA/AAAAAAAAAKCGAQAAAAAAAAAAAAAAAAAMAAAAAQAAAAAAAAAAAAAAAAAAAB8AAABUAAAA7u7uAP///wEAAAAAAAAAAAAAAAAAAAAAAAAAAAAAAAAAAAAAAAAAAAAAAAJ/f38AAAAAAMvLywDAwP8Af39/AAAAAAAAAAAAAAAAAAAAAAAAAAAAIQAAABgAAAAUAAAAAAcAAFAQAADTGwAAoBIAABAAAAAmAAAACAAAAP//////////"/>
               </a:ext>
             </a:extLst>
           </p:cNvSpPr>
@@ -14554,7 +14760,7 @@
           <p:cNvSpPr>
             <a:extLst>
               <a:ext uri="smNativeData">
-                <pr:smNativeData xmlns:pr="smNativeData" xmlns="smNativeData" val="SMDATA_15_gHjoZxMAAAAlAAAAZQAAAA0AAAAA/wAAAJAAAAD/AAAAkAAAAAAAAAABAAAAAAAAAAEAAABQAAAAhbacS3FV1T8AAAAAAADwvwAAAAAAAOA/AAAAAAAA4D8AAAAAAADgPwAAAAAAAOA/AAAAAAAA4D8AAAAAAADgPwAAAAAAAOA/AAAAAAAA4D8CAAAAjAAAAAEAAAAAAAAA7u7uAP///wgAAAAAAAAAAAAAAAAAAAAAAAAAAAAAAAAAAAAAeAAAAAEAAABAAAAAAAAAAAAAAABaAAAAAAAAAAAAAAAAAAAAAAAAAAAAAAAAAAAAAAAAAAAAAAAAAAAAAAAAAAAAAAAAAAAAAAAAAAAAAAAAAAAAAAAAAAAAAAAAAAAAFAAAADwAAAAAAAAAAAAAAAAAAAkUAAAAAQAAABQAAAAUAAAAFAAAAAEAAAAAAAAAZAAAAGQAAAAAAAAAZAAAAGQAAAAVAAAAYAAAAAAAAAAAAAAADwAAACADAAAAAAAAAAAAAAEAAACgMgAAVgcAAKr4//8BAAAAf39/AAEAAABkAAAAAAAAABQAAABAHwAAAAAAACYAAAAAAAAAwOD//wAAAAAmAAAAZAAAABYAAABMAAAAAQAAAAAAAAAGAAAAAAAAAAEAAAAAAAAAMgAAAAAAAAAeAAAAZAAAAGQAAAAAAAAAy8vLADIAAAAAAAAAHgAAAGQAAABkAAAAAAAAABcAAAAUAAAAAAAAAAAAAAD/fwAA/38AAAAAAAAJAAAABAAAAAAAAAAeAAAAaAAAAAAAAAAAAAAAAAAAAAAAAAAAAAAAECcAABAnAAAAAAAAAAAAAAAAAAAAAAAAAAAAAAAAAAAAAAAAAAAAAFoAAAAAAAAAwMD/AAAAAAAAAAAAAAAAAAAAAABkAAAAAAAAAH9/fwAKAAAAIgAAABgAAAAAAAAAAAAAAAAAAAAAAAAAAAAAAAAAAAAkAAAAJAAAAAAAAAAHAAAAAAAAAAAAAAAAAAAAAAAAAAAAAAAAAAAAf39/ACUAAABYAAAAAAAAAAAAAAAAAAAAAAAAAAAAAAAAAAAAAAAAAAAAAAAAAAAAAAAAAAAAAAA/AAAAAAAAAKCGAQAAAAAAAAAAAAAAAAAMAAAAAQAAAAAAAAAAAAAAAAAAAB8AAABUAAAA7u7uAP///wEAAAAAAAAAAAAAAAAAAAAAAAAAAAAAAAAAAAAAAAAAAAAAAAJ/f38AAAAAAMvLywDAwP8Af39/AAAAAAAAAAAAAAAAAAAAAAAAAAAAIQAAABgAAAAUAAAAAAcAAPgTAADTGwAASRYAABAAAAAmAAAACAAAAP//////////"/>
+                <pr:smNativeData xmlns:pr="smNativeData" xmlns="smNativeData" val="SMDATA_15_t6npZxMAAAAlAAAAZQAAAA0AAAAA/wAAAJAAAAD/AAAAkAAAAAAAAAABAAAAAAAAAAEAAABQAAAAhbacS3FV1T8AAAAAAAAAAAAAAAAAAOA/AAAAAAAA4D8AAAAAAADgPwAAAAAAAOA/AAAAAAAA4D8AAAAAAADgPwAAAAAAAOA/AAAAAAAA4D8CAAAAjAAAAAEAAAAAAAAA7u7uAP///wgAAAAAAAAAAAAAAAAAAAAAAAAAAAAAAAAAAAAAeAAAAAEAAABAAAAAAAAAAAAAAABaAAAAAAAAAAAAAAAAAAAAAAAAAAAAAAAAAAAAAAAAAAAAAAAAAAAAAAAAAAAAAAAAAAAAAAAAAAAAAAAAAAAAAAAAAAAAAAAAAAAAFAAAADwAAAAAAAAAAAAAAAAAAAkUAAAAAQAAABQAAAAUAAAAFAAAAAEAAAAAAAAAZAAAAGQAAAAAAAAAZAAAAGQAAAAVAAAAYAAAAAAAAAAAAAAADwAAACADAAAAAAAAAAAAAAEAAACgMgAAVgcAAKr4//8BAAAAf39/AAEAAABkAAAAAAAAABQAAABAHwAAAAAAACYAAAAAAAAAwOD//wAAAAAmAAAAZAAAABYAAABMAAAAAQAAAAAAAAAGAAAAAAAAAAEAAAAAAAAAMgAAAAAAAAAeAAAAZAAAAGQAAAAAAAAAy8vLADIAAAAAAAAAHgAAAGQAAABkAAAAAAAAABcAAAAUAAAAAAAAAAAAAAD/fwAA/38AAAAAAAAJAAAABAAAAAAAAAAeAAAAaAAAAAAAAAAAAAAAAAAAAAAAAAAAAAAAECcAABAnAAAAAAAAAAAAAAAAAAAAAAAAAAAAAAAAAAAAAAAAAAAAAFoAAAAAAAAAwMD/AAAAAAAAAAAAAAAAAAAAAABkAAAAAAAAAH9/fwAKAAAAIgAAABgAAAAAAAAAAAAAAAAAAAAAAAAAAAAAAAAAAAAkAAAAJAAAAAAAAAAHAAAAAAAAAAAAAAAAAAAAAAAAAAAAAAAAAAAAf39/ACUAAABYAAAAAAAAAAAAAAAAAAAAAAAAAAAAAAAAAAAAAAAAAAAAAAAAAAAAAAAAAAAAAAA/AAAAAAAAAKCGAQAAAAAAAAAAAAAAAAAMAAAAAQAAAAAAAAAAAAAAAAAAAB8AAABUAAAA7u7uAP///wEAAAAAAAAAAAAAAAAAAAAAAAAAAAAAAAAAAAAAAAAAAAAAAAJ/f38AAAAAAMvLywDAwP8Af39/AAAAAAAAAAAAAAAAAAAAAAAAAAAAIQAAABgAAAAUAAAAAAcAAPgTAADTGwAASRYAABAAAAAmAAAACAAAAP//////////"/>
               </a:ext>
             </a:extLst>
           </p:cNvSpPr>
@@ -14621,7 +14827,7 @@
             <a:endCxn id="4" idx="1"/>
             <a:extLst>
               <a:ext uri="smNativeData">
-                <pr:smNativeData xmlns:pr="smNativeData" xmlns="smNativeData" val="SMDATA_15_gHjoZxMAAAAlAAAADgAAAA0AAAAAkAAAAEgAAACQAAAASAAAAAAAAAAAAAAAAAAAAAEAAABQAAAAAAAAAADWiMAAAAAAAAAAAAAAAAAAAPA/AAAAAAAA4D8AAAAAAADgPwAAAAAAAOA/AAAAAAAA4D8AAAAAAADgPwAAAAAAAOA/AAAAAAAA4D8CAAAAjAAAAAAAAAAAAAAAQoX0DP///wgAAAAAAAAAAAAAAAAAAAAAAAAAAAAAAAAAAAAAZAAAAAEAAABAAAAAAAAAAAAAAAAAAAAAAAAAAAAAAAAAAAAAAAAAAAAAAAAAAAAAAAAAAAAAAAAAAAAAAAAAAAAAAAAAAAAAAAAAAAAAAAAAAAAAAAAAAAAAAAAAAAAAFAAAADwAAAABAAAAAwAAAD8pmgAPAAAAAQAAACMAAAAjAAAAIwAAAB4AAAAAAAAAZAAAAGQAAAAAAAAAZAAAAGQAAAAVAAAAYAAAAAAAAAAAAAAADwAAACADAAAAAAAAAAAAAAEAAACgMgAAVgcAAKr4//8BAAAAf39/AAEAAABkAAAAAAAAABQAAABAHwAAAAAAACYAAAAAAAAAwOD//wAAAAAmAAAAZAAAABYAAABMAAAAAAAAAAAAAAAEAAAAAAAAAAEAAABZWVkKAAAAACgAAAAoAAAAZAAAAGQAAAAAAAAAzMzMAAAAAABQAAAAUAAAAGQAAABkAAAAAAAAABcAAAAUAAAAAAAAAAAAAAD/fwAA/38AAAAAAAAJAAAABAAAAMyQiEQeAAAAaAAAAAAAAAAAAAAAAAAAAAAAAAAAAAAAECcAABAnAAAAAAAAAAAAAAAAAAAAAAAAAAAAAAAAAAAAAAAAAAAAABQAAAAAAAAAwMD/AAAAAABkAAAAMgAAAAAAAABkAAAAAAAAAH9/fwAKAAAAIgAAABgAAAAAAAAAAAAAAAAAAAAAAAAAAAAAAAAAAAAkAAAAJAAAAAAAAAAHAAAAAAAAAAAAAAAAAAAAAAAAAAAAAAAAAAAAf39/ACUAAABYAAAAAAAAAAAAAAAAAAAAAAAAAAAAAAAAAAAAAAAAAAAAAAAAAAAAAAAAAAAAAAA/AAAAAAAAAKCGAQAAAAAAAAAAAAAAAAAMAAAAAQAAAAAAAAAAAAAAAAAAAB8AAABUAAAAQoX0Bf///wEAAAAAAAAAAAAAAAAAAAAAAAAAAAAAAAAAAAAAAAAAAD8pmgB/f38AWVlZA8zMzADAwP8Af39/AAAAAAAAAAAAAAAAAAAAAAAAAAAAIQAAABgAAAAUAAAAAAcAAFUKAAAABwAA5g0AABAAAAAmAAAACAAAAP//////////"/>
+                <pr:smNativeData xmlns:pr="smNativeData" xmlns="smNativeData" val="SMDATA_15_t6npZxMAAAAlAAAADgAAAA0AAAAAkAAAAEgAAACQAAAASAAAAAAAAAAAAAAAAAAAAAEAAABQAAAAAAAAAADWiMAAAAAAAAAAAAAAAAAAAPA/AAAAAAAA4D8AAAAAAADgPwAAAAAAAOA/AAAAAAAA4D8AAAAAAADgPwAAAAAAAOA/AAAAAAAA4D8CAAAAjAAAAAAAAAAAAAAAQoX0DP///wgAAAAAAAAAAAAAAAAAAAAAAAAAAAAAAAAAAAAAZAAAAAEAAABAAAAAAAAAAAAAAAAAAAAAAAAAAAAAAAAAAAAAAAAAAAAAAAAAAAAAAAAAAAAAAAAAAAAAAAAAAAAAAAAAAAAAAAAAAAAAAAAAAAAAAAAAAAAAAAAAAAAAFAAAADwAAAABAAAAAwAAAD8pmgAPAAAAAQAAACMAAAAjAAAAIwAAAB4AAAAAAAAAZAAAAGQAAAAAAAAAZAAAAGQAAAAVAAAAYAAAAAAAAAAAAAAADwAAACADAAAAAAAAAAAAAAEAAACgMgAAVgcAAKr4//8BAAAAf39/AAEAAABkAAAAAAAAABQAAABAHwAAAAAAACYAAAAAAAAAwOD//wAAAAAmAAAAZAAAABYAAABMAAAAAAAAAAAAAAAEAAAAAAAAAAEAAABZWVkKAAAAACgAAAAoAAAAZAAAAGQAAAAAAAAAzMzMAAAAAABQAAAAUAAAAGQAAABkAAAAAAAAABcAAAAUAAAAAAAAAAAAAAD/fwAA/38AAAAAAAAJAAAABAAAAMyQiEQeAAAAaAAAAAAAAAAAAAAAAAAAAAAAAAAAAAAAECcAABAnAAAAAAAAAAAAAAAAAAAAAAAAAAAAAAAAAAAAAAAAAAAAABQAAAAAAAAAwMD/AAAAAABkAAAAMgAAAAAAAABkAAAAAAAAAH9/fwAKAAAAIgAAABgAAAAAAAAAAAAAAAAAAAAAAAAAAAAAAAAAAAAkAAAAJAAAAAAAAAAHAAAAAAAAAAAAAAAAAAAAAAAAAAAAAAAAAAAAf39/ACUAAABYAAAAAAAAAAAAAAAAAAAAAAAAAAAAAAAAAAAAAAAAAAAAAAAAAAAAAAAAAAAAAAA/AAAAAAAAAKCGAQAAAAAAAAAAAAAAAAAMAAAAAQAAAAAAAAAAAAAAAAAAAB8AAABUAAAAQoX0Bf///wEAAAAAAAAAAAAAAAAAAAAAAAAAAAAAAAAAAAAAAAAAAD8pmgB/f38AWVlZA8zMzADAwP8Af39/AAAAAAAAAAAAAAAAAAAAAAAAAAAAIQAAABgAAAAUAAAAAAcAAFUKAAAABwAA5w0AABAAAAAmAAAACAAAAP//////////"/>
               </a:ext>
             </a:extLst>
           </p:cNvCxnSpPr>
@@ -14630,7 +14836,7 @@
         <p:spPr>
           <a:xfrm>
             <a:off x="1137920" y="1679575"/>
-            <a:ext cx="12700" cy="579755"/>
+            <a:ext cx="12700" cy="580390"/>
           </a:xfrm>
           <a:prstGeom prst="bentConnector3">
             <a:avLst>
@@ -14657,7 +14863,7 @@
             <a:endCxn id="5" idx="1"/>
             <a:extLst>
               <a:ext uri="smNativeData">
-                <pr:smNativeData xmlns:pr="smNativeData" xmlns="smNativeData" val="SMDATA_15_gHjoZxMAAAAlAAAADgAAAA0AAAAAkAAAAEgAAACQAAAASAAAAAAAAAAAAAAAAAAAAAEAAABQAAAAAAAAAADWiMAAAAAAAAAAAAAAAAAAAPA/AAAAAAAA4D8AAAAAAADgPwAAAAAAAOA/AAAAAAAA4D8AAAAAAADgPwAAAAAAAOA/AAAAAAAA4D8CAAAAjAAAAAAAAAAAAAAAQoX0DP///wgAAAAAAAAAAAAAAAAAAAAAAAAAAAAAAAAAAAAAZAAAAAEAAABAAAAAAAAAAAAAAAAAAAAAAAAAAAAAAAAAAAAAAAAAAAAAAAAAAAAAAAAAAAAAAAAAAAAAAAAAAAAAAAAAAAAAAAAAAAAAAAAAAAAAAAAAAAAAAAAAAAAAFAAAADwAAAABAAAAAwAAAD8pmgAPAAAAAQAAACMAAAAjAAAAIwAAAB4AAAAAAAAAZAAAAGQAAAAAAAAAZAAAAGQAAAAVAAAAYAAAAAAAAAAAAAAADwAAACADAAAAAAAAAAAAAAEAAACgMgAAVgcAAKr4//8BAAAAf39/AAEAAABkAAAAAAAAABQAAABAHwAAAAAAACYAAAAAAAAAwOD//wAAAAAmAAAAZAAAABYAAABMAAAAAAAAAAAAAAAEAAAAAAAAAAEAAABZWVkKAAAAACgAAAAoAAAAZAAAAGQAAAAAAAAAzMzMAAAAAABQAAAAUAAAAGQAAABkAAAAAAAAABcAAAAUAAAAAAAAAAAAAAD/fwAA/38AAAAAAAAJAAAABAAAAP///wAeAAAAaAAAAAAAAAAAAAAAAAAAAAAAAAAAAAAAECcAABAnAAAAAAAAAAAAAAAAAAAAAAAAAAAAAAAAAAAAAAAAAAAAABQAAAAAAAAAwMD/AAAAAABkAAAAMgAAAAAAAABkAAAAAAAAAH9/fwAKAAAAIgAAABgAAAAAAAAAAAAAAAAAAAAAAAAAAAAAAAAAAAAkAAAAJAAAAAAAAAAHAAAAAAAAAAAAAAAAAAAAAAAAAAAAAAAAAAAAf39/ACUAAABYAAAAAAAAAAAAAAAAAAAAAAAAAAAAAAAAAAAAAAAAAAAAAAAAAAAAAAAAAAAAAAA/AAAAAAAAAKCGAQAAAAAAAAAAAAAAAAAMAAAAAQAAAAAAAAAAAAAAAAAAAB8AAABUAAAAQoX0Bf///wEAAAAAAAAAAAAAAAAAAAAAAAAAAAAAAAAAAAAAAAAAAD8pmgB/f38AWVlZA8zMzADAwP8Af39/AAAAAAAAAAAAAAAAAAAAAAAAAAAAIQAAABgAAAAUAAAAAAcAAOYNAAAABwAAeBEAABAAAAAmAAAACAAAAP//////////"/>
+                <pr:smNativeData xmlns:pr="smNativeData" xmlns="smNativeData" val="SMDATA_15_t6npZxMAAAAlAAAADgAAAA0AAAAAkAAAAEgAAACQAAAASAAAAAAAAAAAAAAAAAAAAAEAAABQAAAAAAAAAADWiMAAAAAAAAAAAAAAAAAAAPA/AAAAAAAA4D8AAAAAAADgPwAAAAAAAOA/AAAAAAAA4D8AAAAAAADgPwAAAAAAAOA/AAAAAAAA4D8CAAAAjAAAAAAAAAAAAAAAQoX0DP///wgAAAAAAAAAAAAAAAAAAAAAAAAAAAAAAAAAAAAAZAAAAAEAAABAAAAAAAAAAAAAAAAAAAAAAAAAAAAAAAAAAAAAAAAAAAAAAAAAAAAAAAAAAAAAAAAAAAAAAAAAAAAAAAAAAAAAAAAAAAAAAAAAAAAAAAAAAAAAAAAAAAAAFAAAADwAAAABAAAAAwAAAD8pmgAPAAAAAQAAACMAAAAjAAAAIwAAAB4AAAAAAAAAZAAAAGQAAAAAAAAAZAAAAGQAAAAVAAAAYAAAAAAAAAAAAAAADwAAACADAAAAAAAAAAAAAAEAAACgMgAAVgcAAKr4//8BAAAAf39/AAEAAABkAAAAAAAAABQAAABAHwAAAAAAACYAAAAAAAAAwOD//wAAAAAmAAAAZAAAABYAAABMAAAAAAAAAAAAAAAEAAAAAAAAAAEAAABZWVkKAAAAACgAAAAoAAAAZAAAAGQAAAAAAAAAzMzMAAAAAABQAAAAUAAAAGQAAABkAAAAAAAAABcAAAAUAAAAAAAAAAAAAAD/fwAA/38AAAAAAAAJAAAABAAAAP///wAeAAAAaAAAAAAAAAAAAAAAAAAAAAAAAAAAAAAAECcAABAnAAAAAAAAAAAAAAAAAAAAAAAAAAAAAAAAAAAAAAAAAAAAABQAAAAAAAAAwMD/AAAAAABkAAAAMgAAAAAAAABkAAAAAAAAAH9/fwAKAAAAIgAAABgAAAAAAAAAAAAAAAAAAAAAAAAAAAAAAAAAAAAkAAAAJAAAAAAAAAAHAAAAAAAAAAAAAAAAAAAAAAAAAAAAAAAAAAAAf39/ACUAAABYAAAAAAAAAAAAAAAAAAAAAAAAAAAAAAAAAAAAAAAAAAAAAAAAAAAAAAAAAAAAAAA/AAAAAAAAAKCGAQAAAAAAAAAAAAAAAAAMAAAAAQAAAAAAAAAAAAAAAAAAAB8AAABUAAAAQoX0Bf///wEAAAAAAAAAAAAAAAAAAAAAAAAAAAAAAAAAAAAAAAAAAD8pmgB/f38AWVlZA8zMzADAwP8Af39/AAAAAAAAAAAAAAAAAAAAAAAAAAAAIQAAABgAAAAUAAAAAAcAAOcNAAAABwAAeBEAABAAAAAmAAAACAAAAP//////////"/>
               </a:ext>
             </a:extLst>
           </p:cNvCxnSpPr>
@@ -14665,8 +14871,8 @@
         </p:nvCxnSpPr>
         <p:spPr>
           <a:xfrm>
-            <a:off x="1137920" y="2259330"/>
-            <a:ext cx="12700" cy="580390"/>
+            <a:off x="1137920" y="2259965"/>
+            <a:ext cx="12700" cy="579755"/>
           </a:xfrm>
           <a:prstGeom prst="bentConnector3">
             <a:avLst>
@@ -14693,7 +14899,7 @@
             <a:endCxn id="6" idx="1"/>
             <a:extLst>
               <a:ext uri="smNativeData">
-                <pr:smNativeData xmlns:pr="smNativeData" xmlns="smNativeData" val="SMDATA_15_gHjoZxMAAAAlAAAADgAAAA0AAAAAkAAAAEgAAACQAAAASAAAAAAAAAAAAAAAAAAAAAEAAABQAAAAAAAAAADWiMAAAAAAAAAAAAAAAAAAAPA/AAAAAAAA4D8AAAAAAADgPwAAAAAAAOA/AAAAAAAA4D8AAAAAAADgPwAAAAAAAOA/AAAAAAAA4D8CAAAAjAAAAAAAAAAAAAAAQoX0DP///wgAAAAAAAAAAAAAAAAAAAAAAAAAAAAAAAAAAAAAZAAAAAEAAABAAAAAAAAAAAAAAAAAAAAAAAAAAAAAAAAAAAAAAAAAAAAAAAAAAAAAAAAAAAAAAAAAAAAAAAAAAAAAAAAAAAAAAAAAAAAAAAAAAAAAAAAAAAAAAAAAAAAAFAAAADwAAAABAAAAAwAAAD8pmgAPAAAAAQAAACMAAAAjAAAAIwAAAB4AAAAAAAAAZAAAAGQAAAAAAAAAZAAAAGQAAAAVAAAAYAAAAAAAAAAAAAAADwAAACADAAAAAAAAAAAAAAEAAACgMgAAVgcAAKr4//8BAAAAf39/AAEAAABkAAAAAAAAABQAAABAHwAAAAAAACYAAAAAAAAAwOD//wAAAAAmAAAAZAAAABYAAABMAAAAAAAAAAAAAAAEAAAAAAAAAAEAAABZWVkKAAAAACgAAAAoAAAAZAAAAGQAAAAAAAAAzMzMAAAAAABQAAAAUAAAAGQAAABkAAAAAAAAABcAAAAUAAAAAAAAAAAAAAD/fwAA/38AAAAAAAAJAAAABAAAAKAsKAseAAAAaAAAAAAAAAAAAAAAAAAAAAAAAAAAAAAAECcAABAnAAAAAAAAAAAAAAAAAAAAAAAAAAAAAAAAAAAAAAAAAAAAABQAAAAAAAAAwMD/AAAAAABkAAAAMgAAAAAAAABkAAAAAAAAAH9/fwAKAAAAIgAAABgAAAAAAAAAAAAAAAAAAAAAAAAAAAAAAAAAAAAkAAAAJAAAAAAAAAAHAAAAAAAAAAAAAAAAAAAAAAAAAAAAAAAAAAAAf39/ACUAAABYAAAAAAAAAAAAAAAAAAAAAAAAAAAAAAAAAAAAAAAAAAAAAAAAAAAAAAAAAAAAAAA/AAAAAAAAAKCGAQAAAAAAAAAAAAAAAAAMAAAAAQAAAAAAAAAAAAAAAAAAAB8AAABUAAAAQoX0Bf///wEAAAAAAAAAAAAAAAAAAAAAAAAAAAAAAAAAAAAAAAAAAD8pmgB/f38AWVlZA8zMzADAwP8Af39/AAAAAAAAAAAAAAAAAAAAAAAAAAAAIQAAABgAAAAUAAAAAAcAAHgRAAAABwAAIBUAABAAAAAmAAAACAAAAP//////////"/>
+                <pr:smNativeData xmlns:pr="smNativeData" xmlns="smNativeData" val="SMDATA_15_t6npZxMAAAAlAAAADgAAAA0AAAAAkAAAAEgAAACQAAAASAAAAAAAAAAAAAAAAAAAAAEAAABQAAAAAAAAAADWiMAAAAAAAAAAAAAAAAAAAPA/AAAAAAAA4D8AAAAAAADgPwAAAAAAAOA/AAAAAAAA4D8AAAAAAADgPwAAAAAAAOA/AAAAAAAA4D8CAAAAjAAAAAAAAAAAAAAAQoX0DP///wgAAAAAAAAAAAAAAAAAAAAAAAAAAAAAAAAAAAAAZAAAAAEAAABAAAAAAAAAAAAAAAAAAAAAAAAAAAAAAAAAAAAAAAAAAAAAAAAAAAAAAAAAAAAAAAAAAAAAAAAAAAAAAAAAAAAAAAAAAAAAAAAAAAAAAAAAAAAAAAAAAAAAFAAAADwAAAABAAAAAwAAAD8pmgAPAAAAAQAAACMAAAAjAAAAIwAAAB4AAAAAAAAAZAAAAGQAAAAAAAAAZAAAAGQAAAAVAAAAYAAAAAAAAAAAAAAADwAAACADAAAAAAAAAAAAAAEAAACgMgAAVgcAAKr4//8BAAAAf39/AAEAAABkAAAAAAAAABQAAABAHwAAAAAAACYAAAAAAAAAwOD//wAAAAAmAAAAZAAAABYAAABMAAAAAAAAAAAAAAAEAAAAAAAAAAEAAABZWVkKAAAAACgAAAAoAAAAZAAAAGQAAAAAAAAAzMzMAAAAAABQAAAAUAAAAGQAAABkAAAAAAAAABcAAAAUAAAAAAAAAAAAAAD/fwAA/38AAAAAAAAJAAAABAAAAKAsKAseAAAAaAAAAAAAAAAAAAAAAAAAAAAAAAAAAAAAECcAABAnAAAAAAAAAAAAAAAAAAAAAAAAAAAAAAAAAAAAAAAAAAAAABQAAAAAAAAAwMD/AAAAAABkAAAAMgAAAAAAAABkAAAAAAAAAH9/fwAKAAAAIgAAABgAAAAAAAAAAAAAAAAAAAAAAAAAAAAAAAAAAAAkAAAAJAAAAAAAAAAHAAAAAAAAAAAAAAAAAAAAAAAAAAAAAAAAAAAAf39/ACUAAABYAAAAAAAAAAAAAAAAAAAAAAAAAAAAAAAAAAAAAAAAAAAAAAAAAAAAAAAAAAAAAAA/AAAAAAAAAKCGAQAAAAAAAAAAAAAAAAAMAAAAAQAAAAAAAAAAAAAAAAAAAB8AAABUAAAAQoX0Bf///wEAAAAAAAAAAAAAAAAAAAAAAAAAAAAAAAAAAAAAAAAAAD8pmgB/f38AWVlZA8zMzADAwP8Af39/AAAAAAAAAAAAAAAAAAAAAAAAAAAAIQAAABgAAAAUAAAAAAcAAHgRAAAABwAAIRUAABAAAAAmAAAACAAAAP//////////"/>
               </a:ext>
             </a:extLst>
           </p:cNvCxnSpPr>
@@ -14702,7 +14908,7 @@
         <p:spPr>
           <a:xfrm>
             <a:off x="1137920" y="2839720"/>
-            <a:ext cx="12700" cy="594360"/>
+            <a:ext cx="12700" cy="594995"/>
           </a:xfrm>
           <a:prstGeom prst="bentConnector3">
             <a:avLst>
@@ -14729,7 +14935,7 @@
             <a:endCxn id="11" idx="1"/>
             <a:extLst>
               <a:ext uri="smNativeData">
-                <pr:smNativeData xmlns:pr="smNativeData" xmlns="smNativeData" val="SMDATA_15_gHjoZxMAAAAlAAAADgAAAA0AAAAAkAAAAEgAAACQAAAASAAAAAAAAAAAAAAAAAAAAAEAAABQAAAAAAAAAADWiMAAAAAAAAAAAAAAAAAAAPA/AAAAAAAA4D8AAAAAAADgPwAAAAAAAOA/AAAAAAAA4D8AAAAAAADgPwAAAAAAAOA/AAAAAAAA4D8CAAAAjAAAAAAAAAAAAAAAQoX0DP///wgAAAAAAAAAAAAAAAAAAAAAAAAAAAAAAAAAAAAAZAAAAAEAAABAAAAAAAAAAAAAAAAAAAAAAAAAAAAAAAAAAAAAAAAAAAAAAAAAAAAAAAAAAAAAAAAAAAAAAAAAAAAAAAAAAAAAAAAAAAAAAAAAAAAAAAAAAAAAAAAAAAAAFAAAADwAAAABAAAAAwAAAD8pmgAPAAAAAQAAACMAAAAjAAAAIwAAAB4AAAAAAAAAZAAAAGQAAAAAAAAAZAAAAGQAAAAVAAAAYAAAAAAAAAAAAAAADwAAACADAAAAAAAAAAAAAAEAAACgMgAAVgcAAKr4//8BAAAAf39/AAEAAABkAAAAAAAAABQAAABAHwAAAAAAACYAAAAAAAAAwOD//wAAAAAmAAAAZAAAABYAAABMAAAAAAAAAAAAAAAEAAAAAAAAAAEAAABZWVkKAAAAACgAAAAoAAAAZAAAAGQAAAAAAAAAzMzMAAAAAABQAAAAUAAAAGQAAABkAAAAAAAAABcAAAAUAAAAAAAAAAAAAAD/fwAA/38AAAAAAAAJAAAABAAAAAAAAAAeAAAAaAAAAAAAAAAAAAAAAAAAAAAAAAAAAAAAECcAABAnAAAAAAAAAAAAAAAAAAAAAAAAAAAAAAAAAAAAAAAAAAAAABQAAAAAAAAAwMD/AAAAAABkAAAAMgAAAAAAAABkAAAAAAAAAH9/fwAKAAAAIgAAABgAAAAAAAAAAAAAAAAAAAAAAAAAAAAAAAAAAAAkAAAAJAAAAAAAAAAHAAAAAAAAAAAAAAAAAAAAAAAAAAAAAAAAAAAAf39/ACUAAABYAAAAAAAAAAAAAAAAAAAAAAAAAAAAAAAAAAAAAAAAAAAAAAAAAAAAAAAAAAAAAAA/AAAAAAAAAKCGAQAAAAAAAAAAAAAAAAAMAAAAAQAAAAAAAAAAAAAAAAAAAB8AAABUAAAAQoX0Bf///wEAAAAAAAAAAAAAAAAAAAAAAAAAAAAAAAAAAAAAAAAAAD8pmgB/f38AWVlZA8zMzADAwP8Af39/AAAAAAAAAAAAAAAAAAAAAAAAAAAAIQAAABgAAAAUAAAAAAcAACAVAAAABwAAXhgAABAAAAAmAAAACAAAAP//////////"/>
+                <pr:smNativeData xmlns:pr="smNativeData" xmlns="smNativeData" val="SMDATA_15_t6npZxMAAAAlAAAADgAAAA0AAAAAkAAAAEgAAACQAAAASAAAAAAAAAAAAAAAAAAAAAEAAABQAAAAAAAAAADWiMAAAAAAAAAAAAAAAAAAAPA/AAAAAAAA4D8AAAAAAADgPwAAAAAAAOA/AAAAAAAA4D8AAAAAAADgPwAAAAAAAOA/AAAAAAAA4D8CAAAAjAAAAAAAAAAAAAAAQoX0DP///wgAAAAAAAAAAAAAAAAAAAAAAAAAAAAAAAAAAAAAZAAAAAEAAABAAAAAAAAAAAAAAAAAAAAAAAAAAAAAAAAAAAAAAAAAAAAAAAAAAAAAAAAAAAAAAAAAAAAAAAAAAAAAAAAAAAAAAAAAAAAAAAAAAAAAAAAAAAAAAAAAAAAAFAAAADwAAAABAAAAAwAAAD8pmgAPAAAAAQAAACMAAAAjAAAAIwAAAB4AAAAAAAAAZAAAAGQAAAAAAAAAZAAAAGQAAAAVAAAAYAAAAAAAAAAAAAAADwAAACADAAAAAAAAAAAAAAEAAACgMgAAVgcAAKr4//8BAAAAf39/AAEAAABkAAAAAAAAABQAAABAHwAAAAAAACYAAAAAAAAAwOD//wAAAAAmAAAAZAAAABYAAABMAAAAAAAAAAAAAAAEAAAAAAAAAAEAAABZWVkKAAAAACgAAAAoAAAAZAAAAGQAAAAAAAAAzMzMAAAAAABQAAAAUAAAAGQAAABkAAAAAAAAABcAAAAUAAAAAAAAAAAAAAD/fwAA/38AAAAAAAAJAAAABAAAAAAAAAAeAAAAaAAAAAAAAAAAAAAAAAAAAAAAAAAAAAAAECcAABAnAAAAAAAAAAAAAAAAAAAAAAAAAAAAAAAAAAAAAAAAAAAAABQAAAAAAAAAwMD/AAAAAABkAAAAMgAAAAAAAABkAAAAAAAAAH9/fwAKAAAAIgAAABgAAAAAAAAAAAAAAAAAAAAAAAAAAAAAAAAAAAAkAAAAJAAAAAAAAAAHAAAAAAAAAAAAAAAAAAAAAAAAAAAAAAAAAAAAf39/ACUAAABYAAAAAAAAAAAAAAAAAAAAAAAAAAAAAAAAAAAAAAAAAAAAAAAAAAAAAAAAAAAAAAA/AAAAAAAAAKCGAQAAAAAAAAAAAAAAAAAMAAAAAQAAAAAAAAAAAAAAAAAAAB8AAABUAAAAQoX0Bf///wEAAAAAAAAAAAAAAAAAAAAAAAAAAAAAAAAAAAAAAAAAAD8pmgB/f38AWVlZA8zMzADAwP8Af39/AAAAAAAAAAAAAAAAAAAAAAAAAAAAIQAAABgAAAAUAAAAAAcAACEVAAAABwAAXhgAABAAAAAmAAAACAAAAP//////////"/>
               </a:ext>
             </a:extLst>
           </p:cNvCxnSpPr>
@@ -14737,8 +14943,8 @@
         </p:nvCxnSpPr>
         <p:spPr>
           <a:xfrm>
-            <a:off x="1137920" y="3434080"/>
-            <a:ext cx="12700" cy="527050"/>
+            <a:off x="1137920" y="3434715"/>
+            <a:ext cx="12700" cy="526415"/>
           </a:xfrm>
           <a:prstGeom prst="bentConnector3">
             <a:avLst>
@@ -14763,7 +14969,7 @@
           <p:cNvSpPr>
             <a:extLst>
               <a:ext uri="smNativeData">
-                <pr:smNativeData xmlns:pr="smNativeData" xmlns="smNativeData" val="SMDATA_15_gHjoZxMAAAAlAAAAZQAAAA0AAAAA/wAAAJAAAAD/AAAAkAAAAAAAAAABAAAAAAAAAAEAAABQAAAAhbacS3FV1T8AAAAAAADwvwAAAAAAAOA/AAAAAAAA4D8AAAAAAADgPwAAAAAAAOA/AAAAAAAA4D8AAAAAAADgPwAAAAAAAOA/AAAAAAAA4D8CAAAAjAAAAAEAAAAAAAAA7u7uAP///wgAAAAAAAAAAAAAAAAAAAAAAAAAAAAAAAAAAAAAeAAAAAEAAABAAAAAAAAAAAAAAABaAAAAAAAAAAAAAAAAAAAAAAAAAAAAAAAAAAAAAAAAAAAAAAAAAAAAAAAAAAAAAAAAAAAAAAAAAAAAAAAAAAAAAAAAAAAAAAAAAAAAFAAAADwAAAAAAAAAAAAAAAAAAAkUAAAAAQAAABQAAAAUAAAAFAAAAAEAAAAAAAAAZAAAAGQAAAAAAAAAZAAAAGQAAAAVAAAAYAAAAAAAAAAAAAAADwAAACADAAAAAAAAAAAAAAEAAACgMgAAVgcAAKr4//8BAAAAf39/AAEAAABkAAAAAAAAABQAAABAHwAAAAAAACYAAAAAAAAAwOD//wAAAAAmAAAAZAAAABYAAABMAAAAAQAAAAAAAAAGAAAAAAAAAAEAAAAAAAAAMgAAAAAAAAAeAAAAZAAAAGQAAAAAAAAAy8vLADIAAAAAAAAAHgAAAGQAAABkAAAAAAAAABcAAAAUAAAAAAAAAAAAAAD/fwAA/38AAAAAAAAJAAAABAAAAAEAAAAeAAAAaAAAAAAAAAAAAAAAAAAAAAAAAAAAAAAAECcAABAnAAAAAAAAAAAAAAAAAAAAAAAAAAAAAAAAAAAAAAAAAAAAAFoAAAAAAAAAwMD/AAAAAAAAAAAAAAAAAAAAAABkAAAAAAAAAH9/fwAKAAAAIgAAABgAAAAAAAAAAAAAAAAAAAAAAAAAAAAAAAAAAAAkAAAAJAAAAAAAAAAHAAAAAAAAAAAAAAAAAAAAAAAAAAAAAAAAAAAAf39/ACUAAABYAAAAAAAAAAAAAAAAAAAAAAAAAAAAAAAAAAAAAAAAAAAAAAAAAAAAAAAAAAAAAAA/AAAAAAAAAKCGAQAAAAAAAAAAAAAAAAAMAAAAAQAAAAAAAAAAAAAAAAAAAB8AAABUAAAA7u7uAP///wEAAAAAAAAAAAAAAAAAAAAAAAAAAAAAAAAAAAAAAAAAAAAAAAJ/f38AAAAAAMvLywDAwP8Af39/AAAAAAAAAAAAAAAAAAAAAAAAAAAAIQAAABgAAAAUAAAAAAcAADYXAADTGwAAhhkAABAAAAAmAAAACAAAAP//////////"/>
+                <pr:smNativeData xmlns:pr="smNativeData" xmlns="smNativeData" val="SMDATA_15_t6npZxMAAAAlAAAAZQAAAA0AAAAA/wAAAJAAAAD/AAAAkAAAAAAAAAABAAAAAAAAAAEAAABQAAAAhbacS3FV1T8AAAAAAAAAAAAAAAAAAOA/AAAAAAAA4D8AAAAAAADgPwAAAAAAAOA/AAAAAAAA4D8AAAAAAADgPwAAAAAAAOA/AAAAAAAA4D8CAAAAjAAAAAEAAAAAAAAA7u7uAP///wgAAAAAAAAAAAAAAAAAAAAAAAAAAAAAAAAAAAAAeAAAAAEAAABAAAAAAAAAAAAAAABaAAAAAAAAAAAAAAAAAAAAAAAAAAAAAAAAAAAAAAAAAAAAAAAAAAAAAAAAAAAAAAAAAAAAAAAAAAAAAAAAAAAAAAAAAAAAAAAAAAAAFAAAADwAAAAAAAAAAAAAAAAAAAkUAAAAAQAAABQAAAAUAAAAFAAAAAEAAAAAAAAAZAAAAGQAAAAAAAAAZAAAAGQAAAAVAAAAYAAAAAAAAAAAAAAADwAAACADAAAAAAAAAAAAAAEAAACgMgAAVgcAAKr4//8BAAAAf39/AAEAAABkAAAAAAAAABQAAABAHwAAAAAAACYAAAAAAAAAwOD//wAAAAAmAAAAZAAAABYAAABMAAAAAQAAAAAAAAAGAAAAAAAAAAEAAAAAAAAAMgAAAAAAAAAeAAAAZAAAAGQAAAAAAAAAy8vLADIAAAAAAAAAHgAAAGQAAABkAAAAAAAAABcAAAAUAAAAAAAAAAAAAAD/fwAA/38AAAAAAAAJAAAABAAAAAEAAAAeAAAAaAAAAAAAAAAAAAAAAAAAAAAAAAAAAAAAECcAABAnAAAAAAAAAAAAAAAAAAAAAAAAAAAAAAAAAAAAAAAAAAAAAFoAAAAAAAAAwMD/AAAAAAAAAAAAAAAAAAAAAABkAAAAAAAAAH9/fwAKAAAAIgAAABgAAAAAAAAAAAAAAAAAAAAAAAAAAAAAAAAAAAAkAAAAJAAAAAAAAAAHAAAAAAAAAAAAAAAAAAAAAAAAAAAAAAAAAAAAf39/ACUAAABYAAAAAAAAAAAAAAAAAAAAAAAAAAAAAAAAAAAAAAAAAAAAAAAAAAAAAAAAAAAAAAA/AAAAAAAAAKCGAQAAAAAAAAAAAAAAAAAMAAAAAQAAAAAAAAAAAAAAAAAAAB8AAABUAAAA7u7uAP///wEAAAAAAAAAAAAAAAAAAAAAAAAAAAAAAAAAAAAAAAAAAAAAAAJ/f38AAAAAAMvLywDAwP8Af39/AAAAAAAAAAAAAAAAAAAAAAAAAAAAIQAAABgAAAAUAAAAAAcAADYXAADTGwAAhhkAABAAAAAmAAAACAAAAP//////////"/>
               </a:ext>
             </a:extLst>
           </p:cNvSpPr>
@@ -14860,7 +15066,7 @@
           <p:cNvSpPr>
             <a:extLst>
               <a:ext uri="smNativeData">
-                <pr:smNativeData xmlns:pr="smNativeData" xmlns="smNativeData" val="SMDATA_15_gHjoZxMAAAAlAAAAZAAAAA0AAAAAkAAAAJAAAACQAAAAkAAAAAAAAAAAAAAAAAAAAAEAAABQAAAAAAAAAAAA4D8AAAAAAADgPwAAAAAAAOA/AAAAAAAA4D8AAAAAAADgPwAAAAAAAOA/AAAAAAAA4D8AAAAAAADgPwAAAAAAAOA/AAAAAAAA4D8CAAAAjAAAAAAAAAAAAAAAQoX0DP///wgAAAAAAAAAAAAAAAAAAAAAAAAAAAAAAAAAAAAAZAAAAAEAAABAAAAAAAAAAAAAAAAAAAAAAAAAAAAAAAAAAAAAAAAAAAAAAAAAAAAAAAAAAAAAAAAAAAAAAAAAAAAAAAAAAAAAAAAAAAAAAAAAAAAAAAAAAAAAAAAAAAAAFAAAADwAAAAAAAAAAAAAAAAAAAkUAAAAAQAAABQAAAAUAAAAFAAAAAEAAAAAAAAAZAAAAGQAAAAAAAAAZAAAAGQAAAAVAAAAYAAAAAAAAAAAAAAADwAAACADAAAAAAAAAAAAAAEAAACgMgAAVgcAAKr4//8BAAAAf39/AAEAAABkAAAAAAAAABQAAABAHwAAAAAAACYAAAAAAAAAwOD//wAAAAAmAAAAZAAAABYAAABMAAAAAAAAAAAAAAAEAAAAAAAAAAEAAABZWVkKAAAAACgAAAAoAAAAZAAAAGQAAAAAAAAAzMzMAAAAAABQAAAAUAAAAGQAAABkAAAAAAAAABcAAAAUAAAAAAAAAAAAAAD/fwAA/38AAAAAAAAJAAAABAAAAF8AYAAeAAAAaAAAAAAAAAAAAAAAAAAAAAAAAAAAAAAAECcAABAnAAAAAAAAAAAAAAAAAAAAAAAAAAAAAAAAAAAAAAAAAAAAABQAAAAAAAAAwMD/AAAAAABkAAAAMgAAAAAAAABkAAAAAAAAAH9/fwAKAAAAIgAAABgAAAAAAAAAAAAAAAAAAAAAAAAAAAAAAAAAAAAkAAAAJAAAAAAAAAAHAAAAAAAAAAAAAAAAAAAAAAAAAAAAAAAAAAAAf39/ACUAAABYAAAAAAAAAAAAAAAAAAAAAAAAAAAAAAAAAAAAAAAAAAAAAAAAAAAAAAAAAAAAAAA/AAAAAAAAAKCGAQAAAAAAAAAAAAAAAAAMAAAAAQAAAAAAAAAAAAAAAAAAAB8AAABUAAAAQoX0Bf///wEAAAAAAAAAAAAAAAAAAAAAAAAAAAAAAAAAAAAAAAAAAAAAAAJ/f38AWVlZA8zMzADAwP8Af39/AAAAAAAAAAAAAAAAAAAAAAAAAAAAIQAAABgAAAAUAAAAcwMAAAACAADdNwAACQoAABAAAAAmAAAACAAAAP//////////"/>
+                <pr:smNativeData xmlns:pr="smNativeData" xmlns="smNativeData" val="SMDATA_15_t6npZxMAAAAlAAAAZAAAAA0AAAAAkAAAAJAAAACQAAAAkAAAAAAAAAAAAAAAAAAAAAEAAABQAAAAAAAAAAAA4D8AAAAAAADgPwAAAAAAAOA/AAAAAAAA4D8AAAAAAADgPwAAAAAAAOA/AAAAAAAA4D8AAAAAAADgPwAAAAAAAOA/AAAAAAAA4D8CAAAAjAAAAAAAAAAAAAAAQoX0DP///wgAAAAAAAAAAAAAAAAAAAAAAAAAAAAAAAAAAAAAZAAAAAEAAABAAAAAAAAAAAAAAAAAAAAAAAAAAAAAAAAAAAAAAAAAAAAAAAAAAAAAAAAAAAAAAAAAAAAAAAAAAAAAAAAAAAAAAAAAAAAAAAAAAAAAAAAAAAAAAAAAAAAAFAAAADwAAAAAAAAAAAAAAAAAAAkUAAAAAQAAABQAAAAUAAAAFAAAAAEAAAAAAAAAZAAAAGQAAAAAAAAAZAAAAGQAAAAVAAAAYAAAAAAAAAAAAAAADwAAACADAAAAAAAAAAAAAAEAAACgMgAAVgcAAKr4//8BAAAAf39/AAEAAABkAAAAAAAAABQAAABAHwAAAAAAACYAAAAAAAAAwOD//wAAAAAmAAAAZAAAABYAAABMAAAAAAAAAAAAAAAEAAAAAAAAAAEAAABZWVkKAAAAACgAAAAoAAAAZAAAAGQAAAAAAAAAzMzMAAAAAABQAAAAUAAAAGQAAABkAAAAAAAAABcAAAAUAAAAAAAAAAAAAAD/fwAA/38AAAAAAAAJAAAABAAAAF8AYAAeAAAAaAAAAAAAAAAAAAAAAAAAAAAAAAAAAAAAECcAABAnAAAAAAAAAAAAAAAAAAAAAAAAAAAAAAAAAAAAAAAAAAAAABQAAAAAAAAAwMD/AAAAAABkAAAAMgAAAAAAAABkAAAAAAAAAH9/fwAKAAAAIgAAABgAAAAAAAAAAAAAAAAAAAAAAAAAAAAAAAAAAAAkAAAAJAAAAAAAAAAHAAAAAAAAAAAAAAAAAAAAAAAAAAAAAAAAAAAAf39/ACUAAABYAAAAAAAAAAAAAAAAAAAAAAAAAAAAAAAAAAAAAAAAAAAAAAAAAAAAAAAAAAAAAAA/AAAAAAAAAKCGAQAAAAAAAAAAAAAAAAAMAAAAAQAAAAAAAAAAAAAAAAAAAB8AAABUAAAAQoX0Bf///wEAAAAAAAAAAAAAAAAAAAAAAAAAAAAAAAAAAAAAAAAAAAAAAAJ/f38AWVlZA8zMzADAwP8Af39/AAAAAAAAAAAAAAAAAAAAAAAAAAAAIQAAABgAAAAUAAAAcwMAAAACAADdNwAACQoAABAAAAAmAAAACAAAAP//////////"/>
               </a:ext>
             </a:extLst>
           </p:cNvSpPr>
@@ -14945,11 +15151,6 @@
                           <a:spcPts val="0"/>
                         </a:spcAft>
                         <a:buNone/>
-                        <a:defRPr cap="none">
-                          <a:solidFill>
-                            <a:srgbClr val="000000"/>
-                          </a:solidFill>
-                        </a:defRPr>
                       </a:pPr>
                       <a:r>
                         <a:rPr lang="ru-ru" sz="1600" b="1" cap="none">
@@ -15010,11 +15211,6 @@
                           <a:spcPts val="0"/>
                         </a:spcAft>
                         <a:buNone/>
-                        <a:defRPr cap="none">
-                          <a:solidFill>
-                            <a:srgbClr val="000000"/>
-                          </a:solidFill>
-                        </a:defRPr>
                       </a:pPr>
                       <a:r>
                         <a:rPr lang="ru-ru" cap="none">
@@ -15055,7 +15251,7 @@
                 </a:tc>
                 <a:extLst>
                   <a:ext uri="smNativeData">
-                    <pr:rowheight xmlns="" xmlns:pr="smNativeData" dt="1743288448" type="min" val="381000"/>
+                    <pr:rowheight xmlns="" xmlns:pr="smNativeData" dt="1743366583" type="min" val="381000"/>
                   </a:ext>
                 </a:extLst>
               </a:tr>
@@ -15073,11 +15269,6 @@
                           <a:spcPts val="0"/>
                         </a:spcAft>
                         <a:buNone/>
-                        <a:defRPr cap="none">
-                          <a:solidFill>
-                            <a:srgbClr val="000000"/>
-                          </a:solidFill>
-                        </a:defRPr>
                       </a:pPr>
                       <a:r>
                         <a:rPr lang="ru-ru" sz="1600" b="1" cap="none">
@@ -15139,9 +15330,6 @@
                         </a:spcAft>
                         <a:buNone/>
                         <a:defRPr lang="ru-ru" cap="none">
-                          <a:solidFill>
-                            <a:srgbClr val="000000"/>
-                          </a:solidFill>
                           <a:latin typeface="Roboto" pitchFamily="0" charset="0"/>
                           <a:ea typeface="Roboto" pitchFamily="0" charset="0"/>
                           <a:cs typeface="Roboto" pitchFamily="0" charset="0"/>
@@ -15176,7 +15364,7 @@
                 </a:tc>
                 <a:extLst>
                   <a:ext uri="smNativeData">
-                    <pr:rowheight xmlns="" xmlns:pr="smNativeData" dt="1743288448" type="min" val="381000"/>
+                    <pr:rowheight xmlns="" xmlns:pr="smNativeData" dt="1743366583" type="min" val="381000"/>
                   </a:ext>
                 </a:extLst>
               </a:tr>
@@ -15194,11 +15382,6 @@
                           <a:spcPts val="0"/>
                         </a:spcAft>
                         <a:buNone/>
-                        <a:defRPr cap="none">
-                          <a:solidFill>
-                            <a:srgbClr val="000000"/>
-                          </a:solidFill>
-                        </a:defRPr>
                       </a:pPr>
                       <a:r>
                         <a:rPr lang="ru-ru" sz="1600" b="1" cap="none">
@@ -15260,9 +15443,6 @@
                         </a:spcAft>
                         <a:buNone/>
                         <a:defRPr lang="ru-ru" cap="none">
-                          <a:solidFill>
-                            <a:srgbClr val="000000"/>
-                          </a:solidFill>
                           <a:latin typeface="Roboto" pitchFamily="0" charset="0"/>
                           <a:ea typeface="Roboto" pitchFamily="0" charset="0"/>
                           <a:cs typeface="Roboto" pitchFamily="0" charset="0"/>
@@ -15297,7 +15477,7 @@
                 </a:tc>
                 <a:extLst>
                   <a:ext uri="smNativeData">
-                    <pr:rowheight xmlns="" xmlns:pr="smNativeData" dt="1743288448" type="min" val="381000"/>
+                    <pr:rowheight xmlns="" xmlns:pr="smNativeData" dt="1743366583" type="min" val="381000"/>
                   </a:ext>
                 </a:extLst>
               </a:tr>
@@ -15315,11 +15495,6 @@
                           <a:spcPts val="0"/>
                         </a:spcAft>
                         <a:buNone/>
-                        <a:defRPr cap="none">
-                          <a:solidFill>
-                            <a:srgbClr val="000000"/>
-                          </a:solidFill>
-                        </a:defRPr>
                       </a:pPr>
                       <a:r>
                         <a:rPr lang="ru-ru" sz="1600" b="1" cap="none">
@@ -15381,9 +15556,6 @@
                         </a:spcAft>
                         <a:buNone/>
                         <a:defRPr lang="ru-ru" cap="none">
-                          <a:solidFill>
-                            <a:srgbClr val="000000"/>
-                          </a:solidFill>
                           <a:latin typeface="Roboto" pitchFamily="0" charset="0"/>
                           <a:ea typeface="Roboto" pitchFamily="0" charset="0"/>
                           <a:cs typeface="Roboto" pitchFamily="0" charset="0"/>
@@ -15418,7 +15590,7 @@
                 </a:tc>
                 <a:extLst>
                   <a:ext uri="smNativeData">
-                    <pr:rowheight xmlns="" xmlns:pr="smNativeData" dt="1743288448" type="min" val="381000"/>
+                    <pr:rowheight xmlns="" xmlns:pr="smNativeData" dt="1743366583" type="min" val="381000"/>
                   </a:ext>
                 </a:extLst>
               </a:tr>
@@ -15436,11 +15608,6 @@
                           <a:spcPts val="0"/>
                         </a:spcAft>
                         <a:buNone/>
-                        <a:defRPr cap="none">
-                          <a:solidFill>
-                            <a:srgbClr val="000000"/>
-                          </a:solidFill>
-                        </a:defRPr>
                       </a:pPr>
                     </a:p>
                   </a:txBody>
@@ -15482,11 +15649,6 @@
                           <a:spcPts val="0"/>
                         </a:spcAft>
                         <a:buNone/>
-                        <a:defRPr cap="none">
-                          <a:solidFill>
-                            <a:srgbClr val="000000"/>
-                          </a:solidFill>
-                        </a:defRPr>
                       </a:pPr>
                       <a:endParaRPr sz="1600" cap="none">
                         <a:solidFill>
@@ -15522,7 +15684,7 @@
                 </a:tc>
                 <a:extLst>
                   <a:ext uri="smNativeData">
-                    <pr:rowheight xmlns="" xmlns:pr="smNativeData" dt="1743288448" type="min" val="381000"/>
+                    <pr:rowheight xmlns="" xmlns:pr="smNativeData" dt="1743366583" type="min" val="381000"/>
                   </a:ext>
                 </a:extLst>
               </a:tr>
@@ -15536,7 +15698,7 @@
           <p:cNvSpPr>
             <a:extLst>
               <a:ext uri="smNativeData">
-                <pr:smNativeData xmlns:pr="smNativeData" xmlns="smNativeData" val="SMDATA_15_gHjoZxMAAAAlAAAAZQAAAA0AAAAA/wAAAJAAAAD/AAAAkAAAAAAAAAABAAAAAAAAAAEAAABQAAAAhbacS3FV1T8AAAAAAADwvwAAAAAAAOA/AAAAAAAA4D8AAAAAAADgPwAAAAAAAOA/AAAAAAAA4D8AAAAAAADgPwAAAAAAAOA/AAAAAAAA4D8CAAAAjAAAAAEAAAAAAAAA7u7uAP///wgAAAAAAAAAAAAAAAAAAAAAAAAAAAAAAAAAAAAAeAAAAAEAAABAAAAAAAAAAAAAAABaAAAAAAAAAAAAAAAAAAAAAAAAAAAAAAAAAAAAAAAAAAAAAAAAAAAAAAAAAAAAAAAAAAAAAAAAAAAAAAAAAAAAAAAAAAAAAAAAAAAAFAAAADwAAAAAAAAAAAAAAAAAAAkUAAAAAQAAABQAAAAUAAAAFAAAAAEAAAAAAAAAZAAAAGQAAAAAAAAAZAAAAGQAAAAVAAAAYAAAAAAAAAAAAAAADwAAACADAAAAAAAAAAAAAAEAAACgMgAAVgcAAKr4//8BAAAAf39/AAEAAABkAAAAAAAAABQAAABAHwAAAAAAACYAAAAAAAAAwOD//wAAAAAmAAAAZAAAABYAAABMAAAAAQAAAAAAAAAGAAAAAAAAAAEAAAAAAAAAMgAAAAAAAAAeAAAAZAAAAGQAAAAAAAAAy8vLADIAAAAAAAAAHgAAAGQAAABkAAAAAAAAABcAAAAUAAAAAAAAAAAAAAD/fwAA/38AAAAAAAAJAAAABAAAAAAAAAAeAAAAaAAAAAAAAAAAAAAAAAAAAAAAAAAAAAAAECcAABAnAAAAAAAAAAAAAAAAAAAAAAAAAAAAAAAAAAAAAAAAAAAAAFoAAAAAAAAAwMD/AAAAAAAAAAAAAAAAAAAAAABkAAAAAAAAAH9/fwAKAAAAIgAAABgAAAAAAAAAAAAAAAAAAAAAAAAAAAAAAAAAAAAkAAAAJAAAAAAAAAAHAAAAAAAAAAAAAAAAAAAAAAAAAAAAAAAAAAAAf39/ACUAAABYAAAAAAAAAAAAAAAAAAAAAAAAAAAAAAAAAAAAAAAAAAAAAAAAAAAAAAAAAAAAAAA/AAAAAAAAAKCGAQAAAAAAAAAAAAAAAAAMAAAAAQAAAAAAAAAAAAAAAAAAAB8AAABUAAAA7u7uAP///wEAAAAAAAAAAAAAAAAAAAAAAAAAAAAAAAAAAAAAAAAAAAAAAAJ/f38AAAAAAMvLywDAwP8Af39/AAAAAAAAAAAAAAAAAAAAAAAAAAAAIQAAABgAAAAUAAAABAoAAIcIAAA8LgAAmgwAAAAAAAAmAAAACAAAAP//////////"/>
+                <pr:smNativeData xmlns:pr="smNativeData" xmlns="smNativeData" val="SMDATA_15_t6npZxMAAAAlAAAAZQAAAA0AAAAA/wAAAJAAAAD/AAAAkAAAAAAAAAABAAAAAAAAAAEAAABQAAAAhbacS3FV1T8AAAAAAAAAAAAAAAAAAOA/AAAAAAAA4D8AAAAAAADgPwAAAAAAAOA/AAAAAAAA4D8AAAAAAADgPwAAAAAAAOA/AAAAAAAA4D8CAAAAjAAAAAEAAAAAAAAA7u7uAP///wgAAAAAAAAAAAAAAAAAAAAAAAAAAAAAAAAAAAAAeAAAAAEAAABAAAAAAAAAAAAAAABaAAAAAAAAAAAAAAAAAAAAAAAAAAAAAAAAAAAAAAAAAAAAAAAAAAAAAAAAAAAAAAAAAAAAAAAAAAAAAAAAAAAAAAAAAAAAAAAAAAAAFAAAADwAAAAAAAAAAAAAAAAAAAkUAAAAAQAAABQAAAAUAAAAFAAAAAEAAAAAAAAAZAAAAGQAAAAAAAAAZAAAAGQAAAAVAAAAYAAAAAAAAAAAAAAADwAAACADAAAAAAAAAAAAAAEAAACgMgAAVgcAAKr4//8BAAAAf39/AAEAAABkAAAAAAAAABQAAABAHwAAAAAAACYAAAAAAAAAwOD//wAAAAAmAAAAZAAAABYAAABMAAAAAQAAAAAAAAAGAAAAAAAAAAEAAAAAAAAAMgAAAAAAAAAeAAAAZAAAAGQAAAAAAAAAy8vLADIAAAAAAAAAHgAAAGQAAABkAAAAAAAAABcAAAAUAAAAAAAAAAAAAAD/fwAA/38AAAAAAAAJAAAABAAAAAAAAAAeAAAAaAAAAAAAAAAAAAAAAAAAAAAAAAAAAAAAECcAABAnAAAAAAAAAAAAAAAAAAAAAAAAAAAAAAAAAAAAAAAAAAAAAFoAAAAAAAAAwMD/AAAAAAAAAAAAAAAAAAAAAABkAAAAAAAAAH9/fwAKAAAAIgAAABgAAAAAAAAAAAAAAAAAAAAAAAAAAAAAAAAAAAAkAAAAJAAAAAAAAAAHAAAAAAAAAAAAAAAAAAAAAAAAAAAAAAAAAAAAf39/ACUAAABYAAAAAAAAAAAAAAAAAAAAAAAAAAAAAAAAAAAAAAAAAAAAAAAAAAAAAAAAAAAAAAA/AAAAAAAAAKCGAQAAAAAAAAAAAAAAAAAMAAAAAQAAAAAAAAAAAAAAAAAAAB8AAABUAAAA7u7uAP///wEAAAAAAAAAAAAAAAAAAAAAAAAAAAAAAAAAAAAAAAAAAAAAAAJ/f38AAAAAAMvLywDAwP8Af39/AAAAAAAAAAAAAAAAAAAAAAAAAAAAIQAAABgAAAAUAAAABAoAAIcIAAA8LgAAmgwAABAAAAAmAAAACAAAAP//////////"/>
               </a:ext>
             </a:extLst>
           </p:cNvSpPr>
@@ -15634,7 +15796,7 @@
             <a:spLocks noGrp="1" noChangeArrowheads="1"/>
             <a:extLst>
               <a:ext uri="smNativeData">
-                <pr:smNativeData xmlns:pr="smNativeData" xmlns="smNativeData" val="SMDATA_15_gHjoZxMAAAAlAAAAZAAAAA0AAAAAkAAAAJAAAACQAAAAkAAAAAAAAAAAAAAAAAAAAAEAAABQAAAAAAAAAAAA4D8AAAAAAADgPwAAAAAAAOA/AAAAAAAA4D8AAAAAAADgPwAAAAAAAOA/AAAAAAAA4D8AAAAAAADgPwAAAAAAAOA/AAAAAAAA4D8CAAAAjAAAAAAAAAAAAAAAQoX0DP///wgAAAAAAAAAAAAAAAAAAAAAAAAAAAAAAAAAAAAAZAAAAAEAAABAAAAAAAAAAAAAAAAAAAAAAAAAAAAAAAAAAAAAAAAAAAAAAAAAAAAAAAAAAAAAAAAAAAAAAAAAAAAAAAAAAAAAAAAAAAAAAAAAAAAAAAAAAAAAAAAAAAAAFAAAADwAAAAAAAAAAAAAAAAAAAkUAAAAAQAAABQAAAAUAAAAFAAAAAEAAAAAAAAAZAAAAGQAAAAAAAAAZAAAAGQAAAAVAAAAYAAAAAAAAAAAAAAADwAAACADAAAAAAAAAAAAAAEAAACgMgAAVgcAAKr4//8BAAAAf39/AAEAAABkAAAAAAAAABQAAABAHwAAAAAAACYAAAAAAAAAwOD//wAAAAAmAAAAZAAAABYAAABMAAAAAAAAAAAAAAAEAAAAAAAAAAEAAABZWVkKAAAAACgAAAAoAAAAZAAAAGQAAAAAAAAAzMzMAAAAAABQAAAAUAAAAGQAAABkAAAAAAAAABcAAAAUAAAAAAAAAAAAAAD/fwAA/38AAAAAAAAJAAAABAAAAGYXlXceAAAAaAAAAAAAAAAAAAAAAAAAAAAAAAAAAAAAECcAABAnAAAAAAAAAAAAAAAAAAAAAAAAAAAAAAAAAAAAAAAAAAAAABQAAAAAAAAAwMD/AAAAAABkAAAAMgAAAAAAAABkAAAAAAAAAH9/fwAKAAAAIgAAABgAAAAAAAAAAAAAAAAAAAAAAAAAAAAAAAAAAAAkAAAAJAAAAAAAAAAHAAAAAAAAAAAAAAAAAAAAAAAAAAAAAAAAAAAAf39/ACUAAABYAAAAAAAAAAAAAAAAAAAAAAAAAAAAAAAAAAAAAAAAAAAAAAAAAAAAAAAAAAAAAAA/AAAAAAAAAKCGAQAAAAAAAAAAAAAAAAAMAAAAAQAAAAAAAAAAAAAAAAAAAB8AAABUAAAAQoX0Bf///wEAAAAAAAAAAAAAAAAAAAAAAAAAAAAAAAAAAAAAAAAAAAAAAAJ/f38AWVlZA8zMzADAwP8Af39/AAAAAAAAAAAAAAAAAAAAAAAAAAAAIQAAABgAAAAUAAAAFAMAAAkCAAB/NwAAxwgAABAAAAAmAAAACAAAADwwAAAAAAAA"/>
+                <pr:smNativeData xmlns:pr="smNativeData" xmlns="smNativeData" val="SMDATA_15_t6npZxMAAAAlAAAAZAAAAA0AAAAAkAAAAJAAAACQAAAAkAAAAAAAAAAAAAAAAAAAAAEAAABQAAAAAAAAAAAA4D8AAAAAAADgPwAAAAAAAOA/AAAAAAAA4D8AAAAAAADgPwAAAAAAAOA/AAAAAAAA4D8AAAAAAADgPwAAAAAAAOA/AAAAAAAA4D8CAAAAjAAAAAAAAAAAAAAAQoX0DP///wgAAAAAAAAAAAAAAAAAAAAAAAAAAAAAAAAAAAAAZAAAAAEAAABAAAAAAAAAAAAAAAAAAAAAAAAAAAAAAAAAAAAAAAAAAAAAAAAAAAAAAAAAAAAAAAAAAAAAAAAAAAAAAAAAAAAAAAAAAAAAAAAAAAAAAAAAAAAAAAAAAAAAFAAAADwAAAAAAAAAAAAAAAAAAAkUAAAAAQAAABQAAAAUAAAAFAAAAAEAAAAAAAAAZAAAAGQAAAAAAAAAZAAAAGQAAAAVAAAAYAAAAAAAAAAAAAAADwAAACADAAAAAAAAAAAAAAEAAACgMgAAVgcAAKr4//8BAAAAf39/AAEAAABkAAAAAAAAABQAAABAHwAAAAAAACYAAAAAAAAAwOD//wAAAAAmAAAAZAAAABYAAABMAAAAAAAAAAAAAAAEAAAAAAAAAAEAAABZWVkKAAAAACgAAAAoAAAAZAAAAGQAAAAAAAAAzMzMAAAAAABQAAAAUAAAAGQAAABkAAAAAAAAABcAAAAUAAAAAAAAAAAAAAD/fwAA/38AAAAAAAAJAAAABAAAAGYXlXceAAAAaAAAAAAAAAAAAAAAAAAAAAAAAAAAAAAAECcAABAnAAAAAAAAAAAAAAAAAAAAAAAAAAAAAAAAAAAAAAAAAAAAABQAAAAAAAAAwMD/AAAAAABkAAAAMgAAAAAAAABkAAAAAAAAAH9/fwAKAAAAIgAAABgAAAAAAAAAAAAAAAAAAAAAAAAAAAAAAAAAAAAkAAAAJAAAAAAAAAAHAAAAAAAAAAAAAAAAAAAAAAAAAAAAAAAAAAAAf39/ACUAAABYAAAAAAAAAAAAAAAAAAAAAAAAAAAAAAAAAAAAAAAAAAAAAAAAAAAAAAAAAAAAAAA/AAAAAAAAAKCGAQAAAAAAAAAAAAAAAAAMAAAAAQAAAAAAAAAAAAAAAAAAAB8AAABUAAAAQoX0Bf///wEAAAAAAAAAAAAAAAAAAAAAAAAAAAAAAAAAAAAAAAAAAAAAAAJ/f38AWVlZA8zMzADAwP8Af39/AAAAAAAAAAAAAAAAAAAAAAAAAAAAIQAAABgAAAAUAAAAFAMAAAkCAAB/NwAAxwgAABAAAAAmAAAACAAAADwwAAAAAAAA"/>
               </a:ext>
             </a:extLst>
           </p:cNvSpPr>
@@ -15716,11 +15878,6 @@
                           <a:spcPts val="0"/>
                         </a:spcAft>
                         <a:buNone/>
-                        <a:defRPr cap="none">
-                          <a:solidFill>
-                            <a:srgbClr val="000000"/>
-                          </a:solidFill>
-                        </a:defRPr>
                       </a:pPr>
                       <a:r>
                         <a:rPr lang="ru-ru" sz="1600" b="1" cap="none">
@@ -15781,11 +15938,6 @@
                           <a:spcPts val="0"/>
                         </a:spcAft>
                         <a:buNone/>
-                        <a:defRPr cap="none">
-                          <a:solidFill>
-                            <a:srgbClr val="000000"/>
-                          </a:solidFill>
-                        </a:defRPr>
                       </a:pPr>
                       <a:r>
                         <a:rPr sz="1600" cap="none">
@@ -15826,7 +15978,7 @@
                 </a:tc>
                 <a:extLst>
                   <a:ext uri="smNativeData">
-                    <pr:rowheight xmlns="" xmlns:pr="smNativeData" dt="1743288448" type="min" val="381000"/>
+                    <pr:rowheight xmlns="" xmlns:pr="smNativeData" dt="1743366583" type="min" val="381000"/>
                   </a:ext>
                 </a:extLst>
               </a:tr>
@@ -15844,11 +15996,6 @@
                           <a:spcPts val="0"/>
                         </a:spcAft>
                         <a:buNone/>
-                        <a:defRPr cap="none">
-                          <a:solidFill>
-                            <a:srgbClr val="000000"/>
-                          </a:solidFill>
-                        </a:defRPr>
                       </a:pPr>
                       <a:r>
                         <a:rPr lang="ru-ru" sz="1600" b="1" cap="none">
@@ -15909,11 +16056,6 @@
                           <a:spcPts val="0"/>
                         </a:spcAft>
                         <a:buNone/>
-                        <a:defRPr cap="none">
-                          <a:solidFill>
-                            <a:srgbClr val="000000"/>
-                          </a:solidFill>
-                        </a:defRPr>
                       </a:pPr>
                       <a:r>
                         <a:rPr sz="1600" cap="none">
@@ -15954,7 +16096,7 @@
                 </a:tc>
                 <a:extLst>
                   <a:ext uri="smNativeData">
-                    <pr:rowheight xmlns="" xmlns:pr="smNativeData" dt="1743288448" type="min" val="381000"/>
+                    <pr:rowheight xmlns="" xmlns:pr="smNativeData" dt="1743366583" type="min" val="381000"/>
                   </a:ext>
                 </a:extLst>
               </a:tr>
@@ -15972,11 +16114,6 @@
                           <a:spcPts val="0"/>
                         </a:spcAft>
                         <a:buNone/>
-                        <a:defRPr cap="none">
-                          <a:solidFill>
-                            <a:srgbClr val="000000"/>
-                          </a:solidFill>
-                        </a:defRPr>
                       </a:pPr>
                       <a:r>
                         <a:rPr lang="ru-ru" sz="1600" b="1" cap="none">
@@ -16037,11 +16174,6 @@
                           <a:spcPts val="0"/>
                         </a:spcAft>
                         <a:buNone/>
-                        <a:defRPr cap="none">
-                          <a:solidFill>
-                            <a:srgbClr val="000000"/>
-                          </a:solidFill>
-                        </a:defRPr>
                       </a:pPr>
                       <a:r>
                         <a:rPr sz="1600" cap="none">
@@ -16082,7 +16214,7 @@
                 </a:tc>
                 <a:extLst>
                   <a:ext uri="smNativeData">
-                    <pr:rowheight xmlns="" xmlns:pr="smNativeData" dt="1743288448" type="min" val="381000"/>
+                    <pr:rowheight xmlns="" xmlns:pr="smNativeData" dt="1743366583" type="min" val="381000"/>
                   </a:ext>
                 </a:extLst>
               </a:tr>
@@ -16100,11 +16232,6 @@
                           <a:spcPts val="0"/>
                         </a:spcAft>
                         <a:buNone/>
-                        <a:defRPr cap="none">
-                          <a:solidFill>
-                            <a:srgbClr val="000000"/>
-                          </a:solidFill>
-                        </a:defRPr>
                       </a:pPr>
                       <a:r>
                         <a:rPr lang="ru-ru" sz="1600" b="1" cap="none">
@@ -16165,11 +16292,6 @@
                           <a:spcPts val="0"/>
                         </a:spcAft>
                         <a:buNone/>
-                        <a:defRPr cap="none">
-                          <a:solidFill>
-                            <a:srgbClr val="000000"/>
-                          </a:solidFill>
-                        </a:defRPr>
                       </a:pPr>
                       <a:r>
                         <a:rPr sz="1600" cap="none">
@@ -16210,7 +16332,7 @@
                 </a:tc>
                 <a:extLst>
                   <a:ext uri="smNativeData">
-                    <pr:rowheight xmlns="" xmlns:pr="smNativeData" dt="1743288448" type="min" val="381000"/>
+                    <pr:rowheight xmlns="" xmlns:pr="smNativeData" dt="1743366583" type="min" val="381000"/>
                   </a:ext>
                 </a:extLst>
               </a:tr>
@@ -16228,11 +16350,6 @@
                           <a:spcPts val="0"/>
                         </a:spcAft>
                         <a:buNone/>
-                        <a:defRPr cap="none">
-                          <a:solidFill>
-                            <a:srgbClr val="000000"/>
-                          </a:solidFill>
-                        </a:defRPr>
                       </a:pPr>
                       <a:r>
                         <a:rPr lang="ru-ru" sz="1600" b="1" cap="none">
@@ -16294,9 +16411,6 @@
                         </a:spcAft>
                         <a:buNone/>
                         <a:defRPr sz="1600" cap="none">
-                          <a:solidFill>
-                            <a:srgbClr val="000000"/>
-                          </a:solidFill>
                           <a:latin typeface="Roboto" pitchFamily="0" charset="0"/>
                           <a:ea typeface="Roboto" pitchFamily="0" charset="0"/>
                           <a:cs typeface="Roboto" pitchFamily="0" charset="0"/>
@@ -16331,7 +16445,7 @@
                 </a:tc>
                 <a:extLst>
                   <a:ext uri="smNativeData">
-                    <pr:rowheight xmlns="" xmlns:pr="smNativeData" dt="1743288448" type="min" val="381000"/>
+                    <pr:rowheight xmlns="" xmlns:pr="smNativeData" dt="1743366583" type="min" val="381000"/>
                   </a:ext>
                 </a:extLst>
               </a:tr>
@@ -16378,7 +16492,7 @@
             <a:spLocks noGrp="1" noChangeArrowheads="1"/>
             <a:extLst>
               <a:ext uri="smNativeData">
-                <pr:smNativeData xmlns:pr="smNativeData" xmlns="smNativeData" val="SMDATA_15_gHjoZxMAAAAlAAAAZAAAAA0AAAAAkAAAAJAAAACQAAAAkAAAAAAAAAAAAAAAAAAAAAEAAABQAAAAAAAAAAAA4D8AAAAAAADgPwAAAAAAAOA/AAAAAAAA4D8AAAAAAADgPwAAAAAAAOA/AAAAAAAA4D8AAAAAAADgPwAAAAAAAOA/AAAAAAAA4D8CAAAAjAAAAAAAAAAAAAAAQoX0DP///wgAAAAAAAAAAAAAAAAAAAAAAAAAAAAAAAAAAAAAZAAAAAEAAABAAAAAAAAAAAAAAAAAAAAAAAAAAAAAAAAAAAAAAAAAAAAAAAAAAAAAAAAAAAAAAAAAAAAAAAAAAAAAAAAAAAAAAAAAAAAAAAAAAAAAAAAAAAAAAAAAAAAAFAAAADwAAAAAAAAAAAAAAAAAAAkUAAAAAQAAABQAAAAUAAAAFAAAAAEAAAAAAAAAZAAAAGQAAAAAAAAAZAAAAGQAAAAVAAAAYAAAAAAAAAAAAAAADwAAACADAAAAAAAAAAAAAAEAAACgMgAAVgcAAKr4//8BAAAAf39/AAEAAABkAAAAAAAAABQAAABAHwAAAAAAACYAAAAAAAAAwOD//wAAAAAmAAAAZAAAABYAAABMAAAAAAAAAAAAAAAEAAAAAAAAAAEAAABZWVkKAAAAACgAAAAoAAAAZAAAAGQAAAAAAAAAzMzMAAAAAABQAAAAUAAAAGQAAABkAAAAAAAAABcAAAAUAAAAAAAAAAAAAAD/fwAA/38AAAAAAAAJAAAABAAAAAAAAAAeAAAAaAAAAAAAAAAAAAAAAAAAAAAAAAAAAAAAECcAABAnAAAAAAAAAAAAAAAAAAAAAAAAAAAAAAAAAAAAAAAAAAAAABQAAAAAAAAAwMD/AAAAAABkAAAAMgAAAAAAAABkAAAAAAAAAH9/fwAKAAAAIgAAABgAAAAAAAAAAAAAAAAAAAAAAAAAAAAAAAAAAAAkAAAAJAAAAAAAAAAHAAAAAAAAAAAAAAAAAAAAAAAAAAAAAAAAAAAAf39/ACUAAABYAAAAAAAAAAAAAAAAAAAAAAAAAAAAAAAAAAAAAAAAAAAAAAAAAAAAAAAAAAAAAAA/AAAAAAAAAKCGAQAAAAAAAAAAAAAAAAAMAAAAAQAAAAAAAAAAAAAAAAAAAB8AAABUAAAAQoX0Bf///wEAAAAAAAAAAAAAAAAAAAAAAAAAAAAAAAAAAAAAAAAAAAAAAAJ/f38AWVlZA8zMzADAwP8Af39/AAAAAAAAAAAAAAAAAAAAAAAAAAAAIQAAABgAAAAUAAAAFAMAAAkCAAB/NwAAxwgAAAAAAAAmAAAACAAAAD0wAAAAAAAA"/>
+                <pr:smNativeData xmlns:pr="smNativeData" xmlns="smNativeData" val="SMDATA_15_t6npZxMAAAAlAAAAZAAAAA0AAAAAkAAAAJAAAACQAAAAkAAAAAAAAAAAAAAAAAAAAAEAAABQAAAAAAAAAAAA4D8AAAAAAADgPwAAAAAAAOA/AAAAAAAA4D8AAAAAAADgPwAAAAAAAOA/AAAAAAAA4D8AAAAAAADgPwAAAAAAAOA/AAAAAAAA4D8CAAAAjAAAAAAAAAAAAAAAQoX0DP///wgAAAAAAAAAAAAAAAAAAAAAAAAAAAAAAAAAAAAAZAAAAAEAAABAAAAAAAAAAAAAAAAAAAAAAAAAAAAAAAAAAAAAAAAAAAAAAAAAAAAAAAAAAAAAAAAAAAAAAAAAAAAAAAAAAAAAAAAAAAAAAAAAAAAAAAAAAAAAAAAAAAAAFAAAADwAAAAAAAAAAAAAAAAAAAkUAAAAAQAAABQAAAAUAAAAFAAAAAEAAAAAAAAAZAAAAGQAAAAAAAAAZAAAAGQAAAAVAAAAYAAAAAAAAAAAAAAADwAAACADAAAAAAAAAAAAAAEAAACgMgAAVgcAAKr4//8BAAAAf39/AAEAAABkAAAAAAAAABQAAABAHwAAAAAAACYAAAAAAAAAwOD//wAAAAAmAAAAZAAAABYAAABMAAAAAAAAAAAAAAAEAAAAAAAAAAEAAABZWVkKAAAAACgAAAAoAAAAZAAAAGQAAAAAAAAAzMzMAAAAAABQAAAAUAAAAGQAAABkAAAAAAAAABcAAAAUAAAAAAAAAAAAAAD/fwAA/38AAAAAAAAJAAAABAAAAAAAAAAeAAAAaAAAAAAAAAAAAAAAAAAAAAAAAAAAAAAAECcAABAnAAAAAAAAAAAAAAAAAAAAAAAAAAAAAAAAAAAAAAAAAAAAABQAAAAAAAAAwMD/AAAAAABkAAAAMgAAAAAAAABkAAAAAAAAAH9/fwAKAAAAIgAAABgAAAAAAAAAAAAAAAAAAAAAAAAAAAAAAAAAAAAkAAAAJAAAAAAAAAAHAAAAAAAAAAAAAAAAAAAAAAAAAAAAAAAAAAAAf39/ACUAAABYAAAAAAAAAAAAAAAAAAAAAAAAAAAAAAAAAAAAAAAAAAAAAAAAAAAAAAAAAAAAAAA/AAAAAAAAAKCGAQAAAAAAAAAAAAAAAAAMAAAAAQAAAAAAAAAAAAAAAAAAAB8AAABUAAAAQoX0Bf///wEAAAAAAAAAAAAAAAAAAAAAAAAAAAAAAAAAAAAAAAAAAAAAAAJ/f38AWVlZA8zMzADAwP8Af39/AAAAAAAAAAAAAAAAAAAAAAAAAAAAIQAAABgAAAAUAAAAFAMAAAkCAAB/NwAAxwgAABAAAAAmAAAACAAAADwwAAAAAAAA"/>
               </a:ext>
             </a:extLst>
           </p:cNvSpPr>
@@ -16386,12 +16500,7 @@
             <p:ph type="title"/>
           </p:nvPr>
         </p:nvSpPr>
-        <p:spPr>
-          <a:xfrm>
-            <a:off x="500380" y="330835"/>
-            <a:ext cx="8521065" cy="1096010"/>
-          </a:xfrm>
-        </p:spPr>
+        <p:spPr/>
         <p:txBody>
           <a:bodyPr vert="horz" wrap="square" lIns="91440" tIns="91440" rIns="91440" bIns="91440" numCol="1" spcCol="215900" anchor="t">
             <a:prstTxWarp prst="textNoShape">
@@ -16423,7 +16532,7 @@
             <a:picLocks noChangeAspect="1"/>
             <a:extLst>
               <a:ext uri="smNativeData">
-                <pr:smNativeData xmlns:pr="smNativeData" xmlns="smNativeData" val="SMDATA_17_gHjoZxMAAAAlAAAAEQAAAC8BAAAAkAAAAEgAAACQAAAASAAAAAAAAAAAAAAAAAAAAAEAAABQAAAAAAAAAAAA4D8AAAAAAADgPwAAAAAAAOA/AAAAAAAA4D8AAAAAAADgPwAAAAAAAOA/AAAAAAAA4D8AAAAAAADgPwAAAAAAAOA/AAAAAAAA4D8CAAAAjAAAAAAAAAAAAAAAQoX0DP///wgAAAAAAAAAAAAAAAAAAAAAAAAAAAAAAAAAAAAAZAAAAAEAAABAAAAAAAAAAAAAAAAAAAAAAAAAAAAAAAAAAAAAAAAAAAAAAAAAAAAAAAAAAAAAAAAAAAAAAAAAAAAAAAAAAAAAAAAAAAAAAAAAAAAAAAAAAAAAAAAAAAAAFAAAADwAAAAAAAAAAAAAAAAAAAkUAAAAAQAAABQAAAAUAAAAFAAAAAEAAAAAAAAAZAAAAGQAAAAAAAAAZAAAAGQAAAAVAAAAYAAAAAAAAAAAAAAADwAAACADAAAAAAAAAAAAAAEAAACgMgAAVgcAAKr4//8BAAAAf39/AAEAAABkAAAAAAAAABQAAABAHwAAAAAAACYAAAAAAAAAwOD//wAAAAAmAAAAZAAAABYAAABMAAAAAAAAAAAAAAAEAAAAAAAAAAEAAABZWVkKAAAAACgAAAAoAAAAZAAAAGQAAAAAAAAAzMzMAAAAAABQAAAAUAAAAGQAAABkAAAAAAAAAAcAAAA4AAAAAAAAAAAAAAAAAAAA////AAAAAAAAAAAAAAAAAAAAAAAAAAAAAAAAAAAAAABkAAAAZAAAAAAAAAAjAAAABAAAAGQAAAAXAAAAFAAAAAAAAAAAAAAA/38AAP9/AAAAAAAACQAAAAQAAAAAAAAAHgAAAGgAAAAAAAAAAAAAAAAAAAAAAAAAAAAAABAnAAAQJwAAAAAAAAAAAAAAAAAAAAAAAAAAAAAAAAAAAAAAAAAAAAAUAAAAAAAAAMDA/wAAAAAAZAAAADIAAAAAAAAAZAAAAAAAAAB/f38ACgAAACIAAAAYAAAAAAAAAAAAAAAAAAAAAAAAAAAAAAAAAAAAJAAAACQAAAAAAAAABwAAAAAAAAAAAAAAAAAAAAAAAAAAAAAAAAAAAH9/fwAlAAAAWAAAAAAAAAAAAAAAAAAAAAAAAAAAAAAAAAAAAAAAAAAAAAAAAAAAAAAAAAAAAAAAPwAAAAAAAACghgEAAAAAAAAAAAAAAAAADAAAAAEAAAAAAAAAAAAAAAAAAAAfAAAAVAAAAEKF9AX///8BAAAAAAAAAAAAAAAAAAAAAAAAAAAAAAAAAAAAAAAAAAAAAAACf39/AFlZWQPMzMwAwMD/AH9/fwAAAAAAAAAAAAAAAAD///8AAAAAACEAAAAYAAAAFAAAAIcWAAARAwAAmy4AADsfAAAAAAAAJgAAAAgAAAD//////////w=="/>
+                <pr:smNativeData xmlns:pr="smNativeData" xmlns="smNativeData" val="SMDATA_17_t6npZxMAAAAlAAAAEQAAAC8BAAAAkAAAAEgAAACQAAAASAAAAAAAAAAAAAAAAAAAAAEAAABQAAAAAAAAAAAA4D8AAAAAAADgPwAAAAAAAOA/AAAAAAAA4D8AAAAAAADgPwAAAAAAAOA/AAAAAAAA4D8AAAAAAADgPwAAAAAAAOA/AAAAAAAA4D8CAAAAjAAAAAAAAAAAAAAAQoX0DP///wgAAAAAAAAAAAAAAAAAAAAAAAAAAAAAAAAAAAAAZAAAAAEAAABAAAAAAAAAAAAAAAAAAAAAAAAAAAAAAAAAAAAAAAAAAAAAAAAAAAAAAAAAAAAAAAAAAAAAAAAAAAAAAAAAAAAAAAAAAAAAAAAAAAAAAAAAAAAAAAAAAAAAFAAAADwAAAAAAAAAAAAAAAAAAAkUAAAAAQAAABQAAAAUAAAAFAAAAAEAAAAAAAAAZAAAAGQAAAAAAAAAZAAAAGQAAAAVAAAAYAAAAAAAAAAAAAAADwAAACADAAAAAAAAAAAAAAEAAACgMgAAVgcAAKr4//8BAAAAf39/AAEAAABkAAAAAAAAABQAAABAHwAAAAAAACYAAAAAAAAAwOD//wAAAAAmAAAAZAAAABYAAABMAAAAAAAAAAAAAAAEAAAAAAAAAAEAAABZWVkKAAAAACgAAAAoAAAAZAAAAGQAAAAAAAAAzMzMAAAAAABQAAAAUAAAAGQAAABkAAAAAAAAAAcAAAA4AAAAAAAAAAAAAAAAAAAA////AAAAAAAAAAAAAAAAAAAAAAAAAAAAAAAAAAAAAABkAAAAZAAAAAAAAAAjAAAABAAAAGQAAAAXAAAAFAAAAAAAAAAAAAAA/38AAP9/AAAAAAAACQAAAAQAAAAAAAAAHgAAAGgAAAAAAAAAAAAAAAAAAAAAAAAAAAAAABAnAAAQJwAAAAAAAAAAAAAAAAAAAAAAAAAAAAAAAAAAAAAAAAAAAAAUAAAAAAAAAMDA/wAAAAAAZAAAADIAAAAAAAAAZAAAAAAAAAB/f38ACgAAACIAAAAYAAAAAAAAAAAAAAAAAAAAAAAAAAAAAAAAAAAAJAAAACQAAAAAAAAABwAAAAAAAAAAAAAAAAAAAAAAAAAAAAAAAAAAAH9/fwAlAAAAWAAAAAAAAAAAAAAAAAAAAAAAAAAAAAAAAAAAAAAAAAAAAAAAAAAAAAAAAAAAAAAAPwAAAAAAAACghgEAAAAAAAAAAAAAAAAADAAAAAEAAAAAAAAAAAAAAAAAAAAfAAAAVAAAAEKF9AX///8BAAAAAAAAAAAAAAAAAAAAAAAAAAAAAAAAAAAAAAAAAAAAAAACf39/AFlZWQPMzMwAwMD/AH9/fwAAAAAAAAAAAAAAAAD///8AAAAAACEAAAAYAAAAFAAAAIcWAAARAwAAmy4AADsfAAAQAAAAJgAAAAgAAAD//////////w=="/>
               </a:ext>
             </a:extLst>
           </p:cNvPicPr>
@@ -16489,7 +16598,7 @@
             <a:spLocks noGrp="1" noChangeArrowheads="1"/>
             <a:extLst>
               <a:ext uri="smNativeData">
-                <pr:smNativeData xmlns:pr="smNativeData" xmlns="smNativeData" val="SMDATA_15_gHjoZxMAAAAlAAAAZAAAAA0AAAAAkAAAAJAAAACQAAAAkAAAAAAAAAAAAAAAAAAAAAEAAABQAAAAAAAAAAAA4D8AAAAAAADgPwAAAAAAAOA/AAAAAAAA4D8AAAAAAADgPwAAAAAAAOA/AAAAAAAA4D8AAAAAAADgPwAAAAAAAOA/AAAAAAAA4D8CAAAAjAAAAAAAAAAAAAAAQoX0DP///wgAAAAAAAAAAAAAAAAAAAAAAAAAAAAAAAAAAAAAZAAAAAEAAABAAAAAAAAAAAAAAAAAAAAAAAAAAAAAAAAAAAAAAAAAAAAAAAAAAAAAAAAAAAAAAAAAAAAAAAAAAAAAAAAAAAAAAAAAAAAAAAAAAAAAAAAAAAAAAAAAAAAAFAAAADwAAAAAAAAAAAAAAAAAAAkUAAAAAQAAABQAAAAUAAAAFAAAAAEAAAAAAAAAZAAAAGQAAAAAAAAAZAAAAGQAAAAVAAAAYAAAAAAAAAAAAAAADwAAACADAAAAAAAAAAAAAAEAAACgMgAAVgcAAKr4//8BAAAAf39/AAEAAABkAAAAAAAAABQAAABAHwAAAAAAACYAAAAAAAAAwOD//wAAAAAmAAAAZAAAABYAAABMAAAAAAAAAAAAAAAEAAAAAAAAAAEAAABZWVkKAAAAACgAAAAoAAAAZAAAAGQAAAAAAAAAzMzMAAAAAABQAAAAUAAAAGQAAABkAAAAAAAAABcAAAAUAAAAAAAAAAAAAAD/fwAA/38AAAAAAAAJAAAABAAAAAAAAAAeAAAAaAAAAAAAAAAAAAAAAAAAAAAAAAAAAAAAECcAABAnAAAAAAAAAAAAAAAAAAAAAAAAAAAAAAAAAAAAAAAAAAAAABQAAAAAAAAAwMD/AAAAAABkAAAAMgAAAAAAAABkAAAAAAAAAH9/fwAKAAAAIgAAABgAAAAAAAAAAAAAAAAAAAAAAAAAAAAAAAAAAAAkAAAAJAAAAAAAAAAHAAAAAAAAAAAAAAAAAAAAAAAAAAAAAAAAAAAAf39/ACUAAABYAAAAAAAAAAAAAAAAAAAAAAAAAAAAAAAAAAAAAAAAAAAAAAAAAAAAAAAAAAAAAAA/AAAAAAAAAKCGAQAAAAAAAAAAAAAAAAAMAAAAAQAAAAAAAAAAAAAAAAAAAB8AAABUAAAAQoX0Bf///wEAAAAAAAAAAAAAAAAAAAAAAAAAAAAAAAAAAAAAAAAAAAAAAAJ/f38AWVlZA8zMzADAwP8Af39/AAAAAAAAAAAAAAAAAAAAAAAAAAAAIQAAABgAAAAUAAAAFAMAAAkCAAB/NwAA3AUAAAAAAAAmAAAACAAAAD0wAAAAAAAA"/>
+                <pr:smNativeData xmlns:pr="smNativeData" xmlns="smNativeData" val="SMDATA_15_t6npZxMAAAAlAAAAZAAAAA0AAAAAkAAAAJAAAACQAAAAkAAAAAAAAAAAAAAAAAAAAAEAAABQAAAAAAAAAAAA4D8AAAAAAADgPwAAAAAAAOA/AAAAAAAA4D8AAAAAAADgPwAAAAAAAOA/AAAAAAAA4D8AAAAAAADgPwAAAAAAAOA/AAAAAAAA4D8CAAAAjAAAAAAAAAAAAAAAQoX0DP///wgAAAAAAAAAAAAAAAAAAAAAAAAAAAAAAAAAAAAAZAAAAAEAAABAAAAAAAAAAAAAAAAAAAAAAAAAAAAAAAAAAAAAAAAAAAAAAAAAAAAAAAAAAAAAAAAAAAAAAAAAAAAAAAAAAAAAAAAAAAAAAAAAAAAAAAAAAAAAAAAAAAAAFAAAADwAAAAAAAAAAAAAAAAAAAkUAAAAAQAAABQAAAAUAAAAFAAAAAEAAAAAAAAAZAAAAGQAAAAAAAAAZAAAAGQAAAAVAAAAYAAAAAAAAAAAAAAADwAAACADAAAAAAAAAAAAAAEAAACgMgAAVgcAAKr4//8BAAAAf39/AAEAAABkAAAAAAAAABQAAABAHwAAAAAAACYAAAAAAAAAwOD//wAAAAAmAAAAZAAAABYAAABMAAAAAAAAAAAAAAAEAAAAAAAAAAEAAABZWVkKAAAAACgAAAAoAAAAZAAAAGQAAAAAAAAAzMzMAAAAAABQAAAAUAAAAGQAAABkAAAAAAAAABcAAAAUAAAAAAAAAAAAAAD/fwAA/38AAAAAAAAJAAAABAAAAAAAAAAeAAAAaAAAAAAAAAAAAAAAAAAAAAAAAAAAAAAAECcAABAnAAAAAAAAAAAAAAAAAAAAAAAAAAAAAAAAAAAAAAAAAAAAABQAAAAAAAAAwMD/AAAAAABkAAAAMgAAAAAAAABkAAAAAAAAAH9/fwAKAAAAIgAAABgAAAAAAAAAAAAAAAAAAAAAAAAAAAAAAAAAAAAkAAAAJAAAAAAAAAAHAAAAAAAAAAAAAAAAAAAAAAAAAAAAAAAAAAAAf39/ACUAAABYAAAAAAAAAAAAAAAAAAAAAAAAAAAAAAAAAAAAAAAAAAAAAAAAAAAAAAAAAAAAAAA/AAAAAAAAAKCGAQAAAAAAAAAAAAAAAAAMAAAAAQAAAAAAAAAAAAAAAAAAAB8AAABUAAAAQoX0Bf///wEAAAAAAAAAAAAAAAAAAAAAAAAAAAAAAAAAAAAAAAAAAAAAAAJ/f38AWVlZA8zMzADAwP8Af39/AAAAAAAAAAAAAAAAAAAAAAAAAAAAIQAAABgAAAAUAAAAFAMAAAkCAAB/NwAA3AUAABAAAAAmAAAACAAAAD0wAAAAAAAA"/>
               </a:ext>
             </a:extLst>
           </p:cNvSpPr>
@@ -16534,7 +16643,7 @@
             <a:picLocks noChangeAspect="1"/>
             <a:extLst>
               <a:ext uri="smNativeData">
-                <pr:smNativeData xmlns:pr="smNativeData" xmlns="smNativeData" val="SMDATA_17_gHjoZxMAAAAlAAAAEQAAAC8BAAAAkAAAAEgAAACQAAAASAAAAAAAAAAAAAAAAAAAAAEAAABQAAAAAAAAAAAA4D8AAAAAAADgPwAAAAAAAOA/AAAAAAAA4D8AAAAAAADgPwAAAAAAAOA/AAAAAAAA4D8AAAAAAADgPwAAAAAAAOA/AAAAAAAA4D8CAAAAjAAAAAAAAAAAAAAAQoX0DP///wgAAAAAAAAAAAAAAAAAAAAAAAAAAAAAAAAAAAAAZAAAAAEAAABAAAAAAAAAAAAAAAAAAAAAAAAAAAAAAAAAAAAAAAAAAAAAAAAAAAAAAAAAAAAAAAAAAAAAAAAAAAAAAAAAAAAAAAAAAAAAAAAAAAAAAAAAAAAAAAAAAAAAFAAAADwAAAAAAAAAAAAAAAAAAAkUAAAAAQAAABQAAAAUAAAAFAAAAAEAAAAAAAAAZAAAAGQAAAAAAAAAZAAAAGQAAAAVAAAAYAAAAAAAAAAAAAAADwAAACADAAAAAAAAAAAAAAEAAACgMgAAVgcAAKr4//8BAAAAf39/AAEAAABkAAAAAAAAABQAAABAHwAAAAAAACYAAAAAAAAAwOD//wAAAAAmAAAAZAAAABYAAABMAAAAAAAAAAAAAAAEAAAAAAAAAAEAAABZWVkKAAAAACgAAAAoAAAAZAAAAGQAAAAAAAAAzMzMAAAAAABQAAAAUAAAAGQAAABkAAAAAAAAAAcAAAA4AAAAAAAAAAAAAAAAAAAA////AAAAAAAAAAAAAAAAAAAAAAAAAAAAAAAAAAAAAABkAAAAZAAAAAAAAAAjAAAABAAAAGQAAAAXAAAAFAAAAAAAAAAAAAAA/38AAP9/AAAAAAAACQAAAAQAAAAAAAAAHgAAAGgAAAAAAAAAAAAAAAAAAAAAAAAAAAAAABAnAAAQJwAAAAAAAAAAAAAAAAAAAAAAAAAAAAAAAAAAAAAAAAAAAAAUAAAAAAAAAMDA/wAAAAAAZAAAADIAAAAAAAAAZAAAAAAAAAB/f38ACgAAACIAAAAYAAAAAAAAAAAAAAAAAAAAAAAAAAAAAAAAAAAAJAAAACQAAAAAAAAABwAAAAAAAAAAAAAAAAAAAAAAAAAAAAAAAAAAAH9/fwAlAAAAWAAAAAAAAAAAAAAAAAAAAAAAAAAAAAAAAAAAAAAAAAAAAAAAAAAAAAAAAAAAAAAAPwAAAAAAAACghgEAAAAAAAAAAAAAAAAADAAAAAEAAAAAAAAAAAAAAAAAAAAfAAAAVAAAAEKF9AX///8BAAAAAAAAAAAAAAAAAAAAAAAAAAAAAAAAAAAAAAAAAAAAAAACf39/AFlZWQPMzMwAwMD/AH9/fwAAAAAAAAAAAAAAAAD///8AAAAAACEAAAAYAAAAFAAAABADAACeBgAAvTcAAGgcAAAAAAAAJgAAAAgAAAD//////////w=="/>
+                <pr:smNativeData xmlns:pr="smNativeData" xmlns="smNativeData" val="SMDATA_17_t6npZxMAAAAlAAAAEQAAAC8BAAAAkAAAAEgAAACQAAAASAAAAAAAAAAAAAAAAAAAAAEAAABQAAAAAAAAAAAA4D8AAAAAAADgPwAAAAAAAOA/AAAAAAAA4D8AAAAAAADgPwAAAAAAAOA/AAAAAAAA4D8AAAAAAADgPwAAAAAAAOA/AAAAAAAA4D8CAAAAjAAAAAAAAAAAAAAAQoX0DP///wgAAAAAAAAAAAAAAAAAAAAAAAAAAAAAAAAAAAAAZAAAAAEAAABAAAAAAAAAAAAAAAAAAAAAAAAAAAAAAAAAAAAAAAAAAAAAAAAAAAAAAAAAAAAAAAAAAAAAAAAAAAAAAAAAAAAAAAAAAAAAAAAAAAAAAAAAAAAAAAAAAAAAFAAAADwAAAAAAAAAAAAAAAAAAAkUAAAAAQAAABQAAAAUAAAAFAAAAAEAAAAAAAAAZAAAAGQAAAAAAAAAZAAAAGQAAAAVAAAAYAAAAAAAAAAAAAAADwAAACADAAAAAAAAAAAAAAEAAACgMgAAVgcAAKr4//8BAAAAf39/AAEAAABkAAAAAAAAABQAAABAHwAAAAAAACYAAAAAAAAAwOD//wAAAAAmAAAAZAAAABYAAABMAAAAAAAAAAAAAAAEAAAAAAAAAAEAAABZWVkKAAAAACgAAAAoAAAAZAAAAGQAAAAAAAAAzMzMAAAAAABQAAAAUAAAAGQAAABkAAAAAAAAAAcAAAA4AAAAAAAAAAAAAAAAAAAA////AAAAAAAAAAAAAAAAAAAAAAAAAAAAAAAAAAAAAABkAAAAZAAAAAAAAAAjAAAABAAAAGQAAAAXAAAAFAAAAAAAAAAAAAAA/38AAP9/AAAAAAAACQAAAAQAAAAAAAAAHgAAAGgAAAAAAAAAAAAAAAAAAAAAAAAAAAAAABAnAAAQJwAAAAAAAAAAAAAAAAAAAAAAAAAAAAAAAAAAAAAAAAAAAAAUAAAAAAAAAMDA/wAAAAAAZAAAADIAAAAAAAAAZAAAAAAAAAB/f38ACgAAACIAAAAYAAAAAAAAAAAAAAAAAAAAAAAAAAAAAAAAAAAAJAAAACQAAAAAAAAABwAAAAAAAAAAAAAAAAAAAAAAAAAAAAAAAAAAAH9/fwAlAAAAWAAAAAAAAAAAAAAAAAAAAAAAAAAAAAAAAAAAAAAAAAAAAAAAAAAAAAAAAAAAAAAAPwAAAAAAAACghgEAAAAAAAAAAAAAAAAADAAAAAEAAAAAAAAAAAAAAAAAAAAfAAAAVAAAAEKF9AX///8BAAAAAAAAAAAAAAAAAAAAAAAAAAAAAAAAAAAAAAAAAAAAAAACf39/AFlZWQPMzMwAwMD/AH9/fwAAAAAAAAAAAAAAAAD///8AAAAAACEAAAAYAAAAFAAAABADAACeBgAAvTcAAGgcAAAQAAAAJgAAAAgAAAD//////////w=="/>
               </a:ext>
             </a:extLst>
           </p:cNvPicPr>
@@ -16600,7 +16709,7 @@
             <a:spLocks noGrp="1" noChangeArrowheads="1"/>
             <a:extLst>
               <a:ext uri="smNativeData">
-                <pr:smNativeData xmlns:pr="smNativeData" xmlns="smNativeData" val="SMDATA_15_gHjoZxMAAAAlAAAAZAAAAA0AAAAAkAAAAJAAAACQAAAAkAAAAAAAAAAAAAAAAAAAAAEAAABQAAAAAAAAAAAA4D8AAAAAAADgPwAAAAAAAOA/AAAAAAAA4D8AAAAAAADgPwAAAAAAAOA/AAAAAAAA4D8AAAAAAADgPwAAAAAAAOA/AAAAAAAA4D8CAAAAjAAAAAAAAAAAAAAAQoX0DP///wgAAAAAAAAAAAAAAAAAAAAAAAAAAAAAAAAAAAAAZAAAAAEAAABAAAAAAAAAAAAAAAAAAAAAAAAAAAAAAAAAAAAAAAAAAAAAAAAAAAAAAAAAAAAAAAAAAAAAAAAAAAAAAAAAAAAAAAAAAAAAAAAAAAAAAAAAAAAAAAAAAAAAFAAAADwAAAAAAAAAAAAAAAAAAAkUAAAAAQAAABQAAAAUAAAAFAAAAAEAAAAAAAAAZAAAAGQAAAAAAAAAZAAAAGQAAAAVAAAAYAAAAAAAAAAAAAAADwAAACADAAAAAAAAAAAAAAEAAACgMgAAVgcAAKr4//8BAAAAf39/AAEAAABkAAAAAAAAABQAAABAHwAAAAAAACYAAAAAAAAAwOD//wAAAAAmAAAAZAAAABYAAABMAAAAAAAAAAAAAAAEAAAAAAAAAAEAAABZWVkKAAAAACgAAAAoAAAAZAAAAGQAAAAAAAAAzMzMAAAAAABQAAAAUAAAAGQAAABkAAAAAAAAABcAAAAUAAAAAAAAAAAAAAD/fwAA/38AAAAAAAAJAAAABAAAAAAAAAAeAAAAaAAAAAAAAAAAAAAAAAAAAAAAAAAAAAAAECcAABAnAAAAAAAAAAAAAAAAAAAAAAAAAAAAAAAAAAAAAAAAAAAAABQAAAAAAAAAwMD/AAAAAABkAAAAMgAAAAAAAABkAAAAAAAAAH9/fwAKAAAAIgAAABgAAAAAAAAAAAAAAAAAAAAAAAAAAAAAAAAAAAAkAAAAJAAAAAAAAAAHAAAAAAAAAAAAAAAAAAAAAAAAAAAAAAAAAAAAf39/ACUAAABYAAAAAAAAAAAAAAAAAAAAAAAAAAAAAAAAAAAAAAAAAAAAAAAAAAAAAAAAAAAAAAA/AAAAAAAAAKCGAQAAAAAAAAAAAAAAAAAMAAAAAQAAAAAAAAAAAAAAAAAAAB8AAABUAAAAQoX0Bf///wEAAAAAAAAAAAAAAAAAAAAAAAAAAAAAAAAAAAAAAAAAAAAAAAJ/f38AWVlZA8zMzADAwP8Af39/AAAAAAAAAAAAAAAAAAAAAAAAAAAAIQAAABgAAAAUAAAAFAMAAAkCAAB/NwAA3AUAAAAAAAAmAAAACAAAAD0wAAAAAAAA"/>
+                <pr:smNativeData xmlns:pr="smNativeData" xmlns="smNativeData" val="SMDATA_15_t6npZxMAAAAlAAAAZAAAAA0AAAAAkAAAAJAAAACQAAAAkAAAAAAAAAAAAAAAAAAAAAEAAABQAAAAAAAAAAAA4D8AAAAAAADgPwAAAAAAAOA/AAAAAAAA4D8AAAAAAADgPwAAAAAAAOA/AAAAAAAA4D8AAAAAAADgPwAAAAAAAOA/AAAAAAAA4D8CAAAAjAAAAAAAAAAAAAAAQoX0DP///wgAAAAAAAAAAAAAAAAAAAAAAAAAAAAAAAAAAAAAZAAAAAEAAABAAAAAAAAAAAAAAAAAAAAAAAAAAAAAAAAAAAAAAAAAAAAAAAAAAAAAAAAAAAAAAAAAAAAAAAAAAAAAAAAAAAAAAAAAAAAAAAAAAAAAAAAAAAAAAAAAAAAAFAAAADwAAAAAAAAAAAAAAAAAAAkUAAAAAQAAABQAAAAUAAAAFAAAAAEAAAAAAAAAZAAAAGQAAAAAAAAAZAAAAGQAAAAVAAAAYAAAAAAAAAAAAAAADwAAACADAAAAAAAAAAAAAAEAAACgMgAAVgcAAKr4//8BAAAAf39/AAEAAABkAAAAAAAAABQAAABAHwAAAAAAACYAAAAAAAAAwOD//wAAAAAmAAAAZAAAABYAAABMAAAAAAAAAAAAAAAEAAAAAAAAAAEAAABZWVkKAAAAACgAAAAoAAAAZAAAAGQAAAAAAAAAzMzMAAAAAABQAAAAUAAAAGQAAABkAAAAAAAAABcAAAAUAAAAAAAAAAAAAAD/fwAA/38AAAAAAAAJAAAABAAAAAAAAAAeAAAAaAAAAAAAAAAAAAAAAAAAAAAAAAAAAAAAECcAABAnAAAAAAAAAAAAAAAAAAAAAAAAAAAAAAAAAAAAAAAAAAAAABQAAAAAAAAAwMD/AAAAAABkAAAAMgAAAAAAAABkAAAAAAAAAH9/fwAKAAAAIgAAABgAAAAAAAAAAAAAAAAAAAAAAAAAAAAAAAAAAAAkAAAAJAAAAAAAAAAHAAAAAAAAAAAAAAAAAAAAAAAAAAAAAAAAAAAAf39/ACUAAABYAAAAAAAAAAAAAAAAAAAAAAAAAAAAAAAAAAAAAAAAAAAAAAAAAAAAAAAAAAAAAAA/AAAAAAAAAKCGAQAAAAAAAAAAAAAAAAAMAAAAAQAAAAAAAAAAAAAAAAAAAB8AAABUAAAAQoX0Bf///wEAAAAAAAAAAAAAAAAAAAAAAAAAAAAAAAAAAAAAAAAAAAAAAAJ/f38AWVlZA8zMzADAwP8Af39/AAAAAAAAAAAAAAAAAAAAAAAAAAAAIQAAABgAAAAUAAAAFAMAAAkCAAB/NwAA3AUAABAAAAAmAAAACAAAAD0wAAAAAAAA"/>
               </a:ext>
             </a:extLst>
           </p:cNvSpPr>
@@ -16645,7 +16754,7 @@
             <a:picLocks noChangeAspect="1"/>
             <a:extLst>
               <a:ext uri="smNativeData">
-                <pr:smNativeData xmlns:pr="smNativeData" xmlns="smNativeData" val="SMDATA_17_gHjoZxMAAAAlAAAAEQAAAC8BAAAAkAAAAEgAAACQAAAASAAAAAAAAAAAAAAAAAAAAAEAAABQAAAAAAAAAAAA4D8AAAAAAADgPwAAAAAAAOA/AAAAAAAA4D8AAAAAAADgPwAAAAAAAOA/AAAAAAAA4D8AAAAAAADgPwAAAAAAAOA/AAAAAAAA4D8CAAAAjAAAAAAAAAAAAAAAQoX0DP///wgAAAAAAAAAAAAAAAAAAAAAAAAAAAAAAAAAAAAAZAAAAAEAAABAAAAAAAAAAAAAAAAAAAAAAAAAAAAAAAAAAAAAAAAAAAAAAAAAAAAAAAAAAAAAAAAAAAAAAAAAAAAAAAAAAAAAAAAAAAAAAAAAAAAAAAAAAAAAAAAAAAAAFAAAADwAAAAAAAAAAAAAAAAAAAkUAAAAAQAAABQAAAAUAAAAFAAAAAEAAAAAAAAAZAAAAGQAAAAAAAAAZAAAAGQAAAAVAAAAYAAAAAAAAAAAAAAADwAAACADAAAAAAAAAAAAAAEAAACgMgAAVgcAAKr4//8BAAAAf39/AAEAAABkAAAAAAAAABQAAABAHwAAAAAAACYAAAAAAAAAwOD//wAAAAAmAAAAZAAAABYAAABMAAAAAAAAAAAAAAAEAAAAAAAAAAEAAABZWVkKAAAAACgAAAAoAAAAZAAAAGQAAAAAAAAAzMzMAAAAAABQAAAAUAAAAGQAAABkAAAAAAAAAAcAAAA4AAAAAAAAAAAAAAAAAAAA////AAAAAAAAAAAAAAAAAAAAAAAAAAAAAAAAAAAAAABkAAAAZAAAAAAAAAAjAAAABAAAAGQAAAAXAAAAFAAAAAAAAAAAAAAA/38AAP9/AAAAAAAACQAAAAQAAAAAAAAAHgAAAGgAAAAAAAAAAAAAAAAAAAAAAAAAAAAAABAnAAAQJwAAAAAAAAAAAAAAAAAAAAAAAAAAAAAAAAAAAAAAAAAAAAAUAAAAAAAAAMDA/wAAAAAAZAAAADIAAAAAAAAAZAAAAAAAAAB/f38ACgAAACIAAAAYAAAAAAAAAAAAAAAAAAAAAAAAAAAAAAAAAAAAJAAAACQAAAAAAAAABwAAAAAAAAAAAAAAAAAAAAAAAAAAAAAAAAAAAH9/fwAlAAAAWAAAAAAAAAAAAAAAAAAAAAAAAAAAAAAAAAAAAAAAAAAAAAAAAAAAAAAAAAAAAAAAPwAAAAAAAACghgEAAAAAAAAAAAAAAAAADAAAAAEAAAAAAAAAAAAAAAAAAAAfAAAAVAAAAEKF9AX///8BAAAAAAAAAAAAAAAAAAAAAAAAAAAAAAAAAAAAAAAAAAAAAAACf39/AFlZWQPMzMwAwMD/AH9/fwAAAAAAAAAAAAAAAAD///8AAAAAACEAAAAYAAAAFAAAANACAACqBgAAjjcAACAcAAAAAAAAJgAAAAgAAAD//////////w=="/>
+                <pr:smNativeData xmlns:pr="smNativeData" xmlns="smNativeData" val="SMDATA_17_t6npZxMAAAAlAAAAEQAAAC8BAAAAkAAAAEgAAACQAAAASAAAAAAAAAAAAAAAAAAAAAEAAABQAAAAAAAAAAAA4D8AAAAAAADgPwAAAAAAAOA/AAAAAAAA4D8AAAAAAADgPwAAAAAAAOA/AAAAAAAA4D8AAAAAAADgPwAAAAAAAOA/AAAAAAAA4D8CAAAAjAAAAAAAAAAAAAAAQoX0DP///wgAAAAAAAAAAAAAAAAAAAAAAAAAAAAAAAAAAAAAZAAAAAEAAABAAAAAAAAAAAAAAAAAAAAAAAAAAAAAAAAAAAAAAAAAAAAAAAAAAAAAAAAAAAAAAAAAAAAAAAAAAAAAAAAAAAAAAAAAAAAAAAAAAAAAAAAAAAAAAAAAAAAAFAAAADwAAAAAAAAAAAAAAAAAAAkUAAAAAQAAABQAAAAUAAAAFAAAAAEAAAAAAAAAZAAAAGQAAAAAAAAAZAAAAGQAAAAVAAAAYAAAAAAAAAAAAAAADwAAACADAAAAAAAAAAAAAAEAAACgMgAAVgcAAKr4//8BAAAAf39/AAEAAABkAAAAAAAAABQAAABAHwAAAAAAACYAAAAAAAAAwOD//wAAAAAmAAAAZAAAABYAAABMAAAAAAAAAAAAAAAEAAAAAAAAAAEAAABZWVkKAAAAACgAAAAoAAAAZAAAAGQAAAAAAAAAzMzMAAAAAABQAAAAUAAAAGQAAABkAAAAAAAAAAcAAAA4AAAAAAAAAAAAAAAAAAAA////AAAAAAAAAAAAAAAAAAAAAAAAAAAAAAAAAAAAAABkAAAAZAAAAAAAAAAjAAAABAAAAGQAAAAXAAAAFAAAAAAAAAAAAAAA/38AAP9/AAAAAAAACQAAAAQAAAAAAAAAHgAAAGgAAAAAAAAAAAAAAAAAAAAAAAAAAAAAABAnAAAQJwAAAAAAAAAAAAAAAAAAAAAAAAAAAAAAAAAAAAAAAAAAAAAUAAAAAAAAAMDA/wAAAAAAZAAAADIAAAAAAAAAZAAAAAAAAAB/f38ACgAAACIAAAAYAAAAAAAAAAAAAAAAAAAAAAAAAAAAAAAAAAAAJAAAACQAAAAAAAAABwAAAAAAAAAAAAAAAAAAAAAAAAAAAAAAAAAAAH9/fwAlAAAAWAAAAAAAAAAAAAAAAAAAAAAAAAAAAAAAAAAAAAAAAAAAAAAAAAAAAAAAAAAAAAAAPwAAAAAAAACghgEAAAAAAAAAAAAAAAAADAAAAAEAAAAAAAAAAAAAAAAAAAAfAAAAVAAAAEKF9AX///8BAAAAAAAAAAAAAAAAAAAAAAAAAAAAAAAAAAAAAAAAAAAAAAACf39/AFlZWQPMzMwAwMD/AH9/fwAAAAAAAAAAAAAAAAD///8AAAAAACEAAAAYAAAAFAAAANACAACqBgAAjjcAACAcAAAQAAAAJgAAAAgAAAD//////////w=="/>
               </a:ext>
             </a:extLst>
           </p:cNvPicPr>
@@ -16711,7 +16820,7 @@
             <a:spLocks noGrp="1" noChangeArrowheads="1"/>
             <a:extLst>
               <a:ext uri="smNativeData">
-                <pr:smNativeData xmlns:pr="smNativeData" xmlns="smNativeData" val="SMDATA_15_gHjoZxMAAAAlAAAAZAAAAA0AAAAAkAAAAJAAAACQAAAAkAAAAAAAAAAAAAAAAAAAAAEAAABQAAAAAAAAAAAA4D8AAAAAAADgPwAAAAAAAOA/AAAAAAAA4D8AAAAAAADgPwAAAAAAAOA/AAAAAAAA4D8AAAAAAADgPwAAAAAAAOA/AAAAAAAA4D8CAAAAjAAAAAAAAAAAAAAAQoX0DP///wgAAAAAAAAAAAAAAAAAAAAAAAAAAAAAAAAAAAAAZAAAAAEAAABAAAAAAAAAAAAAAAAAAAAAAAAAAAAAAAAAAAAAAAAAAAAAAAAAAAAAAAAAAAAAAAAAAAAAAAAAAAAAAAAAAAAAAAAAAAAAAAAAAAAAAAAAAAAAAAAAAAAAFAAAADwAAAAAAAAAAAAAAAAAAAkUAAAAAQAAABQAAAAUAAAAFAAAAAEAAAAAAAAAZAAAAGQAAAAAAAAAZAAAAGQAAAAVAAAAYAAAAAAAAAAAAAAADwAAACADAAAAAAAAAAAAAAEAAACgMgAAVgcAAKr4//8BAAAAf39/AAEAAABkAAAAAAAAABQAAABAHwAAAAAAACYAAAAAAAAAwOD//wAAAAAmAAAAZAAAABYAAABMAAAAAAAAAAAAAAAEAAAAAAAAAAEAAABZWVkKAAAAACgAAAAoAAAAZAAAAGQAAAAAAAAAzMzMAAAAAABQAAAAUAAAAGQAAABkAAAAAAAAABcAAAAUAAAAAAAAAAAAAAD/fwAA/38AAAAAAAAJAAAABAAAAAAAAAAeAAAAaAAAAAAAAAAAAAAAAAAAAAAAAAAAAAAAECcAABAnAAAAAAAAAAAAAAAAAAAAAAAAAAAAAAAAAAAAAAAAAAAAABQAAAAAAAAAwMD/AAAAAABkAAAAMgAAAAAAAABkAAAAAAAAAH9/fwAKAAAAIgAAABgAAAAAAAAAAAAAAAAAAAAAAAAAAAAAAAAAAAAkAAAAJAAAAAAAAAAHAAAAAAAAAAAAAAAAAAAAAAAAAAAAAAAAAAAAf39/ACUAAABYAAAAAAAAAAAAAAAAAAAAAAAAAAAAAAAAAAAAAAAAAAAAAAAAAAAAAAAAAAAAAAA/AAAAAAAAAKCGAQAAAAAAAAAAAAAAAAAMAAAAAQAAAAAAAAAAAAAAAAAAAB8AAABUAAAAQoX0Bf///wEAAAAAAAAAAAAAAAAAAAAAAAAAAAAAAAAAAAAAAAAAAAAAAAJ/f38AWVlZA8zMzADAwP8Af39/AAAAAAAAAAAAAAAAAAAAAAAAAAAAIQAAABgAAAAUAAAAFAMAAAkCAAB/NwAA3AUAABAAAAAmAAAACAAAAD0wAAAAAAAA"/>
+                <pr:smNativeData xmlns:pr="smNativeData" xmlns="smNativeData" val="SMDATA_15_t6npZxMAAAAlAAAAZAAAAA0AAAAAkAAAAJAAAACQAAAAkAAAAAAAAAAAAAAAAAAAAAEAAABQAAAAAAAAAAAA4D8AAAAAAADgPwAAAAAAAOA/AAAAAAAA4D8AAAAAAADgPwAAAAAAAOA/AAAAAAAA4D8AAAAAAADgPwAAAAAAAOA/AAAAAAAA4D8CAAAAjAAAAAAAAAAAAAAAQoX0DP///wgAAAAAAAAAAAAAAAAAAAAAAAAAAAAAAAAAAAAAZAAAAAEAAABAAAAAAAAAAAAAAAAAAAAAAAAAAAAAAAAAAAAAAAAAAAAAAAAAAAAAAAAAAAAAAAAAAAAAAAAAAAAAAAAAAAAAAAAAAAAAAAAAAAAAAAAAAAAAAAAAAAAAFAAAADwAAAAAAAAAAAAAAAAAAAkUAAAAAQAAABQAAAAUAAAAFAAAAAEAAAAAAAAAZAAAAGQAAAAAAAAAZAAAAGQAAAAVAAAAYAAAAAAAAAAAAAAADwAAACADAAAAAAAAAAAAAAEAAACgMgAAVgcAAKr4//8BAAAAf39/AAEAAABkAAAAAAAAABQAAABAHwAAAAAAACYAAAAAAAAAwOD//wAAAAAmAAAAZAAAABYAAABMAAAAAAAAAAAAAAAEAAAAAAAAAAEAAABZWVkKAAAAACgAAAAoAAAAZAAAAGQAAAAAAAAAzMzMAAAAAABQAAAAUAAAAGQAAABkAAAAAAAAABcAAAAUAAAAAAAAAAAAAAD/fwAA/38AAAAAAAAJAAAABAAAAAAAAAAeAAAAaAAAAAAAAAAAAAAAAAAAAAAAAAAAAAAAECcAABAnAAAAAAAAAAAAAAAAAAAAAAAAAAAAAAAAAAAAAAAAAAAAABQAAAAAAAAAwMD/AAAAAABkAAAAMgAAAAAAAABkAAAAAAAAAH9/fwAKAAAAIgAAABgAAAAAAAAAAAAAAAAAAAAAAAAAAAAAAAAAAAAkAAAAJAAAAAAAAAAHAAAAAAAAAAAAAAAAAAAAAAAAAAAAAAAAAAAAf39/ACUAAABYAAAAAAAAAAAAAAAAAAAAAAAAAAAAAAAAAAAAAAAAAAAAAAAAAAAAAAAAAAAAAAA/AAAAAAAAAKCGAQAAAAAAAAAAAAAAAAAMAAAAAQAAAAAAAAAAAAAAAAAAAB8AAABUAAAAQoX0Bf///wEAAAAAAAAAAAAAAAAAAAAAAAAAAAAAAAAAAAAAAAAAAAAAAAJ/f38AWVlZA8zMzADAwP8Af39/AAAAAAAAAAAAAAAAAAAAAAAAAAAAIQAAABgAAAAUAAAAFAMAAAkCAAB/NwAA3AUAABAAAAAmAAAACAAAAD0wAAAAAAAA"/>
               </a:ext>
             </a:extLst>
           </p:cNvSpPr>
@@ -16755,7 +16864,7 @@
           <p:cNvSpPr txBox="1">
             <a:extLst>
               <a:ext uri="smNativeData">
-                <pr:smNativeData xmlns:pr="smNativeData" xmlns="smNativeData" val="SMDATA_15_gHjoZxMAAAAlAAAAEgAAAE8BAAAAkAAAAEgAAACQAAAASAAAAAAAAAAAAAAAAAAAAAEAAABQAAAAAAAAAAAA4D8AAAAAAADgPwAAAAAAAOA/AAAAAAAA4D8AAAAAAADgPwAAAAAAAOA/AAAAAAAA4D8AAAAAAADgPwAAAAAAAOA/AAAAAAAA4D8CAAAAjAAAAAAAAAAAAAAAQoX0DP///wgAAAAAAAAAAAAAAAAAAAAAAAAAAAAAAAAAAAAAZAAAAAEAAABAAAAAAAAAAAAAAAAAAAAAAAAAAAAAAAAAAAAAAAAAAAAAAAAAAAAAAAAAAAAAAAAAAAAAAAAAAAAAAAAAAAAAAAAAAAAAAAAAAAAAAAAAAAAAAAAAAAAAFAAAADwAAAAAAAAAAAAAAAAAAAkUAAAAAQAAABQAAAAUAAAAFAAAAAEAAAAAAAAAZAAAAGQAAAAAAAAAZAAAAGQAAAAVAAAAYAAAAAAAAAAAAAAADwAAACADAAAAAAAAAAAAAAEAAACgMgAAVgcAAKr4//8BAAAAf39/AAEAAABkAAAAAAAAABQAAABAHwAAAAAAACYAAAAAAAAAwOD//wAAAAAmAAAAZAAAABYAAABMAAAAAAAAAAAAAAAEAAAAAAAAAAEAAABZWVkKAAAAACgAAAAoAAAAZAAAAGQAAAAAAAAAzMzMAAAAAABQAAAAUAAAAGQAAABkAAAAAAAAABcAAAAUAAAAAAAAAEQBAAD/fwAA/38AAAAAAAAJAAAABAAAAAAAAAAeAAAAaAAAAAAAAAAAAAAAAAAAAAAAAAAAAAAAECcAABAnAAAAAAAAAAAAAAAAAAAAAAAAAAAAAAAAAAAAAAAAAAAAABQAAAAAAAAAwMD/AAAAAABkAAAAMgAAAAAAAABkAAAAAAAAAH9/fwAKAAAAIgAAABgAAAAAAAAAAAAAAAAAAAAAAAAAAAAAAAAAAAAkAAAAJAAAAAAAAAAHAAAAAAAAAAAAAAAAAAAAAAAAAAAAAAAAAAAAf39/ACUAAABYAAAAAAAAAAAAAAAAAAAAAAAAAAAAAAAAAAAAAAAAAAAAAAAAAAAAAAAAAAAAAAA/AAAAAAAAAKCGAQAAAAAAAAAAAAAAAAAMAAAAAQAAAAAAAAAAAAAAAAAAAB8AAABUAAAAQoX0Bf///wEAAAAAAAAAAAAAAAAAAAAAAAAAAAAAAAAAAAAAAAAAAAAAAAJ/f38AWVlZA8zMzADAwP8Af39/AAAAAAAAAAAAAAAAAAAAAAAAAAAAIQAAABgAAAAUAAAAACQAAGwGAACANwAATAgAABAgAAAmAAAACAAAAP//////////"/>
+                <pr:smNativeData xmlns:pr="smNativeData" xmlns="smNativeData" val="SMDATA_15_t6npZxMAAAAlAAAAEgAAAE8BAAAAkAAAAEgAAACQAAAASAAAAAAAAAAAAAAAAAAAAAEAAABQAAAAAAAAAAAA4D8AAAAAAADgPwAAAAAAAOA/AAAAAAAA4D8AAAAAAADgPwAAAAAAAOA/AAAAAAAA4D8AAAAAAADgPwAAAAAAAOA/AAAAAAAA4D8CAAAAjAAAAAAAAAAAAAAAQoX0DP///wgAAAAAAAAAAAAAAAAAAAAAAAAAAAAAAAAAAAAAZAAAAAEAAABAAAAAAAAAAAAAAAAAAAAAAAAAAAAAAAAAAAAAAAAAAAAAAAAAAAAAAAAAAAAAAAAAAAAAAAAAAAAAAAAAAAAAAAAAAAAAAAAAAAAAAAAAAAAAAAAAAAAAFAAAADwAAAAAAAAAAAAAAAAAAAkUAAAAAQAAABQAAAAUAAAAFAAAAAEAAAAAAAAAZAAAAGQAAAAAAAAAZAAAAGQAAAAVAAAAYAAAAAAAAAAAAAAADwAAACADAAAAAAAAAAAAAAEAAACgMgAAVgcAAKr4//8BAAAAf39/AAEAAABkAAAAAAAAABQAAABAHwAAAAAAACYAAAAAAAAAwOD//wAAAAAmAAAAZAAAABYAAABMAAAAAAAAAAAAAAAEAAAAAAAAAAEAAABZWVkKAAAAACgAAAAoAAAAZAAAAGQAAAAAAAAAzMzMAAAAAABQAAAAUAAAAGQAAABkAAAAAAAAABcAAAAUAAAAAAAAAEQBAAD/fwAA/38AAAAAAAAJAAAABAAAAAAAAAAeAAAAaAAAAAAAAAAAAAAAAAAAAAAAAAAAAAAAECcAABAnAAAAAAAAAAAAAAAAAAAAAAAAAAAAAAAAAAAAAAAAAAAAABQAAAAAAAAAwMD/AAAAAABkAAAAMgAAAAAAAABkAAAAAAAAAH9/fwAKAAAAIgAAABgAAAAAAAAAAAAAAAAAAAAAAAAAAAAAAAAAAAAkAAAAJAAAAAAAAAAHAAAAAAAAAAAAAAAAAAAAAAAAAAAAAAAAAAAAf39/ACUAAABYAAAAAAAAAAAAAAAAAAAAAAAAAAAAAAAAAAAAAAAAAAAAAAAAAAAAAAAAAAAAAAA/AAAAAAAAAKCGAQAAAAAAAAAAAAAAAAAMAAAAAQAAAAAAAAAAAAAAAAAAAB8AAABUAAAAQoX0Bf///wEAAAAAAAAAAAAAAAAAAAAAAAAAAAAAAAAAAAAAAAAAAAAAAAJ/f38AWVlZA8zMzADAwP8Af39/AAAAAAAAAAAAAAAAAAAAAAAAAAAAIQAAABgAAAAUAAAAACQAAGwGAACANwAATAgAABAgAAAmAAAACAAAAP//////////"/>
               </a:ext>
             </a:extLst>
           </p:cNvSpPr>
@@ -16801,7 +16910,7 @@
             <a:picLocks noChangeAspect="1"/>
             <a:extLst>
               <a:ext uri="smNativeData">
-                <pr:smNativeData xmlns:pr="smNativeData" xmlns="smNativeData" val="SMDATA_17_gHjoZxMAAAAlAAAAEQAAAC8BAAAAkAAAAEgAAACQAAAASAAAAAAAAAAAAAAAAAAAAAEAAABQAAAAAAAAAAAA4D8AAAAAAADgPwAAAAAAAOA/AAAAAAAA4D8AAAAAAADgPwAAAAAAAOA/AAAAAAAA4D8AAAAAAADgPwAAAAAAAOA/AAAAAAAA4D8CAAAAjAAAAAAAAAAAAAAAQoX0DP///wgAAAAAAAAAAAAAAAAAAAAAAAAAAAAAAAAAAAAAZAAAAAEAAABAAAAAAAAAAAAAAAAAAAAAAAAAAAAAAAAAAAAAAAAAAAAAAAAAAAAAAAAAAAAAAAAAAAAAAAAAAAAAAAAAAAAAAAAAAAAAAAAAAAAAAAAAAAAAAAAAAAAAFAAAADwAAAAAAAAAAAAAAAAAAAkUAAAAAQAAABQAAAAUAAAAFAAAAAEAAAAAAAAAZAAAAGQAAAAAAAAAZAAAAGQAAAAVAAAAYAAAAAAAAAAAAAAADwAAACADAAAAAAAAAAAAAAEAAACgMgAAVgcAAKr4//8BAAAAf39/AAEAAABkAAAAAAAAABQAAABAHwAAAAAAACYAAAAAAAAAwOD//wAAAAAmAAAAZAAAABYAAABMAAAAAAAAAAAAAAAEAAAAAAAAAAEAAABZWVkKAAAAACgAAAAoAAAAZAAAAGQAAAAAAAAAzMzMAAAAAABQAAAAUAAAAGQAAABkAAAAAAAAAAcAAAA4AAAAAAAAAAAAAAAAAAAA////AAAAAAAAAAAAAAAAAAAAAAAAAAAAAAAAAAAAAABkAAAAZAAAAAAAAAAjAAAABAAAAGQAAAAXAAAAFAAAAAAAAAAAAAAA/38AAP9/AAAAAAAACQAAAAQAAAAAAAAAHgAAAGgAAAAAAAAAAAAAAAAAAAAAAAAAAAAAABAnAAAQJwAAAAAAAAAAAAAAAAAAAAAAAAAAAAAAAAAAAAAAAAAAAAAUAAAAAAAAAMDA/wAAAAAAZAAAADIAAAAAAAAAZAAAAAAAAAB/f38ACgAAACIAAAAYAAAAAAAAAAAAAAAAAAAAAAAAAAAAAAAAAAAAJAAAACQAAAAAAAAABwAAAAAAAAAAAAAAAAAAAAAAAAAAAAAAAAAAAH9/fwAlAAAAWAAAAAAAAAAAAAAAAAAAAAAAAAAAAAAAAAAAAAAAAAAAAAAAAAAAAAAAAAAAAAAAPwAAAAAAAACghgEAAAAAAAAAAAAAAAAADAAAAAEAAAAAAAAAAAAAAAAAAAAfAAAAVAAAAEKF9AX///8BAAAAAAAAAAAAAAAAAAAAAAAAAAAAAAAAAAAAAAAAAAAAAAACf39/AFlZWQPMzMwAwMD/AH9/fwAAAAAAAAAAAAAAAAD///8AAAAAACEAAAAYAAAAFAAAAAQCAADBBgAAXCIAACwWAAAQAAAAJgAAAAgAAAD//////////w=="/>
+                <pr:smNativeData xmlns:pr="smNativeData" xmlns="smNativeData" val="SMDATA_17_t6npZxMAAAAlAAAAEQAAAC8BAAAAkAAAAEgAAACQAAAASAAAAAAAAAAAAAAAAAAAAAEAAABQAAAAAAAAAAAA4D8AAAAAAADgPwAAAAAAAOA/AAAAAAAA4D8AAAAAAADgPwAAAAAAAOA/AAAAAAAA4D8AAAAAAADgPwAAAAAAAOA/AAAAAAAA4D8CAAAAjAAAAAAAAAAAAAAAQoX0DP///wgAAAAAAAAAAAAAAAAAAAAAAAAAAAAAAAAAAAAAZAAAAAEAAABAAAAAAAAAAAAAAAAAAAAAAAAAAAAAAAAAAAAAAAAAAAAAAAAAAAAAAAAAAAAAAAAAAAAAAAAAAAAAAAAAAAAAAAAAAAAAAAAAAAAAAAAAAAAAAAAAAAAAFAAAADwAAAAAAAAAAAAAAAAAAAkUAAAAAQAAABQAAAAUAAAAFAAAAAEAAAAAAAAAZAAAAGQAAAAAAAAAZAAAAGQAAAAVAAAAYAAAAAAAAAAAAAAADwAAACADAAAAAAAAAAAAAAEAAACgMgAAVgcAAKr4//8BAAAAf39/AAEAAABkAAAAAAAAABQAAABAHwAAAAAAACYAAAAAAAAAwOD//wAAAAAmAAAAZAAAABYAAABMAAAAAAAAAAAAAAAEAAAAAAAAAAEAAABZWVkKAAAAACgAAAAoAAAAZAAAAGQAAAAAAAAAzMzMAAAAAABQAAAAUAAAAGQAAABkAAAAAAAAAAcAAAA4AAAAAAAAAAAAAAAAAAAA////AAAAAAAAAAAAAAAAAAAAAAAAAAAAAAAAAAAAAABkAAAAZAAAAAAAAAAjAAAABAAAAGQAAAAXAAAAFAAAAAAAAAAAAAAA/38AAP9/AAAAAAAACQAAAAQAAAAAAAAAHgAAAGgAAAAAAAAAAAAAAAAAAAAAAAAAAAAAABAnAAAQJwAAAAAAAAAAAAAAAAAAAAAAAAAAAAAAAAAAAAAAAAAAAAAUAAAAAAAAAMDA/wAAAAAAZAAAADIAAAAAAAAAZAAAAAAAAAB/f38ACgAAACIAAAAYAAAAAAAAAAAAAAAAAAAAAAAAAAAAAAAAAAAAJAAAACQAAAAAAAAABwAAAAAAAAAAAAAAAAAAAAAAAAAAAAAAAAAAAH9/fwAlAAAAWAAAAAAAAAAAAAAAAAAAAAAAAAAAAAAAAAAAAAAAAAAAAAAAAAAAAAAAAAAAAAAAPwAAAAAAAACghgEAAAAAAAAAAAAAAAAADAAAAAEAAAAAAAAAAAAAAAAAAAAfAAAAVAAAAEKF9AX///8BAAAAAAAAAAAAAAAAAAAAAAAAAAAAAAAAAAAAAAAAAAAAAAACf39/AFlZWQPMzMwAwMD/AH9/fwAAAAAAAAAAAAAAAAD///8AAAAAACEAAAAYAAAAFAAAAAQCAADBBgAAXCIAACwWAAAQAAAAJgAAAAgAAAD//////////w=="/>
               </a:ext>
             </a:extLst>
           </p:cNvPicPr>
@@ -16834,7 +16943,7 @@
           <p:cNvSpPr txBox="1">
             <a:extLst>
               <a:ext uri="smNativeData">
-                <pr:smNativeData xmlns:pr="smNativeData" xmlns="smNativeData" val="SMDATA_15_gHjoZxMAAAAlAAAAEgAAAE8BAAAAkAAAAEgAAACQAAAASAAAAAAAAAAAAAAAAAAAAAEAAABQAAAAAAAAAAAA4D8AAAAAAADgPwAAAAAAAOA/AAAAAAAA4D8AAAAAAADgPwAAAAAAAOA/AAAAAAAA4D8AAAAAAADgPwAAAAAAAOA/AAAAAAAA4D8CAAAAjAAAAAAAAAAAAAAAQoX0DP///wgAAAAAAAAAAAAAAAAAAAAAAAAAAAAAAAAAAAAAZAAAAAEAAABAAAAAAAAAAAAAAAAAAAAAAAAAAAAAAAAAAAAAAAAAAAAAAAAAAAAAAAAAAAAAAAAAAAAAAAAAAAAAAAAAAAAAAAAAAAAAAAAAAAAAAAAAAAAAAAAAAAAAFAAAADwAAAAAAAAAAAAAAAAAAAkUAAAAAQAAABQAAAAUAAAAFAAAAAEAAAAAAAAAZAAAAGQAAAAAAAAAZAAAAGQAAAAVAAAAYAAAAAAAAAAAAAAADwAAACADAAAAAAAAAAAAAAEAAACgMgAAVgcAAKr4//8BAAAAf39/AAEAAABkAAAAAAAAABQAAABAHwAAAAAAACYAAAAAAAAAwOD//wAAAAAmAAAAZAAAABYAAABMAAAAAAAAAAAAAAAEAAAAAAAAAAEAAABZWVkKAAAAACgAAAAoAAAAZAAAAGQAAAAAAAAAzMzMAAAAAABQAAAAUAAAAGQAAABkAAAAAAAAABcAAAAUAAAAAAAAAEQBAAD/fwAA/38AAAAAAAAJAAAABAAAAAAAAAAeAAAAaAAAAAAAAAAAAAAAAAAAAAAAAAAAAAAAECcAABAnAAAAAAAAAAAAAAAAAAAAAAAAAAAAAAAAAAAAAAAAAAAAABQAAAAAAAAAwMD/AAAAAABkAAAAMgAAAAAAAABkAAAAAAAAAH9/fwAKAAAAIgAAABgAAAAAAAAAAAAAAAAAAAAAAAAAAAAAAAAAAAAkAAAAJAAAAAAAAAAHAAAAAAAAAAAAAAAAAAAAAAAAAAAAAAAAAAAAf39/ACUAAABYAAAAAAAAAAAAAAAAAAAAAAAAAAAAAAAAAAAAAAAAAAAAAAAAAAAAAAAAAAAAAAA/AAAAAAAAAKCGAQAAAAAAAAAAAAAAAAAMAAAAAQAAAAAAAAAAAAAAAAAAAB8AAABUAAAAQoX0Bf///wEAAAAAAAAAAAAAAAAAAAAAAAAAAAAAAAAAAAAAAAAAAAAAAAJ/f38AWVlZA8zMzADAwP8Af39/AAAAAAAAAAAAAAAAAAAAAAAAAAAAIQAAABgAAAAUAAAA9CMAADQSAAB0NwAAFBQAAAAgAAAmAAAACAAAAP//////////"/>
+                <pr:smNativeData xmlns:pr="smNativeData" xmlns="smNativeData" val="SMDATA_15_t6npZxMAAAAlAAAAEgAAAE8BAAAAkAAAAEgAAACQAAAASAAAAAAAAAAAAAAAAAAAAAEAAABQAAAAAAAAAAAA4D8AAAAAAADgPwAAAAAAAOA/AAAAAAAA4D8AAAAAAADgPwAAAAAAAOA/AAAAAAAA4D8AAAAAAADgPwAAAAAAAOA/AAAAAAAA4D8CAAAAjAAAAAAAAAAAAAAAQoX0DP///wgAAAAAAAAAAAAAAAAAAAAAAAAAAAAAAAAAAAAAZAAAAAEAAABAAAAAAAAAAAAAAAAAAAAAAAAAAAAAAAAAAAAAAAAAAAAAAAAAAAAAAAAAAAAAAAAAAAAAAAAAAAAAAAAAAAAAAAAAAAAAAAAAAAAAAAAAAAAAAAAAAAAAFAAAADwAAAAAAAAAAAAAAAAAAAkUAAAAAQAAABQAAAAUAAAAFAAAAAEAAAAAAAAAZAAAAGQAAAAAAAAAZAAAAGQAAAAVAAAAYAAAAAAAAAAAAAAADwAAACADAAAAAAAAAAAAAAEAAACgMgAAVgcAAKr4//8BAAAAf39/AAEAAABkAAAAAAAAABQAAABAHwAAAAAAACYAAAAAAAAAwOD//wAAAAAmAAAAZAAAABYAAABMAAAAAAAAAAAAAAAEAAAAAAAAAAEAAABZWVkKAAAAACgAAAAoAAAAZAAAAGQAAAAAAAAAzMzMAAAAAABQAAAAUAAAAGQAAABkAAAAAAAAABcAAAAUAAAAAAAAAEQBAAD/fwAA/38AAAAAAAAJAAAABAAAAAAAAAAeAAAAaAAAAAAAAAAAAAAAAAAAAAAAAAAAAAAAECcAABAnAAAAAAAAAAAAAAAAAAAAAAAAAAAAAAAAAAAAAAAAAAAAABQAAAAAAAAAwMD/AAAAAABkAAAAMgAAAAAAAABkAAAAAAAAAH9/fwAKAAAAIgAAABgAAAAAAAAAAAAAAAAAAAAAAAAAAAAAAAAAAAAkAAAAJAAAAAAAAAAHAAAAAAAAAAAAAAAAAAAAAAAAAAAAAAAAAAAAf39/ACUAAABYAAAAAAAAAAAAAAAAAAAAAAAAAAAAAAAAAAAAAAAAAAAAAAAAAAAAAAAAAAAAAAA/AAAAAAAAAKCGAQAAAAAAAAAAAAAAAAAMAAAAAQAAAAAAAAAAAAAAAAAAAB8AAABUAAAAQoX0Bf///wEAAAAAAAAAAAAAAAAAAAAAAAAAAAAAAAAAAAAAAAAAAAAAAAJ/f38AWVlZA8zMzADAwP8Af39/AAAAAAAAAAAAAAAAAAAAAAAAAAAAIQAAABgAAAAUAAAA9CMAADQSAAB0NwAAFBQAABAgAAAmAAAACAAAAP//////////"/>
               </a:ext>
             </a:extLst>
           </p:cNvSpPr>
@@ -16880,7 +16989,7 @@
             <a:picLocks noChangeAspect="1"/>
             <a:extLst>
               <a:ext uri="smNativeData">
-                <pr:smNativeData xmlns:pr="smNativeData" xmlns="smNativeData" val="SMDATA_17_gHjoZxMAAAAlAAAAEQAAAC8BAAAAkAAAAEgAAACQAAAASAAAAAAAAAAAAAAAAAAAAAEAAABQAAAAAAAAAAAA4D8AAAAAAADgPwAAAAAAAOA/AAAAAAAA4D8AAAAAAADgPwAAAAAAAOA/AAAAAAAA4D8AAAAAAADgPwAAAAAAAOA/AAAAAAAA4D8CAAAAjAAAAAAAAAAAAAAAQoX0DP///wgAAAAAAAAAAAAAAAAAAAAAAAAAAAAAAAAAAAAAZAAAAAEAAABAAAAAAAAAAAAAAAAAAAAAAAAAAAAAAAAAAAAAAAAAAAAAAAAAAAAAAAAAAAAAAAAAAAAAAAAAAAAAAAAAAAAAAAAAAAAAAAAAAAAAAAAAAAAAAAAAAAAAFAAAADwAAAAAAAAAAAAAAAAAAAkUAAAAAQAAABQAAAAUAAAAFAAAAAEAAAAAAAAAZAAAAGQAAAAAAAAAZAAAAGQAAAAVAAAAYAAAAAAAAAAAAAAADwAAACADAAAAAAAAAAAAAAEAAACgMgAAVgcAAKr4//8BAAAAf39/AAEAAABkAAAAAAAAABQAAABAHwAAAAAAACYAAAAAAAAAwOD//wAAAAAmAAAAZAAAABYAAABMAAAAAAAAAAAAAAAEAAAAAAAAAAEAAABZWVkKAAAAACgAAAAoAAAAZAAAAGQAAAAAAAAAzMzMAAAAAABQAAAAUAAAAGQAAABkAAAAAAAAAAcAAAA4AAAAAAAAAAAAAAAAAAAA////AAAAAAAAAAAAAAAAAAAAAAAAAAAAAAAAAAAAAABkAAAAZAAAAAAAAAAjAAAABAAAAGQAAAAXAAAAFAAAAAAAAAAAAAAA/38AAP9/AAAAAAAACQAAAAQAAAAAAAAAHgAAAGgAAAAAAAAAAAAAAAAAAAAAAAAAAAAAABAnAAAQJwAAAAAAAAAAAAAAAAAAAAAAAAAAAAAAAAAAAAAAAAAAAAAUAAAAAAAAAMDA/wAAAAAAZAAAADIAAAAAAAAAZAAAAAAAAAB/f38ACgAAACIAAAAYAAAAAAAAAAAAAAAAAAAAAAAAAAAAAAAAAAAAJAAAACQAAAAAAAAABwAAAAAAAAAAAAAAAAAAAAAAAAAAAAAAAAAAAH9/fwAlAAAAWAAAAAAAAAAAAAAAAAAAAAAAAAAAAAAAAAAAAAAAAAAAAAAAAAAAAAAAAAAAAAAAPwAAAAAAAACghgEAAAAAAAAAAAAAAAAADAAAAAEAAAAAAAAAAAAAAAAAAAAfAAAAVAAAAEKF9AX///8BAAAAAAAAAAAAAAAAAAAAAAAAAAAAAAAAAAAAAAAAAAAAAAACf39/AFlZWQPMzMwAwMD/AH9/fwAAAAAAAAAAAAAAAAD///8AAAAAACEAAAAYAAAAFAAAAO8jAAA8CAAAYjYAABQSAAAAAAAAJgAAAAgAAAD//////////w=="/>
+                <pr:smNativeData xmlns:pr="smNativeData" xmlns="smNativeData" val="SMDATA_17_t6npZxMAAAAlAAAAEQAAAC8BAAAAkAAAAEgAAACQAAAASAAAAAAAAAAAAAAAAAAAAAEAAABQAAAAAAAAAAAA4D8AAAAAAADgPwAAAAAAAOA/AAAAAAAA4D8AAAAAAADgPwAAAAAAAOA/AAAAAAAA4D8AAAAAAADgPwAAAAAAAOA/AAAAAAAA4D8CAAAAjAAAAAAAAAAAAAAAQoX0DP///wgAAAAAAAAAAAAAAAAAAAAAAAAAAAAAAAAAAAAAZAAAAAEAAABAAAAAAAAAAAAAAAAAAAAAAAAAAAAAAAAAAAAAAAAAAAAAAAAAAAAAAAAAAAAAAAAAAAAAAAAAAAAAAAAAAAAAAAAAAAAAAAAAAAAAAAAAAAAAAAAAAAAAFAAAADwAAAAAAAAAAAAAAAAAAAkUAAAAAQAAABQAAAAUAAAAFAAAAAEAAAAAAAAAZAAAAGQAAAAAAAAAZAAAAGQAAAAVAAAAYAAAAAAAAAAAAAAADwAAACADAAAAAAAAAAAAAAEAAACgMgAAVgcAAKr4//8BAAAAf39/AAEAAABkAAAAAAAAABQAAABAHwAAAAAAACYAAAAAAAAAwOD//wAAAAAmAAAAZAAAABYAAABMAAAAAAAAAAAAAAAEAAAAAAAAAAEAAABZWVkKAAAAACgAAAAoAAAAZAAAAGQAAAAAAAAAzMzMAAAAAABQAAAAUAAAAGQAAABkAAAAAAAAAAcAAAA4AAAAAAAAAAAAAAAAAAAA////AAAAAAAAAAAAAAAAAAAAAAAAAAAAAAAAAAAAAABkAAAAZAAAAAAAAAAjAAAABAAAAGQAAAAXAAAAFAAAAAAAAAAAAAAA/38AAP9/AAAAAAAACQAAAAQAAAAAAAAAHgAAAGgAAAAAAAAAAAAAAAAAAAAAAAAAAAAAABAnAAAQJwAAAAAAAAAAAAAAAAAAAAAAAAAAAAAAAAAAAAAAAAAAAAAUAAAAAAAAAMDA/wAAAAAAZAAAADIAAAAAAAAAZAAAAAAAAAB/f38ACgAAACIAAAAYAAAAAAAAAAAAAAAAAAAAAAAAAAAAAAAAAAAAJAAAACQAAAAAAAAABwAAAAAAAAAAAAAAAAAAAAAAAAAAAAAAAAAAAH9/fwAlAAAAWAAAAAAAAAAAAAAAAAAAAAAAAAAAAAAAAAAAAAAAAAAAAAAAAAAAAAAAAAAAAAAAPwAAAAAAAACghgEAAAAAAAAAAAAAAAAADAAAAAEAAAAAAAAAAAAAAAAAAAAfAAAAVAAAAEKF9AX///8BAAAAAAAAAAAAAAAAAAAAAAAAAAAAAAAAAAAAAAAAAAAAAAACf39/AFlZWQPMzMwAwMD/AH9/fwAAAAAAAAAAAAAAAAD///8AAAAAACEAAAAYAAAAFAAAAO8jAAA8CAAAYjYAABQSAAAQAAAAJgAAAAgAAAD//////////w=="/>
               </a:ext>
             </a:extLst>
           </p:cNvPicPr>
@@ -16914,7 +17023,7 @@
             <a:picLocks noChangeAspect="1"/>
             <a:extLst>
               <a:ext uri="smNativeData">
-                <pr:smNativeData xmlns:pr="smNativeData" xmlns="smNativeData" val="SMDATA_17_gHjoZxMAAAAlAAAAEQAAAC8BAAAAkAAAAEgAAACQAAAASAAAAAAAAAAAAAAAAAAAAAEAAABQAAAAAAAAAAAA4D8AAAAAAADgPwAAAAAAAOA/AAAAAAAA4D8AAAAAAADgPwAAAAAAAOA/AAAAAAAA4D8AAAAAAADgPwAAAAAAAOA/AAAAAAAA4D8CAAAAjAAAAAAAAAAAAAAAQoX0DP///wgAAAAAAAAAAAAAAAAAAAAAAAAAAAAAAAAAAAAAZAAAAAEAAABAAAAAAAAAAAAAAAAAAAAAAAAAAAAAAAAAAAAAAAAAAAAAAAAAAAAAAAAAAAAAAAAAAAAAAAAAAAAAAAAAAAAAAAAAAAAAAAAAAAAAAAAAAAAAAAAAAAAAFAAAADwAAAAAAAAAAAAAAAAAAAkUAAAAAQAAABQAAAAUAAAAFAAAAAEAAAAAAAAAZAAAAGQAAAAAAAAAZAAAAGQAAAAVAAAAYAAAAAAAAAAAAAAADwAAACADAAAAAAAAAAAAAAEAAACgMgAAVgcAAKr4//8BAAAAf39/AAEAAABkAAAAAAAAABQAAABAHwAAAAAAACYAAAAAAAAAwOD//wAAAAAmAAAAZAAAABYAAABMAAAAAAAAAAAAAAAEAAAAAAAAAAEAAABZWVkKAAAAACgAAAAoAAAAZAAAAGQAAAAAAAAAzMzMAAAAAABQAAAAUAAAAGQAAABkAAAAAAAAAAcAAAA4AAAAAAAAAAAAAAAAAAAA////AAAAAAAAAAAAAAAAAAAAAAAAAAAAAAAAAAAAAABkAAAAZAAAAAAAAAAjAAAABAAAAGQAAAAXAAAAFAAAAAAAAAAAAAAA/38AAP9/AAAAAAAACQAAAAQAAAAAAAAAHgAAAGgAAAAAAAAAAAAAAAAAAAAAAAAAAAAAABAnAAAQJwAAAAAAAAAAAAAAAAAAAAAAAAAAAAAAAAAAAAAAAAAAAAAUAAAAAAAAAMDA/wAAAAAAZAAAADIAAAAAAAAAZAAAAAAAAAB/f38ACgAAACIAAAAYAAAAAAAAAAAAAAAAAAAAAAAAAAAAAAAAAAAAJAAAACQAAAAAAAAABwAAAAAAAAAAAAAAAAAAAAAAAAAAAAAAAAAAAH9/fwAlAAAAWAAAAAAAAAAAAAAAAAAAAAAAAAAAAAAAAAAAAAAAAAAAAAAAAAAAAAAAAAAAAAAAPwAAAAAAAACghgEAAAAAAAAAAAAAAAAADAAAAAEAAAAAAAAAAAAAAAAAAAAfAAAAVAAAAEKF9AX///8BAAAAAAAAAAAAAAAAAAAAAAAAAAAAAAAAAAAAAAAAAAAAAAACf39/AFlZWQPMzMwAwMD/AH9/fwAAAAAAAAAAAAAAAAD///8AAAAAACEAAAAYAAAAFAAAAPQjAABYFAAAhDYAADIeAAAAAAAAJgAAAAgAAAD//////////w=="/>
+                <pr:smNativeData xmlns:pr="smNativeData" xmlns="smNativeData" val="SMDATA_17_t6npZxMAAAAlAAAAEQAAAC8BAAAAkAAAAEgAAACQAAAASAAAAAAAAAAAAAAAAAAAAAEAAABQAAAAAAAAAAAA4D8AAAAAAADgPwAAAAAAAOA/AAAAAAAA4D8AAAAAAADgPwAAAAAAAOA/AAAAAAAA4D8AAAAAAADgPwAAAAAAAOA/AAAAAAAA4D8CAAAAjAAAAAAAAAAAAAAAQoX0DP///wgAAAAAAAAAAAAAAAAAAAAAAAAAAAAAAAAAAAAAZAAAAAEAAABAAAAAAAAAAAAAAAAAAAAAAAAAAAAAAAAAAAAAAAAAAAAAAAAAAAAAAAAAAAAAAAAAAAAAAAAAAAAAAAAAAAAAAAAAAAAAAAAAAAAAAAAAAAAAAAAAAAAAFAAAADwAAAAAAAAAAAAAAAAAAAkUAAAAAQAAABQAAAAUAAAAFAAAAAEAAAAAAAAAZAAAAGQAAAAAAAAAZAAAAGQAAAAVAAAAYAAAAAAAAAAAAAAADwAAACADAAAAAAAAAAAAAAEAAACgMgAAVgcAAKr4//8BAAAAf39/AAEAAABkAAAAAAAAABQAAABAHwAAAAAAACYAAAAAAAAAwOD//wAAAAAmAAAAZAAAABYAAABMAAAAAAAAAAAAAAAEAAAAAAAAAAEAAABZWVkKAAAAACgAAAAoAAAAZAAAAGQAAAAAAAAAzMzMAAAAAABQAAAAUAAAAGQAAABkAAAAAAAAAAcAAAA4AAAAAAAAAAAAAAAAAAAA////AAAAAAAAAAAAAAAAAAAAAAAAAAAAAAAAAAAAAABkAAAAZAAAAAAAAAAjAAAABAAAAGQAAAAXAAAAFAAAAAAAAAAAAAAA/38AAP9/AAAAAAAACQAAAAQAAAAAAAAAHgAAAGgAAAAAAAAAAAAAAAAAAAAAAAAAAAAAABAnAAAQJwAAAAAAAAAAAAAAAAAAAAAAAAAAAAAAAAAAAAAAAAAAAAAUAAAAAAAAAMDA/wAAAAAAZAAAADIAAAAAAAAAZAAAAAAAAAB/f38ACgAAACIAAAAYAAAAAAAAAAAAAAAAAAAAAAAAAAAAAAAAAAAAJAAAACQAAAAAAAAABwAAAAAAAAAAAAAAAAAAAAAAAAAAAAAAAAAAAH9/fwAlAAAAWAAAAAAAAAAAAAAAAAAAAAAAAAAAAAAAAAAAAAAAAAAAAAAAAAAAAAAAAAAAAAAAPwAAAAAAAACghgEAAAAAAAAAAAAAAAAADAAAAAEAAAAAAAAAAAAAAAAAAAAfAAAAVAAAAEKF9AX///8BAAAAAAAAAAAAAAAAAAAAAAAAAAAAAAAAAAAAAAAAAAAAAAACf39/AFlZWQPMzMwAwMD/AH9/fwAAAAAAAAAAAAAAAAD///8AAAAAACEAAAAYAAAAFAAAAPQjAABYFAAAhDYAADIeAAAQAAAAJgAAAAgAAAD//////////w=="/>
               </a:ext>
             </a:extLst>
           </p:cNvPicPr>
@@ -17209,6 +17318,47 @@
   <a:extraClrSchemeLst>
     <a:extraClrScheme>
       <a:clrScheme name="Presentation 1">
+        <a:dk1>
+          <a:srgbClr val="000000"/>
+        </a:dk1>
+        <a:lt1>
+          <a:srgbClr val="FFFFFF"/>
+        </a:lt1>
+        <a:dk2>
+          <a:srgbClr val="EEEEEE"/>
+        </a:dk2>
+        <a:lt2>
+          <a:srgbClr val="595959"/>
+        </a:lt2>
+        <a:accent1>
+          <a:srgbClr val="4285F4"/>
+        </a:accent1>
+        <a:accent2>
+          <a:srgbClr val="212121"/>
+        </a:accent2>
+        <a:accent3>
+          <a:srgbClr val="78909C"/>
+        </a:accent3>
+        <a:accent4>
+          <a:srgbClr val="FFAB40"/>
+        </a:accent4>
+        <a:accent5>
+          <a:srgbClr val="0097A7"/>
+        </a:accent5>
+        <a:accent6>
+          <a:srgbClr val="EEFF41"/>
+        </a:accent6>
+        <a:hlink>
+          <a:srgbClr val="0097A7"/>
+        </a:hlink>
+        <a:folHlink>
+          <a:srgbClr val="0097A7"/>
+        </a:folHlink>
+      </a:clrScheme>
+      <a:clrMap bg1="lt1" tx1="dk1" bg2="lt2" tx2="dk2" accent1="accent1" accent2="accent2" accent3="accent3" accent4="accent4" accent5="accent5" accent6="accent6" hlink="hlink" folHlink="folHlink"/>
+    </a:extraClrScheme>
+    <a:extraClrScheme>
+      <a:clrScheme name="Presentation 2">
         <a:dk1>
           <a:srgbClr val="000000"/>
         </a:dk1>
@@ -17544,6 +17694,47 @@
       </a:clrScheme>
       <a:clrMap bg1="lt1" tx1="dk1" bg2="lt2" tx2="dk2" accent1="accent1" accent2="accent2" accent3="accent3" accent4="accent4" accent5="accent5" accent6="accent6" hlink="hlink" folHlink="folHlink"/>
     </a:extraClrScheme>
+    <a:extraClrScheme>
+      <a:clrScheme name="Presentation 2">
+        <a:dk1>
+          <a:srgbClr val="000000"/>
+        </a:dk1>
+        <a:lt1>
+          <a:srgbClr val="FFFFFF"/>
+        </a:lt1>
+        <a:dk2>
+          <a:srgbClr val="F3F3F3"/>
+        </a:dk2>
+        <a:lt2>
+          <a:srgbClr val="158158"/>
+        </a:lt2>
+        <a:accent1>
+          <a:srgbClr val="058DC7"/>
+        </a:accent1>
+        <a:accent2>
+          <a:srgbClr val="50B432"/>
+        </a:accent2>
+        <a:accent3>
+          <a:srgbClr val="ED561B"/>
+        </a:accent3>
+        <a:accent4>
+          <a:srgbClr val="EDEF00"/>
+        </a:accent4>
+        <a:accent5>
+          <a:srgbClr val="24CBE5"/>
+        </a:accent5>
+        <a:accent6>
+          <a:srgbClr val="64E572"/>
+        </a:accent6>
+        <a:hlink>
+          <a:srgbClr val="2200CC"/>
+        </a:hlink>
+        <a:folHlink>
+          <a:srgbClr val="551A8B"/>
+        </a:folHlink>
+      </a:clrScheme>
+      <a:clrMap bg1="lt1" tx1="dk1" bg2="lt2" tx2="dk2" accent1="accent1" accent2="accent2" accent3="accent3" accent4="accent4" accent5="accent5" accent6="accent6" hlink="hlink" folHlink="folHlink"/>
+    </a:extraClrScheme>
   </a:extraClrSchemeLst>
 </a:theme>
 </file>
@@ -17840,6 +18031,47 @@
       </a:clrScheme>
       <a:clrMap bg1="lt1" tx1="dk1" bg2="lt2" tx2="dk2" accent1="accent1" accent2="accent2" accent3="accent3" accent4="accent4" accent5="accent5" accent6="accent6" hlink="hlink" folHlink="folHlink"/>
     </a:extraClrScheme>
+    <a:extraClrScheme>
+      <a:clrScheme name="Presentation 2">
+        <a:dk1>
+          <a:srgbClr val="000000"/>
+        </a:dk1>
+        <a:lt1>
+          <a:srgbClr val="FFFFFF"/>
+        </a:lt1>
+        <a:dk2>
+          <a:srgbClr val="EEEEEE"/>
+        </a:dk2>
+        <a:lt2>
+          <a:srgbClr val="595959"/>
+        </a:lt2>
+        <a:accent1>
+          <a:srgbClr val="4285F4"/>
+        </a:accent1>
+        <a:accent2>
+          <a:srgbClr val="212121"/>
+        </a:accent2>
+        <a:accent3>
+          <a:srgbClr val="78909C"/>
+        </a:accent3>
+        <a:accent4>
+          <a:srgbClr val="FFAB40"/>
+        </a:accent4>
+        <a:accent5>
+          <a:srgbClr val="0097A7"/>
+        </a:accent5>
+        <a:accent6>
+          <a:srgbClr val="EEFF41"/>
+        </a:accent6>
+        <a:hlink>
+          <a:srgbClr val="0097A7"/>
+        </a:hlink>
+        <a:folHlink>
+          <a:srgbClr val="0097A7"/>
+        </a:folHlink>
+      </a:clrScheme>
+      <a:clrMap bg1="lt1" tx1="dk1" bg2="lt2" tx2="dk2" accent1="accent1" accent2="accent2" accent3="accent3" accent4="accent4" accent5="accent5" accent6="accent6" hlink="hlink" folHlink="folHlink"/>
+    </a:extraClrScheme>
   </a:extraClrSchemeLst>
 </a:theme>
 </file>
--- a/doc/ПрезентацияПроекта.pptx
+++ b/doc/ПрезентацияПроекта.pptx
@@ -275,7 +275,7 @@
             <a:spLocks noGrp="1" noChangeArrowheads="1"/>
             <a:extLst>
               <a:ext uri="smNativeData">
-                <pr:smNativeData xmlns:pr="smNativeData" xmlns="smNativeData" val="SMDATA_15_t6npZxMAAAAlAAAACwAAAA0AAAAAWAIAADgEAADYJwAAUBkAAAAAAAAAAAAAAAAAAAEAAABQAAAAAAAAAAAA4D8AAAAAAADgPwAAAAAAAOA/AAAAAAAA4D8AAAAAAADgPwAAAAAAAOA/AAAAAAAA4D8AAAAAAADgPwAAAAAAAOA/AAAAAAAA4D8CAAAAjAAAAAAAAAAAAAAABY3HDP///wgAAAAAAAAAAAAAAAAAAAAAAAAAAAAAAAAAAAAAZAAAAAEAAABAAAAAAAAAAAAAAAAAAAAAAAAAAAAAAAAAAAAAAAAAAAAAAAAAAAAAAAAAAAAAAAAAAAAAAAAAAAAAAAAAAAAAAAAAAAAAAAAAAAAAAAAAAAAAAAAAAAAAFAAAADwAAAABAAAAAAAAAAAAAAAPAAAAAQAAACMAAAAjAAAAIwAAAB4AAAAAAAAASwAAAEsAAAAAAAAASwAAAEsAAAAVAAAAYAAAAAAAAAAAAAAADwAAACADAAAAAAAAAAAAAAEAAACgMgAAVgcAAKr4//8BAAAAf39/AAEAAABkAAAAAAAAABQAAABAHwAAAAAAACYAAAAAAAAAwOD//wAAAAAmAAAAZAAAABYAAABMAAAAAAAAAAAAAAAEAAAAAAAAAAEAAAAVgVgKAAAAACgAAAAoAAAAZAAAAGQAAAAAAAAAzMzMAAAAAABQAAAAUAAAAGQAAABkAAAAAAAAABcAAAAUAAAAAAAAAAAAAAD/fwAA/38AAAAAAAAJAAAABAAAAAAAAAAeAAAAaAAAAAAAAAAAAAAAAAAAAAAAAAAAAAAAECcAABAnAAAAAAAAAAAAAAAAAAAAAAAAAAAAAAAAAAAAAAAAAAAAABQAAAAAAAAAwMD/AAAAAABkAAAAMgAAAAAAAABkAAAAAAAAAH9/fwAKAAAAIgAAABgAAAAAAAAAAAAAAAAAAAAAAAAAAAAAAAAAAAAkAAAAJAAAAAAAAAAHAAAAAAAAAAAAAAAAAAAAAAAAAAAAAAAAAAAAf39/ACUAAABYAAAAAAAAAAAAAAAAAAAAAAAAAAAAAAAAAAAAAAAAAAAAAAAAAAAAAAAAAAAAAAA/AAAAAAAAAKCGAQAAAAAAAAAAAAAAAAAMAAAAAQAAAAAAAAAAAAAAAAAAAB8AAABUAAAAAAAABQAAAAEAAAAAAAAAAAAAAAAAAAAAAAAAAAAAAAAAAAAAAAAAAAAAAAB/f38AAAAAA8zMzADAwP8Af39/AAAAAAAAAAAAAAAAAAAAAAAAAAAAIQAAABgAAAAUAAAAWAIAADgEAADYJwAAUBkAABAAAAAmAAAACAAAAAEPAAD/HwAA"/>
+                <pr:smNativeData xmlns:pr="smNativeData" xmlns="smNativeData" val="SMDATA_15_f8v4ZxMAAAAlAAAACwAAAA0AAAAAWAIAADgEAADYJwAAUBkAAAAAAAAAAAAAAAAAAAEAAABQAAAAAAAAAAAA4D8AAAAAAADgPwAAAAAAAOA/AAAAAAAA4D8AAAAAAADgPwAAAAAAAOA/AAAAAAAA4D8AAAAAAADgPwAAAAAAAOA/AAAAAAAA4D8CAAAAjAAAAAAAAAAAAAAABY3HDP///wgAAAAAAAAAAAAAAAAAAAAAAAAAAAAAAAAAAAAAZAAAAAEAAABAAAAAAAAAAAAAAAAAAAAAAAAAAAAAAAAAAAAAAAAAAAAAAAAAAAAAAAAAAAAAAAAAAAAAAAAAAAAAAAAAAAAAAAAAAAAAAAAAAAAAAAAAAAAAAAAAAAAAFAAAADwAAAABAAAAAAAAAAAAAAAPAAAAAQAAACMAAAAjAAAAIwAAAB4AAAAAAAAASwAAAEsAAAAAAAAASwAAAEsAAAAVAAAAYAAAAAAAAAAAAAAADwAAACADAAAAAAAAAAAAAAEAAACgMgAAVgcAAKr4//8BAAAAf39/AAEAAABkAAAAAAAAABQAAABAHwAAAAAAACYAAAAAAAAAwOD//wAAAAAmAAAAZAAAABYAAABMAAAAAAAAAAAAAAAEAAAAAAAAAAEAAAAVgVgKAAAAACgAAAAoAAAAZAAAAGQAAAAAAAAAzMzMAAAAAABQAAAAUAAAAGQAAABkAAAAAAAAABcAAAAUAAAAAAAAAAAAAAD/fwAA/38AAAAAAAAJAAAABAAAAAAAAAAeAAAAaAAAAAAAAAAAAAAAAAAAAAAAAAAAAAAAECcAABAnAAAAAAAAAAAAAAAAAAAAAAAAAAAAAAAAAAAAAAAAAAAAABQAAAAAAAAAwMD/AAAAAABkAAAAMgAAAAAAAABkAAAAAAAAAH9/fwAKAAAAIgAAABgAAAAAAAAAAAAAAAAAAAAAAAAAAAAAAAAAAAAkAAAAJAAAAAAAAAAHAAAAAAAAAAAAAAAAAAAAAAAAAAAAAAAAAAAAf39/ACUAAABYAAAAAAAAAAAAAAAAAAAAAAAAAAAAAAAAAAAAAAAAAAAAAAAAAAAAAAAAAAAAAAA/AAAAAAAAAKCGAQAAAAAAAAAAAAAAAAAMAAAAAQAAAAAAAAAAAAAAAAAAAB8AAABUAAAAAAAABQAAAAEAAAAAAAAAAAAAAAAAAAAAAAAAAAAAAAAAAAAAAAAAAAAAAAB/f38AAAAAA8zMzADAwP8Af39/AAAAAAAAAAAAAAAAAAAAAAAAAAAAIQAAABgAAAAUAAAAWAIAADgEAADYJwAAUBkAABAAAAAmAAAACAAAAAEPAAD/HwAA"/>
               </a:ext>
             </a:extLst>
           </p:cNvSpPr>
@@ -330,7 +330,7 @@
             <a:spLocks noGrp="1" noChangeArrowheads="1"/>
             <a:extLst>
               <a:ext uri="smNativeData">
-                <pr:smNativeData xmlns:pr="smNativeData" xmlns="smNativeData" val="SMDATA_15_t6npZxMAAAAlAAAAZAAAAA0AAAAAkAAAAJAAAACQAAAAkAAAAAAAAAAAAAAAAAAAAAEAAABQAAAAAAAAAAAA4D8AAAAAAADgPwAAAAAAAOA/AAAAAAAA4D8AAAAAAADgPwAAAAAAAOA/AAAAAAAA4D8AAAAAAADgPwAAAAAAAOA/AAAAAAAA4D8CAAAAjAAAAAAAAAAAAAAABY3HDP///wgAAAAAAAAAAAAAAAAAAAAAAAAAAAAAAAAAAAAAZAAAAAEAAABAAAAAAAAAAAAAAAAAAAAAAAAAAAAAAAAAAAAAAAAAAAAAAAAAAAAAAAAAAAAAAAAAAAAAAAAAAAAAAAAAAAAAAAAAAAAAAAAAAAAAAAAAAAAAAAAAAAAAFAAAADwAAAAAAAAAAAAAAAAAAAkUAAAAAQAAABQAAAAUAAAAFAAAAAEAAAAAAAAAZAAAAGQAAAAAAAAAZAAAAGQAAAAVAAAAYAAAAAAAAAAAAAAADwAAACADAAAAAAAAAAAAAAEAAACgMgAAVgcAAKr4//8BAAAAf39/AAEAAABkAAAAAAAAABQAAABAHwAAAAAAACYAAAAAAAAAwOD//wAAAAAmAAAAZAAAABYAAABMAAAAAAAAAAAAAAAEAAAAAAAAAAEAAAAVgVgKAAAAACgAAAAoAAAAZAAAAGQAAAAAAAAAzMzMAAAAAABQAAAAUAAAAGQAAABkAAAAAAAAABcAAAAUAAAAAAAAAAAAAAD/fwAA/38AAAAAAAAJAAAABAAAAAD///8eAAAAaAAAAAAAAAAAAAAAAAAAAAAAAAAAAAAAECcAABAnAAAAAAAAAAAAAAAAAAAAAAAAAAAAAAAAAAAAAAAAAAAAABQAAAAAAAAAwMD/AAAAAABkAAAAMgAAAAAAAABkAAAAAAAAAH9/fwAKAAAAIgAAABgAAAAAAAAAAAAAAAAAAAAAAAAAAAAAAAAAAAAkAAAAJAAAAAAAAAAHAAAAAAAAAAAAAAAAAAAAAAAAAAAAAAAAAAAAf39/ACUAAABYAAAAAAAAAAAAAAAAAAAAAAAAAAAAAAAAAAAAAAAAAAAAAAAAAAAAAAAAAAAAAAA/AAAAAAAAAKCGAQAAAAAAAAAAAAAAAAAMAAAAAQAAAAAAAAAAAAAAAAAAAB8AAABUAAAAAAAABQAAAAEAAAAAAAAAAAAAAAAAAAAAAAAAAAAAAAAAAAAAAAAAAAAAAAJ/f38AAAAAA8zMzADAwP8Af39/AAAAAAAAAAAAAAAAAAAAAAAAAAAAIQAAABgAAAAUAAAAOAQAALgaAAD4JQAACDQAABAAAAAmAAAACAAAAL2/AAD/HwAA"/>
+                <pr:smNativeData xmlns:pr="smNativeData" xmlns="smNativeData" val="SMDATA_15_f8v4ZxMAAAAlAAAAZAAAAA0AAAAAkAAAAJAAAACQAAAAkAAAAAAAAAAAAAAAAAAAAAEAAABQAAAAAAAAAAAA4D8AAAAAAADgPwAAAAAAAOA/AAAAAAAA4D8AAAAAAADgPwAAAAAAAOA/AAAAAAAA4D8AAAAAAADgPwAAAAAAAOA/AAAAAAAA4D8CAAAAjAAAAAAAAAAAAAAABY3HDP///wgAAAAAAAAAAAAAAAAAAAAAAAAAAAAAAAAAAAAAZAAAAAEAAABAAAAAAAAAAAAAAAAAAAAAAAAAAAAAAAAAAAAAAAAAAAAAAAAAAAAAAAAAAAAAAAAAAAAAAAAAAAAAAAAAAAAAAAAAAAAAAAAAAAAAAAAAAAAAAAAAAAAAFAAAADwAAAAAAAAAAAAAAAAAAAkUAAAAAQAAABQAAAAUAAAAFAAAAAEAAAAAAAAAZAAAAGQAAAAAAAAAZAAAAGQAAAAVAAAAYAAAAAAAAAAAAAAADwAAACADAAAAAAAAAAAAAAEAAACgMgAAVgcAAKr4//8BAAAAf39/AAEAAABkAAAAAAAAABQAAABAHwAAAAAAACYAAAAAAAAAwOD//wAAAAAmAAAAZAAAABYAAABMAAAAAAAAAAAAAAAEAAAAAAAAAAEAAAAVgVgKAAAAACgAAAAoAAAAZAAAAGQAAAAAAAAAzMzMAAAAAABQAAAAUAAAAGQAAABkAAAAAAAAABcAAAAUAAAAAAAAAAAAAAD/fwAA/38AAAAAAAAJAAAABAAAAAD///8eAAAAaAAAAAAAAAAAAAAAAAAAAAAAAAAAAAAAECcAABAnAAAAAAAAAAAAAAAAAAAAAAAAAAAAAAAAAAAAAAAAAAAAABQAAAAAAAAAwMD/AAAAAABkAAAAMgAAAAAAAABkAAAAAAAAAH9/fwAKAAAAIgAAABgAAAAAAAAAAAAAAAAAAAAAAAAAAAAAAAAAAAAkAAAAJAAAAAAAAAAHAAAAAAAAAAAAAAAAAAAAAAAAAAAAAAAAAAAAf39/ACUAAABYAAAAAAAAAAAAAAAAAAAAAAAAAAAAAAAAAAAAAAAAAAAAAAAAAAAAAAAAAAAAAAA/AAAAAAAAAKCGAQAAAAAAAAAAAAAAAAAMAAAAAQAAAAAAAAAAAAAAAAAAAB8AAABUAAAAAAAABQAAAAEAAAAAAAAAAAAAAAAAAAAAAAAAAAAAAAAAAAAAAAAAAAAAAAJ/f38AAAAAA8zMzADAwP8Af39/AAAAAAAAAAAAAAAAAAAAAAAAAAAAIQAAABgAAAAUAAAAOAQAALgaAAD4JQAACDQAABAAAAAmAAAACAAAAL2/AAD/HwAA"/>
               </a:ext>
             </a:extLst>
           </p:cNvSpPr>
@@ -702,7 +702,7 @@
             <a:spLocks noGrp="1" noChangeArrowheads="1"/>
             <a:extLst>
               <a:ext uri="smNativeData">
-                <pr:smNativeData xmlns:pr="smNativeData" xmlns="smNativeData" val="SMDATA_15_t6npZxMAAAAlAAAACwAAAA0AAAAAWAIAADgEAADYJwAAUBkAAAAAAAAAAAAAAAAAAAEAAABQAAAAAAAAAAAA4D8AAAAAAADgPwAAAAAAAOA/AAAAAAAA4D8AAAAAAADgPwAAAAAAAOA/AAAAAAAA4D8AAAAAAADgPwAAAAAAAOA/AAAAAAAA4D8CAAAAjAAAAAAAAAAAAAAAQoX0DP///wgAAAAAAAAAAAAAAAAAAAAAAAAAAAAAAAAAAAAAZAAAAAEAAABAAAAAAAAAAAAAAAAAAAAAAAAAAAAAAAAAAAAAAAAAAAAAAAAAAAAAAAAAAAAAAAAAAAAAAAAAAAAAAAAAAAAAAAAAAAAAAAAAAAAAAAAAAAAAAAAAAAAAFAAAADwAAAABAAAAAAAAAAAAAAAPAAAAAQAAACMAAAAjAAAAIwAAAB4AAAAAAAAASwAAAEsAAAAAAAAASwAAAEsAAAAVAAAAYAAAAAAAAAAAAAAADwAAACADAAAAAAAAAAAAAAEAAACgMgAAVgcAAKr4//8BAAAAf39/AAEAAABkAAAAAAAAABQAAABAHwAAAAAAACYAAAAAAAAAwOD//wAAAAAmAAAAZAAAABYAAABMAAAAAAAAAAAAAAAEAAAAAAAAAAEAAABZWVkKAAAAACgAAAAoAAAAZAAAAGQAAAAAAAAAzMzMAAAAAABQAAAAUAAAAGQAAABkAAAAAAAAABcAAAAUAAAAAAAAAAAAAAD/fwAA/38AAAAAAAAJAAAABAAAAAAAAAAeAAAAaAAAAAAAAAAAAAAAAAAAAAAAAAAAAAAAECcAABAnAAAAAAAAAAAAAAAAAAAAAAAAAAAAAAAAAAAAAAAAAAAAABQAAAAAAAAAwMD/AAAAAABkAAAAMgAAAAAAAABkAAAAAAAAAH9/fwAKAAAAIgAAABgAAAAAAAAAAAAAAAAAAAAAAAAAAAAAAAAAAAAkAAAAJAAAAAAAAAAHAAAAAAAAAAAAAAAAAAAAAAAAAAAAAAAAAAAAf39/ACUAAABYAAAAAAAAAAAAAAAAAAAAAAAAAAAAAAAAAAAAAAAAAAAAAAAAAAAAAAAAAAAAAAA/AAAAAAAAAKCGAQAAAAAAAAAAAAAAAAAMAAAAAQAAAAAAAAAAAAAAAAAAAB8AAABUAAAAAAAABQAAAAEAAAAAAAAAAAAAAAAAAAAAAAAAAAAAAAAAAAAAAAAAAAAAAAB/f38AAAAAA8zMzADAwP8Af39/AAAAAAAAAAAAAAAAAAAAAAAAAAAAIQAAABgAAAAUAAAAWAIAADgEAADYJwAAUBkAABAAAAAmAAAACAAAAAEPAAAAAAAA"/>
+                <pr:smNativeData xmlns:pr="smNativeData" xmlns="smNativeData" val="SMDATA_15_f8v4ZxMAAAAlAAAACwAAAA0AAAAAWAIAADgEAADYJwAAUBkAAAAAAAAAAAAAAAAAAAEAAABQAAAAAAAAAAAA4D8AAAAAAADgPwAAAAAAAOA/AAAAAAAA4D8AAAAAAADgPwAAAAAAAOA/AAAAAAAA4D8AAAAAAADgPwAAAAAAAOA/AAAAAAAA4D8CAAAAjAAAAAAAAAAAAAAAQoX0DP///wgAAAAAAAAAAAAAAAAAAAAAAAAAAAAAAAAAAAAAZAAAAAEAAABAAAAAAAAAAAAAAAAAAAAAAAAAAAAAAAAAAAAAAAAAAAAAAAAAAAAAAAAAAAAAAAAAAAAAAAAAAAAAAAAAAAAAAAAAAAAAAAAAAAAAAAAAAAAAAAAAAAAAFAAAADwAAAABAAAAAAAAAAAAAAAPAAAAAQAAACMAAAAjAAAAIwAAAB4AAAAAAAAASwAAAEsAAAAAAAAASwAAAEsAAAAVAAAAYAAAAAAAAAAAAAAADwAAACADAAAAAAAAAAAAAAEAAACgMgAAVgcAAKr4//8BAAAAf39/AAEAAABkAAAAAAAAABQAAABAHwAAAAAAACYAAAAAAAAAwOD//wAAAAAmAAAAZAAAABYAAABMAAAAAAAAAAAAAAAEAAAAAAAAAAEAAABZWVkKAAAAACgAAAAoAAAAZAAAAGQAAAAAAAAAzMzMAAAAAABQAAAAUAAAAGQAAABkAAAAAAAAABcAAAAUAAAAAAAAAAAAAAD/fwAA/38AAAAAAAAJAAAABAAAAAAAAAAeAAAAaAAAAAAAAAAAAAAAAAAAAAAAAAAAAAAAECcAABAnAAAAAAAAAAAAAAAAAAAAAAAAAAAAAAAAAAAAAAAAAAAAABQAAAAAAAAAwMD/AAAAAABkAAAAMgAAAAAAAABkAAAAAAAAAH9/fwAKAAAAIgAAABgAAAAAAAAAAAAAAAAAAAAAAAAAAAAAAAAAAAAkAAAAJAAAAAAAAAAHAAAAAAAAAAAAAAAAAAAAAAAAAAAAAAAAAAAAf39/ACUAAABYAAAAAAAAAAAAAAAAAAAAAAAAAAAAAAAAAAAAAAAAAAAAAAAAAAAAAAAAAAAAAAA/AAAAAAAAAKCGAQAAAAAAAAAAAAAAAAAMAAAAAQAAAAAAAAAAAAAAAAAAAB8AAABUAAAAAAAABQAAAAEAAAAAAAAAAAAAAAAAAAAAAAAAAAAAAAAAAAAAAAAAAAAAAAB/f38AAAAAA8zMzADAwP8Af39/AAAAAAAAAAAAAAAAAAAAAAAAAAAAIQAAABgAAAAUAAAAWAIAADgEAADYJwAAUBkAABAAAAAmAAAACAAAAAEPAAAAAAAA"/>
               </a:ext>
             </a:extLst>
           </p:cNvSpPr>
@@ -748,7 +748,7 @@
             <a:spLocks noGrp="1" noChangeArrowheads="1"/>
             <a:extLst>
               <a:ext uri="smNativeData">
-                <pr:smNativeData xmlns:pr="smNativeData" xmlns="smNativeData" val="SMDATA_15_t6npZxMAAAAlAAAAZAAAAA0AAAAAkAAAAJAAAACQAAAAkAAAAAAAAAAAAAAAAAAAAAEAAABQAAAAAAAAAAAA4D8AAAAAAADgPwAAAAAAAOA/AAAAAAAA4D8AAAAAAADgPwAAAAAAAOA/AAAAAAAA4D8AAAAAAADgPwAAAAAAAOA/AAAAAAAA4D8CAAAAjAAAAAAAAAAAAAAAQoX0DP///wgAAAAAAAAAAAAAAAAAAAAAAAAAAAAAAAAAAAAAZAAAAAEAAABAAAAAAAAAAAAAAAAAAAAAAAAAAAAAAAAAAAAAAAAAAAAAAAAAAAAAAAAAAAAAAAAAAAAAAAAAAAAAAAAAAAAAAAAAAAAAAAAAAAAAAAAAAAAAAAAAAAAAFAAAADwAAAAAAAAAAAAAAAAAAAkUAAAAAQAAABQAAAAUAAAAFAAAAAEAAAAAAAAAZAAAAGQAAAAAAAAAZAAAAGQAAAAVAAAAYAAAAAAAAAAAAAAADwAAACADAAAAAAAAAAAAAAEAAACgMgAAVgcAAKr4//8BAAAAf39/AAEAAABkAAAAAAAAABQAAABAHwAAAAAAACYAAAAAAAAAwOD//wAAAAAmAAAAZAAAABYAAABMAAAAAAAAAAAAAAAEAAAAAAAAAAEAAABZWVkKAAAAACgAAAAoAAAAZAAAAGQAAAAAAAAAzMzMAAAAAABQAAAAUAAAAGQAAABkAAAAAAAAABcAAAAUAAAAAAAAAAAAAAD/fwAA/38AAAAAAAAJAAAABAAAAAAAAAAeAAAAaAAAAAAAAAAAAAAAAAAAAAAAAAAAAAAAECcAABAnAAAAAAAAAAAAAAAAAAAAAAAAAAAAAAAAAAAAAAAAAAAAABQAAAAAAAAAwMD/AAAAAABkAAAAMgAAAAAAAABkAAAAAAAAAH9/fwAKAAAAIgAAABgAAAAAAAAAAAAAAAAAAAAAAAAAAAAAAAAAAAAkAAAAJAAAAAAAAAAHAAAAAAAAAAAAAAAAAAAAAAAAAAAAAAAAAAAAf39/ACUAAABYAAAAAAAAAAAAAAAAAAAAAAAAAAAAAAAAAAAAAAAAAAAAAAAAAAAAAAAAAAAAAAA/AAAAAAAAAKCGAQAAAAAAAAAAAAAAAAAMAAAAAQAAAAAAAAAAAAAAAAAAAB8AAABUAAAAAAAABQAAAAEAAAAAAAAAAAAAAAAAAAAAAAAAAAAAAAAAAAAAAAAAAAAAAAJ/f38AAAAAA8zMzADAwP8Af39/AAAAAAAAAAAAAAAAAAAAAAAAAAAAIQAAABgAAAAUAAAAOAQAALgaAAD4JQAACDQAABAAAAAmAAAACAAAAL0/AAAAAAAA"/>
+                <pr:smNativeData xmlns:pr="smNativeData" xmlns="smNativeData" val="SMDATA_15_f8v4ZxMAAAAlAAAAZAAAAA0AAAAAkAAAAJAAAACQAAAAkAAAAAAAAAAAAAAAAAAAAAEAAABQAAAAAAAAAAAA4D8AAAAAAADgPwAAAAAAAOA/AAAAAAAA4D8AAAAAAADgPwAAAAAAAOA/AAAAAAAA4D8AAAAAAADgPwAAAAAAAOA/AAAAAAAA4D8CAAAAjAAAAAAAAAAAAAAAQoX0DP///wgAAAAAAAAAAAAAAAAAAAAAAAAAAAAAAAAAAAAAZAAAAAEAAABAAAAAAAAAAAAAAAAAAAAAAAAAAAAAAAAAAAAAAAAAAAAAAAAAAAAAAAAAAAAAAAAAAAAAAAAAAAAAAAAAAAAAAAAAAAAAAAAAAAAAAAAAAAAAAAAAAAAAFAAAADwAAAAAAAAAAAAAAAAAAAkUAAAAAQAAABQAAAAUAAAAFAAAAAEAAAAAAAAAZAAAAGQAAAAAAAAAZAAAAGQAAAAVAAAAYAAAAAAAAAAAAAAADwAAACADAAAAAAAAAAAAAAEAAACgMgAAVgcAAKr4//8BAAAAf39/AAEAAABkAAAAAAAAABQAAABAHwAAAAAAACYAAAAAAAAAwOD//wAAAAAmAAAAZAAAABYAAABMAAAAAAAAAAAAAAAEAAAAAAAAAAEAAABZWVkKAAAAACgAAAAoAAAAZAAAAGQAAAAAAAAAzMzMAAAAAABQAAAAUAAAAGQAAABkAAAAAAAAABcAAAAUAAAAAAAAAAAAAAD/fwAA/38AAAAAAAAJAAAABAAAAAAAAAAeAAAAaAAAAAAAAAAAAAAAAAAAAAAAAAAAAAAAECcAABAnAAAAAAAAAAAAAAAAAAAAAAAAAAAAAAAAAAAAAAAAAAAAABQAAAAAAAAAwMD/AAAAAABkAAAAMgAAAAAAAABkAAAAAAAAAH9/fwAKAAAAIgAAABgAAAAAAAAAAAAAAAAAAAAAAAAAAAAAAAAAAAAkAAAAJAAAAAAAAAAHAAAAAAAAAAAAAAAAAAAAAAAAAAAAAAAAAAAAf39/ACUAAABYAAAAAAAAAAAAAAAAAAAAAAAAAAAAAAAAAAAAAAAAAAAAAAAAAAAAAAAAAAAAAAA/AAAAAAAAAKCGAQAAAAAAAAAAAAAAAAAMAAAAAQAAAAAAAAAAAAAAAAAAAB8AAABUAAAAAAAABQAAAAEAAAAAAAAAAAAAAAAAAAAAAAAAAAAAAAAAAAAAAAAAAAAAAAJ/f38AAAAAA8zMzADAwP8Af39/AAAAAAAAAAAAAAAAAAAAAAAAAAAAIQAAABgAAAAUAAAAOAQAALgaAAD4JQAACDQAABAAAAAmAAAACAAAAL0/AAAAAAAA"/>
               </a:ext>
             </a:extLst>
           </p:cNvSpPr>
@@ -825,7 +825,7 @@
             <a:spLocks noGrp="1" noChangeArrowheads="1"/>
             <a:extLst>
               <a:ext uri="smNativeData">
-                <pr:smNativeData xmlns:pr="smNativeData" xmlns="smNativeData" val="SMDATA_15_t6npZxMAAAAlAAAACwAAAA0AAAAAWAIAADgEAADYJwAAUBkAAAAAAAAAAAAAAAAAAAEAAABQAAAAAAAAAAAA4D8AAAAAAADgPwAAAAAAAOA/AAAAAAAA4D8AAAAAAADgPwAAAAAAAOA/AAAAAAAA4D8AAAAAAADgPwAAAAAAAOA/AAAAAAAA4D8CAAAAjAAAAAAAAAAAAAAAQoX0DP///wgAAAAAAAAAAAAAAAAAAAAAAAAAAAAAAAAAAAAAZAAAAAEAAABAAAAAAAAAAAAAAAAAAAAAAAAAAAAAAAAAAAAAAAAAAAAAAAAAAAAAAAAAAAAAAAAAAAAAAAAAAAAAAAAAAAAAAAAAAAAAAAAAAAAAAAAAAAAAAAAAAAAAFAAAADwAAAABAAAAAAAAAAAAAAAPAAAAAQAAACMAAAAjAAAAIwAAAB4AAAAAAAAASwAAAEsAAAAAAAAASwAAAEsAAAAVAAAAYAAAAAAAAAAAAAAADwAAACADAAAAAAAAAAAAAAEAAACgMgAAVgcAAKr4//8BAAAAf39/AAEAAABkAAAAAAAAABQAAABAHwAAAAAAACYAAAAAAAAAwOD//wAAAAAmAAAAZAAAABYAAABMAAAAAAAAAAAAAAAEAAAAAAAAAAEAAABZWVkKAAAAACgAAAAoAAAAZAAAAGQAAAAAAAAAzMzMAAAAAABQAAAAUAAAAGQAAABkAAAAAAAAABcAAAAUAAAAAAAAAAAAAAD/fwAA/38AAAAAAAAJAAAABAAAAAAAAAAeAAAAaAAAAAAAAAAAAAAAAAAAAAAAAAAAAAAAECcAABAnAAAAAAAAAAAAAAAAAAAAAAAAAAAAAAAAAAAAAAAAAAAAABQAAAAAAAAAwMD/AAAAAABkAAAAMgAAAAAAAABkAAAAAAAAAH9/fwAKAAAAIgAAABgAAAAAAAAAAAAAAAAAAAAAAAAAAAAAAAAAAAAkAAAAJAAAAAAAAAAHAAAAAAAAAAAAAAAAAAAAAAAAAAAAAAAAAAAAf39/ACUAAABYAAAAAAAAAAAAAAAAAAAAAAAAAAAAAAAAAAAAAAAAAAAAAAAAAAAAAAAAAAAAAAA/AAAAAAAAAKCGAQAAAAAAAAAAAAAAAAAMAAAAAQAAAAAAAAAAAAAAAAAAAB8AAABUAAAAAAAABQAAAAEAAAAAAAAAAAAAAAAAAAAAAAAAAAAAAAAAAAAAAAAAAAAAAAB/f38AAAAAA8zMzADAwP8Af39/AAAAAAAAAAAAAAAAAAAAAAAAAAAAIQAAABgAAAAUAAAAWAIAADgEAADYJwAAUBkAABAAAAAmAAAACAAAAAEPAAAAAAAA"/>
+                <pr:smNativeData xmlns:pr="smNativeData" xmlns="smNativeData" val="SMDATA_15_f8v4ZxMAAAAlAAAACwAAAA0AAAAAWAIAADgEAADYJwAAUBkAAAAAAAAAAAAAAAAAAAEAAABQAAAAAAAAAAAA4D8AAAAAAADgPwAAAAAAAOA/AAAAAAAA4D8AAAAAAADgPwAAAAAAAOA/AAAAAAAA4D8AAAAAAADgPwAAAAAAAOA/AAAAAAAA4D8CAAAAjAAAAAAAAAAAAAAAQoX0DP///wgAAAAAAAAAAAAAAAAAAAAAAAAAAAAAAAAAAAAAZAAAAAEAAABAAAAAAAAAAAAAAAAAAAAAAAAAAAAAAAAAAAAAAAAAAAAAAAAAAAAAAAAAAAAAAAAAAAAAAAAAAAAAAAAAAAAAAAAAAAAAAAAAAAAAAAAAAAAAAAAAAAAAFAAAADwAAAABAAAAAAAAAAAAAAAPAAAAAQAAACMAAAAjAAAAIwAAAB4AAAAAAAAASwAAAEsAAAAAAAAASwAAAEsAAAAVAAAAYAAAAAAAAAAAAAAADwAAACADAAAAAAAAAAAAAAEAAACgMgAAVgcAAKr4//8BAAAAf39/AAEAAABkAAAAAAAAABQAAABAHwAAAAAAACYAAAAAAAAAwOD//wAAAAAmAAAAZAAAABYAAABMAAAAAAAAAAAAAAAEAAAAAAAAAAEAAABZWVkKAAAAACgAAAAoAAAAZAAAAGQAAAAAAAAAzMzMAAAAAABQAAAAUAAAAGQAAABkAAAAAAAAABcAAAAUAAAAAAAAAAAAAAD/fwAA/38AAAAAAAAJAAAABAAAAAAAAAAeAAAAaAAAAAAAAAAAAAAAAAAAAAAAAAAAAAAAECcAABAnAAAAAAAAAAAAAAAAAAAAAAAAAAAAAAAAAAAAAAAAAAAAABQAAAAAAAAAwMD/AAAAAABkAAAAMgAAAAAAAABkAAAAAAAAAH9/fwAKAAAAIgAAABgAAAAAAAAAAAAAAAAAAAAAAAAAAAAAAAAAAAAkAAAAJAAAAAAAAAAHAAAAAAAAAAAAAAAAAAAAAAAAAAAAAAAAAAAAf39/ACUAAABYAAAAAAAAAAAAAAAAAAAAAAAAAAAAAAAAAAAAAAAAAAAAAAAAAAAAAAAAAAAAAAA/AAAAAAAAAKCGAQAAAAAAAAAAAAAAAAAMAAAAAQAAAAAAAAAAAAAAAAAAAB8AAABUAAAAAAAABQAAAAEAAAAAAAAAAAAAAAAAAAAAAAAAAAAAAAAAAAAAAAAAAAAAAAB/f38AAAAAA8zMzADAwP8Af39/AAAAAAAAAAAAAAAAAAAAAAAAAAAAIQAAABgAAAAUAAAAWAIAADgEAADYJwAAUBkAABAAAAAmAAAACAAAAAEPAAAAAAAA"/>
               </a:ext>
             </a:extLst>
           </p:cNvSpPr>
@@ -871,7 +871,7 @@
             <a:spLocks noGrp="1" noChangeArrowheads="1"/>
             <a:extLst>
               <a:ext uri="smNativeData">
-                <pr:smNativeData xmlns:pr="smNativeData" xmlns="smNativeData" val="SMDATA_15_t6npZxMAAAAlAAAAZAAAAA0AAAAAkAAAAJAAAACQAAAAkAAAAAAAAAAAAAAAAAAAAAEAAABQAAAAAAAAAAAA4D8AAAAAAADgPwAAAAAAAOA/AAAAAAAA4D8AAAAAAADgPwAAAAAAAOA/AAAAAAAA4D8AAAAAAADgPwAAAAAAAOA/AAAAAAAA4D8CAAAAjAAAAAAAAAAAAAAAQoX0DP///wgAAAAAAAAAAAAAAAAAAAAAAAAAAAAAAAAAAAAAZAAAAAEAAABAAAAAAAAAAAAAAAAAAAAAAAAAAAAAAAAAAAAAAAAAAAAAAAAAAAAAAAAAAAAAAAAAAAAAAAAAAAAAAAAAAAAAAAAAAAAAAAAAAAAAAAAAAAAAAAAAAAAAFAAAADwAAAAAAAAAAAAAAAAAAAkUAAAAAQAAABQAAAAUAAAAFAAAAAEAAAAAAAAAZAAAAGQAAAAAAAAAZAAAAGQAAAAVAAAAYAAAAAAAAAAAAAAADwAAACADAAAAAAAAAAAAAAEAAACgMgAAVgcAAKr4//8BAAAAf39/AAEAAABkAAAAAAAAABQAAABAHwAAAAAAACYAAAAAAAAAwOD//wAAAAAmAAAAZAAAABYAAABMAAAAAAAAAAAAAAAEAAAAAAAAAAEAAABZWVkKAAAAACgAAAAoAAAAZAAAAGQAAAAAAAAAzMzMAAAAAABQAAAAUAAAAGQAAABkAAAAAAAAABcAAAAUAAAAAAAAAAAAAAD/fwAA/38AAAAAAAAJAAAABAAAAAAAAAAeAAAAaAAAAAAAAAAAAAAAAAAAAAAAAAAAAAAAECcAABAnAAAAAAAAAAAAAAAAAAAAAAAAAAAAAAAAAAAAAAAAAAAAABQAAAAAAAAAwMD/AAAAAABkAAAAMgAAAAAAAABkAAAAAAAAAH9/fwAKAAAAIgAAABgAAAAAAAAAAAAAAAAAAAAAAAAAAAAAAAAAAAAkAAAAJAAAAAAAAAAHAAAAAAAAAAAAAAAAAAAAAAAAAAAAAAAAAAAAf39/ACUAAABYAAAAAAAAAAAAAAAAAAAAAAAAAAAAAAAAAAAAAAAAAAAAAAAAAAAAAAAAAAAAAAA/AAAAAAAAAKCGAQAAAAAAAAAAAAAAAAAMAAAAAQAAAAAAAAAAAAAAAAAAAB8AAABUAAAAAAAABQAAAAEAAAAAAAAAAAAAAAAAAAAAAAAAAAAAAAAAAAAAAAAAAAAAAAJ/f38AAAAAA8zMzADAwP8Af39/AAAAAAAAAAAAAAAAAAAAAAAAAAAAIQAAABgAAAAUAAAAOAQAALgaAAD4JQAACDQAABAAAAAmAAAACAAAAL0/AAAAAAAA"/>
+                <pr:smNativeData xmlns:pr="smNativeData" xmlns="smNativeData" val="SMDATA_15_f8v4ZxMAAAAlAAAAZAAAAA0AAAAAkAAAAJAAAACQAAAAkAAAAAAAAAAAAAAAAAAAAAEAAABQAAAAAAAAAAAA4D8AAAAAAADgPwAAAAAAAOA/AAAAAAAA4D8AAAAAAADgPwAAAAAAAOA/AAAAAAAA4D8AAAAAAADgPwAAAAAAAOA/AAAAAAAA4D8CAAAAjAAAAAAAAAAAAAAAQoX0DP///wgAAAAAAAAAAAAAAAAAAAAAAAAAAAAAAAAAAAAAZAAAAAEAAABAAAAAAAAAAAAAAAAAAAAAAAAAAAAAAAAAAAAAAAAAAAAAAAAAAAAAAAAAAAAAAAAAAAAAAAAAAAAAAAAAAAAAAAAAAAAAAAAAAAAAAAAAAAAAAAAAAAAAFAAAADwAAAAAAAAAAAAAAAAAAAkUAAAAAQAAABQAAAAUAAAAFAAAAAEAAAAAAAAAZAAAAGQAAAAAAAAAZAAAAGQAAAAVAAAAYAAAAAAAAAAAAAAADwAAACADAAAAAAAAAAAAAAEAAACgMgAAVgcAAKr4//8BAAAAf39/AAEAAABkAAAAAAAAABQAAABAHwAAAAAAACYAAAAAAAAAwOD//wAAAAAmAAAAZAAAABYAAABMAAAAAAAAAAAAAAAEAAAAAAAAAAEAAABZWVkKAAAAACgAAAAoAAAAZAAAAGQAAAAAAAAAzMzMAAAAAABQAAAAUAAAAGQAAABkAAAAAAAAABcAAAAUAAAAAAAAAAAAAAD/fwAA/38AAAAAAAAJAAAABAAAAAAAAAAeAAAAaAAAAAAAAAAAAAAAAAAAAAAAAAAAAAAAECcAABAnAAAAAAAAAAAAAAAAAAAAAAAAAAAAAAAAAAAAAAAAAAAAABQAAAAAAAAAwMD/AAAAAABkAAAAMgAAAAAAAABkAAAAAAAAAH9/fwAKAAAAIgAAABgAAAAAAAAAAAAAAAAAAAAAAAAAAAAAAAAAAAAkAAAAJAAAAAAAAAAHAAAAAAAAAAAAAAAAAAAAAAAAAAAAAAAAAAAAf39/ACUAAABYAAAAAAAAAAAAAAAAAAAAAAAAAAAAAAAAAAAAAAAAAAAAAAAAAAAAAAAAAAAAAAA/AAAAAAAAAKCGAQAAAAAAAAAAAAAAAAAMAAAAAQAAAAAAAAAAAAAAAAAAAB8AAABUAAAAAAAABQAAAAEAAAAAAAAAAAAAAAAAAAAAAAAAAAAAAAAAAAAAAAAAAAAAAAJ/f38AAAAAA8zMzADAwP8Af39/AAAAAAAAAAAAAAAAAAAAAAAAAAAAIQAAABgAAAAUAAAAOAQAALgaAAD4JQAACDQAABAAAAAmAAAACAAAAL0/AAAAAAAA"/>
               </a:ext>
             </a:extLst>
           </p:cNvSpPr>
@@ -948,7 +948,7 @@
             <a:spLocks noGrp="1" noChangeArrowheads="1"/>
             <a:extLst>
               <a:ext uri="smNativeData">
-                <pr:smNativeData xmlns:pr="smNativeData" xmlns="smNativeData" val="SMDATA_15_t6npZxMAAAAlAAAACwAAAA0AAAAAWAIAADgEAADYJwAAUBkAAAAAAAAAAAAAAAAAAAEAAABQAAAAAAAAAAAA4D8AAAAAAADgPwAAAAAAAOA/AAAAAAAA4D8AAAAAAADgPwAAAAAAAOA/AAAAAAAA4D8AAAAAAADgPwAAAAAAAOA/AAAAAAAA4D8CAAAAjAAAAAAAAAAAAAAAQoX0DP///wgAAAAAAAAAAAAAAAAAAAAAAAAAAAAAAAAAAAAAZAAAAAEAAABAAAAAAAAAAAAAAAAAAAAAAAAAAAAAAAAAAAAAAAAAAAAAAAAAAAAAAAAAAAAAAAAAAAAAAAAAAAAAAAAAAAAAAAAAAAAAAAAAAAAAAAAAAAAAAAAAAAAAFAAAADwAAAABAAAAAAAAAAAAAAAPAAAAAQAAACMAAAAjAAAAIwAAAB4AAAAAAAAASwAAAEsAAAAAAAAASwAAAEsAAAAVAAAAYAAAAAAAAAAAAAAADwAAACADAAAAAAAAAAAAAAEAAACgMgAAVgcAAKr4//8BAAAAf39/AAEAAABkAAAAAAAAABQAAABAHwAAAAAAACYAAAAAAAAAwOD//wAAAAAmAAAAZAAAABYAAABMAAAAAAAAAAAAAAAEAAAAAAAAAAEAAABZWVkKAAAAACgAAAAoAAAAZAAAAGQAAAAAAAAAzMzMAAAAAABQAAAAUAAAAGQAAABkAAAAAAAAABcAAAAUAAAAAAAAAAAAAAD/fwAA/38AAAAAAAAJAAAABAAAAAAAAAAeAAAAaAAAAAAAAAAAAAAAAAAAAAAAAAAAAAAAECcAABAnAAAAAAAAAAAAAAAAAAAAAAAAAAAAAAAAAAAAAAAAAAAAABQAAAAAAAAAwMD/AAAAAABkAAAAMgAAAAAAAABkAAAAAAAAAH9/fwAKAAAAIgAAABgAAAAAAAAAAAAAAAAAAAAAAAAAAAAAAAAAAAAkAAAAJAAAAAAAAAAHAAAAAAAAAAAAAAAAAAAAAAAAAAAAAAAAAAAAf39/ACUAAABYAAAAAAAAAAAAAAAAAAAAAAAAAAAAAAAAAAAAAAAAAAAAAAAAAAAAAAAAAAAAAAA/AAAAAAAAAKCGAQAAAAAAAAAAAAAAAAAMAAAAAQAAAAAAAAAAAAAAAAAAAB8AAABUAAAAAAAABQAAAAEAAAAAAAAAAAAAAAAAAAAAAAAAAAAAAAAAAAAAAAAAAAAAAAB/f38AAAAAA8zMzADAwP8Af39/AAAAAAAAAAAAAAAAAAAAAAAAAAAAIQAAABgAAAAUAAAAWAIAADgEAADYJwAAUBkAABAAAAAmAAAACAAAAAEPAAAAAAAA"/>
+                <pr:smNativeData xmlns:pr="smNativeData" xmlns="smNativeData" val="SMDATA_15_f8v4ZxMAAAAlAAAACwAAAA0AAAAAWAIAADgEAADYJwAAUBkAAAAAAAAAAAAAAAAAAAEAAABQAAAAAAAAAAAA4D8AAAAAAADgPwAAAAAAAOA/AAAAAAAA4D8AAAAAAADgPwAAAAAAAOA/AAAAAAAA4D8AAAAAAADgPwAAAAAAAOA/AAAAAAAA4D8CAAAAjAAAAAAAAAAAAAAAQoX0DP///wgAAAAAAAAAAAAAAAAAAAAAAAAAAAAAAAAAAAAAZAAAAAEAAABAAAAAAAAAAAAAAAAAAAAAAAAAAAAAAAAAAAAAAAAAAAAAAAAAAAAAAAAAAAAAAAAAAAAAAAAAAAAAAAAAAAAAAAAAAAAAAAAAAAAAAAAAAAAAAAAAAAAAFAAAADwAAAABAAAAAAAAAAAAAAAPAAAAAQAAACMAAAAjAAAAIwAAAB4AAAAAAAAASwAAAEsAAAAAAAAASwAAAEsAAAAVAAAAYAAAAAAAAAAAAAAADwAAACADAAAAAAAAAAAAAAEAAACgMgAAVgcAAKr4//8BAAAAf39/AAEAAABkAAAAAAAAABQAAABAHwAAAAAAACYAAAAAAAAAwOD//wAAAAAmAAAAZAAAABYAAABMAAAAAAAAAAAAAAAEAAAAAAAAAAEAAABZWVkKAAAAACgAAAAoAAAAZAAAAGQAAAAAAAAAzMzMAAAAAABQAAAAUAAAAGQAAABkAAAAAAAAABcAAAAUAAAAAAAAAAAAAAD/fwAA/38AAAAAAAAJAAAABAAAAAAAAAAeAAAAaAAAAAAAAAAAAAAAAAAAAAAAAAAAAAAAECcAABAnAAAAAAAAAAAAAAAAAAAAAAAAAAAAAAAAAAAAAAAAAAAAABQAAAAAAAAAwMD/AAAAAABkAAAAMgAAAAAAAABkAAAAAAAAAH9/fwAKAAAAIgAAABgAAAAAAAAAAAAAAAAAAAAAAAAAAAAAAAAAAAAkAAAAJAAAAAAAAAAHAAAAAAAAAAAAAAAAAAAAAAAAAAAAAAAAAAAAf39/ACUAAABYAAAAAAAAAAAAAAAAAAAAAAAAAAAAAAAAAAAAAAAAAAAAAAAAAAAAAAAAAAAAAAA/AAAAAAAAAKCGAQAAAAAAAAAAAAAAAAAMAAAAAQAAAAAAAAAAAAAAAAAAAB8AAABUAAAAAAAABQAAAAEAAAAAAAAAAAAAAAAAAAAAAAAAAAAAAAAAAAAAAAAAAAAAAAB/f38AAAAAA8zMzADAwP8Af39/AAAAAAAAAAAAAAAAAAAAAAAAAAAAIQAAABgAAAAUAAAAWAIAADgEAADYJwAAUBkAABAAAAAmAAAACAAAAAEPAAAAAAAA"/>
               </a:ext>
             </a:extLst>
           </p:cNvSpPr>
@@ -994,7 +994,7 @@
             <a:spLocks noGrp="1" noChangeArrowheads="1"/>
             <a:extLst>
               <a:ext uri="smNativeData">
-                <pr:smNativeData xmlns:pr="smNativeData" xmlns="smNativeData" val="SMDATA_15_t6npZxMAAAAlAAAAZAAAAA0AAAAAkAAAAJAAAACQAAAAkAAAAAAAAAAAAAAAAAAAAAEAAABQAAAAAAAAAAAA4D8AAAAAAADgPwAAAAAAAOA/AAAAAAAA4D8AAAAAAADgPwAAAAAAAOA/AAAAAAAA4D8AAAAAAADgPwAAAAAAAOA/AAAAAAAA4D8CAAAAjAAAAAAAAAAAAAAAQoX0DP///wgAAAAAAAAAAAAAAAAAAAAAAAAAAAAAAAAAAAAAZAAAAAEAAABAAAAAAAAAAAAAAAAAAAAAAAAAAAAAAAAAAAAAAAAAAAAAAAAAAAAAAAAAAAAAAAAAAAAAAAAAAAAAAAAAAAAAAAAAAAAAAAAAAAAAAAAAAAAAAAAAAAAAFAAAADwAAAAAAAAAAAAAAAAAAAkUAAAAAQAAABQAAAAUAAAAFAAAAAEAAAAAAAAAZAAAAGQAAAAAAAAAZAAAAGQAAAAVAAAAYAAAAAAAAAAAAAAADwAAACADAAAAAAAAAAAAAAEAAACgMgAAVgcAAKr4//8BAAAAf39/AAEAAABkAAAAAAAAABQAAABAHwAAAAAAACYAAAAAAAAAwOD//wAAAAAmAAAAZAAAABYAAABMAAAAAAAAAAAAAAAEAAAAAAAAAAEAAABZWVkKAAAAACgAAAAoAAAAZAAAAGQAAAAAAAAAzMzMAAAAAABQAAAAUAAAAGQAAABkAAAAAAAAABcAAAAUAAAAAAAAAAAAAAD/fwAA/38AAAAAAAAJAAAABAAAAAAAAAAeAAAAaAAAAAAAAAAAAAAAAAAAAAAAAAAAAAAAECcAABAnAAAAAAAAAAAAAAAAAAAAAAAAAAAAAAAAAAAAAAAAAAAAABQAAAAAAAAAwMD/AAAAAABkAAAAMgAAAAAAAABkAAAAAAAAAH9/fwAKAAAAIgAAABgAAAAAAAAAAAAAAAAAAAAAAAAAAAAAAAAAAAAkAAAAJAAAAAAAAAAHAAAAAAAAAAAAAAAAAAAAAAAAAAAAAAAAAAAAf39/ACUAAABYAAAAAAAAAAAAAAAAAAAAAAAAAAAAAAAAAAAAAAAAAAAAAAAAAAAAAAAAAAAAAAA/AAAAAAAAAKCGAQAAAAAAAAAAAAAAAAAMAAAAAQAAAAAAAAAAAAAAAAAAAB8AAABUAAAAAAAABQAAAAEAAAAAAAAAAAAAAAAAAAAAAAAAAAAAAAAAAAAAAAAAAAAAAAJ/f38AAAAAA8zMzADAwP8Af39/AAAAAAAAAAAAAAAAAAAAAAAAAAAAIQAAABgAAAAUAAAAOAQAALgaAAD4JQAACDQAABAAAAAmAAAACAAAAL0/AAAAAAAA"/>
+                <pr:smNativeData xmlns:pr="smNativeData" xmlns="smNativeData" val="SMDATA_15_f8v4ZxMAAAAlAAAAZAAAAA0AAAAAkAAAAJAAAACQAAAAkAAAAAAAAAAAAAAAAAAAAAEAAABQAAAAAAAAAAAA4D8AAAAAAADgPwAAAAAAAOA/AAAAAAAA4D8AAAAAAADgPwAAAAAAAOA/AAAAAAAA4D8AAAAAAADgPwAAAAAAAOA/AAAAAAAA4D8CAAAAjAAAAAAAAAAAAAAAQoX0DP///wgAAAAAAAAAAAAAAAAAAAAAAAAAAAAAAAAAAAAAZAAAAAEAAABAAAAAAAAAAAAAAAAAAAAAAAAAAAAAAAAAAAAAAAAAAAAAAAAAAAAAAAAAAAAAAAAAAAAAAAAAAAAAAAAAAAAAAAAAAAAAAAAAAAAAAAAAAAAAAAAAAAAAFAAAADwAAAAAAAAAAAAAAAAAAAkUAAAAAQAAABQAAAAUAAAAFAAAAAEAAAAAAAAAZAAAAGQAAAAAAAAAZAAAAGQAAAAVAAAAYAAAAAAAAAAAAAAADwAAACADAAAAAAAAAAAAAAEAAACgMgAAVgcAAKr4//8BAAAAf39/AAEAAABkAAAAAAAAABQAAABAHwAAAAAAACYAAAAAAAAAwOD//wAAAAAmAAAAZAAAABYAAABMAAAAAAAAAAAAAAAEAAAAAAAAAAEAAABZWVkKAAAAACgAAAAoAAAAZAAAAGQAAAAAAAAAzMzMAAAAAABQAAAAUAAAAGQAAABkAAAAAAAAABcAAAAUAAAAAAAAAAAAAAD/fwAA/38AAAAAAAAJAAAABAAAAAAAAAAeAAAAaAAAAAAAAAAAAAAAAAAAAAAAAAAAAAAAECcAABAnAAAAAAAAAAAAAAAAAAAAAAAAAAAAAAAAAAAAAAAAAAAAABQAAAAAAAAAwMD/AAAAAABkAAAAMgAAAAAAAABkAAAAAAAAAH9/fwAKAAAAIgAAABgAAAAAAAAAAAAAAAAAAAAAAAAAAAAAAAAAAAAkAAAAJAAAAAAAAAAHAAAAAAAAAAAAAAAAAAAAAAAAAAAAAAAAAAAAf39/ACUAAABYAAAAAAAAAAAAAAAAAAAAAAAAAAAAAAAAAAAAAAAAAAAAAAAAAAAAAAAAAAAAAAA/AAAAAAAAAKCGAQAAAAAAAAAAAAAAAAAMAAAAAQAAAAAAAAAAAAAAAAAAAB8AAABUAAAAAAAABQAAAAEAAAAAAAAAAAAAAAAAAAAAAAAAAAAAAAAAAAAAAAAAAAAAAAJ/f38AAAAAA8zMzADAwP8Af39/AAAAAAAAAAAAAAAAAAAAAAAAAAAAIQAAABgAAAAUAAAAOAQAALgaAAD4JQAACDQAABAAAAAmAAAACAAAAL0/AAAAAAAA"/>
               </a:ext>
             </a:extLst>
           </p:cNvSpPr>
@@ -1071,7 +1071,7 @@
             <a:spLocks noGrp="1" noChangeArrowheads="1"/>
             <a:extLst>
               <a:ext uri="smNativeData">
-                <pr:smNativeData xmlns:pr="smNativeData" xmlns="smNativeData" val="SMDATA_15_t6npZxMAAAAlAAAACwAAAA0AAAAAWAIAADgEAADYJwAAUBkAAAAAAAAAAAAAAAAAAAEAAABQAAAAAAAAAAAA4D8AAAAAAADgPwAAAAAAAOA/AAAAAAAA4D8AAAAAAADgPwAAAAAAAOA/AAAAAAAA4D8AAAAAAADgPwAAAAAAAOA/AAAAAAAA4D8CAAAAjAAAAAAAAAAAAAAAQoX0DP///wgAAAAAAAAAAAAAAAAAAAAAAAAAAAAAAAAAAAAAZAAAAAEAAABAAAAAAAAAAAAAAAAAAAAAAAAAAAAAAAAAAAAAAAAAAAAAAAAAAAAAAAAAAAAAAAAAAAAAAAAAAAAAAAAAAAAAAAAAAAAAAAAAAAAAAAAAAAAAAAAAAAAAFAAAADwAAAABAAAAAAAAAAAAAAAPAAAAAQAAACMAAAAjAAAAIwAAAB4AAAAAAAAASwAAAEsAAAAAAAAASwAAAEsAAAAVAAAAYAAAAAAAAAAAAAAADwAAACADAAAAAAAAAAAAAAEAAACgMgAAVgcAAKr4//8BAAAAf39/AAEAAABkAAAAAAAAABQAAABAHwAAAAAAACYAAAAAAAAAwOD//wAAAAAmAAAAZAAAABYAAABMAAAAAAAAAAAAAAAEAAAAAAAAAAEAAABZWVkKAAAAACgAAAAoAAAAZAAAAGQAAAAAAAAAzMzMAAAAAABQAAAAUAAAAGQAAABkAAAAAAAAABcAAAAUAAAAAAAAAAAAAAD/fwAA/38AAAAAAAAJAAAABAAAAAAAACAeAAAAaAAAAAAAAAAAAAAAAAAAAAAAAAAAAAAAECcAABAnAAAAAAAAAAAAAAAAAAAAAAAAAAAAAAAAAAAAAAAAAAAAABQAAAAAAAAAwMD/AAAAAABkAAAAMgAAAAAAAABkAAAAAAAAAH9/fwAKAAAAIgAAABgAAAAAAAAAAAAAAAAAAAAAAAAAAAAAAAAAAAAkAAAAJAAAAAAAAAAHAAAAAAAAAAAAAAAAAAAAAAAAAAAAAAAAAAAAf39/ACUAAABYAAAAAAAAAAAAAAAAAAAAAAAAAAAAAAAAAAAAAAAAAAAAAAAAAAAAAAAAAAAAAAA/AAAAAAAAAKCGAQAAAAAAAAAAAAAAAAAMAAAAAQAAAAAAAAAAAAAAAAAAAB8AAABUAAAAAAAABQAAAAEAAAAAAAAAAAAAAAAAAAAAAAAAAAAAAAAAAAAAAAAAAAAAAAB/f38AAAAAA8zMzADAwP8Af39/AAAAAAAAAAAAAAAAAAAAAAAAAAAAIQAAABgAAAAUAAAAWAIAADgEAADYJwAAUBkAABAAAAAmAAAACAAAAAEPAAAAAAAA"/>
+                <pr:smNativeData xmlns:pr="smNativeData" xmlns="smNativeData" val="SMDATA_15_f8v4ZxMAAAAlAAAACwAAAA0AAAAAWAIAADgEAADYJwAAUBkAAAAAAAAAAAAAAAAAAAEAAABQAAAAAAAAAAAA4D8AAAAAAADgPwAAAAAAAOA/AAAAAAAA4D8AAAAAAADgPwAAAAAAAOA/AAAAAAAA4D8AAAAAAADgPwAAAAAAAOA/AAAAAAAA4D8CAAAAjAAAAAAAAAAAAAAAQoX0DP///wgAAAAAAAAAAAAAAAAAAAAAAAAAAAAAAAAAAAAAZAAAAAEAAABAAAAAAAAAAAAAAAAAAAAAAAAAAAAAAAAAAAAAAAAAAAAAAAAAAAAAAAAAAAAAAAAAAAAAAAAAAAAAAAAAAAAAAAAAAAAAAAAAAAAAAAAAAAAAAAAAAAAAFAAAADwAAAABAAAAAAAAAAAAAAAPAAAAAQAAACMAAAAjAAAAIwAAAB4AAAAAAAAASwAAAEsAAAAAAAAASwAAAEsAAAAVAAAAYAAAAAAAAAAAAAAADwAAACADAAAAAAAAAAAAAAEAAACgMgAAVgcAAKr4//8BAAAAf39/AAEAAABkAAAAAAAAABQAAABAHwAAAAAAACYAAAAAAAAAwOD//wAAAAAmAAAAZAAAABYAAABMAAAAAAAAAAAAAAAEAAAAAAAAAAEAAABZWVkKAAAAACgAAAAoAAAAZAAAAGQAAAAAAAAAzMzMAAAAAABQAAAAUAAAAGQAAABkAAAAAAAAABcAAAAUAAAAAAAAAAAAAAD/fwAA/38AAAAAAAAJAAAABAAAAAAAAAAeAAAAaAAAAAAAAAAAAAAAAAAAAAAAAAAAAAAAECcAABAnAAAAAAAAAAAAAAAAAAAAAAAAAAAAAAAAAAAAAAAAAAAAABQAAAAAAAAAwMD/AAAAAABkAAAAMgAAAAAAAABkAAAAAAAAAH9/fwAKAAAAIgAAABgAAAAAAAAAAAAAAAAAAAAAAAAAAAAAAAAAAAAkAAAAJAAAAAAAAAAHAAAAAAAAAAAAAAAAAAAAAAAAAAAAAAAAAAAAf39/ACUAAABYAAAAAAAAAAAAAAAAAAAAAAAAAAAAAAAAAAAAAAAAAAAAAAAAAAAAAAAAAAAAAAA/AAAAAAAAAKCGAQAAAAAAAAAAAAAAAAAMAAAAAQAAAAAAAAAAAAAAAAAAAB8AAABUAAAAAAAABQAAAAEAAAAAAAAAAAAAAAAAAAAAAAAAAAAAAAAAAAAAAAAAAAAAAAB/f38AAAAAA8zMzADAwP8Af39/AAAAAAAAAAAAAAAAAAAAAAAAAAAAIQAAABgAAAAUAAAAWAIAADgEAADYJwAAUBkAABAAAAAmAAAACAAAAAEPAAAAAAAA"/>
               </a:ext>
             </a:extLst>
           </p:cNvSpPr>
@@ -1117,7 +1117,7 @@
             <a:spLocks noGrp="1" noChangeArrowheads="1"/>
             <a:extLst>
               <a:ext uri="smNativeData">
-                <pr:smNativeData xmlns:pr="smNativeData" xmlns="smNativeData" val="SMDATA_15_t6npZxMAAAAlAAAAZAAAAA0AAAAAkAAAAJAAAACQAAAAkAAAAAAAAAAAAAAAAAAAAAEAAABQAAAAAAAAAAAA4D8AAAAAAADgPwAAAAAAAOA/AAAAAAAA4D8AAAAAAADgPwAAAAAAAOA/AAAAAAAA4D8AAAAAAADgPwAAAAAAAOA/AAAAAAAA4D8CAAAAjAAAAAAAAAAAAAAAQoX0DP///wgAAAAAAAAAAAAAAAAAAAAAAAAAAAAAAAAAAAAAZAAAAAEAAABAAAAAAAAAAAAAAAAAAAAAAAAAAAAAAAAAAAAAAAAAAAAAAAAAAAAAAAAAAAAAAAAAAAAAAAAAAAAAAAAAAAAAAAAAAAAAAAAAAAAAAAAAAAAAAAAAAAAAFAAAADwAAAAAAAAAAAAAAAAAAAkUAAAAAQAAABQAAAAUAAAAFAAAAAEAAAAAAAAAZAAAAGQAAAAAAAAAZAAAAGQAAAAVAAAAYAAAAAAAAAAAAAAADwAAACADAAAAAAAAAAAAAAEAAACgMgAAVgcAAKr4//8BAAAAf39/AAEAAABkAAAAAAAAABQAAABAHwAAAAAAACYAAAAAAAAAwOD//wAAAAAmAAAAZAAAABYAAABMAAAAAAAAAAAAAAAEAAAAAAAAAAEAAABZWVkKAAAAACgAAAAoAAAAZAAAAGQAAAAAAAAAzMzMAAAAAABQAAAAUAAAAGQAAABkAAAAAAAAABcAAAAUAAAAAAAAAAAAAAD/fwAA/38AAAAAAAAJAAAABAAAAAAAAAAeAAAAaAAAAAAAAAAAAAAAAAAAAAAAAAAAAAAAECcAABAnAAAAAAAAAAAAAAAAAAAAAAAAAAAAAAAAAAAAAAAAAAAAABQAAAAAAAAAwMD/AAAAAABkAAAAMgAAAAAAAABkAAAAAAAAAH9/fwAKAAAAIgAAABgAAAAAAAAAAAAAAAAAAAAAAAAAAAAAAAAAAAAkAAAAJAAAAAAAAAAHAAAAAAAAAAAAAAAAAAAAAAAAAAAAAAAAAAAAf39/ACUAAABYAAAAAAAAAAAAAAAAAAAAAAAAAAAAAAAAAAAAAAAAAAAAAAAAAAAAAAAAAAAAAAA/AAAAAAAAAKCGAQAAAAAAAAAAAAAAAAAMAAAAAQAAAAAAAAAAAAAAAAAAAB8AAABUAAAAAAAABQAAAAEAAAAAAAAAAAAAAAAAAAAAAAAAAAAAAAAAAAAAAAAAAAAAAAJ/f38AAAAAA8zMzADAwP8Af39/AAAAAAAAAAAAAAAAAAAAAAAAAAAAIQAAABgAAAAUAAAAOAQAALgaAAD4JQAACDQAABAAAAAmAAAACAAAAL0/AAAAAAAA"/>
+                <pr:smNativeData xmlns:pr="smNativeData" xmlns="smNativeData" val="SMDATA_15_f8v4ZxMAAAAlAAAAZAAAAA0AAAAAkAAAAJAAAACQAAAAkAAAAAAAAAAAAAAAAAAAAAEAAABQAAAAAAAAAAAA4D8AAAAAAADgPwAAAAAAAOA/AAAAAAAA4D8AAAAAAADgPwAAAAAAAOA/AAAAAAAA4D8AAAAAAADgPwAAAAAAAOA/AAAAAAAA4D8CAAAAjAAAAAAAAAAAAAAAQoX0DP///wgAAAAAAAAAAAAAAAAAAAAAAAAAAAAAAAAAAAAAZAAAAAEAAABAAAAAAAAAAAAAAAAAAAAAAAAAAAAAAAAAAAAAAAAAAAAAAAAAAAAAAAAAAAAAAAAAAAAAAAAAAAAAAAAAAAAAAAAAAAAAAAAAAAAAAAAAAAAAAAAAAAAAFAAAADwAAAAAAAAAAAAAAAAAAAkUAAAAAQAAABQAAAAUAAAAFAAAAAEAAAAAAAAAZAAAAGQAAAAAAAAAZAAAAGQAAAAVAAAAYAAAAAAAAAAAAAAADwAAACADAAAAAAAAAAAAAAEAAACgMgAAVgcAAKr4//8BAAAAf39/AAEAAABkAAAAAAAAABQAAABAHwAAAAAAACYAAAAAAAAAwOD//wAAAAAmAAAAZAAAABYAAABMAAAAAAAAAAAAAAAEAAAAAAAAAAEAAABZWVkKAAAAACgAAAAoAAAAZAAAAGQAAAAAAAAAzMzMAAAAAABQAAAAUAAAAGQAAABkAAAAAAAAABcAAAAUAAAAAAAAAAAAAAD/fwAA/38AAAAAAAAJAAAABAAAAAAAAAAeAAAAaAAAAAAAAAAAAAAAAAAAAAAAAAAAAAAAECcAABAnAAAAAAAAAAAAAAAAAAAAAAAAAAAAAAAAAAAAAAAAAAAAABQAAAAAAAAAwMD/AAAAAABkAAAAMgAAAAAAAABkAAAAAAAAAH9/fwAKAAAAIgAAABgAAAAAAAAAAAAAAAAAAAAAAAAAAAAAAAAAAAAkAAAAJAAAAAAAAAAHAAAAAAAAAAAAAAAAAAAAAAAAAAAAAAAAAAAAf39/ACUAAABYAAAAAAAAAAAAAAAAAAAAAAAAAAAAAAAAAAAAAAAAAAAAAAAAAAAAAAAAAAAAAAA/AAAAAAAAAKCGAQAAAAAAAAAAAAAAAAAMAAAAAQAAAAAAAAAAAAAAAAAAAB8AAABUAAAAAAAABQAAAAEAAAAAAAAAAAAAAAAAAAAAAAAAAAAAAAAAAAAAAAAAAAAAAAJ/f38AAAAAA8zMzADAwP8Af39/AAAAAAAAAAAAAAAAAAAAAAAAAAAAIQAAABgAAAAUAAAAOAQAALgaAAD4JQAACDQAABAAAAAmAAAACAAAAL0/AAAAAAAA"/>
               </a:ext>
             </a:extLst>
           </p:cNvSpPr>
@@ -1189,12 +1189,135 @@
       </p:grpSpPr>
       <p:sp>
         <p:nvSpPr>
+          <p:cNvPr id="2" name="Google Shape;201;gdf29b9fb24_0_69:notes"/>
+          <p:cNvSpPr>
+            <a:spLocks noGrp="1" noChangeArrowheads="1"/>
+            <a:extLst>
+              <a:ext uri="smNativeData">
+                <pr:smNativeData xmlns:pr="smNativeData" xmlns="smNativeData" val="SMDATA_15_f8v4ZxMAAAAlAAAACwAAAA0AAAAAWAIAADgEAADYJwAAUBkAAAAAAAAAAAAAAAAAAAEAAABQAAAAAAAAAAAA4D8AAAAAAADgPwAAAAAAAOA/AAAAAAAA4D8AAAAAAADgPwAAAAAAAOA/AAAAAAAA4D8AAAAAAADgPwAAAAAAAOA/AAAAAAAA4D8CAAAAjAAAAAAAAAAAAAAAQoX0DP///wgAAAAAAAAAAAAAAAAAAAAAAAAAAAAAAAAAAAAAZAAAAAEAAABAAAAAAAAAAAAAAAAAAAAAAAAAAAAAAAAAAAAAAAAAAAAAAAAAAAAAAAAAAAAAAAAAAAAAAAAAAAAAAAAAAAAAAAAAAAAAAAAAAAAAAAAAAAAAAAAAAAAAFAAAADwAAAABAAAAAAAAAAAAAAAPAAAAAQAAACMAAAAjAAAAIwAAAB4AAAAAAAAASwAAAEsAAAAAAAAASwAAAEsAAAAVAAAAYAAAAAAAAAAAAAAADwAAACADAAAAAAAAAAAAAAEAAACgMgAAVgcAAKr4//8BAAAAf39/AAEAAABkAAAAAAAAABQAAABAHwAAAAAAACYAAAAAAAAAwOD//wAAAAAmAAAAZAAAABYAAABMAAAAAAAAAAAAAAAEAAAAAAAAAAEAAABZWVkKAAAAACgAAAAoAAAAZAAAAGQAAAAAAAAAzMzMAAAAAABQAAAAUAAAAGQAAABkAAAAAAAAABcAAAAUAAAAAAAAAAAAAAD/fwAA/38AAAAAAAAJAAAABAAAAAAAACAeAAAAaAAAAAAAAAAAAAAAAAAAAAAAAAAAAAAAECcAABAnAAAAAAAAAAAAAAAAAAAAAAAAAAAAAAAAAAAAAAAAAAAAABQAAAAAAAAAwMD/AAAAAABkAAAAMgAAAAAAAABkAAAAAAAAAH9/fwAKAAAAIgAAABgAAAAAAAAAAAAAAAAAAAAAAAAAAAAAAAAAAAAkAAAAJAAAAAAAAAAHAAAAAAAAAAAAAAAAAAAAAAAAAAAAAAAAAAAAf39/ACUAAABYAAAAAAAAAAAAAAAAAAAAAAAAAAAAAAAAAAAAAAAAAAAAAAAAAAAAAAAAAAAAAAA/AAAAAAAAAKCGAQAAAAAAAAAAAAAAAAAMAAAAAQAAAAAAAAAAAAAAAAAAAB8AAABUAAAAAAAABQAAAAEAAAAAAAAAAAAAAAAAAAAAAAAAAAAAAAAAAAAAAAAAAAAAAAB/f38AAAAAA8zMzADAwP8Af39/AAAAAAAAAAAAAAAAAAAAAAAAAAAAIQAAABgAAAAUAAAAWAIAADgEAADYJwAAUBkAABAAAAAmAAAACAAAAAEPAAAAAAAA"/>
+              </a:ext>
+            </a:extLst>
+          </p:cNvSpPr>
+          <p:nvPr>
+            <p:ph type="sldImg" idx="2"/>
+          </p:nvPr>
+        </p:nvSpPr>
+        <p:spPr>
+          <a:xfrm>
+            <a:off x="381000" y="685800"/>
+            <a:ext cx="6096000" cy="3429000"/>
+          </a:xfrm>
+          <a:custGeom>
+            <a:avLst/>
+            <a:gdLst/>
+            <a:ahLst/>
+            <a:cxnLst/>
+            <a:rect l="0" t="0" r="6096000" b="3429000"/>
+            <a:pathLst>
+              <a:path w="6096000" h="3429000" fill="none" extrusionOk="0">
+                <a:moveTo>
+                  <a:pt x="0" y="0"/>
+                </a:moveTo>
+                <a:lnTo>
+                  <a:pt x="6096000" y="0"/>
+                </a:lnTo>
+                <a:lnTo>
+                  <a:pt x="6096000" y="3429000"/>
+                </a:lnTo>
+                <a:lnTo>
+                  <a:pt x="0" y="3429000"/>
+                </a:lnTo>
+                <a:close/>
+              </a:path>
+            </a:pathLst>
+          </a:custGeom>
+        </p:spPr>
+      </p:sp>
+      <p:sp>
+        <p:nvSpPr>
+          <p:cNvPr id="3" name="Google Shape;202;gdf29b9fb24_0_69:notes"/>
+          <p:cNvSpPr>
+            <a:spLocks noGrp="1" noChangeArrowheads="1"/>
+            <a:extLst>
+              <a:ext uri="smNativeData">
+                <pr:smNativeData xmlns:pr="smNativeData" xmlns="smNativeData" val="SMDATA_15_f8v4ZxMAAAAlAAAAZAAAAA0AAAAAkAAAAJAAAACQAAAAkAAAAAAAAAAAAAAAAAAAAAEAAABQAAAAAAAAAAAA4D8AAAAAAADgPwAAAAAAAOA/AAAAAAAA4D8AAAAAAADgPwAAAAAAAOA/AAAAAAAA4D8AAAAAAADgPwAAAAAAAOA/AAAAAAAA4D8CAAAAjAAAAAAAAAAAAAAAQoX0DP///wgAAAAAAAAAAAAAAAAAAAAAAAAAAAAAAAAAAAAAZAAAAAEAAABAAAAAAAAAAAAAAAAAAAAAAAAAAAAAAAAAAAAAAAAAAAAAAAAAAAAAAAAAAAAAAAAAAAAAAAAAAAAAAAAAAAAAAAAAAAAAAAAAAAAAAAAAAAAAAAAAAAAAFAAAADwAAAAAAAAAAAAAAAAAAAkUAAAAAQAAABQAAAAUAAAAFAAAAAEAAAAAAAAAZAAAAGQAAAAAAAAAZAAAAGQAAAAVAAAAYAAAAAAAAAAAAAAADwAAACADAAAAAAAAAAAAAAEAAACgMgAAVgcAAKr4//8BAAAAf39/AAEAAABkAAAAAAAAABQAAABAHwAAAAAAACYAAAAAAAAAwOD//wAAAAAmAAAAZAAAABYAAABMAAAAAAAAAAAAAAAEAAAAAAAAAAEAAABZWVkKAAAAACgAAAAoAAAAZAAAAGQAAAAAAAAAzMzMAAAAAABQAAAAUAAAAGQAAABkAAAAAAAAABcAAAAUAAAAAAAAAAAAAAD/fwAA/38AAAAAAAAJAAAABAAAAAAAAAAeAAAAaAAAAAAAAAAAAAAAAAAAAAAAAAAAAAAAECcAABAnAAAAAAAAAAAAAAAAAAAAAAAAAAAAAAAAAAAAAAAAAAAAABQAAAAAAAAAwMD/AAAAAABkAAAAMgAAAAAAAABkAAAAAAAAAH9/fwAKAAAAIgAAABgAAAAAAAAAAAAAAAAAAAAAAAAAAAAAAAAAAAAkAAAAJAAAAAAAAAAHAAAAAAAAAAAAAAAAAAAAAAAAAAAAAAAAAAAAf39/ACUAAABYAAAAAAAAAAAAAAAAAAAAAAAAAAAAAAAAAAAAAAAAAAAAAAAAAAAAAAAAAAAAAAA/AAAAAAAAAKCGAQAAAAAAAAAAAAAAAAAMAAAAAQAAAAAAAAAAAAAAAAAAAB8AAABUAAAAAAAABQAAAAEAAAAAAAAAAAAAAAAAAAAAAAAAAAAAAAAAAAAAAAAAAAAAAAJ/f38AAAAAA8zMzADAwP8Af39/AAAAAAAAAAAAAAAAAAAAAAAAAAAAIQAAABgAAAAUAAAAOAQAALgaAAD4JQAACDQAABAAAAAmAAAACAAAAL0/AAAAAAAA"/>
+              </a:ext>
+            </a:extLst>
+          </p:cNvSpPr>
+          <p:nvPr>
+            <p:ph type="body" idx="1"/>
+          </p:nvPr>
+        </p:nvSpPr>
+        <p:spPr>
+          <a:xfrm>
+            <a:off x="685800" y="4343400"/>
+            <a:ext cx="5486400" cy="4114800"/>
+          </a:xfrm>
+          <a:prstGeom prst="rect">
+            <a:avLst/>
+          </a:prstGeom>
+        </p:spPr>
+        <p:txBody>
+          <a:bodyPr vert="horz" wrap="square" lIns="91440" tIns="91440" rIns="91440" bIns="91440" numCol="1" spcCol="215900" anchor="t">
+            <a:prstTxWarp prst="textNoShape">
+              <a:avLst/>
+            </a:prstTxWarp>
+          </a:bodyPr>
+          <a:lstStyle/>
+          <a:p>
+            <a:pPr marL="0" indent="0" algn="l">
+              <a:spcBef>
+                <a:spcPts val="0"/>
+              </a:spcBef>
+              <a:spcAft>
+                <a:spcPts val="0"/>
+              </a:spcAft>
+              <a:buNone/>
+            </a:pPr>
+          </a:p>
+        </p:txBody>
+      </p:sp>
+    </p:spTree>
+  </p:cSld>
+  <p:clrMapOvr>
+    <a:masterClrMapping/>
+  </p:clrMapOvr>
+</p:notes>
+</file>
+
+<file path=ppt/notesSlides/notesSlide14.xml><?xml version="1.0" encoding="utf-8"?>
+<p:notes xmlns:p="http://schemas.openxmlformats.org/presentationml/2006/main" xmlns:mc="http://schemas.openxmlformats.org/markup-compatibility/2006" xmlns:p14="http://schemas.microsoft.com/office/powerpoint/2010/main" xmlns:p15="http://schemas.microsoft.com/office/powerpoint/2012/main" xmlns:r="http://schemas.openxmlformats.org/officeDocument/2006/relationships" xmlns:a="http://schemas.openxmlformats.org/drawingml/2006/main" showMasterSp="0">
+  <p:cSld>
+    <p:bg>
+      <p:bgPr>
+        <a:solidFill>
+          <a:schemeClr val="bg1"/>
+        </a:solidFill>
+        <a:effectLst/>
+      </p:bgPr>
+    </p:bg>
+    <p:spTree>
+      <p:nvGrpSpPr>
+        <p:cNvPr id="1" name=""/>
+        <p:cNvGrpSpPr/>
+        <p:nvPr/>
+      </p:nvGrpSpPr>
+      <p:grpSpPr>
+        <a:xfrm>
+          <a:off x="0" y="0"/>
+          <a:ext cx="0" cy="0"/>
+          <a:chOff x="0" y="0"/>
+          <a:chExt cx="0" cy="0"/>
+        </a:xfrm>
+      </p:grpSpPr>
+      <p:sp>
+        <p:nvSpPr>
           <p:cNvPr id="2" name="Google Shape;209;gf98075b259_0_51:notes"/>
           <p:cNvSpPr>
             <a:spLocks noGrp="1" noChangeArrowheads="1"/>
             <a:extLst>
               <a:ext uri="smNativeData">
-                <pr:smNativeData xmlns:pr="smNativeData" xmlns="smNativeData" val="SMDATA_15_t6npZxMAAAAlAAAACwAAAA0AAAAAWAIAADgEAADYJwAAUBkAAAAAAAAAAAAAAAAAAAEAAABQAAAAAAAAAAAA4D8AAAAAAADgPwAAAAAAAOA/AAAAAAAA4D8AAAAAAADgPwAAAAAAAOA/AAAAAAAA4D8AAAAAAADgPwAAAAAAAOA/AAAAAAAA4D8CAAAAjAAAAAAAAAAAAAAAQoX0DP///wgAAAAAAAAAAAAAAAAAAAAAAAAAAAAAAAAAAAAAZAAAAAEAAABAAAAAAAAAAAAAAAAAAAAAAAAAAAAAAAAAAAAAAAAAAAAAAAAAAAAAAAAAAAAAAAAAAAAAAAAAAAAAAAAAAAAAAAAAAAAAAAAAAAAAAAAAAAAAAAAAAAAAFAAAADwAAAABAAAAAAAAAAAAAAAPAAAAAQAAACMAAAAjAAAAIwAAAB4AAAAAAAAASwAAAEsAAAAAAAAASwAAAEsAAAAVAAAAYAAAAAAAAAAAAAAADwAAACADAAAAAAAAAAAAAAEAAACgMgAAVgcAAKr4//8BAAAAf39/AAEAAABkAAAAAAAAABQAAABAHwAAAAAAACYAAAAAAAAAwOD//wAAAAAmAAAAZAAAABYAAABMAAAAAAAAAAAAAAAEAAAAAAAAAAEAAABZWVkKAAAAACgAAAAoAAAAZAAAAGQAAAAAAAAAzMzMAAAAAABQAAAAUAAAAGQAAABkAAAAAAAAABcAAAAUAAAAAAAAAAAAAAD/fwAA/38AAAAAAAAJAAAABAAAAAAAAAAeAAAAaAAAAAAAAAAAAAAAAAAAAAAAAAAAAAAAECcAABAnAAAAAAAAAAAAAAAAAAAAAAAAAAAAAAAAAAAAAAAAAAAAABQAAAAAAAAAwMD/AAAAAABkAAAAMgAAAAAAAABkAAAAAAAAAH9/fwAKAAAAIgAAABgAAAAAAAAAAAAAAAAAAAAAAAAAAAAAAAAAAAAkAAAAJAAAAAAAAAAHAAAAAAAAAAAAAAAAAAAAAAAAAAAAAAAAAAAAf39/ACUAAABYAAAAAAAAAAAAAAAAAAAAAAAAAAAAAAAAAAAAAAAAAAAAAAAAAAAAAAAAAAAAAAA/AAAAAAAAAKCGAQAAAAAAAAAAAAAAAAAMAAAAAQAAAAAAAAAAAAAAAAAAAB8AAABUAAAAAAAABQAAAAEAAAAAAAAAAAAAAAAAAAAAAAAAAAAAAAAAAAAAAAAAAAAAAAB/f38AAAAAA8zMzADAwP8Af39/AAAAAAAAAAAAAAAAAAAAAAAAAAAAIQAAABgAAAAUAAAAWAIAADgEAADYJwAAUBkAABAAAAAmAAAACAAAAAEPAAAAAAAA"/>
+                <pr:smNativeData xmlns:pr="smNativeData" xmlns="smNativeData" val="SMDATA_15_f8v4ZxMAAAAlAAAACwAAAA0AAAAAWAIAADgEAADYJwAAUBkAAAAAAAAAAAAAAAAAAAEAAABQAAAAAAAAAAAA4D8AAAAAAADgPwAAAAAAAOA/AAAAAAAA4D8AAAAAAADgPwAAAAAAAOA/AAAAAAAA4D8AAAAAAADgPwAAAAAAAOA/AAAAAAAA4D8CAAAAjAAAAAAAAAAAAAAAQoX0DP///wgAAAAAAAAAAAAAAAAAAAAAAAAAAAAAAAAAAAAAZAAAAAEAAABAAAAAAAAAAAAAAAAAAAAAAAAAAAAAAAAAAAAAAAAAAAAAAAAAAAAAAAAAAAAAAAAAAAAAAAAAAAAAAAAAAAAAAAAAAAAAAAAAAAAAAAAAAAAAAAAAAAAAFAAAADwAAAABAAAAAAAAAAAAAAAPAAAAAQAAACMAAAAjAAAAIwAAAB4AAAAAAAAASwAAAEsAAAAAAAAASwAAAEsAAAAVAAAAYAAAAAAAAAAAAAAADwAAACADAAAAAAAAAAAAAAEAAACgMgAAVgcAAKr4//8BAAAAf39/AAEAAABkAAAAAAAAABQAAABAHwAAAAAAACYAAAAAAAAAwOD//wAAAAAmAAAAZAAAABYAAABMAAAAAAAAAAAAAAAEAAAAAAAAAAEAAABZWVkKAAAAACgAAAAoAAAAZAAAAGQAAAAAAAAAzMzMAAAAAABQAAAAUAAAAGQAAABkAAAAAAAAABcAAAAUAAAAAAAAAAAAAAD/fwAA/38AAAAAAAAJAAAABAAAAAAAAAAeAAAAaAAAAAAAAAAAAAAAAAAAAAAAAAAAAAAAECcAABAnAAAAAAAAAAAAAAAAAAAAAAAAAAAAAAAAAAAAAAAAAAAAABQAAAAAAAAAwMD/AAAAAABkAAAAMgAAAAAAAABkAAAAAAAAAH9/fwAKAAAAIgAAABgAAAAAAAAAAAAAAAAAAAAAAAAAAAAAAAAAAAAkAAAAJAAAAAAAAAAHAAAAAAAAAAAAAAAAAAAAAAAAAAAAAAAAAAAAf39/ACUAAABYAAAAAAAAAAAAAAAAAAAAAAAAAAAAAAAAAAAAAAAAAAAAAAAAAAAAAAAAAAAAAAA/AAAAAAAAAKCGAQAAAAAAAAAAAAAAAAAMAAAAAQAAAAAAAAAAAAAAAAAAAB8AAABUAAAAAAAABQAAAAEAAAAAAAAAAAAAAAAAAAAAAAAAAAAAAAAAAAAAAAAAAAAAAAB/f38AAAAAA8zMzADAwP8Af39/AAAAAAAAAAAAAAAAAAAAAAAAAAAAIQAAABgAAAAUAAAAWAIAADgEAADYJwAAUBkAABAAAAAmAAAACAAAAAEPAAAAAAAA"/>
               </a:ext>
             </a:extLst>
           </p:cNvSpPr>
@@ -1240,7 +1363,7 @@
             <a:spLocks noGrp="1" noChangeArrowheads="1"/>
             <a:extLst>
               <a:ext uri="smNativeData">
-                <pr:smNativeData xmlns:pr="smNativeData" xmlns="smNativeData" val="SMDATA_15_t6npZxMAAAAlAAAAZAAAAA0AAAAAkAAAAJAAAACQAAAAkAAAAAAAAAAAAAAAAAAAAAEAAABQAAAAAAAAAAAA4D8AAAAAAADgPwAAAAAAAOA/AAAAAAAA4D8AAAAAAADgPwAAAAAAAOA/AAAAAAAA4D8AAAAAAADgPwAAAAAAAOA/AAAAAAAA4D8CAAAAjAAAAAAAAAAAAAAAQoX0DP///wgAAAAAAAAAAAAAAAAAAAAAAAAAAAAAAAAAAAAAZAAAAAEAAABAAAAAAAAAAAAAAAAAAAAAAAAAAAAAAAAAAAAAAAAAAAAAAAAAAAAAAAAAAAAAAAAAAAAAAAAAAAAAAAAAAAAAAAAAAAAAAAAAAAAAAAAAAAAAAAAAAAAAFAAAADwAAAAAAAAAAAAAAAAAAAkUAAAAAQAAABQAAAAUAAAAFAAAAAEAAAAAAAAAZAAAAGQAAAAAAAAAZAAAAGQAAAAVAAAAYAAAAAAAAAAAAAAADwAAACADAAAAAAAAAAAAAAEAAACgMgAAVgcAAKr4//8BAAAAf39/AAEAAABkAAAAAAAAABQAAABAHwAAAAAAACYAAAAAAAAAwOD//wAAAAAmAAAAZAAAABYAAABMAAAAAAAAAAAAAAAEAAAAAAAAAAEAAABZWVkKAAAAACgAAAAoAAAAZAAAAGQAAAAAAAAAzMzMAAAAAABQAAAAUAAAAGQAAABkAAAAAAAAABcAAAAUAAAAAAAAAAAAAAD/fwAA/38AAAAAAAAJAAAABAAAAF8AYAAeAAAAaAAAAAAAAAAAAAAAAAAAAAAAAAAAAAAAECcAABAnAAAAAAAAAAAAAAAAAAAAAAAAAAAAAAAAAAAAAAAAAAAAABQAAAAAAAAAwMD/AAAAAABkAAAAMgAAAAAAAABkAAAAAAAAAH9/fwAKAAAAIgAAABgAAAAAAAAAAAAAAAAAAAAAAAAAAAAAAAAAAAAkAAAAJAAAAAAAAAAHAAAAAAAAAAAAAAAAAAAAAAAAAAAAAAAAAAAAf39/ACUAAABYAAAAAAAAAAAAAAAAAAAAAAAAAAAAAAAAAAAAAAAAAAAAAAAAAAAAAAAAAAAAAAA/AAAAAAAAAKCGAQAAAAAAAAAAAAAAAAAMAAAAAQAAAAAAAAAAAAAAAAAAAB8AAABUAAAAAAAABQAAAAEAAAAAAAAAAAAAAAAAAAAAAAAAAAAAAAAAAAAAAAAAAAAAAAJ/f38AAAAAA8zMzADAwP8Af39/AAAAAAAAAAAAAAAAAAAAAAAAAAAAIQAAABgAAAAUAAAAOAQAALgaAAD4JQAACDQAABAAAAAmAAAACAAAAL0/AAAAAAAA"/>
+                <pr:smNativeData xmlns:pr="smNativeData" xmlns="smNativeData" val="SMDATA_15_f8v4ZxMAAAAlAAAAZAAAAA0AAAAAkAAAAJAAAACQAAAAkAAAAAAAAAAAAAAAAAAAAAEAAABQAAAAAAAAAAAA4D8AAAAAAADgPwAAAAAAAOA/AAAAAAAA4D8AAAAAAADgPwAAAAAAAOA/AAAAAAAA4D8AAAAAAADgPwAAAAAAAOA/AAAAAAAA4D8CAAAAjAAAAAAAAAAAAAAAQoX0DP///wgAAAAAAAAAAAAAAAAAAAAAAAAAAAAAAAAAAAAAZAAAAAEAAABAAAAAAAAAAAAAAAAAAAAAAAAAAAAAAAAAAAAAAAAAAAAAAAAAAAAAAAAAAAAAAAAAAAAAAAAAAAAAAAAAAAAAAAAAAAAAAAAAAAAAAAAAAAAAAAAAAAAAFAAAADwAAAAAAAAAAAAAAAAAAAkUAAAAAQAAABQAAAAUAAAAFAAAAAEAAAAAAAAAZAAAAGQAAAAAAAAAZAAAAGQAAAAVAAAAYAAAAAAAAAAAAAAADwAAACADAAAAAAAAAAAAAAEAAACgMgAAVgcAAKr4//8BAAAAf39/AAEAAABkAAAAAAAAABQAAABAHwAAAAAAACYAAAAAAAAAwOD//wAAAAAmAAAAZAAAABYAAABMAAAAAAAAAAAAAAAEAAAAAAAAAAEAAABZWVkKAAAAACgAAAAoAAAAZAAAAGQAAAAAAAAAzMzMAAAAAABQAAAAUAAAAGQAAABkAAAAAAAAABcAAAAUAAAAAAAAAAAAAAD/fwAA/38AAAAAAAAJAAAABAAAAF8AYAAeAAAAaAAAAAAAAAAAAAAAAAAAAAAAAAAAAAAAECcAABAnAAAAAAAAAAAAAAAAAAAAAAAAAAAAAAAAAAAAAAAAAAAAABQAAAAAAAAAwMD/AAAAAABkAAAAMgAAAAAAAABkAAAAAAAAAH9/fwAKAAAAIgAAABgAAAAAAAAAAAAAAAAAAAAAAAAAAAAAAAAAAAAkAAAAJAAAAAAAAAAHAAAAAAAAAAAAAAAAAAAAAAAAAAAAAAAAAAAAf39/ACUAAABYAAAAAAAAAAAAAAAAAAAAAAAAAAAAAAAAAAAAAAAAAAAAAAAAAAAAAAAAAAAAAAA/AAAAAAAAAKCGAQAAAAAAAAAAAAAAAAAMAAAAAQAAAAAAAAAAAAAAAAAAAB8AAABUAAAAAAAABQAAAAEAAAAAAAAAAAAAAAAAAAAAAAAAAAAAAAAAAAAAAAAAAAAAAAJ/f38AAAAAA8zMzADAwP8Af39/AAAAAAAAAAAAAAAAAAAAAAAAAAAAIQAAABgAAAAUAAAAOAQAALgaAAD4JQAACDQAABAAAAAmAAAACAAAAL0/AAAAAAAA"/>
               </a:ext>
             </a:extLst>
           </p:cNvSpPr>
@@ -1285,7 +1408,7 @@
 </p:notes>
 </file>
 
-<file path=ppt/notesSlides/notesSlide14.xml><?xml version="1.0" encoding="utf-8"?>
+<file path=ppt/notesSlides/notesSlide15.xml><?xml version="1.0" encoding="utf-8"?>
 <p:notes xmlns:p="http://schemas.openxmlformats.org/presentationml/2006/main" xmlns:mc="http://schemas.openxmlformats.org/markup-compatibility/2006" xmlns:p14="http://schemas.microsoft.com/office/powerpoint/2010/main" xmlns:p15="http://schemas.microsoft.com/office/powerpoint/2012/main" xmlns:r="http://schemas.openxmlformats.org/officeDocument/2006/relationships" xmlns:a="http://schemas.openxmlformats.org/drawingml/2006/main" showMasterSp="0">
   <p:cSld>
     <p:bg>
@@ -1317,7 +1440,7 @@
             <a:spLocks noGrp="1" noChangeArrowheads="1"/>
             <a:extLst>
               <a:ext uri="smNativeData">
-                <pr:smNativeData xmlns:pr="smNativeData" xmlns="smNativeData" val="SMDATA_15_t6npZxMAAAAlAAAACwAAAA0AAAAAWAIAADgEAADYJwAAUBkAAAAAAAAAAAAAAAAAAAEAAABQAAAAAAAAAAAA4D8AAAAAAADgPwAAAAAAAOA/AAAAAAAA4D8AAAAAAADgPwAAAAAAAOA/AAAAAAAA4D8AAAAAAADgPwAAAAAAAOA/AAAAAAAA4D8CAAAAjAAAAAAAAAAAAAAAQoX0DP///wgAAAAAAAAAAAAAAAAAAAAAAAAAAAAAAAAAAAAAZAAAAAEAAABAAAAAAAAAAAAAAAAAAAAAAAAAAAAAAAAAAAAAAAAAAAAAAAAAAAAAAAAAAAAAAAAAAAAAAAAAAAAAAAAAAAAAAAAAAAAAAAAAAAAAAAAAAAAAAAAAAAAAFAAAADwAAAABAAAAAAAAAAAAAAAPAAAAAQAAACMAAAAjAAAAIwAAAB4AAAAAAAAASwAAAEsAAAAAAAAASwAAAEsAAAAVAAAAYAAAAAAAAAAAAAAADwAAACADAAAAAAAAAAAAAAEAAACgMgAAVgcAAKr4//8BAAAAf39/AAEAAABkAAAAAAAAABQAAABAHwAAAAAAACYAAAAAAAAAwOD//wAAAAAmAAAAZAAAABYAAABMAAAAAAAAAAAAAAAEAAAAAAAAAAEAAABZWVkKAAAAACgAAAAoAAAAZAAAAGQAAAAAAAAAzMzMAAAAAABQAAAAUAAAAGQAAABkAAAAAAAAABcAAAAUAAAAAAAAAAAAAAD/fwAA/38AAAAAAAAJAAAABAAAAAAAAAAeAAAAaAAAAAAAAAAAAAAAAAAAAAAAAAAAAAAAECcAABAnAAAAAAAAAAAAAAAAAAAAAAAAAAAAAAAAAAAAAAAAAAAAABQAAAAAAAAAwMD/AAAAAABkAAAAMgAAAAAAAABkAAAAAAAAAH9/fwAKAAAAIgAAABgAAAAAAAAAAAAAAAAAAAAAAAAAAAAAAAAAAAAkAAAAJAAAAAAAAAAHAAAAAAAAAAAAAAAAAAAAAAAAAAAAAAAAAAAAf39/ACUAAABYAAAAAAAAAAAAAAAAAAAAAAAAAAAAAAAAAAAAAAAAAAAAAAAAAAAAAAAAAAAAAAA/AAAAAAAAAKCGAQAAAAAAAAAAAAAAAAAMAAAAAQAAAAAAAAAAAAAAAAAAAB8AAABUAAAAAAAABQAAAAEAAAAAAAAAAAAAAAAAAAAAAAAAAAAAAAAAAAAAAAAAAAAAAAB/f38AAAAAA8zMzADAwP8Af39/AAAAAAAAAAAAAAAAAAAAAAAAAAAAIQAAABgAAAAUAAAAWAIAADgEAADYJwAAUBkAABAAAAAmAAAACAAAAAEPAAAAAAAA"/>
+                <pr:smNativeData xmlns:pr="smNativeData" xmlns="smNativeData" val="SMDATA_15_f8v4ZxMAAAAlAAAACwAAAA0AAAAAWAIAADgEAADYJwAAUBkAAAAAAAAAAAAAAAAAAAEAAABQAAAAAAAAAAAA4D8AAAAAAADgPwAAAAAAAOA/AAAAAAAA4D8AAAAAAADgPwAAAAAAAOA/AAAAAAAA4D8AAAAAAADgPwAAAAAAAOA/AAAAAAAA4D8CAAAAjAAAAAAAAAAAAAAAQoX0DP///wgAAAAAAAAAAAAAAAAAAAAAAAAAAAAAAAAAAAAAZAAAAAEAAABAAAAAAAAAAAAAAAAAAAAAAAAAAAAAAAAAAAAAAAAAAAAAAAAAAAAAAAAAAAAAAAAAAAAAAAAAAAAAAAAAAAAAAAAAAAAAAAAAAAAAAAAAAAAAAAAAAAAAFAAAADwAAAABAAAAAAAAAAAAAAAPAAAAAQAAACMAAAAjAAAAIwAAAB4AAAAAAAAASwAAAEsAAAAAAAAASwAAAEsAAAAVAAAAYAAAAAAAAAAAAAAADwAAACADAAAAAAAAAAAAAAEAAACgMgAAVgcAAKr4//8BAAAAf39/AAEAAABkAAAAAAAAABQAAABAHwAAAAAAACYAAAAAAAAAwOD//wAAAAAmAAAAZAAAABYAAABMAAAAAAAAAAAAAAAEAAAAAAAAAAEAAABZWVkKAAAAACgAAAAoAAAAZAAAAGQAAAAAAAAAzMzMAAAAAABQAAAAUAAAAGQAAABkAAAAAAAAABcAAAAUAAAAAAAAAAAAAAD/fwAA/38AAAAAAAAJAAAABAAAAAAAAAAeAAAAaAAAAAAAAAAAAAAAAAAAAAAAAAAAAAAAECcAABAnAAAAAAAAAAAAAAAAAAAAAAAAAAAAAAAAAAAAAAAAAAAAABQAAAAAAAAAwMD/AAAAAABkAAAAMgAAAAAAAABkAAAAAAAAAH9/fwAKAAAAIgAAABgAAAAAAAAAAAAAAAAAAAAAAAAAAAAAAAAAAAAkAAAAJAAAAAAAAAAHAAAAAAAAAAAAAAAAAAAAAAAAAAAAAAAAAAAAf39/ACUAAABYAAAAAAAAAAAAAAAAAAAAAAAAAAAAAAAAAAAAAAAAAAAAAAAAAAAAAAAAAAAAAAA/AAAAAAAAAKCGAQAAAAAAAAAAAAAAAAAMAAAAAQAAAAAAAAAAAAAAAAAAAB8AAABUAAAAAAAABQAAAAEAAAAAAAAAAAAAAAAAAAAAAAAAAAAAAAAAAAAAAAAAAAAAAAB/f38AAAAAA8zMzADAwP8Af39/AAAAAAAAAAAAAAAAAAAAAAAAAAAAIQAAABgAAAAUAAAAWAIAADgEAADYJwAAUBkAABAAAAAmAAAACAAAAAEPAAAAAAAA"/>
               </a:ext>
             </a:extLst>
           </p:cNvSpPr>
@@ -1363,7 +1486,7 @@
             <a:spLocks noGrp="1" noChangeArrowheads="1"/>
             <a:extLst>
               <a:ext uri="smNativeData">
-                <pr:smNativeData xmlns:pr="smNativeData" xmlns="smNativeData" val="SMDATA_15_t6npZxMAAAAlAAAAZAAAAA0AAAAAkAAAAJAAAACQAAAAkAAAAAAAAAAAAAAAAAAAAAEAAABQAAAAAAAAAAAA4D8AAAAAAADgPwAAAAAAAOA/AAAAAAAA4D8AAAAAAADgPwAAAAAAAOA/AAAAAAAA4D8AAAAAAADgPwAAAAAAAOA/AAAAAAAA4D8CAAAAjAAAAAAAAAAAAAAAQoX0DP///wgAAAAAAAAAAAAAAAAAAAAAAAAAAAAAAAAAAAAAZAAAAAEAAABAAAAAAAAAAAAAAAAAAAAAAAAAAAAAAAAAAAAAAAAAAAAAAAAAAAAAAAAAAAAAAAAAAAAAAAAAAAAAAAAAAAAAAAAAAAAAAAAAAAAAAAAAAAAAAAAAAAAAFAAAADwAAAAAAAAAAAAAAAAAAAkUAAAAAQAAABQAAAAUAAAAFAAAAAEAAAAAAAAAZAAAAGQAAAAAAAAAZAAAAGQAAAAVAAAAYAAAAAAAAAAAAAAADwAAACADAAAAAAAAAAAAAAEAAACgMgAAVgcAAKr4//8BAAAAf39/AAEAAABkAAAAAAAAABQAAABAHwAAAAAAACYAAAAAAAAAwOD//wAAAAAmAAAAZAAAABYAAABMAAAAAAAAAAAAAAAEAAAAAAAAAAEAAABZWVkKAAAAACgAAAAoAAAAZAAAAGQAAAAAAAAAzMzMAAAAAABQAAAAUAAAAGQAAABkAAAAAAAAABcAAAAUAAAAAAAAAAAAAAD/fwAA/38AAAAAAAAJAAAABAAAAAAAAAAeAAAAaAAAAAAAAAAAAAAAAAAAAAAAAAAAAAAAECcAABAnAAAAAAAAAAAAAAAAAAAAAAAAAAAAAAAAAAAAAAAAAAAAABQAAAAAAAAAwMD/AAAAAABkAAAAMgAAAAAAAABkAAAAAAAAAH9/fwAKAAAAIgAAABgAAAAAAAAAAAAAAAAAAAAAAAAAAAAAAAAAAAAkAAAAJAAAAAAAAAAHAAAAAAAAAAAAAAAAAAAAAAAAAAAAAAAAAAAAf39/ACUAAABYAAAAAAAAAAAAAAAAAAAAAAAAAAAAAAAAAAAAAAAAAAAAAAAAAAAAAAAAAAAAAAA/AAAAAAAAAKCGAQAAAAAAAAAAAAAAAAAMAAAAAQAAAAAAAAAAAAAAAAAAAB8AAABUAAAAAAAABQAAAAEAAAAAAAAAAAAAAAAAAAAAAAAAAAAAAAAAAAAAAAAAAAAAAAJ/f38AAAAAA8zMzADAwP8Af39/AAAAAAAAAAAAAAAAAAAAAAAAAAAAIQAAABgAAAAUAAAAOAQAALgaAAD4JQAACDQAABAAAAAmAAAACAAAAL0/AAAAAAAA"/>
+                <pr:smNativeData xmlns:pr="smNativeData" xmlns="smNativeData" val="SMDATA_15_f8v4ZxMAAAAlAAAAZAAAAA0AAAAAkAAAAJAAAACQAAAAkAAAAAAAAAAAAAAAAAAAAAEAAABQAAAAAAAAAAAA4D8AAAAAAADgPwAAAAAAAOA/AAAAAAAA4D8AAAAAAADgPwAAAAAAAOA/AAAAAAAA4D8AAAAAAADgPwAAAAAAAOA/AAAAAAAA4D8CAAAAjAAAAAAAAAAAAAAAQoX0DP///wgAAAAAAAAAAAAAAAAAAAAAAAAAAAAAAAAAAAAAZAAAAAEAAABAAAAAAAAAAAAAAAAAAAAAAAAAAAAAAAAAAAAAAAAAAAAAAAAAAAAAAAAAAAAAAAAAAAAAAAAAAAAAAAAAAAAAAAAAAAAAAAAAAAAAAAAAAAAAAAAAAAAAFAAAADwAAAAAAAAAAAAAAAAAAAkUAAAAAQAAABQAAAAUAAAAFAAAAAEAAAAAAAAAZAAAAGQAAAAAAAAAZAAAAGQAAAAVAAAAYAAAAAAAAAAAAAAADwAAACADAAAAAAAAAAAAAAEAAACgMgAAVgcAAKr4//8BAAAAf39/AAEAAABkAAAAAAAAABQAAABAHwAAAAAAACYAAAAAAAAAwOD//wAAAAAmAAAAZAAAABYAAABMAAAAAAAAAAAAAAAEAAAAAAAAAAEAAABZWVkKAAAAACgAAAAoAAAAZAAAAGQAAAAAAAAAzMzMAAAAAABQAAAAUAAAAGQAAABkAAAAAAAAABcAAAAUAAAAAAAAAAAAAAD/fwAA/38AAAAAAAAJAAAABAAAAAAAAAAeAAAAaAAAAAAAAAAAAAAAAAAAAAAAAAAAAAAAECcAABAnAAAAAAAAAAAAAAAAAAAAAAAAAAAAAAAAAAAAAAAAAAAAABQAAAAAAAAAwMD/AAAAAABkAAAAMgAAAAAAAABkAAAAAAAAAH9/fwAKAAAAIgAAABgAAAAAAAAAAAAAAAAAAAAAAAAAAAAAAAAAAAAkAAAAJAAAAAAAAAAHAAAAAAAAAAAAAAAAAAAAAAAAAAAAAAAAAAAAf39/ACUAAABYAAAAAAAAAAAAAAAAAAAAAAAAAAAAAAAAAAAAAAAAAAAAAAAAAAAAAAAAAAAAAAA/AAAAAAAAAKCGAQAAAAAAAAAAAAAAAAAMAAAAAQAAAAAAAAAAAAAAAAAAAB8AAABUAAAAAAAABQAAAAEAAAAAAAAAAAAAAAAAAAAAAAAAAAAAAAAAAAAAAAAAAAAAAAJ/f38AAAAAA8zMzADAwP8Af39/AAAAAAAAAAAAAAAAAAAAAAAAAAAAIQAAABgAAAAUAAAAOAQAALgaAAD4JQAACDQAABAAAAAmAAAACAAAAL0/AAAAAAAA"/>
               </a:ext>
             </a:extLst>
           </p:cNvSpPr>
@@ -1408,7 +1531,7 @@
 </p:notes>
 </file>
 
-<file path=ppt/notesSlides/notesSlide15.xml><?xml version="1.0" encoding="utf-8"?>
+<file path=ppt/notesSlides/notesSlide16.xml><?xml version="1.0" encoding="utf-8"?>
 <p:notes xmlns:p="http://schemas.openxmlformats.org/presentationml/2006/main" xmlns:mc="http://schemas.openxmlformats.org/markup-compatibility/2006" xmlns:p14="http://schemas.microsoft.com/office/powerpoint/2010/main" xmlns:p15="http://schemas.microsoft.com/office/powerpoint/2012/main" xmlns:r="http://schemas.openxmlformats.org/officeDocument/2006/relationships" xmlns:a="http://schemas.openxmlformats.org/drawingml/2006/main" showMasterSp="0">
   <p:cSld>
     <p:bg>
@@ -1440,7 +1563,7 @@
             <a:spLocks noGrp="1" noChangeArrowheads="1"/>
             <a:extLst>
               <a:ext uri="smNativeData">
-                <pr:smNativeData xmlns:pr="smNativeData" xmlns="smNativeData" val="SMDATA_15_t6npZxMAAAAlAAAACwAAAA0AAAAAWAIAADgEAADYJwAAUBkAAAAAAAAAAAAAAAAAAAEAAABQAAAAAAAAAAAA4D8AAAAAAADgPwAAAAAAAOA/AAAAAAAA4D8AAAAAAADgPwAAAAAAAOA/AAAAAAAA4D8AAAAAAADgPwAAAAAAAOA/AAAAAAAA4D8CAAAAjAAAAAAAAAAAAAAAQoX0DP///wgAAAAAAAAAAAAAAAAAAAAAAAAAAAAAAAAAAAAAZAAAAAEAAABAAAAAAAAAAAAAAAAAAAAAAAAAAAAAAAAAAAAAAAAAAAAAAAAAAAAAAAAAAAAAAAAAAAAAAAAAAAAAAAAAAAAAAAAAAAAAAAAAAAAAAAAAAAAAAAAAAAAAFAAAADwAAAABAAAAAAAAAAAAAAAPAAAAAQAAACMAAAAjAAAAIwAAAB4AAAAAAAAASwAAAEsAAAAAAAAASwAAAEsAAAAVAAAAYAAAAAAAAAAAAAAADwAAACADAAAAAAAAAAAAAAEAAACgMgAAVgcAAKr4//8BAAAAf39/AAEAAABkAAAAAAAAABQAAABAHwAAAAAAACYAAAAAAAAAwOD//wAAAAAmAAAAZAAAABYAAABMAAAAAAAAAAAAAAAEAAAAAAAAAAEAAABZWVkKAAAAACgAAAAoAAAAZAAAAGQAAAAAAAAAzMzMAAAAAABQAAAAUAAAAGQAAABkAAAAAAAAABcAAAAUAAAAAAAAAAAAAAD/fwAA/38AAAAAAAAJAAAABAAAAKHj6wAeAAAAaAAAAAAAAAAAAAAAAAAAAAAAAAAAAAAAECcAABAnAAAAAAAAAAAAAAAAAAAAAAAAAAAAAAAAAAAAAAAAAAAAABQAAAAAAAAAwMD/AAAAAABkAAAAMgAAAAAAAABkAAAAAAAAAH9/fwAKAAAAIgAAABgAAAAAAAAAAAAAAAAAAAAAAAAAAAAAAAAAAAAkAAAAJAAAAAAAAAAHAAAAAAAAAAAAAAAAAAAAAAAAAAAAAAAAAAAAf39/ACUAAABYAAAAAAAAAAAAAAAAAAAAAAAAAAAAAAAAAAAAAAAAAAAAAAAAAAAAAAAAAAAAAAA/AAAAAAAAAKCGAQAAAAAAAAAAAAAAAAAMAAAAAQAAAAAAAAAAAAAAAAAAAB8AAABUAAAAAAAABQAAAAEAAAAAAAAAAAAAAAAAAAAAAAAAAAAAAAAAAAAAAAAAAAAAAAB/f38AAAAAA8zMzADAwP8Af39/AAAAAAAAAAAAAAAAAAAAAAAAAAAAIQAAABgAAAAUAAAAWAIAADgEAADYJwAAUBkAABAAAAAmAAAACAAAAAEPAAAAAAAA"/>
+                <pr:smNativeData xmlns:pr="smNativeData" xmlns="smNativeData" val="SMDATA_15_f8v4ZxMAAAAlAAAACwAAAA0AAAAAWAIAADgEAADYJwAAUBkAAAAAAAAAAAAAAAAAAAEAAABQAAAAAAAAAAAA4D8AAAAAAADgPwAAAAAAAOA/AAAAAAAA4D8AAAAAAADgPwAAAAAAAOA/AAAAAAAA4D8AAAAAAADgPwAAAAAAAOA/AAAAAAAA4D8CAAAAjAAAAAAAAAAAAAAAQoX0DP///wgAAAAAAAAAAAAAAAAAAAAAAAAAAAAAAAAAAAAAZAAAAAEAAABAAAAAAAAAAAAAAAAAAAAAAAAAAAAAAAAAAAAAAAAAAAAAAAAAAAAAAAAAAAAAAAAAAAAAAAAAAAAAAAAAAAAAAAAAAAAAAAAAAAAAAAAAAAAAAAAAAAAAFAAAADwAAAABAAAAAAAAAAAAAAAPAAAAAQAAACMAAAAjAAAAIwAAAB4AAAAAAAAASwAAAEsAAAAAAAAASwAAAEsAAAAVAAAAYAAAAAAAAAAAAAAADwAAACADAAAAAAAAAAAAAAEAAACgMgAAVgcAAKr4//8BAAAAf39/AAEAAABkAAAAAAAAABQAAABAHwAAAAAAACYAAAAAAAAAwOD//wAAAAAmAAAAZAAAABYAAABMAAAAAAAAAAAAAAAEAAAAAAAAAAEAAABZWVkKAAAAACgAAAAoAAAAZAAAAGQAAAAAAAAAzMzMAAAAAABQAAAAUAAAAGQAAABkAAAAAAAAABcAAAAUAAAAAAAAAAAAAAD/fwAA/38AAAAAAAAJAAAABAAAAKHj6wAeAAAAaAAAAAAAAAAAAAAAAAAAAAAAAAAAAAAAECcAABAnAAAAAAAAAAAAAAAAAAAAAAAAAAAAAAAAAAAAAAAAAAAAABQAAAAAAAAAwMD/AAAAAABkAAAAMgAAAAAAAABkAAAAAAAAAH9/fwAKAAAAIgAAABgAAAAAAAAAAAAAAAAAAAAAAAAAAAAAAAAAAAAkAAAAJAAAAAAAAAAHAAAAAAAAAAAAAAAAAAAAAAAAAAAAAAAAAAAAf39/ACUAAABYAAAAAAAAAAAAAAAAAAAAAAAAAAAAAAAAAAAAAAAAAAAAAAAAAAAAAAAAAAAAAAA/AAAAAAAAAKCGAQAAAAAAAAAAAAAAAAAMAAAAAQAAAAAAAAAAAAAAAAAAAB8AAABUAAAAAAAABQAAAAEAAAAAAAAAAAAAAAAAAAAAAAAAAAAAAAAAAAAAAAAAAAAAAAB/f38AAAAAA8zMzADAwP8Af39/AAAAAAAAAAAAAAAAAAAAAAAAAAAAIQAAABgAAAAUAAAAWAIAADgEAADYJwAAUBkAABAAAAAmAAAACAAAAAEPAAAAAAAA"/>
               </a:ext>
             </a:extLst>
           </p:cNvSpPr>
@@ -1486,7 +1609,7 @@
             <a:spLocks noGrp="1" noChangeArrowheads="1"/>
             <a:extLst>
               <a:ext uri="smNativeData">
-                <pr:smNativeData xmlns:pr="smNativeData" xmlns="smNativeData" val="SMDATA_15_t6npZxMAAAAlAAAAZAAAAA0AAAAAkAAAAJAAAACQAAAAkAAAAAAAAAAAAAAAAAAAAAEAAABQAAAAAAAAAAAA4D8AAAAAAADgPwAAAAAAAOA/AAAAAAAA4D8AAAAAAADgPwAAAAAAAOA/AAAAAAAA4D8AAAAAAADgPwAAAAAAAOA/AAAAAAAA4D8CAAAAjAAAAAAAAAAAAAAAQoX0DP///wgAAAAAAAAAAAAAAAAAAAAAAAAAAAAAAAAAAAAAZAAAAAEAAABAAAAAAAAAAAAAAAAAAAAAAAAAAAAAAAAAAAAAAAAAAAAAAAAAAAAAAAAAAAAAAAAAAAAAAAAAAAAAAAAAAAAAAAAAAAAAAAAAAAAAAAAAAAAAAAAAAAAAFAAAADwAAAAAAAAAAAAAAAAAAAkUAAAAAQAAABQAAAAUAAAAFAAAAAEAAAAAAAAAZAAAAGQAAAAAAAAAZAAAAGQAAAAVAAAAYAAAAAAAAAAAAAAADwAAACADAAAAAAAAAAAAAAEAAACgMgAAVgcAAKr4//8BAAAAf39/AAEAAABkAAAAAAAAABQAAABAHwAAAAAAACYAAAAAAAAAwOD//wAAAAAmAAAAZAAAABYAAABMAAAAAAAAAAAAAAAEAAAAAAAAAAEAAABZWVkKAAAAACgAAAAoAAAAZAAAAGQAAAAAAAAAzMzMAAAAAABQAAAAUAAAAGQAAABkAAAAAAAAABcAAAAUAAAAAAAAAAAAAAD/fwAA/38AAAAAAAAJAAAABAAAAF8AYAAeAAAAaAAAAAAAAAAAAAAAAAAAAAAAAAAAAAAAECcAABAnAAAAAAAAAAAAAAAAAAAAAAAAAAAAAAAAAAAAAAAAAAAAABQAAAAAAAAAwMD/AAAAAABkAAAAMgAAAAAAAABkAAAAAAAAAH9/fwAKAAAAIgAAABgAAAAAAAAAAAAAAAAAAAAAAAAAAAAAAAAAAAAkAAAAJAAAAAAAAAAHAAAAAAAAAAAAAAAAAAAAAAAAAAAAAAAAAAAAf39/ACUAAABYAAAAAAAAAAAAAAAAAAAAAAAAAAAAAAAAAAAAAAAAAAAAAAAAAAAAAAAAAAAAAAA/AAAAAAAAAKCGAQAAAAAAAAAAAAAAAAAMAAAAAQAAAAAAAAAAAAAAAAAAAB8AAABUAAAAAAAABQAAAAEAAAAAAAAAAAAAAAAAAAAAAAAAAAAAAAAAAAAAAAAAAAAAAAJ/f38AAAAAA8zMzADAwP8Af39/AAAAAAAAAAAAAAAAAAAAAAAAAAAAIQAAABgAAAAUAAAAOAQAALgaAAD4JQAACDQAABAAAAAmAAAACAAAAL0/AAAAAAAA"/>
+                <pr:smNativeData xmlns:pr="smNativeData" xmlns="smNativeData" val="SMDATA_15_f8v4ZxMAAAAlAAAAZAAAAA0AAAAAkAAAAJAAAACQAAAAkAAAAAAAAAAAAAAAAAAAAAEAAABQAAAAAAAAAAAA4D8AAAAAAADgPwAAAAAAAOA/AAAAAAAA4D8AAAAAAADgPwAAAAAAAOA/AAAAAAAA4D8AAAAAAADgPwAAAAAAAOA/AAAAAAAA4D8CAAAAjAAAAAAAAAAAAAAAQoX0DP///wgAAAAAAAAAAAAAAAAAAAAAAAAAAAAAAAAAAAAAZAAAAAEAAABAAAAAAAAAAAAAAAAAAAAAAAAAAAAAAAAAAAAAAAAAAAAAAAAAAAAAAAAAAAAAAAAAAAAAAAAAAAAAAAAAAAAAAAAAAAAAAAAAAAAAAAAAAAAAAAAAAAAAFAAAADwAAAAAAAAAAAAAAAAAAAkUAAAAAQAAABQAAAAUAAAAFAAAAAEAAAAAAAAAZAAAAGQAAAAAAAAAZAAAAGQAAAAVAAAAYAAAAAAAAAAAAAAADwAAACADAAAAAAAAAAAAAAEAAACgMgAAVgcAAKr4//8BAAAAf39/AAEAAABkAAAAAAAAABQAAABAHwAAAAAAACYAAAAAAAAAwOD//wAAAAAmAAAAZAAAABYAAABMAAAAAAAAAAAAAAAEAAAAAAAAAAEAAABZWVkKAAAAACgAAAAoAAAAZAAAAGQAAAAAAAAAzMzMAAAAAABQAAAAUAAAAGQAAABkAAAAAAAAABcAAAAUAAAAAAAAAAAAAAD/fwAA/38AAAAAAAAJAAAABAAAAF8AYAAeAAAAaAAAAAAAAAAAAAAAAAAAAAAAAAAAAAAAECcAABAnAAAAAAAAAAAAAAAAAAAAAAAAAAAAAAAAAAAAAAAAAAAAABQAAAAAAAAAwMD/AAAAAABkAAAAMgAAAAAAAABkAAAAAAAAAH9/fwAKAAAAIgAAABgAAAAAAAAAAAAAAAAAAAAAAAAAAAAAAAAAAAAkAAAAJAAAAAAAAAAHAAAAAAAAAAAAAAAAAAAAAAAAAAAAAAAAAAAAf39/ACUAAABYAAAAAAAAAAAAAAAAAAAAAAAAAAAAAAAAAAAAAAAAAAAAAAAAAAAAAAAAAAAAAAA/AAAAAAAAAKCGAQAAAAAAAAAAAAAAAAAMAAAAAQAAAAAAAAAAAAAAAAAAAB8AAABUAAAAAAAABQAAAAEAAAAAAAAAAAAAAAAAAAAAAAAAAAAAAAAAAAAAAAAAAAAAAAJ/f38AAAAAA8zMzADAwP8Af39/AAAAAAAAAAAAAAAAAAAAAAAAAAAAIQAAABgAAAAUAAAAOAQAALgaAAD4JQAACDQAABAAAAAmAAAACAAAAL0/AAAAAAAA"/>
               </a:ext>
             </a:extLst>
           </p:cNvSpPr>
@@ -1531,7 +1654,499 @@
 </p:notes>
 </file>
 
-<file path=ppt/notesSlides/notesSlide16.xml><?xml version="1.0" encoding="utf-8"?>
+<file path=ppt/notesSlides/notesSlide2.xml><?xml version="1.0" encoding="utf-8"?>
+<p:notes xmlns:p="http://schemas.openxmlformats.org/presentationml/2006/main" xmlns:mc="http://schemas.openxmlformats.org/markup-compatibility/2006" xmlns:p14="http://schemas.microsoft.com/office/powerpoint/2010/main" xmlns:p15="http://schemas.microsoft.com/office/powerpoint/2012/main" xmlns:r="http://schemas.openxmlformats.org/officeDocument/2006/relationships" xmlns:a="http://schemas.openxmlformats.org/drawingml/2006/main" showMasterSp="0">
+  <p:cSld>
+    <p:bg>
+      <p:bgPr>
+        <a:solidFill>
+          <a:schemeClr val="bg1"/>
+        </a:solidFill>
+        <a:effectLst/>
+      </p:bgPr>
+    </p:bg>
+    <p:spTree>
+      <p:nvGrpSpPr>
+        <p:cNvPr id="1" name=""/>
+        <p:cNvGrpSpPr/>
+        <p:nvPr/>
+      </p:nvGrpSpPr>
+      <p:grpSpPr>
+        <a:xfrm>
+          <a:off x="0" y="0"/>
+          <a:ext cx="0" cy="0"/>
+          <a:chOff x="0" y="0"/>
+          <a:chExt cx="0" cy="0"/>
+        </a:xfrm>
+      </p:grpSpPr>
+      <p:sp>
+        <p:nvSpPr>
+          <p:cNvPr id="2" name="Google Shape;160;gde823becd0_0_40:notes"/>
+          <p:cNvSpPr>
+            <a:spLocks noGrp="1" noChangeArrowheads="1"/>
+            <a:extLst>
+              <a:ext uri="smNativeData">
+                <pr:smNativeData xmlns:pr="smNativeData" xmlns="smNativeData" val="SMDATA_15_f8v4ZxMAAAAlAAAACwAAAA0AAAAAWAIAADgEAADYJwAAUBkAAAAAAAAAAAAAAAAAAAEAAABQAAAAAAAAAAAA4D8AAAAAAADgPwAAAAAAAOA/AAAAAAAA4D8AAAAAAADgPwAAAAAAAOA/AAAAAAAA4D8AAAAAAADgPwAAAAAAAOA/AAAAAAAA4D8CAAAAjAAAAAAAAAAAAAAAQoX0DP///wgAAAAAAAAAAAAAAAAAAAAAAAAAAAAAAAAAAAAAZAAAAAEAAABAAAAAAAAAAAAAAAAAAAAAAAAAAAAAAAAAAAAAAAAAAAAAAAAAAAAAAAAAAAAAAAAAAAAAAAAAAAAAAAAAAAAAAAAAAAAAAAAAAAAAAAAAAAAAAAAAAAAAFAAAADwAAAABAAAAAAAAAAAAAAAPAAAAAQAAACMAAAAjAAAAIwAAAB4AAAAAAAAASwAAAEsAAAAAAAAASwAAAEsAAAAVAAAAYAAAAAAAAAAAAAAADwAAACADAAAAAAAAAAAAAAEAAACgMgAAVgcAAKr4//8BAAAAf39/AAEAAABkAAAAAAAAABQAAABAHwAAAAAAACYAAAAAAAAAwOD//wAAAAAmAAAAZAAAABYAAABMAAAAAAAAAAAAAAAEAAAAAAAAAAEAAABZWVkKAAAAACgAAAAoAAAAZAAAAGQAAAAAAAAAzMzMAAAAAABQAAAAUAAAAGQAAABkAAAAAAAAABcAAAAUAAAAAAAAAAAAAAD/fwAA/38AAAAAAAAJAAAABAAAAAAAAAAeAAAAaAAAAAAAAAAAAAAAAAAAAAAAAAAAAAAAECcAABAnAAAAAAAAAAAAAAAAAAAAAAAAAAAAAAAAAAAAAAAAAAAAABQAAAAAAAAAwMD/AAAAAABkAAAAMgAAAAAAAABkAAAAAAAAAH9/fwAKAAAAIgAAABgAAAAAAAAAAAAAAAAAAAAAAAAAAAAAAAAAAAAkAAAAJAAAAAAAAAAHAAAAAAAAAAAAAAAAAAAAAAAAAAAAAAAAAAAAf39/ACUAAABYAAAAAAAAAAAAAAAAAAAAAAAAAAAAAAAAAAAAAAAAAAAAAAAAAAAAAAAAAAAAAAA/AAAAAAAAAKCGAQAAAAAAAAAAAAAAAAAMAAAAAQAAAAAAAAAAAAAAAAAAAB8AAABUAAAAAAAABQAAAAEAAAAAAAAAAAAAAAAAAAAAAAAAAAAAAAAAAAAAAAAAAAAAAAB/f38AAAAAA8zMzADAwP8Af39/AAAAAAAAAAAAAAAAAAAAAAAAAAAAIQAAABgAAAAUAAAAWAIAADgEAADYJwAAUBkAABAAAAAmAAAACAAAAAEPAAAAAAAA"/>
+              </a:ext>
+            </a:extLst>
+          </p:cNvSpPr>
+          <p:nvPr>
+            <p:ph type="sldImg" idx="2"/>
+          </p:nvPr>
+        </p:nvSpPr>
+        <p:spPr>
+          <a:xfrm>
+            <a:off x="381000" y="685800"/>
+            <a:ext cx="6096000" cy="3429000"/>
+          </a:xfrm>
+          <a:custGeom>
+            <a:avLst/>
+            <a:gdLst/>
+            <a:ahLst/>
+            <a:cxnLst/>
+            <a:rect l="0" t="0" r="6096000" b="3429000"/>
+            <a:pathLst>
+              <a:path w="6096000" h="3429000" fill="none" extrusionOk="0">
+                <a:moveTo>
+                  <a:pt x="0" y="0"/>
+                </a:moveTo>
+                <a:lnTo>
+                  <a:pt x="6096000" y="0"/>
+                </a:lnTo>
+                <a:lnTo>
+                  <a:pt x="6096000" y="3429000"/>
+                </a:lnTo>
+                <a:lnTo>
+                  <a:pt x="0" y="3429000"/>
+                </a:lnTo>
+                <a:close/>
+              </a:path>
+            </a:pathLst>
+          </a:custGeom>
+        </p:spPr>
+      </p:sp>
+      <p:sp>
+        <p:nvSpPr>
+          <p:cNvPr id="3" name="Google Shape;161;gde823becd0_0_40:notes"/>
+          <p:cNvSpPr>
+            <a:spLocks noGrp="1" noChangeArrowheads="1"/>
+            <a:extLst>
+              <a:ext uri="smNativeData">
+                <pr:smNativeData xmlns:pr="smNativeData" xmlns="smNativeData" val="SMDATA_15_f8v4ZxMAAAAlAAAAZAAAAA0AAAAAkAAAAJAAAACQAAAAkAAAAAAAAAAAAAAAAAAAAAEAAABQAAAAAAAAAAAA4D8AAAAAAADgPwAAAAAAAOA/AAAAAAAA4D8AAAAAAADgPwAAAAAAAOA/AAAAAAAA4D8AAAAAAADgPwAAAAAAAOA/AAAAAAAA4D8CAAAAjAAAAAAAAAAAAAAAQoX0DP///wgAAAAAAAAAAAAAAAAAAAAAAAAAAAAAAAAAAAAAZAAAAAEAAABAAAAAAAAAAAAAAAAAAAAAAAAAAAAAAAAAAAAAAAAAAAAAAAAAAAAAAAAAAAAAAAAAAAAAAAAAAAAAAAAAAAAAAAAAAAAAAAAAAAAAAAAAAAAAAAAAAAAAFAAAADwAAAAAAAAAAAAAAAAAAAkUAAAAAQAAABQAAAAUAAAAFAAAAAEAAAAAAAAAZAAAAGQAAAAAAAAAZAAAAGQAAAAVAAAAYAAAAAAAAAAAAAAADwAAACADAAAAAAAAAAAAAAEAAACgMgAAVgcAAKr4//8BAAAAf39/AAEAAABkAAAAAAAAABQAAABAHwAAAAAAACYAAAAAAAAAwOD//wAAAAAmAAAAZAAAABYAAABMAAAAAAAAAAAAAAAEAAAAAAAAAAEAAABZWVkKAAAAACgAAAAoAAAAZAAAAGQAAAAAAAAAzMzMAAAAAABQAAAAUAAAAGQAAABkAAAAAAAAABcAAAAUAAAAAAAAAAAAAAD/fwAA/38AAAAAAAAJAAAABAAAAAAAAAAeAAAAaAAAAAAAAAAAAAAAAAAAAAAAAAAAAAAAECcAABAnAAAAAAAAAAAAAAAAAAAAAAAAAAAAAAAAAAAAAAAAAAAAABQAAAAAAAAAwMD/AAAAAABkAAAAMgAAAAAAAABkAAAAAAAAAH9/fwAKAAAAIgAAABgAAAAAAAAAAAAAAAAAAAAAAAAAAAAAAAAAAAAkAAAAJAAAAAAAAAAHAAAAAAAAAAAAAAAAAAAAAAAAAAAAAAAAAAAAf39/ACUAAABYAAAAAAAAAAAAAAAAAAAAAAAAAAAAAAAAAAAAAAAAAAAAAAAAAAAAAAAAAAAAAAA/AAAAAAAAAKCGAQAAAAAAAAAAAAAAAAAMAAAAAQAAAAAAAAAAAAAAAAAAAB8AAABUAAAAAAAABQAAAAEAAAAAAAAAAAAAAAAAAAAAAAAAAAAAAAAAAAAAAAAAAAAAAAJ/f38AAAAAA8zMzADAwP8Af39/AAAAAAAAAAAAAAAAAAAAAAAAAAAAIQAAABgAAAAUAAAAOAQAALgaAAD4JQAACDQAABAAAAAmAAAACAAAAL0/AAAAAAAA"/>
+              </a:ext>
+            </a:extLst>
+          </p:cNvSpPr>
+          <p:nvPr>
+            <p:ph type="body" idx="1"/>
+          </p:nvPr>
+        </p:nvSpPr>
+        <p:spPr>
+          <a:xfrm>
+            <a:off x="685800" y="4343400"/>
+            <a:ext cx="5486400" cy="4114800"/>
+          </a:xfrm>
+          <a:prstGeom prst="rect">
+            <a:avLst/>
+          </a:prstGeom>
+        </p:spPr>
+        <p:txBody>
+          <a:bodyPr vert="horz" wrap="square" lIns="91440" tIns="91440" rIns="91440" bIns="91440" numCol="1" spcCol="215900" anchor="t">
+            <a:prstTxWarp prst="textNoShape">
+              <a:avLst/>
+            </a:prstTxWarp>
+          </a:bodyPr>
+          <a:lstStyle/>
+          <a:p>
+            <a:pPr marL="0" indent="0" algn="l">
+              <a:spcBef>
+                <a:spcPts val="0"/>
+              </a:spcBef>
+              <a:spcAft>
+                <a:spcPts val="0"/>
+              </a:spcAft>
+              <a:buNone/>
+            </a:pPr>
+          </a:p>
+        </p:txBody>
+      </p:sp>
+    </p:spTree>
+  </p:cSld>
+  <p:clrMapOvr>
+    <a:masterClrMapping/>
+  </p:clrMapOvr>
+</p:notes>
+</file>
+
+<file path=ppt/notesSlides/notesSlide3.xml><?xml version="1.0" encoding="utf-8"?>
+<p:notes xmlns:p="http://schemas.openxmlformats.org/presentationml/2006/main" xmlns:mc="http://schemas.openxmlformats.org/markup-compatibility/2006" xmlns:p14="http://schemas.microsoft.com/office/powerpoint/2010/main" xmlns:p15="http://schemas.microsoft.com/office/powerpoint/2012/main" xmlns:r="http://schemas.openxmlformats.org/officeDocument/2006/relationships" xmlns:a="http://schemas.openxmlformats.org/drawingml/2006/main" showMasterSp="0">
+  <p:cSld>
+    <p:bg>
+      <p:bgPr>
+        <a:solidFill>
+          <a:schemeClr val="bg1"/>
+        </a:solidFill>
+        <a:effectLst/>
+      </p:bgPr>
+    </p:bg>
+    <p:spTree>
+      <p:nvGrpSpPr>
+        <p:cNvPr id="1" name=""/>
+        <p:cNvGrpSpPr/>
+        <p:nvPr/>
+      </p:nvGrpSpPr>
+      <p:grpSpPr>
+        <a:xfrm>
+          <a:off x="0" y="0"/>
+          <a:ext cx="0" cy="0"/>
+          <a:chOff x="0" y="0"/>
+          <a:chExt cx="0" cy="0"/>
+        </a:xfrm>
+      </p:grpSpPr>
+      <p:sp>
+        <p:nvSpPr>
+          <p:cNvPr id="2" name="Google Shape;168;g30f7d84ce1d_0_256:notes"/>
+          <p:cNvSpPr>
+            <a:spLocks noGrp="1" noChangeArrowheads="1"/>
+            <a:extLst>
+              <a:ext uri="smNativeData">
+                <pr:smNativeData xmlns:pr="smNativeData" xmlns="smNativeData" val="SMDATA_15_f8v4ZxMAAAAlAAAACwAAAA0AAAAAWAIAADgEAADYJwAAUBkAAAAAAAAAAAAAAAAAAAEAAABQAAAAAAAAAAAA4D8AAAAAAADgPwAAAAAAAOA/AAAAAAAA4D8AAAAAAADgPwAAAAAAAOA/AAAAAAAA4D8AAAAAAADgPwAAAAAAAOA/AAAAAAAA4D8CAAAAjAAAAAAAAAAAAAAAQoX0DP///wgAAAAAAAAAAAAAAAAAAAAAAAAAAAAAAAAAAAAAZAAAAAEAAABAAAAAAAAAAAAAAAAAAAAAAAAAAAAAAAAAAAAAAAAAAAAAAAAAAAAAAAAAAAAAAAAAAAAAAAAAAAAAAAAAAAAAAAAAAAAAAAAAAAAAAAAAAAAAAAAAAAAAFAAAADwAAAABAAAAAAAAAAAAAAAPAAAAAQAAACMAAAAjAAAAIwAAAB4AAAAAAAAASwAAAEsAAAAAAAAASwAAAEsAAAAVAAAAYAAAAAAAAAAAAAAADwAAACADAAAAAAAAAAAAAAEAAACgMgAAVgcAAKr4//8BAAAAf39/AAEAAABkAAAAAAAAABQAAABAHwAAAAAAACYAAAAAAAAAwOD//wAAAAAmAAAAZAAAABYAAABMAAAAAAAAAAAAAAAEAAAAAAAAAAEAAABZWVkKAAAAACgAAAAoAAAAZAAAAGQAAAAAAAAAzMzMAAAAAABQAAAAUAAAAGQAAABkAAAAAAAAABcAAAAUAAAAAAAAAAAAAAD/fwAA/38AAAAAAAAJAAAABAAAAAAAAAAeAAAAaAAAAAAAAAAAAAAAAAAAAAAAAAAAAAAAECcAABAnAAAAAAAAAAAAAAAAAAAAAAAAAAAAAAAAAAAAAAAAAAAAABQAAAAAAAAAwMD/AAAAAABkAAAAMgAAAAAAAABkAAAAAAAAAH9/fwAKAAAAIgAAABgAAAAAAAAAAAAAAAAAAAAAAAAAAAAAAAAAAAAkAAAAJAAAAAAAAAAHAAAAAAAAAAAAAAAAAAAAAAAAAAAAAAAAAAAAf39/ACUAAABYAAAAAAAAAAAAAAAAAAAAAAAAAAAAAAAAAAAAAAAAAAAAAAAAAAAAAAAAAAAAAAA/AAAAAAAAAKCGAQAAAAAAAAAAAAAAAAAMAAAAAQAAAAAAAAAAAAAAAAAAAB8AAABUAAAAAAAABQAAAAEAAAAAAAAAAAAAAAAAAAAAAAAAAAAAAAAAAAAAAAAAAAAAAAB/f38AAAAAA8zMzADAwP8Af39/AAAAAAAAAAAAAAAAAAAAAAAAAAAAIQAAABgAAAAUAAAAWAIAADgEAADYJwAAUBkAABAAAAAmAAAACAAAAAEPAAAAAAAA"/>
+              </a:ext>
+            </a:extLst>
+          </p:cNvSpPr>
+          <p:nvPr>
+            <p:ph type="sldImg" idx="2"/>
+          </p:nvPr>
+        </p:nvSpPr>
+        <p:spPr>
+          <a:xfrm>
+            <a:off x="381000" y="685800"/>
+            <a:ext cx="6096000" cy="3429000"/>
+          </a:xfrm>
+          <a:custGeom>
+            <a:avLst/>
+            <a:gdLst/>
+            <a:ahLst/>
+            <a:cxnLst/>
+            <a:rect l="0" t="0" r="6096000" b="3429000"/>
+            <a:pathLst>
+              <a:path w="6096000" h="3429000" fill="none" extrusionOk="0">
+                <a:moveTo>
+                  <a:pt x="0" y="0"/>
+                </a:moveTo>
+                <a:lnTo>
+                  <a:pt x="6096000" y="0"/>
+                </a:lnTo>
+                <a:lnTo>
+                  <a:pt x="6096000" y="3429000"/>
+                </a:lnTo>
+                <a:lnTo>
+                  <a:pt x="0" y="3429000"/>
+                </a:lnTo>
+                <a:close/>
+              </a:path>
+            </a:pathLst>
+          </a:custGeom>
+        </p:spPr>
+      </p:sp>
+      <p:sp>
+        <p:nvSpPr>
+          <p:cNvPr id="3" name="Google Shape;169;g30f7d84ce1d_0_256:notes"/>
+          <p:cNvSpPr>
+            <a:spLocks noGrp="1" noChangeArrowheads="1"/>
+            <a:extLst>
+              <a:ext uri="smNativeData">
+                <pr:smNativeData xmlns:pr="smNativeData" xmlns="smNativeData" val="SMDATA_15_f8v4ZxMAAAAlAAAAZAAAAA0AAAAAkAAAAJAAAACQAAAAkAAAAAAAAAAAAAAAAAAAAAEAAABQAAAAAAAAAAAA4D8AAAAAAADgPwAAAAAAAOA/AAAAAAAA4D8AAAAAAADgPwAAAAAAAOA/AAAAAAAA4D8AAAAAAADgPwAAAAAAAOA/AAAAAAAA4D8CAAAAjAAAAAAAAAAAAAAAQoX0DP///wgAAAAAAAAAAAAAAAAAAAAAAAAAAAAAAAAAAAAAZAAAAAEAAABAAAAAAAAAAAAAAAAAAAAAAAAAAAAAAAAAAAAAAAAAAAAAAAAAAAAAAAAAAAAAAAAAAAAAAAAAAAAAAAAAAAAAAAAAAAAAAAAAAAAAAAAAAAAAAAAAAAAAFAAAADwAAAAAAAAAAAAAAAAAAAkUAAAAAQAAABQAAAAUAAAAFAAAAAEAAAAAAAAAZAAAAGQAAAAAAAAAZAAAAGQAAAAVAAAAYAAAAAAAAAAAAAAADwAAACADAAAAAAAAAAAAAAEAAACgMgAAVgcAAKr4//8BAAAAf39/AAEAAABkAAAAAAAAABQAAABAHwAAAAAAACYAAAAAAAAAwOD//wAAAAAmAAAAZAAAABYAAABMAAAAAAAAAAAAAAAEAAAAAAAAAAEAAABZWVkKAAAAACgAAAAoAAAAZAAAAGQAAAAAAAAAzMzMAAAAAABQAAAAUAAAAGQAAABkAAAAAAAAABcAAAAUAAAAAAAAAAAAAAD/fwAA/38AAAAAAAAJAAAABAAAAAAAAAAeAAAAaAAAAAAAAAAAAAAAAAAAAAAAAAAAAAAAECcAABAnAAAAAAAAAAAAAAAAAAAAAAAAAAAAAAAAAAAAAAAAAAAAABQAAAAAAAAAwMD/AAAAAABkAAAAMgAAAAAAAABkAAAAAAAAAH9/fwAKAAAAIgAAABgAAAAAAAAAAAAAAAAAAAAAAAAAAAAAAAAAAAAkAAAAJAAAAAAAAAAHAAAAAAAAAAAAAAAAAAAAAAAAAAAAAAAAAAAAf39/ACUAAABYAAAAAAAAAAAAAAAAAAAAAAAAAAAAAAAAAAAAAAAAAAAAAAAAAAAAAAAAAAAAAAA/AAAAAAAAAKCGAQAAAAAAAAAAAAAAAAAMAAAAAQAAAAAAAAAAAAAAAAAAAB8AAABUAAAAAAAABQAAAAEAAAAAAAAAAAAAAAAAAAAAAAAAAAAAAAAAAAAAAAAAAAAAAAJ/f38AAAAAA8zMzADAwP8Af39/AAAAAAAAAAAAAAAAAAAAAAAAAAAAIQAAABgAAAAUAAAAOAQAALgaAAD4JQAACDQAABAAAAAmAAAACAAAAL0/AAAAAAAA"/>
+              </a:ext>
+            </a:extLst>
+          </p:cNvSpPr>
+          <p:nvPr>
+            <p:ph type="body" idx="1"/>
+          </p:nvPr>
+        </p:nvSpPr>
+        <p:spPr>
+          <a:xfrm>
+            <a:off x="685800" y="4343400"/>
+            <a:ext cx="5486400" cy="4114800"/>
+          </a:xfrm>
+          <a:prstGeom prst="rect">
+            <a:avLst/>
+          </a:prstGeom>
+        </p:spPr>
+        <p:txBody>
+          <a:bodyPr vert="horz" wrap="square" lIns="91440" tIns="91440" rIns="91440" bIns="91440" numCol="1" spcCol="215900" anchor="t">
+            <a:prstTxWarp prst="textNoShape">
+              <a:avLst/>
+            </a:prstTxWarp>
+          </a:bodyPr>
+          <a:lstStyle/>
+          <a:p>
+            <a:pPr marL="0" indent="0" algn="l">
+              <a:spcBef>
+                <a:spcPts val="0"/>
+              </a:spcBef>
+              <a:spcAft>
+                <a:spcPts val="0"/>
+              </a:spcAft>
+              <a:buNone/>
+            </a:pPr>
+          </a:p>
+        </p:txBody>
+      </p:sp>
+    </p:spTree>
+  </p:cSld>
+  <p:clrMapOvr>
+    <a:masterClrMapping/>
+  </p:clrMapOvr>
+</p:notes>
+</file>
+
+<file path=ppt/notesSlides/notesSlide4.xml><?xml version="1.0" encoding="utf-8"?>
+<p:notes xmlns:p="http://schemas.openxmlformats.org/presentationml/2006/main" xmlns:mc="http://schemas.openxmlformats.org/markup-compatibility/2006" xmlns:p14="http://schemas.microsoft.com/office/powerpoint/2010/main" xmlns:p15="http://schemas.microsoft.com/office/powerpoint/2012/main" xmlns:r="http://schemas.openxmlformats.org/officeDocument/2006/relationships" xmlns:a="http://schemas.openxmlformats.org/drawingml/2006/main" showMasterSp="0">
+  <p:cSld>
+    <p:bg>
+      <p:bgPr>
+        <a:solidFill>
+          <a:schemeClr val="bg1"/>
+        </a:solidFill>
+        <a:effectLst/>
+      </p:bgPr>
+    </p:bg>
+    <p:spTree>
+      <p:nvGrpSpPr>
+        <p:cNvPr id="1" name=""/>
+        <p:cNvGrpSpPr/>
+        <p:nvPr/>
+      </p:nvGrpSpPr>
+      <p:grpSpPr>
+        <a:xfrm>
+          <a:off x="0" y="0"/>
+          <a:ext cx="0" cy="0"/>
+          <a:chOff x="0" y="0"/>
+          <a:chExt cx="0" cy="0"/>
+        </a:xfrm>
+      </p:grpSpPr>
+      <p:sp>
+        <p:nvSpPr>
+          <p:cNvPr id="2" name="Google Shape;182;gf98075b259_0_20:notes"/>
+          <p:cNvSpPr>
+            <a:spLocks noGrp="1" noChangeArrowheads="1"/>
+            <a:extLst>
+              <a:ext uri="smNativeData">
+                <pr:smNativeData xmlns:pr="smNativeData" xmlns="smNativeData" val="SMDATA_15_f8v4ZxMAAAAlAAAACwAAAA0AAAAAWAIAADgEAADYJwAAUBkAAAAAAAAAAAAAAAAAAAEAAABQAAAAAAAAAAAA4D8AAAAAAADgPwAAAAAAAOA/AAAAAAAA4D8AAAAAAADgPwAAAAAAAOA/AAAAAAAA4D8AAAAAAADgPwAAAAAAAOA/AAAAAAAA4D8CAAAAjAAAAAAAAAAAAAAAQoX0DP///wgAAAAAAAAAAAAAAAAAAAAAAAAAAAAAAAAAAAAAZAAAAAEAAABAAAAAAAAAAAAAAAAAAAAAAAAAAAAAAAAAAAAAAAAAAAAAAAAAAAAAAAAAAAAAAAAAAAAAAAAAAAAAAAAAAAAAAAAAAAAAAAAAAAAAAAAAAAAAAAAAAAAAFAAAADwAAAABAAAAAAAAAAAAAAAPAAAAAQAAACMAAAAjAAAAIwAAAB4AAAAAAAAASwAAAEsAAAAAAAAASwAAAEsAAAAVAAAAYAAAAAAAAAAAAAAADwAAACADAAAAAAAAAAAAAAEAAACgMgAAVgcAAKr4//8BAAAAf39/AAEAAABkAAAAAAAAABQAAABAHwAAAAAAACYAAAAAAAAAwOD//wAAAAAmAAAAZAAAABYAAABMAAAAAAAAAAAAAAAEAAAAAAAAAAEAAABZWVkKAAAAACgAAAAoAAAAZAAAAGQAAAAAAAAAzMzMAAAAAABQAAAAUAAAAGQAAABkAAAAAAAAABcAAAAUAAAAAAAAAAAAAAD/fwAA/38AAAAAAAAJAAAABAAAAD4CAAAeAAAAaAAAAAAAAAAAAAAAAAAAAAAAAAAAAAAAECcAABAnAAAAAAAAAAAAAAAAAAAAAAAAAAAAAAAAAAAAAAAAAAAAABQAAAAAAAAAwMD/AAAAAABkAAAAMgAAAAAAAABkAAAAAAAAAH9/fwAKAAAAIgAAABgAAAAAAAAAAAAAAAAAAAAAAAAAAAAAAAAAAAAkAAAAJAAAAAAAAAAHAAAAAAAAAAAAAAAAAAAAAAAAAAAAAAAAAAAAf39/ACUAAABYAAAAAAAAAAAAAAAAAAAAAAAAAAAAAAAAAAAAAAAAAAAAAAAAAAAAAAAAAAAAAAA/AAAAAAAAAKCGAQAAAAAAAAAAAAAAAAAMAAAAAQAAAAAAAAAAAAAAAAAAAB8AAABUAAAAAAAABQAAAAEAAAAAAAAAAAAAAAAAAAAAAAAAAAAAAAAAAAAAAAAAAAAAAAB/f38AAAAAA8zMzADAwP8Af39/AAAAAAAAAAAAAAAAAAAAAAAAAAAAIQAAABgAAAAUAAAAWAIAADgEAADYJwAAUBkAABAAAAAmAAAACAAAAAEPAAAAAAAA"/>
+              </a:ext>
+            </a:extLst>
+          </p:cNvSpPr>
+          <p:nvPr>
+            <p:ph type="sldImg" idx="2"/>
+          </p:nvPr>
+        </p:nvSpPr>
+        <p:spPr>
+          <a:xfrm>
+            <a:off x="381000" y="685800"/>
+            <a:ext cx="6096000" cy="3429000"/>
+          </a:xfrm>
+          <a:custGeom>
+            <a:avLst/>
+            <a:gdLst/>
+            <a:ahLst/>
+            <a:cxnLst/>
+            <a:rect l="0" t="0" r="6096000" b="3429000"/>
+            <a:pathLst>
+              <a:path w="6096000" h="3429000" fill="none" extrusionOk="0">
+                <a:moveTo>
+                  <a:pt x="0" y="0"/>
+                </a:moveTo>
+                <a:lnTo>
+                  <a:pt x="6096000" y="0"/>
+                </a:lnTo>
+                <a:lnTo>
+                  <a:pt x="6096000" y="3429000"/>
+                </a:lnTo>
+                <a:lnTo>
+                  <a:pt x="0" y="3429000"/>
+                </a:lnTo>
+                <a:close/>
+              </a:path>
+            </a:pathLst>
+          </a:custGeom>
+        </p:spPr>
+      </p:sp>
+      <p:sp>
+        <p:nvSpPr>
+          <p:cNvPr id="3" name="Google Shape;183;gf98075b259_0_20:notes"/>
+          <p:cNvSpPr>
+            <a:spLocks noGrp="1" noChangeArrowheads="1"/>
+            <a:extLst>
+              <a:ext uri="smNativeData">
+                <pr:smNativeData xmlns:pr="smNativeData" xmlns="smNativeData" val="SMDATA_15_f8v4ZxMAAAAlAAAAZAAAAA0AAAAAkAAAAJAAAACQAAAAkAAAAAAAAAAAAAAAAAAAAAEAAABQAAAAAAAAAAAA4D8AAAAAAADgPwAAAAAAAOA/AAAAAAAA4D8AAAAAAADgPwAAAAAAAOA/AAAAAAAA4D8AAAAAAADgPwAAAAAAAOA/AAAAAAAA4D8CAAAAjAAAAAAAAAAAAAAAQoX0DP///wgAAAAAAAAAAAAAAAAAAAAAAAAAAAAAAAAAAAAAZAAAAAEAAABAAAAAAAAAAAAAAAAAAAAAAAAAAAAAAAAAAAAAAAAAAAAAAAAAAAAAAAAAAAAAAAAAAAAAAAAAAAAAAAAAAAAAAAAAAAAAAAAAAAAAAAAAAAAAAAAAAAAAFAAAADwAAAAAAAAAAAAAAAAAAAkUAAAAAQAAABQAAAAUAAAAFAAAAAEAAAAAAAAAZAAAAGQAAAAAAAAAZAAAAGQAAAAVAAAAYAAAAAAAAAAAAAAADwAAACADAAAAAAAAAAAAAAEAAACgMgAAVgcAAKr4//8BAAAAf39/AAEAAABkAAAAAAAAABQAAABAHwAAAAAAACYAAAAAAAAAwOD//wAAAAAmAAAAZAAAABYAAABMAAAAAAAAAAAAAAAEAAAAAAAAAAEAAABZWVkKAAAAACgAAAAoAAAAZAAAAGQAAAAAAAAAzMzMAAAAAABQAAAAUAAAAGQAAABkAAAAAAAAABcAAAAUAAAAAAAAAAAAAAD/fwAA/38AAAAAAAAJAAAABAAAAAAAAAAeAAAAaAAAAAAAAAAAAAAAAAAAAAAAAAAAAAAAECcAABAnAAAAAAAAAAAAAAAAAAAAAAAAAAAAAAAAAAAAAAAAAAAAABQAAAAAAAAAwMD/AAAAAABkAAAAMgAAAAAAAABkAAAAAAAAAH9/fwAKAAAAIgAAABgAAAAAAAAAAAAAAAAAAAAAAAAAAAAAAAAAAAAkAAAAJAAAAAAAAAAHAAAAAAAAAAAAAAAAAAAAAAAAAAAAAAAAAAAAf39/ACUAAABYAAAAAAAAAAAAAAAAAAAAAAAAAAAAAAAAAAAAAAAAAAAAAAAAAAAAAAAAAAAAAAA/AAAAAAAAAKCGAQAAAAAAAAAAAAAAAAAMAAAAAQAAAAAAAAAAAAAAAAAAAB8AAABUAAAAAAAABQAAAAEAAAAAAAAAAAAAAAAAAAAAAAAAAAAAAAAAAAAAAAAAAAAAAAJ/f38AAAAAA8zMzADAwP8Af39/AAAAAAAAAAAAAAAAAAAAAAAAAAAAIQAAABgAAAAUAAAAOAQAALgaAAD4JQAACDQAABAAAAAmAAAACAAAAL0/AAAAAAAA"/>
+              </a:ext>
+            </a:extLst>
+          </p:cNvSpPr>
+          <p:nvPr>
+            <p:ph type="body" idx="1"/>
+          </p:nvPr>
+        </p:nvSpPr>
+        <p:spPr>
+          <a:xfrm>
+            <a:off x="685800" y="4343400"/>
+            <a:ext cx="5486400" cy="4114800"/>
+          </a:xfrm>
+          <a:prstGeom prst="rect">
+            <a:avLst/>
+          </a:prstGeom>
+        </p:spPr>
+        <p:txBody>
+          <a:bodyPr vert="horz" wrap="square" lIns="91440" tIns="91440" rIns="91440" bIns="91440" numCol="1" spcCol="215900" anchor="t">
+            <a:prstTxWarp prst="textNoShape">
+              <a:avLst/>
+            </a:prstTxWarp>
+          </a:bodyPr>
+          <a:lstStyle/>
+          <a:p>
+            <a:pPr marL="0" indent="0" algn="l">
+              <a:spcBef>
+                <a:spcPts val="0"/>
+              </a:spcBef>
+              <a:spcAft>
+                <a:spcPts val="0"/>
+              </a:spcAft>
+              <a:buNone/>
+            </a:pPr>
+          </a:p>
+        </p:txBody>
+      </p:sp>
+    </p:spTree>
+  </p:cSld>
+  <p:clrMapOvr>
+    <a:masterClrMapping/>
+  </p:clrMapOvr>
+</p:notes>
+</file>
+
+<file path=ppt/notesSlides/notesSlide5.xml><?xml version="1.0" encoding="utf-8"?>
+<p:notes xmlns:p="http://schemas.openxmlformats.org/presentationml/2006/main" xmlns:mc="http://schemas.openxmlformats.org/markup-compatibility/2006" xmlns:p14="http://schemas.microsoft.com/office/powerpoint/2010/main" xmlns:p15="http://schemas.microsoft.com/office/powerpoint/2012/main" xmlns:r="http://schemas.openxmlformats.org/officeDocument/2006/relationships" xmlns:a="http://schemas.openxmlformats.org/drawingml/2006/main" showMasterSp="0">
+  <p:cSld>
+    <p:bg>
+      <p:bgPr>
+        <a:solidFill>
+          <a:schemeClr val="bg1"/>
+        </a:solidFill>
+        <a:effectLst/>
+      </p:bgPr>
+    </p:bg>
+    <p:spTree>
+      <p:nvGrpSpPr>
+        <p:cNvPr id="1" name=""/>
+        <p:cNvGrpSpPr/>
+        <p:nvPr/>
+      </p:nvGrpSpPr>
+      <p:grpSpPr>
+        <a:xfrm>
+          <a:off x="0" y="0"/>
+          <a:ext cx="0" cy="0"/>
+          <a:chOff x="0" y="0"/>
+          <a:chExt cx="0" cy="0"/>
+        </a:xfrm>
+      </p:grpSpPr>
+      <p:sp>
+        <p:nvSpPr>
+          <p:cNvPr id="2" name="Google Shape;192;gf98075b259_0_38:notes"/>
+          <p:cNvSpPr>
+            <a:spLocks noGrp="1" noChangeArrowheads="1"/>
+            <a:extLst>
+              <a:ext uri="smNativeData">
+                <pr:smNativeData xmlns:pr="smNativeData" xmlns="smNativeData" val="SMDATA_15_f8v4ZxMAAAAlAAAACwAAAA0AAAAAWAIAADgEAADYJwAAUBkAAAAAAAAAAAAAAAAAAAEAAABQAAAAAAAAAAAA4D8AAAAAAADgPwAAAAAAAOA/AAAAAAAA4D8AAAAAAADgPwAAAAAAAOA/AAAAAAAA4D8AAAAAAADgPwAAAAAAAOA/AAAAAAAA4D8CAAAAjAAAAAAAAAAAAAAAQoX0DP///wgAAAAAAAAAAAAAAAAAAAAAAAAAAAAAAAAAAAAAZAAAAAEAAABAAAAAAAAAAAAAAAAAAAAAAAAAAAAAAAAAAAAAAAAAAAAAAAAAAAAAAAAAAAAAAAAAAAAAAAAAAAAAAAAAAAAAAAAAAAAAAAAAAAAAAAAAAAAAAAAAAAAAFAAAADwAAAABAAAAAAAAAAAAAAAPAAAAAQAAACMAAAAjAAAAIwAAAB4AAAAAAAAASwAAAEsAAAAAAAAASwAAAEsAAAAVAAAAYAAAAAAAAAAAAAAADwAAACADAAAAAAAAAAAAAAEAAACgMgAAVgcAAKr4//8BAAAAf39/AAEAAABkAAAAAAAAABQAAABAHwAAAAAAACYAAAAAAAAAwOD//wAAAAAmAAAAZAAAABYAAABMAAAAAAAAAAAAAAAEAAAAAAAAAAEAAABZWVkKAAAAACgAAAAoAAAAZAAAAGQAAAAAAAAAzMzMAAAAAABQAAAAUAAAAGQAAABkAAAAAAAAABcAAAAUAAAAAAAAAAAAAAD/fwAA/38AAAAAAAAJAAAABAAAAADlJkUeAAAAaAAAAAAAAAAAAAAAAAAAAAAAAAAAAAAAECcAABAnAAAAAAAAAAAAAAAAAAAAAAAAAAAAAAAAAAAAAAAAAAAAABQAAAAAAAAAwMD/AAAAAABkAAAAMgAAAAAAAABkAAAAAAAAAH9/fwAKAAAAIgAAABgAAAAAAAAAAAAAAAAAAAAAAAAAAAAAAAAAAAAkAAAAJAAAAAAAAAAHAAAAAAAAAAAAAAAAAAAAAAAAAAAAAAAAAAAAf39/ACUAAABYAAAAAAAAAAAAAAAAAAAAAAAAAAAAAAAAAAAAAAAAAAAAAAAAAAAAAAAAAAAAAAA/AAAAAAAAAKCGAQAAAAAAAAAAAAAAAAAMAAAAAQAAAAAAAAAAAAAAAAAAAB8AAABUAAAAAAAABQAAAAEAAAAAAAAAAAAAAAAAAAAAAAAAAAAAAAAAAAAAAAAAAAAAAAB/f38AAAAAA8zMzADAwP8Af39/AAAAAAAAAAAAAAAAAAAAAAAAAAAAIQAAABgAAAAUAAAAWAIAADgEAADYJwAAUBkAABAAAAAmAAAACAAAAAEPAAAAAAAA"/>
+              </a:ext>
+            </a:extLst>
+          </p:cNvSpPr>
+          <p:nvPr>
+            <p:ph type="sldImg" idx="2"/>
+          </p:nvPr>
+        </p:nvSpPr>
+        <p:spPr>
+          <a:xfrm>
+            <a:off x="381000" y="685800"/>
+            <a:ext cx="6096000" cy="3429000"/>
+          </a:xfrm>
+          <a:custGeom>
+            <a:avLst/>
+            <a:gdLst/>
+            <a:ahLst/>
+            <a:cxnLst/>
+            <a:rect l="0" t="0" r="6096000" b="3429000"/>
+            <a:pathLst>
+              <a:path w="6096000" h="3429000" fill="none" extrusionOk="0">
+                <a:moveTo>
+                  <a:pt x="0" y="0"/>
+                </a:moveTo>
+                <a:lnTo>
+                  <a:pt x="6096000" y="0"/>
+                </a:lnTo>
+                <a:lnTo>
+                  <a:pt x="6096000" y="3429000"/>
+                </a:lnTo>
+                <a:lnTo>
+                  <a:pt x="0" y="3429000"/>
+                </a:lnTo>
+                <a:close/>
+              </a:path>
+            </a:pathLst>
+          </a:custGeom>
+        </p:spPr>
+      </p:sp>
+      <p:sp>
+        <p:nvSpPr>
+          <p:cNvPr id="3" name="Google Shape;193;gf98075b259_0_38:notes"/>
+          <p:cNvSpPr>
+            <a:spLocks noGrp="1" noChangeArrowheads="1"/>
+            <a:extLst>
+              <a:ext uri="smNativeData">
+                <pr:smNativeData xmlns:pr="smNativeData" xmlns="smNativeData" val="SMDATA_15_f8v4ZxMAAAAlAAAAZAAAAA0AAAAAkAAAAJAAAACQAAAAkAAAAAAAAAAAAAAAAAAAAAEAAABQAAAAAAAAAAAA4D8AAAAAAADgPwAAAAAAAOA/AAAAAAAA4D8AAAAAAADgPwAAAAAAAOA/AAAAAAAA4D8AAAAAAADgPwAAAAAAAOA/AAAAAAAA4D8CAAAAjAAAAAAAAAAAAAAAQoX0DP///wgAAAAAAAAAAAAAAAAAAAAAAAAAAAAAAAAAAAAAZAAAAAEAAABAAAAAAAAAAAAAAAAAAAAAAAAAAAAAAAAAAAAAAAAAAAAAAAAAAAAAAAAAAAAAAAAAAAAAAAAAAAAAAAAAAAAAAAAAAAAAAAAAAAAAAAAAAAAAAAAAAAAAFAAAADwAAAAAAAAAAAAAAAAAAAkUAAAAAQAAABQAAAAUAAAAFAAAAAEAAAAAAAAAZAAAAGQAAAAAAAAAZAAAAGQAAAAVAAAAYAAAAAAAAAAAAAAADwAAACADAAAAAAAAAAAAAAEAAACgMgAAVgcAAKr4//8BAAAAf39/AAEAAABkAAAAAAAAABQAAABAHwAAAAAAACYAAAAAAAAAwOD//wAAAAAmAAAAZAAAABYAAABMAAAAAAAAAAAAAAAEAAAAAAAAAAEAAABZWVkKAAAAACgAAAAoAAAAZAAAAGQAAAAAAAAAzMzMAAAAAABQAAAAUAAAAGQAAABkAAAAAAAAABcAAAAUAAAAAAAAAAAAAAD/fwAA/38AAAAAAAAJAAAABAAAAEj2GT8eAAAAaAAAAAAAAAAAAAAAAAAAAAAAAAAAAAAAECcAABAnAAAAAAAAAAAAAAAAAAAAAAAAAAAAAAAAAAAAAAAAAAAAABQAAAAAAAAAwMD/AAAAAABkAAAAMgAAAAAAAABkAAAAAAAAAH9/fwAKAAAAIgAAABgAAAAAAAAAAAAAAAAAAAAAAAAAAAAAAAAAAAAkAAAAJAAAAAAAAAAHAAAAAAAAAAAAAAAAAAAAAAAAAAAAAAAAAAAAf39/ACUAAABYAAAAAAAAAAAAAAAAAAAAAAAAAAAAAAAAAAAAAAAAAAAAAAAAAAAAAAAAAAAAAAA/AAAAAAAAAKCGAQAAAAAAAAAAAAAAAAAMAAAAAQAAAAAAAAAAAAAAAAAAAB8AAABUAAAAAAAABQAAAAEAAAAAAAAAAAAAAAAAAAAAAAAAAAAAAAAAAAAAAAAAAAAAAAJ/f38AAAAAA8zMzADAwP8Af39/AAAAAAAAAAAAAAAAAAAAAAAAAAAAIQAAABgAAAAUAAAAOAQAALgaAAD4JQAACDQAABAAAAAmAAAACAAAAL0/AAAAAAAA"/>
+              </a:ext>
+            </a:extLst>
+          </p:cNvSpPr>
+          <p:nvPr>
+            <p:ph type="body" idx="1"/>
+          </p:nvPr>
+        </p:nvSpPr>
+        <p:spPr>
+          <a:xfrm>
+            <a:off x="685800" y="4343400"/>
+            <a:ext cx="5486400" cy="4114800"/>
+          </a:xfrm>
+          <a:prstGeom prst="rect">
+            <a:avLst/>
+          </a:prstGeom>
+        </p:spPr>
+        <p:txBody>
+          <a:bodyPr vert="horz" wrap="square" lIns="91440" tIns="91440" rIns="91440" bIns="91440" numCol="1" spcCol="215900" anchor="t">
+            <a:prstTxWarp prst="textNoShape">
+              <a:avLst/>
+            </a:prstTxWarp>
+          </a:bodyPr>
+          <a:lstStyle/>
+          <a:p>
+            <a:pPr marL="0" indent="0" algn="l">
+              <a:spcBef>
+                <a:spcPts val="0"/>
+              </a:spcBef>
+              <a:spcAft>
+                <a:spcPts val="0"/>
+              </a:spcAft>
+              <a:buNone/>
+            </a:pPr>
+          </a:p>
+        </p:txBody>
+      </p:sp>
+    </p:spTree>
+  </p:cSld>
+  <p:clrMapOvr>
+    <a:masterClrMapping/>
+  </p:clrMapOvr>
+</p:notes>
+</file>
+
+<file path=ppt/notesSlides/notesSlide6.xml><?xml version="1.0" encoding="utf-8"?>
 <p:notes xmlns:p="http://schemas.openxmlformats.org/presentationml/2006/main" xmlns:mc="http://schemas.openxmlformats.org/markup-compatibility/2006" xmlns:p14="http://schemas.microsoft.com/office/powerpoint/2010/main" xmlns:p15="http://schemas.microsoft.com/office/powerpoint/2012/main" xmlns:r="http://schemas.openxmlformats.org/officeDocument/2006/relationships" xmlns:a="http://schemas.openxmlformats.org/drawingml/2006/main" showMasterSp="0">
   <p:cSld>
     <p:bg>
@@ -1563,7 +2178,7 @@
             <a:spLocks noGrp="1" noChangeArrowheads="1"/>
             <a:extLst>
               <a:ext uri="smNativeData">
-                <pr:smNativeData xmlns:pr="smNativeData" xmlns="smNativeData" val="SMDATA_15_t6npZxMAAAAlAAAACwAAAA0AAAAAWAIAADgEAADYJwAAUBkAAAAAAAAAAAAAAAAAAAEAAABQAAAAAAAAAAAA4D8AAAAAAADgPwAAAAAAAOA/AAAAAAAA4D8AAAAAAADgPwAAAAAAAOA/AAAAAAAA4D8AAAAAAADgPwAAAAAAAOA/AAAAAAAA4D8CAAAAjAAAAAAAAAAAAAAAQoX0DP///wgAAAAAAAAAAAAAAAAAAAAAAAAAAAAAAAAAAAAAZAAAAAEAAABAAAAAAAAAAAAAAAAAAAAAAAAAAAAAAAAAAAAAAAAAAAAAAAAAAAAAAAAAAAAAAAAAAAAAAAAAAAAAAAAAAAAAAAAAAAAAAAAAAAAAAAAAAAAAAAAAAAAAFAAAADwAAAABAAAAAAAAAAAAAAAPAAAAAQAAACMAAAAjAAAAIwAAAB4AAAAAAAAASwAAAEsAAAAAAAAASwAAAEsAAAAVAAAAYAAAAAAAAAAAAAAADwAAACADAAAAAAAAAAAAAAEAAACgMgAAVgcAAKr4//8BAAAAf39/AAEAAABkAAAAAAAAABQAAABAHwAAAAAAACYAAAAAAAAAwOD//wAAAAAmAAAAZAAAABYAAABMAAAAAAAAAAAAAAAEAAAAAAAAAAEAAABZWVkKAAAAACgAAAAoAAAAZAAAAGQAAAAAAAAAzMzMAAAAAABQAAAAUAAAAGQAAABkAAAAAAAAABcAAAAUAAAAAAAAAAAAAAD/fwAA/38AAAAAAAAJAAAABAAAAAAAAAAeAAAAaAAAAAAAAAAAAAAAAAAAAAAAAAAAAAAAECcAABAnAAAAAAAAAAAAAAAAAAAAAAAAAAAAAAAAAAAAAAAAAAAAABQAAAAAAAAAwMD/AAAAAABkAAAAMgAAAAAAAABkAAAAAAAAAH9/fwAKAAAAIgAAABgAAAAAAAAAAAAAAAAAAAAAAAAAAAAAAAAAAAAkAAAAJAAAAAAAAAAHAAAAAAAAAAAAAAAAAAAAAAAAAAAAAAAAAAAAf39/ACUAAABYAAAAAAAAAAAAAAAAAAAAAAAAAAAAAAAAAAAAAAAAAAAAAAAAAAAAAAAAAAAAAAA/AAAAAAAAAKCGAQAAAAAAAAAAAAAAAAAMAAAAAQAAAAAAAAAAAAAAAAAAAB8AAABUAAAAAAAABQAAAAEAAAAAAAAAAAAAAAAAAAAAAAAAAAAAAAAAAAAAAAAAAAAAAAB/f38AAAAAA8zMzADAwP8Af39/AAAAAAAAAAAAAAAAAAAAAAAAAAAAIQAAABgAAAAUAAAAWAIAADgEAADYJwAAUBkAABAAAAAmAAAACAAAAAEPAAAAAAAA"/>
+                <pr:smNativeData xmlns:pr="smNativeData" xmlns="smNativeData" val="SMDATA_15_f8v4ZxMAAAAlAAAACwAAAA0AAAAAWAIAADgEAADYJwAAUBkAAAAAAAAAAAAAAAAAAAEAAABQAAAAAAAAAAAA4D8AAAAAAADgPwAAAAAAAOA/AAAAAAAA4D8AAAAAAADgPwAAAAAAAOA/AAAAAAAA4D8AAAAAAADgPwAAAAAAAOA/AAAAAAAA4D8CAAAAjAAAAAAAAAAAAAAAQoX0DP///wgAAAAAAAAAAAAAAAAAAAAAAAAAAAAAAAAAAAAAZAAAAAEAAABAAAAAAAAAAAAAAAAAAAAAAAAAAAAAAAAAAAAAAAAAAAAAAAAAAAAAAAAAAAAAAAAAAAAAAAAAAAAAAAAAAAAAAAAAAAAAAAAAAAAAAAAAAAAAAAAAAAAAFAAAADwAAAABAAAAAAAAAAAAAAAPAAAAAQAAACMAAAAjAAAAIwAAAB4AAAAAAAAASwAAAEsAAAAAAAAASwAAAEsAAAAVAAAAYAAAAAAAAAAAAAAADwAAACADAAAAAAAAAAAAAAEAAACgMgAAVgcAAKr4//8BAAAAf39/AAEAAABkAAAAAAAAABQAAABAHwAAAAAAACYAAAAAAAAAwOD//wAAAAAmAAAAZAAAABYAAABMAAAAAAAAAAAAAAAEAAAAAAAAAAEAAABZWVkKAAAAACgAAAAoAAAAZAAAAGQAAAAAAAAAzMzMAAAAAABQAAAAUAAAAGQAAABkAAAAAAAAABcAAAAUAAAAAAAAAAAAAAD/fwAA/38AAAAAAAAJAAAABAAAAF8AYAAeAAAAaAAAAAAAAAAAAAAAAAAAAAAAAAAAAAAAECcAABAnAAAAAAAAAAAAAAAAAAAAAAAAAAAAAAAAAAAAAAAAAAAAABQAAAAAAAAAwMD/AAAAAABkAAAAMgAAAAAAAABkAAAAAAAAAH9/fwAKAAAAIgAAABgAAAAAAAAAAAAAAAAAAAAAAAAAAAAAAAAAAAAkAAAAJAAAAAAAAAAHAAAAAAAAAAAAAAAAAAAAAAAAAAAAAAAAAAAAf39/ACUAAABYAAAAAAAAAAAAAAAAAAAAAAAAAAAAAAAAAAAAAAAAAAAAAAAAAAAAAAAAAAAAAAA/AAAAAAAAAKCGAQAAAAAAAAAAAAAAAAAMAAAAAQAAAAAAAAAAAAAAAAAAAB8AAABUAAAAAAAABQAAAAEAAAAAAAAAAAAAAAAAAAAAAAAAAAAAAAAAAAAAAAAAAAAAAAB/f38AAAAAA8zMzADAwP8Af39/AAAAAAAAAAAAAAAAAAAAAAAAAAAAIQAAABgAAAAUAAAAWAIAADgEAADYJwAAUBkAABAAAAAmAAAACAAAAAEPAAAAAAAA"/>
               </a:ext>
             </a:extLst>
           </p:cNvSpPr>
@@ -1609,7 +2224,7 @@
             <a:spLocks noGrp="1" noChangeArrowheads="1"/>
             <a:extLst>
               <a:ext uri="smNativeData">
-                <pr:smNativeData xmlns:pr="smNativeData" xmlns="smNativeData" val="SMDATA_15_t6npZxMAAAAlAAAAZAAAAA0AAAAAkAAAAJAAAACQAAAAkAAAAAAAAAAAAAAAAAAAAAEAAABQAAAAAAAAAAAA4D8AAAAAAADgPwAAAAAAAOA/AAAAAAAA4D8AAAAAAADgPwAAAAAAAOA/AAAAAAAA4D8AAAAAAADgPwAAAAAAAOA/AAAAAAAA4D8CAAAAjAAAAAAAAAAAAAAAQoX0DP///wgAAAAAAAAAAAAAAAAAAAAAAAAAAAAAAAAAAAAAZAAAAAEAAABAAAAAAAAAAAAAAAAAAAAAAAAAAAAAAAAAAAAAAAAAAAAAAAAAAAAAAAAAAAAAAAAAAAAAAAAAAAAAAAAAAAAAAAAAAAAAAAAAAAAAAAAAAAAAAAAAAAAAFAAAADwAAAAAAAAAAAAAAAAAAAkUAAAAAQAAABQAAAAUAAAAFAAAAAEAAAAAAAAAZAAAAGQAAAAAAAAAZAAAAGQAAAAVAAAAYAAAAAAAAAAAAAAADwAAACADAAAAAAAAAAAAAAEAAACgMgAAVgcAAKr4//8BAAAAf39/AAEAAABkAAAAAAAAABQAAABAHwAAAAAAACYAAAAAAAAAwOD//wAAAAAmAAAAZAAAABYAAABMAAAAAAAAAAAAAAAEAAAAAAAAAAEAAABZWVkKAAAAACgAAAAoAAAAZAAAAGQAAAAAAAAAzMzMAAAAAABQAAAAUAAAAGQAAABkAAAAAAAAABcAAAAUAAAAAAAAAAAAAAD/fwAA/38AAAAAAAAJAAAABAAAAAAAAAAeAAAAaAAAAAAAAAAAAAAAAAAAAAAAAAAAAAAAECcAABAnAAAAAAAAAAAAAAAAAAAAAAAAAAAAAAAAAAAAAAAAAAAAABQAAAAAAAAAwMD/AAAAAABkAAAAMgAAAAAAAABkAAAAAAAAAH9/fwAKAAAAIgAAABgAAAAAAAAAAAAAAAAAAAAAAAAAAAAAAAAAAAAkAAAAJAAAAAAAAAAHAAAAAAAAAAAAAAAAAAAAAAAAAAAAAAAAAAAAf39/ACUAAABYAAAAAAAAAAAAAAAAAAAAAAAAAAAAAAAAAAAAAAAAAAAAAAAAAAAAAAAAAAAAAAA/AAAAAAAAAKCGAQAAAAAAAAAAAAAAAAAMAAAAAQAAAAAAAAAAAAAAAAAAAB8AAABUAAAAAAAABQAAAAEAAAAAAAAAAAAAAAAAAAAAAAAAAAAAAAAAAAAAAAAAAAAAAAJ/f38AAAAAA8zMzADAwP8Af39/AAAAAAAAAAAAAAAAAAAAAAAAAAAAIQAAABgAAAAUAAAAOAQAALgaAAD4JQAACDQAABAAAAAmAAAACAAAAL0/AAAAAAAA"/>
+                <pr:smNativeData xmlns:pr="smNativeData" xmlns="smNativeData" val="SMDATA_15_f8v4ZxMAAAAlAAAAZAAAAA0AAAAAkAAAAJAAAACQAAAAkAAAAAAAAAAAAAAAAAAAAAEAAABQAAAAAAAAAAAA4D8AAAAAAADgPwAAAAAAAOA/AAAAAAAA4D8AAAAAAADgPwAAAAAAAOA/AAAAAAAA4D8AAAAAAADgPwAAAAAAAOA/AAAAAAAA4D8CAAAAjAAAAAAAAAAAAAAAQoX0DP///wgAAAAAAAAAAAAAAAAAAAAAAAAAAAAAAAAAAAAAZAAAAAEAAABAAAAAAAAAAAAAAAAAAAAAAAAAAAAAAAAAAAAAAAAAAAAAAAAAAAAAAAAAAAAAAAAAAAAAAAAAAAAAAAAAAAAAAAAAAAAAAAAAAAAAAAAAAAAAAAAAAAAAFAAAADwAAAAAAAAAAAAAAAAAAAkUAAAAAQAAABQAAAAUAAAAFAAAAAEAAAAAAAAAZAAAAGQAAAAAAAAAZAAAAGQAAAAVAAAAYAAAAAAAAAAAAAAADwAAACADAAAAAAAAAAAAAAEAAACgMgAAVgcAAKr4//8BAAAAf39/AAEAAABkAAAAAAAAABQAAABAHwAAAAAAACYAAAAAAAAAwOD//wAAAAAmAAAAZAAAABYAAABMAAAAAAAAAAAAAAAEAAAAAAAAAAEAAABZWVkKAAAAACgAAAAoAAAAZAAAAGQAAAAAAAAAzMzMAAAAAABQAAAAUAAAAGQAAABkAAAAAAAAABcAAAAUAAAAAAAAAAAAAAD/fwAA/38AAAAAAAAJAAAABAAAAAEAAAAeAAAAaAAAAAAAAAAAAAAAAAAAAAAAAAAAAAAAECcAABAnAAAAAAAAAAAAAAAAAAAAAAAAAAAAAAAAAAAAAAAAAAAAABQAAAAAAAAAwMD/AAAAAABkAAAAMgAAAAAAAABkAAAAAAAAAH9/fwAKAAAAIgAAABgAAAAAAAAAAAAAAAAAAAAAAAAAAAAAAAAAAAAkAAAAJAAAAAAAAAAHAAAAAAAAAAAAAAAAAAAAAAAAAAAAAAAAAAAAf39/ACUAAABYAAAAAAAAAAAAAAAAAAAAAAAAAAAAAAAAAAAAAAAAAAAAAAAAAAAAAAAAAAAAAAA/AAAAAAAAAKCGAQAAAAAAAAAAAAAAAAAMAAAAAQAAAAAAAAAAAAAAAAAAAB8AAABUAAAAAAAABQAAAAEAAAAAAAAAAAAAAAAAAAAAAAAAAAAAAAAAAAAAAAAAAAAAAAJ/f38AAAAAA8zMzADAwP8Af39/AAAAAAAAAAAAAAAAAAAAAAAAAAAAIQAAABgAAAAUAAAAOAQAALgaAAD4JQAACDQAABAAAAAmAAAACAAAAL0/AAAAAAAA"/>
               </a:ext>
             </a:extLst>
           </p:cNvSpPr>
@@ -1654,499 +2269,7 @@
 </p:notes>
 </file>
 
-<file path=ppt/notesSlides/notesSlide2.xml><?xml version="1.0" encoding="utf-8"?>
-<p:notes xmlns:p="http://schemas.openxmlformats.org/presentationml/2006/main" xmlns:mc="http://schemas.openxmlformats.org/markup-compatibility/2006" xmlns:p14="http://schemas.microsoft.com/office/powerpoint/2010/main" xmlns:p15="http://schemas.microsoft.com/office/powerpoint/2012/main" xmlns:r="http://schemas.openxmlformats.org/officeDocument/2006/relationships" xmlns:a="http://schemas.openxmlformats.org/drawingml/2006/main" showMasterSp="0">
-  <p:cSld>
-    <p:bg>
-      <p:bgPr>
-        <a:solidFill>
-          <a:schemeClr val="bg1"/>
-        </a:solidFill>
-        <a:effectLst/>
-      </p:bgPr>
-    </p:bg>
-    <p:spTree>
-      <p:nvGrpSpPr>
-        <p:cNvPr id="1" name=""/>
-        <p:cNvGrpSpPr/>
-        <p:nvPr/>
-      </p:nvGrpSpPr>
-      <p:grpSpPr>
-        <a:xfrm>
-          <a:off x="0" y="0"/>
-          <a:ext cx="0" cy="0"/>
-          <a:chOff x="0" y="0"/>
-          <a:chExt cx="0" cy="0"/>
-        </a:xfrm>
-      </p:grpSpPr>
-      <p:sp>
-        <p:nvSpPr>
-          <p:cNvPr id="2" name="Google Shape;160;gde823becd0_0_40:notes"/>
-          <p:cNvSpPr>
-            <a:spLocks noGrp="1" noChangeArrowheads="1"/>
-            <a:extLst>
-              <a:ext uri="smNativeData">
-                <pr:smNativeData xmlns:pr="smNativeData" xmlns="smNativeData" val="SMDATA_15_t6npZxMAAAAlAAAACwAAAA0AAAAAWAIAADgEAADYJwAAUBkAAAAAAAAAAAAAAAAAAAEAAABQAAAAAAAAAAAA4D8AAAAAAADgPwAAAAAAAOA/AAAAAAAA4D8AAAAAAADgPwAAAAAAAOA/AAAAAAAA4D8AAAAAAADgPwAAAAAAAOA/AAAAAAAA4D8CAAAAjAAAAAAAAAAAAAAAQoX0DP///wgAAAAAAAAAAAAAAAAAAAAAAAAAAAAAAAAAAAAAZAAAAAEAAABAAAAAAAAAAAAAAAAAAAAAAAAAAAAAAAAAAAAAAAAAAAAAAAAAAAAAAAAAAAAAAAAAAAAAAAAAAAAAAAAAAAAAAAAAAAAAAAAAAAAAAAAAAAAAAAAAAAAAFAAAADwAAAABAAAAAAAAAAAAAAAPAAAAAQAAACMAAAAjAAAAIwAAAB4AAAAAAAAASwAAAEsAAAAAAAAASwAAAEsAAAAVAAAAYAAAAAAAAAAAAAAADwAAACADAAAAAAAAAAAAAAEAAACgMgAAVgcAAKr4//8BAAAAf39/AAEAAABkAAAAAAAAABQAAABAHwAAAAAAACYAAAAAAAAAwOD//wAAAAAmAAAAZAAAABYAAABMAAAAAAAAAAAAAAAEAAAAAAAAAAEAAABZWVkKAAAAACgAAAAoAAAAZAAAAGQAAAAAAAAAzMzMAAAAAABQAAAAUAAAAGQAAABkAAAAAAAAABcAAAAUAAAAAAAAAAAAAAD/fwAA/38AAAAAAAAJAAAABAAAAAAAAAAeAAAAaAAAAAAAAAAAAAAAAAAAAAAAAAAAAAAAECcAABAnAAAAAAAAAAAAAAAAAAAAAAAAAAAAAAAAAAAAAAAAAAAAABQAAAAAAAAAwMD/AAAAAABkAAAAMgAAAAAAAABkAAAAAAAAAH9/fwAKAAAAIgAAABgAAAAAAAAAAAAAAAAAAAAAAAAAAAAAAAAAAAAkAAAAJAAAAAAAAAAHAAAAAAAAAAAAAAAAAAAAAAAAAAAAAAAAAAAAf39/ACUAAABYAAAAAAAAAAAAAAAAAAAAAAAAAAAAAAAAAAAAAAAAAAAAAAAAAAAAAAAAAAAAAAA/AAAAAAAAAKCGAQAAAAAAAAAAAAAAAAAMAAAAAQAAAAAAAAAAAAAAAAAAAB8AAABUAAAAAAAABQAAAAEAAAAAAAAAAAAAAAAAAAAAAAAAAAAAAAAAAAAAAAAAAAAAAAB/f38AAAAAA8zMzADAwP8Af39/AAAAAAAAAAAAAAAAAAAAAAAAAAAAIQAAABgAAAAUAAAAWAIAADgEAADYJwAAUBkAABAAAAAmAAAACAAAAAEPAAAAAAAA"/>
-              </a:ext>
-            </a:extLst>
-          </p:cNvSpPr>
-          <p:nvPr>
-            <p:ph type="sldImg" idx="2"/>
-          </p:nvPr>
-        </p:nvSpPr>
-        <p:spPr>
-          <a:xfrm>
-            <a:off x="381000" y="685800"/>
-            <a:ext cx="6096000" cy="3429000"/>
-          </a:xfrm>
-          <a:custGeom>
-            <a:avLst/>
-            <a:gdLst/>
-            <a:ahLst/>
-            <a:cxnLst/>
-            <a:rect l="0" t="0" r="6096000" b="3429000"/>
-            <a:pathLst>
-              <a:path w="6096000" h="3429000" fill="none" extrusionOk="0">
-                <a:moveTo>
-                  <a:pt x="0" y="0"/>
-                </a:moveTo>
-                <a:lnTo>
-                  <a:pt x="6096000" y="0"/>
-                </a:lnTo>
-                <a:lnTo>
-                  <a:pt x="6096000" y="3429000"/>
-                </a:lnTo>
-                <a:lnTo>
-                  <a:pt x="0" y="3429000"/>
-                </a:lnTo>
-                <a:close/>
-              </a:path>
-            </a:pathLst>
-          </a:custGeom>
-        </p:spPr>
-      </p:sp>
-      <p:sp>
-        <p:nvSpPr>
-          <p:cNvPr id="3" name="Google Shape;161;gde823becd0_0_40:notes"/>
-          <p:cNvSpPr>
-            <a:spLocks noGrp="1" noChangeArrowheads="1"/>
-            <a:extLst>
-              <a:ext uri="smNativeData">
-                <pr:smNativeData xmlns:pr="smNativeData" xmlns="smNativeData" val="SMDATA_15_t6npZxMAAAAlAAAAZAAAAA0AAAAAkAAAAJAAAACQAAAAkAAAAAAAAAAAAAAAAAAAAAEAAABQAAAAAAAAAAAA4D8AAAAAAADgPwAAAAAAAOA/AAAAAAAA4D8AAAAAAADgPwAAAAAAAOA/AAAAAAAA4D8AAAAAAADgPwAAAAAAAOA/AAAAAAAA4D8CAAAAjAAAAAAAAAAAAAAAQoX0DP///wgAAAAAAAAAAAAAAAAAAAAAAAAAAAAAAAAAAAAAZAAAAAEAAABAAAAAAAAAAAAAAAAAAAAAAAAAAAAAAAAAAAAAAAAAAAAAAAAAAAAAAAAAAAAAAAAAAAAAAAAAAAAAAAAAAAAAAAAAAAAAAAAAAAAAAAAAAAAAAAAAAAAAFAAAADwAAAAAAAAAAAAAAAAAAAkUAAAAAQAAABQAAAAUAAAAFAAAAAEAAAAAAAAAZAAAAGQAAAAAAAAAZAAAAGQAAAAVAAAAYAAAAAAAAAAAAAAADwAAACADAAAAAAAAAAAAAAEAAACgMgAAVgcAAKr4//8BAAAAf39/AAEAAABkAAAAAAAAABQAAABAHwAAAAAAACYAAAAAAAAAwOD//wAAAAAmAAAAZAAAABYAAABMAAAAAAAAAAAAAAAEAAAAAAAAAAEAAABZWVkKAAAAACgAAAAoAAAAZAAAAGQAAAAAAAAAzMzMAAAAAABQAAAAUAAAAGQAAABkAAAAAAAAABcAAAAUAAAAAAAAAAAAAAD/fwAA/38AAAAAAAAJAAAABAAAAAAAAAAeAAAAaAAAAAAAAAAAAAAAAAAAAAAAAAAAAAAAECcAABAnAAAAAAAAAAAAAAAAAAAAAAAAAAAAAAAAAAAAAAAAAAAAABQAAAAAAAAAwMD/AAAAAABkAAAAMgAAAAAAAABkAAAAAAAAAH9/fwAKAAAAIgAAABgAAAAAAAAAAAAAAAAAAAAAAAAAAAAAAAAAAAAkAAAAJAAAAAAAAAAHAAAAAAAAAAAAAAAAAAAAAAAAAAAAAAAAAAAAf39/ACUAAABYAAAAAAAAAAAAAAAAAAAAAAAAAAAAAAAAAAAAAAAAAAAAAAAAAAAAAAAAAAAAAAA/AAAAAAAAAKCGAQAAAAAAAAAAAAAAAAAMAAAAAQAAAAAAAAAAAAAAAAAAAB8AAABUAAAAAAAABQAAAAEAAAAAAAAAAAAAAAAAAAAAAAAAAAAAAAAAAAAAAAAAAAAAAAJ/f38AAAAAA8zMzADAwP8Af39/AAAAAAAAAAAAAAAAAAAAAAAAAAAAIQAAABgAAAAUAAAAOAQAALgaAAD4JQAACDQAABAAAAAmAAAACAAAAL0/AAAAAAAA"/>
-              </a:ext>
-            </a:extLst>
-          </p:cNvSpPr>
-          <p:nvPr>
-            <p:ph type="body" idx="1"/>
-          </p:nvPr>
-        </p:nvSpPr>
-        <p:spPr>
-          <a:xfrm>
-            <a:off x="685800" y="4343400"/>
-            <a:ext cx="5486400" cy="4114800"/>
-          </a:xfrm>
-          <a:prstGeom prst="rect">
-            <a:avLst/>
-          </a:prstGeom>
-        </p:spPr>
-        <p:txBody>
-          <a:bodyPr vert="horz" wrap="square" lIns="91440" tIns="91440" rIns="91440" bIns="91440" numCol="1" spcCol="215900" anchor="t">
-            <a:prstTxWarp prst="textNoShape">
-              <a:avLst/>
-            </a:prstTxWarp>
-          </a:bodyPr>
-          <a:lstStyle/>
-          <a:p>
-            <a:pPr marL="0" indent="0" algn="l">
-              <a:spcBef>
-                <a:spcPts val="0"/>
-              </a:spcBef>
-              <a:spcAft>
-                <a:spcPts val="0"/>
-              </a:spcAft>
-              <a:buNone/>
-            </a:pPr>
-          </a:p>
-        </p:txBody>
-      </p:sp>
-    </p:spTree>
-  </p:cSld>
-  <p:clrMapOvr>
-    <a:masterClrMapping/>
-  </p:clrMapOvr>
-</p:notes>
-</file>
-
-<file path=ppt/notesSlides/notesSlide3.xml><?xml version="1.0" encoding="utf-8"?>
-<p:notes xmlns:p="http://schemas.openxmlformats.org/presentationml/2006/main" xmlns:mc="http://schemas.openxmlformats.org/markup-compatibility/2006" xmlns:p14="http://schemas.microsoft.com/office/powerpoint/2010/main" xmlns:p15="http://schemas.microsoft.com/office/powerpoint/2012/main" xmlns:r="http://schemas.openxmlformats.org/officeDocument/2006/relationships" xmlns:a="http://schemas.openxmlformats.org/drawingml/2006/main" showMasterSp="0">
-  <p:cSld>
-    <p:bg>
-      <p:bgPr>
-        <a:solidFill>
-          <a:schemeClr val="bg1"/>
-        </a:solidFill>
-        <a:effectLst/>
-      </p:bgPr>
-    </p:bg>
-    <p:spTree>
-      <p:nvGrpSpPr>
-        <p:cNvPr id="1" name=""/>
-        <p:cNvGrpSpPr/>
-        <p:nvPr/>
-      </p:nvGrpSpPr>
-      <p:grpSpPr>
-        <a:xfrm>
-          <a:off x="0" y="0"/>
-          <a:ext cx="0" cy="0"/>
-          <a:chOff x="0" y="0"/>
-          <a:chExt cx="0" cy="0"/>
-        </a:xfrm>
-      </p:grpSpPr>
-      <p:sp>
-        <p:nvSpPr>
-          <p:cNvPr id="2" name="Google Shape;168;g30f7d84ce1d_0_256:notes"/>
-          <p:cNvSpPr>
-            <a:spLocks noGrp="1" noChangeArrowheads="1"/>
-            <a:extLst>
-              <a:ext uri="smNativeData">
-                <pr:smNativeData xmlns:pr="smNativeData" xmlns="smNativeData" val="SMDATA_15_t6npZxMAAAAlAAAACwAAAA0AAAAAWAIAADgEAADYJwAAUBkAAAAAAAAAAAAAAAAAAAEAAABQAAAAAAAAAAAA4D8AAAAAAADgPwAAAAAAAOA/AAAAAAAA4D8AAAAAAADgPwAAAAAAAOA/AAAAAAAA4D8AAAAAAADgPwAAAAAAAOA/AAAAAAAA4D8CAAAAjAAAAAAAAAAAAAAAQoX0DP///wgAAAAAAAAAAAAAAAAAAAAAAAAAAAAAAAAAAAAAZAAAAAEAAABAAAAAAAAAAAAAAAAAAAAAAAAAAAAAAAAAAAAAAAAAAAAAAAAAAAAAAAAAAAAAAAAAAAAAAAAAAAAAAAAAAAAAAAAAAAAAAAAAAAAAAAAAAAAAAAAAAAAAFAAAADwAAAABAAAAAAAAAAAAAAAPAAAAAQAAACMAAAAjAAAAIwAAAB4AAAAAAAAASwAAAEsAAAAAAAAASwAAAEsAAAAVAAAAYAAAAAAAAAAAAAAADwAAACADAAAAAAAAAAAAAAEAAACgMgAAVgcAAKr4//8BAAAAf39/AAEAAABkAAAAAAAAABQAAABAHwAAAAAAACYAAAAAAAAAwOD//wAAAAAmAAAAZAAAABYAAABMAAAAAAAAAAAAAAAEAAAAAAAAAAEAAABZWVkKAAAAACgAAAAoAAAAZAAAAGQAAAAAAAAAzMzMAAAAAABQAAAAUAAAAGQAAABkAAAAAAAAABcAAAAUAAAAAAAAAAAAAAD/fwAA/38AAAAAAAAJAAAABAAAAAAAAAAeAAAAaAAAAAAAAAAAAAAAAAAAAAAAAAAAAAAAECcAABAnAAAAAAAAAAAAAAAAAAAAAAAAAAAAAAAAAAAAAAAAAAAAABQAAAAAAAAAwMD/AAAAAABkAAAAMgAAAAAAAABkAAAAAAAAAH9/fwAKAAAAIgAAABgAAAAAAAAAAAAAAAAAAAAAAAAAAAAAAAAAAAAkAAAAJAAAAAAAAAAHAAAAAAAAAAAAAAAAAAAAAAAAAAAAAAAAAAAAf39/ACUAAABYAAAAAAAAAAAAAAAAAAAAAAAAAAAAAAAAAAAAAAAAAAAAAAAAAAAAAAAAAAAAAAA/AAAAAAAAAKCGAQAAAAAAAAAAAAAAAAAMAAAAAQAAAAAAAAAAAAAAAAAAAB8AAABUAAAAAAAABQAAAAEAAAAAAAAAAAAAAAAAAAAAAAAAAAAAAAAAAAAAAAAAAAAAAAB/f38AAAAAA8zMzADAwP8Af39/AAAAAAAAAAAAAAAAAAAAAAAAAAAAIQAAABgAAAAUAAAAWAIAADgEAADYJwAAUBkAABAAAAAmAAAACAAAAAEPAAAAAAAA"/>
-              </a:ext>
-            </a:extLst>
-          </p:cNvSpPr>
-          <p:nvPr>
-            <p:ph type="sldImg" idx="2"/>
-          </p:nvPr>
-        </p:nvSpPr>
-        <p:spPr>
-          <a:xfrm>
-            <a:off x="381000" y="685800"/>
-            <a:ext cx="6096000" cy="3429000"/>
-          </a:xfrm>
-          <a:custGeom>
-            <a:avLst/>
-            <a:gdLst/>
-            <a:ahLst/>
-            <a:cxnLst/>
-            <a:rect l="0" t="0" r="6096000" b="3429000"/>
-            <a:pathLst>
-              <a:path w="6096000" h="3429000" fill="none" extrusionOk="0">
-                <a:moveTo>
-                  <a:pt x="0" y="0"/>
-                </a:moveTo>
-                <a:lnTo>
-                  <a:pt x="6096000" y="0"/>
-                </a:lnTo>
-                <a:lnTo>
-                  <a:pt x="6096000" y="3429000"/>
-                </a:lnTo>
-                <a:lnTo>
-                  <a:pt x="0" y="3429000"/>
-                </a:lnTo>
-                <a:close/>
-              </a:path>
-            </a:pathLst>
-          </a:custGeom>
-        </p:spPr>
-      </p:sp>
-      <p:sp>
-        <p:nvSpPr>
-          <p:cNvPr id="3" name="Google Shape;169;g30f7d84ce1d_0_256:notes"/>
-          <p:cNvSpPr>
-            <a:spLocks noGrp="1" noChangeArrowheads="1"/>
-            <a:extLst>
-              <a:ext uri="smNativeData">
-                <pr:smNativeData xmlns:pr="smNativeData" xmlns="smNativeData" val="SMDATA_15_t6npZxMAAAAlAAAAZAAAAA0AAAAAkAAAAJAAAACQAAAAkAAAAAAAAAAAAAAAAAAAAAEAAABQAAAAAAAAAAAA4D8AAAAAAADgPwAAAAAAAOA/AAAAAAAA4D8AAAAAAADgPwAAAAAAAOA/AAAAAAAA4D8AAAAAAADgPwAAAAAAAOA/AAAAAAAA4D8CAAAAjAAAAAAAAAAAAAAAQoX0DP///wgAAAAAAAAAAAAAAAAAAAAAAAAAAAAAAAAAAAAAZAAAAAEAAABAAAAAAAAAAAAAAAAAAAAAAAAAAAAAAAAAAAAAAAAAAAAAAAAAAAAAAAAAAAAAAAAAAAAAAAAAAAAAAAAAAAAAAAAAAAAAAAAAAAAAAAAAAAAAAAAAAAAAFAAAADwAAAAAAAAAAAAAAAAAAAkUAAAAAQAAABQAAAAUAAAAFAAAAAEAAAAAAAAAZAAAAGQAAAAAAAAAZAAAAGQAAAAVAAAAYAAAAAAAAAAAAAAADwAAACADAAAAAAAAAAAAAAEAAACgMgAAVgcAAKr4//8BAAAAf39/AAEAAABkAAAAAAAAABQAAABAHwAAAAAAACYAAAAAAAAAwOD//wAAAAAmAAAAZAAAABYAAABMAAAAAAAAAAAAAAAEAAAAAAAAAAEAAABZWVkKAAAAACgAAAAoAAAAZAAAAGQAAAAAAAAAzMzMAAAAAABQAAAAUAAAAGQAAABkAAAAAAAAABcAAAAUAAAAAAAAAAAAAAD/fwAA/38AAAAAAAAJAAAABAAAAAAAAAAeAAAAaAAAAAAAAAAAAAAAAAAAAAAAAAAAAAAAECcAABAnAAAAAAAAAAAAAAAAAAAAAAAAAAAAAAAAAAAAAAAAAAAAABQAAAAAAAAAwMD/AAAAAABkAAAAMgAAAAAAAABkAAAAAAAAAH9/fwAKAAAAIgAAABgAAAAAAAAAAAAAAAAAAAAAAAAAAAAAAAAAAAAkAAAAJAAAAAAAAAAHAAAAAAAAAAAAAAAAAAAAAAAAAAAAAAAAAAAAf39/ACUAAABYAAAAAAAAAAAAAAAAAAAAAAAAAAAAAAAAAAAAAAAAAAAAAAAAAAAAAAAAAAAAAAA/AAAAAAAAAKCGAQAAAAAAAAAAAAAAAAAMAAAAAQAAAAAAAAAAAAAAAAAAAB8AAABUAAAAAAAABQAAAAEAAAAAAAAAAAAAAAAAAAAAAAAAAAAAAAAAAAAAAAAAAAAAAAJ/f38AAAAAA8zMzADAwP8Af39/AAAAAAAAAAAAAAAAAAAAAAAAAAAAIQAAABgAAAAUAAAAOAQAALgaAAD4JQAACDQAABAAAAAmAAAACAAAAL0/AAAAAAAA"/>
-              </a:ext>
-            </a:extLst>
-          </p:cNvSpPr>
-          <p:nvPr>
-            <p:ph type="body" idx="1"/>
-          </p:nvPr>
-        </p:nvSpPr>
-        <p:spPr>
-          <a:xfrm>
-            <a:off x="685800" y="4343400"/>
-            <a:ext cx="5486400" cy="4114800"/>
-          </a:xfrm>
-          <a:prstGeom prst="rect">
-            <a:avLst/>
-          </a:prstGeom>
-        </p:spPr>
-        <p:txBody>
-          <a:bodyPr vert="horz" wrap="square" lIns="91440" tIns="91440" rIns="91440" bIns="91440" numCol="1" spcCol="215900" anchor="t">
-            <a:prstTxWarp prst="textNoShape">
-              <a:avLst/>
-            </a:prstTxWarp>
-          </a:bodyPr>
-          <a:lstStyle/>
-          <a:p>
-            <a:pPr marL="0" indent="0" algn="l">
-              <a:spcBef>
-                <a:spcPts val="0"/>
-              </a:spcBef>
-              <a:spcAft>
-                <a:spcPts val="0"/>
-              </a:spcAft>
-              <a:buNone/>
-            </a:pPr>
-          </a:p>
-        </p:txBody>
-      </p:sp>
-    </p:spTree>
-  </p:cSld>
-  <p:clrMapOvr>
-    <a:masterClrMapping/>
-  </p:clrMapOvr>
-</p:notes>
-</file>
-
-<file path=ppt/notesSlides/notesSlide4.xml><?xml version="1.0" encoding="utf-8"?>
-<p:notes xmlns:p="http://schemas.openxmlformats.org/presentationml/2006/main" xmlns:mc="http://schemas.openxmlformats.org/markup-compatibility/2006" xmlns:p14="http://schemas.microsoft.com/office/powerpoint/2010/main" xmlns:p15="http://schemas.microsoft.com/office/powerpoint/2012/main" xmlns:r="http://schemas.openxmlformats.org/officeDocument/2006/relationships" xmlns:a="http://schemas.openxmlformats.org/drawingml/2006/main" showMasterSp="0">
-  <p:cSld>
-    <p:bg>
-      <p:bgPr>
-        <a:solidFill>
-          <a:schemeClr val="bg1"/>
-        </a:solidFill>
-        <a:effectLst/>
-      </p:bgPr>
-    </p:bg>
-    <p:spTree>
-      <p:nvGrpSpPr>
-        <p:cNvPr id="1" name=""/>
-        <p:cNvGrpSpPr/>
-        <p:nvPr/>
-      </p:nvGrpSpPr>
-      <p:grpSpPr>
-        <a:xfrm>
-          <a:off x="0" y="0"/>
-          <a:ext cx="0" cy="0"/>
-          <a:chOff x="0" y="0"/>
-          <a:chExt cx="0" cy="0"/>
-        </a:xfrm>
-      </p:grpSpPr>
-      <p:sp>
-        <p:nvSpPr>
-          <p:cNvPr id="2" name="Google Shape;182;gf98075b259_0_20:notes"/>
-          <p:cNvSpPr>
-            <a:spLocks noGrp="1" noChangeArrowheads="1"/>
-            <a:extLst>
-              <a:ext uri="smNativeData">
-                <pr:smNativeData xmlns:pr="smNativeData" xmlns="smNativeData" val="SMDATA_15_t6npZxMAAAAlAAAACwAAAA0AAAAAWAIAADgEAADYJwAAUBkAAAAAAAAAAAAAAAAAAAEAAABQAAAAAAAAAAAA4D8AAAAAAADgPwAAAAAAAOA/AAAAAAAA4D8AAAAAAADgPwAAAAAAAOA/AAAAAAAA4D8AAAAAAADgPwAAAAAAAOA/AAAAAAAA4D8CAAAAjAAAAAAAAAAAAAAAQoX0DP///wgAAAAAAAAAAAAAAAAAAAAAAAAAAAAAAAAAAAAAZAAAAAEAAABAAAAAAAAAAAAAAAAAAAAAAAAAAAAAAAAAAAAAAAAAAAAAAAAAAAAAAAAAAAAAAAAAAAAAAAAAAAAAAAAAAAAAAAAAAAAAAAAAAAAAAAAAAAAAAAAAAAAAFAAAADwAAAABAAAAAAAAAAAAAAAPAAAAAQAAACMAAAAjAAAAIwAAAB4AAAAAAAAASwAAAEsAAAAAAAAASwAAAEsAAAAVAAAAYAAAAAAAAAAAAAAADwAAACADAAAAAAAAAAAAAAEAAACgMgAAVgcAAKr4//8BAAAAf39/AAEAAABkAAAAAAAAABQAAABAHwAAAAAAACYAAAAAAAAAwOD//wAAAAAmAAAAZAAAABYAAABMAAAAAAAAAAAAAAAEAAAAAAAAAAEAAABZWVkKAAAAACgAAAAoAAAAZAAAAGQAAAAAAAAAzMzMAAAAAABQAAAAUAAAAGQAAABkAAAAAAAAABcAAAAUAAAAAAAAAAAAAAD/fwAA/38AAAAAAAAJAAAABAAAAD4CAAAeAAAAaAAAAAAAAAAAAAAAAAAAAAAAAAAAAAAAECcAABAnAAAAAAAAAAAAAAAAAAAAAAAAAAAAAAAAAAAAAAAAAAAAABQAAAAAAAAAwMD/AAAAAABkAAAAMgAAAAAAAABkAAAAAAAAAH9/fwAKAAAAIgAAABgAAAAAAAAAAAAAAAAAAAAAAAAAAAAAAAAAAAAkAAAAJAAAAAAAAAAHAAAAAAAAAAAAAAAAAAAAAAAAAAAAAAAAAAAAf39/ACUAAABYAAAAAAAAAAAAAAAAAAAAAAAAAAAAAAAAAAAAAAAAAAAAAAAAAAAAAAAAAAAAAAA/AAAAAAAAAKCGAQAAAAAAAAAAAAAAAAAMAAAAAQAAAAAAAAAAAAAAAAAAAB8AAABUAAAAAAAABQAAAAEAAAAAAAAAAAAAAAAAAAAAAAAAAAAAAAAAAAAAAAAAAAAAAAB/f38AAAAAA8zMzADAwP8Af39/AAAAAAAAAAAAAAAAAAAAAAAAAAAAIQAAABgAAAAUAAAAWAIAADgEAADYJwAAUBkAABAAAAAmAAAACAAAAAEPAAAAAAAA"/>
-              </a:ext>
-            </a:extLst>
-          </p:cNvSpPr>
-          <p:nvPr>
-            <p:ph type="sldImg" idx="2"/>
-          </p:nvPr>
-        </p:nvSpPr>
-        <p:spPr>
-          <a:xfrm>
-            <a:off x="381000" y="685800"/>
-            <a:ext cx="6096000" cy="3429000"/>
-          </a:xfrm>
-          <a:custGeom>
-            <a:avLst/>
-            <a:gdLst/>
-            <a:ahLst/>
-            <a:cxnLst/>
-            <a:rect l="0" t="0" r="6096000" b="3429000"/>
-            <a:pathLst>
-              <a:path w="6096000" h="3429000" fill="none" extrusionOk="0">
-                <a:moveTo>
-                  <a:pt x="0" y="0"/>
-                </a:moveTo>
-                <a:lnTo>
-                  <a:pt x="6096000" y="0"/>
-                </a:lnTo>
-                <a:lnTo>
-                  <a:pt x="6096000" y="3429000"/>
-                </a:lnTo>
-                <a:lnTo>
-                  <a:pt x="0" y="3429000"/>
-                </a:lnTo>
-                <a:close/>
-              </a:path>
-            </a:pathLst>
-          </a:custGeom>
-        </p:spPr>
-      </p:sp>
-      <p:sp>
-        <p:nvSpPr>
-          <p:cNvPr id="3" name="Google Shape;183;gf98075b259_0_20:notes"/>
-          <p:cNvSpPr>
-            <a:spLocks noGrp="1" noChangeArrowheads="1"/>
-            <a:extLst>
-              <a:ext uri="smNativeData">
-                <pr:smNativeData xmlns:pr="smNativeData" xmlns="smNativeData" val="SMDATA_15_t6npZxMAAAAlAAAAZAAAAA0AAAAAkAAAAJAAAACQAAAAkAAAAAAAAAAAAAAAAAAAAAEAAABQAAAAAAAAAAAA4D8AAAAAAADgPwAAAAAAAOA/AAAAAAAA4D8AAAAAAADgPwAAAAAAAOA/AAAAAAAA4D8AAAAAAADgPwAAAAAAAOA/AAAAAAAA4D8CAAAAjAAAAAAAAAAAAAAAQoX0DP///wgAAAAAAAAAAAAAAAAAAAAAAAAAAAAAAAAAAAAAZAAAAAEAAABAAAAAAAAAAAAAAAAAAAAAAAAAAAAAAAAAAAAAAAAAAAAAAAAAAAAAAAAAAAAAAAAAAAAAAAAAAAAAAAAAAAAAAAAAAAAAAAAAAAAAAAAAAAAAAAAAAAAAFAAAADwAAAAAAAAAAAAAAAAAAAkUAAAAAQAAABQAAAAUAAAAFAAAAAEAAAAAAAAAZAAAAGQAAAAAAAAAZAAAAGQAAAAVAAAAYAAAAAAAAAAAAAAADwAAACADAAAAAAAAAAAAAAEAAACgMgAAVgcAAKr4//8BAAAAf39/AAEAAABkAAAAAAAAABQAAABAHwAAAAAAACYAAAAAAAAAwOD//wAAAAAmAAAAZAAAABYAAABMAAAAAAAAAAAAAAAEAAAAAAAAAAEAAABZWVkKAAAAACgAAAAoAAAAZAAAAGQAAAAAAAAAzMzMAAAAAABQAAAAUAAAAGQAAABkAAAAAAAAABcAAAAUAAAAAAAAAAAAAAD/fwAA/38AAAAAAAAJAAAABAAAAAAAAAAeAAAAaAAAAAAAAAAAAAAAAAAAAAAAAAAAAAAAECcAABAnAAAAAAAAAAAAAAAAAAAAAAAAAAAAAAAAAAAAAAAAAAAAABQAAAAAAAAAwMD/AAAAAABkAAAAMgAAAAAAAABkAAAAAAAAAH9/fwAKAAAAIgAAABgAAAAAAAAAAAAAAAAAAAAAAAAAAAAAAAAAAAAkAAAAJAAAAAAAAAAHAAAAAAAAAAAAAAAAAAAAAAAAAAAAAAAAAAAAf39/ACUAAABYAAAAAAAAAAAAAAAAAAAAAAAAAAAAAAAAAAAAAAAAAAAAAAAAAAAAAAAAAAAAAAA/AAAAAAAAAKCGAQAAAAAAAAAAAAAAAAAMAAAAAQAAAAAAAAAAAAAAAAAAAB8AAABUAAAAAAAABQAAAAEAAAAAAAAAAAAAAAAAAAAAAAAAAAAAAAAAAAAAAAAAAAAAAAJ/f38AAAAAA8zMzADAwP8Af39/AAAAAAAAAAAAAAAAAAAAAAAAAAAAIQAAABgAAAAUAAAAOAQAALgaAAD4JQAACDQAABAAAAAmAAAACAAAAL0/AAAAAAAA"/>
-              </a:ext>
-            </a:extLst>
-          </p:cNvSpPr>
-          <p:nvPr>
-            <p:ph type="body" idx="1"/>
-          </p:nvPr>
-        </p:nvSpPr>
-        <p:spPr>
-          <a:xfrm>
-            <a:off x="685800" y="4343400"/>
-            <a:ext cx="5486400" cy="4114800"/>
-          </a:xfrm>
-          <a:prstGeom prst="rect">
-            <a:avLst/>
-          </a:prstGeom>
-        </p:spPr>
-        <p:txBody>
-          <a:bodyPr vert="horz" wrap="square" lIns="91440" tIns="91440" rIns="91440" bIns="91440" numCol="1" spcCol="215900" anchor="t">
-            <a:prstTxWarp prst="textNoShape">
-              <a:avLst/>
-            </a:prstTxWarp>
-          </a:bodyPr>
-          <a:lstStyle/>
-          <a:p>
-            <a:pPr marL="0" indent="0" algn="l">
-              <a:spcBef>
-                <a:spcPts val="0"/>
-              </a:spcBef>
-              <a:spcAft>
-                <a:spcPts val="0"/>
-              </a:spcAft>
-              <a:buNone/>
-            </a:pPr>
-          </a:p>
-        </p:txBody>
-      </p:sp>
-    </p:spTree>
-  </p:cSld>
-  <p:clrMapOvr>
-    <a:masterClrMapping/>
-  </p:clrMapOvr>
-</p:notes>
-</file>
-
-<file path=ppt/notesSlides/notesSlide5.xml><?xml version="1.0" encoding="utf-8"?>
-<p:notes xmlns:p="http://schemas.openxmlformats.org/presentationml/2006/main" xmlns:mc="http://schemas.openxmlformats.org/markup-compatibility/2006" xmlns:p14="http://schemas.microsoft.com/office/powerpoint/2010/main" xmlns:p15="http://schemas.microsoft.com/office/powerpoint/2012/main" xmlns:r="http://schemas.openxmlformats.org/officeDocument/2006/relationships" xmlns:a="http://schemas.openxmlformats.org/drawingml/2006/main" showMasterSp="0">
-  <p:cSld>
-    <p:bg>
-      <p:bgPr>
-        <a:solidFill>
-          <a:schemeClr val="bg1"/>
-        </a:solidFill>
-        <a:effectLst/>
-      </p:bgPr>
-    </p:bg>
-    <p:spTree>
-      <p:nvGrpSpPr>
-        <p:cNvPr id="1" name=""/>
-        <p:cNvGrpSpPr/>
-        <p:nvPr/>
-      </p:nvGrpSpPr>
-      <p:grpSpPr>
-        <a:xfrm>
-          <a:off x="0" y="0"/>
-          <a:ext cx="0" cy="0"/>
-          <a:chOff x="0" y="0"/>
-          <a:chExt cx="0" cy="0"/>
-        </a:xfrm>
-      </p:grpSpPr>
-      <p:sp>
-        <p:nvSpPr>
-          <p:cNvPr id="2" name="Google Shape;192;gf98075b259_0_38:notes"/>
-          <p:cNvSpPr>
-            <a:spLocks noGrp="1" noChangeArrowheads="1"/>
-            <a:extLst>
-              <a:ext uri="smNativeData">
-                <pr:smNativeData xmlns:pr="smNativeData" xmlns="smNativeData" val="SMDATA_15_t6npZxMAAAAlAAAACwAAAA0AAAAAWAIAADgEAADYJwAAUBkAAAAAAAAAAAAAAAAAAAEAAABQAAAAAAAAAAAA4D8AAAAAAADgPwAAAAAAAOA/AAAAAAAA4D8AAAAAAADgPwAAAAAAAOA/AAAAAAAA4D8AAAAAAADgPwAAAAAAAOA/AAAAAAAA4D8CAAAAjAAAAAAAAAAAAAAAQoX0DP///wgAAAAAAAAAAAAAAAAAAAAAAAAAAAAAAAAAAAAAZAAAAAEAAABAAAAAAAAAAAAAAAAAAAAAAAAAAAAAAAAAAAAAAAAAAAAAAAAAAAAAAAAAAAAAAAAAAAAAAAAAAAAAAAAAAAAAAAAAAAAAAAAAAAAAAAAAAAAAAAAAAAAAFAAAADwAAAABAAAAAAAAAAAAAAAPAAAAAQAAACMAAAAjAAAAIwAAAB4AAAAAAAAASwAAAEsAAAAAAAAASwAAAEsAAAAVAAAAYAAAAAAAAAAAAAAADwAAACADAAAAAAAAAAAAAAEAAACgMgAAVgcAAKr4//8BAAAAf39/AAEAAABkAAAAAAAAABQAAABAHwAAAAAAACYAAAAAAAAAwOD//wAAAAAmAAAAZAAAABYAAABMAAAAAAAAAAAAAAAEAAAAAAAAAAEAAABZWVkKAAAAACgAAAAoAAAAZAAAAGQAAAAAAAAAzMzMAAAAAABQAAAAUAAAAGQAAABkAAAAAAAAABcAAAAUAAAAAAAAAAAAAAD/fwAA/38AAAAAAAAJAAAABAAAAADlJkUeAAAAaAAAAAAAAAAAAAAAAAAAAAAAAAAAAAAAECcAABAnAAAAAAAAAAAAAAAAAAAAAAAAAAAAAAAAAAAAAAAAAAAAABQAAAAAAAAAwMD/AAAAAABkAAAAMgAAAAAAAABkAAAAAAAAAH9/fwAKAAAAIgAAABgAAAAAAAAAAAAAAAAAAAAAAAAAAAAAAAAAAAAkAAAAJAAAAAAAAAAHAAAAAAAAAAAAAAAAAAAAAAAAAAAAAAAAAAAAf39/ACUAAABYAAAAAAAAAAAAAAAAAAAAAAAAAAAAAAAAAAAAAAAAAAAAAAAAAAAAAAAAAAAAAAA/AAAAAAAAAKCGAQAAAAAAAAAAAAAAAAAMAAAAAQAAAAAAAAAAAAAAAAAAAB8AAABUAAAAAAAABQAAAAEAAAAAAAAAAAAAAAAAAAAAAAAAAAAAAAAAAAAAAAAAAAAAAAB/f38AAAAAA8zMzADAwP8Af39/AAAAAAAAAAAAAAAAAAAAAAAAAAAAIQAAABgAAAAUAAAAWAIAADgEAADYJwAAUBkAABAAAAAmAAAACAAAAAEPAAAAAAAA"/>
-              </a:ext>
-            </a:extLst>
-          </p:cNvSpPr>
-          <p:nvPr>
-            <p:ph type="sldImg" idx="2"/>
-          </p:nvPr>
-        </p:nvSpPr>
-        <p:spPr>
-          <a:xfrm>
-            <a:off x="381000" y="685800"/>
-            <a:ext cx="6096000" cy="3429000"/>
-          </a:xfrm>
-          <a:custGeom>
-            <a:avLst/>
-            <a:gdLst/>
-            <a:ahLst/>
-            <a:cxnLst/>
-            <a:rect l="0" t="0" r="6096000" b="3429000"/>
-            <a:pathLst>
-              <a:path w="6096000" h="3429000" fill="none" extrusionOk="0">
-                <a:moveTo>
-                  <a:pt x="0" y="0"/>
-                </a:moveTo>
-                <a:lnTo>
-                  <a:pt x="6096000" y="0"/>
-                </a:lnTo>
-                <a:lnTo>
-                  <a:pt x="6096000" y="3429000"/>
-                </a:lnTo>
-                <a:lnTo>
-                  <a:pt x="0" y="3429000"/>
-                </a:lnTo>
-                <a:close/>
-              </a:path>
-            </a:pathLst>
-          </a:custGeom>
-        </p:spPr>
-      </p:sp>
-      <p:sp>
-        <p:nvSpPr>
-          <p:cNvPr id="3" name="Google Shape;193;gf98075b259_0_38:notes"/>
-          <p:cNvSpPr>
-            <a:spLocks noGrp="1" noChangeArrowheads="1"/>
-            <a:extLst>
-              <a:ext uri="smNativeData">
-                <pr:smNativeData xmlns:pr="smNativeData" xmlns="smNativeData" val="SMDATA_15_t6npZxMAAAAlAAAAZAAAAA0AAAAAkAAAAJAAAACQAAAAkAAAAAAAAAAAAAAAAAAAAAEAAABQAAAAAAAAAAAA4D8AAAAAAADgPwAAAAAAAOA/AAAAAAAA4D8AAAAAAADgPwAAAAAAAOA/AAAAAAAA4D8AAAAAAADgPwAAAAAAAOA/AAAAAAAA4D8CAAAAjAAAAAAAAAAAAAAAQoX0DP///wgAAAAAAAAAAAAAAAAAAAAAAAAAAAAAAAAAAAAAZAAAAAEAAABAAAAAAAAAAAAAAAAAAAAAAAAAAAAAAAAAAAAAAAAAAAAAAAAAAAAAAAAAAAAAAAAAAAAAAAAAAAAAAAAAAAAAAAAAAAAAAAAAAAAAAAAAAAAAAAAAAAAAFAAAADwAAAAAAAAAAAAAAAAAAAkUAAAAAQAAABQAAAAUAAAAFAAAAAEAAAAAAAAAZAAAAGQAAAAAAAAAZAAAAGQAAAAVAAAAYAAAAAAAAAAAAAAADwAAACADAAAAAAAAAAAAAAEAAACgMgAAVgcAAKr4//8BAAAAf39/AAEAAABkAAAAAAAAABQAAABAHwAAAAAAACYAAAAAAAAAwOD//wAAAAAmAAAAZAAAABYAAABMAAAAAAAAAAAAAAAEAAAAAAAAAAEAAABZWVkKAAAAACgAAAAoAAAAZAAAAGQAAAAAAAAAzMzMAAAAAABQAAAAUAAAAGQAAABkAAAAAAAAABcAAAAUAAAAAAAAAAAAAAD/fwAA/38AAAAAAAAJAAAABAAAAEj2GT8eAAAAaAAAAAAAAAAAAAAAAAAAAAAAAAAAAAAAECcAABAnAAAAAAAAAAAAAAAAAAAAAAAAAAAAAAAAAAAAAAAAAAAAABQAAAAAAAAAwMD/AAAAAABkAAAAMgAAAAAAAABkAAAAAAAAAH9/fwAKAAAAIgAAABgAAAAAAAAAAAAAAAAAAAAAAAAAAAAAAAAAAAAkAAAAJAAAAAAAAAAHAAAAAAAAAAAAAAAAAAAAAAAAAAAAAAAAAAAAf39/ACUAAABYAAAAAAAAAAAAAAAAAAAAAAAAAAAAAAAAAAAAAAAAAAAAAAAAAAAAAAAAAAAAAAA/AAAAAAAAAKCGAQAAAAAAAAAAAAAAAAAMAAAAAQAAAAAAAAAAAAAAAAAAAB8AAABUAAAAAAAABQAAAAEAAAAAAAAAAAAAAAAAAAAAAAAAAAAAAAAAAAAAAAAAAAAAAAJ/f38AAAAAA8zMzADAwP8Af39/AAAAAAAAAAAAAAAAAAAAAAAAAAAAIQAAABgAAAAUAAAAOAQAALgaAAD4JQAACDQAABAAAAAmAAAACAAAAL0/AAAAAAAA"/>
-              </a:ext>
-            </a:extLst>
-          </p:cNvSpPr>
-          <p:nvPr>
-            <p:ph type="body" idx="1"/>
-          </p:nvPr>
-        </p:nvSpPr>
-        <p:spPr>
-          <a:xfrm>
-            <a:off x="685800" y="4343400"/>
-            <a:ext cx="5486400" cy="4114800"/>
-          </a:xfrm>
-          <a:prstGeom prst="rect">
-            <a:avLst/>
-          </a:prstGeom>
-        </p:spPr>
-        <p:txBody>
-          <a:bodyPr vert="horz" wrap="square" lIns="91440" tIns="91440" rIns="91440" bIns="91440" numCol="1" spcCol="215900" anchor="t">
-            <a:prstTxWarp prst="textNoShape">
-              <a:avLst/>
-            </a:prstTxWarp>
-          </a:bodyPr>
-          <a:lstStyle/>
-          <a:p>
-            <a:pPr marL="0" indent="0" algn="l">
-              <a:spcBef>
-                <a:spcPts val="0"/>
-              </a:spcBef>
-              <a:spcAft>
-                <a:spcPts val="0"/>
-              </a:spcAft>
-              <a:buNone/>
-            </a:pPr>
-          </a:p>
-        </p:txBody>
-      </p:sp>
-    </p:spTree>
-  </p:cSld>
-  <p:clrMapOvr>
-    <a:masterClrMapping/>
-  </p:clrMapOvr>
-</p:notes>
-</file>
-
-<file path=ppt/notesSlides/notesSlide6.xml><?xml version="1.0" encoding="utf-8"?>
+<file path=ppt/notesSlides/notesSlide7.xml><?xml version="1.0" encoding="utf-8"?>
 <p:notes xmlns:p="http://schemas.openxmlformats.org/presentationml/2006/main" xmlns:mc="http://schemas.openxmlformats.org/markup-compatibility/2006" xmlns:p14="http://schemas.microsoft.com/office/powerpoint/2010/main" xmlns:p15="http://schemas.microsoft.com/office/powerpoint/2012/main" xmlns:r="http://schemas.openxmlformats.org/officeDocument/2006/relationships" xmlns:a="http://schemas.openxmlformats.org/drawingml/2006/main" showMasterSp="0">
   <p:cSld>
     <p:bg>
@@ -2178,7 +2301,7 @@
             <a:spLocks noGrp="1" noChangeArrowheads="1"/>
             <a:extLst>
               <a:ext uri="smNativeData">
-                <pr:smNativeData xmlns:pr="smNativeData" xmlns="smNativeData" val="SMDATA_15_t6npZxMAAAAlAAAACwAAAA0AAAAAWAIAADgEAADYJwAAUBkAAAAAAAAAAAAAAAAAAAEAAABQAAAAAAAAAAAA4D8AAAAAAADgPwAAAAAAAOA/AAAAAAAA4D8AAAAAAADgPwAAAAAAAOA/AAAAAAAA4D8AAAAAAADgPwAAAAAAAOA/AAAAAAAA4D8CAAAAjAAAAAAAAAAAAAAAQoX0DP///wgAAAAAAAAAAAAAAAAAAAAAAAAAAAAAAAAAAAAAZAAAAAEAAABAAAAAAAAAAAAAAAAAAAAAAAAAAAAAAAAAAAAAAAAAAAAAAAAAAAAAAAAAAAAAAAAAAAAAAAAAAAAAAAAAAAAAAAAAAAAAAAAAAAAAAAAAAAAAAAAAAAAAFAAAADwAAAABAAAAAAAAAAAAAAAPAAAAAQAAACMAAAAjAAAAIwAAAB4AAAAAAAAASwAAAEsAAAAAAAAASwAAAEsAAAAVAAAAYAAAAAAAAAAAAAAADwAAACADAAAAAAAAAAAAAAEAAACgMgAAVgcAAKr4//8BAAAAf39/AAEAAABkAAAAAAAAABQAAABAHwAAAAAAACYAAAAAAAAAwOD//wAAAAAmAAAAZAAAABYAAABMAAAAAAAAAAAAAAAEAAAAAAAAAAEAAABZWVkKAAAAACgAAAAoAAAAZAAAAGQAAAAAAAAAzMzMAAAAAABQAAAAUAAAAGQAAABkAAAAAAAAABcAAAAUAAAAAAAAAAAAAAD/fwAA/38AAAAAAAAJAAAABAAAAF8AYAAeAAAAaAAAAAAAAAAAAAAAAAAAAAAAAAAAAAAAECcAABAnAAAAAAAAAAAAAAAAAAAAAAAAAAAAAAAAAAAAAAAAAAAAABQAAAAAAAAAwMD/AAAAAABkAAAAMgAAAAAAAABkAAAAAAAAAH9/fwAKAAAAIgAAABgAAAAAAAAAAAAAAAAAAAAAAAAAAAAAAAAAAAAkAAAAJAAAAAAAAAAHAAAAAAAAAAAAAAAAAAAAAAAAAAAAAAAAAAAAf39/ACUAAABYAAAAAAAAAAAAAAAAAAAAAAAAAAAAAAAAAAAAAAAAAAAAAAAAAAAAAAAAAAAAAAA/AAAAAAAAAKCGAQAAAAAAAAAAAAAAAAAMAAAAAQAAAAAAAAAAAAAAAAAAAB8AAABUAAAAAAAABQAAAAEAAAAAAAAAAAAAAAAAAAAAAAAAAAAAAAAAAAAAAAAAAAAAAAB/f38AAAAAA8zMzADAwP8Af39/AAAAAAAAAAAAAAAAAAAAAAAAAAAAIQAAABgAAAAUAAAAWAIAADgEAADYJwAAUBkAABAAAAAmAAAACAAAAAEPAAAAAAAA"/>
+                <pr:smNativeData xmlns:pr="smNativeData" xmlns="smNativeData" val="SMDATA_15_f8v4ZxMAAAAlAAAACwAAAA0AAAAAWAIAADgEAADYJwAAUBkAAAAAAAAAAAAAAAAAAAEAAABQAAAAAAAAAAAA4D8AAAAAAADgPwAAAAAAAOA/AAAAAAAA4D8AAAAAAADgPwAAAAAAAOA/AAAAAAAA4D8AAAAAAADgPwAAAAAAAOA/AAAAAAAA4D8CAAAAjAAAAAAAAAAAAAAAQoX0DP///wgAAAAAAAAAAAAAAAAAAAAAAAAAAAAAAAAAAAAAZAAAAAEAAABAAAAAAAAAAAAAAAAAAAAAAAAAAAAAAAAAAAAAAAAAAAAAAAAAAAAAAAAAAAAAAAAAAAAAAAAAAAAAAAAAAAAAAAAAAAAAAAAAAAAAAAAAAAAAAAAAAAAAFAAAADwAAAABAAAAAAAAAAAAAAAPAAAAAQAAACMAAAAjAAAAIwAAAB4AAAAAAAAASwAAAEsAAAAAAAAASwAAAEsAAAAVAAAAYAAAAAAAAAAAAAAADwAAACADAAAAAAAAAAAAAAEAAACgMgAAVgcAAKr4//8BAAAAf39/AAEAAABkAAAAAAAAABQAAABAHwAAAAAAACYAAAAAAAAAwOD//wAAAAAmAAAAZAAAABYAAABMAAAAAAAAAAAAAAAEAAAAAAAAAAEAAABZWVkKAAAAACgAAAAoAAAAZAAAAGQAAAAAAAAAzMzMAAAAAABQAAAAUAAAAGQAAABkAAAAAAAAABcAAAAUAAAAAAAAAAAAAAD/fwAA/38AAAAAAAAJAAAABAAAAAAAAAAeAAAAaAAAAAAAAAAAAAAAAAAAAAAAAAAAAAAAECcAABAnAAAAAAAAAAAAAAAAAAAAAAAAAAAAAAAAAAAAAAAAAAAAABQAAAAAAAAAwMD/AAAAAABkAAAAMgAAAAAAAABkAAAAAAAAAH9/fwAKAAAAIgAAABgAAAAAAAAAAAAAAAAAAAAAAAAAAAAAAAAAAAAkAAAAJAAAAAAAAAAHAAAAAAAAAAAAAAAAAAAAAAAAAAAAAAAAAAAAf39/ACUAAABYAAAAAAAAAAAAAAAAAAAAAAAAAAAAAAAAAAAAAAAAAAAAAAAAAAAAAAAAAAAAAAA/AAAAAAAAAKCGAQAAAAAAAAAAAAAAAAAMAAAAAQAAAAAAAAAAAAAAAAAAAB8AAABUAAAAAAAABQAAAAEAAAAAAAAAAAAAAAAAAAAAAAAAAAAAAAAAAAAAAAAAAAAAAAB/f38AAAAAA8zMzADAwP8Af39/AAAAAAAAAAAAAAAAAAAAAAAAAAAAIQAAABgAAAAUAAAAWAIAADgEAADYJwAAUBkAABAAAAAmAAAACAAAAAEPAAAAAAAA"/>
               </a:ext>
             </a:extLst>
           </p:cNvSpPr>
@@ -2224,7 +2347,7 @@
             <a:spLocks noGrp="1" noChangeArrowheads="1"/>
             <a:extLst>
               <a:ext uri="smNativeData">
-                <pr:smNativeData xmlns:pr="smNativeData" xmlns="smNativeData" val="SMDATA_15_t6npZxMAAAAlAAAAZAAAAA0AAAAAkAAAAJAAAACQAAAAkAAAAAAAAAAAAAAAAAAAAAEAAABQAAAAAAAAAAAA4D8AAAAAAADgPwAAAAAAAOA/AAAAAAAA4D8AAAAAAADgPwAAAAAAAOA/AAAAAAAA4D8AAAAAAADgPwAAAAAAAOA/AAAAAAAA4D8CAAAAjAAAAAAAAAAAAAAAQoX0DP///wgAAAAAAAAAAAAAAAAAAAAAAAAAAAAAAAAAAAAAZAAAAAEAAABAAAAAAAAAAAAAAAAAAAAAAAAAAAAAAAAAAAAAAAAAAAAAAAAAAAAAAAAAAAAAAAAAAAAAAAAAAAAAAAAAAAAAAAAAAAAAAAAAAAAAAAAAAAAAAAAAAAAAFAAAADwAAAAAAAAAAAAAAAAAAAkUAAAAAQAAABQAAAAUAAAAFAAAAAEAAAAAAAAAZAAAAGQAAAAAAAAAZAAAAGQAAAAVAAAAYAAAAAAAAAAAAAAADwAAACADAAAAAAAAAAAAAAEAAACgMgAAVgcAAKr4//8BAAAAf39/AAEAAABkAAAAAAAAABQAAABAHwAAAAAAACYAAAAAAAAAwOD//wAAAAAmAAAAZAAAABYAAABMAAAAAAAAAAAAAAAEAAAAAAAAAAEAAABZWVkKAAAAACgAAAAoAAAAZAAAAGQAAAAAAAAAzMzMAAAAAABQAAAAUAAAAGQAAABkAAAAAAAAABcAAAAUAAAAAAAAAAAAAAD/fwAA/38AAAAAAAAJAAAABAAAAAEAAAAeAAAAaAAAAAAAAAAAAAAAAAAAAAAAAAAAAAAAECcAABAnAAAAAAAAAAAAAAAAAAAAAAAAAAAAAAAAAAAAAAAAAAAAABQAAAAAAAAAwMD/AAAAAABkAAAAMgAAAAAAAABkAAAAAAAAAH9/fwAKAAAAIgAAABgAAAAAAAAAAAAAAAAAAAAAAAAAAAAAAAAAAAAkAAAAJAAAAAAAAAAHAAAAAAAAAAAAAAAAAAAAAAAAAAAAAAAAAAAAf39/ACUAAABYAAAAAAAAAAAAAAAAAAAAAAAAAAAAAAAAAAAAAAAAAAAAAAAAAAAAAAAAAAAAAAA/AAAAAAAAAKCGAQAAAAAAAAAAAAAAAAAMAAAAAQAAAAAAAAAAAAAAAAAAAB8AAABUAAAAAAAABQAAAAEAAAAAAAAAAAAAAAAAAAAAAAAAAAAAAAAAAAAAAAAAAAAAAAJ/f38AAAAAA8zMzADAwP8Af39/AAAAAAAAAAAAAAAAAAAAAAAAAAAAIQAAABgAAAAUAAAAOAQAALgaAAD4JQAACDQAABAAAAAmAAAACAAAAL0/AAAAAAAA"/>
+                <pr:smNativeData xmlns:pr="smNativeData" xmlns="smNativeData" val="SMDATA_15_f8v4ZxMAAAAlAAAAZAAAAA0AAAAAkAAAAJAAAACQAAAAkAAAAAAAAAAAAAAAAAAAAAEAAABQAAAAAAAAAAAA4D8AAAAAAADgPwAAAAAAAOA/AAAAAAAA4D8AAAAAAADgPwAAAAAAAOA/AAAAAAAA4D8AAAAAAADgPwAAAAAAAOA/AAAAAAAA4D8CAAAAjAAAAAAAAAAAAAAAQoX0DP///wgAAAAAAAAAAAAAAAAAAAAAAAAAAAAAAAAAAAAAZAAAAAEAAABAAAAAAAAAAAAAAAAAAAAAAAAAAAAAAAAAAAAAAAAAAAAAAAAAAAAAAAAAAAAAAAAAAAAAAAAAAAAAAAAAAAAAAAAAAAAAAAAAAAAAAAAAAAAAAAAAAAAAFAAAADwAAAAAAAAAAAAAAAAAAAkUAAAAAQAAABQAAAAUAAAAFAAAAAEAAAAAAAAAZAAAAGQAAAAAAAAAZAAAAGQAAAAVAAAAYAAAAAAAAAAAAAAADwAAACADAAAAAAAAAAAAAAEAAACgMgAAVgcAAKr4//8BAAAAf39/AAEAAABkAAAAAAAAABQAAABAHwAAAAAAACYAAAAAAAAAwOD//wAAAAAmAAAAZAAAABYAAABMAAAAAAAAAAAAAAAEAAAAAAAAAAEAAABZWVkKAAAAACgAAAAoAAAAZAAAAGQAAAAAAAAAzMzMAAAAAABQAAAAUAAAAGQAAABkAAAAAAAAABcAAAAUAAAAAAAAAAAAAAD/fwAA/38AAAAAAAAJAAAABAAAAAAAAAAeAAAAaAAAAAAAAAAAAAAAAAAAAAAAAAAAAAAAECcAABAnAAAAAAAAAAAAAAAAAAAAAAAAAAAAAAAAAAAAAAAAAAAAABQAAAAAAAAAwMD/AAAAAABkAAAAMgAAAAAAAABkAAAAAAAAAH9/fwAKAAAAIgAAABgAAAAAAAAAAAAAAAAAAAAAAAAAAAAAAAAAAAAkAAAAJAAAAAAAAAAHAAAAAAAAAAAAAAAAAAAAAAAAAAAAAAAAAAAAf39/ACUAAABYAAAAAAAAAAAAAAAAAAAAAAAAAAAAAAAAAAAAAAAAAAAAAAAAAAAAAAAAAAAAAAA/AAAAAAAAAKCGAQAAAAAAAAAAAAAAAAAMAAAAAQAAAAAAAAAAAAAAAAAAAB8AAABUAAAAAAAABQAAAAEAAAAAAAAAAAAAAAAAAAAAAAAAAAAAAAAAAAAAAAAAAAAAAAJ/f38AAAAAA8zMzADAwP8Af39/AAAAAAAAAAAAAAAAAAAAAAAAAAAAIQAAABgAAAAUAAAAOAQAALgaAAD4JQAACDQAABAAAAAmAAAACAAAAL0/AAAAAAAA"/>
               </a:ext>
             </a:extLst>
           </p:cNvSpPr>
@@ -2269,7 +2392,7 @@
 </p:notes>
 </file>
 
-<file path=ppt/notesSlides/notesSlide7.xml><?xml version="1.0" encoding="utf-8"?>
+<file path=ppt/notesSlides/notesSlide8.xml><?xml version="1.0" encoding="utf-8"?>
 <p:notes xmlns:p="http://schemas.openxmlformats.org/presentationml/2006/main" xmlns:mc="http://schemas.openxmlformats.org/markup-compatibility/2006" xmlns:p14="http://schemas.microsoft.com/office/powerpoint/2010/main" xmlns:p15="http://schemas.microsoft.com/office/powerpoint/2012/main" xmlns:r="http://schemas.openxmlformats.org/officeDocument/2006/relationships" xmlns:a="http://schemas.openxmlformats.org/drawingml/2006/main" showMasterSp="0">
   <p:cSld>
     <p:bg>
@@ -2301,7 +2424,7 @@
             <a:spLocks noGrp="1" noChangeArrowheads="1"/>
             <a:extLst>
               <a:ext uri="smNativeData">
-                <pr:smNativeData xmlns:pr="smNativeData" xmlns="smNativeData" val="SMDATA_15_t6npZxMAAAAlAAAACwAAAA0AAAAAWAIAADgEAADYJwAAUBkAAAAAAAAAAAAAAAAAAAEAAABQAAAAAAAAAAAA4D8AAAAAAADgPwAAAAAAAOA/AAAAAAAA4D8AAAAAAADgPwAAAAAAAOA/AAAAAAAA4D8AAAAAAADgPwAAAAAAAOA/AAAAAAAA4D8CAAAAjAAAAAAAAAAAAAAAQoX0DP///wgAAAAAAAAAAAAAAAAAAAAAAAAAAAAAAAAAAAAAZAAAAAEAAABAAAAAAAAAAAAAAAAAAAAAAAAAAAAAAAAAAAAAAAAAAAAAAAAAAAAAAAAAAAAAAAAAAAAAAAAAAAAAAAAAAAAAAAAAAAAAAAAAAAAAAAAAAAAAAAAAAAAAFAAAADwAAAABAAAAAAAAAAAAAAAPAAAAAQAAACMAAAAjAAAAIwAAAB4AAAAAAAAASwAAAEsAAAAAAAAASwAAAEsAAAAVAAAAYAAAAAAAAAAAAAAADwAAACADAAAAAAAAAAAAAAEAAACgMgAAVgcAAKr4//8BAAAAf39/AAEAAABkAAAAAAAAABQAAABAHwAAAAAAACYAAAAAAAAAwOD//wAAAAAmAAAAZAAAABYAAABMAAAAAAAAAAAAAAAEAAAAAAAAAAEAAABZWVkKAAAAACgAAAAoAAAAZAAAAGQAAAAAAAAAzMzMAAAAAABQAAAAUAAAAGQAAABkAAAAAAAAABcAAAAUAAAAAAAAAAAAAAD/fwAA/38AAAAAAAAJAAAABAAAAAAAAAAeAAAAaAAAAAAAAAAAAAAAAAAAAAAAAAAAAAAAECcAABAnAAAAAAAAAAAAAAAAAAAAAAAAAAAAAAAAAAAAAAAAAAAAABQAAAAAAAAAwMD/AAAAAABkAAAAMgAAAAAAAABkAAAAAAAAAH9/fwAKAAAAIgAAABgAAAAAAAAAAAAAAAAAAAAAAAAAAAAAAAAAAAAkAAAAJAAAAAAAAAAHAAAAAAAAAAAAAAAAAAAAAAAAAAAAAAAAAAAAf39/ACUAAABYAAAAAAAAAAAAAAAAAAAAAAAAAAAAAAAAAAAAAAAAAAAAAAAAAAAAAAAAAAAAAAA/AAAAAAAAAKCGAQAAAAAAAAAAAAAAAAAMAAAAAQAAAAAAAAAAAAAAAAAAAB8AAABUAAAAAAAABQAAAAEAAAAAAAAAAAAAAAAAAAAAAAAAAAAAAAAAAAAAAAAAAAAAAAB/f38AAAAAA8zMzADAwP8Af39/AAAAAAAAAAAAAAAAAAAAAAAAAAAAIQAAABgAAAAUAAAAWAIAADgEAADYJwAAUBkAABAAAAAmAAAACAAAAAEPAAAAAAAA"/>
+                <pr:smNativeData xmlns:pr="smNativeData" xmlns="smNativeData" val="SMDATA_15_f8v4ZxMAAAAlAAAACwAAAA0AAAAAWAIAADgEAADYJwAAUBkAAAAAAAAAAAAAAAAAAAEAAABQAAAAAAAAAAAA4D8AAAAAAADgPwAAAAAAAOA/AAAAAAAA4D8AAAAAAADgPwAAAAAAAOA/AAAAAAAA4D8AAAAAAADgPwAAAAAAAOA/AAAAAAAA4D8CAAAAjAAAAAAAAAAAAAAAQoX0DP///wgAAAAAAAAAAAAAAAAAAAAAAAAAAAAAAAAAAAAAZAAAAAEAAABAAAAAAAAAAAAAAAAAAAAAAAAAAAAAAAAAAAAAAAAAAAAAAAAAAAAAAAAAAAAAAAAAAAAAAAAAAAAAAAAAAAAAAAAAAAAAAAAAAAAAAAAAAAAAAAAAAAAAFAAAADwAAAABAAAAAAAAAAAAAAAPAAAAAQAAACMAAAAjAAAAIwAAAB4AAAAAAAAASwAAAEsAAAAAAAAASwAAAEsAAAAVAAAAYAAAAAAAAAAAAAAADwAAACADAAAAAAAAAAAAAAEAAACgMgAAVgcAAKr4//8BAAAAf39/AAEAAABkAAAAAAAAABQAAABAHwAAAAAAACYAAAAAAAAAwOD//wAAAAAmAAAAZAAAABYAAABMAAAAAAAAAAAAAAAEAAAAAAAAAAEAAABZWVkKAAAAACgAAAAoAAAAZAAAAGQAAAAAAAAAzMzMAAAAAABQAAAAUAAAAGQAAABkAAAAAAAAABcAAAAUAAAAAAAAAAAAAAD/fwAA/38AAAAAAAAJAAAABAAAAGNQdHMeAAAAaAAAAAAAAAAAAAAAAAAAAAAAAAAAAAAAECcAABAnAAAAAAAAAAAAAAAAAAAAAAAAAAAAAAAAAAAAAAAAAAAAABQAAAAAAAAAwMD/AAAAAABkAAAAMgAAAAAAAABkAAAAAAAAAH9/fwAKAAAAIgAAABgAAAAAAAAAAAAAAAAAAAAAAAAAAAAAAAAAAAAkAAAAJAAAAAAAAAAHAAAAAAAAAAAAAAAAAAAAAAAAAAAAAAAAAAAAf39/ACUAAABYAAAAAAAAAAAAAAAAAAAAAAAAAAAAAAAAAAAAAAAAAAAAAAAAAAAAAAAAAAAAAAA/AAAAAAAAAKCGAQAAAAAAAAAAAAAAAAAMAAAAAQAAAAAAAAAAAAAAAAAAAB8AAABUAAAAAAAABQAAAAEAAAAAAAAAAAAAAAAAAAAAAAAAAAAAAAAAAAAAAAAAAAAAAAB/f38AAAAAA8zMzADAwP8Af39/AAAAAAAAAAAAAAAAAAAAAAAAAAAAIQAAABgAAAAUAAAAWAIAADgEAADYJwAAUBkAABAAAAAmAAAACAAAAAEPAAAAAAAA"/>
               </a:ext>
             </a:extLst>
           </p:cNvSpPr>
@@ -2347,7 +2470,7 @@
             <a:spLocks noGrp="1" noChangeArrowheads="1"/>
             <a:extLst>
               <a:ext uri="smNativeData">
-                <pr:smNativeData xmlns:pr="smNativeData" xmlns="smNativeData" val="SMDATA_15_t6npZxMAAAAlAAAAZAAAAA0AAAAAkAAAAJAAAACQAAAAkAAAAAAAAAAAAAAAAAAAAAEAAABQAAAAAAAAAAAA4D8AAAAAAADgPwAAAAAAAOA/AAAAAAAA4D8AAAAAAADgPwAAAAAAAOA/AAAAAAAA4D8AAAAAAADgPwAAAAAAAOA/AAAAAAAA4D8CAAAAjAAAAAAAAAAAAAAAQoX0DP///wgAAAAAAAAAAAAAAAAAAAAAAAAAAAAAAAAAAAAAZAAAAAEAAABAAAAAAAAAAAAAAAAAAAAAAAAAAAAAAAAAAAAAAAAAAAAAAAAAAAAAAAAAAAAAAAAAAAAAAAAAAAAAAAAAAAAAAAAAAAAAAAAAAAAAAAAAAAAAAAAAAAAAFAAAADwAAAAAAAAAAAAAAAAAAAkUAAAAAQAAABQAAAAUAAAAFAAAAAEAAAAAAAAAZAAAAGQAAAAAAAAAZAAAAGQAAAAVAAAAYAAAAAAAAAAAAAAADwAAACADAAAAAAAAAAAAAAEAAACgMgAAVgcAAKr4//8BAAAAf39/AAEAAABkAAAAAAAAABQAAABAHwAAAAAAACYAAAAAAAAAwOD//wAAAAAmAAAAZAAAABYAAABMAAAAAAAAAAAAAAAEAAAAAAAAAAEAAABZWVkKAAAAACgAAAAoAAAAZAAAAGQAAAAAAAAAzMzMAAAAAABQAAAAUAAAAGQAAABkAAAAAAAAABcAAAAUAAAAAAAAAAAAAAD/fwAA/38AAAAAAAAJAAAABAAAAAAAAAAeAAAAaAAAAAAAAAAAAAAAAAAAAAAAAAAAAAAAECcAABAnAAAAAAAAAAAAAAAAAAAAAAAAAAAAAAAAAAAAAAAAAAAAABQAAAAAAAAAwMD/AAAAAABkAAAAMgAAAAAAAABkAAAAAAAAAH9/fwAKAAAAIgAAABgAAAAAAAAAAAAAAAAAAAAAAAAAAAAAAAAAAAAkAAAAJAAAAAAAAAAHAAAAAAAAAAAAAAAAAAAAAAAAAAAAAAAAAAAAf39/ACUAAABYAAAAAAAAAAAAAAAAAAAAAAAAAAAAAAAAAAAAAAAAAAAAAAAAAAAAAAAAAAAAAAA/AAAAAAAAAKCGAQAAAAAAAAAAAAAAAAAMAAAAAQAAAAAAAAAAAAAAAAAAAB8AAABUAAAAAAAABQAAAAEAAAAAAAAAAAAAAAAAAAAAAAAAAAAAAAAAAAAAAAAAAAAAAAJ/f38AAAAAA8zMzADAwP8Af39/AAAAAAAAAAAAAAAAAAAAAAAAAAAAIQAAABgAAAAUAAAAOAQAALgaAAD4JQAACDQAABAAAAAmAAAACAAAAL0/AAAAAAAA"/>
+                <pr:smNativeData xmlns:pr="smNativeData" xmlns="smNativeData" val="SMDATA_15_f8v4ZxMAAAAlAAAAZAAAAA0AAAAAkAAAAJAAAACQAAAAkAAAAAAAAAAAAAAAAAAAAAEAAABQAAAAAAAAAAAA4D8AAAAAAADgPwAAAAAAAOA/AAAAAAAA4D8AAAAAAADgPwAAAAAAAOA/AAAAAAAA4D8AAAAAAADgPwAAAAAAAOA/AAAAAAAA4D8CAAAAjAAAAAAAAAAAAAAAQoX0DP///wgAAAAAAAAAAAAAAAAAAAAAAAAAAAAAAAAAAAAAZAAAAAEAAABAAAAAAAAAAAAAAAAAAAAAAAAAAAAAAAAAAAAAAAAAAAAAAAAAAAAAAAAAAAAAAAAAAAAAAAAAAAAAAAAAAAAAAAAAAAAAAAAAAAAAAAAAAAAAAAAAAAAAFAAAADwAAAAAAAAAAAAAAAAAAAkUAAAAAQAAABQAAAAUAAAAFAAAAAEAAAAAAAAAZAAAAGQAAAAAAAAAZAAAAGQAAAAVAAAAYAAAAAAAAAAAAAAADwAAACADAAAAAAAAAAAAAAEAAACgMgAAVgcAAKr4//8BAAAAf39/AAEAAABkAAAAAAAAABQAAABAHwAAAAAAACYAAAAAAAAAwOD//wAAAAAmAAAAZAAAABYAAABMAAAAAAAAAAAAAAAEAAAAAAAAAAEAAABZWVkKAAAAACgAAAAoAAAAZAAAAGQAAAAAAAAAzMzMAAAAAABQAAAAUAAAAGQAAABkAAAAAAAAABcAAAAUAAAAAAAAAAAAAAD/fwAA/38AAAAAAAAJAAAABAAAAF8AYAAeAAAAaAAAAAAAAAAAAAAAAAAAAAAAAAAAAAAAECcAABAnAAAAAAAAAAAAAAAAAAAAAAAAAAAAAAAAAAAAAAAAAAAAABQAAAAAAAAAwMD/AAAAAABkAAAAMgAAAAAAAABkAAAAAAAAAH9/fwAKAAAAIgAAABgAAAAAAAAAAAAAAAAAAAAAAAAAAAAAAAAAAAAkAAAAJAAAAAAAAAAHAAAAAAAAAAAAAAAAAAAAAAAAAAAAAAAAAAAAf39/ACUAAABYAAAAAAAAAAAAAAAAAAAAAAAAAAAAAAAAAAAAAAAAAAAAAAAAAAAAAAAAAAAAAAA/AAAAAAAAAKCGAQAAAAAAAAAAAAAAAAAMAAAAAQAAAAAAAAAAAAAAAAAAAB8AAABUAAAAAAAABQAAAAEAAAAAAAAAAAAAAAAAAAAAAAAAAAAAAAAAAAAAAAAAAAAAAAJ/f38AAAAAA8zMzADAwP8Af39/AAAAAAAAAAAAAAAAAAAAAAAAAAAAIQAAABgAAAAUAAAAOAQAALgaAAD4JQAACDQAABAAAAAmAAAACAAAAL0/AAAAAAAA"/>
               </a:ext>
             </a:extLst>
           </p:cNvSpPr>
@@ -2392,7 +2515,7 @@
 </p:notes>
 </file>
 
-<file path=ppt/notesSlides/notesSlide8.xml><?xml version="1.0" encoding="utf-8"?>
+<file path=ppt/notesSlides/notesSlide9.xml><?xml version="1.0" encoding="utf-8"?>
 <p:notes xmlns:p="http://schemas.openxmlformats.org/presentationml/2006/main" xmlns:mc="http://schemas.openxmlformats.org/markup-compatibility/2006" xmlns:p14="http://schemas.microsoft.com/office/powerpoint/2010/main" xmlns:p15="http://schemas.microsoft.com/office/powerpoint/2012/main" xmlns:r="http://schemas.openxmlformats.org/officeDocument/2006/relationships" xmlns:a="http://schemas.openxmlformats.org/drawingml/2006/main" showMasterSp="0">
   <p:cSld>
     <p:bg>
@@ -2424,7 +2547,7 @@
             <a:spLocks noGrp="1" noChangeArrowheads="1"/>
             <a:extLst>
               <a:ext uri="smNativeData">
-                <pr:smNativeData xmlns:pr="smNativeData" xmlns="smNativeData" val="SMDATA_15_t6npZxMAAAAlAAAACwAAAA0AAAAAWAIAADgEAADYJwAAUBkAAAAAAAAAAAAAAAAAAAEAAABQAAAAAAAAAAAA4D8AAAAAAADgPwAAAAAAAOA/AAAAAAAA4D8AAAAAAADgPwAAAAAAAOA/AAAAAAAA4D8AAAAAAADgPwAAAAAAAOA/AAAAAAAA4D8CAAAAjAAAAAAAAAAAAAAAQoX0DP///wgAAAAAAAAAAAAAAAAAAAAAAAAAAAAAAAAAAAAAZAAAAAEAAABAAAAAAAAAAAAAAAAAAAAAAAAAAAAAAAAAAAAAAAAAAAAAAAAAAAAAAAAAAAAAAAAAAAAAAAAAAAAAAAAAAAAAAAAAAAAAAAAAAAAAAAAAAAAAAAAAAAAAFAAAADwAAAABAAAAAAAAAAAAAAAPAAAAAQAAACMAAAAjAAAAIwAAAB4AAAAAAAAASwAAAEsAAAAAAAAASwAAAEsAAAAVAAAAYAAAAAAAAAAAAAAADwAAACADAAAAAAAAAAAAAAEAAACgMgAAVgcAAKr4//8BAAAAf39/AAEAAABkAAAAAAAAABQAAABAHwAAAAAAACYAAAAAAAAAwOD//wAAAAAmAAAAZAAAABYAAABMAAAAAAAAAAAAAAAEAAAAAAAAAAEAAABZWVkKAAAAACgAAAAoAAAAZAAAAGQAAAAAAAAAzMzMAAAAAABQAAAAUAAAAGQAAABkAAAAAAAAABcAAAAUAAAAAAAAAAAAAAD/fwAA/38AAAAAAAAJAAAABAAAAGNQdHMeAAAAaAAAAAAAAAAAAAAAAAAAAAAAAAAAAAAAECcAABAnAAAAAAAAAAAAAAAAAAAAAAAAAAAAAAAAAAAAAAAAAAAAABQAAAAAAAAAwMD/AAAAAABkAAAAMgAAAAAAAABkAAAAAAAAAH9/fwAKAAAAIgAAABgAAAAAAAAAAAAAAAAAAAAAAAAAAAAAAAAAAAAkAAAAJAAAAAAAAAAHAAAAAAAAAAAAAAAAAAAAAAAAAAAAAAAAAAAAf39/ACUAAABYAAAAAAAAAAAAAAAAAAAAAAAAAAAAAAAAAAAAAAAAAAAAAAAAAAAAAAAAAAAAAAA/AAAAAAAAAKCGAQAAAAAAAAAAAAAAAAAMAAAAAQAAAAAAAAAAAAAAAAAAAB8AAABUAAAAAAAABQAAAAEAAAAAAAAAAAAAAAAAAAAAAAAAAAAAAAAAAAAAAAAAAAAAAAB/f38AAAAAA8zMzADAwP8Af39/AAAAAAAAAAAAAAAAAAAAAAAAAAAAIQAAABgAAAAUAAAAWAIAADgEAADYJwAAUBkAABAAAAAmAAAACAAAAAEPAAAAAAAA"/>
+                <pr:smNativeData xmlns:pr="smNativeData" xmlns="smNativeData" val="SMDATA_15_f8v4ZxMAAAAlAAAACwAAAA0AAAAAWAIAADgEAADYJwAAUBkAAAAAAAAAAAAAAAAAAAEAAABQAAAAAAAAAAAA4D8AAAAAAADgPwAAAAAAAOA/AAAAAAAA4D8AAAAAAADgPwAAAAAAAOA/AAAAAAAA4D8AAAAAAADgPwAAAAAAAOA/AAAAAAAA4D8CAAAAjAAAAAAAAAAAAAAAQoX0DP///wgAAAAAAAAAAAAAAAAAAAAAAAAAAAAAAAAAAAAAZAAAAAEAAABAAAAAAAAAAAAAAAAAAAAAAAAAAAAAAAAAAAAAAAAAAAAAAAAAAAAAAAAAAAAAAAAAAAAAAAAAAAAAAAAAAAAAAAAAAAAAAAAAAAAAAAAAAAAAAAAAAAAAFAAAADwAAAABAAAAAAAAAAAAAAAPAAAAAQAAACMAAAAjAAAAIwAAAB4AAAAAAAAASwAAAEsAAAAAAAAASwAAAEsAAAAVAAAAYAAAAAAAAAAAAAAADwAAACADAAAAAAAAAAAAAAEAAACgMgAAVgcAAKr4//8BAAAAf39/AAEAAABkAAAAAAAAABQAAABAHwAAAAAAACYAAAAAAAAAwOD//wAAAAAmAAAAZAAAABYAAABMAAAAAAAAAAAAAAAEAAAAAAAAAAEAAABZWVkKAAAAACgAAAAoAAAAZAAAAGQAAAAAAAAAzMzMAAAAAABQAAAAUAAAAGQAAABkAAAAAAAAABcAAAAUAAAAAAAAAAAAAAD/fwAA/38AAAAAAAAJAAAABAAAAF8AYAAeAAAAaAAAAAAAAAAAAAAAAAAAAAAAAAAAAAAAECcAABAnAAAAAAAAAAAAAAAAAAAAAAAAAAAAAAAAAAAAAAAAAAAAABQAAAAAAAAAwMD/AAAAAABkAAAAMgAAAAAAAABkAAAAAAAAAH9/fwAKAAAAIgAAABgAAAAAAAAAAAAAAAAAAAAAAAAAAAAAAAAAAAAkAAAAJAAAAAAAAAAHAAAAAAAAAAAAAAAAAAAAAAAAAAAAAAAAAAAAf39/ACUAAABYAAAAAAAAAAAAAAAAAAAAAAAAAAAAAAAAAAAAAAAAAAAAAAAAAAAAAAAAAAAAAAA/AAAAAAAAAKCGAQAAAAAAAAAAAAAAAAAMAAAAAQAAAAAAAAAAAAAAAAAAAB8AAABUAAAAAAAABQAAAAEAAAAAAAAAAAAAAAAAAAAAAAAAAAAAAAAAAAAAAAAAAAAAAAB/f38AAAAAA8zMzADAwP8Af39/AAAAAAAAAAAAAAAAAAAAAAAAAAAAIQAAABgAAAAUAAAAWAIAADgEAADYJwAAUBkAABAAAAAmAAAACAAAAAEPAAAAAAAA"/>
               </a:ext>
             </a:extLst>
           </p:cNvSpPr>
@@ -2470,130 +2593,7 @@
             <a:spLocks noGrp="1" noChangeArrowheads="1"/>
             <a:extLst>
               <a:ext uri="smNativeData">
-                <pr:smNativeData xmlns:pr="smNativeData" xmlns="smNativeData" val="SMDATA_15_t6npZxMAAAAlAAAAZAAAAA0AAAAAkAAAAJAAAACQAAAAkAAAAAAAAAAAAAAAAAAAAAEAAABQAAAAAAAAAAAA4D8AAAAAAADgPwAAAAAAAOA/AAAAAAAA4D8AAAAAAADgPwAAAAAAAOA/AAAAAAAA4D8AAAAAAADgPwAAAAAAAOA/AAAAAAAA4D8CAAAAjAAAAAAAAAAAAAAAQoX0DP///wgAAAAAAAAAAAAAAAAAAAAAAAAAAAAAAAAAAAAAZAAAAAEAAABAAAAAAAAAAAAAAAAAAAAAAAAAAAAAAAAAAAAAAAAAAAAAAAAAAAAAAAAAAAAAAAAAAAAAAAAAAAAAAAAAAAAAAAAAAAAAAAAAAAAAAAAAAAAAAAAAAAAAFAAAADwAAAAAAAAAAAAAAAAAAAkUAAAAAQAAABQAAAAUAAAAFAAAAAEAAAAAAAAAZAAAAGQAAAAAAAAAZAAAAGQAAAAVAAAAYAAAAAAAAAAAAAAADwAAACADAAAAAAAAAAAAAAEAAACgMgAAVgcAAKr4//8BAAAAf39/AAEAAABkAAAAAAAAABQAAABAHwAAAAAAACYAAAAAAAAAwOD//wAAAAAmAAAAZAAAABYAAABMAAAAAAAAAAAAAAAEAAAAAAAAAAEAAABZWVkKAAAAACgAAAAoAAAAZAAAAGQAAAAAAAAAzMzMAAAAAABQAAAAUAAAAGQAAABkAAAAAAAAABcAAAAUAAAAAAAAAAAAAAD/fwAA/38AAAAAAAAJAAAABAAAAF8AYAAeAAAAaAAAAAAAAAAAAAAAAAAAAAAAAAAAAAAAECcAABAnAAAAAAAAAAAAAAAAAAAAAAAAAAAAAAAAAAAAAAAAAAAAABQAAAAAAAAAwMD/AAAAAABkAAAAMgAAAAAAAABkAAAAAAAAAH9/fwAKAAAAIgAAABgAAAAAAAAAAAAAAAAAAAAAAAAAAAAAAAAAAAAkAAAAJAAAAAAAAAAHAAAAAAAAAAAAAAAAAAAAAAAAAAAAAAAAAAAAf39/ACUAAABYAAAAAAAAAAAAAAAAAAAAAAAAAAAAAAAAAAAAAAAAAAAAAAAAAAAAAAAAAAAAAAA/AAAAAAAAAKCGAQAAAAAAAAAAAAAAAAAMAAAAAQAAAAAAAAAAAAAAAAAAAB8AAABUAAAAAAAABQAAAAEAAAAAAAAAAAAAAAAAAAAAAAAAAAAAAAAAAAAAAAAAAAAAAAJ/f38AAAAAA8zMzADAwP8Af39/AAAAAAAAAAAAAAAAAAAAAAAAAAAAIQAAABgAAAAUAAAAOAQAALgaAAD4JQAACDQAABAAAAAmAAAACAAAAL0/AAAAAAAA"/>
-              </a:ext>
-            </a:extLst>
-          </p:cNvSpPr>
-          <p:nvPr>
-            <p:ph type="body" idx="1"/>
-          </p:nvPr>
-        </p:nvSpPr>
-        <p:spPr>
-          <a:xfrm>
-            <a:off x="685800" y="4343400"/>
-            <a:ext cx="5486400" cy="4114800"/>
-          </a:xfrm>
-          <a:prstGeom prst="rect">
-            <a:avLst/>
-          </a:prstGeom>
-        </p:spPr>
-        <p:txBody>
-          <a:bodyPr vert="horz" wrap="square" lIns="91440" tIns="91440" rIns="91440" bIns="91440" numCol="1" spcCol="215900" anchor="t">
-            <a:prstTxWarp prst="textNoShape">
-              <a:avLst/>
-            </a:prstTxWarp>
-          </a:bodyPr>
-          <a:lstStyle/>
-          <a:p>
-            <a:pPr marL="0" indent="0" algn="l">
-              <a:spcBef>
-                <a:spcPts val="0"/>
-              </a:spcBef>
-              <a:spcAft>
-                <a:spcPts val="0"/>
-              </a:spcAft>
-              <a:buNone/>
-            </a:pPr>
-          </a:p>
-        </p:txBody>
-      </p:sp>
-    </p:spTree>
-  </p:cSld>
-  <p:clrMapOvr>
-    <a:masterClrMapping/>
-  </p:clrMapOvr>
-</p:notes>
-</file>
-
-<file path=ppt/notesSlides/notesSlide9.xml><?xml version="1.0" encoding="utf-8"?>
-<p:notes xmlns:p="http://schemas.openxmlformats.org/presentationml/2006/main" xmlns:mc="http://schemas.openxmlformats.org/markup-compatibility/2006" xmlns:p14="http://schemas.microsoft.com/office/powerpoint/2010/main" xmlns:p15="http://schemas.microsoft.com/office/powerpoint/2012/main" xmlns:r="http://schemas.openxmlformats.org/officeDocument/2006/relationships" xmlns:a="http://schemas.openxmlformats.org/drawingml/2006/main" showMasterSp="0">
-  <p:cSld>
-    <p:bg>
-      <p:bgPr>
-        <a:solidFill>
-          <a:schemeClr val="bg1"/>
-        </a:solidFill>
-        <a:effectLst/>
-      </p:bgPr>
-    </p:bg>
-    <p:spTree>
-      <p:nvGrpSpPr>
-        <p:cNvPr id="1" name=""/>
-        <p:cNvGrpSpPr/>
-        <p:nvPr/>
-      </p:nvGrpSpPr>
-      <p:grpSpPr>
-        <a:xfrm>
-          <a:off x="0" y="0"/>
-          <a:ext cx="0" cy="0"/>
-          <a:chOff x="0" y="0"/>
-          <a:chExt cx="0" cy="0"/>
-        </a:xfrm>
-      </p:grpSpPr>
-      <p:sp>
-        <p:nvSpPr>
-          <p:cNvPr id="2" name="Google Shape;201;gdf29b9fb24_0_69:notes"/>
-          <p:cNvSpPr>
-            <a:spLocks noGrp="1" noChangeArrowheads="1"/>
-            <a:extLst>
-              <a:ext uri="smNativeData">
-                <pr:smNativeData xmlns:pr="smNativeData" xmlns="smNativeData" val="SMDATA_15_t6npZxMAAAAlAAAACwAAAA0AAAAAWAIAADgEAADYJwAAUBkAAAAAAAAAAAAAAAAAAAEAAABQAAAAAAAAAAAA4D8AAAAAAADgPwAAAAAAAOA/AAAAAAAA4D8AAAAAAADgPwAAAAAAAOA/AAAAAAAA4D8AAAAAAADgPwAAAAAAAOA/AAAAAAAA4D8CAAAAjAAAAAAAAAAAAAAAQoX0DP///wgAAAAAAAAAAAAAAAAAAAAAAAAAAAAAAAAAAAAAZAAAAAEAAABAAAAAAAAAAAAAAAAAAAAAAAAAAAAAAAAAAAAAAAAAAAAAAAAAAAAAAAAAAAAAAAAAAAAAAAAAAAAAAAAAAAAAAAAAAAAAAAAAAAAAAAAAAAAAAAAAAAAAFAAAADwAAAABAAAAAAAAAAAAAAAPAAAAAQAAACMAAAAjAAAAIwAAAB4AAAAAAAAASwAAAEsAAAAAAAAASwAAAEsAAAAVAAAAYAAAAAAAAAAAAAAADwAAACADAAAAAAAAAAAAAAEAAACgMgAAVgcAAKr4//8BAAAAf39/AAEAAABkAAAAAAAAABQAAABAHwAAAAAAACYAAAAAAAAAwOD//wAAAAAmAAAAZAAAABYAAABMAAAAAAAAAAAAAAAEAAAAAAAAAAEAAABZWVkKAAAAACgAAAAoAAAAZAAAAGQAAAAAAAAAzMzMAAAAAABQAAAAUAAAAGQAAABkAAAAAAAAABcAAAAUAAAAAAAAAAAAAAD/fwAA/38AAAAAAAAJAAAABAAAAF8AYAAeAAAAaAAAAAAAAAAAAAAAAAAAAAAAAAAAAAAAECcAABAnAAAAAAAAAAAAAAAAAAAAAAAAAAAAAAAAAAAAAAAAAAAAABQAAAAAAAAAwMD/AAAAAABkAAAAMgAAAAAAAABkAAAAAAAAAH9/fwAKAAAAIgAAABgAAAAAAAAAAAAAAAAAAAAAAAAAAAAAAAAAAAAkAAAAJAAAAAAAAAAHAAAAAAAAAAAAAAAAAAAAAAAAAAAAAAAAAAAAf39/ACUAAABYAAAAAAAAAAAAAAAAAAAAAAAAAAAAAAAAAAAAAAAAAAAAAAAAAAAAAAAAAAAAAAA/AAAAAAAAAKCGAQAAAAAAAAAAAAAAAAAMAAAAAQAAAAAAAAAAAAAAAAAAAB8AAABUAAAAAAAABQAAAAEAAAAAAAAAAAAAAAAAAAAAAAAAAAAAAAAAAAAAAAAAAAAAAAB/f38AAAAAA8zMzADAwP8Af39/AAAAAAAAAAAAAAAAAAAAAAAAAAAAIQAAABgAAAAUAAAAWAIAADgEAADYJwAAUBkAABAAAAAmAAAACAAAAAEPAAAAAAAA"/>
-              </a:ext>
-            </a:extLst>
-          </p:cNvSpPr>
-          <p:nvPr>
-            <p:ph type="sldImg" idx="2"/>
-          </p:nvPr>
-        </p:nvSpPr>
-        <p:spPr>
-          <a:xfrm>
-            <a:off x="381000" y="685800"/>
-            <a:ext cx="6096000" cy="3429000"/>
-          </a:xfrm>
-          <a:custGeom>
-            <a:avLst/>
-            <a:gdLst/>
-            <a:ahLst/>
-            <a:cxnLst/>
-            <a:rect l="0" t="0" r="6096000" b="3429000"/>
-            <a:pathLst>
-              <a:path w="6096000" h="3429000" fill="none" extrusionOk="0">
-                <a:moveTo>
-                  <a:pt x="0" y="0"/>
-                </a:moveTo>
-                <a:lnTo>
-                  <a:pt x="6096000" y="0"/>
-                </a:lnTo>
-                <a:lnTo>
-                  <a:pt x="6096000" y="3429000"/>
-                </a:lnTo>
-                <a:lnTo>
-                  <a:pt x="0" y="3429000"/>
-                </a:lnTo>
-                <a:close/>
-              </a:path>
-            </a:pathLst>
-          </a:custGeom>
-        </p:spPr>
-      </p:sp>
-      <p:sp>
-        <p:nvSpPr>
-          <p:cNvPr id="3" name="Google Shape;202;gdf29b9fb24_0_69:notes"/>
-          <p:cNvSpPr>
-            <a:spLocks noGrp="1" noChangeArrowheads="1"/>
-            <a:extLst>
-              <a:ext uri="smNativeData">
-                <pr:smNativeData xmlns:pr="smNativeData" xmlns="smNativeData" val="SMDATA_15_t6npZxMAAAAlAAAAZAAAAA0AAAAAkAAAAJAAAACQAAAAkAAAAAAAAAAAAAAAAAAAAAEAAABQAAAAAAAAAAAA4D8AAAAAAADgPwAAAAAAAOA/AAAAAAAA4D8AAAAAAADgPwAAAAAAAOA/AAAAAAAA4D8AAAAAAADgPwAAAAAAAOA/AAAAAAAA4D8CAAAAjAAAAAAAAAAAAAAAQoX0DP///wgAAAAAAAAAAAAAAAAAAAAAAAAAAAAAAAAAAAAAZAAAAAEAAABAAAAAAAAAAAAAAAAAAAAAAAAAAAAAAAAAAAAAAAAAAAAAAAAAAAAAAAAAAAAAAAAAAAAAAAAAAAAAAAAAAAAAAAAAAAAAAAAAAAAAAAAAAAAAAAAAAAAAFAAAADwAAAAAAAAAAAAAAAAAAAkUAAAAAQAAABQAAAAUAAAAFAAAAAEAAAAAAAAAZAAAAGQAAAAAAAAAZAAAAGQAAAAVAAAAYAAAAAAAAAAAAAAADwAAACADAAAAAAAAAAAAAAEAAACgMgAAVgcAAKr4//8BAAAAf39/AAEAAABkAAAAAAAAABQAAABAHwAAAAAAACYAAAAAAAAAwOD//wAAAAAmAAAAZAAAABYAAABMAAAAAAAAAAAAAAAEAAAAAAAAAAEAAABZWVkKAAAAACgAAAAoAAAAZAAAAGQAAAAAAAAAzMzMAAAAAABQAAAAUAAAAGQAAABkAAAAAAAAABcAAAAUAAAAAAAAAAAAAAD/fwAA/38AAAAAAAAJAAAABAAAAAAAAAAeAAAAaAAAAAAAAAAAAAAAAAAAAAAAAAAAAAAAECcAABAnAAAAAAAAAAAAAAAAAAAAAAAAAAAAAAAAAAAAAAAAAAAAABQAAAAAAAAAwMD/AAAAAABkAAAAMgAAAAAAAABkAAAAAAAAAH9/fwAKAAAAIgAAABgAAAAAAAAAAAAAAAAAAAAAAAAAAAAAAAAAAAAkAAAAJAAAAAAAAAAHAAAAAAAAAAAAAAAAAAAAAAAAAAAAAAAAAAAAf39/ACUAAABYAAAAAAAAAAAAAAAAAAAAAAAAAAAAAAAAAAAAAAAAAAAAAAAAAAAAAAAAAAAAAAA/AAAAAAAAAKCGAQAAAAAAAAAAAAAAAAAMAAAAAQAAAAAAAAAAAAAAAAAAAB8AAABUAAAAAAAABQAAAAEAAAAAAAAAAAAAAAAAAAAAAAAAAAAAAAAAAAAAAAAAAAAAAAJ/f38AAAAAA8zMzADAwP8Af39/AAAAAAAAAAAAAAAAAAAAAAAAAAAAIQAAABgAAAAUAAAAOAQAALgaAAD4JQAACDQAABAAAAAmAAAACAAAAL0/AAAAAAAA"/>
+                <pr:smNativeData xmlns:pr="smNativeData" xmlns="smNativeData" val="SMDATA_15_f8v4ZxMAAAAlAAAAZAAAAA0AAAAAkAAAAJAAAACQAAAAkAAAAAAAAAAAAAAAAAAAAAEAAABQAAAAAAAAAAAA4D8AAAAAAADgPwAAAAAAAOA/AAAAAAAA4D8AAAAAAADgPwAAAAAAAOA/AAAAAAAA4D8AAAAAAADgPwAAAAAAAOA/AAAAAAAA4D8CAAAAjAAAAAAAAAAAAAAAQoX0DP///wgAAAAAAAAAAAAAAAAAAAAAAAAAAAAAAAAAAAAAZAAAAAEAAABAAAAAAAAAAAAAAAAAAAAAAAAAAAAAAAAAAAAAAAAAAAAAAAAAAAAAAAAAAAAAAAAAAAAAAAAAAAAAAAAAAAAAAAAAAAAAAAAAAAAAAAAAAAAAAAAAAAAAFAAAADwAAAAAAAAAAAAAAAAAAAkUAAAAAQAAABQAAAAUAAAAFAAAAAEAAAAAAAAAZAAAAGQAAAAAAAAAZAAAAGQAAAAVAAAAYAAAAAAAAAAAAAAADwAAACADAAAAAAAAAAAAAAEAAACgMgAAVgcAAKr4//8BAAAAf39/AAEAAABkAAAAAAAAABQAAABAHwAAAAAAACYAAAAAAAAAwOD//wAAAAAmAAAAZAAAABYAAABMAAAAAAAAAAAAAAAEAAAAAAAAAAEAAABZWVkKAAAAACgAAAAoAAAAZAAAAGQAAAAAAAAAzMzMAAAAAABQAAAAUAAAAGQAAABkAAAAAAAAABcAAAAUAAAAAAAAAAAAAAD/fwAA/38AAAAAAAAJAAAABAAAAAAAAAAeAAAAaAAAAAAAAAAAAAAAAAAAAAAAAAAAAAAAECcAABAnAAAAAAAAAAAAAAAAAAAAAAAAAAAAAAAAAAAAAAAAAAAAABQAAAAAAAAAwMD/AAAAAABkAAAAMgAAAAAAAABkAAAAAAAAAH9/fwAKAAAAIgAAABgAAAAAAAAAAAAAAAAAAAAAAAAAAAAAAAAAAAAkAAAAJAAAAAAAAAAHAAAAAAAAAAAAAAAAAAAAAAAAAAAAAAAAAAAAf39/ACUAAABYAAAAAAAAAAAAAAAAAAAAAAAAAAAAAAAAAAAAAAAAAAAAAAAAAAAAAAAAAAAAAAA/AAAAAAAAAKCGAQAAAAAAAAAAAAAAAAAMAAAAAQAAAAAAAAAAAAAAAAAAAB8AAABUAAAAAAAABQAAAAEAAAAAAAAAAAAAAAAAAAAAAAAAAAAAAAAAAAAAAAAAAAAAAAJ/f38AAAAAA8zMzADAwP8Af39/AAAAAAAAAAAAAAAAAAAAAAAAAAAAIQAAABgAAAAUAAAAOAQAALgaAAD4JQAACDQAABAAAAAmAAAACAAAAL0/AAAAAAAA"/>
               </a:ext>
             </a:extLst>
           </p:cNvSpPr>
@@ -2661,7 +2661,7 @@
           <p:cNvPicPr>
             <a:extLst>
               <a:ext uri="smNativeData">
-                <pr:smNativeData xmlns:pr="smNativeData" xmlns="smNativeData" val="SMDATA_17_t6npZxMAAAAlAAAAEQAAAA0AAAAAkAAAAEgAAACQAAAASAAAAAAAAAAAAAAAAAAAAAEAAABQAAAAAAAAAAAA4D8AAAAAAADgPwAAAAAAAOA/AAAAAAAA4D8AAAAAAADgPwAAAAAAAOA/AAAAAAAA4D8AAAAAAADgPwAAAAAAAOA/AAAAAAAA4D8CAAAAjAAAAAAAAAAAAAAAQoX0DP///wgAAAAAAAAAAAAAAAAAAAAAAAAAAAAAAAAAAAAAZAAAAAEAAABAAAAAAAAAAAAAAAAAAAAAAAAAAAAAAAAAAAAAAAAAAAAAAAAAAAAAAAAAAAAAAAAAAAAAAAAAAAAAAAAAAAAAAAAAAAAAAAAAAAAAAAAAAAAAAAAAAAAAFAAAADwAAAAAAAAAAAAAAAAAAAkUAAAAAQAAABQAAAAUAAAAFAAAAAEAAAAAAAAAZAAAAGQAAAAAAAAAZAAAAGQAAAAVAAAAYAAAAAAAAAAAAAAADwAAACADAAAAAAAAAAAAAAEAAACgMgAAVgcAAKr4//8BAAAAf39/AAEAAABkAAAAAAAAABQAAABAHwAAAAAAACYAAAAAAAAAwOD//wAAAAAmAAAAZAAAABYAAABMAAAAAAAAAAAAAAAEAAAAAAAAAAEAAABZWVkKAAAAACgAAAAoAAAAZAAAAGQAAAAAAAAAzMzMAAAAAABQAAAAUAAAAGQAAABkAAAAAAAAAAcAAAA4AAAAAAAAAAAAAAAAAAAA////AAAAAAAAAAAACgAAAAAAAAAKAAAAAAAAAAAAAABkAAAAZAAAAAAAAAAjAAAABAAAAGQAAAAXAAAAFAAAAAAAAAAAAAAA/38AAP9/AAAAAAAACQAAAAQAAABAUt8BHgAAAGgAAAAAAAAAAAAAAAAAAAAAAAAAAAAAABAnAAAQJwAAAAAAAAAAAAAAAAAAAAAAAAAAAAAAAAAAAAAAAAAAAAAUAAAAAAAAAMDA/wAAAAAAZAAAADIAAAAAAAAAZAAAAAAAAAB/f38ACgAAACIAAAAYAAAAAAAAAAAAAAAAAAAAAAAAAAAAAAAAAAAAJAAAACQAAAAAAAAABwAAAAAAAAAAAAAAAAAAAAAAAAAAAAAAAAAAAH9/fwAlAAAAWAAAAAAAAAAAAAAAAAAAAAAAAAAAAAAAAAAAAAAAAAAAAAAAAAAAAAAAAAAAAAAAPwAAAAAAAACghgEAAAAAAAAAAAAAAAAADAAAAAEAAAAAAAAAAAAAAAAAAAAfAAAAVAAAAAAAAAUAAAABAAAAAAAAAAAAAAAAAAAAAAAAAAAAAAAAAAAAAAAAAAAAAAACf39/AAAAAAPMzMwAwMD/AH9/fwAAAAAAAAAAAAAAAAD///8AAAAAACEAAAAYAAAAFAAAAOT////w////dDgAANEfAAAQAAAAJgAAAAgAAAD//////////w=="/>
+                <pr:smNativeData xmlns:pr="smNativeData" xmlns="smNativeData" val="SMDATA_17_f8v4ZxMAAAAlAAAAEQAAAA0AAAAAkAAAAEgAAACQAAAASAAAAAAAAAAAAAAAAAAAAAEAAABQAAAAAAAAAAAA4D8AAAAAAADgPwAAAAAAAOA/AAAAAAAA4D8AAAAAAADgPwAAAAAAAOA/AAAAAAAA4D8AAAAAAADgPwAAAAAAAOA/AAAAAAAA4D8CAAAAjAAAAAAAAAAAAAAAQoX0DP///wgAAAAAAAAAAAAAAAAAAAAAAAAAAAAAAAAAAAAAZAAAAAEAAABAAAAAAAAAAAAAAAAAAAAAAAAAAAAAAAAAAAAAAAAAAAAAAAAAAAAAAAAAAAAAAAAAAAAAAAAAAAAAAAAAAAAAAAAAAAAAAAAAAAAAAAAAAAAAAAAAAAAAFAAAADwAAAAAAAAAAAAAAAAAAAkUAAAAAQAAABQAAAAUAAAAFAAAAAEAAAAAAAAAZAAAAGQAAAAAAAAAZAAAAGQAAAAVAAAAYAAAAAAAAAAAAAAADwAAACADAAAAAAAAAAAAAAEAAACgMgAAVgcAAKr4//8BAAAAf39/AAEAAABkAAAAAAAAABQAAABAHwAAAAAAACYAAAAAAAAAwOD//wAAAAAmAAAAZAAAABYAAABMAAAAAAAAAAAAAAAEAAAAAAAAAAEAAABZWVkKAAAAACgAAAAoAAAAZAAAAGQAAAAAAAAAzMzMAAAAAABQAAAAUAAAAGQAAABkAAAAAAAAAAcAAAA4AAAAAAAAAAAAAAAAAAAA////AAAAAAAAAAAACgAAAAAAAAAKAAAAAAAAAAAAAABkAAAAZAAAAAAAAAAjAAAABAAAAGQAAAAXAAAAFAAAAAAAAAAAAAAA/38AAP9/AAAAAAAACQAAAAQAAABAUt8BHgAAAGgAAAAAAAAAAAAAAAAAAAAAAAAAAAAAABAnAAAQJwAAAAAAAAAAAAAAAAAAAAAAAAAAAAAAAAAAAAAAAAAAAAAUAAAAAAAAAMDA/wAAAAAAZAAAADIAAAAAAAAAZAAAAAAAAAB/f38ACgAAACIAAAAYAAAAAAAAAAAAAAAAAAAAAAAAAAAAAAAAAAAAJAAAACQAAAAAAAAABwAAAAAAAAAAAAAAAAAAAAAAAAAAAAAAAAAAAH9/fwAlAAAAWAAAAAAAAAAAAAAAAAAAAAAAAAAAAAAAAAAAAAAAAAAAAAAAAAAAAAAAAAAAAAAAPwAAAAAAAACghgEAAAAAAAAAAAAAAAAADAAAAAEAAAAAAAAAAAAAAAAAAAAfAAAAVAAAAAAAAAUAAAABAAAAAAAAAAAAAAAAAAAAAAAAAAAAAAAAAAAAAAAAAAAAAAACf39/AAAAAAPMzMwAwMD/AH9/fwAAAAAAAAAAAAAAAAD///8AAAAAACEAAAAYAAAAFAAAAOT////w////dDgAANEfAAAQAAAAJgAAAAgAAAD//////////w=="/>
               </a:ext>
             </a:extLst>
           </p:cNvPicPr>
@@ -2696,7 +2696,7 @@
             <a:spLocks noGrp="1" noChangeArrowheads="1"/>
             <a:extLst>
               <a:ext uri="smNativeData">
-                <pr:smNativeData xmlns:pr="smNativeData" xmlns="smNativeData" val="SMDATA_15_t6npZxMAAAAlAAAAZAAAAA0AAAAAkAAAAJAAAACQAAAAkAAAAAAAAAAAAAAAAAAAAAEAAABQAAAAAAAAAAAA4D8AAAAAAADgPwAAAAAAAOA/AAAAAAAA4D8AAAAAAADgPwAAAAAAAOA/AAAAAAAA4D8AAAAAAADgPwAAAAAAAOA/AAAAAAAA4D8CAAAAjAAAAAAAAAAAAAAAQoX0DP///wgAAAAAAAAAAAAAAAAAAAAAAAAAAAAAAAAAAAAAZAAAAAEAAABAAAAAAAAAAAAAAAAAAAAAAAAAAAAAAAAAAAAAAAAAAAAAAAAAAAAAAAAAAAAAAAAAAAAAAAAAAAAAAAAAAAAAAAAAAAAAAAAAAAAAAAAAAAAAAAAAAAAAFAAAADwAAAAAAAAAAAAAAAAAAAkUAAAAAQAAABQAAAAUAAAAFAAAAAEAAAAAAAAAZAAAAGQAAAAAAAAAZAAAAGQAAAAVAAAAYAAAAAAAAAAAAAAADwAAACADAAAAAAAAAAAAAAEAAACgMgAAVgcAAKr4//8BAAAAf39/AAEAAABkAAAAAAAAABQAAABAHwAAAAAAACYAAAAAAAAAwOD//wAAAAAmAAAAZAAAABYAAABMAAAAAAAAAAAAAAAEAAAAAAAAAAEAAABZWVkKAAAAACgAAAAoAAAAZAAAAGQAAAAAAAAAzMzMAAAAAABQAAAAUAAAAGQAAABkAAAAAAAAABcAAAAUAAAAAAAAAAAAAAD/fwAA/38AAAAAAAAJAAAABAAAAAAAAAAeAAAAaAAAAAAAAAAAAAAAAAAAAAAAAAAAAAAAECcAABAnAAAAAAAAAAAAAAAAAAAAAAAAAAAAAAAAAAAAAAAAAAAAABQAAAAAAAAAwMD/AAAAAABkAAAAMgAAAAAAAABkAAAAAAAAAH9/fwAKAAAAIgAAABgAAAAAAAAAAAAAAAAAAAAAAAAAAAAAAAAAAAAkAAAAJAAAAAAAAAAHAAAAAAAAAAAAAAAAAAAAAAAAAAAAAAAAAAAAf39/ACUAAABYAAAAAAAAAAAAAAAAAAAAAAAAAAAAAAAAAAAAAAAAAAAAAAAAAAAAAAAAAAAAAAA/AAAAAAAAAKCGAQAAAAAAAAAAAAAAAAAMAAAAAQAAAAAAAAAAAAAAAAAAAB8AAABUAAAAAAAABQAAAAEAAAAAAAAAAAAAAAAAAAAAAAAAAAAAAAAAAAAAAAAAAAAAAAJ/f38AAAAAA8zMzADAwP8Af39/AAAAAAAAAAAAAAAAAAAAAAAAAAAAIQAAABgAAAAUAAAA0AUAAMMaAADUOAAAuB0AABAAAAAmAAAACAAAAD2wAAAAAAAA"/>
+                <pr:smNativeData xmlns:pr="smNativeData" xmlns="smNativeData" val="SMDATA_15_f8v4ZxMAAAAlAAAAZAAAAA0AAAAAkAAAAJAAAACQAAAAkAAAAAAAAAAAAAAAAAAAAAEAAABQAAAAAAAAAAAA4D8AAAAAAADgPwAAAAAAAOA/AAAAAAAA4D8AAAAAAADgPwAAAAAAAOA/AAAAAAAA4D8AAAAAAADgPwAAAAAAAOA/AAAAAAAA4D8CAAAAjAAAAAAAAAAAAAAAQoX0DP///wgAAAAAAAAAAAAAAAAAAAAAAAAAAAAAAAAAAAAAZAAAAAEAAABAAAAAAAAAAAAAAAAAAAAAAAAAAAAAAAAAAAAAAAAAAAAAAAAAAAAAAAAAAAAAAAAAAAAAAAAAAAAAAAAAAAAAAAAAAAAAAAAAAAAAAAAAAAAAAAAAAAAAFAAAADwAAAAAAAAAAAAAAAAAAAkUAAAAAQAAABQAAAAUAAAAFAAAAAEAAAAAAAAAZAAAAGQAAAAAAAAAZAAAAGQAAAAVAAAAYAAAAAAAAAAAAAAADwAAACADAAAAAAAAAAAAAAEAAACgMgAAVgcAAKr4//8BAAAAf39/AAEAAABkAAAAAAAAABQAAABAHwAAAAAAACYAAAAAAAAAwOD//wAAAAAmAAAAZAAAABYAAABMAAAAAAAAAAAAAAAEAAAAAAAAAAEAAABZWVkKAAAAACgAAAAoAAAAZAAAAGQAAAAAAAAAzMzMAAAAAABQAAAAUAAAAGQAAABkAAAAAAAAABcAAAAUAAAAAAAAAAAAAAD/fwAA/38AAAAAAAAJAAAABAAAAAAAAAAeAAAAaAAAAAAAAAAAAAAAAAAAAAAAAAAAAAAAECcAABAnAAAAAAAAAAAAAAAAAAAAAAAAAAAAAAAAAAAAAAAAAAAAABQAAAAAAAAAwMD/AAAAAABkAAAAMgAAAAAAAABkAAAAAAAAAH9/fwAKAAAAIgAAABgAAAAAAAAAAAAAAAAAAAAAAAAAAAAAAAAAAAAkAAAAJAAAAAAAAAAHAAAAAAAAAAAAAAAAAAAAAAAAAAAAAAAAAAAAf39/ACUAAABYAAAAAAAAAAAAAAAAAAAAAAAAAAAAAAAAAAAAAAAAAAAAAAAAAAAAAAAAAAAAAAA/AAAAAAAAAKCGAQAAAAAAAAAAAAAAAAAMAAAAAQAAAAAAAAAAAAAAAAAAAB8AAABUAAAAAAAABQAAAAEAAAAAAAAAAAAAAAAAAAAAAAAAAAAAAAAAAAAAAAAAAAAAAAJ/f38AAAAAA8zMzADAwP8Af39/AAAAAAAAAAAAAAAAAAAAAAAAAAAAIQAAABgAAAAUAAAA0AUAAMMaAADUOAAAuB0AABAAAAAmAAAACAAAAD2wAAAAAAAA"/>
               </a:ext>
             </a:extLst>
           </p:cNvSpPr>
@@ -2851,7 +2851,7 @@
             <a:spLocks noGrp="1" noChangeArrowheads="1"/>
             <a:extLst>
               <a:ext uri="smNativeData">
-                <pr:smNativeData xmlns:pr="smNativeData" xmlns="smNativeData" val="SMDATA_15_t6npZxMAAAAlAAAAZAAAAA0AAAAAkAAAAJAAAACQAAAAkAAAAAAAAAAAAAAAAAAAAAEAAABQAAAAAAAAAAAA4D8AAAAAAADgPwAAAAAAAOA/AAAAAAAA4D8AAAAAAADgPwAAAAAAAOA/AAAAAAAA4D8AAAAAAADgPwAAAAAAAOA/AAAAAAAA4D8CAAAAjAAAAAAAAAAAAAAAQoX0DP///wgAAAAAAAAAAAAAAAAAAAAAAAAAAAAAAAAAAAAAZAAAAAEAAABAAAAAAAAAAAAAAAAAAAAAAAAAAAAAAAAAAAAAAAAAAAAAAAAAAAAAAAAAAAAAAAAAAAAAAAAAAAAAAAAAAAAAAAAAAAAAAAAAAAAAAAAAAAAAAAAAAAAAFAAAADwAAAAAAAAAAAAAAAAAAAkUAAAAAQAAABQAAAAUAAAAFAAAAAEAAAAAAAAAZAAAAGQAAAAAAAAAZAAAAGQAAAAVAAAAYAAAAAAAAAAAAAAADwAAACADAAAAAAAAAAAAAAEAAACgMgAAVgcAAKr4//8BAAAAf39/AAEAAABkAAAAAAAAABQAAABAHwAAAAAAACYAAAAAAAAAwOD//wAAAAAmAAAAZAAAABYAAABMAAAAAAAAAAAAAAAEAAAAAAAAAAEAAABZWVkKAAAAACgAAAAoAAAAZAAAAGQAAAAAAAAAzMzMAAAAAABQAAAAUAAAAGQAAABkAAAAAAAAABcAAAAUAAAAAAAAAAAAAAD/fwAA/38AAAAAAAAJAAAABAAAAAAAAAAeAAAAaAAAAAAAAAAAAAAAAAAAAAAAAAAAAAAAECcAABAnAAAAAAAAAAAAAAAAAAAAAAAAAAAAAAAAAAAAAAAAAAAAABQAAAAAAAAAwMD/AAAAAABkAAAAMgAAAAAAAABkAAAAAAAAAH9/fwAKAAAAIgAAABgAAAAAAAAAAAAAAAAAAAAAAAAAAAAAAAAAAAAkAAAAJAAAAAAAAAAHAAAAAAAAAAAAAAAAAAAAAAAAAAAAAAAAAAAAf39/ACUAAABYAAAAAAAAAAAAAAAAAAAAAAAAAAAAAAAAAAAAAAAAAAAAAAAAAAAAAAAAAAAAAAA/AAAAAAAAAKCGAQAAAAAAAAAAAAAAAAAMAAAAAQAAAAAAAAAAAAAAAAAAAB8AAABUAAAAAAAABQAAAAEAAAAAAAAAAAAAAAAAAAAAAAAAAAAAAAAAAAAAAAAAAAAAAAJ/f38AAAAAA8zMzADAwP8Af39/AAAAAAAAAAAAAAAAAAAAAAAAAAAAIQAAABgAAAAUAAAA0AUAAOIKAAA1MwAAfxkAABAAAAAmAAAACAAAAD2wAAAAAAAA"/>
+                <pr:smNativeData xmlns:pr="smNativeData" xmlns="smNativeData" val="SMDATA_15_f8v4ZxMAAAAlAAAAZAAAAA0AAAAAkAAAAJAAAACQAAAAkAAAAAAAAAAAAAAAAAAAAAEAAABQAAAAAAAAAAAA4D8AAAAAAADgPwAAAAAAAOA/AAAAAAAA4D8AAAAAAADgPwAAAAAAAOA/AAAAAAAA4D8AAAAAAADgPwAAAAAAAOA/AAAAAAAA4D8CAAAAjAAAAAAAAAAAAAAAQoX0DP///wgAAAAAAAAAAAAAAAAAAAAAAAAAAAAAAAAAAAAAZAAAAAEAAABAAAAAAAAAAAAAAAAAAAAAAAAAAAAAAAAAAAAAAAAAAAAAAAAAAAAAAAAAAAAAAAAAAAAAAAAAAAAAAAAAAAAAAAAAAAAAAAAAAAAAAAAAAAAAAAAAAAAAFAAAADwAAAAAAAAAAAAAAAAAAAkUAAAAAQAAABQAAAAUAAAAFAAAAAEAAAAAAAAAZAAAAGQAAAAAAAAAZAAAAGQAAAAVAAAAYAAAAAAAAAAAAAAADwAAACADAAAAAAAAAAAAAAEAAACgMgAAVgcAAKr4//8BAAAAf39/AAEAAABkAAAAAAAAABQAAABAHwAAAAAAACYAAAAAAAAAwOD//wAAAAAmAAAAZAAAABYAAABMAAAAAAAAAAAAAAAEAAAAAAAAAAEAAABZWVkKAAAAACgAAAAoAAAAZAAAAGQAAAAAAAAAzMzMAAAAAABQAAAAUAAAAGQAAABkAAAAAAAAABcAAAAUAAAAAAAAAAAAAAD/fwAA/38AAAAAAAAJAAAABAAAAAAAAAAeAAAAaAAAAAAAAAAAAAAAAAAAAAAAAAAAAAAAECcAABAnAAAAAAAAAAAAAAAAAAAAAAAAAAAAAAAAAAAAAAAAAAAAABQAAAAAAAAAwMD/AAAAAABkAAAAMgAAAAAAAABkAAAAAAAAAH9/fwAKAAAAIgAAABgAAAAAAAAAAAAAAAAAAAAAAAAAAAAAAAAAAAAkAAAAJAAAAAAAAAAHAAAAAAAAAAAAAAAAAAAAAAAAAAAAAAAAAAAAf39/ACUAAABYAAAAAAAAAAAAAAAAAAAAAAAAAAAAAAAAAAAAAAAAAAAAAAAAAAAAAAAAAAAAAAA/AAAAAAAAAKCGAQAAAAAAAAAAAAAAAAAMAAAAAQAAAAAAAAAAAAAAAAAAAB8AAABUAAAAAAAABQAAAAEAAAAAAAAAAAAAAAAAAAAAAAAAAAAAAAAAAAAAAAAAAAAAAAJ/f38AAAAAA8zMzADAwP8Af39/AAAAAAAAAAAAAAAAAAAAAAAAAAAAIQAAABgAAAAUAAAA0AUAAOIKAAA1MwAAfxkAABAAAAAmAAAACAAAAD2wAAAAAAAA"/>
               </a:ext>
             </a:extLst>
           </p:cNvSpPr>
@@ -3031,7 +3031,7 @@
             <a:spLocks noGrp="1" noChangeArrowheads="1"/>
             <a:extLst>
               <a:ext uri="smNativeData">
-                <pr:smNativeData xmlns:pr="smNativeData" xmlns="smNativeData" val="SMDATA_15_t6npZxMAAAAlAAAAZAAAAA0AAAAAkAAAAJAAAACQAAAAkAAAAAAAAAAAAAAAAAAAAAEAAABQAAAAAAAAAAAA4D8AAAAAAADgPwAAAAAAAOA/AAAAAAAA4D8AAAAAAADgPwAAAAAAAOA/AAAAAAAA4D8AAAAAAADgPwAAAAAAAOA/AAAAAAAA4D8CAAAAjAAAAAAAAAAAAAAAQoX0DP///wgAAAAAAAAAAAAAAAAAAAAAAAAAAAAAAAAAAAAAZAAAAAEAAABAAAAAAAAAAAAAAAAAAAAAAAAAAAAAAAAAAAAAAAAAAAAAAAAAAAAAAAAAAAAAAAAAAAAAAAAAAAAAAAAAAAAAAAAAAAAAAAAAAAAAAAAAAAAAAAAAAAAAFAAAADwAAAAAAAAAAAAAAAAAAAkUAAAAAQAAABQAAAAUAAAAFAAAAAEAAAAAAAAAZAAAAGQAAAAAAAAAZAAAAGQAAAAVAAAAYAAAAAAAAAAAAAAADwAAACADAAAAAAAAAAAAAAEAAACgMgAAVgcAAKr4//8BAAAAf39/AAEAAABkAAAAAAAAABQAAABAHwAAAAAAACYAAAAAAAAAwOD//wAAAAAmAAAAZAAAABYAAABMAAAAAAAAAAAAAAAEAAAAAAAAAAEAAABZWVkKAAAAACgAAAAoAAAAZAAAAGQAAAAAAAAAzMzMAAAAAABQAAAAUAAAAGQAAABkAAAAAAAAABcAAAAUAAAAAAAAAAAAAAD/fwAA/38AAAAAAAAJAAAABAAAAHgAeAAeAAAAaAAAAAAAAAAAAAAAAAAAAAAAAAAAAAAAECcAABAnAAAAAAAAAAAAAAAAAAAAAAAAAAAAAAAAAAAAAAAAAAAAABQAAAAAAAAAwMD/AAAAAABkAAAAMgAAAAAAAABkAAAAAAAAAH9/fwAKAAAAIgAAABgAAAAAAAAAAAAAAAAAAAAAAAAAAAAAAAAAAAAkAAAAJAAAAAAAAAAHAAAAAAAAAAAAAAAAAAAAAAAAAAAAAAAAAAAAf39/ACUAAABYAAAAAAAAAAAAAAAAAAAAAAAAAAAAAAAAAAAAAAAAAAAAAAAAAAAAAAAAAAAAAAA/AAAAAAAAAKCGAQAAAAAAAAAAAAAAAAAMAAAAAQAAAAAAAAAAAAAAAAAAAB8AAABUAAAAAAAABQAAAAEAAAAAAAAAAAAAAAAAAAAAAAAAAAAAAAAAAAAAAAAAAAAAAAJ/f38AAAAAA8zMzADAwP8Af39/AAAAAAAAAAAAAAAAAAAAAAAAAAAAIQAAABgAAAAUAAAAFAMAAAkCAAB/NwAAxwgAABAAAAAmAAAACAAAADywAAAAAAAA"/>
+                <pr:smNativeData xmlns:pr="smNativeData" xmlns="smNativeData" val="SMDATA_15_f8v4ZxMAAAAlAAAAZAAAAA0AAAAAkAAAAJAAAACQAAAAkAAAAAAAAAAAAAAAAAAAAAEAAABQAAAAAAAAAAAA4D8AAAAAAADgPwAAAAAAAOA/AAAAAAAA4D8AAAAAAADgPwAAAAAAAOA/AAAAAAAA4D8AAAAAAADgPwAAAAAAAOA/AAAAAAAA4D8CAAAAjAAAAAAAAAAAAAAAQoX0DP///wgAAAAAAAAAAAAAAAAAAAAAAAAAAAAAAAAAAAAAZAAAAAEAAABAAAAAAAAAAAAAAAAAAAAAAAAAAAAAAAAAAAAAAAAAAAAAAAAAAAAAAAAAAAAAAAAAAAAAAAAAAAAAAAAAAAAAAAAAAAAAAAAAAAAAAAAAAAAAAAAAAAAAFAAAADwAAAAAAAAAAAAAAAAAAAkUAAAAAQAAABQAAAAUAAAAFAAAAAEAAAAAAAAAZAAAAGQAAAAAAAAAZAAAAGQAAAAVAAAAYAAAAAAAAAAAAAAADwAAACADAAAAAAAAAAAAAAEAAACgMgAAVgcAAKr4//8BAAAAf39/AAEAAABkAAAAAAAAABQAAABAHwAAAAAAACYAAAAAAAAAwOD//wAAAAAmAAAAZAAAABYAAABMAAAAAAAAAAAAAAAEAAAAAAAAAAEAAABZWVkKAAAAACgAAAAoAAAAZAAAAGQAAAAAAAAAzMzMAAAAAABQAAAAUAAAAGQAAABkAAAAAAAAABcAAAAUAAAAAAAAAAAAAAD/fwAA/38AAAAAAAAJAAAABAAAAHgAeAAeAAAAaAAAAAAAAAAAAAAAAAAAAAAAAAAAAAAAECcAABAnAAAAAAAAAAAAAAAAAAAAAAAAAAAAAAAAAAAAAAAAAAAAABQAAAAAAAAAwMD/AAAAAABkAAAAMgAAAAAAAABkAAAAAAAAAH9/fwAKAAAAIgAAABgAAAAAAAAAAAAAAAAAAAAAAAAAAAAAAAAAAAAkAAAAJAAAAAAAAAAHAAAAAAAAAAAAAAAAAAAAAAAAAAAAAAAAAAAAf39/ACUAAABYAAAAAAAAAAAAAAAAAAAAAAAAAAAAAAAAAAAAAAAAAAAAAAAAAAAAAAAAAAAAAAA/AAAAAAAAAKCGAQAAAAAAAAAAAAAAAAAMAAAAAQAAAAAAAAAAAAAAAAAAAB8AAABUAAAAAAAABQAAAAEAAAAAAAAAAAAAAAAAAAAAAAAAAAAAAAAAAAAAAAAAAAAAAAJ/f38AAAAAA8zMzADAwP8Af39/AAAAAAAAAAAAAAAAAAAAAAAAAAAAIQAAABgAAAAUAAAAFAMAAAkCAAB/NwAAxwgAABAAAAAmAAAACAAAADywAAAAAAAA"/>
               </a:ext>
             </a:extLst>
           </p:cNvSpPr>
@@ -3166,7 +3166,7 @@
             <a:spLocks noGrp="1" noChangeArrowheads="1"/>
             <a:extLst>
               <a:ext uri="smNativeData">
-                <pr:smNativeData xmlns:pr="smNativeData" xmlns="smNativeData" val="SMDATA_15_t6npZxMAAAAlAAAAZAAAAA0AAAAAkAAAAJAAAACQAAAAkAAAAAAAAAAAAAAAAAAAAAEAAABQAAAAAAAAAAAA4D8AAAAAAADgPwAAAAAAAOA/AAAAAAAA4D8AAAAAAADgPwAAAAAAAOA/AAAAAAAA4D8AAAAAAADgPwAAAAAAAOA/AAAAAAAA4D8CAAAAjAAAAAAAAAAAAAAAQoX0DP///wgAAAAAAAAAAAAAAAAAAAAAAAAAAAAAAAAAAAAAZAAAAAEAAABAAAAAAAAAAAAAAAAAAAAAAAAAAAAAAAAAAAAAAAAAAAAAAAAAAAAAAAAAAAAAAAAAAAAAAAAAAAAAAAAAAAAAAAAAAAAAAAAAAAAAAAAAAAAAAAAAAAAAFAAAADwAAAAAAAAAAAAAAAAAAAkUAAAAAQAAABQAAAAUAAAAFAAAAAEAAAAAAAAAZAAAAGQAAAAAAAAAZAAAAGQAAAAVAAAAYAAAAAAAAAAAAAAADwAAACADAAAAAAAAAAAAAAEAAACgMgAAVgcAAKr4//8BAAAAf39/AAEAAABkAAAAAAAAABQAAABAHwAAAAAAACYAAAAAAAAAwOD//wAAAAAmAAAAZAAAABYAAABMAAAAAAAAAAAAAAAEAAAAAAAAAAEAAABZWVkKAAAAACgAAAAoAAAAZAAAAGQAAAAAAAAAzMzMAAAAAABQAAAAUAAAAGQAAABkAAAAAAAAABcAAAAUAAAAAAAAAAAAAAD/fwAA/38AAAAAAAAJAAAABAAAAAAAAAAeAAAAaAAAAAAAAAAAAAAAAAAAAAAAAAAAAAAAECcAABAnAAAAAAAAAAAAAAAAAAAAAAAAAAAAAAAAAAAAAAAAAAAAABQAAAAAAAAAwMD/AAAAAABkAAAAMgAAAAAAAABkAAAAAAAAAH9/fwAKAAAAIgAAABgAAAAAAAAAAAAAAAAAAAAAAAAAAAAAAAAAAAAkAAAAJAAAAAAAAAAHAAAAAAAAAAAAAAAAAAAAAAAAAAAAAAAAAAAAf39/ACUAAABYAAAAAAAAAAAAAAAAAAAAAAAAAAAAAAAAAAAAAAAAAAAAAAAAAAAAAAAAAAAAAAA/AAAAAAAAAKCGAQAAAAAAAAAAAAAAAAAMAAAAAQAAAAAAAAAAAAAAAAAAAB8AAABUAAAAAAAABQAAAAEAAAAAAAAAAAAAAAAAAAAAAAAAAAAAAAAAAAAAAAAAAAAAAAJ/f38AAAAAA8zMzADAwP8Af39/AAAAAAAAAAAAAAAAAAAAAAAAAAAAIQAAABgAAAAUAAAAFAMAAAkCAAB/NwAAxwgAABAAAAAmAAAACAAAADywAAAAAAAA"/>
+                <pr:smNativeData xmlns:pr="smNativeData" xmlns="smNativeData" val="SMDATA_15_f8v4ZxMAAAAlAAAAZAAAAA0AAAAAkAAAAJAAAACQAAAAkAAAAAAAAAAAAAAAAAAAAAEAAABQAAAAAAAAAAAA4D8AAAAAAADgPwAAAAAAAOA/AAAAAAAA4D8AAAAAAADgPwAAAAAAAOA/AAAAAAAA4D8AAAAAAADgPwAAAAAAAOA/AAAAAAAA4D8CAAAAjAAAAAAAAAAAAAAAQoX0DP///wgAAAAAAAAAAAAAAAAAAAAAAAAAAAAAAAAAAAAAZAAAAAEAAABAAAAAAAAAAAAAAAAAAAAAAAAAAAAAAAAAAAAAAAAAAAAAAAAAAAAAAAAAAAAAAAAAAAAAAAAAAAAAAAAAAAAAAAAAAAAAAAAAAAAAAAAAAAAAAAAAAAAAFAAAADwAAAAAAAAAAAAAAAAAAAkUAAAAAQAAABQAAAAUAAAAFAAAAAEAAAAAAAAAZAAAAGQAAAAAAAAAZAAAAGQAAAAVAAAAYAAAAAAAAAAAAAAADwAAACADAAAAAAAAAAAAAAEAAACgMgAAVgcAAKr4//8BAAAAf39/AAEAAABkAAAAAAAAABQAAABAHwAAAAAAACYAAAAAAAAAwOD//wAAAAAmAAAAZAAAABYAAABMAAAAAAAAAAAAAAAEAAAAAAAAAAEAAABZWVkKAAAAACgAAAAoAAAAZAAAAGQAAAAAAAAAzMzMAAAAAABQAAAAUAAAAGQAAABkAAAAAAAAABcAAAAUAAAAAAAAAAAAAAD/fwAA/38AAAAAAAAJAAAABAAAAAAAAAAeAAAAaAAAAAAAAAAAAAAAAAAAAAAAAAAAAAAAECcAABAnAAAAAAAAAAAAAAAAAAAAAAAAAAAAAAAAAAAAAAAAAAAAABQAAAAAAAAAwMD/AAAAAABkAAAAMgAAAAAAAABkAAAAAAAAAH9/fwAKAAAAIgAAABgAAAAAAAAAAAAAAAAAAAAAAAAAAAAAAAAAAAAkAAAAJAAAAAAAAAAHAAAAAAAAAAAAAAAAAAAAAAAAAAAAAAAAAAAAf39/ACUAAABYAAAAAAAAAAAAAAAAAAAAAAAAAAAAAAAAAAAAAAAAAAAAAAAAAAAAAAAAAAAAAAA/AAAAAAAAAKCGAQAAAAAAAAAAAAAAAAAMAAAAAQAAAAAAAAAAAAAAAAAAAB8AAABUAAAAAAAABQAAAAEAAAAAAAAAAAAAAAAAAAAAAAAAAAAAAAAAAAAAAAAAAAAAAAJ/f38AAAAAA8zMzADAwP8Af39/AAAAAAAAAAAAAAAAAAAAAAAAAAAAIQAAABgAAAAUAAAAFAMAAAkCAAB/NwAAxwgAABAAAAAmAAAACAAAADywAAAAAAAA"/>
               </a:ext>
             </a:extLst>
           </p:cNvSpPr>
@@ -3275,7 +3275,7 @@
           <p:cNvSpPr>
             <a:extLst>
               <a:ext uri="smNativeData">
-                <pr:smNativeData xmlns:pr="smNativeData" xmlns="smNativeData" val="SMDATA_15_t6npZxMAAAAlAAAAZAAAAA0AAAAAkAAAAJAAAACQAAAAkAAAAAAAAAABAAAAAAAAAAEAAABQAAAAAAAAAAAA4D8AAAAAAADgPwAAAAAAAOA/AAAAAAAA4D8AAAAAAADgPwAAAAAAAOA/AAAAAAAA4D8AAAAAAADgPwAAAAAAAOA/AAAAAAAA4D8CAAAAjAAAAAEAAAAAAAAA+/v+AP///wgAAAAAAAAAAAAAAAAAAAAAAAAAAAAAAAAAAAAAeAAAAAEAAABAAAAAAAAAAAAAAABaAAAAAAAAAAAAAAAAAAAAAAAAAAAAAAAAAAAAAAAAAAAAAAAAAAAAAAAAAAAAAAAAAAAAAAAAAAAAAAAAAAAAAAAAAAAAAAAAAAAAFAAAADwAAAAAAAAAAAAAAAAAAAkUAAAAAQAAABQAAAAUAAAAFAAAAAEAAAAAAAAAZAAAAGQAAAAAAAAAZAAAAGQAAAAVAAAAYAAAAAAAAAAAAAAADwAAACADAAAAAAAAAAAAAAEAAACgMgAAVgcAAKr4//8BAAAAf39/AAEAAABkAAAAAAAAABQAAABAHwAAAAAAACYAAAAAAAAAwOD//wAAAAAmAAAAZAAAABYAAABMAAAAAAAAAAAAAAAEAAAAAAAAAAEAAABZWVkKAAAAACgAAAAoAAAAZAAAAGQAAAAAAAAAzMzMAAAAAABQAAAAUAAAAGQAAABkAAAAAAAAABcAAAAUAAAAAAAAAAAAAAD/fwAA/38AAAAAAAAJAAAABAAAAHNsaWQeAAAAaAAAAAAAAAAAAAAAAAAAAAAAAAAAAAAAECcAABAnAAAAAAAAAAAAAAAAAAAAAAAAAAAAAAAAAAAAAAAAAAAAABQAAAAAAAAAwMD/AAAAAABkAAAAMgAAAAAAAABkAAAAAAAAAH9/fwAKAAAAIgAAABgAAAAAAAAAAAAAAAAAAAAAAAAAAAAAAAAAAAAkAAAAJAAAAAAAAAAHAAAAAAAAAAAAAAAAAAAAAAAAAAAAAAAAAAAAf39/ACUAAABYAAAAAAAAAAAAAAAAAAAAAAAAAAAAAAAAAAAAAAAAAAAAAAAAAAAAAAAAAAAAAAA/AAAAAAAAAKCGAQAAAAAAAAAAAAAAAAAMAAAAAQAAAAAAAAAAAAAAAAAAAB8AAABUAAAA+/v+AAAAAAEAAAAAAAAAAAAAAAAAAAAAAAAAAAAAAAAAAAAAAAAAAAAAAAJ/f38AAAAAA8zMzADAwP8Af39/AAAAAAAAAAAAAAAAAAAAAAAAAAAAIQAAABgAAAAUAAAAogMAAGYIAADGNAAAZB0AABAAAAAmAAAACAAAAP//////////"/>
+                <pr:smNativeData xmlns:pr="smNativeData" xmlns="smNativeData" val="SMDATA_15_f8v4ZxMAAAAlAAAAZAAAAA0AAAAAkAAAAJAAAACQAAAAkAAAAAAAAAABAAAAAAAAAAEAAABQAAAAAAAAAAAA4D8AAAAAAADgPwAAAAAAAOA/AAAAAAAA4D8AAAAAAADgPwAAAAAAAOA/AAAAAAAA4D8AAAAAAADgPwAAAAAAAOA/AAAAAAAA4D8CAAAAjAAAAAEAAAAAAAAA+/v+AP///wgAAAAAAAAAAAAAAAAAAAAAAAAAAAAAAAAAAAAAeAAAAAEAAABAAAAAAAAAAAAAAABaAAAAAAAAAAAAAAAAAAAAAAAAAAAAAAAAAAAAAAAAAAAAAAAAAAAAAAAAAAAAAAAAAAAAAAAAAAAAAAAAAAAAAAAAAAAAAAAAAAAAFAAAADwAAAAAAAAAAAAAAAAAAAkUAAAAAQAAABQAAAAUAAAAFAAAAAEAAAAAAAAAZAAAAGQAAAAAAAAAZAAAAGQAAAAVAAAAYAAAAAAAAAAAAAAADwAAACADAAAAAAAAAAAAAAEAAACgMgAAVgcAAKr4//8BAAAAf39/AAEAAABkAAAAAAAAABQAAABAHwAAAAAAACYAAAAAAAAAwOD//wAAAAAmAAAAZAAAABYAAABMAAAAAAAAAAAAAAAEAAAAAAAAAAEAAABZWVkKAAAAACgAAAAoAAAAZAAAAGQAAAAAAAAAzMzMAAAAAABQAAAAUAAAAGQAAABkAAAAAAAAABcAAAAUAAAAAAAAAAAAAAD/fwAA/38AAAAAAAAJAAAABAAAAHNsaWQeAAAAaAAAAAAAAAAAAAAAAAAAAAAAAAAAAAAAECcAABAnAAAAAAAAAAAAAAAAAAAAAAAAAAAAAAAAAAAAAAAAAAAAABQAAAAAAAAAwMD/AAAAAABkAAAAMgAAAAAAAABkAAAAAAAAAH9/fwAKAAAAIgAAABgAAAAAAAAAAAAAAAAAAAAAAAAAAAAAAAAAAAAkAAAAJAAAAAAAAAAHAAAAAAAAAAAAAAAAAAAAAAAAAAAAAAAAAAAAf39/ACUAAABYAAAAAAAAAAAAAAAAAAAAAAAAAAAAAAAAAAAAAAAAAAAAAAAAAAAAAAAAAAAAAAA/AAAAAAAAAKCGAQAAAAAAAAAAAAAAAAAMAAAAAQAAAAAAAAAAAAAAAAAAAB8AAABUAAAA+/v+AAAAAAEAAAAAAAAAAAAAAAAAAAAAAAAAAAAAAAAAAAAAAAAAAAAAAAJ/f38AAAAAA8zMzADAwP8Af39/AAAAAAAAAAAAAAAAAAAAAAAAAAAAIQAAABgAAAAUAAAAogMAAGYIAADGNAAAZB0AABAAAAAmAAAACAAAAP//////////"/>
               </a:ext>
             </a:extLst>
           </p:cNvSpPr>
@@ -3320,7 +3320,7 @@
             <a:spLocks noGrp="1" noChangeArrowheads="1"/>
             <a:extLst>
               <a:ext uri="smNativeData">
-                <pr:smNativeData xmlns:pr="smNativeData" xmlns="smNativeData" val="SMDATA_15_t6npZxMAAAAlAAAAZAAAAA0AAAAAkAAAAJAAAACQAAAAkAAAAAAAAAAAAAAAAAAAAAEAAABQAAAAAAAAAAAA4D8AAAAAAADgPwAAAAAAAOA/AAAAAAAA4D8AAAAAAADgPwAAAAAAAOA/AAAAAAAA4D8AAAAAAADgPwAAAAAAAOA/AAAAAAAA4D8CAAAAjAAAAAAAAAAAAAAAQoX0DP///wgAAAAAAAAAAAAAAAAAAAAAAAAAAAAAAAAAAAAAZAAAAAEAAABAAAAAAAAAAAAAAAAAAAAAAAAAAAAAAAAAAAAAAAAAAAAAAAAAAAAAAAAAAAAAAAAAAAAAAAAAAAAAAAAAAAAAAAAAAAAAAAAAAAAAAAAAAAAAAAAAAAAAFAAAADwAAAAAAAAAAAAAAAAAAAkUAAAAAQAAABQAAAAUAAAAFAAAAAEAAAAAAAAAZAAAAGQAAAAAAAAAZAAAAGQAAAAVAAAAYAAAAAAAAAAAAAAADwAAACADAAAAAAAAAAAAAAEAAACgMgAAVgcAAKr4//8BAAAAf39/AAEAAABkAAAAAAAAABQAAABAHwAAAAAAACYAAAAAAAAAwOD//wAAAAAmAAAAZAAAABYAAABMAAAAAAAAAAAAAAAEAAAAAAAAAAEAAABZWVkKAAAAACgAAAAoAAAAZAAAAGQAAAAAAAAAzMzMAAAAAABQAAAAUAAAAGQAAABkAAAAAAAAABcAAAAUAAAAAAAAAAAAAAD/fwAA/38AAAAAAAAJAAAABAAAAHgAeAAeAAAAaAAAAAAAAAAAAAAAAAAAAAAAAAAAAAAAECcAABAnAAAAAAAAAAAAAAAAAAAAAAAAAAAAAAAAAAAAAAAAAAAAABQAAAAAAAAAwMD/AAAAAABkAAAAMgAAAAAAAABkAAAAAAAAAH9/fwAKAAAAIgAAABgAAAAAAAAAAAAAAAAAAAAAAAAAAAAAAAAAAAAkAAAAJAAAAAAAAAAHAAAAAAAAAAAAAAAAAAAAAAAAAAAAAAAAAAAAf39/ACUAAABYAAAAAAAAAAAAAAAAAAAAAAAAAAAAAAAAAAAAAAAAAAAAAAAAAAAAAAAAAAAAAAA/AAAAAAAAAKCGAQAAAAAAAAAAAAAAAAAMAAAAAQAAAAAAAAAAAAAAAAAAAB8AAABUAAAAAAAABQAAAAEAAAAAAAAAAAAAAAAAAAAAAAAAAAAAAAAAAAAAAAAAAAAAAAJ/f38AAAAAA8zMzADAwP8Af39/AAAAAAAAAAAAAAAAAAAAAAAAAAAAIQAAABgAAAAUAAAApQQAAFQJAAA/NwAAlR4AABAAAAAmAAAACAAAAD2wAAAAAAAA"/>
+                <pr:smNativeData xmlns:pr="smNativeData" xmlns="smNativeData" val="SMDATA_15_f8v4ZxMAAAAlAAAAZAAAAA0AAAAAkAAAAJAAAACQAAAAkAAAAAAAAAAAAAAAAAAAAAEAAABQAAAAAAAAAAAA4D8AAAAAAADgPwAAAAAAAOA/AAAAAAAA4D8AAAAAAADgPwAAAAAAAOA/AAAAAAAA4D8AAAAAAADgPwAAAAAAAOA/AAAAAAAA4D8CAAAAjAAAAAAAAAAAAAAAQoX0DP///wgAAAAAAAAAAAAAAAAAAAAAAAAAAAAAAAAAAAAAZAAAAAEAAABAAAAAAAAAAAAAAAAAAAAAAAAAAAAAAAAAAAAAAAAAAAAAAAAAAAAAAAAAAAAAAAAAAAAAAAAAAAAAAAAAAAAAAAAAAAAAAAAAAAAAAAAAAAAAAAAAAAAAFAAAADwAAAAAAAAAAAAAAAAAAAkUAAAAAQAAABQAAAAUAAAAFAAAAAEAAAAAAAAAZAAAAGQAAAAAAAAAZAAAAGQAAAAVAAAAYAAAAAAAAAAAAAAADwAAACADAAAAAAAAAAAAAAEAAACgMgAAVgcAAKr4//8BAAAAf39/AAEAAABkAAAAAAAAABQAAABAHwAAAAAAACYAAAAAAAAAwOD//wAAAAAmAAAAZAAAABYAAABMAAAAAAAAAAAAAAAEAAAAAAAAAAEAAABZWVkKAAAAACgAAAAoAAAAZAAAAGQAAAAAAAAAzMzMAAAAAABQAAAAUAAAAGQAAABkAAAAAAAAABcAAAAUAAAAAAAAAAAAAAD/fwAA/38AAAAAAAAJAAAABAAAAHgAeAAeAAAAaAAAAAAAAAAAAAAAAAAAAAAAAAAAAAAAECcAABAnAAAAAAAAAAAAAAAAAAAAAAAAAAAAAAAAAAAAAAAAAAAAABQAAAAAAAAAwMD/AAAAAABkAAAAMgAAAAAAAABkAAAAAAAAAH9/fwAKAAAAIgAAABgAAAAAAAAAAAAAAAAAAAAAAAAAAAAAAAAAAAAkAAAAJAAAAAAAAAAHAAAAAAAAAAAAAAAAAAAAAAAAAAAAAAAAAAAAf39/ACUAAABYAAAAAAAAAAAAAAAAAAAAAAAAAAAAAAAAAAAAAAAAAAAAAAAAAAAAAAAAAAAAAAA/AAAAAAAAAKCGAQAAAAAAAAAAAAAAAAAMAAAAAQAAAAAAAAAAAAAAAAAAAB8AAABUAAAAAAAABQAAAAEAAAAAAAAAAAAAAAAAAAAAAAAAAAAAAAAAAAAAAAAAAAAAAAJ/f38AAAAAA8zMzADAwP8Af39/AAAAAAAAAAAAAAAAAAAAAAAAAAAAIQAAABgAAAAUAAAApQQAAFQJAAA/NwAAlR4AABAAAAAmAAAACAAAAD2wAAAAAAAA"/>
               </a:ext>
             </a:extLst>
           </p:cNvSpPr>
@@ -3500,7 +3500,7 @@
             <a:spLocks noGrp="1" noChangeArrowheads="1"/>
             <a:extLst>
               <a:ext uri="smNativeData">
-                <pr:smNativeData xmlns:pr="smNativeData" xmlns="smNativeData" val="SMDATA_15_t6npZxMAAAAlAAAAZAAAAA0AAAAAkAAAAJAAAACQAAAAkAAAAAAAAAAAAAAAAAAAAAEAAABQAAAAAAAAAAAA4D8AAAAAAADgPwAAAAAAAOA/AAAAAAAA4D8AAAAAAADgPwAAAAAAAOA/AAAAAAAA4D8AAAAAAADgPwAAAAAAAOA/AAAAAAAA4D8CAAAAjAAAAAAAAAAAAAAAQoX0DP///wgAAAAAAAAAAAAAAAAAAAAAAAAAAAAAAAAAAAAAZAAAAAEAAABAAAAAAAAAAAAAAAAAAAAAAAAAAAAAAAAAAAAAAAAAAAAAAAAAAAAAAAAAAAAAAAAAAAAAAAAAAAAAAAAAAAAAAAAAAAAAAAAAAAAAAAAAAAAAAAAAAAAAFAAAADwAAAAAAAAAAAAAAAAAAAkUAAAAAQAAABQAAAAUAAAAFAAAAAEAAAAAAAAAZAAAAGQAAAAAAAAAZAAAAGQAAAAVAAAAYAAAAAAAAAAAAAAADwAAACADAAAAAAAAAAAAAAEAAACgMgAAVgcAAKr4//8BAAAAf39/AAEAAABkAAAAAAAAABQAAABAHwAAAAAAACYAAAAAAAAAwOD//wAAAAAmAAAAZAAAABYAAABMAAAAAAAAAAAAAAAEAAAAAAAAAAEAAABZWVkKAAAAACgAAAAoAAAAZAAAAGQAAAAAAAAAzMzMAAAAAABQAAAAUAAAAGQAAABkAAAAAAAAABcAAAAUAAAAAAAAAAAAAAD/fwAA/38AAAAAAAAJAAAABAAAAFCBwQIeAAAAaAAAAAAAAAAAAAAAAAAAAAAAAAAAAAAAECcAABAnAAAAAAAAAAAAAAAAAAAAAAAAAAAAAAAAAAAAAAAAAAAAABQAAAAAAAAAwMD/AAAAAABkAAAAMgAAAAAAAABkAAAAAAAAAH9/fwAKAAAAIgAAABgAAAAAAAAAAAAAAAAAAAAAAAAAAAAAAAAAAAAkAAAAJAAAAAAAAAAHAAAAAAAAAAAAAAAAAAAAAAAAAAAAAAAAAAAAf39/ACUAAABYAAAAAAAAAAAAAAAAAAAAAAAAAAAAAAAAAAAAAAAAAAAAAAAAAAAAAAAAAAAAAAA/AAAAAAAAAKCGAQAAAAAAAAAAAAAAAAAMAAAAAQAAAAAAAAAAAAAAAAAAAB8AAABUAAAAAAAABQAAAAEAAAAAAAAAAAAAAAAAAAAAAAAAAAAAAAAAAAAAAAAAAAAAAAJ/f38AAAAAA8zMzADAwP8Af39/AAAAAAAAAAAAAAAAAAAAAAAAAAAAIQAAABgAAAAUAAAAFAMAAAkCAAB/NwAAxwgAABAAAAAmAAAACAAAADywAAAAAAAA"/>
+                <pr:smNativeData xmlns:pr="smNativeData" xmlns="smNativeData" val="SMDATA_15_f8v4ZxMAAAAlAAAAZAAAAA0AAAAAkAAAAJAAAACQAAAAkAAAAAAAAAAAAAAAAAAAAAEAAABQAAAAAAAAAAAA4D8AAAAAAADgPwAAAAAAAOA/AAAAAAAA4D8AAAAAAADgPwAAAAAAAOA/AAAAAAAA4D8AAAAAAADgPwAAAAAAAOA/AAAAAAAA4D8CAAAAjAAAAAAAAAAAAAAAQoX0DP///wgAAAAAAAAAAAAAAAAAAAAAAAAAAAAAAAAAAAAAZAAAAAEAAABAAAAAAAAAAAAAAAAAAAAAAAAAAAAAAAAAAAAAAAAAAAAAAAAAAAAAAAAAAAAAAAAAAAAAAAAAAAAAAAAAAAAAAAAAAAAAAAAAAAAAAAAAAAAAAAAAAAAAFAAAADwAAAAAAAAAAAAAAAAAAAkUAAAAAQAAABQAAAAUAAAAFAAAAAEAAAAAAAAAZAAAAGQAAAAAAAAAZAAAAGQAAAAVAAAAYAAAAAAAAAAAAAAADwAAACADAAAAAAAAAAAAAAEAAACgMgAAVgcAAKr4//8BAAAAf39/AAEAAABkAAAAAAAAABQAAABAHwAAAAAAACYAAAAAAAAAwOD//wAAAAAmAAAAZAAAABYAAABMAAAAAAAAAAAAAAAEAAAAAAAAAAEAAABZWVkKAAAAACgAAAAoAAAAZAAAAGQAAAAAAAAAzMzMAAAAAABQAAAAUAAAAGQAAABkAAAAAAAAABcAAAAUAAAAAAAAAAAAAAD/fwAA/38AAAAAAAAJAAAABAAAAFCBwQIeAAAAaAAAAAAAAAAAAAAAAAAAAAAAAAAAAAAAECcAABAnAAAAAAAAAAAAAAAAAAAAAAAAAAAAAAAAAAAAAAAAAAAAABQAAAAAAAAAwMD/AAAAAABkAAAAMgAAAAAAAABkAAAAAAAAAH9/fwAKAAAAIgAAABgAAAAAAAAAAAAAAAAAAAAAAAAAAAAAAAAAAAAkAAAAJAAAAAAAAAAHAAAAAAAAAAAAAAAAAAAAAAAAAAAAAAAAAAAAf39/ACUAAABYAAAAAAAAAAAAAAAAAAAAAAAAAAAAAAAAAAAAAAAAAAAAAAAAAAAAAAAAAAAAAAA/AAAAAAAAAKCGAQAAAAAAAAAAAAAAAAAMAAAAAQAAAAAAAAAAAAAAAAAAAB8AAABUAAAAAAAABQAAAAEAAAAAAAAAAAAAAAAAAAAAAAAAAAAAAAAAAAAAAAAAAAAAAAJ/f38AAAAAA8zMzADAwP8Af39/AAAAAAAAAAAAAAAAAAAAAAAAAAAAIQAAABgAAAAUAAAAFAMAAAkCAAB/NwAAxwgAABAAAAAmAAAACAAAADywAAAAAAAA"/>
               </a:ext>
             </a:extLst>
           </p:cNvSpPr>
@@ -3609,7 +3609,7 @@
           <p:cNvSpPr>
             <a:extLst>
               <a:ext uri="smNativeData">
-                <pr:smNativeData xmlns:pr="smNativeData" xmlns="smNativeData" val="SMDATA_15_t6npZxMAAAAlAAAAZAAAAA0AAAAAkAAAAJAAAACQAAAAkAAAAAAAAAABAAAAAAAAAAEAAABQAAAAAAAAAAAA4D8AAAAAAADgPwAAAAAAAOA/AAAAAAAA4D8AAAAAAADgPwAAAAAAAOA/AAAAAAAA4D8AAAAAAADgPwAAAAAAAOA/AAAAAAAA4D8CAAAAjAAAAAEAAAAAAAAAAAAAAP///wgAAAAAAAAAAAAAAAAAAAAAAAAAAAAAAAAAAAAAeAAAAAEAAABAAAAAAAAAAAAAAABaAAAAAAAAAAAAAAAAAAAAAAAAAAAAAAAAAAAAAAAAAAAAAAAAAAAAAAAAAAAAAAAAAAAAAAAAAAAAAAAAAAAAAAAAAAAAAAAAAAAAFAAAADwAAAAAAAAAAAAAAAAAAAkUAAAAAQAAABQAAAAUAAAAFAAAAAEAAAAAAAAAZAAAAGQAAAAAAAAAZAAAAGQAAAAVAAAAYAAAAAAAAAAAAAAADwAAACADAAAAAAAAAAAAAAEAAACgMgAAVgcAAKr4//8BAAAAf39/AAEAAABkAAAAAAAAABQAAABAHwAAAAAAACYAAAAAAAAAwOD//wAAAAAmAAAAZAAAABYAAABMAAAAAAAAAAAAAAAEAAAAAAAAAAEAAABZWVkKAAAAACgAAAAoAAAAZAAAAGQAAAAAAAAAzMzMAAAAAABQAAAAUAAAAGQAAABkAAAAAAAAABcAAAAUAAAAAAAAAAAAAAD/fwAA/38AAAAAAAAJAAAABAAAAAAAAAAeAAAAaAAAAAAAAAAAAAAAAAAAAAAAAAAAAAAAECcAABAnAAAAAAAAAAAAAAAAAAAAAAAAAAAAAAAAAAAAAAAAAAAAABQAAAAAAAAAwMD/AAAAAABkAAAAMgAAAAAAAABkAAAAAAAAAH9/fwAKAAAAIgAAABgAAAAAAAAAAAAAAAAAAAAAAAAAAAAAAAAAAAAkAAAAJAAAAAAAAAAHAAAAAAAAAAAAAAAAAAAAAAAAAAAAAAAAAAAAf39/ACUAAABYAAAAAAAAAAAAAAAAAAAAAAAAAAAAAAAAAAAAAAAAAAAAAAAAAAAAAAAAAAAAAAA/AAAAAAAAAKCGAQAAAAAAAAAAAAAAAAAMAAAAAQAAAAAAAAAAAAAAAAAAAB8AAABUAAAAAAAAAAAAAAEAAAAAAAAAAAAAAAAAAAAAAAAAAAAAAAAAAAAAAAAAAAAAAAJ/f38AAAAAA8zMzADAwP8Af39/AAAAAAAAAAAAAAAAAAAAAAAAAAAAIQAAABgAAAAUAAAAogMAAGYIAADGNAAAZB0AABAAAAAmAAAACAAAAP//////////"/>
+                <pr:smNativeData xmlns:pr="smNativeData" xmlns="smNativeData" val="SMDATA_15_f8v4ZxMAAAAlAAAAZAAAAA0AAAAAkAAAAJAAAACQAAAAkAAAAAAAAAABAAAAAAAAAAEAAABQAAAAAAAAAAAA4D8AAAAAAADgPwAAAAAAAOA/AAAAAAAA4D8AAAAAAADgPwAAAAAAAOA/AAAAAAAA4D8AAAAAAADgPwAAAAAAAOA/AAAAAAAA4D8CAAAAjAAAAAEAAAAAAAAAAAAAAP///wgAAAAAAAAAAAAAAAAAAAAAAAAAAAAAAAAAAAAAeAAAAAEAAABAAAAAAAAAAAAAAABaAAAAAAAAAAAAAAAAAAAAAAAAAAAAAAAAAAAAAAAAAAAAAAAAAAAAAAAAAAAAAAAAAAAAAAAAAAAAAAAAAAAAAAAAAAAAAAAAAAAAFAAAADwAAAAAAAAAAAAAAAAAAAkUAAAAAQAAABQAAAAUAAAAFAAAAAEAAAAAAAAAZAAAAGQAAAAAAAAAZAAAAGQAAAAVAAAAYAAAAAAAAAAAAAAADwAAACADAAAAAAAAAAAAAAEAAACgMgAAVgcAAKr4//8BAAAAf39/AAEAAABkAAAAAAAAABQAAABAHwAAAAAAACYAAAAAAAAAwOD//wAAAAAmAAAAZAAAABYAAABMAAAAAAAAAAAAAAAEAAAAAAAAAAEAAABZWVkKAAAAACgAAAAoAAAAZAAAAGQAAAAAAAAAzMzMAAAAAABQAAAAUAAAAGQAAABkAAAAAAAAABcAAAAUAAAAAAAAAAAAAAD/fwAA/38AAAAAAAAJAAAABAAAAAAAAAAeAAAAaAAAAAAAAAAAAAAAAAAAAAAAAAAAAAAAECcAABAnAAAAAAAAAAAAAAAAAAAAAAAAAAAAAAAAAAAAAAAAAAAAABQAAAAAAAAAwMD/AAAAAABkAAAAMgAAAAAAAABkAAAAAAAAAH9/fwAKAAAAIgAAABgAAAAAAAAAAAAAAAAAAAAAAAAAAAAAAAAAAAAkAAAAJAAAAAAAAAAHAAAAAAAAAAAAAAAAAAAAAAAAAAAAAAAAAAAAf39/ACUAAABYAAAAAAAAAAAAAAAAAAAAAAAAAAAAAAAAAAAAAAAAAAAAAAAAAAAAAAAAAAAAAAA/AAAAAAAAAKCGAQAAAAAAAAAAAAAAAAAMAAAAAQAAAAAAAAAAAAAAAAAAAB8AAABUAAAAAAAAAAAAAAEAAAAAAAAAAAAAAAAAAAAAAAAAAAAAAAAAAAAAAAAAAAAAAAJ/f38AAAAAA8zMzADAwP8Af39/AAAAAAAAAAAAAAAAAAAAAAAAAAAAIQAAABgAAAAUAAAAogMAAGYIAADGNAAAZB0AABAAAAAmAAAACAAAAP//////////"/>
               </a:ext>
             </a:extLst>
           </p:cNvSpPr>
@@ -3654,7 +3654,7 @@
             <a:spLocks noGrp="1" noChangeArrowheads="1"/>
             <a:extLst>
               <a:ext uri="smNativeData">
-                <pr:smNativeData xmlns:pr="smNativeData" xmlns="smNativeData" val="SMDATA_15_t6npZxMAAAAlAAAAZAAAAA0AAAAAkAAAAJAAAACQAAAAkAAAAAAAAAAAAAAAAAAAAAEAAABQAAAAAAAAAAAA4D8AAAAAAADgPwAAAAAAAOA/AAAAAAAA4D8AAAAAAADgPwAAAAAAAOA/AAAAAAAA4D8AAAAAAADgPwAAAAAAAOA/AAAAAAAA4D8CAAAAjAAAAAAAAAAAAAAAQoX0DP///wgAAAAAAAAAAAAAAAAAAAAAAAAAAAAAAAAAAAAAZAAAAAEAAABAAAAAAAAAAAAAAAAAAAAAAAAAAAAAAAAAAAAAAAAAAAAAAAAAAAAAAAAAAAAAAAAAAAAAAAAAAAAAAAAAAAAAAAAAAAAAAAAAAAAAAAAAAAAAAAAAAAAAFAAAADwAAAAAAAAAAAAAAAAAAAkUAAAAAQAAABQAAAAUAAAAFAAAAAEAAAAAAAAAZAAAAGQAAAAAAAAAZAAAAGQAAAAVAAAAYAAAAAAAAAAAAAAADwAAACADAAAAAAAAAAAAAAEAAACgMgAAVgcAAKr4//8BAAAAf39/AAEAAABkAAAAAAAAABQAAABAHwAAAAAAACYAAAAAAAAAwOD//wAAAAAmAAAAZAAAABYAAABMAAAAAAAAAAAAAAAEAAAAAAAAAAEAAABZWVkKAAAAACgAAAAoAAAAZAAAAGQAAAAAAAAAzMzMAAAAAABQAAAAUAAAAGQAAABkAAAAAAAAABcAAAAUAAAAAAAAAAAAAAD/fwAA/38AAAAAAAAJAAAABAAAAAEBAQEeAAAAaAAAAAAAAAAAAAAAAAAAAAAAAAAAAAAAECcAABAnAAAAAAAAAAAAAAAAAAAAAAAAAAAAAAAAAAAAAAAAAAAAABQAAAAAAAAAwMD/AAAAAABkAAAAMgAAAAAAAABkAAAAAAAAAH9/fwAKAAAAIgAAABgAAAAAAAAAAAAAAAAAAAAAAAAAAAAAAAAAAAAkAAAAJAAAAAAAAAAHAAAAAAAAAAAAAAAAAAAAAAAAAAAAAAAAAAAAf39/ACUAAABYAAAAAAAAAAAAAAAAAAAAAAAAAAAAAAAAAAAAAAAAAAAAAAAAAAAAAAAAAAAAAAA/AAAAAAAAAKCGAQAAAAAAAAAAAAAAAAAMAAAAAQAAAAAAAAAAAAAAAAAAAB8AAABUAAAAAAAABQAAAAEAAAAAAAAAAAAAAAAAAAAAAAAAAAAAAAAAAAAAAAAAAAAAAAJ/f38AAAAAA8zMzADAwP8Af39/AAAAAAAAAAAAAAAAAAAAAAAAAAAAIQAAABgAAAAUAAAApQQAAFQJAAA/NwAAlR4AABAAAAAmAAAACAAAAD2wAAAAAAAA"/>
+                <pr:smNativeData xmlns:pr="smNativeData" xmlns="smNativeData" val="SMDATA_15_f8v4ZxMAAAAlAAAAZAAAAA0AAAAAkAAAAJAAAACQAAAAkAAAAAAAAAAAAAAAAAAAAAEAAABQAAAAAAAAAAAA4D8AAAAAAADgPwAAAAAAAOA/AAAAAAAA4D8AAAAAAADgPwAAAAAAAOA/AAAAAAAA4D8AAAAAAADgPwAAAAAAAOA/AAAAAAAA4D8CAAAAjAAAAAAAAAAAAAAAQoX0DP///wgAAAAAAAAAAAAAAAAAAAAAAAAAAAAAAAAAAAAAZAAAAAEAAABAAAAAAAAAAAAAAAAAAAAAAAAAAAAAAAAAAAAAAAAAAAAAAAAAAAAAAAAAAAAAAAAAAAAAAAAAAAAAAAAAAAAAAAAAAAAAAAAAAAAAAAAAAAAAAAAAAAAAFAAAADwAAAAAAAAAAAAAAAAAAAkUAAAAAQAAABQAAAAUAAAAFAAAAAEAAAAAAAAAZAAAAGQAAAAAAAAAZAAAAGQAAAAVAAAAYAAAAAAAAAAAAAAADwAAACADAAAAAAAAAAAAAAEAAACgMgAAVgcAAKr4//8BAAAAf39/AAEAAABkAAAAAAAAABQAAABAHwAAAAAAACYAAAAAAAAAwOD//wAAAAAmAAAAZAAAABYAAABMAAAAAAAAAAAAAAAEAAAAAAAAAAEAAABZWVkKAAAAACgAAAAoAAAAZAAAAGQAAAAAAAAAzMzMAAAAAABQAAAAUAAAAGQAAABkAAAAAAAAABcAAAAUAAAAAAAAAAAAAAD/fwAA/38AAAAAAAAJAAAABAAAAAEBAQEeAAAAaAAAAAAAAAAAAAAAAAAAAAAAAAAAAAAAECcAABAnAAAAAAAAAAAAAAAAAAAAAAAAAAAAAAAAAAAAAAAAAAAAABQAAAAAAAAAwMD/AAAAAABkAAAAMgAAAAAAAABkAAAAAAAAAH9/fwAKAAAAIgAAABgAAAAAAAAAAAAAAAAAAAAAAAAAAAAAAAAAAAAkAAAAJAAAAAAAAAAHAAAAAAAAAAAAAAAAAAAAAAAAAAAAAAAAAAAAf39/ACUAAABYAAAAAAAAAAAAAAAAAAAAAAAAAAAAAAAAAAAAAAAAAAAAAAAAAAAAAAAAAAAAAAA/AAAAAAAAAKCGAQAAAAAAAAAAAAAAAAAMAAAAAQAAAAAAAAAAAAAAAAAAAB8AAABUAAAAAAAABQAAAAEAAAAAAAAAAAAAAAAAAAAAAAAAAAAAAAAAAAAAAAAAAAAAAAJ/f38AAAAAA8zMzADAwP8Af39/AAAAAAAAAAAAAAAAAAAAAAAAAAAAIQAAABgAAAAUAAAApQQAAFQJAAA/NwAAlR4AABAAAAAmAAAACAAAAD2wAAAAAAAA"/>
               </a:ext>
             </a:extLst>
           </p:cNvSpPr>
@@ -3869,7 +3869,7 @@
             <a:spLocks noGrp="1" noChangeArrowheads="1"/>
             <a:extLst>
               <a:ext uri="smNativeData">
-                <pr:smNativeData xmlns:pr="smNativeData" xmlns="smNativeData" val="SMDATA_15_t6npZxMAAAAlAAAAZAAAAA0AAAAAkAAAAJAAAACQAAAAkAAAAAAAAAAAAAAAAAAAAAEAAABQAAAAAAAAAAAA4D8AAAAAAADgPwAAAAAAAOA/AAAAAAAA4D8AAAAAAADgPwAAAAAAAOA/AAAAAAAA4D8AAAAAAADgPwAAAAAAAOA/AAAAAAAA4D8CAAAAjAAAAAAAAAAAAAAAQoX0DP///wgAAAAAAAAAAAAAAAAAAAAAAAAAAAAAAAAAAAAAZAAAAAEAAABAAAAAAAAAAAAAAAAAAAAAAAAAAAAAAAAAAAAAAAAAAAAAAAAAAAAAAAAAAAAAAAAAAAAAAAAAAAAAAAAAAAAAAAAAAAAAAAAAAAAAAAAAAAAAAAAAAAAAFAAAADwAAAAAAAAAAAAAAAAAAAkUAAAAAQAAABQAAAAUAAAAFAAAAAEAAAAAAAAAZAAAAGQAAAAAAAAAZAAAAGQAAAAVAAAAYAAAAAAAAAAAAAAADwAAACADAAAAAAAAAAAAAAEAAACgMgAAVgcAAKr4//8BAAAAf39/AAEAAABkAAAAAAAAABQAAABAHwAAAAAAACYAAAAAAAAAwOD//wAAAAAmAAAAZAAAABYAAABMAAAAAAAAAAAAAAAEAAAAAAAAAAEAAABZWVkKAAAAACgAAAAoAAAAZAAAAGQAAAAAAAAAzMzMAAAAAABQAAAAUAAAAGQAAABkAAAAAAAAABcAAAAUAAAAAAAAAAAAAAD/fwAA/38AAAAAAAAJAAAABAAAAGjfsv8eAAAAaAAAAAAAAAAAAAAAAAAAAAAAAAAAAAAAECcAABAnAAAAAAAAAAAAAAAAAAAAAAAAAAAAAAAAAAAAAAAAAAAAABQAAAAAAAAAwMD/AAAAAABkAAAAMgAAAAAAAABkAAAAAAAAAH9/fwAKAAAAIgAAABgAAAAAAAAAAAAAAAAAAAAAAAAAAAAAAAAAAAAkAAAAJAAAAAAAAAAHAAAAAAAAAAAAAAAAAAAAAAAAAAAAAAAAAAAAf39/ACUAAABYAAAAAAAAAAAAAAAAAAAAAAAAAAAAAAAAAAAAAAAAAAAAAAAAAAAAAAAAAAAAAAA/AAAAAAAAAKCGAQAAAAAAAAAAAAAAAAAMAAAAAQAAAAAAAAAAAAAAAAAAAB8AAABUAAAAAAAABQAAAAEAAAAAAAAAAAAAAAAAAAAAAAAAAAAAAAAAAAAAAAAAAAAAAAJ/f38AAAAAA8zMzADAwP8Af39/AAAAAAAAAAAAAAAAAAAAAAAAAAAAIQAAABgAAAAUAAAAFAMAAAkCAAB/NwAAxwgAABAAAAAmAAAACAAAADywAAAAAAAA"/>
+                <pr:smNativeData xmlns:pr="smNativeData" xmlns="smNativeData" val="SMDATA_15_f8v4ZxMAAAAlAAAAZAAAAA0AAAAAkAAAAJAAAACQAAAAkAAAAAAAAAAAAAAAAAAAAAEAAABQAAAAAAAAAAAA4D8AAAAAAADgPwAAAAAAAOA/AAAAAAAA4D8AAAAAAADgPwAAAAAAAOA/AAAAAAAA4D8AAAAAAADgPwAAAAAAAOA/AAAAAAAA4D8CAAAAjAAAAAAAAAAAAAAAQoX0DP///wgAAAAAAAAAAAAAAAAAAAAAAAAAAAAAAAAAAAAAZAAAAAEAAABAAAAAAAAAAAAAAAAAAAAAAAAAAAAAAAAAAAAAAAAAAAAAAAAAAAAAAAAAAAAAAAAAAAAAAAAAAAAAAAAAAAAAAAAAAAAAAAAAAAAAAAAAAAAAAAAAAAAAFAAAADwAAAAAAAAAAAAAAAAAAAkUAAAAAQAAABQAAAAUAAAAFAAAAAEAAAAAAAAAZAAAAGQAAAAAAAAAZAAAAGQAAAAVAAAAYAAAAAAAAAAAAAAADwAAACADAAAAAAAAAAAAAAEAAACgMgAAVgcAAKr4//8BAAAAf39/AAEAAABkAAAAAAAAABQAAABAHwAAAAAAACYAAAAAAAAAwOD//wAAAAAmAAAAZAAAABYAAABMAAAAAAAAAAAAAAAEAAAAAAAAAAEAAABZWVkKAAAAACgAAAAoAAAAZAAAAGQAAAAAAAAAzMzMAAAAAABQAAAAUAAAAGQAAABkAAAAAAAAABcAAAAUAAAAAAAAAAAAAAD/fwAA/38AAAAAAAAJAAAABAAAAGjfsv8eAAAAaAAAAAAAAAAAAAAAAAAAAAAAAAAAAAAAECcAABAnAAAAAAAAAAAAAAAAAAAAAAAAAAAAAAAAAAAAAAAAAAAAABQAAAAAAAAAwMD/AAAAAABkAAAAMgAAAAAAAABkAAAAAAAAAH9/fwAKAAAAIgAAABgAAAAAAAAAAAAAAAAAAAAAAAAAAAAAAAAAAAAkAAAAJAAAAAAAAAAHAAAAAAAAAAAAAAAAAAAAAAAAAAAAAAAAAAAAf39/ACUAAABYAAAAAAAAAAAAAAAAAAAAAAAAAAAAAAAAAAAAAAAAAAAAAAAAAAAAAAAAAAAAAAA/AAAAAAAAAKCGAQAAAAAAAAAAAAAAAAAMAAAAAQAAAAAAAAAAAAAAAAAAAB8AAABUAAAAAAAABQAAAAEAAAAAAAAAAAAAAAAAAAAAAAAAAAAAAAAAAAAAAAAAAAAAAAJ/f38AAAAAA8zMzADAwP8Af39/AAAAAAAAAAAAAAAAAAAAAAAAAAAAIQAAABgAAAAUAAAAFAMAAAkCAAB/NwAAxwgAABAAAAAmAAAACAAAADywAAAAAAAA"/>
               </a:ext>
             </a:extLst>
           </p:cNvSpPr>
@@ -3979,7 +3979,7 @@
             <a:spLocks noGrp="1" noChangeArrowheads="1"/>
             <a:extLst>
               <a:ext uri="smNativeData">
-                <pr:smNativeData xmlns:pr="smNativeData" xmlns="smNativeData" val="SMDATA_15_t6npZxMAAAAlAAAAZAAAAA0AAAAAkAAAAJAAAACQAAAAkAAAAAAAAAAAAAAAAAAAAAEAAABQAAAAAAAAAAAA4D8AAAAAAADgPwAAAAAAAOA/AAAAAAAA4D8AAAAAAADgPwAAAAAAAOA/AAAAAAAA4D8AAAAAAADgPwAAAAAAAOA/AAAAAAAA4D8CAAAAjAAAAAAAAAAAAAAAQoX0DP///wgAAAAAAAAAAAAAAAAAAAAAAAAAAAAAAAAAAAAAZAAAAAEAAABAAAAAAAAAAAAAAAAAAAAAAAAAAAAAAAAAAAAAAAAAAAAAAAAAAAAAAAAAAAAAAAAAAAAAAAAAAAAAAAAAAAAAAAAAAAAAAAAAAAAAAAAAAAAAAAAAAAAAFAAAADwAAAAAAAAAAAAAAAAAAAkUAAAAAQAAABQAAAAUAAAAFAAAAAEAAAAAAAAAZAAAAGQAAAAAAAAAZAAAAGQAAAAVAAAAYAAAAAAAAAAAAAAADwAAACADAAAAAAAAAAAAAAEAAACgMgAAVgcAAKr4//8BAAAAf39/AAEAAABkAAAAAAAAABQAAABAHwAAAAAAACYAAAAAAAAAwOD//wAAAAAmAAAAZAAAABYAAABMAAAAAAAAAAAAAAAEAAAAAAAAAAEAAABZWVkKAAAAACgAAAAoAAAAZAAAAGQAAAAAAAAAzMzMAAAAAABQAAAAUAAAAGQAAABkAAAAAAAAABcAAAAUAAAAAAAAAAAAAAD/fwAA/38AAAAAAAAJAAAABAAAALIj1f8eAAAAaAAAAAAAAAAAAAAAAAAAAAAAAAAAAAAAECcAABAnAAAAAAAAAAAAAAAAAAAAAAAAAAAAAAAAAAAAAAAAAAAAABQAAAAAAAAAwMD/AAAAAABkAAAAMgAAAAAAAABkAAAAAAAAAH9/fwAKAAAAIgAAABgAAAAAAAAAAAAAAAAAAAAAAAAAAAAAAAAAAAAkAAAAJAAAAAAAAAAHAAAAAAAAAAAAAAAAAAAAAAAAAAAAAAAAAAAAf39/ACUAAABYAAAAAAAAAAAAAAAAAAAAAAAAAAAAAAAAAAAAAAAAAAAAAAAAAAAAAAAAAAAAAAA/AAAAAAAAAKCGAQAAAAAAAAAAAAAAAAAMAAAAAQAAAAAAAAAAAAAAAAAAAB8AAABUAAAAAAAABQAAAAEAAAAAAAAAAAAAAAAAAAAAAAAAAAAAAAAAAAAAAAAAAAAAAAJ/f38AAAAAA8zMzADAwP8Af39/AAAAAAAAAAAAAAAAAAAAAAAAAAAAIQAAABgAAAAUAAAAWQMAAE8IAAANJAAA3w0AABAAAAAmAAAACAAAAD2wAAAAAAAA"/>
+                <pr:smNativeData xmlns:pr="smNativeData" xmlns="smNativeData" val="SMDATA_15_f8v4ZxMAAAAlAAAAZAAAAA0AAAAAkAAAAJAAAACQAAAAkAAAAAAAAAAAAAAAAAAAAAEAAABQAAAAAAAAAAAA4D8AAAAAAADgPwAAAAAAAOA/AAAAAAAA4D8AAAAAAADgPwAAAAAAAOA/AAAAAAAA4D8AAAAAAADgPwAAAAAAAOA/AAAAAAAA4D8CAAAAjAAAAAAAAAAAAAAAQoX0DP///wgAAAAAAAAAAAAAAAAAAAAAAAAAAAAAAAAAAAAAZAAAAAEAAABAAAAAAAAAAAAAAAAAAAAAAAAAAAAAAAAAAAAAAAAAAAAAAAAAAAAAAAAAAAAAAAAAAAAAAAAAAAAAAAAAAAAAAAAAAAAAAAAAAAAAAAAAAAAAAAAAAAAAFAAAADwAAAAAAAAAAAAAAAAAAAkUAAAAAQAAABQAAAAUAAAAFAAAAAEAAAAAAAAAZAAAAGQAAAAAAAAAZAAAAGQAAAAVAAAAYAAAAAAAAAAAAAAADwAAACADAAAAAAAAAAAAAAEAAACgMgAAVgcAAKr4//8BAAAAf39/AAEAAABkAAAAAAAAABQAAABAHwAAAAAAACYAAAAAAAAAwOD//wAAAAAmAAAAZAAAABYAAABMAAAAAAAAAAAAAAAEAAAAAAAAAAEAAABZWVkKAAAAACgAAAAoAAAAZAAAAGQAAAAAAAAAzMzMAAAAAABQAAAAUAAAAGQAAABkAAAAAAAAABcAAAAUAAAAAAAAAAAAAAD/fwAA/38AAAAAAAAJAAAABAAAALIj1f8eAAAAaAAAAAAAAAAAAAAAAAAAAAAAAAAAAAAAECcAABAnAAAAAAAAAAAAAAAAAAAAAAAAAAAAAAAAAAAAAAAAAAAAABQAAAAAAAAAwMD/AAAAAABkAAAAMgAAAAAAAABkAAAAAAAAAH9/fwAKAAAAIgAAABgAAAAAAAAAAAAAAAAAAAAAAAAAAAAAAAAAAAAkAAAAJAAAAAAAAAAHAAAAAAAAAAAAAAAAAAAAAAAAAAAAAAAAAAAAf39/ACUAAABYAAAAAAAAAAAAAAAAAAAAAAAAAAAAAAAAAAAAAAAAAAAAAAAAAAAAAAAAAAAAAAA/AAAAAAAAAKCGAQAAAAAAAAAAAAAAAAAMAAAAAQAAAAAAAAAAAAAAAAAAAB8AAABUAAAAAAAABQAAAAEAAAAAAAAAAAAAAAAAAAAAAAAAAAAAAAAAAAAAAAAAAAAAAAJ/f38AAAAAA8zMzADAwP8Af39/AAAAAAAAAAAAAAAAAAAAAAAAAAAAIQAAABgAAAAUAAAAWQMAAE8IAAANJAAA3w0AABAAAAAmAAAACAAAAD2wAAAAAAAA"/>
               </a:ext>
             </a:extLst>
           </p:cNvSpPr>
@@ -4165,7 +4165,7 @@
           <p:cNvSpPr>
             <a:extLst>
               <a:ext uri="smNativeData">
-                <pr:smNativeData xmlns:pr="smNativeData" xmlns="smNativeData" val="SMDATA_15_t6npZxMAAAAlAAAAZAAAAA0AAAAAkAAAAJAAAACQAAAAkAAAAAAAAAABAAAAAAAAAAEAAABQAAAAAAAAAAAA4D8AAAAAAADgPwAAAAAAAOA/AAAAAAAA4D8AAAAAAADgPwAAAAAAAOA/AAAAAAAA4D8AAAAAAADgPwAAAAAAAOA/AAAAAAAA4D8CAAAAjAAAAAEAAAAAAAAA+/v+AP///wgAAAAAAAAAAAAAAAAAAAAAAAAAAAAAAAAAAAAAeAAAAAEAAABAAAAAAAAAAAAAAABaAAAAAAAAAAAAAAAAAAAAAAAAAAAAAAAAAAAAAAAAAAAAAAAAAAAAAAAAAAAAAAAAAAAAAAAAAAAAAAAAAAAAAAAAAAAAAAAAAAAAFAAAADwAAAAAAAAAAAAAAAAAAAkUAAAAAQAAABQAAAAUAAAAFAAAAAEAAAAAAAAAZAAAAGQAAAAAAAAAZAAAAGQAAAAVAAAAYAAAAAAAAAAAAAAADwAAACADAAAAAAAAAAAAAAEAAACgMgAAVgcAAKr4//8BAAAAf39/AAEAAABkAAAAAAAAABQAAABAHwAAAAAAACYAAAAAAAAAwOD//wAAAAAmAAAAZAAAABYAAABMAAAAAAAAAAAAAAAEAAAAAAAAAAEAAABZWVkKAAAAACgAAAAoAAAAZAAAAGQAAAAAAAAAzMzMAAAAAABQAAAAUAAAAGQAAABkAAAAAAAAABcAAAAUAAAAAAAAAAAAAAD/fwAA/38AAAAAAAAJAAAABAAAAAMAAAAeAAAAaAAAAAAAAAAAAAAAAAAAAAAAAAAAAAAAECcAABAnAAAAAAAAAAAAAAAAAAAAAAAAAAAAAAAAAAAAAAAAAAAAABQAAAAAAAAAwMD/AAAAAABkAAAAMgAAAAAAAABkAAAAAAAAAH9/fwAKAAAAIgAAABgAAAAAAAAAAAAAAAAAAAAAAAAAAAAAAAAAAAAkAAAAJAAAAAAAAAAHAAAAAAAAAAAAAAAAAAAAAAAAAAAAAAAAAAAAf39/ACUAAABYAAAAAAAAAAAAAAAAAAAAAAAAAAAAAAAAAAAAAAAAAAAAAAAAAAAAAAAAAAAAAAA/AAAAAAAAAKCGAQAAAAAAAAAAAAAAAAAMAAAAAQAAAAAAAAAAAAAAAAAAAB8AAABUAAAA+/v+AAAAAAEAAAAAAAAAAAAAAAAAAAAAAAAAAAAAAAAAAAAAAAAAAAAAAAJ/f38AAAAAA8zMzADAwP8Af39/AAAAAAAAAAAAAAAAAAAAAAAAAAAAIQAAABgAAAAUAAAAuwMAADENAACQNAAAWhwAABAAAAAmAAAACAAAAP//////////"/>
+                <pr:smNativeData xmlns:pr="smNativeData" xmlns="smNativeData" val="SMDATA_15_f8v4ZxMAAAAlAAAAZAAAAA0AAAAAkAAAAJAAAACQAAAAkAAAAAAAAAABAAAAAAAAAAEAAABQAAAAAAAAAAAA4D8AAAAAAADgPwAAAAAAAOA/AAAAAAAA4D8AAAAAAADgPwAAAAAAAOA/AAAAAAAA4D8AAAAAAADgPwAAAAAAAOA/AAAAAAAA4D8CAAAAjAAAAAEAAAAAAAAA+/v+AP///wgAAAAAAAAAAAAAAAAAAAAAAAAAAAAAAAAAAAAAeAAAAAEAAABAAAAAAAAAAAAAAABaAAAAAAAAAAAAAAAAAAAAAAAAAAAAAAAAAAAAAAAAAAAAAAAAAAAAAAAAAAAAAAAAAAAAAAAAAAAAAAAAAAAAAAAAAAAAAAAAAAAAFAAAADwAAAAAAAAAAAAAAAAAAAkUAAAAAQAAABQAAAAUAAAAFAAAAAEAAAAAAAAAZAAAAGQAAAAAAAAAZAAAAGQAAAAVAAAAYAAAAAAAAAAAAAAADwAAACADAAAAAAAAAAAAAAEAAACgMgAAVgcAAKr4//8BAAAAf39/AAEAAABkAAAAAAAAABQAAABAHwAAAAAAACYAAAAAAAAAwOD//wAAAAAmAAAAZAAAABYAAABMAAAAAAAAAAAAAAAEAAAAAAAAAAEAAABZWVkKAAAAACgAAAAoAAAAZAAAAGQAAAAAAAAAzMzMAAAAAABQAAAAUAAAAGQAAABkAAAAAAAAABcAAAAUAAAAAAAAAAAAAAD/fwAA/38AAAAAAAAJAAAABAAAAAMAAAAeAAAAaAAAAAAAAAAAAAAAAAAAAAAAAAAAAAAAECcAABAnAAAAAAAAAAAAAAAAAAAAAAAAAAAAAAAAAAAAAAAAAAAAABQAAAAAAAAAwMD/AAAAAABkAAAAMgAAAAAAAABkAAAAAAAAAH9/fwAKAAAAIgAAABgAAAAAAAAAAAAAAAAAAAAAAAAAAAAAAAAAAAAkAAAAJAAAAAAAAAAHAAAAAAAAAAAAAAAAAAAAAAAAAAAAAAAAAAAAf39/ACUAAABYAAAAAAAAAAAAAAAAAAAAAAAAAAAAAAAAAAAAAAAAAAAAAAAAAAAAAAAAAAAAAAA/AAAAAAAAAKCGAQAAAAAAAAAAAAAAAAAMAAAAAQAAAAAAAAAAAAAAAAAAAB8AAABUAAAA+/v+AAAAAAEAAAAAAAAAAAAAAAAAAAAAAAAAAAAAAAAAAAAAAAAAAAAAAAJ/f38AAAAAA8zMzADAwP8Af39/AAAAAAAAAAAAAAAAAAAAAAAAAAAAIQAAABgAAAAUAAAAuwMAADENAACQNAAAWhwAABAAAAAmAAAACAAAAP//////////"/>
               </a:ext>
             </a:extLst>
           </p:cNvSpPr>
@@ -4210,7 +4210,7 @@
             <a:spLocks noGrp="1" noChangeArrowheads="1"/>
             <a:extLst>
               <a:ext uri="smNativeData">
-                <pr:smNativeData xmlns:pr="smNativeData" xmlns="smNativeData" val="SMDATA_15_t6npZxMAAAAlAAAAZAAAAA0AAAAAkAAAAJAAAACQAAAAkAAAAAAAAAAAAAAAAAAAAAEAAABQAAAAAAAAAAAA4D8AAAAAAADgPwAAAAAAAOA/AAAAAAAA4D8AAAAAAADgPwAAAAAAAOA/AAAAAAAA4D8AAAAAAADgPwAAAAAAAOA/AAAAAAAA4D8CAAAAjAAAAAAAAAAAAAAAQoX0DP///wgAAAAAAAAAAAAAAAAAAAAAAAAAAAAAAAAAAAAAZAAAAAEAAABAAAAAAAAAAAAAAAAAAAAAAAAAAAAAAAAAAAAAAAAAAAAAAAAAAAAAAAAAAAAAAAAAAAAAAAAAAAAAAAAAAAAAAAAAAAAAAAAAAAAAAAAAAAAAAAAAAAAAFAAAADwAAAAAAAAAAAAAAAAAAAkUAAAAAQAAABQAAAAUAAAAFAAAAAEAAAAAAAAAZAAAAGQAAAAAAAAAZAAAAGQAAAAVAAAAYAAAAAAAAAAAAAAADwAAACADAAAAAAAAAAAAAAEAAACgMgAAVgcAAKr4//8BAAAAf39/AAEAAABkAAAAAAAAABQAAABAHwAAAAAAACYAAAAAAAAAwOD//wAAAAAmAAAAZAAAABYAAABMAAAAAAAAAAAAAAAEAAAAAAAAAAEAAABZWVkKAAAAACgAAAAoAAAAZAAAAGQAAAAAAAAAzMzMAAAAAABQAAAAUAAAAGQAAABkAAAAAAAAABcAAAAUAAAAAAAAAAAAAAD/fwAA/38AAAAAAAAJAAAABAAAAAAwMDAeAAAAaAAAAAAAAAAAAAAAAAAAAAAAAAAAAAAAECcAABAnAAAAAAAAAAAAAAAAAAAAAAAAAAAAAAAAAAAAAAAAAAAAABQAAAAAAAAAwMD/AAAAAABkAAAAMgAAAAAAAABkAAAAAAAAAH9/fwAKAAAAIgAAABgAAAAAAAAAAAAAAAAAAAAAAAAAAAAAAAAAAAAkAAAAJAAAAAAAAAAHAAAAAAAAAAAAAAAAAAAAAAAAAAAAAAAAAAAAf39/ACUAAABYAAAAAAAAAAAAAAAAAAAAAAAAAAAAAAAAAAAAAAAAAAAAAAAAAAAAAAAAAAAAAAA/AAAAAAAAAKCGAQAAAAAAAAAAAAAAAAAMAAAAAQAAAAAAAAAAAAAAAAAAAB8AAABUAAAAAAAABQAAAAEAAAAAAAAAAAAAAAAAAAAAAAAAAAAAAAAAAAAAAAAAAAAAAAJ/f38AAAAAA8zMzADAwP8Af39/AAAAAAAAAAAAAAAAAAAAAAAAAAAAIQAAABgAAAAUAAAA5AQAAKgNAAByMwAAMhwAABAAAAAmAAAACAAAAD2wAAAAAAAA"/>
+                <pr:smNativeData xmlns:pr="smNativeData" xmlns="smNativeData" val="SMDATA_15_f8v4ZxMAAAAlAAAAZAAAAA0AAAAAkAAAAJAAAACQAAAAkAAAAAAAAAAAAAAAAAAAAAEAAABQAAAAAAAAAAAA4D8AAAAAAADgPwAAAAAAAOA/AAAAAAAA4D8AAAAAAADgPwAAAAAAAOA/AAAAAAAA4D8AAAAAAADgPwAAAAAAAOA/AAAAAAAA4D8CAAAAjAAAAAAAAAAAAAAAQoX0DP///wgAAAAAAAAAAAAAAAAAAAAAAAAAAAAAAAAAAAAAZAAAAAEAAABAAAAAAAAAAAAAAAAAAAAAAAAAAAAAAAAAAAAAAAAAAAAAAAAAAAAAAAAAAAAAAAAAAAAAAAAAAAAAAAAAAAAAAAAAAAAAAAAAAAAAAAAAAAAAAAAAAAAAFAAAADwAAAAAAAAAAAAAAAAAAAkUAAAAAQAAABQAAAAUAAAAFAAAAAEAAAAAAAAAZAAAAGQAAAAAAAAAZAAAAGQAAAAVAAAAYAAAAAAAAAAAAAAADwAAACADAAAAAAAAAAAAAAEAAACgMgAAVgcAAKr4//8BAAAAf39/AAEAAABkAAAAAAAAABQAAABAHwAAAAAAACYAAAAAAAAAwOD//wAAAAAmAAAAZAAAABYAAABMAAAAAAAAAAAAAAAEAAAAAAAAAAEAAABZWVkKAAAAACgAAAAoAAAAZAAAAGQAAAAAAAAAzMzMAAAAAABQAAAAUAAAAGQAAABkAAAAAAAAABcAAAAUAAAAAAAAAAAAAAD/fwAA/38AAAAAAAAJAAAABAAAAAAwMDAeAAAAaAAAAAAAAAAAAAAAAAAAAAAAAAAAAAAAECcAABAnAAAAAAAAAAAAAAAAAAAAAAAAAAAAAAAAAAAAAAAAAAAAABQAAAAAAAAAwMD/AAAAAABkAAAAMgAAAAAAAABkAAAAAAAAAH9/fwAKAAAAIgAAABgAAAAAAAAAAAAAAAAAAAAAAAAAAAAAAAAAAAAkAAAAJAAAAAAAAAAHAAAAAAAAAAAAAAAAAAAAAAAAAAAAAAAAAAAAf39/ACUAAABYAAAAAAAAAAAAAAAAAAAAAAAAAAAAAAAAAAAAAAAAAAAAAAAAAAAAAAAAAAAAAAA/AAAAAAAAAKCGAQAAAAAAAAAAAAAAAAAMAAAAAQAAAAAAAAAAAAAAAAAAAB8AAABUAAAAAAAABQAAAAEAAAAAAAAAAAAAAAAAAAAAAAAAAAAAAAAAAAAAAAAAAAAAAAJ/f38AAAAAA8zMzADAwP8Af39/AAAAAAAAAAAAAAAAAAAAAAAAAAAAIQAAABgAAAAUAAAA5AQAAKgNAAByMwAAMhwAABAAAAAmAAAACAAAAD2wAAAAAAAA"/>
               </a:ext>
             </a:extLst>
           </p:cNvSpPr>
@@ -4390,7 +4390,7 @@
             <a:spLocks noGrp="1" noChangeArrowheads="1"/>
             <a:extLst>
               <a:ext uri="smNativeData">
-                <pr:smNativeData xmlns:pr="smNativeData" xmlns="smNativeData" val="SMDATA_15_t6npZxMAAAAlAAAAZAAAAA0AAAAAkAAAAJAAAACQAAAAkAAAAAAAAAAAAAAAAAAAAAEAAABQAAAAAAAAAAAA4D8AAAAAAADgPwAAAAAAAOA/AAAAAAAA4D8AAAAAAADgPwAAAAAAAOA/AAAAAAAA4D8AAAAAAADgPwAAAAAAAOA/AAAAAAAA4D8CAAAAjAAAAAAAAAAAAAAAQoX0DP///wgAAAAAAAAAAAAAAAAAAAAAAAAAAAAAAAAAAAAAZAAAAAEAAABAAAAAAAAAAAAAAAAAAAAAAAAAAAAAAAAAAAAAAAAAAAAAAAAAAAAAAAAAAAAAAAAAAAAAAAAAAAAAAAAAAAAAAAAAAAAAAAAAAAAAAAAAAAAAAAAAAAAAFAAAADwAAAAAAAAAAAAAAAAAAAkUAAAAAQAAABQAAAAUAAAAFAAAAAEAAAAAAAAAZAAAAGQAAAAAAAAAZAAAAGQAAAAVAAAAYAAAAAAAAAAAAAAADwAAACADAAAAAAAAAAAAAAEAAACgMgAAVgcAAKr4//8BAAAAf39/AAEAAABkAAAAAAAAABQAAABAHwAAAAAAACYAAAAAAAAAwOD//wAAAAAmAAAAZAAAABYAAABMAAAAAAAAAAAAAAAEAAAAAAAAAAEAAABZWVkKAAAAACgAAAAoAAAAZAAAAGQAAAAAAAAAzMzMAAAAAABQAAAAUAAAAGQAAABkAAAAAAAAABcAAAAUAAAAAAAAAAAAAAD/fwAA/38AAAAAAAAJAAAABAAAAAAAAAAeAAAAaAAAAAAAAAAAAAAAAAAAAAAAAAAAAAAAECcAABAnAAAAAAAAAAAAAAAAAAAAAAAAAAAAAAAAAAAAAAAAAAAAABQAAAAAAAAAwMD/AAAAAABkAAAAMgAAAAAAAABkAAAAAAAAAH9/fwAKAAAAIgAAABgAAAAAAAAAAAAAAAAAAAAAAAAAAAAAAAAAAAAkAAAAJAAAAAAAAAAHAAAAAAAAAAAAAAAAAAAAAAAAAAAAAAAAAAAAf39/ACUAAABYAAAAAAAAAAAAAAAAAAAAAAAAAAAAAAAAAAAAAAAAAAAAAAAAAAAAAAAAAAAAAAA/AAAAAAAAAKCGAQAAAAAAAAAAAAAAAAAMAAAAAQAAAAAAAAAAAAAAAAAAAB8AAABUAAAAAAAABQAAAAEAAAAAAAAAAAAAAAAAAAAAAAAAAAAAAAAAAAAAAAAAAAAAAAJ/f38AAAAAA8zMzADAwP8Af39/AAAAAAAAAAAAAAAAAAAAAAAAAAAAIQAAABgAAAAUAAAAFAMAAAkCAAB/NwAAxwgAABAAAAAmAAAACAAAADywAAAAAAAA"/>
+                <pr:smNativeData xmlns:pr="smNativeData" xmlns="smNativeData" val="SMDATA_15_f8v4ZxMAAAAlAAAAZAAAAA0AAAAAkAAAAJAAAACQAAAAkAAAAAAAAAAAAAAAAAAAAAEAAABQAAAAAAAAAAAA4D8AAAAAAADgPwAAAAAAAOA/AAAAAAAA4D8AAAAAAADgPwAAAAAAAOA/AAAAAAAA4D8AAAAAAADgPwAAAAAAAOA/AAAAAAAA4D8CAAAAjAAAAAAAAAAAAAAAQoX0DP///wgAAAAAAAAAAAAAAAAAAAAAAAAAAAAAAAAAAAAAZAAAAAEAAABAAAAAAAAAAAAAAAAAAAAAAAAAAAAAAAAAAAAAAAAAAAAAAAAAAAAAAAAAAAAAAAAAAAAAAAAAAAAAAAAAAAAAAAAAAAAAAAAAAAAAAAAAAAAAAAAAAAAAFAAAADwAAAAAAAAAAAAAAAAAAAkUAAAAAQAAABQAAAAUAAAAFAAAAAEAAAAAAAAAZAAAAGQAAAAAAAAAZAAAAGQAAAAVAAAAYAAAAAAAAAAAAAAADwAAACADAAAAAAAAAAAAAAEAAACgMgAAVgcAAKr4//8BAAAAf39/AAEAAABkAAAAAAAAABQAAABAHwAAAAAAACYAAAAAAAAAwOD//wAAAAAmAAAAZAAAABYAAABMAAAAAAAAAAAAAAAEAAAAAAAAAAEAAABZWVkKAAAAACgAAAAoAAAAZAAAAGQAAAAAAAAAzMzMAAAAAABQAAAAUAAAAGQAAABkAAAAAAAAABcAAAAUAAAAAAAAAAAAAAD/fwAA/38AAAAAAAAJAAAABAAAAAAAAAAeAAAAaAAAAAAAAAAAAAAAAAAAAAAAAAAAAAAAECcAABAnAAAAAAAAAAAAAAAAAAAAAAAAAAAAAAAAAAAAAAAAAAAAABQAAAAAAAAAwMD/AAAAAABkAAAAMgAAAAAAAABkAAAAAAAAAH9/fwAKAAAAIgAAABgAAAAAAAAAAAAAAAAAAAAAAAAAAAAAAAAAAAAkAAAAJAAAAAAAAAAHAAAAAAAAAAAAAAAAAAAAAAAAAAAAAAAAAAAAf39/ACUAAABYAAAAAAAAAAAAAAAAAAAAAAAAAAAAAAAAAAAAAAAAAAAAAAAAAAAAAAAAAAAAAAA/AAAAAAAAAKCGAQAAAAAAAAAAAAAAAAAMAAAAAQAAAAAAAAAAAAAAAAAAAB8AAABUAAAAAAAABQAAAAEAAAAAAAAAAAAAAAAAAAAAAAAAAAAAAAAAAAAAAAAAAAAAAAJ/f38AAAAAA8zMzADAwP8Af39/AAAAAAAAAAAAAAAAAAAAAAAAAAAAIQAAABgAAAAUAAAAFAMAAAkCAAB/NwAAxwgAABAAAAAmAAAACAAAADywAAAAAAAA"/>
               </a:ext>
             </a:extLst>
           </p:cNvSpPr>
@@ -4499,7 +4499,7 @@
           <p:cNvSpPr>
             <a:extLst>
               <a:ext uri="smNativeData">
-                <pr:smNativeData xmlns:pr="smNativeData" xmlns="smNativeData" val="SMDATA_15_t6npZxMAAAAlAAAAZAAAAA0AAAAAkAAAAJAAAACQAAAAkAAAAAAAAAABAAAAAAAAAAEAAABQAAAAAAAAAAAA4D8AAAAAAADgPwAAAAAAAOA/AAAAAAAA4D8AAAAAAADgPwAAAAAAAOA/AAAAAAAA4D8AAAAAAADgPwAAAAAAAOA/AAAAAAAA4D8CAAAAjAAAAAEAAAAAAAAA+/v+AP///wgAAAAAAAAAAAAAAAAAAAAAAAAAAAAAAAAAAAAAeAAAAAEAAABAAAAAAAAAAAAAAABaAAAAAAAAAAAAAAAAAAAAAAAAAAAAAAAAAAAAAAAAAAAAAAAAAAAAAAAAAAAAAAAAAAAAAAAAAAAAAAAAAAAAAAAAAAAAAAAAAAAAFAAAADwAAAAAAAAAAAAAAAAAAAkUAAAAAQAAABQAAAAUAAAAFAAAAAEAAAAAAAAAZAAAAGQAAAAAAAAAZAAAAGQAAAAVAAAAYAAAAAAAAAAAAAAADwAAACADAAAAAAAAAAAAAAEAAACgMgAAVgcAAKr4//8BAAAAf39/AAEAAABkAAAAAAAAABQAAABAHwAAAAAAACYAAAAAAAAAwOD//wAAAAAmAAAAZAAAABYAAABMAAAAAAAAAAAAAAAEAAAAAAAAAAEAAABZWVkKAAAAACgAAAAoAAAAZAAAAGQAAAAAAAAAzMzMAAAAAABQAAAAUAAAAGQAAABkAAAAAAAAABcAAAAUAAAAAAAAAAAAAAD/fwAA/38AAAAAAAAJAAAABAAAAAMAAAAeAAAAaAAAAAAAAAAAAAAAAAAAAAAAAAAAAAAAECcAABAnAAAAAAAAAAAAAAAAAAAAAAAAAAAAAAAAAAAAAAAAAAAAABQAAAAAAAAAwMD/AAAAAABkAAAAMgAAAAAAAABkAAAAAAAAAH9/fwAKAAAAIgAAABgAAAAAAAAAAAAAAAAAAAAAAAAAAAAAAAAAAAAkAAAAJAAAAAAAAAAHAAAAAAAAAAAAAAAAAAAAAAAAAAAAAAAAAAAAf39/ACUAAABYAAAAAAAAAAAAAAAAAAAAAAAAAAAAAAAAAAAAAAAAAAAAAAAAAAAAAAAAAAAAAAA/AAAAAAAAAKCGAQAAAAAAAAAAAAAAAAAMAAAAAQAAAAAAAAAAAAAAAAAAAB8AAABUAAAA+/v+AAAAAAEAAAAAAAAAAAAAAAAAAAAAAAAAAAAAAAAAAAAAAAAAAAAAAAJ/f38AAAAAA8zMzADAwP8Af39/AAAAAAAAAAAAAAAAAAAAAAAAAAAAIQAAABgAAAAUAAAAOwIAAIQIAABxHwAAZB0AABAAAAAmAAAACAAAAP//////////"/>
+                <pr:smNativeData xmlns:pr="smNativeData" xmlns="smNativeData" val="SMDATA_15_f8v4ZxMAAAAlAAAAZAAAAA0AAAAAkAAAAJAAAACQAAAAkAAAAAAAAAABAAAAAAAAAAEAAABQAAAAAAAAAAAA4D8AAAAAAADgPwAAAAAAAOA/AAAAAAAA4D8AAAAAAADgPwAAAAAAAOA/AAAAAAAA4D8AAAAAAADgPwAAAAAAAOA/AAAAAAAA4D8CAAAAjAAAAAEAAAAAAAAA+/v+AP///wgAAAAAAAAAAAAAAAAAAAAAAAAAAAAAAAAAAAAAeAAAAAEAAABAAAAAAAAAAAAAAABaAAAAAAAAAAAAAAAAAAAAAAAAAAAAAAAAAAAAAAAAAAAAAAAAAAAAAAAAAAAAAAAAAAAAAAAAAAAAAAAAAAAAAAAAAAAAAAAAAAAAFAAAADwAAAAAAAAAAAAAAAAAAAkUAAAAAQAAABQAAAAUAAAAFAAAAAEAAAAAAAAAZAAAAGQAAAAAAAAAZAAAAGQAAAAVAAAAYAAAAAAAAAAAAAAADwAAACADAAAAAAAAAAAAAAEAAACgMgAAVgcAAKr4//8BAAAAf39/AAEAAABkAAAAAAAAABQAAABAHwAAAAAAACYAAAAAAAAAwOD//wAAAAAmAAAAZAAAABYAAABMAAAAAAAAAAAAAAAEAAAAAAAAAAEAAABZWVkKAAAAACgAAAAoAAAAZAAAAGQAAAAAAAAAzMzMAAAAAABQAAAAUAAAAGQAAABkAAAAAAAAABcAAAAUAAAAAAAAAAAAAAD/fwAA/38AAAAAAAAJAAAABAAAAAMAAAAeAAAAaAAAAAAAAAAAAAAAAAAAAAAAAAAAAAAAECcAABAnAAAAAAAAAAAAAAAAAAAAAAAAAAAAAAAAAAAAAAAAAAAAABQAAAAAAAAAwMD/AAAAAABkAAAAMgAAAAAAAABkAAAAAAAAAH9/fwAKAAAAIgAAABgAAAAAAAAAAAAAAAAAAAAAAAAAAAAAAAAAAAAkAAAAJAAAAAAAAAAHAAAAAAAAAAAAAAAAAAAAAAAAAAAAAAAAAAAAf39/ACUAAABYAAAAAAAAAAAAAAAAAAAAAAAAAAAAAAAAAAAAAAAAAAAAAAAAAAAAAAAAAAAAAAA/AAAAAAAAAKCGAQAAAAAAAAAAAAAAAAAMAAAAAQAAAAAAAAAAAAAAAAAAAB8AAABUAAAA+/v+AAAAAAEAAAAAAAAAAAAAAAAAAAAAAAAAAAAAAAAAAAAAAAAAAAAAAAJ/f38AAAAAA8zMzADAwP8Af39/AAAAAAAAAAAAAAAAAAAAAAAAAAAAIQAAABgAAAAUAAAAOwIAAIQIAABxHwAAZB0AABAAAAAmAAAACAAAAP//////////"/>
               </a:ext>
             </a:extLst>
           </p:cNvSpPr>
@@ -4544,7 +4544,7 @@
             <a:spLocks noGrp="1" noChangeArrowheads="1"/>
             <a:extLst>
               <a:ext uri="smNativeData">
-                <pr:smNativeData xmlns:pr="smNativeData" xmlns="smNativeData" val="SMDATA_15_t6npZxMAAAAlAAAAZAAAAA0AAAAAkAAAAJAAAACQAAAAkAAAAAAAAAAAAAAAAAAAAAEAAABQAAAAAAAAAAAA4D8AAAAAAADgPwAAAAAAAOA/AAAAAAAA4D8AAAAAAADgPwAAAAAAAOA/AAAAAAAA4D8AAAAAAADgPwAAAAAAAOA/AAAAAAAA4D8CAAAAjAAAAAAAAAAAAAAAQoX0DP///wgAAAAAAAAAAAAAAAAAAAAAAAAAAAAAAAAAAAAAZAAAAAEAAABAAAAAAAAAAAAAAAAAAAAAAAAAAAAAAAAAAAAAAAAAAAAAAAAAAAAAAAAAAAAAAAAAAAAAAAAAAAAAAAAAAAAAAAAAAAAAAAAAAAAAAAAAAAAAAAAAAAAAFAAAADwAAAAAAAAAAAAAAAAAAAkUAAAAAQAAABQAAAAUAAAAFAAAAAEAAAAAAAAAZAAAAGQAAAAAAAAAZAAAAGQAAAAVAAAAYAAAAAAAAAAAAAAADwAAACADAAAAAAAAAAAAAAEAAACgMgAAVgcAAKr4//8BAAAAf39/AAEAAABkAAAAAAAAABQAAABAHwAAAAAAACYAAAAAAAAAwOD//wAAAAAmAAAAZAAAABYAAABMAAAAAAAAAAAAAAAEAAAAAAAAAAEAAABZWVkKAAAAACgAAAAoAAAAZAAAAGQAAAAAAAAAzMzMAAAAAABQAAAAUAAAAGQAAABkAAAAAAAAABcAAAAUAAAAAAAAAAAAAAD/fwAA/38AAAAAAAAJAAAABAAAAAgAAAAeAAAAaAAAAAAAAAAAAAAAAAAAAAAAAAAAAAAAECcAABAnAAAAAAAAAAAAAAAAAAAAAAAAAAAAAAAAAAAAAAAAAAAAABQAAAAAAAAAwMD/AAAAAABkAAAAMgAAAAAAAABkAAAAAAAAAH9/fwAKAAAAIgAAABgAAAAAAAAAAAAAAAAAAAAAAAAAAAAAAAAAAAAkAAAAJAAAAAAAAAAHAAAAAAAAAAAAAAAAAAAAAAAAAAAAAAAAAAAAf39/ACUAAABYAAAAAAAAAAAAAAAAAAAAAAAAAAAAAAAAAAAAAAAAAAAAAAAAAAAAAAAAAAAAAAA/AAAAAAAAAKCGAQAAAAAAAAAAAAAAAAAMAAAAAQAAAAAAAAAAAAAAAAAAAB8AAABUAAAAAAAABQAAAAEAAAAAAAAAAAAAAAAAAAAAAAAAAAAAAAAAAAAAAAAAAAAAAAJ/f38AAAAAA8zMzADAwP8Af39/AAAAAAAAAAAAAAAAAAAAAAAAAAAAIQAAABgAAAAUAAAAFAMAABMJAABSHgAAVB4AABAAAAAmAAAACAAAAD2wAAAAAAAA"/>
+                <pr:smNativeData xmlns:pr="smNativeData" xmlns="smNativeData" val="SMDATA_15_f8v4ZxMAAAAlAAAAZAAAAA0AAAAAkAAAAJAAAACQAAAAkAAAAAAAAAAAAAAAAAAAAAEAAABQAAAAAAAAAAAA4D8AAAAAAADgPwAAAAAAAOA/AAAAAAAA4D8AAAAAAADgPwAAAAAAAOA/AAAAAAAA4D8AAAAAAADgPwAAAAAAAOA/AAAAAAAA4D8CAAAAjAAAAAAAAAAAAAAAQoX0DP///wgAAAAAAAAAAAAAAAAAAAAAAAAAAAAAAAAAAAAAZAAAAAEAAABAAAAAAAAAAAAAAAAAAAAAAAAAAAAAAAAAAAAAAAAAAAAAAAAAAAAAAAAAAAAAAAAAAAAAAAAAAAAAAAAAAAAAAAAAAAAAAAAAAAAAAAAAAAAAAAAAAAAAFAAAADwAAAAAAAAAAAAAAAAAAAkUAAAAAQAAABQAAAAUAAAAFAAAAAEAAAAAAAAAZAAAAGQAAAAAAAAAZAAAAGQAAAAVAAAAYAAAAAAAAAAAAAAADwAAACADAAAAAAAAAAAAAAEAAACgMgAAVgcAAKr4//8BAAAAf39/AAEAAABkAAAAAAAAABQAAABAHwAAAAAAACYAAAAAAAAAwOD//wAAAAAmAAAAZAAAABYAAABMAAAAAAAAAAAAAAAEAAAAAAAAAAEAAABZWVkKAAAAACgAAAAoAAAAZAAAAGQAAAAAAAAAzMzMAAAAAABQAAAAUAAAAGQAAABkAAAAAAAAABcAAAAUAAAAAAAAAAAAAAD/fwAA/38AAAAAAAAJAAAABAAAAAgAAAAeAAAAaAAAAAAAAAAAAAAAAAAAAAAAAAAAAAAAECcAABAnAAAAAAAAAAAAAAAAAAAAAAAAAAAAAAAAAAAAAAAAAAAAABQAAAAAAAAAwMD/AAAAAABkAAAAMgAAAAAAAABkAAAAAAAAAH9/fwAKAAAAIgAAABgAAAAAAAAAAAAAAAAAAAAAAAAAAAAAAAAAAAAkAAAAJAAAAAAAAAAHAAAAAAAAAAAAAAAAAAAAAAAAAAAAAAAAAAAAf39/ACUAAABYAAAAAAAAAAAAAAAAAAAAAAAAAAAAAAAAAAAAAAAAAAAAAAAAAAAAAAAAAAAAAAA/AAAAAAAAAKCGAQAAAAAAAAAAAAAAAAAMAAAAAQAAAAAAAAAAAAAAAAAAAB8AAABUAAAAAAAABQAAAAEAAAAAAAAAAAAAAAAAAAAAAAAAAAAAAAAAAAAAAAAAAAAAAAJ/f38AAAAAA8zMzADAwP8Af39/AAAAAAAAAAAAAAAAAAAAAAAAAAAAIQAAABgAAAAUAAAAFAMAABMJAABSHgAAVB4AABAAAAAmAAAACAAAAD2wAAAAAAAA"/>
               </a:ext>
             </a:extLst>
           </p:cNvSpPr>
@@ -4692,7 +4692,7 @@
             <a:spLocks noGrp="1" noChangeArrowheads="1"/>
             <a:extLst>
               <a:ext uri="smNativeData">
-                <pr:smNativeData xmlns:pr="smNativeData" xmlns="smNativeData" val="SMDATA_15_t6npZxMAAAAlAAAAZAAAAA0AAAAAkAAAAJAAAACQAAAAkAAAAAAAAAAAAAAAAAAAAAEAAABQAAAAAAAAAAAA4D8AAAAAAADgPwAAAAAAAOA/AAAAAAAA4D8AAAAAAADgPwAAAAAAAOA/AAAAAAAA4D8AAAAAAADgPwAAAAAAAOA/AAAAAAAA4D8CAAAAjAAAAAAAAAAAAAAAQoX0DP///wgAAAAAAAAAAAAAAAAAAAAAAAAAAAAAAAAAAAAAZAAAAAEAAABAAAAAAAAAAAAAAAAAAAAAAAAAAAAAAAAAAAAAAAAAAAAAAAAAAAAAAAAAAAAAAAAAAAAAAAAAAAAAAAAAAAAAAAAAAAAAAAAAAAAAAAAAAAAAAAAAAAAAFAAAADwAAAAAAAAAAAAAAAAAAAkUAAAAAQAAABQAAAAUAAAAFAAAAAEAAAAAAAAAZAAAAGQAAAAAAAAAZAAAAGQAAAAVAAAAYAAAAAAAAAAAAAAADwAAACADAAAAAAAAAAAAAAEAAACgMgAAVgcAAKr4//8BAAAAf39/AAEAAABkAAAAAAAAABQAAABAHwAAAAAAACYAAAAAAAAAwOD//wAAAAAmAAAAZAAAABYAAABMAAAAAAAAAAAAAAAEAAAAAAAAAAEAAABZWVkKAAAAACgAAAAoAAAAZAAAAGQAAAAAAAAAzMzMAAAAAABQAAAAUAAAAGQAAABkAAAAAAAAABcAAAAUAAAAAAAAAAAAAAD/fwAA/38AAAAAAAAJAAAABAAAAGUAAAAeAAAAaAAAAAAAAAAAAAAAAAAAAAAAAAAAAAAAECcAABAnAAAAAAAAAAAAAAAAAAAAAAAAAAAAAAAAAAAAAAAAAAAAABQAAAAAAAAAwMD/AAAAAABkAAAAMgAAAAAAAABkAAAAAAAAAH9/fwAKAAAAIgAAABgAAAAAAAAAAAAAAAAAAAAAAAAAAAAAAAAAAAAkAAAAJAAAAAAAAAAHAAAAAAAAAAAAAAAAAAAAAAAAAAAAAAAAAAAAf39/ACUAAABYAAAAAAAAAAAAAAAAAAAAAAAAAAAAAAAAAAAAAAAAAAAAAAAAAAAAAAAAAAAAAAA/AAAAAAAAAKCGAQAAAAAAAAAAAAAAAAAMAAAAAQAAAAAAAAAAAAAAAAAAAB8AAABUAAAAAAAABQAAAAEAAAAAAAAAAAAAAAAAAAAAAAAAAAAAAAAAAAAAAAAAAAAAAAJ/f38AAAAAA8zMzADAwP8Af39/AAAAAAAAAAAAAAAAAAAAAAAAAAAAIQAAABgAAAAUAAAALCIAABMJAACPNQAAIh0AABAAAAAmAAAACAAAAD2wAAAAAAAA"/>
+                <pr:smNativeData xmlns:pr="smNativeData" xmlns="smNativeData" val="SMDATA_15_f8v4ZxMAAAAlAAAAZAAAAA0AAAAAkAAAAJAAAACQAAAAkAAAAAAAAAAAAAAAAAAAAAEAAABQAAAAAAAAAAAA4D8AAAAAAADgPwAAAAAAAOA/AAAAAAAA4D8AAAAAAADgPwAAAAAAAOA/AAAAAAAA4D8AAAAAAADgPwAAAAAAAOA/AAAAAAAA4D8CAAAAjAAAAAAAAAAAAAAAQoX0DP///wgAAAAAAAAAAAAAAAAAAAAAAAAAAAAAAAAAAAAAZAAAAAEAAABAAAAAAAAAAAAAAAAAAAAAAAAAAAAAAAAAAAAAAAAAAAAAAAAAAAAAAAAAAAAAAAAAAAAAAAAAAAAAAAAAAAAAAAAAAAAAAAAAAAAAAAAAAAAAAAAAAAAAFAAAADwAAAAAAAAAAAAAAAAAAAkUAAAAAQAAABQAAAAUAAAAFAAAAAEAAAAAAAAAZAAAAGQAAAAAAAAAZAAAAGQAAAAVAAAAYAAAAAAAAAAAAAAADwAAACADAAAAAAAAAAAAAAEAAACgMgAAVgcAAKr4//8BAAAAf39/AAEAAABkAAAAAAAAABQAAABAHwAAAAAAACYAAAAAAAAAwOD//wAAAAAmAAAAZAAAABYAAABMAAAAAAAAAAAAAAAEAAAAAAAAAAEAAABZWVkKAAAAACgAAAAoAAAAZAAAAGQAAAAAAAAAzMzMAAAAAABQAAAAUAAAAGQAAABkAAAAAAAAABcAAAAUAAAAAAAAAAAAAAD/fwAA/38AAAAAAAAJAAAABAAAAGUAAAAeAAAAaAAAAAAAAAAAAAAAAAAAAAAAAAAAAAAAECcAABAnAAAAAAAAAAAAAAAAAAAAAAAAAAAAAAAAAAAAAAAAAAAAABQAAAAAAAAAwMD/AAAAAABkAAAAMgAAAAAAAABkAAAAAAAAAH9/fwAKAAAAIgAAABgAAAAAAAAAAAAAAAAAAAAAAAAAAAAAAAAAAAAkAAAAJAAAAAAAAAAHAAAAAAAAAAAAAAAAAAAAAAAAAAAAAAAAAAAAf39/ACUAAABYAAAAAAAAAAAAAAAAAAAAAAAAAAAAAAAAAAAAAAAAAAAAAAAAAAAAAAAAAAAAAAA/AAAAAAAAAKCGAQAAAAAAAAAAAAAAAAAMAAAAAQAAAAAAAAAAAAAAAAAAAB8AAABUAAAAAAAABQAAAAEAAAAAAAAAAAAAAAAAAAAAAAAAAAAAAAAAAAAAAAAAAAAAAAJ/f38AAAAAA8zMzADAwP8Af39/AAAAAAAAAAAAAAAAAAAAAAAAAAAAIQAAABgAAAAUAAAALCIAABMJAACPNQAAIh0AABAAAAAmAAAACAAAAD2wAAAAAAAA"/>
               </a:ext>
             </a:extLst>
           </p:cNvSpPr>
@@ -4904,7 +4904,7 @@
             <a:spLocks noGrp="1" noChangeArrowheads="1"/>
             <a:extLst>
               <a:ext uri="smNativeData">
-                <pr:smNativeData xmlns:pr="smNativeData" xmlns="smNativeData" val="SMDATA_15_t6npZxMAAAAlAAAAZAAAAE0AAAAAkAAAAJAAAACQAAAAkAAAAAAAAAABAAAAAAAAAAEAAABQAAAAAAAAAAAA4D8AAAAAAADgPwAAAAAAAOA/AAAAAAAA4D8AAAAAAADgPwAAAAAAAOA/AAAAAAAA4D8AAAAAAADgPwAAAAAAAOA/AAAAAAAA4D8CAAAAjAAAAAAAAAAAAAAAQoX0DP///wgAAAAAAAAAAAAAAAAAAAAAAAAAAAAAAAAAAAAAZAAAAAEAAABAAAAAAAAAAAAAAAAAAAAAAAAAAAAAAAAAAAAAAAAAAAAAAAAAAAAAAAAAAAAAAAAAAAAAAAAAAAAAAAAAAAAAAAAAAAAAAAAAAAAAAAAAAAAAAAAAAAAAFAAAADwAAAAAAAAAAAAAAAAAAAkUAAAAAQAAABQAAAAUAAAAFAAAAAEAAAAAAAAAZAAAAGQAAAAAAAAAZAAAAGQAAAAVAAAAYAAAAAAAAAAAAAAADwAAACADAAAAAAAAAAAAAAEAAACgMgAAVgcAAKr4//8BAAAAf39/AAEAAABkAAAAAAAAABQAAABAHwAAAAAAACYAAAAAAAAAwOD//wAAAAAmAAAAZAAAABYAAABMAAAAAAAAAAAAAAAEAAAAAAAAAAEAAABZWVkKAAAAACgAAAAoAAAAZAAAAGQAAAAAAAAAzMzMAAAAAABQAAAAUAAAAGQAAABkAAAAAAAAABcAAAAUAAAAAAAAAAAAAAD/fwAA/38AAAAAAAAJAAAABAAAABihEgIeAAAAaAAAAAAAAAAAAAAAAAAAAAAAAAAAAAAAECcAABAnAAAAAAAAAAAAAAAAAAAAAAAAAAAAAAAAAAAAAAAAAAAAABQAAAAAAAAAwMD/AAAAAABkAAAAMgAAAAAAAABkAAAAAAAAAH9/fwAKAAAAIgAAABgAAAAAAAAAAAAAAAAAAAAAAAAAAAAAAAAAAAAkAAAAJAAAAAAAAAAHAAAAAAAAAAAAAAAAAAAAAAAAAAAAAAAAAAAAf39/ACUAAABYAAAAAAAAAAAAAAAAAAAAAAAAAAAAAAAAAAAAAAAAAAAAAAAAAAAAAAAAAAAAAAA/AAAAAAAAAKCGAQAAAAAAAAAAAAAAAAAMAAAAAQAAAAAAAAAAAAAAAAAAAB8AAABUAAAAAAAABQAAAAEAAAAAAAAAAAAAAAAAAAAAAAAAAAAAAAAAAAAAAAAAAAAAAAJ/f38AAAAAA8zMzADAwP8Af39/AAAAAAAAAAAAAAAAAAAAAAAAAAAAIQAAABgAAAAUAAAAFAMAAPALAADlMwAAHREAABAgAAAmAAAACAAAAL2wAAAAAAAA"/>
+                <pr:smNativeData xmlns:pr="smNativeData" xmlns="smNativeData" val="SMDATA_15_f8v4ZxMAAAAlAAAAZAAAAE0AAAAAkAAAAJAAAACQAAAAkAAAAAAAAAABAAAAAAAAAAEAAABQAAAAAAAAAAAA4D8AAAAAAADgPwAAAAAAAOA/AAAAAAAA4D8AAAAAAADgPwAAAAAAAOA/AAAAAAAA4D8AAAAAAADgPwAAAAAAAOA/AAAAAAAA4D8CAAAAjAAAAAAAAAAAAAAAQoX0DP///wgAAAAAAAAAAAAAAAAAAAAAAAAAAAAAAAAAAAAAZAAAAAEAAABAAAAAAAAAAAAAAAAAAAAAAAAAAAAAAAAAAAAAAAAAAAAAAAAAAAAAAAAAAAAAAAAAAAAAAAAAAAAAAAAAAAAAAAAAAAAAAAAAAAAAAAAAAAAAAAAAAAAAFAAAADwAAAAAAAAAAAAAAAAAAAkUAAAAAQAAABQAAAAUAAAAFAAAAAEAAAAAAAAAZAAAAGQAAAAAAAAAZAAAAGQAAAAVAAAAYAAAAAAAAAAAAAAADwAAACADAAAAAAAAAAAAAAEAAACgMgAAVgcAAKr4//8BAAAAf39/AAEAAABkAAAAAAAAABQAAABAHwAAAAAAACYAAAAAAAAAwOD//wAAAAAmAAAAZAAAABYAAABMAAAAAAAAAAAAAAAEAAAAAAAAAAEAAABZWVkKAAAAACgAAAAoAAAAZAAAAGQAAAAAAAAAzMzMAAAAAABQAAAAUAAAAGQAAABkAAAAAAAAABcAAAAUAAAAAAAAAAAAAAD/fwAA/38AAAAAAAAJAAAABAAAABihEgIeAAAAaAAAAAAAAAAAAAAAAAAAAAAAAAAAAAAAECcAABAnAAAAAAAAAAAAAAAAAAAAAAAAAAAAAAAAAAAAAAAAAAAAABQAAAAAAAAAwMD/AAAAAABkAAAAMgAAAAAAAABkAAAAAAAAAH9/fwAKAAAAIgAAABgAAAAAAAAAAAAAAAAAAAAAAAAAAAAAAAAAAAAkAAAAJAAAAAAAAAAHAAAAAAAAAAAAAAAAAAAAAAAAAAAAAAAAAAAAf39/ACUAAABYAAAAAAAAAAAAAAAAAAAAAAAAAAAAAAAAAAAAAAAAAAAAAAAAAAAAAAAAAAAAAAA/AAAAAAAAAKCGAQAAAAAAAAAAAAAAAAAMAAAAAQAAAAAAAAAAAAAAAAAAAB8AAABUAAAAAAAABQAAAAEAAAAAAAAAAAAAAAAAAAAAAAAAAAAAAAAAAAAAAAAAAAAAAAJ/f38AAAAAA8zMzADAwP8Af39/AAAAAAAAAAAAAAAAAAAAAAAAAAAAIQAAABgAAAAUAAAAFAMAAPALAADlMwAAHREAABAgAAAmAAAACAAAAL2wAAAAAAAA"/>
               </a:ext>
             </a:extLst>
           </p:cNvSpPr>
@@ -5028,7 +5028,7 @@
             <a:spLocks noGrp="1" noChangeArrowheads="1"/>
             <a:extLst>
               <a:ext uri="smNativeData">
-                <pr:smNativeData xmlns:pr="smNativeData" xmlns="smNativeData" val="SMDATA_15_t6npZxMAAAAlAAAAZAAAAA0AAAAAkAAAAJAAAACQAAAAkAAAAAAAAAABAAAAAAAAAAEAAABQAAAAAAAAAAAA4D8AAAAAAADgPwAAAAAAAOA/AAAAAAAA4D8AAAAAAADgPwAAAAAAAOA/AAAAAAAA4D8AAAAAAADgPwAAAAAAAOA/AAAAAAAA4D8CAAAAjAAAAAAAAAAAAAAAQoX0DP///wgAAAAAAAAAAAAAAAAAAAAAAAAAAAAAAAAAAAAAZAAAAAEAAABAAAAAAAAAAAAAAAAAAAAAAAAAAAAAAAAAAAAAAAAAAAAAAAAAAAAAAAAAAAAAAAAAAAAAAAAAAAAAAAAAAAAAAAAAAAAAAAAAAAAAAAAAAAAAAAAAAAAAFAAAADwAAAAAAAAAAAAAAAAAAAkUAAAAAQAAABQAAAAUAAAAFAAAAAEAAAAAAAAAZAAAAGQAAAAAAAAAZAAAAGQAAAAVAAAAYAAAAAAAAAAAAAAADwAAACADAAAAAAAAAAAAAAEAAACgMgAAVgcAAKr4//8BAAAAf39/AAEAAABkAAAAAAAAABQAAABAHwAAAAAAACYAAAAAAAAAwOD//wAAAAAmAAAAZAAAABYAAABMAAAAAAAAAAAAAAAEAAAAAAAAAAEAAABZWVkKAAAAACgAAAAoAAAAZAAAAGQAAAAAAAAAzMzMAAAAAABQAAAAUAAAAGQAAABkAAAAAAAAABcAAAAUAAAAAAAAAAAAAAD/fwAA/38AAAAAAAAJAAAABAAAAAAAAAAeAAAAaAAAAAAAAAAAAAAAAAAAAAAAAAAAAAAAECcAABAnAAAAAAAAAAAAAAAAAAAAAAAAAAAAAAAAAAAAAAAAAAAAABQAAAAAAAAAwMD/AAAAAABkAAAAMgAAAAAAAABkAAAAAAAAAH9/fwAKAAAAIgAAABgAAAAAAAAAAAAAAAAAAAAAAAAAAAAAAAAAAAAkAAAAJAAAAAAAAAAHAAAAAAAAAAAAAAAAAAAAAAAAAAAAAAAAAAAAf39/ACUAAABYAAAAAAAAAAAAAAAAAAAAAAAAAAAAAAAAAAAAAAAAAAAAAAAAAAAAAAAAAAAAAAA/AAAAAAAAAKCGAQAAAAAAAAAAAAAAAAAMAAAAAQAAAAAAAAAAAAAAAAAAAB8AAABUAAAAAAAABQAAAAEAAAAAAAAAAAAAAAAAAAAAAAAAAAAAAAAAAAAAAAAAAAAAAAJ/f38AAAAAA8zMzADAwP8Af39/AAAAAAAAAAAAAAAAAAAAAAAAAAAAIQAAABgAAAAUAAAAHjQAALAcAAB/NwAAGx8AABAAAAAmAAAACAAAADywAAAAAAAA"/>
+                <pr:smNativeData xmlns:pr="smNativeData" xmlns="smNativeData" val="SMDATA_15_f8v4ZxMAAAAlAAAAZAAAAA0AAAAAkAAAAJAAAACQAAAAkAAAAAAAAAABAAAAAAAAAAEAAABQAAAAAAAAAAAA4D8AAAAAAADgPwAAAAAAAOA/AAAAAAAA4D8AAAAAAADgPwAAAAAAAOA/AAAAAAAA4D8AAAAAAADgPwAAAAAAAOA/AAAAAAAA4D8CAAAAjAAAAAAAAAAAAAAAQoX0DP///wgAAAAAAAAAAAAAAAAAAAAAAAAAAAAAAAAAAAAAZAAAAAEAAABAAAAAAAAAAAAAAAAAAAAAAAAAAAAAAAAAAAAAAAAAAAAAAAAAAAAAAAAAAAAAAAAAAAAAAAAAAAAAAAAAAAAAAAAAAAAAAAAAAAAAAAAAAAAAAAAAAAAAFAAAADwAAAAAAAAAAAAAAAAAAAkUAAAAAQAAABQAAAAUAAAAFAAAAAEAAAAAAAAAZAAAAGQAAAAAAAAAZAAAAGQAAAAVAAAAYAAAAAAAAAAAAAAADwAAACADAAAAAAAAAAAAAAEAAACgMgAAVgcAAKr4//8BAAAAf39/AAEAAABkAAAAAAAAABQAAABAHwAAAAAAACYAAAAAAAAAwOD//wAAAAAmAAAAZAAAABYAAABMAAAAAAAAAAAAAAAEAAAAAAAAAAEAAABZWVkKAAAAACgAAAAoAAAAZAAAAGQAAAAAAAAAzMzMAAAAAABQAAAAUAAAAGQAAABkAAAAAAAAABcAAAAUAAAAAAAAAAAAAAD/fwAA/38AAAAAAAAJAAAABAAAAAAAAAAeAAAAaAAAAAAAAAAAAAAAAAAAAAAAAAAAAAAAECcAABAnAAAAAAAAAAAAAAAAAAAAAAAAAAAAAAAAAAAAAAAAAAAAABQAAAAAAAAAwMD/AAAAAABkAAAAMgAAAAAAAABkAAAAAAAAAH9/fwAKAAAAIgAAABgAAAAAAAAAAAAAAAAAAAAAAAAAAAAAAAAAAAAkAAAAJAAAAAAAAAAHAAAAAAAAAAAAAAAAAAAAAAAAAAAAAAAAAAAAf39/ACUAAABYAAAAAAAAAAAAAAAAAAAAAAAAAAAAAAAAAAAAAAAAAAAAAAAAAAAAAAAAAAAAAAA/AAAAAAAAAKCGAQAAAAAAAAAAAAAAAAAMAAAAAQAAAAAAAAAAAAAAAAAAAB8AAABUAAAAAAAABQAAAAEAAAAAAAAAAAAAAAAAAAAAAAAAAAAAAAAAAAAAAAAAAAAAAAJ/f38AAAAAA8zMzADAwP8Af39/AAAAAAAAAAAAAAAAAAAAAAAAAAAAIQAAABgAAAAUAAAAHjQAALAcAAB/NwAAGx8AABAAAAAmAAAACAAAADywAAAAAAAA"/>
               </a:ext>
             </a:extLst>
           </p:cNvSpPr>
@@ -5082,7 +5082,7 @@
               </a:spcAft>
               <a:buNone/>
             </a:pPr>
-            <a:fld id="{307B1BB6-F8DD-2EED-93C3-0EB8558D655B}" type="slidenum">
+            <a:fld id="{75476601-4F98-1290-D6FF-B9C528B120EC}" type="slidenum">
               <a:rPr lang="ru-ru" cap="none"/>
               <a:t/>
             </a:fld>
@@ -5123,7 +5123,7 @@
             <a:spLocks noGrp="1" noChangeArrowheads="1"/>
             <a:extLst>
               <a:ext uri="smNativeData">
-                <pr:smNativeData xmlns:pr="smNativeData" xmlns="smNativeData" val="SMDATA_15_t6npZxMAAAAlAAAAZAAAAA0AAAAAkAAAAJAAAACQAAAAkAAAAAAAAAABAAAAAAAAAAEAAABQAAAAAAAAAAAA4D8AAAAAAADgPwAAAAAAAOA/AAAAAAAA4D8AAAAAAADgPwAAAAAAAOA/AAAAAAAA4D8AAAAAAADgPwAAAAAAAOA/AAAAAAAA4D8CAAAAjAAAAAAAAAAAAAAAQoX0DP///wgAAAAAAAAAAAAAAAAAAAAAAAAAAAAAAAAAAAAAZAAAAAEAAABAAAAAAAAAAAAAAAAAAAAAAAAAAAAAAAAAAAAAAAAAAAAAAAAAAAAAAAAAAAAAAAAAAAAAAAAAAAAAAAAAAAAAAAAAAAAAAAAAAAAAAAAAAAAAAAAAAAAAFAAAADwAAAAAAAAAAAAAAAAAAAkUAAAAAQAAABQAAAAUAAAAFAAAAAEAAAAAAAAAZAAAAGQAAAAAAAAAZAAAAGQAAAAVAAAAYAAAAAAAAAAAAAAADwAAACADAAAAAAAAAAAAAAEAAACgMgAAVgcAAKr4//8BAAAAf39/AAEAAABkAAAAAAAAABQAAABAHwAAAAAAACYAAAAAAAAAwOD//wAAAAAmAAAAZAAAABYAAABMAAAAAAAAAAAAAAAEAAAAAAAAAAEAAABZWVkKAAAAACgAAAAoAAAAZAAAAGQAAAAAAAAAzMzMAAAAAABQAAAAUAAAAGQAAABkAAAAAAAAABcAAAAUAAAAAAAAAAAAAAD/fwAA/38AAAAAAAAJAAAABAAAAP///wAeAAAAaAAAAAAAAAAAAAAAAAAAAAAAAAAAAAAAECcAABAnAAAAAAAAAAAAAAAAAAAAAAAAAAAAAAAAAAAAAAAAAAAAABQAAAAAAAAAwMD/AAAAAABkAAAAMgAAAAAAAABkAAAAAAAAAH9/fwAKAAAAIgAAABgAAAAAAAAAAAAAAAAAAAAAAAAAAAAAAAAAAAAkAAAAJAAAAAAAAAAHAAAAAAAAAAAAAAAAAAAAAAAAAAAAAAAAAAAAf39/ACUAAABYAAAAAAAAAAAAAAAAAAAAAAAAAAAAAAAAAAAAAAAAAAAAAAAAAAAAAAAAAAAAAAA/AAAAAAAAAKCGAQAAAAAAAAAAAAAAAAAMAAAAAQAAAAAAAAAAAAAAAAAAAB8AAABUAAAAAAAABQAAAAEAAAAAAAAAAAAAAAAAAAAAAAAAAAAAAAAAAAAAAAAAAAAAAAJ/f38AAAAAA8zMzADAwP8Af39/AAAAAAAAAAAAAAAAAAAAAAAAAAAAIQAAABgAAAAUAAAAHjQAALAcAAB/NwAAGx8AABAAAAAmAAAACAAAADywAAAAAAAA"/>
+                <pr:smNativeData xmlns:pr="smNativeData" xmlns="smNativeData" val="SMDATA_15_f8v4ZxMAAAAlAAAAZAAAAA0AAAAAkAAAAJAAAACQAAAAkAAAAAAAAAABAAAAAAAAAAEAAABQAAAAAAAAAAAA4D8AAAAAAADgPwAAAAAAAOA/AAAAAAAA4D8AAAAAAADgPwAAAAAAAOA/AAAAAAAA4D8AAAAAAADgPwAAAAAAAOA/AAAAAAAA4D8CAAAAjAAAAAAAAAAAAAAAQoX0DP///wgAAAAAAAAAAAAAAAAAAAAAAAAAAAAAAAAAAAAAZAAAAAEAAABAAAAAAAAAAAAAAAAAAAAAAAAAAAAAAAAAAAAAAAAAAAAAAAAAAAAAAAAAAAAAAAAAAAAAAAAAAAAAAAAAAAAAAAAAAAAAAAAAAAAAAAAAAAAAAAAAAAAAFAAAADwAAAAAAAAAAAAAAAAAAAkUAAAAAQAAABQAAAAUAAAAFAAAAAEAAAAAAAAAZAAAAGQAAAAAAAAAZAAAAGQAAAAVAAAAYAAAAAAAAAAAAAAADwAAACADAAAAAAAAAAAAAAEAAACgMgAAVgcAAKr4//8BAAAAf39/AAEAAABkAAAAAAAAABQAAABAHwAAAAAAACYAAAAAAAAAwOD//wAAAAAmAAAAZAAAABYAAABMAAAAAAAAAAAAAAAEAAAAAAAAAAEAAABZWVkKAAAAACgAAAAoAAAAZAAAAGQAAAAAAAAAzMzMAAAAAABQAAAAUAAAAGQAAABkAAAAAAAAABcAAAAUAAAAAAAAAAAAAAD/fwAA/38AAAAAAAAJAAAABAAAAP///wAeAAAAaAAAAAAAAAAAAAAAAAAAAAAAAAAAAAAAECcAABAnAAAAAAAAAAAAAAAAAAAAAAAAAAAAAAAAAAAAAAAAAAAAABQAAAAAAAAAwMD/AAAAAABkAAAAMgAAAAAAAABkAAAAAAAAAH9/fwAKAAAAIgAAABgAAAAAAAAAAAAAAAAAAAAAAAAAAAAAAAAAAAAkAAAAJAAAAAAAAAAHAAAAAAAAAAAAAAAAAAAAAAAAAAAAAAAAAAAAf39/ACUAAABYAAAAAAAAAAAAAAAAAAAAAAAAAAAAAAAAAAAAAAAAAAAAAAAAAAAAAAAAAAAAAAA/AAAAAAAAAKCGAQAAAAAAAAAAAAAAAAAMAAAAAQAAAAAAAAAAAAAAAAAAAB8AAABUAAAAAAAABQAAAAEAAAAAAAAAAAAAAAAAAAAAAAAAAAAAAAAAAAAAAAAAAAAAAAJ/f38AAAAAA8zMzADAwP8Af39/AAAAAAAAAAAAAAAAAAAAAAAAAAAAIQAAABgAAAAUAAAAHjQAALAcAAB/NwAAGx8AABAAAAAmAAAACAAAADywAAAAAAAA"/>
               </a:ext>
             </a:extLst>
           </p:cNvSpPr>
@@ -5177,7 +5177,7 @@
               </a:spcAft>
               <a:buNone/>
             </a:pPr>
-            <a:fld id="{307B2F9B-D5DD-2ED9-93C3-238C618D6576}" type="slidenum">
+            <a:fld id="{75472365-2B98-12D5-D6FF-DD806DB12088}" type="slidenum">
               <a:rPr lang="ru-ru" cap="none"/>
               <a:t/>
             </a:fld>
@@ -5218,7 +5218,7 @@
             <a:spLocks noGrp="1" noChangeArrowheads="1"/>
             <a:extLst>
               <a:ext uri="smNativeData">
-                <pr:smNativeData xmlns:pr="smNativeData" xmlns="smNativeData" val="SMDATA_15_t6npZxMAAAAlAAAAZAAAAA0AAAAAkAAAAJAAAACQAAAAkAAAAAAAAAAAAAAAAAAAAAEAAABQAAAAAAAAAAAA4D8AAAAAAADgPwAAAAAAAOA/AAAAAAAA4D8AAAAAAADgPwAAAAAAAOA/AAAAAAAA4D8AAAAAAADgPwAAAAAAAOA/AAAAAAAA4D8CAAAAjAAAAAAAAAAAAAAAQoX0DP///wgAAAAAAAAAAAAAAAAAAAAAAAAAAAAAAAAAAAAAZAAAAAEAAABAAAAAAAAAAAAAAAAAAAAAAAAAAAAAAAAAAAAAAAAAAAAAAAAAAAAAAAAAAAAAAAAAAAAAAAAAAAAAAAAAAAAAAAAAAAAAAAAAAAAAAAAAAAAAAAAAAAAAFAAAADwAAAAAAAAAAAAAAAAAAAkUAAAAAQAAABQAAAAUAAAAFAAAAAEAAAAAAAAAZAAAAGQAAAAAAAAAZAAAAGQAAAAVAAAAYAAAAAAAAAAAAAAADwAAACADAAAAAAAAAAAAAAEAAACgMgAAVgcAAKr4//8BAAAAf39/AAEAAABkAAAAAAAAABQAAABAHwAAAAAAACYAAAAAAAAAwOD//wAAAAAmAAAAZAAAABYAAABMAAAAAAAAAAAAAAAEAAAAAAAAAAEAAABZWVkKAAAAACgAAAAoAAAAZAAAAGQAAAAAAAAAzMzMAAAAAABQAAAAUAAAAGQAAABkAAAAAAAAABcAAAAUAAAAAAAAAAAAAAD/fwAA/38AAAAAAAAJAAAABAAAAP///wAeAAAAaAAAAAAAAAAAAAAAAAAAAAAAAAAAAAAAECcAABAnAAAAAAAAAAAAAAAAAAAAAAAAAAAAAAAAAAAAAAAAAAAAABQAAAAAAAAAwMD/AAAAAABkAAAAMgAAAAAAAABkAAAAAAAAAH9/fwAKAAAAIgAAABgAAAAAAAAAAAAAAAAAAAAAAAAAAAAAAAAAAAAkAAAAJAAAAAAAAAAHAAAAAAAAAAAAAAAAAAAAAAAAAAAAAAAAAAAAf39/ACUAAABYAAAAAAAAAAAAAAAAAAAAAAAAAAAAAAAAAAAAAAAAAAAAAAAAAAAAAAAAAAAAAAA/AAAAAAAAAKCGAQAAAAAAAAAAAAAAAAAMAAAAAQAAAAAAAAAAAAAAAAAAAB8AAABUAAAAAAAABQAAAAEAAAAAAAAAAAAAAAAAAAAAAAAAAAAAAAAAAAAAAAAAAAAAAAJ/f38AAAAAA8zMzADAwP8Af39/AAAAAAAAAAAAAAAAAAAAAAAAAAAAIQAAABgAAAAUAAAAFAMAAAkCAAB/NwAAEAgAABAAAAAmAAAACAAAADywAAAAAAAA"/>
+                <pr:smNativeData xmlns:pr="smNativeData" xmlns="smNativeData" val="SMDATA_15_f8v4ZxMAAAAlAAAAZAAAAA0AAAAAkAAAAJAAAACQAAAAkAAAAAAAAAAAAAAAAAAAAAEAAABQAAAAAAAAAAAA4D8AAAAAAADgPwAAAAAAAOA/AAAAAAAA4D8AAAAAAADgPwAAAAAAAOA/AAAAAAAA4D8AAAAAAADgPwAAAAAAAOA/AAAAAAAA4D8CAAAAjAAAAAAAAAAAAAAAQoX0DP///wgAAAAAAAAAAAAAAAAAAAAAAAAAAAAAAAAAAAAAZAAAAAEAAABAAAAAAAAAAAAAAAAAAAAAAAAAAAAAAAAAAAAAAAAAAAAAAAAAAAAAAAAAAAAAAAAAAAAAAAAAAAAAAAAAAAAAAAAAAAAAAAAAAAAAAAAAAAAAAAAAAAAAFAAAADwAAAAAAAAAAAAAAAAAAAkUAAAAAQAAABQAAAAUAAAAFAAAAAEAAAAAAAAAZAAAAGQAAAAAAAAAZAAAAGQAAAAVAAAAYAAAAAAAAAAAAAAADwAAACADAAAAAAAAAAAAAAEAAACgMgAAVgcAAKr4//8BAAAAf39/AAEAAABkAAAAAAAAABQAAABAHwAAAAAAACYAAAAAAAAAwOD//wAAAAAmAAAAZAAAABYAAABMAAAAAAAAAAAAAAAEAAAAAAAAAAEAAABZWVkKAAAAACgAAAAoAAAAZAAAAGQAAAAAAAAAzMzMAAAAAABQAAAAUAAAAGQAAABkAAAAAAAAABcAAAAUAAAAAAAAAAAAAAD/fwAA/38AAAAAAAAJAAAABAAAAP///wAeAAAAaAAAAAAAAAAAAAAAAAAAAAAAAAAAAAAAECcAABAnAAAAAAAAAAAAAAAAAAAAAAAAAAAAAAAAAAAAAAAAAAAAABQAAAAAAAAAwMD/AAAAAABkAAAAMgAAAAAAAABkAAAAAAAAAH9/fwAKAAAAIgAAABgAAAAAAAAAAAAAAAAAAAAAAAAAAAAAAAAAAAAkAAAAJAAAAAAAAAAHAAAAAAAAAAAAAAAAAAAAAAAAAAAAAAAAAAAAf39/ACUAAABYAAAAAAAAAAAAAAAAAAAAAAAAAAAAAAAAAAAAAAAAAAAAAAAAAAAAAAAAAAAAAAA/AAAAAAAAAKCGAQAAAAAAAAAAAAAAAAAMAAAAAQAAAAAAAAAAAAAAAAAAAB8AAABUAAAAAAAABQAAAAEAAAAAAAAAAAAAAAAAAAAAAAAAAAAAAAAAAAAAAAAAAAAAAAJ/f38AAAAAA8zMzADAwP8Af39/AAAAAAAAAAAAAAAAAAAAAAAAAAAAIQAAABgAAAAUAAAAFAMAAAkCAAB/NwAAEAgAABAAAAAmAAAACAAAADywAAAAAAAA"/>
               </a:ext>
             </a:extLst>
           </p:cNvSpPr>
@@ -5353,7 +5353,7 @@
             <a:spLocks noGrp="1" noChangeArrowheads="1"/>
             <a:extLst>
               <a:ext uri="smNativeData">
-                <pr:smNativeData xmlns:pr="smNativeData" xmlns="smNativeData" val="SMDATA_15_t6npZxMAAAAlAAAAZAAAAA0AAAAAkAAAAJAAAACQAAAAkAAAAAAAAAAAAAAAAAAAAAEAAABQAAAAAAAAAAAA4D8AAAAAAADgPwAAAAAAAOA/AAAAAAAA4D8AAAAAAADgPwAAAAAAAOA/AAAAAAAA4D8AAAAAAADgPwAAAAAAAOA/AAAAAAAA4D8CAAAAjAAAAAAAAAAAAAAAQoX0DP///wgAAAAAAAAAAAAAAAAAAAAAAAAAAAAAAAAAAAAAZAAAAAEAAABAAAAAAAAAAAAAAAAAAAAAAAAAAAAAAAAAAAAAAAAAAAAAAAAAAAAAAAAAAAAAAAAAAAAAAAAAAAAAAAAAAAAAAAAAAAAAAAAAAAAAAAAAAAAAAAAAAAAAFAAAADwAAAAAAAAAAAAAAAAAAAkUAAAAAQAAABQAAAAUAAAAFAAAAAEAAAAAAAAAZAAAAGQAAAAAAAAAZAAAAGQAAAAVAAAAYAAAAAAAAAAAAAAADwAAACADAAAAAAAAAAAAAAEAAACgMgAAVgcAAKr4//8BAAAAf39/AAEAAABkAAAAAAAAABQAAABAHwAAAAAAACYAAAAAAAAAwOD//wAAAAAmAAAAZAAAABYAAABMAAAAAAAAAAAAAAAEAAAAAAAAAAEAAABZWVkKAAAAACgAAAAoAAAAZAAAAGQAAAAAAAAAzMzMAAAAAABQAAAAUAAAAGQAAABkAAAAAAAAABcAAAAUAAAAAAAAAAAAAAD/fwAA/38AAAAAAAAJAAAABAAAAAD///8eAAAAaAAAAAAAAAAAAAAAAAAAAAAAAAAAAAAAECcAABAnAAAAAAAAAAAAAAAAAAAAAAAAAAAAAAAAAAAAAAAAAAAAABQAAAAAAAAAwMD/AAAAAABkAAAAMgAAAAAAAABkAAAAAAAAAH9/fwAKAAAAIgAAABgAAAAAAAAAAAAAAAAAAAAAAAAAAAAAAAAAAAAkAAAAJAAAAAAAAAAHAAAAAAAAAAAAAAAAAAAAAAAAAAAAAAAAAAAAf39/ACUAAABYAAAAAAAAAAAAAAAAAAAAAAAAAAAAAAAAAAAAAAAAAAAAAAAAAAAAAAAAAAAAAAA/AAAAAAAAAKCGAQAAAAAAAAAAAAAAAAAMAAAAAQAAAAAAAAAAAAAAAAAAAB8AAABUAAAAAAAABQAAAAEAAAAAAAAAAAAAAAAAAAAAAAAAAAAAAAAAAAAAAAAAAAAAAAJ/f38AAAAAA8zMzADAwP8Af39/AAAAAAAAAAAAAAAAAAAAAAAAAAAAIQAAABgAAAAUAAAAFAMAAAkCAAB/NwAAEAgAABAAAAAmAAAACAAAADywAAAAAAAA"/>
+                <pr:smNativeData xmlns:pr="smNativeData" xmlns="smNativeData" val="SMDATA_15_f8v4ZxMAAAAlAAAAZAAAAA0AAAAAkAAAAJAAAACQAAAAkAAAAAAAAAAAAAAAAAAAAAEAAABQAAAAAAAAAAAA4D8AAAAAAADgPwAAAAAAAOA/AAAAAAAA4D8AAAAAAADgPwAAAAAAAOA/AAAAAAAA4D8AAAAAAADgPwAAAAAAAOA/AAAAAAAA4D8CAAAAjAAAAAAAAAAAAAAAQoX0DP///wgAAAAAAAAAAAAAAAAAAAAAAAAAAAAAAAAAAAAAZAAAAAEAAABAAAAAAAAAAAAAAAAAAAAAAAAAAAAAAAAAAAAAAAAAAAAAAAAAAAAAAAAAAAAAAAAAAAAAAAAAAAAAAAAAAAAAAAAAAAAAAAAAAAAAAAAAAAAAAAAAAAAAFAAAADwAAAAAAAAAAAAAAAAAAAkUAAAAAQAAABQAAAAUAAAAFAAAAAEAAAAAAAAAZAAAAGQAAAAAAAAAZAAAAGQAAAAVAAAAYAAAAAAAAAAAAAAADwAAACADAAAAAAAAAAAAAAEAAACgMgAAVgcAAKr4//8BAAAAf39/AAEAAABkAAAAAAAAABQAAABAHwAAAAAAACYAAAAAAAAAwOD//wAAAAAmAAAAZAAAABYAAABMAAAAAAAAAAAAAAAEAAAAAAAAAAEAAABZWVkKAAAAACgAAAAoAAAAZAAAAGQAAAAAAAAAzMzMAAAAAABQAAAAUAAAAGQAAABkAAAAAAAAABcAAAAUAAAAAAAAAAAAAAD/fwAA/38AAAAAAAAJAAAABAAAAAD///8eAAAAaAAAAAAAAAAAAAAAAAAAAAAAAAAAAAAAECcAABAnAAAAAAAAAAAAAAAAAAAAAAAAAAAAAAAAAAAAAAAAAAAAABQAAAAAAAAAwMD/AAAAAABkAAAAMgAAAAAAAABkAAAAAAAAAH9/fwAKAAAAIgAAABgAAAAAAAAAAAAAAAAAAAAAAAAAAAAAAAAAAAAkAAAAJAAAAAAAAAAHAAAAAAAAAAAAAAAAAAAAAAAAAAAAAAAAAAAAf39/ACUAAABYAAAAAAAAAAAAAAAAAAAAAAAAAAAAAAAAAAAAAAAAAAAAAAAAAAAAAAAAAAAAAAA/AAAAAAAAAKCGAQAAAAAAAAAAAAAAAAAMAAAAAQAAAAAAAAAAAAAAAAAAAB8AAABUAAAAAAAABQAAAAEAAAAAAAAAAAAAAAAAAAAAAAAAAAAAAAAAAAAAAAAAAAAAAAJ/f38AAAAAA8zMzADAwP8Af39/AAAAAAAAAAAAAAAAAAAAAAAAAAAAIQAAABgAAAAUAAAAFAMAAAkCAAB/NwAAEAgAABAAAAAmAAAACAAAADywAAAAAAAA"/>
               </a:ext>
             </a:extLst>
           </p:cNvSpPr>
@@ -5462,7 +5462,7 @@
           <p:cNvSpPr>
             <a:extLst>
               <a:ext uri="smNativeData">
-                <pr:smNativeData xmlns:pr="smNativeData" xmlns="smNativeData" val="SMDATA_15_t6npZxMAAAAlAAAAZAAAAA0AAAAAkAAAAJAAAACQAAAAkAAAAAAAAAABAAAAAAAAAAEAAABQAAAAAAAAAAAA4D8AAAAAAADgPwAAAAAAAOA/AAAAAAAA4D8AAAAAAADgPwAAAAAAAOA/AAAAAAAA4D8AAAAAAADgPwAAAAAAAOA/AAAAAAAA4D8CAAAAjAAAAAEAAAAAAAAA+/v+AP///wgAAAAAAAAAAAAAAAAAAAAAAAAAAAAAAAAAAAAAeAAAAAEAAABAAAAAAAAAAAAAAABaAAAAAAAAAAAAAAAAAAAAAAAAAAAAAAAAAAAAAAAAAAAAAAAAAAAAAAAAAAAAAAAAAAAAAAAAAAAAAAAAAAAAAAAAAAAAAAAAAAAAFAAAADwAAAAAAAAAAAAAAAAAAAkUAAAAAQAAABQAAAAUAAAAFAAAAAEAAAAAAAAAZAAAAGQAAAAAAAAAZAAAAGQAAAAVAAAAYAAAAAAAAAAAAAAADwAAACADAAAAAAAAAAAAAAEAAACgMgAAVgcAAKr4//8BAAAAf39/AAEAAABkAAAAAAAAABQAAABAHwAAAAAAACYAAAAAAAAAwOD//wAAAAAmAAAAZAAAABYAAABMAAAAAAAAAAAAAAAEAAAAAAAAAAEAAABZWVkKAAAAACgAAAAoAAAAZAAAAGQAAAAAAAAAzMzMAAAAAABQAAAAUAAAAGQAAABkAAAAAAAAABcAAAAUAAAAAAAAAAAAAAD/fwAA/38AAAAAAAAJAAAABAAAAP//AP8eAAAAaAAAAAAAAAAAAAAAAAAAAAAAAAAAAAAAECcAABAnAAAAAAAAAAAAAAAAAAAAAAAAAAAAAAAAAAAAAAAAAAAAABQAAAAAAAAAwMD/AAAAAABkAAAAMgAAAAAAAABkAAAAAAAAAH9/fwAKAAAAIgAAABgAAAAAAAAAAAAAAAAAAAAAAAAAAAAAAAAAAAAkAAAAJAAAAAAAAAAHAAAAAAAAAAAAAAAAAAAAAAAAAAAAAAAAAAAAf39/ACUAAABYAAAAAAAAAAAAAAAAAAAAAAAAAAAAAAAAAAAAAAAAAAAAAAAAAAAAAAAAAAAAAAA/AAAAAAAAAKCGAQAAAAAAAAAAAAAAAAAMAAAAAQAAAAAAAAAAAAAAAAAAAB8AAABUAAAA+/v+AP///wEAAAAAAAAAAAAAAAAAAAAAAAAAAAAAAAAAAAAAAAAAAAAAAAJ/f38AWVlZA8zMzADAwP8Af39/AAAAAAAAAAAAAAAAAAAAAAAAAAAAIQAAABgAAAAUAAAAuwMAAN4IAACQNAAAzB4AABAAAAAmAAAACAAAAP//////////"/>
+                <pr:smNativeData xmlns:pr="smNativeData" xmlns="smNativeData" val="SMDATA_15_f8v4ZxMAAAAlAAAAZAAAAA0AAAAAkAAAAJAAAACQAAAAkAAAAAAAAAABAAAAAAAAAAEAAABQAAAAAAAAAAAA4D8AAAAAAADgPwAAAAAAAOA/AAAAAAAA4D8AAAAAAADgPwAAAAAAAOA/AAAAAAAA4D8AAAAAAADgPwAAAAAAAOA/AAAAAAAA4D8CAAAAjAAAAAEAAAAAAAAA+/v+AP///wgAAAAAAAAAAAAAAAAAAAAAAAAAAAAAAAAAAAAAeAAAAAEAAABAAAAAAAAAAAAAAABaAAAAAAAAAAAAAAAAAAAAAAAAAAAAAAAAAAAAAAAAAAAAAAAAAAAAAAAAAAAAAAAAAAAAAAAAAAAAAAAAAAAAAAAAAAAAAAAAAAAAFAAAADwAAAAAAAAAAAAAAAAAAAkUAAAAAQAAABQAAAAUAAAAFAAAAAEAAAAAAAAAZAAAAGQAAAAAAAAAZAAAAGQAAAAVAAAAYAAAAAAAAAAAAAAADwAAACADAAAAAAAAAAAAAAEAAACgMgAAVgcAAKr4//8BAAAAf39/AAEAAABkAAAAAAAAABQAAABAHwAAAAAAACYAAAAAAAAAwOD//wAAAAAmAAAAZAAAABYAAABMAAAAAAAAAAAAAAAEAAAAAAAAAAEAAABZWVkKAAAAACgAAAAoAAAAZAAAAGQAAAAAAAAAzMzMAAAAAABQAAAAUAAAAGQAAABkAAAAAAAAABcAAAAUAAAAAAAAAAAAAAD/fwAA/38AAAAAAAAJAAAABAAAAP//AP8eAAAAaAAAAAAAAAAAAAAAAAAAAAAAAAAAAAAAECcAABAnAAAAAAAAAAAAAAAAAAAAAAAAAAAAAAAAAAAAAAAAAAAAABQAAAAAAAAAwMD/AAAAAABkAAAAMgAAAAAAAABkAAAAAAAAAH9/fwAKAAAAIgAAABgAAAAAAAAAAAAAAAAAAAAAAAAAAAAAAAAAAAAkAAAAJAAAAAAAAAAHAAAAAAAAAAAAAAAAAAAAAAAAAAAAAAAAAAAAf39/ACUAAABYAAAAAAAAAAAAAAAAAAAAAAAAAAAAAAAAAAAAAAAAAAAAAAAAAAAAAAAAAAAAAAA/AAAAAAAAAKCGAQAAAAAAAAAAAAAAAAAMAAAAAQAAAAAAAAAAAAAAAAAAAB8AAABUAAAA+/v+AP///wEAAAAAAAAAAAAAAAAAAAAAAAAAAAAAAAAAAAAAAAAAAAAAAAJ/f38AWVlZA8zMzADAwP8Af39/AAAAAAAAAAAAAAAAAAAAAAAAAAAAIQAAABgAAAAUAAAAuwMAAN4IAACQNAAAzB4AABAAAAAmAAAACAAAAP//////////"/>
               </a:ext>
             </a:extLst>
           </p:cNvSpPr>
@@ -5507,7 +5507,7 @@
             <a:spLocks noGrp="1" noChangeArrowheads="1"/>
             <a:extLst>
               <a:ext uri="smNativeData">
-                <pr:smNativeData xmlns:pr="smNativeData" xmlns="smNativeData" val="SMDATA_15_t6npZxMAAAAlAAAAZAAAAA0AAAAAkAAAAJAAAACQAAAAkAAAAAAAAAAAAAAAAAAAAAEAAABQAAAAAAAAAAAA4D8AAAAAAADgPwAAAAAAAOA/AAAAAAAA4D8AAAAAAADgPwAAAAAAAOA/AAAAAAAA4D8AAAAAAADgPwAAAAAAAOA/AAAAAAAA4D8CAAAAjAAAAAAAAAAAAAAAQoX0DP///wgAAAAAAAAAAAAAAAAAAAAAAAAAAAAAAAAAAAAAZAAAAAEAAABAAAAAAAAAAAAAAAAAAAAAAAAAAAAAAAAAAAAAAAAAAAAAAAAAAAAAAAAAAAAAAAAAAAAAAAAAAAAAAAAAAAAAAAAAAAAAAAAAAAAAAAAAAAAAAAAAAAAAFAAAADwAAAAAAAAAAAAAAAAAAAkUAAAAAQAAABQAAAAUAAAAFAAAAAEAAAAAAAAAZAAAAGQAAAAAAAAAZAAAAGQAAAAVAAAAYAAAAAAAAAAAAAAADwAAACADAAAAAAAAAAAAAAEAAACgMgAAVgcAAKr4//8BAAAAf39/AAEAAABkAAAAAAAAABQAAABAHwAAAAAAACYAAAAAAAAAwOD//wAAAAAmAAAAZAAAABYAAABMAAAAAAAAAAAAAAAEAAAAAAAAAAEAAABZWVkKAAAAACgAAAAoAAAAZAAAAGQAAAAAAAAAzMzMAAAAAABQAAAAUAAAAGQAAABkAAAAAAAAABcAAAAUAAAAAAAAAAAAAAD/fwAA/38AAAAAAAAJAAAABAAAAAD///8eAAAAaAAAAAAAAAAAAAAAAAAAAAAAAAAAAAAAECcAABAnAAAAAAAAAAAAAAAAAAAAAAAAAAAAAAAAAAAAAAAAAAAAABQAAAAAAAAAwMD/AAAAAABkAAAAMgAAAAAAAABkAAAAAAAAAH9/fwAKAAAAIgAAABgAAAAAAAAAAAAAAAAAAAAAAAAAAAAAAAAAAAAkAAAAJAAAAAAAAAAHAAAAAAAAAAAAAAAAAAAAAAAAAAAAAAAAAAAAf39/ACUAAABYAAAAAAAAAAAAAAAAAAAAAAAAAAAAAAAAAAAAAAAAAAAAAAAAAAAAAAAAAAAAAAA/AAAAAAAAAKCGAQAAAAAAAAAAAAAAAAAMAAAAAQAAAAAAAAAAAAAAAAAAAB8AAABUAAAAAAAABQAAAAEAAAAAAAAAAAAAAAAAAAAAAAAAAAAAAAAAAAAAAAAAAAAAAAJ/f38AAAAAA8zMzADAwP8Af39/AAAAAAAAAAAAAAAAAAAAAAAAAAAAIQAAABgAAAAUAAAAkwQAADQJAAAuNwAAdR4AABAAAAAmAAAACAAAAD2wAAAAAAAA"/>
+                <pr:smNativeData xmlns:pr="smNativeData" xmlns="smNativeData" val="SMDATA_15_f8v4ZxMAAAAlAAAAZAAAAA0AAAAAkAAAAJAAAACQAAAAkAAAAAAAAAAAAAAAAAAAAAEAAABQAAAAAAAAAAAA4D8AAAAAAADgPwAAAAAAAOA/AAAAAAAA4D8AAAAAAADgPwAAAAAAAOA/AAAAAAAA4D8AAAAAAADgPwAAAAAAAOA/AAAAAAAA4D8CAAAAjAAAAAAAAAAAAAAAQoX0DP///wgAAAAAAAAAAAAAAAAAAAAAAAAAAAAAAAAAAAAAZAAAAAEAAABAAAAAAAAAAAAAAAAAAAAAAAAAAAAAAAAAAAAAAAAAAAAAAAAAAAAAAAAAAAAAAAAAAAAAAAAAAAAAAAAAAAAAAAAAAAAAAAAAAAAAAAAAAAAAAAAAAAAAFAAAADwAAAAAAAAAAAAAAAAAAAkUAAAAAQAAABQAAAAUAAAAFAAAAAEAAAAAAAAAZAAAAGQAAAAAAAAAZAAAAGQAAAAVAAAAYAAAAAAAAAAAAAAADwAAACADAAAAAAAAAAAAAAEAAACgMgAAVgcAAKr4//8BAAAAf39/AAEAAABkAAAAAAAAABQAAABAHwAAAAAAACYAAAAAAAAAwOD//wAAAAAmAAAAZAAAABYAAABMAAAAAAAAAAAAAAAEAAAAAAAAAAEAAABZWVkKAAAAACgAAAAoAAAAZAAAAGQAAAAAAAAAzMzMAAAAAABQAAAAUAAAAGQAAABkAAAAAAAAABcAAAAUAAAAAAAAAAAAAAD/fwAA/38AAAAAAAAJAAAABAAAAAD///8eAAAAaAAAAAAAAAAAAAAAAAAAAAAAAAAAAAAAECcAABAnAAAAAAAAAAAAAAAAAAAAAAAAAAAAAAAAAAAAAAAAAAAAABQAAAAAAAAAwMD/AAAAAABkAAAAMgAAAAAAAABkAAAAAAAAAH9/fwAKAAAAIgAAABgAAAAAAAAAAAAAAAAAAAAAAAAAAAAAAAAAAAAkAAAAJAAAAAAAAAAHAAAAAAAAAAAAAAAAAAAAAAAAAAAAAAAAAAAAf39/ACUAAABYAAAAAAAAAAAAAAAAAAAAAAAAAAAAAAAAAAAAAAAAAAAAAAAAAAAAAAAAAAAAAAA/AAAAAAAAAKCGAQAAAAAAAAAAAAAAAAAMAAAAAQAAAAAAAAAAAAAAAAAAAB8AAABUAAAAAAAABQAAAAEAAAAAAAAAAAAAAAAAAAAAAAAAAAAAAAAAAAAAAAAAAAAAAAJ/f38AAAAAA8zMzADAwP8Af39/AAAAAAAAAAAAAAAAAAAAAAAAAAAAIQAAABgAAAAUAAAAkwQAADQJAAAuNwAAdR4AABAAAAAmAAAACAAAAD2wAAAAAAAA"/>
               </a:ext>
             </a:extLst>
           </p:cNvSpPr>
@@ -5687,7 +5687,7 @@
             <a:spLocks noGrp="1" noChangeArrowheads="1"/>
             <a:extLst>
               <a:ext uri="smNativeData">
-                <pr:smNativeData xmlns:pr="smNativeData" xmlns="smNativeData" val="SMDATA_15_t6npZxMAAAAlAAAAZAAAAA0AAAAAkAAAAJAAAACQAAAAkAAAAAAAAAABAAAAAAAAAAEAAABQAAAAAAAAAAAA4D8AAAAAAADgPwAAAAAAAOA/AAAAAAAA4D8AAAAAAADgPwAAAAAAAOA/AAAAAAAA4D8AAAAAAADgPwAAAAAAAOA/AAAAAAAA4D8CAAAAjAAAAAAAAAAAAAAAQoX0DP///wgAAAAAAAAAAAAAAAAAAAAAAAAAAAAAAAAAAAAAZAAAAAEAAABAAAAAAAAAAAAAAAAAAAAAAAAAAAAAAAAAAAAAAAAAAAAAAAAAAAAAAAAAAAAAAAAAAAAAAAAAAAAAAAAAAAAAAAAAAAAAAAAAAAAAAAAAAAAAAAAAAAAAFAAAADwAAAAAAAAAAAAAAAAAAAkUAAAAAQAAABQAAAAUAAAAFAAAAAEAAAAAAAAAZAAAAGQAAAAAAAAAZAAAAGQAAAAVAAAAYAAAAAAAAAAAAAAADwAAACADAAAAAAAAAAAAAAEAAACgMgAAVgcAAKr4//8BAAAAf39/AAEAAABkAAAAAAAAABQAAABAHwAAAAAAACYAAAAAAAAAwOD//wAAAAAmAAAAZAAAABYAAABMAAAAAAAAAAAAAAAEAAAAAAAAAAEAAABZWVkKAAAAACgAAAAoAAAAZAAAAGQAAAAAAAAAzMzMAAAAAABQAAAAUAAAAGQAAABkAAAAAAAAABcAAAAUAAAAAAAAAAAAAAD/fwAA/38AAAAAAAAJAAAABAAAAP//AP8eAAAAaAAAAAAAAAAAAAAAAAAAAAAAAAAAAAAAECcAABAnAAAAAAAAAAAAAAAAAAAAAAAAAAAAAAAAAAAAAAAAAAAAABQAAAAAAAAAwMD/AAAAAABkAAAAMgAAAAAAAABkAAAAAAAAAH9/fwAKAAAAIgAAABgAAAAAAAAAAAAAAAAAAAAAAAAAAAAAAAAAAAAkAAAAJAAAAAAAAAAHAAAAAAAAAAAAAAAAAAAAAAAAAAAAAAAAAAAAf39/ACUAAABYAAAAAAAAAAAAAAAAAAAAAAAAAAAAAAAAAAAAAAAAAAAAAAAAAAAAAAAAAAAAAAA/AAAAAAAAAKCGAQAAAAAAAAAAAAAAAAAMAAAAAQAAAAAAAAAAAAAAAAAAAB8AAABUAAAAAAAABQAAAAEAAAAAAAAAAAAAAAAAAAAAAAAAAAAAAAAAAAAAAAAAAAAAAAJ/f38AAAAAA8zMzADAwP8Af39/AAAAAAAAAAAAAAAAAAAAAAAAAAAAIQAAABgAAAAUAAAAAgQAAHACAABpMwAAmhsAABAAAAAmAAAACAAAAL2wAAAAAAAA"/>
+                <pr:smNativeData xmlns:pr="smNativeData" xmlns="smNativeData" val="SMDATA_15_f8v4ZxMAAAAlAAAAZAAAAA0AAAAAkAAAAJAAAACQAAAAkAAAAAAAAAABAAAAAAAAAAEAAABQAAAAAAAAAAAA4D8AAAAAAADgPwAAAAAAAOA/AAAAAAAA4D8AAAAAAADgPwAAAAAAAOA/AAAAAAAA4D8AAAAAAADgPwAAAAAAAOA/AAAAAAAA4D8CAAAAjAAAAAAAAAAAAAAAQoX0DP///wgAAAAAAAAAAAAAAAAAAAAAAAAAAAAAAAAAAAAAZAAAAAEAAABAAAAAAAAAAAAAAAAAAAAAAAAAAAAAAAAAAAAAAAAAAAAAAAAAAAAAAAAAAAAAAAAAAAAAAAAAAAAAAAAAAAAAAAAAAAAAAAAAAAAAAAAAAAAAAAAAAAAAFAAAADwAAAAAAAAAAAAAAAAAAAkUAAAAAQAAABQAAAAUAAAAFAAAAAEAAAAAAAAAZAAAAGQAAAAAAAAAZAAAAGQAAAAVAAAAYAAAAAAAAAAAAAAADwAAACADAAAAAAAAAAAAAAEAAACgMgAAVgcAAKr4//8BAAAAf39/AAEAAABkAAAAAAAAABQAAABAHwAAAAAAACYAAAAAAAAAwOD//wAAAAAmAAAAZAAAABYAAABMAAAAAAAAAAAAAAAEAAAAAAAAAAEAAABZWVkKAAAAACgAAAAoAAAAZAAAAGQAAAAAAAAAzMzMAAAAAABQAAAAUAAAAGQAAABkAAAAAAAAABcAAAAUAAAAAAAAAAAAAAD/fwAA/38AAAAAAAAJAAAABAAAAP//AP8eAAAAaAAAAAAAAAAAAAAAAAAAAAAAAAAAAAAAECcAABAnAAAAAAAAAAAAAAAAAAAAAAAAAAAAAAAAAAAAAAAAAAAAABQAAAAAAAAAwMD/AAAAAABkAAAAMgAAAAAAAABkAAAAAAAAAH9/fwAKAAAAIgAAABgAAAAAAAAAAAAAAAAAAAAAAAAAAAAAAAAAAAAkAAAAJAAAAAAAAAAHAAAAAAAAAAAAAAAAAAAAAAAAAAAAAAAAAAAAf39/ACUAAABYAAAAAAAAAAAAAAAAAAAAAAAAAAAAAAAAAAAAAAAAAAAAAAAAAAAAAAAAAAAAAAA/AAAAAAAAAKCGAQAAAAAAAAAAAAAAAAAMAAAAAQAAAAAAAAAAAAAAAAAAAB8AAABUAAAAAAAABQAAAAEAAAAAAAAAAAAAAAAAAAAAAAAAAAAAAAAAAAAAAAAAAAAAAAJ/f38AAAAAA8zMzADAwP8Af39/AAAAAAAAAAAAAAAAAAAAAAAAAAAAIQAAABgAAAAUAAAAAgQAAHACAABpMwAAmhsAABAAAAAmAAAACAAAAL2wAAAAAAAA"/>
               </a:ext>
             </a:extLst>
           </p:cNvSpPr>
@@ -5836,7 +5836,7 @@
             <a:spLocks noGrp="1" noChangeArrowheads="1"/>
             <a:extLst>
               <a:ext uri="smNativeData">
-                <pr:smNativeData xmlns:pr="smNativeData" xmlns="smNativeData" val="SMDATA_15_t6npZxMAAAAlAAAAZAAAAA0AAAAAkAAAAJAAAACQAAAAkAAAAAAAAAABAAAAAAAAAAEAAABQAAAAAAAAAAAA4D8AAAAAAADgPwAAAAAAAOA/AAAAAAAA4D8AAAAAAADgPwAAAAAAAOA/AAAAAAAA4D8AAAAAAADgPwAAAAAAAOA/AAAAAAAA4D8CAAAAjAAAAAAAAAAAAAAAQoX0DP///wgAAAAAAAAAAAAAAAAAAAAAAAAAAAAAAAAAAAAAZAAAAAEAAABAAAAAAAAAAAAAAAAAAAAAAAAAAAAAAAAAAAAAAAAAAAAAAAAAAAAAAAAAAAAAAAAAAAAAAAAAAAAAAAAAAAAAAAAAAAAAAAAAAAAAAAAAAAAAAAAAAAAAFAAAADwAAAAAAAAAAAAAAAAAAAkUAAAAAQAAABQAAAAUAAAAFAAAAAEAAAAAAAAAZAAAAGQAAAAAAAAAZAAAAGQAAAAVAAAAYAAAAAAAAAAAAAAADwAAACADAAAAAAAAAAAAAAEAAACgMgAAVgcAAKr4//8BAAAAf39/AAEAAABkAAAAAAAAABQAAABAHwAAAAAAACYAAAAAAAAAwOD//wAAAAAmAAAAZAAAABYAAABMAAAAAAAAAAAAAAAEAAAAAAAAAAEAAABZWVkKAAAAACgAAAAoAAAAZAAAAGQAAAAAAAAAzMzMAAAAAABQAAAAUAAAAGQAAABkAAAAAAAAABcAAAAUAAAAAAAAAAAAAAD/fwAA/38AAAAAAAAJAAAABAAAAAAAAAAeAAAAaAAAAAAAAAAAAAAAAAAAAAAAAAAAAAAAECcAABAnAAAAAAAAAAAAAAAAAAAAAAAAAAAAAAAAAAAAAAAAAAAAABQAAAAAAAAAwMD/AAAAAABkAAAAMgAAAAAAAABkAAAAAAAAAH9/fwAKAAAAIgAAABgAAAAAAAAAAAAAAAAAAAAAAAAAAAAAAAAAAAAkAAAAJAAAAAAAAAAHAAAAAAAAAAAAAAAAAAAAAAAAAAAAAAAAAAAAf39/ACUAAABYAAAAAAAAAAAAAAAAAAAAAAAAAAAAAAAAAAAAAAAAAAAAAAAAAAAAAAAAAAAAAAA/AAAAAAAAAKCGAQAAAAAAAAAAAAAAAAAMAAAAAQAAAAAAAAAAAAAAAAAAAB8AAABUAAAAAAAABQAAAAEAAAAAAAAAAAAAAAAAAAAAAAAAAAAAAAAAAAAAAAAAAAAAAAJ/f38AAAAAA8zMzADAwP8Af39/AAAAAAAAAAAAAAAAAAAAAAAAAAAAIQAAABgAAAAUAAAAFAMAAPsKAADlMwAABhIAABAAAAAmAAAACAAAAL2wAAAAAAAA"/>
+                <pr:smNativeData xmlns:pr="smNativeData" xmlns="smNativeData" val="SMDATA_15_f8v4ZxMAAAAlAAAAZAAAAA0AAAAAkAAAAJAAAACQAAAAkAAAAAAAAAABAAAAAAAAAAEAAABQAAAAAAAAAAAA4D8AAAAAAADgPwAAAAAAAOA/AAAAAAAA4D8AAAAAAADgPwAAAAAAAOA/AAAAAAAA4D8AAAAAAADgPwAAAAAAAOA/AAAAAAAA4D8CAAAAjAAAAAAAAAAAAAAAQoX0DP///wgAAAAAAAAAAAAAAAAAAAAAAAAAAAAAAAAAAAAAZAAAAAEAAABAAAAAAAAAAAAAAAAAAAAAAAAAAAAAAAAAAAAAAAAAAAAAAAAAAAAAAAAAAAAAAAAAAAAAAAAAAAAAAAAAAAAAAAAAAAAAAAAAAAAAAAAAAAAAAAAAAAAAFAAAADwAAAAAAAAAAAAAAAAAAAkUAAAAAQAAABQAAAAUAAAAFAAAAAEAAAAAAAAAZAAAAGQAAAAAAAAAZAAAAGQAAAAVAAAAYAAAAAAAAAAAAAAADwAAACADAAAAAAAAAAAAAAEAAACgMgAAVgcAAKr4//8BAAAAf39/AAEAAABkAAAAAAAAABQAAABAHwAAAAAAACYAAAAAAAAAwOD//wAAAAAmAAAAZAAAABYAAABMAAAAAAAAAAAAAAAEAAAAAAAAAAEAAABZWVkKAAAAACgAAAAoAAAAZAAAAGQAAAAAAAAAzMzMAAAAAABQAAAAUAAAAGQAAABkAAAAAAAAABcAAAAUAAAAAAAAAAAAAAD/fwAA/38AAAAAAAAJAAAABAAAAAAAAAAeAAAAaAAAAAAAAAAAAAAAAAAAAAAAAAAAAAAAECcAABAnAAAAAAAAAAAAAAAAAAAAAAAAAAAAAAAAAAAAAAAAAAAAABQAAAAAAAAAwMD/AAAAAABkAAAAMgAAAAAAAABkAAAAAAAAAH9/fwAKAAAAIgAAABgAAAAAAAAAAAAAAAAAAAAAAAAAAAAAAAAAAAAkAAAAJAAAAAAAAAAHAAAAAAAAAAAAAAAAAAAAAAAAAAAAAAAAAAAAf39/ACUAAABYAAAAAAAAAAAAAAAAAAAAAAAAAAAAAAAAAAAAAAAAAAAAAAAAAAAAAAAAAAAAAAA/AAAAAAAAAKCGAQAAAAAAAAAAAAAAAAAMAAAAAQAAAAAAAAAAAAAAAAAAAB8AAABUAAAAAAAABQAAAAEAAAAAAAAAAAAAAAAAAAAAAAAAAAAAAAAAAAAAAAAAAAAAAAJ/f38AAAAAA8zMzADAwP8Af39/AAAAAAAAAAAAAAAAAAAAAAAAAAAAIQAAABgAAAAUAAAAFAMAAPsKAADlMwAABhIAABAAAAAmAAAACAAAAL2wAAAAAAAA"/>
               </a:ext>
             </a:extLst>
           </p:cNvSpPr>
@@ -5960,7 +5960,7 @@
             <a:spLocks noGrp="1" noChangeArrowheads="1"/>
             <a:extLst>
               <a:ext uri="smNativeData">
-                <pr:smNativeData xmlns:pr="smNativeData" xmlns="smNativeData" val="SMDATA_15_t6npZxMAAAAlAAAAZAAAAA0AAAAAkAAAAJAAAACQAAAAkAAAAAAAAAABAAAAAAAAAAEAAABQAAAAAAAAAAAA4D8AAAAAAADgPwAAAAAAAOA/AAAAAAAA4D8AAAAAAADgPwAAAAAAAOA/AAAAAAAA4D8AAAAAAADgPwAAAAAAAOA/AAAAAAAA4D8CAAAAjAAAAAAAAAAAAAAAQoX0DP///wgAAAAAAAAAAAAAAAAAAAAAAAAAAAAAAAAAAAAAZAAAAAEAAABAAAAAAAAAAAAAAAAAAAAAAAAAAAAAAAAAAAAAAAAAAAAAAAAAAAAAAAAAAAAAAAAAAAAAAAAAAAAAAAAAAAAAAAAAAAAAAAAAAAAAAAAAAAAAAAAAAAAAFAAAADwAAAAAAAAAAAAAAAAAAAkUAAAAAQAAABQAAAAUAAAAFAAAAAEAAAAAAAAAZAAAAGQAAAAAAAAAZAAAAGQAAAAVAAAAYAAAAAAAAAAAAAAADwAAACADAAAAAAAAAAAAAAEAAACgMgAAVgcAAKr4//8BAAAAf39/AAEAAABkAAAAAAAAABQAAABAHwAAAAAAACYAAAAAAAAAwOD//wAAAAAmAAAAZAAAABYAAABMAAAAAAAAAAAAAAAEAAAAAAAAAAEAAABZWVkKAAAAACgAAAAoAAAAZAAAAGQAAAAAAAAAzMzMAAAAAABQAAAAUAAAAGQAAABkAAAAAAAAABcAAAAUAAAAAAAAAAAAAAD/fwAA/38AAAAAAAAJAAAABAAAAAAAAAAeAAAAaAAAAAAAAAAAAAAAAAAAAAAAAAAAAAAAECcAABAnAAAAAAAAAAAAAAAAAAAAAAAAAAAAAAAAAAAAAAAAAAAAABQAAAAAAAAAwMD/AAAAAABkAAAAMgAAAAAAAABkAAAAAAAAAH9/fwAKAAAAIgAAABgAAAAAAAAAAAAAAAAAAAAAAAAAAAAAAAAAAAAkAAAAJAAAAAAAAAAHAAAAAAAAAAAAAAAAAAAAAAAAAAAAAAAAAAAAf39/ACUAAABYAAAAAAAAAAAAAAAAAAAAAAAAAAAAAAAAAAAAAAAAAAAAAAAAAAAAAAAAAAAAAAA/AAAAAAAAAKCGAQAAAAAAAAAAAAAAAAAMAAAAAQAAAAAAAAAAAAAAAAAAAB8AAABUAAAAAAAABQAAAAEAAAAAAAAAAAAAAAAAAAAAAAAAAAAAAAAAAAAAAAAAAAAAAAJ/f38AAAAAA8zMzADAwP8Af39/AAAAAAAAAAAAAAAAAAAAAAAAAAAAIQAAABgAAAAUAAAAHjQAALAcAAB/NwAAGx8AABAAAAAmAAAACAAAADywAAAAAAAA"/>
+                <pr:smNativeData xmlns:pr="smNativeData" xmlns="smNativeData" val="SMDATA_15_f8v4ZxMAAAAlAAAAZAAAAA0AAAAAkAAAAJAAAACQAAAAkAAAAAAAAAABAAAAAAAAAAEAAABQAAAAAAAAAAAA4D8AAAAAAADgPwAAAAAAAOA/AAAAAAAA4D8AAAAAAADgPwAAAAAAAOA/AAAAAAAA4D8AAAAAAADgPwAAAAAAAOA/AAAAAAAA4D8CAAAAjAAAAAAAAAAAAAAAQoX0DP///wgAAAAAAAAAAAAAAAAAAAAAAAAAAAAAAAAAAAAAZAAAAAEAAABAAAAAAAAAAAAAAAAAAAAAAAAAAAAAAAAAAAAAAAAAAAAAAAAAAAAAAAAAAAAAAAAAAAAAAAAAAAAAAAAAAAAAAAAAAAAAAAAAAAAAAAAAAAAAAAAAAAAAFAAAADwAAAAAAAAAAAAAAAAAAAkUAAAAAQAAABQAAAAUAAAAFAAAAAEAAAAAAAAAZAAAAGQAAAAAAAAAZAAAAGQAAAAVAAAAYAAAAAAAAAAAAAAADwAAACADAAAAAAAAAAAAAAEAAACgMgAAVgcAAKr4//8BAAAAf39/AAEAAABkAAAAAAAAABQAAABAHwAAAAAAACYAAAAAAAAAwOD//wAAAAAmAAAAZAAAABYAAABMAAAAAAAAAAAAAAAEAAAAAAAAAAEAAABZWVkKAAAAACgAAAAoAAAAZAAAAGQAAAAAAAAAzMzMAAAAAABQAAAAUAAAAGQAAABkAAAAAAAAABcAAAAUAAAAAAAAAAAAAAD/fwAA/38AAAAAAAAJAAAABAAAAAAAAAAeAAAAaAAAAAAAAAAAAAAAAAAAAAAAAAAAAAAAECcAABAnAAAAAAAAAAAAAAAAAAAAAAAAAAAAAAAAAAAAAAAAAAAAABQAAAAAAAAAwMD/AAAAAABkAAAAMgAAAAAAAABkAAAAAAAAAH9/fwAKAAAAIgAAABgAAAAAAAAAAAAAAAAAAAAAAAAAAAAAAAAAAAAkAAAAJAAAAAAAAAAHAAAAAAAAAAAAAAAAAAAAAAAAAAAAAAAAAAAAf39/ACUAAABYAAAAAAAAAAAAAAAAAAAAAAAAAAAAAAAAAAAAAAAAAAAAAAAAAAAAAAAAAAAAAAA/AAAAAAAAAKCGAQAAAAAAAAAAAAAAAAAMAAAAAQAAAAAAAAAAAAAAAAAAAB8AAABUAAAAAAAABQAAAAEAAAAAAAAAAAAAAAAAAAAAAAAAAAAAAAAAAAAAAAAAAAAAAAJ/f38AAAAAA8zMzADAwP8Af39/AAAAAAAAAAAAAAAAAAAAAAAAAAAAIQAAABgAAAAUAAAAHjQAALAcAAB/NwAAGx8AABAAAAAmAAAACAAAADywAAAAAAAA"/>
               </a:ext>
             </a:extLst>
           </p:cNvSpPr>
@@ -6014,7 +6014,7 @@
               </a:spcAft>
               <a:buNone/>
             </a:pPr>
-            <a:fld id="{307B7764-2ADD-2E81-93C3-DCD4398D6589}" type="slidenum">
+            <a:fld id="{754751C9-8798-12A7-D6FF-71F21FB12024}" type="slidenum">
               <a:rPr lang="ru-ru" cap="none"/>
               <a:t/>
             </a:fld>
@@ -6055,7 +6055,7 @@
             <a:spLocks noGrp="1" noChangeArrowheads="1"/>
             <a:extLst>
               <a:ext uri="smNativeData">
-                <pr:smNativeData xmlns:pr="smNativeData" xmlns="smNativeData" val="SMDATA_15_t6npZxMAAAAlAAAAZAAAAA0AAAAAkAAAAJAAAACQAAAAkAAAAAAAAAAAAAAAAAAAAAEAAABQAAAAAAAAAAAA4D8AAAAAAADgPwAAAAAAAOA/AAAAAAAA4D8AAAAAAADgPwAAAAAAAOA/AAAAAAAA4D8AAAAAAADgPwAAAAAAAOA/AAAAAAAA4D8CAAAAjAAAAAAAAAAAAAAAQoX0DP///wgAAAAAAAAAAAAAAAAAAAAAAAAAAAAAAAAAAAAAZAAAAAEAAABAAAAAAAAAAAAAAAAAAAAAAAAAAAAAAAAAAAAAAAAAAAAAAAAAAAAAAAAAAAAAAAAAAAAAAAAAAAAAAAAAAAAAAAAAAAAAAAAAAAAAAAAAAAAAAAAAAAAAFAAAADwAAAAAAAAAAAAAAAAAAAkUAAAAAQAAABQAAAAUAAAAFAAAAAEAAAAAAAAAZAAAAGQAAAAAAAAAZAAAAGQAAAAVAAAAYAAAAAAAAAAAAAAADwAAACADAAAAAAAAAAAAAAEAAACgMgAAVgcAAKr4//8BAAAAf39/AAEAAABkAAAAAAAAABQAAABAHwAAAAAAACYAAAAAAAAAwOD//wAAAAAmAAAAZAAAABYAAABMAAAAAAAAAAAAAAAEAAAAAAAAAAEAAABZWVkKAAAAACgAAAAoAAAAZAAAAGQAAAAAAAAAzMzMAAAAAABQAAAAUAAAAGQAAABkAAAAAAAAABcAAAAUAAAAAAAAAAAAAAD/fwAA/38AAAAAAAAJAAAABAAAAAD///8eAAAAaAAAAAAAAAAAAAAAAAAAAAAAAAAAAAAAECcAABAnAAAAAAAAAAAAAAAAAAAAAAAAAAAAAAAAAAAAAAAAAAAAABQAAAAAAAAAwMD/AAAAAABkAAAAMgAAAAAAAABkAAAAAAAAAH9/fwAKAAAAIgAAABgAAAAAAAAAAAAAAAAAAAAAAAAAAAAAAAAAAAAkAAAAJAAAAAAAAAAHAAAAAAAAAAAAAAAAAAAAAAAAAAAAAAAAAAAAf39/ACUAAABYAAAAAAAAAAAAAAAAAAAAAAAAAAAAAAAAAAAAAAAAAAAAAAAAAAAAAAAAAAAAAAA/AAAAAAAAAKCGAQAAAAAAAAAAAAAAAAAMAAAAAQAAAAAAAAAAAAAAAAAAAB8AAABUAAAAAAAABQAAAAEAAAAAAAAAAAAAAAAAAAAAAAAAAAAAAAAAAAAAAAAAAAAAAAJ/f38AAAAAA8zMzADAwP8Af39/AAAAAAAAAAAAAAAAAAAAAAAAAAAAIQAAABgAAAAUAAAAFAMAAAkCAAB/NwAAxwgAABAAAAAmAAAACAAAAD2wAAAAAAAA"/>
+                <pr:smNativeData xmlns:pr="smNativeData" xmlns="smNativeData" val="SMDATA_15_f8v4ZxMAAAAlAAAAZAAAAA0AAAAAkAAAAJAAAACQAAAAkAAAAAAAAAAAAAAAAAAAAAEAAABQAAAAAAAAAAAA4D8AAAAAAADgPwAAAAAAAOA/AAAAAAAA4D8AAAAAAADgPwAAAAAAAOA/AAAAAAAA4D8AAAAAAADgPwAAAAAAAOA/AAAAAAAA4D8CAAAAjAAAAAAAAAAAAAAAQoX0DP///wgAAAAAAAAAAAAAAAAAAAAAAAAAAAAAAAAAAAAAZAAAAAEAAABAAAAAAAAAAAAAAAAAAAAAAAAAAAAAAAAAAAAAAAAAAAAAAAAAAAAAAAAAAAAAAAAAAAAAAAAAAAAAAAAAAAAAAAAAAAAAAAAAAAAAAAAAAAAAAAAAAAAAFAAAADwAAAAAAAAAAAAAAAAAAAkUAAAAAQAAABQAAAAUAAAAFAAAAAEAAAAAAAAAZAAAAGQAAAAAAAAAZAAAAGQAAAAVAAAAYAAAAAAAAAAAAAAADwAAACADAAAAAAAAAAAAAAEAAACgMgAAVgcAAKr4//8BAAAAf39/AAEAAABkAAAAAAAAABQAAABAHwAAAAAAACYAAAAAAAAAwOD//wAAAAAmAAAAZAAAABYAAABMAAAAAAAAAAAAAAAEAAAAAAAAAAEAAABZWVkKAAAAACgAAAAoAAAAZAAAAGQAAAAAAAAAzMzMAAAAAABQAAAAUAAAAGQAAABkAAAAAAAAABcAAAAUAAAAAAAAAAAAAAD/fwAA/38AAAAAAAAJAAAABAAAAAD///8eAAAAaAAAAAAAAAAAAAAAAAAAAAAAAAAAAAAAECcAABAnAAAAAAAAAAAAAAAAAAAAAAAAAAAAAAAAAAAAAAAAAAAAABQAAAAAAAAAwMD/AAAAAABkAAAAMgAAAAAAAABkAAAAAAAAAH9/fwAKAAAAIgAAABgAAAAAAAAAAAAAAAAAAAAAAAAAAAAAAAAAAAAkAAAAJAAAAAAAAAAHAAAAAAAAAAAAAAAAAAAAAAAAAAAAAAAAAAAAf39/ACUAAABYAAAAAAAAAAAAAAAAAAAAAAAAAAAAAAAAAAAAAAAAAAAAAAAAAAAAAAAAAAAAAAA/AAAAAAAAAKCGAQAAAAAAAAAAAAAAAAAMAAAAAQAAAAAAAAAAAAAAAAAAAB8AAABUAAAAAAAABQAAAAEAAAAAAAAAAAAAAAAAAAAAAAAAAAAAAAAAAAAAAAAAAAAAAAJ/f38AAAAAA8zMzADAwP8Af39/AAAAAAAAAAAAAAAAAAAAAAAAAAAAIQAAABgAAAAUAAAAFAMAAAkCAAB/NwAAxwgAABAAAAAmAAAACAAAAD2wAAAAAAAA"/>
               </a:ext>
             </a:extLst>
           </p:cNvSpPr>
@@ -6169,7 +6169,7 @@
           <p:cNvSpPr>
             <a:extLst>
               <a:ext uri="smNativeData">
-                <pr:smNativeData xmlns:pr="smNativeData" xmlns="smNativeData" val="SMDATA_15_t6npZxMAAAAlAAAAZAAAAA0AAAAAkAAAAJAAAACQAAAAkAAAAAAAAAABAAAAAAAAAAEAAABQAAAAAAAAAAAA4D8AAAAAAADgPwAAAAAAAOA/AAAAAAAA4D8AAAAAAADgPwAAAAAAAOA/AAAAAAAA4D8AAAAAAADgPwAAAAAAAOA/AAAAAAAA4D8CAAAAjAAAAAEAAAAAAAAAAAAAAP///wgAAAAAAAAAAAAAAAAAAAAAAAAAAAAAAAAAAAAAeAAAAAEAAABAAAAAAAAAAAAAAABaAAAAAAAAAAAAAAAAAAAAAAAAAAAAAAAAAAAAAAAAAAAAAAAAAAAAAAAAAAAAAAAAAAAAAAAAAAAAAAAAAAAAAAAAAAAAAAAAAAAAFAAAADwAAAAAAAAAAAAAAAAAAAkUAAAAAQAAABQAAAAUAAAAFAAAAAEAAAAAAAAAZAAAAGQAAAAAAAAAZAAAAGQAAAAVAAAAYAAAAAAAAAAAAAAADwAAACADAAAAAAAAAAAAAAEAAACgMgAAVgcAAKr4//8BAAAAf39/AAEAAABkAAAAAAAAABQAAABAHwAAAAAAACYAAAAAAAAAwOD//wAAAAAmAAAAZAAAABYAAABMAAAAAAAAAAAAAAAEAAAAAAAAAAEAAABZWVkKAAAAACgAAAAoAAAAZAAAAGQAAAAAAAAAzMzMAAAAAABQAAAAUAAAAGQAAABkAAAAAAAAABcAAAAUAAAAAAAAAAAAAAD/fwAA/38AAAAAAAAJAAAABAAAAAD///8eAAAAaAAAAAAAAAAAAAAAAAAAAAAAAAAAAAAAECcAABAnAAAAAAAAAAAAAAAAAAAAAAAAAAAAAAAAAAAAAAAAAAAAABQAAAAAAAAAwMD/AAAAAABkAAAAMgAAAAAAAABkAAAAAAAAAH9/fwAKAAAAIgAAABgAAAAAAAAAAAAAAAAAAAAAAAAAAAAAAAAAAAAkAAAAJAAAAAAAAAAHAAAAAAAAAAAAAAAAAAAAAAAAAAAAAAAAAAAAf39/ACUAAABYAAAAAAAAAAAAAAAAAAAAAAAAAAAAAAAAAAAAAAAAAAAAAAAAAAAAAAAAAAAAAAA/AAAAAAAAAKCGAQAAAAAAAAAAAAAAAAAMAAAAAQAAAAAAAAAAAAAAAAAAAB8AAABUAAAAAAAAAP///wEAAAAAAAAAAAAAAAAAAAAAAAAAAAAAAAAAAAAAAAAAAAAAAAJ/f38AWVlZA8zMzADAwP8Af39/AAAAAAAAAAAAAAAAAAAAAAAAAAAAIQAAABgAAAAUAAAAogMAAGYIAADGNAAAZB0AABAAAAAmAAAACAAAAP//////////"/>
+                <pr:smNativeData xmlns:pr="smNativeData" xmlns="smNativeData" val="SMDATA_15_f8v4ZxMAAAAlAAAAZAAAAA0AAAAAkAAAAJAAAACQAAAAkAAAAAAAAAABAAAAAAAAAAEAAABQAAAAAAAAAAAA4D8AAAAAAADgPwAAAAAAAOA/AAAAAAAA4D8AAAAAAADgPwAAAAAAAOA/AAAAAAAA4D8AAAAAAADgPwAAAAAAAOA/AAAAAAAA4D8CAAAAjAAAAAEAAAAAAAAAAAAAAP///wgAAAAAAAAAAAAAAAAAAAAAAAAAAAAAAAAAAAAAeAAAAAEAAABAAAAAAAAAAAAAAABaAAAAAAAAAAAAAAAAAAAAAAAAAAAAAAAAAAAAAAAAAAAAAAAAAAAAAAAAAAAAAAAAAAAAAAAAAAAAAAAAAAAAAAAAAAAAAAAAAAAAFAAAADwAAAAAAAAAAAAAAAAAAAkUAAAAAQAAABQAAAAUAAAAFAAAAAEAAAAAAAAAZAAAAGQAAAAAAAAAZAAAAGQAAAAVAAAAYAAAAAAAAAAAAAAADwAAACADAAAAAAAAAAAAAAEAAACgMgAAVgcAAKr4//8BAAAAf39/AAEAAABkAAAAAAAAABQAAABAHwAAAAAAACYAAAAAAAAAwOD//wAAAAAmAAAAZAAAABYAAABMAAAAAAAAAAAAAAAEAAAAAAAAAAEAAABZWVkKAAAAACgAAAAoAAAAZAAAAGQAAAAAAAAAzMzMAAAAAABQAAAAUAAAAGQAAABkAAAAAAAAABcAAAAUAAAAAAAAAAAAAAD/fwAA/38AAAAAAAAJAAAABAAAAAD///8eAAAAaAAAAAAAAAAAAAAAAAAAAAAAAAAAAAAAECcAABAnAAAAAAAAAAAAAAAAAAAAAAAAAAAAAAAAAAAAAAAAAAAAABQAAAAAAAAAwMD/AAAAAABkAAAAMgAAAAAAAABkAAAAAAAAAH9/fwAKAAAAIgAAABgAAAAAAAAAAAAAAAAAAAAAAAAAAAAAAAAAAAAkAAAAJAAAAAAAAAAHAAAAAAAAAAAAAAAAAAAAAAAAAAAAAAAAAAAAf39/ACUAAABYAAAAAAAAAAAAAAAAAAAAAAAAAAAAAAAAAAAAAAAAAAAAAAAAAAAAAAAAAAAAAAA/AAAAAAAAAKCGAQAAAAAAAAAAAAAAAAAMAAAAAQAAAAAAAAAAAAAAAAAAAB8AAABUAAAAAAAAAP///wEAAAAAAAAAAAAAAAAAAAAAAAAAAAAAAAAAAAAAAAAAAAAAAAJ/f38AWVlZA8zMzADAwP8Af39/AAAAAAAAAAAAAAAAAAAAAAAAAAAAIQAAABgAAAAUAAAAogMAAGYIAADGNAAAZB0AABAAAAAmAAAACAAAAP//////////"/>
               </a:ext>
             </a:extLst>
           </p:cNvSpPr>
@@ -6214,7 +6214,7 @@
             <a:spLocks noGrp="1" noChangeArrowheads="1"/>
             <a:extLst>
               <a:ext uri="smNativeData">
-                <pr:smNativeData xmlns:pr="smNativeData" xmlns="smNativeData" val="SMDATA_15_t6npZxMAAAAlAAAAZAAAAA0AAAAAkAAAAJAAAACQAAAAkAAAAAAAAAAAAAAAAAAAAAEAAABQAAAAAAAAAAAA4D8AAAAAAADgPwAAAAAAAOA/AAAAAAAA4D8AAAAAAADgPwAAAAAAAOA/AAAAAAAA4D8AAAAAAADgPwAAAAAAAOA/AAAAAAAA4D8CAAAAjAAAAAAAAAAAAAAAQoX0DP///wgAAAAAAAAAAAAAAAAAAAAAAAAAAAAAAAAAAAAAZAAAAAEAAABAAAAAAAAAAAAAAAAAAAAAAAAAAAAAAAAAAAAAAAAAAAAAAAAAAAAAAAAAAAAAAAAAAAAAAAAAAAAAAAAAAAAAAAAAAAAAAAAAAAAAAAAAAAAAAAAAAAAAFAAAADwAAAAAAAAAAAAAAAAAAAkUAAAAAQAAABQAAAAUAAAAFAAAAAEAAAAAAAAAZAAAAGQAAAAAAAAAZAAAAGQAAAAVAAAAYAAAAAAAAAAAAAAADwAAACADAAAAAAAAAAAAAAEAAACgMgAAVgcAAKr4//8BAAAAf39/AAEAAABkAAAAAAAAABQAAABAHwAAAAAAACYAAAAAAAAAwOD//wAAAAAmAAAAZAAAABYAAABMAAAAAAAAAAAAAAAEAAAAAAAAAAEAAABZWVkKAAAAACgAAAAoAAAAZAAAAGQAAAAAAAAAzMzMAAAAAABQAAAAUAAAAGQAAABkAAAAAAAAABcAAAAUAAAAAAAAAAAAAAD/fwAA/38AAAAAAAAJAAAABAAAAP8A//8eAAAAaAAAAAAAAAAAAAAAAAAAAAAAAAAAAAAAECcAABAnAAAAAAAAAAAAAAAAAAAAAAAAAAAAAAAAAAAAAAAAAAAAABQAAAAAAAAAwMD/AAAAAABkAAAAMgAAAAAAAABkAAAAAAAAAH9/fwAKAAAAIgAAABgAAAAAAAAAAAAAAAAAAAAAAAAAAAAAAAAAAAAkAAAAJAAAAAAAAAAHAAAAAAAAAAAAAAAAAAAAAAAAAAAAAAAAAAAAf39/ACUAAABYAAAAAAAAAAAAAAAAAAAAAAAAAAAAAAAAAAAAAAAAAAAAAAAAAAAAAAAAAAAAAAA/AAAAAAAAAKCGAQAAAAAAAAAAAAAAAAAMAAAAAQAAAAAAAAAAAAAAAAAAAB8AAABUAAAAAAAABQAAAAEAAAAAAAAAAAAAAAAAAAAAAAAAAAAAAAAAAAAAAAAAAAAAAAJ/f38AAAAAA8zMzADAwP8Af39/AAAAAAAAAAAAAAAAAAAAAAAAAAAAIQAAABgAAAAUAAAApQQAAFQJAAA/NwAAlR4AABAAAAAmAAAACAAAAD2wAAAAAAAA"/>
+                <pr:smNativeData xmlns:pr="smNativeData" xmlns="smNativeData" val="SMDATA_15_f8v4ZxMAAAAlAAAAZAAAAA0AAAAAkAAAAJAAAACQAAAAkAAAAAAAAAAAAAAAAAAAAAEAAABQAAAAAAAAAAAA4D8AAAAAAADgPwAAAAAAAOA/AAAAAAAA4D8AAAAAAADgPwAAAAAAAOA/AAAAAAAA4D8AAAAAAADgPwAAAAAAAOA/AAAAAAAA4D8CAAAAjAAAAAAAAAAAAAAAQoX0DP///wgAAAAAAAAAAAAAAAAAAAAAAAAAAAAAAAAAAAAAZAAAAAEAAABAAAAAAAAAAAAAAAAAAAAAAAAAAAAAAAAAAAAAAAAAAAAAAAAAAAAAAAAAAAAAAAAAAAAAAAAAAAAAAAAAAAAAAAAAAAAAAAAAAAAAAAAAAAAAAAAAAAAAFAAAADwAAAAAAAAAAAAAAAAAAAkUAAAAAQAAABQAAAAUAAAAFAAAAAEAAAAAAAAAZAAAAGQAAAAAAAAAZAAAAGQAAAAVAAAAYAAAAAAAAAAAAAAADwAAACADAAAAAAAAAAAAAAEAAACgMgAAVgcAAKr4//8BAAAAf39/AAEAAABkAAAAAAAAABQAAABAHwAAAAAAACYAAAAAAAAAwOD//wAAAAAmAAAAZAAAABYAAABMAAAAAAAAAAAAAAAEAAAAAAAAAAEAAABZWVkKAAAAACgAAAAoAAAAZAAAAGQAAAAAAAAAzMzMAAAAAABQAAAAUAAAAGQAAABkAAAAAAAAABcAAAAUAAAAAAAAAAAAAAD/fwAA/38AAAAAAAAJAAAABAAAAP8A//8eAAAAaAAAAAAAAAAAAAAAAAAAAAAAAAAAAAAAECcAABAnAAAAAAAAAAAAAAAAAAAAAAAAAAAAAAAAAAAAAAAAAAAAABQAAAAAAAAAwMD/AAAAAABkAAAAMgAAAAAAAABkAAAAAAAAAH9/fwAKAAAAIgAAABgAAAAAAAAAAAAAAAAAAAAAAAAAAAAAAAAAAAAkAAAAJAAAAAAAAAAHAAAAAAAAAAAAAAAAAAAAAAAAAAAAAAAAAAAAf39/ACUAAABYAAAAAAAAAAAAAAAAAAAAAAAAAAAAAAAAAAAAAAAAAAAAAAAAAAAAAAAAAAAAAAA/AAAAAAAAAKCGAQAAAAAAAAAAAAAAAAAMAAAAAQAAAAAAAAAAAAAAAAAAAB8AAABUAAAAAAAABQAAAAEAAAAAAAAAAAAAAAAAAAAAAAAAAAAAAAAAAAAAAAAAAAAAAAJ/f38AAAAAA8zMzADAwP8Af39/AAAAAAAAAAAAAAAAAAAAAAAAAAAAIQAAABgAAAAUAAAApQQAAFQJAAA/NwAAlR4AABAAAAAmAAAACAAAAD2wAAAAAAAA"/>
               </a:ext>
             </a:extLst>
           </p:cNvSpPr>
@@ -6429,7 +6429,7 @@
             <a:spLocks noGrp="1" noChangeArrowheads="1"/>
             <a:extLst>
               <a:ext uri="smNativeData">
-                <pr:smNativeData xmlns:pr="smNativeData" xmlns="smNativeData" val="SMDATA_15_t6npZxMAAAAlAAAAZAAAAA0AAAAAkAAAAJAAAACQAAAAkAAAAAAAAAAAAAAAAAAAAAEAAABQAAAAAAAAAAAA4D8AAAAAAADgPwAAAAAAAOA/AAAAAAAA4D8AAAAAAADgPwAAAAAAAOA/AAAAAAAA4D8AAAAAAADgPwAAAAAAAOA/AAAAAAAA4D8CAAAAjAAAAAAAAAAAAAAAQoX0DP///wgAAAAAAAAAAAAAAAAAAAAAAAAAAAAAAAAAAAAAZAAAAAEAAABAAAAAAAAAAAAAAAAAAAAAAAAAAAAAAAAAAAAAAAAAAAAAAAAAAAAAAAAAAAAAAAAAAAAAAAAAAAAAAAAAAAAAAAAAAAAAAAAAAAAAAAAAAAAAAAAAAAAAFAAAADwAAAAAAAAAAAAAAAAAAAkUAAAAAQAAABQAAAAUAAAAFAAAAAEAAAAAAAAAZAAAAGQAAAAAAAAAZAAAAGQAAAAVAAAAYAAAAAAAAAAAAAAADwAAACADAAAAAAAAAAAAAAEAAACgMgAAVgcAAKr4//8BAAAAf39/AAEAAABkAAAAAAAAABQAAABAHwAAAAAAACYAAAAAAAAAwOD//wAAAAAmAAAAZAAAABYAAABMAAAAAAAAAAAAAAAEAAAAAAAAAAEAAABZWVkKAAAAACgAAAAoAAAAZAAAAGQAAAAAAAAAzMzMAAAAAABQAAAAUAAAAGQAAABkAAAAAAAAABcAAAAUAAAAAAAAAAAAAAD/fwAA/38AAAAAAAAJAAAABAAAAP//AP8eAAAAaAAAAAAAAAAAAAAAAAAAAAAAAAAAAAAAECcAABAnAAAAAAAAAAAAAAAAAAAAAAAAAAAAAAAAAAAAAAAAAAAAABQAAAAAAAAAwMD/AAAAAABkAAAAMgAAAAAAAABkAAAAAAAAAH9/fwAKAAAAIgAAABgAAAAAAAAAAAAAAAAAAAAAAAAAAAAAAAAAAAAkAAAAJAAAAAAAAAAHAAAAAAAAAAAAAAAAAAAAAAAAAAAAAAAAAAAAf39/ACUAAABYAAAAAAAAAAAAAAAAAAAAAAAAAAAAAAAAAAAAAAAAAAAAAAAAAAAAAAAAAAAAAAA/AAAAAAAAAKCGAQAAAAAAAAAAAAAAAAAMAAAAAQAAAAAAAAAAAAAAAAAAAB8AAABUAAAAAAAABQAAAAEAAAAAAAAAAAAAAAAAAAAAAAAAAAAAAAAAAAAAAAAAAAAAAAJ/f38AAAAAA8zMzADAwP8Af39/AAAAAAAAAAAAAAAAAAAAAAAAAAAAIQAAABgAAAAUAAAAFAMAAAkCAAB/NwAAxwgAABAAAAAmAAAACAAAAD2wAAAAAAAA"/>
+                <pr:smNativeData xmlns:pr="smNativeData" xmlns="smNativeData" val="SMDATA_15_f8v4ZxMAAAAlAAAAZAAAAA0AAAAAkAAAAJAAAACQAAAAkAAAAAAAAAAAAAAAAAAAAAEAAABQAAAAAAAAAAAA4D8AAAAAAADgPwAAAAAAAOA/AAAAAAAA4D8AAAAAAADgPwAAAAAAAOA/AAAAAAAA4D8AAAAAAADgPwAAAAAAAOA/AAAAAAAA4D8CAAAAjAAAAAAAAAAAAAAAQoX0DP///wgAAAAAAAAAAAAAAAAAAAAAAAAAAAAAAAAAAAAAZAAAAAEAAABAAAAAAAAAAAAAAAAAAAAAAAAAAAAAAAAAAAAAAAAAAAAAAAAAAAAAAAAAAAAAAAAAAAAAAAAAAAAAAAAAAAAAAAAAAAAAAAAAAAAAAAAAAAAAAAAAAAAAFAAAADwAAAAAAAAAAAAAAAAAAAkUAAAAAQAAABQAAAAUAAAAFAAAAAEAAAAAAAAAZAAAAGQAAAAAAAAAZAAAAGQAAAAVAAAAYAAAAAAAAAAAAAAADwAAACADAAAAAAAAAAAAAAEAAACgMgAAVgcAAKr4//8BAAAAf39/AAEAAABkAAAAAAAAABQAAABAHwAAAAAAACYAAAAAAAAAwOD//wAAAAAmAAAAZAAAABYAAABMAAAAAAAAAAAAAAAEAAAAAAAAAAEAAABZWVkKAAAAACgAAAAoAAAAZAAAAGQAAAAAAAAAzMzMAAAAAABQAAAAUAAAAGQAAABkAAAAAAAAABcAAAAUAAAAAAAAAAAAAAD/fwAA/38AAAAAAAAJAAAABAAAAP//AP8eAAAAaAAAAAAAAAAAAAAAAAAAAAAAAAAAAAAAECcAABAnAAAAAAAAAAAAAAAAAAAAAAAAAAAAAAAAAAAAAAAAAAAAABQAAAAAAAAAwMD/AAAAAABkAAAAMgAAAAAAAABkAAAAAAAAAH9/fwAKAAAAIgAAABgAAAAAAAAAAAAAAAAAAAAAAAAAAAAAAAAAAAAkAAAAJAAAAAAAAAAHAAAAAAAAAAAAAAAAAAAAAAAAAAAAAAAAAAAAf39/ACUAAABYAAAAAAAAAAAAAAAAAAAAAAAAAAAAAAAAAAAAAAAAAAAAAAAAAAAAAAAAAAAAAAA/AAAAAAAAAKCGAQAAAAAAAAAAAAAAAAAMAAAAAQAAAAAAAAAAAAAAAAAAAB8AAABUAAAAAAAABQAAAAEAAAAAAAAAAAAAAAAAAAAAAAAAAAAAAAAAAAAAAAAAAAAAAAJ/f38AAAAAA8zMzADAwP8Af39/AAAAAAAAAAAAAAAAAAAAAAAAAAAAIQAAABgAAAAUAAAAFAMAAAkCAAB/NwAAxwgAABAAAAAmAAAACAAAAD2wAAAAAAAA"/>
               </a:ext>
             </a:extLst>
           </p:cNvSpPr>
@@ -6544,7 +6544,7 @@
             <a:spLocks noGrp="1" noChangeArrowheads="1"/>
             <a:extLst>
               <a:ext uri="smNativeData">
-                <pr:smNativeData xmlns:pr="smNativeData" xmlns="smNativeData" val="SMDATA_15_t6npZxMAAAAlAAAAZAAAAA0AAAAAkAAAAJAAAACQAAAAkAAAAAAAAAAAAAAAAAAAAAEAAABQAAAAAAAAAAAA4D8AAAAAAADgPwAAAAAAAOA/AAAAAAAA4D8AAAAAAADgPwAAAAAAAOA/AAAAAAAA4D8AAAAAAADgPwAAAAAAAOA/AAAAAAAA4D8CAAAAjAAAAAAAAAAAAAAAQoX0DP///wgAAAAAAAAAAAAAAAAAAAAAAAAAAAAAAAAAAAAAZAAAAAEAAABAAAAAAAAAAAAAAAAAAAAAAAAAAAAAAAAAAAAAAAAAAAAAAAAAAAAAAAAAAAAAAAAAAAAAAAAAAAAAAAAAAAAAAAAAAAAAAAAAAAAAAAAAAAAAAAAAAAAAFAAAADwAAAAAAAAAAAAAAAAAAAkUAAAAAQAAABQAAAAUAAAAFAAAAAEAAAAAAAAAZAAAAGQAAAAAAAAAZAAAAGQAAAAVAAAAYAAAAAAAAAAAAAAADwAAACADAAAAAAAAAAAAAAEAAACgMgAAVgcAAKr4//8BAAAAf39/AAEAAABkAAAAAAAAABQAAABAHwAAAAAAACYAAAAAAAAAwOD//wAAAAAmAAAAZAAAABYAAABMAAAAAAAAAAAAAAAEAAAAAAAAAAEAAABZWVkKAAAAACgAAAAoAAAAZAAAAGQAAAAAAAAAzMzMAAAAAABQAAAAUAAAAGQAAABkAAAAAAAAABcAAAAUAAAAAAAAAAAAAAD/fwAA/38AAAAAAAAJAAAABAAAAP///wAeAAAAaAAAAAAAAAAAAAAAAAAAAAAAAAAAAAAAECcAABAnAAAAAAAAAAAAAAAAAAAAAAAAAAAAAAAAAAAAAAAAAAAAABQAAAAAAAAAwMD/AAAAAABkAAAAMgAAAAAAAABkAAAAAAAAAH9/fwAKAAAAIgAAABgAAAAAAAAAAAAAAAAAAAAAAAAAAAAAAAAAAAAkAAAAJAAAAAAAAAAHAAAAAAAAAAAAAAAAAAAAAAAAAAAAAAAAAAAAf39/ACUAAABYAAAAAAAAAAAAAAAAAAAAAAAAAAAAAAAAAAAAAAAAAAAAAAAAAAAAAAAAAAAAAAA/AAAAAAAAAKCGAQAAAAAAAAAAAAAAAAAMAAAAAQAAAAAAAAAAAAAAAAAAAB8AAABUAAAAAAAABQAAAAEAAAAAAAAAAAAAAAAAAAAAAAAAAAAAAAAAAAAAAAAAAAAAAAJ/f38AAAAAA8zMzADAwP8Af39/AAAAAAAAAAAAAAAAAAAAAAAAAAAAIQAAABgAAAAUAAAAWQMAAE8IAAANJAAA3w0AABAAAAAmAAAACAAAAD2wAAAAAAAA"/>
+                <pr:smNativeData xmlns:pr="smNativeData" xmlns="smNativeData" val="SMDATA_15_f8v4ZxMAAAAlAAAAZAAAAA0AAAAAkAAAAJAAAACQAAAAkAAAAAAAAAAAAAAAAAAAAAEAAABQAAAAAAAAAAAA4D8AAAAAAADgPwAAAAAAAOA/AAAAAAAA4D8AAAAAAADgPwAAAAAAAOA/AAAAAAAA4D8AAAAAAADgPwAAAAAAAOA/AAAAAAAA4D8CAAAAjAAAAAAAAAAAAAAAQoX0DP///wgAAAAAAAAAAAAAAAAAAAAAAAAAAAAAAAAAAAAAZAAAAAEAAABAAAAAAAAAAAAAAAAAAAAAAAAAAAAAAAAAAAAAAAAAAAAAAAAAAAAAAAAAAAAAAAAAAAAAAAAAAAAAAAAAAAAAAAAAAAAAAAAAAAAAAAAAAAAAAAAAAAAAFAAAADwAAAAAAAAAAAAAAAAAAAkUAAAAAQAAABQAAAAUAAAAFAAAAAEAAAAAAAAAZAAAAGQAAAAAAAAAZAAAAGQAAAAVAAAAYAAAAAAAAAAAAAAADwAAACADAAAAAAAAAAAAAAEAAACgMgAAVgcAAKr4//8BAAAAf39/AAEAAABkAAAAAAAAABQAAABAHwAAAAAAACYAAAAAAAAAwOD//wAAAAAmAAAAZAAAABYAAABMAAAAAAAAAAAAAAAEAAAAAAAAAAEAAABZWVkKAAAAACgAAAAoAAAAZAAAAGQAAAAAAAAAzMzMAAAAAABQAAAAUAAAAGQAAABkAAAAAAAAABcAAAAUAAAAAAAAAAAAAAD/fwAA/38AAAAAAAAJAAAABAAAAP///wAeAAAAaAAAAAAAAAAAAAAAAAAAAAAAAAAAAAAAECcAABAnAAAAAAAAAAAAAAAAAAAAAAAAAAAAAAAAAAAAAAAAAAAAABQAAAAAAAAAwMD/AAAAAABkAAAAMgAAAAAAAABkAAAAAAAAAH9/fwAKAAAAIgAAABgAAAAAAAAAAAAAAAAAAAAAAAAAAAAAAAAAAAAkAAAAJAAAAAAAAAAHAAAAAAAAAAAAAAAAAAAAAAAAAAAAAAAAAAAAf39/ACUAAABYAAAAAAAAAAAAAAAAAAAAAAAAAAAAAAAAAAAAAAAAAAAAAAAAAAAAAAAAAAAAAAA/AAAAAAAAAKCGAQAAAAAAAAAAAAAAAAAMAAAAAQAAAAAAAAAAAAAAAAAAAB8AAABUAAAAAAAABQAAAAEAAAAAAAAAAAAAAAAAAAAAAAAAAAAAAAAAAAAAAAAAAAAAAAJ/f38AAAAAA8zMzADAwP8Af39/AAAAAAAAAAAAAAAAAAAAAAAAAAAAIQAAABgAAAAUAAAAWQMAAE8IAAANJAAA3w0AABAAAAAmAAAACAAAAD2wAAAAAAAA"/>
               </a:ext>
             </a:extLst>
           </p:cNvSpPr>
@@ -6730,7 +6730,7 @@
           <p:cNvSpPr>
             <a:extLst>
               <a:ext uri="smNativeData">
-                <pr:smNativeData xmlns:pr="smNativeData" xmlns="smNativeData" val="SMDATA_15_t6npZxMAAAAlAAAAZAAAAA0AAAAAkAAAAJAAAACQAAAAkAAAAAAAAAABAAAAAAAAAAEAAABQAAAAAAAAAAAA4D8AAAAAAADgPwAAAAAAAOA/AAAAAAAA4D8AAAAAAADgPwAAAAAAAOA/AAAAAAAA4D8AAAAAAADgPwAAAAAAAOA/AAAAAAAA4D8CAAAAjAAAAAEAAAAAAAAA+/v+AP///wgAAAAAAAAAAAAAAAAAAAAAAAAAAAAAAAAAAAAAeAAAAAEAAABAAAAAAAAAAAAAAABaAAAAAAAAAAAAAAAAAAAAAAAAAAAAAAAAAAAAAAAAAAAAAAAAAAAAAAAAAAAAAAAAAAAAAAAAAAAAAAAAAAAAAAAAAAAAAAAAAAAAFAAAADwAAAAAAAAAAAAAAAAAAAkUAAAAAQAAABQAAAAUAAAAFAAAAAEAAAAAAAAAZAAAAGQAAAAAAAAAZAAAAGQAAAAVAAAAYAAAAAAAAAAAAAAADwAAACADAAAAAAAAAAAAAAEAAACgMgAAVgcAAKr4//8BAAAAf39/AAEAAABkAAAAAAAAABQAAABAHwAAAAAAACYAAAAAAAAAwOD//wAAAAAmAAAAZAAAABYAAABMAAAAAAAAAAAAAAAEAAAAAAAAAAEAAABZWVkKAAAAACgAAAAoAAAAZAAAAGQAAAAAAAAAzMzMAAAAAABQAAAAUAAAAGQAAABkAAAAAAAAABcAAAAUAAAAAAAAAAAAAAD/fwAA/38AAAAAAAAJAAAABAAAAP///wAeAAAAaAAAAAAAAAAAAAAAAAAAAAAAAAAAAAAAECcAABAnAAAAAAAAAAAAAAAAAAAAAAAAAAAAAAAAAAAAAAAAAAAAABQAAAAAAAAAwMD/AAAAAABkAAAAMgAAAAAAAABkAAAAAAAAAH9/fwAKAAAAIgAAABgAAAAAAAAAAAAAAAAAAAAAAAAAAAAAAAAAAAAkAAAAJAAAAAAAAAAHAAAAAAAAAAAAAAAAAAAAAAAAAAAAAAAAAAAAf39/ACUAAABYAAAAAAAAAAAAAAAAAAAAAAAAAAAAAAAAAAAAAAAAAAAAAAAAAAAAAAAAAAAAAAA/AAAAAAAAAKCGAQAAAAAAAAAAAAAAAAAMAAAAAQAAAAAAAAAAAAAAAAAAAB8AAABUAAAA+/v+AP///wEAAAAAAAAAAAAAAAAAAAAAAAAAAAAAAAAAAAAAAAAAAAAAAAJ/f38AWVlZA8zMzADAwP8Af39/AAAAAAAAAAAAAAAAAAAAAAAAAAAAIQAAABgAAAAUAAAAuwMAADENAACQNAAAWhwAABAAAAAmAAAACAAAAP//////////"/>
+                <pr:smNativeData xmlns:pr="smNativeData" xmlns="smNativeData" val="SMDATA_15_f8v4ZxMAAAAlAAAAZAAAAA0AAAAAkAAAAJAAAACQAAAAkAAAAAAAAAABAAAAAAAAAAEAAABQAAAAAAAAAAAA4D8AAAAAAADgPwAAAAAAAOA/AAAAAAAA4D8AAAAAAADgPwAAAAAAAOA/AAAAAAAA4D8AAAAAAADgPwAAAAAAAOA/AAAAAAAA4D8CAAAAjAAAAAEAAAAAAAAA+/v+AP///wgAAAAAAAAAAAAAAAAAAAAAAAAAAAAAAAAAAAAAeAAAAAEAAABAAAAAAAAAAAAAAABaAAAAAAAAAAAAAAAAAAAAAAAAAAAAAAAAAAAAAAAAAAAAAAAAAAAAAAAAAAAAAAAAAAAAAAAAAAAAAAAAAAAAAAAAAAAAAAAAAAAAFAAAADwAAAAAAAAAAAAAAAAAAAkUAAAAAQAAABQAAAAUAAAAFAAAAAEAAAAAAAAAZAAAAGQAAAAAAAAAZAAAAGQAAAAVAAAAYAAAAAAAAAAAAAAADwAAACADAAAAAAAAAAAAAAEAAACgMgAAVgcAAKr4//8BAAAAf39/AAEAAABkAAAAAAAAABQAAABAHwAAAAAAACYAAAAAAAAAwOD//wAAAAAmAAAAZAAAABYAAABMAAAAAAAAAAAAAAAEAAAAAAAAAAEAAABZWVkKAAAAACgAAAAoAAAAZAAAAGQAAAAAAAAAzMzMAAAAAABQAAAAUAAAAGQAAABkAAAAAAAAABcAAAAUAAAAAAAAAAAAAAD/fwAA/38AAAAAAAAJAAAABAAAAP///wAeAAAAaAAAAAAAAAAAAAAAAAAAAAAAAAAAAAAAECcAABAnAAAAAAAAAAAAAAAAAAAAAAAAAAAAAAAAAAAAAAAAAAAAABQAAAAAAAAAwMD/AAAAAABkAAAAMgAAAAAAAABkAAAAAAAAAH9/fwAKAAAAIgAAABgAAAAAAAAAAAAAAAAAAAAAAAAAAAAAAAAAAAAkAAAAJAAAAAAAAAAHAAAAAAAAAAAAAAAAAAAAAAAAAAAAAAAAAAAAf39/ACUAAABYAAAAAAAAAAAAAAAAAAAAAAAAAAAAAAAAAAAAAAAAAAAAAAAAAAAAAAAAAAAAAAA/AAAAAAAAAKCGAQAAAAAAAAAAAAAAAAAMAAAAAQAAAAAAAAAAAAAAAAAAAB8AAABUAAAA+/v+AP///wEAAAAAAAAAAAAAAAAAAAAAAAAAAAAAAAAAAAAAAAAAAAAAAAJ/f38AWVlZA8zMzADAwP8Af39/AAAAAAAAAAAAAAAAAAAAAAAAAAAAIQAAABgAAAAUAAAAuwMAADENAACQNAAAWhwAABAAAAAmAAAACAAAAP//////////"/>
               </a:ext>
             </a:extLst>
           </p:cNvSpPr>
@@ -6775,7 +6775,7 @@
             <a:spLocks noGrp="1" noChangeArrowheads="1"/>
             <a:extLst>
               <a:ext uri="smNativeData">
-                <pr:smNativeData xmlns:pr="smNativeData" xmlns="smNativeData" val="SMDATA_15_t6npZxMAAAAlAAAAZAAAAA0AAAAAkAAAAJAAAACQAAAAkAAAAAAAAAAAAAAAAAAAAAEAAABQAAAAAAAAAAAA4D8AAAAAAADgPwAAAAAAAOA/AAAAAAAA4D8AAAAAAADgPwAAAAAAAOA/AAAAAAAA4D8AAAAAAADgPwAAAAAAAOA/AAAAAAAA4D8CAAAAjAAAAAAAAAAAAAAAQoX0DP///wgAAAAAAAAAAAAAAAAAAAAAAAAAAAAAAAAAAAAAZAAAAAEAAABAAAAAAAAAAAAAAAAAAAAAAAAAAAAAAAAAAAAAAAAAAAAAAAAAAAAAAAAAAAAAAAAAAAAAAAAAAAAAAAAAAAAAAAAAAAAAAAAAAAAAAAAAAAAAAAAAAAAAFAAAADwAAAAAAAAAAAAAAAAAAAkUAAAAAQAAABQAAAAUAAAAFAAAAAEAAAAAAAAAZAAAAGQAAAAAAAAAZAAAAGQAAAAVAAAAYAAAAAAAAAAAAAAADwAAACADAAAAAAAAAAAAAAEAAACgMgAAVgcAAKr4//8BAAAAf39/AAEAAABkAAAAAAAAABQAAABAHwAAAAAAACYAAAAAAAAAwOD//wAAAAAmAAAAZAAAABYAAABMAAAAAAAAAAAAAAAEAAAAAAAAAAEAAABZWVkKAAAAACgAAAAoAAAAZAAAAGQAAAAAAAAAzMzMAAAAAABQAAAAUAAAAGQAAABkAAAAAAAAABcAAAAUAAAAAAAAAAAAAAD/fwAA/38AAAAAAAAJAAAABAAAAP8A//8eAAAAaAAAAAAAAAAAAAAAAAAAAAAAAAAAAAAAECcAABAnAAAAAAAAAAAAAAAAAAAAAAAAAAAAAAAAAAAAAAAAAAAAABQAAAAAAAAAwMD/AAAAAABkAAAAMgAAAAAAAABkAAAAAAAAAH9/fwAKAAAAIgAAABgAAAAAAAAAAAAAAAAAAAAAAAAAAAAAAAAAAAAkAAAAJAAAAAAAAAAHAAAAAAAAAAAAAAAAAAAAAAAAAAAAAAAAAAAAf39/ACUAAABYAAAAAAAAAAAAAAAAAAAAAAAAAAAAAAAAAAAAAAAAAAAAAAAAAAAAAAAAAAAAAAA/AAAAAAAAAKCGAQAAAAAAAAAAAAAAAAAMAAAAAQAAAAAAAAAAAAAAAAAAAB8AAABUAAAAAAAABQAAAAEAAAAAAAAAAAAAAAAAAAAAAAAAAAAAAAAAAAAAAAAAAAAAAAJ/f38AAAAAA8zMzADAwP8Af39/AAAAAAAAAAAAAAAAAAAAAAAAAAAAIQAAABgAAAAUAAAA5AQAAKgNAAByMwAAMhwAABAAAAAmAAAACAAAAD2wAAAAAAAA"/>
+                <pr:smNativeData xmlns:pr="smNativeData" xmlns="smNativeData" val="SMDATA_15_f8v4ZxMAAAAlAAAAZAAAAA0AAAAAkAAAAJAAAACQAAAAkAAAAAAAAAAAAAAAAAAAAAEAAABQAAAAAAAAAAAA4D8AAAAAAADgPwAAAAAAAOA/AAAAAAAA4D8AAAAAAADgPwAAAAAAAOA/AAAAAAAA4D8AAAAAAADgPwAAAAAAAOA/AAAAAAAA4D8CAAAAjAAAAAAAAAAAAAAAQoX0DP///wgAAAAAAAAAAAAAAAAAAAAAAAAAAAAAAAAAAAAAZAAAAAEAAABAAAAAAAAAAAAAAAAAAAAAAAAAAAAAAAAAAAAAAAAAAAAAAAAAAAAAAAAAAAAAAAAAAAAAAAAAAAAAAAAAAAAAAAAAAAAAAAAAAAAAAAAAAAAAAAAAAAAAFAAAADwAAAAAAAAAAAAAAAAAAAkUAAAAAQAAABQAAAAUAAAAFAAAAAEAAAAAAAAAZAAAAGQAAAAAAAAAZAAAAGQAAAAVAAAAYAAAAAAAAAAAAAAADwAAACADAAAAAAAAAAAAAAEAAACgMgAAVgcAAKr4//8BAAAAf39/AAEAAABkAAAAAAAAABQAAABAHwAAAAAAACYAAAAAAAAAwOD//wAAAAAmAAAAZAAAABYAAABMAAAAAAAAAAAAAAAEAAAAAAAAAAEAAABZWVkKAAAAACgAAAAoAAAAZAAAAGQAAAAAAAAAzMzMAAAAAABQAAAAUAAAAGQAAABkAAAAAAAAABcAAAAUAAAAAAAAAAAAAAD/fwAA/38AAAAAAAAJAAAABAAAAP8A//8eAAAAaAAAAAAAAAAAAAAAAAAAAAAAAAAAAAAAECcAABAnAAAAAAAAAAAAAAAAAAAAAAAAAAAAAAAAAAAAAAAAAAAAABQAAAAAAAAAwMD/AAAAAABkAAAAMgAAAAAAAABkAAAAAAAAAH9/fwAKAAAAIgAAABgAAAAAAAAAAAAAAAAAAAAAAAAAAAAAAAAAAAAkAAAAJAAAAAAAAAAHAAAAAAAAAAAAAAAAAAAAAAAAAAAAAAAAAAAAf39/ACUAAABYAAAAAAAAAAAAAAAAAAAAAAAAAAAAAAAAAAAAAAAAAAAAAAAAAAAAAAAAAAAAAAA/AAAAAAAAAKCGAQAAAAAAAAAAAAAAAAAMAAAAAQAAAAAAAAAAAAAAAAAAAB8AAABUAAAAAAAABQAAAAEAAAAAAAAAAAAAAAAAAAAAAAAAAAAAAAAAAAAAAAAAAAAAAAJ/f38AAAAAA8zMzADAwP8Af39/AAAAAAAAAAAAAAAAAAAAAAAAAAAAIQAAABgAAAAUAAAA5AQAAKgNAAByMwAAMhwAABAAAAAmAAAACAAAAD2wAAAAAAAA"/>
               </a:ext>
             </a:extLst>
           </p:cNvSpPr>
@@ -6955,7 +6955,7 @@
             <a:spLocks noGrp="1" noChangeArrowheads="1"/>
             <a:extLst>
               <a:ext uri="smNativeData">
-                <pr:smNativeData xmlns:pr="smNativeData" xmlns="smNativeData" val="SMDATA_15_t6npZxMAAAAlAAAAZAAAAA0AAAAAkAAAAJAAAACQAAAAkAAAAAAAAAAAAAAAAAAAAAEAAABQAAAAAAAAAAAA4D8AAAAAAADgPwAAAAAAAOA/AAAAAAAA4D8AAAAAAADgPwAAAAAAAOA/AAAAAAAA4D8AAAAAAADgPwAAAAAAAOA/AAAAAAAA4D8CAAAAjAAAAAAAAAAAAAAAQoX0DP///wgAAAAAAAAAAAAAAAAAAAAAAAAAAAAAAAAAAAAAZAAAAAEAAABAAAAAAAAAAAAAAAAAAAAAAAAAAAAAAAAAAAAAAAAAAAAAAAAAAAAAAAAAAAAAAAAAAAAAAAAAAAAAAAAAAAAAAAAAAAAAAAAAAAAAAAAAAAAAAAAAAAAAFAAAADwAAAAAAAAAAAAAAAAAAAkUAAAAAQAAABQAAAAUAAAAFAAAAAEAAAAAAAAAZAAAAGQAAAAAAAAAZAAAAGQAAAAVAAAAYAAAAAAAAAAAAAAADwAAACADAAAAAAAAAAAAAAEAAACgMgAAVgcAAKr4//8BAAAAf39/AAEAAABkAAAAAAAAABQAAABAHwAAAAAAACYAAAAAAAAAwOD//wAAAAAmAAAAZAAAABYAAABMAAAAAAAAAAAAAAAEAAAAAAAAAAEAAABZWVkKAAAAACgAAAAoAAAAZAAAAGQAAAAAAAAAzMzMAAAAAABQAAAAUAAAAGQAAABkAAAAAAAAABcAAAAUAAAAAAAAAAAAAAD/fwAA/38AAAAAAAAJAAAABAAAAGASLggeAAAAaAAAAAAAAAAAAAAAAAAAAAAAAAAAAAAAECcAABAnAAAAAAAAAAAAAAAAAAAAAAAAAAAAAAAAAAAAAAAAAAAAABQAAAAAAAAAwMD/AAAAAABkAAAAMgAAAAAAAABkAAAAAAAAAH9/fwAKAAAAIgAAABgAAAAAAAAAAAAAAAAAAAAAAAAAAAAAAAAAAAAkAAAAJAAAAAAAAAAHAAAAAAAAAAAAAAAAAAAAAAAAAAAAAAAAAAAAf39/ACUAAABYAAAAAAAAAAAAAAAAAAAAAAAAAAAAAAAAAAAAAAAAAAAAAAAAAAAAAAAAAAAAAAA/AAAAAAAAAKCGAQAAAAAAAAAAAAAAAAAMAAAAAQAAAAAAAAAAAAAAAAAAAB8AAABUAAAAAAAABQAAAAEAAAAAAAAAAAAAAAAAAAAAAAAAAAAAAAAAAAAAAAAAAAAAAAJ/f38AAAAAA8zMzADAwP8Af39/AAAAAAAAAAAAAAAAAAAAAAAAAAAAIQAAABgAAAAUAAAAFAMAAAkCAAB/NwAAxwgAABAAAAAmAAAACAAAADywAAAAAAAA"/>
+                <pr:smNativeData xmlns:pr="smNativeData" xmlns="smNativeData" val="SMDATA_15_f8v4ZxMAAAAlAAAAZAAAAA0AAAAAkAAAAJAAAACQAAAAkAAAAAAAAAAAAAAAAAAAAAEAAABQAAAAAAAAAAAA4D8AAAAAAADgPwAAAAAAAOA/AAAAAAAA4D8AAAAAAADgPwAAAAAAAOA/AAAAAAAA4D8AAAAAAADgPwAAAAAAAOA/AAAAAAAA4D8CAAAAjAAAAAAAAAAAAAAAQoX0DP///wgAAAAAAAAAAAAAAAAAAAAAAAAAAAAAAAAAAAAAZAAAAAEAAABAAAAAAAAAAAAAAAAAAAAAAAAAAAAAAAAAAAAAAAAAAAAAAAAAAAAAAAAAAAAAAAAAAAAAAAAAAAAAAAAAAAAAAAAAAAAAAAAAAAAAAAAAAAAAAAAAAAAAFAAAADwAAAAAAAAAAAAAAAAAAAkUAAAAAQAAABQAAAAUAAAAFAAAAAEAAAAAAAAAZAAAAGQAAAAAAAAAZAAAAGQAAAAVAAAAYAAAAAAAAAAAAAAADwAAACADAAAAAAAAAAAAAAEAAACgMgAAVgcAAKr4//8BAAAAf39/AAEAAABkAAAAAAAAABQAAABAHwAAAAAAACYAAAAAAAAAwOD//wAAAAAmAAAAZAAAABYAAABMAAAAAAAAAAAAAAAEAAAAAAAAAAEAAABZWVkKAAAAACgAAAAoAAAAZAAAAGQAAAAAAAAAzMzMAAAAAABQAAAAUAAAAGQAAABkAAAAAAAAABcAAAAUAAAAAAAAAAAAAAD/fwAA/38AAAAAAAAJAAAABAAAAGASLggeAAAAaAAAAAAAAAAAAAAAAAAAAAAAAAAAAAAAECcAABAnAAAAAAAAAAAAAAAAAAAAAAAAAAAAAAAAAAAAAAAAAAAAABQAAAAAAAAAwMD/AAAAAABkAAAAMgAAAAAAAABkAAAAAAAAAH9/fwAKAAAAIgAAABgAAAAAAAAAAAAAAAAAAAAAAAAAAAAAAAAAAAAkAAAAJAAAAAAAAAAHAAAAAAAAAAAAAAAAAAAAAAAAAAAAAAAAAAAAf39/ACUAAABYAAAAAAAAAAAAAAAAAAAAAAAAAAAAAAAAAAAAAAAAAAAAAAAAAAAAAAAAAAAAAAA/AAAAAAAAAKCGAQAAAAAAAAAAAAAAAAAMAAAAAQAAAAAAAAAAAAAAAAAAAB8AAABUAAAAAAAABQAAAAEAAAAAAAAAAAAAAAAAAAAAAAAAAAAAAAAAAAAAAAAAAAAAAAJ/f38AAAAAA8zMzADAwP8Af39/AAAAAAAAAAAAAAAAAAAAAAAAAAAAIQAAABgAAAAUAAAAFAMAAAkCAAB/NwAAxwgAABAAAAAmAAAACAAAADywAAAAAAAA"/>
               </a:ext>
             </a:extLst>
           </p:cNvSpPr>
@@ -7090,7 +7090,7 @@
             <a:spLocks noGrp="1" noChangeArrowheads="1"/>
             <a:extLst>
               <a:ext uri="smNativeData">
-                <pr:smNativeData xmlns:pr="smNativeData" xmlns="smNativeData" val="SMDATA_15_t6npZxMAAAAlAAAAZAAAAA0AAAAAkAAAAJAAAACQAAAAkAAAAAAAAAAAAAAAAAAAAAEAAABQAAAAAAAAAAAA4D8AAAAAAADgPwAAAAAAAOA/AAAAAAAA4D8AAAAAAADgPwAAAAAAAOA/AAAAAAAA4D8AAAAAAADgPwAAAAAAAOA/AAAAAAAA4D8CAAAAjAAAAAAAAAAAAAAAQoX0DP///wgAAAAAAAAAAAAAAAAAAAAAAAAAAAAAAAAAAAAAZAAAAAEAAABAAAAAAAAAAAAAAAAAAAAAAAAAAAAAAAAAAAAAAAAAAAAAAAAAAAAAAAAAAAAAAAAAAAAAAAAAAAAAAAAAAAAAAAAAAAAAAAAAAAAAAAAAAAAAAAAAAAAAFAAAADwAAAAAAAAAAAAAAAAAAAkUAAAAAQAAABQAAAAUAAAAFAAAAAEAAAAAAAAAZAAAAGQAAAAAAAAAZAAAAGQAAAAVAAAAYAAAAAAAAAAAAAAADwAAACADAAAAAAAAAAAAAAEAAACgMgAAVgcAAKr4//8BAAAAf39/AAEAAABkAAAAAAAAABQAAABAHwAAAAAAACYAAAAAAAAAwOD//wAAAAAmAAAAZAAAABYAAABMAAAAAAAAAAAAAAAEAAAAAAAAAAEAAABZWVkKAAAAACgAAAAoAAAAZAAAAGQAAAAAAAAAzMzMAAAAAABQAAAAUAAAAGQAAABkAAAAAAAAABcAAAAUAAAAAAAAAAAAAAD/fwAA/38AAAAAAAAJAAAABAAAAAAAAAAeAAAAaAAAAAAAAAAAAAAAAAAAAAAAAAAAAAAAECcAABAnAAAAAAAAAAAAAAAAAAAAAAAAAAAAAAAAAAAAAAAAAAAAABQAAAAAAAAAwMD/AAAAAABkAAAAMgAAAAAAAABkAAAAAAAAAH9/fwAKAAAAIgAAABgAAAAAAAAAAAAAAAAAAAAAAAAAAAAAAAAAAAAkAAAAJAAAAAAAAAAHAAAAAAAAAAAAAAAAAAAAAAAAAAAAAAAAAAAAf39/ACUAAABYAAAAAAAAAAAAAAAAAAAAAAAAAAAAAAAAAAAAAAAAAAAAAAAAAAAAAAAAAAAAAAA/AAAAAAAAAKCGAQAAAAAAAAAAAAAAAAAMAAAAAQAAAAAAAAAAAAAAAAAAAB8AAABUAAAAAAAABQAAAAEAAAAAAAAAAAAAAAAAAAAAAAAAAAAAAAAAAAAAAAAAAAAAAAJ/f38AAAAAA8zMzADAwP8Af39/AAAAAAAAAAAAAAAAAAAAAAAAAAAAIQAAABgAAAAUAAAAFAMAAAkCAAB/NwAAxwgAABAAAAAmAAAACAAAADywAAAAAAAA"/>
+                <pr:smNativeData xmlns:pr="smNativeData" xmlns="smNativeData" val="SMDATA_15_f8v4ZxMAAAAlAAAAZAAAAA0AAAAAkAAAAJAAAACQAAAAkAAAAAAAAAAAAAAAAAAAAAEAAABQAAAAAAAAAAAA4D8AAAAAAADgPwAAAAAAAOA/AAAAAAAA4D8AAAAAAADgPwAAAAAAAOA/AAAAAAAA4D8AAAAAAADgPwAAAAAAAOA/AAAAAAAA4D8CAAAAjAAAAAAAAAAAAAAAQoX0DP///wgAAAAAAAAAAAAAAAAAAAAAAAAAAAAAAAAAAAAAZAAAAAEAAABAAAAAAAAAAAAAAAAAAAAAAAAAAAAAAAAAAAAAAAAAAAAAAAAAAAAAAAAAAAAAAAAAAAAAAAAAAAAAAAAAAAAAAAAAAAAAAAAAAAAAAAAAAAAAAAAAAAAAFAAAADwAAAAAAAAAAAAAAAAAAAkUAAAAAQAAABQAAAAUAAAAFAAAAAEAAAAAAAAAZAAAAGQAAAAAAAAAZAAAAGQAAAAVAAAAYAAAAAAAAAAAAAAADwAAACADAAAAAAAAAAAAAAEAAACgMgAAVgcAAKr4//8BAAAAf39/AAEAAABkAAAAAAAAABQAAABAHwAAAAAAACYAAAAAAAAAwOD//wAAAAAmAAAAZAAAABYAAABMAAAAAAAAAAAAAAAEAAAAAAAAAAEAAABZWVkKAAAAACgAAAAoAAAAZAAAAGQAAAAAAAAAzMzMAAAAAABQAAAAUAAAAGQAAABkAAAAAAAAABcAAAAUAAAAAAAAAAAAAAD/fwAA/38AAAAAAAAJAAAABAAAAAAAAAAeAAAAaAAAAAAAAAAAAAAAAAAAAAAAAAAAAAAAECcAABAnAAAAAAAAAAAAAAAAAAAAAAAAAAAAAAAAAAAAAAAAAAAAABQAAAAAAAAAwMD/AAAAAABkAAAAMgAAAAAAAABkAAAAAAAAAH9/fwAKAAAAIgAAABgAAAAAAAAAAAAAAAAAAAAAAAAAAAAAAAAAAAAkAAAAJAAAAAAAAAAHAAAAAAAAAAAAAAAAAAAAAAAAAAAAAAAAAAAAf39/ACUAAABYAAAAAAAAAAAAAAAAAAAAAAAAAAAAAAAAAAAAAAAAAAAAAAAAAAAAAAAAAAAAAAA/AAAAAAAAAKCGAQAAAAAAAAAAAAAAAAAMAAAAAQAAAAAAAAAAAAAAAAAAAB8AAABUAAAAAAAABQAAAAEAAAAAAAAAAAAAAAAAAAAAAAAAAAAAAAAAAAAAAAAAAAAAAAJ/f38AAAAAA8zMzADAwP8Af39/AAAAAAAAAAAAAAAAAAAAAAAAAAAAIQAAABgAAAAUAAAAFAMAAAkCAAB/NwAAxwgAABAAAAAmAAAACAAAADywAAAAAAAA"/>
               </a:ext>
             </a:extLst>
           </p:cNvSpPr>
@@ -7200,7 +7200,7 @@
             <a:spLocks noGrp="1" noChangeArrowheads="1"/>
             <a:extLst>
               <a:ext uri="smNativeData">
-                <pr:smNativeData xmlns:pr="smNativeData" xmlns="smNativeData" val="SMDATA_15_t6npZxMAAAAlAAAAZAAAAA0AAAAAkAAAAJAAAACQAAAAkAAAAAAAAAAAAAAAAAAAAAEAAABQAAAAAAAAAAAA4D8AAAAAAADgPwAAAAAAAOA/AAAAAAAA4D8AAAAAAADgPwAAAAAAAOA/AAAAAAAA4D8AAAAAAADgPwAAAAAAAOA/AAAAAAAA4D8CAAAAjAAAAAAAAAAAAAAAQoX0DP///wgAAAAAAAAAAAAAAAAAAAAAAAAAAAAAAAAAAAAAZAAAAAEAAABAAAAAAAAAAAAAAAAAAAAAAAAAAAAAAAAAAAAAAAAAAAAAAAAAAAAAAAAAAAAAAAAAAAAAAAAAAAAAAAAAAAAAAAAAAAAAAAAAAAAAAAAAAAAAAAAAAAAAFAAAADwAAAAAAAAAAAAAAAAAAAkUAAAAAQAAABQAAAAUAAAAFAAAAAEAAAAAAAAAZAAAAGQAAAAAAAAAZAAAAGQAAAAVAAAAYAAAAAAAAAAAAAAADwAAACADAAAAAAAAAAAAAAEAAACgMgAAVgcAAKr4//8BAAAAf39/AAEAAABkAAAAAAAAABQAAABAHwAAAAAAACYAAAAAAAAAwOD//wAAAAAmAAAAZAAAABYAAABMAAAAAAAAAAAAAAAEAAAAAAAAAAEAAABZWVkKAAAAACgAAAAoAAAAZAAAAGQAAAAAAAAAzMzMAAAAAABQAAAAUAAAAGQAAABkAAAAAAAAABcAAAAUAAAAAAAAAAAAAAD/fwAA/38AAAAAAAAJAAAABAAAAC4WPAgeAAAAaAAAAAAAAAAAAAAAAAAAAAAAAAAAAAAAECcAABAnAAAAAAAAAAAAAAAAAAAAAAAAAAAAAAAAAAAAAAAAAAAAABQAAAAAAAAAwMD/AAAAAABkAAAAMgAAAAAAAABkAAAAAAAAAH9/fwAKAAAAIgAAABgAAAAAAAAAAAAAAAAAAAAAAAAAAAAAAAAAAAAkAAAAJAAAAAAAAAAHAAAAAAAAAAAAAAAAAAAAAAAAAAAAAAAAAAAAf39/ACUAAABYAAAAAAAAAAAAAAAAAAAAAAAAAAAAAAAAAAAAAAAAAAAAAAAAAAAAAAAAAAAAAAA/AAAAAAAAAKCGAQAAAAAAAAAAAAAAAAAMAAAAAQAAAAAAAAAAAAAAAAAAAB8AAABUAAAAAAAABQAAAAEAAAAAAAAAAAAAAAAAAAAAAAAAAAAAAAAAAAAAAAAAAAAAAAJ/f38AAAAAA8zMzADAwP8Af39/AAAAAAAAAAAAAAAAAAAAAAAAAAAAIQAAABgAAAAUAAAAFAMAAMYIAAB/NwAAyx0AABAAAAAmAAAACAAAAD2wAAAAAAAA"/>
+                <pr:smNativeData xmlns:pr="smNativeData" xmlns="smNativeData" val="SMDATA_15_f8v4ZxMAAAAlAAAAZAAAAA0AAAAAkAAAAJAAAACQAAAAkAAAAAAAAAAAAAAAAAAAAAEAAABQAAAAAAAAAAAA4D8AAAAAAADgPwAAAAAAAOA/AAAAAAAA4D8AAAAAAADgPwAAAAAAAOA/AAAAAAAA4D8AAAAAAADgPwAAAAAAAOA/AAAAAAAA4D8CAAAAjAAAAAAAAAAAAAAAQoX0DP///wgAAAAAAAAAAAAAAAAAAAAAAAAAAAAAAAAAAAAAZAAAAAEAAABAAAAAAAAAAAAAAAAAAAAAAAAAAAAAAAAAAAAAAAAAAAAAAAAAAAAAAAAAAAAAAAAAAAAAAAAAAAAAAAAAAAAAAAAAAAAAAAAAAAAAAAAAAAAAAAAAAAAAFAAAADwAAAAAAAAAAAAAAAAAAAkUAAAAAQAAABQAAAAUAAAAFAAAAAEAAAAAAAAAZAAAAGQAAAAAAAAAZAAAAGQAAAAVAAAAYAAAAAAAAAAAAAAADwAAACADAAAAAAAAAAAAAAEAAACgMgAAVgcAAKr4//8BAAAAf39/AAEAAABkAAAAAAAAABQAAABAHwAAAAAAACYAAAAAAAAAwOD//wAAAAAmAAAAZAAAABYAAABMAAAAAAAAAAAAAAAEAAAAAAAAAAEAAABZWVkKAAAAACgAAAAoAAAAZAAAAGQAAAAAAAAAzMzMAAAAAABQAAAAUAAAAGQAAABkAAAAAAAAABcAAAAUAAAAAAAAAAAAAAD/fwAA/38AAAAAAAAJAAAABAAAAC4WPAgeAAAAaAAAAAAAAAAAAAAAAAAAAAAAAAAAAAAAECcAABAnAAAAAAAAAAAAAAAAAAAAAAAAAAAAAAAAAAAAAAAAAAAAABQAAAAAAAAAwMD/AAAAAABkAAAAMgAAAAAAAABkAAAAAAAAAH9/fwAKAAAAIgAAABgAAAAAAAAAAAAAAAAAAAAAAAAAAAAAAAAAAAAkAAAAJAAAAAAAAAAHAAAAAAAAAAAAAAAAAAAAAAAAAAAAAAAAAAAAf39/ACUAAABYAAAAAAAAAAAAAAAAAAAAAAAAAAAAAAAAAAAAAAAAAAAAAAAAAAAAAAAAAAAAAAA/AAAAAAAAAKCGAQAAAAAAAAAAAAAAAAAMAAAAAQAAAAAAAAAAAAAAAAAAAB8AAABUAAAAAAAABQAAAAEAAAAAAAAAAAAAAAAAAAAAAAAAAAAAAAAAAAAAAAAAAAAAAAJ/f38AAAAAA8zMzADAwP8Af39/AAAAAAAAAAAAAAAAAAAAAAAAAAAAIQAAABgAAAAUAAAAFAMAAMYIAAB/NwAAyx0AABAAAAAmAAAACAAAAD2wAAAAAAAA"/>
               </a:ext>
             </a:extLst>
           </p:cNvSpPr>
@@ -7360,7 +7360,7 @@
             <a:spLocks noGrp="1" noChangeArrowheads="1"/>
             <a:extLst>
               <a:ext uri="smNativeData">
-                <pr:smNativeData xmlns:pr="smNativeData" xmlns="smNativeData" val="SMDATA_15_t6npZxMAAAAlAAAAZAAAAA0AAAAAkAAAAJAAAACQAAAAkAAAAAAAAAABAAAAAAAAAAEAAABQAAAAAAAAAAAA4D8AAAAAAADgPwAAAAAAAOA/AAAAAAAA4D8AAAAAAADgPwAAAAAAAOA/AAAAAAAA4D8AAAAAAADgPwAAAAAAAOA/AAAAAAAA4D8CAAAAjAAAAAAAAAAAAAAAQoX0DP///wgAAAAAAAAAAAAAAAAAAAAAAAAAAAAAAAAAAAAAZAAAAAEAAABAAAAAAAAAAAAAAAAAAAAAAAAAAAAAAAAAAAAAAAAAAAAAAAAAAAAAAAAAAAAAAAAAAAAAAAAAAAAAAAAAAAAAAAAAAAAAAAAAAAAAAAAAAAAAAAAAAAAAFAAAADwAAAAAAAAAAAAAAAAAAAkUAAAAAQAAABQAAAAUAAAAFAAAAAEAAAAAAAAAZAAAAGQAAAAAAAAAZAAAAGQAAAAVAAAAYAAAAAAAAAAAAAAADwAAACADAAAAAAAAAAAAAAEAAACgMgAAVgcAAKr4//8BAAAAf39/AAEAAABkAAAAAAAAABQAAABAHwAAAAAAACYAAAAAAAAAwOD//wAAAAAmAAAAZAAAABYAAABMAAAAAAAAAAAAAAAEAAAAAAAAAAEAAABZWVkKAAAAACgAAAAoAAAAZAAAAGQAAAAAAAAAzMzMAAAAAABQAAAAUAAAAGQAAABkAAAAAAAAABcAAAAUAAAAAAAAAAAAAAD/fwAA/38AAAAAAAAJAAAABAAAAJgGAAAeAAAAaAAAAAAAAAAAAAAAAAAAAAAAAAAAAAAAECcAABAnAAAAAAAAAAAAAAAAAAAAAAAAAAAAAAAAAAAAAAAAAAAAABQAAAAAAAAAwMD/AAAAAABkAAAAMgAAAAAAAABkAAAAAAAAAH9/fwAKAAAAIgAAABgAAAAAAAAAAAAAAAAAAAAAAAAAAAAAAAAAAAAkAAAAJAAAAAAAAAAHAAAAAAAAAAAAAAAAAAAAAAAAAAAAAAAAAAAAf39/ACUAAABYAAAAAAAAAAAAAAAAAAAAAAAAAAAAAAAAAAAAAAAAAAAAAAAAAAAAAAAAAAAAAAA/AAAAAAAAAKCGAQAAAAAAAAAAAAAAAAAMAAAAAQAAAAAAAAAAAAAAAAAAAB8AAABUAAAAAAAABQAAAAEAAAAAAAAAAAAAAAAAAAAAAAAAAAAAAAAAAAAAAAAAAAAAAAJ/f38AAAAAA8zMzADAwP8Af39/AAAAAAAAAAAAAAAAAAAAAAAAAAAAIQAAABgAAAAUAAAAHjQAALAcAAB/NwAAGx8AABAAAAAmAAAACAAAADywAAAAAAAA"/>
+                <pr:smNativeData xmlns:pr="smNativeData" xmlns="smNativeData" val="SMDATA_15_f8v4ZxMAAAAlAAAAZAAAAA0AAAAAkAAAAJAAAACQAAAAkAAAAAAAAAABAAAAAAAAAAEAAABQAAAAAAAAAAAA4D8AAAAAAADgPwAAAAAAAOA/AAAAAAAA4D8AAAAAAADgPwAAAAAAAOA/AAAAAAAA4D8AAAAAAADgPwAAAAAAAOA/AAAAAAAA4D8CAAAAjAAAAAAAAAAAAAAAQoX0DP///wgAAAAAAAAAAAAAAAAAAAAAAAAAAAAAAAAAAAAAZAAAAAEAAABAAAAAAAAAAAAAAAAAAAAAAAAAAAAAAAAAAAAAAAAAAAAAAAAAAAAAAAAAAAAAAAAAAAAAAAAAAAAAAAAAAAAAAAAAAAAAAAAAAAAAAAAAAAAAAAAAAAAAFAAAADwAAAAAAAAAAAAAAAAAAAkUAAAAAQAAABQAAAAUAAAAFAAAAAEAAAAAAAAAZAAAAGQAAAAAAAAAZAAAAGQAAAAVAAAAYAAAAAAAAAAAAAAADwAAACADAAAAAAAAAAAAAAEAAACgMgAAVgcAAKr4//8BAAAAf39/AAEAAABkAAAAAAAAABQAAABAHwAAAAAAACYAAAAAAAAAwOD//wAAAAAmAAAAZAAAABYAAABMAAAAAAAAAAAAAAAEAAAAAAAAAAEAAABZWVkKAAAAACgAAAAoAAAAZAAAAGQAAAAAAAAAzMzMAAAAAABQAAAAUAAAAGQAAABkAAAAAAAAABcAAAAUAAAAAAAAAAAAAAD/fwAA/38AAAAAAAAJAAAABAAAAJgGAAAeAAAAaAAAAAAAAAAAAAAAAAAAAAAAAAAAAAAAECcAABAnAAAAAAAAAAAAAAAAAAAAAAAAAAAAAAAAAAAAAAAAAAAAABQAAAAAAAAAwMD/AAAAAABkAAAAMgAAAAAAAABkAAAAAAAAAH9/fwAKAAAAIgAAABgAAAAAAAAAAAAAAAAAAAAAAAAAAAAAAAAAAAAkAAAAJAAAAAAAAAAHAAAAAAAAAAAAAAAAAAAAAAAAAAAAAAAAAAAAf39/ACUAAABYAAAAAAAAAAAAAAAAAAAAAAAAAAAAAAAAAAAAAAAAAAAAAAAAAAAAAAAAAAAAAAA/AAAAAAAAAKCGAQAAAAAAAAAAAAAAAAAMAAAAAQAAAAAAAAAAAAAAAAAAAB8AAABUAAAAAAAABQAAAAEAAAAAAAAAAAAAAAAAAAAAAAAAAAAAAAAAAAAAAAAAAAAAAAJ/f38AAAAAA8zMzADAwP8Af39/AAAAAAAAAAAAAAAAAAAAAAAAAAAAIQAAABgAAAAUAAAAHjQAALAcAAB/NwAAGx8AABAAAAAmAAAACAAAADywAAAAAAAA"/>
               </a:ext>
             </a:extLst>
           </p:cNvSpPr>
@@ -7414,7 +7414,7 @@
               </a:spcAft>
               <a:buNone/>
             </a:pPr>
-            <a:fld id="{307B09F0-BEDD-2EFF-93C3-48AA478D651D}" type="slidenum">
+            <a:fld id="{754705EF-A198-12F3-D6FF-57A64BB12002}" type="slidenum">
               <a:rPr lang="ru-ru" cap="none"/>
               <a:t/>
             </a:fld>
@@ -7455,7 +7455,7 @@
             <a:spLocks noGrp="1" noChangeArrowheads="1"/>
             <a:extLst>
               <a:ext uri="smNativeData">
-                <pr:smNativeData xmlns:pr="smNativeData" xmlns="smNativeData" val="SMDATA_15_t6npZxMAAAAlAAAAZAAAAA0AAAAAkAAAAJAAAACQAAAAkAAAAAAAAAABAAAAAAAAAAEAAABQAAAAAAAAAAAA4D8AAAAAAADgPwAAAAAAAOA/AAAAAAAA4D8AAAAAAADgPwAAAAAAAOA/AAAAAAAA4D8AAAAAAADgPwAAAAAAAOA/AAAAAAAA4D8CAAAAjAAAAAAAAAAAAAAAQoX0DP///wgAAAAAAAAAAAAAAAAAAAAAAAAAAAAAAAAAAAAAZAAAAAEAAABAAAAAAAAAAAAAAAAAAAAAAAAAAAAAAAAAAAAAAAAAAAAAAAAAAAAAAAAAAAAAAAAAAAAAAAAAAAAAAAAAAAAAAAAAAAAAAAAAAAAAAAAAAAAAAAAAAAAAFAAAADwAAAAAAAAAAAAAAAAAAAkUAAAAAQAAABQAAAAUAAAAFAAAAAEAAAAAAAAAZAAAAGQAAAAAAAAAZAAAAGQAAAAVAAAAYAAAAAAAAAAAAAAADwAAACADAAAAAAAAAAAAAAEAAACgMgAAVgcAAKr4//8BAAAAf39/AAEAAABkAAAAAAAAABQAAABAHwAAAAAAACYAAAAAAAAAwOD//wAAAAAmAAAAZAAAABYAAABMAAAAAAAAAAAAAAAEAAAAAAAAAAEAAABZWVkKAAAAACgAAAAoAAAAZAAAAGQAAAAAAAAAzMzMAAAAAABQAAAAUAAAAGQAAABkAAAAAAAAABcAAAAUAAAAAAAAAAAAAAD/fwAA/38AAAAAAAAJAAAABAAAAAAAAAAeAAAAaAAAAAAAAAAAAAAAAAAAAAAAAAAAAAAAECcAABAnAAAAAAAAAAAAAAAAAAAAAAAAAAAAAAAAAAAAAAAAAAAAABQAAAAAAAAAwMD/AAAAAABkAAAAMgAAAAAAAABkAAAAAAAAAH9/fwAKAAAAIgAAABgAAAAAAAAAAAAAAAAAAAAAAAAAAAAAAAAAAAAkAAAAJAAAAAAAAAAHAAAAAAAAAAAAAAAAAAAAAAAAAAAAAAAAAAAAf39/ACUAAABYAAAAAAAAAAAAAAAAAAAAAAAAAAAAAAAAAAAAAAAAAAAAAAAAAAAAAAAAAAAAAAA/AAAAAAAAAKCGAQAAAAAAAAAAAAAAAAAMAAAAAQAAAAAAAAAAAAAAAAAAAB8AAABUAAAAAAAABQAAAAEAAAAAAAAAAAAAAAAAAAAAAAAAAAAAAAAAAAAAAAAAAAAAAAJ/f38AAAAAA8zMzADAwP8Af39/AAAAAAAAAAAAAAAAAAAAAAAAAAAAIQAAABgAAAAUAAAAHjQAALAcAAB/NwAAGx8AABAAAAAmAAAACAAAADywAAAAAAAA"/>
+                <pr:smNativeData xmlns:pr="smNativeData" xmlns="smNativeData" val="SMDATA_15_f8v4ZxMAAAAlAAAAZAAAAA0AAAAAkAAAAJAAAACQAAAAkAAAAAAAAAABAAAAAAAAAAEAAABQAAAAAAAAAAAA4D8AAAAAAADgPwAAAAAAAOA/AAAAAAAA4D8AAAAAAADgPwAAAAAAAOA/AAAAAAAA4D8AAAAAAADgPwAAAAAAAOA/AAAAAAAA4D8CAAAAjAAAAAAAAAAAAAAAQoX0DP///wgAAAAAAAAAAAAAAAAAAAAAAAAAAAAAAAAAAAAAZAAAAAEAAABAAAAAAAAAAAAAAAAAAAAAAAAAAAAAAAAAAAAAAAAAAAAAAAAAAAAAAAAAAAAAAAAAAAAAAAAAAAAAAAAAAAAAAAAAAAAAAAAAAAAAAAAAAAAAAAAAAAAAFAAAADwAAAAAAAAAAAAAAAAAAAkUAAAAAQAAABQAAAAUAAAAFAAAAAEAAAAAAAAAZAAAAGQAAAAAAAAAZAAAAGQAAAAVAAAAYAAAAAAAAAAAAAAADwAAACADAAAAAAAAAAAAAAEAAACgMgAAVgcAAKr4//8BAAAAf39/AAEAAABkAAAAAAAAABQAAABAHwAAAAAAACYAAAAAAAAAwOD//wAAAAAmAAAAZAAAABYAAABMAAAAAAAAAAAAAAAEAAAAAAAAAAEAAABZWVkKAAAAACgAAAAoAAAAZAAAAGQAAAAAAAAAzMzMAAAAAABQAAAAUAAAAGQAAABkAAAAAAAAABcAAAAUAAAAAAAAAAAAAAD/fwAA/38AAAAAAAAJAAAABAAAAAAAAAAeAAAAaAAAAAAAAAAAAAAAAAAAAAAAAAAAAAAAECcAABAnAAAAAAAAAAAAAAAAAAAAAAAAAAAAAAAAAAAAAAAAAAAAABQAAAAAAAAAwMD/AAAAAABkAAAAMgAAAAAAAABkAAAAAAAAAH9/fwAKAAAAIgAAABgAAAAAAAAAAAAAAAAAAAAAAAAAAAAAAAAAAAAkAAAAJAAAAAAAAAAHAAAAAAAAAAAAAAAAAAAAAAAAAAAAAAAAAAAAf39/ACUAAABYAAAAAAAAAAAAAAAAAAAAAAAAAAAAAAAAAAAAAAAAAAAAAAAAAAAAAAAAAAAAAAA/AAAAAAAAAKCGAQAAAAAAAAAAAAAAAAAMAAAAAQAAAAAAAAAAAAAAAAAAAB8AAABUAAAAAAAABQAAAAEAAAAAAAAAAAAAAAAAAAAAAAAAAAAAAAAAAAAAAAAAAAAAAAJ/f38AAAAAA8zMzADAwP8Af39/AAAAAAAAAAAAAAAAAAAAAAAAAAAAIQAAABgAAAAUAAAAHjQAALAcAAB/NwAAGx8AABAAAAAmAAAACAAAADywAAAAAAAA"/>
               </a:ext>
             </a:extLst>
           </p:cNvSpPr>
@@ -7509,7 +7509,7 @@
               </a:spcAft>
               <a:buNone/>
             </a:pPr>
-            <a:fld id="{307B6966-28DD-2E9F-93C3-DECA278D658B}" type="slidenum">
+            <a:fld id="{754716D6-9898-12E0-D6FF-6EB558B1203B}" type="slidenum">
               <a:rPr lang="ru-ru" cap="none"/>
               <a:t/>
             </a:fld>
@@ -7524,7 +7524,7 @@
             <a:spLocks noGrp="1" noChangeArrowheads="1"/>
             <a:extLst>
               <a:ext uri="smNativeData">
-                <pr:smNativeData xmlns:pr="smNativeData" xmlns="smNativeData" val="SMDATA_15_t6npZxMAAAAlAAAAZAAAAA0AAAAAkAAAAJAAAACQAAAAkAAAAAAAAAAAAAAAAAAAAAEAAABQAAAAAAAAAAAA4D8AAAAAAADgPwAAAAAAAOA/AAAAAAAA4D8AAAAAAADgPwAAAAAAAOA/AAAAAAAA4D8AAAAAAADgPwAAAAAAAOA/AAAAAAAA4D8CAAAAjAAAAAAAAAAAAAAAQoX0DP///wgAAAAAAAAAAAAAAAAAAAAAAAAAAAAAAAAAAAAAZAAAAAEAAABAAAAAAAAAAAAAAAAAAAAAAAAAAAAAAAAAAAAAAAAAAAAAAAAAAAAAAAAAAAAAAAAAAAAAAAAAAAAAAAAAAAAAAAAAAAAAAAAAAAAAAAAAAAAAAAAAAAAAFAAAADwAAAAAAAAAAAAAAAAAAAkUAAAAAQAAABQAAAAUAAAAFAAAAAEAAAAAAAAAZAAAAGQAAAAAAAAAZAAAAGQAAAAVAAAAYAAAAAAAAAAAAAAADwAAACADAAAAAAAAAAAAAAEAAACgMgAAVgcAAKr4//8BAAAAf39/AAEAAABkAAAAAAAAABQAAABAHwAAAAAAACYAAAAAAAAAwOD//wAAAAAmAAAAZAAAABYAAABMAAAAAAAAAAAAAAAEAAAAAAAAAAEAAABZWVkKAAAAACgAAAAoAAAAZAAAAGQAAAAAAAAAzMzMAAAAAABQAAAAUAAAAGQAAABkAAAAAAAAABcAAAAUAAAAAAAAAAAAAAD/fwAA/38AAAAAAAAJAAAABAAAACheTwgeAAAAaAAAAAAAAAAAAAAAAAAAAAAAAAAAAAAAECcAABAnAAAAAAAAAAAAAAAAAAAAAAAAAAAAAAAAAAAAAAAAAAAAABQAAAAAAAAAwMD/AAAAAABkAAAAMgAAAAAAAABkAAAAAAAAAH9/fwAKAAAAIgAAABgAAAAAAAAAAAAAAAAAAAAAAAAAAAAAAAAAAAAkAAAAJAAAAAAAAAAHAAAAAAAAAAAAAAAAAAAAAAAAAAAAAAAAAAAAf39/ACUAAABYAAAAAAAAAAAAAAAAAAAAAAAAAAAAAAAAAAAAAAAAAAAAAAAAAAAAAAAAAAAAAAA/AAAAAAAAAKCGAQAAAAAAAAAAAAAAAAAMAAAAAQAAAAAAAAAAAAAAAAAAAB8AAABUAAAAAAAABQAAAAEAAAAAAAAAAAAAAAAAAAAAAAAAAAAAAAAAAAAAAAAAAAAAAAJ/f38AAAAAA8zMzADAwP8Af39/AAAAAAAAAAAAAAAAAAAAAAAAAAAAIQAAABgAAAAUAAAAFAMAAA0FAAB/NwAAQREAABAAAAAmAAAACAAAAD2wAAAAAAAA"/>
+                <pr:smNativeData xmlns:pr="smNativeData" xmlns="smNativeData" val="SMDATA_15_f8v4ZxMAAAAlAAAAZAAAAA0AAAAAkAAAAJAAAACQAAAAkAAAAAAAAAAAAAAAAAAAAAEAAABQAAAAAAAAAAAA4D8AAAAAAADgPwAAAAAAAOA/AAAAAAAA4D8AAAAAAADgPwAAAAAAAOA/AAAAAAAA4D8AAAAAAADgPwAAAAAAAOA/AAAAAAAA4D8CAAAAjAAAAAAAAAAAAAAAQoX0DP///wgAAAAAAAAAAAAAAAAAAAAAAAAAAAAAAAAAAAAAZAAAAAEAAABAAAAAAAAAAAAAAAAAAAAAAAAAAAAAAAAAAAAAAAAAAAAAAAAAAAAAAAAAAAAAAAAAAAAAAAAAAAAAAAAAAAAAAAAAAAAAAAAAAAAAAAAAAAAAAAAAAAAAFAAAADwAAAAAAAAAAAAAAAAAAAkUAAAAAQAAABQAAAAUAAAAFAAAAAEAAAAAAAAAZAAAAGQAAAAAAAAAZAAAAGQAAAAVAAAAYAAAAAAAAAAAAAAADwAAACADAAAAAAAAAAAAAAEAAACgMgAAVgcAAKr4//8BAAAAf39/AAEAAABkAAAAAAAAABQAAABAHwAAAAAAACYAAAAAAAAAwOD//wAAAAAmAAAAZAAAABYAAABMAAAAAAAAAAAAAAAEAAAAAAAAAAEAAABZWVkKAAAAACgAAAAoAAAAZAAAAGQAAAAAAAAAzMzMAAAAAABQAAAAUAAAAGQAAABkAAAAAAAAABcAAAAUAAAAAAAAAAAAAAD/fwAA/38AAAAAAAAJAAAABAAAACheTwgeAAAAaAAAAAAAAAAAAAAAAAAAAAAAAAAAAAAAECcAABAnAAAAAAAAAAAAAAAAAAAAAAAAAAAAAAAAAAAAAAAAAAAAABQAAAAAAAAAwMD/AAAAAABkAAAAMgAAAAAAAABkAAAAAAAAAH9/fwAKAAAAIgAAABgAAAAAAAAAAAAAAAAAAAAAAAAAAAAAAAAAAAAkAAAAJAAAAAAAAAAHAAAAAAAAAAAAAAAAAAAAAAAAAAAAAAAAAAAAf39/ACUAAABYAAAAAAAAAAAAAAAAAAAAAAAAAAAAAAAAAAAAAAAAAAAAAAAAAAAAAAAAAAAAAAA/AAAAAAAAAKCGAQAAAAAAAAAAAAAAAAAMAAAAAQAAAAAAAAAAAAAAAAAAAB8AAABUAAAAAAAABQAAAAEAAAAAAAAAAAAAAAAAAAAAAAAAAAAAAAAAAAAAAAAAAAAAAAJ/f38AAAAAA8zMzADAwP8Af39/AAAAAAAAAAAAAAAAAAAAAAAAAAAAIQAAABgAAAAUAAAAFAMAAA0FAAB/NwAAQREAABAAAAAmAAAACAAAAD2wAAAAAAAA"/>
               </a:ext>
             </a:extLst>
           </p:cNvSpPr>
@@ -7640,7 +7640,7 @@
             <a:spLocks noGrp="1" noChangeArrowheads="1"/>
             <a:extLst>
               <a:ext uri="smNativeData">
-                <pr:smNativeData xmlns:pr="smNativeData" xmlns="smNativeData" val="SMDATA_15_t6npZxMAAAAlAAAAZAAAAA0AAAAAkAAAAJAAAACQAAAAkAAAAAAAAAAAAAAAAAAAAAEAAABQAAAAAAAAAAAA4D8AAAAAAADgPwAAAAAAAOA/AAAAAAAA4D8AAAAAAADgPwAAAAAAAOA/AAAAAAAA4D8AAAAAAADgPwAAAAAAAOA/AAAAAAAA4D8CAAAAjAAAAAAAAAAAAAAAQoX0DP///wgAAAAAAAAAAAAAAAAAAAAAAAAAAAAAAAAAAAAAZAAAAAEAAABAAAAAAAAAAAAAAAAAAAAAAAAAAAAAAAAAAAAAAAAAAAAAAAAAAAAAAAAAAAAAAAAAAAAAAAAAAAAAAAAAAAAAAAAAAAAAAAAAAAAAAAAAAAAAAAAAAAAAFAAAADwAAAAAAAAAAAAAAAAAAAkUAAAAAQAAABQAAAAUAAAAFAAAAAEAAAAAAAAAZAAAAGQAAAAAAAAAZAAAAGQAAAAVAAAAYAAAAAAAAAAAAAAADwAAACADAAAAAAAAAAAAAAEAAACgMgAAVgcAAKr4//8BAAAAf39/AAEAAABkAAAAAAAAABQAAABAHwAAAAAAACYAAAAAAAAAwOD//wAAAAAmAAAAZAAAABYAAABMAAAAAAAAAAAAAAAEAAAAAAAAAAEAAABZWVkKAAAAACgAAAAoAAAAZAAAAGQAAAAAAAAAzMzMAAAAAABQAAAAUAAAAGQAAABkAAAAAAAAABcAAAAUAAAAAAAAAAAAAAD/fwAA/38AAAAAAAAJAAAABAAAAAAAAAAeAAAAaAAAAAAAAAAAAAAAAAAAAAAAAAAAAAAAECcAABAnAAAAAAAAAAAAAAAAAAAAAAAAAAAAAAAAAAAAAAAAAAAAABQAAAAAAAAAwMD/AAAAAABkAAAAMgAAAAAAAABkAAAAAAAAAH9/fwAKAAAAIgAAABgAAAAAAAAAAAAAAAAAAAAAAAAAAAAAAAAAAAAkAAAAJAAAAAAAAAAHAAAAAAAAAAAAAAAAAAAAAAAAAAAAAAAAAAAAf39/ACUAAABYAAAAAAAAAAAAAAAAAAAAAAAAAAAAAAAAAAAAAAAAAAAAAAAAAAAAAAAAAAAAAAA/AAAAAAAAAKCGAQAAAAAAAAAAAAAAAAAMAAAAAQAAAAAAAAAAAAAAAAAAAB8AAABUAAAAAAAABQAAAAEAAAAAAAAAAAAAAAAAAAAAAAAAAAAAAAAAAAAAAAAAAAAAAAJ/f38AAAAAA8zMzADAwP8Af39/AAAAAAAAAAAAAAAAAAAAAAAAAAAAIQAAABgAAAAUAAAAFAMAANACAAALMwAAsAcAABAAAAAmAAAACAAAAD2wAAAAAAAA"/>
+                <pr:smNativeData xmlns:pr="smNativeData" xmlns="smNativeData" val="SMDATA_15_f8v4ZxMAAAAlAAAAZAAAAA0AAAAAkAAAAJAAAACQAAAAkAAAAAAAAAAAAAAAAAAAAAEAAABQAAAAAAAAAAAA4D8AAAAAAADgPwAAAAAAAOA/AAAAAAAA4D8AAAAAAADgPwAAAAAAAOA/AAAAAAAA4D8AAAAAAADgPwAAAAAAAOA/AAAAAAAA4D8CAAAAjAAAAAAAAAAAAAAAQoX0DP///wgAAAAAAAAAAAAAAAAAAAAAAAAAAAAAAAAAAAAAZAAAAAEAAABAAAAAAAAAAAAAAAAAAAAAAAAAAAAAAAAAAAAAAAAAAAAAAAAAAAAAAAAAAAAAAAAAAAAAAAAAAAAAAAAAAAAAAAAAAAAAAAAAAAAAAAAAAAAAAAAAAAAAFAAAADwAAAAAAAAAAAAAAAAAAAkUAAAAAQAAABQAAAAUAAAAFAAAAAEAAAAAAAAAZAAAAGQAAAAAAAAAZAAAAGQAAAAVAAAAYAAAAAAAAAAAAAAADwAAACADAAAAAAAAAAAAAAEAAACgMgAAVgcAAKr4//8BAAAAf39/AAEAAABkAAAAAAAAABQAAABAHwAAAAAAACYAAAAAAAAAwOD//wAAAAAmAAAAZAAAABYAAABMAAAAAAAAAAAAAAAEAAAAAAAAAAEAAABZWVkKAAAAACgAAAAoAAAAZAAAAGQAAAAAAAAAzMzMAAAAAABQAAAAUAAAAGQAAABkAAAAAAAAABcAAAAUAAAAAAAAAAAAAAD/fwAA/38AAAAAAAAJAAAABAAAAAAAAAAeAAAAaAAAAAAAAAAAAAAAAAAAAAAAAAAAAAAAECcAABAnAAAAAAAAAAAAAAAAAAAAAAAAAAAAAAAAAAAAAAAAAAAAABQAAAAAAAAAwMD/AAAAAABkAAAAMgAAAAAAAABkAAAAAAAAAH9/fwAKAAAAIgAAABgAAAAAAAAAAAAAAAAAAAAAAAAAAAAAAAAAAAAkAAAAJAAAAAAAAAAHAAAAAAAAAAAAAAAAAAAAAAAAAAAAAAAAAAAAf39/ACUAAABYAAAAAAAAAAAAAAAAAAAAAAAAAAAAAAAAAAAAAAAAAAAAAAAAAAAAAAAAAAAAAAA/AAAAAAAAAKCGAQAAAAAAAAAAAAAAAAAMAAAAAQAAAAAAAAAAAAAAAAAAAB8AAABUAAAAAAAABQAAAAEAAAAAAAAAAAAAAAAAAAAAAAAAAAAAAAAAAAAAAAAAAAAAAAJ/f38AAAAAA8zMzADAwP8Af39/AAAAAAAAAAAAAAAAAAAAAAAAAAAAIQAAABgAAAAUAAAAFAMAANACAAALMwAAsAcAABAAAAAmAAAACAAAAD2wAAAAAAAA"/>
               </a:ext>
             </a:extLst>
           </p:cNvSpPr>
@@ -7827,7 +7827,7 @@
             <a:spLocks noGrp="1" noChangeArrowheads="1"/>
             <a:extLst>
               <a:ext uri="smNativeData">
-                <pr:smNativeData xmlns:pr="smNativeData" xmlns="smNativeData" val="SMDATA_15_t6npZxMAAAAlAAAAZAAAAA0AAAAAkAAAAJAAAACQAAAAkAAAAAAAAAAAAAAAAAAAAAEAAABQAAAAAAAAAAAA4D8AAAAAAADgPwAAAAAAAOA/AAAAAAAA4D8AAAAAAADgPwAAAAAAAOA/AAAAAAAA4D8AAAAAAADgPwAAAAAAAOA/AAAAAAAA4D8CAAAAjAAAAAAAAAAAAAAAQoX0DP///wgAAAAAAAAAAAAAAAAAAAAAAAAAAAAAAAAAAAAAZAAAAAEAAABAAAAAAAAAAAAAAAAAAAAAAAAAAAAAAAAAAAAAAAAAAAAAAAAAAAAAAAAAAAAAAAAAAAAAAAAAAAAAAAAAAAAAAAAAAAAAAAAAAAAAAAAAAAAAAAAAAAAAFAAAADwAAAAAAAAAAAAAAAAAAAkUAAAAAQAAABQAAAAUAAAAFAAAAAEAAAAAAAAAZAAAAGQAAAAAAAAAZAAAAGQAAAAVAAAAYAAAAAAAAAAAAAAADwAAACADAAAAAAAAAAAAAAEAAACgMgAAVgcAAKr4//8BAAAAf39/AAEAAABkAAAAAAAAABQAAABAHwAAAAAAACYAAAAAAAAAwOD//wAAAAAmAAAAZAAAABYAAABMAAAAAAAAAAAAAAAEAAAAAAAAAAEAAABZWVkKAAAAACgAAAAoAAAAZAAAAGQAAAAAAAAAzMzMAAAAAABQAAAAUAAAAGQAAABkAAAAAAAAABcAAAAUAAAAAAAAAAAAAAD/fwAA/38AAAAAAAAJAAAABAAAAAAAAAAeAAAAaAAAAAAAAAAAAAAAAAAAAAAAAAAAAAAAECcAABAnAAAAAAAAAAAAAAAAAAAAAAAAAAAAAAAAAAAAAAAAAAAAABQAAAAAAAAAwMD/AAAAAABkAAAAMgAAAAAAAABkAAAAAAAAAH9/fwAKAAAAIgAAABgAAAAAAAAAAAAAAAAAAAAAAAAAAAAAAAAAAAAkAAAAJAAAAAAAAAAHAAAAAAAAAAAAAAAAAAAAAAAAAAAAAAAAAAAAf39/ACUAAABYAAAAAAAAAAAAAAAAAAAAAAAAAAAAAAAAAAAAAAAAAAAAAAAAAAAAAAAAAAAAAAA/AAAAAAAAAKCGAQAAAAAAAAAAAAAAAAAMAAAAAQAAAAAAAAAAAAAAAAAAAB8AAABUAAAAAAAABQAAAAEAAAAAAAAAAAAAAAAAAAAAAAAAAAAAAAAAAAAAAAAAAAAAAAJ/f38AAAAAA8zMzADAwP8Af39/AAAAAAAAAAAAAAAAAAAAAAAAAAAAIQAAABgAAAAUAAAAShMAAFMSAABQNwAA8BUAABAAAAAmAAAACAAAAD2wAAAAAAAA"/>
+                <pr:smNativeData xmlns:pr="smNativeData" xmlns="smNativeData" val="SMDATA_15_f8v4ZxMAAAAlAAAAZAAAAA0AAAAAkAAAAJAAAACQAAAAkAAAAAAAAAAAAAAAAAAAAAEAAABQAAAAAAAAAAAA4D8AAAAAAADgPwAAAAAAAOA/AAAAAAAA4D8AAAAAAADgPwAAAAAAAOA/AAAAAAAA4D8AAAAAAADgPwAAAAAAAOA/AAAAAAAA4D8CAAAAjAAAAAAAAAAAAAAAQoX0DP///wgAAAAAAAAAAAAAAAAAAAAAAAAAAAAAAAAAAAAAZAAAAAEAAABAAAAAAAAAAAAAAAAAAAAAAAAAAAAAAAAAAAAAAAAAAAAAAAAAAAAAAAAAAAAAAAAAAAAAAAAAAAAAAAAAAAAAAAAAAAAAAAAAAAAAAAAAAAAAAAAAAAAAFAAAADwAAAAAAAAAAAAAAAAAAAkUAAAAAQAAABQAAAAUAAAAFAAAAAEAAAAAAAAAZAAAAGQAAAAAAAAAZAAAAGQAAAAVAAAAYAAAAAAAAAAAAAAADwAAACADAAAAAAAAAAAAAAEAAACgMgAAVgcAAKr4//8BAAAAf39/AAEAAABkAAAAAAAAABQAAABAHwAAAAAAACYAAAAAAAAAwOD//wAAAAAmAAAAZAAAABYAAABMAAAAAAAAAAAAAAAEAAAAAAAAAAEAAABZWVkKAAAAACgAAAAoAAAAZAAAAGQAAAAAAAAAzMzMAAAAAABQAAAAUAAAAGQAAABkAAAAAAAAABcAAAAUAAAAAAAAAAAAAAD/fwAA/38AAAAAAAAJAAAABAAAAAAAAAAeAAAAaAAAAAAAAAAAAAAAAAAAAAAAAAAAAAAAECcAABAnAAAAAAAAAAAAAAAAAAAAAAAAAAAAAAAAAAAAAAAAAAAAABQAAAAAAAAAwMD/AAAAAABkAAAAMgAAAAAAAABkAAAAAAAAAH9/fwAKAAAAIgAAABgAAAAAAAAAAAAAAAAAAAAAAAAAAAAAAAAAAAAkAAAAJAAAAAAAAAAHAAAAAAAAAAAAAAAAAAAAAAAAAAAAAAAAAAAAf39/ACUAAABYAAAAAAAAAAAAAAAAAAAAAAAAAAAAAAAAAAAAAAAAAAAAAAAAAAAAAAAAAAAAAAA/AAAAAAAAAKCGAQAAAAAAAAAAAAAAAAAMAAAAAQAAAAAAAAAAAAAAAAAAAB8AAABUAAAAAAAABQAAAAEAAAAAAAAAAAAAAAAAAAAAAAAAAAAAAAAAAAAAAAAAAAAAAAJ/f38AAAAAA8zMzADAwP8Af39/AAAAAAAAAAAAAAAAAAAAAAAAAAAAIQAAABgAAAAUAAAAShMAAFMSAABQNwAA8BUAABAAAAAmAAAACAAAAD2wAAAAAAAA"/>
               </a:ext>
             </a:extLst>
           </p:cNvSpPr>
@@ -8014,7 +8014,7 @@
             <a:spLocks noGrp="1" noChangeArrowheads="1"/>
             <a:extLst>
               <a:ext uri="smNativeData">
-                <pr:smNativeData xmlns:pr="smNativeData" xmlns="smNativeData" val="SMDATA_15_t6npZxMAAAAlAAAAZAAAAA0AAAAAkAAAAJAAAACQAAAAkAAAAAAAAAAAAAAAAAAAAAEAAABQAAAAAAAAAAAA4D8AAAAAAADgPwAAAAAAAOA/AAAAAAAA4D8AAAAAAADgPwAAAAAAAOA/AAAAAAAA4D8AAAAAAADgPwAAAAAAAOA/AAAAAAAA4D8CAAAAjAAAAAAAAAAAAAAAQoX0DP///wgAAAAAAAAAAAAAAAAAAAAAAAAAAAAAAAAAAAAAZAAAAAEAAABAAAAAAAAAAAAAAAAAAAAAAAAAAAAAAAAAAAAAAAAAAAAAAAAAAAAAAAAAAAAAAAAAAAAAAAAAAAAAAAAAAAAAAAAAAAAAAAAAAAAAAAAAAAAAAAAAAAAAFAAAADwAAAAAAAAAAAAAAAAAAAkUAAAAAQAAABQAAAAUAAAAFAAAAAEAAAAAAAAAZAAAAGQAAAAAAAAAZAAAAGQAAAAVAAAAYAAAAAAAAAAAAAAADwAAACADAAAAAAAAAAAAAAEAAACgMgAAVgcAAKr4//8BAAAAf39/AAEAAABkAAAAAAAAABQAAABAHwAAAAAAACYAAAAAAAAAwOD//wAAAAAmAAAAZAAAABYAAABMAAAAAAAAAAAAAAAEAAAAAAAAAAEAAABZWVkKAAAAACgAAAAoAAAAZAAAAGQAAAAAAAAAzMzMAAAAAABQAAAAUAAAAGQAAABkAAAAAAAAABcAAAAUAAAAAAAAAAAAAAD/fwAA/38AAAAAAAAJAAAABAAAAAAAAAAeAAAAaAAAAAAAAAAAAAAAAAAAAAAAAAAAAAAAECcAABAnAAAAAAAAAAAAAAAAAAAAAAAAAAAAAAAAAAAAAAAAAAAAABQAAAAAAAAAwMD/AAAAAABkAAAAMgAAAAAAAABkAAAAAAAAAH9/fwAKAAAAIgAAABgAAAAAAAAAAAAAAAAAAAAAAAAAAAAAAAAAAAAkAAAAJAAAAAAAAAAHAAAAAAAAAAAAAAAAAAAAAAAAAAAAAAAAAAAAf39/ACUAAABYAAAAAAAAAAAAAAAAAAAAAAAAAAAAAAAAAAAAAAAAAAAAAAAAAAAAAAAAAAAAAAA/AAAAAAAAAKCGAQAAAAAAAAAAAAAAAAAMAAAAAQAAAAAAAAAAAAAAAAAAAB8AAABUAAAAAAAABQAAAAEAAAAAAAAAAAAAAAAAAAAAAAAAAAAAAAAAAAAAAAAAAAAAAAJ/f38AAAAAA8zMzADAwP8Af39/AAAAAAAAAAAAAAAAAAAAAAAAAAAAIQAAABgAAAAUAAAAShMAACwUAABQNwAADBkAABAAAAAmAAAACAAAAD2wAAAAAAAA"/>
+                <pr:smNativeData xmlns:pr="smNativeData" xmlns="smNativeData" val="SMDATA_15_f8v4ZxMAAAAlAAAAZAAAAA0AAAAAkAAAAJAAAACQAAAAkAAAAAAAAAAAAAAAAAAAAAEAAABQAAAAAAAAAAAA4D8AAAAAAADgPwAAAAAAAOA/AAAAAAAA4D8AAAAAAADgPwAAAAAAAOA/AAAAAAAA4D8AAAAAAADgPwAAAAAAAOA/AAAAAAAA4D8CAAAAjAAAAAAAAAAAAAAAQoX0DP///wgAAAAAAAAAAAAAAAAAAAAAAAAAAAAAAAAAAAAAZAAAAAEAAABAAAAAAAAAAAAAAAAAAAAAAAAAAAAAAAAAAAAAAAAAAAAAAAAAAAAAAAAAAAAAAAAAAAAAAAAAAAAAAAAAAAAAAAAAAAAAAAAAAAAAAAAAAAAAAAAAAAAAFAAAADwAAAAAAAAAAAAAAAAAAAkUAAAAAQAAABQAAAAUAAAAFAAAAAEAAAAAAAAAZAAAAGQAAAAAAAAAZAAAAGQAAAAVAAAAYAAAAAAAAAAAAAAADwAAACADAAAAAAAAAAAAAAEAAACgMgAAVgcAAKr4//8BAAAAf39/AAEAAABkAAAAAAAAABQAAABAHwAAAAAAACYAAAAAAAAAwOD//wAAAAAmAAAAZAAAABYAAABMAAAAAAAAAAAAAAAEAAAAAAAAAAEAAABZWVkKAAAAACgAAAAoAAAAZAAAAGQAAAAAAAAAzMzMAAAAAABQAAAAUAAAAGQAAABkAAAAAAAAABcAAAAUAAAAAAAAAAAAAAD/fwAA/38AAAAAAAAJAAAABAAAAAAAAAAeAAAAaAAAAAAAAAAAAAAAAAAAAAAAAAAAAAAAECcAABAnAAAAAAAAAAAAAAAAAAAAAAAAAAAAAAAAAAAAAAAAAAAAABQAAAAAAAAAwMD/AAAAAABkAAAAMgAAAAAAAABkAAAAAAAAAH9/fwAKAAAAIgAAABgAAAAAAAAAAAAAAAAAAAAAAAAAAAAAAAAAAAAkAAAAJAAAAAAAAAAHAAAAAAAAAAAAAAAAAAAAAAAAAAAAAAAAAAAAf39/ACUAAABYAAAAAAAAAAAAAAAAAAAAAAAAAAAAAAAAAAAAAAAAAAAAAAAAAAAAAAAAAAAAAAA/AAAAAAAAAKCGAQAAAAAAAAAAAAAAAAAMAAAAAQAAAAAAAAAAAAAAAAAAAB8AAABUAAAAAAAABQAAAAEAAAAAAAAAAAAAAAAAAAAAAAAAAAAAAAAAAAAAAAAAAAAAAAJ/f38AAAAAA8zMzADAwP8Af39/AAAAAAAAAAAAAAAAAAAAAAAAAAAAIQAAABgAAAAUAAAAShMAACwUAABQNwAADBkAABAAAAAmAAAACAAAAD2wAAAAAAAA"/>
               </a:ext>
             </a:extLst>
           </p:cNvSpPr>
@@ -8201,7 +8201,7 @@
             <a:spLocks noGrp="1" noChangeArrowheads="1"/>
             <a:extLst>
               <a:ext uri="smNativeData">
-                <pr:smNativeData xmlns:pr="smNativeData" xmlns="smNativeData" val="SMDATA_15_t6npZxMAAAAlAAAAZAAAAA0AAAAAkAAAAJAAAACQAAAAkAAAAAAAAAAAAAAAAAAAAAEAAABQAAAAAAAAAAAA4D8AAAAAAADgPwAAAAAAAOA/AAAAAAAA4D8AAAAAAADgPwAAAAAAAOA/AAAAAAAA4D8AAAAAAADgPwAAAAAAAOA/AAAAAAAA4D8CAAAAjAAAAAAAAAAAAAAAQoX0DP///wgAAAAAAAAAAAAAAAAAAAAAAAAAAAAAAAAAAAAAZAAAAAEAAABAAAAAAAAAAAAAAAAAAAAAAAAAAAAAAAAAAAAAAAAAAAAAAAAAAAAAAAAAAAAAAAAAAAAAAAAAAAAAAAAAAAAAAAAAAAAAAAAAAAAAAAAAAAAAAAAAAAAAFAAAADwAAAAAAAAAAAAAAAAAAAkUAAAAAQAAABQAAAAUAAAAFAAAAAEAAAAAAAAAZAAAAGQAAAAAAAAAZAAAAGQAAAAVAAAAYAAAAAAAAAAAAAAADwAAACADAAAAAAAAAAAAAAEAAACgMgAAVgcAAKr4//8BAAAAf39/AAEAAABkAAAAAAAAABQAAABAHwAAAAAAACYAAAAAAAAAwOD//wAAAAAmAAAAZAAAABYAAABMAAAAAAAAAAAAAAAEAAAAAAAAAAEAAABZWVkKAAAAACgAAAAoAAAAZAAAAGQAAAAAAAAAzMzMAAAAAABQAAAAUAAAAGQAAABkAAAAAAAAABcAAAAUAAAAAAAAAAAAAAD/fwAA/38AAAAAAAAJAAAABAAAAAAAAAAeAAAAaAAAAAAAAAAAAAAAAAAAAAAAAAAAAAAAECcAABAnAAAAAAAAAAAAAAAAAAAAAAAAAAAAAAAAAAAAAAAAAAAAABQAAAAAAAAAwMD/AAAAAABkAAAAMgAAAAAAAABkAAAAAAAAAH9/fwAKAAAAIgAAABgAAAAAAAAAAAAAAAAAAAAAAAAAAAAAAAAAAAAkAAAAJAAAAAAAAAAHAAAAAAAAAAAAAAAAAAAAAAAAAAAAAAAAAAAAf39/ACUAAABYAAAAAAAAAAAAAAAAAAAAAAAAAAAAAAAAAAAAAAAAAAAAAAAAAAAAAAAAAAAAAAA/AAAAAAAAAKCGAQAAAAAAAAAAAAAAAAAMAAAAAQAAAAAAAAAAAAAAAAAAAB8AAABUAAAAAAAABQAAAAEAAAAAAAAAAAAAAAAAAAAAAAAAAAAAAAAAAAAAAAAAAAAAAAJ/f38AAAAAA8zMzADAwP8Af39/AAAAAAAAAAAAAAAAAAAAAAAAAAAAIQAAABgAAAAUAAAAShMAAIgWAABQNwAA4hwAABAAAAAmAAAACAAAAD2wAAAAAAAA"/>
+                <pr:smNativeData xmlns:pr="smNativeData" xmlns="smNativeData" val="SMDATA_15_f8v4ZxMAAAAlAAAAZAAAAA0AAAAAkAAAAJAAAACQAAAAkAAAAAAAAAAAAAAAAAAAAAEAAABQAAAAAAAAAAAA4D8AAAAAAADgPwAAAAAAAOA/AAAAAAAA4D8AAAAAAADgPwAAAAAAAOA/AAAAAAAA4D8AAAAAAADgPwAAAAAAAOA/AAAAAAAA4D8CAAAAjAAAAAAAAAAAAAAAQoX0DP///wgAAAAAAAAAAAAAAAAAAAAAAAAAAAAAAAAAAAAAZAAAAAEAAABAAAAAAAAAAAAAAAAAAAAAAAAAAAAAAAAAAAAAAAAAAAAAAAAAAAAAAAAAAAAAAAAAAAAAAAAAAAAAAAAAAAAAAAAAAAAAAAAAAAAAAAAAAAAAAAAAAAAAFAAAADwAAAAAAAAAAAAAAAAAAAkUAAAAAQAAABQAAAAUAAAAFAAAAAEAAAAAAAAAZAAAAGQAAAAAAAAAZAAAAGQAAAAVAAAAYAAAAAAAAAAAAAAADwAAACADAAAAAAAAAAAAAAEAAACgMgAAVgcAAKr4//8BAAAAf39/AAEAAABkAAAAAAAAABQAAABAHwAAAAAAACYAAAAAAAAAwOD//wAAAAAmAAAAZAAAABYAAABMAAAAAAAAAAAAAAAEAAAAAAAAAAEAAABZWVkKAAAAACgAAAAoAAAAZAAAAGQAAAAAAAAAzMzMAAAAAABQAAAAUAAAAGQAAABkAAAAAAAAABcAAAAUAAAAAAAAAAAAAAD/fwAA/38AAAAAAAAJAAAABAAAAAAAAAAeAAAAaAAAAAAAAAAAAAAAAAAAAAAAAAAAAAAAECcAABAnAAAAAAAAAAAAAAAAAAAAAAAAAAAAAAAAAAAAAAAAAAAAABQAAAAAAAAAwMD/AAAAAABkAAAAMgAAAAAAAABkAAAAAAAAAH9/fwAKAAAAIgAAABgAAAAAAAAAAAAAAAAAAAAAAAAAAAAAAAAAAAAkAAAAJAAAAAAAAAAHAAAAAAAAAAAAAAAAAAAAAAAAAAAAAAAAAAAAf39/ACUAAABYAAAAAAAAAAAAAAAAAAAAAAAAAAAAAAAAAAAAAAAAAAAAAAAAAAAAAAAAAAAAAAA/AAAAAAAAAKCGAQAAAAAAAAAAAAAAAAAMAAAAAQAAAAAAAAAAAAAAAAAAAB8AAABUAAAAAAAABQAAAAEAAAAAAAAAAAAAAAAAAAAAAAAAAAAAAAAAAAAAAAAAAAAAAAJ/f38AAAAAA8zMzADAwP8Af39/AAAAAAAAAAAAAAAAAAAAAAAAAAAAIQAAABgAAAAUAAAAShMAAIgWAABQNwAA4hwAABAAAAAmAAAACAAAAD2wAAAAAAAA"/>
               </a:ext>
             </a:extLst>
           </p:cNvSpPr>
@@ -8414,7 +8414,7 @@
             <a:spLocks noGrp="1" noChangeArrowheads="1"/>
             <a:extLst>
               <a:ext uri="smNativeData">
-                <pr:smNativeData xmlns:pr="smNativeData" xmlns="smNativeData" val="SMDATA_15_t6npZxMAAAAlAAAAZAAAAA0AAAAAkAAAAJAAAACQAAAAkAAAAAAAAAABAAAAAAAAAAEAAABQAAAAAAAAAAAA4D8AAAAAAADgPwAAAAAAAOA/AAAAAAAA4D8AAAAAAADgPwAAAAAAAOA/AAAAAAAA4D8AAAAAAADgPwAAAAAAAOA/AAAAAAAA4D8CAAAAjAAAAAAAAAAAAAAAQoX0DP///wgAAAAAAAAAAAAAAAAAAAAAAAAAAAAAAAAAAAAAZAAAAAEAAABAAAAAAAAAAAAAAAAAAAAAAAAAAAAAAAAAAAAAAAAAAAAAAAAAAAAAAAAAAAAAAAAAAAAAAAAAAAAAAAAAAAAAAAAAAAAAAAAAAAAAAAAAAAAAAAAAAAAAFAAAADwAAAAAAAAAAAAAAAAAAAkUAAAAAQAAABQAAAAUAAAAFAAAAAEAAAAAAAAAZAAAAGQAAAAAAAAAZAAAAGQAAAAVAAAAYAAAAAAAAAAAAAAADwAAACADAAAAAAAAAAAAAAEAAACgMgAAVgcAAKr4//8BAAAAf39/AAEAAABkAAAAAAAAABQAAABAHwAAAAAAACYAAAAAAAAAwOD//wAAAAAmAAAAZAAAABYAAABMAAAAAAAAAAAAAAAEAAAAAAAAAAEAAABZWVkKAAAAACgAAAAoAAAAZAAAAGQAAAAAAAAAzMzMAAAAAABQAAAAUAAAAGQAAABkAAAAAAAAABcAAAAUAAAAAAAAAAAAAAD/fwAA/38AAAAAAAAJAAAABAAAAAD0jgIeAAAAaAAAAAAAAAAAAAAAAAAAAAAAAAAAAAAAECcAABAnAAAAAAAAAAAAAAAAAAAAAAAAAAAAAAAAAAAAAAAAAAAAABQAAAAAAAAAwMD/AAAAAABkAAAAMgAAAAAAAABkAAAAAAAAAH9/fwAKAAAAIgAAABgAAAAAAAAAAAAAAAAAAAAAAAAAAAAAAAAAAAAkAAAAJAAAAAAAAAAHAAAAAAAAAAAAAAAAAAAAAAAAAAAAAAAAAAAAf39/ACUAAABYAAAAAAAAAAAAAAAAAAAAAAAAAAAAAAAAAAAAAAAAAAAAAAAAAAAAAAAAAAAAAAA/AAAAAAAAAKCGAQAAAAAAAAAAAAAAAAAMAAAAAQAAAAAAAAAAAAAAAAAAAB8AAABUAAAAAAAABQAAAAEAAAAAAAAAAAAAAAAAAAAAAAAAAAAAAAAAAAAAAAAAAAAAAAJ/f38AAAAAA8zMzADAwP8Af39/AAAAAAAAAAAAAAAAAAAAAAAAAAAAIQAAABgAAAAUAAAAHjQAALAcAAB/NwAAGx8AABAAAAAmAAAACAAAADywAAAAAAAA"/>
+                <pr:smNativeData xmlns:pr="smNativeData" xmlns="smNativeData" val="SMDATA_15_f8v4ZxMAAAAlAAAAZAAAAA0AAAAAkAAAAJAAAACQAAAAkAAAAAAAAAABAAAAAAAAAAEAAABQAAAAAAAAAAAA4D8AAAAAAADgPwAAAAAAAOA/AAAAAAAA4D8AAAAAAADgPwAAAAAAAOA/AAAAAAAA4D8AAAAAAADgPwAAAAAAAOA/AAAAAAAA4D8CAAAAjAAAAAAAAAAAAAAAQoX0DP///wgAAAAAAAAAAAAAAAAAAAAAAAAAAAAAAAAAAAAAZAAAAAEAAABAAAAAAAAAAAAAAAAAAAAAAAAAAAAAAAAAAAAAAAAAAAAAAAAAAAAAAAAAAAAAAAAAAAAAAAAAAAAAAAAAAAAAAAAAAAAAAAAAAAAAAAAAAAAAAAAAAAAAFAAAADwAAAAAAAAAAAAAAAAAAAkUAAAAAQAAABQAAAAUAAAAFAAAAAEAAAAAAAAAZAAAAGQAAAAAAAAAZAAAAGQAAAAVAAAAYAAAAAAAAAAAAAAADwAAACADAAAAAAAAAAAAAAEAAACgMgAAVgcAAKr4//8BAAAAf39/AAEAAABkAAAAAAAAABQAAABAHwAAAAAAACYAAAAAAAAAwOD//wAAAAAmAAAAZAAAABYAAABMAAAAAAAAAAAAAAAEAAAAAAAAAAEAAABZWVkKAAAAACgAAAAoAAAAZAAAAGQAAAAAAAAAzMzMAAAAAABQAAAAUAAAAGQAAABkAAAAAAAAABcAAAAUAAAAAAAAAAAAAAD/fwAA/38AAAAAAAAJAAAABAAAAAD0jgIeAAAAaAAAAAAAAAAAAAAAAAAAAAAAAAAAAAAAECcAABAnAAAAAAAAAAAAAAAAAAAAAAAAAAAAAAAAAAAAAAAAAAAAABQAAAAAAAAAwMD/AAAAAABkAAAAMgAAAAAAAABkAAAAAAAAAH9/fwAKAAAAIgAAABgAAAAAAAAAAAAAAAAAAAAAAAAAAAAAAAAAAAAkAAAAJAAAAAAAAAAHAAAAAAAAAAAAAAAAAAAAAAAAAAAAAAAAAAAAf39/ACUAAABYAAAAAAAAAAAAAAAAAAAAAAAAAAAAAAAAAAAAAAAAAAAAAAAAAAAAAAAAAAAAAAA/AAAAAAAAAKCGAQAAAAAAAAAAAAAAAAAMAAAAAQAAAAAAAAAAAAAAAAAAAB8AAABUAAAAAAAABQAAAAEAAAAAAAAAAAAAAAAAAAAAAAAAAAAAAAAAAAAAAAAAAAAAAAJ/f38AAAAAA8zMzADAwP8Af39/AAAAAAAAAAAAAAAAAAAAAAAAAAAAIQAAABgAAAAUAAAAHjQAALAcAAB/NwAAGx8AABAAAAAmAAAACAAAADywAAAAAAAA"/>
               </a:ext>
             </a:extLst>
           </p:cNvSpPr>
@@ -8468,7 +8468,7 @@
               </a:spcAft>
               <a:buNone/>
             </a:pPr>
-            <a:fld id="{307B5B4F-01DD-2EAD-93C3-F7F8158D65A2}" type="slidenum">
+            <a:fld id="{754736BD-F398-12C0-D6FF-059578B12050}" type="slidenum">
               <a:rPr lang="ru-ru" cap="none"/>
               <a:t>‹#›</a:t>
             </a:fld>
@@ -8482,7 +8482,7 @@
           <p:cNvPicPr>
             <a:extLst>
               <a:ext uri="smNativeData">
-                <pr:smNativeData xmlns:pr="smNativeData" xmlns="smNativeData" val="SMDATA_17_t6npZxMAAAAlAAAAEQAAAA0AAAAAkAAAAEgAAACQAAAASAAAAAAAAAAAAAAAAAAAAAEAAABQAAAAAAAAAAAA4D8AAAAAAADgPwAAAAAAAOA/AAAAAAAA4D8AAAAAAADgPwAAAAAAAOA/AAAAAAAA4D8AAAAAAADgPwAAAAAAAOA/AAAAAAAA4D8CAAAAjAAAAAAAAAAAAAAAQoX0DP///wgAAAAAAAAAAAAAAAAAAAAAAAAAAAAAAAAAAAAAZAAAAAEAAABAAAAAAAAAAAAAAAAAAAAAAAAAAAAAAAAAAAAAAAAAAAAAAAAAAAAAAAAAAAAAAAAAAAAAAAAAAAAAAAAAAAAAAAAAAAAAAAAAAAAAAAAAAAAAAAAAAAAAFAAAADwAAAAAAAAAAAAAAAAAAAkUAAAAAQAAABQAAAAUAAAAFAAAAAEAAAAAAAAAZAAAAGQAAAAAAAAAZAAAAGQAAAAVAAAAYAAAAAAAAAAAAAAADwAAACADAAAAAAAAAAAAAAEAAACgMgAAVgcAAKr4//8BAAAAf39/AAEAAABkAAAAAAAAABQAAABAHwAAAAAAACYAAAAAAAAAwOD//wAAAAAmAAAAZAAAABYAAABMAAAAAAAAAAAAAAAEAAAAAAAAAAEAAABZWVkKAAAAACgAAAAoAAAAZAAAAGQAAAAAAAAAzMzMAAAAAABQAAAAUAAAAGQAAABkAAAAAAAAAAcAAAA4AAAAAAAAAAAAAAAAAAAA////AAAAAAAAAAAAAAAAAAAAAAAAAAAAAAAAAAAAAABkAAAAZAAAAAAAAAAjAAAABAAAAGQAAAAXAAAAFAAAAAAAAAAAAAAA/38AAP9/AAAAAAAACQAAAAQAAABAUt8BHgAAAGgAAAAAAAAAAAAAAAAAAAAAAAAAAAAAABAnAAAQJwAAAAAAAAAAAAAAAAAAAAAAAAAAAAAAAAAAAAAAAAAAAAAUAAAAAAAAAMDA/wAAAAAAZAAAADIAAAAAAAAAZAAAAAAAAAB/f38ACgAAACIAAAAYAAAAAAAAAAAAAAAAAAAAAAAAAAAAAAAAAAAAJAAAACQAAAAAAAAABwAAAAAAAAAAAAAAAAAAAAAAAAAAAAAAAAAAAH9/fwAlAAAAWAAAAAAAAAAAAAAAAAAAAAAAAAAAAAAAAAAAAAAAAAAAAAAAAAAAAAAAAAAAAAAAPwAAAAAAAACghgEAAAAAAAAAAAAAAAAADAAAAAEAAAAAAAAAAAAAAAAAAAAfAAAAVAAAAAAAAAUAAAABAAAAAAAAAAAAAAAAAAAAAAAAAAAAAAAAAAAAAAAAAAAAAAACf39/AAAAAAPMzMwAwMD/AH9/fwAAAAAAAAAAAAAAAAD///8AAAAAACEAAAAYAAAAFAAAAAAAAAAAAAAAQDgAAKQfAAAQAAAAJgAAAAgAAAD//////////w=="/>
+                <pr:smNativeData xmlns:pr="smNativeData" xmlns="smNativeData" val="SMDATA_17_f8v4ZxMAAAAlAAAAEQAAAA0AAAAAkAAAAEgAAACQAAAASAAAAAAAAAAAAAAAAAAAAAEAAABQAAAAAAAAAAAA4D8AAAAAAADgPwAAAAAAAOA/AAAAAAAA4D8AAAAAAADgPwAAAAAAAOA/AAAAAAAA4D8AAAAAAADgPwAAAAAAAOA/AAAAAAAA4D8CAAAAjAAAAAAAAAAAAAAAQoX0DP///wgAAAAAAAAAAAAAAAAAAAAAAAAAAAAAAAAAAAAAZAAAAAEAAABAAAAAAAAAAAAAAAAAAAAAAAAAAAAAAAAAAAAAAAAAAAAAAAAAAAAAAAAAAAAAAAAAAAAAAAAAAAAAAAAAAAAAAAAAAAAAAAAAAAAAAAAAAAAAAAAAAAAAFAAAADwAAAAAAAAAAAAAAAAAAAkUAAAAAQAAABQAAAAUAAAAFAAAAAEAAAAAAAAAZAAAAGQAAAAAAAAAZAAAAGQAAAAVAAAAYAAAAAAAAAAAAAAADwAAACADAAAAAAAAAAAAAAEAAACgMgAAVgcAAKr4//8BAAAAf39/AAEAAABkAAAAAAAAABQAAABAHwAAAAAAACYAAAAAAAAAwOD//wAAAAAmAAAAZAAAABYAAABMAAAAAAAAAAAAAAAEAAAAAAAAAAEAAABZWVkKAAAAACgAAAAoAAAAZAAAAGQAAAAAAAAAzMzMAAAAAABQAAAAUAAAAGQAAABkAAAAAAAAAAcAAAA4AAAAAAAAAAAAAAAAAAAA////AAAAAAAAAAAAAAAAAAAAAAAAAAAAAAAAAAAAAABkAAAAZAAAAAAAAAAjAAAABAAAAGQAAAAXAAAAFAAAAAAAAAAAAAAA/38AAP9/AAAAAAAACQAAAAQAAABAUt8BHgAAAGgAAAAAAAAAAAAAAAAAAAAAAAAAAAAAABAnAAAQJwAAAAAAAAAAAAAAAAAAAAAAAAAAAAAAAAAAAAAAAAAAAAAUAAAAAAAAAMDA/wAAAAAAZAAAADIAAAAAAAAAZAAAAAAAAAB/f38ACgAAACIAAAAYAAAAAAAAAAAAAAAAAAAAAAAAAAAAAAAAAAAAJAAAACQAAAAAAAAABwAAAAAAAAAAAAAAAAAAAAAAAAAAAAAAAAAAAH9/fwAlAAAAWAAAAAAAAAAAAAAAAAAAAAAAAAAAAAAAAAAAAAAAAAAAAAAAAAAAAAAAAAAAAAAAPwAAAAAAAACghgEAAAAAAAAAAAAAAAAADAAAAAEAAAAAAAAAAAAAAAAAAAAfAAAAVAAAAAAAAAUAAAABAAAAAAAAAAAAAAAAAAAAAAAAAAAAAAAAAAAAAAAAAAAAAAACf39/AAAAAAPMzMwAwMD/AH9/fwAAAAAAAAAAAAAAAAD///8AAAAAACEAAAAYAAAAFAAAAAAAAAAAAAAAQDgAAKQfAAAQAAAAJgAAAAgAAAD//////////w=="/>
               </a:ext>
             </a:extLst>
           </p:cNvPicPr>
@@ -8516,7 +8516,7 @@
             <a:spLocks noGrp="1" noChangeArrowheads="1"/>
             <a:extLst>
               <a:ext uri="smNativeData">
-                <pr:smNativeData xmlns:pr="smNativeData" xmlns="smNativeData" val="SMDATA_15_t6npZxMAAAAlAAAAZAAAAA0AAAAAkAAAAJAAAACQAAAAkAAAAAAAAAABAAAAAAAAAAEAAABQAAAAAAAAAAAA4D8AAAAAAADgPwAAAAAAAOA/AAAAAAAA4D8AAAAAAADgPwAAAAAAAOA/AAAAAAAA4D8AAAAAAADgPwAAAAAAAOA/AAAAAAAA4D8CAAAAjAAAAAAAAAAAAAAAQoX0DP///wgAAAAAAAAAAAAAAAAAAAAAAAAAAAAAAAAAAAAAZAAAAAEAAABAAAAAAAAAAAAAAAAAAAAAAAAAAAAAAAAAAAAAAAAAAAAAAAAAAAAAAAAAAAAAAAAAAAAAAAAAAAAAAAAAAAAAAAAAAAAAAAAAAAAAAAAAAAAAAAAAAAAAFAAAADwAAAAAAAAAAAAAAAAAAAkUAAAAAQAAABQAAAAUAAAAFAAAAAEAAAAAAAAAZAAAAGQAAAAAAAAAZAAAAGQAAAAVAAAAYAAAAAAAAAAAAAAADwAAACADAAAAAAAAAAAAAAEAAACgMgAAVgcAAKr4//8BAAAAf39/AAEAAABkAAAAAAAAABQAAABAHwAAAAAAACYAAAAAAAAAwOD//wAAAAAmAAAAZAAAABYAAABMAAAAAAAAAAAAAAAEAAAAAAAAAAEAAABZWVkKAAAAACgAAAAoAAAAZAAAAGQAAAAAAAAAzMzMAAAAAABQAAAAUAAAAGQAAABkAAAAAAAAABcAAAAUAAAAAAAAAAAAAAD/fwAA/38AAAAAAAAJAAAABAAAAHgAeAAeAAAAaAAAAAAAAAAAAAAAAAAAAAAAAAAAAAAAECcAABAnAAAAAAAAAAAAAAAAAAAAAAAAAAAAAAAAAAAAAAAAAAAAABQAAAAAAAAAwMD/AAAAAABkAAAAMgAAAAAAAABkAAAAAAAAAH9/fwAKAAAAIgAAABgAAAAAAAAAAAAAAAAAAAAAAAAAAAAAAAAAAAAkAAAAJAAAAAAAAAAHAAAAAAAAAAAAAAAAAAAAAAAAAAAAAAAAAAAAf39/ACUAAABYAAAAAAAAAAAAAAAAAAAAAAAAAAAAAAAAAAAAAAAAAAAAAAAAAAAAAAAAAAAAAAA/AAAAAAAAAKCGAQAAAAAAAAAAAAAAAAAMAAAAAQAAAAAAAAAAAAAAAAAAAB8AAABUAAAAAAAABQAAAAEAAAAAAAAAAAAAAAAAAAAAAAAAAAAAAAAAAAAAAAAAAAAAAAJ/f38AAAAAA8zMzADAwP8Af39/AAAAAAAAAAAAAAAAAAAAAAAAAAAAIQAAABgAAAAUAAAAAgQAAHACAABpMwAAmhsAABAAAAAmAAAACAAAAL2wAAAAAAAA"/>
+                <pr:smNativeData xmlns:pr="smNativeData" xmlns="smNativeData" val="SMDATA_15_f8v4ZxMAAAAlAAAAZAAAAA0AAAAAkAAAAJAAAACQAAAAkAAAAAAAAAABAAAAAAAAAAEAAABQAAAAAAAAAAAA4D8AAAAAAADgPwAAAAAAAOA/AAAAAAAA4D8AAAAAAADgPwAAAAAAAOA/AAAAAAAA4D8AAAAAAADgPwAAAAAAAOA/AAAAAAAA4D8CAAAAjAAAAAAAAAAAAAAAQoX0DP///wgAAAAAAAAAAAAAAAAAAAAAAAAAAAAAAAAAAAAAZAAAAAEAAABAAAAAAAAAAAAAAAAAAAAAAAAAAAAAAAAAAAAAAAAAAAAAAAAAAAAAAAAAAAAAAAAAAAAAAAAAAAAAAAAAAAAAAAAAAAAAAAAAAAAAAAAAAAAAAAAAAAAAFAAAADwAAAAAAAAAAAAAAAAAAAkUAAAAAQAAABQAAAAUAAAAFAAAAAEAAAAAAAAAZAAAAGQAAAAAAAAAZAAAAGQAAAAVAAAAYAAAAAAAAAAAAAAADwAAACADAAAAAAAAAAAAAAEAAACgMgAAVgcAAKr4//8BAAAAf39/AAEAAABkAAAAAAAAABQAAABAHwAAAAAAACYAAAAAAAAAwOD//wAAAAAmAAAAZAAAABYAAABMAAAAAAAAAAAAAAAEAAAAAAAAAAEAAABZWVkKAAAAACgAAAAoAAAAZAAAAGQAAAAAAAAAzMzMAAAAAABQAAAAUAAAAGQAAABkAAAAAAAAABcAAAAUAAAAAAAAAAAAAAD/fwAA/38AAAAAAAAJAAAABAAAAHgAeAAeAAAAaAAAAAAAAAAAAAAAAAAAAAAAAAAAAAAAECcAABAnAAAAAAAAAAAAAAAAAAAAAAAAAAAAAAAAAAAAAAAAAAAAABQAAAAAAAAAwMD/AAAAAABkAAAAMgAAAAAAAABkAAAAAAAAAH9/fwAKAAAAIgAAABgAAAAAAAAAAAAAAAAAAAAAAAAAAAAAAAAAAAAkAAAAJAAAAAAAAAAHAAAAAAAAAAAAAAAAAAAAAAAAAAAAAAAAAAAAf39/ACUAAABYAAAAAAAAAAAAAAAAAAAAAAAAAAAAAAAAAAAAAAAAAAAAAAAAAAAAAAAAAAAAAAA/AAAAAAAAAKCGAQAAAAAAAAAAAAAAAAAMAAAAAQAAAAAAAAAAAAAAAAAAAB8AAABUAAAAAAAABQAAAAEAAAAAAAAAAAAAAAAAAAAAAAAAAAAAAAAAAAAAAAAAAAAAAAJ/f38AAAAAA8zMzADAwP8Af39/AAAAAAAAAAAAAAAAAAAAAAAAAAAAIQAAABgAAAAUAAAAAgQAAHACAABpMwAAmhsAABAAAAAmAAAACAAAAL2wAAAAAAAA"/>
               </a:ext>
             </a:extLst>
           </p:cNvSpPr>
@@ -8670,7 +8670,7 @@
             <a:spLocks noGrp="1" noChangeArrowheads="1"/>
             <a:extLst>
               <a:ext uri="smNativeData">
-                <pr:smNativeData xmlns:pr="smNativeData" xmlns="smNativeData" val="SMDATA_15_t6npZxMAAAAlAAAAZAAAAA0AAAAAkAAAAJAAAACQAAAAkAAAAAAAAAAAAAAAAAAAAAEAAABQAAAAAAAAAAAA4D8AAAAAAADgPwAAAAAAAOA/AAAAAAAA4D8AAAAAAADgPwAAAAAAAOA/AAAAAAAA4D8AAAAAAADgPwAAAAAAAOA/AAAAAAAA4D8CAAAAjAAAAAAAAAAAAAAAQoX0DP///wgAAAAAAAAAAAAAAAAAAAAAAAAAAAAAAAAAAAAAZAAAAAEAAABAAAAAAAAAAAAAAAAAAAAAAAAAAAAAAAAAAAAAAAAAAAAAAAAAAAAAAAAAAAAAAAAAAAAAAAAAAAAAAAAAAAAAAAAAAAAAAAAAAAAAAAAAAAAAAAAAAAAAFAAAADwAAAAAAAAAAAAAAAAAAAkUAAAAAQAAABQAAAAUAAAAFAAAAAEAAAAAAAAAZAAAAGQAAAAAAAAAZAAAAGQAAAAVAAAAYAAAAAAAAAAAAAAADwAAACADAAAAAAAAAAAAAAEAAACgMgAAVgcAAKr4//8BAAAAf39/AAEAAABkAAAAAAAAABQAAABAHwAAAAAAACYAAAAAAAAAwOD//wAAAAAmAAAAZAAAABYAAABMAAAAAAAAAAAAAAAEAAAAAAAAAAEAAABZWVkKAAAAACgAAAAoAAAAZAAAAGQAAAAAAAAAzMzMAAAAAABQAAAAUAAAAGQAAABkAAAAAAAAABcAAAAUAAAAAAAAAAAAAAD/fwAA/38AAAAAAAAJAAAABAAAAAAAAAAeAAAAaAAAAAAAAAAAAAAAAAAAAAAAAAAAAAAAECcAABAnAAAAAAAAAAAAAAAAAAAAAAAAAAAAAAAAAAAAAAAAAAAAABQAAAAAAAAAwMD/AAAAAABkAAAAMgAAAAAAAABkAAAAAAAAAH9/fwAKAAAAIgAAABgAAAAAAAAAAAAAAAAAAAAAAAAAAAAAAAAAAAAkAAAAJAAAAAAAAAAHAAAAAAAAAAAAAAAAAAAAAAAAAAAAAAAAAAAAf39/ACUAAABYAAAAAAAAAAAAAAAAAAAAAAAAAAAAAAAAAAAAAAAAAAAAAAAAAAAAAAAAAAAAAAA/AAAAAAAAAKCGAQAAAAAAAAAAAAAAAAAMAAAAAQAAAAAAAAAAAAAAAAAAAB8AAABUAAAAAAAABQAAAAEAAAAAAAAAAAAAAAAAAAAAAAAAAAAAAAAAAAAAAAAAAAAAAAJ/f38AAAAAA8zMzADAwP8Af39/AAAAAAAAAAAAAAAAAAAAAAAAAAAAIQAAABgAAAAUAAAAFAMAAAkCAAB/NwAAxwgAABAAAAAmAAAACAAAADywAAAAAAAA"/>
+                <pr:smNativeData xmlns:pr="smNativeData" xmlns="smNativeData" val="SMDATA_15_f8v4ZxMAAAAlAAAAZAAAAA0AAAAAkAAAAJAAAACQAAAAkAAAAAAAAAAAAAAAAAAAAAEAAABQAAAAAAAAAAAA4D8AAAAAAADgPwAAAAAAAOA/AAAAAAAA4D8AAAAAAADgPwAAAAAAAOA/AAAAAAAA4D8AAAAAAADgPwAAAAAAAOA/AAAAAAAA4D8CAAAAjAAAAAAAAAAAAAAAQoX0DP///wgAAAAAAAAAAAAAAAAAAAAAAAAAAAAAAAAAAAAAZAAAAAEAAABAAAAAAAAAAAAAAAAAAAAAAAAAAAAAAAAAAAAAAAAAAAAAAAAAAAAAAAAAAAAAAAAAAAAAAAAAAAAAAAAAAAAAAAAAAAAAAAAAAAAAAAAAAAAAAAAAAAAAFAAAADwAAAAAAAAAAAAAAAAAAAkUAAAAAQAAABQAAAAUAAAAFAAAAAEAAAAAAAAAZAAAAGQAAAAAAAAAZAAAAGQAAAAVAAAAYAAAAAAAAAAAAAAADwAAACADAAAAAAAAAAAAAAEAAACgMgAAVgcAAKr4//8BAAAAf39/AAEAAABkAAAAAAAAABQAAABAHwAAAAAAACYAAAAAAAAAwOD//wAAAAAmAAAAZAAAABYAAABMAAAAAAAAAAAAAAAEAAAAAAAAAAEAAABZWVkKAAAAACgAAAAoAAAAZAAAAGQAAAAAAAAAzMzMAAAAAABQAAAAUAAAAGQAAABkAAAAAAAAABcAAAAUAAAAAAAAAAAAAAD/fwAA/38AAAAAAAAJAAAABAAAAAAAAAAeAAAAaAAAAAAAAAAAAAAAAAAAAAAAAAAAAAAAECcAABAnAAAAAAAAAAAAAAAAAAAAAAAAAAAAAAAAAAAAAAAAAAAAABQAAAAAAAAAwMD/AAAAAABkAAAAMgAAAAAAAABkAAAAAAAAAH9/fwAKAAAAIgAAABgAAAAAAAAAAAAAAAAAAAAAAAAAAAAAAAAAAAAkAAAAJAAAAAAAAAAHAAAAAAAAAAAAAAAAAAAAAAAAAAAAAAAAAAAAf39/ACUAAABYAAAAAAAAAAAAAAAAAAAAAAAAAAAAAAAAAAAAAAAAAAAAAAAAAAAAAAAAAAAAAAA/AAAAAAAAAKCGAQAAAAAAAAAAAAAAAAAMAAAAAQAAAAAAAAAAAAAAAAAAAB8AAABUAAAAAAAABQAAAAEAAAAAAAAAAAAAAAAAAAAAAAAAAAAAAAAAAAAAAAAAAAAAAAJ/f38AAAAAA8zMzADAwP8Af39/AAAAAAAAAAAAAAAAAAAAAAAAAAAAIQAAABgAAAAUAAAAFAMAAAkCAAB/NwAAxwgAABAAAAAmAAAACAAAADywAAAAAAAA"/>
               </a:ext>
             </a:extLst>
           </p:cNvSpPr>
@@ -8780,7 +8780,7 @@
             <a:spLocks noGrp="1" noChangeArrowheads="1"/>
             <a:extLst>
               <a:ext uri="smNativeData">
-                <pr:smNativeData xmlns:pr="smNativeData" xmlns="smNativeData" val="SMDATA_15_t6npZxMAAAAlAAAAZAAAAA0AAAAAkAAAAJAAAACQAAAAkAAAAAAAAAAAAAAAAAAAAAEAAABQAAAAAAAAAAAA4D8AAAAAAADgPwAAAAAAAOA/AAAAAAAA4D8AAAAAAADgPwAAAAAAAOA/AAAAAAAA4D8AAAAAAADgPwAAAAAAAOA/AAAAAAAA4D8CAAAAjAAAAAAAAAAAAAAAQoX0DP///wgAAAAAAAAAAAAAAAAAAAAAAAAAAAAAAAAAAAAAZAAAAAEAAABAAAAAAAAAAAAAAAAAAAAAAAAAAAAAAAAAAAAAAAAAAAAAAAAAAAAAAAAAAAAAAAAAAAAAAAAAAAAAAAAAAAAAAAAAAAAAAAAAAAAAAAAAAAAAAAAAAAAAFAAAADwAAAAAAAAAAAAAAAAAAAkUAAAAAQAAABQAAAAUAAAAFAAAAAEAAAAAAAAAZAAAAGQAAAAAAAAAZAAAAGQAAAAVAAAAYAAAAAAAAAAAAAAADwAAACADAAAAAAAAAAAAAAEAAACgMgAAVgcAAKr4//8BAAAAf39/AAEAAABkAAAAAAAAABQAAABAHwAAAAAAACYAAAAAAAAAwOD//wAAAAAmAAAAZAAAABYAAABMAAAAAAAAAAAAAAAEAAAAAAAAAAEAAABZWVkKAAAAACgAAAAoAAAAZAAAAGQAAAAAAAAAzMzMAAAAAABQAAAAUAAAAGQAAABkAAAAAAAAABcAAAAUAAAAAAAAAAAAAAD/fwAA/38AAAAAAAAJAAAABAAAAOymQA8eAAAAaAAAAAAAAAAAAAAAAAAAAAAAAAAAAAAAECcAABAnAAAAAAAAAAAAAAAAAAAAAAAAAAAAAAAAAAAAAAAAAAAAABQAAAAAAAAAwMD/AAAAAABkAAAAMgAAAAAAAABkAAAAAAAAAH9/fwAKAAAAIgAAABgAAAAAAAAAAAAAAAAAAAAAAAAAAAAAAAAAAAAkAAAAJAAAAAAAAAAHAAAAAAAAAAAAAAAAAAAAAAAAAAAAAAAAAAAAf39/ACUAAABYAAAAAAAAAAAAAAAAAAAAAAAAAAAAAAAAAAAAAAAAAAAAAAAAAAAAAAAAAAAAAAA/AAAAAAAAAKCGAQAAAAAAAAAAAAAAAAAMAAAAAQAAAAAAAAAAAAAAAAAAAB8AAABUAAAAAAAABQAAAAEAAAAAAAAAAAAAAAAAAAAAAAAAAAAAAAAAAAAAAAAAAAAAAAJ/f38AAAAAA8zMzADAwP8Af39/AAAAAAAAAAAAAAAAAAAAAAAAAAAAIQAAABgAAAAUAAAA8RcAAI8KAAD1MgAALA4AABAAAAAmAAAACAAAAD2wAAAAAAAA"/>
+                <pr:smNativeData xmlns:pr="smNativeData" xmlns="smNativeData" val="SMDATA_15_f8v4ZxMAAAAlAAAAZAAAAA0AAAAAkAAAAJAAAACQAAAAkAAAAAAAAAAAAAAAAAAAAAEAAABQAAAAAAAAAAAA4D8AAAAAAADgPwAAAAAAAOA/AAAAAAAA4D8AAAAAAADgPwAAAAAAAOA/AAAAAAAA4D8AAAAAAADgPwAAAAAAAOA/AAAAAAAA4D8CAAAAjAAAAAAAAAAAAAAAQoX0DP///wgAAAAAAAAAAAAAAAAAAAAAAAAAAAAAAAAAAAAAZAAAAAEAAABAAAAAAAAAAAAAAAAAAAAAAAAAAAAAAAAAAAAAAAAAAAAAAAAAAAAAAAAAAAAAAAAAAAAAAAAAAAAAAAAAAAAAAAAAAAAAAAAAAAAAAAAAAAAAAAAAAAAAFAAAADwAAAAAAAAAAAAAAAAAAAkUAAAAAQAAABQAAAAUAAAAFAAAAAEAAAAAAAAAZAAAAGQAAAAAAAAAZAAAAGQAAAAVAAAAYAAAAAAAAAAAAAAADwAAACADAAAAAAAAAAAAAAEAAACgMgAAVgcAAKr4//8BAAAAf39/AAEAAABkAAAAAAAAABQAAABAHwAAAAAAACYAAAAAAAAAwOD//wAAAAAmAAAAZAAAABYAAABMAAAAAAAAAAAAAAAEAAAAAAAAAAEAAABZWVkKAAAAACgAAAAoAAAAZAAAAGQAAAAAAAAAzMzMAAAAAABQAAAAUAAAAGQAAABkAAAAAAAAABcAAAAUAAAAAAAAAAAAAAD/fwAA/38AAAAAAAAJAAAABAAAAOymQA8eAAAAaAAAAAAAAAAAAAAAAAAAAAAAAAAAAAAAECcAABAnAAAAAAAAAAAAAAAAAAAAAAAAAAAAAAAAAAAAAAAAAAAAABQAAAAAAAAAwMD/AAAAAABkAAAAMgAAAAAAAABkAAAAAAAAAH9/fwAKAAAAIgAAABgAAAAAAAAAAAAAAAAAAAAAAAAAAAAAAAAAAAAkAAAAJAAAAAAAAAAHAAAAAAAAAAAAAAAAAAAAAAAAAAAAAAAAAAAAf39/ACUAAABYAAAAAAAAAAAAAAAAAAAAAAAAAAAAAAAAAAAAAAAAAAAAAAAAAAAAAAAAAAAAAAA/AAAAAAAAAKCGAQAAAAAAAAAAAAAAAAAMAAAAAQAAAAAAAAAAAAAAAAAAAB8AAABUAAAAAAAABQAAAAEAAAAAAAAAAAAAAAAAAAAAAAAAAAAAAAAAAAAAAAAAAAAAAAJ/f38AAAAAA8zMzADAwP8Af39/AAAAAAAAAAAAAAAAAAAAAAAAAAAAIQAAABgAAAAUAAAA8RcAAI8KAAD1MgAALA4AABAAAAAmAAAACAAAAD2wAAAAAAAA"/>
               </a:ext>
             </a:extLst>
           </p:cNvSpPr>
@@ -8967,7 +8967,7 @@
             <a:spLocks noGrp="1" noChangeArrowheads="1"/>
             <a:extLst>
               <a:ext uri="smNativeData">
-                <pr:smNativeData xmlns:pr="smNativeData" xmlns="smNativeData" val="SMDATA_15_t6npZxMAAAAlAAAAZAAAAA0AAAAAkAAAAJAAAACQAAAAkAAAAAAAAAAAAAAAAAAAAAEAAABQAAAAAAAAAAAA4D8AAAAAAADgPwAAAAAAAOA/AAAAAAAA4D8AAAAAAADgPwAAAAAAAOA/AAAAAAAA4D8AAAAAAADgPwAAAAAAAOA/AAAAAAAA4D8CAAAAjAAAAAAAAAAAAAAAQoX0DP///wgAAAAAAAAAAAAAAAAAAAAAAAAAAAAAAAAAAAAAZAAAAAEAAABAAAAAAAAAAAAAAAAAAAAAAAAAAAAAAAAAAAAAAAAAAAAAAAAAAAAAAAAAAAAAAAAAAAAAAAAAAAAAAAAAAAAAAAAAAAAAAAAAAAAAAAAAAAAAAAAAAAAAFAAAADwAAAAAAAAAAAAAAAAAAAkUAAAAAQAAABQAAAAUAAAAFAAAAAEAAAAAAAAAZAAAAGQAAAAAAAAAZAAAAGQAAAAVAAAAYAAAAAAAAAAAAAAADwAAACADAAAAAAAAAAAAAAEAAACgMgAAVgcAAKr4//8BAAAAf39/AAEAAABkAAAAAAAAABQAAABAHwAAAAAAACYAAAAAAAAAwOD//wAAAAAmAAAAZAAAABYAAABMAAAAAAAAAAAAAAAEAAAAAAAAAAEAAABZWVkKAAAAACgAAAAoAAAAZAAAAGQAAAAAAAAAzMzMAAAAAABQAAAAUAAAAGQAAABkAAAAAAAAABcAAAAUAAAAAAAAAAAAAAD/fwAA/38AAAAAAAAJAAAABAAAAAAAAAAeAAAAaAAAAAAAAAAAAAAAAAAAAAAAAAAAAAAAECcAABAnAAAAAAAAAAAAAAAAAAAAAAAAAAAAAAAAAAAAAAAAAAAAABQAAAAAAAAAwMD/AAAAAABkAAAAMgAAAAAAAABkAAAAAAAAAH9/fwAKAAAAIgAAABgAAAAAAAAAAAAAAAAAAAAAAAAAAAAAAAAAAAAkAAAAJAAAAAAAAAAHAAAAAAAAAAAAAAAAAAAAAAAAAAAAAAAAAAAAf39/ACUAAABYAAAAAAAAAAAAAAAAAAAAAAAAAAAAAAAAAAAAAAAAAAAAAAAAAAAAAAAAAAAAAAA/AAAAAAAAAKCGAQAAAAAAAAAAAAAAAAAMAAAAAQAAAAAAAAAAAAAAAAAAAB8AAABUAAAAAAAABQAAAAEAAAAAAAAAAAAAAAAAAAAAAAAAAAAAAAAAAAAAAAAAAAAAAAJ/f38AAAAAA8zMzADAwP8Af39/AAAAAAAAAAAAAAAAAAAAAAAAAAAAIQAAABgAAAAUAAAA8RcAANwNAABJNwAATx0AABAAAAAmAAAACAAAAD2wAAAAAAAA"/>
+                <pr:smNativeData xmlns:pr="smNativeData" xmlns="smNativeData" val="SMDATA_15_f8v4ZxMAAAAlAAAAZAAAAA0AAAAAkAAAAJAAAACQAAAAkAAAAAAAAAAAAAAAAAAAAAEAAABQAAAAAAAAAAAA4D8AAAAAAADgPwAAAAAAAOA/AAAAAAAA4D8AAAAAAADgPwAAAAAAAOA/AAAAAAAA4D8AAAAAAADgPwAAAAAAAOA/AAAAAAAA4D8CAAAAjAAAAAAAAAAAAAAAQoX0DP///wgAAAAAAAAAAAAAAAAAAAAAAAAAAAAAAAAAAAAAZAAAAAEAAABAAAAAAAAAAAAAAAAAAAAAAAAAAAAAAAAAAAAAAAAAAAAAAAAAAAAAAAAAAAAAAAAAAAAAAAAAAAAAAAAAAAAAAAAAAAAAAAAAAAAAAAAAAAAAAAAAAAAAFAAAADwAAAAAAAAAAAAAAAAAAAkUAAAAAQAAABQAAAAUAAAAFAAAAAEAAAAAAAAAZAAAAGQAAAAAAAAAZAAAAGQAAAAVAAAAYAAAAAAAAAAAAAAADwAAACADAAAAAAAAAAAAAAEAAACgMgAAVgcAAKr4//8BAAAAf39/AAEAAABkAAAAAAAAABQAAABAHwAAAAAAACYAAAAAAAAAwOD//wAAAAAmAAAAZAAAABYAAABMAAAAAAAAAAAAAAAEAAAAAAAAAAEAAABZWVkKAAAAACgAAAAoAAAAZAAAAGQAAAAAAAAAzMzMAAAAAABQAAAAUAAAAGQAAABkAAAAAAAAABcAAAAUAAAAAAAAAAAAAAD/fwAA/38AAAAAAAAJAAAABAAAAAAAAAAeAAAAaAAAAAAAAAAAAAAAAAAAAAAAAAAAAAAAECcAABAnAAAAAAAAAAAAAAAAAAAAAAAAAAAAAAAAAAAAAAAAAAAAABQAAAAAAAAAwMD/AAAAAABkAAAAMgAAAAAAAABkAAAAAAAAAH9/fwAKAAAAIgAAABgAAAAAAAAAAAAAAAAAAAAAAAAAAAAAAAAAAAAkAAAAJAAAAAAAAAAHAAAAAAAAAAAAAAAAAAAAAAAAAAAAAAAAAAAAf39/ACUAAABYAAAAAAAAAAAAAAAAAAAAAAAAAAAAAAAAAAAAAAAAAAAAAAAAAAAAAAAAAAAAAAA/AAAAAAAAAKCGAQAAAAAAAAAAAAAAAAAMAAAAAQAAAAAAAAAAAAAAAAAAAB8AAABUAAAAAAAABQAAAAEAAAAAAAAAAAAAAAAAAAAAAAAAAAAAAAAAAAAAAAAAAAAAAAJ/f38AAAAAA8zMzADAwP8Af39/AAAAAAAAAAAAAAAAAAAAAAAAAAAAIQAAABgAAAAUAAAA8RcAANwNAABJNwAATx0AABAAAAAmAAAACAAAAD2wAAAAAAAA"/>
               </a:ext>
             </a:extLst>
           </p:cNvSpPr>
@@ -9178,7 +9178,7 @@
           <p:cNvSpPr>
             <a:extLst>
               <a:ext uri="smNativeData">
-                <pr:smNativeData xmlns:pr="smNativeData" xmlns="smNativeData" val="SMDATA_15_t6npZxMAAAAlAAAAZAAAAA0AAAAAkAAAAJAAAACQAAAAkAAAAAAAAAABAAAAAAAAAAEAAABQAAAAAAAAAAAA4D8AAAAAAADgPwAAAAAAAOA/AAAAAAAA4D8AAAAAAADgPwAAAAAAAOA/AAAAAAAA4D8AAAAAAADgPwAAAAAAAOA/AAAAAAAA4D8CAAAAjAAAAAEAAAAAAAAA8/PzAP///wgAAAAAAAAAAAAAAAAAAAAAAAAAAAAAAAAAAAAAeAAAAAEAAABAAAAAAAAAAAAAAABaAAAAAAAAAAAAAAAAAAAAAAAAAAAAAAAAAAAAAAAAAAAAAAAAAAAAAAAAAAAAAAAAAAAAAAAAAAAAAAAAAAAAAAAAAAAAAAAAAAAAFAAAADwAAAAAAAAAAAAAAAAAAAkUAAAAAQAAABQAAAAUAAAAFAAAAAEAAAAAAAAAZAAAAGQAAAAAAAAAZAAAAGQAAAAVAAAAYAAAAAAAAAAAAAAADwAAACADAAAAAAAAAAAAAAEAAACgMgAAVgcAAKr4//8BAAAAf39/AAEAAABkAAAAAAAAABQAAABAHwAAAAAAACYAAAAAAAAAwOD//wAAAAAmAAAAZAAAABYAAABMAAAAAAAAAAAAAAAEAAAAAAAAAAEAAABZWVkKAAAAACgAAAAoAAAAZAAAAGQAAAAAAAAAzMzMAAAAAABQAAAAUAAAAGQAAABkAAAAAAAAABcAAAAUAAAAAAAAAAAAAAD/fwAA/38AAAAAAAAJAAAABAAAAAAAAAAeAAAAaAAAAAAAAAAAAAAAAAAAAAAAAAAAAAAAECcAABAnAAAAAAAAAAAAAAAAAAAAAAAAAAAAAAAAAAAAAAAAAAAAABQAAAAAAAAAwMD/AAAAAABkAAAAMgAAAAAAAABkAAAAAAAAAH9/fwAKAAAAIgAAABgAAAAAAAAAAAAAAAAAAAAAAAAAAAAAAAAAAAAkAAAAJAAAAAAAAAAHAAAAAAAAAAAAAAAAAAAAAAAAAAAAAAAAAAAAf39/ACUAAABYAAAAAAAAAAAAAAAAAAAAAAAAAAAAAAAAAAAAAAAAAAAAAAAAAAAAAAAAAAAAAAA/AAAAAAAAAKCGAQAAAAAAAAAAAAAAAAAMAAAAAQAAAAAAAAAAAAAAAAAAAB8AAABUAAAA8/PzAAAAAAEAAAAAAAAAAAAAAAAAAAAAAAAAAAAAAAAAAAAAAAAAAAAAAAJ/f38AAAAAA8zMzADAwP8Af39/AAAAAAAAAAAAAAAAAAAAAAAAAAAAIQAAABgAAAAUAAAAIBwAAAAAAABAOAAApB8AABAAAAAmAAAACAAAAP//////////"/>
+                <pr:smNativeData xmlns:pr="smNativeData" xmlns="smNativeData" val="SMDATA_15_f8v4ZxMAAAAlAAAAZAAAAA0AAAAAkAAAAJAAAACQAAAAkAAAAAAAAAABAAAAAAAAAAEAAABQAAAAAAAAAAAA4D8AAAAAAADgPwAAAAAAAOA/AAAAAAAA4D8AAAAAAADgPwAAAAAAAOA/AAAAAAAA4D8AAAAAAADgPwAAAAAAAOA/AAAAAAAA4D8CAAAAjAAAAAEAAAAAAAAA8/PzAP///wgAAAAAAAAAAAAAAAAAAAAAAAAAAAAAAAAAAAAAeAAAAAEAAABAAAAAAAAAAAAAAABaAAAAAAAAAAAAAAAAAAAAAAAAAAAAAAAAAAAAAAAAAAAAAAAAAAAAAAAAAAAAAAAAAAAAAAAAAAAAAAAAAAAAAAAAAAAAAAAAAAAAFAAAADwAAAAAAAAAAAAAAAAAAAkUAAAAAQAAABQAAAAUAAAAFAAAAAEAAAAAAAAAZAAAAGQAAAAAAAAAZAAAAGQAAAAVAAAAYAAAAAAAAAAAAAAADwAAACADAAAAAAAAAAAAAAEAAACgMgAAVgcAAKr4//8BAAAAf39/AAEAAABkAAAAAAAAABQAAABAHwAAAAAAACYAAAAAAAAAwOD//wAAAAAmAAAAZAAAABYAAABMAAAAAAAAAAAAAAAEAAAAAAAAAAEAAABZWVkKAAAAACgAAAAoAAAAZAAAAGQAAAAAAAAAzMzMAAAAAABQAAAAUAAAAGQAAABkAAAAAAAAABcAAAAUAAAAAAAAAAAAAAD/fwAA/38AAAAAAAAJAAAABAAAAAAAAAAeAAAAaAAAAAAAAAAAAAAAAAAAAAAAAAAAAAAAECcAABAnAAAAAAAAAAAAAAAAAAAAAAAAAAAAAAAAAAAAAAAAAAAAABQAAAAAAAAAwMD/AAAAAABkAAAAMgAAAAAAAABkAAAAAAAAAH9/fwAKAAAAIgAAABgAAAAAAAAAAAAAAAAAAAAAAAAAAAAAAAAAAAAkAAAAJAAAAAAAAAAHAAAAAAAAAAAAAAAAAAAAAAAAAAAAAAAAAAAAf39/ACUAAABYAAAAAAAAAAAAAAAAAAAAAAAAAAAAAAAAAAAAAAAAAAAAAAAAAAAAAAAAAAAAAAA/AAAAAAAAAKCGAQAAAAAAAAAAAAAAAAAMAAAAAQAAAAAAAAAAAAAAAAAAAB8AAABUAAAA8/PzAAAAAAEAAAAAAAAAAAAAAAAAAAAAAAAAAAAAAAAAAAAAAAAAAAAAAAJ/f38AAAAAA8zMzADAwP8Af39/AAAAAAAAAAAAAAAAAAAAAAAAAAAAIQAAABgAAAAUAAAAIBwAAAAAAABAOAAApB8AABAAAAAmAAAACAAAAP//////////"/>
               </a:ext>
             </a:extLst>
           </p:cNvSpPr>
@@ -9223,7 +9223,7 @@
             <a:spLocks noGrp="1" noChangeArrowheads="1"/>
             <a:extLst>
               <a:ext uri="smNativeData">
-                <pr:smNativeData xmlns:pr="smNativeData" xmlns="smNativeData" val="SMDATA_15_t6npZxMAAAAlAAAAZAAAAA0AAAAAkAAAAJAAAACQAAAAkAAAAAAAAAACAAAAAAAAAAEAAABQAAAAAAAAAAAA4D8AAAAAAADgPwAAAAAAAOA/AAAAAAAA4D8AAAAAAADgPwAAAAAAAOA/AAAAAAAA4D8AAAAAAADgPwAAAAAAAOA/AAAAAAAA4D8CAAAAjAAAAAAAAAAAAAAAQoX0DP///wgAAAAAAAAAAAAAAAAAAAAAAAAAAAAAAAAAAAAAZAAAAAEAAABAAAAAAAAAAAAAAAAAAAAAAAAAAAAAAAAAAAAAAAAAAAAAAAAAAAAAAAAAAAAAAAAAAAAAAAAAAAAAAAAAAAAAAAAAAAAAAAAAAAAAAAAAAAAAAAAAAAAAFAAAADwAAAAAAAAAAAAAAAAAAAkUAAAAAQAAABQAAAAUAAAAFAAAAAEAAAAAAAAAZAAAAGQAAAAAAAAAZAAAAGQAAAAVAAAAYAAAAAAAAAAAAAAADwAAACADAAAAAAAAAAAAAAEAAACgMgAAVgcAAKr4//8BAAAAf39/AAEAAABkAAAAAAAAABQAAABAHwAAAAAAACYAAAAAAAAAwOD//wAAAAAmAAAAZAAAABYAAABMAAAAAAAAAAAAAAAEAAAAAAAAAAEAAABZWVkKAAAAACgAAAAoAAAAZAAAAGQAAAAAAAAAzMzMAAAAAABQAAAAUAAAAGQAAABkAAAAAAAAABcAAAAUAAAAAAAAAAAAAAD/fwAA/38AAAAAAAAJAAAABAAAABZlbQEeAAAAaAAAAAAAAAAAAAAAAAAAAAAAAAAAAAAAECcAABAnAAAAAAAAAAAAAAAAAAAAAAAAAAAAAAAAAAAAAAAAAAAAABQAAAAAAAAAwMD/AAAAAABkAAAAMgAAAAAAAABkAAAAAAAAAH9/fwAKAAAAIgAAABgAAAAAAAAAAAAAAAAAAAAAAAAAAAAAAAAAAAAkAAAAJAAAAAAAAAAHAAAAAAAAAAAAAAAAAAAAAAAAAAAAAAAAAAAAf39/ACUAAABYAAAAAAAAAAAAAAAAAAAAAAAAAAAAAAAAAAAAAAAAAAAAAAAAAAAAAAAAAAAAAAA/AAAAAAAAAKCGAQAAAAAAAAAAAAAAAAAMAAAAAQAAAAAAAAAAAAAAAAAAAB8AAABUAAAAAAAABQAAAAEAAAAAAAAAAAAAAAAAAAAAAAAAAAAAAAAAAAAAAAAAAAAAAAJ/f38AAAAAA8zMzADAwP8Af39/AAAAAAAAAAAAAAAAAAAAAAAAAAAAIQAAABgAAAAUAAAAvwMAAIMHAACiHAAAoRAAABAAAAAmAAAACAAAAL2wAAAAAAAA"/>
+                <pr:smNativeData xmlns:pr="smNativeData" xmlns="smNativeData" val="SMDATA_15_f8v4ZxMAAAAlAAAAZAAAAA0AAAAAkAAAAJAAAACQAAAAkAAAAAAAAAACAAAAAAAAAAEAAABQAAAAAAAAAAAA4D8AAAAAAADgPwAAAAAAAOA/AAAAAAAA4D8AAAAAAADgPwAAAAAAAOA/AAAAAAAA4D8AAAAAAADgPwAAAAAAAOA/AAAAAAAA4D8CAAAAjAAAAAAAAAAAAAAAQoX0DP///wgAAAAAAAAAAAAAAAAAAAAAAAAAAAAAAAAAAAAAZAAAAAEAAABAAAAAAAAAAAAAAAAAAAAAAAAAAAAAAAAAAAAAAAAAAAAAAAAAAAAAAAAAAAAAAAAAAAAAAAAAAAAAAAAAAAAAAAAAAAAAAAAAAAAAAAAAAAAAAAAAAAAAFAAAADwAAAAAAAAAAAAAAAAAAAkUAAAAAQAAABQAAAAUAAAAFAAAAAEAAAAAAAAAZAAAAGQAAAAAAAAAZAAAAGQAAAAVAAAAYAAAAAAAAAAAAAAADwAAACADAAAAAAAAAAAAAAEAAACgMgAAVgcAAKr4//8BAAAAf39/AAEAAABkAAAAAAAAABQAAABAHwAAAAAAACYAAAAAAAAAwOD//wAAAAAmAAAAZAAAABYAAABMAAAAAAAAAAAAAAAEAAAAAAAAAAEAAABZWVkKAAAAACgAAAAoAAAAZAAAAGQAAAAAAAAAzMzMAAAAAABQAAAAUAAAAGQAAABkAAAAAAAAABcAAAAUAAAAAAAAAAAAAAD/fwAA/38AAAAAAAAJAAAABAAAABZlbQEeAAAAaAAAAAAAAAAAAAAAAAAAAAAAAAAAAAAAECcAABAnAAAAAAAAAAAAAAAAAAAAAAAAAAAAAAAAAAAAAAAAAAAAABQAAAAAAAAAwMD/AAAAAABkAAAAMgAAAAAAAABkAAAAAAAAAH9/fwAKAAAAIgAAABgAAAAAAAAAAAAAAAAAAAAAAAAAAAAAAAAAAAAkAAAAJAAAAAAAAAAHAAAAAAAAAAAAAAAAAAAAAAAAAAAAAAAAAAAAf39/ACUAAABYAAAAAAAAAAAAAAAAAAAAAAAAAAAAAAAAAAAAAAAAAAAAAAAAAAAAAAAAAAAAAAA/AAAAAAAAAKCGAQAAAAAAAAAAAAAAAAAMAAAAAQAAAAAAAAAAAAAAAAAAAB8AAABUAAAAAAAABQAAAAEAAAAAAAAAAAAAAAAAAAAAAAAAAAAAAAAAAAAAAAAAAAAAAAJ/f38AAAAAA8zMzADAwP8Af39/AAAAAAAAAAAAAAAAAAAAAAAAAAAAIQAAABgAAAAUAAAAvwMAAIMHAACiHAAAoRAAABAAAAAmAAAACAAAAL2wAAAAAAAA"/>
               </a:ext>
             </a:extLst>
           </p:cNvSpPr>
@@ -9347,7 +9347,7 @@
             <a:spLocks noGrp="1" noChangeArrowheads="1"/>
             <a:extLst>
               <a:ext uri="smNativeData">
-                <pr:smNativeData xmlns:pr="smNativeData" xmlns="smNativeData" val="SMDATA_15_t6npZxMAAAAlAAAAZAAAAA0AAAAAkAAAAJAAAACQAAAAkAAAAAAAAAAAAAAAAAAAAAEAAABQAAAAAAAAAAAA4D8AAAAAAADgPwAAAAAAAOA/AAAAAAAA4D8AAAAAAADgPwAAAAAAAOA/AAAAAAAA4D8AAAAAAADgPwAAAAAAAOA/AAAAAAAA4D8CAAAAjAAAAAAAAAAAAAAAQoX0DP///wgAAAAAAAAAAAAAAAAAAAAAAAAAAAAAAAAAAAAAZAAAAAEAAABAAAAAAAAAAAAAAAAAAAAAAAAAAAAAAAAAAAAAAAAAAAAAAAAAAAAAAAAAAAAAAAAAAAAAAAAAAAAAAAAAAAAAAAAAAAAAAAAAAAAAAAAAAAAAAAAAAAAAFAAAADwAAAAAAAAAAAAAAAAAAAkUAAAAAQAAABQAAAAUAAAAFAAAAAEAAAAAAAAAZAAAAGQAAAAAAAAAZAAAAGQAAAAVAAAAYAAAAAAAAAAAAAAADwAAACADAAAAAAAAAAAAAAEAAACgMgAAVgcAAKr4//8BAAAAf39/AAEAAABkAAAAAAAAABQAAABAHwAAAAAAACYAAAAAAAAAwOD//wAAAAAmAAAAZAAAABYAAABMAAAAAAAAAAAAAAAEAAAAAAAAAAEAAABZWVkKAAAAACgAAAAoAAAAZAAAAGQAAAAAAAAAzMzMAAAAAABQAAAAUAAAAGQAAABkAAAAAAAAABcAAAAUAAAAAAAAAAAAAAD/fwAA/38AAAAAAAAJAAAABAAAAAAAAAAeAAAAaAAAAAAAAAAAAAAAAAAAAAAAAAAAAAAAECcAABAnAAAAAAAAAAAAAAAAAAAAAAAAAAAAAAAAAAAAAAAAAAAAABQAAAAAAAAAwMD/AAAAAABkAAAAMgAAAAAAAABkAAAAAAAAAH9/fwAKAAAAIgAAABgAAAAAAAAAAAAAAAAAAAAAAAAAAAAAAAAAAAAkAAAAJAAAAAAAAAAHAAAAAAAAAAAAAAAAAAAAAAAAAAAAAAAAAAAAf39/ACUAAABYAAAAAAAAAAAAAAAAAAAAAAAAAAAAAAAAAAAAAAAAAAAAAAAAAAAAAAAAAAAAAAA/AAAAAAAAAKCGAQAAAAAAAAAAAAAAAAAMAAAAAQAAAAAAAAAAAAAAAAAAAB8AAABUAAAAAAAABQAAAAEAAAAAAAAAAAAAAAAAAAAAAAAAAAAAAAAAAAAAAAAAAAAAAAJ/f38AAAAAA8zMzADAwP8Af39/AAAAAAAAAAAAAAAAAAAAAAAAAAAAIQAAABgAAAAUAAAAvwMAAPARAACiHAAAihkAABAAAAAmAAAACAAAAD2wAAAAAAAA"/>
+                <pr:smNativeData xmlns:pr="smNativeData" xmlns="smNativeData" val="SMDATA_15_f8v4ZxMAAAAlAAAAZAAAAA0AAAAAkAAAAJAAAACQAAAAkAAAAAAAAAAAAAAAAAAAAAEAAABQAAAAAAAAAAAA4D8AAAAAAADgPwAAAAAAAOA/AAAAAAAA4D8AAAAAAADgPwAAAAAAAOA/AAAAAAAA4D8AAAAAAADgPwAAAAAAAOA/AAAAAAAA4D8CAAAAjAAAAAAAAAAAAAAAQoX0DP///wgAAAAAAAAAAAAAAAAAAAAAAAAAAAAAAAAAAAAAZAAAAAEAAABAAAAAAAAAAAAAAAAAAAAAAAAAAAAAAAAAAAAAAAAAAAAAAAAAAAAAAAAAAAAAAAAAAAAAAAAAAAAAAAAAAAAAAAAAAAAAAAAAAAAAAAAAAAAAAAAAAAAAFAAAADwAAAAAAAAAAAAAAAAAAAkUAAAAAQAAABQAAAAUAAAAFAAAAAEAAAAAAAAAZAAAAGQAAAAAAAAAZAAAAGQAAAAVAAAAYAAAAAAAAAAAAAAADwAAACADAAAAAAAAAAAAAAEAAACgMgAAVgcAAKr4//8BAAAAf39/AAEAAABkAAAAAAAAABQAAABAHwAAAAAAACYAAAAAAAAAwOD//wAAAAAmAAAAZAAAABYAAABMAAAAAAAAAAAAAAAEAAAAAAAAAAEAAABZWVkKAAAAACgAAAAoAAAAZAAAAGQAAAAAAAAAzMzMAAAAAABQAAAAUAAAAGQAAABkAAAAAAAAABcAAAAUAAAAAAAAAAAAAAD/fwAA/38AAAAAAAAJAAAABAAAAAAAAAAeAAAAaAAAAAAAAAAAAAAAAAAAAAAAAAAAAAAAECcAABAnAAAAAAAAAAAAAAAAAAAAAAAAAAAAAAAAAAAAAAAAAAAAABQAAAAAAAAAwMD/AAAAAABkAAAAMgAAAAAAAABkAAAAAAAAAH9/fwAKAAAAIgAAABgAAAAAAAAAAAAAAAAAAAAAAAAAAAAAAAAAAAAkAAAAJAAAAAAAAAAHAAAAAAAAAAAAAAAAAAAAAAAAAAAAAAAAAAAAf39/ACUAAABYAAAAAAAAAAAAAAAAAAAAAAAAAAAAAAAAAAAAAAAAAAAAAAAAAAAAAAAAAAAAAAA/AAAAAAAAAKCGAQAAAAAAAAAAAAAAAAAMAAAAAQAAAAAAAAAAAAAAAAAAAB8AAABUAAAAAAAABQAAAAEAAAAAAAAAAAAAAAAAAAAAAAAAAAAAAAAAAAAAAAAAAAAAAAJ/f38AAAAAA8zMzADAwP8Af39/AAAAAAAAAAAAAAAAAAAAAAAAAAAAIQAAABgAAAAUAAAAvwMAAPARAACiHAAAihkAABAAAAAmAAAACAAAAD2wAAAAAAAA"/>
               </a:ext>
             </a:extLst>
           </p:cNvSpPr>
@@ -9498,7 +9498,7 @@
             <a:spLocks noGrp="1" noChangeArrowheads="1"/>
             <a:extLst>
               <a:ext uri="smNativeData">
-                <pr:smNativeData xmlns:pr="smNativeData" xmlns="smNativeData" val="SMDATA_15_t6npZxMAAAAlAAAAZAAAAA0AAAAAkAAAAJAAAACQAAAAkAAAAAAAAAABAAAAAAAAAAEAAABQAAAAAAAAAAAA4D8AAAAAAADgPwAAAAAAAOA/AAAAAAAA4D8AAAAAAADgPwAAAAAAAOA/AAAAAAAA4D8AAAAAAADgPwAAAAAAAOA/AAAAAAAA4D8CAAAAjAAAAAAAAAAAAAAAQoX0DP///wgAAAAAAAAAAAAAAAAAAAAAAAAAAAAAAAAAAAAAZAAAAAEAAABAAAAAAAAAAAAAAAAAAAAAAAAAAAAAAAAAAAAAAAAAAAAAAAAAAAAAAAAAAAAAAAAAAAAAAAAAAAAAAAAAAAAAAAAAAAAAAAAAAAAAAAAAAAAAAAAAAAAAFAAAADwAAAAAAAAAAAAAAAAAAAkUAAAAAQAAABQAAAAUAAAAFAAAAAEAAAAAAAAAZAAAAGQAAAAAAAAAZAAAAGQAAAAVAAAAYAAAAAAAAAAAAAAADwAAACADAAAAAAAAAAAAAAEAAACgMgAAVgcAAKr4//8BAAAAf39/AAEAAABkAAAAAAAAABQAAABAHwAAAAAAACYAAAAAAAAAwOD//wAAAAAmAAAAZAAAABYAAABMAAAAAAAAAAAAAAAEAAAAAAAAAAEAAABZWVkKAAAAACgAAAAoAAAAZAAAAGQAAAAAAAAAzMzMAAAAAABQAAAAUAAAAGQAAABkAAAAAAAAABcAAAAUAAAAAAAAAAAAAAD/fwAA/38AAAAAAAAJAAAABAAAANAAAAAeAAAAaAAAAAAAAAAAAAAAAAAAAAAAAAAAAAAAECcAABAnAAAAAAAAAAAAAAAAAAAAAAAAAAAAAAAAAAAAAAAAAAAAABQAAAAAAAAAwMD/AAAAAABkAAAAMgAAAAAAAABkAAAAAAAAAH9/fwAKAAAAIgAAABgAAAAAAAAAAAAAAAAAAAAAAAAAAAAAAAAAAAAkAAAAJAAAAAAAAAAHAAAAAAAAAAAAAAAAAAAAAAAAAAAAAAAAAAAAf39/ACUAAABYAAAAAAAAAAAAAAAAAAAAAAAAAAAAAAAAAAAAAAAAAAAAAAAAAAAAAAAAAAAAAAA/AAAAAAAAAKCGAQAAAAAAAAAAAAAAAAAMAAAAAQAAAAAAAAAAAAAAAAAAAB8AAABUAAAAAAAABQAAAAEAAAAAAAAAAAAAAAAAAAAAAAAAAAAAAAAAAAAAAAAAAAAAAAJ/f38AAAAAA8zMzADAwP8Af39/AAAAAAAAAAAAAAAAAAAAAAAAAAAAIQAAABgAAAAUAAAAYx4AAHQEAAD9NQAALxsAABAAAAAmAAAACAAAAL2wAAAAAAAA"/>
+                <pr:smNativeData xmlns:pr="smNativeData" xmlns="smNativeData" val="SMDATA_15_f8v4ZxMAAAAlAAAAZAAAAA0AAAAAkAAAAJAAAACQAAAAkAAAAAAAAAABAAAAAAAAAAEAAABQAAAAAAAAAAAA4D8AAAAAAADgPwAAAAAAAOA/AAAAAAAA4D8AAAAAAADgPwAAAAAAAOA/AAAAAAAA4D8AAAAAAADgPwAAAAAAAOA/AAAAAAAA4D8CAAAAjAAAAAAAAAAAAAAAQoX0DP///wgAAAAAAAAAAAAAAAAAAAAAAAAAAAAAAAAAAAAAZAAAAAEAAABAAAAAAAAAAAAAAAAAAAAAAAAAAAAAAAAAAAAAAAAAAAAAAAAAAAAAAAAAAAAAAAAAAAAAAAAAAAAAAAAAAAAAAAAAAAAAAAAAAAAAAAAAAAAAAAAAAAAAFAAAADwAAAAAAAAAAAAAAAAAAAkUAAAAAQAAABQAAAAUAAAAFAAAAAEAAAAAAAAAZAAAAGQAAAAAAAAAZAAAAGQAAAAVAAAAYAAAAAAAAAAAAAAADwAAACADAAAAAAAAAAAAAAEAAACgMgAAVgcAAKr4//8BAAAAf39/AAEAAABkAAAAAAAAABQAAABAHwAAAAAAACYAAAAAAAAAwOD//wAAAAAmAAAAZAAAABYAAABMAAAAAAAAAAAAAAAEAAAAAAAAAAEAAABZWVkKAAAAACgAAAAoAAAAZAAAAGQAAAAAAAAAzMzMAAAAAABQAAAAUAAAAGQAAABkAAAAAAAAABcAAAAUAAAAAAAAAAAAAAD/fwAA/38AAAAAAAAJAAAABAAAANAAAAAeAAAAaAAAAAAAAAAAAAAAAAAAAAAAAAAAAAAAECcAABAnAAAAAAAAAAAAAAAAAAAAAAAAAAAAAAAAAAAAAAAAAAAAABQAAAAAAAAAwMD/AAAAAABkAAAAMgAAAAAAAABkAAAAAAAAAH9/fwAKAAAAIgAAABgAAAAAAAAAAAAAAAAAAAAAAAAAAAAAAAAAAAAkAAAAJAAAAAAAAAAHAAAAAAAAAAAAAAAAAAAAAAAAAAAAAAAAAAAAf39/ACUAAABYAAAAAAAAAAAAAAAAAAAAAAAAAAAAAAAAAAAAAAAAAAAAAAAAAAAAAAAAAAAAAAA/AAAAAAAAAKCGAQAAAAAAAAAAAAAAAAAMAAAAAQAAAAAAAAAAAAAAAAAAAB8AAABUAAAAAAAABQAAAAEAAAAAAAAAAAAAAAAAAAAAAAAAAAAAAAAAAAAAAAAAAAAAAAJ/f38AAAAAA8zMzADAwP8Af39/AAAAAAAAAAAAAAAAAAAAAAAAAAAAIQAAABgAAAAUAAAAYx4AAHQEAAD9NQAALxsAABAAAAAmAAAACAAAAL2wAAAAAAAA"/>
               </a:ext>
             </a:extLst>
           </p:cNvSpPr>
@@ -9622,7 +9622,7 @@
             <a:spLocks noGrp="1" noChangeArrowheads="1"/>
             <a:extLst>
               <a:ext uri="smNativeData">
-                <pr:smNativeData xmlns:pr="smNativeData" xmlns="smNativeData" val="SMDATA_15_t6npZxMAAAAlAAAAZAAAAA0AAAAAkAAAAJAAAACQAAAAkAAAAAAAAAABAAAAAAAAAAEAAABQAAAAAAAAAAAA4D8AAAAAAADgPwAAAAAAAOA/AAAAAAAA4D8AAAAAAADgPwAAAAAAAOA/AAAAAAAA4D8AAAAAAADgPwAAAAAAAOA/AAAAAAAA4D8CAAAAjAAAAAAAAAAAAAAAQoX0DP///wgAAAAAAAAAAAAAAAAAAAAAAAAAAAAAAAAAAAAAZAAAAAEAAABAAAAAAAAAAAAAAAAAAAAAAAAAAAAAAAAAAAAAAAAAAAAAAAAAAAAAAAAAAAAAAAAAAAAAAAAAAAAAAAAAAAAAAAAAAAAAAAAAAAAAAAAAAAAAAAAAAAAAFAAAADwAAAAAAAAAAAAAAAAAAAkUAAAAAQAAABQAAAAUAAAAFAAAAAEAAAAAAAAAZAAAAGQAAAAAAAAAZAAAAGQAAAAVAAAAYAAAAAAAAAAAAAAADwAAACADAAAAAAAAAAAAAAEAAACgMgAAVgcAAKr4//8BAAAAf39/AAEAAABkAAAAAAAAABQAAABAHwAAAAAAACYAAAAAAAAAwOD//wAAAAAmAAAAZAAAABYAAABMAAAAAAAAAAAAAAAEAAAAAAAAAAEAAABZWVkKAAAAACgAAAAoAAAAZAAAAGQAAAAAAAAAzMzMAAAAAABQAAAAUAAAAGQAAABkAAAAAAAAABcAAAAUAAAAAAAAAAAAAAD/fwAA/38AAAAAAAAJAAAABAAAAGV0AAYeAAAAaAAAAAAAAAAAAAAAAAAAAAAAAAAAAAAAECcAABAnAAAAAAAAAAAAAAAAAAAAAAAAAAAAAAAAAAAAAAAAAAAAABQAAAAAAAAAwMD/AAAAAABkAAAAMgAAAAAAAABkAAAAAAAAAH9/fwAKAAAAIgAAABgAAAAAAAAAAAAAAAAAAAAAAAAAAAAAAAAAAAAkAAAAJAAAAAAAAAAHAAAAAAAAAAAAAAAAAAAAAAAAAAAAAAAAAAAAf39/ACUAAABYAAAAAAAAAAAAAAAAAAAAAAAAAAAAAAAAAAAAAAAAAAAAAAAAAAAAAAAAAAAAAAA/AAAAAAAAAKCGAQAAAAAAAAAAAAAAAAAMAAAAAQAAAAAAAAAAAAAAAAAAAB8AAABUAAAAAAAABQAAAAEAAAAAAAAAAAAAAAAAAAAAAAAAAAAAAAAAAAAAAAAAAAAAAAJ/f38AAAAAA8zMzADAwP8Af39/AAAAAAAAAAAAAAAAAAAAAAAAAAAAIQAAABgAAAAUAAAAHjQAALAcAAB/NwAAGx8AABAAAAAmAAAACAAAADywAAAAAAAA"/>
+                <pr:smNativeData xmlns:pr="smNativeData" xmlns="smNativeData" val="SMDATA_15_f8v4ZxMAAAAlAAAAZAAAAA0AAAAAkAAAAJAAAACQAAAAkAAAAAAAAAABAAAAAAAAAAEAAABQAAAAAAAAAAAA4D8AAAAAAADgPwAAAAAAAOA/AAAAAAAA4D8AAAAAAADgPwAAAAAAAOA/AAAAAAAA4D8AAAAAAADgPwAAAAAAAOA/AAAAAAAA4D8CAAAAjAAAAAAAAAAAAAAAQoX0DP///wgAAAAAAAAAAAAAAAAAAAAAAAAAAAAAAAAAAAAAZAAAAAEAAABAAAAAAAAAAAAAAAAAAAAAAAAAAAAAAAAAAAAAAAAAAAAAAAAAAAAAAAAAAAAAAAAAAAAAAAAAAAAAAAAAAAAAAAAAAAAAAAAAAAAAAAAAAAAAAAAAAAAAFAAAADwAAAAAAAAAAAAAAAAAAAkUAAAAAQAAABQAAAAUAAAAFAAAAAEAAAAAAAAAZAAAAGQAAAAAAAAAZAAAAGQAAAAVAAAAYAAAAAAAAAAAAAAADwAAACADAAAAAAAAAAAAAAEAAACgMgAAVgcAAKr4//8BAAAAf39/AAEAAABkAAAAAAAAABQAAABAHwAAAAAAACYAAAAAAAAAwOD//wAAAAAmAAAAZAAAABYAAABMAAAAAAAAAAAAAAAEAAAAAAAAAAEAAABZWVkKAAAAACgAAAAoAAAAZAAAAGQAAAAAAAAAzMzMAAAAAABQAAAAUAAAAGQAAABkAAAAAAAAABcAAAAUAAAAAAAAAAAAAAD/fwAA/38AAAAAAAAJAAAABAAAAGV0AAYeAAAAaAAAAAAAAAAAAAAAAAAAAAAAAAAAAAAAECcAABAnAAAAAAAAAAAAAAAAAAAAAAAAAAAAAAAAAAAAAAAAAAAAABQAAAAAAAAAwMD/AAAAAABkAAAAMgAAAAAAAABkAAAAAAAAAH9/fwAKAAAAIgAAABgAAAAAAAAAAAAAAAAAAAAAAAAAAAAAAAAAAAAkAAAAJAAAAAAAAAAHAAAAAAAAAAAAAAAAAAAAAAAAAAAAAAAAAAAAf39/ACUAAABYAAAAAAAAAAAAAAAAAAAAAAAAAAAAAAAAAAAAAAAAAAAAAAAAAAAAAAAAAAAAAAA/AAAAAAAAAKCGAQAAAAAAAAAAAAAAAAAMAAAAAQAAAAAAAAAAAAAAAAAAAB8AAABUAAAAAAAABQAAAAEAAAAAAAAAAAAAAAAAAAAAAAAAAAAAAAAAAAAAAAAAAAAAAAJ/f38AAAAAA8zMzADAwP8Af39/AAAAAAAAAAAAAAAAAAAAAAAAAAAAIQAAABgAAAAUAAAAHjQAALAcAAB/NwAAGx8AABAAAAAmAAAACAAAADywAAAAAAAA"/>
               </a:ext>
             </a:extLst>
           </p:cNvSpPr>
@@ -9676,7 +9676,7 @@
               </a:spcAft>
               <a:buNone/>
             </a:pPr>
-            <a:fld id="{307B14E7-A9DD-2EE2-93C3-5FB75A8D650A}" type="slidenum">
+            <a:fld id="{75470B7F-3198-12FD-D6FF-C7A845B12092}" type="slidenum">
               <a:rPr lang="ru-ru" cap="none"/>
               <a:t>‹#›</a:t>
             </a:fld>
@@ -9717,7 +9717,7 @@
             <a:spLocks noGrp="1" noChangeArrowheads="1"/>
             <a:extLst>
               <a:ext uri="smNativeData">
-                <pr:smNativeData xmlns:pr="smNativeData" xmlns="smNativeData" val="SMDATA_15_t6npZxMAAAAlAAAAZAAAAA0AAAAAkAAAAJAAAACQAAAAkAAAAAAAAAABAAAAAAAAAAEAAABQAAAAAAAAAAAA4D8AAAAAAADgPwAAAAAAAOA/AAAAAAAA4D8AAAAAAADgPwAAAAAAAOA/AAAAAAAA4D8AAAAAAADgPwAAAAAAAOA/AAAAAAAA4D8CAAAAjAAAAAAAAAAAAAAAQoX0DP///wgAAAAAAAAAAAAAAAAAAAAAAAAAAAAAAAAAAAAAZAAAAAEAAABAAAAAAAAAAAAAAAAAAAAAAAAAAAAAAAAAAAAAAAAAAAAAAAAAAAAAAAAAAAAAAAAAAAAAAAAAAAAAAAAAAAAAAAAAAAAAAAAAAAAAAAAAAAAAAAAAAAAAFAAAADwAAAAAAAAAAAAAAAAAAAkUAAAAAQAAABQAAAAUAAAAFAAAAAEAAAAAAAAAZAAAAGQAAAAAAAAAZAAAAGQAAAAVAAAAYAAAAAAAAAAAAAAADwAAACADAAAAAAAAAAAAAAEAAACgMgAAVgcAAKr4//8BAAAAf39/AAEAAABkAAAAAAAAABQAAABAHwAAAAAAACYAAAAAAAAAwOD//wAAAAAmAAAAZAAAABYAAABMAAAAAAAAAAAAAAAEAAAAAAAAAAEAAABZWVkKAAAAACgAAAAoAAAAZAAAAGQAAAAAAAAAzMzMAAAAAABQAAAAUAAAAGQAAABkAAAAAAAAABcAAAAUAAAAAAAAAAAAAAD/fwAA/38AAAAAAAAJAAAABAAAAHgAeAAeAAAAaAAAAAAAAAAAAAAAAAAAAAAAAAAAAAAAECcAABAnAAAAAAAAAAAAAAAAAAAAAAAAAAAAAAAAAAAAAAAAAAAAABQAAAAAAAAAwMD/AAAAAABkAAAAMgAAAAAAAABkAAAAAAAAAH9/fwAKAAAAIgAAABgAAAAAAAAAAAAAAAAAAAAAAAAAAAAAAAAAAAAkAAAAJAAAAAAAAAAHAAAAAAAAAAAAAAAAAAAAAAAAAAAAAAAAAAAAf39/ACUAAABYAAAAAAAAAAAAAAAAAAAAAAAAAAAAAAAAAAAAAAAAAAAAAAAAAAAAAAAAAAAAAAA/AAAAAAAAAKCGAQAAAAAAAAAAAAAAAAAMAAAAAQAAAAAAAAAAAAAAAAAAAB8AAABUAAAAAAAABQAAAAEAAAAAAAAAAAAAAAAAAAAAAAAAAAAAAAAAAAAAAAAAAAAAAAJ/f38AAAAAA8zMzADAwP8Af39/AAAAAAAAAAAAAAAAAAAAAAAAAAAAIQAAABgAAAAUAAAAHjQAALAcAAB/NwAAGx8AABAAAAAmAAAACAAAADywAAAAAAAA"/>
+                <pr:smNativeData xmlns:pr="smNativeData" xmlns="smNativeData" val="SMDATA_15_f8v4ZxMAAAAlAAAAZAAAAA0AAAAAkAAAAJAAAACQAAAAkAAAAAAAAAABAAAAAAAAAAEAAABQAAAAAAAAAAAA4D8AAAAAAADgPwAAAAAAAOA/AAAAAAAA4D8AAAAAAADgPwAAAAAAAOA/AAAAAAAA4D8AAAAAAADgPwAAAAAAAOA/AAAAAAAA4D8CAAAAjAAAAAAAAAAAAAAAQoX0DP///wgAAAAAAAAAAAAAAAAAAAAAAAAAAAAAAAAAAAAAZAAAAAEAAABAAAAAAAAAAAAAAAAAAAAAAAAAAAAAAAAAAAAAAAAAAAAAAAAAAAAAAAAAAAAAAAAAAAAAAAAAAAAAAAAAAAAAAAAAAAAAAAAAAAAAAAAAAAAAAAAAAAAAFAAAADwAAAAAAAAAAAAAAAAAAAkUAAAAAQAAABQAAAAUAAAAFAAAAAEAAAAAAAAAZAAAAGQAAAAAAAAAZAAAAGQAAAAVAAAAYAAAAAAAAAAAAAAADwAAACADAAAAAAAAAAAAAAEAAACgMgAAVgcAAKr4//8BAAAAf39/AAEAAABkAAAAAAAAABQAAABAHwAAAAAAACYAAAAAAAAAwOD//wAAAAAmAAAAZAAAABYAAABMAAAAAAAAAAAAAAAEAAAAAAAAAAEAAABZWVkKAAAAACgAAAAoAAAAZAAAAGQAAAAAAAAAzMzMAAAAAABQAAAAUAAAAGQAAABkAAAAAAAAABcAAAAUAAAAAAAAAAAAAAD/fwAA/38AAAAAAAAJAAAABAAAAHgAeAAeAAAAaAAAAAAAAAAAAAAAAAAAAAAAAAAAAAAAECcAABAnAAAAAAAAAAAAAAAAAAAAAAAAAAAAAAAAAAAAAAAAAAAAABQAAAAAAAAAwMD/AAAAAABkAAAAMgAAAAAAAABkAAAAAAAAAH9/fwAKAAAAIgAAABgAAAAAAAAAAAAAAAAAAAAAAAAAAAAAAAAAAAAkAAAAJAAAAAAAAAAHAAAAAAAAAAAAAAAAAAAAAAAAAAAAAAAAAAAAf39/ACUAAABYAAAAAAAAAAAAAAAAAAAAAAAAAAAAAAAAAAAAAAAAAAAAAAAAAAAAAAAAAAAAAAA/AAAAAAAAAKCGAQAAAAAAAAAAAAAAAAAMAAAAAQAAAAAAAAAAAAAAAAAAAB8AAABUAAAAAAAABQAAAAEAAAAAAAAAAAAAAAAAAAAAAAAAAAAAAAAAAAAAAAAAAAAAAAJ/f38AAAAAA8zMzADAwP8Af39/AAAAAAAAAAAAAAAAAAAAAAAAAAAAIQAAABgAAAAUAAAAHjQAALAcAAB/NwAAGx8AABAAAAAmAAAACAAAADywAAAAAAAA"/>
               </a:ext>
             </a:extLst>
           </p:cNvSpPr>
@@ -9771,7 +9771,7 @@
               </a:spcAft>
               <a:buNone/>
             </a:pPr>
-            <a:fld id="{307B1B6A-24DD-2EED-93C3-D2B8558D6587}" type="slidenum">
+            <a:fld id="{75471974-3A98-12EF-D6FF-CCBA57B12099}" type="slidenum">
               <a:rPr lang="ru-ru" cap="none"/>
               <a:t>‹#›</a:t>
             </a:fld>
@@ -9822,7 +9822,7 @@
             <a:spLocks noGrp="1" noChangeArrowheads="1"/>
             <a:extLst>
               <a:ext uri="smNativeData">
-                <pr:smNativeData xmlns:pr="smNativeData" xmlns="smNativeData" val="SMDATA_15_t6npZxMAAAAlAAAAZAAAAA0AAAAAkAAAAJAAAACQAAAAkAAAAAAAAAAAAAAAAAAAAAEAAABQAAAAAAAAAAAA4D8AAAAAAADgPwAAAAAAAOA/AAAAAAAA4D8AAAAAAADgPwAAAAAAAOA/AAAAAAAA4D8AAAAAAADgPwAAAAAAAOA/AAAAAAAA4D8CAAAAjAAAAAAAAAAAAAAAQoX0DP///wgAAAAAAAAAAAAAAAAAAAAAAAAAAAAAAAAAAAAAZAAAAAEAAABAAAAAAAAAAAAAAAAAAAAAAAAAAAAAAAAAAAAAAAAAAAAAAAAAAAAAAAAAAAAAAAAAAAAAAAAAAAAAAAAAAAAAAAAAAAAAAAAAAAAAAAAAAAAAAAAAAAAAFAAAADwAAAAAAAAAAAAAAAAAAAkUAAAAAQAAABQAAAAUAAAAFAAAAAEAAAAAAAAAZAAAAGQAAAAAAAAAZAAAAGQAAAAVAAAAYAAAAAAAAAAAAAAADwAAACADAAAAAAAAAAAAAAEAAACgMgAAVgcAAKr4//8BAAAAf39/AAEAAABkAAAAAAAAABQAAABAHwAAAAAAACYAAAAAAAAAwOD//wAAAAAmAAAAZAAAABYAAABMAAAAAAAAAAAAAAAEAAAAAAAAAAEAAABZWVkKAAAAACgAAAAoAAAAZAAAAGQAAAAAAAAAzMzMAAAAAABQAAAAUAAAAGQAAABkAAAAAAAAABcAAAAUAAAAAAAAAAAAAAD/fwAA/38AAAAAAAAJAAAABAAAAJjJLQgeAAAAaAAAAAAAAAAAAAAAAAAAAAAAAAAAAAAAECcAABAnAAAAAAAAAAAAAAAAAAAAAAAAAAAAAAAAAAAAAAAAAAAAABQAAAAAAAAAwMD/AAAAAABkAAAAMgAAAAAAAABkAAAAAAAAAH9/fwAKAAAAIgAAABgAAAAAAAAAAAAAAAAAAAAAAAAAAAAAAAAAAAAkAAAAJAAAAAAAAAAHAAAAAAAAAAAAAAAAAAAAAAAAAAAAAAAAAAAAf39/ACUAAABYAAAAAAAAAAAAAAAAAAAAAAAAAAAAAAAAAAAAAAAAAAAAAAAAAAAAAAAAAAAAAAA/AAAAAAAAAKCGAQAAAAAAAAAAAAAAAAAMAAAAAQAAAAAAAAAAAAAAAAAAAB8AAABUAAAAAAAABQAAAAEAAAAAAAAAAAAAAAAAAAAAAAAAAAAAAAAAAAAAAAAAAAAAAAJ/f38AAAAAA8zMzADAwP8Af39/AAAAAAAAAAAAAAAAAAAAAAAAAAAAIQAAABgAAAAUAAAAFAMAAAkCAAB/NwAAxwgAABAAAAAmAAAACAAAAL2/AAD/HwAA"/>
+                <pr:smNativeData xmlns:pr="smNativeData" xmlns="smNativeData" val="SMDATA_15_f8v4ZxMAAAAlAAAAZAAAAA0AAAAAkAAAAJAAAACQAAAAkAAAAAAAAAAAAAAAAAAAAAEAAABQAAAAAAAAAAAA4D8AAAAAAADgPwAAAAAAAOA/AAAAAAAA4D8AAAAAAADgPwAAAAAAAOA/AAAAAAAA4D8AAAAAAADgPwAAAAAAAOA/AAAAAAAA4D8CAAAAjAAAAAAAAAAAAAAAQoX0DP///wgAAAAAAAAAAAAAAAAAAAAAAAAAAAAAAAAAAAAAZAAAAAEAAABAAAAAAAAAAAAAAAAAAAAAAAAAAAAAAAAAAAAAAAAAAAAAAAAAAAAAAAAAAAAAAAAAAAAAAAAAAAAAAAAAAAAAAAAAAAAAAAAAAAAAAAAAAAAAAAAAAAAAFAAAADwAAAAAAAAAAAAAAAAAAAkUAAAAAQAAABQAAAAUAAAAFAAAAAEAAAAAAAAAZAAAAGQAAAAAAAAAZAAAAGQAAAAVAAAAYAAAAAAAAAAAAAAADwAAACADAAAAAAAAAAAAAAEAAACgMgAAVgcAAKr4//8BAAAAf39/AAEAAABkAAAAAAAAABQAAABAHwAAAAAAACYAAAAAAAAAwOD//wAAAAAmAAAAZAAAABYAAABMAAAAAAAAAAAAAAAEAAAAAAAAAAEAAABZWVkKAAAAACgAAAAoAAAAZAAAAGQAAAAAAAAAzMzMAAAAAABQAAAAUAAAAGQAAABkAAAAAAAAABcAAAAUAAAAAAAAAAAAAAD/fwAA/38AAAAAAAAJAAAABAAAAJjJLQgeAAAAaAAAAAAAAAAAAAAAAAAAAAAAAAAAAAAAECcAABAnAAAAAAAAAAAAAAAAAAAAAAAAAAAAAAAAAAAAAAAAAAAAABQAAAAAAAAAwMD/AAAAAABkAAAAMgAAAAAAAABkAAAAAAAAAH9/fwAKAAAAIgAAABgAAAAAAAAAAAAAAAAAAAAAAAAAAAAAAAAAAAAkAAAAJAAAAAAAAAAHAAAAAAAAAAAAAAAAAAAAAAAAAAAAAAAAAAAAf39/ACUAAABYAAAAAAAAAAAAAAAAAAAAAAAAAAAAAAAAAAAAAAAAAAAAAAAAAAAAAAAAAAAAAAA/AAAAAAAAAKCGAQAAAAAAAAAAAAAAAAAMAAAAAQAAAAAAAAAAAAAAAAAAAB8AAABUAAAAAAAABQAAAAEAAAAAAAAAAAAAAAAAAAAAAAAAAAAAAAAAAAAAAAAAAAAAAAJ/f38AAAAAA8zMzADAwP8Af39/AAAAAAAAAAAAAAAAAAAAAAAAAAAAIQAAABgAAAAUAAAAFAMAAAkCAAB/NwAAxwgAABAAAAAmAAAACAAAAL2/AAD/HwAA"/>
               </a:ext>
             </a:extLst>
           </p:cNvSpPr>
@@ -10016,7 +10016,7 @@
             <a:spLocks noGrp="1" noChangeArrowheads="1"/>
             <a:extLst>
               <a:ext uri="smNativeData">
-                <pr:smNativeData xmlns:pr="smNativeData" xmlns="smNativeData" val="SMDATA_15_t6npZxMAAAAlAAAAZAAAAA0AAAAAkAAAAJAAAACQAAAAkAAAAAAAAAAAAAAAAAAAAAEAAABQAAAAAAAAAAAA4D8AAAAAAADgPwAAAAAAAOA/AAAAAAAA4D8AAAAAAADgPwAAAAAAAOA/AAAAAAAA4D8AAAAAAADgPwAAAAAAAOA/AAAAAAAA4D8CAAAAjAAAAAAAAAAAAAAAQoX0DP///wgAAAAAAAAAAAAAAAAAAAAAAAAAAAAAAAAAAAAAZAAAAAEAAABAAAAAAAAAAAAAAAAAAAAAAAAAAAAAAAAAAAAAAAAAAAAAAAAAAAAAAAAAAAAAAAAAAAAAAAAAAAAAAAAAAAAAAAAAAAAAAAAAAAAAAAAAAAAAAAAAAAAAFAAAADwAAAAAAAAAAAAAAAAAAAkUAAAAAQAAABQAAAAUAAAAFAAAAAEAAAAAAAAAZAAAAGQAAAAAAAAAZAAAAGQAAAAVAAAAYAAAAAAAAAAAAAAADwAAACADAAAAAAAAAAAAAAEAAACgMgAAVgcAAKr4//8BAAAAf39/AAEAAABkAAAAAAAAABQAAABAHwAAAAAAACYAAAAAAAAAwOD//wAAAAAmAAAAZAAAABYAAABMAAAAAAAAAAAAAAAEAAAAAAAAAAEAAABZWVkKAAAAACgAAAAoAAAAZAAAAGQAAAAAAAAAzMzMAAAAAABQAAAAUAAAAGQAAABkAAAAAAAAABcAAAAUAAAAAAAAAAAAAAD/fwAA/38AAAAAAAAJAAAABAAAAAAAAAAeAAAAaAAAAAAAAAAAAAAAAAAAAAAAAAAAAAAAECcAABAnAAAAAAAAAAAAAAAAAAAAAAAAAAAAAAAAAAAAAAAAAAAAABQAAAAAAAAAwMD/AAAAAABkAAAAMgAAAAAAAABkAAAAAAAAAH9/fwAKAAAAIgAAABgAAAAAAAAAAAAAAAAAAAAAAAAAAAAAAAAAAAAkAAAAJAAAAAAAAAAHAAAAAAAAAAAAAAAAAAAAAAAAAAAAAAAAAAAAf39/ACUAAABYAAAAAAAAAAAAAAAAAAAAAAAAAAAAAAAAAAAAAAAAAAAAAAAAAAAAAAAAAAAAAAA/AAAAAAAAAKCGAQAAAAAAAAAAAAAAAAAMAAAAAQAAAAAAAAAAAAAAAAAAAB8AAABUAAAAAAAABQAAAAEAAAAAAAAAAAAAAAAAAAAAAAAAAAAAAAAAAAAAAAAAAAAAAAJ/f38AAAAAA8zMzADAwP8Af39/AAAAAAAAAAAAAAAAAAAAAAAAAAAAIQAAABgAAAAUAAAAnAIAALYJAAAHNwAAux4AABAAAAAmAAAACAAAAL2/AAD/HwAA"/>
+                <pr:smNativeData xmlns:pr="smNativeData" xmlns="smNativeData" val="SMDATA_15_f8v4ZxMAAAAlAAAAZAAAAA0AAAAAkAAAAJAAAACQAAAAkAAAAAAAAAAAAAAAAAAAAAEAAABQAAAAAAAAAAAA4D8AAAAAAADgPwAAAAAAAOA/AAAAAAAA4D8AAAAAAADgPwAAAAAAAOA/AAAAAAAA4D8AAAAAAADgPwAAAAAAAOA/AAAAAAAA4D8CAAAAjAAAAAAAAAAAAAAAQoX0DP///wgAAAAAAAAAAAAAAAAAAAAAAAAAAAAAAAAAAAAAZAAAAAEAAABAAAAAAAAAAAAAAAAAAAAAAAAAAAAAAAAAAAAAAAAAAAAAAAAAAAAAAAAAAAAAAAAAAAAAAAAAAAAAAAAAAAAAAAAAAAAAAAAAAAAAAAAAAAAAAAAAAAAAFAAAADwAAAAAAAAAAAAAAAAAAAkUAAAAAQAAABQAAAAUAAAAFAAAAAEAAAAAAAAAZAAAAGQAAAAAAAAAZAAAAGQAAAAVAAAAYAAAAAAAAAAAAAAADwAAACADAAAAAAAAAAAAAAEAAACgMgAAVgcAAKr4//8BAAAAf39/AAEAAABkAAAAAAAAABQAAABAHwAAAAAAACYAAAAAAAAAwOD//wAAAAAmAAAAZAAAABYAAABMAAAAAAAAAAAAAAAEAAAAAAAAAAEAAABZWVkKAAAAACgAAAAoAAAAZAAAAGQAAAAAAAAAzMzMAAAAAABQAAAAUAAAAGQAAABkAAAAAAAAABcAAAAUAAAAAAAAAAAAAAD/fwAA/38AAAAAAAAJAAAABAAAAAAAAAAeAAAAaAAAAAAAAAAAAAAAAAAAAAAAAAAAAAAAECcAABAnAAAAAAAAAAAAAAAAAAAAAAAAAAAAAAAAAAAAAAAAAAAAABQAAAAAAAAAwMD/AAAAAABkAAAAMgAAAAAAAABkAAAAAAAAAH9/fwAKAAAAIgAAABgAAAAAAAAAAAAAAAAAAAAAAAAAAAAAAAAAAAAkAAAAJAAAAAAAAAAHAAAAAAAAAAAAAAAAAAAAAAAAAAAAAAAAAAAAf39/ACUAAABYAAAAAAAAAAAAAAAAAAAAAAAAAAAAAAAAAAAAAAAAAAAAAAAAAAAAAAAAAAAAAAA/AAAAAAAAAKCGAQAAAAAAAAAAAAAAAAAMAAAAAQAAAAAAAAAAAAAAAAAAAB8AAABUAAAAAAAABQAAAAEAAAAAAAAAAAAAAAAAAAAAAAAAAAAAAAAAAAAAAAAAAAAAAAJ/f38AAAAAA8zMzADAwP8Af39/AAAAAAAAAAAAAAAAAAAAAAAAAAAAIQAAABgAAAAUAAAAnAIAALYJAAAHNwAAux4AABAAAAAmAAAACAAAAL2/AAD/HwAA"/>
               </a:ext>
             </a:extLst>
           </p:cNvSpPr>
@@ -10282,7 +10282,7 @@
             <a:spLocks noGrp="1" noChangeArrowheads="1"/>
             <a:extLst>
               <a:ext uri="smNativeData">
-                <pr:smNativeData xmlns:pr="smNativeData" xmlns="smNativeData" val="SMDATA_15_t6npZxMAAAAlAAAAZAAAAA0AAAAAkAAAAJAAAACQAAAAkAAAAAAAAAABAAAAAAAAAAEAAABQAAAAAAAAAAAA4D8AAAAAAADgPwAAAAAAAOA/AAAAAAAA4D8AAAAAAADgPwAAAAAAAOA/AAAAAAAA4D8AAAAAAADgPwAAAAAAAOA/AAAAAAAA4D8CAAAAjAAAAAAAAAAAAAAAQoX0DP///wgAAAAAAAAAAAAAAAAAAAAAAAAAAAAAAAAAAAAAZAAAAAEAAABAAAAAAAAAAAAAAAAAAAAAAAAAAAAAAAAAAAAAAAAAAAAAAAAAAAAAAAAAAAAAAAAAAAAAAAAAAAAAAAAAAAAAAAAAAAAAAAAAAAAAAAAAAAAAAAAAAAAAFAAAADwAAAAAAAAAAAAAAAAAAAkUAAAAAQAAABQAAAAUAAAAFAAAAAEAAAAAAAAAZAAAAGQAAAAAAAAAZAAAAGQAAAAVAAAAYAAAAAAAAAAAAAAADwAAACADAAAAAAAAAAAAAAEAAACgMgAAVgcAAKr4//8BAAAAf39/AAEAAABkAAAAAAAAABQAAABAHwAAAAAAACYAAAAAAAAAwOD//wAAAAAmAAAAZAAAABYAAABMAAAAAAAAAAAAAAAEAAAAAAAAAAEAAABZWVkKAAAAACgAAAAoAAAAZAAAAGQAAAAAAAAAzMzMAAAAAABQAAAAUAAAAGQAAABkAAAAAAAAABcAAAAUAAAAAAAAAAAAAAD/fwAA/38AAAAAAAAJAAAABAAAAAAAAAAeAAAAaAAAAAAAAAAAAAAAAAAAAAAAAAAAAAAAECcAABAnAAAAAAAAAAAAAAAAAAAAAAAAAAAAAAAAAAAAAAAAAAAAABQAAAAAAAAAwMD/AAAAAABkAAAAMgAAAAAAAABkAAAAAAAAAH9/fwAKAAAAIgAAABgAAAAAAAAAAAAAAAAAAAAAAAAAAAAAAAAAAAAkAAAAJAAAAAAAAAAHAAAAAAAAAAAAAAAAAAAAAAAAAAAAAAAAAAAAf39/ACUAAABYAAAAAAAAAAAAAAAAAAAAAAAAAAAAAAAAAAAAAAAAAAAAAAAAAAAAAAAAAAAAAAA/AAAAAAAAAKCGAQAAAAAAAAAAAAAAAAAMAAAAAQAAAAAAAAAAAAAAAAAAAB8AAABUAAAAAAAABQAAAAEAAAAAAAAAAAAAAAAAAAAAAAAAAAAAAAAAAAAAAAAAAAAAAAJ/f38AAAAAA8zMzADAwP8Af39/AAAAAAAAAAAAAAAAAAAAAAAAAAAAIQAAABgAAAAUAAAAHjQAALAcAAB/NwAAGx8AABAAAAAmAAAACAAAAL2/AAD/HwAA"/>
+                <pr:smNativeData xmlns:pr="smNativeData" xmlns="smNativeData" val="SMDATA_15_f8v4ZxMAAAAlAAAAZAAAAA0AAAAAkAAAAJAAAACQAAAAkAAAAAAAAAABAAAAAAAAAAEAAABQAAAAAAAAAAAA4D8AAAAAAADgPwAAAAAAAOA/AAAAAAAA4D8AAAAAAADgPwAAAAAAAOA/AAAAAAAA4D8AAAAAAADgPwAAAAAAAOA/AAAAAAAA4D8CAAAAjAAAAAAAAAAAAAAAQoX0DP///wgAAAAAAAAAAAAAAAAAAAAAAAAAAAAAAAAAAAAAZAAAAAEAAABAAAAAAAAAAAAAAAAAAAAAAAAAAAAAAAAAAAAAAAAAAAAAAAAAAAAAAAAAAAAAAAAAAAAAAAAAAAAAAAAAAAAAAAAAAAAAAAAAAAAAAAAAAAAAAAAAAAAAFAAAADwAAAAAAAAAAAAAAAAAAAkUAAAAAQAAABQAAAAUAAAAFAAAAAEAAAAAAAAAZAAAAGQAAAAAAAAAZAAAAGQAAAAVAAAAYAAAAAAAAAAAAAAADwAAACADAAAAAAAAAAAAAAEAAACgMgAAVgcAAKr4//8BAAAAf39/AAEAAABkAAAAAAAAABQAAABAHwAAAAAAACYAAAAAAAAAwOD//wAAAAAmAAAAZAAAABYAAABMAAAAAAAAAAAAAAAEAAAAAAAAAAEAAABZWVkKAAAAACgAAAAoAAAAZAAAAGQAAAAAAAAAzMzMAAAAAABQAAAAUAAAAGQAAABkAAAAAAAAABcAAAAUAAAAAAAAAAAAAAD/fwAA/38AAAAAAAAJAAAABAAAAAAAAAAeAAAAaAAAAAAAAAAAAAAAAAAAAAAAAAAAAAAAECcAABAnAAAAAAAAAAAAAAAAAAAAAAAAAAAAAAAAAAAAAAAAAAAAABQAAAAAAAAAwMD/AAAAAABkAAAAMgAAAAAAAABkAAAAAAAAAH9/fwAKAAAAIgAAABgAAAAAAAAAAAAAAAAAAAAAAAAAAAAAAAAAAAAkAAAAJAAAAAAAAAAHAAAAAAAAAAAAAAAAAAAAAAAAAAAAAAAAAAAAf39/ACUAAABYAAAAAAAAAAAAAAAAAAAAAAAAAAAAAAAAAAAAAAAAAAAAAAAAAAAAAAAAAAAAAAA/AAAAAAAAAKCGAQAAAAAAAAAAAAAAAAAMAAAAAQAAAAAAAAAAAAAAAAAAAB8AAABUAAAAAAAABQAAAAEAAAAAAAAAAAAAAAAAAAAAAAAAAAAAAAAAAAAAAAAAAAAAAAJ/f38AAAAAA8zMzADAwP8Af39/AAAAAAAAAAAAAAAAAAAAAAAAAAAAIQAAABgAAAAUAAAAHjQAALAcAAB/NwAAGx8AABAAAAAmAAAACAAAAL2/AAD/HwAA"/>
               </a:ext>
             </a:extLst>
           </p:cNvSpPr>
@@ -10393,7 +10393,7 @@
               </a:spcAft>
               <a:buNone/>
             </a:pPr>
-            <a:fld id="{307B7775-3BDD-2E81-93C3-CDD4398D6598}" type="slidenum">
+            <a:fld id="{754740F8-B698-12B6-D6FF-40E30EB12015}" type="slidenum">
               <a:rPr lang="ru-ru" cap="none"/>
               <a:t/>
             </a:fld>
@@ -11060,7 +11060,7 @@
             <a:spLocks noGrp="1" noChangeArrowheads="1"/>
             <a:extLst>
               <a:ext uri="smNativeData">
-                <pr:smNativeData xmlns:pr="smNativeData" xmlns="smNativeData" val="SMDATA_15_t6npZxMAAAAlAAAAZAAAAA0AAAAAkAAAAJAAAACQAAAAkAAAAAAAAAAAAAAAAAAAAAEAAABQAAAAAAAAAAAA4D8AAAAAAADgPwAAAAAAAOA/AAAAAAAA4D8AAAAAAADgPwAAAAAAAOA/AAAAAAAA4D8AAAAAAADgPwAAAAAAAOA/AAAAAAAA4D8CAAAAjAAAAAAAAAAAAAAAQoX0DP///wgAAAAAAAAAAAAAAAAAAAAAAAAAAAAAAAAAAAAAZAAAAAEAAABAAAAAAAAAAAAAAAAAAAAAAAAAAAAAAAAAAAAAAAAAAAAAAAAAAAAAAAAAAAAAAAAAAAAAAAAAAAAAAAAAAAAAAAAAAAAAAAAAAAAAAAAAAAAAAAAAAAAAFAAAADwAAAAAAAAAAAAAAAAAAAkUAAAAAQAAABQAAAAUAAAAFAAAAAEAAAAAAAAAZAAAAGQAAAAAAAAAZAAAAGQAAAAVAAAAYAAAAAAAAAAAAAAADwAAACADAAAAAAAAAAAAAAEAAACgMgAAVgcAAKr4//8BAAAAf39/AAEAAABkAAAAAAAAABQAAABAHwAAAAAAACYAAAAAAAAAwOD//wAAAAAmAAAAZAAAABYAAABMAAAAAAAAAAAAAAAEAAAAAAAAAAEAAABZWVkKAAAAACgAAAAoAAAAZAAAAGQAAAAAAAAAzMzMAAAAAABQAAAAUAAAAGQAAABkAAAAAAAAABcAAAAUAAAAAAAAAAAAAAD/fwAA/38AAAAAAAAJAAAABAAAAF8AYAAeAAAAaAAAAAAAAAAAAAAAAAAAAAAAAAAAAAAAECcAABAnAAAAAAAAAAAAAAAAAAAAAAAAAAAAAAAAAAAAAAAAAAAAABQAAAAAAAAAwMD/AAAAAABkAAAAMgAAAAAAAABkAAAAAAAAAH9/fwAKAAAAIgAAABgAAAAAAAAAAAAAAAAAAAAAAAAAAAAAAAAAAAAkAAAAJAAAAAAAAAAHAAAAAAAAAAAAAAAAAAAAAAAAAAAAAAAAAAAAf39/ACUAAABYAAAAAAAAAAAAAAAAAAAAAAAAAAAAAAAAAAAAAAAAAAAAAAAAAAAAAAAAAAAAAAA/AAAAAAAAAKCGAQAAAAAAAAAAAAAAAAAMAAAAAQAAAAAAAAAAAAAAAAAAAB8AAABUAAAAAAAABQAAAAEAAAAAAAAAAAAAAAAAAAAAAAAAAAAAAAAAAAAAAAAAAAAAAAJ/f38AAAAAA8zMzADAwP8Af39/AAAAAAAAAAAAAAAAAAAAAAAAAAAAIQAAABgAAAAUAAAAFAMAAAkCAAB/NwAAEAgAABAAAAAmAAAACAAAAL2/AAD/HwAA"/>
+                <pr:smNativeData xmlns:pr="smNativeData" xmlns="smNativeData" val="SMDATA_15_f8v4ZxMAAAAlAAAAZAAAAA0AAAAAkAAAAJAAAACQAAAAkAAAAAAAAAAAAAAAAAAAAAEAAABQAAAAAAAAAAAA4D8AAAAAAADgPwAAAAAAAOA/AAAAAAAA4D8AAAAAAADgPwAAAAAAAOA/AAAAAAAA4D8AAAAAAADgPwAAAAAAAOA/AAAAAAAA4D8CAAAAjAAAAAAAAAAAAAAAQoX0DP///wgAAAAAAAAAAAAAAAAAAAAAAAAAAAAAAAAAAAAAZAAAAAEAAABAAAAAAAAAAAAAAAAAAAAAAAAAAAAAAAAAAAAAAAAAAAAAAAAAAAAAAAAAAAAAAAAAAAAAAAAAAAAAAAAAAAAAAAAAAAAAAAAAAAAAAAAAAAAAAAAAAAAAFAAAADwAAAAAAAAAAAAAAAAAAAkUAAAAAQAAABQAAAAUAAAAFAAAAAEAAAAAAAAAZAAAAGQAAAAAAAAAZAAAAGQAAAAVAAAAYAAAAAAAAAAAAAAADwAAACADAAAAAAAAAAAAAAEAAACgMgAAVgcAAKr4//8BAAAAf39/AAEAAABkAAAAAAAAABQAAABAHwAAAAAAACYAAAAAAAAAwOD//wAAAAAmAAAAZAAAABYAAABMAAAAAAAAAAAAAAAEAAAAAAAAAAEAAABZWVkKAAAAACgAAAAoAAAAZAAAAGQAAAAAAAAAzMzMAAAAAABQAAAAUAAAAGQAAABkAAAAAAAAABcAAAAUAAAAAAAAAAAAAAD/fwAA/38AAAAAAAAJAAAABAAAAF8AYAAeAAAAaAAAAAAAAAAAAAAAAAAAAAAAAAAAAAAAECcAABAnAAAAAAAAAAAAAAAAAAAAAAAAAAAAAAAAAAAAAAAAAAAAABQAAAAAAAAAwMD/AAAAAABkAAAAMgAAAAAAAABkAAAAAAAAAH9/fwAKAAAAIgAAABgAAAAAAAAAAAAAAAAAAAAAAAAAAAAAAAAAAAAkAAAAJAAAAAAAAAAHAAAAAAAAAAAAAAAAAAAAAAAAAAAAAAAAAAAAf39/ACUAAABYAAAAAAAAAAAAAAAAAAAAAAAAAAAAAAAAAAAAAAAAAAAAAAAAAAAAAAAAAAAAAAA/AAAAAAAAAKCGAQAAAAAAAAAAAAAAAAAMAAAAAQAAAAAAAAAAAAAAAAAAAB8AAABUAAAAAAAABQAAAAEAAAAAAAAAAAAAAAAAAAAAAAAAAAAAAAAAAAAAAAAAAAAAAAJ/f38AAAAAA8zMzADAwP8Af39/AAAAAAAAAAAAAAAAAAAAAAAAAAAAIQAAABgAAAAUAAAAFAMAAAkCAAB/NwAAEAgAABAAAAAmAAAACAAAAL2/AAD/HwAA"/>
               </a:ext>
             </a:extLst>
           </p:cNvSpPr>
@@ -11254,7 +11254,7 @@
             <a:spLocks noGrp="1" noChangeArrowheads="1"/>
             <a:extLst>
               <a:ext uri="smNativeData">
-                <pr:smNativeData xmlns:pr="smNativeData" xmlns="smNativeData" val="SMDATA_15_t6npZxMAAAAlAAAAZAAAAA0AAAAAkAAAAJAAAACQAAAAkAAAAAAAAAAAAAAAAAAAAAEAAABQAAAAAAAAAAAA4D8AAAAAAADgPwAAAAAAAOA/AAAAAAAA4D8AAAAAAADgPwAAAAAAAOA/AAAAAAAA4D8AAAAAAADgPwAAAAAAAOA/AAAAAAAA4D8CAAAAjAAAAAAAAAAAAAAAQoX0DP///wgAAAAAAAAAAAAAAAAAAAAAAAAAAAAAAAAAAAAAZAAAAAEAAABAAAAAAAAAAAAAAAAAAAAAAAAAAAAAAAAAAAAAAAAAAAAAAAAAAAAAAAAAAAAAAAAAAAAAAAAAAAAAAAAAAAAAAAAAAAAAAAAAAAAAAAAAAAAAAAAAAAAAFAAAADwAAAAAAAAAAAAAAAAAAAkUAAAAAQAAABQAAAAUAAAAFAAAAAEAAAAAAAAAZAAAAGQAAAAAAAAAZAAAAGQAAAAVAAAAYAAAAAAAAAAAAAAADwAAACADAAAAAAAAAAAAAAEAAACgMgAAVgcAAKr4//8BAAAAf39/AAEAAABkAAAAAAAAABQAAABAHwAAAAAAACYAAAAAAAAAwOD//wAAAAAmAAAAZAAAABYAAABMAAAAAAAAAAAAAAAEAAAAAAAAAAEAAABZWVkKAAAAACgAAAAoAAAAZAAAAGQAAAAAAAAAzMzMAAAAAABQAAAAUAAAAGQAAABkAAAAAAAAABcAAAAUAAAAAAAAAAAAAAD/fwAA/38AAAAAAAAJAAAABAAAAAAAAAAeAAAAaAAAAAAAAAAAAAAAAAAAAAAAAAAAAAAAECcAABAnAAAAAAAAAAAAAAAAAAAAAAAAAAAAAAAAAAAAAAAAAAAAABQAAAAAAAAAwMD/AAAAAABkAAAAMgAAAAAAAABkAAAAAAAAAH9/fwAKAAAAIgAAABgAAAAAAAAAAAAAAAAAAAAAAAAAAAAAAAAAAAAkAAAAJAAAAAAAAAAHAAAAAAAAAAAAAAAAAAAAAAAAAAAAAAAAAAAAf39/ACUAAABYAAAAAAAAAAAAAAAAAAAAAAAAAAAAAAAAAAAAAAAAAAAAAAAAAAAAAAAAAAAAAAA/AAAAAAAAAKCGAQAAAAAAAAAAAAAAAAAMAAAAAQAAAAAAAAAAAAAAAAAAAB8AAABUAAAAAAAABQAAAAEAAAAAAAAAAAAAAAAAAAAAAAAAAAAAAAAAAAAAAAAAAAAAAAJ/f38AAAAAA8zMzADAwP8Af39/AAAAAAAAAAAAAAAAAAAAAAAAAAAAIQAAABgAAAAUAAAAnAIAALYJAAAHNwAAux4AABAAAAAmAAAACAAAAL2/AAD/HwAA"/>
+                <pr:smNativeData xmlns:pr="smNativeData" xmlns="smNativeData" val="SMDATA_15_f8v4ZxMAAAAlAAAAZAAAAA0AAAAAkAAAAJAAAACQAAAAkAAAAAAAAAAAAAAAAAAAAAEAAABQAAAAAAAAAAAA4D8AAAAAAADgPwAAAAAAAOA/AAAAAAAA4D8AAAAAAADgPwAAAAAAAOA/AAAAAAAA4D8AAAAAAADgPwAAAAAAAOA/AAAAAAAA4D8CAAAAjAAAAAAAAAAAAAAAQoX0DP///wgAAAAAAAAAAAAAAAAAAAAAAAAAAAAAAAAAAAAAZAAAAAEAAABAAAAAAAAAAAAAAAAAAAAAAAAAAAAAAAAAAAAAAAAAAAAAAAAAAAAAAAAAAAAAAAAAAAAAAAAAAAAAAAAAAAAAAAAAAAAAAAAAAAAAAAAAAAAAAAAAAAAAFAAAADwAAAAAAAAAAAAAAAAAAAkUAAAAAQAAABQAAAAUAAAAFAAAAAEAAAAAAAAAZAAAAGQAAAAAAAAAZAAAAGQAAAAVAAAAYAAAAAAAAAAAAAAADwAAACADAAAAAAAAAAAAAAEAAACgMgAAVgcAAKr4//8BAAAAf39/AAEAAABkAAAAAAAAABQAAABAHwAAAAAAACYAAAAAAAAAwOD//wAAAAAmAAAAZAAAABYAAABMAAAAAAAAAAAAAAAEAAAAAAAAAAEAAABZWVkKAAAAACgAAAAoAAAAZAAAAGQAAAAAAAAAzMzMAAAAAABQAAAAUAAAAGQAAABkAAAAAAAAABcAAAAUAAAAAAAAAAAAAAD/fwAA/38AAAAAAAAJAAAABAAAAAAAAAAeAAAAaAAAAAAAAAAAAAAAAAAAAAAAAAAAAAAAECcAABAnAAAAAAAAAAAAAAAAAAAAAAAAAAAAAAAAAAAAAAAAAAAAABQAAAAAAAAAwMD/AAAAAABkAAAAMgAAAAAAAABkAAAAAAAAAH9/fwAKAAAAIgAAABgAAAAAAAAAAAAAAAAAAAAAAAAAAAAAAAAAAAAkAAAAJAAAAAAAAAAHAAAAAAAAAAAAAAAAAAAAAAAAAAAAAAAAAAAAf39/ACUAAABYAAAAAAAAAAAAAAAAAAAAAAAAAAAAAAAAAAAAAAAAAAAAAAAAAAAAAAAAAAAAAAA/AAAAAAAAAKCGAQAAAAAAAAAAAAAAAAAMAAAAAQAAAAAAAAAAAAAAAAAAAB8AAABUAAAAAAAABQAAAAEAAAAAAAAAAAAAAAAAAAAAAAAAAAAAAAAAAAAAAAAAAAAAAAJ/f38AAAAAA8zMzADAwP8Af39/AAAAAAAAAAAAAAAAAAAAAAAAAAAAIQAAABgAAAAUAAAAnAIAALYJAAAHNwAAux4AABAAAAAmAAAACAAAAL2/AAD/HwAA"/>
               </a:ext>
             </a:extLst>
           </p:cNvSpPr>
@@ -11520,7 +11520,7 @@
             <a:spLocks noGrp="1" noChangeArrowheads="1"/>
             <a:extLst>
               <a:ext uri="smNativeData">
-                <pr:smNativeData xmlns:pr="smNativeData" xmlns="smNativeData" val="SMDATA_15_t6npZxMAAAAlAAAAZAAAAA0AAAAAkAAAAJAAAACQAAAAkAAAAAAAAAABAAAAAAAAAAEAAABQAAAAAAAAAAAA4D8AAAAAAADgPwAAAAAAAOA/AAAAAAAA4D8AAAAAAADgPwAAAAAAAOA/AAAAAAAA4D8AAAAAAADgPwAAAAAAAOA/AAAAAAAA4D8CAAAAjAAAAAAAAAAAAAAAQoX0DP///wgAAAAAAAAAAAAAAAAAAAAAAAAAAAAAAAAAAAAAZAAAAAEAAABAAAAAAAAAAAAAAAAAAAAAAAAAAAAAAAAAAAAAAAAAAAAAAAAAAAAAAAAAAAAAAAAAAAAAAAAAAAAAAAAAAAAAAAAAAAAAAAAAAAAAAAAAAAAAAAAAAAAAFAAAADwAAAAAAAAAAAAAAAAAAAkUAAAAAQAAABQAAAAUAAAAFAAAAAEAAAAAAAAAZAAAAGQAAAAAAAAAZAAAAGQAAAAVAAAAYAAAAAAAAAAAAAAADwAAACADAAAAAAAAAAAAAAEAAACgMgAAVgcAAKr4//8BAAAAf39/AAEAAABkAAAAAAAAABQAAABAHwAAAAAAACYAAAAAAAAAwOD//wAAAAAmAAAAZAAAABYAAABMAAAAAAAAAAAAAAAEAAAAAAAAAAEAAABZWVkKAAAAACgAAAAoAAAAZAAAAGQAAAAAAAAAzMzMAAAAAABQAAAAUAAAAGQAAABkAAAAAAAAABcAAAAUAAAAAAAAAAAAAAD/fwAA/38AAAAAAAAJAAAABAAAAAAAAAAeAAAAaAAAAAAAAAAAAAAAAAAAAAAAAAAAAAAAECcAABAnAAAAAAAAAAAAAAAAAAAAAAAAAAAAAAAAAAAAAAAAAAAAABQAAAAAAAAAwMD/AAAAAABkAAAAMgAAAAAAAABkAAAAAAAAAH9/fwAKAAAAIgAAABgAAAAAAAAAAAAAAAAAAAAAAAAAAAAAAAAAAAAkAAAAJAAAAAAAAAAHAAAAAAAAAAAAAAAAAAAAAAAAAAAAAAAAAAAAf39/ACUAAABYAAAAAAAAAAAAAAAAAAAAAAAAAAAAAAAAAAAAAAAAAAAAAAAAAAAAAAAAAAAAAAA/AAAAAAAAAKCGAQAAAAAAAAAAAAAAAAAMAAAAAQAAAAAAAAAAAAAAAAAAAB8AAABUAAAAAAAABQAAAAEAAAAAAAAAAAAAAAAAAAAAAAAAAAAAAAAAAAAAAAAAAAAAAAJ/f38AAAAAA8zMzADAwP8Af39/AAAAAAAAAAAAAAAAAAAAAAAAAAAAIQAAABgAAAAUAAAAHjQAALAcAAB/NwAAGx8AABAAAAAmAAAACAAAAL2/AAD/HwAA"/>
+                <pr:smNativeData xmlns:pr="smNativeData" xmlns="smNativeData" val="SMDATA_15_f8v4ZxMAAAAlAAAAZAAAAA0AAAAAkAAAAJAAAACQAAAAkAAAAAAAAAABAAAAAAAAAAEAAABQAAAAAAAAAAAA4D8AAAAAAADgPwAAAAAAAOA/AAAAAAAA4D8AAAAAAADgPwAAAAAAAOA/AAAAAAAA4D8AAAAAAADgPwAAAAAAAOA/AAAAAAAA4D8CAAAAjAAAAAAAAAAAAAAAQoX0DP///wgAAAAAAAAAAAAAAAAAAAAAAAAAAAAAAAAAAAAAZAAAAAEAAABAAAAAAAAAAAAAAAAAAAAAAAAAAAAAAAAAAAAAAAAAAAAAAAAAAAAAAAAAAAAAAAAAAAAAAAAAAAAAAAAAAAAAAAAAAAAAAAAAAAAAAAAAAAAAAAAAAAAAFAAAADwAAAAAAAAAAAAAAAAAAAkUAAAAAQAAABQAAAAUAAAAFAAAAAEAAAAAAAAAZAAAAGQAAAAAAAAAZAAAAGQAAAAVAAAAYAAAAAAAAAAAAAAADwAAACADAAAAAAAAAAAAAAEAAACgMgAAVgcAAKr4//8BAAAAf39/AAEAAABkAAAAAAAAABQAAABAHwAAAAAAACYAAAAAAAAAwOD//wAAAAAmAAAAZAAAABYAAABMAAAAAAAAAAAAAAAEAAAAAAAAAAEAAABZWVkKAAAAACgAAAAoAAAAZAAAAGQAAAAAAAAAzMzMAAAAAABQAAAAUAAAAGQAAABkAAAAAAAAABcAAAAUAAAAAAAAAAAAAAD/fwAA/38AAAAAAAAJAAAABAAAAAAAAAAeAAAAaAAAAAAAAAAAAAAAAAAAAAAAAAAAAAAAECcAABAnAAAAAAAAAAAAAAAAAAAAAAAAAAAAAAAAAAAAAAAAAAAAABQAAAAAAAAAwMD/AAAAAABkAAAAMgAAAAAAAABkAAAAAAAAAH9/fwAKAAAAIgAAABgAAAAAAAAAAAAAAAAAAAAAAAAAAAAAAAAAAAAkAAAAJAAAAAAAAAAHAAAAAAAAAAAAAAAAAAAAAAAAAAAAAAAAAAAAf39/ACUAAABYAAAAAAAAAAAAAAAAAAAAAAAAAAAAAAAAAAAAAAAAAAAAAAAAAAAAAAAAAAAAAAA/AAAAAAAAAKCGAQAAAAAAAAAAAAAAAAAMAAAAAQAAAAAAAAAAAAAAAAAAAB8AAABUAAAAAAAABQAAAAEAAAAAAAAAAAAAAAAAAAAAAAAAAAAAAAAAAAAAAAAAAAAAAAJ/f38AAAAAA8zMzADAwP8Af39/AAAAAAAAAAAAAAAAAAAAAAAAAAAAIQAAABgAAAAUAAAAHjQAALAcAAB/NwAAGx8AABAAAAAmAAAACAAAAL2/AAD/HwAA"/>
               </a:ext>
             </a:extLst>
           </p:cNvSpPr>
@@ -11631,7 +11631,7 @@
               </a:spcAft>
               <a:buNone/>
             </a:pPr>
-            <a:fld id="{307B0AD3-9DDD-2EFC-93C3-6BA9448D653E}" type="slidenum">
+            <a:fld id="{75470C44-0A98-12FA-D6FF-FCAF42B120A9}" type="slidenum">
               <a:rPr lang="ru-ru" cap="none"/>
               <a:t/>
             </a:fld>
@@ -12280,7 +12280,7 @@
           <p:cNvPicPr>
             <a:extLst>
               <a:ext uri="smNativeData">
-                <pr:smNativeData xmlns:pr="smNativeData" xmlns="smNativeData" val="SMDATA_17_t6npZxMAAAAlAAAAEQAAAA0AAAAAkAAAAEgAAACQAAAASAAAAAAAAAAAAAAAAAAAAAEAAABQAAAAAAAAAAAA4D8AAAAAAADgPwAAAAAAAOA/AAAAAAAA4D8AAAAAAADgPwAAAAAAAOA/AAAAAAAA4D8AAAAAAADgPwAAAAAAAOA/AAAAAAAA4D8CAAAAjAAAAAAAAAAAAAAAQoX0DP///wgAAAAAAAAAAAAAAAAAAAAAAAAAAAAAAAAAAAAAZAAAAAEAAABAAAAAAAAAAAAAAAAAAAAAAAAAAAAAAAAAAAAAAAAAAAAAAAAAAAAAAAAAAAAAAAAAAAAAAAAAAAAAAAAAAAAAAAAAAAAAAAAAAAAAAAAAAAAAAAAAAAAAFAAAADwAAAAAAAAAAAAAAAAAAAkUAAAAAQAAABQAAAAUAAAAFAAAAAEAAAAAAAAAZAAAAGQAAAAAAAAAZAAAAGQAAAAVAAAAYAAAAAAAAAAAAAAADwAAACADAAAAAAAAAAAAAAEAAACgMgAAVgcAAKr4//8BAAAAf39/AAEAAABkAAAAAAAAABQAAABAHwAAAAAAACYAAAAAAAAAwOD//wAAAAAmAAAAZAAAABYAAABMAAAAAAAAAAAAAAAEAAAAAAAAAAEAAABZWVkKAAAAACgAAAAoAAAAZAAAAGQAAAAAAAAAzMzMAAAAAABQAAAAUAAAAGQAAABkAAAAAAAAAAcAAAA4AAAAAAAAAAAAAAAAAAAA////AAAAAAAAAAAARAcAAAAAAABDBwAAAAAAAAAAAABkAAAAZAAAAAAAAAAjAAAABAAAAGQAAAAXAAAAFAAAAAAAAAAAAAAA/38AAP9/AAAAAAAACQAAAAQAAABxk2hzHgAAAGgAAAAAAAAAAAAAAAAAAAAAAAAAAAAAABAnAAAQJwAAAAAAAAAAAAAAAAAAAAAAAAAAAAAAAAAAAAAAAAAAAAAUAAAAAAAAAMDA/wAAAAAAZAAAADIAAAAAAAAAZAAAAAAAAAB/f38ACgAAACIAAAAYAAAAAAAAAAAAAAAAAAAAAAAAAAAAAAAAAAAAJAAAACQAAAAAAAAABwAAAAAAAAAAAAAAAAAAAAAAAAAAAAAAAAAAAH9/fwAlAAAAWAAAAAAAAAAAAAAAAAAAAAAAAAAAAAAAAAAAAAAAAAAAAAAAAAAAAAAAAAAAAAAAPwAAAAAAAACghgEAAAAAAAAAAAAAAAAADAAAAAEAAAAAAAAAAAAAAAAAAAAfAAAAVAAAAEKF9AX///8BAAAAAAAAAAAAAAAAAAAAAAAAAAAAAAAAAAAAAAAAAAAAAAACf39/AFlZWQPMzMwAwMD/AH9/fwAAAAAAAAAAAAAAAAD///8AAAAAACEAAAAYAAAAFAAAAIj///827P//aTkAAKQfAAAQAAAAJgAAAAgAAAD//////////w=="/>
+                <pr:smNativeData xmlns:pr="smNativeData" xmlns="smNativeData" val="SMDATA_17_f8v4ZxMAAAAlAAAAEQAAAA0AAAAAkAAAAEgAAACQAAAASAAAAAAAAAAAAAAAAAAAAAEAAABQAAAAAAAAAAAA4D8AAAAAAADgPwAAAAAAAOA/AAAAAAAA4D8AAAAAAADgPwAAAAAAAOA/AAAAAAAA4D8AAAAAAADgPwAAAAAAAOA/AAAAAAAA4D8CAAAAjAAAAAAAAAAAAAAAQoX0DP///wgAAAAAAAAAAAAAAAAAAAAAAAAAAAAAAAAAAAAAZAAAAAEAAABAAAAAAAAAAAAAAAAAAAAAAAAAAAAAAAAAAAAAAAAAAAAAAAAAAAAAAAAAAAAAAAAAAAAAAAAAAAAAAAAAAAAAAAAAAAAAAAAAAAAAAAAAAAAAAAAAAAAAFAAAADwAAAAAAAAAAAAAAAAAAAkUAAAAAQAAABQAAAAUAAAAFAAAAAEAAAAAAAAAZAAAAGQAAAAAAAAAZAAAAGQAAAAVAAAAYAAAAAAAAAAAAAAADwAAACADAAAAAAAAAAAAAAEAAACgMgAAVgcAAKr4//8BAAAAf39/AAEAAABkAAAAAAAAABQAAABAHwAAAAAAACYAAAAAAAAAwOD//wAAAAAmAAAAZAAAABYAAABMAAAAAAAAAAAAAAAEAAAAAAAAAAEAAABZWVkKAAAAACgAAAAoAAAAZAAAAGQAAAAAAAAAzMzMAAAAAABQAAAAUAAAAGQAAABkAAAAAAAAAAcAAAA4AAAAAAAAAAAAAAAAAAAA////AAAAAAAAAAAARAcAAAAAAABDBwAAAAAAAAAAAABkAAAAZAAAAAAAAAAjAAAABAAAAGQAAAAXAAAAFAAAAAAAAAAAAAAA/38AAP9/AAAAAAAACQAAAAQAAABxk2hzHgAAAGgAAAAAAAAAAAAAAAAAAAAAAAAAAAAAABAnAAAQJwAAAAAAAAAAAAAAAAAAAAAAAAAAAAAAAAAAAAAAAAAAAAAUAAAAAAAAAMDA/wAAAAAAZAAAADIAAAAAAAAAZAAAAAAAAAB/f38ACgAAACIAAAAYAAAAAAAAAAAAAAAAAAAAAAAAAAAAAAAAAAAAJAAAACQAAAAAAAAABwAAAAAAAAAAAAAAAAAAAAAAAAAAAAAAAAAAAH9/fwAlAAAAWAAAAAAAAAAAAAAAAAAAAAAAAAAAAAAAAAAAAAAAAAAAAAAAAAAAAAAAAAAAAAAAPwAAAAAAAACghgEAAAAAAAAAAAAAAAAADAAAAAEAAAAAAAAAAAAAAAAAAAAfAAAAVAAAAEKF9AX///8BAAAAAAAAAAAAAAAAAAAAAAAAAAAAAAAAAAAAAAAAAAAAAAACf39/AFlZWQPMzMwAwMD/AH9/fwAAAAAAAAAAAAAAAAD///8AAAAAACEAAAAYAAAAFAAAAIj///827P//aTkAAKQfAAAQAAAAJgAAAAgAAAD//////////w=="/>
               </a:ext>
             </a:extLst>
           </p:cNvPicPr>
@@ -12314,7 +12314,7 @@
           <p:cNvSpPr>
             <a:extLst>
               <a:ext uri="smNativeData">
-                <pr:smNativeData xmlns:pr="smNativeData" xmlns="smNativeData" val="SMDATA_15_t6npZxMAAAAlAAAAZAAAAE0AAAAAkAAAAJAAAACQAAAAkAAAAAAAAAAAAAAAAAAAAAEAAABQAAAAAAAAAAAA4D8AAAAAAADgPwAAAAAAAOA/AAAAAAAA4D8AAAAAAADgPwAAAAAAAOA/AAAAAAAA4D8AAAAAAADgPwAAAAAAAOA/AAAAAAAA4D8CAAAAjAAAAAAAAAAAAAAAQoX0DP///wgAAAAAAAAAAAAAAAAAAAAAAAAAAAAAAAAAAAAAZAAAAAEAAABAAAAAAAAAAAAAAAAAAAAAAAAAAAAAAAAAAAAAAAAAAAAAAAAAAAAAAAAAAAAAAAAAAAAAAAAAAAAAAAAAAAAAAAAAAAAAAAAAAAAAAAAAAAAAAAAAAAAAFAAAADwAAAAAAAAAAAAAAAAAAAkUAAAAAQAAABQAAAAUAAAAFAAAAAEAAAAAAAAAZAAAAGQAAAAAAAAAZAAAAGQAAAAVAAAAYAAAAAAAAAAAAAAADwAAACADAAAAAAAAAAAAAAEAAACgMgAAVgcAAKr4//8BAAAAf39/AAEAAABkAAAAAAAAABQAAABAHwAAAAAAACYAAAAAAAAAwOD//wAAAAAmAAAAZAAAABYAAABMAAAAAAAAAAAAAAAEAAAAAAAAAAEAAABZWVkKAAAAACgAAAAoAAAAZAAAAGQAAAAAAAAAzMzMAAAAAABQAAAAUAAAAGQAAABkAAAAAAAAABcAAAAUAAAAAAAAAAAAAAD/fwAA/38AAAAAAAAJAAAABAAAAP8A//8eAAAAaAAAAAAAAAAAAAAAAAAAAAAAAAAAAAAAECcAABAnAAAAAAAAAAAAAAAAAAAAAAAAAAAAAAAAAAAAAAAAAAAAABQAAAAAAAAAwMD/AAAAAABkAAAAMgAAAAAAAABkAAAAAAAAAH9/fwAKAAAAIgAAABgAAAAAAAAAAAAAAAAAAAAAAAAAAAAAAAAAAAAkAAAAJAAAAAAAAAAHAAAAAAAAAAAAAAAAAAAAAAAAAAAAAAAAAAAAf39/ACUAAABYAAAAAAAAAAAAAAAAAAAAAAAAAAAAAAAAAAAAAAAAAAAAAAAAAAAAAAAAAAAAAAA/AAAAAAAAAKCGAQAAAAAAAAAAAAAAAAAMAAAAAQAAAAAAAAAAAAAAAAAAAB8AAABUAAAAQoX0Bf///wEAAAAAAAAAAAAAAAAAAAAAAAAAAAAAAAAAAAAAAAAAAAAAAAJ/f38AWVlZA8zMzADAwP8Af39/AAAAAAAAAAAAAAAAAAAAAAAAAAAAIQAAABgAAAAUAAAAqgIAAHEJAABSMQAAyRQAABAgAAAmAAAACAAAAP//////////"/>
+                <pr:smNativeData xmlns:pr="smNativeData" xmlns="smNativeData" val="SMDATA_15_f8v4ZxMAAAAlAAAAZAAAAE0AAAAAkAAAAJAAAACQAAAAkAAAAAAAAAAAAAAAAAAAAAEAAABQAAAAAAAAAAAA4D8AAAAAAADgPwAAAAAAAOA/AAAAAAAA4D8AAAAAAADgPwAAAAAAAOA/AAAAAAAA4D8AAAAAAADgPwAAAAAAAOA/AAAAAAAA4D8CAAAAjAAAAAAAAAAAAAAAQoX0DP///wgAAAAAAAAAAAAAAAAAAAAAAAAAAAAAAAAAAAAAZAAAAAEAAABAAAAAAAAAAAAAAAAAAAAAAAAAAAAAAAAAAAAAAAAAAAAAAAAAAAAAAAAAAAAAAAAAAAAAAAAAAAAAAAAAAAAAAAAAAAAAAAAAAAAAAAAAAAAAAAAAAAAAFAAAADwAAAAAAAAAAAAAAAAAAAkUAAAAAQAAABQAAAAUAAAAFAAAAAEAAAAAAAAAZAAAAGQAAAAAAAAAZAAAAGQAAAAVAAAAYAAAAAAAAAAAAAAADwAAACADAAAAAAAAAAAAAAEAAACgMgAAVgcAAKr4//8BAAAAf39/AAEAAABkAAAAAAAAABQAAABAHwAAAAAAACYAAAAAAAAAwOD//wAAAAAmAAAAZAAAABYAAABMAAAAAAAAAAAAAAAEAAAAAAAAAAEAAABZWVkKAAAAACgAAAAoAAAAZAAAAGQAAAAAAAAAzMzMAAAAAABQAAAAUAAAAGQAAABkAAAAAAAAABcAAAAUAAAAAAAAAAAAAAD/fwAA/38AAAAAAAAJAAAABAAAAP8A//8eAAAAaAAAAAAAAAAAAAAAAAAAAAAAAAAAAAAAECcAABAnAAAAAAAAAAAAAAAAAAAAAAAAAAAAAAAAAAAAAAAAAAAAABQAAAAAAAAAwMD/AAAAAABkAAAAMgAAAAAAAABkAAAAAAAAAH9/fwAKAAAAIgAAABgAAAAAAAAAAAAAAAAAAAAAAAAAAAAAAAAAAAAkAAAAJAAAAAAAAAAHAAAAAAAAAAAAAAAAAAAAAAAAAAAAAAAAAAAAf39/ACUAAABYAAAAAAAAAAAAAAAAAAAAAAAAAAAAAAAAAAAAAAAAAAAAAAAAAAAAAAAAAAAAAAA/AAAAAAAAAKCGAQAAAAAAAAAAAAAAAAAMAAAAAQAAAAAAAAAAAAAAAAAAAB8AAABUAAAAQoX0Bf///wEAAAAAAAAAAAAAAAAAAAAAAAAAAAAAAAAAAAAAAAAAAAAAAAJ/f38AWVlZA8zMzADAwP8Af39/AAAAAAAAAAAAAAAAAAAAAAAAAAAAIQAAABgAAAAUAAAAqgIAAHEJAABSMQAAyRQAABAgAAAmAAAACAAAAP//////////"/>
               </a:ext>
             </a:extLst>
           </p:cNvSpPr>
@@ -12370,7 +12370,7 @@
           <p:cNvPicPr>
             <a:extLst>
               <a:ext uri="smNativeData">
-                <pr:smNativeData xmlns:pr="smNativeData" xmlns="smNativeData" val="SMDATA_17_t6npZxMAAAAlAAAAEQAAAA0AAAAAkAAAAEgAAACQAAAASAAAAAAAAAAAAAAAAAAAAAEAAABQAAAAAAAAAAAA4D8AAAAAAADgPwAAAAAAAOA/AAAAAAAA4D8AAAAAAADgPwAAAAAAAOA/AAAAAAAA4D8AAAAAAADgPwAAAAAAAOA/AAAAAAAA4D8CAAAAjAAAAAAAAAAAAAAAQoX0DP///wgAAAAAAAAAAAAAAAAAAAAAAAAAAAAAAAAAAAAAZAAAAAEAAABAAAAAAAAAAAAAAAAAAAAAAAAAAAAAAAAAAAAAAAAAAAAAAAAAAAAAAAAAAAAAAAAAAAAAAAAAAAAAAAAAAAAAAAAAAAAAAAAAAAAAAAAAAAAAAAAAAAAAFAAAADwAAAAAAAAAAAAAAAAAAAkUAAAAAQAAABQAAAAUAAAAFAAAAAEAAAAAAAAAZAAAAGQAAAAAAAAAZAAAAGQAAAAVAAAAYAAAAAAAAAAAAAAADwAAACADAAAAAAAAAAAAAAEAAACgMgAAVgcAAKr4//8BAAAAf39/AAEAAABkAAAAAAAAABQAAABAHwAAAAAAACYAAAAAAAAAwOD//wAAAAAmAAAAZAAAABYAAABMAAAAAAAAAAAAAAAEAAAAAAAAAAEAAABZWVkKAAAAACgAAAAoAAAAZAAAAGQAAAAAAAAAzMzMAAAAAABQAAAAUAAAAGQAAABkAAAAAAAAAAcAAAA4AAAAAAAAAAAAAAAAAAAA////AAAAAAAAAAAAAAAAAAAAAAAAAAAAAAAAAAAAAABkAAAAZAAAAAAAAAAjAAAABAAAAGQAAAAXAAAAFAAAAAAAAAAAAAAA/38AAP9/AAAAAAAACQAAAAQAAAAAAAAAHgAAAGgAAAAAAAAAAAAAAAAAAAAAAAAAAAAAABAnAAAQJwAAAAAAAAAAAAAAAAAAAAAAAAAAAAAAAAAAAAAAAAAAAAAUAAAAAAAAAMDA/wAAAAAAZAAAADIAAAAAAAAAZAAAAAAAAAB/f38ACgAAACIAAAAYAAAAAAAAAAAAAAAAAAAAAAAAAAAAAAAAAAAAJAAAACQAAAAAAAAABwAAAAAAAAAAAAAAAAAAAAAAAAAAAAAAAAAAAH9/fwAlAAAAWAAAAAAAAAAAAAAAAAAAAAAAAAAAAAAAAAAAAAAAAAAAAAAAAAAAAAAAAAAAAAAAPwAAAAAAAACghgEAAAAAAAAAAAAAAAAADAAAAAEAAAAAAAAAAAAAAAAAAAAfAAAAVAAAAEKF9AX///8BAAAAAAAAAAAAAAAAAAAAAAAAAAAAAAAAAAAAAAAAAAAAAAACf39/AFlZWQPMzMwAwMD/AH9/fwAAAAAAAAAAAAAAAAD///8AAAAAACEAAAAYAAAAFAAAAK8wAACnAQAAvTUAAGgDAAAQAAAAJgAAAAgAAAD//////////w=="/>
+                <pr:smNativeData xmlns:pr="smNativeData" xmlns="smNativeData" val="SMDATA_17_f8v4ZxMAAAAlAAAAEQAAAA0AAAAAkAAAAEgAAACQAAAASAAAAAAAAAAAAAAAAAAAAAEAAABQAAAAAAAAAAAA4D8AAAAAAADgPwAAAAAAAOA/AAAAAAAA4D8AAAAAAADgPwAAAAAAAOA/AAAAAAAA4D8AAAAAAADgPwAAAAAAAOA/AAAAAAAA4D8CAAAAjAAAAAAAAAAAAAAAQoX0DP///wgAAAAAAAAAAAAAAAAAAAAAAAAAAAAAAAAAAAAAZAAAAAEAAABAAAAAAAAAAAAAAAAAAAAAAAAAAAAAAAAAAAAAAAAAAAAAAAAAAAAAAAAAAAAAAAAAAAAAAAAAAAAAAAAAAAAAAAAAAAAAAAAAAAAAAAAAAAAAAAAAAAAAFAAAADwAAAAAAAAAAAAAAAAAAAkUAAAAAQAAABQAAAAUAAAAFAAAAAEAAAAAAAAAZAAAAGQAAAAAAAAAZAAAAGQAAAAVAAAAYAAAAAAAAAAAAAAADwAAACADAAAAAAAAAAAAAAEAAACgMgAAVgcAAKr4//8BAAAAf39/AAEAAABkAAAAAAAAABQAAABAHwAAAAAAACYAAAAAAAAAwOD//wAAAAAmAAAAZAAAABYAAABMAAAAAAAAAAAAAAAEAAAAAAAAAAEAAABZWVkKAAAAACgAAAAoAAAAZAAAAGQAAAAAAAAAzMzMAAAAAABQAAAAUAAAAGQAAABkAAAAAAAAAAcAAAA4AAAAAAAAAAAAAAAAAAAA////AAAAAAAAAAAAAAAAAAAAAAAAAAAAAAAAAAAAAABkAAAAZAAAAAAAAAAjAAAABAAAAGQAAAAXAAAAFAAAAAAAAAAAAAAA/38AAP9/AAAAAAAACQAAAAQAAAAAAAAAHgAAAGgAAAAAAAAAAAAAAAAAAAAAAAAAAAAAABAnAAAQJwAAAAAAAAAAAAAAAAAAAAAAAAAAAAAAAAAAAAAAAAAAAAAUAAAAAAAAAMDA/wAAAAAAZAAAADIAAAAAAAAAZAAAAAAAAAB/f38ACgAAACIAAAAYAAAAAAAAAAAAAAAAAAAAAAAAAAAAAAAAAAAAJAAAACQAAAAAAAAABwAAAAAAAAAAAAAAAAAAAAAAAAAAAAAAAAAAAH9/fwAlAAAAWAAAAAAAAAAAAAAAAAAAAAAAAAAAAAAAAAAAAAAAAAAAAAAAAAAAAAAAAAAAAAAAPwAAAAAAAACghgEAAAAAAAAAAAAAAAAADAAAAAEAAAAAAAAAAAAAAAAAAAAfAAAAVAAAAEKF9AX///8BAAAAAAAAAAAAAAAAAAAAAAAAAAAAAAAAAAAAAAAAAAAAAAACf39/AFlZWQPMzMwAwMD/AH9/fwAAAAAAAAAAAAAAAAD///8AAAAAACEAAAAYAAAAFAAAAK8wAACnAQAAvTUAAGgDAAAQAAAAJgAAAAgAAAD//////////w=="/>
               </a:ext>
             </a:extLst>
           </p:cNvPicPr>
@@ -12403,7 +12403,7 @@
           <p:cNvSpPr>
             <a:extLst>
               <a:ext uri="smNativeData">
-                <pr:smNativeData xmlns:pr="smNativeData" xmlns="smNativeData" val="SMDATA_15_t6npZxMAAAAlAAAAZQAAAA0AAAAAkAAAAJAAAACQAAAAkAAAAAAAAAABAAAAAAAAAAEAAABQAAAAhbacS3FV1T8AAAAAAAAAAAAAAAAAAOA/AAAAAAAA4D8AAAAAAADgPwAAAAAAAOA/AAAAAAAA4D8AAAAAAADgPwAAAAAAAOA/AAAAAAAA4D8CAAAAjAAAAAEAAAAAAAAAPymaAP///wgAAAAAAAAAAAAAAAAAAAAAAAAAAAAAAAAAAAAAeAAAAAEAAABAAAAAAAAAAAAAAABaAAAAAAAAAAAAAAAAAAAAAAAAAAAAAAAAAAAAAAAAAAAAAAAAAAAAAAAAAAAAAAAAAAAAAAAAAAAAAAAAAAAAAAAAAAAAAAAAAAAAFAAAADwAAAAAAAAAAAAAAAAAAAkUAAAAAQAAABQAAAAUAAAAFAAAAAEAAAAAAAAAZAAAAGQAAAAAAAAAZAAAAGQAAAAVAAAAYAAAAAAAAAAAAAAADwAAACADAAAAAAAAAAAAAAEAAACgMgAAVgcAAKr4//8BAAAAf39/AAEAAABkAAAAAAAAABQAAABAHwAAAAAAACYAAAAAAAAAwOD//wAAAAAmAAAAZAAAABYAAABMAAAAAAAAAAAAAAAEAAAAAAAAAAEAAABZWVkKAAAAACgAAAAoAAAAZAAAAGQAAAAAAAAAzMzMAAAAAABQAAAAUAAAAGQAAABkAAAAAAAAABcAAAAUAAAAAAAAAAAAAAD/fwAA/38AAAAAAAAJAAAABAAAAP8A//8eAAAAaAAAAAAAAAAAAAAAAAAAAAAAAAAAAAAAECcAABAnAAAAAAAAAAAAAAAAAAAAAAAAAAAAAAAAAAAAAAAAAAAAABQAAAAAAAAAwMD/AAAAAABkAAAAMgAAAAAAAABkAAAAAAAAAH9/fwAKAAAAIgAAABgAAAAAAAAAAAAAAAAAAAAAAAAAAAAAAAAAAAAkAAAAJAAAAAAAAAAHAAAAAAAAAAAAAAAAAAAAAAAAAAAAAAAAAAAAf39/ACUAAABYAAAAAAAAAAAAAAAAAAAAAAAAAAAAAAAAAAAAAAAAAAAAAAAAAAAAAAAAAAAAAAA/AAAAAAAAAKCGAQAAAAAAAAAAAAAAAAAMAAAAAQAAAAAAAAAAAAAAAAAAAB8AAABUAAAAPymaAP///wEAAAAAAAAAAAAAAAAAAAAAAAAAAAAAAAAAAAAAAAAAAAAAAAJ/f38AWVlZA8zMzADAwP8Af39/AAAAAAAAAAAAAAAAAAAAAAAAAAAAIQAAABgAAAAUAAAA4AMAAHUZAADXFQAAFBwAABAAAAAmAAAACAAAAP//////////"/>
+                <pr:smNativeData xmlns:pr="smNativeData" xmlns="smNativeData" val="SMDATA_15_f8v4ZxMAAAAlAAAAZQAAAA0AAAAAkAAAAJAAAACQAAAAkAAAAAAAAAABAAAAAAAAAAEAAABQAAAAhbacS3FV1T8AAAAAAAAAAAAAAAAAAOA/AAAAAAAA4D8AAAAAAADgPwAAAAAAAOA/AAAAAAAA4D8AAAAAAADgPwAAAAAAAOA/AAAAAAAA4D8CAAAAjAAAAAEAAAAAAAAAPymaAP///wgAAAAAAAAAAAAAAAAAAAAAAAAAAAAAAAAAAAAAeAAAAAEAAABAAAAAAAAAAAAAAABaAAAAAAAAAAAAAAAAAAAAAAAAAAAAAAAAAAAAAAAAAAAAAAAAAAAAAAAAAAAAAAAAAAAAAAAAAAAAAAAAAAAAAAAAAAAAAAAAAAAAFAAAADwAAAAAAAAAAAAAAAAAAAkUAAAAAQAAABQAAAAUAAAAFAAAAAEAAAAAAAAAZAAAAGQAAAAAAAAAZAAAAGQAAAAVAAAAYAAAAAAAAAAAAAAADwAAACADAAAAAAAAAAAAAAEAAACgMgAAVgcAAKr4//8BAAAAf39/AAEAAABkAAAAAAAAABQAAABAHwAAAAAAACYAAAAAAAAAwOD//wAAAAAmAAAAZAAAABYAAABMAAAAAAAAAAAAAAAEAAAAAAAAAAEAAABZWVkKAAAAACgAAAAoAAAAZAAAAGQAAAAAAAAAzMzMAAAAAABQAAAAUAAAAGQAAABkAAAAAAAAABcAAAAUAAAAAAAAAAAAAAD/fwAA/38AAAAAAAAJAAAABAAAAP8A//8eAAAAaAAAAAAAAAAAAAAAAAAAAAAAAAAAAAAAECcAABAnAAAAAAAAAAAAAAAAAAAAAAAAAAAAAAAAAAAAAAAAAAAAABQAAAAAAAAAwMD/AAAAAABkAAAAMgAAAAAAAABkAAAAAAAAAH9/fwAKAAAAIgAAABgAAAAAAAAAAAAAAAAAAAAAAAAAAAAAAAAAAAAkAAAAJAAAAAAAAAAHAAAAAAAAAAAAAAAAAAAAAAAAAAAAAAAAAAAAf39/ACUAAABYAAAAAAAAAAAAAAAAAAAAAAAAAAAAAAAAAAAAAAAAAAAAAAAAAAAAAAAAAAAAAAA/AAAAAAAAAKCGAQAAAAAAAAAAAAAAAAAMAAAAAQAAAAAAAAAAAAAAAAAAAB8AAABUAAAAPymaAP///wEAAAAAAAAAAAAAAAAAAAAAAAAAAAAAAAAAAAAAAAAAAAAAAAJ/f38AWVlZA8zMzADAwP8Af39/AAAAAAAAAAAAAAAAAAAAAAAAAAAAIQAAABgAAAAUAAAA4AMAAHUZAADXFQAAFBwAABAAAAAmAAAACAAAAP//////////"/>
               </a:ext>
             </a:extLst>
           </p:cNvSpPr>
@@ -12454,7 +12454,7 @@
           <p:cNvSpPr>
             <a:extLst>
               <a:ext uri="smNativeData">
-                <pr:smNativeData xmlns:pr="smNativeData" xmlns="smNativeData" val="SMDATA_15_t6npZxMAAAAlAAAAZAAAAE0AAAAAkAAAAJAAAACQAAAAkAAAAAAAAAAAAAAAAAAAAAEAAABQAAAAAAAAAAAA4D8AAAAAAADgPwAAAAAAAOA/AAAAAAAA4D8AAAAAAADgPwAAAAAAAOA/AAAAAAAA4D8AAAAAAADgPwAAAAAAAOA/AAAAAAAA4D8CAAAAjAAAAAAAAAAAAAAAQoX0DP///wgAAAAAAAAAAAAAAAAAAAAAAAAAAAAAAAAAAAAAZAAAAAEAAABAAAAAAAAAAAAAAAAAAAAAAAAAAAAAAAAAAAAAAAAAAAAAAAAAAAAAAAAAAAAAAAAAAAAAAAAAAAAAAAAAAAAAAAAAAAAAAAAAAAAAAAAAAAAAAAAAAAAAFAAAADwAAAAAAAAAAAAAAAAAAAkUAAAAAQAAABQAAAAUAAAAFAAAAAEAAAAAAAAAZAAAAGQAAAAAAAAAZAAAAGQAAAAVAAAAYAAAAAAAAAAAAAAADwAAACADAAAAAAAAAAAAAAEAAACgMgAAVgcAAKr4//8BAAAAf39/AAEAAABkAAAAAAAAABQAAABAHwAAAAAAACYAAAAAAAAAwOD//wAAAAAmAAAAZAAAABYAAABMAAAAAAAAAAAAAAAEAAAAAAAAAAEAAABZWVkKAAAAACgAAAAoAAAAZAAAAGQAAAAAAAAAzMzMAAAAAABQAAAAUAAAAGQAAABkAAAAAAAAABcAAAAUAAAAAAAAAAAAAAD/fwAA/38AAAAAAAAJAAAABAAAAAAAAAAeAAAAaAAAAAAAAAAAAAAAAAAAAAAAAAAAAAAAECcAABAnAAAAAAAAAAAAAAAAAAAAAAAAAAAAAAAAAAAAAAAAAAAAABQAAAAAAAAAwMD/AAAAAABkAAAAMgAAAAAAAABkAAAAAAAAAH9/fwAKAAAAIgAAABgAAAAAAAAAAAAAAAAAAAAAAAAAAAAAAAAAAAAkAAAAJAAAAAAAAAAHAAAAAAAAAAAAAAAAAAAAAAAAAAAAAAAAAAAAf39/ACUAAABYAAAAAAAAAAAAAAAAAAAAAAAAAAAAAAAAAAAAAAAAAAAAAAAAAAAAAAAAAAAAAAA/AAAAAAAAAKCGAQAAAAAAAAAAAAAAAAAMAAAAAQAAAAAAAAAAAAAAAAAAAB8AAABUAAAAQoX0Bf///wEAAAAAAAAAAAAAAAAAAAAAAAAAAAAAAAAAAAAAAAAAAAAAAAJ/f38AWVlZA8zMzADAwP8Af39/AAAAAAAAAAAAAAAAAAAAAAAAAAAAIQAAABgAAAAUAAAAcwUAAGQZAABDFAAAKRwAABAgAAAmAAAACAAAAP//////////"/>
+                <pr:smNativeData xmlns:pr="smNativeData" xmlns="smNativeData" val="SMDATA_15_f8v4ZxMAAAAlAAAAZAAAAE0AAAAAkAAAAJAAAACQAAAAkAAAAAAAAAAAAAAAAAAAAAEAAABQAAAAAAAAAAAA4D8AAAAAAADgPwAAAAAAAOA/AAAAAAAA4D8AAAAAAADgPwAAAAAAAOA/AAAAAAAA4D8AAAAAAADgPwAAAAAAAOA/AAAAAAAA4D8CAAAAjAAAAAAAAAAAAAAAQoX0DP///wgAAAAAAAAAAAAAAAAAAAAAAAAAAAAAAAAAAAAAZAAAAAEAAABAAAAAAAAAAAAAAAAAAAAAAAAAAAAAAAAAAAAAAAAAAAAAAAAAAAAAAAAAAAAAAAAAAAAAAAAAAAAAAAAAAAAAAAAAAAAAAAAAAAAAAAAAAAAAAAAAAAAAFAAAADwAAAAAAAAAAAAAAAAAAAkUAAAAAQAAABQAAAAUAAAAFAAAAAEAAAAAAAAAZAAAAGQAAAAAAAAAZAAAAGQAAAAVAAAAYAAAAAAAAAAAAAAADwAAACADAAAAAAAAAAAAAAEAAACgMgAAVgcAAKr4//8BAAAAf39/AAEAAABkAAAAAAAAABQAAABAHwAAAAAAACYAAAAAAAAAwOD//wAAAAAmAAAAZAAAABYAAABMAAAAAAAAAAAAAAAEAAAAAAAAAAEAAABZWVkKAAAAACgAAAAoAAAAZAAAAGQAAAAAAAAAzMzMAAAAAABQAAAAUAAAAGQAAABkAAAAAAAAABcAAAAUAAAAAAAAAAAAAAD/fwAA/38AAAAAAAAJAAAABAAAAAAAAAAeAAAAaAAAAAAAAAAAAAAAAAAAAAAAAAAAAAAAECcAABAnAAAAAAAAAAAAAAAAAAAAAAAAAAAAAAAAAAAAAAAAAAAAABQAAAAAAAAAwMD/AAAAAABkAAAAMgAAAAAAAABkAAAAAAAAAH9/fwAKAAAAIgAAABgAAAAAAAAAAAAAAAAAAAAAAAAAAAAAAAAAAAAkAAAAJAAAAAAAAAAHAAAAAAAAAAAAAAAAAAAAAAAAAAAAAAAAAAAAf39/ACUAAABYAAAAAAAAAAAAAAAAAAAAAAAAAAAAAAAAAAAAAAAAAAAAAAAAAAAAAAAAAAAAAAA/AAAAAAAAAKCGAQAAAAAAAAAAAAAAAAAMAAAAAQAAAAAAAAAAAAAAAAAAAB8AAABUAAAAQoX0Bf///wEAAAAAAAAAAAAAAAAAAAAAAAAAAAAAAAAAAAAAAAAAAAAAAAJ/f38AWVlZA8zMzADAwP8Af39/AAAAAAAAAAAAAAAAAAAAAAAAAAAAIQAAABgAAAAUAAAAcwUAAGQZAABDFAAAKRwAABAgAAAmAAAACAAAAP//////////"/>
               </a:ext>
             </a:extLst>
           </p:cNvSpPr>
@@ -12518,7 +12518,7 @@
           <p:cNvPicPr>
             <a:extLst>
               <a:ext uri="smNativeData">
-                <pr:smNativeData xmlns:pr="smNativeData" xmlns="smNativeData" val="SMDATA_17_t6npZxMAAAAlAAAAEQAAAA0AAAAAkAAAAEgAAACQAAAASAAAAAAAAAAAAAAAAAAAAAEAAABQAAAAAAAAAAAA4D8AAAAAAADgPwAAAAAAAOA/AAAAAAAA4D8AAAAAAADgPwAAAAAAAOA/AAAAAAAA4D8AAAAAAADgPwAAAAAAAOA/AAAAAAAA4D8CAAAAjAAAAAAAAAAAAAAAQoX0DP///wgAAAAAAAAAAAAAAAAAAAAAAAAAAAAAAAAAAAAAZAAAAAEAAABAAAAAAAAAAAAAAAAAAAAAAAAAAAAAAAAAAAAAAAAAAAAAAAAAAAAAAAAAAAAAAAAAAAAAAAAAAAAAAAAAAAAAAAAAAAAAAAAAAAAAAAAAAAAAAAAAAAAAFAAAADwAAAAAAAAAAAAAAAAAAAkUAAAAAQAAABQAAAAUAAAAFAAAAAEAAAAAAAAAZAAAAGQAAAAAAAAAZAAAAGQAAAAVAAAAYAAAAAAAAAAAAAAADwAAACADAAAAAAAAAAAAAAEAAACgMgAAVgcAAKr4//8BAAAAf39/AAEAAABkAAAAAAAAABQAAABAHwAAAAAAACYAAAAAAAAAwOD//wAAAAAmAAAAZAAAABYAAABMAAAAAAAAAAAAAAAEAAAAAAAAAAEAAABZWVkKAAAAACgAAAAoAAAAZAAAAGQAAAAAAAAAzMzMAAAAAABQAAAAUAAAAGQAAABkAAAAAAAAAAcAAAA4AAAAAAAAAAAAAAAAAAAA////AAAAAAAAAAAAAAAAAAAAAAAAAAAAAAAAAAAAAABkAAAAZAAAAAAAAAAjAAAABAAAAGQAAAAXAAAAFAAAAAAAAAAAAAAA/38AAP9/AAAAAAAACQAAAAQAAAAAAAAAHgAAAGgAAAAAAAAAAAAAAAAAAAAAAAAAAAAAABAnAAAQJwAAAAAAAAAAAAAAAAAAAAAAAAAAAAAAAAAAAAAAAAAAAAAUAAAAAAAAAMDA/wAAAAAAZAAAADIAAAAAAAAAZAAAAAAAAAB/f38ACgAAACIAAAAYAAAAAAAAAAAAAAAAAAAAAAAAAAAAAAAAAAAAJAAAACQAAAAAAAAABwAAAAAAAAAAAAAAAAAAAAAAAAAAAAAAAAAAAH9/fwAlAAAAWAAAAAAAAAAAAAAAAAAAAAAAAAAAAAAAAAAAAAAAAAAAAAAAAAAAAAAAAAAAAAAAPwAAAAAAAACghgEAAAAAAAAAAAAAAAAADAAAAAEAAAAAAAAAAAAAAAAAAAAfAAAAVAAAAEKF9AX///8BAAAAAAAAAAAAAAAAAAAAAAAAAAAAAAAAAAAAAAAAAAAAAAACf39/AFlZWQPMzMwAwMD/AH9/fwAAAAAAAAAAAAAAAAD///8AAAAAACEAAAAYAAAAFAAAAJUtAAD4EgAAGzcAAD0dAAAQAAAAJgAAAAgAAAD//////////w=="/>
+                <pr:smNativeData xmlns:pr="smNativeData" xmlns="smNativeData" val="SMDATA_17_f8v4ZxMAAAAlAAAAEQAAAA0AAAAAkAAAAEgAAACQAAAASAAAAAAAAAAAAAAAAAAAAAEAAABQAAAAAAAAAAAA4D8AAAAAAADgPwAAAAAAAOA/AAAAAAAA4D8AAAAAAADgPwAAAAAAAOA/AAAAAAAA4D8AAAAAAADgPwAAAAAAAOA/AAAAAAAA4D8CAAAAjAAAAAAAAAAAAAAAQoX0DP///wgAAAAAAAAAAAAAAAAAAAAAAAAAAAAAAAAAAAAAZAAAAAEAAABAAAAAAAAAAAAAAAAAAAAAAAAAAAAAAAAAAAAAAAAAAAAAAAAAAAAAAAAAAAAAAAAAAAAAAAAAAAAAAAAAAAAAAAAAAAAAAAAAAAAAAAAAAAAAAAAAAAAAFAAAADwAAAAAAAAAAAAAAAAAAAkUAAAAAQAAABQAAAAUAAAAFAAAAAEAAAAAAAAAZAAAAGQAAAAAAAAAZAAAAGQAAAAVAAAAYAAAAAAAAAAAAAAADwAAACADAAAAAAAAAAAAAAEAAACgMgAAVgcAAKr4//8BAAAAf39/AAEAAABkAAAAAAAAABQAAABAHwAAAAAAACYAAAAAAAAAwOD//wAAAAAmAAAAZAAAABYAAABMAAAAAAAAAAAAAAAEAAAAAAAAAAEAAABZWVkKAAAAACgAAAAoAAAAZAAAAGQAAAAAAAAAzMzMAAAAAABQAAAAUAAAAGQAAABkAAAAAAAAAAcAAAA4AAAAAAAAAAAAAAAAAAAA////AAAAAAAAAAAAAAAAAAAAAAAAAAAAAAAAAAAAAABkAAAAZAAAAAAAAAAjAAAABAAAAGQAAAAXAAAAFAAAAAAAAAAAAAAA/38AAP9/AAAAAAAACQAAAAQAAAAAAAAAHgAAAGgAAAAAAAAAAAAAAAAAAAAAAAAAAAAAABAnAAAQJwAAAAAAAAAAAAAAAAAAAAAAAAAAAAAAAAAAAAAAAAAAAAAUAAAAAAAAAMDA/wAAAAAAZAAAADIAAAAAAAAAZAAAAAAAAAB/f38ACgAAACIAAAAYAAAAAAAAAAAAAAAAAAAAAAAAAAAAAAAAAAAAJAAAACQAAAAAAAAABwAAAAAAAAAAAAAAAAAAAAAAAAAAAAAAAAAAAH9/fwAlAAAAWAAAAAAAAAAAAAAAAAAAAAAAAAAAAAAAAAAAAAAAAAAAAAAAAAAAAAAAAAAAAAAAPwAAAAAAAACghgEAAAAAAAAAAAAAAAAADAAAAAEAAAAAAAAAAAAAAAAAAAAfAAAAVAAAAEKF9AX///8BAAAAAAAAAAAAAAAAAAAAAAAAAAAAAAAAAAAAAAAAAAAAAAACf39/AFlZWQPMzMwAwMD/AH9/fwAAAAAAAAAAAAAAAAD///8AAAAAACEAAAAYAAAAFAAAAJUtAAD4EgAAGzcAAD0dAAAQAAAAJgAAAAgAAAD//////////w=="/>
               </a:ext>
             </a:extLst>
           </p:cNvPicPr>
@@ -12584,7 +12584,7 @@
             <a:spLocks noGrp="1" noChangeArrowheads="1"/>
             <a:extLst>
               <a:ext uri="smNativeData">
-                <pr:smNativeData xmlns:pr="smNativeData" xmlns="smNativeData" val="SMDATA_15_t6npZxMAAAAlAAAAZAAAAA0AAAAAkAAAAJAAAACQAAAAkAAAAAAAAAAAAAAAAAAAAAEAAABQAAAAAAAAAAAA4D8AAAAAAADgPwAAAAAAAOA/AAAAAAAA4D8AAAAAAADgPwAAAAAAAOA/AAAAAAAA4D8AAAAAAADgPwAAAAAAAOA/AAAAAAAA4D8CAAAAjAAAAAAAAAAAAAAAQoX0DP///wgAAAAAAAAAAAAAAAAAAAAAAAAAAAAAAAAAAAAAZAAAAAEAAABAAAAAAAAAAAAAAAAAAAAAAAAAAAAAAAAAAAAAAAAAAAAAAAAAAAAAAAAAAAAAAAAAAAAAAAAAAAAAAAAAAAAAAAAAAAAAAAAAAAAAAAAAAAAAAAAAAAAAFAAAADwAAAAAAAAAAAAAAAAAAAkUAAAAAQAAABQAAAAUAAAAFAAAAAEAAAAAAAAAZAAAAGQAAAAAAAAAZAAAAGQAAAAVAAAAYAAAAAAAAAAAAAAADwAAACADAAAAAAAAAAAAAAEAAACgMgAAVgcAAKr4//8BAAAAf39/AAEAAABkAAAAAAAAABQAAABAHwAAAAAAACYAAAAAAAAAwOD//wAAAAAmAAAAZAAAABYAAABMAAAAAAAAAAAAAAAEAAAAAAAAAAEAAABZWVkKAAAAACgAAAAoAAAAZAAAAGQAAAAAAAAAzMzMAAAAAABQAAAAUAAAAGQAAABkAAAAAAAAABcAAAAUAAAAAAAAAAAAAAD/fwAA/38AAAAAAAAJAAAABAAAAAAAAAAeAAAAaAAAAAAAAAAAAAAAAAAAAAAAAAAAAAAAECcAABAnAAAAAAAAAAAAAAAAAAAAAAAAAAAAAAAAAAAAAAAAAAAAABQAAAAAAAAAwMD/AAAAAABkAAAAMgAAAAAAAABkAAAAAAAAAH9/fwAKAAAAIgAAABgAAAAAAAAAAAAAAAAAAAAAAAAAAAAAAAAAAAAkAAAAJAAAAAAAAAAHAAAAAAAAAAAAAAAAAAAAAAAAAAAAAAAAAAAAf39/ACUAAABYAAAAAAAAAAAAAAAAAAAAAAAAAAAAAAAAAAAAAAAAAAAAAAAAAAAAAAAAAAAAAAA/AAAAAAAAAKCGAQAAAAAAAAAAAAAAAAAMAAAAAQAAAAAAAAAAAAAAAAAAAB8AAABUAAAAQoX0Bf///wEAAAAAAAAAAAAAAAAAAAAAAAAAAAAAAAAAAAAAAAAAAAAAAAJ/f38AWVlZA8zMzADAwP8Af39/AAAAAAAAAAAAAAAAAAAAAAAAAAAAIQAAABgAAAAUAAAAFAMAAAkCAAB/NwAA3AUAABAAAAAmAAAACAAAAD0wAAAAAAAA"/>
+                <pr:smNativeData xmlns:pr="smNativeData" xmlns="smNativeData" val="SMDATA_15_f8v4ZxMAAAAlAAAAZAAAAA0AAAAAkAAAAJAAAACQAAAAkAAAAAAAAAAAAAAAAAAAAAEAAABQAAAAAAAAAAAA4D8AAAAAAADgPwAAAAAAAOA/AAAAAAAA4D8AAAAAAADgPwAAAAAAAOA/AAAAAAAA4D8AAAAAAADgPwAAAAAAAOA/AAAAAAAA4D8CAAAAjAAAAAAAAAAAAAAAQoX0DP///wgAAAAAAAAAAAAAAAAAAAAAAAAAAAAAAAAAAAAAZAAAAAEAAABAAAAAAAAAAAAAAAAAAAAAAAAAAAAAAAAAAAAAAAAAAAAAAAAAAAAAAAAAAAAAAAAAAAAAAAAAAAAAAAAAAAAAAAAAAAAAAAAAAAAAAAAAAAAAAAAAAAAAFAAAADwAAAAAAAAAAAAAAAAAAAkUAAAAAQAAABQAAAAUAAAAFAAAAAEAAAAAAAAAZAAAAGQAAAAAAAAAZAAAAGQAAAAVAAAAYAAAAAAAAAAAAAAADwAAACADAAAAAAAAAAAAAAEAAACgMgAAVgcAAKr4//8BAAAAf39/AAEAAABkAAAAAAAAABQAAABAHwAAAAAAACYAAAAAAAAAwOD//wAAAAAmAAAAZAAAABYAAABMAAAAAAAAAAAAAAAEAAAAAAAAAAEAAABZWVkKAAAAACgAAAAoAAAAZAAAAGQAAAAAAAAAzMzMAAAAAABQAAAAUAAAAGQAAABkAAAAAAAAABcAAAAUAAAAAAAAAAAAAAD/fwAA/38AAAAAAAAJAAAABAAAAAAAAAAeAAAAaAAAAAAAAAAAAAAAAAAAAAAAAAAAAAAAECcAABAnAAAAAAAAAAAAAAAAAAAAAAAAAAAAAAAAAAAAAAAAAAAAABQAAAAAAAAAwMD/AAAAAABkAAAAMgAAAAAAAABkAAAAAAAAAH9/fwAKAAAAIgAAABgAAAAAAAAAAAAAAAAAAAAAAAAAAAAAAAAAAAAkAAAAJAAAAAAAAAAHAAAAAAAAAAAAAAAAAAAAAAAAAAAAAAAAAAAAf39/ACUAAABYAAAAAAAAAAAAAAAAAAAAAAAAAAAAAAAAAAAAAAAAAAAAAAAAAAAAAAAAAAAAAAA/AAAAAAAAAKCGAQAAAAAAAAAAAAAAAAAMAAAAAQAAAAAAAAAAAAAAAAAAAB8AAABUAAAAQoX0Bf///wEAAAAAAAAAAAAAAAAAAAAAAAAAAAAAAAAAAAAAAAAAAAAAAAJ/f38AWVlZA8zMzADAwP8Af39/AAAAAAAAAAAAAAAAAAAAAAAAAAAAIQAAABgAAAAUAAAAFAMAAAkCAAB/NwAA3AUAABAAAAAmAAAACAAAAD0wAAAAAAAA"/>
               </a:ext>
             </a:extLst>
           </p:cNvSpPr>
@@ -12628,7 +12628,7 @@
           <p:cNvSpPr txBox="1">
             <a:extLst>
               <a:ext uri="smNativeData">
-                <pr:smNativeData xmlns:pr="smNativeData" xmlns="smNativeData" val="SMDATA_15_t6npZxMAAAAlAAAAEgAAAE8BAAAAkAAAAEgAAACQAAAASAAAAAAAAAAAAAAAAAAAAAEAAABQAAAAAAAAAAAA4D8AAAAAAADgPwAAAAAAAOA/AAAAAAAA4D8AAAAAAADgPwAAAAAAAOA/AAAAAAAA4D8AAAAAAADgPwAAAAAAAOA/AAAAAAAA4D8CAAAAjAAAAAAAAAAAAAAAQoX0DP///wgAAAAAAAAAAAAAAAAAAAAAAAAAAAAAAAAAAAAAZAAAAAEAAABAAAAAAAAAAAAAAAAAAAAAAAAAAAAAAAAAAAAAAAAAAAAAAAAAAAAAAAAAAAAAAAAAAAAAAAAAAAAAAAAAAAAAAAAAAAAAAAAAAAAAAAAAAAAAAAAAAAAAFAAAADwAAAAAAAAAAAAAAAAAAAkUAAAAAQAAABQAAAAUAAAAFAAAAAEAAAAAAAAAZAAAAGQAAAAAAAAAZAAAAGQAAAAVAAAAYAAAAAAAAAAAAAAADwAAACADAAAAAAAAAAAAAAEAAACgMgAAVgcAAKr4//8BAAAAf39/AAEAAABkAAAAAAAAABQAAABAHwAAAAAAACYAAAAAAAAAwOD//wAAAAAmAAAAZAAAABYAAABMAAAAAAAAAAAAAAAEAAAAAAAAAAEAAABZWVkKAAAAACgAAAAoAAAAZAAAAGQAAAAAAAAAzMzMAAAAAABQAAAAUAAAAGQAAABkAAAAAAAAABcAAAAUAAAAAAAAAEQBAAD/fwAA/38AAAAAAAAJAAAABAAAAF8AYAAeAAAAaAAAAAAAAAAAAAAAAAAAAAAAAAAAAAAAECcAABAnAAAAAAAAAAAAAAAAAAAAAAAAAAAAAAAAAAAAAAAAAAAAABQAAAAAAAAAwMD/AAAAAABkAAAAMgAAAAAAAABkAAAAAAAAAH9/fwAKAAAAIgAAABgAAAAAAAAAAAAAAAAAAAAAAAAAAAAAAAAAAAAkAAAAJAAAAAAAAAAHAAAAAAAAAAAAAAAAAAAAAAAAAAAAAAAAAAAAf39/ACUAAABYAAAAAAAAAAAAAAAAAAAAAAAAAAAAAAAAAAAAAAAAAAAAAAAAAAAAAAAAAAAAAAA/AAAAAAAAAKCGAQAAAAAAAAAAAAAAAAAMAAAAAQAAAAAAAAAAAAAAAAAAAB8AAABUAAAAQoX0Bf///wEAAAAAAAAAAAAAAAAAAAAAAAAAAAAAAAAAAAAAAAAAAAAAAAJ/f38AWVlZA8zMzADAwP8Af39/AAAAAAAAAAAAAAAAAAAAAAAAAAAAIQAAABgAAAAUAAAAYAMAAEwSAABwGgAALBQAABAgAAAmAAAACAAAAP//////////"/>
+                <pr:smNativeData xmlns:pr="smNativeData" xmlns="smNativeData" val="SMDATA_15_f8v4ZxMAAAAlAAAAEgAAAE8BAAAAkAAAAEgAAACQAAAASAAAAAAAAAAAAAAAAAAAAAEAAABQAAAAAAAAAAAA4D8AAAAAAADgPwAAAAAAAOA/AAAAAAAA4D8AAAAAAADgPwAAAAAAAOA/AAAAAAAA4D8AAAAAAADgPwAAAAAAAOA/AAAAAAAA4D8CAAAAjAAAAAAAAAAAAAAAQoX0DP///wgAAAAAAAAAAAAAAAAAAAAAAAAAAAAAAAAAAAAAZAAAAAEAAABAAAAAAAAAAAAAAAAAAAAAAAAAAAAAAAAAAAAAAAAAAAAAAAAAAAAAAAAAAAAAAAAAAAAAAAAAAAAAAAAAAAAAAAAAAAAAAAAAAAAAAAAAAAAAAAAAAAAAFAAAADwAAAAAAAAAAAAAAAAAAAkUAAAAAQAAABQAAAAUAAAAFAAAAAEAAAAAAAAAZAAAAGQAAAAAAAAAZAAAAGQAAAAVAAAAYAAAAAAAAAAAAAAADwAAACADAAAAAAAAAAAAAAEAAACgMgAAVgcAAKr4//8BAAAAf39/AAEAAABkAAAAAAAAABQAAABAHwAAAAAAACYAAAAAAAAAwOD//wAAAAAmAAAAZAAAABYAAABMAAAAAAAAAAAAAAAEAAAAAAAAAAEAAABZWVkKAAAAACgAAAAoAAAAZAAAAGQAAAAAAAAAzMzMAAAAAABQAAAAUAAAAGQAAABkAAAAAAAAABcAAAAUAAAAAAAAAEQBAAD/fwAA/38AAAAAAAAJAAAABAAAAF8AYAAeAAAAaAAAAAAAAAAAAAAAAAAAAAAAAAAAAAAAECcAABAnAAAAAAAAAAAAAAAAAAAAAAAAAAAAAAAAAAAAAAAAAAAAABQAAAAAAAAAwMD/AAAAAABkAAAAMgAAAAAAAABkAAAAAAAAAH9/fwAKAAAAIgAAABgAAAAAAAAAAAAAAAAAAAAAAAAAAAAAAAAAAAAkAAAAJAAAAAAAAAAHAAAAAAAAAAAAAAAAAAAAAAAAAAAAAAAAAAAAf39/ACUAAABYAAAAAAAAAAAAAAAAAAAAAAAAAAAAAAAAAAAAAAAAAAAAAAAAAAAAAAAAAAAAAAA/AAAAAAAAAKCGAQAAAAAAAAAAAAAAAAAMAAAAAQAAAAAAAAAAAAAAAAAAAB8AAABUAAAAQoX0Bf///wEAAAAAAAAAAAAAAAAAAAAAAAAAAAAAAAAAAAAAAAAAAAAAAAJ/f38AWVlZA8zMzADAwP8Af39/AAAAAAAAAAAAAAAAAAAAAAAAAAAAIQAAABgAAAAUAAAAYAMAAEwSAABwGgAALBQAABAgAAAmAAAACAAAAP//////////"/>
               </a:ext>
             </a:extLst>
           </p:cNvSpPr>
@@ -12673,7 +12673,7 @@
           <p:cNvSpPr txBox="1">
             <a:extLst>
               <a:ext uri="smNativeData">
-                <pr:smNativeData xmlns:pr="smNativeData" xmlns="smNativeData" val="SMDATA_15_t6npZxMAAAAlAAAAEgAAAE8BAAAAkAAAAEgAAACQAAAASAAAAAAAAAAAAAAAAAAAAAEAAABQAAAAAAAAAAAA4D8AAAAAAADgPwAAAAAAAOA/AAAAAAAA4D8AAAAAAADgPwAAAAAAAOA/AAAAAAAA4D8AAAAAAADgPwAAAAAAAOA/AAAAAAAA4D8CAAAAjAAAAAAAAAAAAAAAQoX0DP///wgAAAAAAAAAAAAAAAAAAAAAAAAAAAAAAAAAAAAAZAAAAAEAAABAAAAAAAAAAAAAAAAAAAAAAAAAAAAAAAAAAAAAAAAAAAAAAAAAAAAAAAAAAAAAAAAAAAAAAAAAAAAAAAAAAAAAAAAAAAAAAAAAAAAAAAAAAAAAAAAAAAAAFAAAADwAAAAAAAAAAAAAAAAAAAkUAAAAAQAAABQAAAAUAAAAFAAAAAEAAAAAAAAAZAAAAGQAAAAAAAAAZAAAAGQAAAAVAAAAYAAAAAAAAAAAAAAADwAAACADAAAAAAAAAAAAAAEAAACgMgAAVgcAAKr4//8BAAAAf39/AAEAAABkAAAAAAAAABQAAABAHwAAAAAAACYAAAAAAAAAwOD//wAAAAAmAAAAZAAAABYAAABMAAAAAAAAAAAAAAAEAAAAAAAAAAEAAABZWVkKAAAAACgAAAAoAAAAZAAAAGQAAAAAAAAAzMzMAAAAAABQAAAAUAAAAGQAAABkAAAAAAAAABcAAAAUAAAAAAAAAEQBAAD/fwAA/38AAAAAAAAJAAAABAAAAAAAAAAeAAAAaAAAAAAAAAAAAAAAAAAAAAAAAAAAAAAAECcAABAnAAAAAAAAAAAAAAAAAAAAAAAAAAAAAAAAAAAAAAAAAAAAABQAAAAAAAAAwMD/AAAAAABkAAAAMgAAAAAAAABkAAAAAAAAAH9/fwAKAAAAIgAAABgAAAAAAAAAAAAAAAAAAAAAAAAAAAAAAAAAAAAkAAAAJAAAAAAAAAAHAAAAAAAAAAAAAAAAAAAAAAAAAAAAAAAAAAAAf39/ACUAAABYAAAAAAAAAAAAAAAAAAAAAAAAAAAAAAAAAAAAAAAAAAAAAAAAAAAAAAAAAAAAAAA/AAAAAAAAAKCGAQAAAAAAAAAAAAAAAAAMAAAAAQAAAAAAAAAAAAAAAAAAAB8AAABUAAAAQoX0Bf///wEAAAAAAAAAAAAAAAAAAAAAAAAAAAAAAAAAAAAAAAAAAAAAAAJ/f38AWVlZA8zMzADAwP8Af39/AAAAAAAAAAAAAAAAAAAAAAAAAAAAIQAAABgAAAAUAAAAqBsAAPQFAAAQNQAA1AcAABAgAAAmAAAACAAAAP//////////"/>
+                <pr:smNativeData xmlns:pr="smNativeData" xmlns="smNativeData" val="SMDATA_15_f8v4ZxMAAAAlAAAAEgAAAE8BAAAAkAAAAEgAAACQAAAASAAAAAAAAAAAAAAAAAAAAAEAAABQAAAAAAAAAAAA4D8AAAAAAADgPwAAAAAAAOA/AAAAAAAA4D8AAAAAAADgPwAAAAAAAOA/AAAAAAAA4D8AAAAAAADgPwAAAAAAAOA/AAAAAAAA4D8CAAAAjAAAAAAAAAAAAAAAQoX0DP///wgAAAAAAAAAAAAAAAAAAAAAAAAAAAAAAAAAAAAAZAAAAAEAAABAAAAAAAAAAAAAAAAAAAAAAAAAAAAAAAAAAAAAAAAAAAAAAAAAAAAAAAAAAAAAAAAAAAAAAAAAAAAAAAAAAAAAAAAAAAAAAAAAAAAAAAAAAAAAAAAAAAAAFAAAADwAAAAAAAAAAAAAAAAAAAkUAAAAAQAAABQAAAAUAAAAFAAAAAEAAAAAAAAAZAAAAGQAAAAAAAAAZAAAAGQAAAAVAAAAYAAAAAAAAAAAAAAADwAAACADAAAAAAAAAAAAAAEAAACgMgAAVgcAAKr4//8BAAAAf39/AAEAAABkAAAAAAAAABQAAABAHwAAAAAAACYAAAAAAAAAwOD//wAAAAAmAAAAZAAAABYAAABMAAAAAAAAAAAAAAAEAAAAAAAAAAEAAABZWVkKAAAAACgAAAAoAAAAZAAAAGQAAAAAAAAAzMzMAAAAAABQAAAAUAAAAGQAAABkAAAAAAAAABcAAAAUAAAAAAAAAEQBAAD/fwAA/38AAAAAAAAJAAAABAAAAAAAAAAeAAAAaAAAAAAAAAAAAAAAAAAAAAAAAAAAAAAAECcAABAnAAAAAAAAAAAAAAAAAAAAAAAAAAAAAAAAAAAAAAAAAAAAABQAAAAAAAAAwMD/AAAAAABkAAAAMgAAAAAAAABkAAAAAAAAAH9/fwAKAAAAIgAAABgAAAAAAAAAAAAAAAAAAAAAAAAAAAAAAAAAAAAkAAAAJAAAAAAAAAAHAAAAAAAAAAAAAAAAAAAAAAAAAAAAAAAAAAAAf39/ACUAAABYAAAAAAAAAAAAAAAAAAAAAAAAAAAAAAAAAAAAAAAAAAAAAAAAAAAAAAAAAAAAAAA/AAAAAAAAAKCGAQAAAAAAAAAAAAAAAAAMAAAAAQAAAAAAAAAAAAAAAAAAAB8AAABUAAAAQoX0Bf///wEAAAAAAAAAAAAAAAAAAAAAAAAAAAAAAAAAAAAAAAAAAAAAAAJ/f38AWVlZA8zMzADAwP8Af39/AAAAAAAAAAAAAAAAAAAAAAAAAAAAIQAAABgAAAAUAAAAqBsAAPQFAAAQNQAA1AcAABAgAAAmAAAACAAAAP//////////"/>
               </a:ext>
             </a:extLst>
           </p:cNvSpPr>
@@ -12718,7 +12718,7 @@
           <p:cNvSpPr txBox="1">
             <a:extLst>
               <a:ext uri="smNativeData">
-                <pr:smNativeData xmlns:pr="smNativeData" xmlns="smNativeData" val="SMDATA_15_t6npZxMAAAAlAAAAEgAAAE8BAAAAkAAAAEgAAACQAAAASAAAAAAAAAAAAAAAAAAAAAEAAABQAAAAAAAAAAAA4D8AAAAAAADgPwAAAAAAAOA/AAAAAAAA4D8AAAAAAADgPwAAAAAAAOA/AAAAAAAA4D8AAAAAAADgPwAAAAAAAOA/AAAAAAAA4D8CAAAAjAAAAAAAAAAAAAAAQoX0DP///wgAAAAAAAAAAAAAAAAAAAAAAAAAAAAAAAAAAAAAZAAAAAEAAABAAAAAAAAAAAAAAAAAAAAAAAAAAAAAAAAAAAAAAAAAAAAAAAAAAAAAAAAAAAAAAAAAAAAAAAAAAAAAAAAAAAAAAAAAAAAAAAAAAAAAAAAAAAAAAAAAAAAAFAAAADwAAAAAAAAAAAAAAAAAAAkUAAAAAQAAABQAAAAUAAAAFAAAAAEAAAAAAAAAZAAAAGQAAAAAAAAAZAAAAGQAAAAVAAAAYAAAAAAAAAAAAAAADwAAACADAAAAAAAAAAAAAAEAAACgMgAAVgcAAKr4//8BAAAAf39/AAEAAABkAAAAAAAAABQAAABAHwAAAAAAACYAAAAAAAAAwOD//wAAAAAmAAAAZAAAABYAAABMAAAAAAAAAAAAAAAEAAAAAAAAAAEAAABZWVkKAAAAACgAAAAoAAAAZAAAAGQAAAAAAAAAzMzMAAAAAABQAAAAUAAAAGQAAABkAAAAAAAAABcAAAAUAAAAAAAAAEQBAAD/fwAA/38AAAAAAAAJAAAABAAAAAAAAAAeAAAAaAAAAAAAAAAAAAAAAAAAAAAAAAAAAAAAECcAABAnAAAAAAAAAAAAAAAAAAAAAAAAAAAAAAAAAAAAAAAAAAAAABQAAAAAAAAAwMD/AAAAAABkAAAAMgAAAAAAAABkAAAAAAAAAH9/fwAKAAAAIgAAABgAAAAAAAAAAAAAAAAAAAAAAAAAAAAAAAAAAAAkAAAAJAAAAAAAAAAHAAAAAAAAAAAAAAAAAAAAAAAAAAAAAAAAAAAAf39/ACUAAABYAAAAAAAAAAAAAAAAAAAAAAAAAAAAAAAAAAAAAAAAAAAAAAAAAAAAAAAAAAAAAAA/AAAAAAAAAKCGAQAAAAAAAAAAAAAAAAAMAAAAAQAAAAAAAAAAAAAAAAAAAB8AAABUAAAAQoX0Bf///wEAAAAAAAAAAAAAAAAAAAAAAAAAAAAAAAAAAAAAAAAAAAAAAAJ/f38AWVlZA8zMzADAwP8Af39/AAAAAAAAAAAAAAAAAAAAAAAAAAAAIQAAABgAAAAUAAAARAMAAPgFAAC0GAAA2AcAABAgAAAmAAAACAAAAP//////////"/>
+                <pr:smNativeData xmlns:pr="smNativeData" xmlns="smNativeData" val="SMDATA_15_f8v4ZxMAAAAlAAAAEgAAAE8BAAAAkAAAAEgAAACQAAAASAAAAAAAAAAAAAAAAAAAAAEAAABQAAAAAAAAAAAA4D8AAAAAAADgPwAAAAAAAOA/AAAAAAAA4D8AAAAAAADgPwAAAAAAAOA/AAAAAAAA4D8AAAAAAADgPwAAAAAAAOA/AAAAAAAA4D8CAAAAjAAAAAAAAAAAAAAAQoX0DP///wgAAAAAAAAAAAAAAAAAAAAAAAAAAAAAAAAAAAAAZAAAAAEAAABAAAAAAAAAAAAAAAAAAAAAAAAAAAAAAAAAAAAAAAAAAAAAAAAAAAAAAAAAAAAAAAAAAAAAAAAAAAAAAAAAAAAAAAAAAAAAAAAAAAAAAAAAAAAAAAAAAAAAFAAAADwAAAAAAAAAAAAAAAAAAAkUAAAAAQAAABQAAAAUAAAAFAAAAAEAAAAAAAAAZAAAAGQAAAAAAAAAZAAAAGQAAAAVAAAAYAAAAAAAAAAAAAAADwAAACADAAAAAAAAAAAAAAEAAACgMgAAVgcAAKr4//8BAAAAf39/AAEAAABkAAAAAAAAABQAAABAHwAAAAAAACYAAAAAAAAAwOD//wAAAAAmAAAAZAAAABYAAABMAAAAAAAAAAAAAAAEAAAAAAAAAAEAAABZWVkKAAAAACgAAAAoAAAAZAAAAGQAAAAAAAAAzMzMAAAAAABQAAAAUAAAAGQAAABkAAAAAAAAABcAAAAUAAAAAAAAAEQBAAD/fwAA/38AAAAAAAAJAAAABAAAAAAAAAAeAAAAaAAAAAAAAAAAAAAAAAAAAAAAAAAAAAAAECcAABAnAAAAAAAAAAAAAAAAAAAAAAAAAAAAAAAAAAAAAAAAAAAAABQAAAAAAAAAwMD/AAAAAABkAAAAMgAAAAAAAABkAAAAAAAAAH9/fwAKAAAAIgAAABgAAAAAAAAAAAAAAAAAAAAAAAAAAAAAAAAAAAAkAAAAJAAAAAAAAAAHAAAAAAAAAAAAAAAAAAAAAAAAAAAAAAAAAAAAf39/ACUAAABYAAAAAAAAAAAAAAAAAAAAAAAAAAAAAAAAAAAAAAAAAAAAAAAAAAAAAAAAAAAAAAA/AAAAAAAAAKCGAQAAAAAAAAAAAAAAAAAMAAAAAQAAAAAAAAAAAAAAAAAAAB8AAABUAAAAQoX0Bf///wEAAAAAAAAAAAAAAAAAAAAAAAAAAAAAAAAAAAAAAAAAAAAAAAJ/f38AWVlZA8zMzADAwP8Af39/AAAAAAAAAAAAAAAAAAAAAAAAAAAAIQAAABgAAAAUAAAARAMAAPgFAAC0GAAA2AcAABAgAAAmAAAACAAAAP//////////"/>
               </a:ext>
             </a:extLst>
           </p:cNvSpPr>
@@ -12764,7 +12764,7 @@
             <a:picLocks noChangeAspect="1"/>
             <a:extLst>
               <a:ext uri="smNativeData">
-                <pr:smNativeData xmlns:pr="smNativeData" xmlns="smNativeData" val="SMDATA_17_t6npZxMAAAAlAAAAEQAAAC8BAAAAkAAAAEgAAACQAAAASAAAAAAAAAAAAAAAAAAAAAEAAABQAAAAAAAAAAAA4D8AAAAAAADgPwAAAAAAAOA/AAAAAAAA4D8AAAAAAADgPwAAAAAAAOA/AAAAAAAA4D8AAAAAAADgPwAAAAAAAOA/AAAAAAAA4D8CAAAAjAAAAAAAAAAAAAAAQoX0DP///wgAAAAAAAAAAAAAAAAAAAAAAAAAAAAAAAAAAAAAZAAAAAEAAABAAAAAAAAAAAAAAAAAAAAAAAAAAAAAAAAAAAAAAAAAAAAAAAAAAAAAAAAAAAAAAAAAAAAAAAAAAAAAAAAAAAAAAAAAAAAAAAAAAAAAAAAAAAAAAAAAAAAAFAAAADwAAAAAAAAAAAAAAAAAAAkUAAAAAQAAABQAAAAUAAAAFAAAAAEAAAAAAAAAZAAAAGQAAAAAAAAAZAAAAGQAAAAVAAAAYAAAAAAAAAAAAAAADwAAACADAAAAAAAAAAAAAAEAAACgMgAAVgcAAKr4//8BAAAAf39/AAEAAABkAAAAAAAAABQAAABAHwAAAAAAACYAAAAAAAAAwOD//wAAAAAmAAAAZAAAABYAAABMAAAAAAAAAAAAAAAEAAAAAAAAAAEAAABZWVkKAAAAACgAAAAoAAAAZAAAAGQAAAAAAAAAzMzMAAAAAABQAAAAUAAAAGQAAABkAAAAAAAAAAcAAAA4AAAAAAAAAAAAAAAAAAAA////AAAAAAAAAAAAAAAAAAAAAAAAAAAAAAAAAAAAAABkAAAAZAAAAAAAAAAjAAAABAAAAGQAAAAXAAAAFAAAAAAAAAAAAAAA/38AAP9/AAAAAAAACQAAAAQAAAAAAAAAHgAAAGgAAAAAAAAAAAAAAAAAAAAAAAAAAAAAABAnAAAQJwAAAAAAAAAAAAAAAAAAAAAAAAAAAAAAAAAAAAAAAAAAAAAUAAAAAAAAAMDA/wAAAAAAZAAAADIAAAAAAAAAZAAAAAAAAAB/f38ACgAAACIAAAAYAAAAAAAAAAAAAAAAAAAAAAAAAAAAAAAAAAAAJAAAACQAAAAAAAAABwAAAAAAAAAAAAAAAAAAAAAAAAAAAAAAAAAAAH9/fwAlAAAAWAAAAAAAAAAAAAAAAAAAAAAAAAAAAAAAAAAAAAAAAAAAAAAAAAAAAAAAAAAAAAAAPwAAAAAAAACghgEAAAAAAAAAAAAAAAAADAAAAAEAAAAAAAAAAAAAAAAAAAAfAAAAVAAAAEKF9AX///8BAAAAAAAAAAAAAAAAAAAAAAAAAAAAAAAAAAAAAAAAAAAAAAACf39/AFlZWQPMzMwAwMD/AH9/fwAAAAAAAAAAAAAAAAD///8AAAAAACEAAAAYAAAAFAAAADADAAC2BwAAzxgAABISAAAQAAAAJgAAAAgAAAD//////////w=="/>
+                <pr:smNativeData xmlns:pr="smNativeData" xmlns="smNativeData" val="SMDATA_17_f8v4ZxMAAAAlAAAAEQAAAC8BAAAAkAAAAEgAAACQAAAASAAAAAAAAAAAAAAAAAAAAAEAAABQAAAAAAAAAAAA4D8AAAAAAADgPwAAAAAAAOA/AAAAAAAA4D8AAAAAAADgPwAAAAAAAOA/AAAAAAAA4D8AAAAAAADgPwAAAAAAAOA/AAAAAAAA4D8CAAAAjAAAAAAAAAAAAAAAQoX0DP///wgAAAAAAAAAAAAAAAAAAAAAAAAAAAAAAAAAAAAAZAAAAAEAAABAAAAAAAAAAAAAAAAAAAAAAAAAAAAAAAAAAAAAAAAAAAAAAAAAAAAAAAAAAAAAAAAAAAAAAAAAAAAAAAAAAAAAAAAAAAAAAAAAAAAAAAAAAAAAAAAAAAAAFAAAADwAAAAAAAAAAAAAAAAAAAkUAAAAAQAAABQAAAAUAAAAFAAAAAEAAAAAAAAAZAAAAGQAAAAAAAAAZAAAAGQAAAAVAAAAYAAAAAAAAAAAAAAADwAAACADAAAAAAAAAAAAAAEAAACgMgAAVgcAAKr4//8BAAAAf39/AAEAAABkAAAAAAAAABQAAABAHwAAAAAAACYAAAAAAAAAwOD//wAAAAAmAAAAZAAAABYAAABMAAAAAAAAAAAAAAAEAAAAAAAAAAEAAABZWVkKAAAAACgAAAAoAAAAZAAAAGQAAAAAAAAAzMzMAAAAAABQAAAAUAAAAGQAAABkAAAAAAAAAAcAAAA4AAAAAAAAAAAAAAAAAAAA////AAAAAAAAAAAAAAAAAAAAAAAAAAAAAAAAAAAAAABkAAAAZAAAAAAAAAAjAAAABAAAAGQAAAAXAAAAFAAAAAAAAAAAAAAA/38AAP9/AAAAAAAACQAAAAQAAAAAAAAAHgAAAGgAAAAAAAAAAAAAAAAAAAAAAAAAAAAAABAnAAAQJwAAAAAAAAAAAAAAAAAAAAAAAAAAAAAAAAAAAAAAAAAAAAAUAAAAAAAAAMDA/wAAAAAAZAAAADIAAAAAAAAAZAAAAAAAAAB/f38ACgAAACIAAAAYAAAAAAAAAAAAAAAAAAAAAAAAAAAAAAAAAAAAJAAAACQAAAAAAAAABwAAAAAAAAAAAAAAAAAAAAAAAAAAAAAAAAAAAH9/fwAlAAAAWAAAAAAAAAAAAAAAAAAAAAAAAAAAAAAAAAAAAAAAAAAAAAAAAAAAAAAAAAAAAAAAPwAAAAAAAACghgEAAAAAAAAAAAAAAAAADAAAAAEAAAAAAAAAAAAAAAAAAAAfAAAAVAAAAEKF9AX///8BAAAAAAAAAAAAAAAAAAAAAAAAAAAAAAAAAAAAAAAAAAAAAAACf39/AFlZWQPMzMwAwMD/AH9/fwAAAAAAAAAAAAAAAAD///8AAAAAACEAAAAYAAAAFAAAADADAAC2BwAAzxgAABISAAAQAAAAJgAAAAgAAAD//////////w=="/>
               </a:ext>
             </a:extLst>
           </p:cNvPicPr>
@@ -12798,7 +12798,7 @@
             <a:picLocks noChangeAspect="1"/>
             <a:extLst>
               <a:ext uri="smNativeData">
-                <pr:smNativeData xmlns:pr="smNativeData" xmlns="smNativeData" val="SMDATA_17_t6npZxMAAAAlAAAAEQAAAC8BAAAAkAAAAEgAAACQAAAASAAAAAAAAAAAAAAAAAAAAAEAAABQAAAAAAAAAAAA4D8AAAAAAADgPwAAAAAAAOA/AAAAAAAA4D8AAAAAAADgPwAAAAAAAOA/AAAAAAAA4D8AAAAAAADgPwAAAAAAAOA/AAAAAAAA4D8CAAAAjAAAAAAAAAAAAAAAQoX0DP///wgAAAAAAAAAAAAAAAAAAAAAAAAAAAAAAAAAAAAAZAAAAAEAAABAAAAAAAAAAAAAAAAAAAAAAAAAAAAAAAAAAAAAAAAAAAAAAAAAAAAAAAAAAAAAAAAAAAAAAAAAAAAAAAAAAAAAAAAAAAAAAAAAAAAAAAAAAAAAAAAAAAAAFAAAADwAAAABAAAAAAAAAAAAAAkFAAAAAQAAAAEAAAAAAAAAAAAAAAAAAAAAAAAAZAAAAGQAAAAAAAAAZAAAAGQAAAAVAAAAYAAAAAAAAAAAAAAADwAAACADAAAAAAAAAAAAAAEAAACgMgAAVgcAAKr4//8BAAAAf39/AAEAAABkAAAAAAAAABQAAABAHwAAAAAAACYAAAAAAAAAwOD//wAAAAAmAAAAZAAAABYAAABMAAAAAAAAAAAAAAAEAAAAAAAAAAEAAABZWVkKAAAAACgAAAAoAAAAZAAAAGQAAAAAAAAAzMzMAAAAAABQAAAAUAAAAGQAAABkAAAAAAAAAAcAAAA4AAAAAAAAAAAAAAAAAAAA////AAAAAAAAAAAAAAAAAAAAAAAAAAAAAAAAAAAAAABkAAAAZAAAAAAAAAAjAAAABAAAAGQAAAAXAAAAFAAAAAAAAAAAAAAA/38AAP9/AAAAAAAACQAAAAQAAAAAAAAAHgAAAGgAAAAAAAAAAAAAAAAAAAAAAAAAAAAAABAnAAAQJwAAAAAAAAAAAAAAAAAAAAAAAAAAAAAAAAAAAAAAAAAAAAAUAAAAAAAAAMDA/wAAAAAAZAAAADIAAAAAAAAAZAAAAAAAAAB/f38ACgAAACIAAAAYAAAAAAAAAAAAAAAAAAAAAAAAAAAAAAAAAAAAJAAAACQAAAAAAAAABwAAAAAAAAAAAAAAAAAAAAAAAAAAAAAAAAAAAH9/fwAlAAAAWAAAAAAAAAAAAAAAAAAAAAAAAAAAAAAAAAAAAAAAAAAAAAAAAAAAAAAAAAAAAAAAPwAAAAAAAACghgEAAAAAAAAAAAAAAAAADAAAAAEAAAAAAAAAAAAAAAAAAAAfAAAAVAAAAEKF9AX///8BAAAAAAAAAAAAAAAAAAAAAAAAAAAAAAAAAAAAAAAAAAAAAAACf39/AFlZWQPMzMwAwMD/AH9/fwAAAAAAAAAAAAAAAAD///8AAAAAACEAAAAYAAAAFAAAAHYDAAAqFAAAmBkAAGAeAAAQAAAAJgAAAAgAAAD//////////w=="/>
+                <pr:smNativeData xmlns:pr="smNativeData" xmlns="smNativeData" val="SMDATA_17_f8v4ZxMAAAAlAAAAEQAAAC8BAAAAkAAAAEgAAACQAAAASAAAAAAAAAAAAAAAAAAAAAEAAABQAAAAAAAAAAAA4D8AAAAAAADgPwAAAAAAAOA/AAAAAAAA4D8AAAAAAADgPwAAAAAAAOA/AAAAAAAA4D8AAAAAAADgPwAAAAAAAOA/AAAAAAAA4D8CAAAAjAAAAAAAAAAAAAAAQoX0DP///wgAAAAAAAAAAAAAAAAAAAAAAAAAAAAAAAAAAAAAZAAAAAEAAABAAAAAAAAAAAAAAAAAAAAAAAAAAAAAAAAAAAAAAAAAAAAAAAAAAAAAAAAAAAAAAAAAAAAAAAAAAAAAAAAAAAAAAAAAAAAAAAAAAAAAAAAAAAAAAAAAAAAAFAAAADwAAAABAAAAAAAAAAAAAAkFAAAAAQAAAAEAAAAAAAAAAAAAAAAAAAAAAAAAZAAAAGQAAAAAAAAAZAAAAGQAAAAVAAAAYAAAAAAAAAAAAAAADwAAACADAAAAAAAAAAAAAAEAAACgMgAAVgcAAKr4//8BAAAAf39/AAEAAABkAAAAAAAAABQAAABAHwAAAAAAACYAAAAAAAAAwOD//wAAAAAmAAAAZAAAABYAAABMAAAAAAAAAAAAAAAEAAAAAAAAAAEAAABZWVkKAAAAACgAAAAoAAAAZAAAAGQAAAAAAAAAzMzMAAAAAABQAAAAUAAAAGQAAABkAAAAAAAAAAcAAAA4AAAAAAAAAAAAAAAAAAAA////AAAAAAAAAAAAAAAAAAAAAAAAAAAAAAAAAAAAAABkAAAAZAAAAAAAAAAjAAAABAAAAGQAAAAXAAAAFAAAAAAAAAAAAAAA/38AAP9/AAAAAAAACQAAAAQAAAAAAAAAHgAAAGgAAAAAAAAAAAAAAAAAAAAAAAAAAAAAABAnAAAQJwAAAAAAAAAAAAAAAAAAAAAAAAAAAAAAAAAAAAAAAAAAAAAUAAAAAAAAAMDA/wAAAAAAZAAAADIAAAAAAAAAZAAAAAAAAAB/f38ACgAAACIAAAAYAAAAAAAAAAAAAAAAAAAAAAAAAAAAAAAAAAAAJAAAACQAAAAAAAAABwAAAAAAAAAAAAAAAAAAAAAAAAAAAAAAAAAAAH9/fwAlAAAAWAAAAAAAAAAAAAAAAAAAAAAAAAAAAAAAAAAAAAAAAAAAAAAAAAAAAAAAAAAAAAAAPwAAAAAAAACghgEAAAAAAAAAAAAAAAAADAAAAAEAAAAAAAAAAAAAAAAAAAAfAAAAVAAAAEKF9AX///8BAAAAAAAAAAAAAAAAAAAAAAAAAAAAAAAAAAAAAAAAAAAAAAACf39/AFlZWQPMzMwAwMD/AH9/fwAAAAAAAAAAAAAAAAD///8AAAAAACEAAAAYAAAAFAAAAHYDAAAqFAAAmBkAAGAeAAAQAAAAJgAAAAgAAAD//////////w=="/>
               </a:ext>
             </a:extLst>
           </p:cNvPicPr>
@@ -12837,7 +12837,7 @@
             <a:picLocks noChangeAspect="1"/>
             <a:extLst>
               <a:ext uri="smNativeData">
-                <pr:smNativeData xmlns:pr="smNativeData" xmlns="smNativeData" val="SMDATA_17_t6npZxMAAAAlAAAAEQAAAC8BAAAAkAAAAEgAAACQAAAASAAAAAAAAAAAAAAAAAAAAAEAAABQAAAAAAAAAAAA4D8AAAAAAADgPwAAAAAAAOA/AAAAAAAA4D8AAAAAAADgPwAAAAAAAOA/AAAAAAAA4D8AAAAAAADgPwAAAAAAAOA/AAAAAAAA4D8CAAAAjAAAAAAAAAAAAAAAQoX0DP///wgAAAAAAAAAAAAAAAAAAAAAAAAAAAAAAAAAAAAAZAAAAAEAAABAAAAAAAAAAAAAAAAAAAAAAAAAAAAAAAAAAAAAAAAAAAAAAAAAAAAAAAAAAAAAAAAAAAAAAAAAAAAAAAAAAAAAAAAAAAAAAAAAAAAAAAAAAAAAAAAAAAAAFAAAADwAAAAAAAAAAAAAAAAAAAkUAAAAAQAAABQAAAAUAAAAFAAAAAEAAAAAAAAAZAAAAGQAAAAAAAAAZAAAAGQAAAAVAAAAYAAAAAAAAAAAAAAADwAAACADAAAAAAAAAAAAAAEAAACgMgAAVgcAAKr4//8BAAAAf39/AAEAAABkAAAAAAAAABQAAABAHwAAAAAAACYAAAAAAAAAwOD//wAAAAAmAAAAZAAAABYAAABMAAAAAAAAAAAAAAAEAAAAAAAAAAEAAABZWVkKAAAAACgAAAAoAAAAZAAAAGQAAAAAAAAAzMzMAAAAAABQAAAAUAAAAGQAAABkAAAAAAAAAAcAAAA4AAAAAAAAAAAAAAAAAAAA////AAAAAAAAAAAAAAAAAAAAAAAAAAAAAAAAAAAAAABkAAAAZAAAAAAAAAAjAAAABAAAAGQAAAAXAAAAFAAAAAAAAAAAAAAA/38AAP9/AAAAAAAACQAAAAQAAAAAAAAAHgAAAGgAAAAAAAAAAAAAAAAAAAAAAAAAAAAAABAnAAAQJwAAAAAAAAAAAAAAAAAAAAAAAAAAAAAAAAAAAAAAAAAAAAAUAAAAAAAAAMDA/wAAAAAAZAAAADIAAAAAAAAAZAAAAAAAAAB/f38ACgAAACIAAAAYAAAAAAAAAAAAAAAAAAAAAAAAAAAAAAAAAAAAJAAAACQAAAAAAAAABwAAAAAAAAAAAAAAAAAAAAAAAAAAAAAAAAAAAH9/fwAlAAAAWAAAAAAAAAAAAAAAAAAAAAAAAAAAAAAAAAAAAAAAAAAAAAAAAAAAAAAAAAAAAAAAPwAAAAAAAACghgEAAAAAAAAAAAAAAAAADAAAAAEAAAAAAAAAAAAAAAAAAAAfAAAAVAAAAEKF9AX///8BAAAAAAAAAAAAAAAAAAAAAAAAAAAAAAAAAAAAAAAAAAAAAAACf39/AFlZWQPMzMwAwMD/AH9/fwAAAAAAAAAAAAAAAAD///8AAAAAACEAAAAYAAAAFAAAAKgbAACICAAArTcAADAYAAAQAAAAJgAAAAgAAAD//////////w=="/>
+                <pr:smNativeData xmlns:pr="smNativeData" xmlns="smNativeData" val="SMDATA_17_f8v4ZxMAAAAlAAAAEQAAAC8BAAAAkAAAAEgAAACQAAAASAAAAAAAAAAAAAAAAAAAAAEAAABQAAAAAAAAAAAA4D8AAAAAAADgPwAAAAAAAOA/AAAAAAAA4D8AAAAAAADgPwAAAAAAAOA/AAAAAAAA4D8AAAAAAADgPwAAAAAAAOA/AAAAAAAA4D8CAAAAjAAAAAAAAAAAAAAAQoX0DP///wgAAAAAAAAAAAAAAAAAAAAAAAAAAAAAAAAAAAAAZAAAAAEAAABAAAAAAAAAAAAAAAAAAAAAAAAAAAAAAAAAAAAAAAAAAAAAAAAAAAAAAAAAAAAAAAAAAAAAAAAAAAAAAAAAAAAAAAAAAAAAAAAAAAAAAAAAAAAAAAAAAAAAFAAAADwAAAAAAAAAAAAAAAAAAAkUAAAAAQAAABQAAAAUAAAAFAAAAAEAAAAAAAAAZAAAAGQAAAAAAAAAZAAAAGQAAAAVAAAAYAAAAAAAAAAAAAAADwAAACADAAAAAAAAAAAAAAEAAACgMgAAVgcAAKr4//8BAAAAf39/AAEAAABkAAAAAAAAABQAAABAHwAAAAAAACYAAAAAAAAAwOD//wAAAAAmAAAAZAAAABYAAABMAAAAAAAAAAAAAAAEAAAAAAAAAAEAAABZWVkKAAAAACgAAAAoAAAAZAAAAGQAAAAAAAAAzMzMAAAAAABQAAAAUAAAAGQAAABkAAAAAAAAAAcAAAA4AAAAAAAAAAAAAAAAAAAA////AAAAAAAAAAAAAAAAAAAAAAAAAAAAAAAAAAAAAABkAAAAZAAAAAAAAAAjAAAABAAAAGQAAAAXAAAAFAAAAAAAAAAAAAAA/38AAP9/AAAAAAAACQAAAAQAAAAAAAAAHgAAAGgAAAAAAAAAAAAAAAAAAAAAAAAAAAAAABAnAAAQJwAAAAAAAAAAAAAAAAAAAAAAAAAAAAAAAAAAAAAAAAAAAAAUAAAAAAAAAMDA/wAAAAAAZAAAADIAAAAAAAAAZAAAAAAAAAB/f38ACgAAACIAAAAYAAAAAAAAAAAAAAAAAAAAAAAAAAAAAAAAAAAAJAAAACQAAAAAAAAABwAAAAAAAAAAAAAAAAAAAAAAAAAAAAAAAAAAAH9/fwAlAAAAWAAAAAAAAAAAAAAAAAAAAAAAAAAAAAAAAAAAAAAAAAAAAAAAAAAAAAAAAAAAAAAAPwAAAAAAAACghgEAAAAAAAAAAAAAAAAADAAAAAEAAAAAAAAAAAAAAAAAAAAfAAAAVAAAAEKF9AX///8BAAAAAAAAAAAAAAAAAAAAAAAAAAAAAAAAAAAAAAAAAAAAAAACf39/AFlZWQPMzMwAwMD/AH9/fwAAAAAAAAAAAAAAAAD///8AAAAAACEAAAAYAAAAFAAAAKgbAACICAAArTcAADAYAAAQAAAAJgAAAAgAAAD//////////w=="/>
               </a:ext>
             </a:extLst>
           </p:cNvPicPr>
@@ -12903,7 +12903,7 @@
             <a:spLocks noGrp="1" noChangeArrowheads="1"/>
             <a:extLst>
               <a:ext uri="smNativeData">
-                <pr:smNativeData xmlns:pr="smNativeData" xmlns="smNativeData" val="SMDATA_15_t6npZxMAAAAlAAAAZAAAAA0AAAAAkAAAAJAAAACQAAAAkAAAAAAAAAAAAAAAAAAAAAEAAABQAAAAAAAAAAAA4D8AAAAAAADgPwAAAAAAAOA/AAAAAAAA4D8AAAAAAADgPwAAAAAAAOA/AAAAAAAA4D8AAAAAAADgPwAAAAAAAOA/AAAAAAAA4D8CAAAAjAAAAAAAAAAAAAAAQoX0DP///wgAAAAAAAAAAAAAAAAAAAAAAAAAAAAAAAAAAAAAZAAAAAEAAABAAAAAAAAAAAAAAAAAAAAAAAAAAAAAAAAAAAAAAAAAAAAAAAAAAAAAAAAAAAAAAAAAAAAAAAAAAAAAAAAAAAAAAAAAAAAAAAAAAAAAAAAAAAAAAAAAAAAAFAAAADwAAAAAAAAAAAAAAAAAAAkUAAAAAQAAABQAAAAUAAAAFAAAAAEAAAAAAAAAZAAAAGQAAAAAAAAAZAAAAGQAAAAVAAAAYAAAAAAAAAAAAAAADwAAACADAAAAAAAAAAAAAAEAAACgMgAAVgcAAKr4//8BAAAAf39/AAEAAABkAAAAAAAAABQAAABAHwAAAAAAACYAAAAAAAAAwOD//wAAAAAmAAAAZAAAABYAAABMAAAAAAAAAAAAAAAEAAAAAAAAAAEAAABZWVkKAAAAACgAAAAoAAAAZAAAAGQAAAAAAAAAzMzMAAAAAABQAAAAUAAAAGQAAABkAAAAAAAAABcAAAAUAAAAAAAAAAAAAAD/fwAA/38AAAAAAAAJAAAABAAAAAAAAAAeAAAAaAAAAAAAAAAAAAAAAAAAAAAAAAAAAAAAECcAABAnAAAAAAAAAAAAAAAAAAAAAAAAAAAAAAAAAAAAAAAAAAAAABQAAAAAAAAAwMD/AAAAAABkAAAAMgAAAAAAAABkAAAAAAAAAH9/fwAKAAAAIgAAABgAAAAAAAAAAAAAAAAAAAAAAAAAAAAAAAAAAAAkAAAAJAAAAAAAAAAHAAAAAAAAAAAAAAAAAAAAAAAAAAAAAAAAAAAAf39/ACUAAABYAAAAAAAAAAAAAAAAAAAAAAAAAAAAAAAAAAAAAAAAAAAAAAAAAAAAAAAAAAAAAAA/AAAAAAAAAKCGAQAAAAAAAAAAAAAAAAAMAAAAAQAAAAAAAAAAAAAAAAAAAB8AAABUAAAAQoX0Bf///wEAAAAAAAAAAAAAAAAAAAAAAAAAAAAAAAAAAAAAAAAAAAAAAAJ/f38AWVlZA8zMzADAwP8Af39/AAAAAAAAAAAAAAAAAAAAAAAAAAAAIQAAABgAAAAUAAAAFAMAAAkCAAB/NwAA3AUAABAAAAAmAAAACAAAAD0wAAAAAAAA"/>
+                <pr:smNativeData xmlns:pr="smNativeData" xmlns="smNativeData" val="SMDATA_15_f8v4ZxMAAAAlAAAAZAAAAA0AAAAAkAAAAJAAAACQAAAAkAAAAAAAAAAAAAAAAAAAAAEAAABQAAAAAAAAAAAA4D8AAAAAAADgPwAAAAAAAOA/AAAAAAAA4D8AAAAAAADgPwAAAAAAAOA/AAAAAAAA4D8AAAAAAADgPwAAAAAAAOA/AAAAAAAA4D8CAAAAjAAAAAAAAAAAAAAAQoX0DP///wgAAAAAAAAAAAAAAAAAAAAAAAAAAAAAAAAAAAAAZAAAAAEAAABAAAAAAAAAAAAAAAAAAAAAAAAAAAAAAAAAAAAAAAAAAAAAAAAAAAAAAAAAAAAAAAAAAAAAAAAAAAAAAAAAAAAAAAAAAAAAAAAAAAAAAAAAAAAAAAAAAAAAFAAAADwAAAAAAAAAAAAAAAAAAAkUAAAAAQAAABQAAAAUAAAAFAAAAAEAAAAAAAAAZAAAAGQAAAAAAAAAZAAAAGQAAAAVAAAAYAAAAAAAAAAAAAAADwAAACADAAAAAAAAAAAAAAEAAACgMgAAVgcAAKr4//8BAAAAf39/AAEAAABkAAAAAAAAABQAAABAHwAAAAAAACYAAAAAAAAAwOD//wAAAAAmAAAAZAAAABYAAABMAAAAAAAAAAAAAAAEAAAAAAAAAAEAAABZWVkKAAAAACgAAAAoAAAAZAAAAGQAAAAAAAAAzMzMAAAAAABQAAAAUAAAAGQAAABkAAAAAAAAABcAAAAUAAAAAAAAAAAAAAD/fwAA/38AAAAAAAAJAAAABAAAAAAAAAAeAAAAaAAAAAAAAAAAAAAAAAAAAAAAAAAAAAAAECcAABAnAAAAAAAAAAAAAAAAAAAAAAAAAAAAAAAAAAAAAAAAAAAAABQAAAAAAAAAwMD/AAAAAABkAAAAMgAAAAAAAABkAAAAAAAAAH9/fwAKAAAAIgAAABgAAAAAAAAAAAAAAAAAAAAAAAAAAAAAAAAAAAAkAAAAJAAAAAAAAAAHAAAAAAAAAAAAAAAAAAAAAAAAAAAAAAAAAAAAf39/ACUAAABYAAAAAAAAAAAAAAAAAAAAAAAAAAAAAAAAAAAAAAAAAAAAAAAAAAAAAAAAAAAAAAA/AAAAAAAAAKCGAQAAAAAAAAAAAAAAAAAMAAAAAQAAAAAAAAAAAAAAAAAAAB8AAABUAAAAAAAABQAAAAEAAAAAAAAAAAAAAAAAAAAAAAAAAAAAAAAAAAAAAAAAAAAAAAJ/f38AWVlZA8zMzADAwP8Af39/AAAAAAAAAAAAAAAAAAAAAAAAAAAAIQAAABgAAAAUAAAAFAMAAAkCAAB/NwAA3AUAABAAAAAmAAAACAAAAD0wAAAAAAAA"/>
               </a:ext>
             </a:extLst>
           </p:cNvSpPr>
@@ -12948,7 +12948,7 @@
             <a:picLocks noChangeAspect="1"/>
             <a:extLst>
               <a:ext uri="smNativeData">
-                <pr:smNativeData xmlns:pr="smNativeData" xmlns="smNativeData" val="SMDATA_17_t6npZxMAAAAlAAAAEQAAAC8BAAAAkAAAAEgAAACQAAAASAAAAAAAAAAAAAAAAAAAAAEAAABQAAAAAAAAAAAA4D8AAAAAAADgPwAAAAAAAOA/AAAAAAAA4D8AAAAAAADgPwAAAAAAAOA/AAAAAAAA4D8AAAAAAADgPwAAAAAAAOA/AAAAAAAA4D8CAAAAjAAAAAAAAAAAAAAAQoX0DP///wgAAAAAAAAAAAAAAAAAAAAAAAAAAAAAAAAAAAAAZAAAAAEAAABAAAAAAAAAAAAAAAAAAAAAAAAAAAAAAAAAAAAAAAAAAAAAAAAAAAAAAAAAAAAAAAAAAAAAAAAAAAAAAAAAAAAAAAAAAAAAAAAAAAAAAAAAAAAAAAAAAAAAFAAAADwAAAAAAAAAAAAAAAAAAAkUAAAAAQAAABQAAAAUAAAAFAAAAAEAAAAAAAAAZAAAAGQAAAAAAAAAZAAAAGQAAAAVAAAAYAAAAAAAAAAAAAAADwAAACADAAAAAAAAAAAAAAEAAACgMgAAVgcAAKr4//8BAAAAf39/AAEAAABkAAAAAAAAABQAAABAHwAAAAAAACYAAAAAAAAAwOD//wAAAAAmAAAAZAAAABYAAABMAAAAAAAAAAAAAAAEAAAAAAAAAAEAAABZWVkKAAAAACgAAAAoAAAAZAAAAGQAAAAAAAAAzMzMAAAAAABQAAAAUAAAAGQAAABkAAAAAAAAAAcAAAA4AAAAAAAAAAAAAAAAAAAA////AAAAAAAAAAAAAAAAAAAAAAAAAAAAAAAAAAAAAABkAAAAZAAAAAAAAAAjAAAABAAAAGQAAAAXAAAAFAAAAAAAAAAAAAAA/38AAP9/AAAAAAAACQAAAAQAAAAAAAAAHgAAAGgAAAAAAAAAAAAAAAAAAAAAAAAAAAAAABAnAAAQJwAAAAAAAAAAAAAAAAAAAAAAAAAAAAAAAAAAAAAAAAAAAAAUAAAAAAAAAMDA/wAAAAAAZAAAADIAAAAAAAAAZAAAAAAAAAB/f38ACgAAACIAAAAYAAAAAAAAAAAAAAAAAAAAAAAAAAAAAAAAAAAAJAAAACQAAAAAAAAABwAAAAAAAAAAAAAAAAAAAAAAAAAAAAAAAAAAAH9/fwAlAAAAWAAAAAAAAAAAAAAAAAAAAAAAAAAAAAAAAAAAAAAAAAAAAAAAAAAAAAAAAAAAAAAAPwAAAAAAAACghgEAAAAAAAAAAAAAAAAADAAAAAEAAAAAAAAAAAAAAAAAAAAfAAAAVAAAAEKF9AX///8BAAAAAAAAAAAAAAAAAAAAAAAAAAAAAAAAAAAAAAAAAAAAAAACf39/AFlZWQPMzMwAwMD/AH9/fwAAAAAAAAAAAAAAAAD///8AAAAAACEAAAAYAAAAFAAAAFUAAABcBwAAQDgAAGcaAAAQAAAAJgAAAAgAAAD//////////w=="/>
+                <pr:smNativeData xmlns:pr="smNativeData" xmlns="smNativeData" val="SMDATA_17_f8v4ZxMAAAAlAAAAEQAAAC8BAAAAkAAAAEgAAACQAAAASAAAAAAAAAAAAAAAAAAAAAEAAABQAAAAAAAAAAAA4D8AAAAAAADgPwAAAAAAAOA/AAAAAAAA4D8AAAAAAADgPwAAAAAAAOA/AAAAAAAA4D8AAAAAAADgPwAAAAAAAOA/AAAAAAAA4D8CAAAAjAAAAAAAAAAAAAAAQoX0DP///wgAAAAAAAAAAAAAAAAAAAAAAAAAAAAAAAAAAAAAZAAAAAEAAABAAAAAAAAAAAAAAAAAAAAAAAAAAAAAAAAAAAAAAAAAAAAAAAAAAAAAAAAAAAAAAAAAAAAAAAAAAAAAAAAAAAAAAAAAAAAAAAAAAAAAAAAAAAAAAAAAAAAAFAAAADwAAAAAAAAAAAAAAAAAAAkUAAAAAQAAABQAAAAUAAAAFAAAAAEAAAAAAAAAZAAAAGQAAAAAAAAAZAAAAGQAAAAVAAAAYAAAAAAAAAAAAAAADwAAACADAAAAAAAAAAAAAAEAAACgMgAAVgcAAKr4//8BAAAAf39/AAEAAABkAAAAAAAAABQAAABAHwAAAAAAACYAAAAAAAAAwOD//wAAAAAmAAAAZAAAABYAAABMAAAAAAAAAAAAAAAEAAAAAAAAAAEAAABZWVkKAAAAACgAAAAoAAAAZAAAAGQAAAAAAAAAzMzMAAAAAABQAAAAUAAAAGQAAABkAAAAAAAAAAcAAAA4AAAAAAAAAAAAAAAAAAAA////AAAAAAAAAAAAAAAAAAAAAAAAAAAAAAAAAAAAAABkAAAAZAAAAAAAAAAjAAAABAAAAGQAAAAXAAAAFAAAAAAAAAAAAAAA/38AAP9/AAAAAAAACQAAAAQAAAAAAAAAHgAAAGgAAAAAAAAAAAAAAAAAAAAAAAAAAAAAABAnAAAQJwAAAAAAAAAAAAAAAAAAAAAAAAAAAAAAAAAAAAAAAAAAAAAUAAAAAAAAAMDA/wAAAAAAZAAAADIAAAAAAAAAZAAAAAAAAAB/f38ACgAAACIAAAAYAAAAAAAAAAAAAAAAAAAAAAAAAAAAAAAAAAAAJAAAACQAAAAAAAAABwAAAAAAAAAAAAAAAAAAAAAAAAAAAAAAAAAAAH9/fwAlAAAAWAAAAAAAAAAAAAAAAAAAAAAAAAAAAAAAAAAAAAAAAAAAAAAAAAAAAAAAAAAAAAAAPwAAAAAAAACghgEAAAAAAAAAAAAAAAAADAAAAAEAAAAAAAAAAAAAAAAAAAAfAAAAVAAAAEKF9AX///8BAAAAAAAAAAAAAAAAAAAAAAAAAAAAAAAAAAAAAAAAAAAAAAACf39/AFlZWQPMzMwAwMD/AH9/fwAAAAAAAAAAAAAAAAD///8AAAAAACEAAAAYAAAAFAAAAFUAAABcBwAAQDgAAGcaAAAQAAAAJgAAAAgAAAD//////////w=="/>
               </a:ext>
             </a:extLst>
           </p:cNvPicPr>
@@ -13014,7 +13014,7 @@
             <a:spLocks noGrp="1" noChangeArrowheads="1"/>
             <a:extLst>
               <a:ext uri="smNativeData">
-                <pr:smNativeData xmlns:pr="smNativeData" xmlns="smNativeData" val="SMDATA_15_t6npZxMAAAAlAAAAZAAAAA0AAAAAkAAAAJAAAACQAAAAkAAAAAAAAAAAAAAAAAAAAAEAAABQAAAAAAAAAAAA4D8AAAAAAADgPwAAAAAAAOA/AAAAAAAA4D8AAAAAAADgPwAAAAAAAOA/AAAAAAAA4D8AAAAAAADgPwAAAAAAAOA/AAAAAAAA4D8CAAAAjAAAAAAAAAAAAAAAQoX0DP///wgAAAAAAAAAAAAAAAAAAAAAAAAAAAAAAAAAAAAAZAAAAAEAAABAAAAAAAAAAAAAAAAAAAAAAAAAAAAAAAAAAAAAAAAAAAAAAAAAAAAAAAAAAAAAAAAAAAAAAAAAAAAAAAAAAAAAAAAAAAAAAAAAAAAAAAAAAAAAAAAAAAAAFAAAADwAAAAAAAAAAAAAAAAAAAkUAAAAAQAAABQAAAAUAAAAFAAAAAEAAAAAAAAAZAAAAGQAAAAAAAAAZAAAAGQAAAAVAAAAYAAAAAAAAAAAAAAADwAAACADAAAAAAAAAAAAAAEAAACgMgAAVgcAAKr4//8BAAAAf39/AAEAAABkAAAAAAAAABQAAABAHwAAAAAAACYAAAAAAAAAwOD//wAAAAAmAAAAZAAAABYAAABMAAAAAAAAAAAAAAAEAAAAAAAAAAEAAABZWVkKAAAAACgAAAAoAAAAZAAAAGQAAAAAAAAAzMzMAAAAAABQAAAAUAAAAGQAAABkAAAAAAAAABcAAAAUAAAAAAAAAAAAAAD/fwAA/38AAAAAAAAJAAAABAAAAAAAAAAeAAAAaAAAAAAAAAAAAAAAAAAAAAAAAAAAAAAAECcAABAnAAAAAAAAAAAAAAAAAAAAAAAAAAAAAAAAAAAAAAAAAAAAABQAAAAAAAAAwMD/AAAAAABkAAAAMgAAAAAAAABkAAAAAAAAAH9/fwAKAAAAIgAAABgAAAAAAAAAAAAAAAAAAAAAAAAAAAAAAAAAAAAkAAAAJAAAAAAAAAAHAAAAAAAAAAAAAAAAAAAAAAAAAAAAAAAAAAAAf39/ACUAAABYAAAAAAAAAAAAAAAAAAAAAAAAAAAAAAAAAAAAAAAAAAAAAAAAAAAAAAAAAAAAAAA/AAAAAAAAAKCGAQAAAAAAAAAAAAAAAAAMAAAAAQAAAAAAAAAAAAAAAAAAAB8AAABUAAAAQoX0Bf///wEAAAAAAAAAAAAAAAAAAAAAAAAAAAAAAAAAAAAAAAAAAAAAAAJ/f38AWVlZA8zMzADAwP8Af39/AAAAAAAAAAAAAAAAAAAAAAAAAAAAIQAAABgAAAAUAAAAFAMAAAkCAAB/NwAA3AUAABAAAAAmAAAACAAAAD0wAAAAAAAA"/>
+                <pr:smNativeData xmlns:pr="smNativeData" xmlns="smNativeData" val="SMDATA_15_f8v4ZxMAAAAlAAAAZAAAAA0AAAAAkAAAAJAAAACQAAAAkAAAAAAAAAAAAAAAAAAAAAEAAABQAAAAAAAAAAAA4D8AAAAAAADgPwAAAAAAAOA/AAAAAAAA4D8AAAAAAADgPwAAAAAAAOA/AAAAAAAA4D8AAAAAAADgPwAAAAAAAOA/AAAAAAAA4D8CAAAAjAAAAAAAAAAAAAAAQoX0DP///wgAAAAAAAAAAAAAAAAAAAAAAAAAAAAAAAAAAAAAZAAAAAEAAABAAAAAAAAAAAAAAAAAAAAAAAAAAAAAAAAAAAAAAAAAAAAAAAAAAAAAAAAAAAAAAAAAAAAAAAAAAAAAAAAAAAAAAAAAAAAAAAAAAAAAAAAAAAAAAAAAAAAAFAAAADwAAAAAAAAAAAAAAAAAAAkUAAAAAQAAABQAAAAUAAAAFAAAAAEAAAAAAAAAZAAAAGQAAAAAAAAAZAAAAGQAAAAVAAAAYAAAAAAAAAAAAAAADwAAACADAAAAAAAAAAAAAAEAAACgMgAAVgcAAKr4//8BAAAAf39/AAEAAABkAAAAAAAAABQAAABAHwAAAAAAACYAAAAAAAAAwOD//wAAAAAmAAAAZAAAABYAAABMAAAAAAAAAAAAAAAEAAAAAAAAAAEAAABZWVkKAAAAACgAAAAoAAAAZAAAAGQAAAAAAAAAzMzMAAAAAABQAAAAUAAAAGQAAABkAAAAAAAAABcAAAAUAAAAAAAAAAAAAAD/fwAA/38AAAAAAAAJAAAABAAAAAAAAAAeAAAAaAAAAAAAAAAAAAAAAAAAAAAAAAAAAAAAECcAABAnAAAAAAAAAAAAAAAAAAAAAAAAAAAAAAAAAAAAAAAAAAAAABQAAAAAAAAAwMD/AAAAAABkAAAAMgAAAAAAAABkAAAAAAAAAH9/fwAKAAAAIgAAABgAAAAAAAAAAAAAAAAAAAAAAAAAAAAAAAAAAAAkAAAAJAAAAAAAAAAHAAAAAAAAAAAAAAAAAAAAAAAAAAAAAAAAAAAAf39/ACUAAABYAAAAAAAAAAAAAAAAAAAAAAAAAAAAAAAAAAAAAAAAAAAAAAAAAAAAAAAAAAAAAAA/AAAAAAAAAKCGAQAAAAAAAAAAAAAAAAAMAAAAAQAAAAAAAAAAAAAAAAAAAB8AAABUAAAAAAAABQAAAAEAAAAAAAAAAAAAAAAAAAAAAAAAAAAAAAAAAAAAAAAAAAAAAAJ/f38AWVlZA8zMzADAwP8Af39/AAAAAAAAAAAAAAAAAAAAAAAAAAAAIQAAABgAAAAUAAAAFAMAAAkCAAB/NwAA3AUAABAAAAAmAAAACAAAAD0wAAAAAAAA"/>
               </a:ext>
             </a:extLst>
           </p:cNvSpPr>
@@ -13059,7 +13059,7 @@
             <a:picLocks noChangeAspect="1"/>
             <a:extLst>
               <a:ext uri="smNativeData">
-                <pr:smNativeData xmlns:pr="smNativeData" xmlns="smNativeData" val="SMDATA_17_t6npZxMAAAAlAAAAEQAAAC8BAAAAkAAAAEgAAACQAAAASAAAAAAAAAAAAAAAAAAAAAEAAABQAAAAAAAAAAAA4D8AAAAAAADgPwAAAAAAAOA/AAAAAAAA4D8AAAAAAADgPwAAAAAAAOA/AAAAAAAA4D8AAAAAAADgPwAAAAAAAOA/AAAAAAAA4D8CAAAAjAAAAAAAAAAAAAAAQoX0DP///wgAAAAAAAAAAAAAAAAAAAAAAAAAAAAAAAAAAAAAZAAAAAEAAABAAAAAAAAAAAAAAAAAAAAAAAAAAAAAAAAAAAAAAAAAAAAAAAAAAAAAAAAAAAAAAAAAAAAAAAAAAAAAAAAAAAAAAAAAAAAAAAAAAAAAAAAAAAAAAAAAAAAAFAAAADwAAAAAAAAAAAAAAAAAAAkUAAAAAQAAABQAAAAUAAAAFAAAAAEAAAAAAAAAZAAAAGQAAAAAAAAAZAAAAGQAAAAVAAAAYAAAAAAAAAAAAAAADwAAACADAAAAAAAAAAAAAAEAAACgMgAAVgcAAKr4//8BAAAAf39/AAEAAABkAAAAAAAAABQAAABAHwAAAAAAACYAAAAAAAAAwOD//wAAAAAmAAAAZAAAABYAAABMAAAAAAAAAAAAAAAEAAAAAAAAAAEAAABZWVkKAAAAACgAAAAoAAAAZAAAAGQAAAAAAAAAzMzMAAAAAABQAAAAUAAAAGQAAABkAAAAAAAAAAcAAAA4AAAAAAAAAAAAAAAAAAAA////AAAAAAAAAAAAAAAAAAAAAAAAAAAAAAAAAAAAAABkAAAAZAAAAAAAAAAjAAAABAAAAGQAAAAXAAAAFAAAAAAAAAAAAAAA/38AAP9/AAAAAAAACQAAAAQAAAAAAAAAHgAAAGgAAAAAAAAAAAAAAAAAAAAAAAAAAAAAABAnAAAQJwAAAAAAAAAAAAAAAAAAAAAAAAAAAAAAAAAAAAAAAAAAAAAUAAAAAAAAAMDA/wAAAAAAZAAAADIAAAAAAAAAZAAAAAAAAAB/f38ACgAAACIAAAAYAAAAAAAAAAAAAAAAAAAAAAAAAAAAAAAAAAAAJAAAACQAAAAAAAAABwAAAAAAAAAAAAAAAAAAAAAAAAAAAAAAAAAAAH9/fwAlAAAAWAAAAAAAAAAAAAAAAAAAAAAAAAAAAAAAAAAAAAAAAAAAAAAAAAAAAAAAAAAAAAAAPwAAAAAAAACghgEAAAAAAAAAAAAAAAAADAAAAAEAAAAAAAAAAAAAAAAAAAAfAAAAVAAAAEKF9AX///8BAAAAAAAAAAAAAAAAAAAAAAAAAAAAAAAAAAAAAAAAAAAAAAACf39/AFlZWQPMzMwAwMD/AH9/fwAAAAAAAAAAAAAAAAD///8AAAAAACEAAAAYAAAAFAAAAK0CAAAVBgAARy0AAAMfAAAQAAAAJgAAAAgAAAD//////////w=="/>
+                <pr:smNativeData xmlns:pr="smNativeData" xmlns="smNativeData" val="SMDATA_17_f8v4ZxMAAAAlAAAAEQAAAC8BAAAAkAAAAEgAAACQAAAASAAAAAAAAAAAAAAAAAAAAAEAAABQAAAAAAAAAAAA4D8AAAAAAADgPwAAAAAAAOA/AAAAAAAA4D8AAAAAAADgPwAAAAAAAOA/AAAAAAAA4D8AAAAAAADgPwAAAAAAAOA/AAAAAAAA4D8CAAAAjAAAAAAAAAAAAAAAQoX0DP///wgAAAAAAAAAAAAAAAAAAAAAAAAAAAAAAAAAAAAAZAAAAAEAAABAAAAAAAAAAAAAAAAAAAAAAAAAAAAAAAAAAAAAAAAAAAAAAAAAAAAAAAAAAAAAAAAAAAAAAAAAAAAAAAAAAAAAAAAAAAAAAAAAAAAAAAAAAAAAAAAAAAAAFAAAADwAAAAAAAAAAAAAAAAAAAkUAAAAAQAAABQAAAAUAAAAFAAAAAEAAAAAAAAAZAAAAGQAAAAAAAAAZAAAAGQAAAAVAAAAYAAAAAAAAAAAAAAADwAAACADAAAAAAAAAAAAAAEAAACgMgAAVgcAAKr4//8BAAAAf39/AAEAAABkAAAAAAAAABQAAABAHwAAAAAAACYAAAAAAAAAwOD//wAAAAAmAAAAZAAAABYAAABMAAAAAAAAAAAAAAAEAAAAAAAAAAEAAABZWVkKAAAAACgAAAAoAAAAZAAAAGQAAAAAAAAAzMzMAAAAAABQAAAAUAAAAGQAAABkAAAAAAAAAAcAAAA4AAAAAAAAAAAAAAAAAAAA////AAAAAAAAAAAAAAAAAAAAAAAAAAAAAAAAAAAAAABkAAAAZAAAAAAAAAAjAAAABAAAAGQAAAAXAAAAFAAAAAAAAAAAAAAA/38AAP9/AAAAAAAACQAAAAQAAAAAAAAAHgAAAGgAAAAAAAAAAAAAAAAAAAAAAAAAAAAAABAnAAAQJwAAAAAAAAAAAAAAAAAAAAAAAAAAAAAAAAAAAAAAAAAAAAAUAAAAAAAAAMDA/wAAAAAAZAAAADIAAAAAAAAAZAAAAAAAAAB/f38ACgAAACIAAAAYAAAAAAAAAAAAAAAAAAAAAAAAAAAAAAAAAAAAJAAAACQAAAAAAAAABwAAAAAAAAAAAAAAAAAAAAAAAAAAAAAAAAAAAH9/fwAlAAAAWAAAAAAAAAAAAAAAAAAAAAAAAAAAAAAAAAAAAAAAAAAAAAAAAAAAAAAAAAAAAAAAPwAAAAAAAACghgEAAAAAAAAAAAAAAAAADAAAAAEAAAAAAAAAAAAAAAAAAAAfAAAAVAAAAEKF9AX///8BAAAAAAAAAAAAAAAAAAAAAAAAAAAAAAAAAAAAAAAAAAAAAAACf39/AFlZWQPMzMwAwMD/AH9/fwAAAAAAAAAAAAAAAAD///8AAAAAACEAAAAYAAAAFAAAAK0CAAAVBgAARy0AAAMfAAAQAAAAJgAAAAgAAAD//////////w=="/>
               </a:ext>
             </a:extLst>
           </p:cNvPicPr>
@@ -13125,7 +13125,7 @@
             <a:spLocks noGrp="1" noChangeArrowheads="1"/>
             <a:extLst>
               <a:ext uri="smNativeData">
-                <pr:smNativeData xmlns:pr="smNativeData" xmlns="smNativeData" val="SMDATA_15_t6npZxMAAAAlAAAAZAAAAA0AAAAAkAAAAJAAAACQAAAAkAAAAAAAAAAAAAAAAAAAAAEAAABQAAAAAAAAAAAA4D8AAAAAAADgPwAAAAAAAOA/AAAAAAAA4D8AAAAAAADgPwAAAAAAAOA/AAAAAAAA4D8AAAAAAADgPwAAAAAAAOA/AAAAAAAA4D8CAAAAjAAAAAAAAAAAAAAAQoX0DP///wgAAAAAAAAAAAAAAAAAAAAAAAAAAAAAAAAAAAAAZAAAAAEAAABAAAAAAAAAAAAAAAAAAAAAAAAAAAAAAAAAAAAAAAAAAAAAAAAAAAAAAAAAAAAAAAAAAAAAAAAAAAAAAAAAAAAAAAAAAAAAAAAAAAAAAAAAAAAAAAAAAAAAFAAAADwAAAAAAAAAAAAAAAAAAAkUAAAAAQAAABQAAAAUAAAAFAAAAAEAAAAAAAAAZAAAAGQAAAAAAAAAZAAAAGQAAAAVAAAAYAAAAAAAAAAAAAAADwAAACADAAAAAAAAAAAAAAEAAACgMgAAVgcAAKr4//8BAAAAf39/AAEAAABkAAAAAAAAABQAAABAHwAAAAAAACYAAAAAAAAAwOD//wAAAAAmAAAAZAAAABYAAABMAAAAAAAAAAAAAAAEAAAAAAAAAAEAAABZWVkKAAAAACgAAAAoAAAAZAAAAGQAAAAAAAAAzMzMAAAAAABQAAAAUAAAAGQAAABkAAAAAAAAABcAAAAUAAAAAAAAAAAAAAD/fwAA/38AAAAAAAAJAAAABAAAAEkaviQeAAAAaAAAAAAAAAAAAAAAAAAAAAAAAAAAAAAAECcAABAnAAAAAAAAAAAAAAAAAAAAAAAAAAAAAAAAAAAAAAAAAAAAABQAAAAAAAAAwMD/AAAAAABkAAAAMgAAAAAAAABkAAAAAAAAAH9/fwAKAAAAIgAAABgAAAAAAAAAAAAAAAAAAAAAAAAAAAAAAAAAAAAkAAAAJAAAAAAAAAAHAAAAAAAAAAAAAAAAAAAAAAAAAAAAAAAAAAAAf39/ACUAAABYAAAAAAAAAAAAAAAAAAAAAAAAAAAAAAAAAAAAAAAAAAAAAAAAAAAAAAAAAAAAAAA/AAAAAAAAAKCGAQAAAAAAAAAAAAAAAAAMAAAAAQAAAAAAAAAAAAAAAAAAAB8AAABUAAAAQoX0Bf///wEAAAAAAAAAAAAAAAAAAAAAAAAAAAAAAAAAAAAAAAAAAAAAAAJ/f38AWVlZA8zMzADAwP8Af39/AAAAAAAAAAAAAAAAAAAAAAAAAAAAIQAAABgAAAAUAAAAFAMAAAkCAAB/NwAA3AUAAAAAAAAmAAAACAAAAD0wAAAAAAAA"/>
+                <pr:smNativeData xmlns:pr="smNativeData" xmlns="smNativeData" val="SMDATA_15_f8v4ZxMAAAAlAAAAZAAAAA0AAAAAkAAAAJAAAACQAAAAkAAAAAAAAAAAAAAAAAAAAAEAAABQAAAAAAAAAAAA4D8AAAAAAADgPwAAAAAAAOA/AAAAAAAA4D8AAAAAAADgPwAAAAAAAOA/AAAAAAAA4D8AAAAAAADgPwAAAAAAAOA/AAAAAAAA4D8CAAAAjAAAAAAAAAAAAAAAQoX0DP///wgAAAAAAAAAAAAAAAAAAAAAAAAAAAAAAAAAAAAAZAAAAAEAAABAAAAAAAAAAAAAAAAAAAAAAAAAAAAAAAAAAAAAAAAAAAAAAAAAAAAAAAAAAAAAAAAAAAAAAAAAAAAAAAAAAAAAAAAAAAAAAAAAAAAAAAAAAAAAAAAAAAAAFAAAADwAAAAAAAAAAAAAAAAAAAkUAAAAAQAAABQAAAAUAAAAFAAAAAEAAAAAAAAAZAAAAGQAAAAAAAAAZAAAAGQAAAAVAAAAYAAAAAAAAAAAAAAADwAAACADAAAAAAAAAAAAAAEAAACgMgAAVgcAAKr4//8BAAAAf39/AAEAAABkAAAAAAAAABQAAABAHwAAAAAAACYAAAAAAAAAwOD//wAAAAAmAAAAZAAAABYAAABMAAAAAAAAAAAAAAAEAAAAAAAAAAEAAABZWVkKAAAAACgAAAAoAAAAZAAAAGQAAAAAAAAAzMzMAAAAAABQAAAAUAAAAGQAAABkAAAAAAAAABcAAAAUAAAAAAAAAAAAAAD/fwAA/38AAAAAAAAJAAAABAAAAEkaviQeAAAAaAAAAAAAAAAAAAAAAAAAAAAAAAAAAAAAECcAABAnAAAAAAAAAAAAAAAAAAAAAAAAAAAAAAAAAAAAAAAAAAAAABQAAAAAAAAAwMD/AAAAAABkAAAAMgAAAAAAAABkAAAAAAAAAH9/fwAKAAAAIgAAABgAAAAAAAAAAAAAAAAAAAAAAAAAAAAAAAAAAAAkAAAAJAAAAAAAAAAHAAAAAAAAAAAAAAAAAAAAAAAAAAAAAAAAAAAAf39/ACUAAABYAAAAAAAAAAAAAAAAAAAAAAAAAAAAAAAAAAAAAAAAAAAAAAAAAAAAAAAAAAAAAAA/AAAAAAAAAKCGAQAAAAAAAAAAAAAAAAAMAAAAAQAAAAAAAAAAAAAAAAAAAB8AAABUAAAAAAAABQAAAAEAAAAAAAAAAAAAAAAAAAAAAAAAAAAAAAAAAAAAAAAAAAAAAAJ/f38AWVlZA8zMzADAwP8Af39/AAAAAAAAAAAAAAAAAAAAAAAAAAAAIQAAABgAAAAUAAAAFAMAAAkCAAB/NwAA3AUAABAAAAAmAAAACAAAAD0wAAAAAAAA"/>
               </a:ext>
             </a:extLst>
           </p:cNvSpPr>
@@ -13170,7 +13170,7 @@
             <a:picLocks noChangeAspect="1"/>
             <a:extLst>
               <a:ext uri="smNativeData">
-                <pr:smNativeData xmlns:pr="smNativeData" xmlns="smNativeData" val="SMDATA_17_t6npZxMAAAAlAAAAEQAAAC8BAAAAkAAAAEgAAACQAAAASAAAAAAAAAAAAAAAAAAAAAEAAABQAAAAAAAAAAAA4D8AAAAAAADgPwAAAAAAAOA/AAAAAAAA4D8AAAAAAADgPwAAAAAAAOA/AAAAAAAA4D8AAAAAAADgPwAAAAAAAOA/AAAAAAAA4D8CAAAAjAAAAAAAAAAAAAAAQoX0DP///wgAAAAAAAAAAAAAAAAAAAAAAAAAAAAAAAAAAAAAZAAAAAEAAABAAAAAAAAAAAAAAAAAAAAAAAAAAAAAAAAAAAAAAAAAAAAAAAAAAAAAAAAAAAAAAAAAAAAAAAAAAAAAAAAAAAAAAAAAAAAAAAAAAAAAAAAAAAAAAAAAAAAAFAAAADwAAAAAAAAAAAAAAAAAAAkUAAAAAQAAABQAAAAUAAAAFAAAAAEAAAAAAAAAZAAAAGQAAAAAAAAAZAAAAGQAAAAVAAAAYAAAAAAAAAAAAAAADwAAACADAAAAAAAAAAAAAAEAAACgMgAAVgcAAKr4//8BAAAAf39/AAEAAABkAAAAAAAAABQAAABAHwAAAAAAACYAAAAAAAAAwOD//wAAAAAmAAAAZAAAABYAAABMAAAAAAAAAAAAAAAEAAAAAAAAAAEAAABZWVkKAAAAACgAAAAoAAAAZAAAAGQAAAAAAAAAzMzMAAAAAABQAAAAUAAAAGQAAABkAAAAAAAAAAcAAAA4AAAAAAAAAAAAAAAAAAAA////AAAAAAAAAAAAAAAAAAAAAAAAAAAAAAAAAAAAAABkAAAAZAAAAAAAAAAjAAAABAAAAGQAAAAXAAAAFAAAAAAAAAAAAAAA/38AAP9/AAAAAAAACQAAAAQAAAAJGIIJHgAAAGgAAAAAAAAAAAAAAAAAAAAAAAAAAAAAABAnAAAQJwAAAAAAAAAAAAAAAAAAAAAAAAAAAAAAAAAAAAAAAAAAAAAUAAAAAAAAAMDA/wAAAAAAZAAAADIAAAAAAAAAZAAAAAAAAAB/f38ACgAAACIAAAAYAAAAAAAAAAAAAAAAAAAAAAAAAAAAAAAAAAAAJAAAACQAAAAAAAAABwAAAAAAAAAAAAAAAAAAAAAAAAAAAAAAAAAAAH9/fwAlAAAAWAAAAAAAAAAAAAAAAAAAAAAAAAAAAAAAAAAAAAAAAAAAAAAAAAAAAAAAAAAAAAAAPwAAAAAAAACghgEAAAAAAAAAAAAAAAAADAAAAAEAAAAAAAAAAAAAAAAAAAAfAAAAVAAAAEKF9AX///8BAAAAAAAAAAAAAAAAAAAAAAAAAAAAAAAAAAAAAAAAAAAAAAACf39/AFlZWQPMzMwAwMD/AH9/fwAAAAAAAAAAAAAAAAD///8AAAAAACEAAAAYAAAAFAAAAGwHAADbBQAAuC8AAA0fAAAAAAAAJgAAAAgAAAD//////////w=="/>
+                <pr:smNativeData xmlns:pr="smNativeData" xmlns="smNativeData" val="SMDATA_17_f8v4ZxMAAAAlAAAAEQAAAC8BAAAAkAAAAEgAAACQAAAASAAAAAAAAAAAAAAAAAAAAAEAAABQAAAAAAAAAAAA4D8AAAAAAADgPwAAAAAAAOA/AAAAAAAA4D8AAAAAAADgPwAAAAAAAOA/AAAAAAAA4D8AAAAAAADgPwAAAAAAAOA/AAAAAAAA4D8CAAAAjAAAAAAAAAAAAAAAQoX0DP///wgAAAAAAAAAAAAAAAAAAAAAAAAAAAAAAAAAAAAAZAAAAAEAAABAAAAAAAAAAAAAAAAAAAAAAAAAAAAAAAAAAAAAAAAAAAAAAAAAAAAAAAAAAAAAAAAAAAAAAAAAAAAAAAAAAAAAAAAAAAAAAAAAAAAAAAAAAAAAAAAAAAAAFAAAADwAAAAAAAAAAAAAAAAAAAkUAAAAAQAAABQAAAAUAAAAFAAAAAEAAAAAAAAAZAAAAGQAAAAAAAAAZAAAAGQAAAAVAAAAYAAAAAAAAAAAAAAADwAAACADAAAAAAAAAAAAAAEAAACgMgAAVgcAAKr4//8BAAAAf39/AAEAAABkAAAAAAAAABQAAABAHwAAAAAAACYAAAAAAAAAwOD//wAAAAAmAAAAZAAAABYAAABMAAAAAAAAAAAAAAAEAAAAAAAAAAEAAABZWVkKAAAAACgAAAAoAAAAZAAAAGQAAAAAAAAAzMzMAAAAAABQAAAAUAAAAGQAAABkAAAAAAAAAAcAAAA4AAAAAAAAAAAAAAAAAAAA////AAAAAAAAAAAAAAAAAAAAAAAAAAAAAAAAAAAAAABkAAAAZAAAAAAAAAAjAAAABAAAAGQAAAAXAAAAFAAAAAAAAAAAAAAA/38AAP9/AAAAAAAACQAAAAQAAAAJGIIJHgAAAGgAAAAAAAAAAAAAAAAAAAAAAAAAAAAAABAnAAAQJwAAAAAAAAAAAAAAAAAAAAAAAAAAAAAAAAAAAAAAAAAAAAAUAAAAAAAAAMDA/wAAAAAAZAAAADIAAAAAAAAAZAAAAAAAAAB/f38ACgAAACIAAAAYAAAAAAAAAAAAAAAAAAAAAAAAAAAAAAAAAAAAJAAAACQAAAAAAAAABwAAAAAAAAAAAAAAAAAAAAAAAAAAAAAAAAAAAH9/fwAlAAAAWAAAAAAAAAAAAAAAAAAAAAAAAAAAAAAAAAAAAAAAAAAAAAAAAAAAAAAAAAAAAAAAPwAAAAAAAACghgEAAAAAAAAAAAAAAAAADAAAAAEAAAAAAAAAAAAAAAAAAAAfAAAAVAAAAEKF9AX///8BAAAAAAAAAAAAAAAAAAAAAAAAAAAAAAAAAAAAAAAAAAAAAAACf39/AFlZWQPMzMwAwMD/AH9/fwAAAAAAAAAAAAAAAAD///8AAAAAACEAAAAYAAAAFAAAAGwHAADbBQAAuC8AAA0fAAAQAAAAJgAAAAgAAAD//////////w=="/>
               </a:ext>
             </a:extLst>
           </p:cNvPicPr>
@@ -13236,7 +13236,7 @@
             <a:spLocks noGrp="1" noChangeArrowheads="1"/>
             <a:extLst>
               <a:ext uri="smNativeData">
-                <pr:smNativeData xmlns:pr="smNativeData" xmlns="smNativeData" val="SMDATA_15_t6npZxMAAAAlAAAAZAAAAA0AAAAAkAAAAJAAAACQAAAAkAAAAAAAAAAAAAAAAAAAAAEAAABQAAAAAAAAAAAA4D8AAAAAAADgPwAAAAAAAOA/AAAAAAAA4D8AAAAAAADgPwAAAAAAAOA/AAAAAAAA4D8AAAAAAADgPwAAAAAAAOA/AAAAAAAA4D8CAAAAjAAAAAAAAAAAAAAAQoX0DP///wgAAAAAAAAAAAAAAAAAAAAAAAAAAAAAAAAAAAAAZAAAAAEAAABAAAAAAAAAAAAAAAAAAAAAAAAAAAAAAAAAAAAAAAAAAAAAAAAAAAAAAAAAAAAAAAAAAAAAAAAAAAAAAAAAAAAAAAAAAAAAAAAAAAAAAAAAAAAAAAAAAAAAFAAAADwAAAAAAAAAAAAAAAAAAAkUAAAAAQAAABQAAAAUAAAAFAAAAAEAAAAAAAAAZAAAAGQAAAAAAAAAZAAAAGQAAAAVAAAAYAAAAAAAAAAAAAAADwAAACADAAAAAAAAAAAAAAEAAACgMgAAVgcAAKr4//8BAAAAf39/AAEAAABkAAAAAAAAABQAAABAHwAAAAAAACYAAAAAAAAAwOD//wAAAAAmAAAAZAAAABYAAABMAAAAAAAAAAAAAAAEAAAAAAAAAAEAAABZWVkKAAAAACgAAAAoAAAAZAAAAGQAAAAAAAAAzMzMAAAAAABQAAAAUAAAAGQAAABkAAAAAAAAABcAAAAUAAAAAAAAAAAAAAD/fwAA/38AAAAAAAAJAAAABAAAAAAAABceAAAAaAAAAAAAAAAAAAAAAAAAAAAAAAAAAAAAECcAABAnAAAAAAAAAAAAAAAAAAAAAAAAAAAAAAAAAAAAAAAAAAAAABQAAAAAAAAAwMD/AAAAAABkAAAAMgAAAAAAAABkAAAAAAAAAH9/fwAKAAAAIgAAABgAAAAAAAAAAAAAAAAAAAAAAAAAAAAAAAAAAAAkAAAAJAAAAAAAAAAHAAAAAAAAAAAAAAAAAAAAAAAAAAAAAAAAAAAAf39/ACUAAABYAAAAAAAAAAAAAAAAAAAAAAAAAAAAAAAAAAAAAAAAAAAAAAAAAAAAAAAAAAAAAAA/AAAAAAAAAKCGAQAAAAAAAAAAAAAAAAAMAAAAAQAAAAAAAAAAAAAAAAAAAB8AAABUAAAAQoX0Bf///wEAAAAAAAAAAAAAAAAAAAAAAAAAAAAAAAAAAAAAAAAAAAAAAAJ/f38AWVlZA8zMzADAwP8Af39/AAAAAAAAAAAAAAAAAAAAAAAAAAAAIQAAABgAAAAUAAAAFAMAAAkCAAB/NwAAxwgAABAAAAAmAAAACAAAADwwAAAAAAAA"/>
+                <pr:smNativeData xmlns:pr="smNativeData" xmlns="smNativeData" val="SMDATA_15_f8v4ZxMAAAAlAAAAZAAAAA0AAAAAkAAAAJAAAACQAAAAkAAAAAAAAAAAAAAAAAAAAAEAAABQAAAAAAAAAAAA4D8AAAAAAADgPwAAAAAAAOA/AAAAAAAA4D8AAAAAAADgPwAAAAAAAOA/AAAAAAAA4D8AAAAAAADgPwAAAAAAAOA/AAAAAAAA4D8CAAAAjAAAAAAAAAAAAAAAQoX0DP///wgAAAAAAAAAAAAAAAAAAAAAAAAAAAAAAAAAAAAAZAAAAAEAAABAAAAAAAAAAAAAAAAAAAAAAAAAAAAAAAAAAAAAAAAAAAAAAAAAAAAAAAAAAAAAAAAAAAAAAAAAAAAAAAAAAAAAAAAAAAAAAAAAAAAAAAAAAAAAAAAAAAAAFAAAADwAAAAAAAAAAAAAAAAAAAkUAAAAAQAAABQAAAAUAAAAFAAAAAEAAAAAAAAAZAAAAGQAAAAAAAAAZAAAAGQAAAAVAAAAYAAAAAAAAAAAAAAADwAAACADAAAAAAAAAAAAAAEAAACgMgAAVgcAAKr4//8BAAAAf39/AAEAAABkAAAAAAAAABQAAABAHwAAAAAAACYAAAAAAAAAwOD//wAAAAAmAAAAZAAAABYAAABMAAAAAAAAAAAAAAAEAAAAAAAAAAEAAABZWVkKAAAAACgAAAAoAAAAZAAAAGQAAAAAAAAAzMzMAAAAAABQAAAAUAAAAGQAAABkAAAAAAAAABcAAAAUAAAAAAAAAAAAAAD/fwAA/38AAAAAAAAJAAAABAAAAAAAABceAAAAaAAAAAAAAAAAAAAAAAAAAAAAAAAAAAAAECcAABAnAAAAAAAAAAAAAAAAAAAAAAAAAAAAAAAAAAAAAAAAAAAAABQAAAAAAAAAwMD/AAAAAABkAAAAMgAAAAAAAABkAAAAAAAAAH9/fwAKAAAAIgAAABgAAAAAAAAAAAAAAAAAAAAAAAAAAAAAAAAAAAAkAAAAJAAAAAAAAAAHAAAAAAAAAAAAAAAAAAAAAAAAAAAAAAAAAAAAf39/ACUAAABYAAAAAAAAAAAAAAAAAAAAAAAAAAAAAAAAAAAAAAAAAAAAAAAAAAAAAAAAAAAAAAA/AAAAAAAAAKCGAQAAAAAAAAAAAAAAAAAMAAAAAQAAAAAAAAAAAAAAAAAAAB8AAABUAAAAAAAABQAAAAEAAAAAAAAAAAAAAAAAAAAAAAAAAAAAAAAAAAAAAAAAAAAAAAJ/f38AWVlZA8zMzADAwP8Af39/AAAAAAAAAAAAAAAAAAAAAAAAAAAAIQAAABgAAAAUAAAAFAMAAAkCAAB/NwAAxwgAABAAAAAmAAAACAAAADwwAAAAAAAA"/>
               </a:ext>
             </a:extLst>
           </p:cNvSpPr>
@@ -13423,7 +13423,7 @@
                 </a:tc>
                 <a:extLst>
                   <a:ext uri="smNativeData">
-                    <pr:rowheight xmlns="" xmlns:pr="smNativeData" dt="1743366583" type="min" val="381000"/>
+                    <pr:rowheight xmlns="" xmlns:pr="smNativeData" dt="1744358271" type="min" val="381000"/>
                   </a:ext>
                 </a:extLst>
               </a:tr>
@@ -13547,7 +13547,7 @@
                 </a:tc>
                 <a:extLst>
                   <a:ext uri="smNativeData">
-                    <pr:rowheight xmlns="" xmlns:pr="smNativeData" dt="1743366583" type="min" val="381000"/>
+                    <pr:rowheight xmlns="" xmlns:pr="smNativeData" dt="1744358271" type="min" val="381000"/>
                   </a:ext>
                 </a:extLst>
               </a:tr>
@@ -13663,7 +13663,7 @@
                 </a:tc>
                 <a:extLst>
                   <a:ext uri="smNativeData">
-                    <pr:rowheight xmlns="" xmlns:pr="smNativeData" dt="1743366583" type="min" val="381000"/>
+                    <pr:rowheight xmlns="" xmlns:pr="smNativeData" dt="1744358271" type="min" val="381000"/>
                   </a:ext>
                 </a:extLst>
               </a:tr>
@@ -13787,7 +13787,7 @@
                 </a:tc>
                 <a:extLst>
                   <a:ext uri="smNativeData">
-                    <pr:rowheight xmlns="" xmlns:pr="smNativeData" dt="1743366583" type="min" val="381000"/>
+                    <pr:rowheight xmlns="" xmlns:pr="smNativeData" dt="1744358271" type="min" val="381000"/>
                   </a:ext>
                 </a:extLst>
               </a:tr>
@@ -13833,7 +13833,7 @@
           <p:cNvPicPr>
             <a:extLst>
               <a:ext uri="smNativeData">
-                <pr:smNativeData xmlns:pr="smNativeData" xmlns="smNativeData" val="SMDATA_17_t6npZxMAAAAlAAAAEQAAAA0AAAAAkAAAAEgAAACQAAAASAAAAAAAAAAAAAAAAAAAAAEAAABQAAAAAAAAAAAA4D8AAAAAAADgPwAAAAAAAOA/AAAAAAAA4D8AAAAAAADgPwAAAAAAAOA/AAAAAAAA4D8AAAAAAADgPwAAAAAAAOA/AAAAAAAA4D8CAAAAjAAAAAAAAAAAAAAAQoX0DP///wgAAAAAAAAAAAAAAAAAAAAAAAAAAAAAAAAAAAAAZAAAAAEAAABAAAAAAAAAAAAAAAAAAAAAAAAAAAAAAAAAAAAAAAAAAAAAAAAAAAAAAAAAAAAAAAAAAAAAAAAAAAAAAAAAAAAAAAAAAAAAAAAAAAAAAAAAAAAAAAAAAAAAFAAAADwAAAAAAAAAAAAAAAAAAAkUAAAAAQAAABQAAAAUAAAAFAAAAAEAAAAAAAAAZAAAAGQAAAAAAAAAZAAAAGQAAAAVAAAAYAAAAAAAAAAAAAAADwAAACADAAAAAAAAAAAAAAEAAACgMgAAVgcAAKr4//8BAAAAf39/AAEAAABkAAAAAAAAABQAAABAHwAAAAAAACYAAAAAAAAAwOD//wAAAAAmAAAAZAAAABYAAABMAAAAAAAAAAAAAAAEAAAAAAAAAAEAAABZWVkKAAAAACgAAAAoAAAAZAAAAGQAAAAAAAAAzMzMAAAAAABQAAAAUAAAAGQAAABkAAAAAAAAAAcAAAA4AAAAAAAAAAAAAAAAAAAA////AAAAAAAAAAAAAAAAAAAAAAAAAAAAAAAAAAAAAABkAAAAZAAAAAAAAAAjAAAABAAAAGQAAAAXAAAAFAAAAAAAAAAAAAAA/38AAP9/AAAAAAAACQAAAAQAAAAAAAAAHgAAAGgAAAAAAAAAAAAAAAAAAAAAAAAAAAAAABAnAAAQJwAAAAAAAAAAAAAAAAAAAAAAAAAAAAAAAAAAAAAAAAAAAAAUAAAAAAAAAMDA/wAAAAAAZAAAADIAAAAAAAAAZAAAAAAAAAB/f38ACgAAACIAAAAYAAAAAAAAAAAAAAAAAAAAAAAAAAAAAAAAAAAAJAAAACQAAAAAAAAABwAAAAAAAAAAAAAAAAAAAAAAAAAAAAAAAAAAAH9/fwAlAAAAWAAAAAAAAAAAAAAAAAAAAAAAAAAAAAAAAAAAAAAAAAAAAAAAAAAAAAAAAAAAAAAAPwAAAAAAAACghgEAAAAAAAAAAAAAAAAADAAAAAEAAAAAAAAAAAAAAAAAAAAfAAAAVAAAAEKF9AX///8BAAAAAAAAAAAAAAAAAAAAAAAAAAAAAAAAAAAAAAAAAAAAAAACf39/AFlZWQPMzMwAwMD/AH9/fwAAAAAAAAAAAAAAAAD///8AAAAAACEAAAAYAAAAFAAAAAAAAAAAAAAAsTgAAKQfAAAQAAAAJgAAAAgAAAD//////////w=="/>
+                <pr:smNativeData xmlns:pr="smNativeData" xmlns="smNativeData" val="SMDATA_17_f8v4ZxMAAAAlAAAAEQAAAA0AAAAAkAAAAEgAAACQAAAASAAAAAAAAAAAAAAAAAAAAAEAAABQAAAAAAAAAAAA4D8AAAAAAADgPwAAAAAAAOA/AAAAAAAA4D8AAAAAAADgPwAAAAAAAOA/AAAAAAAA4D8AAAAAAADgPwAAAAAAAOA/AAAAAAAA4D8CAAAAjAAAAAAAAAAAAAAAQoX0DP///wgAAAAAAAAAAAAAAAAAAAAAAAAAAAAAAAAAAAAAZAAAAAEAAABAAAAAAAAAAAAAAAAAAAAAAAAAAAAAAAAAAAAAAAAAAAAAAAAAAAAAAAAAAAAAAAAAAAAAAAAAAAAAAAAAAAAAAAAAAAAAAAAAAAAAAAAAAAAAAAAAAAAAFAAAADwAAAAAAAAAAAAAAAAAAAkUAAAAAQAAABQAAAAUAAAAFAAAAAEAAAAAAAAAZAAAAGQAAAAAAAAAZAAAAGQAAAAVAAAAYAAAAAAAAAAAAAAADwAAACADAAAAAAAAAAAAAAEAAACgMgAAVgcAAKr4//8BAAAAf39/AAEAAABkAAAAAAAAABQAAABAHwAAAAAAACYAAAAAAAAAwOD//wAAAAAmAAAAZAAAABYAAABMAAAAAAAAAAAAAAAEAAAAAAAAAAEAAABZWVkKAAAAACgAAAAoAAAAZAAAAGQAAAAAAAAAzMzMAAAAAABQAAAAUAAAAGQAAABkAAAAAAAAAAcAAAA4AAAAAAAAAAAAAAAAAAAA////AAAAAAAAAAAAAAAAAAAAAAAAAAAAAAAAAAAAAABkAAAAZAAAAAAAAAAjAAAABAAAAGQAAAAXAAAAFAAAAAAAAAAAAAAA/38AAP9/AAAAAAAACQAAAAQAAAAAAAAAHgAAAGgAAAAAAAAAAAAAAAAAAAAAAAAAAAAAABAnAAAQJwAAAAAAAAAAAAAAAAAAAAAAAAAAAAAAAAAAAAAAAAAAAAAUAAAAAAAAAMDA/wAAAAAAZAAAADIAAAAAAAAAZAAAAAAAAAB/f38ACgAAACIAAAAYAAAAAAAAAAAAAAAAAAAAAAAAAAAAAAAAAAAAJAAAACQAAAAAAAAABwAAAAAAAAAAAAAAAAAAAAAAAAAAAAAAAAAAAH9/fwAlAAAAWAAAAAAAAAAAAAAAAAAAAAAAAAAAAAAAAAAAAAAAAAAAAAAAAAAAAAAAAAAAAAAAPwAAAAAAAACghgEAAAAAAAAAAAAAAAAADAAAAAEAAAAAAAAAAAAAAAAAAAAfAAAAVAAAAEKF9AX///8BAAAAAAAAAAAAAAAAAAAAAAAAAAAAAAAAAAAAAAAAAAAAAAACf39/AFlZWQPMzMwAwMD/AH9/fwAAAAAAAAAAAAAAAAD///8AAAAAACEAAAAYAAAAFAAAAAAAAAAAAAAAsTgAAKQfAAAQAAAAJgAAAAgAAAD//////////w=="/>
               </a:ext>
             </a:extLst>
           </p:cNvPicPr>
@@ -13867,7 +13867,7 @@
             <a:spLocks noGrp="1" noChangeArrowheads="1"/>
             <a:extLst>
               <a:ext uri="smNativeData">
-                <pr:smNativeData xmlns:pr="smNativeData" xmlns="smNativeData" val="SMDATA_15_t6npZxMAAAAlAAAAZAAAAA0AAAAAkAAAAJAAAACQAAAAkAAAAAAAAAAAAAAAAAAAAAEAAABQAAAAAAAAAAAA4D8AAAAAAADgPwAAAAAAAOA/AAAAAAAA4D8AAAAAAADgPwAAAAAAAOA/AAAAAAAA4D8AAAAAAADgPwAAAAAAAOA/AAAAAAAA4D8CAAAAjAAAAAAAAAAAAAAAQoX0DP///wgAAAAAAAAAAAAAAAAAAAAAAAAAAAAAAAAAAAAAZAAAAAEAAABAAAAAAAAAAAAAAAAAAAAAAAAAAAAAAAAAAAAAAAAAAAAAAAAAAAAAAAAAAAAAAAAAAAAAAAAAAAAAAAAAAAAAAAAAAAAAAAAAAAAAAAAAAAAAAAAAAAAAFAAAADwAAAAAAAAAAAAAAAAAAAkUAAAAAQAAABQAAAAUAAAAFAAAAAEAAAAAAAAAZAAAAGQAAAAAAAAAZAAAAGQAAAAVAAAAYAAAAAAAAAAAAAAADwAAACADAAAAAAAAAAAAAAEAAACgMgAAVgcAAKr4//8BAAAAf39/AAEAAABkAAAAAAAAABQAAABAHwAAAAAAACYAAAAAAAAAwOD//wAAAAAmAAAAZAAAABYAAABMAAAAAAAAAAAAAAAEAAAAAAAAAAEAAABZWVkKAAAAACgAAAAoAAAAZAAAAGQAAAAAAAAAzMzMAAAAAABQAAAAUAAAAGQAAABkAAAAAAAAABcAAAAUAAAAAAAAAAAAAAD/fwAA/38AAAAAAAAJAAAABAAAAFr3/fQeAAAAaAAAAAAAAAAAAAAAAAAAAAAAAAAAAAAAECcAABAnAAAAAAAAAAAAAAAAAAAAAAAAAAAAAAAAAAAAAAAAAAAAABQAAAAAAAAAwMD/AAAAAABkAAAAMgAAAAAAAABkAAAAAAAAAH9/fwAKAAAAIgAAABgAAAAAAAAAAAAAAAAAAAAAAAAAAAAAAAAAAAAkAAAAJAAAAAAAAAAHAAAAAAAAAAAAAAAAAAAAAAAAAAAAAAAAAAAAf39/ACUAAABYAAAAAAAAAAAAAAAAAAAAAAAAAAAAAAAAAAAAAAAAAAAAAAAAAAAAAAAAAAAAAAA/AAAAAAAAAKCGAQAAAAAAAAAAAAAAAAAMAAAAAQAAAAAAAAAAAAAAAAAAAB8AAABUAAAAQoX0Bf///wEAAAAAAAAAAAAAAAAAAAAAAAAAAAAAAAAAAAAAAAAAAAAAAAJ/f38AWVlZA8zMzADAwP8Af39/AAAAAAAAAAAAAAAAAAAAAAAAAAAAIQAAABgAAAAUAAAA3wMAAOMLAAC/MAAA7BcAABAAAAAmAAAACAAAAD2wAAAAAAAA"/>
+                <pr:smNativeData xmlns:pr="smNativeData" xmlns="smNativeData" val="SMDATA_15_f8v4ZxMAAAAlAAAAZAAAAA0AAAAAkAAAAJAAAACQAAAAkAAAAAAAAAAAAAAAAAAAAAEAAABQAAAAAAAAAAAA4D8AAAAAAADgPwAAAAAAAOA/AAAAAAAA4D8AAAAAAADgPwAAAAAAAOA/AAAAAAAA4D8AAAAAAADgPwAAAAAAAOA/AAAAAAAA4D8CAAAAjAAAAAAAAAAAAAAAQoX0DP///wgAAAAAAAAAAAAAAAAAAAAAAAAAAAAAAAAAAAAAZAAAAAEAAABAAAAAAAAAAAAAAAAAAAAAAAAAAAAAAAAAAAAAAAAAAAAAAAAAAAAAAAAAAAAAAAAAAAAAAAAAAAAAAAAAAAAAAAAAAAAAAAAAAAAAAAAAAAAAAAAAAAAAFAAAADwAAAAAAAAAAAAAAAAAAAkUAAAAAQAAABQAAAAUAAAAFAAAAAEAAAAAAAAAZAAAAGQAAAAAAAAAZAAAAGQAAAAVAAAAYAAAAAAAAAAAAAAADwAAACADAAAAAAAAAAAAAAEAAACgMgAAVgcAAKr4//8BAAAAf39/AAEAAABkAAAAAAAAABQAAABAHwAAAAAAACYAAAAAAAAAwOD//wAAAAAmAAAAZAAAABYAAABMAAAAAAAAAAAAAAAEAAAAAAAAAAEAAABZWVkKAAAAACgAAAAoAAAAZAAAAGQAAAAAAAAAzMzMAAAAAABQAAAAUAAAAGQAAABkAAAAAAAAABcAAAAUAAAAAAAAAAAAAAD/fwAA/38AAAAAAAAJAAAABAAAAFr3/fQeAAAAaAAAAAAAAAAAAAAAAAAAAAAAAAAAAAAAECcAABAnAAAAAAAAAAAAAAAAAAAAAAAAAAAAAAAAAAAAAAAAAAAAABQAAAAAAAAAwMD/AAAAAABkAAAAMgAAAAAAAABkAAAAAAAAAH9/fwAKAAAAIgAAABgAAAAAAAAAAAAAAAAAAAAAAAAAAAAAAAAAAAAkAAAAJAAAAAAAAAAHAAAAAAAAAAAAAAAAAAAAAAAAAAAAAAAAAAAAf39/ACUAAABYAAAAAAAAAAAAAAAAAAAAAAAAAAAAAAAAAAAAAAAAAAAAAAAAAAAAAAAAAAAAAAA/AAAAAAAAAKCGAQAAAAAAAAAAAAAAAAAMAAAAAQAAAAAAAAAAAAAAAAAAAB8AAABUAAAAQoX0Bf///wEAAAAAAAAAAAAAAAAAAAAAAAAAAAAAAAAAAAAAAAAAAAAAAAJ/f38AWVlZA8zMzADAwP8Af39/AAAAAAAAAAAAAAAAAAAAAAAAAAAAIQAAABgAAAAUAAAA3wMAAOMLAAC/MAAA7BcAABAAAAAmAAAACAAAAD2wAAAAAAAA"/>
               </a:ext>
             </a:extLst>
           </p:cNvSpPr>
@@ -14074,7 +14074,7 @@
           <p:cNvPicPr>
             <a:extLst>
               <a:ext uri="smNativeData">
-                <pr:smNativeData xmlns:pr="smNativeData" xmlns="smNativeData" val="SMDATA_17_t6npZxMAAAAlAAAAEQAAAA0AAAAAkAAAAEgAAACQAAAASAAAAAAAAAAAAAAAAAAAAAEAAABQAAAAAAAAAAAA4D8AAAAAAADgPwAAAAAAAOA/AAAAAAAA4D8AAAAAAADgPwAAAAAAAOA/AAAAAAAA4D8AAAAAAADgPwAAAAAAAOA/AAAAAAAA4D8CAAAAjAAAAAAAAAAAAAAAQoX0DP///wgAAAAAAAAAAAAAAAAAAAAAAAAAAAAAAAAAAAAAZAAAAAEAAABAAAAAAAAAAAAAAAAAAAAAAAAAAAAAAAAAAAAAAAAAAAAAAAAAAAAAAAAAAAAAAAAAAAAAAAAAAAAAAAAAAAAAAAAAAAAAAAAAAAAAAAAAAAAAAAAAAAAAFAAAADwAAAAAAAAAAAAAAAAAAAkUAAAAAQAAABQAAAAUAAAAFAAAAAEAAAAAAAAAZAAAAGQAAAAAAAAAZAAAAGQAAAAVAAAAYAAAAAAAAAAAAAAADwAAACADAAAAAAAAAAAAAAEAAACgMgAAVgcAAKr4//8BAAAAf39/AAEAAABkAAAAAAAAABQAAABAHwAAAAAAACYAAAAAAAAAwOD//wAAAAAmAAAAZAAAABYAAABMAAAAAAAAAAAAAAAEAAAAAAAAAAEAAABZWVkKAAAAACgAAAAoAAAAZAAAAGQAAAAAAAAAzMzMAAAAAABQAAAAUAAAAGQAAABkAAAAAAAAAAcAAAA4AAAAAAAAAAAAAAAAAAAA////AAAAAAAAAAAAAAAAAAAAAAAAAAAAAAAAAAAAAABkAAAAZAAAAAAAAAAjAAAABAAAAGQAAAAXAAAAFAAAAAAAAAAAAAAA/38AAP9/AAAAAAAACQAAAAQAAAAAAAAAHgAAAGgAAAAAAAAAAAAAAAAAAAAAAAAAAAAAABAnAAAQJwAAAAAAAAAAAAAAAAAAAAAAAAAAAAAAAAAAAAAAAAAAAAAUAAAAAAAAAMDA/wAAAAAAZAAAADIAAAAAAAAAZAAAAAAAAAB/f38ACgAAACIAAAAYAAAAAAAAAAAAAAAAAAAAAAAAAAAAAAAAAAAAJAAAACQAAAAAAAAABwAAAAAAAAAAAAAAAAAAAAAAAAAAAAAAAAAAAH9/fwAlAAAAWAAAAAAAAAAAAAAAAAAAAAAAAAAAAAAAAAAAAAAAAAAAAAAAAAAAAAAAAAAAAAAAPwAAAAAAAACghgEAAAAAAAAAAAAAAAAADAAAAAEAAAAAAAAAAAAAAAAAAAAfAAAAVAAAAEKF9AX///8BAAAAAAAAAAAAAAAAAAAAAAAAAAAAAAAAAAAAAAAAAAAAAAACf39/AFlZWQPMzMwAwMD/AH9/fwAAAAAAAAAAAAAAAAD///8AAAAAACEAAAAYAAAAFAAAAGIpAABtAQAAWjcAACQUAAAQAAAAJgAAAAgAAAD//////////w=="/>
+                <pr:smNativeData xmlns:pr="smNativeData" xmlns="smNativeData" val="SMDATA_17_f8v4ZxMAAAAlAAAAEQAAAA0AAAAAkAAAAEgAAACQAAAASAAAAAAAAAAAAAAAAAAAAAEAAABQAAAAAAAAAAAA4D8AAAAAAADgPwAAAAAAAOA/AAAAAAAA4D8AAAAAAADgPwAAAAAAAOA/AAAAAAAA4D8AAAAAAADgPwAAAAAAAOA/AAAAAAAA4D8CAAAAjAAAAAAAAAAAAAAAQoX0DP///wgAAAAAAAAAAAAAAAAAAAAAAAAAAAAAAAAAAAAAZAAAAAEAAABAAAAAAAAAAAAAAAAAAAAAAAAAAAAAAAAAAAAAAAAAAAAAAAAAAAAAAAAAAAAAAAAAAAAAAAAAAAAAAAAAAAAAAAAAAAAAAAAAAAAAAAAAAAAAAAAAAAAAFAAAADwAAAAAAAAAAAAAAAAAAAkUAAAAAQAAABQAAAAUAAAAFAAAAAEAAAAAAAAAZAAAAGQAAAAAAAAAZAAAAGQAAAAVAAAAYAAAAAAAAAAAAAAADwAAACADAAAAAAAAAAAAAAEAAACgMgAAVgcAAKr4//8BAAAAf39/AAEAAABkAAAAAAAAABQAAABAHwAAAAAAACYAAAAAAAAAwOD//wAAAAAmAAAAZAAAABYAAABMAAAAAAAAAAAAAAAEAAAAAAAAAAEAAABZWVkKAAAAACgAAAAoAAAAZAAAAGQAAAAAAAAAzMzMAAAAAABQAAAAUAAAAGQAAABkAAAAAAAAAAcAAAA4AAAAAAAAAAAAAAAAAAAA////AAAAAAAAAAAAAAAAAAAAAAAAAAAAAAAAAAAAAABkAAAAZAAAAAAAAAAjAAAABAAAAGQAAAAXAAAAFAAAAAAAAAAAAAAA/38AAP9/AAAAAAAACQAAAAQAAAAAAAAAHgAAAGgAAAAAAAAAAAAAAAAAAAAAAAAAAAAAABAnAAAQJwAAAAAAAAAAAAAAAAAAAAAAAAAAAAAAAAAAAAAAAAAAAAAUAAAAAAAAAMDA/wAAAAAAZAAAADIAAAAAAAAAZAAAAAAAAAB/f38ACgAAACIAAAAYAAAAAAAAAAAAAAAAAAAAAAAAAAAAAAAAAAAAJAAAACQAAAAAAAAABwAAAAAAAAAAAAAAAAAAAAAAAAAAAAAAAAAAAH9/fwAlAAAAWAAAAAAAAAAAAAAAAAAAAAAAAAAAAAAAAAAAAAAAAAAAAAAAAAAAAAAAAAAAAAAAPwAAAAAAAACghgEAAAAAAAAAAAAAAAAADAAAAAEAAAAAAAAAAAAAAAAAAAAfAAAAVAAAAEKF9AX///8BAAAAAAAAAAAAAAAAAAAAAAAAAAAAAAAAAAAAAAAAAAAAAAACf39/AFlZWQPMzMwAwMD/AH9/fwAAAAAAAAAAAAAAAAD///8AAAAAACEAAAAYAAAAFAAAAGIpAABtAQAAWjcAACQUAAAQAAAAJgAAAAgAAAD//////////w=="/>
               </a:ext>
             </a:extLst>
           </p:cNvPicPr>
@@ -14139,7 +14139,7 @@
           <p:cNvPicPr>
             <a:extLst>
               <a:ext uri="smNativeData">
-                <pr:smNativeData xmlns:pr="smNativeData" xmlns="smNativeData" val="SMDATA_17_t6npZxMAAAAlAAAAEQAAAA0AAAAAkAAAAEgAAACQAAAASAAAAAAAAAAAAAAAAAAAAAEAAABQAAAAAAAAAAAA4D8AAAAAAADgPwAAAAAAAOA/AAAAAAAA4D8AAAAAAADgPwAAAAAAAOA/AAAAAAAA4D8AAAAAAADgPwAAAAAAAOA/AAAAAAAA4D8CAAAAjAAAAAAAAAAAAAAAQoX0DP///wgAAAAAAAAAAAAAAAAAAAAAAAAAAAAAAAAAAAAAZAAAAAEAAABAAAAAAAAAAAAAAAAAAAAAAAAAAAAAAAAAAAAAAAAAAAAAAAAAAAAAAAAAAAAAAAAAAAAAAAAAAAAAAAAAAAAAAAAAAAAAAAAAAAAAAAAAAAAAAAAAAAAAFAAAADwAAAAAAAAAAAAAAAAAAAkUAAAAAQAAABQAAAAUAAAAFAAAAAEAAAAAAAAAZAAAAGQAAAAAAAAAZAAAAGQAAAAVAAAAYAAAAAAAAAAAAAAADwAAACADAAAAAAAAAAAAAAEAAACgMgAAVgcAAKr4//8BAAAAf39/AAEAAABkAAAAAAAAABQAAABAHwAAAAAAACYAAAAAAAAAwOD//wAAAAAmAAAAZAAAABYAAABMAAAAAAAAAAAAAAAEAAAAAAAAAAEAAABZWVkKAAAAACgAAAAoAAAAZAAAAGQAAAAAAAAAzMzMAAAAAABQAAAAUAAAAGQAAABkAAAAAAAAAAcAAAA4AAAAAAAAAAAAAAAAAAAA////AAAAAAAAAAAAAAAAAAAAAAAAAAAAAAAAAAAAAABkAAAAZAAAAAAAAAAjAAAABAAAAGQAAAAXAAAAFAAAAAAAAAAAAAAA/38AAP9/AAAAAAAACQAAAAQAAAAAAAAAHgAAAGgAAAAAAAAAAAAAAAAAAAAAAAAAAAAAABAnAAAQJwAAAAAAAAAAAAAAAAAAAAAAAAAAAAAAAAAAAAAAAAAAAAAUAAAAAAAAAMDA/wAAAAAAZAAAADIAAAAAAAAAZAAAAAAAAAB/f38ACgAAACIAAAAYAAAAAAAAAAAAAAAAAAAAAAAAAAAAAAAAAAAAJAAAACQAAAAAAAAABwAAAAAAAAAAAAAAAAAAAAAAAAAAAAAAAAAAAH9/fwAlAAAAWAAAAAAAAAAAAAAAAAAAAAAAAAAAAAAAAAAAAAAAAAAAAAAAAAAAAAAAAAAAAAAAPwAAAAAAAACghgEAAAAAAAAAAAAAAAAADAAAAAEAAAAAAAAAAAAAAAAAAAAfAAAAVAAAAEKF9AX///8BAAAAAAAAAAAAAAAAAAAAAAAAAAAAAAAAAAAAAAAAAAAAAAACf39/AFlZWQPMzMwAwMD/AH9/fwAAAAAAAAAAAAAAAAD///8AAAAAACEAAAAYAAAAFAAAAAAAAAAAAAAAQDgAAKQfAAAQAAAAJgAAAAgAAAD//////////w=="/>
+                <pr:smNativeData xmlns:pr="smNativeData" xmlns="smNativeData" val="SMDATA_17_f8v4ZxMAAAAlAAAAEQAAAA0AAAAAkAAAAEgAAACQAAAASAAAAAAAAAAAAAAAAAAAAAEAAABQAAAAAAAAAAAA4D8AAAAAAADgPwAAAAAAAOA/AAAAAAAA4D8AAAAAAADgPwAAAAAAAOA/AAAAAAAA4D8AAAAAAADgPwAAAAAAAOA/AAAAAAAA4D8CAAAAjAAAAAAAAAAAAAAAQoX0DP///wgAAAAAAAAAAAAAAAAAAAAAAAAAAAAAAAAAAAAAZAAAAAEAAABAAAAAAAAAAAAAAAAAAAAAAAAAAAAAAAAAAAAAAAAAAAAAAAAAAAAAAAAAAAAAAAAAAAAAAAAAAAAAAAAAAAAAAAAAAAAAAAAAAAAAAAAAAAAAAAAAAAAAFAAAADwAAAAAAAAAAAAAAAAAAAkUAAAAAQAAABQAAAAUAAAAFAAAAAEAAAAAAAAAZAAAAGQAAAAAAAAAZAAAAGQAAAAVAAAAYAAAAAAAAAAAAAAADwAAACADAAAAAAAAAAAAAAEAAACgMgAAVgcAAKr4//8BAAAAf39/AAEAAABkAAAAAAAAABQAAABAHwAAAAAAACYAAAAAAAAAwOD//wAAAAAmAAAAZAAAABYAAABMAAAAAAAAAAAAAAAEAAAAAAAAAAEAAABZWVkKAAAAACgAAAAoAAAAZAAAAGQAAAAAAAAAzMzMAAAAAABQAAAAUAAAAGQAAABkAAAAAAAAAAcAAAA4AAAAAAAAAAAAAAAAAAAA////AAAAAAAAAAAAAAAAAAAAAAAAAAAAAAAAAAAAAABkAAAAZAAAAAAAAAAjAAAABAAAAGQAAAAXAAAAFAAAAAAAAAAAAAAA/38AAP9/AAAAAAAACQAAAAQAAAAAAAAAHgAAAGgAAAAAAAAAAAAAAAAAAAAAAAAAAAAAABAnAAAQJwAAAAAAAAAAAAAAAAAAAAAAAAAAAAAAAAAAAAAAAAAAAAAUAAAAAAAAAMDA/wAAAAAAZAAAADIAAAAAAAAAZAAAAAAAAAB/f38ACgAAACIAAAAYAAAAAAAAAAAAAAAAAAAAAAAAAAAAAAAAAAAAJAAAACQAAAAAAAAABwAAAAAAAAAAAAAAAAAAAAAAAAAAAAAAAAAAAH9/fwAlAAAAWAAAAAAAAAAAAAAAAAAAAAAAAAAAAAAAAAAAAAAAAAAAAAAAAAAAAAAAAAAAAAAAPwAAAAAAAACghgEAAAAAAAAAAAAAAAAADAAAAAEAAAAAAAAAAAAAAAAAAAAfAAAAVAAAAEKF9AX///8BAAAAAAAAAAAAAAAAAAAAAAAAAAAAAAAAAAAAAAAAAAAAAAACf39/AFlZWQPMzMwAwMD/AH9/fwAAAAAAAAAAAAAAAAD///8AAAAAACEAAAAYAAAAFAAAAAAAAAAAAAAAQDgAAKQfAAAQAAAAJgAAAAgAAAD//////////w=="/>
               </a:ext>
             </a:extLst>
           </p:cNvPicPr>
@@ -14205,7 +14205,7 @@
             <a:spLocks noGrp="1" noChangeArrowheads="1"/>
             <a:extLst>
               <a:ext uri="smNativeData">
-                <pr:smNativeData xmlns:pr="smNativeData" xmlns="smNativeData" val="SMDATA_15_t6npZxMAAAAlAAAAZAAAAA0AAAAAkAAAAJAAAACQAAAAkAAAAAAAAAAAAAAAAAAAAAEAAABQAAAAAAAAAAAA4D8AAAAAAADgPwAAAAAAAOA/AAAAAAAA4D8AAAAAAADgPwAAAAAAAOA/AAAAAAAA4D8AAAAAAADgPwAAAAAAAOA/AAAAAAAA4D8CAAAAjAAAAAAAAAAAAAAAQoX0DP///wgAAAAAAAAAAAAAAAAAAAAAAAAAAAAAAAAAAAAAZAAAAAEAAABAAAAAAAAAAAAAAAAAAAAAAAAAAAAAAAAAAAAAAAAAAAAAAAAAAAAAAAAAAAAAAAAAAAAAAAAAAAAAAAAAAAAAAAAAAAAAAAAAAAAAAAAAAAAAAAAAAAAAFAAAADwAAAAAAAAAAAAAAAAAAAkUAAAAAQAAABQAAAAUAAAAFAAAAAEAAAAAAAAAZAAAAGQAAAAAAAAAZAAAAGQAAAAVAAAAYAAAAAAAAAAAAAAADwAAACADAAAAAAAAAAAAAAEAAACgMgAAVgcAAKr4//8BAAAAf39/AAEAAABkAAAAAAAAABQAAABAHwAAAAAAACYAAAAAAAAAwOD//wAAAAAmAAAAZAAAABYAAABMAAAAAAAAAAAAAAAEAAAAAAAAAAEAAABZWVkKAAAAACgAAAAoAAAAZAAAAGQAAAAAAAAAzMzMAAAAAABQAAAAUAAAAGQAAABkAAAAAAAAABcAAAAUAAAAAAAAAAAAAAD/fwAA/38AAAAAAAAJAAAABAAAAF8AYAAeAAAAaAAAAAAAAAAAAAAAAAAAAAAAAAAAAAAAECcAABAnAAAAAAAAAAAAAAAAAAAAAAAAAAAAAAAAAAAAAAAAAAAAABQAAAAAAAAAwMD/AAAAAABkAAAAMgAAAAAAAABkAAAAAAAAAH9/fwAKAAAAIgAAABgAAAAAAAAAAAAAAAAAAAAAAAAAAAAAAAAAAAAkAAAAJAAAAAAAAAAHAAAAAAAAAAAAAAAAAAAAAAAAAAAAAAAAAAAAf39/ACUAAABYAAAAAAAAAAAAAAAAAAAAAAAAAAAAAAAAAAAAAAAAAAAAAAAAAAAAAAAAAAAAAAA/AAAAAAAAAKCGAQAAAAAAAAAAAAAAAAAMAAAAAQAAAAAAAAAAAAAAAAAAAB8AAABUAAAAQoX0Bf///wEAAAAAAAAAAAAAAAAAAAAAAAAAAAAAAAAAAAAAAAAAAAAAAAJ/f38AWVlZA8zMzADAwP8Af39/AAAAAAAAAAAAAAAAAAAAAAAAAAAAIQAAABgAAAAUAAAAFAMAAO4BAAB/NwAAQg0AABAAAAAmAAAACAAAAD0wAAAAAAAA"/>
+                <pr:smNativeData xmlns:pr="smNativeData" xmlns="smNativeData" val="SMDATA_15_f8v4ZxMAAAAlAAAAZAAAAA0AAAAAkAAAAJAAAACQAAAAkAAAAAAAAAAAAAAAAAAAAAEAAABQAAAAAAAAAAAA4D8AAAAAAADgPwAAAAAAAOA/AAAAAAAA4D8AAAAAAADgPwAAAAAAAOA/AAAAAAAA4D8AAAAAAADgPwAAAAAAAOA/AAAAAAAA4D8CAAAAjAAAAAAAAAAAAAAAQoX0DP///wgAAAAAAAAAAAAAAAAAAAAAAAAAAAAAAAAAAAAAZAAAAAEAAABAAAAAAAAAAAAAAAAAAAAAAAAAAAAAAAAAAAAAAAAAAAAAAAAAAAAAAAAAAAAAAAAAAAAAAAAAAAAAAAAAAAAAAAAAAAAAAAAAAAAAAAAAAAAAAAAAAAAAFAAAADwAAAAAAAAAAAAAAAAAAAkUAAAAAQAAABQAAAAUAAAAFAAAAAEAAAAAAAAAZAAAAGQAAAAAAAAAZAAAAGQAAAAVAAAAYAAAAAAAAAAAAAAADwAAACADAAAAAAAAAAAAAAEAAACgMgAAVgcAAKr4//8BAAAAf39/AAEAAABkAAAAAAAAABQAAABAHwAAAAAAACYAAAAAAAAAwOD//wAAAAAmAAAAZAAAABYAAABMAAAAAAAAAAAAAAAEAAAAAAAAAAEAAABZWVkKAAAAACgAAAAoAAAAZAAAAGQAAAAAAAAAzMzMAAAAAABQAAAAUAAAAGQAAABkAAAAAAAAABcAAAAUAAAAAAAAAAAAAAD/fwAA/38AAAAAAAAJAAAABAAAAF8AYAAeAAAAaAAAAAAAAAAAAAAAAAAAAAAAAAAAAAAAECcAABAnAAAAAAAAAAAAAAAAAAAAAAAAAAAAAAAAAAAAAAAAAAAAABQAAAAAAAAAwMD/AAAAAABkAAAAMgAAAAAAAABkAAAAAAAAAH9/fwAKAAAAIgAAABgAAAAAAAAAAAAAAAAAAAAAAAAAAAAAAAAAAAAkAAAAJAAAAAAAAAAHAAAAAAAAAAAAAAAAAAAAAAAAAAAAAAAAAAAAf39/ACUAAABYAAAAAAAAAAAAAAAAAAAAAAAAAAAAAAAAAAAAAAAAAAAAAAAAAAAAAAAAAAAAAAA/AAAAAAAAAKCGAQAAAAAAAAAAAAAAAAAMAAAAAQAAAAAAAAAAAAAAAAAAAB8AAABUAAAAQoX0Bf///wEAAAAAAAAAAAAAAAAAAAAAAAAAAAAAAAAAAAAAAAAAAAAAAAJ/f38AWVlZA8zMzADAwP8Af39/AAAAAAAAAAAAAAAAAAAAAAAAAAAAIQAAABgAAAAUAAAAFAMAAO4BAAB/NwAAQg0AABAAAAAmAAAACAAAAD0wAAAAAAAA"/>
               </a:ext>
             </a:extLst>
           </p:cNvSpPr>
@@ -14341,7 +14341,7 @@
             <a:picLocks noChangeAspect="1"/>
             <a:extLst>
               <a:ext uri="smNativeData">
-                <pr:smNativeData xmlns:pr="smNativeData" xmlns="smNativeData" val="SMDATA_17_t6npZxMAAAAlAAAAEQAAAC0AAAAAkAAAAEgAAACQAAAASAAAAAAAAAAAAAAAAAAAAAEAAABQAAAAAAAAAAAA8D8AAAAAAADwPwAAAAAAAOA/AAAAAAAA4D8AAAAAAADgPwAAAAAAAOA/AAAAAAAA4D8AAAAAAADgPwAAAAAAAOA/AAAAAAAA4D8CAAAAjAAAAAEAAAACAAAAQoX0DP///wgAAAAAAAAAALQurE6QrKVKqEY2/leGVToAAAAAZAAAAAEAAABAAAAAAAAAAAAAAAAAAAAAAAAAAAAAAAAAAAAAAAAAAAAAAAAAAAAAAAAAAAAAAAAAAAAAAAAAAAAAAAAAAAAAAAAAAAAAAAAAAAAAAAAAAAAAAAAAAAAAFAAAADwAAAAAAAAAAAAAAAAAAAkUAAAAAQAAABQAAAAUAAAAFAAAAAEAAAAAAAAAZAAAAGQAAAAAAAAAZAAAAGQAAAAVAAAAYAAAAAAAAAAAAAAADwAAACADAAAAAAAAAAAAAAEAAACgMgAAVgcAAKr4//8BAAAAf39/AAEAAABkAAAAAAAAABQAAABAHwAAAAAAACYAAAAAAAAAwOD//wAAAAAmAAAAZAAAABYAAABMAAAAAAAAAAAAAAAEAAAAAAAAAAEAAABZWVkKAAAAACgAAAAoAAAAZAAAAGQAAAAAAAAAzMzMAAAAAABQAAAAUAAAAGQAAABkAAAAAAAAAAcAAAA4AAAAAAAAAAAAAAAAAAAA////AAAAAAAAAAAAAAAAAAAAAAAAAAAAAAAAAAAAAABkAAAAZAAAAAAAAAAjAAAABAAAAGYAAAAXAAAAFAAAAAAAAAAAAAAA/38AAP9/AAAAAAAACQAAAAQAAAAAAAAAHgAAAGgAAAAAAAAAAAAAAAAAAAAAAAAAAAAAABAnAAAQJwAAAAAAAAAAAAAAAAAAAAAAAAAAAAAAAAAAAAAAAAAAAAAUAAAAAAAAAMDA/wAAAAAAZAAAADIAAAAAAAAAZAAAAAAAAAB/f38ACgAAACIAAAAYAAAAAAAAAAAAAAAAAAAAAAAAAAAAAAAAAAAAJAAAACQAAAAAAAAABwAAAAAAAAAAAAAAAAAAAAAAAAAAAAAAAAAAAH9/fwAlAAAAWAAAAAAAAAAAAAAAAAAAAAAAAAAAAAAAAAAAAAAAAAAAAAAAAAAAAAAAAAAAAAAAPwAAAAAAAACghgEAAAAAAAAAAAAAAAAADAAAAAEAAAAAAAAAAAAAAAAAAAAfAAAAVAAAAEKF9AX///8BAAAAAAAAAAAAAAAAAAAAAAAAAAAAAAAAAAAAAAAAAAAAAAACf39/AFlZWQPMzMwAwMD/AH9/fwAAAAAAAAAAAAAAAAD///8AAAAAACEAAAAYAAAAFAAAAOADAADVDAAATRIAAI0eAAAQAAAAJgAAAAgAAAD//////////w=="/>
+                <pr:smNativeData xmlns:pr="smNativeData" xmlns="smNativeData" val="SMDATA_17_f8v4ZxMAAAAlAAAAEQAAAC0AAAAAkAAAAEgAAACQAAAASAAAAAAAAAAAAAAAAAAAAAEAAABQAAAAAAAAAAAA8D8AAAAAAADwPwAAAAAAAOA/AAAAAAAA4D8AAAAAAADgPwAAAAAAAOA/AAAAAAAA4D8AAAAAAADgPwAAAAAAAOA/AAAAAAAA4D8CAAAAjAAAAAEAAAACAAAAQoX0DP///wgAAAAAAAAAAMuKeJ9YN0dHqgqC7LVp7ukAAAAAZAAAAAEAAABAAAAAAAAAAAAAAAAAAAAAAAAAAAAAAAAAAAAAAAAAAAAAAAAAAAAAAAAAAAAAAAAAAAAAAAAAAAAAAAAAAAAAAAAAAAAAAAAAAAAAAAAAAAAAAAAAAAAAFAAAADwAAAAAAAAAAAAAAAAAAAkUAAAAAQAAABQAAAAUAAAAFAAAAAEAAAAAAAAAZAAAAGQAAAAAAAAAZAAAAGQAAAAVAAAAYAAAAAAAAAAAAAAADwAAACADAAAAAAAAAAAAAAEAAACgMgAAVgcAAKr4//8BAAAAf39/AAEAAABkAAAAAAAAABQAAABAHwAAAAAAACYAAAAAAAAAwOD//wAAAAAmAAAAZAAAABYAAABMAAAAAAAAAAAAAAAEAAAAAAAAAAEAAABZWVkKAAAAACgAAAAoAAAAZAAAAGQAAAAAAAAAzMzMAAAAAABQAAAAUAAAAGQAAABkAAAAAAAAAAcAAAA4AAAAAAAAAAAAAAAAAAAA////AAAAAAAAAAAAAAAAAAAAAAAAAAAAAAAAAAAAAABkAAAAZAAAAAAAAAAjAAAABAAAAGYAAAAXAAAAFAAAAAAAAAAAAAAA/38AAP9/AAAAAAAACQAAAAQAAAAAAAAAHgAAAGgAAAAAAAAAAAAAAAAAAAAAAAAAAAAAABAnAAAQJwAAAAAAAAAAAAAAAAAAAAAAAAAAAAAAAAAAAAAAAAAAAAAUAAAAAAAAAMDA/wAAAAAAZAAAADIAAAAAAAAAZAAAAAAAAAB/f38ACgAAACIAAAAYAAAAAAAAAAAAAAAAAAAAAAAAAAAAAAAAAAAAJAAAACQAAAAAAAAABwAAAAAAAAAAAAAAAAAAAAAAAAAAAAAAAAAAAH9/fwAlAAAAWAAAAAAAAAAAAAAAAAAAAAAAAAAAAAAAAAAAAAAAAAAAAAAAAAAAAAAAAAAAAAAAPwAAAAAAAACghgEAAAAAAAAAAAAAAAAADAAAAAEAAAAAAAAAAAAAAAAAAAAfAAAAVAAAAEKF9AX///8BAAAAAAAAAAAAAAAAAAAAAAAAAAAAAAAAAAAAAAAAAAAAAAACf39/AFlZWQPMzMwAwMD/AH9/fwAAAAAAAAAAAAAAAAD///8AAAAAACEAAAAYAAAAFAAAAOADAADVDAAATRIAAI0eAAAQAAAAJgAAAAgAAAD//////////w=="/>
               </a:ext>
             </a:extLst>
           </p:cNvPicPr>
@@ -14378,7 +14378,7 @@
           <p:cNvSpPr>
             <a:extLst>
               <a:ext uri="smNativeData">
-                <pr:smNativeData xmlns:pr="smNativeData" xmlns="smNativeData" val="SMDATA_15_t6npZxMAAAAlAAAAZAAAAA0AAAAAkAAAAJAAAACQAAAAkAAAAAAAAAAAAAAAAAAAAAEAAABQAAAAAAAAAAAA4D8AAAAAAADgPwAAAAAAAOA/AAAAAAAA4D8AAAAAAADgPwAAAAAAAOA/AAAAAAAA4D8AAAAAAADgPwAAAAAAAOA/AAAAAAAA4D8CAAAAjAAAAAAAAAAAAAAAQoX0DP///wgAAAAAAAAAAAAAAAAAAAAAAAAAAAAAAAAAAAAAZAAAAAEAAABAAAAAAAAAAAAAAAAAAAAAAAAAAAAAAAAAAAAAAAAAAAAAAAAAAAAAAAAAAAAAAAAAAAAAAAAAAAAAAAAAAAAAAAAAAAAAAAAAAAAAAAAAAAAAAAAAAAAAFAAAADwAAAAAAAAAAAAAAAAAAAkUAAAAAQAAABQAAAAUAAAAFAAAAAEAAAAAAAAAZAAAAGQAAAAAAAAAZAAAAGQAAAAVAAAAYAAAAAAAAAAAAAAADwAAACADAAAAAAAAAAAAAAEAAACgMgAAVgcAAKr4//8BAAAAf39/AAEAAABkAAAAAAAAABQAAABAHwAAAAAAACYAAAAAAAAAwOD//wAAAAAmAAAAZAAAABYAAABMAAAAAAAAAAAAAAAEAAAAAAAAAAEAAABZWVkKAAAAACgAAAAoAAAAZAAAAGQAAAAAAAAAzMzMAAAAAABQAAAAUAAAAGQAAABkAAAAAAAAABcAAAAUAAAAAAAAAAAAAAD/fwAA/38AAAAAAAAJAAAABAAAAAAAAAAeAAAAaAAAAAAAAAAAAAAAAAAAAAAAAAAAAAAAECcAABAnAAAAAAAAAAAAAAAAAAAAAAAAAAAAAAAAAAAAAAAAAAAAABQAAAAAAAAAwMD/AAAAAABkAAAAMgAAAAAAAABkAAAAAAAAAH9/fwAKAAAAIgAAABgAAAAAAAAAAAAAAAAAAAAAAAAAAAAAAAAAAAAkAAAAJAAAAAAAAAAHAAAAAAAAAAAAAAAAAAAAAAAAAAAAAAAAAAAAf39/ACUAAABYAAAAAAAAAAAAAAAAAAAAAAAAAAAAAAAAAAAAAAAAAAAAAAAAAAAAAAAAAAAAAAA/AAAAAAAAAKCGAQAAAAAAAAAAAAAAAAAMAAAAAQAAAAAAAAAAAAAAAAAAAB8AAABUAAAAQoX0Bf///wEAAAAAAAAAAAAAAAAAAAAAAAAAAAAAAAAAAAAAAAAAAAAAAAJ/f38AWVlZA8zMzADAwP8Af39/AAAAAAAAAAAAAAAAAAAAAAAAAAAAIQAAABgAAAAUAAAA/RcAAF8OAADCLgAArxAAABAAAAAmAAAACAAAAP//////////"/>
+                <pr:smNativeData xmlns:pr="smNativeData" xmlns="smNativeData" val="SMDATA_15_f8v4ZxMAAAAlAAAAZAAAAA0AAAAAkAAAAJAAAACQAAAAkAAAAAAAAAAAAAAAAAAAAAEAAABQAAAAAAAAAAAA4D8AAAAAAADgPwAAAAAAAOA/AAAAAAAA4D8AAAAAAADgPwAAAAAAAOA/AAAAAAAA4D8AAAAAAADgPwAAAAAAAOA/AAAAAAAA4D8CAAAAjAAAAAAAAAAAAAAAQoX0DP///wgAAAAAAAAAAAAAAAAAAAAAAAAAAAAAAAAAAAAAZAAAAAEAAABAAAAAAAAAAAAAAAAAAAAAAAAAAAAAAAAAAAAAAAAAAAAAAAAAAAAAAAAAAAAAAAAAAAAAAAAAAAAAAAAAAAAAAAAAAAAAAAAAAAAAAAAAAAAAAAAAAAAAFAAAADwAAAAAAAAAAAAAAAAAAAkUAAAAAQAAABQAAAAUAAAAFAAAAAEAAAAAAAAAZAAAAGQAAAAAAAAAZAAAAGQAAAAVAAAAYAAAAAAAAAAAAAAADwAAACADAAAAAAAAAAAAAAEAAACgMgAAVgcAAKr4//8BAAAAf39/AAEAAABkAAAAAAAAABQAAABAHwAAAAAAACYAAAAAAAAAwOD//wAAAAAmAAAAZAAAABYAAABMAAAAAAAAAAAAAAAEAAAAAAAAAAEAAABZWVkKAAAAACgAAAAoAAAAZAAAAGQAAAAAAAAAzMzMAAAAAABQAAAAUAAAAGQAAABkAAAAAAAAABcAAAAUAAAAAAAAAAAAAAD/fwAA/38AAAAAAAAJAAAABAAAAAAAAAAeAAAAaAAAAAAAAAAAAAAAAAAAAAAAAAAAAAAAECcAABAnAAAAAAAAAAAAAAAAAAAAAAAAAAAAAAAAAAAAAAAAAAAAABQAAAAAAAAAwMD/AAAAAABkAAAAMgAAAAAAAABkAAAAAAAAAH9/fwAKAAAAIgAAABgAAAAAAAAAAAAAAAAAAAAAAAAAAAAAAAAAAAAkAAAAJAAAAAAAAAAHAAAAAAAAAAAAAAAAAAAAAAAAAAAAAAAAAAAAf39/ACUAAABYAAAAAAAAAAAAAAAAAAAAAAAAAAAAAAAAAAAAAAAAAAAAAAAAAAAAAAAAAAAAAAA/AAAAAAAAAKCGAQAAAAAAAAAAAAAAAAAMAAAAAQAAAAAAAAAAAAAAAAAAAB8AAABUAAAAQoX0Bf///wEAAAAAAAAAAAAAAAAAAAAAAAAAAAAAAAAAAAAAAAAAAAAAAAJ/f38AWVlZA8zMzADAwP8Af39/AAAAAAAAAAAAAAAAAAAAAAAAAAAAIQAAABgAAAAUAAAA/RcAAF8OAADCLgAArxAAABAAAAAmAAAACAAAAP//////////"/>
               </a:ext>
             </a:extLst>
           </p:cNvSpPr>
@@ -14434,7 +14434,7 @@
           <p:cNvSpPr>
             <a:extLst>
               <a:ext uri="smNativeData">
-                <pr:smNativeData xmlns:pr="smNativeData" xmlns="smNativeData" val="SMDATA_15_t6npZxMAAAAlAAAAZAAAAE0AAAAAkAAAAJAAAACQAAAAkAAAAAAAAAAAAAAAAAAAAAEAAABQAAAAAAAAAAAA4D8AAAAAAADgPwAAAAAAAOA/AAAAAAAA4D8AAAAAAADgPwAAAAAAAOA/AAAAAAAA4D8AAAAAAADgPwAAAAAAAOA/AAAAAAAA4D8CAAAAjAAAAAAAAAAAAAAAQoX0DP///wgAAAAAAAAAAAAAAAAAAAAAAAAAAAAAAAAAAAAAZAAAAAEAAABAAAAAAAAAAAAAAAAAAAAAAAAAAAAAAAAAAAAAAAAAAAAAAAAAAAAAAAAAAAAAAAAAAAAAAAAAAAAAAAAAAAAAAAAAAAAAAAAAAAAAAAAAAAAAAAAAAAAAFAAAADwAAAAAAAAAAAAAAAAAAAkUAAAAAQAAABQAAAAUAAAAFAAAAAEAAAAAAAAAZAAAAGQAAAAAAAAAZAAAAGQAAAAVAAAAYAAAAAAAAAAAAAAADwAAACADAAAAAAAAAAAAAAEAAACgMgAAVgcAAKr4//8BAAAAf39/AAEAAABkAAAAAAAAABQAAABAHwAAAAAAACYAAAAAAAAAwOD//wAAAAAmAAAAZAAAABYAAABMAAAAAAAAAAAAAAAEAAAAAAAAAAEAAABZWVkKAAAAACgAAAAoAAAAZAAAAGQAAAAAAAAAzMzMAAAAAABQAAAAUAAAAGQAAABkAAAAAAAAABcAAAAUAAAAAAAAAAAAAAD/fwAA/38AAAAAAAAJAAAABAAAAAAAAAAeAAAAaAAAAAAAAAAAAAAAAAAAAAAAAAAAAAAAECcAABAnAAAAAAAAAAAAAAAAAAAAAAAAAAAAAAAAAAAAAAAAAAAAABQAAAAAAAAAwMD/AAAAAABkAAAAMgAAAAAAAABkAAAAAAAAAH9/fwAKAAAAIgAAABgAAAAAAAAAAAAAAAAAAAAAAAAAAAAAAAAAAAAkAAAAJAAAAAAAAAAHAAAAAAAAAAAAAAAAAAAAAAAAAAAAAAAAAAAAf39/ACUAAABYAAAAAAAAAAAAAAAAAAAAAAAAAAAAAAAAAAAAAAAAAAAAAAAAAAAAAAAAAAAAAAA/AAAAAAAAAKCGAQAAAAAAAAAAAAAAAAAMAAAAAQAAAAAAAAAAAAAAAAAAAB8AAABUAAAAQoX0Bf///wEAAAAAAAAAAAAAAAAAAAAAAAAAAAAAAAAAAAAAAAAAAAAAAAJ/f38AWVlZA8zMzADAwP8Af39/AAAAAAAAAAAAAAAAAAAAAAAAAAAAIQAAABgAAAAUAAAA/RcAAMwRAACiKwAAYxQAABAgAAAmAAAACAAAAP//////////"/>
+                <pr:smNativeData xmlns:pr="smNativeData" xmlns="smNativeData" val="SMDATA_15_f8v4ZxMAAAAlAAAAZAAAAE0AAAAAkAAAAJAAAACQAAAAkAAAAAAAAAAAAAAAAAAAAAEAAABQAAAAAAAAAAAA4D8AAAAAAADgPwAAAAAAAOA/AAAAAAAA4D8AAAAAAADgPwAAAAAAAOA/AAAAAAAA4D8AAAAAAADgPwAAAAAAAOA/AAAAAAAA4D8CAAAAjAAAAAAAAAAAAAAAQoX0DP///wgAAAAAAAAAAAAAAAAAAAAAAAAAAAAAAAAAAAAAZAAAAAEAAABAAAAAAAAAAAAAAAAAAAAAAAAAAAAAAAAAAAAAAAAAAAAAAAAAAAAAAAAAAAAAAAAAAAAAAAAAAAAAAAAAAAAAAAAAAAAAAAAAAAAAAAAAAAAAAAAAAAAAFAAAADwAAAAAAAAAAAAAAAAAAAkUAAAAAQAAABQAAAAUAAAAFAAAAAEAAAAAAAAAZAAAAGQAAAAAAAAAZAAAAGQAAAAVAAAAYAAAAAAAAAAAAAAADwAAACADAAAAAAAAAAAAAAEAAACgMgAAVgcAAKr4//8BAAAAf39/AAEAAABkAAAAAAAAABQAAABAHwAAAAAAACYAAAAAAAAAwOD//wAAAAAmAAAAZAAAABYAAABMAAAAAAAAAAAAAAAEAAAAAAAAAAEAAABZWVkKAAAAACgAAAAoAAAAZAAAAGQAAAAAAAAAzMzMAAAAAABQAAAAUAAAAGQAAABkAAAAAAAAABcAAAAUAAAAAAAAAAAAAAD/fwAA/38AAAAAAAAJAAAABAAAAAAAAAAeAAAAaAAAAAAAAAAAAAAAAAAAAAAAAAAAAAAAECcAABAnAAAAAAAAAAAAAAAAAAAAAAAAAAAAAAAAAAAAAAAAAAAAABQAAAAAAAAAwMD/AAAAAABkAAAAMgAAAAAAAABkAAAAAAAAAH9/fwAKAAAAIgAAABgAAAAAAAAAAAAAAAAAAAAAAAAAAAAAAAAAAAAkAAAAJAAAAAAAAAAHAAAAAAAAAAAAAAAAAAAAAAAAAAAAAAAAAAAAf39/ACUAAABYAAAAAAAAAAAAAAAAAAAAAAAAAAAAAAAAAAAAAAAAAAAAAAAAAAAAAAAAAAAAAAA/AAAAAAAAAKCGAQAAAAAAAAAAAAAAAAAMAAAAAQAAAAAAAAAAAAAAAAAAAB8AAABUAAAAQoX0Bf///wEAAAAAAAAAAAAAAAAAAAAAAAAAAAAAAAAAAAAAAAAAAAAAAAJ/f38AWVlZA8zMzADAwP8Af39/AAAAAAAAAAAAAAAAAAAAAAAAAAAAIQAAABgAAAAUAAAA/RcAAMwRAACiKwAAYxQAABAgAAAmAAAACAAAAP//////////"/>
               </a:ext>
             </a:extLst>
           </p:cNvSpPr>
@@ -14520,7 +14520,7 @@
             <a:spLocks noGrp="1" noChangeArrowheads="1"/>
             <a:extLst>
               <a:ext uri="smNativeData">
-                <pr:smNativeData xmlns:pr="smNativeData" xmlns="smNativeData" val="SMDATA_15_t6npZxMAAAAlAAAAZAAAAE0AAAAAkAAAAJAAAACQAAAAkAAAAAAAAAAAAAAAAAAAAAEAAABQAAAAAAAAAAAA4D8AAAAAAADgPwAAAAAAAOA/AAAAAAAA4D8AAAAAAADgPwAAAAAAAOA/AAAAAAAA4D8AAAAAAADgPwAAAAAAAOA/AAAAAAAA4D8CAAAAjAAAAAAAAAAAAAAAQoX0DP///wgAAAAAAAAAAAAAAAAAAAAAAAAAAAAAAAAAAAAAZAAAAAEAAABAAAAAAAAAAAAAAAAAAAAAAAAAAAAAAAAAAAAAAAAAAAAAAAAAAAAAAAAAAAAAAAAAAAAAAAAAAAAAAAAAAAAAAAAAAAAAAAAAAAAAAAAAAAAAAAAAAAAAFAAAADwAAAAAAAAAAAAAAAAAAAkUAAAAAQAAABQAAAAUAAAAFAAAAAEAAAAAAAAAZAAAAGQAAAAAAAAAZAAAAGQAAAAVAAAAYAAAAAAAAAAAAAAADwAAACADAAAAAAAAAAAAAAEAAACgMgAAVgcAAKr4//8BAAAAf39/AAEAAABkAAAAAAAAABQAAABAHwAAAAAAACYAAAAAAAAAwOD//wAAAAAmAAAAZAAAABYAAABMAAAAAAAAAAAAAAAEAAAAAAAAAAEAAABZWVkKAAAAACgAAAAoAAAAZAAAAGQAAAAAAAAAzMzMAAAAAABQAAAAUAAAAGQAAABkAAAAAAAAABcAAAAUAAAAAAAAAAAAAAD/fwAA/38AAAAAAAAJAAAABAAAAAAAAAAeAAAAaAAAAAAAAAAAAAAAAAAAAAAAAAAAAAAAECcAABAnAAAAAAAAAAAAAAAAAAAAAAAAAAAAAAAAAAAAAAAAAAAAABQAAAAAAAAAwMD/AAAAAABkAAAAMgAAAAAAAABkAAAAAAAAAH9/fwAKAAAAIgAAABgAAAAAAAAAAAAAAAAAAAAAAAAAAAAAAAAAAAAkAAAAJAAAAAAAAAAHAAAAAAAAAAAAAAAAAAAAAAAAAAAAAAAAAAAAf39/ACUAAABYAAAAAAAAAAAAAAAAAAAAAAAAAAAAAAAAAAAAAAAAAAAAAAAAAAAAAAAAAAAAAAA/AAAAAAAAAKCGAQAAAAAAAAAAAAAAAAAMAAAAAQAAAAAAAAAAAAAAAAAAAB8AAABUAAAAQoX0Bf///wEAAAAAAAAAAAAAAAAAAAAAAAAAAAAAAAAAAAAAAAAAAAAAAAJ/f38AWVlZA8zMzADAwP8Af39/AAAAAAAAAAAAAAAAAAAAAAAAAAAAIQAAABgAAAAUAAAAUAMAACYCAAC6NwAAOAYAABAgAAAmAAAACAAAAD0wAAAAAAAA"/>
+                <pr:smNativeData xmlns:pr="smNativeData" xmlns="smNativeData" val="SMDATA_15_f8v4ZxMAAAAlAAAAZAAAAE0AAAAAkAAAAJAAAACQAAAAkAAAAAAAAAAAAAAAAAAAAAEAAABQAAAAAAAAAAAA4D8AAAAAAADgPwAAAAAAAOA/AAAAAAAA4D8AAAAAAADgPwAAAAAAAOA/AAAAAAAA4D8AAAAAAADgPwAAAAAAAOA/AAAAAAAA4D8CAAAAjAAAAAAAAAAAAAAAQoX0DP///wgAAAAAAAAAAAAAAAAAAAAAAAAAAAAAAAAAAAAAZAAAAAEAAABAAAAAAAAAAAAAAAAAAAAAAAAAAAAAAAAAAAAAAAAAAAAAAAAAAAAAAAAAAAAAAAAAAAAAAAAAAAAAAAAAAAAAAAAAAAAAAAAAAAAAAAAAAAAAAAAAAAAAFAAAADwAAAAAAAAAAAAAAAAAAAkUAAAAAQAAABQAAAAUAAAAFAAAAAEAAAAAAAAAZAAAAGQAAAAAAAAAZAAAAGQAAAAVAAAAYAAAAAAAAAAAAAAADwAAACADAAAAAAAAAAAAAAEAAACgMgAAVgcAAKr4//8BAAAAf39/AAEAAABkAAAAAAAAABQAAABAHwAAAAAAACYAAAAAAAAAwOD//wAAAAAmAAAAZAAAABYAAABMAAAAAAAAAAAAAAAEAAAAAAAAAAEAAABZWVkKAAAAACgAAAAoAAAAZAAAAGQAAAAAAAAAzMzMAAAAAABQAAAAUAAAAGQAAABkAAAAAAAAABcAAAAUAAAAAAAAAAAAAAD/fwAA/38AAAAAAAAJAAAABAAAAAAAAAAeAAAAaAAAAAAAAAAAAAAAAAAAAAAAAAAAAAAAECcAABAnAAAAAAAAAAAAAAAAAAAAAAAAAAAAAAAAAAAAAAAAAAAAABQAAAAAAAAAwMD/AAAAAABkAAAAMgAAAAAAAABkAAAAAAAAAH9/fwAKAAAAIgAAABgAAAAAAAAAAAAAAAAAAAAAAAAAAAAAAAAAAAAkAAAAJAAAAAAAAAAHAAAAAAAAAAAAAAAAAAAAAAAAAAAAAAAAAAAAf39/ACUAAABYAAAAAAAAAAAAAAAAAAAAAAAAAAAAAAAAAAAAAAAAAAAAAAAAAAAAAAAAAAAAAAA/AAAAAAAAAKCGAQAAAAAAAAAAAAAAAAAMAAAAAQAAAAAAAAAAAAAAAAAAAB8AAABUAAAAQoX0Bf///wEAAAAAAAAAAAAAAAAAAAAAAAAAAAAAAAAAAAAAAAAAAAAAAAJ/f38AWVlZA8zMzADAwP8Af39/AAAAAAAAAAAAAAAAAAAAAAAAAAAAIQAAABgAAAAUAAAAUAMAACYCAAC6NwAAOAYAABAgAAAmAAAACAAAAD0wAAAAAAAA"/>
               </a:ext>
             </a:extLst>
           </p:cNvSpPr>
@@ -14565,7 +14565,7 @@
           <p:cNvSpPr>
             <a:extLst>
               <a:ext uri="smNativeData">
-                <pr:smNativeData xmlns:pr="smNativeData" xmlns="smNativeData" val="SMDATA_15_t6npZxMAAAAlAAAAZQAAAA0AAAAA/wAAAJAAAAD/AAAAkAAAAAAAAAABAAAAAAAAAAEAAABQAAAAhbacS3FV1T8AAAAAAAAAAAAAAAAAAOA/AAAAAAAA4D8AAAAAAADgPwAAAAAAAOA/AAAAAAAA4D8AAAAAAADgPwAAAAAAAOA/AAAAAAAA4D8CAAAAjAAAAAEAAAAAAAAA7u7uAP///wgAAAAAAAAAAAAAAAAAAAAAAAAAAAAAAAAAAAAAeAAAAAEAAABAAAAAAAAAAAAAAABaAAAAAAAAAAAAAAAAAAAAAAAAAAAAAAAAAAAAAAAAAAAAAAAAAAAAAAAAAAAAAAAAAAAAAAAAAAAAAAAAAAAAAAAAAAAAAAAAAAAAFAAAADwAAAAAAAAAAAAAAAAAAAkUAAAAAQAAABQAAAAUAAAAFAAAAAEAAAAAAAAAZAAAAGQAAAAAAAAAZAAAAGQAAAAVAAAAYAAAAAAAAAAAAAAADwAAACADAAAAAAAAAAAAAAEAAACgMgAAVgcAAKr4//8BAAAAf39/AAEAAABkAAAAAAAAABQAAABAHwAAAAAAACYAAAAAAAAAwOD//wAAAAAmAAAAZAAAABYAAABMAAAAAQAAAAAAAAAGAAAAAAAAAAEAAAAAAAAAMgAAAAAAAAAeAAAAZAAAAGQAAAAAAAAAy8vLADIAAAAAAAAAHgAAAGQAAABkAAAAAAAAABcAAAAUAAAAAAAAAAAAAAD/fwAA/38AAAAAAAAJAAAABAAAAF8AYAAeAAAAaAAAAAAAAAAAAAAAAAAAAAAAAAAAAAAAECcAABAnAAAAAAAAAAAAAAAAAAAAAAAAAAAAAAAAAAAAAAAAAAAAAFoAAAAAAAAAwMD/AAAAAAAAAAAAAAAAAAAAAABkAAAAAAAAAH9/fwAKAAAAIgAAABgAAAAAAAAAAAAAAAAAAAAAAAAAAAAAAAAAAAAkAAAAJAAAAAAAAAAHAAAAAAAAAAAAAAAAAAAAAAAAAAAAAAAAAAAAf39/ACUAAABYAAAAAAAAAAAAAAAAAAAAAAAAAAAAAAAAAAAAAAAAAAAAAAAAAAAAAAAAAAAAAAA/AAAAAAAAAKCGAQAAAAAAAAAAAAAAAAAMAAAAAQAAAAAAAAAAAAAAAAAAAB8AAABUAAAA7u7uAP///wEAAAAAAAAAAAAAAAAAAAAAAAAAAAAAAAAAAAAAAAAAAAAAAAJ/f38AAAAAAMvLywDAwP8Af39/AAAAAAAAAAAAAAAAAAAAAAAAAAAAIQAAABgAAAAUAAAAAAcAAC0JAADTGwAAfQsAABAAAAAmAAAACAAAAP//////////"/>
+                <pr:smNativeData xmlns:pr="smNativeData" xmlns="smNativeData" val="SMDATA_15_f8v4ZxMAAAAlAAAAZQAAAA0AAAAA/wAAAJAAAAD/AAAAkAAAAAAAAAABAAAAAAAAAAEAAABQAAAAhbacS3FV1T8AAAAAAAAAAAAAAAAAAOA/AAAAAAAA4D8AAAAAAADgPwAAAAAAAOA/AAAAAAAA4D8AAAAAAADgPwAAAAAAAOA/AAAAAAAA4D8CAAAAjAAAAAEAAAAAAAAA7u7uAP///wgAAAAAAAAAAAAAAAAAAAAAAAAAAAAAAAAAAAAAeAAAAAEAAABAAAAAAAAAAAAAAABaAAAAAAAAAAAAAAAAAAAAAAAAAAAAAAAAAAAAAAAAAAAAAAAAAAAAAAAAAAAAAAAAAAAAAAAAAAAAAAAAAAAAAAAAAAAAAAAAAAAAFAAAADwAAAAAAAAAAAAAAAAAAAkUAAAAAQAAABQAAAAUAAAAFAAAAAEAAAAAAAAAZAAAAGQAAAAAAAAAZAAAAGQAAAAVAAAAYAAAAAAAAAAAAAAADwAAACADAAAAAAAAAAAAAAEAAACgMgAAVgcAAKr4//8BAAAAf39/AAEAAABkAAAAAAAAABQAAABAHwAAAAAAACYAAAAAAAAAwOD//wAAAAAmAAAAZAAAABYAAABMAAAAAQAAAAAAAAAGAAAAAAAAAAEAAAAAAAAAMgAAAAAAAAAeAAAAZAAAAGQAAAAAAAAAy8vLADIAAAAAAAAAHgAAAGQAAABkAAAAAAAAABcAAAAUAAAAAAAAAAAAAAD/fwAA/38AAAAAAAAJAAAABAAAAF8AYAAeAAAAaAAAAAAAAAAAAAAAAAAAAAAAAAAAAAAAECcAABAnAAAAAAAAAAAAAAAAAAAAAAAAAAAAAAAAAAAAAAAAAAAAAFoAAAAAAAAAwMD/AAAAAAAAAAAAAAAAAAAAAABkAAAAAAAAAH9/fwAKAAAAIgAAABgAAAAAAAAAAAAAAAAAAAAAAAAAAAAAAAAAAAAkAAAAJAAAAAAAAAAHAAAAAAAAAAAAAAAAAAAAAAAAAAAAAAAAAAAAf39/ACUAAABYAAAAAAAAAAAAAAAAAAAAAAAAAAAAAAAAAAAAAAAAAAAAAAAAAAAAAAAAAAAAAAA/AAAAAAAAAKCGAQAAAAAAAAAAAAAAAAAMAAAAAQAAAAAAAAAAAAAAAAAAAB8AAABUAAAA7u7uAP///wEAAAAAAAAAAAAAAAAAAAAAAAAAAAAAAAAAAAAAAAAAAAAAAAJ/f38AAAAAAMvLywDAwP8Af39/AAAAAAAAAAAAAAAAAAAAAAAAAAAAIQAAABgAAAAUAAAAAAcAAC0JAADTGwAAfQsAABAAAAAmAAAACAAAAP//////////"/>
               </a:ext>
             </a:extLst>
           </p:cNvSpPr>
@@ -14630,7 +14630,7 @@
           <p:cNvSpPr>
             <a:extLst>
               <a:ext uri="smNativeData">
-                <pr:smNativeData xmlns:pr="smNativeData" xmlns="smNativeData" val="SMDATA_15_t6npZxMAAAAlAAAAZQAAAA0AAAAA/wAAAJAAAAD/AAAAkAAAAAAAAAABAAAAAAAAAAEAAABQAAAAhbacS3FV1T8AAAAAAAAAAAAAAAAAAOA/AAAAAAAA4D8AAAAAAADgPwAAAAAAAOA/AAAAAAAA4D8AAAAAAADgPwAAAAAAAOA/AAAAAAAA4D8CAAAAjAAAAAEAAAAAAAAA7u7uAP///wgAAAAAAAAAAAAAAAAAAAAAAAAAAAAAAAAAAAAAeAAAAAEAAABAAAAAAAAAAAAAAABaAAAAAAAAAAAAAAAAAAAAAAAAAAAAAAAAAAAAAAAAAAAAAAAAAAAAAAAAAAAAAAAAAAAAAAAAAAAAAAAAAAAAAAAAAAAAAAAAAAAAFAAAADwAAAAAAAAAAAAAAAAAAAkUAAAAAQAAABQAAAAUAAAAFAAAAAEAAAAAAAAAZAAAAGQAAAAAAAAAZAAAAGQAAAAVAAAAYAAAAAAAAAAAAAAADwAAACADAAAAAAAAAAAAAAEAAACgMgAAVgcAAKr4//8BAAAAf39/AAEAAABkAAAAAAAAABQAAABAHwAAAAAAACYAAAAAAAAAwOD//wAAAAAmAAAAZAAAABYAAABMAAAAAQAAAAAAAAAGAAAAAAAAAAEAAAAAAAAAMgAAAAAAAAAeAAAAZAAAAGQAAAAAAAAAy8vLADIAAAAAAAAAHgAAAGQAAABkAAAAAAAAABcAAAAUAAAAAAAAAAAAAAD/fwAA/38AAAAAAAAJAAAABAAAAAAAAAAeAAAAaAAAAAAAAAAAAAAAAAAAAAAAAAAAAAAAECcAABAnAAAAAAAAAAAAAAAAAAAAAAAAAAAAAAAAAAAAAAAAAAAAAFoAAAAAAAAAwMD/AAAAAAAAAAAAAAAAAAAAAABkAAAAAAAAAH9/fwAKAAAAIgAAABgAAAAAAAAAAAAAAAAAAAAAAAAAAAAAAAAAAAAkAAAAJAAAAAAAAAAHAAAAAAAAAAAAAAAAAAAAAAAAAAAAAAAAAAAAf39/ACUAAABYAAAAAAAAAAAAAAAAAAAAAAAAAAAAAAAAAAAAAAAAAAAAAAAAAAAAAAAAAAAAAAA/AAAAAAAAAKCGAQAAAAAAAAAAAAAAAAAMAAAAAQAAAAAAAAAAAAAAAAAAAB8AAABUAAAA7u7uAP///wEAAAAAAAAAAAAAAAAAAAAAAAAAAAAAAAAAAAAAAAAAAAAAAAJ/f38AAAAAAMvLywDAwP8Af39/AAAAAAAAAAAAAAAAAAAAAAAAAAAAIQAAABgAAAAUAAAAAAcAAL4MAADTGwAADw8AABAAAAAmAAAACAAAAP//////////"/>
+                <pr:smNativeData xmlns:pr="smNativeData" xmlns="smNativeData" val="SMDATA_15_f8v4ZxMAAAAlAAAAZQAAAA0AAAAA/wAAAJAAAAD/AAAAkAAAAAAAAAABAAAAAAAAAAEAAABQAAAAhbacS3FV1T8AAAAAAAAAAAAAAAAAAOA/AAAAAAAA4D8AAAAAAADgPwAAAAAAAOA/AAAAAAAA4D8AAAAAAADgPwAAAAAAAOA/AAAAAAAA4D8CAAAAjAAAAAEAAAAAAAAA7u7uAP///wgAAAAAAAAAAAAAAAAAAAAAAAAAAAAAAAAAAAAAeAAAAAEAAABAAAAAAAAAAAAAAABaAAAAAAAAAAAAAAAAAAAAAAAAAAAAAAAAAAAAAAAAAAAAAAAAAAAAAAAAAAAAAAAAAAAAAAAAAAAAAAAAAAAAAAAAAAAAAAAAAAAAFAAAADwAAAAAAAAAAAAAAAAAAAkUAAAAAQAAABQAAAAUAAAAFAAAAAEAAAAAAAAAZAAAAGQAAAAAAAAAZAAAAGQAAAAVAAAAYAAAAAAAAAAAAAAADwAAACADAAAAAAAAAAAAAAEAAACgMgAAVgcAAKr4//8BAAAAf39/AAEAAABkAAAAAAAAABQAAABAHwAAAAAAACYAAAAAAAAAwOD//wAAAAAmAAAAZAAAABYAAABMAAAAAQAAAAAAAAAGAAAAAAAAAAEAAAAAAAAAMgAAAAAAAAAeAAAAZAAAAGQAAAAAAAAAy8vLADIAAAAAAAAAHgAAAGQAAABkAAAAAAAAABcAAAAUAAAAAAAAAAAAAAD/fwAA/38AAAAAAAAJAAAABAAAAAAAAAAeAAAAaAAAAAAAAAAAAAAAAAAAAAAAAAAAAAAAECcAABAnAAAAAAAAAAAAAAAAAAAAAAAAAAAAAAAAAAAAAAAAAAAAAFoAAAAAAAAAwMD/AAAAAAAAAAAAAAAAAAAAAABkAAAAAAAAAH9/fwAKAAAAIgAAABgAAAAAAAAAAAAAAAAAAAAAAAAAAAAAAAAAAAAkAAAAJAAAAAAAAAAHAAAAAAAAAAAAAAAAAAAAAAAAAAAAAAAAAAAAf39/ACUAAABYAAAAAAAAAAAAAAAAAAAAAAAAAAAAAAAAAAAAAAAAAAAAAAAAAAAAAAAAAAAAAAA/AAAAAAAAAKCGAQAAAAAAAAAAAAAAAAAMAAAAAQAAAAAAAAAAAAAAAAAAAB8AAABUAAAA7u7uAP///wEAAAAAAAAAAAAAAAAAAAAAAAAAAAAAAAAAAAAAAAAAAAAAAAJ/f38AAAAAAMvLywDAwP8Af39/AAAAAAAAAAAAAAAAAAAAAAAAAAAAIQAAABgAAAAUAAAAAAcAAL4MAADTGwAADw8AABAAAAAmAAAACAAAAP//////////"/>
               </a:ext>
             </a:extLst>
           </p:cNvSpPr>
@@ -14695,7 +14695,7 @@
           <p:cNvSpPr>
             <a:extLst>
               <a:ext uri="smNativeData">
-                <pr:smNativeData xmlns:pr="smNativeData" xmlns="smNativeData" val="SMDATA_15_t6npZxMAAAAlAAAAZQAAAA0AAAAA/wAAAJAAAAD/AAAAkAAAAAAAAAABAAAAAAAAAAEAAABQAAAAhbacS3FV1T8AAAAAAAAAAAAAAAAAAOA/AAAAAAAA4D8AAAAAAADgPwAAAAAAAOA/AAAAAAAA4D8AAAAAAADgPwAAAAAAAOA/AAAAAAAA4D8CAAAAjAAAAAEAAAAAAAAA7u7uAP///wgAAAAAAAAAAAAAAAAAAAAAAAAAAAAAAAAAAAAAeAAAAAEAAABAAAAAAAAAAAAAAABaAAAAAAAAAAAAAAAAAAAAAAAAAAAAAAAAAAAAAAAAAAAAAAAAAAAAAAAAAAAAAAAAAAAAAAAAAAAAAAAAAAAAAAAAAAAAAAAAAAAAFAAAADwAAAAAAAAAAAAAAAAAAAkUAAAAAQAAABQAAAAUAAAAFAAAAAEAAAAAAAAAZAAAAGQAAAAAAAAAZAAAAGQAAAAVAAAAYAAAAAAAAAAAAAAADwAAACADAAAAAAAAAAAAAAEAAACgMgAAVgcAAKr4//8BAAAAf39/AAEAAABkAAAAAAAAABQAAABAHwAAAAAAACYAAAAAAAAAwOD//wAAAAAmAAAAZAAAABYAAABMAAAAAQAAAAAAAAAGAAAAAAAAAAEAAAAAAAAAMgAAAAAAAAAeAAAAZAAAAGQAAAAAAAAAy8vLADIAAAAAAAAAHgAAAGQAAABkAAAAAAAAABcAAAAUAAAAAAAAAAAAAAD/fwAA/38AAAAAAAAJAAAABAAAAAEAAAAeAAAAaAAAAAAAAAAAAAAAAAAAAAAAAAAAAAAAECcAABAnAAAAAAAAAAAAAAAAAAAAAAAAAAAAAAAAAAAAAAAAAAAAAFoAAAAAAAAAwMD/AAAAAAAAAAAAAAAAAAAAAABkAAAAAAAAAH9/fwAKAAAAIgAAABgAAAAAAAAAAAAAAAAAAAAAAAAAAAAAAAAAAAAkAAAAJAAAAAAAAAAHAAAAAAAAAAAAAAAAAAAAAAAAAAAAAAAAAAAAf39/ACUAAABYAAAAAAAAAAAAAAAAAAAAAAAAAAAAAAAAAAAAAAAAAAAAAAAAAAAAAAAAAAAAAAA/AAAAAAAAAKCGAQAAAAAAAAAAAAAAAAAMAAAAAQAAAAAAAAAAAAAAAAAAAB8AAABUAAAA7u7uAP///wEAAAAAAAAAAAAAAAAAAAAAAAAAAAAAAAAAAAAAAAAAAAAAAAJ/f38AAAAAAMvLywDAwP8Af39/AAAAAAAAAAAAAAAAAAAAAAAAAAAAIQAAABgAAAAUAAAAAAcAAFAQAADTGwAAoBIAABAAAAAmAAAACAAAAP//////////"/>
+                <pr:smNativeData xmlns:pr="smNativeData" xmlns="smNativeData" val="SMDATA_15_f8v4ZxMAAAAlAAAAZQAAAA0AAAAA/wAAAJAAAAD/AAAAkAAAAAAAAAABAAAAAAAAAAEAAABQAAAAhbacS3FV1T8AAAAAAAAAAAAAAAAAAOA/AAAAAAAA4D8AAAAAAADgPwAAAAAAAOA/AAAAAAAA4D8AAAAAAADgPwAAAAAAAOA/AAAAAAAA4D8CAAAAjAAAAAEAAAAAAAAA7u7uAP///wgAAAAAAAAAAAAAAAAAAAAAAAAAAAAAAAAAAAAAeAAAAAEAAABAAAAAAAAAAAAAAABaAAAAAAAAAAAAAAAAAAAAAAAAAAAAAAAAAAAAAAAAAAAAAAAAAAAAAAAAAAAAAAAAAAAAAAAAAAAAAAAAAAAAAAAAAAAAAAAAAAAAFAAAADwAAAAAAAAAAAAAAAAAAAkUAAAAAQAAABQAAAAUAAAAFAAAAAEAAAAAAAAAZAAAAGQAAAAAAAAAZAAAAGQAAAAVAAAAYAAAAAAAAAAAAAAADwAAACADAAAAAAAAAAAAAAEAAACgMgAAVgcAAKr4//8BAAAAf39/AAEAAABkAAAAAAAAABQAAABAHwAAAAAAACYAAAAAAAAAwOD//wAAAAAmAAAAZAAAABYAAABMAAAAAQAAAAAAAAAGAAAAAAAAAAEAAAAAAAAAMgAAAAAAAAAeAAAAZAAAAGQAAAAAAAAAy8vLADIAAAAAAAAAHgAAAGQAAABkAAAAAAAAABcAAAAUAAAAAAAAAAAAAAD/fwAA/38AAAAAAAAJAAAABAAAAAEAAAAeAAAAaAAAAAAAAAAAAAAAAAAAAAAAAAAAAAAAECcAABAnAAAAAAAAAAAAAAAAAAAAAAAAAAAAAAAAAAAAAAAAAAAAAFoAAAAAAAAAwMD/AAAAAAAAAAAAAAAAAAAAAABkAAAAAAAAAH9/fwAKAAAAIgAAABgAAAAAAAAAAAAAAAAAAAAAAAAAAAAAAAAAAAAkAAAAJAAAAAAAAAAHAAAAAAAAAAAAAAAAAAAAAAAAAAAAAAAAAAAAf39/ACUAAABYAAAAAAAAAAAAAAAAAAAAAAAAAAAAAAAAAAAAAAAAAAAAAAAAAAAAAAAAAAAAAAA/AAAAAAAAAKCGAQAAAAAAAAAAAAAAAAAMAAAAAQAAAAAAAAAAAAAAAAAAAB8AAABUAAAA7u7uAP///wEAAAAAAAAAAAAAAAAAAAAAAAAAAAAAAAAAAAAAAAAAAAAAAAJ/f38AAAAAAMvLywDAwP8Af39/AAAAAAAAAAAAAAAAAAAAAAAAAAAAIQAAABgAAAAUAAAAAAcAAFAQAADTGwAAoBIAABAAAAAmAAAACAAAAP//////////"/>
               </a:ext>
             </a:extLst>
           </p:cNvSpPr>
@@ -14760,7 +14760,7 @@
           <p:cNvSpPr>
             <a:extLst>
               <a:ext uri="smNativeData">
-                <pr:smNativeData xmlns:pr="smNativeData" xmlns="smNativeData" val="SMDATA_15_t6npZxMAAAAlAAAAZQAAAA0AAAAA/wAAAJAAAAD/AAAAkAAAAAAAAAABAAAAAAAAAAEAAABQAAAAhbacS3FV1T8AAAAAAAAAAAAAAAAAAOA/AAAAAAAA4D8AAAAAAADgPwAAAAAAAOA/AAAAAAAA4D8AAAAAAADgPwAAAAAAAOA/AAAAAAAA4D8CAAAAjAAAAAEAAAAAAAAA7u7uAP///wgAAAAAAAAAAAAAAAAAAAAAAAAAAAAAAAAAAAAAeAAAAAEAAABAAAAAAAAAAAAAAABaAAAAAAAAAAAAAAAAAAAAAAAAAAAAAAAAAAAAAAAAAAAAAAAAAAAAAAAAAAAAAAAAAAAAAAAAAAAAAAAAAAAAAAAAAAAAAAAAAAAAFAAAADwAAAAAAAAAAAAAAAAAAAkUAAAAAQAAABQAAAAUAAAAFAAAAAEAAAAAAAAAZAAAAGQAAAAAAAAAZAAAAGQAAAAVAAAAYAAAAAAAAAAAAAAADwAAACADAAAAAAAAAAAAAAEAAACgMgAAVgcAAKr4//8BAAAAf39/AAEAAABkAAAAAAAAABQAAABAHwAAAAAAACYAAAAAAAAAwOD//wAAAAAmAAAAZAAAABYAAABMAAAAAQAAAAAAAAAGAAAAAAAAAAEAAAAAAAAAMgAAAAAAAAAeAAAAZAAAAGQAAAAAAAAAy8vLADIAAAAAAAAAHgAAAGQAAABkAAAAAAAAABcAAAAUAAAAAAAAAAAAAAD/fwAA/38AAAAAAAAJAAAABAAAAAAAAAAeAAAAaAAAAAAAAAAAAAAAAAAAAAAAAAAAAAAAECcAABAnAAAAAAAAAAAAAAAAAAAAAAAAAAAAAAAAAAAAAAAAAAAAAFoAAAAAAAAAwMD/AAAAAAAAAAAAAAAAAAAAAABkAAAAAAAAAH9/fwAKAAAAIgAAABgAAAAAAAAAAAAAAAAAAAAAAAAAAAAAAAAAAAAkAAAAJAAAAAAAAAAHAAAAAAAAAAAAAAAAAAAAAAAAAAAAAAAAAAAAf39/ACUAAABYAAAAAAAAAAAAAAAAAAAAAAAAAAAAAAAAAAAAAAAAAAAAAAAAAAAAAAAAAAAAAAA/AAAAAAAAAKCGAQAAAAAAAAAAAAAAAAAMAAAAAQAAAAAAAAAAAAAAAAAAAB8AAABUAAAA7u7uAP///wEAAAAAAAAAAAAAAAAAAAAAAAAAAAAAAAAAAAAAAAAAAAAAAAJ/f38AAAAAAMvLywDAwP8Af39/AAAAAAAAAAAAAAAAAAAAAAAAAAAAIQAAABgAAAAUAAAAAAcAAPgTAADTGwAASRYAABAAAAAmAAAACAAAAP//////////"/>
+                <pr:smNativeData xmlns:pr="smNativeData" xmlns="smNativeData" val="SMDATA_15_f8v4ZxMAAAAlAAAAZQAAAA0AAAAA/wAAAJAAAAD/AAAAkAAAAAAAAAABAAAAAAAAAAEAAABQAAAAhbacS3FV1T8AAAAAAAAAAAAAAAAAAOA/AAAAAAAA4D8AAAAAAADgPwAAAAAAAOA/AAAAAAAA4D8AAAAAAADgPwAAAAAAAOA/AAAAAAAA4D8CAAAAjAAAAAEAAAAAAAAA7u7uAP///wgAAAAAAAAAAAAAAAAAAAAAAAAAAAAAAAAAAAAAeAAAAAEAAABAAAAAAAAAAAAAAABaAAAAAAAAAAAAAAAAAAAAAAAAAAAAAAAAAAAAAAAAAAAAAAAAAAAAAAAAAAAAAAAAAAAAAAAAAAAAAAAAAAAAAAAAAAAAAAAAAAAAFAAAADwAAAAAAAAAAAAAAAAAAAkUAAAAAQAAABQAAAAUAAAAFAAAAAEAAAAAAAAAZAAAAGQAAAAAAAAAZAAAAGQAAAAVAAAAYAAAAAAAAAAAAAAADwAAACADAAAAAAAAAAAAAAEAAACgMgAAVgcAAKr4//8BAAAAf39/AAEAAABkAAAAAAAAABQAAABAHwAAAAAAACYAAAAAAAAAwOD//wAAAAAmAAAAZAAAABYAAABMAAAAAQAAAAAAAAAGAAAAAAAAAAEAAAAAAAAAMgAAAAAAAAAeAAAAZAAAAGQAAAAAAAAAy8vLADIAAAAAAAAAHgAAAGQAAABkAAAAAAAAABcAAAAUAAAAAAAAAAAAAAD/fwAA/38AAAAAAAAJAAAABAAAAAAAAAAeAAAAaAAAAAAAAAAAAAAAAAAAAAAAAAAAAAAAECcAABAnAAAAAAAAAAAAAAAAAAAAAAAAAAAAAAAAAAAAAAAAAAAAAFoAAAAAAAAAwMD/AAAAAAAAAAAAAAAAAAAAAABkAAAAAAAAAH9/fwAKAAAAIgAAABgAAAAAAAAAAAAAAAAAAAAAAAAAAAAAAAAAAAAkAAAAJAAAAAAAAAAHAAAAAAAAAAAAAAAAAAAAAAAAAAAAAAAAAAAAf39/ACUAAABYAAAAAAAAAAAAAAAAAAAAAAAAAAAAAAAAAAAAAAAAAAAAAAAAAAAAAAAAAAAAAAA/AAAAAAAAAKCGAQAAAAAAAAAAAAAAAAAMAAAAAQAAAAAAAAAAAAAAAAAAAB8AAABUAAAA7u7uAP///wEAAAAAAAAAAAAAAAAAAAAAAAAAAAAAAAAAAAAAAAAAAAAAAAJ/f38AAAAAAMvLywDAwP8Af39/AAAAAAAAAAAAAAAAAAAAAAAAAAAAIQAAABgAAAAUAAAAAAcAAPgTAADTGwAASRYAABAAAAAmAAAACAAAAP//////////"/>
               </a:ext>
             </a:extLst>
           </p:cNvSpPr>
@@ -14827,7 +14827,7 @@
             <a:endCxn id="4" idx="1"/>
             <a:extLst>
               <a:ext uri="smNativeData">
-                <pr:smNativeData xmlns:pr="smNativeData" xmlns="smNativeData" val="SMDATA_15_t6npZxMAAAAlAAAADgAAAA0AAAAAkAAAAEgAAACQAAAASAAAAAAAAAAAAAAAAAAAAAEAAABQAAAAAAAAAADWiMAAAAAAAAAAAAAAAAAAAPA/AAAAAAAA4D8AAAAAAADgPwAAAAAAAOA/AAAAAAAA4D8AAAAAAADgPwAAAAAAAOA/AAAAAAAA4D8CAAAAjAAAAAAAAAAAAAAAQoX0DP///wgAAAAAAAAAAAAAAAAAAAAAAAAAAAAAAAAAAAAAZAAAAAEAAABAAAAAAAAAAAAAAAAAAAAAAAAAAAAAAAAAAAAAAAAAAAAAAAAAAAAAAAAAAAAAAAAAAAAAAAAAAAAAAAAAAAAAAAAAAAAAAAAAAAAAAAAAAAAAAAAAAAAAFAAAADwAAAABAAAAAwAAAD8pmgAPAAAAAQAAACMAAAAjAAAAIwAAAB4AAAAAAAAAZAAAAGQAAAAAAAAAZAAAAGQAAAAVAAAAYAAAAAAAAAAAAAAADwAAACADAAAAAAAAAAAAAAEAAACgMgAAVgcAAKr4//8BAAAAf39/AAEAAABkAAAAAAAAABQAAABAHwAAAAAAACYAAAAAAAAAwOD//wAAAAAmAAAAZAAAABYAAABMAAAAAAAAAAAAAAAEAAAAAAAAAAEAAABZWVkKAAAAACgAAAAoAAAAZAAAAGQAAAAAAAAAzMzMAAAAAABQAAAAUAAAAGQAAABkAAAAAAAAABcAAAAUAAAAAAAAAAAAAAD/fwAA/38AAAAAAAAJAAAABAAAAMyQiEQeAAAAaAAAAAAAAAAAAAAAAAAAAAAAAAAAAAAAECcAABAnAAAAAAAAAAAAAAAAAAAAAAAAAAAAAAAAAAAAAAAAAAAAABQAAAAAAAAAwMD/AAAAAABkAAAAMgAAAAAAAABkAAAAAAAAAH9/fwAKAAAAIgAAABgAAAAAAAAAAAAAAAAAAAAAAAAAAAAAAAAAAAAkAAAAJAAAAAAAAAAHAAAAAAAAAAAAAAAAAAAAAAAAAAAAAAAAAAAAf39/ACUAAABYAAAAAAAAAAAAAAAAAAAAAAAAAAAAAAAAAAAAAAAAAAAAAAAAAAAAAAAAAAAAAAA/AAAAAAAAAKCGAQAAAAAAAAAAAAAAAAAMAAAAAQAAAAAAAAAAAAAAAAAAAB8AAABUAAAAQoX0Bf///wEAAAAAAAAAAAAAAAAAAAAAAAAAAAAAAAAAAAAAAAAAAD8pmgB/f38AWVlZA8zMzADAwP8Af39/AAAAAAAAAAAAAAAAAAAAAAAAAAAAIQAAABgAAAAUAAAAAAcAAFUKAAAABwAA5w0AABAAAAAmAAAACAAAAP//////////"/>
+                <pr:smNativeData xmlns:pr="smNativeData" xmlns="smNativeData" val="SMDATA_15_f8v4ZxMAAAAlAAAADgAAAA0AAAAAkAAAAEgAAACQAAAASAAAAAAAAAAAAAAAAAAAAAEAAABQAAAAAAAAAADWiMAAAAAAAAAAAAAAAAAAAPA/AAAAAAAA4D8AAAAAAADgPwAAAAAAAOA/AAAAAAAA4D8AAAAAAADgPwAAAAAAAOA/AAAAAAAA4D8CAAAAjAAAAAAAAAAAAAAAQoX0DP///wgAAAAAAAAAAAAAAAAAAAAAAAAAAAAAAAAAAAAAZAAAAAEAAABAAAAAAAAAAAAAAAAAAAAAAAAAAAAAAAAAAAAAAAAAAAAAAAAAAAAAAAAAAAAAAAAAAAAAAAAAAAAAAAAAAAAAAAAAAAAAAAAAAAAAAAAAAAAAAAAAAAAAFAAAADwAAAABAAAAAwAAAD8pmgAPAAAAAQAAACMAAAAjAAAAIwAAAB4AAAAAAAAAZAAAAGQAAAAAAAAAZAAAAGQAAAAVAAAAYAAAAAAAAAAAAAAADwAAACADAAAAAAAAAAAAAAEAAACgMgAAVgcAAKr4//8BAAAAf39/AAEAAABkAAAAAAAAABQAAABAHwAAAAAAACYAAAAAAAAAwOD//wAAAAAmAAAAZAAAABYAAABMAAAAAAAAAAAAAAAEAAAAAAAAAAEAAABZWVkKAAAAACgAAAAoAAAAZAAAAGQAAAAAAAAAzMzMAAAAAABQAAAAUAAAAGQAAABkAAAAAAAAABcAAAAUAAAAAAAAAAAAAAD/fwAA/38AAAAAAAAJAAAABAAAAMyQiEQeAAAAaAAAAAAAAAAAAAAAAAAAAAAAAAAAAAAAECcAABAnAAAAAAAAAAAAAAAAAAAAAAAAAAAAAAAAAAAAAAAAAAAAABQAAAAAAAAAwMD/AAAAAABkAAAAMgAAAAAAAABkAAAAAAAAAH9/fwAKAAAAIgAAABgAAAAAAAAAAAAAAAAAAAAAAAAAAAAAAAAAAAAkAAAAJAAAAAAAAAAHAAAAAAAAAAAAAAAAAAAAAAAAAAAAAAAAAAAAf39/ACUAAABYAAAAAAAAAAAAAAAAAAAAAAAAAAAAAAAAAAAAAAAAAAAAAAAAAAAAAAAAAAAAAAA/AAAAAAAAAKCGAQAAAAAAAAAAAAAAAAAMAAAAAQAAAAAAAAAAAAAAAAAAAB8AAABUAAAAQoX0Bf///wEAAAAAAAAAAAAAAAAAAAAAAAAAAAAAAAAAAAAAAAAAAD8pmgB/f38AWVlZA8zMzADAwP8Af39/AAAAAAAAAAAAAAAAAAAAAAAAAAAAIQAAABgAAAAUAAAAAAcAAFUKAAAABwAA5w0AABAAAAAmAAAACAAAAP//////////"/>
               </a:ext>
             </a:extLst>
           </p:cNvCxnSpPr>
@@ -14863,7 +14863,7 @@
             <a:endCxn id="5" idx="1"/>
             <a:extLst>
               <a:ext uri="smNativeData">
-                <pr:smNativeData xmlns:pr="smNativeData" xmlns="smNativeData" val="SMDATA_15_t6npZxMAAAAlAAAADgAAAA0AAAAAkAAAAEgAAACQAAAASAAAAAAAAAAAAAAAAAAAAAEAAABQAAAAAAAAAADWiMAAAAAAAAAAAAAAAAAAAPA/AAAAAAAA4D8AAAAAAADgPwAAAAAAAOA/AAAAAAAA4D8AAAAAAADgPwAAAAAAAOA/AAAAAAAA4D8CAAAAjAAAAAAAAAAAAAAAQoX0DP///wgAAAAAAAAAAAAAAAAAAAAAAAAAAAAAAAAAAAAAZAAAAAEAAABAAAAAAAAAAAAAAAAAAAAAAAAAAAAAAAAAAAAAAAAAAAAAAAAAAAAAAAAAAAAAAAAAAAAAAAAAAAAAAAAAAAAAAAAAAAAAAAAAAAAAAAAAAAAAAAAAAAAAFAAAADwAAAABAAAAAwAAAD8pmgAPAAAAAQAAACMAAAAjAAAAIwAAAB4AAAAAAAAAZAAAAGQAAAAAAAAAZAAAAGQAAAAVAAAAYAAAAAAAAAAAAAAADwAAACADAAAAAAAAAAAAAAEAAACgMgAAVgcAAKr4//8BAAAAf39/AAEAAABkAAAAAAAAABQAAABAHwAAAAAAACYAAAAAAAAAwOD//wAAAAAmAAAAZAAAABYAAABMAAAAAAAAAAAAAAAEAAAAAAAAAAEAAABZWVkKAAAAACgAAAAoAAAAZAAAAGQAAAAAAAAAzMzMAAAAAABQAAAAUAAAAGQAAABkAAAAAAAAABcAAAAUAAAAAAAAAAAAAAD/fwAA/38AAAAAAAAJAAAABAAAAP///wAeAAAAaAAAAAAAAAAAAAAAAAAAAAAAAAAAAAAAECcAABAnAAAAAAAAAAAAAAAAAAAAAAAAAAAAAAAAAAAAAAAAAAAAABQAAAAAAAAAwMD/AAAAAABkAAAAMgAAAAAAAABkAAAAAAAAAH9/fwAKAAAAIgAAABgAAAAAAAAAAAAAAAAAAAAAAAAAAAAAAAAAAAAkAAAAJAAAAAAAAAAHAAAAAAAAAAAAAAAAAAAAAAAAAAAAAAAAAAAAf39/ACUAAABYAAAAAAAAAAAAAAAAAAAAAAAAAAAAAAAAAAAAAAAAAAAAAAAAAAAAAAAAAAAAAAA/AAAAAAAAAKCGAQAAAAAAAAAAAAAAAAAMAAAAAQAAAAAAAAAAAAAAAAAAAB8AAABUAAAAQoX0Bf///wEAAAAAAAAAAAAAAAAAAAAAAAAAAAAAAAAAAAAAAAAAAD8pmgB/f38AWVlZA8zMzADAwP8Af39/AAAAAAAAAAAAAAAAAAAAAAAAAAAAIQAAABgAAAAUAAAAAAcAAOcNAAAABwAAeBEAABAAAAAmAAAACAAAAP//////////"/>
+                <pr:smNativeData xmlns:pr="smNativeData" xmlns="smNativeData" val="SMDATA_15_f8v4ZxMAAAAlAAAADgAAAA0AAAAAkAAAAEgAAACQAAAASAAAAAAAAAAAAAAAAAAAAAEAAABQAAAAAAAAAADWiMAAAAAAAAAAAAAAAAAAAPA/AAAAAAAA4D8AAAAAAADgPwAAAAAAAOA/AAAAAAAA4D8AAAAAAADgPwAAAAAAAOA/AAAAAAAA4D8CAAAAjAAAAAAAAAAAAAAAQoX0DP///wgAAAAAAAAAAAAAAAAAAAAAAAAAAAAAAAAAAAAAZAAAAAEAAABAAAAAAAAAAAAAAAAAAAAAAAAAAAAAAAAAAAAAAAAAAAAAAAAAAAAAAAAAAAAAAAAAAAAAAAAAAAAAAAAAAAAAAAAAAAAAAAAAAAAAAAAAAAAAAAAAAAAAFAAAADwAAAABAAAAAwAAAD8pmgAPAAAAAQAAACMAAAAjAAAAIwAAAB4AAAAAAAAAZAAAAGQAAAAAAAAAZAAAAGQAAAAVAAAAYAAAAAAAAAAAAAAADwAAACADAAAAAAAAAAAAAAEAAACgMgAAVgcAAKr4//8BAAAAf39/AAEAAABkAAAAAAAAABQAAABAHwAAAAAAACYAAAAAAAAAwOD//wAAAAAmAAAAZAAAABYAAABMAAAAAAAAAAAAAAAEAAAAAAAAAAEAAABZWVkKAAAAACgAAAAoAAAAZAAAAGQAAAAAAAAAzMzMAAAAAABQAAAAUAAAAGQAAABkAAAAAAAAABcAAAAUAAAAAAAAAAAAAAD/fwAA/38AAAAAAAAJAAAABAAAAP///wAeAAAAaAAAAAAAAAAAAAAAAAAAAAAAAAAAAAAAECcAABAnAAAAAAAAAAAAAAAAAAAAAAAAAAAAAAAAAAAAAAAAAAAAABQAAAAAAAAAwMD/AAAAAABkAAAAMgAAAAAAAABkAAAAAAAAAH9/fwAKAAAAIgAAABgAAAAAAAAAAAAAAAAAAAAAAAAAAAAAAAAAAAAkAAAAJAAAAAAAAAAHAAAAAAAAAAAAAAAAAAAAAAAAAAAAAAAAAAAAf39/ACUAAABYAAAAAAAAAAAAAAAAAAAAAAAAAAAAAAAAAAAAAAAAAAAAAAAAAAAAAAAAAAAAAAA/AAAAAAAAAKCGAQAAAAAAAAAAAAAAAAAMAAAAAQAAAAAAAAAAAAAAAAAAAB8AAABUAAAAQoX0Bf///wEAAAAAAAAAAAAAAAAAAAAAAAAAAAAAAAAAAAAAAAAAAD8pmgB/f38AWVlZA8zMzADAwP8Af39/AAAAAAAAAAAAAAAAAAAAAAAAAAAAIQAAABgAAAAUAAAAAAcAAOcNAAAABwAAeBEAABAAAAAmAAAACAAAAP//////////"/>
               </a:ext>
             </a:extLst>
           </p:cNvCxnSpPr>
@@ -14899,7 +14899,7 @@
             <a:endCxn id="6" idx="1"/>
             <a:extLst>
               <a:ext uri="smNativeData">
-                <pr:smNativeData xmlns:pr="smNativeData" xmlns="smNativeData" val="SMDATA_15_t6npZxMAAAAlAAAADgAAAA0AAAAAkAAAAEgAAACQAAAASAAAAAAAAAAAAAAAAAAAAAEAAABQAAAAAAAAAADWiMAAAAAAAAAAAAAAAAAAAPA/AAAAAAAA4D8AAAAAAADgPwAAAAAAAOA/AAAAAAAA4D8AAAAAAADgPwAAAAAAAOA/AAAAAAAA4D8CAAAAjAAAAAAAAAAAAAAAQoX0DP///wgAAAAAAAAAAAAAAAAAAAAAAAAAAAAAAAAAAAAAZAAAAAEAAABAAAAAAAAAAAAAAAAAAAAAAAAAAAAAAAAAAAAAAAAAAAAAAAAAAAAAAAAAAAAAAAAAAAAAAAAAAAAAAAAAAAAAAAAAAAAAAAAAAAAAAAAAAAAAAAAAAAAAFAAAADwAAAABAAAAAwAAAD8pmgAPAAAAAQAAACMAAAAjAAAAIwAAAB4AAAAAAAAAZAAAAGQAAAAAAAAAZAAAAGQAAAAVAAAAYAAAAAAAAAAAAAAADwAAACADAAAAAAAAAAAAAAEAAACgMgAAVgcAAKr4//8BAAAAf39/AAEAAABkAAAAAAAAABQAAABAHwAAAAAAACYAAAAAAAAAwOD//wAAAAAmAAAAZAAAABYAAABMAAAAAAAAAAAAAAAEAAAAAAAAAAEAAABZWVkKAAAAACgAAAAoAAAAZAAAAGQAAAAAAAAAzMzMAAAAAABQAAAAUAAAAGQAAABkAAAAAAAAABcAAAAUAAAAAAAAAAAAAAD/fwAA/38AAAAAAAAJAAAABAAAAKAsKAseAAAAaAAAAAAAAAAAAAAAAAAAAAAAAAAAAAAAECcAABAnAAAAAAAAAAAAAAAAAAAAAAAAAAAAAAAAAAAAAAAAAAAAABQAAAAAAAAAwMD/AAAAAABkAAAAMgAAAAAAAABkAAAAAAAAAH9/fwAKAAAAIgAAABgAAAAAAAAAAAAAAAAAAAAAAAAAAAAAAAAAAAAkAAAAJAAAAAAAAAAHAAAAAAAAAAAAAAAAAAAAAAAAAAAAAAAAAAAAf39/ACUAAABYAAAAAAAAAAAAAAAAAAAAAAAAAAAAAAAAAAAAAAAAAAAAAAAAAAAAAAAAAAAAAAA/AAAAAAAAAKCGAQAAAAAAAAAAAAAAAAAMAAAAAQAAAAAAAAAAAAAAAAAAAB8AAABUAAAAQoX0Bf///wEAAAAAAAAAAAAAAAAAAAAAAAAAAAAAAAAAAAAAAAAAAD8pmgB/f38AWVlZA8zMzADAwP8Af39/AAAAAAAAAAAAAAAAAAAAAAAAAAAAIQAAABgAAAAUAAAAAAcAAHgRAAAABwAAIRUAABAAAAAmAAAACAAAAP//////////"/>
+                <pr:smNativeData xmlns:pr="smNativeData" xmlns="smNativeData" val="SMDATA_15_f8v4ZxMAAAAlAAAADgAAAA0AAAAAkAAAAEgAAACQAAAASAAAAAAAAAAAAAAAAAAAAAEAAABQAAAAAAAAAADWiMAAAAAAAAAAAAAAAAAAAPA/AAAAAAAA4D8AAAAAAADgPwAAAAAAAOA/AAAAAAAA4D8AAAAAAADgPwAAAAAAAOA/AAAAAAAA4D8CAAAAjAAAAAAAAAAAAAAAQoX0DP///wgAAAAAAAAAAAAAAAAAAAAAAAAAAAAAAAAAAAAAZAAAAAEAAABAAAAAAAAAAAAAAAAAAAAAAAAAAAAAAAAAAAAAAAAAAAAAAAAAAAAAAAAAAAAAAAAAAAAAAAAAAAAAAAAAAAAAAAAAAAAAAAAAAAAAAAAAAAAAAAAAAAAAFAAAADwAAAABAAAAAwAAAD8pmgAPAAAAAQAAACMAAAAjAAAAIwAAAB4AAAAAAAAAZAAAAGQAAAAAAAAAZAAAAGQAAAAVAAAAYAAAAAAAAAAAAAAADwAAACADAAAAAAAAAAAAAAEAAACgMgAAVgcAAKr4//8BAAAAf39/AAEAAABkAAAAAAAAABQAAABAHwAAAAAAACYAAAAAAAAAwOD//wAAAAAmAAAAZAAAABYAAABMAAAAAAAAAAAAAAAEAAAAAAAAAAEAAABZWVkKAAAAACgAAAAoAAAAZAAAAGQAAAAAAAAAzMzMAAAAAABQAAAAUAAAAGQAAABkAAAAAAAAABcAAAAUAAAAAAAAAAAAAAD/fwAA/38AAAAAAAAJAAAABAAAAKAsKAseAAAAaAAAAAAAAAAAAAAAAAAAAAAAAAAAAAAAECcAABAnAAAAAAAAAAAAAAAAAAAAAAAAAAAAAAAAAAAAAAAAAAAAABQAAAAAAAAAwMD/AAAAAABkAAAAMgAAAAAAAABkAAAAAAAAAH9/fwAKAAAAIgAAABgAAAAAAAAAAAAAAAAAAAAAAAAAAAAAAAAAAAAkAAAAJAAAAAAAAAAHAAAAAAAAAAAAAAAAAAAAAAAAAAAAAAAAAAAAf39/ACUAAABYAAAAAAAAAAAAAAAAAAAAAAAAAAAAAAAAAAAAAAAAAAAAAAAAAAAAAAAAAAAAAAA/AAAAAAAAAKCGAQAAAAAAAAAAAAAAAAAMAAAAAQAAAAAAAAAAAAAAAAAAAB8AAABUAAAAQoX0Bf///wEAAAAAAAAAAAAAAAAAAAAAAAAAAAAAAAAAAAAAAAAAAD8pmgB/f38AWVlZA8zMzADAwP8Af39/AAAAAAAAAAAAAAAAAAAAAAAAAAAAIQAAABgAAAAUAAAAAAcAAHgRAAAABwAAIRUAABAAAAAmAAAACAAAAP//////////"/>
               </a:ext>
             </a:extLst>
           </p:cNvCxnSpPr>
@@ -14935,7 +14935,7 @@
             <a:endCxn id="11" idx="1"/>
             <a:extLst>
               <a:ext uri="smNativeData">
-                <pr:smNativeData xmlns:pr="smNativeData" xmlns="smNativeData" val="SMDATA_15_t6npZxMAAAAlAAAADgAAAA0AAAAAkAAAAEgAAACQAAAASAAAAAAAAAAAAAAAAAAAAAEAAABQAAAAAAAAAADWiMAAAAAAAAAAAAAAAAAAAPA/AAAAAAAA4D8AAAAAAADgPwAAAAAAAOA/AAAAAAAA4D8AAAAAAADgPwAAAAAAAOA/AAAAAAAA4D8CAAAAjAAAAAAAAAAAAAAAQoX0DP///wgAAAAAAAAAAAAAAAAAAAAAAAAAAAAAAAAAAAAAZAAAAAEAAABAAAAAAAAAAAAAAAAAAAAAAAAAAAAAAAAAAAAAAAAAAAAAAAAAAAAAAAAAAAAAAAAAAAAAAAAAAAAAAAAAAAAAAAAAAAAAAAAAAAAAAAAAAAAAAAAAAAAAFAAAADwAAAABAAAAAwAAAD8pmgAPAAAAAQAAACMAAAAjAAAAIwAAAB4AAAAAAAAAZAAAAGQAAAAAAAAAZAAAAGQAAAAVAAAAYAAAAAAAAAAAAAAADwAAACADAAAAAAAAAAAAAAEAAACgMgAAVgcAAKr4//8BAAAAf39/AAEAAABkAAAAAAAAABQAAABAHwAAAAAAACYAAAAAAAAAwOD//wAAAAAmAAAAZAAAABYAAABMAAAAAAAAAAAAAAAEAAAAAAAAAAEAAABZWVkKAAAAACgAAAAoAAAAZAAAAGQAAAAAAAAAzMzMAAAAAABQAAAAUAAAAGQAAABkAAAAAAAAABcAAAAUAAAAAAAAAAAAAAD/fwAA/38AAAAAAAAJAAAABAAAAAAAAAAeAAAAaAAAAAAAAAAAAAAAAAAAAAAAAAAAAAAAECcAABAnAAAAAAAAAAAAAAAAAAAAAAAAAAAAAAAAAAAAAAAAAAAAABQAAAAAAAAAwMD/AAAAAABkAAAAMgAAAAAAAABkAAAAAAAAAH9/fwAKAAAAIgAAABgAAAAAAAAAAAAAAAAAAAAAAAAAAAAAAAAAAAAkAAAAJAAAAAAAAAAHAAAAAAAAAAAAAAAAAAAAAAAAAAAAAAAAAAAAf39/ACUAAABYAAAAAAAAAAAAAAAAAAAAAAAAAAAAAAAAAAAAAAAAAAAAAAAAAAAAAAAAAAAAAAA/AAAAAAAAAKCGAQAAAAAAAAAAAAAAAAAMAAAAAQAAAAAAAAAAAAAAAAAAAB8AAABUAAAAQoX0Bf///wEAAAAAAAAAAAAAAAAAAAAAAAAAAAAAAAAAAAAAAAAAAD8pmgB/f38AWVlZA8zMzADAwP8Af39/AAAAAAAAAAAAAAAAAAAAAAAAAAAAIQAAABgAAAAUAAAAAAcAACEVAAAABwAAXhgAABAAAAAmAAAACAAAAP//////////"/>
+                <pr:smNativeData xmlns:pr="smNativeData" xmlns="smNativeData" val="SMDATA_15_f8v4ZxMAAAAlAAAADgAAAA0AAAAAkAAAAEgAAACQAAAASAAAAAAAAAAAAAAAAAAAAAEAAABQAAAAAAAAAADWiMAAAAAAAAAAAAAAAAAAAPA/AAAAAAAA4D8AAAAAAADgPwAAAAAAAOA/AAAAAAAA4D8AAAAAAADgPwAAAAAAAOA/AAAAAAAA4D8CAAAAjAAAAAAAAAAAAAAAQoX0DP///wgAAAAAAAAAAAAAAAAAAAAAAAAAAAAAAAAAAAAAZAAAAAEAAABAAAAAAAAAAAAAAAAAAAAAAAAAAAAAAAAAAAAAAAAAAAAAAAAAAAAAAAAAAAAAAAAAAAAAAAAAAAAAAAAAAAAAAAAAAAAAAAAAAAAAAAAAAAAAAAAAAAAAFAAAADwAAAABAAAAAwAAAD8pmgAPAAAAAQAAACMAAAAjAAAAIwAAAB4AAAAAAAAAZAAAAGQAAAAAAAAAZAAAAGQAAAAVAAAAYAAAAAAAAAAAAAAADwAAACADAAAAAAAAAAAAAAEAAACgMgAAVgcAAKr4//8BAAAAf39/AAEAAABkAAAAAAAAABQAAABAHwAAAAAAACYAAAAAAAAAwOD//wAAAAAmAAAAZAAAABYAAABMAAAAAAAAAAAAAAAEAAAAAAAAAAEAAABZWVkKAAAAACgAAAAoAAAAZAAAAGQAAAAAAAAAzMzMAAAAAABQAAAAUAAAAGQAAABkAAAAAAAAABcAAAAUAAAAAAAAAAAAAAD/fwAA/38AAAAAAAAJAAAABAAAAAAAAAAeAAAAaAAAAAAAAAAAAAAAAAAAAAAAAAAAAAAAECcAABAnAAAAAAAAAAAAAAAAAAAAAAAAAAAAAAAAAAAAAAAAAAAAABQAAAAAAAAAwMD/AAAAAABkAAAAMgAAAAAAAABkAAAAAAAAAH9/fwAKAAAAIgAAABgAAAAAAAAAAAAAAAAAAAAAAAAAAAAAAAAAAAAkAAAAJAAAAAAAAAAHAAAAAAAAAAAAAAAAAAAAAAAAAAAAAAAAAAAAf39/ACUAAABYAAAAAAAAAAAAAAAAAAAAAAAAAAAAAAAAAAAAAAAAAAAAAAAAAAAAAAAAAAAAAAA/AAAAAAAAAKCGAQAAAAAAAAAAAAAAAAAMAAAAAQAAAAAAAAAAAAAAAAAAAB8AAABUAAAAQoX0Bf///wEAAAAAAAAAAAAAAAAAAAAAAAAAAAAAAAAAAAAAAAAAAD8pmgB/f38AWVlZA8zMzADAwP8Af39/AAAAAAAAAAAAAAAAAAAAAAAAAAAAIQAAABgAAAAUAAAAAAcAACEVAAAABwAAXhgAABAAAAAmAAAACAAAAP//////////"/>
               </a:ext>
             </a:extLst>
           </p:cNvCxnSpPr>
@@ -14969,7 +14969,7 @@
           <p:cNvSpPr>
             <a:extLst>
               <a:ext uri="smNativeData">
-                <pr:smNativeData xmlns:pr="smNativeData" xmlns="smNativeData" val="SMDATA_15_t6npZxMAAAAlAAAAZQAAAA0AAAAA/wAAAJAAAAD/AAAAkAAAAAAAAAABAAAAAAAAAAEAAABQAAAAhbacS3FV1T8AAAAAAAAAAAAAAAAAAOA/AAAAAAAA4D8AAAAAAADgPwAAAAAAAOA/AAAAAAAA4D8AAAAAAADgPwAAAAAAAOA/AAAAAAAA4D8CAAAAjAAAAAEAAAAAAAAA7u7uAP///wgAAAAAAAAAAAAAAAAAAAAAAAAAAAAAAAAAAAAAeAAAAAEAAABAAAAAAAAAAAAAAABaAAAAAAAAAAAAAAAAAAAAAAAAAAAAAAAAAAAAAAAAAAAAAAAAAAAAAAAAAAAAAAAAAAAAAAAAAAAAAAAAAAAAAAAAAAAAAAAAAAAAFAAAADwAAAAAAAAAAAAAAAAAAAkUAAAAAQAAABQAAAAUAAAAFAAAAAEAAAAAAAAAZAAAAGQAAAAAAAAAZAAAAGQAAAAVAAAAYAAAAAAAAAAAAAAADwAAACADAAAAAAAAAAAAAAEAAACgMgAAVgcAAKr4//8BAAAAf39/AAEAAABkAAAAAAAAABQAAABAHwAAAAAAACYAAAAAAAAAwOD//wAAAAAmAAAAZAAAABYAAABMAAAAAQAAAAAAAAAGAAAAAAAAAAEAAAAAAAAAMgAAAAAAAAAeAAAAZAAAAGQAAAAAAAAAy8vLADIAAAAAAAAAHgAAAGQAAABkAAAAAAAAABcAAAAUAAAAAAAAAAAAAAD/fwAA/38AAAAAAAAJAAAABAAAAAEAAAAeAAAAaAAAAAAAAAAAAAAAAAAAAAAAAAAAAAAAECcAABAnAAAAAAAAAAAAAAAAAAAAAAAAAAAAAAAAAAAAAAAAAAAAAFoAAAAAAAAAwMD/AAAAAAAAAAAAAAAAAAAAAABkAAAAAAAAAH9/fwAKAAAAIgAAABgAAAAAAAAAAAAAAAAAAAAAAAAAAAAAAAAAAAAkAAAAJAAAAAAAAAAHAAAAAAAAAAAAAAAAAAAAAAAAAAAAAAAAAAAAf39/ACUAAABYAAAAAAAAAAAAAAAAAAAAAAAAAAAAAAAAAAAAAAAAAAAAAAAAAAAAAAAAAAAAAAA/AAAAAAAAAKCGAQAAAAAAAAAAAAAAAAAMAAAAAQAAAAAAAAAAAAAAAAAAAB8AAABUAAAA7u7uAP///wEAAAAAAAAAAAAAAAAAAAAAAAAAAAAAAAAAAAAAAAAAAAAAAAJ/f38AAAAAAMvLywDAwP8Af39/AAAAAAAAAAAAAAAAAAAAAAAAAAAAIQAAABgAAAAUAAAAAAcAADYXAADTGwAAhhkAABAAAAAmAAAACAAAAP//////////"/>
+                <pr:smNativeData xmlns:pr="smNativeData" xmlns="smNativeData" val="SMDATA_15_f8v4ZxMAAAAlAAAAZQAAAA0AAAAA/wAAAJAAAAD/AAAAkAAAAAAAAAABAAAAAAAAAAEAAABQAAAAhbacS3FV1T8AAAAAAAAAAAAAAAAAAOA/AAAAAAAA4D8AAAAAAADgPwAAAAAAAOA/AAAAAAAA4D8AAAAAAADgPwAAAAAAAOA/AAAAAAAA4D8CAAAAjAAAAAEAAAAAAAAA7u7uAP///wgAAAAAAAAAAAAAAAAAAAAAAAAAAAAAAAAAAAAAeAAAAAEAAABAAAAAAAAAAAAAAABaAAAAAAAAAAAAAAAAAAAAAAAAAAAAAAAAAAAAAAAAAAAAAAAAAAAAAAAAAAAAAAAAAAAAAAAAAAAAAAAAAAAAAAAAAAAAAAAAAAAAFAAAADwAAAAAAAAAAAAAAAAAAAkUAAAAAQAAABQAAAAUAAAAFAAAAAEAAAAAAAAAZAAAAGQAAAAAAAAAZAAAAGQAAAAVAAAAYAAAAAAAAAAAAAAADwAAACADAAAAAAAAAAAAAAEAAACgMgAAVgcAAKr4//8BAAAAf39/AAEAAABkAAAAAAAAABQAAABAHwAAAAAAACYAAAAAAAAAwOD//wAAAAAmAAAAZAAAABYAAABMAAAAAQAAAAAAAAAGAAAAAAAAAAEAAAAAAAAAMgAAAAAAAAAeAAAAZAAAAGQAAAAAAAAAy8vLADIAAAAAAAAAHgAAAGQAAABkAAAAAAAAABcAAAAUAAAAAAAAAAAAAAD/fwAA/38AAAAAAAAJAAAABAAAAAEAAAAeAAAAaAAAAAAAAAAAAAAAAAAAAAAAAAAAAAAAECcAABAnAAAAAAAAAAAAAAAAAAAAAAAAAAAAAAAAAAAAAAAAAAAAAFoAAAAAAAAAwMD/AAAAAAAAAAAAAAAAAAAAAABkAAAAAAAAAH9/fwAKAAAAIgAAABgAAAAAAAAAAAAAAAAAAAAAAAAAAAAAAAAAAAAkAAAAJAAAAAAAAAAHAAAAAAAAAAAAAAAAAAAAAAAAAAAAAAAAAAAAf39/ACUAAABYAAAAAAAAAAAAAAAAAAAAAAAAAAAAAAAAAAAAAAAAAAAAAAAAAAAAAAAAAAAAAAA/AAAAAAAAAKCGAQAAAAAAAAAAAAAAAAAMAAAAAQAAAAAAAAAAAAAAAAAAAB8AAABUAAAA7u7uAP///wEAAAAAAAAAAAAAAAAAAAAAAAAAAAAAAAAAAAAAAAAAAAAAAAJ/f38AAAAAAMvLywDAwP8Af39/AAAAAAAAAAAAAAAAAAAAAAAAAAAAIQAAABgAAAAUAAAAAAcAADYXAADTGwAAhhkAABAAAAAmAAAACAAAAP//////////"/>
               </a:ext>
             </a:extLst>
           </p:cNvSpPr>
@@ -15066,7 +15066,7 @@
           <p:cNvSpPr>
             <a:extLst>
               <a:ext uri="smNativeData">
-                <pr:smNativeData xmlns:pr="smNativeData" xmlns="smNativeData" val="SMDATA_15_t6npZxMAAAAlAAAAZAAAAA0AAAAAkAAAAJAAAACQAAAAkAAAAAAAAAAAAAAAAAAAAAEAAABQAAAAAAAAAAAA4D8AAAAAAADgPwAAAAAAAOA/AAAAAAAA4D8AAAAAAADgPwAAAAAAAOA/AAAAAAAA4D8AAAAAAADgPwAAAAAAAOA/AAAAAAAA4D8CAAAAjAAAAAAAAAAAAAAAQoX0DP///wgAAAAAAAAAAAAAAAAAAAAAAAAAAAAAAAAAAAAAZAAAAAEAAABAAAAAAAAAAAAAAAAAAAAAAAAAAAAAAAAAAAAAAAAAAAAAAAAAAAAAAAAAAAAAAAAAAAAAAAAAAAAAAAAAAAAAAAAAAAAAAAAAAAAAAAAAAAAAAAAAAAAAFAAAADwAAAAAAAAAAAAAAAAAAAkUAAAAAQAAABQAAAAUAAAAFAAAAAEAAAAAAAAAZAAAAGQAAAAAAAAAZAAAAGQAAAAVAAAAYAAAAAAAAAAAAAAADwAAACADAAAAAAAAAAAAAAEAAACgMgAAVgcAAKr4//8BAAAAf39/AAEAAABkAAAAAAAAABQAAABAHwAAAAAAACYAAAAAAAAAwOD//wAAAAAmAAAAZAAAABYAAABMAAAAAAAAAAAAAAAEAAAAAAAAAAEAAABZWVkKAAAAACgAAAAoAAAAZAAAAGQAAAAAAAAAzMzMAAAAAABQAAAAUAAAAGQAAABkAAAAAAAAABcAAAAUAAAAAAAAAAAAAAD/fwAA/38AAAAAAAAJAAAABAAAAF8AYAAeAAAAaAAAAAAAAAAAAAAAAAAAAAAAAAAAAAAAECcAABAnAAAAAAAAAAAAAAAAAAAAAAAAAAAAAAAAAAAAAAAAAAAAABQAAAAAAAAAwMD/AAAAAABkAAAAMgAAAAAAAABkAAAAAAAAAH9/fwAKAAAAIgAAABgAAAAAAAAAAAAAAAAAAAAAAAAAAAAAAAAAAAAkAAAAJAAAAAAAAAAHAAAAAAAAAAAAAAAAAAAAAAAAAAAAAAAAAAAAf39/ACUAAABYAAAAAAAAAAAAAAAAAAAAAAAAAAAAAAAAAAAAAAAAAAAAAAAAAAAAAAAAAAAAAAA/AAAAAAAAAKCGAQAAAAAAAAAAAAAAAAAMAAAAAQAAAAAAAAAAAAAAAAAAAB8AAABUAAAAQoX0Bf///wEAAAAAAAAAAAAAAAAAAAAAAAAAAAAAAAAAAAAAAAAAAAAAAAJ/f38AWVlZA8zMzADAwP8Af39/AAAAAAAAAAAAAAAAAAAAAAAAAAAAIQAAABgAAAAUAAAAcwMAAAACAADdNwAACQoAABAAAAAmAAAACAAAAP//////////"/>
+                <pr:smNativeData xmlns:pr="smNativeData" xmlns="smNativeData" val="SMDATA_15_f8v4ZxMAAAAlAAAAZAAAAA0AAAAAkAAAAJAAAACQAAAAkAAAAAAAAAAAAAAAAAAAAAEAAABQAAAAAAAAAAAA4D8AAAAAAADgPwAAAAAAAOA/AAAAAAAA4D8AAAAAAADgPwAAAAAAAOA/AAAAAAAA4D8AAAAAAADgPwAAAAAAAOA/AAAAAAAA4D8CAAAAjAAAAAAAAAAAAAAAQoX0DP///wgAAAAAAAAAAAAAAAAAAAAAAAAAAAAAAAAAAAAAZAAAAAEAAABAAAAAAAAAAAAAAAAAAAAAAAAAAAAAAAAAAAAAAAAAAAAAAAAAAAAAAAAAAAAAAAAAAAAAAAAAAAAAAAAAAAAAAAAAAAAAAAAAAAAAAAAAAAAAAAAAAAAAFAAAADwAAAAAAAAAAAAAAAAAAAkUAAAAAQAAABQAAAAUAAAAFAAAAAEAAAAAAAAAZAAAAGQAAAAAAAAAZAAAAGQAAAAVAAAAYAAAAAAAAAAAAAAADwAAACADAAAAAAAAAAAAAAEAAACgMgAAVgcAAKr4//8BAAAAf39/AAEAAABkAAAAAAAAABQAAABAHwAAAAAAACYAAAAAAAAAwOD//wAAAAAmAAAAZAAAABYAAABMAAAAAAAAAAAAAAAEAAAAAAAAAAEAAABZWVkKAAAAACgAAAAoAAAAZAAAAGQAAAAAAAAAzMzMAAAAAABQAAAAUAAAAGQAAABkAAAAAAAAABcAAAAUAAAAAAAAAAAAAAD/fwAA/38AAAAAAAAJAAAABAAAAF8AYAAeAAAAaAAAAAAAAAAAAAAAAAAAAAAAAAAAAAAAECcAABAnAAAAAAAAAAAAAAAAAAAAAAAAAAAAAAAAAAAAAAAAAAAAABQAAAAAAAAAwMD/AAAAAABkAAAAMgAAAAAAAABkAAAAAAAAAH9/fwAKAAAAIgAAABgAAAAAAAAAAAAAAAAAAAAAAAAAAAAAAAAAAAAkAAAAJAAAAAAAAAAHAAAAAAAAAAAAAAAAAAAAAAAAAAAAAAAAAAAAf39/ACUAAABYAAAAAAAAAAAAAAAAAAAAAAAAAAAAAAAAAAAAAAAAAAAAAAAAAAAAAAAAAAAAAAA/AAAAAAAAAKCGAQAAAAAAAAAAAAAAAAAMAAAAAQAAAAAAAAAAAAAAAAAAAB8AAABUAAAAQoX0Bf///wEAAAAAAAAAAAAAAAAAAAAAAAAAAAAAAAAAAAAAAAAAAAAAAAJ/f38AWVlZA8zMzADAwP8Af39/AAAAAAAAAAAAAAAAAAAAAAAAAAAAIQAAABgAAAAUAAAAcwMAAAACAADdNwAACQoAABAAAAAmAAAACAAAAP//////////"/>
               </a:ext>
             </a:extLst>
           </p:cNvSpPr>
@@ -15251,7 +15251,7 @@
                 </a:tc>
                 <a:extLst>
                   <a:ext uri="smNativeData">
-                    <pr:rowheight xmlns="" xmlns:pr="smNativeData" dt="1743366583" type="min" val="381000"/>
+                    <pr:rowheight xmlns="" xmlns:pr="smNativeData" dt="1744358271" type="min" val="381000"/>
                   </a:ext>
                 </a:extLst>
               </a:tr>
@@ -15364,7 +15364,7 @@
                 </a:tc>
                 <a:extLst>
                   <a:ext uri="smNativeData">
-                    <pr:rowheight xmlns="" xmlns:pr="smNativeData" dt="1743366583" type="min" val="381000"/>
+                    <pr:rowheight xmlns="" xmlns:pr="smNativeData" dt="1744358271" type="min" val="381000"/>
                   </a:ext>
                 </a:extLst>
               </a:tr>
@@ -15477,7 +15477,7 @@
                 </a:tc>
                 <a:extLst>
                   <a:ext uri="smNativeData">
-                    <pr:rowheight xmlns="" xmlns:pr="smNativeData" dt="1743366583" type="min" val="381000"/>
+                    <pr:rowheight xmlns="" xmlns:pr="smNativeData" dt="1744358271" type="min" val="381000"/>
                   </a:ext>
                 </a:extLst>
               </a:tr>
@@ -15590,7 +15590,7 @@
                 </a:tc>
                 <a:extLst>
                   <a:ext uri="smNativeData">
-                    <pr:rowheight xmlns="" xmlns:pr="smNativeData" dt="1743366583" type="min" val="381000"/>
+                    <pr:rowheight xmlns="" xmlns:pr="smNativeData" dt="1744358271" type="min" val="381000"/>
                   </a:ext>
                 </a:extLst>
               </a:tr>
@@ -15684,7 +15684,7 @@
                 </a:tc>
                 <a:extLst>
                   <a:ext uri="smNativeData">
-                    <pr:rowheight xmlns="" xmlns:pr="smNativeData" dt="1743366583" type="min" val="381000"/>
+                    <pr:rowheight xmlns="" xmlns:pr="smNativeData" dt="1744358271" type="min" val="381000"/>
                   </a:ext>
                 </a:extLst>
               </a:tr>
@@ -15698,7 +15698,7 @@
           <p:cNvSpPr>
             <a:extLst>
               <a:ext uri="smNativeData">
-                <pr:smNativeData xmlns:pr="smNativeData" xmlns="smNativeData" val="SMDATA_15_t6npZxMAAAAlAAAAZQAAAA0AAAAA/wAAAJAAAAD/AAAAkAAAAAAAAAABAAAAAAAAAAEAAABQAAAAhbacS3FV1T8AAAAAAAAAAAAAAAAAAOA/AAAAAAAA4D8AAAAAAADgPwAAAAAAAOA/AAAAAAAA4D8AAAAAAADgPwAAAAAAAOA/AAAAAAAA4D8CAAAAjAAAAAEAAAAAAAAA7u7uAP///wgAAAAAAAAAAAAAAAAAAAAAAAAAAAAAAAAAAAAAeAAAAAEAAABAAAAAAAAAAAAAAABaAAAAAAAAAAAAAAAAAAAAAAAAAAAAAAAAAAAAAAAAAAAAAAAAAAAAAAAAAAAAAAAAAAAAAAAAAAAAAAAAAAAAAAAAAAAAAAAAAAAAFAAAADwAAAAAAAAAAAAAAAAAAAkUAAAAAQAAABQAAAAUAAAAFAAAAAEAAAAAAAAAZAAAAGQAAAAAAAAAZAAAAGQAAAAVAAAAYAAAAAAAAAAAAAAADwAAACADAAAAAAAAAAAAAAEAAACgMgAAVgcAAKr4//8BAAAAf39/AAEAAABkAAAAAAAAABQAAABAHwAAAAAAACYAAAAAAAAAwOD//wAAAAAmAAAAZAAAABYAAABMAAAAAQAAAAAAAAAGAAAAAAAAAAEAAAAAAAAAMgAAAAAAAAAeAAAAZAAAAGQAAAAAAAAAy8vLADIAAAAAAAAAHgAAAGQAAABkAAAAAAAAABcAAAAUAAAAAAAAAAAAAAD/fwAA/38AAAAAAAAJAAAABAAAAAAAAAAeAAAAaAAAAAAAAAAAAAAAAAAAAAAAAAAAAAAAECcAABAnAAAAAAAAAAAAAAAAAAAAAAAAAAAAAAAAAAAAAAAAAAAAAFoAAAAAAAAAwMD/AAAAAAAAAAAAAAAAAAAAAABkAAAAAAAAAH9/fwAKAAAAIgAAABgAAAAAAAAAAAAAAAAAAAAAAAAAAAAAAAAAAAAkAAAAJAAAAAAAAAAHAAAAAAAAAAAAAAAAAAAAAAAAAAAAAAAAAAAAf39/ACUAAABYAAAAAAAAAAAAAAAAAAAAAAAAAAAAAAAAAAAAAAAAAAAAAAAAAAAAAAAAAAAAAAA/AAAAAAAAAKCGAQAAAAAAAAAAAAAAAAAMAAAAAQAAAAAAAAAAAAAAAAAAAB8AAABUAAAA7u7uAP///wEAAAAAAAAAAAAAAAAAAAAAAAAAAAAAAAAAAAAAAAAAAAAAAAJ/f38AAAAAAMvLywDAwP8Af39/AAAAAAAAAAAAAAAAAAAAAAAAAAAAIQAAABgAAAAUAAAABAoAAIcIAAA8LgAAmgwAABAAAAAmAAAACAAAAP//////////"/>
+                <pr:smNativeData xmlns:pr="smNativeData" xmlns="smNativeData" val="SMDATA_15_f8v4ZxMAAAAlAAAAZQAAAA0AAAAA/wAAAJAAAAD/AAAAkAAAAAAAAAABAAAAAAAAAAEAAABQAAAAhbacS3FV1T8AAAAAAAAAAAAAAAAAAOA/AAAAAAAA4D8AAAAAAADgPwAAAAAAAOA/AAAAAAAA4D8AAAAAAADgPwAAAAAAAOA/AAAAAAAA4D8CAAAAjAAAAAEAAAAAAAAA7u7uAP///wgAAAAAAAAAAAAAAAAAAAAAAAAAAAAAAAAAAAAAeAAAAAEAAABAAAAAAAAAAAAAAABaAAAAAAAAAAAAAAAAAAAAAAAAAAAAAAAAAAAAAAAAAAAAAAAAAAAAAAAAAAAAAAAAAAAAAAAAAAAAAAAAAAAAAAAAAAAAAAAAAAAAFAAAADwAAAAAAAAAAAAAAAAAAAkUAAAAAQAAABQAAAAUAAAAFAAAAAEAAAAAAAAAZAAAAGQAAAAAAAAAZAAAAGQAAAAVAAAAYAAAAAAAAAAAAAAADwAAACADAAAAAAAAAAAAAAEAAACgMgAAVgcAAKr4//8BAAAAf39/AAEAAABkAAAAAAAAABQAAABAHwAAAAAAACYAAAAAAAAAwOD//wAAAAAmAAAAZAAAABYAAABMAAAAAQAAAAAAAAAGAAAAAAAAAAEAAAAAAAAAMgAAAAAAAAAeAAAAZAAAAGQAAAAAAAAAy8vLADIAAAAAAAAAHgAAAGQAAABkAAAAAAAAABcAAAAUAAAAAAAAAAAAAAD/fwAA/38AAAAAAAAJAAAABAAAAAAAAAAeAAAAaAAAAAAAAAAAAAAAAAAAAAAAAAAAAAAAECcAABAnAAAAAAAAAAAAAAAAAAAAAAAAAAAAAAAAAAAAAAAAAAAAAFoAAAAAAAAAwMD/AAAAAAAAAAAAAAAAAAAAAABkAAAAAAAAAH9/fwAKAAAAIgAAABgAAAAAAAAAAAAAAAAAAAAAAAAAAAAAAAAAAAAkAAAAJAAAAAAAAAAHAAAAAAAAAAAAAAAAAAAAAAAAAAAAAAAAAAAAf39/ACUAAABYAAAAAAAAAAAAAAAAAAAAAAAAAAAAAAAAAAAAAAAAAAAAAAAAAAAAAAAAAAAAAAA/AAAAAAAAAKCGAQAAAAAAAAAAAAAAAAAMAAAAAQAAAAAAAAAAAAAAAAAAAB8AAABUAAAA7u7uAP///wEAAAAAAAAAAAAAAAAAAAAAAAAAAAAAAAAAAAAAAAAAAAAAAAJ/f38AAAAAAMvLywDAwP8Af39/AAAAAAAAAAAAAAAAAAAAAAAAAAAAIQAAABgAAAAUAAAABAoAAIcIAAA8LgAAmgwAABAAAAAmAAAACAAAAP//////////"/>
               </a:ext>
             </a:extLst>
           </p:cNvSpPr>
@@ -15796,7 +15796,7 @@
             <a:spLocks noGrp="1" noChangeArrowheads="1"/>
             <a:extLst>
               <a:ext uri="smNativeData">
-                <pr:smNativeData xmlns:pr="smNativeData" xmlns="smNativeData" val="SMDATA_15_t6npZxMAAAAlAAAAZAAAAA0AAAAAkAAAAJAAAACQAAAAkAAAAAAAAAAAAAAAAAAAAAEAAABQAAAAAAAAAAAA4D8AAAAAAADgPwAAAAAAAOA/AAAAAAAA4D8AAAAAAADgPwAAAAAAAOA/AAAAAAAA4D8AAAAAAADgPwAAAAAAAOA/AAAAAAAA4D8CAAAAjAAAAAAAAAAAAAAAQoX0DP///wgAAAAAAAAAAAAAAAAAAAAAAAAAAAAAAAAAAAAAZAAAAAEAAABAAAAAAAAAAAAAAAAAAAAAAAAAAAAAAAAAAAAAAAAAAAAAAAAAAAAAAAAAAAAAAAAAAAAAAAAAAAAAAAAAAAAAAAAAAAAAAAAAAAAAAAAAAAAAAAAAAAAAFAAAADwAAAAAAAAAAAAAAAAAAAkUAAAAAQAAABQAAAAUAAAAFAAAAAEAAAAAAAAAZAAAAGQAAAAAAAAAZAAAAGQAAAAVAAAAYAAAAAAAAAAAAAAADwAAACADAAAAAAAAAAAAAAEAAACgMgAAVgcAAKr4//8BAAAAf39/AAEAAABkAAAAAAAAABQAAABAHwAAAAAAACYAAAAAAAAAwOD//wAAAAAmAAAAZAAAABYAAABMAAAAAAAAAAAAAAAEAAAAAAAAAAEAAABZWVkKAAAAACgAAAAoAAAAZAAAAGQAAAAAAAAAzMzMAAAAAABQAAAAUAAAAGQAAABkAAAAAAAAABcAAAAUAAAAAAAAAAAAAAD/fwAA/38AAAAAAAAJAAAABAAAAGYXlXceAAAAaAAAAAAAAAAAAAAAAAAAAAAAAAAAAAAAECcAABAnAAAAAAAAAAAAAAAAAAAAAAAAAAAAAAAAAAAAAAAAAAAAABQAAAAAAAAAwMD/AAAAAABkAAAAMgAAAAAAAABkAAAAAAAAAH9/fwAKAAAAIgAAABgAAAAAAAAAAAAAAAAAAAAAAAAAAAAAAAAAAAAkAAAAJAAAAAAAAAAHAAAAAAAAAAAAAAAAAAAAAAAAAAAAAAAAAAAAf39/ACUAAABYAAAAAAAAAAAAAAAAAAAAAAAAAAAAAAAAAAAAAAAAAAAAAAAAAAAAAAAAAAAAAAA/AAAAAAAAAKCGAQAAAAAAAAAAAAAAAAAMAAAAAQAAAAAAAAAAAAAAAAAAAB8AAABUAAAAQoX0Bf///wEAAAAAAAAAAAAAAAAAAAAAAAAAAAAAAAAAAAAAAAAAAAAAAAJ/f38AWVlZA8zMzADAwP8Af39/AAAAAAAAAAAAAAAAAAAAAAAAAAAAIQAAABgAAAAUAAAAFAMAAAkCAAB/NwAAxwgAABAAAAAmAAAACAAAADwwAAAAAAAA"/>
+                <pr:smNativeData xmlns:pr="smNativeData" xmlns="smNativeData" val="SMDATA_15_f8v4ZxMAAAAlAAAAZAAAAA0AAAAAkAAAAJAAAACQAAAAkAAAAAAAAAAAAAAAAAAAAAEAAABQAAAAAAAAAAAA4D8AAAAAAADgPwAAAAAAAOA/AAAAAAAA4D8AAAAAAADgPwAAAAAAAOA/AAAAAAAA4D8AAAAAAADgPwAAAAAAAOA/AAAAAAAA4D8CAAAAjAAAAAAAAAAAAAAAQoX0DP///wgAAAAAAAAAAAAAAAAAAAAAAAAAAAAAAAAAAAAAZAAAAAEAAABAAAAAAAAAAAAAAAAAAAAAAAAAAAAAAAAAAAAAAAAAAAAAAAAAAAAAAAAAAAAAAAAAAAAAAAAAAAAAAAAAAAAAAAAAAAAAAAAAAAAAAAAAAAAAAAAAAAAAFAAAADwAAAAAAAAAAAAAAAAAAAkUAAAAAQAAABQAAAAUAAAAFAAAAAEAAAAAAAAAZAAAAGQAAAAAAAAAZAAAAGQAAAAVAAAAYAAAAAAAAAAAAAAADwAAACADAAAAAAAAAAAAAAEAAACgMgAAVgcAAKr4//8BAAAAf39/AAEAAABkAAAAAAAAABQAAABAHwAAAAAAACYAAAAAAAAAwOD//wAAAAAmAAAAZAAAABYAAABMAAAAAAAAAAAAAAAEAAAAAAAAAAEAAABZWVkKAAAAACgAAAAoAAAAZAAAAGQAAAAAAAAAzMzMAAAAAABQAAAAUAAAAGQAAABkAAAAAAAAABcAAAAUAAAAAAAAAAAAAAD/fwAA/38AAAAAAAAJAAAABAAAAGYXlXceAAAAaAAAAAAAAAAAAAAAAAAAAAAAAAAAAAAAECcAABAnAAAAAAAAAAAAAAAAAAAAAAAAAAAAAAAAAAAAAAAAAAAAABQAAAAAAAAAwMD/AAAAAABkAAAAMgAAAAAAAABkAAAAAAAAAH9/fwAKAAAAIgAAABgAAAAAAAAAAAAAAAAAAAAAAAAAAAAAAAAAAAAkAAAAJAAAAAAAAAAHAAAAAAAAAAAAAAAAAAAAAAAAAAAAAAAAAAAAf39/ACUAAABYAAAAAAAAAAAAAAAAAAAAAAAAAAAAAAAAAAAAAAAAAAAAAAAAAAAAAAAAAAAAAAA/AAAAAAAAAKCGAQAAAAAAAAAAAAAAAAAMAAAAAQAAAAAAAAAAAAAAAAAAAB8AAABUAAAAQoX0Bf///wEAAAAAAAAAAAAAAAAAAAAAAAAAAAAAAAAAAAAAAAAAAAAAAAJ/f38AWVlZA8zMzADAwP8Af39/AAAAAAAAAAAAAAAAAAAAAAAAAAAAIQAAABgAAAAUAAAAFAMAAAkCAAB/NwAAxwgAABAAAAAmAAAACAAAADwwAAAAAAAA"/>
               </a:ext>
             </a:extLst>
           </p:cNvSpPr>
@@ -15978,7 +15978,7 @@
                 </a:tc>
                 <a:extLst>
                   <a:ext uri="smNativeData">
-                    <pr:rowheight xmlns="" xmlns:pr="smNativeData" dt="1743366583" type="min" val="381000"/>
+                    <pr:rowheight xmlns="" xmlns:pr="smNativeData" dt="1744358271" type="min" val="381000"/>
                   </a:ext>
                 </a:extLst>
               </a:tr>
@@ -16096,7 +16096,7 @@
                 </a:tc>
                 <a:extLst>
                   <a:ext uri="smNativeData">
-                    <pr:rowheight xmlns="" xmlns:pr="smNativeData" dt="1743366583" type="min" val="381000"/>
+                    <pr:rowheight xmlns="" xmlns:pr="smNativeData" dt="1744358271" type="min" val="381000"/>
                   </a:ext>
                 </a:extLst>
               </a:tr>
@@ -16214,7 +16214,7 @@
                 </a:tc>
                 <a:extLst>
                   <a:ext uri="smNativeData">
-                    <pr:rowheight xmlns="" xmlns:pr="smNativeData" dt="1743366583" type="min" val="381000"/>
+                    <pr:rowheight xmlns="" xmlns:pr="smNativeData" dt="1744358271" type="min" val="381000"/>
                   </a:ext>
                 </a:extLst>
               </a:tr>
@@ -16332,7 +16332,7 @@
                 </a:tc>
                 <a:extLst>
                   <a:ext uri="smNativeData">
-                    <pr:rowheight xmlns="" xmlns:pr="smNativeData" dt="1743366583" type="min" val="381000"/>
+                    <pr:rowheight xmlns="" xmlns:pr="smNativeData" dt="1744358271" type="min" val="381000"/>
                   </a:ext>
                 </a:extLst>
               </a:tr>
@@ -16445,7 +16445,7 @@
                 </a:tc>
                 <a:extLst>
                   <a:ext uri="smNativeData">
-                    <pr:rowheight xmlns="" xmlns:pr="smNativeData" dt="1743366583" type="min" val="381000"/>
+                    <pr:rowheight xmlns="" xmlns:pr="smNativeData" dt="1744358271" type="min" val="381000"/>
                   </a:ext>
                 </a:extLst>
               </a:tr>
@@ -16492,7 +16492,7 @@
             <a:spLocks noGrp="1" noChangeArrowheads="1"/>
             <a:extLst>
               <a:ext uri="smNativeData">
-                <pr:smNativeData xmlns:pr="smNativeData" xmlns="smNativeData" val="SMDATA_15_t6npZxMAAAAlAAAAZAAAAA0AAAAAkAAAAJAAAACQAAAAkAAAAAAAAAAAAAAAAAAAAAEAAABQAAAAAAAAAAAA4D8AAAAAAADgPwAAAAAAAOA/AAAAAAAA4D8AAAAAAADgPwAAAAAAAOA/AAAAAAAA4D8AAAAAAADgPwAAAAAAAOA/AAAAAAAA4D8CAAAAjAAAAAAAAAAAAAAAQoX0DP///wgAAAAAAAAAAAAAAAAAAAAAAAAAAAAAAAAAAAAAZAAAAAEAAABAAAAAAAAAAAAAAAAAAAAAAAAAAAAAAAAAAAAAAAAAAAAAAAAAAAAAAAAAAAAAAAAAAAAAAAAAAAAAAAAAAAAAAAAAAAAAAAAAAAAAAAAAAAAAAAAAAAAAFAAAADwAAAAAAAAAAAAAAAAAAAkUAAAAAQAAABQAAAAUAAAAFAAAAAEAAAAAAAAAZAAAAGQAAAAAAAAAZAAAAGQAAAAVAAAAYAAAAAAAAAAAAAAADwAAACADAAAAAAAAAAAAAAEAAACgMgAAVgcAAKr4//8BAAAAf39/AAEAAABkAAAAAAAAABQAAABAHwAAAAAAACYAAAAAAAAAwOD//wAAAAAmAAAAZAAAABYAAABMAAAAAAAAAAAAAAAEAAAAAAAAAAEAAABZWVkKAAAAACgAAAAoAAAAZAAAAGQAAAAAAAAAzMzMAAAAAABQAAAAUAAAAGQAAABkAAAAAAAAABcAAAAUAAAAAAAAAAAAAAD/fwAA/38AAAAAAAAJAAAABAAAAAAAAAAeAAAAaAAAAAAAAAAAAAAAAAAAAAAAAAAAAAAAECcAABAnAAAAAAAAAAAAAAAAAAAAAAAAAAAAAAAAAAAAAAAAAAAAABQAAAAAAAAAwMD/AAAAAABkAAAAMgAAAAAAAABkAAAAAAAAAH9/fwAKAAAAIgAAABgAAAAAAAAAAAAAAAAAAAAAAAAAAAAAAAAAAAAkAAAAJAAAAAAAAAAHAAAAAAAAAAAAAAAAAAAAAAAAAAAAAAAAAAAAf39/ACUAAABYAAAAAAAAAAAAAAAAAAAAAAAAAAAAAAAAAAAAAAAAAAAAAAAAAAAAAAAAAAAAAAA/AAAAAAAAAKCGAQAAAAAAAAAAAAAAAAAMAAAAAQAAAAAAAAAAAAAAAAAAAB8AAABUAAAAQoX0Bf///wEAAAAAAAAAAAAAAAAAAAAAAAAAAAAAAAAAAAAAAAAAAAAAAAJ/f38AWVlZA8zMzADAwP8Af39/AAAAAAAAAAAAAAAAAAAAAAAAAAAAIQAAABgAAAAUAAAAFAMAAAkCAAB/NwAAxwgAABAAAAAmAAAACAAAADwwAAAAAAAA"/>
+                <pr:smNativeData xmlns:pr="smNativeData" xmlns="smNativeData" val="SMDATA_15_f8v4ZxMAAAAlAAAAZAAAAA0AAAAAkAAAAJAAAACQAAAAkAAAAAAAAAAAAAAAAAAAAAEAAABQAAAAAAAAAAAA4D8AAAAAAADgPwAAAAAAAOA/AAAAAAAA4D8AAAAAAADgPwAAAAAAAOA/AAAAAAAA4D8AAAAAAADgPwAAAAAAAOA/AAAAAAAA4D8CAAAAjAAAAAAAAAAAAAAAQoX0DP///wgAAAAAAAAAAAAAAAAAAAAAAAAAAAAAAAAAAAAAZAAAAAEAAABAAAAAAAAAAAAAAAAAAAAAAAAAAAAAAAAAAAAAAAAAAAAAAAAAAAAAAAAAAAAAAAAAAAAAAAAAAAAAAAAAAAAAAAAAAAAAAAAAAAAAAAAAAAAAAAAAAAAAFAAAADwAAAAAAAAAAAAAAAAAAAkUAAAAAQAAABQAAAAUAAAAFAAAAAEAAAAAAAAAZAAAAGQAAAAAAAAAZAAAAGQAAAAVAAAAYAAAAAAAAAAAAAAADwAAACADAAAAAAAAAAAAAAEAAACgMgAAVgcAAKr4//8BAAAAf39/AAEAAABkAAAAAAAAABQAAABAHwAAAAAAACYAAAAAAAAAwOD//wAAAAAmAAAAZAAAABYAAABMAAAAAAAAAAAAAAAEAAAAAAAAAAEAAABZWVkKAAAAACgAAAAoAAAAZAAAAGQAAAAAAAAAzMzMAAAAAABQAAAAUAAAAGQAAABkAAAAAAAAABcAAAAUAAAAAAAAAAAAAAD/fwAA/38AAAAAAAAJAAAABAAAAAAAAAAeAAAAaAAAAAAAAAAAAAAAAAAAAAAAAAAAAAAAECcAABAnAAAAAAAAAAAAAAAAAAAAAAAAAAAAAAAAAAAAAAAAAAAAABQAAAAAAAAAwMD/AAAAAABkAAAAMgAAAAAAAABkAAAAAAAAAH9/fwAKAAAAIgAAABgAAAAAAAAAAAAAAAAAAAAAAAAAAAAAAAAAAAAkAAAAJAAAAAAAAAAHAAAAAAAAAAAAAAAAAAAAAAAAAAAAAAAAAAAAf39/ACUAAABYAAAAAAAAAAAAAAAAAAAAAAAAAAAAAAAAAAAAAAAAAAAAAAAAAAAAAAAAAAAAAAA/AAAAAAAAAKCGAQAAAAAAAAAAAAAAAAAMAAAAAQAAAAAAAAAAAAAAAAAAAB8AAABUAAAAQoX0Bf///wEAAAAAAAAAAAAAAAAAAAAAAAAAAAAAAAAAAAAAAAAAAAAAAAJ/f38AWVlZA8zMzADAwP8Af39/AAAAAAAAAAAAAAAAAAAAAAAAAAAAIQAAABgAAAAUAAAAFAMAAAkCAAB/NwAAxwgAABAAAAAmAAAACAAAADwwAAAAAAAA"/>
               </a:ext>
             </a:extLst>
           </p:cNvSpPr>
@@ -16532,7 +16532,7 @@
             <a:picLocks noChangeAspect="1"/>
             <a:extLst>
               <a:ext uri="smNativeData">
-                <pr:smNativeData xmlns:pr="smNativeData" xmlns="smNativeData" val="SMDATA_17_t6npZxMAAAAlAAAAEQAAAC8BAAAAkAAAAEgAAACQAAAASAAAAAAAAAAAAAAAAAAAAAEAAABQAAAAAAAAAAAA4D8AAAAAAADgPwAAAAAAAOA/AAAAAAAA4D8AAAAAAADgPwAAAAAAAOA/AAAAAAAA4D8AAAAAAADgPwAAAAAAAOA/AAAAAAAA4D8CAAAAjAAAAAAAAAAAAAAAQoX0DP///wgAAAAAAAAAAAAAAAAAAAAAAAAAAAAAAAAAAAAAZAAAAAEAAABAAAAAAAAAAAAAAAAAAAAAAAAAAAAAAAAAAAAAAAAAAAAAAAAAAAAAAAAAAAAAAAAAAAAAAAAAAAAAAAAAAAAAAAAAAAAAAAAAAAAAAAAAAAAAAAAAAAAAFAAAADwAAAAAAAAAAAAAAAAAAAkUAAAAAQAAABQAAAAUAAAAFAAAAAEAAAAAAAAAZAAAAGQAAAAAAAAAZAAAAGQAAAAVAAAAYAAAAAAAAAAAAAAADwAAACADAAAAAAAAAAAAAAEAAACgMgAAVgcAAKr4//8BAAAAf39/AAEAAABkAAAAAAAAABQAAABAHwAAAAAAACYAAAAAAAAAwOD//wAAAAAmAAAAZAAAABYAAABMAAAAAAAAAAAAAAAEAAAAAAAAAAEAAABZWVkKAAAAACgAAAAoAAAAZAAAAGQAAAAAAAAAzMzMAAAAAABQAAAAUAAAAGQAAABkAAAAAAAAAAcAAAA4AAAAAAAAAAAAAAAAAAAA////AAAAAAAAAAAAAAAAAAAAAAAAAAAAAAAAAAAAAABkAAAAZAAAAAAAAAAjAAAABAAAAGQAAAAXAAAAFAAAAAAAAAAAAAAA/38AAP9/AAAAAAAACQAAAAQAAAAAAAAAHgAAAGgAAAAAAAAAAAAAAAAAAAAAAAAAAAAAABAnAAAQJwAAAAAAAAAAAAAAAAAAAAAAAAAAAAAAAAAAAAAAAAAAAAAUAAAAAAAAAMDA/wAAAAAAZAAAADIAAAAAAAAAZAAAAAAAAAB/f38ACgAAACIAAAAYAAAAAAAAAAAAAAAAAAAAAAAAAAAAAAAAAAAAJAAAACQAAAAAAAAABwAAAAAAAAAAAAAAAAAAAAAAAAAAAAAAAAAAAH9/fwAlAAAAWAAAAAAAAAAAAAAAAAAAAAAAAAAAAAAAAAAAAAAAAAAAAAAAAAAAAAAAAAAAAAAAPwAAAAAAAACghgEAAAAAAAAAAAAAAAAADAAAAAEAAAAAAAAAAAAAAAAAAAAfAAAAVAAAAEKF9AX///8BAAAAAAAAAAAAAAAAAAAAAAAAAAAAAAAAAAAAAAAAAAAAAAACf39/AFlZWQPMzMwAwMD/AH9/fwAAAAAAAAAAAAAAAAD///8AAAAAACEAAAAYAAAAFAAAAIcWAAARAwAAmy4AADsfAAAQAAAAJgAAAAgAAAD//////////w=="/>
+                <pr:smNativeData xmlns:pr="smNativeData" xmlns="smNativeData" val="SMDATA_17_f8v4ZxMAAAAlAAAAEQAAAC8BAAAAkAAAAEgAAACQAAAASAAAAAAAAAAAAAAAAAAAAAEAAABQAAAAAAAAAAAA4D8AAAAAAADgPwAAAAAAAOA/AAAAAAAA4D8AAAAAAADgPwAAAAAAAOA/AAAAAAAA4D8AAAAAAADgPwAAAAAAAOA/AAAAAAAA4D8CAAAAjAAAAAAAAAAAAAAAQoX0DP///wgAAAAAAAAAAAAAAAAAAAAAAAAAAAAAAAAAAAAAZAAAAAEAAABAAAAAAAAAAAAAAAAAAAAAAAAAAAAAAAAAAAAAAAAAAAAAAAAAAAAAAAAAAAAAAAAAAAAAAAAAAAAAAAAAAAAAAAAAAAAAAAAAAAAAAAAAAAAAAAAAAAAAFAAAADwAAAAAAAAAAAAAAAAAAAkUAAAAAQAAABQAAAAUAAAAFAAAAAEAAAAAAAAAZAAAAGQAAAAAAAAAZAAAAGQAAAAVAAAAYAAAAAAAAAAAAAAADwAAACADAAAAAAAAAAAAAAEAAACgMgAAVgcAAKr4//8BAAAAf39/AAEAAABkAAAAAAAAABQAAABAHwAAAAAAACYAAAAAAAAAwOD//wAAAAAmAAAAZAAAABYAAABMAAAAAAAAAAAAAAAEAAAAAAAAAAEAAABZWVkKAAAAACgAAAAoAAAAZAAAAGQAAAAAAAAAzMzMAAAAAABQAAAAUAAAAGQAAABkAAAAAAAAAAcAAAA4AAAAAAAAAAAAAAAAAAAA////AAAAAAAAAAAAAAAAAAAAAAAAAAAAAAAAAAAAAABkAAAAZAAAAAAAAAAjAAAABAAAAGQAAAAXAAAAFAAAAAAAAAAAAAAA/38AAP9/AAAAAAAACQAAAAQAAAAAAAAAHgAAAGgAAAAAAAAAAAAAAAAAAAAAAAAAAAAAABAnAAAQJwAAAAAAAAAAAAAAAAAAAAAAAAAAAAAAAAAAAAAAAAAAAAAUAAAAAAAAAMDA/wAAAAAAZAAAADIAAAAAAAAAZAAAAAAAAAB/f38ACgAAACIAAAAYAAAAAAAAAAAAAAAAAAAAAAAAAAAAAAAAAAAAJAAAACQAAAAAAAAABwAAAAAAAAAAAAAAAAAAAAAAAAAAAAAAAAAAAH9/fwAlAAAAWAAAAAAAAAAAAAAAAAAAAAAAAAAAAAAAAAAAAAAAAAAAAAAAAAAAAAAAAAAAAAAAPwAAAAAAAACghgEAAAAAAAAAAAAAAAAADAAAAAEAAAAAAAAAAAAAAAAAAAAfAAAAVAAAAEKF9AX///8BAAAAAAAAAAAAAAAAAAAAAAAAAAAAAAAAAAAAAAAAAAAAAAACf39/AFlZWQPMzMwAwMD/AH9/fwAAAAAAAAAAAAAAAAD///8AAAAAACEAAAAYAAAAFAAAAIcWAAARAwAAmy4AADsfAAAQAAAAJgAAAAgAAAD//////////w=="/>
               </a:ext>
             </a:extLst>
           </p:cNvPicPr>
@@ -16598,7 +16598,7 @@
             <a:spLocks noGrp="1" noChangeArrowheads="1"/>
             <a:extLst>
               <a:ext uri="smNativeData">
-                <pr:smNativeData xmlns:pr="smNativeData" xmlns="smNativeData" val="SMDATA_15_t6npZxMAAAAlAAAAZAAAAA0AAAAAkAAAAJAAAACQAAAAkAAAAAAAAAAAAAAAAAAAAAEAAABQAAAAAAAAAAAA4D8AAAAAAADgPwAAAAAAAOA/AAAAAAAA4D8AAAAAAADgPwAAAAAAAOA/AAAAAAAA4D8AAAAAAADgPwAAAAAAAOA/AAAAAAAA4D8CAAAAjAAAAAAAAAAAAAAAQoX0DP///wgAAAAAAAAAAAAAAAAAAAAAAAAAAAAAAAAAAAAAZAAAAAEAAABAAAAAAAAAAAAAAAAAAAAAAAAAAAAAAAAAAAAAAAAAAAAAAAAAAAAAAAAAAAAAAAAAAAAAAAAAAAAAAAAAAAAAAAAAAAAAAAAAAAAAAAAAAAAAAAAAAAAAFAAAADwAAAAAAAAAAAAAAAAAAAkUAAAAAQAAABQAAAAUAAAAFAAAAAEAAAAAAAAAZAAAAGQAAAAAAAAAZAAAAGQAAAAVAAAAYAAAAAAAAAAAAAAADwAAACADAAAAAAAAAAAAAAEAAACgMgAAVgcAAKr4//8BAAAAf39/AAEAAABkAAAAAAAAABQAAABAHwAAAAAAACYAAAAAAAAAwOD//wAAAAAmAAAAZAAAABYAAABMAAAAAAAAAAAAAAAEAAAAAAAAAAEAAABZWVkKAAAAACgAAAAoAAAAZAAAAGQAAAAAAAAAzMzMAAAAAABQAAAAUAAAAGQAAABkAAAAAAAAABcAAAAUAAAAAAAAAAAAAAD/fwAA/38AAAAAAAAJAAAABAAAAAAAAAAeAAAAaAAAAAAAAAAAAAAAAAAAAAAAAAAAAAAAECcAABAnAAAAAAAAAAAAAAAAAAAAAAAAAAAAAAAAAAAAAAAAAAAAABQAAAAAAAAAwMD/AAAAAABkAAAAMgAAAAAAAABkAAAAAAAAAH9/fwAKAAAAIgAAABgAAAAAAAAAAAAAAAAAAAAAAAAAAAAAAAAAAAAkAAAAJAAAAAAAAAAHAAAAAAAAAAAAAAAAAAAAAAAAAAAAAAAAAAAAf39/ACUAAABYAAAAAAAAAAAAAAAAAAAAAAAAAAAAAAAAAAAAAAAAAAAAAAAAAAAAAAAAAAAAAAA/AAAAAAAAAKCGAQAAAAAAAAAAAAAAAAAMAAAAAQAAAAAAAAAAAAAAAAAAAB8AAABUAAAAQoX0Bf///wEAAAAAAAAAAAAAAAAAAAAAAAAAAAAAAAAAAAAAAAAAAAAAAAJ/f38AWVlZA8zMzADAwP8Af39/AAAAAAAAAAAAAAAAAAAAAAAAAAAAIQAAABgAAAAUAAAAFAMAAAkCAAB/NwAA3AUAABAAAAAmAAAACAAAAD0wAAAAAAAA"/>
+                <pr:smNativeData xmlns:pr="smNativeData" xmlns="smNativeData" val="SMDATA_15_f8v4ZxMAAAAlAAAAZAAAAA0AAAAAkAAAAJAAAACQAAAAkAAAAAAAAAAAAAAAAAAAAAEAAABQAAAAAAAAAAAA4D8AAAAAAADgPwAAAAAAAOA/AAAAAAAA4D8AAAAAAADgPwAAAAAAAOA/AAAAAAAA4D8AAAAAAADgPwAAAAAAAOA/AAAAAAAA4D8CAAAAjAAAAAAAAAAAAAAAQoX0DP///wgAAAAAAAAAAAAAAAAAAAAAAAAAAAAAAAAAAAAAZAAAAAEAAABAAAAAAAAAAAAAAAAAAAAAAAAAAAAAAAAAAAAAAAAAAAAAAAAAAAAAAAAAAAAAAAAAAAAAAAAAAAAAAAAAAAAAAAAAAAAAAAAAAAAAAAAAAAAAAAAAAAAAFAAAADwAAAAAAAAAAAAAAAAAAAkUAAAAAQAAABQAAAAUAAAAFAAAAAEAAAAAAAAAZAAAAGQAAAAAAAAAZAAAAGQAAAAVAAAAYAAAAAAAAAAAAAAADwAAACADAAAAAAAAAAAAAAEAAACgMgAAVgcAAKr4//8BAAAAf39/AAEAAABkAAAAAAAAABQAAABAHwAAAAAAACYAAAAAAAAAwOD//wAAAAAmAAAAZAAAABYAAABMAAAAAAAAAAAAAAAEAAAAAAAAAAEAAABZWVkKAAAAACgAAAAoAAAAZAAAAGQAAAAAAAAAzMzMAAAAAABQAAAAUAAAAGQAAABkAAAAAAAAABcAAAAUAAAAAAAAAAAAAAD/fwAA/38AAAAAAAAJAAAABAAAAAAAAAAeAAAAaAAAAAAAAAAAAAAAAAAAAAAAAAAAAAAAECcAABAnAAAAAAAAAAAAAAAAAAAAAAAAAAAAAAAAAAAAAAAAAAAAABQAAAAAAAAAwMD/AAAAAABkAAAAMgAAAAAAAABkAAAAAAAAAH9/fwAKAAAAIgAAABgAAAAAAAAAAAAAAAAAAAAAAAAAAAAAAAAAAAAkAAAAJAAAAAAAAAAHAAAAAAAAAAAAAAAAAAAAAAAAAAAAAAAAAAAAf39/ACUAAABYAAAAAAAAAAAAAAAAAAAAAAAAAAAAAAAAAAAAAAAAAAAAAAAAAAAAAAAAAAAAAAA/AAAAAAAAAKCGAQAAAAAAAAAAAAAAAAAMAAAAAQAAAAAAAAAAAAAAAAAAAB8AAABUAAAAQoX0Bf///wEAAAAAAAAAAAAAAAAAAAAAAAAAAAAAAAAAAAAAAAAAAAAAAAJ/f38AWVlZA8zMzADAwP8Af39/AAAAAAAAAAAAAAAAAAAAAAAAAAAAIQAAABgAAAAUAAAAFAMAAAkCAAB/NwAA3AUAABAAAAAmAAAACAAAAD0wAAAAAAAA"/>
               </a:ext>
             </a:extLst>
           </p:cNvSpPr>
@@ -16643,7 +16643,7 @@
             <a:picLocks noChangeAspect="1"/>
             <a:extLst>
               <a:ext uri="smNativeData">
-                <pr:smNativeData xmlns:pr="smNativeData" xmlns="smNativeData" val="SMDATA_17_t6npZxMAAAAlAAAAEQAAAC8BAAAAkAAAAEgAAACQAAAASAAAAAAAAAAAAAAAAAAAAAEAAABQAAAAAAAAAAAA4D8AAAAAAADgPwAAAAAAAOA/AAAAAAAA4D8AAAAAAADgPwAAAAAAAOA/AAAAAAAA4D8AAAAAAADgPwAAAAAAAOA/AAAAAAAA4D8CAAAAjAAAAAAAAAAAAAAAQoX0DP///wgAAAAAAAAAAAAAAAAAAAAAAAAAAAAAAAAAAAAAZAAAAAEAAABAAAAAAAAAAAAAAAAAAAAAAAAAAAAAAAAAAAAAAAAAAAAAAAAAAAAAAAAAAAAAAAAAAAAAAAAAAAAAAAAAAAAAAAAAAAAAAAAAAAAAAAAAAAAAAAAAAAAAFAAAADwAAAAAAAAAAAAAAAAAAAkUAAAAAQAAABQAAAAUAAAAFAAAAAEAAAAAAAAAZAAAAGQAAAAAAAAAZAAAAGQAAAAVAAAAYAAAAAAAAAAAAAAADwAAACADAAAAAAAAAAAAAAEAAACgMgAAVgcAAKr4//8BAAAAf39/AAEAAABkAAAAAAAAABQAAABAHwAAAAAAACYAAAAAAAAAwOD//wAAAAAmAAAAZAAAABYAAABMAAAAAAAAAAAAAAAEAAAAAAAAAAEAAABZWVkKAAAAACgAAAAoAAAAZAAAAGQAAAAAAAAAzMzMAAAAAABQAAAAUAAAAGQAAABkAAAAAAAAAAcAAAA4AAAAAAAAAAAAAAAAAAAA////AAAAAAAAAAAAAAAAAAAAAAAAAAAAAAAAAAAAAABkAAAAZAAAAAAAAAAjAAAABAAAAGQAAAAXAAAAFAAAAAAAAAAAAAAA/38AAP9/AAAAAAAACQAAAAQAAAAAAAAAHgAAAGgAAAAAAAAAAAAAAAAAAAAAAAAAAAAAABAnAAAQJwAAAAAAAAAAAAAAAAAAAAAAAAAAAAAAAAAAAAAAAAAAAAAUAAAAAAAAAMDA/wAAAAAAZAAAADIAAAAAAAAAZAAAAAAAAAB/f38ACgAAACIAAAAYAAAAAAAAAAAAAAAAAAAAAAAAAAAAAAAAAAAAJAAAACQAAAAAAAAABwAAAAAAAAAAAAAAAAAAAAAAAAAAAAAAAAAAAH9/fwAlAAAAWAAAAAAAAAAAAAAAAAAAAAAAAAAAAAAAAAAAAAAAAAAAAAAAAAAAAAAAAAAAAAAAPwAAAAAAAACghgEAAAAAAAAAAAAAAAAADAAAAAEAAAAAAAAAAAAAAAAAAAAfAAAAVAAAAEKF9AX///8BAAAAAAAAAAAAAAAAAAAAAAAAAAAAAAAAAAAAAAAAAAAAAAACf39/AFlZWQPMzMwAwMD/AH9/fwAAAAAAAAAAAAAAAAD///8AAAAAACEAAAAYAAAAFAAAABADAACeBgAAvTcAAGgcAAAQAAAAJgAAAAgAAAD//////////w=="/>
+                <pr:smNativeData xmlns:pr="smNativeData" xmlns="smNativeData" val="SMDATA_17_f8v4ZxMAAAAlAAAAEQAAAC8BAAAAkAAAAEgAAACQAAAASAAAAAAAAAAAAAAAAAAAAAEAAABQAAAAAAAAAAAA4D8AAAAAAADgPwAAAAAAAOA/AAAAAAAA4D8AAAAAAADgPwAAAAAAAOA/AAAAAAAA4D8AAAAAAADgPwAAAAAAAOA/AAAAAAAA4D8CAAAAjAAAAAAAAAAAAAAAQoX0DP///wgAAAAAAAAAAAAAAAAAAAAAAAAAAAAAAAAAAAAAZAAAAAEAAABAAAAAAAAAAAAAAAAAAAAAAAAAAAAAAAAAAAAAAAAAAAAAAAAAAAAAAAAAAAAAAAAAAAAAAAAAAAAAAAAAAAAAAAAAAAAAAAAAAAAAAAAAAAAAAAAAAAAAFAAAADwAAAAAAAAAAAAAAAAAAAkUAAAAAQAAABQAAAAUAAAAFAAAAAEAAAAAAAAAZAAAAGQAAAAAAAAAZAAAAGQAAAAVAAAAYAAAAAAAAAAAAAAADwAAACADAAAAAAAAAAAAAAEAAACgMgAAVgcAAKr4//8BAAAAf39/AAEAAABkAAAAAAAAABQAAABAHwAAAAAAACYAAAAAAAAAwOD//wAAAAAmAAAAZAAAABYAAABMAAAAAAAAAAAAAAAEAAAAAAAAAAEAAABZWVkKAAAAACgAAAAoAAAAZAAAAGQAAAAAAAAAzMzMAAAAAABQAAAAUAAAAGQAAABkAAAAAAAAAAcAAAA4AAAAAAAAAAAAAAAAAAAA////AAAAAAAAAAAAAAAAAAAAAAAAAAAAAAAAAAAAAABkAAAAZAAAAAAAAAAjAAAABAAAAGQAAAAXAAAAFAAAAAAAAAAAAAAA/38AAP9/AAAAAAAACQAAAAQAAAAAAAAAHgAAAGgAAAAAAAAAAAAAAAAAAAAAAAAAAAAAABAnAAAQJwAAAAAAAAAAAAAAAAAAAAAAAAAAAAAAAAAAAAAAAAAAAAAUAAAAAAAAAMDA/wAAAAAAZAAAADIAAAAAAAAAZAAAAAAAAAB/f38ACgAAACIAAAAYAAAAAAAAAAAAAAAAAAAAAAAAAAAAAAAAAAAAJAAAACQAAAAAAAAABwAAAAAAAAAAAAAAAAAAAAAAAAAAAAAAAAAAAH9/fwAlAAAAWAAAAAAAAAAAAAAAAAAAAAAAAAAAAAAAAAAAAAAAAAAAAAAAAAAAAAAAAAAAAAAAPwAAAAAAAACghgEAAAAAAAAAAAAAAAAADAAAAAEAAAAAAAAAAAAAAAAAAAAfAAAAVAAAAEKF9AX///8BAAAAAAAAAAAAAAAAAAAAAAAAAAAAAAAAAAAAAAAAAAAAAAACf39/AFlZWQPMzMwAwMD/AH9/fwAAAAAAAAAAAAAAAAD///8AAAAAACEAAAAYAAAAFAAAABQDAADjBQAAADYAADQdAAAAAAAAJgAAAAgAAAD//////////w=="/>
               </a:ext>
             </a:extLst>
           </p:cNvPicPr>
@@ -16657,8 +16657,8 @@
         </p:blipFill>
         <p:spPr>
           <a:xfrm>
-            <a:off x="497840" y="1075690"/>
-            <a:ext cx="8562975" cy="3542030"/>
+            <a:off x="500380" y="956945"/>
+            <a:ext cx="8277860" cy="3790315"/>
           </a:xfrm>
           <a:prstGeom prst="rect">
             <a:avLst/>
@@ -16709,7 +16709,7 @@
             <a:spLocks noGrp="1" noChangeArrowheads="1"/>
             <a:extLst>
               <a:ext uri="smNativeData">
-                <pr:smNativeData xmlns:pr="smNativeData" xmlns="smNativeData" val="SMDATA_15_t6npZxMAAAAlAAAAZAAAAA0AAAAAkAAAAJAAAACQAAAAkAAAAAAAAAAAAAAAAAAAAAEAAABQAAAAAAAAAAAA4D8AAAAAAADgPwAAAAAAAOA/AAAAAAAA4D8AAAAAAADgPwAAAAAAAOA/AAAAAAAA4D8AAAAAAADgPwAAAAAAAOA/AAAAAAAA4D8CAAAAjAAAAAAAAAAAAAAAQoX0DP///wgAAAAAAAAAAAAAAAAAAAAAAAAAAAAAAAAAAAAAZAAAAAEAAABAAAAAAAAAAAAAAAAAAAAAAAAAAAAAAAAAAAAAAAAAAAAAAAAAAAAAAAAAAAAAAAAAAAAAAAAAAAAAAAAAAAAAAAAAAAAAAAAAAAAAAAAAAAAAAAAAAAAAFAAAADwAAAAAAAAAAAAAAAAAAAkUAAAAAQAAABQAAAAUAAAAFAAAAAEAAAAAAAAAZAAAAGQAAAAAAAAAZAAAAGQAAAAVAAAAYAAAAAAAAAAAAAAADwAAACADAAAAAAAAAAAAAAEAAACgMgAAVgcAAKr4//8BAAAAf39/AAEAAABkAAAAAAAAABQAAABAHwAAAAAAACYAAAAAAAAAwOD//wAAAAAmAAAAZAAAABYAAABMAAAAAAAAAAAAAAAEAAAAAAAAAAEAAABZWVkKAAAAACgAAAAoAAAAZAAAAGQAAAAAAAAAzMzMAAAAAABQAAAAUAAAAGQAAABkAAAAAAAAABcAAAAUAAAAAAAAAAAAAAD/fwAA/38AAAAAAAAJAAAABAAAAAAAAAAeAAAAaAAAAAAAAAAAAAAAAAAAAAAAAAAAAAAAECcAABAnAAAAAAAAAAAAAAAAAAAAAAAAAAAAAAAAAAAAAAAAAAAAABQAAAAAAAAAwMD/AAAAAABkAAAAMgAAAAAAAABkAAAAAAAAAH9/fwAKAAAAIgAAABgAAAAAAAAAAAAAAAAAAAAAAAAAAAAAAAAAAAAkAAAAJAAAAAAAAAAHAAAAAAAAAAAAAAAAAAAAAAAAAAAAAAAAAAAAf39/ACUAAABYAAAAAAAAAAAAAAAAAAAAAAAAAAAAAAAAAAAAAAAAAAAAAAAAAAAAAAAAAAAAAAA/AAAAAAAAAKCGAQAAAAAAAAAAAAAAAAAMAAAAAQAAAAAAAAAAAAAAAAAAAB8AAABUAAAAQoX0Bf///wEAAAAAAAAAAAAAAAAAAAAAAAAAAAAAAAAAAAAAAAAAAAAAAAJ/f38AWVlZA8zMzADAwP8Af39/AAAAAAAAAAAAAAAAAAAAAAAAAAAAIQAAABgAAAAUAAAAFAMAAAkCAAB/NwAA3AUAABAAAAAmAAAACAAAAD0wAAAAAAAA"/>
+                <pr:smNativeData xmlns:pr="smNativeData" xmlns="smNativeData" val="SMDATA_15_f8v4ZxMAAAAlAAAAZAAAAA0AAAAAkAAAAJAAAACQAAAAkAAAAAAAAAAAAAAAAAAAAAEAAABQAAAAAAAAAAAA4D8AAAAAAADgPwAAAAAAAOA/AAAAAAAA4D8AAAAAAADgPwAAAAAAAOA/AAAAAAAA4D8AAAAAAADgPwAAAAAAAOA/AAAAAAAA4D8CAAAAjAAAAAAAAAAAAAAAQoX0DP///wgAAAAAAAAAAAAAAAAAAAAAAAAAAAAAAAAAAAAAZAAAAAEAAABAAAAAAAAAAAAAAAAAAAAAAAAAAAAAAAAAAAAAAAAAAAAAAAAAAAAAAAAAAAAAAAAAAAAAAAAAAAAAAAAAAAAAAAAAAAAAAAAAAAAAAAAAAAAAAAAAAAAAFAAAADwAAAAAAAAAAAAAAAAAAAkUAAAAAQAAABQAAAAUAAAAFAAAAAEAAAAAAAAAZAAAAGQAAAAAAAAAZAAAAGQAAAAVAAAAYAAAAAAAAAAAAAAADwAAACADAAAAAAAAAAAAAAEAAACgMgAAVgcAAKr4//8BAAAAf39/AAEAAABkAAAAAAAAABQAAABAHwAAAAAAACYAAAAAAAAAwOD//wAAAAAmAAAAZAAAABYAAABMAAAAAAAAAAAAAAAEAAAAAAAAAAEAAABZWVkKAAAAACgAAAAoAAAAZAAAAGQAAAAAAAAAzMzMAAAAAABQAAAAUAAAAGQAAABkAAAAAAAAABcAAAAUAAAAAAAAAAAAAAD/fwAA/38AAAAAAAAJAAAABAAAAAAAAAAeAAAAaAAAAAAAAAAAAAAAAAAAAAAAAAAAAAAAECcAABAnAAAAAAAAAAAAAAAAAAAAAAAAAAAAAAAAAAAAAAAAAAAAABQAAAAAAAAAwMD/AAAAAABkAAAAMgAAAAAAAABkAAAAAAAAAH9/fwAKAAAAIgAAABgAAAAAAAAAAAAAAAAAAAAAAAAAAAAAAAAAAAAkAAAAJAAAAAAAAAAHAAAAAAAAAAAAAAAAAAAAAAAAAAAAAAAAAAAAf39/ACUAAABYAAAAAAAAAAAAAAAAAAAAAAAAAAAAAAAAAAAAAAAAAAAAAAAAAAAAAAAAAAAAAAA/AAAAAAAAAKCGAQAAAAAAAAAAAAAAAAAMAAAAAQAAAAAAAAAAAAAAAAAAAB8AAABUAAAAQoX0Bf///wEAAAAAAAAAAAAAAAAAAAAAAAAAAAAAAAAAAAAAAAAAAAAAAAJ/f38AWVlZA8zMzADAwP8Af39/AAAAAAAAAAAAAAAAAAAAAAAAAAAAIQAAABgAAAAUAAAAFAMAAAkCAAB/NwAA3AUAABAAAAAmAAAACAAAAD0wAAAAAAAA"/>
               </a:ext>
             </a:extLst>
           </p:cNvSpPr>
@@ -16754,7 +16754,7 @@
             <a:picLocks noChangeAspect="1"/>
             <a:extLst>
               <a:ext uri="smNativeData">
-                <pr:smNativeData xmlns:pr="smNativeData" xmlns="smNativeData" val="SMDATA_17_t6npZxMAAAAlAAAAEQAAAC8BAAAAkAAAAEgAAACQAAAASAAAAAAAAAAAAAAAAAAAAAEAAABQAAAAAAAAAAAA4D8AAAAAAADgPwAAAAAAAOA/AAAAAAAA4D8AAAAAAADgPwAAAAAAAOA/AAAAAAAA4D8AAAAAAADgPwAAAAAAAOA/AAAAAAAA4D8CAAAAjAAAAAAAAAAAAAAAQoX0DP///wgAAAAAAAAAAAAAAAAAAAAAAAAAAAAAAAAAAAAAZAAAAAEAAABAAAAAAAAAAAAAAAAAAAAAAAAAAAAAAAAAAAAAAAAAAAAAAAAAAAAAAAAAAAAAAAAAAAAAAAAAAAAAAAAAAAAAAAAAAAAAAAAAAAAAAAAAAAAAAAAAAAAAFAAAADwAAAAAAAAAAAAAAAAAAAkUAAAAAQAAABQAAAAUAAAAFAAAAAEAAAAAAAAAZAAAAGQAAAAAAAAAZAAAAGQAAAAVAAAAYAAAAAAAAAAAAAAADwAAACADAAAAAAAAAAAAAAEAAACgMgAAVgcAAKr4//8BAAAAf39/AAEAAABkAAAAAAAAABQAAABAHwAAAAAAACYAAAAAAAAAwOD//wAAAAAmAAAAZAAAABYAAABMAAAAAAAAAAAAAAAEAAAAAAAAAAEAAABZWVkKAAAAACgAAAAoAAAAZAAAAGQAAAAAAAAAzMzMAAAAAABQAAAAUAAAAGQAAABkAAAAAAAAAAcAAAA4AAAAAAAAAAAAAAAAAAAA////AAAAAAAAAAAAAAAAAAAAAAAAAAAAAAAAAAAAAABkAAAAZAAAAAAAAAAjAAAABAAAAGQAAAAXAAAAFAAAAAAAAAAAAAAA/38AAP9/AAAAAAAACQAAAAQAAAAAAAAAHgAAAGgAAAAAAAAAAAAAAAAAAAAAAAAAAAAAABAnAAAQJwAAAAAAAAAAAAAAAAAAAAAAAAAAAAAAAAAAAAAAAAAAAAAUAAAAAAAAAMDA/wAAAAAAZAAAADIAAAAAAAAAZAAAAAAAAAB/f38ACgAAACIAAAAYAAAAAAAAAAAAAAAAAAAAAAAAAAAAAAAAAAAAJAAAACQAAAAAAAAABwAAAAAAAAAAAAAAAAAAAAAAAAAAAAAAAAAAAH9/fwAlAAAAWAAAAAAAAAAAAAAAAAAAAAAAAAAAAAAAAAAAAAAAAAAAAAAAAAAAAAAAAAAAAAAAPwAAAAAAAACghgEAAAAAAAAAAAAAAAAADAAAAAEAAAAAAAAAAAAAAAAAAAAfAAAAVAAAAEKF9AX///8BAAAAAAAAAAAAAAAAAAAAAAAAAAAAAAAAAAAAAAAAAAAAAAACf39/AFlZWQPMzMwAwMD/AH9/fwAAAAAAAAAAAAAAAAD///8AAAAAACEAAAAYAAAAFAAAANACAACqBgAAjjcAACAcAAAQAAAAJgAAAAgAAAD//////////w=="/>
+                <pr:smNativeData xmlns:pr="smNativeData" xmlns="smNativeData" val="SMDATA_17_f8v4ZxMAAAAlAAAAEQAAAC8BAAAAkAAAAEgAAACQAAAASAAAAAAAAAAAAAAAAAAAAAEAAABQAAAAAAAAAAAA4D8AAAAAAADgPwAAAAAAAOA/AAAAAAAA4D8AAAAAAADgPwAAAAAAAOA/AAAAAAAA4D8AAAAAAADgPwAAAAAAAOA/AAAAAAAA4D8CAAAAjAAAAAAAAAAAAAAAQoX0DP///wgAAAAAAAAAAAAAAAAAAAAAAAAAAAAAAAAAAAAAZAAAAAEAAABAAAAAAAAAAAAAAAAAAAAAAAAAAAAAAAAAAAAAAAAAAAAAAAAAAAAAAAAAAAAAAAAAAAAAAAAAAAAAAAAAAAAAAAAAAAAAAAAAAAAAAAAAAAAAAAAAAAAAFAAAADwAAAAAAAAAAAAAAAAAAAkUAAAAAQAAABQAAAAUAAAAFAAAAAEAAAAAAAAAZAAAAGQAAAAAAAAAZAAAAGQAAAAVAAAAYAAAAAAAAAAAAAAADwAAACADAAAAAAAAAAAAAAEAAACgMgAAVgcAAKr4//8BAAAAf39/AAEAAABkAAAAAAAAABQAAABAHwAAAAAAACYAAAAAAAAAwOD//wAAAAAmAAAAZAAAABYAAABMAAAAAAAAAAAAAAAEAAAAAAAAAAEAAABZWVkKAAAAACgAAAAoAAAAZAAAAGQAAAAAAAAAzMzMAAAAAABQAAAAUAAAAGQAAABkAAAAAAAAAAcAAAA4AAAAAAAAAAAAAAAAAAAA////AAAAAAAAAAAAAAAAAAAAAAAAAAAAAAAAAAAAAABkAAAAZAAAAAAAAAAjAAAABAAAAGQAAAAXAAAAFAAAAAAAAAAAAAAA/38AAP9/AAAAAAAACQAAAAQAAAAJGIIJHgAAAGgAAAAAAAAAAAAAAAAAAAAAAAAAAAAAABAnAAAQJwAAAAAAAAAAAAAAAAAAAAAAAAAAAAAAAAAAAAAAAAAAAAAUAAAAAAAAAMDA/wAAAAAAZAAAADIAAAAAAAAAZAAAAAAAAAB/f38ACgAAACIAAAAYAAAAAAAAAAAAAAAAAAAAAAAAAAAAAAAAAAAAJAAAACQAAAAAAAAABwAAAAAAAAAAAAAAAAAAAAAAAAAAAAAAAAAAAH9/fwAlAAAAWAAAAAAAAAAAAAAAAAAAAAAAAAAAAAAAAAAAAAAAAAAAAAAAAAAAAAAAAAAAAAAAPwAAAAAAAACghgEAAAAAAAAAAAAAAAAADAAAAAEAAAAAAAAAAAAAAAAAAAAfAAAAVAAAAEKF9AX///8BAAAAAAAAAAAAAAAAAAAAAAAAAAAAAAAAAAAAAAAAAAAAAAACf39/AFlZWQPMzMwAwMD/AH9/fwAAAAAAAAAAAAAAAAD///8AAAAAACEAAAAYAAAAFAAAAA4DAADzBQAAETUAAP8dAAAAAAAAJgAAAAgAAAD//////////w=="/>
               </a:ext>
             </a:extLst>
           </p:cNvPicPr>
@@ -16768,8 +16768,8 @@
         </p:blipFill>
         <p:spPr>
           <a:xfrm>
-            <a:off x="457200" y="1083310"/>
-            <a:ext cx="8573770" cy="3488690"/>
+            <a:off x="496570" y="967105"/>
+            <a:ext cx="8129905" cy="3909060"/>
           </a:xfrm>
           <a:prstGeom prst="rect">
             <a:avLst/>
@@ -16820,7 +16820,7 @@
             <a:spLocks noGrp="1" noChangeArrowheads="1"/>
             <a:extLst>
               <a:ext uri="smNativeData">
-                <pr:smNativeData xmlns:pr="smNativeData" xmlns="smNativeData" val="SMDATA_15_t6npZxMAAAAlAAAAZAAAAA0AAAAAkAAAAJAAAACQAAAAkAAAAAAAAAAAAAAAAAAAAAEAAABQAAAAAAAAAAAA4D8AAAAAAADgPwAAAAAAAOA/AAAAAAAA4D8AAAAAAADgPwAAAAAAAOA/AAAAAAAA4D8AAAAAAADgPwAAAAAAAOA/AAAAAAAA4D8CAAAAjAAAAAAAAAAAAAAAQoX0DP///wgAAAAAAAAAAAAAAAAAAAAAAAAAAAAAAAAAAAAAZAAAAAEAAABAAAAAAAAAAAAAAAAAAAAAAAAAAAAAAAAAAAAAAAAAAAAAAAAAAAAAAAAAAAAAAAAAAAAAAAAAAAAAAAAAAAAAAAAAAAAAAAAAAAAAAAAAAAAAAAAAAAAAFAAAADwAAAAAAAAAAAAAAAAAAAkUAAAAAQAAABQAAAAUAAAAFAAAAAEAAAAAAAAAZAAAAGQAAAAAAAAAZAAAAGQAAAAVAAAAYAAAAAAAAAAAAAAADwAAACADAAAAAAAAAAAAAAEAAACgMgAAVgcAAKr4//8BAAAAf39/AAEAAABkAAAAAAAAABQAAABAHwAAAAAAACYAAAAAAAAAwOD//wAAAAAmAAAAZAAAABYAAABMAAAAAAAAAAAAAAAEAAAAAAAAAAEAAABZWVkKAAAAACgAAAAoAAAAZAAAAGQAAAAAAAAAzMzMAAAAAABQAAAAUAAAAGQAAABkAAAAAAAAABcAAAAUAAAAAAAAAAAAAAD/fwAA/38AAAAAAAAJAAAABAAAAAAAAAAeAAAAaAAAAAAAAAAAAAAAAAAAAAAAAAAAAAAAECcAABAnAAAAAAAAAAAAAAAAAAAAAAAAAAAAAAAAAAAAAAAAAAAAABQAAAAAAAAAwMD/AAAAAABkAAAAMgAAAAAAAABkAAAAAAAAAH9/fwAKAAAAIgAAABgAAAAAAAAAAAAAAAAAAAAAAAAAAAAAAAAAAAAkAAAAJAAAAAAAAAAHAAAAAAAAAAAAAAAAAAAAAAAAAAAAAAAAAAAAf39/ACUAAABYAAAAAAAAAAAAAAAAAAAAAAAAAAAAAAAAAAAAAAAAAAAAAAAAAAAAAAAAAAAAAAA/AAAAAAAAAKCGAQAAAAAAAAAAAAAAAAAMAAAAAQAAAAAAAAAAAAAAAAAAAB8AAABUAAAAQoX0Bf///wEAAAAAAAAAAAAAAAAAAAAAAAAAAAAAAAAAAAAAAAAAAAAAAAJ/f38AWVlZA8zMzADAwP8Af39/AAAAAAAAAAAAAAAAAAAAAAAAAAAAIQAAABgAAAAUAAAAFAMAAAkCAAB/NwAA3AUAABAAAAAmAAAACAAAAD0wAAAAAAAA"/>
+                <pr:smNativeData xmlns:pr="smNativeData" xmlns="smNativeData" val="SMDATA_15_f8v4ZxMAAAAlAAAAZAAAAA0AAAAAkAAAAJAAAACQAAAAkAAAAAAAAAAAAAAAAAAAAAEAAABQAAAAAAAAAAAA4D8AAAAAAADgPwAAAAAAAOA/AAAAAAAA4D8AAAAAAADgPwAAAAAAAOA/AAAAAAAA4D8AAAAAAADgPwAAAAAAAOA/AAAAAAAA4D8CAAAAjAAAAAAAAAAAAAAAQoX0DP///wgAAAAAAAAAAAAAAAAAAAAAAAAAAAAAAAAAAAAAZAAAAAEAAABAAAAAAAAAAAAAAAAAAAAAAAAAAAAAAAAAAAAAAAAAAAAAAAAAAAAAAAAAAAAAAAAAAAAAAAAAAAAAAAAAAAAAAAAAAAAAAAAAAAAAAAAAAAAAAAAAAAAAFAAAADwAAAAAAAAAAAAAAAAAAAkUAAAAAQAAABQAAAAUAAAAFAAAAAEAAAAAAAAAZAAAAGQAAAAAAAAAZAAAAGQAAAAVAAAAYAAAAAAAAAAAAAAADwAAACADAAAAAAAAAAAAAAEAAACgMgAAVgcAAKr4//8BAAAAf39/AAEAAABkAAAAAAAAABQAAABAHwAAAAAAACYAAAAAAAAAwOD//wAAAAAmAAAAZAAAABYAAABMAAAAAAAAAAAAAAAEAAAAAAAAAAEAAABZWVkKAAAAACgAAAAoAAAAZAAAAGQAAAAAAAAAzMzMAAAAAABQAAAAUAAAAGQAAABkAAAAAAAAABcAAAAUAAAAAAAAAAAAAAD/fwAA/38AAAAAAAAJAAAABAAAAAAAAAAeAAAAaAAAAAAAAAAAAAAAAAAAAAAAAAAAAAAAECcAABAnAAAAAAAAAAAAAAAAAAAAAAAAAAAAAAAAAAAAAAAAAAAAABQAAAAAAAAAwMD/AAAAAABkAAAAMgAAAAAAAABkAAAAAAAAAH9/fwAKAAAAIgAAABgAAAAAAAAAAAAAAAAAAAAAAAAAAAAAAAAAAAAkAAAAJAAAAAAAAAAHAAAAAAAAAAAAAAAAAAAAAAAAAAAAAAAAAAAAf39/ACUAAABYAAAAAAAAAAAAAAAAAAAAAAAAAAAAAAAAAAAAAAAAAAAAAAAAAAAAAAAAAAAAAAA/AAAAAAAAAKCGAQAAAAAAAAAAAAAAAAAMAAAAAQAAAAAAAAAAAAAAAAAAAB8AAABUAAAAQoX0Bf///wEAAAAAAAAAAAAAAAAAAAAAAAAAAAAAAAAAAAAAAAAAAAAAAAJ/f38AWVlZA8zMzADAwP8Af39/AAAAAAAAAAAAAAAAAAAAAAAAAAAAIQAAABgAAAAUAAAAFAMAAAkCAAB/NwAA3AUAABAAAAAmAAAACAAAAD0wAAAAAAAA"/>
               </a:ext>
             </a:extLst>
           </p:cNvSpPr>
@@ -16864,7 +16864,7 @@
           <p:cNvSpPr txBox="1">
             <a:extLst>
               <a:ext uri="smNativeData">
-                <pr:smNativeData xmlns:pr="smNativeData" xmlns="smNativeData" val="SMDATA_15_t6npZxMAAAAlAAAAEgAAAE8BAAAAkAAAAEgAAACQAAAASAAAAAAAAAAAAAAAAAAAAAEAAABQAAAAAAAAAAAA4D8AAAAAAADgPwAAAAAAAOA/AAAAAAAA4D8AAAAAAADgPwAAAAAAAOA/AAAAAAAA4D8AAAAAAADgPwAAAAAAAOA/AAAAAAAA4D8CAAAAjAAAAAAAAAAAAAAAQoX0DP///wgAAAAAAAAAAAAAAAAAAAAAAAAAAAAAAAAAAAAAZAAAAAEAAABAAAAAAAAAAAAAAAAAAAAAAAAAAAAAAAAAAAAAAAAAAAAAAAAAAAAAAAAAAAAAAAAAAAAAAAAAAAAAAAAAAAAAAAAAAAAAAAAAAAAAAAAAAAAAAAAAAAAAFAAAADwAAAAAAAAAAAAAAAAAAAkUAAAAAQAAABQAAAAUAAAAFAAAAAEAAAAAAAAAZAAAAGQAAAAAAAAAZAAAAGQAAAAVAAAAYAAAAAAAAAAAAAAADwAAACADAAAAAAAAAAAAAAEAAACgMgAAVgcAAKr4//8BAAAAf39/AAEAAABkAAAAAAAAABQAAABAHwAAAAAAACYAAAAAAAAAwOD//wAAAAAmAAAAZAAAABYAAABMAAAAAAAAAAAAAAAEAAAAAAAAAAEAAABZWVkKAAAAACgAAAAoAAAAZAAAAGQAAAAAAAAAzMzMAAAAAABQAAAAUAAAAGQAAABkAAAAAAAAABcAAAAUAAAAAAAAAEQBAAD/fwAA/38AAAAAAAAJAAAABAAAAAAAAAAeAAAAaAAAAAAAAAAAAAAAAAAAAAAAAAAAAAAAECcAABAnAAAAAAAAAAAAAAAAAAAAAAAAAAAAAAAAAAAAAAAAAAAAABQAAAAAAAAAwMD/AAAAAABkAAAAMgAAAAAAAABkAAAAAAAAAH9/fwAKAAAAIgAAABgAAAAAAAAAAAAAAAAAAAAAAAAAAAAAAAAAAAAkAAAAJAAAAAAAAAAHAAAAAAAAAAAAAAAAAAAAAAAAAAAAAAAAAAAAf39/ACUAAABYAAAAAAAAAAAAAAAAAAAAAAAAAAAAAAAAAAAAAAAAAAAAAAAAAAAAAAAAAAAAAAA/AAAAAAAAAKCGAQAAAAAAAAAAAAAAAAAMAAAAAQAAAAAAAAAAAAAAAAAAAB8AAABUAAAAQoX0Bf///wEAAAAAAAAAAAAAAAAAAAAAAAAAAAAAAAAAAAAAAAAAAAAAAAJ/f38AWVlZA8zMzADAwP8Af39/AAAAAAAAAAAAAAAAAAAAAAAAAAAAIQAAABgAAAAUAAAAACQAAGwGAACANwAATAgAABAgAAAmAAAACAAAAP//////////"/>
+                <pr:smNativeData xmlns:pr="smNativeData" xmlns="smNativeData" val="SMDATA_15_f8v4ZxMAAAAlAAAAEgAAAE8BAAAAkAAAAEgAAACQAAAASAAAAAAAAAAAAAAAAAAAAAEAAABQAAAAAAAAAAAA4D8AAAAAAADgPwAAAAAAAOA/AAAAAAAA4D8AAAAAAADgPwAAAAAAAOA/AAAAAAAA4D8AAAAAAADgPwAAAAAAAOA/AAAAAAAA4D8CAAAAjAAAAAAAAAAAAAAAQoX0DP///wgAAAAAAAAAAAAAAAAAAAAAAAAAAAAAAAAAAAAAZAAAAAEAAABAAAAAAAAAAAAAAAAAAAAAAAAAAAAAAAAAAAAAAAAAAAAAAAAAAAAAAAAAAAAAAAAAAAAAAAAAAAAAAAAAAAAAAAAAAAAAAAAAAAAAAAAAAAAAAAAAAAAAFAAAADwAAAAAAAAAAAAAAAAAAAkUAAAAAQAAABQAAAAUAAAAFAAAAAEAAAAAAAAAZAAAAGQAAAAAAAAAZAAAAGQAAAAVAAAAYAAAAAAAAAAAAAAADwAAACADAAAAAAAAAAAAAAEAAACgMgAAVgcAAKr4//8BAAAAf39/AAEAAABkAAAAAAAAABQAAABAHwAAAAAAACYAAAAAAAAAwOD//wAAAAAmAAAAZAAAABYAAABMAAAAAAAAAAAAAAAEAAAAAAAAAAEAAABZWVkKAAAAACgAAAAoAAAAZAAAAGQAAAAAAAAAzMzMAAAAAABQAAAAUAAAAGQAAABkAAAAAAAAABcAAAAUAAAAAAAAAEQBAAD/fwAA/38AAAAAAAAJAAAABAAAAAAAAAAeAAAAaAAAAAAAAAAAAAAAAAAAAAAAAAAAAAAAECcAABAnAAAAAAAAAAAAAAAAAAAAAAAAAAAAAAAAAAAAAAAAAAAAABQAAAAAAAAAwMD/AAAAAABkAAAAMgAAAAAAAABkAAAAAAAAAH9/fwAKAAAAIgAAABgAAAAAAAAAAAAAAAAAAAAAAAAAAAAAAAAAAAAkAAAAJAAAAAAAAAAHAAAAAAAAAAAAAAAAAAAAAAAAAAAAAAAAAAAAf39/ACUAAABYAAAAAAAAAAAAAAAAAAAAAAAAAAAAAAAAAAAAAAAAAAAAAAAAAAAAAAAAAAAAAAA/AAAAAAAAAKCGAQAAAAAAAAAAAAAAAAAMAAAAAQAAAAAAAAAAAAAAAAAAAB8AAABUAAAAQoX0Bf///wEAAAAAAAAAAAAAAAAAAAAAAAAAAAAAAAAAAAAAAAAAAAAAAAJ/f38AWVlZA8zMzADAwP8Af39/AAAAAAAAAAAAAAAAAAAAAAAAAAAAIQAAABgAAAAUAAAAACQAAGwGAACANwAATAgAABAgAAAmAAAACAAAAP//////////"/>
               </a:ext>
             </a:extLst>
           </p:cNvSpPr>
@@ -16910,7 +16910,7 @@
             <a:picLocks noChangeAspect="1"/>
             <a:extLst>
               <a:ext uri="smNativeData">
-                <pr:smNativeData xmlns:pr="smNativeData" xmlns="smNativeData" val="SMDATA_17_t6npZxMAAAAlAAAAEQAAAC8BAAAAkAAAAEgAAACQAAAASAAAAAAAAAAAAAAAAAAAAAEAAABQAAAAAAAAAAAA4D8AAAAAAADgPwAAAAAAAOA/AAAAAAAA4D8AAAAAAADgPwAAAAAAAOA/AAAAAAAA4D8AAAAAAADgPwAAAAAAAOA/AAAAAAAA4D8CAAAAjAAAAAAAAAAAAAAAQoX0DP///wgAAAAAAAAAAAAAAAAAAAAAAAAAAAAAAAAAAAAAZAAAAAEAAABAAAAAAAAAAAAAAAAAAAAAAAAAAAAAAAAAAAAAAAAAAAAAAAAAAAAAAAAAAAAAAAAAAAAAAAAAAAAAAAAAAAAAAAAAAAAAAAAAAAAAAAAAAAAAAAAAAAAAFAAAADwAAAAAAAAAAAAAAAAAAAkUAAAAAQAAABQAAAAUAAAAFAAAAAEAAAAAAAAAZAAAAGQAAAAAAAAAZAAAAGQAAAAVAAAAYAAAAAAAAAAAAAAADwAAACADAAAAAAAAAAAAAAEAAACgMgAAVgcAAKr4//8BAAAAf39/AAEAAABkAAAAAAAAABQAAABAHwAAAAAAACYAAAAAAAAAwOD//wAAAAAmAAAAZAAAABYAAABMAAAAAAAAAAAAAAAEAAAAAAAAAAEAAABZWVkKAAAAACgAAAAoAAAAZAAAAGQAAAAAAAAAzMzMAAAAAABQAAAAUAAAAGQAAABkAAAAAAAAAAcAAAA4AAAAAAAAAAAAAAAAAAAA////AAAAAAAAAAAAAAAAAAAAAAAAAAAAAAAAAAAAAABkAAAAZAAAAAAAAAAjAAAABAAAAGQAAAAXAAAAFAAAAAAAAAAAAAAA/38AAP9/AAAAAAAACQAAAAQAAAAAAAAAHgAAAGgAAAAAAAAAAAAAAAAAAAAAAAAAAAAAABAnAAAQJwAAAAAAAAAAAAAAAAAAAAAAAAAAAAAAAAAAAAAAAAAAAAAUAAAAAAAAAMDA/wAAAAAAZAAAADIAAAAAAAAAZAAAAAAAAAB/f38ACgAAACIAAAAYAAAAAAAAAAAAAAAAAAAAAAAAAAAAAAAAAAAAJAAAACQAAAAAAAAABwAAAAAAAAAAAAAAAAAAAAAAAAAAAAAAAAAAAH9/fwAlAAAAWAAAAAAAAAAAAAAAAAAAAAAAAAAAAAAAAAAAAAAAAAAAAAAAAAAAAAAAAAAAAAAAPwAAAAAAAACghgEAAAAAAAAAAAAAAAAADAAAAAEAAAAAAAAAAAAAAAAAAAAfAAAAVAAAAEKF9AX///8BAAAAAAAAAAAAAAAAAAAAAAAAAAAAAAAAAAAAAAAAAAAAAAACf39/AFlZWQPMzMwAwMD/AH9/fwAAAAAAAAAAAAAAAAD///8AAAAAACEAAAAYAAAAFAAAAAQCAADBBgAAXCIAACwWAAAQAAAAJgAAAAgAAAD//////////w=="/>
+                <pr:smNativeData xmlns:pr="smNativeData" xmlns="smNativeData" val="SMDATA_17_f8v4ZxMAAAAlAAAAEQAAAC8BAAAAkAAAAEgAAACQAAAASAAAAAAAAAAAAAAAAAAAAAEAAABQAAAAAAAAAAAA4D8AAAAAAADgPwAAAAAAAOA/AAAAAAAA4D8AAAAAAADgPwAAAAAAAOA/AAAAAAAA4D8AAAAAAADgPwAAAAAAAOA/AAAAAAAA4D8CAAAAjAAAAAAAAAAAAAAAQoX0DP///wgAAAAAAAAAAAAAAAAAAAAAAAAAAAAAAAAAAAAAZAAAAAEAAABAAAAAAAAAAAAAAAAAAAAAAAAAAAAAAAAAAAAAAAAAAAAAAAAAAAAAAAAAAAAAAAAAAAAAAAAAAAAAAAAAAAAAAAAAAAAAAAAAAAAAAAAAAAAAAAAAAAAAFAAAADwAAAAAAAAAAAAAAAAAAAkUAAAAAQAAABQAAAAUAAAAFAAAAAEAAAAAAAAAZAAAAGQAAAAAAAAAZAAAAGQAAAAVAAAAYAAAAAAAAAAAAAAADwAAACADAAAAAAAAAAAAAAEAAACgMgAAVgcAAKr4//8BAAAAf39/AAEAAABkAAAAAAAAABQAAABAHwAAAAAAACYAAAAAAAAAwOD//wAAAAAmAAAAZAAAABYAAABMAAAAAAAAAAAAAAAEAAAAAAAAAAEAAABZWVkKAAAAACgAAAAoAAAAZAAAAGQAAAAAAAAAzMzMAAAAAABQAAAAUAAAAGQAAABkAAAAAAAAAAcAAAA4AAAAAAAAAAAAAAAAAAAA////AAAAAAAAAAAAAAAAAAAAAAAAAAAAAAAAAAAAAABkAAAAZAAAAAAAAAAjAAAABAAAAGQAAAAXAAAAFAAAAAAAAAAAAAAA/38AAP9/AAAAAAAACQAAAAQAAAAAAAAAHgAAAGgAAAAAAAAAAAAAAAAAAAAAAAAAAAAAABAnAAAQJwAAAAAAAAAAAAAAAAAAAAAAAAAAAAAAAAAAAAAAAAAAAAAUAAAAAAAAAMDA/wAAAAAAZAAAADIAAAAAAAAAZAAAAAAAAAB/f38ACgAAACIAAAAYAAAAAAAAAAAAAAAAAAAAAAAAAAAAAAAAAAAAJAAAACQAAAAAAAAABwAAAAAAAAAAAAAAAAAAAAAAAAAAAAAAAAAAAH9/fwAlAAAAWAAAAAAAAAAAAAAAAAAAAAAAAAAAAAAAAAAAAAAAAAAAAAAAAAAAAAAAAAAAAAAAPwAAAAAAAACghgEAAAAAAAAAAAAAAAAADAAAAAEAAAAAAAAAAAAAAAAAAAAfAAAAVAAAAEKF9AX///8BAAAAAAAAAAAAAAAAAAAAAAAAAAAAAAAAAAAAAAAAAAAAAAACf39/AFlZWQPMzMwAwMD/AH9/fwAAAAAAAAAAAAAAAAD///8AAAAAACEAAAAYAAAAFAAAAAQCAADBBgAAXCIAACwWAAAQAAAAJgAAAAgAAAD//////////w=="/>
               </a:ext>
             </a:extLst>
           </p:cNvPicPr>
@@ -16943,7 +16943,7 @@
           <p:cNvSpPr txBox="1">
             <a:extLst>
               <a:ext uri="smNativeData">
-                <pr:smNativeData xmlns:pr="smNativeData" xmlns="smNativeData" val="SMDATA_15_t6npZxMAAAAlAAAAEgAAAE8BAAAAkAAAAEgAAACQAAAASAAAAAAAAAAAAAAAAAAAAAEAAABQAAAAAAAAAAAA4D8AAAAAAADgPwAAAAAAAOA/AAAAAAAA4D8AAAAAAADgPwAAAAAAAOA/AAAAAAAA4D8AAAAAAADgPwAAAAAAAOA/AAAAAAAA4D8CAAAAjAAAAAAAAAAAAAAAQoX0DP///wgAAAAAAAAAAAAAAAAAAAAAAAAAAAAAAAAAAAAAZAAAAAEAAABAAAAAAAAAAAAAAAAAAAAAAAAAAAAAAAAAAAAAAAAAAAAAAAAAAAAAAAAAAAAAAAAAAAAAAAAAAAAAAAAAAAAAAAAAAAAAAAAAAAAAAAAAAAAAAAAAAAAAFAAAADwAAAAAAAAAAAAAAAAAAAkUAAAAAQAAABQAAAAUAAAAFAAAAAEAAAAAAAAAZAAAAGQAAAAAAAAAZAAAAGQAAAAVAAAAYAAAAAAAAAAAAAAADwAAACADAAAAAAAAAAAAAAEAAACgMgAAVgcAAKr4//8BAAAAf39/AAEAAABkAAAAAAAAABQAAABAHwAAAAAAACYAAAAAAAAAwOD//wAAAAAmAAAAZAAAABYAAABMAAAAAAAAAAAAAAAEAAAAAAAAAAEAAABZWVkKAAAAACgAAAAoAAAAZAAAAGQAAAAAAAAAzMzMAAAAAABQAAAAUAAAAGQAAABkAAAAAAAAABcAAAAUAAAAAAAAAEQBAAD/fwAA/38AAAAAAAAJAAAABAAAAAAAAAAeAAAAaAAAAAAAAAAAAAAAAAAAAAAAAAAAAAAAECcAABAnAAAAAAAAAAAAAAAAAAAAAAAAAAAAAAAAAAAAAAAAAAAAABQAAAAAAAAAwMD/AAAAAABkAAAAMgAAAAAAAABkAAAAAAAAAH9/fwAKAAAAIgAAABgAAAAAAAAAAAAAAAAAAAAAAAAAAAAAAAAAAAAkAAAAJAAAAAAAAAAHAAAAAAAAAAAAAAAAAAAAAAAAAAAAAAAAAAAAf39/ACUAAABYAAAAAAAAAAAAAAAAAAAAAAAAAAAAAAAAAAAAAAAAAAAAAAAAAAAAAAAAAAAAAAA/AAAAAAAAAKCGAQAAAAAAAAAAAAAAAAAMAAAAAQAAAAAAAAAAAAAAAAAAAB8AAABUAAAAQoX0Bf///wEAAAAAAAAAAAAAAAAAAAAAAAAAAAAAAAAAAAAAAAAAAAAAAAJ/f38AWVlZA8zMzADAwP8Af39/AAAAAAAAAAAAAAAAAAAAAAAAAAAAIQAAABgAAAAUAAAA9CMAADQSAAB0NwAAFBQAABAgAAAmAAAACAAAAP//////////"/>
+                <pr:smNativeData xmlns:pr="smNativeData" xmlns="smNativeData" val="SMDATA_15_f8v4ZxMAAAAlAAAAEgAAAE8BAAAAkAAAAEgAAACQAAAASAAAAAAAAAAAAAAAAAAAAAEAAABQAAAAAAAAAAAA4D8AAAAAAADgPwAAAAAAAOA/AAAAAAAA4D8AAAAAAADgPwAAAAAAAOA/AAAAAAAA4D8AAAAAAADgPwAAAAAAAOA/AAAAAAAA4D8CAAAAjAAAAAAAAAAAAAAAQoX0DP///wgAAAAAAAAAAAAAAAAAAAAAAAAAAAAAAAAAAAAAZAAAAAEAAABAAAAAAAAAAAAAAAAAAAAAAAAAAAAAAAAAAAAAAAAAAAAAAAAAAAAAAAAAAAAAAAAAAAAAAAAAAAAAAAAAAAAAAAAAAAAAAAAAAAAAAAAAAAAAAAAAAAAAFAAAADwAAAAAAAAAAAAAAAAAAAkUAAAAAQAAABQAAAAUAAAAFAAAAAEAAAAAAAAAZAAAAGQAAAAAAAAAZAAAAGQAAAAVAAAAYAAAAAAAAAAAAAAADwAAACADAAAAAAAAAAAAAAEAAACgMgAAVgcAAKr4//8BAAAAf39/AAEAAABkAAAAAAAAABQAAABAHwAAAAAAACYAAAAAAAAAwOD//wAAAAAmAAAAZAAAABYAAABMAAAAAAAAAAAAAAAEAAAAAAAAAAEAAABZWVkKAAAAACgAAAAoAAAAZAAAAGQAAAAAAAAAzMzMAAAAAABQAAAAUAAAAGQAAABkAAAAAAAAABcAAAAUAAAAAAAAAEQBAAD/fwAA/38AAAAAAAAJAAAABAAAAAAAAAAeAAAAaAAAAAAAAAAAAAAAAAAAAAAAAAAAAAAAECcAABAnAAAAAAAAAAAAAAAAAAAAAAAAAAAAAAAAAAAAAAAAAAAAABQAAAAAAAAAwMD/AAAAAABkAAAAMgAAAAAAAABkAAAAAAAAAH9/fwAKAAAAIgAAABgAAAAAAAAAAAAAAAAAAAAAAAAAAAAAAAAAAAAkAAAAJAAAAAAAAAAHAAAAAAAAAAAAAAAAAAAAAAAAAAAAAAAAAAAAf39/ACUAAABYAAAAAAAAAAAAAAAAAAAAAAAAAAAAAAAAAAAAAAAAAAAAAAAAAAAAAAAAAAAAAAA/AAAAAAAAAKCGAQAAAAAAAAAAAAAAAAAMAAAAAQAAAAAAAAAAAAAAAAAAAB8AAABUAAAAQoX0Bf///wEAAAAAAAAAAAAAAAAAAAAAAAAAAAAAAAAAAAAAAAAAAAAAAAJ/f38AWVlZA8zMzADAwP8Af39/AAAAAAAAAAAAAAAAAAAAAAAAAAAAIQAAABgAAAAUAAAA9CMAADQSAAB0NwAAFBQAABAgAAAmAAAACAAAAP//////////"/>
               </a:ext>
             </a:extLst>
           </p:cNvSpPr>
@@ -16989,7 +16989,7 @@
             <a:picLocks noChangeAspect="1"/>
             <a:extLst>
               <a:ext uri="smNativeData">
-                <pr:smNativeData xmlns:pr="smNativeData" xmlns="smNativeData" val="SMDATA_17_t6npZxMAAAAlAAAAEQAAAC8BAAAAkAAAAEgAAACQAAAASAAAAAAAAAAAAAAAAAAAAAEAAABQAAAAAAAAAAAA4D8AAAAAAADgPwAAAAAAAOA/AAAAAAAA4D8AAAAAAADgPwAAAAAAAOA/AAAAAAAA4D8AAAAAAADgPwAAAAAAAOA/AAAAAAAA4D8CAAAAjAAAAAAAAAAAAAAAQoX0DP///wgAAAAAAAAAAAAAAAAAAAAAAAAAAAAAAAAAAAAAZAAAAAEAAABAAAAAAAAAAAAAAAAAAAAAAAAAAAAAAAAAAAAAAAAAAAAAAAAAAAAAAAAAAAAAAAAAAAAAAAAAAAAAAAAAAAAAAAAAAAAAAAAAAAAAAAAAAAAAAAAAAAAAFAAAADwAAAAAAAAAAAAAAAAAAAkUAAAAAQAAABQAAAAUAAAAFAAAAAEAAAAAAAAAZAAAAGQAAAAAAAAAZAAAAGQAAAAVAAAAYAAAAAAAAAAAAAAADwAAACADAAAAAAAAAAAAAAEAAACgMgAAVgcAAKr4//8BAAAAf39/AAEAAABkAAAAAAAAABQAAABAHwAAAAAAACYAAAAAAAAAwOD//wAAAAAmAAAAZAAAABYAAABMAAAAAAAAAAAAAAAEAAAAAAAAAAEAAABZWVkKAAAAACgAAAAoAAAAZAAAAGQAAAAAAAAAzMzMAAAAAABQAAAAUAAAAGQAAABkAAAAAAAAAAcAAAA4AAAAAAAAAAAAAAAAAAAA////AAAAAAAAAAAAAAAAAAAAAAAAAAAAAAAAAAAAAABkAAAAZAAAAAAAAAAjAAAABAAAAGQAAAAXAAAAFAAAAAAAAAAAAAAA/38AAP9/AAAAAAAACQAAAAQAAAAAAAAAHgAAAGgAAAAAAAAAAAAAAAAAAAAAAAAAAAAAABAnAAAQJwAAAAAAAAAAAAAAAAAAAAAAAAAAAAAAAAAAAAAAAAAAAAAUAAAAAAAAAMDA/wAAAAAAZAAAADIAAAAAAAAAZAAAAAAAAAB/f38ACgAAACIAAAAYAAAAAAAAAAAAAAAAAAAAAAAAAAAAAAAAAAAAJAAAACQAAAAAAAAABwAAAAAAAAAAAAAAAAAAAAAAAAAAAAAAAAAAAH9/fwAlAAAAWAAAAAAAAAAAAAAAAAAAAAAAAAAAAAAAAAAAAAAAAAAAAAAAAAAAAAAAAAAAAAAAPwAAAAAAAACghgEAAAAAAAAAAAAAAAAADAAAAAEAAAAAAAAAAAAAAAAAAAAfAAAAVAAAAEKF9AX///8BAAAAAAAAAAAAAAAAAAAAAAAAAAAAAAAAAAAAAAAAAAAAAAACf39/AFlZWQPMzMwAwMD/AH9/fwAAAAAAAAAAAAAAAAD///8AAAAAACEAAAAYAAAAFAAAAO8jAAA8CAAAYjYAABQSAAAQAAAAJgAAAAgAAAD//////////w=="/>
+                <pr:smNativeData xmlns:pr="smNativeData" xmlns="smNativeData" val="SMDATA_17_f8v4ZxMAAAAlAAAAEQAAAC8BAAAAkAAAAEgAAACQAAAASAAAAAAAAAAAAAAAAAAAAAEAAABQAAAAAAAAAAAA4D8AAAAAAADgPwAAAAAAAOA/AAAAAAAA4D8AAAAAAADgPwAAAAAAAOA/AAAAAAAA4D8AAAAAAADgPwAAAAAAAOA/AAAAAAAA4D8CAAAAjAAAAAAAAAAAAAAAQoX0DP///wgAAAAAAAAAAAAAAAAAAAAAAAAAAAAAAAAAAAAAZAAAAAEAAABAAAAAAAAAAAAAAAAAAAAAAAAAAAAAAAAAAAAAAAAAAAAAAAAAAAAAAAAAAAAAAAAAAAAAAAAAAAAAAAAAAAAAAAAAAAAAAAAAAAAAAAAAAAAAAAAAAAAAFAAAADwAAAAAAAAAAAAAAAAAAAkUAAAAAQAAABQAAAAUAAAAFAAAAAEAAAAAAAAAZAAAAGQAAAAAAAAAZAAAAGQAAAAVAAAAYAAAAAAAAAAAAAAADwAAACADAAAAAAAAAAAAAAEAAACgMgAAVgcAAKr4//8BAAAAf39/AAEAAABkAAAAAAAAABQAAABAHwAAAAAAACYAAAAAAAAAwOD//wAAAAAmAAAAZAAAABYAAABMAAAAAAAAAAAAAAAEAAAAAAAAAAEAAABZWVkKAAAAACgAAAAoAAAAZAAAAGQAAAAAAAAAzMzMAAAAAABQAAAAUAAAAGQAAABkAAAAAAAAAAcAAAA4AAAAAAAAAAAAAAAAAAAA////AAAAAAAAAAAAAAAAAAAAAAAAAAAAAAAAAAAAAABkAAAAZAAAAAAAAAAjAAAABAAAAGQAAAAXAAAAFAAAAAAAAAAAAAAA/38AAP9/AAAAAAAACQAAAAQAAAAAAAAAHgAAAGgAAAAAAAAAAAAAAAAAAAAAAAAAAAAAABAnAAAQJwAAAAAAAAAAAAAAAAAAAAAAAAAAAAAAAAAAAAAAAAAAAAAUAAAAAAAAAMDA/wAAAAAAZAAAADIAAAAAAAAAZAAAAAAAAAB/f38ACgAAACIAAAAYAAAAAAAAAAAAAAAAAAAAAAAAAAAAAAAAAAAAJAAAACQAAAAAAAAABwAAAAAAAAAAAAAAAAAAAAAAAAAAAAAAAAAAAH9/fwAlAAAAWAAAAAAAAAAAAAAAAAAAAAAAAAAAAAAAAAAAAAAAAAAAAAAAAAAAAAAAAAAAAAAAPwAAAAAAAACghgEAAAAAAAAAAAAAAAAADAAAAAEAAAAAAAAAAAAAAAAAAAAfAAAAVAAAAEKF9AX///8BAAAAAAAAAAAAAAAAAAAAAAAAAAAAAAAAAAAAAAAAAAAAAAACf39/AFlZWQPMzMwAwMD/AH9/fwAAAAAAAAAAAAAAAAD///8AAAAAACEAAAAYAAAAFAAAAO8jAAA8CAAAYjYAABQSAAAQAAAAJgAAAAgAAAD//////////w=="/>
               </a:ext>
             </a:extLst>
           </p:cNvPicPr>
@@ -17023,7 +17023,7 @@
             <a:picLocks noChangeAspect="1"/>
             <a:extLst>
               <a:ext uri="smNativeData">
-                <pr:smNativeData xmlns:pr="smNativeData" xmlns="smNativeData" val="SMDATA_17_t6npZxMAAAAlAAAAEQAAAC8BAAAAkAAAAEgAAACQAAAASAAAAAAAAAAAAAAAAAAAAAEAAABQAAAAAAAAAAAA4D8AAAAAAADgPwAAAAAAAOA/AAAAAAAA4D8AAAAAAADgPwAAAAAAAOA/AAAAAAAA4D8AAAAAAADgPwAAAAAAAOA/AAAAAAAA4D8CAAAAjAAAAAAAAAAAAAAAQoX0DP///wgAAAAAAAAAAAAAAAAAAAAAAAAAAAAAAAAAAAAAZAAAAAEAAABAAAAAAAAAAAAAAAAAAAAAAAAAAAAAAAAAAAAAAAAAAAAAAAAAAAAAAAAAAAAAAAAAAAAAAAAAAAAAAAAAAAAAAAAAAAAAAAAAAAAAAAAAAAAAAAAAAAAAFAAAADwAAAAAAAAAAAAAAAAAAAkUAAAAAQAAABQAAAAUAAAAFAAAAAEAAAAAAAAAZAAAAGQAAAAAAAAAZAAAAGQAAAAVAAAAYAAAAAAAAAAAAAAADwAAACADAAAAAAAAAAAAAAEAAACgMgAAVgcAAKr4//8BAAAAf39/AAEAAABkAAAAAAAAABQAAABAHwAAAAAAACYAAAAAAAAAwOD//wAAAAAmAAAAZAAAABYAAABMAAAAAAAAAAAAAAAEAAAAAAAAAAEAAABZWVkKAAAAACgAAAAoAAAAZAAAAGQAAAAAAAAAzMzMAAAAAABQAAAAUAAAAGQAAABkAAAAAAAAAAcAAAA4AAAAAAAAAAAAAAAAAAAA////AAAAAAAAAAAAAAAAAAAAAAAAAAAAAAAAAAAAAABkAAAAZAAAAAAAAAAjAAAABAAAAGQAAAAXAAAAFAAAAAAAAAAAAAAA/38AAP9/AAAAAAAACQAAAAQAAAAAAAAAHgAAAGgAAAAAAAAAAAAAAAAAAAAAAAAAAAAAABAnAAAQJwAAAAAAAAAAAAAAAAAAAAAAAAAAAAAAAAAAAAAAAAAAAAAUAAAAAAAAAMDA/wAAAAAAZAAAADIAAAAAAAAAZAAAAAAAAAB/f38ACgAAACIAAAAYAAAAAAAAAAAAAAAAAAAAAAAAAAAAAAAAAAAAJAAAACQAAAAAAAAABwAAAAAAAAAAAAAAAAAAAAAAAAAAAAAAAAAAAH9/fwAlAAAAWAAAAAAAAAAAAAAAAAAAAAAAAAAAAAAAAAAAAAAAAAAAAAAAAAAAAAAAAAAAAAAAPwAAAAAAAACghgEAAAAAAAAAAAAAAAAADAAAAAEAAAAAAAAAAAAAAAAAAAAfAAAAVAAAAEKF9AX///8BAAAAAAAAAAAAAAAAAAAAAAAAAAAAAAAAAAAAAAAAAAAAAAACf39/AFlZWQPMzMwAwMD/AH9/fwAAAAAAAAAAAAAAAAD///8AAAAAACEAAAAYAAAAFAAAAPQjAABYFAAAhDYAADIeAAAQAAAAJgAAAAgAAAD//////////w=="/>
+                <pr:smNativeData xmlns:pr="smNativeData" xmlns="smNativeData" val="SMDATA_17_f8v4ZxMAAAAlAAAAEQAAAC8BAAAAkAAAAEgAAACQAAAASAAAAAAAAAAAAAAAAAAAAAEAAABQAAAAAAAAAAAA4D8AAAAAAADgPwAAAAAAAOA/AAAAAAAA4D8AAAAAAADgPwAAAAAAAOA/AAAAAAAA4D8AAAAAAADgPwAAAAAAAOA/AAAAAAAA4D8CAAAAjAAAAAAAAAAAAAAAQoX0DP///wgAAAAAAAAAAAAAAAAAAAAAAAAAAAAAAAAAAAAAZAAAAAEAAABAAAAAAAAAAAAAAAAAAAAAAAAAAAAAAAAAAAAAAAAAAAAAAAAAAAAAAAAAAAAAAAAAAAAAAAAAAAAAAAAAAAAAAAAAAAAAAAAAAAAAAAAAAAAAAAAAAAAAFAAAADwAAAAAAAAAAAAAAAAAAAkUAAAAAQAAABQAAAAUAAAAFAAAAAEAAAAAAAAAZAAAAGQAAAAAAAAAZAAAAGQAAAAVAAAAYAAAAAAAAAAAAAAADwAAACADAAAAAAAAAAAAAAEAAACgMgAAVgcAAKr4//8BAAAAf39/AAEAAABkAAAAAAAAABQAAABAHwAAAAAAACYAAAAAAAAAwOD//wAAAAAmAAAAZAAAABYAAABMAAAAAAAAAAAAAAAEAAAAAAAAAAEAAABZWVkKAAAAACgAAAAoAAAAZAAAAGQAAAAAAAAAzMzMAAAAAABQAAAAUAAAAGQAAABkAAAAAAAAAAcAAAA4AAAAAAAAAAAAAAAAAAAA////AAAAAAAAAAAAAAAAAAAAAAAAAAAAAAAAAAAAAABkAAAAZAAAAAAAAAAjAAAABAAAAGQAAAAXAAAAFAAAAAAAAAAAAAAA/38AAP9/AAAAAAAACQAAAAQAAAAAAAAAHgAAAGgAAAAAAAAAAAAAAAAAAAAAAAAAAAAAABAnAAAQJwAAAAAAAAAAAAAAAAAAAAAAAAAAAAAAAAAAAAAAAAAAAAAUAAAAAAAAAMDA/wAAAAAAZAAAADIAAAAAAAAAZAAAAAAAAAB/f38ACgAAACIAAAAYAAAAAAAAAAAAAAAAAAAAAAAAAAAAAAAAAAAAJAAAACQAAAAAAAAABwAAAAAAAAAAAAAAAAAAAAAAAAAAAAAAAAAAAH9/fwAlAAAAWAAAAAAAAAAAAAAAAAAAAAAAAAAAAAAAAAAAAAAAAAAAAAAAAAAAAAAAAAAAAAAAPwAAAAAAAACghgEAAAAAAAAAAAAAAAAADAAAAAEAAAAAAAAAAAAAAAAAAAAfAAAAVAAAAEKF9AX///8BAAAAAAAAAAAAAAAAAAAAAAAAAAAAAAAAAAAAAAAAAAAAAAACf39/AFlZWQPMzMwAwMD/AH9/fwAAAAAAAAAAAAAAAAD///8AAAAAACEAAAAYAAAAFAAAAPQjAABYFAAAhDYAADIeAAAQAAAAJgAAAAgAAAD//////////w=="/>
               </a:ext>
             </a:extLst>
           </p:cNvPicPr>
@@ -17359,6 +17359,47 @@
     </a:extraClrScheme>
     <a:extraClrScheme>
       <a:clrScheme name="Presentation 2">
+        <a:dk1>
+          <a:srgbClr val="000000"/>
+        </a:dk1>
+        <a:lt1>
+          <a:srgbClr val="FFFFFF"/>
+        </a:lt1>
+        <a:dk2>
+          <a:srgbClr val="EEEEEE"/>
+        </a:dk2>
+        <a:lt2>
+          <a:srgbClr val="595959"/>
+        </a:lt2>
+        <a:accent1>
+          <a:srgbClr val="4285F4"/>
+        </a:accent1>
+        <a:accent2>
+          <a:srgbClr val="212121"/>
+        </a:accent2>
+        <a:accent3>
+          <a:srgbClr val="78909C"/>
+        </a:accent3>
+        <a:accent4>
+          <a:srgbClr val="FFAB40"/>
+        </a:accent4>
+        <a:accent5>
+          <a:srgbClr val="0097A7"/>
+        </a:accent5>
+        <a:accent6>
+          <a:srgbClr val="EEFF41"/>
+        </a:accent6>
+        <a:hlink>
+          <a:srgbClr val="0097A7"/>
+        </a:hlink>
+        <a:folHlink>
+          <a:srgbClr val="0097A7"/>
+        </a:folHlink>
+      </a:clrScheme>
+      <a:clrMap bg1="lt1" tx1="dk1" bg2="lt2" tx2="dk2" accent1="accent1" accent2="accent2" accent3="accent3" accent4="accent4" accent5="accent5" accent6="accent6" hlink="hlink" folHlink="folHlink"/>
+    </a:extraClrScheme>
+    <a:extraClrScheme>
+      <a:clrScheme name="Presentation 3">
         <a:dk1>
           <a:srgbClr val="000000"/>
         </a:dk1>
@@ -17735,6 +17776,47 @@
       </a:clrScheme>
       <a:clrMap bg1="lt1" tx1="dk1" bg2="lt2" tx2="dk2" accent1="accent1" accent2="accent2" accent3="accent3" accent4="accent4" accent5="accent5" accent6="accent6" hlink="hlink" folHlink="folHlink"/>
     </a:extraClrScheme>
+    <a:extraClrScheme>
+      <a:clrScheme name="Presentation 3">
+        <a:dk1>
+          <a:srgbClr val="000000"/>
+        </a:dk1>
+        <a:lt1>
+          <a:srgbClr val="FFFFFF"/>
+        </a:lt1>
+        <a:dk2>
+          <a:srgbClr val="F3F3F3"/>
+        </a:dk2>
+        <a:lt2>
+          <a:srgbClr val="158158"/>
+        </a:lt2>
+        <a:accent1>
+          <a:srgbClr val="058DC7"/>
+        </a:accent1>
+        <a:accent2>
+          <a:srgbClr val="50B432"/>
+        </a:accent2>
+        <a:accent3>
+          <a:srgbClr val="ED561B"/>
+        </a:accent3>
+        <a:accent4>
+          <a:srgbClr val="EDEF00"/>
+        </a:accent4>
+        <a:accent5>
+          <a:srgbClr val="24CBE5"/>
+        </a:accent5>
+        <a:accent6>
+          <a:srgbClr val="64E572"/>
+        </a:accent6>
+        <a:hlink>
+          <a:srgbClr val="2200CC"/>
+        </a:hlink>
+        <a:folHlink>
+          <a:srgbClr val="551A8B"/>
+        </a:folHlink>
+      </a:clrScheme>
+      <a:clrMap bg1="lt1" tx1="dk1" bg2="lt2" tx2="dk2" accent1="accent1" accent2="accent2" accent3="accent3" accent4="accent4" accent5="accent5" accent6="accent6" hlink="hlink" folHlink="folHlink"/>
+    </a:extraClrScheme>
   </a:extraClrSchemeLst>
 </a:theme>
 </file>
@@ -18072,6 +18154,47 @@
       </a:clrScheme>
       <a:clrMap bg1="lt1" tx1="dk1" bg2="lt2" tx2="dk2" accent1="accent1" accent2="accent2" accent3="accent3" accent4="accent4" accent5="accent5" accent6="accent6" hlink="hlink" folHlink="folHlink"/>
     </a:extraClrScheme>
+    <a:extraClrScheme>
+      <a:clrScheme name="Presentation 3">
+        <a:dk1>
+          <a:srgbClr val="000000"/>
+        </a:dk1>
+        <a:lt1>
+          <a:srgbClr val="FFFFFF"/>
+        </a:lt1>
+        <a:dk2>
+          <a:srgbClr val="EEEEEE"/>
+        </a:dk2>
+        <a:lt2>
+          <a:srgbClr val="595959"/>
+        </a:lt2>
+        <a:accent1>
+          <a:srgbClr val="4285F4"/>
+        </a:accent1>
+        <a:accent2>
+          <a:srgbClr val="212121"/>
+        </a:accent2>
+        <a:accent3>
+          <a:srgbClr val="78909C"/>
+        </a:accent3>
+        <a:accent4>
+          <a:srgbClr val="FFAB40"/>
+        </a:accent4>
+        <a:accent5>
+          <a:srgbClr val="0097A7"/>
+        </a:accent5>
+        <a:accent6>
+          <a:srgbClr val="EEFF41"/>
+        </a:accent6>
+        <a:hlink>
+          <a:srgbClr val="0097A7"/>
+        </a:hlink>
+        <a:folHlink>
+          <a:srgbClr val="0097A7"/>
+        </a:folHlink>
+      </a:clrScheme>
+      <a:clrMap bg1="lt1" tx1="dk1" bg2="lt2" tx2="dk2" accent1="accent1" accent2="accent2" accent3="accent3" accent4="accent4" accent5="accent5" accent6="accent6" hlink="hlink" folHlink="folHlink"/>
+    </a:extraClrScheme>
   </a:extraClrSchemeLst>
 </a:theme>
 </file>